--- a/Ppt.pptx
+++ b/Ppt.pptx
@@ -5,10 +5,12 @@
     <p:sldMasterId id="2147483648" r:id="rId1"/>
   </p:sldMasterIdLst>
   <p:sldIdLst>
-    <p:sldId id="258" r:id="rId2"/>
-    <p:sldId id="257" r:id="rId3"/>
+    <p:sldId id="257" r:id="rId2"/>
+    <p:sldId id="260" r:id="rId3"/>
     <p:sldId id="256" r:id="rId4"/>
-    <p:sldId id="259" r:id="rId5"/>
+    <p:sldId id="261" r:id="rId5"/>
+    <p:sldId id="262" r:id="rId6"/>
+    <p:sldId id="263" r:id="rId7"/>
   </p:sldIdLst>
   <p:sldSz cx="9144000" cy="6858000" type="screen4x3"/>
   <p:notesSz cx="6858000" cy="9144000"/>
@@ -107,6 +109,22 @@
       </a:defRPr>
     </a:lvl9pPr>
   </p:defaultTextStyle>
+  <p:extLst>
+    <p:ext uri="{EFAFB233-063F-42B5-8137-9DF3F51BA10A}">
+      <p15:sldGuideLst xmlns:p15="http://schemas.microsoft.com/office/powerpoint/2012/main">
+        <p15:guide id="1" orient="horz" pos="2160">
+          <p15:clr>
+            <a:srgbClr val="A4A3A4"/>
+          </p15:clr>
+        </p15:guide>
+        <p15:guide id="2" pos="2880">
+          <p15:clr>
+            <a:srgbClr val="A4A3A4"/>
+          </p15:clr>
+        </p15:guide>
+      </p15:sldGuideLst>
+    </p:ext>
+  </p:extLst>
 </p:presentation>
 </file>
 
@@ -1605,6 +1623,753 @@
 </file>
 
 <file path=ppt/diagrams/colors3.xml><?xml version="1.0" encoding="utf-8"?>
+<dgm:colorsDef xmlns:dgm="http://schemas.openxmlformats.org/drawingml/2006/diagram" xmlns:a="http://schemas.openxmlformats.org/drawingml/2006/main" uniqueId="urn:microsoft.com/office/officeart/2005/8/colors/accent1_2">
+  <dgm:title val=""/>
+  <dgm:desc val=""/>
+  <dgm:catLst>
+    <dgm:cat type="accent1" pri="11200"/>
+  </dgm:catLst>
+  <dgm:styleLbl name="node0">
+    <dgm:fillClrLst meth="repeat">
+      <a:schemeClr val="accent1"/>
+    </dgm:fillClrLst>
+    <dgm:linClrLst meth="repeat">
+      <a:schemeClr val="lt1"/>
+    </dgm:linClrLst>
+    <dgm:effectClrLst/>
+    <dgm:txLinClrLst/>
+    <dgm:txFillClrLst/>
+    <dgm:txEffectClrLst/>
+  </dgm:styleLbl>
+  <dgm:styleLbl name="alignNode1">
+    <dgm:fillClrLst meth="repeat">
+      <a:schemeClr val="accent1"/>
+    </dgm:fillClrLst>
+    <dgm:linClrLst meth="repeat">
+      <a:schemeClr val="accent1"/>
+    </dgm:linClrLst>
+    <dgm:effectClrLst/>
+    <dgm:txLinClrLst/>
+    <dgm:txFillClrLst/>
+    <dgm:txEffectClrLst/>
+  </dgm:styleLbl>
+  <dgm:styleLbl name="node1">
+    <dgm:fillClrLst meth="repeat">
+      <a:schemeClr val="accent1"/>
+    </dgm:fillClrLst>
+    <dgm:linClrLst meth="repeat">
+      <a:schemeClr val="lt1"/>
+    </dgm:linClrLst>
+    <dgm:effectClrLst/>
+    <dgm:txLinClrLst/>
+    <dgm:txFillClrLst/>
+    <dgm:txEffectClrLst/>
+  </dgm:styleLbl>
+  <dgm:styleLbl name="lnNode1">
+    <dgm:fillClrLst meth="repeat">
+      <a:schemeClr val="accent1"/>
+    </dgm:fillClrLst>
+    <dgm:linClrLst meth="repeat">
+      <a:schemeClr val="lt1"/>
+    </dgm:linClrLst>
+    <dgm:effectClrLst/>
+    <dgm:txLinClrLst/>
+    <dgm:txFillClrLst/>
+    <dgm:txEffectClrLst/>
+  </dgm:styleLbl>
+  <dgm:styleLbl name="vennNode1">
+    <dgm:fillClrLst meth="repeat">
+      <a:schemeClr val="accent1">
+        <a:alpha val="50000"/>
+      </a:schemeClr>
+    </dgm:fillClrLst>
+    <dgm:linClrLst meth="repeat">
+      <a:schemeClr val="lt1"/>
+    </dgm:linClrLst>
+    <dgm:effectClrLst/>
+    <dgm:txLinClrLst/>
+    <dgm:txFillClrLst/>
+    <dgm:txEffectClrLst/>
+  </dgm:styleLbl>
+  <dgm:styleLbl name="node2">
+    <dgm:fillClrLst meth="repeat">
+      <a:schemeClr val="accent1"/>
+    </dgm:fillClrLst>
+    <dgm:linClrLst meth="repeat">
+      <a:schemeClr val="lt1"/>
+    </dgm:linClrLst>
+    <dgm:effectClrLst/>
+    <dgm:txLinClrLst/>
+    <dgm:txFillClrLst/>
+    <dgm:txEffectClrLst/>
+  </dgm:styleLbl>
+  <dgm:styleLbl name="node3">
+    <dgm:fillClrLst meth="repeat">
+      <a:schemeClr val="accent1"/>
+    </dgm:fillClrLst>
+    <dgm:linClrLst meth="repeat">
+      <a:schemeClr val="lt1"/>
+    </dgm:linClrLst>
+    <dgm:effectClrLst/>
+    <dgm:txLinClrLst/>
+    <dgm:txFillClrLst/>
+    <dgm:txEffectClrLst/>
+  </dgm:styleLbl>
+  <dgm:styleLbl name="node4">
+    <dgm:fillClrLst meth="repeat">
+      <a:schemeClr val="accent1"/>
+    </dgm:fillClrLst>
+    <dgm:linClrLst meth="repeat">
+      <a:schemeClr val="lt1"/>
+    </dgm:linClrLst>
+    <dgm:effectClrLst/>
+    <dgm:txLinClrLst/>
+    <dgm:txFillClrLst/>
+    <dgm:txEffectClrLst/>
+  </dgm:styleLbl>
+  <dgm:styleLbl name="fgImgPlace1">
+    <dgm:fillClrLst meth="repeat">
+      <a:schemeClr val="accent1">
+        <a:tint val="50000"/>
+      </a:schemeClr>
+    </dgm:fillClrLst>
+    <dgm:linClrLst meth="repeat">
+      <a:schemeClr val="lt1"/>
+    </dgm:linClrLst>
+    <dgm:effectClrLst/>
+    <dgm:txLinClrLst/>
+    <dgm:txFillClrLst meth="repeat">
+      <a:schemeClr val="lt1"/>
+    </dgm:txFillClrLst>
+    <dgm:txEffectClrLst/>
+  </dgm:styleLbl>
+  <dgm:styleLbl name="alignImgPlace1">
+    <dgm:fillClrLst meth="repeat">
+      <a:schemeClr val="accent1">
+        <a:tint val="50000"/>
+      </a:schemeClr>
+    </dgm:fillClrLst>
+    <dgm:linClrLst meth="repeat">
+      <a:schemeClr val="lt1"/>
+    </dgm:linClrLst>
+    <dgm:effectClrLst/>
+    <dgm:txLinClrLst/>
+    <dgm:txFillClrLst meth="repeat">
+      <a:schemeClr val="lt1"/>
+    </dgm:txFillClrLst>
+    <dgm:txEffectClrLst/>
+  </dgm:styleLbl>
+  <dgm:styleLbl name="bgImgPlace1">
+    <dgm:fillClrLst meth="repeat">
+      <a:schemeClr val="accent1">
+        <a:tint val="50000"/>
+      </a:schemeClr>
+    </dgm:fillClrLst>
+    <dgm:linClrLst meth="repeat">
+      <a:schemeClr val="lt1"/>
+    </dgm:linClrLst>
+    <dgm:effectClrLst/>
+    <dgm:txLinClrLst/>
+    <dgm:txFillClrLst meth="repeat">
+      <a:schemeClr val="lt1"/>
+    </dgm:txFillClrLst>
+    <dgm:txEffectClrLst/>
+  </dgm:styleLbl>
+  <dgm:styleLbl name="sibTrans2D1">
+    <dgm:fillClrLst meth="repeat">
+      <a:schemeClr val="accent1">
+        <a:tint val="60000"/>
+      </a:schemeClr>
+    </dgm:fillClrLst>
+    <dgm:linClrLst meth="repeat">
+      <a:schemeClr val="accent1">
+        <a:tint val="60000"/>
+      </a:schemeClr>
+    </dgm:linClrLst>
+    <dgm:effectClrLst/>
+    <dgm:txLinClrLst/>
+    <dgm:txFillClrLst/>
+    <dgm:txEffectClrLst/>
+  </dgm:styleLbl>
+  <dgm:styleLbl name="fgSibTrans2D1">
+    <dgm:fillClrLst meth="repeat">
+      <a:schemeClr val="accent1">
+        <a:tint val="60000"/>
+      </a:schemeClr>
+    </dgm:fillClrLst>
+    <dgm:linClrLst meth="repeat">
+      <a:schemeClr val="accent1">
+        <a:tint val="60000"/>
+      </a:schemeClr>
+    </dgm:linClrLst>
+    <dgm:effectClrLst/>
+    <dgm:txLinClrLst/>
+    <dgm:txFillClrLst/>
+    <dgm:txEffectClrLst/>
+  </dgm:styleLbl>
+  <dgm:styleLbl name="bgSibTrans2D1">
+    <dgm:fillClrLst meth="repeat">
+      <a:schemeClr val="accent1">
+        <a:tint val="60000"/>
+      </a:schemeClr>
+    </dgm:fillClrLst>
+    <dgm:linClrLst meth="repeat">
+      <a:schemeClr val="accent1">
+        <a:tint val="60000"/>
+      </a:schemeClr>
+    </dgm:linClrLst>
+    <dgm:effectClrLst/>
+    <dgm:txLinClrLst/>
+    <dgm:txFillClrLst/>
+    <dgm:txEffectClrLst/>
+  </dgm:styleLbl>
+  <dgm:styleLbl name="sibTrans1D1">
+    <dgm:fillClrLst meth="repeat">
+      <a:schemeClr val="accent1"/>
+    </dgm:fillClrLst>
+    <dgm:linClrLst meth="repeat">
+      <a:schemeClr val="accent1"/>
+    </dgm:linClrLst>
+    <dgm:effectClrLst/>
+    <dgm:txLinClrLst/>
+    <dgm:txFillClrLst meth="repeat">
+      <a:schemeClr val="tx1"/>
+    </dgm:txFillClrLst>
+    <dgm:txEffectClrLst/>
+  </dgm:styleLbl>
+  <dgm:styleLbl name="callout">
+    <dgm:fillClrLst meth="repeat">
+      <a:schemeClr val="accent1"/>
+    </dgm:fillClrLst>
+    <dgm:linClrLst meth="repeat">
+      <a:schemeClr val="accent1">
+        <a:tint val="50000"/>
+      </a:schemeClr>
+    </dgm:linClrLst>
+    <dgm:effectClrLst/>
+    <dgm:txLinClrLst/>
+    <dgm:txFillClrLst meth="repeat">
+      <a:schemeClr val="tx1"/>
+    </dgm:txFillClrLst>
+    <dgm:txEffectClrLst/>
+  </dgm:styleLbl>
+  <dgm:styleLbl name="asst0">
+    <dgm:fillClrLst meth="repeat">
+      <a:schemeClr val="accent1"/>
+    </dgm:fillClrLst>
+    <dgm:linClrLst meth="repeat">
+      <a:schemeClr val="lt1"/>
+    </dgm:linClrLst>
+    <dgm:effectClrLst/>
+    <dgm:txLinClrLst/>
+    <dgm:txFillClrLst/>
+    <dgm:txEffectClrLst/>
+  </dgm:styleLbl>
+  <dgm:styleLbl name="asst1">
+    <dgm:fillClrLst meth="repeat">
+      <a:schemeClr val="accent1"/>
+    </dgm:fillClrLst>
+    <dgm:linClrLst meth="repeat">
+      <a:schemeClr val="lt1"/>
+    </dgm:linClrLst>
+    <dgm:effectClrLst/>
+    <dgm:txLinClrLst/>
+    <dgm:txFillClrLst/>
+    <dgm:txEffectClrLst/>
+  </dgm:styleLbl>
+  <dgm:styleLbl name="asst2">
+    <dgm:fillClrLst meth="repeat">
+      <a:schemeClr val="accent1"/>
+    </dgm:fillClrLst>
+    <dgm:linClrLst meth="repeat">
+      <a:schemeClr val="lt1"/>
+    </dgm:linClrLst>
+    <dgm:effectClrLst/>
+    <dgm:txLinClrLst/>
+    <dgm:txFillClrLst/>
+    <dgm:txEffectClrLst/>
+  </dgm:styleLbl>
+  <dgm:styleLbl name="asst3">
+    <dgm:fillClrLst meth="repeat">
+      <a:schemeClr val="accent1"/>
+    </dgm:fillClrLst>
+    <dgm:linClrLst meth="repeat">
+      <a:schemeClr val="lt1"/>
+    </dgm:linClrLst>
+    <dgm:effectClrLst/>
+    <dgm:txLinClrLst/>
+    <dgm:txFillClrLst/>
+    <dgm:txEffectClrLst/>
+  </dgm:styleLbl>
+  <dgm:styleLbl name="asst4">
+    <dgm:fillClrLst meth="repeat">
+      <a:schemeClr val="accent1"/>
+    </dgm:fillClrLst>
+    <dgm:linClrLst meth="repeat">
+      <a:schemeClr val="lt1"/>
+    </dgm:linClrLst>
+    <dgm:effectClrLst/>
+    <dgm:txLinClrLst/>
+    <dgm:txFillClrLst/>
+    <dgm:txEffectClrLst/>
+  </dgm:styleLbl>
+  <dgm:styleLbl name="parChTrans2D1">
+    <dgm:fillClrLst meth="repeat">
+      <a:schemeClr val="accent1">
+        <a:tint val="60000"/>
+      </a:schemeClr>
+    </dgm:fillClrLst>
+    <dgm:linClrLst meth="repeat">
+      <a:schemeClr val="accent1">
+        <a:tint val="60000"/>
+      </a:schemeClr>
+    </dgm:linClrLst>
+    <dgm:effectClrLst/>
+    <dgm:txLinClrLst/>
+    <dgm:txFillClrLst meth="repeat">
+      <a:schemeClr val="lt1"/>
+    </dgm:txFillClrLst>
+    <dgm:txEffectClrLst/>
+  </dgm:styleLbl>
+  <dgm:styleLbl name="parChTrans2D2">
+    <dgm:fillClrLst meth="repeat">
+      <a:schemeClr val="accent1"/>
+    </dgm:fillClrLst>
+    <dgm:linClrLst meth="repeat">
+      <a:schemeClr val="accent1"/>
+    </dgm:linClrLst>
+    <dgm:effectClrLst/>
+    <dgm:txLinClrLst/>
+    <dgm:txFillClrLst meth="repeat">
+      <a:schemeClr val="lt1"/>
+    </dgm:txFillClrLst>
+    <dgm:txEffectClrLst/>
+  </dgm:styleLbl>
+  <dgm:styleLbl name="parChTrans2D3">
+    <dgm:fillClrLst meth="repeat">
+      <a:schemeClr val="accent1"/>
+    </dgm:fillClrLst>
+    <dgm:linClrLst meth="repeat">
+      <a:schemeClr val="accent1"/>
+    </dgm:linClrLst>
+    <dgm:effectClrLst/>
+    <dgm:txLinClrLst/>
+    <dgm:txFillClrLst meth="repeat">
+      <a:schemeClr val="lt1"/>
+    </dgm:txFillClrLst>
+    <dgm:txEffectClrLst/>
+  </dgm:styleLbl>
+  <dgm:styleLbl name="parChTrans2D4">
+    <dgm:fillClrLst meth="repeat">
+      <a:schemeClr val="accent1"/>
+    </dgm:fillClrLst>
+    <dgm:linClrLst meth="repeat">
+      <a:schemeClr val="accent1"/>
+    </dgm:linClrLst>
+    <dgm:effectClrLst/>
+    <dgm:txLinClrLst/>
+    <dgm:txFillClrLst meth="repeat">
+      <a:schemeClr val="lt1"/>
+    </dgm:txFillClrLst>
+    <dgm:txEffectClrLst/>
+  </dgm:styleLbl>
+  <dgm:styleLbl name="parChTrans1D1">
+    <dgm:fillClrLst meth="repeat">
+      <a:schemeClr val="accent1"/>
+    </dgm:fillClrLst>
+    <dgm:linClrLst meth="repeat">
+      <a:schemeClr val="accent1">
+        <a:shade val="60000"/>
+      </a:schemeClr>
+    </dgm:linClrLst>
+    <dgm:effectClrLst/>
+    <dgm:txLinClrLst/>
+    <dgm:txFillClrLst meth="repeat">
+      <a:schemeClr val="tx1"/>
+    </dgm:txFillClrLst>
+    <dgm:txEffectClrLst/>
+  </dgm:styleLbl>
+  <dgm:styleLbl name="parChTrans1D2">
+    <dgm:fillClrLst meth="repeat">
+      <a:schemeClr val="accent1"/>
+    </dgm:fillClrLst>
+    <dgm:linClrLst meth="repeat">
+      <a:schemeClr val="accent1">
+        <a:shade val="60000"/>
+      </a:schemeClr>
+    </dgm:linClrLst>
+    <dgm:effectClrLst/>
+    <dgm:txLinClrLst/>
+    <dgm:txFillClrLst meth="repeat">
+      <a:schemeClr val="tx1"/>
+    </dgm:txFillClrLst>
+    <dgm:txEffectClrLst/>
+  </dgm:styleLbl>
+  <dgm:styleLbl name="parChTrans1D3">
+    <dgm:fillClrLst meth="repeat">
+      <a:schemeClr val="accent1"/>
+    </dgm:fillClrLst>
+    <dgm:linClrLst meth="repeat">
+      <a:schemeClr val="accent1">
+        <a:shade val="80000"/>
+      </a:schemeClr>
+    </dgm:linClrLst>
+    <dgm:effectClrLst/>
+    <dgm:txLinClrLst/>
+    <dgm:txFillClrLst meth="repeat">
+      <a:schemeClr val="tx1"/>
+    </dgm:txFillClrLst>
+    <dgm:txEffectClrLst/>
+  </dgm:styleLbl>
+  <dgm:styleLbl name="parChTrans1D4">
+    <dgm:fillClrLst meth="repeat">
+      <a:schemeClr val="accent1"/>
+    </dgm:fillClrLst>
+    <dgm:linClrLst meth="repeat">
+      <a:schemeClr val="accent1">
+        <a:shade val="80000"/>
+      </a:schemeClr>
+    </dgm:linClrLst>
+    <dgm:effectClrLst/>
+    <dgm:txLinClrLst/>
+    <dgm:txFillClrLst meth="repeat">
+      <a:schemeClr val="tx1"/>
+    </dgm:txFillClrLst>
+    <dgm:txEffectClrLst/>
+  </dgm:styleLbl>
+  <dgm:styleLbl name="fgAcc1">
+    <dgm:fillClrLst meth="repeat">
+      <a:schemeClr val="lt1">
+        <a:alpha val="90000"/>
+      </a:schemeClr>
+    </dgm:fillClrLst>
+    <dgm:linClrLst meth="repeat">
+      <a:schemeClr val="accent1"/>
+    </dgm:linClrLst>
+    <dgm:effectClrLst/>
+    <dgm:txLinClrLst/>
+    <dgm:txFillClrLst meth="repeat">
+      <a:schemeClr val="dk1"/>
+    </dgm:txFillClrLst>
+    <dgm:txEffectClrLst/>
+  </dgm:styleLbl>
+  <dgm:styleLbl name="conFgAcc1">
+    <dgm:fillClrLst meth="repeat">
+      <a:schemeClr val="lt1">
+        <a:alpha val="90000"/>
+      </a:schemeClr>
+    </dgm:fillClrLst>
+    <dgm:linClrLst meth="repeat">
+      <a:schemeClr val="accent1"/>
+    </dgm:linClrLst>
+    <dgm:effectClrLst/>
+    <dgm:txLinClrLst/>
+    <dgm:txFillClrLst meth="repeat">
+      <a:schemeClr val="dk1"/>
+    </dgm:txFillClrLst>
+    <dgm:txEffectClrLst/>
+  </dgm:styleLbl>
+  <dgm:styleLbl name="alignAcc1">
+    <dgm:fillClrLst meth="repeat">
+      <a:schemeClr val="lt1">
+        <a:alpha val="90000"/>
+      </a:schemeClr>
+    </dgm:fillClrLst>
+    <dgm:linClrLst meth="repeat">
+      <a:schemeClr val="accent1"/>
+    </dgm:linClrLst>
+    <dgm:effectClrLst/>
+    <dgm:txLinClrLst/>
+    <dgm:txFillClrLst meth="repeat">
+      <a:schemeClr val="dk1"/>
+    </dgm:txFillClrLst>
+    <dgm:txEffectClrLst/>
+  </dgm:styleLbl>
+  <dgm:styleLbl name="trAlignAcc1">
+    <dgm:fillClrLst meth="repeat">
+      <a:schemeClr val="lt1">
+        <a:alpha val="40000"/>
+      </a:schemeClr>
+    </dgm:fillClrLst>
+    <dgm:linClrLst meth="repeat">
+      <a:schemeClr val="accent1"/>
+    </dgm:linClrLst>
+    <dgm:effectClrLst/>
+    <dgm:txLinClrLst/>
+    <dgm:txFillClrLst meth="repeat">
+      <a:schemeClr val="dk1"/>
+    </dgm:txFillClrLst>
+    <dgm:txEffectClrLst/>
+  </dgm:styleLbl>
+  <dgm:styleLbl name="bgAcc1">
+    <dgm:fillClrLst meth="repeat">
+      <a:schemeClr val="lt1">
+        <a:alpha val="90000"/>
+      </a:schemeClr>
+    </dgm:fillClrLst>
+    <dgm:linClrLst meth="repeat">
+      <a:schemeClr val="accent1"/>
+    </dgm:linClrLst>
+    <dgm:effectClrLst/>
+    <dgm:txLinClrLst/>
+    <dgm:txFillClrLst meth="repeat">
+      <a:schemeClr val="dk1"/>
+    </dgm:txFillClrLst>
+    <dgm:txEffectClrLst/>
+  </dgm:styleLbl>
+  <dgm:styleLbl name="solidFgAcc1">
+    <dgm:fillClrLst meth="repeat">
+      <a:schemeClr val="lt1"/>
+    </dgm:fillClrLst>
+    <dgm:linClrLst meth="repeat">
+      <a:schemeClr val="accent1"/>
+    </dgm:linClrLst>
+    <dgm:effectClrLst/>
+    <dgm:txLinClrLst/>
+    <dgm:txFillClrLst meth="repeat">
+      <a:schemeClr val="dk1"/>
+    </dgm:txFillClrLst>
+    <dgm:txEffectClrLst/>
+  </dgm:styleLbl>
+  <dgm:styleLbl name="solidAlignAcc1">
+    <dgm:fillClrLst meth="repeat">
+      <a:schemeClr val="lt1"/>
+    </dgm:fillClrLst>
+    <dgm:linClrLst meth="repeat">
+      <a:schemeClr val="accent1"/>
+    </dgm:linClrLst>
+    <dgm:effectClrLst/>
+    <dgm:txLinClrLst/>
+    <dgm:txFillClrLst meth="repeat">
+      <a:schemeClr val="dk1"/>
+    </dgm:txFillClrLst>
+    <dgm:txEffectClrLst/>
+  </dgm:styleLbl>
+  <dgm:styleLbl name="solidBgAcc1">
+    <dgm:fillClrLst meth="repeat">
+      <a:schemeClr val="lt1"/>
+    </dgm:fillClrLst>
+    <dgm:linClrLst meth="repeat">
+      <a:schemeClr val="accent1"/>
+    </dgm:linClrLst>
+    <dgm:effectClrLst/>
+    <dgm:txLinClrLst/>
+    <dgm:txFillClrLst meth="repeat">
+      <a:schemeClr val="dk1"/>
+    </dgm:txFillClrLst>
+    <dgm:txEffectClrLst/>
+  </dgm:styleLbl>
+  <dgm:styleLbl name="fgAccFollowNode1">
+    <dgm:fillClrLst meth="repeat">
+      <a:schemeClr val="accent1">
+        <a:alpha val="90000"/>
+        <a:tint val="40000"/>
+      </a:schemeClr>
+    </dgm:fillClrLst>
+    <dgm:linClrLst meth="repeat">
+      <a:schemeClr val="accent1">
+        <a:alpha val="90000"/>
+        <a:tint val="40000"/>
+      </a:schemeClr>
+    </dgm:linClrLst>
+    <dgm:effectClrLst/>
+    <dgm:txLinClrLst/>
+    <dgm:txFillClrLst meth="repeat">
+      <a:schemeClr val="dk1"/>
+    </dgm:txFillClrLst>
+    <dgm:txEffectClrLst/>
+  </dgm:styleLbl>
+  <dgm:styleLbl name="alignAccFollowNode1">
+    <dgm:fillClrLst meth="repeat">
+      <a:schemeClr val="accent1">
+        <a:alpha val="90000"/>
+        <a:tint val="40000"/>
+      </a:schemeClr>
+    </dgm:fillClrLst>
+    <dgm:linClrLst meth="repeat">
+      <a:schemeClr val="accent1">
+        <a:alpha val="90000"/>
+        <a:tint val="40000"/>
+      </a:schemeClr>
+    </dgm:linClrLst>
+    <dgm:effectClrLst/>
+    <dgm:txLinClrLst/>
+    <dgm:txFillClrLst meth="repeat">
+      <a:schemeClr val="dk1"/>
+    </dgm:txFillClrLst>
+    <dgm:txEffectClrLst/>
+  </dgm:styleLbl>
+  <dgm:styleLbl name="bgAccFollowNode1">
+    <dgm:fillClrLst meth="repeat">
+      <a:schemeClr val="accent1">
+        <a:alpha val="90000"/>
+        <a:tint val="40000"/>
+      </a:schemeClr>
+    </dgm:fillClrLst>
+    <dgm:linClrLst meth="repeat">
+      <a:schemeClr val="accent1">
+        <a:alpha val="90000"/>
+        <a:tint val="40000"/>
+      </a:schemeClr>
+    </dgm:linClrLst>
+    <dgm:effectClrLst/>
+    <dgm:txLinClrLst/>
+    <dgm:txFillClrLst meth="repeat">
+      <a:schemeClr val="dk1"/>
+    </dgm:txFillClrLst>
+    <dgm:txEffectClrLst/>
+  </dgm:styleLbl>
+  <dgm:styleLbl name="fgAcc0">
+    <dgm:fillClrLst meth="repeat">
+      <a:schemeClr val="lt1">
+        <a:alpha val="90000"/>
+      </a:schemeClr>
+    </dgm:fillClrLst>
+    <dgm:linClrLst meth="repeat">
+      <a:schemeClr val="accent1"/>
+    </dgm:linClrLst>
+    <dgm:effectClrLst/>
+    <dgm:txLinClrLst/>
+    <dgm:txFillClrLst meth="repeat">
+      <a:schemeClr val="dk1"/>
+    </dgm:txFillClrLst>
+    <dgm:txEffectClrLst/>
+  </dgm:styleLbl>
+  <dgm:styleLbl name="fgAcc2">
+    <dgm:fillClrLst meth="repeat">
+      <a:schemeClr val="lt1">
+        <a:alpha val="90000"/>
+      </a:schemeClr>
+    </dgm:fillClrLst>
+    <dgm:linClrLst meth="repeat">
+      <a:schemeClr val="accent1"/>
+    </dgm:linClrLst>
+    <dgm:effectClrLst/>
+    <dgm:txLinClrLst/>
+    <dgm:txFillClrLst meth="repeat">
+      <a:schemeClr val="dk1"/>
+    </dgm:txFillClrLst>
+    <dgm:txEffectClrLst/>
+  </dgm:styleLbl>
+  <dgm:styleLbl name="fgAcc3">
+    <dgm:fillClrLst meth="repeat">
+      <a:schemeClr val="lt1">
+        <a:alpha val="90000"/>
+      </a:schemeClr>
+    </dgm:fillClrLst>
+    <dgm:linClrLst meth="repeat">
+      <a:schemeClr val="accent1"/>
+    </dgm:linClrLst>
+    <dgm:effectClrLst/>
+    <dgm:txLinClrLst/>
+    <dgm:txFillClrLst meth="repeat">
+      <a:schemeClr val="dk1"/>
+    </dgm:txFillClrLst>
+    <dgm:txEffectClrLst/>
+  </dgm:styleLbl>
+  <dgm:styleLbl name="fgAcc4">
+    <dgm:fillClrLst meth="repeat">
+      <a:schemeClr val="lt1">
+        <a:alpha val="90000"/>
+      </a:schemeClr>
+    </dgm:fillClrLst>
+    <dgm:linClrLst meth="repeat">
+      <a:schemeClr val="accent1"/>
+    </dgm:linClrLst>
+    <dgm:effectClrLst/>
+    <dgm:txLinClrLst/>
+    <dgm:txFillClrLst meth="repeat">
+      <a:schemeClr val="dk1"/>
+    </dgm:txFillClrLst>
+    <dgm:txEffectClrLst/>
+  </dgm:styleLbl>
+  <dgm:styleLbl name="bgShp">
+    <dgm:fillClrLst meth="repeat">
+      <a:schemeClr val="accent1">
+        <a:tint val="40000"/>
+      </a:schemeClr>
+    </dgm:fillClrLst>
+    <dgm:linClrLst meth="repeat">
+      <a:schemeClr val="accent1"/>
+    </dgm:linClrLst>
+    <dgm:effectClrLst/>
+    <dgm:txLinClrLst/>
+    <dgm:txFillClrLst meth="repeat">
+      <a:schemeClr val="dk1"/>
+    </dgm:txFillClrLst>
+    <dgm:txEffectClrLst/>
+  </dgm:styleLbl>
+  <dgm:styleLbl name="dkBgShp">
+    <dgm:fillClrLst meth="repeat">
+      <a:schemeClr val="accent1">
+        <a:shade val="80000"/>
+      </a:schemeClr>
+    </dgm:fillClrLst>
+    <dgm:linClrLst meth="repeat">
+      <a:schemeClr val="accent1"/>
+    </dgm:linClrLst>
+    <dgm:effectClrLst/>
+    <dgm:txLinClrLst/>
+    <dgm:txFillClrLst meth="repeat">
+      <a:schemeClr val="lt1"/>
+    </dgm:txFillClrLst>
+    <dgm:txEffectClrLst/>
+  </dgm:styleLbl>
+  <dgm:styleLbl name="trBgShp">
+    <dgm:fillClrLst meth="repeat">
+      <a:schemeClr val="accent1">
+        <a:tint val="50000"/>
+        <a:alpha val="40000"/>
+      </a:schemeClr>
+    </dgm:fillClrLst>
+    <dgm:linClrLst meth="repeat">
+      <a:schemeClr val="accent1"/>
+    </dgm:linClrLst>
+    <dgm:effectClrLst/>
+    <dgm:txLinClrLst/>
+    <dgm:txFillClrLst meth="repeat">
+      <a:schemeClr val="lt1"/>
+    </dgm:txFillClrLst>
+    <dgm:txEffectClrLst/>
+  </dgm:styleLbl>
+  <dgm:styleLbl name="fgShp">
+    <dgm:fillClrLst meth="repeat">
+      <a:schemeClr val="accent1">
+        <a:tint val="60000"/>
+      </a:schemeClr>
+    </dgm:fillClrLst>
+    <dgm:linClrLst meth="repeat">
+      <a:schemeClr val="lt1"/>
+    </dgm:linClrLst>
+    <dgm:effectClrLst/>
+    <dgm:txLinClrLst/>
+    <dgm:txFillClrLst meth="repeat">
+      <a:schemeClr val="dk1"/>
+    </dgm:txFillClrLst>
+    <dgm:txEffectClrLst/>
+  </dgm:styleLbl>
+  <dgm:styleLbl name="revTx">
+    <dgm:fillClrLst meth="repeat">
+      <a:schemeClr val="lt1">
+        <a:alpha val="0"/>
+      </a:schemeClr>
+    </dgm:fillClrLst>
+    <dgm:linClrLst meth="repeat">
+      <a:schemeClr val="dk1">
+        <a:alpha val="0"/>
+      </a:schemeClr>
+    </dgm:linClrLst>
+    <dgm:effectClrLst/>
+    <dgm:txLinClrLst/>
+    <dgm:txFillClrLst meth="repeat">
+      <a:schemeClr val="tx1"/>
+    </dgm:txFillClrLst>
+    <dgm:txEffectClrLst/>
+  </dgm:styleLbl>
+</dgm:colorsDef>
+</file>
+
+<file path=ppt/diagrams/colors4.xml><?xml version="1.0" encoding="utf-8"?>
 <dgm:colorsDef xmlns:dgm="http://schemas.openxmlformats.org/drawingml/2006/diagram" xmlns:a="http://schemas.openxmlformats.org/drawingml/2006/main" uniqueId="urn:microsoft.com/office/officeart/2005/8/colors/accent1_2">
   <dgm:title val=""/>
   <dgm:desc val=""/>
@@ -2596,6 +3361,13 @@
         </dgm:presLayoutVars>
       </dgm:prSet>
       <dgm:spPr/>
+      <dgm:t>
+        <a:bodyPr/>
+        <a:lstStyle/>
+        <a:p>
+          <a:endParaRPr lang="pt-BR"/>
+        </a:p>
+      </dgm:t>
     </dgm:pt>
     <dgm:pt modelId="{06B10205-F688-43EC-A19E-F304E4EA2036}" type="pres">
       <dgm:prSet presAssocID="{3550A1A8-035B-4FD7-8DE5-851E66C45138}" presName="root1" presStyleCnt="0"/>
@@ -2623,10 +3395,24 @@
     <dgm:pt modelId="{631D30B7-3CE4-4384-B757-AE4E559A4AF4}" type="pres">
       <dgm:prSet presAssocID="{0BEB3FFC-0823-4ABE-A98B-3805DFD4A907}" presName="conn2-1" presStyleLbl="parChTrans1D2" presStyleIdx="0" presStyleCnt="1"/>
       <dgm:spPr/>
+      <dgm:t>
+        <a:bodyPr/>
+        <a:lstStyle/>
+        <a:p>
+          <a:endParaRPr lang="pt-BR"/>
+        </a:p>
+      </dgm:t>
     </dgm:pt>
     <dgm:pt modelId="{26F15C63-2EA8-4978-8C3A-F8ACC5C46C99}" type="pres">
       <dgm:prSet presAssocID="{0BEB3FFC-0823-4ABE-A98B-3805DFD4A907}" presName="connTx" presStyleLbl="parChTrans1D2" presStyleIdx="0" presStyleCnt="1"/>
       <dgm:spPr/>
+      <dgm:t>
+        <a:bodyPr/>
+        <a:lstStyle/>
+        <a:p>
+          <a:endParaRPr lang="pt-BR"/>
+        </a:p>
+      </dgm:t>
     </dgm:pt>
     <dgm:pt modelId="{317F2D14-F812-4C87-9B63-1CE2C6D2BB05}" type="pres">
       <dgm:prSet presAssocID="{FF3171E7-94E3-4B14-86E9-F090B6A44528}" presName="root2" presStyleCnt="0"/>
@@ -2654,10 +3440,24 @@
     <dgm:pt modelId="{A20F3C8C-E339-442F-BFB1-AED22D284D12}" type="pres">
       <dgm:prSet presAssocID="{13B0EFB1-F2E0-4197-B193-0C172E5A72D2}" presName="conn2-1" presStyleLbl="parChTrans1D3" presStyleIdx="0" presStyleCnt="1"/>
       <dgm:spPr/>
+      <dgm:t>
+        <a:bodyPr/>
+        <a:lstStyle/>
+        <a:p>
+          <a:endParaRPr lang="pt-BR"/>
+        </a:p>
+      </dgm:t>
     </dgm:pt>
     <dgm:pt modelId="{73A5C523-173E-4689-B4B9-9FA66CA52E93}" type="pres">
       <dgm:prSet presAssocID="{13B0EFB1-F2E0-4197-B193-0C172E5A72D2}" presName="connTx" presStyleLbl="parChTrans1D3" presStyleIdx="0" presStyleCnt="1"/>
       <dgm:spPr/>
+      <dgm:t>
+        <a:bodyPr/>
+        <a:lstStyle/>
+        <a:p>
+          <a:endParaRPr lang="pt-BR"/>
+        </a:p>
+      </dgm:t>
     </dgm:pt>
     <dgm:pt modelId="{1962BDB2-E45A-4BDE-B22C-432EB18631B2}" type="pres">
       <dgm:prSet presAssocID="{5E76C9D0-2F43-4501-8EA4-0216205B4D3A}" presName="root2" presStyleCnt="0"/>
@@ -2685,10 +3485,24 @@
     <dgm:pt modelId="{E319C12E-2397-406F-B6D4-2E69B6FC580F}" type="pres">
       <dgm:prSet presAssocID="{D883DA68-49A1-42F0-8ABF-8B3D44C9B648}" presName="conn2-1" presStyleLbl="parChTrans1D4" presStyleIdx="0" presStyleCnt="2"/>
       <dgm:spPr/>
+      <dgm:t>
+        <a:bodyPr/>
+        <a:lstStyle/>
+        <a:p>
+          <a:endParaRPr lang="pt-BR"/>
+        </a:p>
+      </dgm:t>
     </dgm:pt>
     <dgm:pt modelId="{C098B0DD-864F-4B96-9B18-5913998545ED}" type="pres">
       <dgm:prSet presAssocID="{D883DA68-49A1-42F0-8ABF-8B3D44C9B648}" presName="connTx" presStyleLbl="parChTrans1D4" presStyleIdx="0" presStyleCnt="2"/>
       <dgm:spPr/>
+      <dgm:t>
+        <a:bodyPr/>
+        <a:lstStyle/>
+        <a:p>
+          <a:endParaRPr lang="pt-BR"/>
+        </a:p>
+      </dgm:t>
     </dgm:pt>
     <dgm:pt modelId="{24E3FB95-EDB8-47FE-A69A-0DF1E353E090}" type="pres">
       <dgm:prSet presAssocID="{403266A9-EAD8-4BAD-A8FD-BE8D6D4845DE}" presName="root2" presStyleCnt="0"/>
@@ -2716,10 +3530,24 @@
     <dgm:pt modelId="{83E4D291-21C1-4460-8991-5B7B46FF9CA8}" type="pres">
       <dgm:prSet presAssocID="{D751B9EF-B50D-4220-A2E3-EC8AD05F0DEF}" presName="conn2-1" presStyleLbl="parChTrans1D4" presStyleIdx="1" presStyleCnt="2"/>
       <dgm:spPr/>
+      <dgm:t>
+        <a:bodyPr/>
+        <a:lstStyle/>
+        <a:p>
+          <a:endParaRPr lang="pt-BR"/>
+        </a:p>
+      </dgm:t>
     </dgm:pt>
     <dgm:pt modelId="{59EC8FB2-7A54-404C-B4F6-E5BB7192615C}" type="pres">
       <dgm:prSet presAssocID="{D751B9EF-B50D-4220-A2E3-EC8AD05F0DEF}" presName="connTx" presStyleLbl="parChTrans1D4" presStyleIdx="1" presStyleCnt="2"/>
       <dgm:spPr/>
+      <dgm:t>
+        <a:bodyPr/>
+        <a:lstStyle/>
+        <a:p>
+          <a:endParaRPr lang="pt-BR"/>
+        </a:p>
+      </dgm:t>
     </dgm:pt>
     <dgm:pt modelId="{9D86A758-41CB-47C6-81BF-3388B4B34055}" type="pres">
       <dgm:prSet presAssocID="{95B8FBE7-44C2-4500-84EE-E30DE1DBD443}" presName="root2" presStyleCnt="0"/>
@@ -2746,25 +3574,25 @@
     </dgm:pt>
   </dgm:ptLst>
   <dgm:cxnLst>
+    <dgm:cxn modelId="{FC2CBF74-9D4F-46BB-91D4-80DFD8A6596B}" srcId="{FF3171E7-94E3-4B14-86E9-F090B6A44528}" destId="{5E76C9D0-2F43-4501-8EA4-0216205B4D3A}" srcOrd="0" destOrd="0" parTransId="{13B0EFB1-F2E0-4197-B193-0C172E5A72D2}" sibTransId="{0AFF9202-8EA7-4406-B9DB-3A57CB2892A6}"/>
+    <dgm:cxn modelId="{FB61F878-EAC3-4B76-9CA5-7391A6A59641}" type="presOf" srcId="{0BEB3FFC-0823-4ABE-A98B-3805DFD4A907}" destId="{26F15C63-2EA8-4978-8C3A-F8ACC5C46C99}" srcOrd="1" destOrd="0" presId="urn:microsoft.com/office/officeart/2005/8/layout/hierarchy2"/>
+    <dgm:cxn modelId="{13205607-0F4A-4511-9ECD-1952CB041E9E}" type="presOf" srcId="{3550A1A8-035B-4FD7-8DE5-851E66C45138}" destId="{5AA8F53C-4E57-4D1F-93E5-A1FBFDF5E9BB}" srcOrd="0" destOrd="0" presId="urn:microsoft.com/office/officeart/2005/8/layout/hierarchy2"/>
+    <dgm:cxn modelId="{8D6BB5C9-62B6-404A-8079-44687E408F86}" type="presOf" srcId="{13B0EFB1-F2E0-4197-B193-0C172E5A72D2}" destId="{A20F3C8C-E339-442F-BFB1-AED22D284D12}" srcOrd="0" destOrd="0" presId="urn:microsoft.com/office/officeart/2005/8/layout/hierarchy2"/>
+    <dgm:cxn modelId="{6CA96574-596B-4AD5-833A-E28B2628D3B4}" type="presOf" srcId="{0BEB3FFC-0823-4ABE-A98B-3805DFD4A907}" destId="{631D30B7-3CE4-4384-B757-AE4E559A4AF4}" srcOrd="0" destOrd="0" presId="urn:microsoft.com/office/officeart/2005/8/layout/hierarchy2"/>
+    <dgm:cxn modelId="{A6F2BFBE-1D66-4F3F-B34D-D4AFAEAC1147}" srcId="{A77DAB9C-4D16-4E0A-8978-B68DE9282A0C}" destId="{3550A1A8-035B-4FD7-8DE5-851E66C45138}" srcOrd="0" destOrd="0" parTransId="{13502EBA-D939-426F-8345-8C3C115CFC4B}" sibTransId="{9760CA11-3C83-41BF-8E7B-6FB77E6E22BD}"/>
+    <dgm:cxn modelId="{7C66382F-F0EC-4971-A456-0CAD858A2C64}" type="presOf" srcId="{403266A9-EAD8-4BAD-A8FD-BE8D6D4845DE}" destId="{55F096FD-EFF2-45B8-9081-EB515D3FD4FA}" srcOrd="0" destOrd="0" presId="urn:microsoft.com/office/officeart/2005/8/layout/hierarchy2"/>
+    <dgm:cxn modelId="{B528FDF3-1ECE-438A-8BCD-7CBCE7C4E437}" type="presOf" srcId="{D751B9EF-B50D-4220-A2E3-EC8AD05F0DEF}" destId="{59EC8FB2-7A54-404C-B4F6-E5BB7192615C}" srcOrd="1" destOrd="0" presId="urn:microsoft.com/office/officeart/2005/8/layout/hierarchy2"/>
     <dgm:cxn modelId="{AE215B6F-580A-411B-A9E4-44DA250C0367}" type="presOf" srcId="{95B8FBE7-44C2-4500-84EE-E30DE1DBD443}" destId="{AAEECF93-F96B-4557-8B7E-EB719FA6407A}" srcOrd="0" destOrd="0" presId="urn:microsoft.com/office/officeart/2005/8/layout/hierarchy2"/>
+    <dgm:cxn modelId="{7FD58E25-9BC9-46A2-B214-C8AAACB0A898}" srcId="{5E76C9D0-2F43-4501-8EA4-0216205B4D3A}" destId="{95B8FBE7-44C2-4500-84EE-E30DE1DBD443}" srcOrd="1" destOrd="0" parTransId="{D751B9EF-B50D-4220-A2E3-EC8AD05F0DEF}" sibTransId="{0DCC10FF-D5DE-4467-92BD-B1BFA214B955}"/>
+    <dgm:cxn modelId="{B5E6010A-6BCC-4DDB-AEFF-269EE0A8AA43}" type="presOf" srcId="{13B0EFB1-F2E0-4197-B193-0C172E5A72D2}" destId="{73A5C523-173E-4689-B4B9-9FA66CA52E93}" srcOrd="1" destOrd="0" presId="urn:microsoft.com/office/officeart/2005/8/layout/hierarchy2"/>
+    <dgm:cxn modelId="{C20235C7-6255-4D21-952F-EF337F7C5A0F}" srcId="{5E76C9D0-2F43-4501-8EA4-0216205B4D3A}" destId="{403266A9-EAD8-4BAD-A8FD-BE8D6D4845DE}" srcOrd="0" destOrd="0" parTransId="{D883DA68-49A1-42F0-8ABF-8B3D44C9B648}" sibTransId="{C5112E54-3C4E-4B91-97C4-3FEEC66C216F}"/>
+    <dgm:cxn modelId="{4F5729AE-EBEA-46A8-B8DF-BDD175FA66F3}" type="presOf" srcId="{5E76C9D0-2F43-4501-8EA4-0216205B4D3A}" destId="{F6BE6E96-4771-4198-B10E-7C2835266749}" srcOrd="0" destOrd="0" presId="urn:microsoft.com/office/officeart/2005/8/layout/hierarchy2"/>
     <dgm:cxn modelId="{1343EE99-2C68-4050-8EBE-4B28EE59BE21}" type="presOf" srcId="{D883DA68-49A1-42F0-8ABF-8B3D44C9B648}" destId="{C098B0DD-864F-4B96-9B18-5913998545ED}" srcOrd="1" destOrd="0" presId="urn:microsoft.com/office/officeart/2005/8/layout/hierarchy2"/>
-    <dgm:cxn modelId="{A6F2BFBE-1D66-4F3F-B34D-D4AFAEAC1147}" srcId="{A77DAB9C-4D16-4E0A-8978-B68DE9282A0C}" destId="{3550A1A8-035B-4FD7-8DE5-851E66C45138}" srcOrd="0" destOrd="0" parTransId="{13502EBA-D939-426F-8345-8C3C115CFC4B}" sibTransId="{9760CA11-3C83-41BF-8E7B-6FB77E6E22BD}"/>
-    <dgm:cxn modelId="{8D6BB5C9-62B6-404A-8079-44687E408F86}" type="presOf" srcId="{13B0EFB1-F2E0-4197-B193-0C172E5A72D2}" destId="{A20F3C8C-E339-442F-BFB1-AED22D284D12}" srcOrd="0" destOrd="0" presId="urn:microsoft.com/office/officeart/2005/8/layout/hierarchy2"/>
+    <dgm:cxn modelId="{304A3DA9-A32F-451A-A748-1F2135ADDD82}" srcId="{3550A1A8-035B-4FD7-8DE5-851E66C45138}" destId="{FF3171E7-94E3-4B14-86E9-F090B6A44528}" srcOrd="0" destOrd="0" parTransId="{0BEB3FFC-0823-4ABE-A98B-3805DFD4A907}" sibTransId="{285ADC6F-18F5-4DF5-B2E5-C2437F63CEF4}"/>
+    <dgm:cxn modelId="{10E0EF6A-BBF0-4C47-BE77-6B863965E0D6}" type="presOf" srcId="{D883DA68-49A1-42F0-8ABF-8B3D44C9B648}" destId="{E319C12E-2397-406F-B6D4-2E69B6FC580F}" srcOrd="0" destOrd="0" presId="urn:microsoft.com/office/officeart/2005/8/layout/hierarchy2"/>
+    <dgm:cxn modelId="{FAC6C5CF-0AF7-4C94-BCA4-B3E45BBCF2B9}" type="presOf" srcId="{FF3171E7-94E3-4B14-86E9-F090B6A44528}" destId="{4C7E21FC-83C3-4941-9AA4-103238D50E14}" srcOrd="0" destOrd="0" presId="urn:microsoft.com/office/officeart/2005/8/layout/hierarchy2"/>
+    <dgm:cxn modelId="{28D42273-3E5E-4570-BBA8-91AC3160DE58}" type="presOf" srcId="{A77DAB9C-4D16-4E0A-8978-B68DE9282A0C}" destId="{76071E02-A5C0-426F-8E21-878FAF07640C}" srcOrd="0" destOrd="0" presId="urn:microsoft.com/office/officeart/2005/8/layout/hierarchy2"/>
     <dgm:cxn modelId="{9958ECA4-15B3-48A6-BF16-DBA7C9238FDB}" type="presOf" srcId="{D751B9EF-B50D-4220-A2E3-EC8AD05F0DEF}" destId="{83E4D291-21C1-4460-8991-5B7B46FF9CA8}" srcOrd="0" destOrd="0" presId="urn:microsoft.com/office/officeart/2005/8/layout/hierarchy2"/>
-    <dgm:cxn modelId="{FB61F878-EAC3-4B76-9CA5-7391A6A59641}" type="presOf" srcId="{0BEB3FFC-0823-4ABE-A98B-3805DFD4A907}" destId="{26F15C63-2EA8-4978-8C3A-F8ACC5C46C99}" srcOrd="1" destOrd="0" presId="urn:microsoft.com/office/officeart/2005/8/layout/hierarchy2"/>
-    <dgm:cxn modelId="{7FD58E25-9BC9-46A2-B214-C8AAACB0A898}" srcId="{5E76C9D0-2F43-4501-8EA4-0216205B4D3A}" destId="{95B8FBE7-44C2-4500-84EE-E30DE1DBD443}" srcOrd="1" destOrd="0" parTransId="{D751B9EF-B50D-4220-A2E3-EC8AD05F0DEF}" sibTransId="{0DCC10FF-D5DE-4467-92BD-B1BFA214B955}"/>
-    <dgm:cxn modelId="{304A3DA9-A32F-451A-A748-1F2135ADDD82}" srcId="{3550A1A8-035B-4FD7-8DE5-851E66C45138}" destId="{FF3171E7-94E3-4B14-86E9-F090B6A44528}" srcOrd="0" destOrd="0" parTransId="{0BEB3FFC-0823-4ABE-A98B-3805DFD4A907}" sibTransId="{285ADC6F-18F5-4DF5-B2E5-C2437F63CEF4}"/>
-    <dgm:cxn modelId="{B528FDF3-1ECE-438A-8BCD-7CBCE7C4E437}" type="presOf" srcId="{D751B9EF-B50D-4220-A2E3-EC8AD05F0DEF}" destId="{59EC8FB2-7A54-404C-B4F6-E5BB7192615C}" srcOrd="1" destOrd="0" presId="urn:microsoft.com/office/officeart/2005/8/layout/hierarchy2"/>
-    <dgm:cxn modelId="{7C66382F-F0EC-4971-A456-0CAD858A2C64}" type="presOf" srcId="{403266A9-EAD8-4BAD-A8FD-BE8D6D4845DE}" destId="{55F096FD-EFF2-45B8-9081-EB515D3FD4FA}" srcOrd="0" destOrd="0" presId="urn:microsoft.com/office/officeart/2005/8/layout/hierarchy2"/>
-    <dgm:cxn modelId="{FC2CBF74-9D4F-46BB-91D4-80DFD8A6596B}" srcId="{FF3171E7-94E3-4B14-86E9-F090B6A44528}" destId="{5E76C9D0-2F43-4501-8EA4-0216205B4D3A}" srcOrd="0" destOrd="0" parTransId="{13B0EFB1-F2E0-4197-B193-0C172E5A72D2}" sibTransId="{0AFF9202-8EA7-4406-B9DB-3A57CB2892A6}"/>
-    <dgm:cxn modelId="{B5E6010A-6BCC-4DDB-AEFF-269EE0A8AA43}" type="presOf" srcId="{13B0EFB1-F2E0-4197-B193-0C172E5A72D2}" destId="{73A5C523-173E-4689-B4B9-9FA66CA52E93}" srcOrd="1" destOrd="0" presId="urn:microsoft.com/office/officeart/2005/8/layout/hierarchy2"/>
-    <dgm:cxn modelId="{10E0EF6A-BBF0-4C47-BE77-6B863965E0D6}" type="presOf" srcId="{D883DA68-49A1-42F0-8ABF-8B3D44C9B648}" destId="{E319C12E-2397-406F-B6D4-2E69B6FC580F}" srcOrd="0" destOrd="0" presId="urn:microsoft.com/office/officeart/2005/8/layout/hierarchy2"/>
-    <dgm:cxn modelId="{28D42273-3E5E-4570-BBA8-91AC3160DE58}" type="presOf" srcId="{A77DAB9C-4D16-4E0A-8978-B68DE9282A0C}" destId="{76071E02-A5C0-426F-8E21-878FAF07640C}" srcOrd="0" destOrd="0" presId="urn:microsoft.com/office/officeart/2005/8/layout/hierarchy2"/>
-    <dgm:cxn modelId="{13205607-0F4A-4511-9ECD-1952CB041E9E}" type="presOf" srcId="{3550A1A8-035B-4FD7-8DE5-851E66C45138}" destId="{5AA8F53C-4E57-4D1F-93E5-A1FBFDF5E9BB}" srcOrd="0" destOrd="0" presId="urn:microsoft.com/office/officeart/2005/8/layout/hierarchy2"/>
-    <dgm:cxn modelId="{4F5729AE-EBEA-46A8-B8DF-BDD175FA66F3}" type="presOf" srcId="{5E76C9D0-2F43-4501-8EA4-0216205B4D3A}" destId="{F6BE6E96-4771-4198-B10E-7C2835266749}" srcOrd="0" destOrd="0" presId="urn:microsoft.com/office/officeart/2005/8/layout/hierarchy2"/>
-    <dgm:cxn modelId="{FAC6C5CF-0AF7-4C94-BCA4-B3E45BBCF2B9}" type="presOf" srcId="{FF3171E7-94E3-4B14-86E9-F090B6A44528}" destId="{4C7E21FC-83C3-4941-9AA4-103238D50E14}" srcOrd="0" destOrd="0" presId="urn:microsoft.com/office/officeart/2005/8/layout/hierarchy2"/>
-    <dgm:cxn modelId="{6CA96574-596B-4AD5-833A-E28B2628D3B4}" type="presOf" srcId="{0BEB3FFC-0823-4ABE-A98B-3805DFD4A907}" destId="{631D30B7-3CE4-4384-B757-AE4E559A4AF4}" srcOrd="0" destOrd="0" presId="urn:microsoft.com/office/officeart/2005/8/layout/hierarchy2"/>
-    <dgm:cxn modelId="{C20235C7-6255-4D21-952F-EF337F7C5A0F}" srcId="{5E76C9D0-2F43-4501-8EA4-0216205B4D3A}" destId="{403266A9-EAD8-4BAD-A8FD-BE8D6D4845DE}" srcOrd="0" destOrd="0" parTransId="{D883DA68-49A1-42F0-8ABF-8B3D44C9B648}" sibTransId="{C5112E54-3C4E-4B91-97C4-3FEEC66C216F}"/>
     <dgm:cxn modelId="{890ECA97-45CF-4BFC-BB2A-F5986C2F7278}" type="presParOf" srcId="{76071E02-A5C0-426F-8E21-878FAF07640C}" destId="{06B10205-F688-43EC-A19E-F304E4EA2036}" srcOrd="0" destOrd="0" presId="urn:microsoft.com/office/officeart/2005/8/layout/hierarchy2"/>
     <dgm:cxn modelId="{99082456-1C00-4E23-8B20-26AC0CE639D9}" type="presParOf" srcId="{06B10205-F688-43EC-A19E-F304E4EA2036}" destId="{5AA8F53C-4E57-4D1F-93E5-A1FBFDF5E9BB}" srcOrd="0" destOrd="0" presId="urn:microsoft.com/office/officeart/2005/8/layout/hierarchy2"/>
     <dgm:cxn modelId="{158108E2-1E37-48D5-AE29-CCCF808BDCEA}" type="presParOf" srcId="{06B10205-F688-43EC-A19E-F304E4EA2036}" destId="{991182C4-27F6-416F-B3C7-D8B3EC1AF41A}" srcOrd="1" destOrd="0" presId="urn:microsoft.com/office/officeart/2005/8/layout/hierarchy2"/>
@@ -2802,6 +3630,726 @@
 <file path=ppt/diagrams/data2.xml><?xml version="1.0" encoding="utf-8"?>
 <dgm:dataModel xmlns:dgm="http://schemas.openxmlformats.org/drawingml/2006/diagram" xmlns:a="http://schemas.openxmlformats.org/drawingml/2006/main">
   <dgm:ptLst>
+    <dgm:pt modelId="{7B6A7276-923D-4C23-AD08-4D6A3A4843B7}" type="doc">
+      <dgm:prSet loTypeId="urn:microsoft.com/office/officeart/2005/8/layout/chevron1" loCatId="process" qsTypeId="urn:microsoft.com/office/officeart/2005/8/quickstyle/simple1" qsCatId="simple" csTypeId="urn:microsoft.com/office/officeart/2005/8/colors/accent1_2" csCatId="accent1" phldr="1"/>
+      <dgm:spPr/>
+    </dgm:pt>
+    <dgm:pt modelId="{8319936F-12E4-40CC-9D98-BB2C9A1F7DD9}">
+      <dgm:prSet phldrT="[Texto]"/>
+      <dgm:spPr>
+        <a:solidFill>
+          <a:srgbClr val="00B050"/>
+        </a:solidFill>
+      </dgm:spPr>
+      <dgm:t>
+        <a:bodyPr/>
+        <a:lstStyle/>
+        <a:p>
+          <a:r>
+            <a:rPr lang="pt-BR" dirty="0" smtClean="0"/>
+            <a:t>Alerta </a:t>
+          </a:r>
+          <a:endParaRPr lang="pt-BR" dirty="0"/>
+        </a:p>
+      </dgm:t>
+    </dgm:pt>
+    <dgm:pt modelId="{DCC91EF0-B368-4842-94DE-F652EB02AC17}" type="parTrans" cxnId="{4073E10B-7EA8-4A2D-A370-8B6024782CFE}">
+      <dgm:prSet/>
+      <dgm:spPr/>
+      <dgm:t>
+        <a:bodyPr/>
+        <a:lstStyle/>
+        <a:p>
+          <a:endParaRPr lang="pt-BR"/>
+        </a:p>
+      </dgm:t>
+    </dgm:pt>
+    <dgm:pt modelId="{7EFAB921-F110-445E-B3DC-861728DF2A13}" type="sibTrans" cxnId="{4073E10B-7EA8-4A2D-A370-8B6024782CFE}">
+      <dgm:prSet/>
+      <dgm:spPr/>
+      <dgm:t>
+        <a:bodyPr/>
+        <a:lstStyle/>
+        <a:p>
+          <a:endParaRPr lang="pt-BR"/>
+        </a:p>
+      </dgm:t>
+    </dgm:pt>
+    <dgm:pt modelId="{3680D3AC-4900-433B-8C9F-B842E26EFBA1}">
+      <dgm:prSet phldrT="[Texto]"/>
+      <dgm:spPr>
+        <a:solidFill>
+          <a:srgbClr val="00B050"/>
+        </a:solidFill>
+      </dgm:spPr>
+      <dgm:t>
+        <a:bodyPr/>
+        <a:lstStyle/>
+        <a:p>
+          <a:r>
+            <a:rPr lang="pt-BR" dirty="0" smtClean="0"/>
+            <a:t>Decisão </a:t>
+          </a:r>
+          <a:endParaRPr lang="pt-BR" dirty="0"/>
+        </a:p>
+      </dgm:t>
+    </dgm:pt>
+    <dgm:pt modelId="{54427F99-20AC-4AB9-AC52-24ABF3B46DD7}" type="parTrans" cxnId="{63C5525A-7EE7-48AF-AF5E-82CBBFB9312E}">
+      <dgm:prSet/>
+      <dgm:spPr/>
+      <dgm:t>
+        <a:bodyPr/>
+        <a:lstStyle/>
+        <a:p>
+          <a:endParaRPr lang="pt-BR"/>
+        </a:p>
+      </dgm:t>
+    </dgm:pt>
+    <dgm:pt modelId="{F6CC2973-75D4-4457-92DB-78BB29835737}" type="sibTrans" cxnId="{63C5525A-7EE7-48AF-AF5E-82CBBFB9312E}">
+      <dgm:prSet/>
+      <dgm:spPr/>
+      <dgm:t>
+        <a:bodyPr/>
+        <a:lstStyle/>
+        <a:p>
+          <a:endParaRPr lang="pt-BR"/>
+        </a:p>
+      </dgm:t>
+    </dgm:pt>
+    <dgm:pt modelId="{ED44329C-4693-451B-8B3C-7D3DE1D3BD42}">
+      <dgm:prSet phldrT="[Texto]"/>
+      <dgm:spPr>
+        <a:solidFill>
+          <a:schemeClr val="accent6">
+            <a:lumMod val="75000"/>
+          </a:schemeClr>
+        </a:solidFill>
+      </dgm:spPr>
+      <dgm:t>
+        <a:bodyPr/>
+        <a:lstStyle/>
+        <a:p>
+          <a:r>
+            <a:rPr lang="pt-BR" dirty="0" smtClean="0"/>
+            <a:t>Objetivo</a:t>
+          </a:r>
+          <a:endParaRPr lang="pt-BR" dirty="0"/>
+        </a:p>
+      </dgm:t>
+    </dgm:pt>
+    <dgm:pt modelId="{47B524C9-C115-444B-B7B5-CB8C7BF98B66}" type="parTrans" cxnId="{41EB5C25-0C2C-44F2-ADD8-FCB4FA30F3FA}">
+      <dgm:prSet/>
+      <dgm:spPr/>
+      <dgm:t>
+        <a:bodyPr/>
+        <a:lstStyle/>
+        <a:p>
+          <a:endParaRPr lang="pt-BR"/>
+        </a:p>
+      </dgm:t>
+    </dgm:pt>
+    <dgm:pt modelId="{649A4BF9-540B-4259-AE5C-1FF587BCA4E4}" type="sibTrans" cxnId="{41EB5C25-0C2C-44F2-ADD8-FCB4FA30F3FA}">
+      <dgm:prSet/>
+      <dgm:spPr/>
+      <dgm:t>
+        <a:bodyPr/>
+        <a:lstStyle/>
+        <a:p>
+          <a:endParaRPr lang="pt-BR"/>
+        </a:p>
+      </dgm:t>
+    </dgm:pt>
+    <dgm:pt modelId="{9CFF6ABE-FDBB-4276-B476-D565B3D57550}">
+      <dgm:prSet phldrT="[Texto]"/>
+      <dgm:spPr>
+        <a:solidFill>
+          <a:srgbClr val="00B050"/>
+        </a:solidFill>
+      </dgm:spPr>
+      <dgm:t>
+        <a:bodyPr/>
+        <a:lstStyle/>
+        <a:p>
+          <a:r>
+            <a:rPr lang="pt-BR" dirty="0" smtClean="0"/>
+            <a:t>Ação</a:t>
+          </a:r>
+          <a:endParaRPr lang="pt-BR" dirty="0"/>
+        </a:p>
+      </dgm:t>
+    </dgm:pt>
+    <dgm:pt modelId="{D80BAF60-F464-40AD-B393-6CD29EC70BAD}" type="parTrans" cxnId="{F804D2C2-ADBA-4BC0-B34C-05CAD378591F}">
+      <dgm:prSet/>
+      <dgm:spPr/>
+      <dgm:t>
+        <a:bodyPr/>
+        <a:lstStyle/>
+        <a:p>
+          <a:endParaRPr lang="pt-BR"/>
+        </a:p>
+      </dgm:t>
+    </dgm:pt>
+    <dgm:pt modelId="{D4EA74D7-BE63-491F-AA5E-FC7C77B17F3F}" type="sibTrans" cxnId="{F804D2C2-ADBA-4BC0-B34C-05CAD378591F}">
+      <dgm:prSet/>
+      <dgm:spPr/>
+      <dgm:t>
+        <a:bodyPr/>
+        <a:lstStyle/>
+        <a:p>
+          <a:endParaRPr lang="pt-BR"/>
+        </a:p>
+      </dgm:t>
+    </dgm:pt>
+    <dgm:pt modelId="{7B76D680-C68D-4294-9CC6-7B16C4907984}">
+      <dgm:prSet phldrT="[Texto]"/>
+      <dgm:spPr>
+        <a:solidFill>
+          <a:schemeClr val="accent6">
+            <a:lumMod val="75000"/>
+          </a:schemeClr>
+        </a:solidFill>
+      </dgm:spPr>
+      <dgm:t>
+        <a:bodyPr/>
+        <a:lstStyle/>
+        <a:p>
+          <a:r>
+            <a:rPr lang="pt-BR" dirty="0" smtClean="0"/>
+            <a:t>Configuração </a:t>
+          </a:r>
+          <a:endParaRPr lang="pt-BR" dirty="0"/>
+        </a:p>
+      </dgm:t>
+    </dgm:pt>
+    <dgm:pt modelId="{829396C7-B211-4607-AB03-B7E3A8945F2C}" type="parTrans" cxnId="{459AA863-C0AB-4A26-8BB1-9CC4D08A1D63}">
+      <dgm:prSet/>
+      <dgm:spPr/>
+      <dgm:t>
+        <a:bodyPr/>
+        <a:lstStyle/>
+        <a:p>
+          <a:endParaRPr lang="pt-BR"/>
+        </a:p>
+      </dgm:t>
+    </dgm:pt>
+    <dgm:pt modelId="{1F532852-9651-4B54-9A35-DC708B414DC1}" type="sibTrans" cxnId="{459AA863-C0AB-4A26-8BB1-9CC4D08A1D63}">
+      <dgm:prSet/>
+      <dgm:spPr/>
+      <dgm:t>
+        <a:bodyPr/>
+        <a:lstStyle/>
+        <a:p>
+          <a:endParaRPr lang="pt-BR"/>
+        </a:p>
+      </dgm:t>
+    </dgm:pt>
+    <dgm:pt modelId="{0FD63889-0ED5-496A-98B8-DFA042E705B9}" type="pres">
+      <dgm:prSet presAssocID="{7B6A7276-923D-4C23-AD08-4D6A3A4843B7}" presName="Name0" presStyleCnt="0">
+        <dgm:presLayoutVars>
+          <dgm:dir/>
+          <dgm:animLvl val="lvl"/>
+          <dgm:resizeHandles val="exact"/>
+        </dgm:presLayoutVars>
+      </dgm:prSet>
+      <dgm:spPr/>
+    </dgm:pt>
+    <dgm:pt modelId="{B2AE8354-10C9-4A4D-9813-CBC639505B78}" type="pres">
+      <dgm:prSet presAssocID="{8319936F-12E4-40CC-9D98-BB2C9A1F7DD9}" presName="parTxOnly" presStyleLbl="node1" presStyleIdx="0" presStyleCnt="5">
+        <dgm:presLayoutVars>
+          <dgm:chMax val="0"/>
+          <dgm:chPref val="0"/>
+          <dgm:bulletEnabled val="1"/>
+        </dgm:presLayoutVars>
+      </dgm:prSet>
+      <dgm:spPr/>
+      <dgm:t>
+        <a:bodyPr/>
+        <a:lstStyle/>
+        <a:p>
+          <a:endParaRPr lang="pt-BR"/>
+        </a:p>
+      </dgm:t>
+    </dgm:pt>
+    <dgm:pt modelId="{7B64EDB7-C2D1-444C-8DEC-45FEC0A0C8D9}" type="pres">
+      <dgm:prSet presAssocID="{7EFAB921-F110-445E-B3DC-861728DF2A13}" presName="parTxOnlySpace" presStyleCnt="0"/>
+      <dgm:spPr/>
+    </dgm:pt>
+    <dgm:pt modelId="{0E54B96F-FCDA-4811-9652-44BD62A0423B}" type="pres">
+      <dgm:prSet presAssocID="{3680D3AC-4900-433B-8C9F-B842E26EFBA1}" presName="parTxOnly" presStyleLbl="node1" presStyleIdx="1" presStyleCnt="5">
+        <dgm:presLayoutVars>
+          <dgm:chMax val="0"/>
+          <dgm:chPref val="0"/>
+          <dgm:bulletEnabled val="1"/>
+        </dgm:presLayoutVars>
+      </dgm:prSet>
+      <dgm:spPr/>
+      <dgm:t>
+        <a:bodyPr/>
+        <a:lstStyle/>
+        <a:p>
+          <a:endParaRPr lang="pt-BR"/>
+        </a:p>
+      </dgm:t>
+    </dgm:pt>
+    <dgm:pt modelId="{C2089D65-75A6-4DEB-8F47-E7EE501B0735}" type="pres">
+      <dgm:prSet presAssocID="{F6CC2973-75D4-4457-92DB-78BB29835737}" presName="parTxOnlySpace" presStyleCnt="0"/>
+      <dgm:spPr/>
+    </dgm:pt>
+    <dgm:pt modelId="{138F2E86-935B-4AAB-80A0-A8E3FB8514BE}" type="pres">
+      <dgm:prSet presAssocID="{ED44329C-4693-451B-8B3C-7D3DE1D3BD42}" presName="parTxOnly" presStyleLbl="node1" presStyleIdx="2" presStyleCnt="5" custLinFactNeighborX="41618" custLinFactNeighborY="179">
+        <dgm:presLayoutVars>
+          <dgm:chMax val="0"/>
+          <dgm:chPref val="0"/>
+          <dgm:bulletEnabled val="1"/>
+        </dgm:presLayoutVars>
+      </dgm:prSet>
+      <dgm:spPr/>
+      <dgm:t>
+        <a:bodyPr/>
+        <a:lstStyle/>
+        <a:p>
+          <a:endParaRPr lang="pt-BR"/>
+        </a:p>
+      </dgm:t>
+    </dgm:pt>
+    <dgm:pt modelId="{CABDB17E-9120-4D19-BA88-DF023D61F3B0}" type="pres">
+      <dgm:prSet presAssocID="{649A4BF9-540B-4259-AE5C-1FF587BCA4E4}" presName="parTxOnlySpace" presStyleCnt="0"/>
+      <dgm:spPr/>
+    </dgm:pt>
+    <dgm:pt modelId="{036DEDB6-3F7D-4265-9536-70444E0F43C5}" type="pres">
+      <dgm:prSet presAssocID="{7B76D680-C68D-4294-9CC6-7B16C4907984}" presName="parTxOnly" presStyleLbl="node1" presStyleIdx="3" presStyleCnt="5">
+        <dgm:presLayoutVars>
+          <dgm:chMax val="0"/>
+          <dgm:chPref val="0"/>
+          <dgm:bulletEnabled val="1"/>
+        </dgm:presLayoutVars>
+      </dgm:prSet>
+      <dgm:spPr/>
+      <dgm:t>
+        <a:bodyPr/>
+        <a:lstStyle/>
+        <a:p>
+          <a:endParaRPr lang="pt-BR"/>
+        </a:p>
+      </dgm:t>
+    </dgm:pt>
+    <dgm:pt modelId="{C69745E8-47AB-408A-9EF5-8FA9E73E163D}" type="pres">
+      <dgm:prSet presAssocID="{1F532852-9651-4B54-9A35-DC708B414DC1}" presName="parTxOnlySpace" presStyleCnt="0"/>
+      <dgm:spPr/>
+    </dgm:pt>
+    <dgm:pt modelId="{884F73D8-A1DD-409F-B35B-3D4A5D42189F}" type="pres">
+      <dgm:prSet presAssocID="{9CFF6ABE-FDBB-4276-B476-D565B3D57550}" presName="parTxOnly" presStyleLbl="node1" presStyleIdx="4" presStyleCnt="5">
+        <dgm:presLayoutVars>
+          <dgm:chMax val="0"/>
+          <dgm:chPref val="0"/>
+          <dgm:bulletEnabled val="1"/>
+        </dgm:presLayoutVars>
+      </dgm:prSet>
+      <dgm:spPr/>
+      <dgm:t>
+        <a:bodyPr/>
+        <a:lstStyle/>
+        <a:p>
+          <a:endParaRPr lang="pt-BR"/>
+        </a:p>
+      </dgm:t>
+    </dgm:pt>
+  </dgm:ptLst>
+  <dgm:cxnLst>
+    <dgm:cxn modelId="{E206F8B1-3706-412B-9C94-D87093E44D17}" type="presOf" srcId="{7B6A7276-923D-4C23-AD08-4D6A3A4843B7}" destId="{0FD63889-0ED5-496A-98B8-DFA042E705B9}" srcOrd="0" destOrd="0" presId="urn:microsoft.com/office/officeart/2005/8/layout/chevron1"/>
+    <dgm:cxn modelId="{0BB8F718-2B7E-4993-893E-4818A8770000}" type="presOf" srcId="{7B76D680-C68D-4294-9CC6-7B16C4907984}" destId="{036DEDB6-3F7D-4265-9536-70444E0F43C5}" srcOrd="0" destOrd="0" presId="urn:microsoft.com/office/officeart/2005/8/layout/chevron1"/>
+    <dgm:cxn modelId="{63C5525A-7EE7-48AF-AF5E-82CBBFB9312E}" srcId="{7B6A7276-923D-4C23-AD08-4D6A3A4843B7}" destId="{3680D3AC-4900-433B-8C9F-B842E26EFBA1}" srcOrd="1" destOrd="0" parTransId="{54427F99-20AC-4AB9-AC52-24ABF3B46DD7}" sibTransId="{F6CC2973-75D4-4457-92DB-78BB29835737}"/>
+    <dgm:cxn modelId="{C4231B20-136A-4499-A1BC-3A3F691D8127}" type="presOf" srcId="{ED44329C-4693-451B-8B3C-7D3DE1D3BD42}" destId="{138F2E86-935B-4AAB-80A0-A8E3FB8514BE}" srcOrd="0" destOrd="0" presId="urn:microsoft.com/office/officeart/2005/8/layout/chevron1"/>
+    <dgm:cxn modelId="{055B401F-912D-4FEB-BB0D-E281049872EB}" type="presOf" srcId="{9CFF6ABE-FDBB-4276-B476-D565B3D57550}" destId="{884F73D8-A1DD-409F-B35B-3D4A5D42189F}" srcOrd="0" destOrd="0" presId="urn:microsoft.com/office/officeart/2005/8/layout/chevron1"/>
+    <dgm:cxn modelId="{41EB5C25-0C2C-44F2-ADD8-FCB4FA30F3FA}" srcId="{7B6A7276-923D-4C23-AD08-4D6A3A4843B7}" destId="{ED44329C-4693-451B-8B3C-7D3DE1D3BD42}" srcOrd="2" destOrd="0" parTransId="{47B524C9-C115-444B-B7B5-CB8C7BF98B66}" sibTransId="{649A4BF9-540B-4259-AE5C-1FF587BCA4E4}"/>
+    <dgm:cxn modelId="{16DA5F70-5A81-437F-9655-E98DE295FD34}" type="presOf" srcId="{3680D3AC-4900-433B-8C9F-B842E26EFBA1}" destId="{0E54B96F-FCDA-4811-9652-44BD62A0423B}" srcOrd="0" destOrd="0" presId="urn:microsoft.com/office/officeart/2005/8/layout/chevron1"/>
+    <dgm:cxn modelId="{8475D42D-57B2-42EE-A501-D3F8B4D73D61}" type="presOf" srcId="{8319936F-12E4-40CC-9D98-BB2C9A1F7DD9}" destId="{B2AE8354-10C9-4A4D-9813-CBC639505B78}" srcOrd="0" destOrd="0" presId="urn:microsoft.com/office/officeart/2005/8/layout/chevron1"/>
+    <dgm:cxn modelId="{4073E10B-7EA8-4A2D-A370-8B6024782CFE}" srcId="{7B6A7276-923D-4C23-AD08-4D6A3A4843B7}" destId="{8319936F-12E4-40CC-9D98-BB2C9A1F7DD9}" srcOrd="0" destOrd="0" parTransId="{DCC91EF0-B368-4842-94DE-F652EB02AC17}" sibTransId="{7EFAB921-F110-445E-B3DC-861728DF2A13}"/>
+    <dgm:cxn modelId="{459AA863-C0AB-4A26-8BB1-9CC4D08A1D63}" srcId="{7B6A7276-923D-4C23-AD08-4D6A3A4843B7}" destId="{7B76D680-C68D-4294-9CC6-7B16C4907984}" srcOrd="3" destOrd="0" parTransId="{829396C7-B211-4607-AB03-B7E3A8945F2C}" sibTransId="{1F532852-9651-4B54-9A35-DC708B414DC1}"/>
+    <dgm:cxn modelId="{F804D2C2-ADBA-4BC0-B34C-05CAD378591F}" srcId="{7B6A7276-923D-4C23-AD08-4D6A3A4843B7}" destId="{9CFF6ABE-FDBB-4276-B476-D565B3D57550}" srcOrd="4" destOrd="0" parTransId="{D80BAF60-F464-40AD-B393-6CD29EC70BAD}" sibTransId="{D4EA74D7-BE63-491F-AA5E-FC7C77B17F3F}"/>
+    <dgm:cxn modelId="{77CBAB4B-CD4E-40D4-964D-991D17DC7747}" type="presParOf" srcId="{0FD63889-0ED5-496A-98B8-DFA042E705B9}" destId="{B2AE8354-10C9-4A4D-9813-CBC639505B78}" srcOrd="0" destOrd="0" presId="urn:microsoft.com/office/officeart/2005/8/layout/chevron1"/>
+    <dgm:cxn modelId="{D0F06080-7FC0-4681-8DFA-DA2B594E7790}" type="presParOf" srcId="{0FD63889-0ED5-496A-98B8-DFA042E705B9}" destId="{7B64EDB7-C2D1-444C-8DEC-45FEC0A0C8D9}" srcOrd="1" destOrd="0" presId="urn:microsoft.com/office/officeart/2005/8/layout/chevron1"/>
+    <dgm:cxn modelId="{49EB1E57-C783-47E1-87AB-1689383B634A}" type="presParOf" srcId="{0FD63889-0ED5-496A-98B8-DFA042E705B9}" destId="{0E54B96F-FCDA-4811-9652-44BD62A0423B}" srcOrd="2" destOrd="0" presId="urn:microsoft.com/office/officeart/2005/8/layout/chevron1"/>
+    <dgm:cxn modelId="{0E90D49A-5303-46CA-BDB6-CF5E9C34CE4D}" type="presParOf" srcId="{0FD63889-0ED5-496A-98B8-DFA042E705B9}" destId="{C2089D65-75A6-4DEB-8F47-E7EE501B0735}" srcOrd="3" destOrd="0" presId="urn:microsoft.com/office/officeart/2005/8/layout/chevron1"/>
+    <dgm:cxn modelId="{F6276954-383C-46C9-8B74-58BA30BD4893}" type="presParOf" srcId="{0FD63889-0ED5-496A-98B8-DFA042E705B9}" destId="{138F2E86-935B-4AAB-80A0-A8E3FB8514BE}" srcOrd="4" destOrd="0" presId="urn:microsoft.com/office/officeart/2005/8/layout/chevron1"/>
+    <dgm:cxn modelId="{959E2644-D479-46ED-A931-B9902F3D7728}" type="presParOf" srcId="{0FD63889-0ED5-496A-98B8-DFA042E705B9}" destId="{CABDB17E-9120-4D19-BA88-DF023D61F3B0}" srcOrd="5" destOrd="0" presId="urn:microsoft.com/office/officeart/2005/8/layout/chevron1"/>
+    <dgm:cxn modelId="{4E6AAAA4-B16D-4B12-81D3-DC9596815391}" type="presParOf" srcId="{0FD63889-0ED5-496A-98B8-DFA042E705B9}" destId="{036DEDB6-3F7D-4265-9536-70444E0F43C5}" srcOrd="6" destOrd="0" presId="urn:microsoft.com/office/officeart/2005/8/layout/chevron1"/>
+    <dgm:cxn modelId="{E5789BA1-74C8-4B23-A006-81C93C6FB996}" type="presParOf" srcId="{0FD63889-0ED5-496A-98B8-DFA042E705B9}" destId="{C69745E8-47AB-408A-9EF5-8FA9E73E163D}" srcOrd="7" destOrd="0" presId="urn:microsoft.com/office/officeart/2005/8/layout/chevron1"/>
+    <dgm:cxn modelId="{061FD948-1A31-4070-9339-E32789053665}" type="presParOf" srcId="{0FD63889-0ED5-496A-98B8-DFA042E705B9}" destId="{884F73D8-A1DD-409F-B35B-3D4A5D42189F}" srcOrd="8" destOrd="0" presId="urn:microsoft.com/office/officeart/2005/8/layout/chevron1"/>
+  </dgm:cxnLst>
+  <dgm:bg/>
+  <dgm:whole/>
+  <dgm:extLst>
+    <a:ext uri="http://schemas.microsoft.com/office/drawing/2008/diagram">
+      <dsp:dataModelExt xmlns:dsp="http://schemas.microsoft.com/office/drawing/2008/diagram" relId="rId11" minVer="http://schemas.openxmlformats.org/drawingml/2006/diagram"/>
+    </a:ext>
+  </dgm:extLst>
+</dgm:dataModel>
+</file>
+
+<file path=ppt/diagrams/data3.xml><?xml version="1.0" encoding="utf-8"?>
+<dgm:dataModel xmlns:dgm="http://schemas.openxmlformats.org/drawingml/2006/diagram" xmlns:a="http://schemas.openxmlformats.org/drawingml/2006/main">
+  <dgm:ptLst>
+    <dgm:pt modelId="{7B6A7276-923D-4C23-AD08-4D6A3A4843B7}" type="doc">
+      <dgm:prSet loTypeId="urn:microsoft.com/office/officeart/2005/8/layout/chevron1" loCatId="process" qsTypeId="urn:microsoft.com/office/officeart/2005/8/quickstyle/simple1" qsCatId="simple" csTypeId="urn:microsoft.com/office/officeart/2005/8/colors/accent1_2" csCatId="accent1" phldr="1"/>
+      <dgm:spPr/>
+    </dgm:pt>
+    <dgm:pt modelId="{8319936F-12E4-40CC-9D98-BB2C9A1F7DD9}">
+      <dgm:prSet phldrT="[Texto]"/>
+      <dgm:spPr>
+        <a:solidFill>
+          <a:srgbClr val="00B050"/>
+        </a:solidFill>
+      </dgm:spPr>
+      <dgm:t>
+        <a:bodyPr/>
+        <a:lstStyle/>
+        <a:p>
+          <a:r>
+            <a:rPr lang="pt-BR" dirty="0" smtClean="0"/>
+            <a:t>Alerta </a:t>
+          </a:r>
+          <a:endParaRPr lang="pt-BR" dirty="0"/>
+        </a:p>
+      </dgm:t>
+    </dgm:pt>
+    <dgm:pt modelId="{DCC91EF0-B368-4842-94DE-F652EB02AC17}" type="parTrans" cxnId="{4073E10B-7EA8-4A2D-A370-8B6024782CFE}">
+      <dgm:prSet/>
+      <dgm:spPr/>
+      <dgm:t>
+        <a:bodyPr/>
+        <a:lstStyle/>
+        <a:p>
+          <a:endParaRPr lang="pt-BR"/>
+        </a:p>
+      </dgm:t>
+    </dgm:pt>
+    <dgm:pt modelId="{7EFAB921-F110-445E-B3DC-861728DF2A13}" type="sibTrans" cxnId="{4073E10B-7EA8-4A2D-A370-8B6024782CFE}">
+      <dgm:prSet/>
+      <dgm:spPr/>
+      <dgm:t>
+        <a:bodyPr/>
+        <a:lstStyle/>
+        <a:p>
+          <a:endParaRPr lang="pt-BR"/>
+        </a:p>
+      </dgm:t>
+    </dgm:pt>
+    <dgm:pt modelId="{3680D3AC-4900-433B-8C9F-B842E26EFBA1}">
+      <dgm:prSet phldrT="[Texto]"/>
+      <dgm:spPr>
+        <a:solidFill>
+          <a:srgbClr val="00B050"/>
+        </a:solidFill>
+      </dgm:spPr>
+      <dgm:t>
+        <a:bodyPr/>
+        <a:lstStyle/>
+        <a:p>
+          <a:r>
+            <a:rPr lang="pt-BR" dirty="0" smtClean="0"/>
+            <a:t>Decisão </a:t>
+          </a:r>
+          <a:endParaRPr lang="pt-BR" dirty="0"/>
+        </a:p>
+      </dgm:t>
+    </dgm:pt>
+    <dgm:pt modelId="{54427F99-20AC-4AB9-AC52-24ABF3B46DD7}" type="parTrans" cxnId="{63C5525A-7EE7-48AF-AF5E-82CBBFB9312E}">
+      <dgm:prSet/>
+      <dgm:spPr/>
+      <dgm:t>
+        <a:bodyPr/>
+        <a:lstStyle/>
+        <a:p>
+          <a:endParaRPr lang="pt-BR"/>
+        </a:p>
+      </dgm:t>
+    </dgm:pt>
+    <dgm:pt modelId="{F6CC2973-75D4-4457-92DB-78BB29835737}" type="sibTrans" cxnId="{63C5525A-7EE7-48AF-AF5E-82CBBFB9312E}">
+      <dgm:prSet/>
+      <dgm:spPr/>
+      <dgm:t>
+        <a:bodyPr/>
+        <a:lstStyle/>
+        <a:p>
+          <a:endParaRPr lang="pt-BR"/>
+        </a:p>
+      </dgm:t>
+    </dgm:pt>
+    <dgm:pt modelId="{ED44329C-4693-451B-8B3C-7D3DE1D3BD42}">
+      <dgm:prSet phldrT="[Texto]"/>
+      <dgm:spPr>
+        <a:solidFill>
+          <a:schemeClr val="accent6">
+            <a:lumMod val="75000"/>
+          </a:schemeClr>
+        </a:solidFill>
+      </dgm:spPr>
+      <dgm:t>
+        <a:bodyPr/>
+        <a:lstStyle/>
+        <a:p>
+          <a:r>
+            <a:rPr lang="pt-BR" dirty="0" smtClean="0"/>
+            <a:t>Objetivo</a:t>
+          </a:r>
+          <a:endParaRPr lang="pt-BR" dirty="0"/>
+        </a:p>
+      </dgm:t>
+    </dgm:pt>
+    <dgm:pt modelId="{47B524C9-C115-444B-B7B5-CB8C7BF98B66}" type="parTrans" cxnId="{41EB5C25-0C2C-44F2-ADD8-FCB4FA30F3FA}">
+      <dgm:prSet/>
+      <dgm:spPr/>
+      <dgm:t>
+        <a:bodyPr/>
+        <a:lstStyle/>
+        <a:p>
+          <a:endParaRPr lang="pt-BR"/>
+        </a:p>
+      </dgm:t>
+    </dgm:pt>
+    <dgm:pt modelId="{649A4BF9-540B-4259-AE5C-1FF587BCA4E4}" type="sibTrans" cxnId="{41EB5C25-0C2C-44F2-ADD8-FCB4FA30F3FA}">
+      <dgm:prSet/>
+      <dgm:spPr/>
+      <dgm:t>
+        <a:bodyPr/>
+        <a:lstStyle/>
+        <a:p>
+          <a:endParaRPr lang="pt-BR"/>
+        </a:p>
+      </dgm:t>
+    </dgm:pt>
+    <dgm:pt modelId="{9CFF6ABE-FDBB-4276-B476-D565B3D57550}">
+      <dgm:prSet phldrT="[Texto]"/>
+      <dgm:spPr>
+        <a:solidFill>
+          <a:srgbClr val="00B050"/>
+        </a:solidFill>
+      </dgm:spPr>
+      <dgm:t>
+        <a:bodyPr/>
+        <a:lstStyle/>
+        <a:p>
+          <a:r>
+            <a:rPr lang="pt-BR" dirty="0" smtClean="0"/>
+            <a:t>Ação</a:t>
+          </a:r>
+          <a:endParaRPr lang="pt-BR" dirty="0"/>
+        </a:p>
+      </dgm:t>
+    </dgm:pt>
+    <dgm:pt modelId="{D80BAF60-F464-40AD-B393-6CD29EC70BAD}" type="parTrans" cxnId="{F804D2C2-ADBA-4BC0-B34C-05CAD378591F}">
+      <dgm:prSet/>
+      <dgm:spPr/>
+      <dgm:t>
+        <a:bodyPr/>
+        <a:lstStyle/>
+        <a:p>
+          <a:endParaRPr lang="pt-BR"/>
+        </a:p>
+      </dgm:t>
+    </dgm:pt>
+    <dgm:pt modelId="{D4EA74D7-BE63-491F-AA5E-FC7C77B17F3F}" type="sibTrans" cxnId="{F804D2C2-ADBA-4BC0-B34C-05CAD378591F}">
+      <dgm:prSet/>
+      <dgm:spPr/>
+      <dgm:t>
+        <a:bodyPr/>
+        <a:lstStyle/>
+        <a:p>
+          <a:endParaRPr lang="pt-BR"/>
+        </a:p>
+      </dgm:t>
+    </dgm:pt>
+    <dgm:pt modelId="{7B76D680-C68D-4294-9CC6-7B16C4907984}">
+      <dgm:prSet phldrT="[Texto]"/>
+      <dgm:spPr>
+        <a:solidFill>
+          <a:schemeClr val="accent6">
+            <a:lumMod val="75000"/>
+          </a:schemeClr>
+        </a:solidFill>
+      </dgm:spPr>
+      <dgm:t>
+        <a:bodyPr/>
+        <a:lstStyle/>
+        <a:p>
+          <a:r>
+            <a:rPr lang="pt-BR" dirty="0" smtClean="0"/>
+            <a:t>Configuração </a:t>
+          </a:r>
+          <a:endParaRPr lang="pt-BR" dirty="0"/>
+        </a:p>
+      </dgm:t>
+    </dgm:pt>
+    <dgm:pt modelId="{829396C7-B211-4607-AB03-B7E3A8945F2C}" type="parTrans" cxnId="{459AA863-C0AB-4A26-8BB1-9CC4D08A1D63}">
+      <dgm:prSet/>
+      <dgm:spPr/>
+      <dgm:t>
+        <a:bodyPr/>
+        <a:lstStyle/>
+        <a:p>
+          <a:endParaRPr lang="pt-BR"/>
+        </a:p>
+      </dgm:t>
+    </dgm:pt>
+    <dgm:pt modelId="{1F532852-9651-4B54-9A35-DC708B414DC1}" type="sibTrans" cxnId="{459AA863-C0AB-4A26-8BB1-9CC4D08A1D63}">
+      <dgm:prSet/>
+      <dgm:spPr/>
+      <dgm:t>
+        <a:bodyPr/>
+        <a:lstStyle/>
+        <a:p>
+          <a:endParaRPr lang="pt-BR"/>
+        </a:p>
+      </dgm:t>
+    </dgm:pt>
+    <dgm:pt modelId="{0FD63889-0ED5-496A-98B8-DFA042E705B9}" type="pres">
+      <dgm:prSet presAssocID="{7B6A7276-923D-4C23-AD08-4D6A3A4843B7}" presName="Name0" presStyleCnt="0">
+        <dgm:presLayoutVars>
+          <dgm:dir/>
+          <dgm:animLvl val="lvl"/>
+          <dgm:resizeHandles val="exact"/>
+        </dgm:presLayoutVars>
+      </dgm:prSet>
+      <dgm:spPr/>
+    </dgm:pt>
+    <dgm:pt modelId="{B2AE8354-10C9-4A4D-9813-CBC639505B78}" type="pres">
+      <dgm:prSet presAssocID="{8319936F-12E4-40CC-9D98-BB2C9A1F7DD9}" presName="parTxOnly" presStyleLbl="node1" presStyleIdx="0" presStyleCnt="5">
+        <dgm:presLayoutVars>
+          <dgm:chMax val="0"/>
+          <dgm:chPref val="0"/>
+          <dgm:bulletEnabled val="1"/>
+        </dgm:presLayoutVars>
+      </dgm:prSet>
+      <dgm:spPr/>
+      <dgm:t>
+        <a:bodyPr/>
+        <a:lstStyle/>
+        <a:p>
+          <a:endParaRPr lang="pt-BR"/>
+        </a:p>
+      </dgm:t>
+    </dgm:pt>
+    <dgm:pt modelId="{7B64EDB7-C2D1-444C-8DEC-45FEC0A0C8D9}" type="pres">
+      <dgm:prSet presAssocID="{7EFAB921-F110-445E-B3DC-861728DF2A13}" presName="parTxOnlySpace" presStyleCnt="0"/>
+      <dgm:spPr/>
+    </dgm:pt>
+    <dgm:pt modelId="{0E54B96F-FCDA-4811-9652-44BD62A0423B}" type="pres">
+      <dgm:prSet presAssocID="{3680D3AC-4900-433B-8C9F-B842E26EFBA1}" presName="parTxOnly" presStyleLbl="node1" presStyleIdx="1" presStyleCnt="5">
+        <dgm:presLayoutVars>
+          <dgm:chMax val="0"/>
+          <dgm:chPref val="0"/>
+          <dgm:bulletEnabled val="1"/>
+        </dgm:presLayoutVars>
+      </dgm:prSet>
+      <dgm:spPr/>
+      <dgm:t>
+        <a:bodyPr/>
+        <a:lstStyle/>
+        <a:p>
+          <a:endParaRPr lang="pt-BR"/>
+        </a:p>
+      </dgm:t>
+    </dgm:pt>
+    <dgm:pt modelId="{C2089D65-75A6-4DEB-8F47-E7EE501B0735}" type="pres">
+      <dgm:prSet presAssocID="{F6CC2973-75D4-4457-92DB-78BB29835737}" presName="parTxOnlySpace" presStyleCnt="0"/>
+      <dgm:spPr/>
+    </dgm:pt>
+    <dgm:pt modelId="{138F2E86-935B-4AAB-80A0-A8E3FB8514BE}" type="pres">
+      <dgm:prSet presAssocID="{ED44329C-4693-451B-8B3C-7D3DE1D3BD42}" presName="parTxOnly" presStyleLbl="node1" presStyleIdx="2" presStyleCnt="5" custLinFactNeighborX="41618" custLinFactNeighborY="179">
+        <dgm:presLayoutVars>
+          <dgm:chMax val="0"/>
+          <dgm:chPref val="0"/>
+          <dgm:bulletEnabled val="1"/>
+        </dgm:presLayoutVars>
+      </dgm:prSet>
+      <dgm:spPr/>
+      <dgm:t>
+        <a:bodyPr/>
+        <a:lstStyle/>
+        <a:p>
+          <a:endParaRPr lang="pt-BR"/>
+        </a:p>
+      </dgm:t>
+    </dgm:pt>
+    <dgm:pt modelId="{CABDB17E-9120-4D19-BA88-DF023D61F3B0}" type="pres">
+      <dgm:prSet presAssocID="{649A4BF9-540B-4259-AE5C-1FF587BCA4E4}" presName="parTxOnlySpace" presStyleCnt="0"/>
+      <dgm:spPr/>
+    </dgm:pt>
+    <dgm:pt modelId="{036DEDB6-3F7D-4265-9536-70444E0F43C5}" type="pres">
+      <dgm:prSet presAssocID="{7B76D680-C68D-4294-9CC6-7B16C4907984}" presName="parTxOnly" presStyleLbl="node1" presStyleIdx="3" presStyleCnt="5">
+        <dgm:presLayoutVars>
+          <dgm:chMax val="0"/>
+          <dgm:chPref val="0"/>
+          <dgm:bulletEnabled val="1"/>
+        </dgm:presLayoutVars>
+      </dgm:prSet>
+      <dgm:spPr/>
+      <dgm:t>
+        <a:bodyPr/>
+        <a:lstStyle/>
+        <a:p>
+          <a:endParaRPr lang="pt-BR"/>
+        </a:p>
+      </dgm:t>
+    </dgm:pt>
+    <dgm:pt modelId="{C69745E8-47AB-408A-9EF5-8FA9E73E163D}" type="pres">
+      <dgm:prSet presAssocID="{1F532852-9651-4B54-9A35-DC708B414DC1}" presName="parTxOnlySpace" presStyleCnt="0"/>
+      <dgm:spPr/>
+    </dgm:pt>
+    <dgm:pt modelId="{884F73D8-A1DD-409F-B35B-3D4A5D42189F}" type="pres">
+      <dgm:prSet presAssocID="{9CFF6ABE-FDBB-4276-B476-D565B3D57550}" presName="parTxOnly" presStyleLbl="node1" presStyleIdx="4" presStyleCnt="5">
+        <dgm:presLayoutVars>
+          <dgm:chMax val="0"/>
+          <dgm:chPref val="0"/>
+          <dgm:bulletEnabled val="1"/>
+        </dgm:presLayoutVars>
+      </dgm:prSet>
+      <dgm:spPr/>
+      <dgm:t>
+        <a:bodyPr/>
+        <a:lstStyle/>
+        <a:p>
+          <a:endParaRPr lang="pt-BR"/>
+        </a:p>
+      </dgm:t>
+    </dgm:pt>
+  </dgm:ptLst>
+  <dgm:cxnLst>
+    <dgm:cxn modelId="{E20A35DE-71A2-4ED1-A06C-A88F4B262302}" type="presOf" srcId="{ED44329C-4693-451B-8B3C-7D3DE1D3BD42}" destId="{138F2E86-935B-4AAB-80A0-A8E3FB8514BE}" srcOrd="0" destOrd="0" presId="urn:microsoft.com/office/officeart/2005/8/layout/chevron1"/>
+    <dgm:cxn modelId="{63C5525A-7EE7-48AF-AF5E-82CBBFB9312E}" srcId="{7B6A7276-923D-4C23-AD08-4D6A3A4843B7}" destId="{3680D3AC-4900-433B-8C9F-B842E26EFBA1}" srcOrd="1" destOrd="0" parTransId="{54427F99-20AC-4AB9-AC52-24ABF3B46DD7}" sibTransId="{F6CC2973-75D4-4457-92DB-78BB29835737}"/>
+    <dgm:cxn modelId="{C6CCCF61-B0DD-4A02-8900-D90802B14D78}" type="presOf" srcId="{7B76D680-C68D-4294-9CC6-7B16C4907984}" destId="{036DEDB6-3F7D-4265-9536-70444E0F43C5}" srcOrd="0" destOrd="0" presId="urn:microsoft.com/office/officeart/2005/8/layout/chevron1"/>
+    <dgm:cxn modelId="{ED33C74A-BE7A-4734-861E-689B5C83139C}" type="presOf" srcId="{7B6A7276-923D-4C23-AD08-4D6A3A4843B7}" destId="{0FD63889-0ED5-496A-98B8-DFA042E705B9}" srcOrd="0" destOrd="0" presId="urn:microsoft.com/office/officeart/2005/8/layout/chevron1"/>
+    <dgm:cxn modelId="{C216913A-191C-49AB-9232-BFBB3903AA68}" type="presOf" srcId="{3680D3AC-4900-433B-8C9F-B842E26EFBA1}" destId="{0E54B96F-FCDA-4811-9652-44BD62A0423B}" srcOrd="0" destOrd="0" presId="urn:microsoft.com/office/officeart/2005/8/layout/chevron1"/>
+    <dgm:cxn modelId="{32B4FBB9-9EAF-437E-807D-ED13EF82912F}" type="presOf" srcId="{9CFF6ABE-FDBB-4276-B476-D565B3D57550}" destId="{884F73D8-A1DD-409F-B35B-3D4A5D42189F}" srcOrd="0" destOrd="0" presId="urn:microsoft.com/office/officeart/2005/8/layout/chevron1"/>
+    <dgm:cxn modelId="{459AA863-C0AB-4A26-8BB1-9CC4D08A1D63}" srcId="{7B6A7276-923D-4C23-AD08-4D6A3A4843B7}" destId="{7B76D680-C68D-4294-9CC6-7B16C4907984}" srcOrd="3" destOrd="0" parTransId="{829396C7-B211-4607-AB03-B7E3A8945F2C}" sibTransId="{1F532852-9651-4B54-9A35-DC708B414DC1}"/>
+    <dgm:cxn modelId="{41EB5C25-0C2C-44F2-ADD8-FCB4FA30F3FA}" srcId="{7B6A7276-923D-4C23-AD08-4D6A3A4843B7}" destId="{ED44329C-4693-451B-8B3C-7D3DE1D3BD42}" srcOrd="2" destOrd="0" parTransId="{47B524C9-C115-444B-B7B5-CB8C7BF98B66}" sibTransId="{649A4BF9-540B-4259-AE5C-1FF587BCA4E4}"/>
+    <dgm:cxn modelId="{3FA954B3-A1CC-4261-8CF8-5BAE5A9B7789}" type="presOf" srcId="{8319936F-12E4-40CC-9D98-BB2C9A1F7DD9}" destId="{B2AE8354-10C9-4A4D-9813-CBC639505B78}" srcOrd="0" destOrd="0" presId="urn:microsoft.com/office/officeart/2005/8/layout/chevron1"/>
+    <dgm:cxn modelId="{4073E10B-7EA8-4A2D-A370-8B6024782CFE}" srcId="{7B6A7276-923D-4C23-AD08-4D6A3A4843B7}" destId="{8319936F-12E4-40CC-9D98-BB2C9A1F7DD9}" srcOrd="0" destOrd="0" parTransId="{DCC91EF0-B368-4842-94DE-F652EB02AC17}" sibTransId="{7EFAB921-F110-445E-B3DC-861728DF2A13}"/>
+    <dgm:cxn modelId="{F804D2C2-ADBA-4BC0-B34C-05CAD378591F}" srcId="{7B6A7276-923D-4C23-AD08-4D6A3A4843B7}" destId="{9CFF6ABE-FDBB-4276-B476-D565B3D57550}" srcOrd="4" destOrd="0" parTransId="{D80BAF60-F464-40AD-B393-6CD29EC70BAD}" sibTransId="{D4EA74D7-BE63-491F-AA5E-FC7C77B17F3F}"/>
+    <dgm:cxn modelId="{082FBE18-1B0B-42A6-B2E3-4006DEF7B971}" type="presParOf" srcId="{0FD63889-0ED5-496A-98B8-DFA042E705B9}" destId="{B2AE8354-10C9-4A4D-9813-CBC639505B78}" srcOrd="0" destOrd="0" presId="urn:microsoft.com/office/officeart/2005/8/layout/chevron1"/>
+    <dgm:cxn modelId="{45E756D8-AE74-4E4D-9817-B259B250FEB3}" type="presParOf" srcId="{0FD63889-0ED5-496A-98B8-DFA042E705B9}" destId="{7B64EDB7-C2D1-444C-8DEC-45FEC0A0C8D9}" srcOrd="1" destOrd="0" presId="urn:microsoft.com/office/officeart/2005/8/layout/chevron1"/>
+    <dgm:cxn modelId="{A593176B-EA71-4459-B6A6-49D75955F820}" type="presParOf" srcId="{0FD63889-0ED5-496A-98B8-DFA042E705B9}" destId="{0E54B96F-FCDA-4811-9652-44BD62A0423B}" srcOrd="2" destOrd="0" presId="urn:microsoft.com/office/officeart/2005/8/layout/chevron1"/>
+    <dgm:cxn modelId="{4C9F43EE-1AA9-4313-B4CA-707560D2CBDE}" type="presParOf" srcId="{0FD63889-0ED5-496A-98B8-DFA042E705B9}" destId="{C2089D65-75A6-4DEB-8F47-E7EE501B0735}" srcOrd="3" destOrd="0" presId="urn:microsoft.com/office/officeart/2005/8/layout/chevron1"/>
+    <dgm:cxn modelId="{05739205-28C9-48B8-982A-6DDCB6F3122F}" type="presParOf" srcId="{0FD63889-0ED5-496A-98B8-DFA042E705B9}" destId="{138F2E86-935B-4AAB-80A0-A8E3FB8514BE}" srcOrd="4" destOrd="0" presId="urn:microsoft.com/office/officeart/2005/8/layout/chevron1"/>
+    <dgm:cxn modelId="{8CDB46C8-7A1F-419C-9DD6-23CF72FA7C9D}" type="presParOf" srcId="{0FD63889-0ED5-496A-98B8-DFA042E705B9}" destId="{CABDB17E-9120-4D19-BA88-DF023D61F3B0}" srcOrd="5" destOrd="0" presId="urn:microsoft.com/office/officeart/2005/8/layout/chevron1"/>
+    <dgm:cxn modelId="{A6853DD7-D98E-4310-95E2-9DE9F6C5EE54}" type="presParOf" srcId="{0FD63889-0ED5-496A-98B8-DFA042E705B9}" destId="{036DEDB6-3F7D-4265-9536-70444E0F43C5}" srcOrd="6" destOrd="0" presId="urn:microsoft.com/office/officeart/2005/8/layout/chevron1"/>
+    <dgm:cxn modelId="{10F9D741-6204-41D5-97B0-408A88A96E2D}" type="presParOf" srcId="{0FD63889-0ED5-496A-98B8-DFA042E705B9}" destId="{C69745E8-47AB-408A-9EF5-8FA9E73E163D}" srcOrd="7" destOrd="0" presId="urn:microsoft.com/office/officeart/2005/8/layout/chevron1"/>
+    <dgm:cxn modelId="{BE8007F7-032D-488D-A34F-EAAACBDD65DA}" type="presParOf" srcId="{0FD63889-0ED5-496A-98B8-DFA042E705B9}" destId="{884F73D8-A1DD-409F-B35B-3D4A5D42189F}" srcOrd="8" destOrd="0" presId="urn:microsoft.com/office/officeart/2005/8/layout/chevron1"/>
+  </dgm:cxnLst>
+  <dgm:bg/>
+  <dgm:whole/>
+  <dgm:extLst>
+    <a:ext uri="http://schemas.microsoft.com/office/drawing/2008/diagram">
+      <dsp:dataModelExt xmlns:dsp="http://schemas.microsoft.com/office/drawing/2008/diagram" relId="rId6" minVer="http://schemas.openxmlformats.org/drawingml/2006/diagram"/>
+    </a:ext>
+  </dgm:extLst>
+</dgm:dataModel>
+</file>
+
+<file path=ppt/diagrams/data4.xml><?xml version="1.0" encoding="utf-8"?>
+<dgm:dataModel xmlns:dgm="http://schemas.openxmlformats.org/drawingml/2006/diagram" xmlns:a="http://schemas.openxmlformats.org/drawingml/2006/main">
+  <dgm:ptLst>
     <dgm:pt modelId="{9D451B33-4246-4D18-A195-4B386F4FCB6E}" type="doc">
       <dgm:prSet loTypeId="urn:microsoft.com/office/officeart/2005/8/layout/hierarchy5" loCatId="hierarchy" qsTypeId="urn:microsoft.com/office/officeart/2005/8/quickstyle/simple4" qsCatId="simple" csTypeId="urn:microsoft.com/office/officeart/2005/8/colors/accent1_2" csCatId="accent1" phldr="1"/>
       <dgm:spPr/>
@@ -3141,47 +4689,6 @@
         </a:p>
       </dgm:t>
     </dgm:pt>
-    <dgm:pt modelId="{AEB8659B-CF92-46F5-AECA-C66F3CE11AD1}">
-      <dgm:prSet phldrT="[Texto]" custT="1"/>
-      <dgm:spPr/>
-      <dgm:t>
-        <a:bodyPr/>
-        <a:lstStyle/>
-        <a:p>
-          <a:r>
-            <a:rPr lang="pt-BR" sz="1400" b="1" dirty="0" smtClean="0">
-              <a:latin typeface="+mn-lt"/>
-            </a:rPr>
-            <a:t>Ação</a:t>
-          </a:r>
-          <a:endParaRPr lang="pt-BR" sz="1400" b="1" dirty="0">
-            <a:latin typeface="+mn-lt"/>
-          </a:endParaRPr>
-        </a:p>
-      </dgm:t>
-    </dgm:pt>
-    <dgm:pt modelId="{9FEEEB6E-DE0A-4DE0-8B72-AE1B9DA08F09}" type="parTrans" cxnId="{8FC4DC62-7D58-438A-ACBD-D1682BEB7FAB}">
-      <dgm:prSet/>
-      <dgm:spPr/>
-      <dgm:t>
-        <a:bodyPr/>
-        <a:lstStyle/>
-        <a:p>
-          <a:endParaRPr lang="pt-BR"/>
-        </a:p>
-      </dgm:t>
-    </dgm:pt>
-    <dgm:pt modelId="{B3B2DCC2-CF76-4053-A621-747FA7F76E3D}" type="sibTrans" cxnId="{8FC4DC62-7D58-438A-ACBD-D1682BEB7FAB}">
-      <dgm:prSet/>
-      <dgm:spPr/>
-      <dgm:t>
-        <a:bodyPr/>
-        <a:lstStyle/>
-        <a:p>
-          <a:endParaRPr lang="pt-BR"/>
-        </a:p>
-      </dgm:t>
-    </dgm:pt>
     <dgm:pt modelId="{4DBB3E5A-EAE0-4F29-BDCE-FF7138CF6A1E}">
       <dgm:prSet phldrT="[Texto]" custT="1"/>
       <dgm:spPr>
@@ -3387,6 +4894,88 @@
         </a:p>
       </dgm:t>
     </dgm:pt>
+    <dgm:pt modelId="{B12A86EE-4737-474D-8745-061255A805EB}">
+      <dgm:prSet phldrT="[Texto]" custT="1"/>
+      <dgm:spPr/>
+      <dgm:t>
+        <a:bodyPr/>
+        <a:lstStyle/>
+        <a:p>
+          <a:r>
+            <a:rPr lang="pt-BR" sz="1300" b="1" smtClean="0">
+              <a:latin typeface="+mn-lt"/>
+            </a:rPr>
+            <a:t>Configuração</a:t>
+          </a:r>
+          <a:endParaRPr lang="pt-BR" sz="1300" dirty="0">
+            <a:latin typeface="+mn-lt"/>
+          </a:endParaRPr>
+        </a:p>
+      </dgm:t>
+    </dgm:pt>
+    <dgm:pt modelId="{2187FB59-ACEB-4BBF-9AD2-68B6BE6B6CB9}" type="parTrans" cxnId="{8E5751BF-6F0D-4B4A-9E43-4ED8548C7E1F}">
+      <dgm:prSet/>
+      <dgm:spPr/>
+      <dgm:t>
+        <a:bodyPr/>
+        <a:lstStyle/>
+        <a:p>
+          <a:endParaRPr lang="pt-BR"/>
+        </a:p>
+      </dgm:t>
+    </dgm:pt>
+    <dgm:pt modelId="{CF0F3EF3-6C1C-4EE5-AB3F-3CBE2959648E}" type="sibTrans" cxnId="{8E5751BF-6F0D-4B4A-9E43-4ED8548C7E1F}">
+      <dgm:prSet/>
+      <dgm:spPr/>
+      <dgm:t>
+        <a:bodyPr/>
+        <a:lstStyle/>
+        <a:p>
+          <a:endParaRPr lang="pt-BR"/>
+        </a:p>
+      </dgm:t>
+    </dgm:pt>
+    <dgm:pt modelId="{BAD03393-39F3-4EFB-91CD-F701C16D484D}">
+      <dgm:prSet phldrT="[Texto]" custT="1"/>
+      <dgm:spPr/>
+      <dgm:t>
+        <a:bodyPr/>
+        <a:lstStyle/>
+        <a:p>
+          <a:r>
+            <a:rPr lang="pt-BR" sz="1300" dirty="0" smtClean="0">
+              <a:latin typeface="+mn-lt"/>
+            </a:rPr>
+            <a:t>Processa as requisição do serviço de acordo com os parâmetros locais do sistema</a:t>
+          </a:r>
+          <a:endParaRPr lang="pt-BR" sz="1300" dirty="0">
+            <a:latin typeface="+mn-lt"/>
+          </a:endParaRPr>
+        </a:p>
+      </dgm:t>
+    </dgm:pt>
+    <dgm:pt modelId="{80D87B51-64A2-44A3-AB97-D83F75443D55}" type="parTrans" cxnId="{47BF8947-A3D3-4B74-89B7-AA80C0CA6053}">
+      <dgm:prSet/>
+      <dgm:spPr/>
+      <dgm:t>
+        <a:bodyPr/>
+        <a:lstStyle/>
+        <a:p>
+          <a:endParaRPr lang="pt-BR"/>
+        </a:p>
+      </dgm:t>
+    </dgm:pt>
+    <dgm:pt modelId="{E61E6E67-8BA2-4A89-A39A-9531F4C09DA1}" type="sibTrans" cxnId="{47BF8947-A3D3-4B74-89B7-AA80C0CA6053}">
+      <dgm:prSet/>
+      <dgm:spPr/>
+      <dgm:t>
+        <a:bodyPr/>
+        <a:lstStyle/>
+        <a:p>
+          <a:endParaRPr lang="pt-BR"/>
+        </a:p>
+      </dgm:t>
+    </dgm:pt>
     <dgm:pt modelId="{E5B6A257-A4B1-4ECD-9A8E-C7554AEB7771}">
       <dgm:prSet phldrT="[Texto]" custT="1"/>
       <dgm:spPr/>
@@ -3406,7 +4995,37 @@
         </a:p>
       </dgm:t>
     </dgm:pt>
-    <dgm:pt modelId="{FB46F69F-8487-454A-B772-89BD70EC5089}" type="parTrans" cxnId="{5551998A-4BE0-4C3A-9F8C-B40C40EBA4BD}">
+    <dgm:pt modelId="{AEB8659B-CF92-46F5-AECA-C66F3CE11AD1}">
+      <dgm:prSet phldrT="[Texto]" custT="1"/>
+      <dgm:spPr/>
+      <dgm:t>
+        <a:bodyPr/>
+        <a:lstStyle/>
+        <a:p>
+          <a:r>
+            <a:rPr lang="pt-BR" sz="1400" b="1" dirty="0" smtClean="0">
+              <a:latin typeface="+mn-lt"/>
+            </a:rPr>
+            <a:t>Ação</a:t>
+          </a:r>
+          <a:endParaRPr lang="pt-BR" sz="1400" b="1" dirty="0">
+            <a:latin typeface="+mn-lt"/>
+          </a:endParaRPr>
+        </a:p>
+      </dgm:t>
+    </dgm:pt>
+    <dgm:pt modelId="{B3B2DCC2-CF76-4053-A621-747FA7F76E3D}" type="sibTrans" cxnId="{8FC4DC62-7D58-438A-ACBD-D1682BEB7FAB}">
+      <dgm:prSet/>
+      <dgm:spPr/>
+      <dgm:t>
+        <a:bodyPr/>
+        <a:lstStyle/>
+        <a:p>
+          <a:endParaRPr lang="pt-BR"/>
+        </a:p>
+      </dgm:t>
+    </dgm:pt>
+    <dgm:pt modelId="{9FEEEB6E-DE0A-4DE0-8B72-AE1B9DA08F09}" type="parTrans" cxnId="{8FC4DC62-7D58-438A-ACBD-D1682BEB7FAB}">
       <dgm:prSet/>
       <dgm:spPr/>
       <dgm:t>
@@ -3428,78 +5047,7 @@
         </a:p>
       </dgm:t>
     </dgm:pt>
-    <dgm:pt modelId="{B12A86EE-4737-474D-8745-061255A805EB}">
-      <dgm:prSet phldrT="[Texto]" custT="1"/>
-      <dgm:spPr/>
-      <dgm:t>
-        <a:bodyPr/>
-        <a:lstStyle/>
-        <a:p>
-          <a:r>
-            <a:rPr lang="pt-BR" sz="1300" b="1" smtClean="0">
-              <a:latin typeface="+mn-lt"/>
-            </a:rPr>
-            <a:t>Configuração</a:t>
-          </a:r>
-          <a:endParaRPr lang="pt-BR" sz="1300" dirty="0">
-            <a:latin typeface="+mn-lt"/>
-          </a:endParaRPr>
-        </a:p>
-      </dgm:t>
-    </dgm:pt>
-    <dgm:pt modelId="{2187FB59-ACEB-4BBF-9AD2-68B6BE6B6CB9}" type="parTrans" cxnId="{8E5751BF-6F0D-4B4A-9E43-4ED8548C7E1F}">
-      <dgm:prSet/>
-      <dgm:spPr/>
-      <dgm:t>
-        <a:bodyPr/>
-        <a:lstStyle/>
-        <a:p>
-          <a:endParaRPr lang="pt-BR"/>
-        </a:p>
-      </dgm:t>
-    </dgm:pt>
-    <dgm:pt modelId="{CF0F3EF3-6C1C-4EE5-AB3F-3CBE2959648E}" type="sibTrans" cxnId="{8E5751BF-6F0D-4B4A-9E43-4ED8548C7E1F}">
-      <dgm:prSet/>
-      <dgm:spPr/>
-      <dgm:t>
-        <a:bodyPr/>
-        <a:lstStyle/>
-        <a:p>
-          <a:endParaRPr lang="pt-BR"/>
-        </a:p>
-      </dgm:t>
-    </dgm:pt>
-    <dgm:pt modelId="{BAD03393-39F3-4EFB-91CD-F701C16D484D}">
-      <dgm:prSet phldrT="[Texto]" custT="1"/>
-      <dgm:spPr/>
-      <dgm:t>
-        <a:bodyPr/>
-        <a:lstStyle/>
-        <a:p>
-          <a:r>
-            <a:rPr lang="pt-BR" sz="1300" dirty="0" smtClean="0">
-              <a:latin typeface="+mn-lt"/>
-            </a:rPr>
-            <a:t>Processa as requisição do serviço de acordo com os parâmetros locais do sistema</a:t>
-          </a:r>
-          <a:endParaRPr lang="pt-BR" sz="1300" dirty="0">
-            <a:latin typeface="+mn-lt"/>
-          </a:endParaRPr>
-        </a:p>
-      </dgm:t>
-    </dgm:pt>
-    <dgm:pt modelId="{80D87B51-64A2-44A3-AB97-D83F75443D55}" type="parTrans" cxnId="{47BF8947-A3D3-4B74-89B7-AA80C0CA6053}">
-      <dgm:prSet/>
-      <dgm:spPr/>
-      <dgm:t>
-        <a:bodyPr/>
-        <a:lstStyle/>
-        <a:p>
-          <a:endParaRPr lang="pt-BR"/>
-        </a:p>
-      </dgm:t>
-    </dgm:pt>
-    <dgm:pt modelId="{E61E6E67-8BA2-4A89-A39A-9531F4C09DA1}" type="sibTrans" cxnId="{47BF8947-A3D3-4B74-89B7-AA80C0CA6053}">
+    <dgm:pt modelId="{FB46F69F-8487-454A-B772-89BD70EC5089}" type="parTrans" cxnId="{5551998A-4BE0-4C3A-9F8C-B40C40EBA4BD}">
       <dgm:prSet/>
       <dgm:spPr/>
       <dgm:t>
@@ -4132,328 +5680,6 @@
 </dgm:dataModel>
 </file>
 
-<file path=ppt/diagrams/data3.xml><?xml version="1.0" encoding="utf-8"?>
-<dgm:dataModel xmlns:dgm="http://schemas.openxmlformats.org/drawingml/2006/diagram" xmlns:a="http://schemas.openxmlformats.org/drawingml/2006/main">
-  <dgm:ptLst>
-    <dgm:pt modelId="{7B6A7276-923D-4C23-AD08-4D6A3A4843B7}" type="doc">
-      <dgm:prSet loTypeId="urn:microsoft.com/office/officeart/2005/8/layout/chevron1" loCatId="process" qsTypeId="urn:microsoft.com/office/officeart/2005/8/quickstyle/simple1" qsCatId="simple" csTypeId="urn:microsoft.com/office/officeart/2005/8/colors/accent1_2" csCatId="accent1" phldr="1"/>
-      <dgm:spPr/>
-    </dgm:pt>
-    <dgm:pt modelId="{8319936F-12E4-40CC-9D98-BB2C9A1F7DD9}">
-      <dgm:prSet phldrT="[Texto]"/>
-      <dgm:spPr/>
-      <dgm:t>
-        <a:bodyPr/>
-        <a:lstStyle/>
-        <a:p>
-          <a:r>
-            <a:rPr lang="pt-BR" dirty="0" smtClean="0"/>
-            <a:t>Alerta </a:t>
-          </a:r>
-          <a:endParaRPr lang="pt-BR" dirty="0"/>
-        </a:p>
-      </dgm:t>
-    </dgm:pt>
-    <dgm:pt modelId="{DCC91EF0-B368-4842-94DE-F652EB02AC17}" type="parTrans" cxnId="{4073E10B-7EA8-4A2D-A370-8B6024782CFE}">
-      <dgm:prSet/>
-      <dgm:spPr/>
-      <dgm:t>
-        <a:bodyPr/>
-        <a:lstStyle/>
-        <a:p>
-          <a:endParaRPr lang="pt-BR"/>
-        </a:p>
-      </dgm:t>
-    </dgm:pt>
-    <dgm:pt modelId="{7EFAB921-F110-445E-B3DC-861728DF2A13}" type="sibTrans" cxnId="{4073E10B-7EA8-4A2D-A370-8B6024782CFE}">
-      <dgm:prSet/>
-      <dgm:spPr/>
-      <dgm:t>
-        <a:bodyPr/>
-        <a:lstStyle/>
-        <a:p>
-          <a:endParaRPr lang="pt-BR"/>
-        </a:p>
-      </dgm:t>
-    </dgm:pt>
-    <dgm:pt modelId="{3680D3AC-4900-433B-8C9F-B842E26EFBA1}">
-      <dgm:prSet phldrT="[Texto]"/>
-      <dgm:spPr/>
-      <dgm:t>
-        <a:bodyPr/>
-        <a:lstStyle/>
-        <a:p>
-          <a:r>
-            <a:rPr lang="pt-BR" dirty="0" smtClean="0"/>
-            <a:t>Decisão </a:t>
-          </a:r>
-          <a:endParaRPr lang="pt-BR" dirty="0"/>
-        </a:p>
-      </dgm:t>
-    </dgm:pt>
-    <dgm:pt modelId="{54427F99-20AC-4AB9-AC52-24ABF3B46DD7}" type="parTrans" cxnId="{63C5525A-7EE7-48AF-AF5E-82CBBFB9312E}">
-      <dgm:prSet/>
-      <dgm:spPr/>
-      <dgm:t>
-        <a:bodyPr/>
-        <a:lstStyle/>
-        <a:p>
-          <a:endParaRPr lang="pt-BR"/>
-        </a:p>
-      </dgm:t>
-    </dgm:pt>
-    <dgm:pt modelId="{F6CC2973-75D4-4457-92DB-78BB29835737}" type="sibTrans" cxnId="{63C5525A-7EE7-48AF-AF5E-82CBBFB9312E}">
-      <dgm:prSet/>
-      <dgm:spPr/>
-      <dgm:t>
-        <a:bodyPr/>
-        <a:lstStyle/>
-        <a:p>
-          <a:endParaRPr lang="pt-BR"/>
-        </a:p>
-      </dgm:t>
-    </dgm:pt>
-    <dgm:pt modelId="{ED44329C-4693-451B-8B3C-7D3DE1D3BD42}">
-      <dgm:prSet phldrT="[Texto]"/>
-      <dgm:spPr/>
-      <dgm:t>
-        <a:bodyPr/>
-        <a:lstStyle/>
-        <a:p>
-          <a:r>
-            <a:rPr lang="pt-BR" dirty="0" smtClean="0"/>
-            <a:t>Objetivo</a:t>
-          </a:r>
-          <a:endParaRPr lang="pt-BR" dirty="0"/>
-        </a:p>
-      </dgm:t>
-    </dgm:pt>
-    <dgm:pt modelId="{47B524C9-C115-444B-B7B5-CB8C7BF98B66}" type="parTrans" cxnId="{41EB5C25-0C2C-44F2-ADD8-FCB4FA30F3FA}">
-      <dgm:prSet/>
-      <dgm:spPr/>
-      <dgm:t>
-        <a:bodyPr/>
-        <a:lstStyle/>
-        <a:p>
-          <a:endParaRPr lang="pt-BR"/>
-        </a:p>
-      </dgm:t>
-    </dgm:pt>
-    <dgm:pt modelId="{649A4BF9-540B-4259-AE5C-1FF587BCA4E4}" type="sibTrans" cxnId="{41EB5C25-0C2C-44F2-ADD8-FCB4FA30F3FA}">
-      <dgm:prSet/>
-      <dgm:spPr/>
-      <dgm:t>
-        <a:bodyPr/>
-        <a:lstStyle/>
-        <a:p>
-          <a:endParaRPr lang="pt-BR"/>
-        </a:p>
-      </dgm:t>
-    </dgm:pt>
-    <dgm:pt modelId="{9CFF6ABE-FDBB-4276-B476-D565B3D57550}">
-      <dgm:prSet phldrT="[Texto]"/>
-      <dgm:spPr/>
-      <dgm:t>
-        <a:bodyPr/>
-        <a:lstStyle/>
-        <a:p>
-          <a:r>
-            <a:rPr lang="pt-BR" dirty="0" smtClean="0"/>
-            <a:t>Ação</a:t>
-          </a:r>
-          <a:endParaRPr lang="pt-BR" dirty="0"/>
-        </a:p>
-      </dgm:t>
-    </dgm:pt>
-    <dgm:pt modelId="{D80BAF60-F464-40AD-B393-6CD29EC70BAD}" type="parTrans" cxnId="{F804D2C2-ADBA-4BC0-B34C-05CAD378591F}">
-      <dgm:prSet/>
-      <dgm:spPr/>
-      <dgm:t>
-        <a:bodyPr/>
-        <a:lstStyle/>
-        <a:p>
-          <a:endParaRPr lang="pt-BR"/>
-        </a:p>
-      </dgm:t>
-    </dgm:pt>
-    <dgm:pt modelId="{D4EA74D7-BE63-491F-AA5E-FC7C77B17F3F}" type="sibTrans" cxnId="{F804D2C2-ADBA-4BC0-B34C-05CAD378591F}">
-      <dgm:prSet/>
-      <dgm:spPr/>
-      <dgm:t>
-        <a:bodyPr/>
-        <a:lstStyle/>
-        <a:p>
-          <a:endParaRPr lang="pt-BR"/>
-        </a:p>
-      </dgm:t>
-    </dgm:pt>
-    <dgm:pt modelId="{7B76D680-C68D-4294-9CC6-7B16C4907984}">
-      <dgm:prSet phldrT="[Texto]"/>
-      <dgm:spPr/>
-      <dgm:t>
-        <a:bodyPr/>
-        <a:lstStyle/>
-        <a:p>
-          <a:r>
-            <a:rPr lang="pt-BR" smtClean="0"/>
-            <a:t>Configuração </a:t>
-          </a:r>
-          <a:endParaRPr lang="pt-BR" dirty="0"/>
-        </a:p>
-      </dgm:t>
-    </dgm:pt>
-    <dgm:pt modelId="{829396C7-B211-4607-AB03-B7E3A8945F2C}" type="parTrans" cxnId="{459AA863-C0AB-4A26-8BB1-9CC4D08A1D63}">
-      <dgm:prSet/>
-      <dgm:spPr/>
-    </dgm:pt>
-    <dgm:pt modelId="{1F532852-9651-4B54-9A35-DC708B414DC1}" type="sibTrans" cxnId="{459AA863-C0AB-4A26-8BB1-9CC4D08A1D63}">
-      <dgm:prSet/>
-      <dgm:spPr/>
-    </dgm:pt>
-    <dgm:pt modelId="{0FD63889-0ED5-496A-98B8-DFA042E705B9}" type="pres">
-      <dgm:prSet presAssocID="{7B6A7276-923D-4C23-AD08-4D6A3A4843B7}" presName="Name0" presStyleCnt="0">
-        <dgm:presLayoutVars>
-          <dgm:dir/>
-          <dgm:animLvl val="lvl"/>
-          <dgm:resizeHandles val="exact"/>
-        </dgm:presLayoutVars>
-      </dgm:prSet>
-      <dgm:spPr/>
-    </dgm:pt>
-    <dgm:pt modelId="{B2AE8354-10C9-4A4D-9813-CBC639505B78}" type="pres">
-      <dgm:prSet presAssocID="{8319936F-12E4-40CC-9D98-BB2C9A1F7DD9}" presName="parTxOnly" presStyleLbl="node1" presStyleIdx="0" presStyleCnt="5">
-        <dgm:presLayoutVars>
-          <dgm:chMax val="0"/>
-          <dgm:chPref val="0"/>
-          <dgm:bulletEnabled val="1"/>
-        </dgm:presLayoutVars>
-      </dgm:prSet>
-      <dgm:spPr/>
-      <dgm:t>
-        <a:bodyPr/>
-        <a:lstStyle/>
-        <a:p>
-          <a:endParaRPr lang="pt-BR"/>
-        </a:p>
-      </dgm:t>
-    </dgm:pt>
-    <dgm:pt modelId="{7B64EDB7-C2D1-444C-8DEC-45FEC0A0C8D9}" type="pres">
-      <dgm:prSet presAssocID="{7EFAB921-F110-445E-B3DC-861728DF2A13}" presName="parTxOnlySpace" presStyleCnt="0"/>
-      <dgm:spPr/>
-    </dgm:pt>
-    <dgm:pt modelId="{0E54B96F-FCDA-4811-9652-44BD62A0423B}" type="pres">
-      <dgm:prSet presAssocID="{3680D3AC-4900-433B-8C9F-B842E26EFBA1}" presName="parTxOnly" presStyleLbl="node1" presStyleIdx="1" presStyleCnt="5">
-        <dgm:presLayoutVars>
-          <dgm:chMax val="0"/>
-          <dgm:chPref val="0"/>
-          <dgm:bulletEnabled val="1"/>
-        </dgm:presLayoutVars>
-      </dgm:prSet>
-      <dgm:spPr/>
-      <dgm:t>
-        <a:bodyPr/>
-        <a:lstStyle/>
-        <a:p>
-          <a:endParaRPr lang="pt-BR"/>
-        </a:p>
-      </dgm:t>
-    </dgm:pt>
-    <dgm:pt modelId="{C2089D65-75A6-4DEB-8F47-E7EE501B0735}" type="pres">
-      <dgm:prSet presAssocID="{F6CC2973-75D4-4457-92DB-78BB29835737}" presName="parTxOnlySpace" presStyleCnt="0"/>
-      <dgm:spPr/>
-    </dgm:pt>
-    <dgm:pt modelId="{138F2E86-935B-4AAB-80A0-A8E3FB8514BE}" type="pres">
-      <dgm:prSet presAssocID="{ED44329C-4693-451B-8B3C-7D3DE1D3BD42}" presName="parTxOnly" presStyleLbl="node1" presStyleIdx="2" presStyleCnt="5">
-        <dgm:presLayoutVars>
-          <dgm:chMax val="0"/>
-          <dgm:chPref val="0"/>
-          <dgm:bulletEnabled val="1"/>
-        </dgm:presLayoutVars>
-      </dgm:prSet>
-      <dgm:spPr/>
-      <dgm:t>
-        <a:bodyPr/>
-        <a:lstStyle/>
-        <a:p>
-          <a:endParaRPr lang="pt-BR"/>
-        </a:p>
-      </dgm:t>
-    </dgm:pt>
-    <dgm:pt modelId="{CABDB17E-9120-4D19-BA88-DF023D61F3B0}" type="pres">
-      <dgm:prSet presAssocID="{649A4BF9-540B-4259-AE5C-1FF587BCA4E4}" presName="parTxOnlySpace" presStyleCnt="0"/>
-      <dgm:spPr/>
-    </dgm:pt>
-    <dgm:pt modelId="{036DEDB6-3F7D-4265-9536-70444E0F43C5}" type="pres">
-      <dgm:prSet presAssocID="{7B76D680-C68D-4294-9CC6-7B16C4907984}" presName="parTxOnly" presStyleLbl="node1" presStyleIdx="3" presStyleCnt="5">
-        <dgm:presLayoutVars>
-          <dgm:chMax val="0"/>
-          <dgm:chPref val="0"/>
-          <dgm:bulletEnabled val="1"/>
-        </dgm:presLayoutVars>
-      </dgm:prSet>
-      <dgm:spPr/>
-      <dgm:t>
-        <a:bodyPr/>
-        <a:lstStyle/>
-        <a:p>
-          <a:endParaRPr lang="pt-BR"/>
-        </a:p>
-      </dgm:t>
-    </dgm:pt>
-    <dgm:pt modelId="{C69745E8-47AB-408A-9EF5-8FA9E73E163D}" type="pres">
-      <dgm:prSet presAssocID="{1F532852-9651-4B54-9A35-DC708B414DC1}" presName="parTxOnlySpace" presStyleCnt="0"/>
-      <dgm:spPr/>
-    </dgm:pt>
-    <dgm:pt modelId="{884F73D8-A1DD-409F-B35B-3D4A5D42189F}" type="pres">
-      <dgm:prSet presAssocID="{9CFF6ABE-FDBB-4276-B476-D565B3D57550}" presName="parTxOnly" presStyleLbl="node1" presStyleIdx="4" presStyleCnt="5">
-        <dgm:presLayoutVars>
-          <dgm:chMax val="0"/>
-          <dgm:chPref val="0"/>
-          <dgm:bulletEnabled val="1"/>
-        </dgm:presLayoutVars>
-      </dgm:prSet>
-      <dgm:spPr/>
-      <dgm:t>
-        <a:bodyPr/>
-        <a:lstStyle/>
-        <a:p>
-          <a:endParaRPr lang="pt-BR"/>
-        </a:p>
-      </dgm:t>
-    </dgm:pt>
-  </dgm:ptLst>
-  <dgm:cxnLst>
-    <dgm:cxn modelId="{CA64AA3C-C4D0-471F-8D17-31E403180C8A}" type="presOf" srcId="{9CFF6ABE-FDBB-4276-B476-D565B3D57550}" destId="{884F73D8-A1DD-409F-B35B-3D4A5D42189F}" srcOrd="0" destOrd="0" presId="urn:microsoft.com/office/officeart/2005/8/layout/chevron1"/>
-    <dgm:cxn modelId="{3110C98B-CED3-4BDA-81A7-29F400A3ADD0}" type="presOf" srcId="{3680D3AC-4900-433B-8C9F-B842E26EFBA1}" destId="{0E54B96F-FCDA-4811-9652-44BD62A0423B}" srcOrd="0" destOrd="0" presId="urn:microsoft.com/office/officeart/2005/8/layout/chevron1"/>
-    <dgm:cxn modelId="{2B232A68-B7F5-4B34-91B3-8A6EDFEF8E1E}" type="presOf" srcId="{ED44329C-4693-451B-8B3C-7D3DE1D3BD42}" destId="{138F2E86-935B-4AAB-80A0-A8E3FB8514BE}" srcOrd="0" destOrd="0" presId="urn:microsoft.com/office/officeart/2005/8/layout/chevron1"/>
-    <dgm:cxn modelId="{459AA863-C0AB-4A26-8BB1-9CC4D08A1D63}" srcId="{7B6A7276-923D-4C23-AD08-4D6A3A4843B7}" destId="{7B76D680-C68D-4294-9CC6-7B16C4907984}" srcOrd="3" destOrd="0" parTransId="{829396C7-B211-4607-AB03-B7E3A8945F2C}" sibTransId="{1F532852-9651-4B54-9A35-DC708B414DC1}"/>
-    <dgm:cxn modelId="{BA0888A8-74E0-4903-A6BB-7F610DDB4A97}" type="presOf" srcId="{8319936F-12E4-40CC-9D98-BB2C9A1F7DD9}" destId="{B2AE8354-10C9-4A4D-9813-CBC639505B78}" srcOrd="0" destOrd="0" presId="urn:microsoft.com/office/officeart/2005/8/layout/chevron1"/>
-    <dgm:cxn modelId="{F804D2C2-ADBA-4BC0-B34C-05CAD378591F}" srcId="{7B6A7276-923D-4C23-AD08-4D6A3A4843B7}" destId="{9CFF6ABE-FDBB-4276-B476-D565B3D57550}" srcOrd="4" destOrd="0" parTransId="{D80BAF60-F464-40AD-B393-6CD29EC70BAD}" sibTransId="{D4EA74D7-BE63-491F-AA5E-FC7C77B17F3F}"/>
-    <dgm:cxn modelId="{B9138051-FBBE-48C5-A5D0-11ACCD028835}" type="presOf" srcId="{7B6A7276-923D-4C23-AD08-4D6A3A4843B7}" destId="{0FD63889-0ED5-496A-98B8-DFA042E705B9}" srcOrd="0" destOrd="0" presId="urn:microsoft.com/office/officeart/2005/8/layout/chevron1"/>
-    <dgm:cxn modelId="{41EB5C25-0C2C-44F2-ADD8-FCB4FA30F3FA}" srcId="{7B6A7276-923D-4C23-AD08-4D6A3A4843B7}" destId="{ED44329C-4693-451B-8B3C-7D3DE1D3BD42}" srcOrd="2" destOrd="0" parTransId="{47B524C9-C115-444B-B7B5-CB8C7BF98B66}" sibTransId="{649A4BF9-540B-4259-AE5C-1FF587BCA4E4}"/>
-    <dgm:cxn modelId="{63C5525A-7EE7-48AF-AF5E-82CBBFB9312E}" srcId="{7B6A7276-923D-4C23-AD08-4D6A3A4843B7}" destId="{3680D3AC-4900-433B-8C9F-B842E26EFBA1}" srcOrd="1" destOrd="0" parTransId="{54427F99-20AC-4AB9-AC52-24ABF3B46DD7}" sibTransId="{F6CC2973-75D4-4457-92DB-78BB29835737}"/>
-    <dgm:cxn modelId="{4073E10B-7EA8-4A2D-A370-8B6024782CFE}" srcId="{7B6A7276-923D-4C23-AD08-4D6A3A4843B7}" destId="{8319936F-12E4-40CC-9D98-BB2C9A1F7DD9}" srcOrd="0" destOrd="0" parTransId="{DCC91EF0-B368-4842-94DE-F652EB02AC17}" sibTransId="{7EFAB921-F110-445E-B3DC-861728DF2A13}"/>
-    <dgm:cxn modelId="{626D51B1-3147-440E-BF39-E6FBAFCF8672}" type="presOf" srcId="{7B76D680-C68D-4294-9CC6-7B16C4907984}" destId="{036DEDB6-3F7D-4265-9536-70444E0F43C5}" srcOrd="0" destOrd="0" presId="urn:microsoft.com/office/officeart/2005/8/layout/chevron1"/>
-    <dgm:cxn modelId="{481DA5EF-98F2-40E5-95F8-F7DBF8FBD48D}" type="presParOf" srcId="{0FD63889-0ED5-496A-98B8-DFA042E705B9}" destId="{B2AE8354-10C9-4A4D-9813-CBC639505B78}" srcOrd="0" destOrd="0" presId="urn:microsoft.com/office/officeart/2005/8/layout/chevron1"/>
-    <dgm:cxn modelId="{DCF886C1-5C28-4B0C-9286-60355184E0B2}" type="presParOf" srcId="{0FD63889-0ED5-496A-98B8-DFA042E705B9}" destId="{7B64EDB7-C2D1-444C-8DEC-45FEC0A0C8D9}" srcOrd="1" destOrd="0" presId="urn:microsoft.com/office/officeart/2005/8/layout/chevron1"/>
-    <dgm:cxn modelId="{C547E03E-C087-4417-8862-C76EFF2263EB}" type="presParOf" srcId="{0FD63889-0ED5-496A-98B8-DFA042E705B9}" destId="{0E54B96F-FCDA-4811-9652-44BD62A0423B}" srcOrd="2" destOrd="0" presId="urn:microsoft.com/office/officeart/2005/8/layout/chevron1"/>
-    <dgm:cxn modelId="{BEBF46DB-E0DA-46EA-8A49-89C26C99DAA5}" type="presParOf" srcId="{0FD63889-0ED5-496A-98B8-DFA042E705B9}" destId="{C2089D65-75A6-4DEB-8F47-E7EE501B0735}" srcOrd="3" destOrd="0" presId="urn:microsoft.com/office/officeart/2005/8/layout/chevron1"/>
-    <dgm:cxn modelId="{36E03572-B614-44D3-BC79-528916867CFE}" type="presParOf" srcId="{0FD63889-0ED5-496A-98B8-DFA042E705B9}" destId="{138F2E86-935B-4AAB-80A0-A8E3FB8514BE}" srcOrd="4" destOrd="0" presId="urn:microsoft.com/office/officeart/2005/8/layout/chevron1"/>
-    <dgm:cxn modelId="{999DB4BC-4651-4D1F-BC33-DED40A81C141}" type="presParOf" srcId="{0FD63889-0ED5-496A-98B8-DFA042E705B9}" destId="{CABDB17E-9120-4D19-BA88-DF023D61F3B0}" srcOrd="5" destOrd="0" presId="urn:microsoft.com/office/officeart/2005/8/layout/chevron1"/>
-    <dgm:cxn modelId="{F2790A92-02DC-4B6C-B00D-A34B6B694426}" type="presParOf" srcId="{0FD63889-0ED5-496A-98B8-DFA042E705B9}" destId="{036DEDB6-3F7D-4265-9536-70444E0F43C5}" srcOrd="6" destOrd="0" presId="urn:microsoft.com/office/officeart/2005/8/layout/chevron1"/>
-    <dgm:cxn modelId="{DF92B3FF-4936-4AA6-9E97-0C37CBEF64DA}" type="presParOf" srcId="{0FD63889-0ED5-496A-98B8-DFA042E705B9}" destId="{C69745E8-47AB-408A-9EF5-8FA9E73E163D}" srcOrd="7" destOrd="0" presId="urn:microsoft.com/office/officeart/2005/8/layout/chevron1"/>
-    <dgm:cxn modelId="{8322A0EB-86D8-4D1E-9729-0693DCCCA442}" type="presParOf" srcId="{0FD63889-0ED5-496A-98B8-DFA042E705B9}" destId="{884F73D8-A1DD-409F-B35B-3D4A5D42189F}" srcOrd="8" destOrd="0" presId="urn:microsoft.com/office/officeart/2005/8/layout/chevron1"/>
-  </dgm:cxnLst>
-  <dgm:bg/>
-  <dgm:whole/>
-  <dgm:extLst>
-    <a:ext uri="http://schemas.microsoft.com/office/drawing/2008/diagram">
-      <dsp:dataModelExt xmlns:dsp="http://schemas.microsoft.com/office/drawing/2008/diagram" relId="rId11" minVer="http://schemas.openxmlformats.org/drawingml/2006/diagram"/>
-    </a:ext>
-  </dgm:extLst>
-</dgm:dataModel>
-</file>
-
 <file path=ppt/diagrams/drawing1.xml><?xml version="1.0" encoding="utf-8"?>
 <dsp:drawing xmlns:dgm="http://schemas.openxmlformats.org/drawingml/2006/diagram" xmlns:dsp="http://schemas.microsoft.com/office/drawing/2008/diagram" xmlns:a="http://schemas.openxmlformats.org/drawingml/2006/main">
   <dsp:spTree>
@@ -5175,6 +6401,758 @@
       <dsp:cNvGrpSpPr/>
     </dsp:nvGrpSpPr>
     <dsp:grpSpPr/>
+    <dsp:sp modelId="{B2AE8354-10C9-4A4D-9813-CBC639505B78}">
+      <dsp:nvSpPr>
+        <dsp:cNvPr id="0" name=""/>
+        <dsp:cNvSpPr/>
+      </dsp:nvSpPr>
+      <dsp:spPr>
+        <a:xfrm>
+          <a:off x="972" y="338786"/>
+          <a:ext cx="865786" cy="346314"/>
+        </a:xfrm>
+        <a:prstGeom prst="chevron">
+          <a:avLst/>
+        </a:prstGeom>
+        <a:solidFill>
+          <a:srgbClr val="00B050"/>
+        </a:solidFill>
+        <a:ln w="25400" cap="flat" cmpd="sng" algn="ctr">
+          <a:solidFill>
+            <a:schemeClr val="lt1">
+              <a:hueOff val="0"/>
+              <a:satOff val="0"/>
+              <a:lumOff val="0"/>
+              <a:alphaOff val="0"/>
+            </a:schemeClr>
+          </a:solidFill>
+          <a:prstDash val="solid"/>
+        </a:ln>
+        <a:effectLst/>
+      </dsp:spPr>
+      <dsp:style>
+        <a:lnRef idx="2">
+          <a:scrgbClr r="0" g="0" b="0"/>
+        </a:lnRef>
+        <a:fillRef idx="1">
+          <a:scrgbClr r="0" g="0" b="0"/>
+        </a:fillRef>
+        <a:effectRef idx="0">
+          <a:scrgbClr r="0" g="0" b="0"/>
+        </a:effectRef>
+        <a:fontRef idx="minor">
+          <a:schemeClr val="lt1"/>
+        </a:fontRef>
+      </dsp:style>
+      <dsp:txBody>
+        <a:bodyPr spcFirstLastPara="0" vert="horz" wrap="square" lIns="28004" tIns="9335" rIns="9335" bIns="9335" numCol="1" spcCol="1270" anchor="ctr" anchorCtr="0">
+          <a:noAutofit/>
+        </a:bodyPr>
+        <a:lstStyle/>
+        <a:p>
+          <a:pPr lvl="0" algn="ctr" defTabSz="311150">
+            <a:lnSpc>
+              <a:spcPct val="90000"/>
+            </a:lnSpc>
+            <a:spcBef>
+              <a:spcPct val="0"/>
+            </a:spcBef>
+            <a:spcAft>
+              <a:spcPct val="35000"/>
+            </a:spcAft>
+          </a:pPr>
+          <a:r>
+            <a:rPr lang="pt-BR" sz="700" kern="1200" dirty="0" smtClean="0"/>
+            <a:t>Alerta </a:t>
+          </a:r>
+          <a:endParaRPr lang="pt-BR" sz="700" kern="1200" dirty="0"/>
+        </a:p>
+      </dsp:txBody>
+      <dsp:txXfrm>
+        <a:off x="174129" y="338786"/>
+        <a:ext cx="519472" cy="346314"/>
+      </dsp:txXfrm>
+    </dsp:sp>
+    <dsp:sp modelId="{0E54B96F-FCDA-4811-9652-44BD62A0423B}">
+      <dsp:nvSpPr>
+        <dsp:cNvPr id="0" name=""/>
+        <dsp:cNvSpPr/>
+      </dsp:nvSpPr>
+      <dsp:spPr>
+        <a:xfrm>
+          <a:off x="780180" y="338786"/>
+          <a:ext cx="865786" cy="346314"/>
+        </a:xfrm>
+        <a:prstGeom prst="chevron">
+          <a:avLst/>
+        </a:prstGeom>
+        <a:solidFill>
+          <a:srgbClr val="00B050"/>
+        </a:solidFill>
+        <a:ln w="25400" cap="flat" cmpd="sng" algn="ctr">
+          <a:solidFill>
+            <a:schemeClr val="lt1">
+              <a:hueOff val="0"/>
+              <a:satOff val="0"/>
+              <a:lumOff val="0"/>
+              <a:alphaOff val="0"/>
+            </a:schemeClr>
+          </a:solidFill>
+          <a:prstDash val="solid"/>
+        </a:ln>
+        <a:effectLst/>
+      </dsp:spPr>
+      <dsp:style>
+        <a:lnRef idx="2">
+          <a:scrgbClr r="0" g="0" b="0"/>
+        </a:lnRef>
+        <a:fillRef idx="1">
+          <a:scrgbClr r="0" g="0" b="0"/>
+        </a:fillRef>
+        <a:effectRef idx="0">
+          <a:scrgbClr r="0" g="0" b="0"/>
+        </a:effectRef>
+        <a:fontRef idx="minor">
+          <a:schemeClr val="lt1"/>
+        </a:fontRef>
+      </dsp:style>
+      <dsp:txBody>
+        <a:bodyPr spcFirstLastPara="0" vert="horz" wrap="square" lIns="28004" tIns="9335" rIns="9335" bIns="9335" numCol="1" spcCol="1270" anchor="ctr" anchorCtr="0">
+          <a:noAutofit/>
+        </a:bodyPr>
+        <a:lstStyle/>
+        <a:p>
+          <a:pPr lvl="0" algn="ctr" defTabSz="311150">
+            <a:lnSpc>
+              <a:spcPct val="90000"/>
+            </a:lnSpc>
+            <a:spcBef>
+              <a:spcPct val="0"/>
+            </a:spcBef>
+            <a:spcAft>
+              <a:spcPct val="35000"/>
+            </a:spcAft>
+          </a:pPr>
+          <a:r>
+            <a:rPr lang="pt-BR" sz="700" kern="1200" dirty="0" smtClean="0"/>
+            <a:t>Decisão </a:t>
+          </a:r>
+          <a:endParaRPr lang="pt-BR" sz="700" kern="1200" dirty="0"/>
+        </a:p>
+      </dsp:txBody>
+      <dsp:txXfrm>
+        <a:off x="953337" y="338786"/>
+        <a:ext cx="519472" cy="346314"/>
+      </dsp:txXfrm>
+    </dsp:sp>
+    <dsp:sp modelId="{138F2E86-935B-4AAB-80A0-A8E3FB8514BE}">
+      <dsp:nvSpPr>
+        <dsp:cNvPr id="0" name=""/>
+        <dsp:cNvSpPr/>
+      </dsp:nvSpPr>
+      <dsp:spPr>
+        <a:xfrm>
+          <a:off x="1595421" y="339406"/>
+          <a:ext cx="865786" cy="346314"/>
+        </a:xfrm>
+        <a:prstGeom prst="chevron">
+          <a:avLst/>
+        </a:prstGeom>
+        <a:solidFill>
+          <a:schemeClr val="accent6">
+            <a:lumMod val="75000"/>
+          </a:schemeClr>
+        </a:solidFill>
+        <a:ln w="25400" cap="flat" cmpd="sng" algn="ctr">
+          <a:solidFill>
+            <a:schemeClr val="lt1">
+              <a:hueOff val="0"/>
+              <a:satOff val="0"/>
+              <a:lumOff val="0"/>
+              <a:alphaOff val="0"/>
+            </a:schemeClr>
+          </a:solidFill>
+          <a:prstDash val="solid"/>
+        </a:ln>
+        <a:effectLst/>
+      </dsp:spPr>
+      <dsp:style>
+        <a:lnRef idx="2">
+          <a:scrgbClr r="0" g="0" b="0"/>
+        </a:lnRef>
+        <a:fillRef idx="1">
+          <a:scrgbClr r="0" g="0" b="0"/>
+        </a:fillRef>
+        <a:effectRef idx="0">
+          <a:scrgbClr r="0" g="0" b="0"/>
+        </a:effectRef>
+        <a:fontRef idx="minor">
+          <a:schemeClr val="lt1"/>
+        </a:fontRef>
+      </dsp:style>
+      <dsp:txBody>
+        <a:bodyPr spcFirstLastPara="0" vert="horz" wrap="square" lIns="28004" tIns="9335" rIns="9335" bIns="9335" numCol="1" spcCol="1270" anchor="ctr" anchorCtr="0">
+          <a:noAutofit/>
+        </a:bodyPr>
+        <a:lstStyle/>
+        <a:p>
+          <a:pPr lvl="0" algn="ctr" defTabSz="311150">
+            <a:lnSpc>
+              <a:spcPct val="90000"/>
+            </a:lnSpc>
+            <a:spcBef>
+              <a:spcPct val="0"/>
+            </a:spcBef>
+            <a:spcAft>
+              <a:spcPct val="35000"/>
+            </a:spcAft>
+          </a:pPr>
+          <a:r>
+            <a:rPr lang="pt-BR" sz="700" kern="1200" dirty="0" smtClean="0"/>
+            <a:t>Objetivo</a:t>
+          </a:r>
+          <a:endParaRPr lang="pt-BR" sz="700" kern="1200" dirty="0"/>
+        </a:p>
+      </dsp:txBody>
+      <dsp:txXfrm>
+        <a:off x="1768578" y="339406"/>
+        <a:ext cx="519472" cy="346314"/>
+      </dsp:txXfrm>
+    </dsp:sp>
+    <dsp:sp modelId="{036DEDB6-3F7D-4265-9536-70444E0F43C5}">
+      <dsp:nvSpPr>
+        <dsp:cNvPr id="0" name=""/>
+        <dsp:cNvSpPr/>
+      </dsp:nvSpPr>
+      <dsp:spPr>
+        <a:xfrm>
+          <a:off x="2338596" y="338786"/>
+          <a:ext cx="865786" cy="346314"/>
+        </a:xfrm>
+        <a:prstGeom prst="chevron">
+          <a:avLst/>
+        </a:prstGeom>
+        <a:solidFill>
+          <a:schemeClr val="accent6">
+            <a:lumMod val="75000"/>
+          </a:schemeClr>
+        </a:solidFill>
+        <a:ln w="25400" cap="flat" cmpd="sng" algn="ctr">
+          <a:solidFill>
+            <a:schemeClr val="lt1">
+              <a:hueOff val="0"/>
+              <a:satOff val="0"/>
+              <a:lumOff val="0"/>
+              <a:alphaOff val="0"/>
+            </a:schemeClr>
+          </a:solidFill>
+          <a:prstDash val="solid"/>
+        </a:ln>
+        <a:effectLst/>
+      </dsp:spPr>
+      <dsp:style>
+        <a:lnRef idx="2">
+          <a:scrgbClr r="0" g="0" b="0"/>
+        </a:lnRef>
+        <a:fillRef idx="1">
+          <a:scrgbClr r="0" g="0" b="0"/>
+        </a:fillRef>
+        <a:effectRef idx="0">
+          <a:scrgbClr r="0" g="0" b="0"/>
+        </a:effectRef>
+        <a:fontRef idx="minor">
+          <a:schemeClr val="lt1"/>
+        </a:fontRef>
+      </dsp:style>
+      <dsp:txBody>
+        <a:bodyPr spcFirstLastPara="0" vert="horz" wrap="square" lIns="28004" tIns="9335" rIns="9335" bIns="9335" numCol="1" spcCol="1270" anchor="ctr" anchorCtr="0">
+          <a:noAutofit/>
+        </a:bodyPr>
+        <a:lstStyle/>
+        <a:p>
+          <a:pPr lvl="0" algn="ctr" defTabSz="311150">
+            <a:lnSpc>
+              <a:spcPct val="90000"/>
+            </a:lnSpc>
+            <a:spcBef>
+              <a:spcPct val="0"/>
+            </a:spcBef>
+            <a:spcAft>
+              <a:spcPct val="35000"/>
+            </a:spcAft>
+          </a:pPr>
+          <a:r>
+            <a:rPr lang="pt-BR" sz="700" kern="1200" dirty="0" smtClean="0"/>
+            <a:t>Configuração </a:t>
+          </a:r>
+          <a:endParaRPr lang="pt-BR" sz="700" kern="1200" dirty="0"/>
+        </a:p>
+      </dsp:txBody>
+      <dsp:txXfrm>
+        <a:off x="2511753" y="338786"/>
+        <a:ext cx="519472" cy="346314"/>
+      </dsp:txXfrm>
+    </dsp:sp>
+    <dsp:sp modelId="{884F73D8-A1DD-409F-B35B-3D4A5D42189F}">
+      <dsp:nvSpPr>
+        <dsp:cNvPr id="0" name=""/>
+        <dsp:cNvSpPr/>
+      </dsp:nvSpPr>
+      <dsp:spPr>
+        <a:xfrm>
+          <a:off x="3117804" y="338786"/>
+          <a:ext cx="865786" cy="346314"/>
+        </a:xfrm>
+        <a:prstGeom prst="chevron">
+          <a:avLst/>
+        </a:prstGeom>
+        <a:solidFill>
+          <a:srgbClr val="00B050"/>
+        </a:solidFill>
+        <a:ln w="25400" cap="flat" cmpd="sng" algn="ctr">
+          <a:solidFill>
+            <a:schemeClr val="lt1">
+              <a:hueOff val="0"/>
+              <a:satOff val="0"/>
+              <a:lumOff val="0"/>
+              <a:alphaOff val="0"/>
+            </a:schemeClr>
+          </a:solidFill>
+          <a:prstDash val="solid"/>
+        </a:ln>
+        <a:effectLst/>
+      </dsp:spPr>
+      <dsp:style>
+        <a:lnRef idx="2">
+          <a:scrgbClr r="0" g="0" b="0"/>
+        </a:lnRef>
+        <a:fillRef idx="1">
+          <a:scrgbClr r="0" g="0" b="0"/>
+        </a:fillRef>
+        <a:effectRef idx="0">
+          <a:scrgbClr r="0" g="0" b="0"/>
+        </a:effectRef>
+        <a:fontRef idx="minor">
+          <a:schemeClr val="lt1"/>
+        </a:fontRef>
+      </dsp:style>
+      <dsp:txBody>
+        <a:bodyPr spcFirstLastPara="0" vert="horz" wrap="square" lIns="28004" tIns="9335" rIns="9335" bIns="9335" numCol="1" spcCol="1270" anchor="ctr" anchorCtr="0">
+          <a:noAutofit/>
+        </a:bodyPr>
+        <a:lstStyle/>
+        <a:p>
+          <a:pPr lvl="0" algn="ctr" defTabSz="311150">
+            <a:lnSpc>
+              <a:spcPct val="90000"/>
+            </a:lnSpc>
+            <a:spcBef>
+              <a:spcPct val="0"/>
+            </a:spcBef>
+            <a:spcAft>
+              <a:spcPct val="35000"/>
+            </a:spcAft>
+          </a:pPr>
+          <a:r>
+            <a:rPr lang="pt-BR" sz="700" kern="1200" dirty="0" smtClean="0"/>
+            <a:t>Ação</a:t>
+          </a:r>
+          <a:endParaRPr lang="pt-BR" sz="700" kern="1200" dirty="0"/>
+        </a:p>
+      </dsp:txBody>
+      <dsp:txXfrm>
+        <a:off x="3290961" y="338786"/>
+        <a:ext cx="519472" cy="346314"/>
+      </dsp:txXfrm>
+    </dsp:sp>
+  </dsp:spTree>
+</dsp:drawing>
+</file>
+
+<file path=ppt/diagrams/drawing3.xml><?xml version="1.0" encoding="utf-8"?>
+<dsp:drawing xmlns:dgm="http://schemas.openxmlformats.org/drawingml/2006/diagram" xmlns:dsp="http://schemas.microsoft.com/office/drawing/2008/diagram" xmlns:a="http://schemas.openxmlformats.org/drawingml/2006/main">
+  <dsp:spTree>
+    <dsp:nvGrpSpPr>
+      <dsp:cNvPr id="0" name=""/>
+      <dsp:cNvGrpSpPr/>
+    </dsp:nvGrpSpPr>
+    <dsp:grpSpPr/>
+    <dsp:sp modelId="{B2AE8354-10C9-4A4D-9813-CBC639505B78}">
+      <dsp:nvSpPr>
+        <dsp:cNvPr id="0" name=""/>
+        <dsp:cNvSpPr/>
+      </dsp:nvSpPr>
+      <dsp:spPr>
+        <a:xfrm>
+          <a:off x="2074" y="142692"/>
+          <a:ext cx="1846259" cy="738503"/>
+        </a:xfrm>
+        <a:prstGeom prst="chevron">
+          <a:avLst/>
+        </a:prstGeom>
+        <a:solidFill>
+          <a:srgbClr val="00B050"/>
+        </a:solidFill>
+        <a:ln w="25400" cap="flat" cmpd="sng" algn="ctr">
+          <a:solidFill>
+            <a:schemeClr val="lt1">
+              <a:hueOff val="0"/>
+              <a:satOff val="0"/>
+              <a:lumOff val="0"/>
+              <a:alphaOff val="0"/>
+            </a:schemeClr>
+          </a:solidFill>
+          <a:prstDash val="solid"/>
+        </a:ln>
+        <a:effectLst/>
+      </dsp:spPr>
+      <dsp:style>
+        <a:lnRef idx="2">
+          <a:scrgbClr r="0" g="0" b="0"/>
+        </a:lnRef>
+        <a:fillRef idx="1">
+          <a:scrgbClr r="0" g="0" b="0"/>
+        </a:fillRef>
+        <a:effectRef idx="0">
+          <a:scrgbClr r="0" g="0" b="0"/>
+        </a:effectRef>
+        <a:fontRef idx="minor">
+          <a:schemeClr val="lt1"/>
+        </a:fontRef>
+      </dsp:style>
+      <dsp:txBody>
+        <a:bodyPr spcFirstLastPara="0" vert="horz" wrap="square" lIns="60008" tIns="20003" rIns="20003" bIns="20003" numCol="1" spcCol="1270" anchor="ctr" anchorCtr="0">
+          <a:noAutofit/>
+        </a:bodyPr>
+        <a:lstStyle/>
+        <a:p>
+          <a:pPr lvl="0" algn="ctr" defTabSz="666750">
+            <a:lnSpc>
+              <a:spcPct val="90000"/>
+            </a:lnSpc>
+            <a:spcBef>
+              <a:spcPct val="0"/>
+            </a:spcBef>
+            <a:spcAft>
+              <a:spcPct val="35000"/>
+            </a:spcAft>
+          </a:pPr>
+          <a:r>
+            <a:rPr lang="pt-BR" sz="1500" kern="1200" dirty="0" smtClean="0"/>
+            <a:t>Alerta </a:t>
+          </a:r>
+          <a:endParaRPr lang="pt-BR" sz="1500" kern="1200" dirty="0"/>
+        </a:p>
+      </dsp:txBody>
+      <dsp:txXfrm>
+        <a:off x="371326" y="142692"/>
+        <a:ext cx="1107756" cy="738503"/>
+      </dsp:txXfrm>
+    </dsp:sp>
+    <dsp:sp modelId="{0E54B96F-FCDA-4811-9652-44BD62A0423B}">
+      <dsp:nvSpPr>
+        <dsp:cNvPr id="0" name=""/>
+        <dsp:cNvSpPr/>
+      </dsp:nvSpPr>
+      <dsp:spPr>
+        <a:xfrm>
+          <a:off x="1663708" y="142692"/>
+          <a:ext cx="1846259" cy="738503"/>
+        </a:xfrm>
+        <a:prstGeom prst="chevron">
+          <a:avLst/>
+        </a:prstGeom>
+        <a:solidFill>
+          <a:srgbClr val="00B050"/>
+        </a:solidFill>
+        <a:ln w="25400" cap="flat" cmpd="sng" algn="ctr">
+          <a:solidFill>
+            <a:schemeClr val="lt1">
+              <a:hueOff val="0"/>
+              <a:satOff val="0"/>
+              <a:lumOff val="0"/>
+              <a:alphaOff val="0"/>
+            </a:schemeClr>
+          </a:solidFill>
+          <a:prstDash val="solid"/>
+        </a:ln>
+        <a:effectLst/>
+      </dsp:spPr>
+      <dsp:style>
+        <a:lnRef idx="2">
+          <a:scrgbClr r="0" g="0" b="0"/>
+        </a:lnRef>
+        <a:fillRef idx="1">
+          <a:scrgbClr r="0" g="0" b="0"/>
+        </a:fillRef>
+        <a:effectRef idx="0">
+          <a:scrgbClr r="0" g="0" b="0"/>
+        </a:effectRef>
+        <a:fontRef idx="minor">
+          <a:schemeClr val="lt1"/>
+        </a:fontRef>
+      </dsp:style>
+      <dsp:txBody>
+        <a:bodyPr spcFirstLastPara="0" vert="horz" wrap="square" lIns="60008" tIns="20003" rIns="20003" bIns="20003" numCol="1" spcCol="1270" anchor="ctr" anchorCtr="0">
+          <a:noAutofit/>
+        </a:bodyPr>
+        <a:lstStyle/>
+        <a:p>
+          <a:pPr lvl="0" algn="ctr" defTabSz="666750">
+            <a:lnSpc>
+              <a:spcPct val="90000"/>
+            </a:lnSpc>
+            <a:spcBef>
+              <a:spcPct val="0"/>
+            </a:spcBef>
+            <a:spcAft>
+              <a:spcPct val="35000"/>
+            </a:spcAft>
+          </a:pPr>
+          <a:r>
+            <a:rPr lang="pt-BR" sz="1500" kern="1200" dirty="0" smtClean="0"/>
+            <a:t>Decisão </a:t>
+          </a:r>
+          <a:endParaRPr lang="pt-BR" sz="1500" kern="1200" dirty="0"/>
+        </a:p>
+      </dsp:txBody>
+      <dsp:txXfrm>
+        <a:off x="2032960" y="142692"/>
+        <a:ext cx="1107756" cy="738503"/>
+      </dsp:txXfrm>
+    </dsp:sp>
+    <dsp:sp modelId="{138F2E86-935B-4AAB-80A0-A8E3FB8514BE}">
+      <dsp:nvSpPr>
+        <dsp:cNvPr id="0" name=""/>
+        <dsp:cNvSpPr/>
+      </dsp:nvSpPr>
+      <dsp:spPr>
+        <a:xfrm>
+          <a:off x="3402179" y="144013"/>
+          <a:ext cx="1846259" cy="738503"/>
+        </a:xfrm>
+        <a:prstGeom prst="chevron">
+          <a:avLst/>
+        </a:prstGeom>
+        <a:solidFill>
+          <a:schemeClr val="accent6">
+            <a:lumMod val="75000"/>
+          </a:schemeClr>
+        </a:solidFill>
+        <a:ln w="25400" cap="flat" cmpd="sng" algn="ctr">
+          <a:solidFill>
+            <a:schemeClr val="lt1">
+              <a:hueOff val="0"/>
+              <a:satOff val="0"/>
+              <a:lumOff val="0"/>
+              <a:alphaOff val="0"/>
+            </a:schemeClr>
+          </a:solidFill>
+          <a:prstDash val="solid"/>
+        </a:ln>
+        <a:effectLst/>
+      </dsp:spPr>
+      <dsp:style>
+        <a:lnRef idx="2">
+          <a:scrgbClr r="0" g="0" b="0"/>
+        </a:lnRef>
+        <a:fillRef idx="1">
+          <a:scrgbClr r="0" g="0" b="0"/>
+        </a:fillRef>
+        <a:effectRef idx="0">
+          <a:scrgbClr r="0" g="0" b="0"/>
+        </a:effectRef>
+        <a:fontRef idx="minor">
+          <a:schemeClr val="lt1"/>
+        </a:fontRef>
+      </dsp:style>
+      <dsp:txBody>
+        <a:bodyPr spcFirstLastPara="0" vert="horz" wrap="square" lIns="60008" tIns="20003" rIns="20003" bIns="20003" numCol="1" spcCol="1270" anchor="ctr" anchorCtr="0">
+          <a:noAutofit/>
+        </a:bodyPr>
+        <a:lstStyle/>
+        <a:p>
+          <a:pPr lvl="0" algn="ctr" defTabSz="666750">
+            <a:lnSpc>
+              <a:spcPct val="90000"/>
+            </a:lnSpc>
+            <a:spcBef>
+              <a:spcPct val="0"/>
+            </a:spcBef>
+            <a:spcAft>
+              <a:spcPct val="35000"/>
+            </a:spcAft>
+          </a:pPr>
+          <a:r>
+            <a:rPr lang="pt-BR" sz="1500" kern="1200" dirty="0" smtClean="0"/>
+            <a:t>Objetivo</a:t>
+          </a:r>
+          <a:endParaRPr lang="pt-BR" sz="1500" kern="1200" dirty="0"/>
+        </a:p>
+      </dsp:txBody>
+      <dsp:txXfrm>
+        <a:off x="3771431" y="144013"/>
+        <a:ext cx="1107756" cy="738503"/>
+      </dsp:txXfrm>
+    </dsp:sp>
+    <dsp:sp modelId="{036DEDB6-3F7D-4265-9536-70444E0F43C5}">
+      <dsp:nvSpPr>
+        <dsp:cNvPr id="0" name=""/>
+        <dsp:cNvSpPr/>
+      </dsp:nvSpPr>
+      <dsp:spPr>
+        <a:xfrm>
+          <a:off x="4986975" y="142692"/>
+          <a:ext cx="1846259" cy="738503"/>
+        </a:xfrm>
+        <a:prstGeom prst="chevron">
+          <a:avLst/>
+        </a:prstGeom>
+        <a:solidFill>
+          <a:schemeClr val="accent6">
+            <a:lumMod val="75000"/>
+          </a:schemeClr>
+        </a:solidFill>
+        <a:ln w="25400" cap="flat" cmpd="sng" algn="ctr">
+          <a:solidFill>
+            <a:schemeClr val="lt1">
+              <a:hueOff val="0"/>
+              <a:satOff val="0"/>
+              <a:lumOff val="0"/>
+              <a:alphaOff val="0"/>
+            </a:schemeClr>
+          </a:solidFill>
+          <a:prstDash val="solid"/>
+        </a:ln>
+        <a:effectLst/>
+      </dsp:spPr>
+      <dsp:style>
+        <a:lnRef idx="2">
+          <a:scrgbClr r="0" g="0" b="0"/>
+        </a:lnRef>
+        <a:fillRef idx="1">
+          <a:scrgbClr r="0" g="0" b="0"/>
+        </a:fillRef>
+        <a:effectRef idx="0">
+          <a:scrgbClr r="0" g="0" b="0"/>
+        </a:effectRef>
+        <a:fontRef idx="minor">
+          <a:schemeClr val="lt1"/>
+        </a:fontRef>
+      </dsp:style>
+      <dsp:txBody>
+        <a:bodyPr spcFirstLastPara="0" vert="horz" wrap="square" lIns="60008" tIns="20003" rIns="20003" bIns="20003" numCol="1" spcCol="1270" anchor="ctr" anchorCtr="0">
+          <a:noAutofit/>
+        </a:bodyPr>
+        <a:lstStyle/>
+        <a:p>
+          <a:pPr lvl="0" algn="ctr" defTabSz="666750">
+            <a:lnSpc>
+              <a:spcPct val="90000"/>
+            </a:lnSpc>
+            <a:spcBef>
+              <a:spcPct val="0"/>
+            </a:spcBef>
+            <a:spcAft>
+              <a:spcPct val="35000"/>
+            </a:spcAft>
+          </a:pPr>
+          <a:r>
+            <a:rPr lang="pt-BR" sz="1500" kern="1200" dirty="0" smtClean="0"/>
+            <a:t>Configuração </a:t>
+          </a:r>
+          <a:endParaRPr lang="pt-BR" sz="1500" kern="1200" dirty="0"/>
+        </a:p>
+      </dsp:txBody>
+      <dsp:txXfrm>
+        <a:off x="5356227" y="142692"/>
+        <a:ext cx="1107756" cy="738503"/>
+      </dsp:txXfrm>
+    </dsp:sp>
+    <dsp:sp modelId="{884F73D8-A1DD-409F-B35B-3D4A5D42189F}">
+      <dsp:nvSpPr>
+        <dsp:cNvPr id="0" name=""/>
+        <dsp:cNvSpPr/>
+      </dsp:nvSpPr>
+      <dsp:spPr>
+        <a:xfrm>
+          <a:off x="6648609" y="142692"/>
+          <a:ext cx="1846259" cy="738503"/>
+        </a:xfrm>
+        <a:prstGeom prst="chevron">
+          <a:avLst/>
+        </a:prstGeom>
+        <a:solidFill>
+          <a:srgbClr val="00B050"/>
+        </a:solidFill>
+        <a:ln w="25400" cap="flat" cmpd="sng" algn="ctr">
+          <a:solidFill>
+            <a:schemeClr val="lt1">
+              <a:hueOff val="0"/>
+              <a:satOff val="0"/>
+              <a:lumOff val="0"/>
+              <a:alphaOff val="0"/>
+            </a:schemeClr>
+          </a:solidFill>
+          <a:prstDash val="solid"/>
+        </a:ln>
+        <a:effectLst/>
+      </dsp:spPr>
+      <dsp:style>
+        <a:lnRef idx="2">
+          <a:scrgbClr r="0" g="0" b="0"/>
+        </a:lnRef>
+        <a:fillRef idx="1">
+          <a:scrgbClr r="0" g="0" b="0"/>
+        </a:fillRef>
+        <a:effectRef idx="0">
+          <a:scrgbClr r="0" g="0" b="0"/>
+        </a:effectRef>
+        <a:fontRef idx="minor">
+          <a:schemeClr val="lt1"/>
+        </a:fontRef>
+      </dsp:style>
+      <dsp:txBody>
+        <a:bodyPr spcFirstLastPara="0" vert="horz" wrap="square" lIns="60008" tIns="20003" rIns="20003" bIns="20003" numCol="1" spcCol="1270" anchor="ctr" anchorCtr="0">
+          <a:noAutofit/>
+        </a:bodyPr>
+        <a:lstStyle/>
+        <a:p>
+          <a:pPr lvl="0" algn="ctr" defTabSz="666750">
+            <a:lnSpc>
+              <a:spcPct val="90000"/>
+            </a:lnSpc>
+            <a:spcBef>
+              <a:spcPct val="0"/>
+            </a:spcBef>
+            <a:spcAft>
+              <a:spcPct val="35000"/>
+            </a:spcAft>
+          </a:pPr>
+          <a:r>
+            <a:rPr lang="pt-BR" sz="1500" kern="1200" dirty="0" smtClean="0"/>
+            <a:t>Ação</a:t>
+          </a:r>
+          <a:endParaRPr lang="pt-BR" sz="1500" kern="1200" dirty="0"/>
+        </a:p>
+      </dsp:txBody>
+      <dsp:txXfrm>
+        <a:off x="7017861" y="142692"/>
+        <a:ext cx="1107756" cy="738503"/>
+      </dsp:txXfrm>
+    </dsp:sp>
+  </dsp:spTree>
+</dsp:drawing>
+</file>
+
+<file path=ppt/diagrams/drawing4.xml><?xml version="1.0" encoding="utf-8"?>
+<dsp:drawing xmlns:dgm="http://schemas.openxmlformats.org/drawingml/2006/diagram" xmlns:dsp="http://schemas.microsoft.com/office/drawing/2008/diagram" xmlns:a="http://schemas.openxmlformats.org/drawingml/2006/main">
+  <dsp:spTree>
+    <dsp:nvGrpSpPr>
+      <dsp:cNvPr id="0" name=""/>
+      <dsp:cNvGrpSpPr/>
+    </dsp:nvGrpSpPr>
+    <dsp:grpSpPr/>
     <dsp:sp modelId="{A780AA79-43E5-4DF3-AF54-0D5FEB66A11B}">
       <dsp:nvSpPr>
         <dsp:cNvPr id="0" name=""/>
@@ -6666,403 +8644,6 @@
       <dsp:txXfrm>
         <a:off x="3546211" y="2610101"/>
         <a:ext cx="1180793" cy="572582"/>
-      </dsp:txXfrm>
-    </dsp:sp>
-  </dsp:spTree>
-</dsp:drawing>
-</file>
-
-<file path=ppt/diagrams/drawing3.xml><?xml version="1.0" encoding="utf-8"?>
-<dsp:drawing xmlns:dgm="http://schemas.openxmlformats.org/drawingml/2006/diagram" xmlns:dsp="http://schemas.microsoft.com/office/drawing/2008/diagram" xmlns:a="http://schemas.openxmlformats.org/drawingml/2006/main">
-  <dsp:spTree>
-    <dsp:nvGrpSpPr>
-      <dsp:cNvPr id="0" name=""/>
-      <dsp:cNvGrpSpPr/>
-    </dsp:nvGrpSpPr>
-    <dsp:grpSpPr/>
-    <dsp:sp modelId="{B2AE8354-10C9-4A4D-9813-CBC639505B78}">
-      <dsp:nvSpPr>
-        <dsp:cNvPr id="0" name=""/>
-        <dsp:cNvSpPr/>
-      </dsp:nvSpPr>
-      <dsp:spPr>
-        <a:xfrm>
-          <a:off x="2074" y="142692"/>
-          <a:ext cx="1846259" cy="738503"/>
-        </a:xfrm>
-        <a:prstGeom prst="chevron">
-          <a:avLst/>
-        </a:prstGeom>
-        <a:solidFill>
-          <a:schemeClr val="accent1">
-            <a:hueOff val="0"/>
-            <a:satOff val="0"/>
-            <a:lumOff val="0"/>
-            <a:alphaOff val="0"/>
-          </a:schemeClr>
-        </a:solidFill>
-        <a:ln w="25400" cap="flat" cmpd="sng" algn="ctr">
-          <a:solidFill>
-            <a:schemeClr val="lt1">
-              <a:hueOff val="0"/>
-              <a:satOff val="0"/>
-              <a:lumOff val="0"/>
-              <a:alphaOff val="0"/>
-            </a:schemeClr>
-          </a:solidFill>
-          <a:prstDash val="solid"/>
-        </a:ln>
-        <a:effectLst/>
-      </dsp:spPr>
-      <dsp:style>
-        <a:lnRef idx="2">
-          <a:scrgbClr r="0" g="0" b="0"/>
-        </a:lnRef>
-        <a:fillRef idx="1">
-          <a:scrgbClr r="0" g="0" b="0"/>
-        </a:fillRef>
-        <a:effectRef idx="0">
-          <a:scrgbClr r="0" g="0" b="0"/>
-        </a:effectRef>
-        <a:fontRef idx="minor">
-          <a:schemeClr val="lt1"/>
-        </a:fontRef>
-      </dsp:style>
-      <dsp:txBody>
-        <a:bodyPr spcFirstLastPara="0" vert="horz" wrap="square" lIns="60008" tIns="20003" rIns="20003" bIns="20003" numCol="1" spcCol="1270" anchor="ctr" anchorCtr="0">
-          <a:noAutofit/>
-        </a:bodyPr>
-        <a:lstStyle/>
-        <a:p>
-          <a:pPr lvl="0" algn="ctr" defTabSz="666750">
-            <a:lnSpc>
-              <a:spcPct val="90000"/>
-            </a:lnSpc>
-            <a:spcBef>
-              <a:spcPct val="0"/>
-            </a:spcBef>
-            <a:spcAft>
-              <a:spcPct val="35000"/>
-            </a:spcAft>
-          </a:pPr>
-          <a:r>
-            <a:rPr lang="pt-BR" sz="1500" kern="1200" dirty="0" smtClean="0"/>
-            <a:t>Alerta </a:t>
-          </a:r>
-          <a:endParaRPr lang="pt-BR" sz="1500" kern="1200" dirty="0"/>
-        </a:p>
-      </dsp:txBody>
-      <dsp:txXfrm>
-        <a:off x="371326" y="142692"/>
-        <a:ext cx="1107756" cy="738503"/>
-      </dsp:txXfrm>
-    </dsp:sp>
-    <dsp:sp modelId="{0E54B96F-FCDA-4811-9652-44BD62A0423B}">
-      <dsp:nvSpPr>
-        <dsp:cNvPr id="0" name=""/>
-        <dsp:cNvSpPr/>
-      </dsp:nvSpPr>
-      <dsp:spPr>
-        <a:xfrm>
-          <a:off x="1663708" y="142692"/>
-          <a:ext cx="1846259" cy="738503"/>
-        </a:xfrm>
-        <a:prstGeom prst="chevron">
-          <a:avLst/>
-        </a:prstGeom>
-        <a:solidFill>
-          <a:schemeClr val="accent1">
-            <a:hueOff val="0"/>
-            <a:satOff val="0"/>
-            <a:lumOff val="0"/>
-            <a:alphaOff val="0"/>
-          </a:schemeClr>
-        </a:solidFill>
-        <a:ln w="25400" cap="flat" cmpd="sng" algn="ctr">
-          <a:solidFill>
-            <a:schemeClr val="lt1">
-              <a:hueOff val="0"/>
-              <a:satOff val="0"/>
-              <a:lumOff val="0"/>
-              <a:alphaOff val="0"/>
-            </a:schemeClr>
-          </a:solidFill>
-          <a:prstDash val="solid"/>
-        </a:ln>
-        <a:effectLst/>
-      </dsp:spPr>
-      <dsp:style>
-        <a:lnRef idx="2">
-          <a:scrgbClr r="0" g="0" b="0"/>
-        </a:lnRef>
-        <a:fillRef idx="1">
-          <a:scrgbClr r="0" g="0" b="0"/>
-        </a:fillRef>
-        <a:effectRef idx="0">
-          <a:scrgbClr r="0" g="0" b="0"/>
-        </a:effectRef>
-        <a:fontRef idx="minor">
-          <a:schemeClr val="lt1"/>
-        </a:fontRef>
-      </dsp:style>
-      <dsp:txBody>
-        <a:bodyPr spcFirstLastPara="0" vert="horz" wrap="square" lIns="60008" tIns="20003" rIns="20003" bIns="20003" numCol="1" spcCol="1270" anchor="ctr" anchorCtr="0">
-          <a:noAutofit/>
-        </a:bodyPr>
-        <a:lstStyle/>
-        <a:p>
-          <a:pPr lvl="0" algn="ctr" defTabSz="666750">
-            <a:lnSpc>
-              <a:spcPct val="90000"/>
-            </a:lnSpc>
-            <a:spcBef>
-              <a:spcPct val="0"/>
-            </a:spcBef>
-            <a:spcAft>
-              <a:spcPct val="35000"/>
-            </a:spcAft>
-          </a:pPr>
-          <a:r>
-            <a:rPr lang="pt-BR" sz="1500" kern="1200" dirty="0" smtClean="0"/>
-            <a:t>Decisão </a:t>
-          </a:r>
-          <a:endParaRPr lang="pt-BR" sz="1500" kern="1200" dirty="0"/>
-        </a:p>
-      </dsp:txBody>
-      <dsp:txXfrm>
-        <a:off x="2032960" y="142692"/>
-        <a:ext cx="1107756" cy="738503"/>
-      </dsp:txXfrm>
-    </dsp:sp>
-    <dsp:sp modelId="{138F2E86-935B-4AAB-80A0-A8E3FB8514BE}">
-      <dsp:nvSpPr>
-        <dsp:cNvPr id="0" name=""/>
-        <dsp:cNvSpPr/>
-      </dsp:nvSpPr>
-      <dsp:spPr>
-        <a:xfrm>
-          <a:off x="3325342" y="142692"/>
-          <a:ext cx="1846259" cy="738503"/>
-        </a:xfrm>
-        <a:prstGeom prst="chevron">
-          <a:avLst/>
-        </a:prstGeom>
-        <a:solidFill>
-          <a:schemeClr val="accent1">
-            <a:hueOff val="0"/>
-            <a:satOff val="0"/>
-            <a:lumOff val="0"/>
-            <a:alphaOff val="0"/>
-          </a:schemeClr>
-        </a:solidFill>
-        <a:ln w="25400" cap="flat" cmpd="sng" algn="ctr">
-          <a:solidFill>
-            <a:schemeClr val="lt1">
-              <a:hueOff val="0"/>
-              <a:satOff val="0"/>
-              <a:lumOff val="0"/>
-              <a:alphaOff val="0"/>
-            </a:schemeClr>
-          </a:solidFill>
-          <a:prstDash val="solid"/>
-        </a:ln>
-        <a:effectLst/>
-      </dsp:spPr>
-      <dsp:style>
-        <a:lnRef idx="2">
-          <a:scrgbClr r="0" g="0" b="0"/>
-        </a:lnRef>
-        <a:fillRef idx="1">
-          <a:scrgbClr r="0" g="0" b="0"/>
-        </a:fillRef>
-        <a:effectRef idx="0">
-          <a:scrgbClr r="0" g="0" b="0"/>
-        </a:effectRef>
-        <a:fontRef idx="minor">
-          <a:schemeClr val="lt1"/>
-        </a:fontRef>
-      </dsp:style>
-      <dsp:txBody>
-        <a:bodyPr spcFirstLastPara="0" vert="horz" wrap="square" lIns="60008" tIns="20003" rIns="20003" bIns="20003" numCol="1" spcCol="1270" anchor="ctr" anchorCtr="0">
-          <a:noAutofit/>
-        </a:bodyPr>
-        <a:lstStyle/>
-        <a:p>
-          <a:pPr lvl="0" algn="ctr" defTabSz="666750">
-            <a:lnSpc>
-              <a:spcPct val="90000"/>
-            </a:lnSpc>
-            <a:spcBef>
-              <a:spcPct val="0"/>
-            </a:spcBef>
-            <a:spcAft>
-              <a:spcPct val="35000"/>
-            </a:spcAft>
-          </a:pPr>
-          <a:r>
-            <a:rPr lang="pt-BR" sz="1500" kern="1200" dirty="0" smtClean="0"/>
-            <a:t>Objetivo</a:t>
-          </a:r>
-          <a:endParaRPr lang="pt-BR" sz="1500" kern="1200" dirty="0"/>
-        </a:p>
-      </dsp:txBody>
-      <dsp:txXfrm>
-        <a:off x="3694594" y="142692"/>
-        <a:ext cx="1107756" cy="738503"/>
-      </dsp:txXfrm>
-    </dsp:sp>
-    <dsp:sp modelId="{036DEDB6-3F7D-4265-9536-70444E0F43C5}">
-      <dsp:nvSpPr>
-        <dsp:cNvPr id="0" name=""/>
-        <dsp:cNvSpPr/>
-      </dsp:nvSpPr>
-      <dsp:spPr>
-        <a:xfrm>
-          <a:off x="4986975" y="142692"/>
-          <a:ext cx="1846259" cy="738503"/>
-        </a:xfrm>
-        <a:prstGeom prst="chevron">
-          <a:avLst/>
-        </a:prstGeom>
-        <a:solidFill>
-          <a:schemeClr val="accent1">
-            <a:hueOff val="0"/>
-            <a:satOff val="0"/>
-            <a:lumOff val="0"/>
-            <a:alphaOff val="0"/>
-          </a:schemeClr>
-        </a:solidFill>
-        <a:ln w="25400" cap="flat" cmpd="sng" algn="ctr">
-          <a:solidFill>
-            <a:schemeClr val="lt1">
-              <a:hueOff val="0"/>
-              <a:satOff val="0"/>
-              <a:lumOff val="0"/>
-              <a:alphaOff val="0"/>
-            </a:schemeClr>
-          </a:solidFill>
-          <a:prstDash val="solid"/>
-        </a:ln>
-        <a:effectLst/>
-      </dsp:spPr>
-      <dsp:style>
-        <a:lnRef idx="2">
-          <a:scrgbClr r="0" g="0" b="0"/>
-        </a:lnRef>
-        <a:fillRef idx="1">
-          <a:scrgbClr r="0" g="0" b="0"/>
-        </a:fillRef>
-        <a:effectRef idx="0">
-          <a:scrgbClr r="0" g="0" b="0"/>
-        </a:effectRef>
-        <a:fontRef idx="minor">
-          <a:schemeClr val="lt1"/>
-        </a:fontRef>
-      </dsp:style>
-      <dsp:txBody>
-        <a:bodyPr spcFirstLastPara="0" vert="horz" wrap="square" lIns="60008" tIns="20003" rIns="20003" bIns="20003" numCol="1" spcCol="1270" anchor="ctr" anchorCtr="0">
-          <a:noAutofit/>
-        </a:bodyPr>
-        <a:lstStyle/>
-        <a:p>
-          <a:pPr lvl="0" algn="ctr" defTabSz="666750">
-            <a:lnSpc>
-              <a:spcPct val="90000"/>
-            </a:lnSpc>
-            <a:spcBef>
-              <a:spcPct val="0"/>
-            </a:spcBef>
-            <a:spcAft>
-              <a:spcPct val="35000"/>
-            </a:spcAft>
-          </a:pPr>
-          <a:r>
-            <a:rPr lang="pt-BR" sz="1500" kern="1200" smtClean="0"/>
-            <a:t>Configuração </a:t>
-          </a:r>
-          <a:endParaRPr lang="pt-BR" sz="1500" kern="1200" dirty="0"/>
-        </a:p>
-      </dsp:txBody>
-      <dsp:txXfrm>
-        <a:off x="5356227" y="142692"/>
-        <a:ext cx="1107756" cy="738503"/>
-      </dsp:txXfrm>
-    </dsp:sp>
-    <dsp:sp modelId="{884F73D8-A1DD-409F-B35B-3D4A5D42189F}">
-      <dsp:nvSpPr>
-        <dsp:cNvPr id="0" name=""/>
-        <dsp:cNvSpPr/>
-      </dsp:nvSpPr>
-      <dsp:spPr>
-        <a:xfrm>
-          <a:off x="6648609" y="142692"/>
-          <a:ext cx="1846259" cy="738503"/>
-        </a:xfrm>
-        <a:prstGeom prst="chevron">
-          <a:avLst/>
-        </a:prstGeom>
-        <a:solidFill>
-          <a:schemeClr val="accent1">
-            <a:hueOff val="0"/>
-            <a:satOff val="0"/>
-            <a:lumOff val="0"/>
-            <a:alphaOff val="0"/>
-          </a:schemeClr>
-        </a:solidFill>
-        <a:ln w="25400" cap="flat" cmpd="sng" algn="ctr">
-          <a:solidFill>
-            <a:schemeClr val="lt1">
-              <a:hueOff val="0"/>
-              <a:satOff val="0"/>
-              <a:lumOff val="0"/>
-              <a:alphaOff val="0"/>
-            </a:schemeClr>
-          </a:solidFill>
-          <a:prstDash val="solid"/>
-        </a:ln>
-        <a:effectLst/>
-      </dsp:spPr>
-      <dsp:style>
-        <a:lnRef idx="2">
-          <a:scrgbClr r="0" g="0" b="0"/>
-        </a:lnRef>
-        <a:fillRef idx="1">
-          <a:scrgbClr r="0" g="0" b="0"/>
-        </a:fillRef>
-        <a:effectRef idx="0">
-          <a:scrgbClr r="0" g="0" b="0"/>
-        </a:effectRef>
-        <a:fontRef idx="minor">
-          <a:schemeClr val="lt1"/>
-        </a:fontRef>
-      </dsp:style>
-      <dsp:txBody>
-        <a:bodyPr spcFirstLastPara="0" vert="horz" wrap="square" lIns="60008" tIns="20003" rIns="20003" bIns="20003" numCol="1" spcCol="1270" anchor="ctr" anchorCtr="0">
-          <a:noAutofit/>
-        </a:bodyPr>
-        <a:lstStyle/>
-        <a:p>
-          <a:pPr lvl="0" algn="ctr" defTabSz="666750">
-            <a:lnSpc>
-              <a:spcPct val="90000"/>
-            </a:lnSpc>
-            <a:spcBef>
-              <a:spcPct val="0"/>
-            </a:spcBef>
-            <a:spcAft>
-              <a:spcPct val="35000"/>
-            </a:spcAft>
-          </a:pPr>
-          <a:r>
-            <a:rPr lang="pt-BR" sz="1500" kern="1200" dirty="0" smtClean="0"/>
-            <a:t>Ação</a:t>
-          </a:r>
-          <a:endParaRPr lang="pt-BR" sz="1500" kern="1200" dirty="0"/>
-        </a:p>
-      </dsp:txBody>
-      <dsp:txXfrm>
-        <a:off x="7017861" y="142692"/>
-        <a:ext cx="1107756" cy="738503"/>
       </dsp:txXfrm>
     </dsp:sp>
   </dsp:spTree>
@@ -7390,6 +8971,572 @@
 </file>
 
 <file path=ppt/diagrams/layout2.xml><?xml version="1.0" encoding="utf-8"?>
+<dgm:layoutDef xmlns:dgm="http://schemas.openxmlformats.org/drawingml/2006/diagram" xmlns:a="http://schemas.openxmlformats.org/drawingml/2006/main" uniqueId="urn:microsoft.com/office/officeart/2005/8/layout/chevron1">
+  <dgm:title val=""/>
+  <dgm:desc val=""/>
+  <dgm:catLst>
+    <dgm:cat type="process" pri="9000"/>
+  </dgm:catLst>
+  <dgm:sampData useDef="1">
+    <dgm:dataModel>
+      <dgm:ptLst/>
+      <dgm:bg/>
+      <dgm:whole/>
+    </dgm:dataModel>
+  </dgm:sampData>
+  <dgm:styleData>
+    <dgm:dataModel>
+      <dgm:ptLst>
+        <dgm:pt modelId="0" type="doc"/>
+        <dgm:pt modelId="1"/>
+        <dgm:pt modelId="2"/>
+      </dgm:ptLst>
+      <dgm:cxnLst>
+        <dgm:cxn modelId="3" srcId="0" destId="1" srcOrd="0" destOrd="0"/>
+        <dgm:cxn modelId="4" srcId="0" destId="2" srcOrd="1" destOrd="0"/>
+      </dgm:cxnLst>
+      <dgm:bg/>
+      <dgm:whole/>
+    </dgm:dataModel>
+  </dgm:styleData>
+  <dgm:clrData>
+    <dgm:dataModel>
+      <dgm:ptLst>
+        <dgm:pt modelId="0" type="doc"/>
+        <dgm:pt modelId="1"/>
+        <dgm:pt modelId="2"/>
+        <dgm:pt modelId="3"/>
+        <dgm:pt modelId="4"/>
+      </dgm:ptLst>
+      <dgm:cxnLst>
+        <dgm:cxn modelId="5" srcId="0" destId="1" srcOrd="0" destOrd="0"/>
+        <dgm:cxn modelId="6" srcId="0" destId="2" srcOrd="1" destOrd="0"/>
+        <dgm:cxn modelId="7" srcId="0" destId="3" srcOrd="2" destOrd="0"/>
+        <dgm:cxn modelId="8" srcId="0" destId="4" srcOrd="3" destOrd="0"/>
+      </dgm:cxnLst>
+      <dgm:bg/>
+      <dgm:whole/>
+    </dgm:dataModel>
+  </dgm:clrData>
+  <dgm:layoutNode name="Name0">
+    <dgm:varLst>
+      <dgm:dir/>
+      <dgm:animLvl val="lvl"/>
+      <dgm:resizeHandles val="exact"/>
+    </dgm:varLst>
+    <dgm:choose name="Name1">
+      <dgm:if name="Name2" func="var" arg="dir" op="equ" val="norm">
+        <dgm:alg type="lin"/>
+      </dgm:if>
+      <dgm:else name="Name3">
+        <dgm:alg type="lin">
+          <dgm:param type="linDir" val="fromR"/>
+        </dgm:alg>
+      </dgm:else>
+    </dgm:choose>
+    <dgm:shape xmlns:r="http://schemas.openxmlformats.org/officeDocument/2006/relationships" r:blip="">
+      <dgm:adjLst/>
+    </dgm:shape>
+    <dgm:presOf/>
+    <dgm:choose name="Name4">
+      <dgm:if name="Name5" axis="des" func="maxDepth" op="gte" val="2">
+        <dgm:constrLst>
+          <dgm:constr type="h" for="ch" forName="composite" refType="h"/>
+          <dgm:constr type="w" for="ch" forName="composite" refType="w"/>
+          <dgm:constr type="w" for="des" forName="parTx"/>
+          <dgm:constr type="h" for="des" forName="parTx" op="equ"/>
+          <dgm:constr type="w" for="des" forName="desTx"/>
+          <dgm:constr type="h" for="des" forName="desTx" op="equ"/>
+          <dgm:constr type="primFontSz" for="des" forName="parTx" val="65"/>
+          <dgm:constr type="secFontSz" for="des" forName="desTx" refType="primFontSz" refFor="des" refForName="parTx" op="equ"/>
+          <dgm:constr type="h" for="des" forName="parTx" refType="primFontSz" refFor="des" refForName="parTx" fact="1.5"/>
+          <dgm:constr type="h" for="des" forName="desTx" refType="primFontSz" refFor="des" refForName="parTx" fact="0.5"/>
+          <dgm:constr type="w" for="ch" forName="space" op="equ" val="-6"/>
+        </dgm:constrLst>
+        <dgm:ruleLst>
+          <dgm:rule type="w" for="ch" forName="composite" val="0" fact="NaN" max="NaN"/>
+          <dgm:rule type="primFontSz" for="des" forName="parTx" val="5" fact="NaN" max="NaN"/>
+        </dgm:ruleLst>
+        <dgm:forEach name="Name6" axis="ch" ptType="node">
+          <dgm:layoutNode name="composite">
+            <dgm:alg type="composite"/>
+            <dgm:shape xmlns:r="http://schemas.openxmlformats.org/officeDocument/2006/relationships" r:blip="">
+              <dgm:adjLst/>
+            </dgm:shape>
+            <dgm:presOf/>
+            <dgm:choose name="Name7">
+              <dgm:if name="Name8" func="var" arg="dir" op="equ" val="norm">
+                <dgm:constrLst>
+                  <dgm:constr type="l" for="ch" forName="parTx"/>
+                  <dgm:constr type="w" for="ch" forName="parTx" refType="w"/>
+                  <dgm:constr type="t" for="ch" forName="parTx"/>
+                  <dgm:constr type="l" for="ch" forName="desTx"/>
+                  <dgm:constr type="w" for="ch" forName="desTx" refType="w" refFor="ch" refForName="parTx" fact="0.8"/>
+                  <dgm:constr type="t" for="ch" forName="desTx" refType="h" refFor="ch" refForName="parTx" fact="1.125"/>
+                </dgm:constrLst>
+              </dgm:if>
+              <dgm:else name="Name9">
+                <dgm:constrLst>
+                  <dgm:constr type="l" for="ch" forName="parTx"/>
+                  <dgm:constr type="w" for="ch" forName="parTx" refType="w"/>
+                  <dgm:constr type="t" for="ch" forName="parTx"/>
+                  <dgm:constr type="l" for="ch" forName="desTx" refType="w" fact="0.2"/>
+                  <dgm:constr type="w" for="ch" forName="desTx" refType="w" refFor="ch" refForName="parTx" fact="0.8"/>
+                  <dgm:constr type="t" for="ch" forName="desTx" refType="h" refFor="ch" refForName="parTx" fact="1.125"/>
+                </dgm:constrLst>
+              </dgm:else>
+            </dgm:choose>
+            <dgm:ruleLst>
+              <dgm:rule type="h" val="INF" fact="NaN" max="NaN"/>
+            </dgm:ruleLst>
+            <dgm:layoutNode name="parTx">
+              <dgm:varLst>
+                <dgm:chMax val="0"/>
+                <dgm:chPref val="0"/>
+                <dgm:bulletEnabled val="1"/>
+              </dgm:varLst>
+              <dgm:alg type="tx"/>
+              <dgm:choose name="Name10">
+                <dgm:if name="Name11" func="var" arg="dir" op="equ" val="norm">
+                  <dgm:shape xmlns:r="http://schemas.openxmlformats.org/officeDocument/2006/relationships" type="chevron" r:blip="">
+                    <dgm:adjLst/>
+                  </dgm:shape>
+                </dgm:if>
+                <dgm:else name="Name12">
+                  <dgm:shape xmlns:r="http://schemas.openxmlformats.org/officeDocument/2006/relationships" rot="180" type="chevron" r:blip="">
+                    <dgm:adjLst/>
+                  </dgm:shape>
+                </dgm:else>
+              </dgm:choose>
+              <dgm:presOf axis="self" ptType="node"/>
+              <dgm:choose name="Name13">
+                <dgm:if name="Name14" func="var" arg="dir" op="equ" val="norm">
+                  <dgm:constrLst>
+                    <dgm:constr type="h" refType="w" op="lte" fact="0.4"/>
+                    <dgm:constr type="h"/>
+                    <dgm:constr type="tMarg" refType="primFontSz" fact="0.105"/>
+                    <dgm:constr type="bMarg" refType="primFontSz" fact="0.105"/>
+                    <dgm:constr type="lMarg" refType="primFontSz" fact="0.315"/>
+                    <dgm:constr type="rMarg" refType="primFontSz" fact="0.105"/>
+                  </dgm:constrLst>
+                </dgm:if>
+                <dgm:else name="Name15">
+                  <dgm:constrLst>
+                    <dgm:constr type="h" refType="w" op="lte" fact="0.4"/>
+                    <dgm:constr type="h"/>
+                    <dgm:constr type="tMarg" refType="primFontSz" fact="0.105"/>
+                    <dgm:constr type="bMarg" refType="primFontSz" fact="0.105"/>
+                    <dgm:constr type="lMarg" refType="primFontSz" fact="0.105"/>
+                    <dgm:constr type="rMarg" refType="primFontSz" fact="0.315"/>
+                  </dgm:constrLst>
+                </dgm:else>
+              </dgm:choose>
+              <dgm:ruleLst>
+                <dgm:rule type="h" val="INF" fact="NaN" max="NaN"/>
+              </dgm:ruleLst>
+            </dgm:layoutNode>
+            <dgm:layoutNode name="desTx" styleLbl="revTx">
+              <dgm:varLst>
+                <dgm:bulletEnabled val="1"/>
+              </dgm:varLst>
+              <dgm:alg type="tx">
+                <dgm:param type="stBulletLvl" val="1"/>
+              </dgm:alg>
+              <dgm:choose name="Name16">
+                <dgm:if name="Name17" axis="ch" ptType="node" func="cnt" op="gte" val="1">
+                  <dgm:shape xmlns:r="http://schemas.openxmlformats.org/officeDocument/2006/relationships" type="rect" r:blip="">
+                    <dgm:adjLst/>
+                  </dgm:shape>
+                </dgm:if>
+                <dgm:else name="Name18">
+                  <dgm:shape xmlns:r="http://schemas.openxmlformats.org/officeDocument/2006/relationships" type="rect" r:blip="" hideGeom="1">
+                    <dgm:adjLst/>
+                  </dgm:shape>
+                </dgm:else>
+              </dgm:choose>
+              <dgm:presOf axis="des" ptType="node"/>
+              <dgm:constrLst>
+                <dgm:constr type="secFontSz" val="65"/>
+                <dgm:constr type="primFontSz" refType="secFontSz"/>
+                <dgm:constr type="h"/>
+                <dgm:constr type="tMarg"/>
+                <dgm:constr type="bMarg"/>
+                <dgm:constr type="rMarg"/>
+                <dgm:constr type="lMarg"/>
+              </dgm:constrLst>
+              <dgm:ruleLst>
+                <dgm:rule type="h" val="INF" fact="NaN" max="NaN"/>
+              </dgm:ruleLst>
+            </dgm:layoutNode>
+          </dgm:layoutNode>
+          <dgm:forEach name="Name19" axis="followSib" ptType="sibTrans" cnt="1">
+            <dgm:layoutNode name="space">
+              <dgm:alg type="sp"/>
+              <dgm:shape xmlns:r="http://schemas.openxmlformats.org/officeDocument/2006/relationships" r:blip="">
+                <dgm:adjLst/>
+              </dgm:shape>
+              <dgm:presOf/>
+              <dgm:constrLst/>
+              <dgm:ruleLst/>
+            </dgm:layoutNode>
+          </dgm:forEach>
+        </dgm:forEach>
+      </dgm:if>
+      <dgm:else name="Name20">
+        <dgm:constrLst>
+          <dgm:constr type="w" for="ch" forName="parTxOnly" refType="w"/>
+          <dgm:constr type="h" for="des" forName="parTxOnly" op="equ"/>
+          <dgm:constr type="primFontSz" for="des" forName="parTxOnly" op="equ" val="65"/>
+          <dgm:constr type="w" for="ch" forName="parTxOnlySpace" refType="w" refFor="ch" refForName="parTxOnly" fact="-0.1"/>
+        </dgm:constrLst>
+        <dgm:ruleLst/>
+        <dgm:forEach name="Name21" axis="ch" ptType="node">
+          <dgm:layoutNode name="parTxOnly">
+            <dgm:varLst>
+              <dgm:chMax val="0"/>
+              <dgm:chPref val="0"/>
+              <dgm:bulletEnabled val="1"/>
+            </dgm:varLst>
+            <dgm:alg type="tx"/>
+            <dgm:choose name="Name22">
+              <dgm:if name="Name23" func="var" arg="dir" op="equ" val="norm">
+                <dgm:shape xmlns:r="http://schemas.openxmlformats.org/officeDocument/2006/relationships" type="chevron" r:blip="">
+                  <dgm:adjLst/>
+                </dgm:shape>
+              </dgm:if>
+              <dgm:else name="Name24">
+                <dgm:shape xmlns:r="http://schemas.openxmlformats.org/officeDocument/2006/relationships" rot="180" type="chevron" r:blip="">
+                  <dgm:adjLst/>
+                </dgm:shape>
+              </dgm:else>
+            </dgm:choose>
+            <dgm:presOf axis="self" ptType="node"/>
+            <dgm:choose name="Name25">
+              <dgm:if name="Name26" func="var" arg="dir" op="equ" val="norm">
+                <dgm:constrLst>
+                  <dgm:constr type="h" refType="w" op="equ" fact="0.4"/>
+                  <dgm:constr type="tMarg" refType="primFontSz" fact="0.105"/>
+                  <dgm:constr type="bMarg" refType="primFontSz" fact="0.105"/>
+                  <dgm:constr type="lMarg" refType="primFontSz" fact="0.315"/>
+                  <dgm:constr type="rMarg" refType="primFontSz" fact="0.105"/>
+                </dgm:constrLst>
+              </dgm:if>
+              <dgm:else name="Name27">
+                <dgm:constrLst>
+                  <dgm:constr type="h" refType="w" op="equ" fact="0.4"/>
+                  <dgm:constr type="tMarg" refType="primFontSz" fact="0.105"/>
+                  <dgm:constr type="bMarg" refType="primFontSz" fact="0.105"/>
+                  <dgm:constr type="lMarg" refType="primFontSz" fact="0.105"/>
+                  <dgm:constr type="rMarg" refType="primFontSz" fact="0.315"/>
+                </dgm:constrLst>
+              </dgm:else>
+            </dgm:choose>
+            <dgm:ruleLst>
+              <dgm:rule type="primFontSz" val="5" fact="NaN" max="NaN"/>
+            </dgm:ruleLst>
+          </dgm:layoutNode>
+          <dgm:forEach name="Name28" axis="followSib" ptType="sibTrans" cnt="1">
+            <dgm:layoutNode name="parTxOnlySpace">
+              <dgm:alg type="sp"/>
+              <dgm:shape xmlns:r="http://schemas.openxmlformats.org/officeDocument/2006/relationships" r:blip="">
+                <dgm:adjLst/>
+              </dgm:shape>
+              <dgm:presOf/>
+              <dgm:constrLst/>
+              <dgm:ruleLst/>
+            </dgm:layoutNode>
+          </dgm:forEach>
+        </dgm:forEach>
+      </dgm:else>
+    </dgm:choose>
+  </dgm:layoutNode>
+</dgm:layoutDef>
+</file>
+
+<file path=ppt/diagrams/layout3.xml><?xml version="1.0" encoding="utf-8"?>
+<dgm:layoutDef xmlns:dgm="http://schemas.openxmlformats.org/drawingml/2006/diagram" xmlns:a="http://schemas.openxmlformats.org/drawingml/2006/main" uniqueId="urn:microsoft.com/office/officeart/2005/8/layout/chevron1">
+  <dgm:title val=""/>
+  <dgm:desc val=""/>
+  <dgm:catLst>
+    <dgm:cat type="process" pri="9000"/>
+  </dgm:catLst>
+  <dgm:sampData useDef="1">
+    <dgm:dataModel>
+      <dgm:ptLst/>
+      <dgm:bg/>
+      <dgm:whole/>
+    </dgm:dataModel>
+  </dgm:sampData>
+  <dgm:styleData>
+    <dgm:dataModel>
+      <dgm:ptLst>
+        <dgm:pt modelId="0" type="doc"/>
+        <dgm:pt modelId="1"/>
+        <dgm:pt modelId="2"/>
+      </dgm:ptLst>
+      <dgm:cxnLst>
+        <dgm:cxn modelId="3" srcId="0" destId="1" srcOrd="0" destOrd="0"/>
+        <dgm:cxn modelId="4" srcId="0" destId="2" srcOrd="1" destOrd="0"/>
+      </dgm:cxnLst>
+      <dgm:bg/>
+      <dgm:whole/>
+    </dgm:dataModel>
+  </dgm:styleData>
+  <dgm:clrData>
+    <dgm:dataModel>
+      <dgm:ptLst>
+        <dgm:pt modelId="0" type="doc"/>
+        <dgm:pt modelId="1"/>
+        <dgm:pt modelId="2"/>
+        <dgm:pt modelId="3"/>
+        <dgm:pt modelId="4"/>
+      </dgm:ptLst>
+      <dgm:cxnLst>
+        <dgm:cxn modelId="5" srcId="0" destId="1" srcOrd="0" destOrd="0"/>
+        <dgm:cxn modelId="6" srcId="0" destId="2" srcOrd="1" destOrd="0"/>
+        <dgm:cxn modelId="7" srcId="0" destId="3" srcOrd="2" destOrd="0"/>
+        <dgm:cxn modelId="8" srcId="0" destId="4" srcOrd="3" destOrd="0"/>
+      </dgm:cxnLst>
+      <dgm:bg/>
+      <dgm:whole/>
+    </dgm:dataModel>
+  </dgm:clrData>
+  <dgm:layoutNode name="Name0">
+    <dgm:varLst>
+      <dgm:dir/>
+      <dgm:animLvl val="lvl"/>
+      <dgm:resizeHandles val="exact"/>
+    </dgm:varLst>
+    <dgm:choose name="Name1">
+      <dgm:if name="Name2" func="var" arg="dir" op="equ" val="norm">
+        <dgm:alg type="lin"/>
+      </dgm:if>
+      <dgm:else name="Name3">
+        <dgm:alg type="lin">
+          <dgm:param type="linDir" val="fromR"/>
+        </dgm:alg>
+      </dgm:else>
+    </dgm:choose>
+    <dgm:shape xmlns:r="http://schemas.openxmlformats.org/officeDocument/2006/relationships" r:blip="">
+      <dgm:adjLst/>
+    </dgm:shape>
+    <dgm:presOf/>
+    <dgm:choose name="Name4">
+      <dgm:if name="Name5" axis="des" func="maxDepth" op="gte" val="2">
+        <dgm:constrLst>
+          <dgm:constr type="h" for="ch" forName="composite" refType="h"/>
+          <dgm:constr type="w" for="ch" forName="composite" refType="w"/>
+          <dgm:constr type="w" for="des" forName="parTx"/>
+          <dgm:constr type="h" for="des" forName="parTx" op="equ"/>
+          <dgm:constr type="w" for="des" forName="desTx"/>
+          <dgm:constr type="h" for="des" forName="desTx" op="equ"/>
+          <dgm:constr type="primFontSz" for="des" forName="parTx" val="65"/>
+          <dgm:constr type="secFontSz" for="des" forName="desTx" refType="primFontSz" refFor="des" refForName="parTx" op="equ"/>
+          <dgm:constr type="h" for="des" forName="parTx" refType="primFontSz" refFor="des" refForName="parTx" fact="1.5"/>
+          <dgm:constr type="h" for="des" forName="desTx" refType="primFontSz" refFor="des" refForName="parTx" fact="0.5"/>
+          <dgm:constr type="w" for="ch" forName="space" op="equ" val="-6"/>
+        </dgm:constrLst>
+        <dgm:ruleLst>
+          <dgm:rule type="w" for="ch" forName="composite" val="0" fact="NaN" max="NaN"/>
+          <dgm:rule type="primFontSz" for="des" forName="parTx" val="5" fact="NaN" max="NaN"/>
+        </dgm:ruleLst>
+        <dgm:forEach name="Name6" axis="ch" ptType="node">
+          <dgm:layoutNode name="composite">
+            <dgm:alg type="composite"/>
+            <dgm:shape xmlns:r="http://schemas.openxmlformats.org/officeDocument/2006/relationships" r:blip="">
+              <dgm:adjLst/>
+            </dgm:shape>
+            <dgm:presOf/>
+            <dgm:choose name="Name7">
+              <dgm:if name="Name8" func="var" arg="dir" op="equ" val="norm">
+                <dgm:constrLst>
+                  <dgm:constr type="l" for="ch" forName="parTx"/>
+                  <dgm:constr type="w" for="ch" forName="parTx" refType="w"/>
+                  <dgm:constr type="t" for="ch" forName="parTx"/>
+                  <dgm:constr type="l" for="ch" forName="desTx"/>
+                  <dgm:constr type="w" for="ch" forName="desTx" refType="w" refFor="ch" refForName="parTx" fact="0.8"/>
+                  <dgm:constr type="t" for="ch" forName="desTx" refType="h" refFor="ch" refForName="parTx" fact="1.125"/>
+                </dgm:constrLst>
+              </dgm:if>
+              <dgm:else name="Name9">
+                <dgm:constrLst>
+                  <dgm:constr type="l" for="ch" forName="parTx"/>
+                  <dgm:constr type="w" for="ch" forName="parTx" refType="w"/>
+                  <dgm:constr type="t" for="ch" forName="parTx"/>
+                  <dgm:constr type="l" for="ch" forName="desTx" refType="w" fact="0.2"/>
+                  <dgm:constr type="w" for="ch" forName="desTx" refType="w" refFor="ch" refForName="parTx" fact="0.8"/>
+                  <dgm:constr type="t" for="ch" forName="desTx" refType="h" refFor="ch" refForName="parTx" fact="1.125"/>
+                </dgm:constrLst>
+              </dgm:else>
+            </dgm:choose>
+            <dgm:ruleLst>
+              <dgm:rule type="h" val="INF" fact="NaN" max="NaN"/>
+            </dgm:ruleLst>
+            <dgm:layoutNode name="parTx">
+              <dgm:varLst>
+                <dgm:chMax val="0"/>
+                <dgm:chPref val="0"/>
+                <dgm:bulletEnabled val="1"/>
+              </dgm:varLst>
+              <dgm:alg type="tx"/>
+              <dgm:choose name="Name10">
+                <dgm:if name="Name11" func="var" arg="dir" op="equ" val="norm">
+                  <dgm:shape xmlns:r="http://schemas.openxmlformats.org/officeDocument/2006/relationships" type="chevron" r:blip="">
+                    <dgm:adjLst/>
+                  </dgm:shape>
+                </dgm:if>
+                <dgm:else name="Name12">
+                  <dgm:shape xmlns:r="http://schemas.openxmlformats.org/officeDocument/2006/relationships" rot="180" type="chevron" r:blip="">
+                    <dgm:adjLst/>
+                  </dgm:shape>
+                </dgm:else>
+              </dgm:choose>
+              <dgm:presOf axis="self" ptType="node"/>
+              <dgm:choose name="Name13">
+                <dgm:if name="Name14" func="var" arg="dir" op="equ" val="norm">
+                  <dgm:constrLst>
+                    <dgm:constr type="h" refType="w" op="lte" fact="0.4"/>
+                    <dgm:constr type="h"/>
+                    <dgm:constr type="tMarg" refType="primFontSz" fact="0.105"/>
+                    <dgm:constr type="bMarg" refType="primFontSz" fact="0.105"/>
+                    <dgm:constr type="lMarg" refType="primFontSz" fact="0.315"/>
+                    <dgm:constr type="rMarg" refType="primFontSz" fact="0.105"/>
+                  </dgm:constrLst>
+                </dgm:if>
+                <dgm:else name="Name15">
+                  <dgm:constrLst>
+                    <dgm:constr type="h" refType="w" op="lte" fact="0.4"/>
+                    <dgm:constr type="h"/>
+                    <dgm:constr type="tMarg" refType="primFontSz" fact="0.105"/>
+                    <dgm:constr type="bMarg" refType="primFontSz" fact="0.105"/>
+                    <dgm:constr type="lMarg" refType="primFontSz" fact="0.105"/>
+                    <dgm:constr type="rMarg" refType="primFontSz" fact="0.315"/>
+                  </dgm:constrLst>
+                </dgm:else>
+              </dgm:choose>
+              <dgm:ruleLst>
+                <dgm:rule type="h" val="INF" fact="NaN" max="NaN"/>
+              </dgm:ruleLst>
+            </dgm:layoutNode>
+            <dgm:layoutNode name="desTx" styleLbl="revTx">
+              <dgm:varLst>
+                <dgm:bulletEnabled val="1"/>
+              </dgm:varLst>
+              <dgm:alg type="tx">
+                <dgm:param type="stBulletLvl" val="1"/>
+              </dgm:alg>
+              <dgm:choose name="Name16">
+                <dgm:if name="Name17" axis="ch" ptType="node" func="cnt" op="gte" val="1">
+                  <dgm:shape xmlns:r="http://schemas.openxmlformats.org/officeDocument/2006/relationships" type="rect" r:blip="">
+                    <dgm:adjLst/>
+                  </dgm:shape>
+                </dgm:if>
+                <dgm:else name="Name18">
+                  <dgm:shape xmlns:r="http://schemas.openxmlformats.org/officeDocument/2006/relationships" type="rect" r:blip="" hideGeom="1">
+                    <dgm:adjLst/>
+                  </dgm:shape>
+                </dgm:else>
+              </dgm:choose>
+              <dgm:presOf axis="des" ptType="node"/>
+              <dgm:constrLst>
+                <dgm:constr type="secFontSz" val="65"/>
+                <dgm:constr type="primFontSz" refType="secFontSz"/>
+                <dgm:constr type="h"/>
+                <dgm:constr type="tMarg"/>
+                <dgm:constr type="bMarg"/>
+                <dgm:constr type="rMarg"/>
+                <dgm:constr type="lMarg"/>
+              </dgm:constrLst>
+              <dgm:ruleLst>
+                <dgm:rule type="h" val="INF" fact="NaN" max="NaN"/>
+              </dgm:ruleLst>
+            </dgm:layoutNode>
+          </dgm:layoutNode>
+          <dgm:forEach name="Name19" axis="followSib" ptType="sibTrans" cnt="1">
+            <dgm:layoutNode name="space">
+              <dgm:alg type="sp"/>
+              <dgm:shape xmlns:r="http://schemas.openxmlformats.org/officeDocument/2006/relationships" r:blip="">
+                <dgm:adjLst/>
+              </dgm:shape>
+              <dgm:presOf/>
+              <dgm:constrLst/>
+              <dgm:ruleLst/>
+            </dgm:layoutNode>
+          </dgm:forEach>
+        </dgm:forEach>
+      </dgm:if>
+      <dgm:else name="Name20">
+        <dgm:constrLst>
+          <dgm:constr type="w" for="ch" forName="parTxOnly" refType="w"/>
+          <dgm:constr type="h" for="des" forName="parTxOnly" op="equ"/>
+          <dgm:constr type="primFontSz" for="des" forName="parTxOnly" op="equ" val="65"/>
+          <dgm:constr type="w" for="ch" forName="parTxOnlySpace" refType="w" refFor="ch" refForName="parTxOnly" fact="-0.1"/>
+        </dgm:constrLst>
+        <dgm:ruleLst/>
+        <dgm:forEach name="Name21" axis="ch" ptType="node">
+          <dgm:layoutNode name="parTxOnly">
+            <dgm:varLst>
+              <dgm:chMax val="0"/>
+              <dgm:chPref val="0"/>
+              <dgm:bulletEnabled val="1"/>
+            </dgm:varLst>
+            <dgm:alg type="tx"/>
+            <dgm:choose name="Name22">
+              <dgm:if name="Name23" func="var" arg="dir" op="equ" val="norm">
+                <dgm:shape xmlns:r="http://schemas.openxmlformats.org/officeDocument/2006/relationships" type="chevron" r:blip="">
+                  <dgm:adjLst/>
+                </dgm:shape>
+              </dgm:if>
+              <dgm:else name="Name24">
+                <dgm:shape xmlns:r="http://schemas.openxmlformats.org/officeDocument/2006/relationships" rot="180" type="chevron" r:blip="">
+                  <dgm:adjLst/>
+                </dgm:shape>
+              </dgm:else>
+            </dgm:choose>
+            <dgm:presOf axis="self" ptType="node"/>
+            <dgm:choose name="Name25">
+              <dgm:if name="Name26" func="var" arg="dir" op="equ" val="norm">
+                <dgm:constrLst>
+                  <dgm:constr type="h" refType="w" op="equ" fact="0.4"/>
+                  <dgm:constr type="tMarg" refType="primFontSz" fact="0.105"/>
+                  <dgm:constr type="bMarg" refType="primFontSz" fact="0.105"/>
+                  <dgm:constr type="lMarg" refType="primFontSz" fact="0.315"/>
+                  <dgm:constr type="rMarg" refType="primFontSz" fact="0.105"/>
+                </dgm:constrLst>
+              </dgm:if>
+              <dgm:else name="Name27">
+                <dgm:constrLst>
+                  <dgm:constr type="h" refType="w" op="equ" fact="0.4"/>
+                  <dgm:constr type="tMarg" refType="primFontSz" fact="0.105"/>
+                  <dgm:constr type="bMarg" refType="primFontSz" fact="0.105"/>
+                  <dgm:constr type="lMarg" refType="primFontSz" fact="0.105"/>
+                  <dgm:constr type="rMarg" refType="primFontSz" fact="0.315"/>
+                </dgm:constrLst>
+              </dgm:else>
+            </dgm:choose>
+            <dgm:ruleLst>
+              <dgm:rule type="primFontSz" val="5" fact="NaN" max="NaN"/>
+            </dgm:ruleLst>
+          </dgm:layoutNode>
+          <dgm:forEach name="Name28" axis="followSib" ptType="sibTrans" cnt="1">
+            <dgm:layoutNode name="parTxOnlySpace">
+              <dgm:alg type="sp"/>
+              <dgm:shape xmlns:r="http://schemas.openxmlformats.org/officeDocument/2006/relationships" r:blip="">
+                <dgm:adjLst/>
+              </dgm:shape>
+              <dgm:presOf/>
+              <dgm:constrLst/>
+              <dgm:ruleLst/>
+            </dgm:layoutNode>
+          </dgm:forEach>
+        </dgm:forEach>
+      </dgm:else>
+    </dgm:choose>
+  </dgm:layoutNode>
+</dgm:layoutDef>
+</file>
+
+<file path=ppt/diagrams/layout4.xml><?xml version="1.0" encoding="utf-8"?>
 <dgm:layoutDef xmlns:dgm="http://schemas.openxmlformats.org/drawingml/2006/diagram" xmlns:a="http://schemas.openxmlformats.org/drawingml/2006/main" uniqueId="urn:microsoft.com/office/officeart/2005/8/layout/hierarchy5">
   <dgm:title val=""/>
   <dgm:desc val=""/>
@@ -7963,289 +10110,6 @@
 </dgm:layoutDef>
 </file>
 
-<file path=ppt/diagrams/layout3.xml><?xml version="1.0" encoding="utf-8"?>
-<dgm:layoutDef xmlns:dgm="http://schemas.openxmlformats.org/drawingml/2006/diagram" xmlns:a="http://schemas.openxmlformats.org/drawingml/2006/main" uniqueId="urn:microsoft.com/office/officeart/2005/8/layout/chevron1">
-  <dgm:title val=""/>
-  <dgm:desc val=""/>
-  <dgm:catLst>
-    <dgm:cat type="process" pri="9000"/>
-  </dgm:catLst>
-  <dgm:sampData useDef="1">
-    <dgm:dataModel>
-      <dgm:ptLst/>
-      <dgm:bg/>
-      <dgm:whole/>
-    </dgm:dataModel>
-  </dgm:sampData>
-  <dgm:styleData>
-    <dgm:dataModel>
-      <dgm:ptLst>
-        <dgm:pt modelId="0" type="doc"/>
-        <dgm:pt modelId="1"/>
-        <dgm:pt modelId="2"/>
-      </dgm:ptLst>
-      <dgm:cxnLst>
-        <dgm:cxn modelId="3" srcId="0" destId="1" srcOrd="0" destOrd="0"/>
-        <dgm:cxn modelId="4" srcId="0" destId="2" srcOrd="1" destOrd="0"/>
-      </dgm:cxnLst>
-      <dgm:bg/>
-      <dgm:whole/>
-    </dgm:dataModel>
-  </dgm:styleData>
-  <dgm:clrData>
-    <dgm:dataModel>
-      <dgm:ptLst>
-        <dgm:pt modelId="0" type="doc"/>
-        <dgm:pt modelId="1"/>
-        <dgm:pt modelId="2"/>
-        <dgm:pt modelId="3"/>
-        <dgm:pt modelId="4"/>
-      </dgm:ptLst>
-      <dgm:cxnLst>
-        <dgm:cxn modelId="5" srcId="0" destId="1" srcOrd="0" destOrd="0"/>
-        <dgm:cxn modelId="6" srcId="0" destId="2" srcOrd="1" destOrd="0"/>
-        <dgm:cxn modelId="7" srcId="0" destId="3" srcOrd="2" destOrd="0"/>
-        <dgm:cxn modelId="8" srcId="0" destId="4" srcOrd="3" destOrd="0"/>
-      </dgm:cxnLst>
-      <dgm:bg/>
-      <dgm:whole/>
-    </dgm:dataModel>
-  </dgm:clrData>
-  <dgm:layoutNode name="Name0">
-    <dgm:varLst>
-      <dgm:dir/>
-      <dgm:animLvl val="lvl"/>
-      <dgm:resizeHandles val="exact"/>
-    </dgm:varLst>
-    <dgm:choose name="Name1">
-      <dgm:if name="Name2" func="var" arg="dir" op="equ" val="norm">
-        <dgm:alg type="lin"/>
-      </dgm:if>
-      <dgm:else name="Name3">
-        <dgm:alg type="lin">
-          <dgm:param type="linDir" val="fromR"/>
-        </dgm:alg>
-      </dgm:else>
-    </dgm:choose>
-    <dgm:shape xmlns:r="http://schemas.openxmlformats.org/officeDocument/2006/relationships" r:blip="">
-      <dgm:adjLst/>
-    </dgm:shape>
-    <dgm:presOf/>
-    <dgm:choose name="Name4">
-      <dgm:if name="Name5" axis="des" func="maxDepth" op="gte" val="2">
-        <dgm:constrLst>
-          <dgm:constr type="h" for="ch" forName="composite" refType="h"/>
-          <dgm:constr type="w" for="ch" forName="composite" refType="w"/>
-          <dgm:constr type="w" for="des" forName="parTx"/>
-          <dgm:constr type="h" for="des" forName="parTx" op="equ"/>
-          <dgm:constr type="w" for="des" forName="desTx"/>
-          <dgm:constr type="h" for="des" forName="desTx" op="equ"/>
-          <dgm:constr type="primFontSz" for="des" forName="parTx" val="65"/>
-          <dgm:constr type="secFontSz" for="des" forName="desTx" refType="primFontSz" refFor="des" refForName="parTx" op="equ"/>
-          <dgm:constr type="h" for="des" forName="parTx" refType="primFontSz" refFor="des" refForName="parTx" fact="1.5"/>
-          <dgm:constr type="h" for="des" forName="desTx" refType="primFontSz" refFor="des" refForName="parTx" fact="0.5"/>
-          <dgm:constr type="w" for="ch" forName="space" op="equ" val="-6"/>
-        </dgm:constrLst>
-        <dgm:ruleLst>
-          <dgm:rule type="w" for="ch" forName="composite" val="0" fact="NaN" max="NaN"/>
-          <dgm:rule type="primFontSz" for="des" forName="parTx" val="5" fact="NaN" max="NaN"/>
-        </dgm:ruleLst>
-        <dgm:forEach name="Name6" axis="ch" ptType="node">
-          <dgm:layoutNode name="composite">
-            <dgm:alg type="composite"/>
-            <dgm:shape xmlns:r="http://schemas.openxmlformats.org/officeDocument/2006/relationships" r:blip="">
-              <dgm:adjLst/>
-            </dgm:shape>
-            <dgm:presOf/>
-            <dgm:choose name="Name7">
-              <dgm:if name="Name8" func="var" arg="dir" op="equ" val="norm">
-                <dgm:constrLst>
-                  <dgm:constr type="l" for="ch" forName="parTx"/>
-                  <dgm:constr type="w" for="ch" forName="parTx" refType="w"/>
-                  <dgm:constr type="t" for="ch" forName="parTx"/>
-                  <dgm:constr type="l" for="ch" forName="desTx"/>
-                  <dgm:constr type="w" for="ch" forName="desTx" refType="w" refFor="ch" refForName="parTx" fact="0.8"/>
-                  <dgm:constr type="t" for="ch" forName="desTx" refType="h" refFor="ch" refForName="parTx" fact="1.125"/>
-                </dgm:constrLst>
-              </dgm:if>
-              <dgm:else name="Name9">
-                <dgm:constrLst>
-                  <dgm:constr type="l" for="ch" forName="parTx"/>
-                  <dgm:constr type="w" for="ch" forName="parTx" refType="w"/>
-                  <dgm:constr type="t" for="ch" forName="parTx"/>
-                  <dgm:constr type="l" for="ch" forName="desTx" refType="w" fact="0.2"/>
-                  <dgm:constr type="w" for="ch" forName="desTx" refType="w" refFor="ch" refForName="parTx" fact="0.8"/>
-                  <dgm:constr type="t" for="ch" forName="desTx" refType="h" refFor="ch" refForName="parTx" fact="1.125"/>
-                </dgm:constrLst>
-              </dgm:else>
-            </dgm:choose>
-            <dgm:ruleLst>
-              <dgm:rule type="h" val="INF" fact="NaN" max="NaN"/>
-            </dgm:ruleLst>
-            <dgm:layoutNode name="parTx">
-              <dgm:varLst>
-                <dgm:chMax val="0"/>
-                <dgm:chPref val="0"/>
-                <dgm:bulletEnabled val="1"/>
-              </dgm:varLst>
-              <dgm:alg type="tx"/>
-              <dgm:choose name="Name10">
-                <dgm:if name="Name11" func="var" arg="dir" op="equ" val="norm">
-                  <dgm:shape xmlns:r="http://schemas.openxmlformats.org/officeDocument/2006/relationships" type="chevron" r:blip="">
-                    <dgm:adjLst/>
-                  </dgm:shape>
-                </dgm:if>
-                <dgm:else name="Name12">
-                  <dgm:shape xmlns:r="http://schemas.openxmlformats.org/officeDocument/2006/relationships" rot="180" type="chevron" r:blip="">
-                    <dgm:adjLst/>
-                  </dgm:shape>
-                </dgm:else>
-              </dgm:choose>
-              <dgm:presOf axis="self" ptType="node"/>
-              <dgm:choose name="Name13">
-                <dgm:if name="Name14" func="var" arg="dir" op="equ" val="norm">
-                  <dgm:constrLst>
-                    <dgm:constr type="h" refType="w" op="lte" fact="0.4"/>
-                    <dgm:constr type="h"/>
-                    <dgm:constr type="tMarg" refType="primFontSz" fact="0.105"/>
-                    <dgm:constr type="bMarg" refType="primFontSz" fact="0.105"/>
-                    <dgm:constr type="lMarg" refType="primFontSz" fact="0.315"/>
-                    <dgm:constr type="rMarg" refType="primFontSz" fact="0.105"/>
-                  </dgm:constrLst>
-                </dgm:if>
-                <dgm:else name="Name15">
-                  <dgm:constrLst>
-                    <dgm:constr type="h" refType="w" op="lte" fact="0.4"/>
-                    <dgm:constr type="h"/>
-                    <dgm:constr type="tMarg" refType="primFontSz" fact="0.105"/>
-                    <dgm:constr type="bMarg" refType="primFontSz" fact="0.105"/>
-                    <dgm:constr type="lMarg" refType="primFontSz" fact="0.105"/>
-                    <dgm:constr type="rMarg" refType="primFontSz" fact="0.315"/>
-                  </dgm:constrLst>
-                </dgm:else>
-              </dgm:choose>
-              <dgm:ruleLst>
-                <dgm:rule type="h" val="INF" fact="NaN" max="NaN"/>
-              </dgm:ruleLst>
-            </dgm:layoutNode>
-            <dgm:layoutNode name="desTx" styleLbl="revTx">
-              <dgm:varLst>
-                <dgm:bulletEnabled val="1"/>
-              </dgm:varLst>
-              <dgm:alg type="tx">
-                <dgm:param type="stBulletLvl" val="1"/>
-              </dgm:alg>
-              <dgm:choose name="Name16">
-                <dgm:if name="Name17" axis="ch" ptType="node" func="cnt" op="gte" val="1">
-                  <dgm:shape xmlns:r="http://schemas.openxmlformats.org/officeDocument/2006/relationships" type="rect" r:blip="">
-                    <dgm:adjLst/>
-                  </dgm:shape>
-                </dgm:if>
-                <dgm:else name="Name18">
-                  <dgm:shape xmlns:r="http://schemas.openxmlformats.org/officeDocument/2006/relationships" type="rect" r:blip="" hideGeom="1">
-                    <dgm:adjLst/>
-                  </dgm:shape>
-                </dgm:else>
-              </dgm:choose>
-              <dgm:presOf axis="des" ptType="node"/>
-              <dgm:constrLst>
-                <dgm:constr type="secFontSz" val="65"/>
-                <dgm:constr type="primFontSz" refType="secFontSz"/>
-                <dgm:constr type="h"/>
-                <dgm:constr type="tMarg"/>
-                <dgm:constr type="bMarg"/>
-                <dgm:constr type="rMarg"/>
-                <dgm:constr type="lMarg"/>
-              </dgm:constrLst>
-              <dgm:ruleLst>
-                <dgm:rule type="h" val="INF" fact="NaN" max="NaN"/>
-              </dgm:ruleLst>
-            </dgm:layoutNode>
-          </dgm:layoutNode>
-          <dgm:forEach name="Name19" axis="followSib" ptType="sibTrans" cnt="1">
-            <dgm:layoutNode name="space">
-              <dgm:alg type="sp"/>
-              <dgm:shape xmlns:r="http://schemas.openxmlformats.org/officeDocument/2006/relationships" r:blip="">
-                <dgm:adjLst/>
-              </dgm:shape>
-              <dgm:presOf/>
-              <dgm:constrLst/>
-              <dgm:ruleLst/>
-            </dgm:layoutNode>
-          </dgm:forEach>
-        </dgm:forEach>
-      </dgm:if>
-      <dgm:else name="Name20">
-        <dgm:constrLst>
-          <dgm:constr type="w" for="ch" forName="parTxOnly" refType="w"/>
-          <dgm:constr type="h" for="des" forName="parTxOnly" op="equ"/>
-          <dgm:constr type="primFontSz" for="des" forName="parTxOnly" op="equ" val="65"/>
-          <dgm:constr type="w" for="ch" forName="parTxOnlySpace" refType="w" refFor="ch" refForName="parTxOnly" fact="-0.1"/>
-        </dgm:constrLst>
-        <dgm:ruleLst/>
-        <dgm:forEach name="Name21" axis="ch" ptType="node">
-          <dgm:layoutNode name="parTxOnly">
-            <dgm:varLst>
-              <dgm:chMax val="0"/>
-              <dgm:chPref val="0"/>
-              <dgm:bulletEnabled val="1"/>
-            </dgm:varLst>
-            <dgm:alg type="tx"/>
-            <dgm:choose name="Name22">
-              <dgm:if name="Name23" func="var" arg="dir" op="equ" val="norm">
-                <dgm:shape xmlns:r="http://schemas.openxmlformats.org/officeDocument/2006/relationships" type="chevron" r:blip="">
-                  <dgm:adjLst/>
-                </dgm:shape>
-              </dgm:if>
-              <dgm:else name="Name24">
-                <dgm:shape xmlns:r="http://schemas.openxmlformats.org/officeDocument/2006/relationships" rot="180" type="chevron" r:blip="">
-                  <dgm:adjLst/>
-                </dgm:shape>
-              </dgm:else>
-            </dgm:choose>
-            <dgm:presOf axis="self" ptType="node"/>
-            <dgm:choose name="Name25">
-              <dgm:if name="Name26" func="var" arg="dir" op="equ" val="norm">
-                <dgm:constrLst>
-                  <dgm:constr type="h" refType="w" op="equ" fact="0.4"/>
-                  <dgm:constr type="tMarg" refType="primFontSz" fact="0.105"/>
-                  <dgm:constr type="bMarg" refType="primFontSz" fact="0.105"/>
-                  <dgm:constr type="lMarg" refType="primFontSz" fact="0.315"/>
-                  <dgm:constr type="rMarg" refType="primFontSz" fact="0.105"/>
-                </dgm:constrLst>
-              </dgm:if>
-              <dgm:else name="Name27">
-                <dgm:constrLst>
-                  <dgm:constr type="h" refType="w" op="equ" fact="0.4"/>
-                  <dgm:constr type="tMarg" refType="primFontSz" fact="0.105"/>
-                  <dgm:constr type="bMarg" refType="primFontSz" fact="0.105"/>
-                  <dgm:constr type="lMarg" refType="primFontSz" fact="0.105"/>
-                  <dgm:constr type="rMarg" refType="primFontSz" fact="0.315"/>
-                </dgm:constrLst>
-              </dgm:else>
-            </dgm:choose>
-            <dgm:ruleLst>
-              <dgm:rule type="primFontSz" val="5" fact="NaN" max="NaN"/>
-            </dgm:ruleLst>
-          </dgm:layoutNode>
-          <dgm:forEach name="Name28" axis="followSib" ptType="sibTrans" cnt="1">
-            <dgm:layoutNode name="parTxOnlySpace">
-              <dgm:alg type="sp"/>
-              <dgm:shape xmlns:r="http://schemas.openxmlformats.org/officeDocument/2006/relationships" r:blip="">
-                <dgm:adjLst/>
-              </dgm:shape>
-              <dgm:presOf/>
-              <dgm:constrLst/>
-              <dgm:ruleLst/>
-            </dgm:layoutNode>
-          </dgm:forEach>
-        </dgm:forEach>
-      </dgm:else>
-    </dgm:choose>
-  </dgm:layoutNode>
-</dgm:layoutDef>
-</file>
-
 <file path=ppt/diagrams/quickStyle1.xml><?xml version="1.0" encoding="utf-8"?>
 <dgm:styleDef xmlns:dgm="http://schemas.openxmlformats.org/drawingml/2006/diagram" xmlns:a="http://schemas.openxmlformats.org/drawingml/2006/main" uniqueId="urn:microsoft.com/office/officeart/2005/8/quickstyle/simple1">
   <dgm:title val=""/>
@@ -9281,11 +11145,11 @@
 </file>
 
 <file path=ppt/diagrams/quickStyle2.xml><?xml version="1.0" encoding="utf-8"?>
-<dgm:styleDef xmlns:dgm="http://schemas.openxmlformats.org/drawingml/2006/diagram" xmlns:a="http://schemas.openxmlformats.org/drawingml/2006/main" uniqueId="urn:microsoft.com/office/officeart/2005/8/quickstyle/simple4">
+<dgm:styleDef xmlns:dgm="http://schemas.openxmlformats.org/drawingml/2006/diagram" xmlns:a="http://schemas.openxmlformats.org/drawingml/2006/main" uniqueId="urn:microsoft.com/office/officeart/2005/8/quickstyle/simple1">
   <dgm:title val=""/>
   <dgm:desc val=""/>
   <dgm:catLst>
-    <dgm:cat type="simple" pri="10400"/>
+    <dgm:cat type="simple" pri="10100"/>
   </dgm:catLst>
   <dgm:scene3d>
     <a:camera prst="orthographicFront"/>
@@ -9299,13 +11163,13 @@
     <dgm:sp3d/>
     <dgm:txPr/>
     <dgm:style>
-      <a:lnRef idx="0">
-        <a:scrgbClr r="0" g="0" b="0"/>
-      </a:lnRef>
-      <a:fillRef idx="3">
-        <a:scrgbClr r="0" g="0" b="0"/>
-      </a:fillRef>
-      <a:effectRef idx="2">
+      <a:lnRef idx="2">
+        <a:scrgbClr r="0" g="0" b="0"/>
+      </a:lnRef>
+      <a:fillRef idx="1">
+        <a:scrgbClr r="0" g="0" b="0"/>
+      </a:fillRef>
+      <a:effectRef idx="0">
         <a:scrgbClr r="0" g="0" b="0"/>
       </a:effectRef>
       <a:fontRef idx="minor">
@@ -9321,13 +11185,13 @@
     <dgm:sp3d/>
     <dgm:txPr/>
     <dgm:style>
-      <a:lnRef idx="1">
-        <a:scrgbClr r="0" g="0" b="0"/>
-      </a:lnRef>
-      <a:fillRef idx="3">
-        <a:scrgbClr r="0" g="0" b="0"/>
-      </a:fillRef>
-      <a:effectRef idx="2">
+      <a:lnRef idx="2">
+        <a:scrgbClr r="0" g="0" b="0"/>
+      </a:lnRef>
+      <a:fillRef idx="1">
+        <a:scrgbClr r="0" g="0" b="0"/>
+      </a:fillRef>
+      <a:effectRef idx="0">
         <a:scrgbClr r="0" g="0" b="0"/>
       </a:effectRef>
       <a:fontRef idx="minor">
@@ -9343,10 +11207,10 @@
     <dgm:sp3d/>
     <dgm:txPr/>
     <dgm:style>
-      <a:lnRef idx="0">
-        <a:scrgbClr r="0" g="0" b="0"/>
-      </a:lnRef>
-      <a:fillRef idx="3">
+      <a:lnRef idx="2">
+        <a:scrgbClr r="0" g="0" b="0"/>
+      </a:lnRef>
+      <a:fillRef idx="1">
         <a:scrgbClr r="0" g="0" b="0"/>
       </a:fillRef>
       <a:effectRef idx="0">
@@ -9365,13 +11229,13 @@
     <dgm:sp3d/>
     <dgm:txPr/>
     <dgm:style>
-      <a:lnRef idx="1">
-        <a:scrgbClr r="0" g="0" b="0"/>
-      </a:lnRef>
-      <a:fillRef idx="3">
-        <a:scrgbClr r="0" g="0" b="0"/>
-      </a:fillRef>
-      <a:effectRef idx="2">
+      <a:lnRef idx="2">
+        <a:scrgbClr r="0" g="0" b="0"/>
+      </a:lnRef>
+      <a:fillRef idx="1">
+        <a:scrgbClr r="0" g="0" b="0"/>
+      </a:fillRef>
+      <a:effectRef idx="0">
         <a:scrgbClr r="0" g="0" b="0"/>
       </a:effectRef>
       <a:fontRef idx="minor">
@@ -9387,13 +11251,13 @@
     <dgm:sp3d/>
     <dgm:txPr/>
     <dgm:style>
-      <a:lnRef idx="0">
-        <a:scrgbClr r="0" g="0" b="0"/>
-      </a:lnRef>
-      <a:fillRef idx="3">
-        <a:scrgbClr r="0" g="0" b="0"/>
-      </a:fillRef>
-      <a:effectRef idx="2">
+      <a:lnRef idx="2">
+        <a:scrgbClr r="0" g="0" b="0"/>
+      </a:lnRef>
+      <a:fillRef idx="1">
+        <a:scrgbClr r="0" g="0" b="0"/>
+      </a:fillRef>
+      <a:effectRef idx="0">
         <a:scrgbClr r="0" g="0" b="0"/>
       </a:effectRef>
       <a:fontRef idx="minor">
@@ -9409,13 +11273,13 @@
     <dgm:sp3d/>
     <dgm:txPr/>
     <dgm:style>
-      <a:lnRef idx="0">
-        <a:scrgbClr r="0" g="0" b="0"/>
-      </a:lnRef>
-      <a:fillRef idx="3">
-        <a:scrgbClr r="0" g="0" b="0"/>
-      </a:fillRef>
-      <a:effectRef idx="2">
+      <a:lnRef idx="2">
+        <a:scrgbClr r="0" g="0" b="0"/>
+      </a:lnRef>
+      <a:fillRef idx="1">
+        <a:scrgbClr r="0" g="0" b="0"/>
+      </a:fillRef>
+      <a:effectRef idx="0">
         <a:scrgbClr r="0" g="0" b="0"/>
       </a:effectRef>
       <a:fontRef idx="minor">
@@ -9431,13 +11295,13 @@
     <dgm:sp3d/>
     <dgm:txPr/>
     <dgm:style>
-      <a:lnRef idx="0">
-        <a:scrgbClr r="0" g="0" b="0"/>
-      </a:lnRef>
-      <a:fillRef idx="3">
-        <a:scrgbClr r="0" g="0" b="0"/>
-      </a:fillRef>
-      <a:effectRef idx="2">
+      <a:lnRef idx="2">
+        <a:scrgbClr r="0" g="0" b="0"/>
+      </a:lnRef>
+      <a:fillRef idx="1">
+        <a:scrgbClr r="0" g="0" b="0"/>
+      </a:fillRef>
+      <a:effectRef idx="0">
         <a:scrgbClr r="0" g="0" b="0"/>
       </a:effectRef>
       <a:fontRef idx="minor">
@@ -9453,13 +11317,13 @@
     <dgm:sp3d/>
     <dgm:txPr/>
     <dgm:style>
-      <a:lnRef idx="0">
-        <a:scrgbClr r="0" g="0" b="0"/>
-      </a:lnRef>
-      <a:fillRef idx="3">
-        <a:scrgbClr r="0" g="0" b="0"/>
-      </a:fillRef>
-      <a:effectRef idx="2">
+      <a:lnRef idx="2">
+        <a:scrgbClr r="0" g="0" b="0"/>
+      </a:lnRef>
+      <a:fillRef idx="1">
+        <a:scrgbClr r="0" g="0" b="0"/>
+      </a:fillRef>
+      <a:effectRef idx="0">
         <a:scrgbClr r="0" g="0" b="0"/>
       </a:effectRef>
       <a:fontRef idx="minor">
@@ -9475,73 +11339,73 @@
     <dgm:sp3d/>
     <dgm:txPr/>
     <dgm:style>
+      <a:lnRef idx="2">
+        <a:scrgbClr r="0" g="0" b="0"/>
+      </a:lnRef>
+      <a:fillRef idx="1">
+        <a:scrgbClr r="0" g="0" b="0"/>
+      </a:fillRef>
+      <a:effectRef idx="0">
+        <a:scrgbClr r="0" g="0" b="0"/>
+      </a:effectRef>
+      <a:fontRef idx="minor"/>
+    </dgm:style>
+  </dgm:styleLbl>
+  <dgm:styleLbl name="alignImgPlace1">
+    <dgm:scene3d>
+      <a:camera prst="orthographicFront"/>
+      <a:lightRig rig="threePt" dir="t"/>
+    </dgm:scene3d>
+    <dgm:sp3d/>
+    <dgm:txPr/>
+    <dgm:style>
+      <a:lnRef idx="2">
+        <a:scrgbClr r="0" g="0" b="0"/>
+      </a:lnRef>
+      <a:fillRef idx="1">
+        <a:scrgbClr r="0" g="0" b="0"/>
+      </a:fillRef>
+      <a:effectRef idx="0">
+        <a:scrgbClr r="0" g="0" b="0"/>
+      </a:effectRef>
+      <a:fontRef idx="minor"/>
+    </dgm:style>
+  </dgm:styleLbl>
+  <dgm:styleLbl name="bgImgPlace1">
+    <dgm:scene3d>
+      <a:camera prst="orthographicFront"/>
+      <a:lightRig rig="threePt" dir="t"/>
+    </dgm:scene3d>
+    <dgm:sp3d/>
+    <dgm:txPr/>
+    <dgm:style>
+      <a:lnRef idx="2">
+        <a:scrgbClr r="0" g="0" b="0"/>
+      </a:lnRef>
+      <a:fillRef idx="1">
+        <a:scrgbClr r="0" g="0" b="0"/>
+      </a:fillRef>
+      <a:effectRef idx="0">
+        <a:scrgbClr r="0" g="0" b="0"/>
+      </a:effectRef>
+      <a:fontRef idx="minor"/>
+    </dgm:style>
+  </dgm:styleLbl>
+  <dgm:styleLbl name="sibTrans2D1">
+    <dgm:scene3d>
+      <a:camera prst="orthographicFront"/>
+      <a:lightRig rig="threePt" dir="t"/>
+    </dgm:scene3d>
+    <dgm:sp3d/>
+    <dgm:txPr/>
+    <dgm:style>
       <a:lnRef idx="0">
         <a:scrgbClr r="0" g="0" b="0"/>
       </a:lnRef>
       <a:fillRef idx="1">
         <a:scrgbClr r="0" g="0" b="0"/>
       </a:fillRef>
-      <a:effectRef idx="2">
-        <a:scrgbClr r="0" g="0" b="0"/>
-      </a:effectRef>
-      <a:fontRef idx="minor"/>
-    </dgm:style>
-  </dgm:styleLbl>
-  <dgm:styleLbl name="alignImgPlace1">
-    <dgm:scene3d>
-      <a:camera prst="orthographicFront"/>
-      <a:lightRig rig="threePt" dir="t"/>
-    </dgm:scene3d>
-    <dgm:sp3d/>
-    <dgm:txPr/>
-    <dgm:style>
-      <a:lnRef idx="0">
-        <a:scrgbClr r="0" g="0" b="0"/>
-      </a:lnRef>
-      <a:fillRef idx="1">
-        <a:scrgbClr r="0" g="0" b="0"/>
-      </a:fillRef>
-      <a:effectRef idx="2">
-        <a:scrgbClr r="0" g="0" b="0"/>
-      </a:effectRef>
-      <a:fontRef idx="minor"/>
-    </dgm:style>
-  </dgm:styleLbl>
-  <dgm:styleLbl name="bgImgPlace1">
-    <dgm:scene3d>
-      <a:camera prst="orthographicFront"/>
-      <a:lightRig rig="threePt" dir="t"/>
-    </dgm:scene3d>
-    <dgm:sp3d/>
-    <dgm:txPr/>
-    <dgm:style>
-      <a:lnRef idx="0">
-        <a:scrgbClr r="0" g="0" b="0"/>
-      </a:lnRef>
-      <a:fillRef idx="1">
-        <a:scrgbClr r="0" g="0" b="0"/>
-      </a:fillRef>
-      <a:effectRef idx="2">
-        <a:scrgbClr r="0" g="0" b="0"/>
-      </a:effectRef>
-      <a:fontRef idx="minor"/>
-    </dgm:style>
-  </dgm:styleLbl>
-  <dgm:styleLbl name="sibTrans2D1">
-    <dgm:scene3d>
-      <a:camera prst="orthographicFront"/>
-      <a:lightRig rig="threePt" dir="t"/>
-    </dgm:scene3d>
-    <dgm:sp3d/>
-    <dgm:txPr/>
-    <dgm:style>
-      <a:lnRef idx="0">
-        <a:scrgbClr r="0" g="0" b="0"/>
-      </a:lnRef>
-      <a:fillRef idx="3">
-        <a:scrgbClr r="0" g="0" b="0"/>
-      </a:fillRef>
-      <a:effectRef idx="2">
+      <a:effectRef idx="0">
         <a:scrgbClr r="0" g="0" b="0"/>
       </a:effectRef>
       <a:fontRef idx="minor">
@@ -9560,10 +11424,10 @@
       <a:lnRef idx="0">
         <a:scrgbClr r="0" g="0" b="0"/>
       </a:lnRef>
-      <a:fillRef idx="3">
-        <a:scrgbClr r="0" g="0" b="0"/>
-      </a:fillRef>
-      <a:effectRef idx="2">
+      <a:fillRef idx="1">
+        <a:scrgbClr r="0" g="0" b="0"/>
+      </a:fillRef>
+      <a:effectRef idx="0">
         <a:scrgbClr r="0" g="0" b="0"/>
       </a:effectRef>
       <a:fontRef idx="minor">
@@ -9582,10 +11446,10 @@
       <a:lnRef idx="0">
         <a:scrgbClr r="0" g="0" b="0"/>
       </a:lnRef>
-      <a:fillRef idx="3">
-        <a:scrgbClr r="0" g="0" b="0"/>
-      </a:fillRef>
-      <a:effectRef idx="2">
+      <a:fillRef idx="1">
+        <a:scrgbClr r="0" g="0" b="0"/>
+      </a:fillRef>
+      <a:effectRef idx="0">
         <a:scrgbClr r="0" g="0" b="0"/>
       </a:effectRef>
       <a:fontRef idx="minor">
@@ -9627,7 +11491,7 @@
       <a:fillRef idx="1">
         <a:scrgbClr r="0" g="0" b="0"/>
       </a:fillRef>
-      <a:effectRef idx="1">
+      <a:effectRef idx="0">
         <a:scrgbClr r="0" g="0" b="0"/>
       </a:effectRef>
       <a:fontRef idx="minor"/>
@@ -9641,13 +11505,13 @@
     <dgm:sp3d/>
     <dgm:txPr/>
     <dgm:style>
-      <a:lnRef idx="0">
-        <a:scrgbClr r="0" g="0" b="0"/>
-      </a:lnRef>
-      <a:fillRef idx="3">
-        <a:scrgbClr r="0" g="0" b="0"/>
-      </a:fillRef>
-      <a:effectRef idx="2">
+      <a:lnRef idx="2">
+        <a:scrgbClr r="0" g="0" b="0"/>
+      </a:lnRef>
+      <a:fillRef idx="1">
+        <a:scrgbClr r="0" g="0" b="0"/>
+      </a:fillRef>
+      <a:effectRef idx="0">
         <a:scrgbClr r="0" g="0" b="0"/>
       </a:effectRef>
       <a:fontRef idx="minor">
@@ -9663,13 +11527,13 @@
     <dgm:sp3d/>
     <dgm:txPr/>
     <dgm:style>
-      <a:lnRef idx="0">
-        <a:scrgbClr r="0" g="0" b="0"/>
-      </a:lnRef>
-      <a:fillRef idx="3">
-        <a:scrgbClr r="0" g="0" b="0"/>
-      </a:fillRef>
-      <a:effectRef idx="2">
+      <a:lnRef idx="2">
+        <a:scrgbClr r="0" g="0" b="0"/>
+      </a:lnRef>
+      <a:fillRef idx="1">
+        <a:scrgbClr r="0" g="0" b="0"/>
+      </a:fillRef>
+      <a:effectRef idx="0">
         <a:scrgbClr r="0" g="0" b="0"/>
       </a:effectRef>
       <a:fontRef idx="minor">
@@ -9685,13 +11549,13 @@
     <dgm:sp3d/>
     <dgm:txPr/>
     <dgm:style>
-      <a:lnRef idx="0">
-        <a:scrgbClr r="0" g="0" b="0"/>
-      </a:lnRef>
-      <a:fillRef idx="3">
-        <a:scrgbClr r="0" g="0" b="0"/>
-      </a:fillRef>
-      <a:effectRef idx="2">
+      <a:lnRef idx="2">
+        <a:scrgbClr r="0" g="0" b="0"/>
+      </a:lnRef>
+      <a:fillRef idx="1">
+        <a:scrgbClr r="0" g="0" b="0"/>
+      </a:fillRef>
+      <a:effectRef idx="0">
         <a:scrgbClr r="0" g="0" b="0"/>
       </a:effectRef>
       <a:fontRef idx="minor">
@@ -9707,13 +11571,13 @@
     <dgm:sp3d/>
     <dgm:txPr/>
     <dgm:style>
-      <a:lnRef idx="0">
-        <a:scrgbClr r="0" g="0" b="0"/>
-      </a:lnRef>
-      <a:fillRef idx="3">
-        <a:scrgbClr r="0" g="0" b="0"/>
-      </a:fillRef>
-      <a:effectRef idx="2">
+      <a:lnRef idx="2">
+        <a:scrgbClr r="0" g="0" b="0"/>
+      </a:lnRef>
+      <a:fillRef idx="1">
+        <a:scrgbClr r="0" g="0" b="0"/>
+      </a:fillRef>
+      <a:effectRef idx="0">
         <a:scrgbClr r="0" g="0" b="0"/>
       </a:effectRef>
       <a:fontRef idx="minor">
@@ -9729,13 +11593,13 @@
     <dgm:sp3d/>
     <dgm:txPr/>
     <dgm:style>
-      <a:lnRef idx="0">
-        <a:scrgbClr r="0" g="0" b="0"/>
-      </a:lnRef>
-      <a:fillRef idx="3">
-        <a:scrgbClr r="0" g="0" b="0"/>
-      </a:fillRef>
-      <a:effectRef idx="2">
+      <a:lnRef idx="2">
+        <a:scrgbClr r="0" g="0" b="0"/>
+      </a:lnRef>
+      <a:fillRef idx="1">
+        <a:scrgbClr r="0" g="0" b="0"/>
+      </a:fillRef>
+      <a:effectRef idx="0">
         <a:scrgbClr r="0" g="0" b="0"/>
       </a:effectRef>
       <a:fontRef idx="minor">
@@ -9751,13 +11615,13 @@
     <dgm:sp3d/>
     <dgm:txPr/>
     <dgm:style>
-      <a:lnRef idx="0">
-        <a:scrgbClr r="0" g="0" b="0"/>
-      </a:lnRef>
-      <a:fillRef idx="3">
-        <a:scrgbClr r="0" g="0" b="0"/>
-      </a:fillRef>
-      <a:effectRef idx="2">
+      <a:lnRef idx="2">
+        <a:scrgbClr r="0" g="0" b="0"/>
+      </a:lnRef>
+      <a:fillRef idx="1">
+        <a:scrgbClr r="0" g="0" b="0"/>
+      </a:fillRef>
+      <a:effectRef idx="0">
         <a:scrgbClr r="0" g="0" b="0"/>
       </a:effectRef>
       <a:fontRef idx="minor">
@@ -9773,13 +11637,13 @@
     <dgm:sp3d/>
     <dgm:txPr/>
     <dgm:style>
-      <a:lnRef idx="0">
-        <a:scrgbClr r="0" g="0" b="0"/>
-      </a:lnRef>
-      <a:fillRef idx="3">
-        <a:scrgbClr r="0" g="0" b="0"/>
-      </a:fillRef>
-      <a:effectRef idx="2">
+      <a:lnRef idx="2">
+        <a:scrgbClr r="0" g="0" b="0"/>
+      </a:lnRef>
+      <a:fillRef idx="1">
+        <a:scrgbClr r="0" g="0" b="0"/>
+      </a:fillRef>
+      <a:effectRef idx="0">
         <a:scrgbClr r="0" g="0" b="0"/>
       </a:effectRef>
       <a:fontRef idx="minor">
@@ -9795,13 +11659,13 @@
     <dgm:sp3d/>
     <dgm:txPr/>
     <dgm:style>
-      <a:lnRef idx="1">
-        <a:scrgbClr r="0" g="0" b="0"/>
-      </a:lnRef>
-      <a:fillRef idx="3">
-        <a:scrgbClr r="0" g="0" b="0"/>
-      </a:fillRef>
-      <a:effectRef idx="2">
+      <a:lnRef idx="2">
+        <a:scrgbClr r="0" g="0" b="0"/>
+      </a:lnRef>
+      <a:fillRef idx="1">
+        <a:scrgbClr r="0" g="0" b="0"/>
+      </a:fillRef>
+      <a:effectRef idx="0">
         <a:scrgbClr r="0" g="0" b="0"/>
       </a:effectRef>
       <a:fontRef idx="minor">
@@ -9817,13 +11681,13 @@
     <dgm:sp3d/>
     <dgm:txPr/>
     <dgm:style>
-      <a:lnRef idx="1">
-        <a:scrgbClr r="0" g="0" b="0"/>
-      </a:lnRef>
-      <a:fillRef idx="3">
-        <a:scrgbClr r="0" g="0" b="0"/>
-      </a:fillRef>
-      <a:effectRef idx="2">
+      <a:lnRef idx="2">
+        <a:scrgbClr r="0" g="0" b="0"/>
+      </a:lnRef>
+      <a:fillRef idx="1">
+        <a:scrgbClr r="0" g="0" b="0"/>
+      </a:fillRef>
+      <a:effectRef idx="0">
         <a:scrgbClr r="0" g="0" b="0"/>
       </a:effectRef>
       <a:fontRef idx="minor">
@@ -9839,10 +11703,150 @@
     <dgm:sp3d/>
     <dgm:txPr/>
     <dgm:style>
+      <a:lnRef idx="2">
+        <a:scrgbClr r="0" g="0" b="0"/>
+      </a:lnRef>
+      <a:fillRef idx="0">
+        <a:scrgbClr r="0" g="0" b="0"/>
+      </a:fillRef>
+      <a:effectRef idx="0">
+        <a:scrgbClr r="0" g="0" b="0"/>
+      </a:effectRef>
+      <a:fontRef idx="minor"/>
+    </dgm:style>
+  </dgm:styleLbl>
+  <dgm:styleLbl name="parChTrans1D2">
+    <dgm:scene3d>
+      <a:camera prst="orthographicFront"/>
+      <a:lightRig rig="threePt" dir="t"/>
+    </dgm:scene3d>
+    <dgm:sp3d/>
+    <dgm:txPr/>
+    <dgm:style>
+      <a:lnRef idx="2">
+        <a:scrgbClr r="0" g="0" b="0"/>
+      </a:lnRef>
+      <a:fillRef idx="0">
+        <a:scrgbClr r="0" g="0" b="0"/>
+      </a:fillRef>
+      <a:effectRef idx="0">
+        <a:scrgbClr r="0" g="0" b="0"/>
+      </a:effectRef>
+      <a:fontRef idx="minor"/>
+    </dgm:style>
+  </dgm:styleLbl>
+  <dgm:styleLbl name="parChTrans1D3">
+    <dgm:scene3d>
+      <a:camera prst="orthographicFront"/>
+      <a:lightRig rig="threePt" dir="t"/>
+    </dgm:scene3d>
+    <dgm:sp3d/>
+    <dgm:txPr/>
+    <dgm:style>
+      <a:lnRef idx="2">
+        <a:scrgbClr r="0" g="0" b="0"/>
+      </a:lnRef>
+      <a:fillRef idx="0">
+        <a:scrgbClr r="0" g="0" b="0"/>
+      </a:fillRef>
+      <a:effectRef idx="0">
+        <a:scrgbClr r="0" g="0" b="0"/>
+      </a:effectRef>
+      <a:fontRef idx="minor"/>
+    </dgm:style>
+  </dgm:styleLbl>
+  <dgm:styleLbl name="parChTrans1D4">
+    <dgm:scene3d>
+      <a:camera prst="orthographicFront"/>
+      <a:lightRig rig="threePt" dir="t"/>
+    </dgm:scene3d>
+    <dgm:sp3d/>
+    <dgm:txPr/>
+    <dgm:style>
+      <a:lnRef idx="2">
+        <a:scrgbClr r="0" g="0" b="0"/>
+      </a:lnRef>
+      <a:fillRef idx="0">
+        <a:scrgbClr r="0" g="0" b="0"/>
+      </a:fillRef>
+      <a:effectRef idx="0">
+        <a:scrgbClr r="0" g="0" b="0"/>
+      </a:effectRef>
+      <a:fontRef idx="minor"/>
+    </dgm:style>
+  </dgm:styleLbl>
+  <dgm:styleLbl name="fgAcc1">
+    <dgm:scene3d>
+      <a:camera prst="orthographicFront"/>
+      <a:lightRig rig="threePt" dir="t"/>
+    </dgm:scene3d>
+    <dgm:sp3d/>
+    <dgm:txPr/>
+    <dgm:style>
+      <a:lnRef idx="2">
+        <a:scrgbClr r="0" g="0" b="0"/>
+      </a:lnRef>
+      <a:fillRef idx="1">
+        <a:scrgbClr r="0" g="0" b="0"/>
+      </a:fillRef>
+      <a:effectRef idx="0">
+        <a:scrgbClr r="0" g="0" b="0"/>
+      </a:effectRef>
+      <a:fontRef idx="minor"/>
+    </dgm:style>
+  </dgm:styleLbl>
+  <dgm:styleLbl name="conFgAcc1">
+    <dgm:scene3d>
+      <a:camera prst="orthographicFront"/>
+      <a:lightRig rig="threePt" dir="t"/>
+    </dgm:scene3d>
+    <dgm:sp3d/>
+    <dgm:txPr/>
+    <dgm:style>
+      <a:lnRef idx="2">
+        <a:scrgbClr r="0" g="0" b="0"/>
+      </a:lnRef>
+      <a:fillRef idx="1">
+        <a:scrgbClr r="0" g="0" b="0"/>
+      </a:fillRef>
+      <a:effectRef idx="0">
+        <a:scrgbClr r="0" g="0" b="0"/>
+      </a:effectRef>
+      <a:fontRef idx="minor"/>
+    </dgm:style>
+  </dgm:styleLbl>
+  <dgm:styleLbl name="alignAcc1">
+    <dgm:scene3d>
+      <a:camera prst="orthographicFront"/>
+      <a:lightRig rig="threePt" dir="t"/>
+    </dgm:scene3d>
+    <dgm:sp3d/>
+    <dgm:txPr/>
+    <dgm:style>
+      <a:lnRef idx="2">
+        <a:scrgbClr r="0" g="0" b="0"/>
+      </a:lnRef>
+      <a:fillRef idx="1">
+        <a:scrgbClr r="0" g="0" b="0"/>
+      </a:fillRef>
+      <a:effectRef idx="0">
+        <a:scrgbClr r="0" g="0" b="0"/>
+      </a:effectRef>
+      <a:fontRef idx="minor"/>
+    </dgm:style>
+  </dgm:styleLbl>
+  <dgm:styleLbl name="trAlignAcc1">
+    <dgm:scene3d>
+      <a:camera prst="orthographicFront"/>
+      <a:lightRig rig="threePt" dir="t"/>
+    </dgm:scene3d>
+    <dgm:sp3d/>
+    <dgm:txPr/>
+    <dgm:style>
       <a:lnRef idx="1">
         <a:scrgbClr r="0" g="0" b="0"/>
       </a:lnRef>
-      <a:fillRef idx="0">
+      <a:fillRef idx="1">
         <a:scrgbClr r="0" g="0" b="0"/>
       </a:fillRef>
       <a:effectRef idx="0">
@@ -9851,18 +11855,18 @@
       <a:fontRef idx="minor"/>
     </dgm:style>
   </dgm:styleLbl>
-  <dgm:styleLbl name="parChTrans1D2">
-    <dgm:scene3d>
-      <a:camera prst="orthographicFront"/>
-      <a:lightRig rig="threePt" dir="t"/>
-    </dgm:scene3d>
-    <dgm:sp3d/>
-    <dgm:txPr/>
-    <dgm:style>
-      <a:lnRef idx="1">
-        <a:scrgbClr r="0" g="0" b="0"/>
-      </a:lnRef>
-      <a:fillRef idx="0">
+  <dgm:styleLbl name="bgAcc1">
+    <dgm:scene3d>
+      <a:camera prst="orthographicFront"/>
+      <a:lightRig rig="threePt" dir="t"/>
+    </dgm:scene3d>
+    <dgm:sp3d/>
+    <dgm:txPr/>
+    <dgm:style>
+      <a:lnRef idx="2">
+        <a:scrgbClr r="0" g="0" b="0"/>
+      </a:lnRef>
+      <a:fillRef idx="1">
         <a:scrgbClr r="0" g="0" b="0"/>
       </a:fillRef>
       <a:effectRef idx="0">
@@ -9871,18 +11875,18 @@
       <a:fontRef idx="minor"/>
     </dgm:style>
   </dgm:styleLbl>
-  <dgm:styleLbl name="parChTrans1D3">
-    <dgm:scene3d>
-      <a:camera prst="orthographicFront"/>
-      <a:lightRig rig="threePt" dir="t"/>
-    </dgm:scene3d>
-    <dgm:sp3d/>
-    <dgm:txPr/>
-    <dgm:style>
-      <a:lnRef idx="1">
-        <a:scrgbClr r="0" g="0" b="0"/>
-      </a:lnRef>
-      <a:fillRef idx="0">
+  <dgm:styleLbl name="solidFgAcc1">
+    <dgm:scene3d>
+      <a:camera prst="orthographicFront"/>
+      <a:lightRig rig="threePt" dir="t"/>
+    </dgm:scene3d>
+    <dgm:sp3d/>
+    <dgm:txPr/>
+    <dgm:style>
+      <a:lnRef idx="2">
+        <a:scrgbClr r="0" g="0" b="0"/>
+      </a:lnRef>
+      <a:fillRef idx="1">
         <a:scrgbClr r="0" g="0" b="0"/>
       </a:fillRef>
       <a:effectRef idx="0">
@@ -9891,18 +11895,18 @@
       <a:fontRef idx="minor"/>
     </dgm:style>
   </dgm:styleLbl>
-  <dgm:styleLbl name="parChTrans1D4">
-    <dgm:scene3d>
-      <a:camera prst="orthographicFront"/>
-      <a:lightRig rig="threePt" dir="t"/>
-    </dgm:scene3d>
-    <dgm:sp3d/>
-    <dgm:txPr/>
-    <dgm:style>
-      <a:lnRef idx="1">
-        <a:scrgbClr r="0" g="0" b="0"/>
-      </a:lnRef>
-      <a:fillRef idx="0">
+  <dgm:styleLbl name="solidAlignAcc1">
+    <dgm:scene3d>
+      <a:camera prst="orthographicFront"/>
+      <a:lightRig rig="threePt" dir="t"/>
+    </dgm:scene3d>
+    <dgm:sp3d/>
+    <dgm:txPr/>
+    <dgm:style>
+      <a:lnRef idx="2">
+        <a:scrgbClr r="0" g="0" b="0"/>
+      </a:lnRef>
+      <a:fillRef idx="1">
         <a:scrgbClr r="0" g="0" b="0"/>
       </a:fillRef>
       <a:effectRef idx="0">
@@ -9911,15 +11915,15 @@
       <a:fontRef idx="minor"/>
     </dgm:style>
   </dgm:styleLbl>
-  <dgm:styleLbl name="fgAcc1">
-    <dgm:scene3d>
-      <a:camera prst="orthographicFront"/>
-      <a:lightRig rig="threePt" dir="t"/>
-    </dgm:scene3d>
-    <dgm:sp3d/>
-    <dgm:txPr/>
-    <dgm:style>
-      <a:lnRef idx="1">
+  <dgm:styleLbl name="solidBgAcc1">
+    <dgm:scene3d>
+      <a:camera prst="orthographicFront"/>
+      <a:lightRig rig="threePt" dir="t"/>
+    </dgm:scene3d>
+    <dgm:sp3d/>
+    <dgm:txPr/>
+    <dgm:style>
+      <a:lnRef idx="2">
         <a:scrgbClr r="0" g="0" b="0"/>
       </a:lnRef>
       <a:fillRef idx="1">
@@ -9931,15 +11935,15 @@
       <a:fontRef idx="minor"/>
     </dgm:style>
   </dgm:styleLbl>
-  <dgm:styleLbl name="conFgAcc1">
-    <dgm:scene3d>
-      <a:camera prst="orthographicFront"/>
-      <a:lightRig rig="threePt" dir="t"/>
-    </dgm:scene3d>
-    <dgm:sp3d/>
-    <dgm:txPr/>
-    <dgm:style>
-      <a:lnRef idx="1">
+  <dgm:styleLbl name="fgAccFollowNode1">
+    <dgm:scene3d>
+      <a:camera prst="orthographicFront"/>
+      <a:lightRig rig="threePt" dir="t"/>
+    </dgm:scene3d>
+    <dgm:sp3d/>
+    <dgm:txPr/>
+    <dgm:style>
+      <a:lnRef idx="2">
         <a:scrgbClr r="0" g="0" b="0"/>
       </a:lnRef>
       <a:fillRef idx="1">
@@ -9951,15 +11955,15 @@
       <a:fontRef idx="minor"/>
     </dgm:style>
   </dgm:styleLbl>
-  <dgm:styleLbl name="alignAcc1">
-    <dgm:scene3d>
-      <a:camera prst="orthographicFront"/>
-      <a:lightRig rig="threePt" dir="t"/>
-    </dgm:scene3d>
-    <dgm:sp3d/>
-    <dgm:txPr/>
-    <dgm:style>
-      <a:lnRef idx="1">
+  <dgm:styleLbl name="alignAccFollowNode1">
+    <dgm:scene3d>
+      <a:camera prst="orthographicFront"/>
+      <a:lightRig rig="threePt" dir="t"/>
+    </dgm:scene3d>
+    <dgm:sp3d/>
+    <dgm:txPr/>
+    <dgm:style>
+      <a:lnRef idx="2">
         <a:scrgbClr r="0" g="0" b="0"/>
       </a:lnRef>
       <a:fillRef idx="1">
@@ -9971,15 +11975,15 @@
       <a:fontRef idx="minor"/>
     </dgm:style>
   </dgm:styleLbl>
-  <dgm:styleLbl name="trAlignAcc1">
-    <dgm:scene3d>
-      <a:camera prst="orthographicFront"/>
-      <a:lightRig rig="threePt" dir="t"/>
-    </dgm:scene3d>
-    <dgm:sp3d/>
-    <dgm:txPr/>
-    <dgm:style>
-      <a:lnRef idx="1">
+  <dgm:styleLbl name="bgAccFollowNode1">
+    <dgm:scene3d>
+      <a:camera prst="orthographicFront"/>
+      <a:lightRig rig="threePt" dir="t"/>
+    </dgm:scene3d>
+    <dgm:sp3d/>
+    <dgm:txPr/>
+    <dgm:style>
+      <a:lnRef idx="2">
         <a:scrgbClr r="0" g="0" b="0"/>
       </a:lnRef>
       <a:fillRef idx="1">
@@ -9991,15 +11995,15 @@
       <a:fontRef idx="minor"/>
     </dgm:style>
   </dgm:styleLbl>
-  <dgm:styleLbl name="bgAcc1">
-    <dgm:scene3d>
-      <a:camera prst="orthographicFront"/>
-      <a:lightRig rig="threePt" dir="t"/>
-    </dgm:scene3d>
-    <dgm:sp3d/>
-    <dgm:txPr/>
-    <dgm:style>
-      <a:lnRef idx="1">
+  <dgm:styleLbl name="fgAcc0">
+    <dgm:scene3d>
+      <a:camera prst="orthographicFront"/>
+      <a:lightRig rig="threePt" dir="t"/>
+    </dgm:scene3d>
+    <dgm:sp3d/>
+    <dgm:txPr/>
+    <dgm:style>
+      <a:lnRef idx="2">
         <a:scrgbClr r="0" g="0" b="0"/>
       </a:lnRef>
       <a:fillRef idx="1">
@@ -10011,15 +12015,15 @@
       <a:fontRef idx="minor"/>
     </dgm:style>
   </dgm:styleLbl>
-  <dgm:styleLbl name="solidFgAcc1">
-    <dgm:scene3d>
-      <a:camera prst="orthographicFront"/>
-      <a:lightRig rig="threePt" dir="t"/>
-    </dgm:scene3d>
-    <dgm:sp3d/>
-    <dgm:txPr/>
-    <dgm:style>
-      <a:lnRef idx="1">
+  <dgm:styleLbl name="fgAcc2">
+    <dgm:scene3d>
+      <a:camera prst="orthographicFront"/>
+      <a:lightRig rig="threePt" dir="t"/>
+    </dgm:scene3d>
+    <dgm:sp3d/>
+    <dgm:txPr/>
+    <dgm:style>
+      <a:lnRef idx="2">
         <a:scrgbClr r="0" g="0" b="0"/>
       </a:lnRef>
       <a:fillRef idx="1">
@@ -10031,15 +12035,15 @@
       <a:fontRef idx="minor"/>
     </dgm:style>
   </dgm:styleLbl>
-  <dgm:styleLbl name="solidAlignAcc1">
-    <dgm:scene3d>
-      <a:camera prst="orthographicFront"/>
-      <a:lightRig rig="threePt" dir="t"/>
-    </dgm:scene3d>
-    <dgm:sp3d/>
-    <dgm:txPr/>
-    <dgm:style>
-      <a:lnRef idx="1">
+  <dgm:styleLbl name="fgAcc3">
+    <dgm:scene3d>
+      <a:camera prst="orthographicFront"/>
+      <a:lightRig rig="threePt" dir="t"/>
+    </dgm:scene3d>
+    <dgm:sp3d/>
+    <dgm:txPr/>
+    <dgm:style>
+      <a:lnRef idx="2">
         <a:scrgbClr r="0" g="0" b="0"/>
       </a:lnRef>
       <a:fillRef idx="1">
@@ -10051,15 +12055,15 @@
       <a:fontRef idx="minor"/>
     </dgm:style>
   </dgm:styleLbl>
-  <dgm:styleLbl name="solidBgAcc1">
-    <dgm:scene3d>
-      <a:camera prst="orthographicFront"/>
-      <a:lightRig rig="threePt" dir="t"/>
-    </dgm:scene3d>
-    <dgm:sp3d/>
-    <dgm:txPr/>
-    <dgm:style>
-      <a:lnRef idx="1">
+  <dgm:styleLbl name="fgAcc4">
+    <dgm:scene3d>
+      <a:camera prst="orthographicFront"/>
+      <a:lightRig rig="threePt" dir="t"/>
+    </dgm:scene3d>
+    <dgm:sp3d/>
+    <dgm:txPr/>
+    <dgm:style>
+      <a:lnRef idx="2">
         <a:scrgbClr r="0" g="0" b="0"/>
       </a:lnRef>
       <a:fillRef idx="1">
@@ -10071,15 +12075,15 @@
       <a:fontRef idx="minor"/>
     </dgm:style>
   </dgm:styleLbl>
-  <dgm:styleLbl name="fgAccFollowNode1">
-    <dgm:scene3d>
-      <a:camera prst="orthographicFront"/>
-      <a:lightRig rig="threePt" dir="t"/>
-    </dgm:scene3d>
-    <dgm:sp3d/>
-    <dgm:txPr/>
-    <dgm:style>
-      <a:lnRef idx="1">
+  <dgm:styleLbl name="bgShp">
+    <dgm:scene3d>
+      <a:camera prst="orthographicFront"/>
+      <a:lightRig rig="threePt" dir="t"/>
+    </dgm:scene3d>
+    <dgm:sp3d/>
+    <dgm:txPr/>
+    <dgm:style>
+      <a:lnRef idx="0">
         <a:scrgbClr r="0" g="0" b="0"/>
       </a:lnRef>
       <a:fillRef idx="1">
@@ -10091,15 +12095,15 @@
       <a:fontRef idx="minor"/>
     </dgm:style>
   </dgm:styleLbl>
-  <dgm:styleLbl name="alignAccFollowNode1">
-    <dgm:scene3d>
-      <a:camera prst="orthographicFront"/>
-      <a:lightRig rig="threePt" dir="t"/>
-    </dgm:scene3d>
-    <dgm:sp3d/>
-    <dgm:txPr/>
-    <dgm:style>
-      <a:lnRef idx="1">
+  <dgm:styleLbl name="dkBgShp">
+    <dgm:scene3d>
+      <a:camera prst="orthographicFront"/>
+      <a:lightRig rig="threePt" dir="t"/>
+    </dgm:scene3d>
+    <dgm:sp3d/>
+    <dgm:txPr/>
+    <dgm:style>
+      <a:lnRef idx="0">
         <a:scrgbClr r="0" g="0" b="0"/>
       </a:lnRef>
       <a:fillRef idx="1">
@@ -10111,15 +12115,15 @@
       <a:fontRef idx="minor"/>
     </dgm:style>
   </dgm:styleLbl>
-  <dgm:styleLbl name="bgAccFollowNode1">
-    <dgm:scene3d>
-      <a:camera prst="orthographicFront"/>
-      <a:lightRig rig="threePt" dir="t"/>
-    </dgm:scene3d>
-    <dgm:sp3d/>
-    <dgm:txPr/>
-    <dgm:style>
-      <a:lnRef idx="1">
+  <dgm:styleLbl name="trBgShp">
+    <dgm:scene3d>
+      <a:camera prst="orthographicFront"/>
+      <a:lightRig rig="threePt" dir="t"/>
+    </dgm:scene3d>
+    <dgm:sp3d/>
+    <dgm:txPr/>
+    <dgm:style>
+      <a:lnRef idx="0">
         <a:scrgbClr r="0" g="0" b="0"/>
       </a:lnRef>
       <a:fillRef idx="1">
@@ -10131,161 +12135,21 @@
       <a:fontRef idx="minor"/>
     </dgm:style>
   </dgm:styleLbl>
-  <dgm:styleLbl name="fgAcc0">
-    <dgm:scene3d>
-      <a:camera prst="orthographicFront"/>
-      <a:lightRig rig="threePt" dir="t"/>
-    </dgm:scene3d>
-    <dgm:sp3d/>
-    <dgm:txPr/>
-    <dgm:style>
-      <a:lnRef idx="1">
+  <dgm:styleLbl name="fgShp">
+    <dgm:scene3d>
+      <a:camera prst="orthographicFront"/>
+      <a:lightRig rig="threePt" dir="t"/>
+    </dgm:scene3d>
+    <dgm:sp3d/>
+    <dgm:txPr/>
+    <dgm:style>
+      <a:lnRef idx="2">
         <a:scrgbClr r="0" g="0" b="0"/>
       </a:lnRef>
       <a:fillRef idx="1">
         <a:scrgbClr r="0" g="0" b="0"/>
       </a:fillRef>
       <a:effectRef idx="0">
-        <a:scrgbClr r="0" g="0" b="0"/>
-      </a:effectRef>
-      <a:fontRef idx="minor"/>
-    </dgm:style>
-  </dgm:styleLbl>
-  <dgm:styleLbl name="fgAcc2">
-    <dgm:scene3d>
-      <a:camera prst="orthographicFront"/>
-      <a:lightRig rig="threePt" dir="t"/>
-    </dgm:scene3d>
-    <dgm:sp3d/>
-    <dgm:txPr/>
-    <dgm:style>
-      <a:lnRef idx="1">
-        <a:scrgbClr r="0" g="0" b="0"/>
-      </a:lnRef>
-      <a:fillRef idx="1">
-        <a:scrgbClr r="0" g="0" b="0"/>
-      </a:fillRef>
-      <a:effectRef idx="0">
-        <a:scrgbClr r="0" g="0" b="0"/>
-      </a:effectRef>
-      <a:fontRef idx="minor"/>
-    </dgm:style>
-  </dgm:styleLbl>
-  <dgm:styleLbl name="fgAcc3">
-    <dgm:scene3d>
-      <a:camera prst="orthographicFront"/>
-      <a:lightRig rig="threePt" dir="t"/>
-    </dgm:scene3d>
-    <dgm:sp3d/>
-    <dgm:txPr/>
-    <dgm:style>
-      <a:lnRef idx="1">
-        <a:scrgbClr r="0" g="0" b="0"/>
-      </a:lnRef>
-      <a:fillRef idx="1">
-        <a:scrgbClr r="0" g="0" b="0"/>
-      </a:fillRef>
-      <a:effectRef idx="0">
-        <a:scrgbClr r="0" g="0" b="0"/>
-      </a:effectRef>
-      <a:fontRef idx="minor"/>
-    </dgm:style>
-  </dgm:styleLbl>
-  <dgm:styleLbl name="fgAcc4">
-    <dgm:scene3d>
-      <a:camera prst="orthographicFront"/>
-      <a:lightRig rig="threePt" dir="t"/>
-    </dgm:scene3d>
-    <dgm:sp3d/>
-    <dgm:txPr/>
-    <dgm:style>
-      <a:lnRef idx="1">
-        <a:scrgbClr r="0" g="0" b="0"/>
-      </a:lnRef>
-      <a:fillRef idx="1">
-        <a:scrgbClr r="0" g="0" b="0"/>
-      </a:fillRef>
-      <a:effectRef idx="0">
-        <a:scrgbClr r="0" g="0" b="0"/>
-      </a:effectRef>
-      <a:fontRef idx="minor"/>
-    </dgm:style>
-  </dgm:styleLbl>
-  <dgm:styleLbl name="bgShp">
-    <dgm:scene3d>
-      <a:camera prst="orthographicFront"/>
-      <a:lightRig rig="threePt" dir="t"/>
-    </dgm:scene3d>
-    <dgm:sp3d/>
-    <dgm:txPr/>
-    <dgm:style>
-      <a:lnRef idx="0">
-        <a:scrgbClr r="0" g="0" b="0"/>
-      </a:lnRef>
-      <a:fillRef idx="1">
-        <a:scrgbClr r="0" g="0" b="0"/>
-      </a:fillRef>
-      <a:effectRef idx="2">
-        <a:scrgbClr r="0" g="0" b="0"/>
-      </a:effectRef>
-      <a:fontRef idx="minor"/>
-    </dgm:style>
-  </dgm:styleLbl>
-  <dgm:styleLbl name="dkBgShp">
-    <dgm:scene3d>
-      <a:camera prst="orthographicFront"/>
-      <a:lightRig rig="threePt" dir="t"/>
-    </dgm:scene3d>
-    <dgm:sp3d/>
-    <dgm:txPr/>
-    <dgm:style>
-      <a:lnRef idx="0">
-        <a:scrgbClr r="0" g="0" b="0"/>
-      </a:lnRef>
-      <a:fillRef idx="1">
-        <a:scrgbClr r="0" g="0" b="0"/>
-      </a:fillRef>
-      <a:effectRef idx="2">
-        <a:scrgbClr r="0" g="0" b="0"/>
-      </a:effectRef>
-      <a:fontRef idx="minor"/>
-    </dgm:style>
-  </dgm:styleLbl>
-  <dgm:styleLbl name="trBgShp">
-    <dgm:scene3d>
-      <a:camera prst="orthographicFront"/>
-      <a:lightRig rig="threePt" dir="t"/>
-    </dgm:scene3d>
-    <dgm:sp3d/>
-    <dgm:txPr/>
-    <dgm:style>
-      <a:lnRef idx="0">
-        <a:scrgbClr r="0" g="0" b="0"/>
-      </a:lnRef>
-      <a:fillRef idx="1">
-        <a:scrgbClr r="0" g="0" b="0"/>
-      </a:fillRef>
-      <a:effectRef idx="0">
-        <a:scrgbClr r="0" g="0" b="0"/>
-      </a:effectRef>
-      <a:fontRef idx="minor"/>
-    </dgm:style>
-  </dgm:styleLbl>
-  <dgm:styleLbl name="fgShp">
-    <dgm:scene3d>
-      <a:camera prst="orthographicFront"/>
-      <a:lightRig rig="threePt" dir="t"/>
-    </dgm:scene3d>
-    <dgm:sp3d/>
-    <dgm:txPr/>
-    <dgm:style>
-      <a:lnRef idx="0">
-        <a:scrgbClr r="0" g="0" b="0"/>
-      </a:lnRef>
-      <a:fillRef idx="3">
-        <a:scrgbClr r="0" g="0" b="0"/>
-      </a:fillRef>
-      <a:effectRef idx="2">
         <a:scrgbClr r="0" g="0" b="0"/>
       </a:effectRef>
       <a:fontRef idx="minor"/>
@@ -11320,6 +13184,1040 @@
         <a:scrgbClr r="0" g="0" b="0"/>
       </a:fillRef>
       <a:effectRef idx="0">
+        <a:scrgbClr r="0" g="0" b="0"/>
+      </a:effectRef>
+      <a:fontRef idx="minor"/>
+    </dgm:style>
+  </dgm:styleLbl>
+  <dgm:styleLbl name="revTx">
+    <dgm:scene3d>
+      <a:camera prst="orthographicFront"/>
+      <a:lightRig rig="threePt" dir="t"/>
+    </dgm:scene3d>
+    <dgm:sp3d/>
+    <dgm:txPr/>
+    <dgm:style>
+      <a:lnRef idx="0">
+        <a:scrgbClr r="0" g="0" b="0"/>
+      </a:lnRef>
+      <a:fillRef idx="0">
+        <a:scrgbClr r="0" g="0" b="0"/>
+      </a:fillRef>
+      <a:effectRef idx="0">
+        <a:scrgbClr r="0" g="0" b="0"/>
+      </a:effectRef>
+      <a:fontRef idx="minor"/>
+    </dgm:style>
+  </dgm:styleLbl>
+</dgm:styleDef>
+</file>
+
+<file path=ppt/diagrams/quickStyle4.xml><?xml version="1.0" encoding="utf-8"?>
+<dgm:styleDef xmlns:dgm="http://schemas.openxmlformats.org/drawingml/2006/diagram" xmlns:a="http://schemas.openxmlformats.org/drawingml/2006/main" uniqueId="urn:microsoft.com/office/officeart/2005/8/quickstyle/simple4">
+  <dgm:title val=""/>
+  <dgm:desc val=""/>
+  <dgm:catLst>
+    <dgm:cat type="simple" pri="10400"/>
+  </dgm:catLst>
+  <dgm:scene3d>
+    <a:camera prst="orthographicFront"/>
+    <a:lightRig rig="threePt" dir="t"/>
+  </dgm:scene3d>
+  <dgm:styleLbl name="node0">
+    <dgm:scene3d>
+      <a:camera prst="orthographicFront"/>
+      <a:lightRig rig="threePt" dir="t"/>
+    </dgm:scene3d>
+    <dgm:sp3d/>
+    <dgm:txPr/>
+    <dgm:style>
+      <a:lnRef idx="0">
+        <a:scrgbClr r="0" g="0" b="0"/>
+      </a:lnRef>
+      <a:fillRef idx="3">
+        <a:scrgbClr r="0" g="0" b="0"/>
+      </a:fillRef>
+      <a:effectRef idx="2">
+        <a:scrgbClr r="0" g="0" b="0"/>
+      </a:effectRef>
+      <a:fontRef idx="minor">
+        <a:schemeClr val="lt1"/>
+      </a:fontRef>
+    </dgm:style>
+  </dgm:styleLbl>
+  <dgm:styleLbl name="lnNode1">
+    <dgm:scene3d>
+      <a:camera prst="orthographicFront"/>
+      <a:lightRig rig="threePt" dir="t"/>
+    </dgm:scene3d>
+    <dgm:sp3d/>
+    <dgm:txPr/>
+    <dgm:style>
+      <a:lnRef idx="1">
+        <a:scrgbClr r="0" g="0" b="0"/>
+      </a:lnRef>
+      <a:fillRef idx="3">
+        <a:scrgbClr r="0" g="0" b="0"/>
+      </a:fillRef>
+      <a:effectRef idx="2">
+        <a:scrgbClr r="0" g="0" b="0"/>
+      </a:effectRef>
+      <a:fontRef idx="minor">
+        <a:schemeClr val="lt1"/>
+      </a:fontRef>
+    </dgm:style>
+  </dgm:styleLbl>
+  <dgm:styleLbl name="vennNode1">
+    <dgm:scene3d>
+      <a:camera prst="orthographicFront"/>
+      <a:lightRig rig="threePt" dir="t"/>
+    </dgm:scene3d>
+    <dgm:sp3d/>
+    <dgm:txPr/>
+    <dgm:style>
+      <a:lnRef idx="0">
+        <a:scrgbClr r="0" g="0" b="0"/>
+      </a:lnRef>
+      <a:fillRef idx="3">
+        <a:scrgbClr r="0" g="0" b="0"/>
+      </a:fillRef>
+      <a:effectRef idx="0">
+        <a:scrgbClr r="0" g="0" b="0"/>
+      </a:effectRef>
+      <a:fontRef idx="minor">
+        <a:schemeClr val="tx1"/>
+      </a:fontRef>
+    </dgm:style>
+  </dgm:styleLbl>
+  <dgm:styleLbl name="alignNode1">
+    <dgm:scene3d>
+      <a:camera prst="orthographicFront"/>
+      <a:lightRig rig="threePt" dir="t"/>
+    </dgm:scene3d>
+    <dgm:sp3d/>
+    <dgm:txPr/>
+    <dgm:style>
+      <a:lnRef idx="1">
+        <a:scrgbClr r="0" g="0" b="0"/>
+      </a:lnRef>
+      <a:fillRef idx="3">
+        <a:scrgbClr r="0" g="0" b="0"/>
+      </a:fillRef>
+      <a:effectRef idx="2">
+        <a:scrgbClr r="0" g="0" b="0"/>
+      </a:effectRef>
+      <a:fontRef idx="minor">
+        <a:schemeClr val="lt1"/>
+      </a:fontRef>
+    </dgm:style>
+  </dgm:styleLbl>
+  <dgm:styleLbl name="node1">
+    <dgm:scene3d>
+      <a:camera prst="orthographicFront"/>
+      <a:lightRig rig="threePt" dir="t"/>
+    </dgm:scene3d>
+    <dgm:sp3d/>
+    <dgm:txPr/>
+    <dgm:style>
+      <a:lnRef idx="0">
+        <a:scrgbClr r="0" g="0" b="0"/>
+      </a:lnRef>
+      <a:fillRef idx="3">
+        <a:scrgbClr r="0" g="0" b="0"/>
+      </a:fillRef>
+      <a:effectRef idx="2">
+        <a:scrgbClr r="0" g="0" b="0"/>
+      </a:effectRef>
+      <a:fontRef idx="minor">
+        <a:schemeClr val="lt1"/>
+      </a:fontRef>
+    </dgm:style>
+  </dgm:styleLbl>
+  <dgm:styleLbl name="node2">
+    <dgm:scene3d>
+      <a:camera prst="orthographicFront"/>
+      <a:lightRig rig="threePt" dir="t"/>
+    </dgm:scene3d>
+    <dgm:sp3d/>
+    <dgm:txPr/>
+    <dgm:style>
+      <a:lnRef idx="0">
+        <a:scrgbClr r="0" g="0" b="0"/>
+      </a:lnRef>
+      <a:fillRef idx="3">
+        <a:scrgbClr r="0" g="0" b="0"/>
+      </a:fillRef>
+      <a:effectRef idx="2">
+        <a:scrgbClr r="0" g="0" b="0"/>
+      </a:effectRef>
+      <a:fontRef idx="minor">
+        <a:schemeClr val="lt1"/>
+      </a:fontRef>
+    </dgm:style>
+  </dgm:styleLbl>
+  <dgm:styleLbl name="node3">
+    <dgm:scene3d>
+      <a:camera prst="orthographicFront"/>
+      <a:lightRig rig="threePt" dir="t"/>
+    </dgm:scene3d>
+    <dgm:sp3d/>
+    <dgm:txPr/>
+    <dgm:style>
+      <a:lnRef idx="0">
+        <a:scrgbClr r="0" g="0" b="0"/>
+      </a:lnRef>
+      <a:fillRef idx="3">
+        <a:scrgbClr r="0" g="0" b="0"/>
+      </a:fillRef>
+      <a:effectRef idx="2">
+        <a:scrgbClr r="0" g="0" b="0"/>
+      </a:effectRef>
+      <a:fontRef idx="minor">
+        <a:schemeClr val="lt1"/>
+      </a:fontRef>
+    </dgm:style>
+  </dgm:styleLbl>
+  <dgm:styleLbl name="node4">
+    <dgm:scene3d>
+      <a:camera prst="orthographicFront"/>
+      <a:lightRig rig="threePt" dir="t"/>
+    </dgm:scene3d>
+    <dgm:sp3d/>
+    <dgm:txPr/>
+    <dgm:style>
+      <a:lnRef idx="0">
+        <a:scrgbClr r="0" g="0" b="0"/>
+      </a:lnRef>
+      <a:fillRef idx="3">
+        <a:scrgbClr r="0" g="0" b="0"/>
+      </a:fillRef>
+      <a:effectRef idx="2">
+        <a:scrgbClr r="0" g="0" b="0"/>
+      </a:effectRef>
+      <a:fontRef idx="minor">
+        <a:schemeClr val="lt1"/>
+      </a:fontRef>
+    </dgm:style>
+  </dgm:styleLbl>
+  <dgm:styleLbl name="fgImgPlace1">
+    <dgm:scene3d>
+      <a:camera prst="orthographicFront"/>
+      <a:lightRig rig="threePt" dir="t"/>
+    </dgm:scene3d>
+    <dgm:sp3d/>
+    <dgm:txPr/>
+    <dgm:style>
+      <a:lnRef idx="0">
+        <a:scrgbClr r="0" g="0" b="0"/>
+      </a:lnRef>
+      <a:fillRef idx="1">
+        <a:scrgbClr r="0" g="0" b="0"/>
+      </a:fillRef>
+      <a:effectRef idx="2">
+        <a:scrgbClr r="0" g="0" b="0"/>
+      </a:effectRef>
+      <a:fontRef idx="minor"/>
+    </dgm:style>
+  </dgm:styleLbl>
+  <dgm:styleLbl name="alignImgPlace1">
+    <dgm:scene3d>
+      <a:camera prst="orthographicFront"/>
+      <a:lightRig rig="threePt" dir="t"/>
+    </dgm:scene3d>
+    <dgm:sp3d/>
+    <dgm:txPr/>
+    <dgm:style>
+      <a:lnRef idx="0">
+        <a:scrgbClr r="0" g="0" b="0"/>
+      </a:lnRef>
+      <a:fillRef idx="1">
+        <a:scrgbClr r="0" g="0" b="0"/>
+      </a:fillRef>
+      <a:effectRef idx="2">
+        <a:scrgbClr r="0" g="0" b="0"/>
+      </a:effectRef>
+      <a:fontRef idx="minor"/>
+    </dgm:style>
+  </dgm:styleLbl>
+  <dgm:styleLbl name="bgImgPlace1">
+    <dgm:scene3d>
+      <a:camera prst="orthographicFront"/>
+      <a:lightRig rig="threePt" dir="t"/>
+    </dgm:scene3d>
+    <dgm:sp3d/>
+    <dgm:txPr/>
+    <dgm:style>
+      <a:lnRef idx="0">
+        <a:scrgbClr r="0" g="0" b="0"/>
+      </a:lnRef>
+      <a:fillRef idx="1">
+        <a:scrgbClr r="0" g="0" b="0"/>
+      </a:fillRef>
+      <a:effectRef idx="2">
+        <a:scrgbClr r="0" g="0" b="0"/>
+      </a:effectRef>
+      <a:fontRef idx="minor"/>
+    </dgm:style>
+  </dgm:styleLbl>
+  <dgm:styleLbl name="sibTrans2D1">
+    <dgm:scene3d>
+      <a:camera prst="orthographicFront"/>
+      <a:lightRig rig="threePt" dir="t"/>
+    </dgm:scene3d>
+    <dgm:sp3d/>
+    <dgm:txPr/>
+    <dgm:style>
+      <a:lnRef idx="0">
+        <a:scrgbClr r="0" g="0" b="0"/>
+      </a:lnRef>
+      <a:fillRef idx="3">
+        <a:scrgbClr r="0" g="0" b="0"/>
+      </a:fillRef>
+      <a:effectRef idx="2">
+        <a:scrgbClr r="0" g="0" b="0"/>
+      </a:effectRef>
+      <a:fontRef idx="minor">
+        <a:schemeClr val="lt1"/>
+      </a:fontRef>
+    </dgm:style>
+  </dgm:styleLbl>
+  <dgm:styleLbl name="fgSibTrans2D1">
+    <dgm:scene3d>
+      <a:camera prst="orthographicFront"/>
+      <a:lightRig rig="threePt" dir="t"/>
+    </dgm:scene3d>
+    <dgm:sp3d/>
+    <dgm:txPr/>
+    <dgm:style>
+      <a:lnRef idx="0">
+        <a:scrgbClr r="0" g="0" b="0"/>
+      </a:lnRef>
+      <a:fillRef idx="3">
+        <a:scrgbClr r="0" g="0" b="0"/>
+      </a:fillRef>
+      <a:effectRef idx="2">
+        <a:scrgbClr r="0" g="0" b="0"/>
+      </a:effectRef>
+      <a:fontRef idx="minor">
+        <a:schemeClr val="lt1"/>
+      </a:fontRef>
+    </dgm:style>
+  </dgm:styleLbl>
+  <dgm:styleLbl name="bgSibTrans2D1">
+    <dgm:scene3d>
+      <a:camera prst="orthographicFront"/>
+      <a:lightRig rig="threePt" dir="t"/>
+    </dgm:scene3d>
+    <dgm:sp3d/>
+    <dgm:txPr/>
+    <dgm:style>
+      <a:lnRef idx="0">
+        <a:scrgbClr r="0" g="0" b="0"/>
+      </a:lnRef>
+      <a:fillRef idx="3">
+        <a:scrgbClr r="0" g="0" b="0"/>
+      </a:fillRef>
+      <a:effectRef idx="2">
+        <a:scrgbClr r="0" g="0" b="0"/>
+      </a:effectRef>
+      <a:fontRef idx="minor">
+        <a:schemeClr val="lt1"/>
+      </a:fontRef>
+    </dgm:style>
+  </dgm:styleLbl>
+  <dgm:styleLbl name="sibTrans1D1">
+    <dgm:scene3d>
+      <a:camera prst="orthographicFront"/>
+      <a:lightRig rig="threePt" dir="t"/>
+    </dgm:scene3d>
+    <dgm:sp3d/>
+    <dgm:txPr/>
+    <dgm:style>
+      <a:lnRef idx="1">
+        <a:scrgbClr r="0" g="0" b="0"/>
+      </a:lnRef>
+      <a:fillRef idx="0">
+        <a:scrgbClr r="0" g="0" b="0"/>
+      </a:fillRef>
+      <a:effectRef idx="0">
+        <a:scrgbClr r="0" g="0" b="0"/>
+      </a:effectRef>
+      <a:fontRef idx="minor"/>
+    </dgm:style>
+  </dgm:styleLbl>
+  <dgm:styleLbl name="callout">
+    <dgm:scene3d>
+      <a:camera prst="orthographicFront"/>
+      <a:lightRig rig="threePt" dir="t"/>
+    </dgm:scene3d>
+    <dgm:sp3d/>
+    <dgm:txPr/>
+    <dgm:style>
+      <a:lnRef idx="2">
+        <a:scrgbClr r="0" g="0" b="0"/>
+      </a:lnRef>
+      <a:fillRef idx="1">
+        <a:scrgbClr r="0" g="0" b="0"/>
+      </a:fillRef>
+      <a:effectRef idx="1">
+        <a:scrgbClr r="0" g="0" b="0"/>
+      </a:effectRef>
+      <a:fontRef idx="minor"/>
+    </dgm:style>
+  </dgm:styleLbl>
+  <dgm:styleLbl name="asst0">
+    <dgm:scene3d>
+      <a:camera prst="orthographicFront"/>
+      <a:lightRig rig="threePt" dir="t"/>
+    </dgm:scene3d>
+    <dgm:sp3d/>
+    <dgm:txPr/>
+    <dgm:style>
+      <a:lnRef idx="0">
+        <a:scrgbClr r="0" g="0" b="0"/>
+      </a:lnRef>
+      <a:fillRef idx="3">
+        <a:scrgbClr r="0" g="0" b="0"/>
+      </a:fillRef>
+      <a:effectRef idx="2">
+        <a:scrgbClr r="0" g="0" b="0"/>
+      </a:effectRef>
+      <a:fontRef idx="minor">
+        <a:schemeClr val="lt1"/>
+      </a:fontRef>
+    </dgm:style>
+  </dgm:styleLbl>
+  <dgm:styleLbl name="asst1">
+    <dgm:scene3d>
+      <a:camera prst="orthographicFront"/>
+      <a:lightRig rig="threePt" dir="t"/>
+    </dgm:scene3d>
+    <dgm:sp3d/>
+    <dgm:txPr/>
+    <dgm:style>
+      <a:lnRef idx="0">
+        <a:scrgbClr r="0" g="0" b="0"/>
+      </a:lnRef>
+      <a:fillRef idx="3">
+        <a:scrgbClr r="0" g="0" b="0"/>
+      </a:fillRef>
+      <a:effectRef idx="2">
+        <a:scrgbClr r="0" g="0" b="0"/>
+      </a:effectRef>
+      <a:fontRef idx="minor">
+        <a:schemeClr val="lt1"/>
+      </a:fontRef>
+    </dgm:style>
+  </dgm:styleLbl>
+  <dgm:styleLbl name="asst2">
+    <dgm:scene3d>
+      <a:camera prst="orthographicFront"/>
+      <a:lightRig rig="threePt" dir="t"/>
+    </dgm:scene3d>
+    <dgm:sp3d/>
+    <dgm:txPr/>
+    <dgm:style>
+      <a:lnRef idx="0">
+        <a:scrgbClr r="0" g="0" b="0"/>
+      </a:lnRef>
+      <a:fillRef idx="3">
+        <a:scrgbClr r="0" g="0" b="0"/>
+      </a:fillRef>
+      <a:effectRef idx="2">
+        <a:scrgbClr r="0" g="0" b="0"/>
+      </a:effectRef>
+      <a:fontRef idx="minor">
+        <a:schemeClr val="lt1"/>
+      </a:fontRef>
+    </dgm:style>
+  </dgm:styleLbl>
+  <dgm:styleLbl name="asst3">
+    <dgm:scene3d>
+      <a:camera prst="orthographicFront"/>
+      <a:lightRig rig="threePt" dir="t"/>
+    </dgm:scene3d>
+    <dgm:sp3d/>
+    <dgm:txPr/>
+    <dgm:style>
+      <a:lnRef idx="0">
+        <a:scrgbClr r="0" g="0" b="0"/>
+      </a:lnRef>
+      <a:fillRef idx="3">
+        <a:scrgbClr r="0" g="0" b="0"/>
+      </a:fillRef>
+      <a:effectRef idx="2">
+        <a:scrgbClr r="0" g="0" b="0"/>
+      </a:effectRef>
+      <a:fontRef idx="minor">
+        <a:schemeClr val="lt1"/>
+      </a:fontRef>
+    </dgm:style>
+  </dgm:styleLbl>
+  <dgm:styleLbl name="asst4">
+    <dgm:scene3d>
+      <a:camera prst="orthographicFront"/>
+      <a:lightRig rig="threePt" dir="t"/>
+    </dgm:scene3d>
+    <dgm:sp3d/>
+    <dgm:txPr/>
+    <dgm:style>
+      <a:lnRef idx="0">
+        <a:scrgbClr r="0" g="0" b="0"/>
+      </a:lnRef>
+      <a:fillRef idx="3">
+        <a:scrgbClr r="0" g="0" b="0"/>
+      </a:fillRef>
+      <a:effectRef idx="2">
+        <a:scrgbClr r="0" g="0" b="0"/>
+      </a:effectRef>
+      <a:fontRef idx="minor">
+        <a:schemeClr val="lt1"/>
+      </a:fontRef>
+    </dgm:style>
+  </dgm:styleLbl>
+  <dgm:styleLbl name="parChTrans2D1">
+    <dgm:scene3d>
+      <a:camera prst="orthographicFront"/>
+      <a:lightRig rig="threePt" dir="t"/>
+    </dgm:scene3d>
+    <dgm:sp3d/>
+    <dgm:txPr/>
+    <dgm:style>
+      <a:lnRef idx="0">
+        <a:scrgbClr r="0" g="0" b="0"/>
+      </a:lnRef>
+      <a:fillRef idx="3">
+        <a:scrgbClr r="0" g="0" b="0"/>
+      </a:fillRef>
+      <a:effectRef idx="2">
+        <a:scrgbClr r="0" g="0" b="0"/>
+      </a:effectRef>
+      <a:fontRef idx="minor">
+        <a:schemeClr val="lt1"/>
+      </a:fontRef>
+    </dgm:style>
+  </dgm:styleLbl>
+  <dgm:styleLbl name="parChTrans2D2">
+    <dgm:scene3d>
+      <a:camera prst="orthographicFront"/>
+      <a:lightRig rig="threePt" dir="t"/>
+    </dgm:scene3d>
+    <dgm:sp3d/>
+    <dgm:txPr/>
+    <dgm:style>
+      <a:lnRef idx="0">
+        <a:scrgbClr r="0" g="0" b="0"/>
+      </a:lnRef>
+      <a:fillRef idx="3">
+        <a:scrgbClr r="0" g="0" b="0"/>
+      </a:fillRef>
+      <a:effectRef idx="2">
+        <a:scrgbClr r="0" g="0" b="0"/>
+      </a:effectRef>
+      <a:fontRef idx="minor">
+        <a:schemeClr val="lt1"/>
+      </a:fontRef>
+    </dgm:style>
+  </dgm:styleLbl>
+  <dgm:styleLbl name="parChTrans2D3">
+    <dgm:scene3d>
+      <a:camera prst="orthographicFront"/>
+      <a:lightRig rig="threePt" dir="t"/>
+    </dgm:scene3d>
+    <dgm:sp3d/>
+    <dgm:txPr/>
+    <dgm:style>
+      <a:lnRef idx="1">
+        <a:scrgbClr r="0" g="0" b="0"/>
+      </a:lnRef>
+      <a:fillRef idx="3">
+        <a:scrgbClr r="0" g="0" b="0"/>
+      </a:fillRef>
+      <a:effectRef idx="2">
+        <a:scrgbClr r="0" g="0" b="0"/>
+      </a:effectRef>
+      <a:fontRef idx="minor">
+        <a:schemeClr val="lt1"/>
+      </a:fontRef>
+    </dgm:style>
+  </dgm:styleLbl>
+  <dgm:styleLbl name="parChTrans2D4">
+    <dgm:scene3d>
+      <a:camera prst="orthographicFront"/>
+      <a:lightRig rig="threePt" dir="t"/>
+    </dgm:scene3d>
+    <dgm:sp3d/>
+    <dgm:txPr/>
+    <dgm:style>
+      <a:lnRef idx="1">
+        <a:scrgbClr r="0" g="0" b="0"/>
+      </a:lnRef>
+      <a:fillRef idx="3">
+        <a:scrgbClr r="0" g="0" b="0"/>
+      </a:fillRef>
+      <a:effectRef idx="2">
+        <a:scrgbClr r="0" g="0" b="0"/>
+      </a:effectRef>
+      <a:fontRef idx="minor">
+        <a:schemeClr val="lt1"/>
+      </a:fontRef>
+    </dgm:style>
+  </dgm:styleLbl>
+  <dgm:styleLbl name="parChTrans1D1">
+    <dgm:scene3d>
+      <a:camera prst="orthographicFront"/>
+      <a:lightRig rig="threePt" dir="t"/>
+    </dgm:scene3d>
+    <dgm:sp3d/>
+    <dgm:txPr/>
+    <dgm:style>
+      <a:lnRef idx="1">
+        <a:scrgbClr r="0" g="0" b="0"/>
+      </a:lnRef>
+      <a:fillRef idx="0">
+        <a:scrgbClr r="0" g="0" b="0"/>
+      </a:fillRef>
+      <a:effectRef idx="0">
+        <a:scrgbClr r="0" g="0" b="0"/>
+      </a:effectRef>
+      <a:fontRef idx="minor"/>
+    </dgm:style>
+  </dgm:styleLbl>
+  <dgm:styleLbl name="parChTrans1D2">
+    <dgm:scene3d>
+      <a:camera prst="orthographicFront"/>
+      <a:lightRig rig="threePt" dir="t"/>
+    </dgm:scene3d>
+    <dgm:sp3d/>
+    <dgm:txPr/>
+    <dgm:style>
+      <a:lnRef idx="1">
+        <a:scrgbClr r="0" g="0" b="0"/>
+      </a:lnRef>
+      <a:fillRef idx="0">
+        <a:scrgbClr r="0" g="0" b="0"/>
+      </a:fillRef>
+      <a:effectRef idx="0">
+        <a:scrgbClr r="0" g="0" b="0"/>
+      </a:effectRef>
+      <a:fontRef idx="minor"/>
+    </dgm:style>
+  </dgm:styleLbl>
+  <dgm:styleLbl name="parChTrans1D3">
+    <dgm:scene3d>
+      <a:camera prst="orthographicFront"/>
+      <a:lightRig rig="threePt" dir="t"/>
+    </dgm:scene3d>
+    <dgm:sp3d/>
+    <dgm:txPr/>
+    <dgm:style>
+      <a:lnRef idx="1">
+        <a:scrgbClr r="0" g="0" b="0"/>
+      </a:lnRef>
+      <a:fillRef idx="0">
+        <a:scrgbClr r="0" g="0" b="0"/>
+      </a:fillRef>
+      <a:effectRef idx="0">
+        <a:scrgbClr r="0" g="0" b="0"/>
+      </a:effectRef>
+      <a:fontRef idx="minor"/>
+    </dgm:style>
+  </dgm:styleLbl>
+  <dgm:styleLbl name="parChTrans1D4">
+    <dgm:scene3d>
+      <a:camera prst="orthographicFront"/>
+      <a:lightRig rig="threePt" dir="t"/>
+    </dgm:scene3d>
+    <dgm:sp3d/>
+    <dgm:txPr/>
+    <dgm:style>
+      <a:lnRef idx="1">
+        <a:scrgbClr r="0" g="0" b="0"/>
+      </a:lnRef>
+      <a:fillRef idx="0">
+        <a:scrgbClr r="0" g="0" b="0"/>
+      </a:fillRef>
+      <a:effectRef idx="0">
+        <a:scrgbClr r="0" g="0" b="0"/>
+      </a:effectRef>
+      <a:fontRef idx="minor"/>
+    </dgm:style>
+  </dgm:styleLbl>
+  <dgm:styleLbl name="fgAcc1">
+    <dgm:scene3d>
+      <a:camera prst="orthographicFront"/>
+      <a:lightRig rig="threePt" dir="t"/>
+    </dgm:scene3d>
+    <dgm:sp3d/>
+    <dgm:txPr/>
+    <dgm:style>
+      <a:lnRef idx="1">
+        <a:scrgbClr r="0" g="0" b="0"/>
+      </a:lnRef>
+      <a:fillRef idx="1">
+        <a:scrgbClr r="0" g="0" b="0"/>
+      </a:fillRef>
+      <a:effectRef idx="0">
+        <a:scrgbClr r="0" g="0" b="0"/>
+      </a:effectRef>
+      <a:fontRef idx="minor"/>
+    </dgm:style>
+  </dgm:styleLbl>
+  <dgm:styleLbl name="conFgAcc1">
+    <dgm:scene3d>
+      <a:camera prst="orthographicFront"/>
+      <a:lightRig rig="threePt" dir="t"/>
+    </dgm:scene3d>
+    <dgm:sp3d/>
+    <dgm:txPr/>
+    <dgm:style>
+      <a:lnRef idx="1">
+        <a:scrgbClr r="0" g="0" b="0"/>
+      </a:lnRef>
+      <a:fillRef idx="1">
+        <a:scrgbClr r="0" g="0" b="0"/>
+      </a:fillRef>
+      <a:effectRef idx="0">
+        <a:scrgbClr r="0" g="0" b="0"/>
+      </a:effectRef>
+      <a:fontRef idx="minor"/>
+    </dgm:style>
+  </dgm:styleLbl>
+  <dgm:styleLbl name="alignAcc1">
+    <dgm:scene3d>
+      <a:camera prst="orthographicFront"/>
+      <a:lightRig rig="threePt" dir="t"/>
+    </dgm:scene3d>
+    <dgm:sp3d/>
+    <dgm:txPr/>
+    <dgm:style>
+      <a:lnRef idx="1">
+        <a:scrgbClr r="0" g="0" b="0"/>
+      </a:lnRef>
+      <a:fillRef idx="1">
+        <a:scrgbClr r="0" g="0" b="0"/>
+      </a:fillRef>
+      <a:effectRef idx="0">
+        <a:scrgbClr r="0" g="0" b="0"/>
+      </a:effectRef>
+      <a:fontRef idx="minor"/>
+    </dgm:style>
+  </dgm:styleLbl>
+  <dgm:styleLbl name="trAlignAcc1">
+    <dgm:scene3d>
+      <a:camera prst="orthographicFront"/>
+      <a:lightRig rig="threePt" dir="t"/>
+    </dgm:scene3d>
+    <dgm:sp3d/>
+    <dgm:txPr/>
+    <dgm:style>
+      <a:lnRef idx="1">
+        <a:scrgbClr r="0" g="0" b="0"/>
+      </a:lnRef>
+      <a:fillRef idx="1">
+        <a:scrgbClr r="0" g="0" b="0"/>
+      </a:fillRef>
+      <a:effectRef idx="0">
+        <a:scrgbClr r="0" g="0" b="0"/>
+      </a:effectRef>
+      <a:fontRef idx="minor"/>
+    </dgm:style>
+  </dgm:styleLbl>
+  <dgm:styleLbl name="bgAcc1">
+    <dgm:scene3d>
+      <a:camera prst="orthographicFront"/>
+      <a:lightRig rig="threePt" dir="t"/>
+    </dgm:scene3d>
+    <dgm:sp3d/>
+    <dgm:txPr/>
+    <dgm:style>
+      <a:lnRef idx="1">
+        <a:scrgbClr r="0" g="0" b="0"/>
+      </a:lnRef>
+      <a:fillRef idx="1">
+        <a:scrgbClr r="0" g="0" b="0"/>
+      </a:fillRef>
+      <a:effectRef idx="0">
+        <a:scrgbClr r="0" g="0" b="0"/>
+      </a:effectRef>
+      <a:fontRef idx="minor"/>
+    </dgm:style>
+  </dgm:styleLbl>
+  <dgm:styleLbl name="solidFgAcc1">
+    <dgm:scene3d>
+      <a:camera prst="orthographicFront"/>
+      <a:lightRig rig="threePt" dir="t"/>
+    </dgm:scene3d>
+    <dgm:sp3d/>
+    <dgm:txPr/>
+    <dgm:style>
+      <a:lnRef idx="1">
+        <a:scrgbClr r="0" g="0" b="0"/>
+      </a:lnRef>
+      <a:fillRef idx="1">
+        <a:scrgbClr r="0" g="0" b="0"/>
+      </a:fillRef>
+      <a:effectRef idx="0">
+        <a:scrgbClr r="0" g="0" b="0"/>
+      </a:effectRef>
+      <a:fontRef idx="minor"/>
+    </dgm:style>
+  </dgm:styleLbl>
+  <dgm:styleLbl name="solidAlignAcc1">
+    <dgm:scene3d>
+      <a:camera prst="orthographicFront"/>
+      <a:lightRig rig="threePt" dir="t"/>
+    </dgm:scene3d>
+    <dgm:sp3d/>
+    <dgm:txPr/>
+    <dgm:style>
+      <a:lnRef idx="1">
+        <a:scrgbClr r="0" g="0" b="0"/>
+      </a:lnRef>
+      <a:fillRef idx="1">
+        <a:scrgbClr r="0" g="0" b="0"/>
+      </a:fillRef>
+      <a:effectRef idx="0">
+        <a:scrgbClr r="0" g="0" b="0"/>
+      </a:effectRef>
+      <a:fontRef idx="minor"/>
+    </dgm:style>
+  </dgm:styleLbl>
+  <dgm:styleLbl name="solidBgAcc1">
+    <dgm:scene3d>
+      <a:camera prst="orthographicFront"/>
+      <a:lightRig rig="threePt" dir="t"/>
+    </dgm:scene3d>
+    <dgm:sp3d/>
+    <dgm:txPr/>
+    <dgm:style>
+      <a:lnRef idx="1">
+        <a:scrgbClr r="0" g="0" b="0"/>
+      </a:lnRef>
+      <a:fillRef idx="1">
+        <a:scrgbClr r="0" g="0" b="0"/>
+      </a:fillRef>
+      <a:effectRef idx="0">
+        <a:scrgbClr r="0" g="0" b="0"/>
+      </a:effectRef>
+      <a:fontRef idx="minor"/>
+    </dgm:style>
+  </dgm:styleLbl>
+  <dgm:styleLbl name="fgAccFollowNode1">
+    <dgm:scene3d>
+      <a:camera prst="orthographicFront"/>
+      <a:lightRig rig="threePt" dir="t"/>
+    </dgm:scene3d>
+    <dgm:sp3d/>
+    <dgm:txPr/>
+    <dgm:style>
+      <a:lnRef idx="1">
+        <a:scrgbClr r="0" g="0" b="0"/>
+      </a:lnRef>
+      <a:fillRef idx="1">
+        <a:scrgbClr r="0" g="0" b="0"/>
+      </a:fillRef>
+      <a:effectRef idx="0">
+        <a:scrgbClr r="0" g="0" b="0"/>
+      </a:effectRef>
+      <a:fontRef idx="minor"/>
+    </dgm:style>
+  </dgm:styleLbl>
+  <dgm:styleLbl name="alignAccFollowNode1">
+    <dgm:scene3d>
+      <a:camera prst="orthographicFront"/>
+      <a:lightRig rig="threePt" dir="t"/>
+    </dgm:scene3d>
+    <dgm:sp3d/>
+    <dgm:txPr/>
+    <dgm:style>
+      <a:lnRef idx="1">
+        <a:scrgbClr r="0" g="0" b="0"/>
+      </a:lnRef>
+      <a:fillRef idx="1">
+        <a:scrgbClr r="0" g="0" b="0"/>
+      </a:fillRef>
+      <a:effectRef idx="0">
+        <a:scrgbClr r="0" g="0" b="0"/>
+      </a:effectRef>
+      <a:fontRef idx="minor"/>
+    </dgm:style>
+  </dgm:styleLbl>
+  <dgm:styleLbl name="bgAccFollowNode1">
+    <dgm:scene3d>
+      <a:camera prst="orthographicFront"/>
+      <a:lightRig rig="threePt" dir="t"/>
+    </dgm:scene3d>
+    <dgm:sp3d/>
+    <dgm:txPr/>
+    <dgm:style>
+      <a:lnRef idx="1">
+        <a:scrgbClr r="0" g="0" b="0"/>
+      </a:lnRef>
+      <a:fillRef idx="1">
+        <a:scrgbClr r="0" g="0" b="0"/>
+      </a:fillRef>
+      <a:effectRef idx="0">
+        <a:scrgbClr r="0" g="0" b="0"/>
+      </a:effectRef>
+      <a:fontRef idx="minor"/>
+    </dgm:style>
+  </dgm:styleLbl>
+  <dgm:styleLbl name="fgAcc0">
+    <dgm:scene3d>
+      <a:camera prst="orthographicFront"/>
+      <a:lightRig rig="threePt" dir="t"/>
+    </dgm:scene3d>
+    <dgm:sp3d/>
+    <dgm:txPr/>
+    <dgm:style>
+      <a:lnRef idx="1">
+        <a:scrgbClr r="0" g="0" b="0"/>
+      </a:lnRef>
+      <a:fillRef idx="1">
+        <a:scrgbClr r="0" g="0" b="0"/>
+      </a:fillRef>
+      <a:effectRef idx="0">
+        <a:scrgbClr r="0" g="0" b="0"/>
+      </a:effectRef>
+      <a:fontRef idx="minor"/>
+    </dgm:style>
+  </dgm:styleLbl>
+  <dgm:styleLbl name="fgAcc2">
+    <dgm:scene3d>
+      <a:camera prst="orthographicFront"/>
+      <a:lightRig rig="threePt" dir="t"/>
+    </dgm:scene3d>
+    <dgm:sp3d/>
+    <dgm:txPr/>
+    <dgm:style>
+      <a:lnRef idx="1">
+        <a:scrgbClr r="0" g="0" b="0"/>
+      </a:lnRef>
+      <a:fillRef idx="1">
+        <a:scrgbClr r="0" g="0" b="0"/>
+      </a:fillRef>
+      <a:effectRef idx="0">
+        <a:scrgbClr r="0" g="0" b="0"/>
+      </a:effectRef>
+      <a:fontRef idx="minor"/>
+    </dgm:style>
+  </dgm:styleLbl>
+  <dgm:styleLbl name="fgAcc3">
+    <dgm:scene3d>
+      <a:camera prst="orthographicFront"/>
+      <a:lightRig rig="threePt" dir="t"/>
+    </dgm:scene3d>
+    <dgm:sp3d/>
+    <dgm:txPr/>
+    <dgm:style>
+      <a:lnRef idx="1">
+        <a:scrgbClr r="0" g="0" b="0"/>
+      </a:lnRef>
+      <a:fillRef idx="1">
+        <a:scrgbClr r="0" g="0" b="0"/>
+      </a:fillRef>
+      <a:effectRef idx="0">
+        <a:scrgbClr r="0" g="0" b="0"/>
+      </a:effectRef>
+      <a:fontRef idx="minor"/>
+    </dgm:style>
+  </dgm:styleLbl>
+  <dgm:styleLbl name="fgAcc4">
+    <dgm:scene3d>
+      <a:camera prst="orthographicFront"/>
+      <a:lightRig rig="threePt" dir="t"/>
+    </dgm:scene3d>
+    <dgm:sp3d/>
+    <dgm:txPr/>
+    <dgm:style>
+      <a:lnRef idx="1">
+        <a:scrgbClr r="0" g="0" b="0"/>
+      </a:lnRef>
+      <a:fillRef idx="1">
+        <a:scrgbClr r="0" g="0" b="0"/>
+      </a:fillRef>
+      <a:effectRef idx="0">
+        <a:scrgbClr r="0" g="0" b="0"/>
+      </a:effectRef>
+      <a:fontRef idx="minor"/>
+    </dgm:style>
+  </dgm:styleLbl>
+  <dgm:styleLbl name="bgShp">
+    <dgm:scene3d>
+      <a:camera prst="orthographicFront"/>
+      <a:lightRig rig="threePt" dir="t"/>
+    </dgm:scene3d>
+    <dgm:sp3d/>
+    <dgm:txPr/>
+    <dgm:style>
+      <a:lnRef idx="0">
+        <a:scrgbClr r="0" g="0" b="0"/>
+      </a:lnRef>
+      <a:fillRef idx="1">
+        <a:scrgbClr r="0" g="0" b="0"/>
+      </a:fillRef>
+      <a:effectRef idx="2">
+        <a:scrgbClr r="0" g="0" b="0"/>
+      </a:effectRef>
+      <a:fontRef idx="minor"/>
+    </dgm:style>
+  </dgm:styleLbl>
+  <dgm:styleLbl name="dkBgShp">
+    <dgm:scene3d>
+      <a:camera prst="orthographicFront"/>
+      <a:lightRig rig="threePt" dir="t"/>
+    </dgm:scene3d>
+    <dgm:sp3d/>
+    <dgm:txPr/>
+    <dgm:style>
+      <a:lnRef idx="0">
+        <a:scrgbClr r="0" g="0" b="0"/>
+      </a:lnRef>
+      <a:fillRef idx="1">
+        <a:scrgbClr r="0" g="0" b="0"/>
+      </a:fillRef>
+      <a:effectRef idx="2">
+        <a:scrgbClr r="0" g="0" b="0"/>
+      </a:effectRef>
+      <a:fontRef idx="minor"/>
+    </dgm:style>
+  </dgm:styleLbl>
+  <dgm:styleLbl name="trBgShp">
+    <dgm:scene3d>
+      <a:camera prst="orthographicFront"/>
+      <a:lightRig rig="threePt" dir="t"/>
+    </dgm:scene3d>
+    <dgm:sp3d/>
+    <dgm:txPr/>
+    <dgm:style>
+      <a:lnRef idx="0">
+        <a:scrgbClr r="0" g="0" b="0"/>
+      </a:lnRef>
+      <a:fillRef idx="1">
+        <a:scrgbClr r="0" g="0" b="0"/>
+      </a:fillRef>
+      <a:effectRef idx="0">
+        <a:scrgbClr r="0" g="0" b="0"/>
+      </a:effectRef>
+      <a:fontRef idx="minor"/>
+    </dgm:style>
+  </dgm:styleLbl>
+  <dgm:styleLbl name="fgShp">
+    <dgm:scene3d>
+      <a:camera prst="orthographicFront"/>
+      <a:lightRig rig="threePt" dir="t"/>
+    </dgm:scene3d>
+    <dgm:sp3d/>
+    <dgm:txPr/>
+    <dgm:style>
+      <a:lnRef idx="0">
+        <a:scrgbClr r="0" g="0" b="0"/>
+      </a:lnRef>
+      <a:fillRef idx="3">
+        <a:scrgbClr r="0" g="0" b="0"/>
+      </a:fillRef>
+      <a:effectRef idx="2">
         <a:scrgbClr r="0" g="0" b="0"/>
       </a:effectRef>
       <a:fontRef idx="minor"/>
@@ -11529,7 +14427,7 @@
           <a:p>
             <a:fld id="{6170734A-4B5A-4F3B-B573-1E93A2DEC51B}" type="datetimeFigureOut">
               <a:rPr lang="pt-BR" smtClean="0"/>
-              <a:t>02/09/2018</a:t>
+              <a:t>04/09/2018</a:t>
             </a:fld>
             <a:endParaRPr lang="pt-BR"/>
           </a:p>
@@ -11699,7 +14597,7 @@
           <a:p>
             <a:fld id="{6170734A-4B5A-4F3B-B573-1E93A2DEC51B}" type="datetimeFigureOut">
               <a:rPr lang="pt-BR" smtClean="0"/>
-              <a:t>02/09/2018</a:t>
+              <a:t>04/09/2018</a:t>
             </a:fld>
             <a:endParaRPr lang="pt-BR"/>
           </a:p>
@@ -11879,7 +14777,7 @@
           <a:p>
             <a:fld id="{6170734A-4B5A-4F3B-B573-1E93A2DEC51B}" type="datetimeFigureOut">
               <a:rPr lang="pt-BR" smtClean="0"/>
-              <a:t>02/09/2018</a:t>
+              <a:t>04/09/2018</a:t>
             </a:fld>
             <a:endParaRPr lang="pt-BR"/>
           </a:p>
@@ -12049,7 +14947,7 @@
           <a:p>
             <a:fld id="{6170734A-4B5A-4F3B-B573-1E93A2DEC51B}" type="datetimeFigureOut">
               <a:rPr lang="pt-BR" smtClean="0"/>
-              <a:t>02/09/2018</a:t>
+              <a:t>04/09/2018</a:t>
             </a:fld>
             <a:endParaRPr lang="pt-BR"/>
           </a:p>
@@ -12295,7 +15193,7 @@
           <a:p>
             <a:fld id="{6170734A-4B5A-4F3B-B573-1E93A2DEC51B}" type="datetimeFigureOut">
               <a:rPr lang="pt-BR" smtClean="0"/>
-              <a:t>02/09/2018</a:t>
+              <a:t>04/09/2018</a:t>
             </a:fld>
             <a:endParaRPr lang="pt-BR"/>
           </a:p>
@@ -12583,7 +15481,7 @@
           <a:p>
             <a:fld id="{6170734A-4B5A-4F3B-B573-1E93A2DEC51B}" type="datetimeFigureOut">
               <a:rPr lang="pt-BR" smtClean="0"/>
-              <a:t>02/09/2018</a:t>
+              <a:t>04/09/2018</a:t>
             </a:fld>
             <a:endParaRPr lang="pt-BR"/>
           </a:p>
@@ -13005,7 +15903,7 @@
           <a:p>
             <a:fld id="{6170734A-4B5A-4F3B-B573-1E93A2DEC51B}" type="datetimeFigureOut">
               <a:rPr lang="pt-BR" smtClean="0"/>
-              <a:t>02/09/2018</a:t>
+              <a:t>04/09/2018</a:t>
             </a:fld>
             <a:endParaRPr lang="pt-BR"/>
           </a:p>
@@ -13123,7 +16021,7 @@
           <a:p>
             <a:fld id="{6170734A-4B5A-4F3B-B573-1E93A2DEC51B}" type="datetimeFigureOut">
               <a:rPr lang="pt-BR" smtClean="0"/>
-              <a:t>02/09/2018</a:t>
+              <a:t>04/09/2018</a:t>
             </a:fld>
             <a:endParaRPr lang="pt-BR"/>
           </a:p>
@@ -13218,7 +16116,7 @@
           <a:p>
             <a:fld id="{6170734A-4B5A-4F3B-B573-1E93A2DEC51B}" type="datetimeFigureOut">
               <a:rPr lang="pt-BR" smtClean="0"/>
-              <a:t>02/09/2018</a:t>
+              <a:t>04/09/2018</a:t>
             </a:fld>
             <a:endParaRPr lang="pt-BR"/>
           </a:p>
@@ -13495,7 +16393,7 @@
           <a:p>
             <a:fld id="{6170734A-4B5A-4F3B-B573-1E93A2DEC51B}" type="datetimeFigureOut">
               <a:rPr lang="pt-BR" smtClean="0"/>
-              <a:t>02/09/2018</a:t>
+              <a:t>04/09/2018</a:t>
             </a:fld>
             <a:endParaRPr lang="pt-BR"/>
           </a:p>
@@ -13748,7 +16646,7 @@
           <a:p>
             <a:fld id="{6170734A-4B5A-4F3B-B573-1E93A2DEC51B}" type="datetimeFigureOut">
               <a:rPr lang="pt-BR" smtClean="0"/>
-              <a:t>02/09/2018</a:t>
+              <a:t>04/09/2018</a:t>
             </a:fld>
             <a:endParaRPr lang="pt-BR"/>
           </a:p>
@@ -13961,7 +16859,7 @@
           <a:p>
             <a:fld id="{6170734A-4B5A-4F3B-B573-1E93A2DEC51B}" type="datetimeFigureOut">
               <a:rPr lang="pt-BR" smtClean="0"/>
-              <a:t>02/09/2018</a:t>
+              <a:t>04/09/2018</a:t>
             </a:fld>
             <a:endParaRPr lang="pt-BR"/>
           </a:p>
@@ -14348,220 +17246,6 @@
         </p:nvSpPr>
         <p:spPr>
           <a:xfrm>
-            <a:off x="683568" y="3429000"/>
-            <a:ext cx="8229600" cy="1143000"/>
-          </a:xfrm>
-        </p:spPr>
-        <p:txBody>
-          <a:bodyPr>
-            <a:normAutofit fontScale="90000"/>
-          </a:bodyPr>
-          <a:lstStyle/>
-          <a:p>
-            <a:r>
-              <a:rPr lang="pt-BR" b="1" dirty="0"/>
-              <a:t>Active business</a:t>
-            </a:r>
-            <a:br>
-              <a:rPr lang="pt-BR" b="1" dirty="0"/>
-            </a:br>
-            <a:endParaRPr lang="pt-BR" dirty="0"/>
-          </a:p>
-        </p:txBody>
-      </p:sp>
-      <p:pic>
-        <p:nvPicPr>
-          <p:cNvPr id="2053" name="Picture 5"/>
-          <p:cNvPicPr>
-            <a:picLocks noChangeAspect="1" noChangeArrowheads="1"/>
-          </p:cNvPicPr>
-          <p:nvPr/>
-        </p:nvPicPr>
-        <p:blipFill>
-          <a:blip r:embed="rId2">
-            <a:extLst>
-              <a:ext uri="{28A0092B-C50C-407E-A947-70E740481C1C}">
-                <a14:useLocalDpi xmlns:a14="http://schemas.microsoft.com/office/drawing/2010/main" val="0"/>
-              </a:ext>
-            </a:extLst>
-          </a:blip>
-          <a:srcRect/>
-          <a:stretch>
-            <a:fillRect/>
-          </a:stretch>
-        </p:blipFill>
-        <p:spPr bwMode="auto">
-          <a:xfrm>
-            <a:off x="3923928" y="1649046"/>
-            <a:ext cx="1415945" cy="891521"/>
-          </a:xfrm>
-          <a:prstGeom prst="rect">
-            <a:avLst/>
-          </a:prstGeom>
-          <a:noFill/>
-          <a:ln>
-            <a:noFill/>
-          </a:ln>
-          <a:effectLst/>
-          <a:extLst>
-            <a:ext uri="{909E8E84-426E-40DD-AFC4-6F175D3DCCD1}">
-              <a14:hiddenFill xmlns:a14="http://schemas.microsoft.com/office/drawing/2010/main">
-                <a:solidFill>
-                  <a:schemeClr val="accent1"/>
-                </a:solidFill>
-              </a14:hiddenFill>
-            </a:ext>
-            <a:ext uri="{91240B29-F687-4F45-9708-019B960494DF}">
-              <a14:hiddenLine xmlns:a14="http://schemas.microsoft.com/office/drawing/2010/main" w="9525">
-                <a:solidFill>
-                  <a:schemeClr val="tx1"/>
-                </a:solidFill>
-                <a:miter lim="800000"/>
-                <a:headEnd/>
-                <a:tailEnd/>
-              </a14:hiddenLine>
-            </a:ext>
-            <a:ext uri="{AF507438-7753-43E0-B8FC-AC1667EBCBE1}">
-              <a14:hiddenEffects xmlns:a14="http://schemas.microsoft.com/office/drawing/2010/main">
-                <a:effectLst>
-                  <a:outerShdw dist="35921" dir="2700000" algn="ctr" rotWithShape="0">
-                    <a:schemeClr val="bg2"/>
-                  </a:outerShdw>
-                </a:effectLst>
-              </a14:hiddenEffects>
-            </a:ext>
-          </a:extLst>
-        </p:spPr>
-      </p:pic>
-      <p:pic>
-        <p:nvPicPr>
-          <p:cNvPr id="2055" name="Picture 7" descr="Resultado de imagem para imagem  b vetor"/>
-          <p:cNvPicPr>
-            <a:picLocks noGrp="1" noChangeAspect="1" noChangeArrowheads="1"/>
-          </p:cNvPicPr>
-          <p:nvPr>
-            <p:ph idx="1"/>
-          </p:nvPr>
-        </p:nvPicPr>
-        <p:blipFill rotWithShape="1">
-          <a:blip r:embed="rId3" cstate="print">
-            <a:extLst>
-              <a:ext uri="{28A0092B-C50C-407E-A947-70E740481C1C}">
-                <a14:useLocalDpi xmlns:a14="http://schemas.microsoft.com/office/drawing/2010/main" val="0"/>
-              </a:ext>
-            </a:extLst>
-          </a:blip>
-          <a:srcRect l="62057"/>
-          <a:stretch/>
-        </p:blipFill>
-        <p:spPr bwMode="auto">
-          <a:xfrm>
-            <a:off x="4048274" y="1793062"/>
-            <a:ext cx="713164" cy="687062"/>
-          </a:xfrm>
-          <a:prstGeom prst="rect">
-            <a:avLst/>
-          </a:prstGeom>
-          <a:noFill/>
-          <a:extLst>
-            <a:ext uri="{909E8E84-426E-40DD-AFC4-6F175D3DCCD1}">
-              <a14:hiddenFill xmlns:a14="http://schemas.microsoft.com/office/drawing/2010/main">
-                <a:solidFill>
-                  <a:srgbClr val="FFFFFF"/>
-                </a:solidFill>
-              </a14:hiddenFill>
-            </a:ext>
-          </a:extLst>
-        </p:spPr>
-      </p:pic>
-      <p:pic>
-        <p:nvPicPr>
-          <p:cNvPr id="2057" name="Picture 9" descr="Imagem relacionada"/>
-          <p:cNvPicPr>
-            <a:picLocks noChangeAspect="1" noChangeArrowheads="1"/>
-          </p:cNvPicPr>
-          <p:nvPr/>
-        </p:nvPicPr>
-        <p:blipFill rotWithShape="1">
-          <a:blip r:embed="rId4" cstate="print">
-            <a:extLst>
-              <a:ext uri="{28A0092B-C50C-407E-A947-70E740481C1C}">
-                <a14:useLocalDpi xmlns:a14="http://schemas.microsoft.com/office/drawing/2010/main" val="0"/>
-              </a:ext>
-            </a:extLst>
-          </a:blip>
-          <a:srcRect l="36212" t="31953" r="29576" b="34023"/>
-          <a:stretch/>
-        </p:blipFill>
-        <p:spPr bwMode="auto">
-          <a:xfrm>
-            <a:off x="4048274" y="2153102"/>
-            <a:ext cx="400615" cy="288433"/>
-          </a:xfrm>
-          <a:prstGeom prst="rect">
-            <a:avLst/>
-          </a:prstGeom>
-          <a:noFill/>
-          <a:extLst>
-            <a:ext uri="{909E8E84-426E-40DD-AFC4-6F175D3DCCD1}">
-              <a14:hiddenFill xmlns:a14="http://schemas.microsoft.com/office/drawing/2010/main">
-                <a:solidFill>
-                  <a:srgbClr val="FFFFFF"/>
-                </a:solidFill>
-              </a14:hiddenFill>
-            </a:ext>
-          </a:extLst>
-        </p:spPr>
-      </p:pic>
-    </p:spTree>
-    <p:extLst>
-      <p:ext uri="{BB962C8B-B14F-4D97-AF65-F5344CB8AC3E}">
-        <p14:creationId xmlns:p14="http://schemas.microsoft.com/office/powerpoint/2010/main" val="749898595"/>
-      </p:ext>
-    </p:extLst>
-  </p:cSld>
-  <p:clrMapOvr>
-    <a:masterClrMapping/>
-  </p:clrMapOvr>
-  <p:timing>
-    <p:tnLst>
-      <p:par>
-        <p:cTn id="1" dur="indefinite" restart="never" nodeType="tmRoot"/>
-      </p:par>
-    </p:tnLst>
-  </p:timing>
-</p:sld>
-</file>
-
-<file path=ppt/slides/slide2.xml><?xml version="1.0" encoding="utf-8"?>
-<p:sld xmlns:a="http://schemas.openxmlformats.org/drawingml/2006/main" xmlns:r="http://schemas.openxmlformats.org/officeDocument/2006/relationships" xmlns:p="http://schemas.openxmlformats.org/presentationml/2006/main">
-  <p:cSld>
-    <p:spTree>
-      <p:nvGrpSpPr>
-        <p:cNvPr id="1" name=""/>
-        <p:cNvGrpSpPr/>
-        <p:nvPr/>
-      </p:nvGrpSpPr>
-      <p:grpSpPr>
-        <a:xfrm>
-          <a:off x="0" y="0"/>
-          <a:ext cx="0" cy="0"/>
-          <a:chOff x="0" y="0"/>
-          <a:chExt cx="0" cy="0"/>
-        </a:xfrm>
-      </p:grpSpPr>
-      <p:sp>
-        <p:nvSpPr>
-          <p:cNvPr id="2" name="Título 1"/>
-          <p:cNvSpPr>
-            <a:spLocks noGrp="1"/>
-          </p:cNvSpPr>
-          <p:nvPr>
-            <p:ph type="title"/>
-          </p:nvPr>
-        </p:nvSpPr>
-        <p:spPr>
-          <a:xfrm>
             <a:off x="307975" y="274638"/>
             <a:ext cx="8728521" cy="1143000"/>
           </a:xfrm>
@@ -14587,7 +17271,7 @@
           <p:nvPr>
             <p:extLst>
               <p:ext uri="{D42A27DB-BD31-4B8C-83A1-F6EECF244321}">
-                <p14:modId xmlns:p14="http://schemas.microsoft.com/office/powerpoint/2010/main" val="851066727"/>
+                <p14:modId xmlns:p14="http://schemas.microsoft.com/office/powerpoint/2010/main" val="182715018"/>
               </p:ext>
             </p:extLst>
           </p:nvPr>
@@ -14765,20 +17449,12 @@
           <a:p>
             <a:pPr lvl="0"/>
             <a:r>
-              <a:rPr lang="pt-BR" b="1" dirty="0">
-                <a:solidFill>
-                  <a:srgbClr val="7030A0"/>
-                </a:solidFill>
-              </a:rPr>
-              <a:t>Pagina </a:t>
-            </a:r>
-            <a:r>
               <a:rPr lang="pt-BR" b="1" dirty="0" smtClean="0">
                 <a:solidFill>
                   <a:srgbClr val="7030A0"/>
                 </a:solidFill>
               </a:rPr>
-              <a:t>web</a:t>
+              <a:t>Página web</a:t>
             </a:r>
             <a:endParaRPr lang="pt-BR" dirty="0"/>
           </a:p>
@@ -14815,11 +17491,6 @@
               </a:rPr>
               <a:t>Desktop</a:t>
             </a:r>
-            <a:endParaRPr lang="pt-BR" b="1" dirty="0">
-              <a:solidFill>
-                <a:srgbClr val="7030A0"/>
-              </a:solidFill>
-            </a:endParaRPr>
           </a:p>
         </p:txBody>
       </p:sp>
@@ -14854,11 +17525,6 @@
               </a:rPr>
               <a:t>Ambiente mobile</a:t>
             </a:r>
-            <a:endParaRPr lang="pt-BR" b="1" dirty="0">
-              <a:solidFill>
-                <a:srgbClr val="7030A0"/>
-              </a:solidFill>
-            </a:endParaRPr>
           </a:p>
         </p:txBody>
       </p:sp>
@@ -14870,8 +17536,8 @@
         </p:nvSpPr>
         <p:spPr>
           <a:xfrm>
-            <a:off x="5364088" y="2780928"/>
-            <a:ext cx="1386598" cy="369332"/>
+            <a:off x="4960017" y="2780928"/>
+            <a:ext cx="1391407" cy="369332"/>
           </a:xfrm>
           <a:prstGeom prst="rect">
             <a:avLst/>
@@ -14891,7 +17557,7 @@
                   <a:srgbClr val="7030A0"/>
                 </a:solidFill>
               </a:rPr>
-              <a:t>Serviço WPA</a:t>
+              <a:t>Serviço PWA</a:t>
             </a:r>
             <a:endParaRPr lang="pt-BR" b="1" dirty="0">
               <a:solidFill>
@@ -14901,10 +17567,696 @@
           </a:p>
         </p:txBody>
       </p:sp>
+      <p:sp>
+        <p:nvSpPr>
+          <p:cNvPr id="3" name="CaixaDeTexto 2"/>
+          <p:cNvSpPr txBox="1"/>
+          <p:nvPr/>
+        </p:nvSpPr>
+        <p:spPr>
+          <a:xfrm>
+            <a:off x="155575" y="4943517"/>
+            <a:ext cx="1989968" cy="646331"/>
+          </a:xfrm>
+          <a:prstGeom prst="rect">
+            <a:avLst/>
+          </a:prstGeom>
+          <a:noFill/>
+        </p:spPr>
+        <p:txBody>
+          <a:bodyPr wrap="none" rtlCol="0">
+            <a:spAutoFit/>
+          </a:bodyPr>
+          <a:lstStyle/>
+          <a:p>
+            <a:r>
+              <a:rPr lang="pt-BR" dirty="0" smtClean="0"/>
+              <a:t>Professores, alunos</a:t>
+            </a:r>
+          </a:p>
+          <a:p>
+            <a:r>
+              <a:rPr lang="pt-BR" dirty="0" smtClean="0"/>
+              <a:t>E funcionários</a:t>
+            </a:r>
+            <a:endParaRPr lang="pt-BR" dirty="0"/>
+          </a:p>
+        </p:txBody>
+      </p:sp>
+      <p:graphicFrame>
+        <p:nvGraphicFramePr>
+          <p:cNvPr id="15" name="Diagrama 14"/>
+          <p:cNvGraphicFramePr/>
+          <p:nvPr>
+            <p:extLst>
+              <p:ext uri="{D42A27DB-BD31-4B8C-83A1-F6EECF244321}">
+                <p14:modId xmlns:p14="http://schemas.microsoft.com/office/powerpoint/2010/main" val="4287728567"/>
+              </p:ext>
+            </p:extLst>
+          </p:nvPr>
+        </p:nvGraphicFramePr>
+        <p:xfrm>
+          <a:off x="4015687" y="5909747"/>
+          <a:ext cx="3984564" cy="1023888"/>
+        </p:xfrm>
+        <a:graphic>
+          <a:graphicData uri="http://schemas.openxmlformats.org/drawingml/2006/diagram">
+            <dgm:relIds xmlns:dgm="http://schemas.openxmlformats.org/drawingml/2006/diagram" xmlns:r="http://schemas.openxmlformats.org/officeDocument/2006/relationships" r:dm="rId7" r:lo="rId8" r:qs="rId9" r:cs="rId10"/>
+          </a:graphicData>
+        </a:graphic>
+      </p:graphicFrame>
+      <p:sp>
+        <p:nvSpPr>
+          <p:cNvPr id="4" name="Seta para baixo 3"/>
+          <p:cNvSpPr/>
+          <p:nvPr/>
+        </p:nvSpPr>
+        <p:spPr>
+          <a:xfrm>
+            <a:off x="5610939" y="4963332"/>
+            <a:ext cx="484632" cy="1149779"/>
+          </a:xfrm>
+          <a:prstGeom prst="downArrow">
+            <a:avLst/>
+          </a:prstGeom>
+          <a:ln>
+            <a:noFill/>
+          </a:ln>
+        </p:spPr>
+        <p:style>
+          <a:lnRef idx="2">
+            <a:schemeClr val="accent1">
+              <a:shade val="50000"/>
+            </a:schemeClr>
+          </a:lnRef>
+          <a:fillRef idx="1">
+            <a:schemeClr val="accent1"/>
+          </a:fillRef>
+          <a:effectRef idx="0">
+            <a:schemeClr val="accent1"/>
+          </a:effectRef>
+          <a:fontRef idx="minor">
+            <a:schemeClr val="lt1"/>
+          </a:fontRef>
+        </p:style>
+        <p:txBody>
+          <a:bodyPr rtlCol="0" anchor="ctr"/>
+          <a:lstStyle/>
+          <a:p>
+            <a:pPr algn="ctr"/>
+            <a:endParaRPr lang="pt-BR"/>
+          </a:p>
+        </p:txBody>
+      </p:sp>
+      <p:sp>
+        <p:nvSpPr>
+          <p:cNvPr id="16" name="CaixaDeTexto 15"/>
+          <p:cNvSpPr txBox="1"/>
+          <p:nvPr/>
+        </p:nvSpPr>
+        <p:spPr>
+          <a:xfrm>
+            <a:off x="307975" y="1245065"/>
+            <a:ext cx="1878078" cy="369332"/>
+          </a:xfrm>
+          <a:prstGeom prst="rect">
+            <a:avLst/>
+          </a:prstGeom>
+          <a:noFill/>
+        </p:spPr>
+        <p:txBody>
+          <a:bodyPr wrap="none" rtlCol="0">
+            <a:spAutoFit/>
+          </a:bodyPr>
+          <a:lstStyle/>
+          <a:p>
+            <a:r>
+              <a:rPr lang="pt-BR" dirty="0" smtClean="0"/>
+              <a:t> ad Active campus</a:t>
+            </a:r>
+            <a:endParaRPr lang="pt-BR" dirty="0"/>
+          </a:p>
+        </p:txBody>
+      </p:sp>
     </p:spTree>
     <p:extLst>
       <p:ext uri="{BB962C8B-B14F-4D97-AF65-F5344CB8AC3E}">
         <p14:creationId xmlns:p14="http://schemas.microsoft.com/office/powerpoint/2010/main" val="1481416038"/>
+      </p:ext>
+    </p:extLst>
+  </p:cSld>
+  <p:clrMapOvr>
+    <a:masterClrMapping/>
+  </p:clrMapOvr>
+  <p:timing>
+    <p:tnLst>
+      <p:par>
+        <p:cTn id="1" dur="indefinite" restart="never" nodeType="tmRoot"/>
+      </p:par>
+    </p:tnLst>
+  </p:timing>
+</p:sld>
+</file>
+
+<file path=ppt/slides/slide2.xml><?xml version="1.0" encoding="utf-8"?>
+<p:sld xmlns:a="http://schemas.openxmlformats.org/drawingml/2006/main" xmlns:r="http://schemas.openxmlformats.org/officeDocument/2006/relationships" xmlns:p="http://schemas.openxmlformats.org/presentationml/2006/main">
+  <p:cSld>
+    <p:spTree>
+      <p:nvGrpSpPr>
+        <p:cNvPr id="1" name=""/>
+        <p:cNvGrpSpPr/>
+        <p:nvPr/>
+      </p:nvGrpSpPr>
+      <p:grpSpPr>
+        <a:xfrm>
+          <a:off x="0" y="0"/>
+          <a:ext cx="0" cy="0"/>
+          <a:chOff x="0" y="0"/>
+          <a:chExt cx="0" cy="0"/>
+        </a:xfrm>
+      </p:grpSpPr>
+      <p:graphicFrame>
+        <p:nvGraphicFramePr>
+          <p:cNvPr id="4" name="Diagrama 3"/>
+          <p:cNvGraphicFramePr/>
+          <p:nvPr>
+            <p:extLst>
+              <p:ext uri="{D42A27DB-BD31-4B8C-83A1-F6EECF244321}">
+                <p14:modId xmlns:p14="http://schemas.microsoft.com/office/powerpoint/2010/main" val="1433127407"/>
+              </p:ext>
+            </p:extLst>
+          </p:nvPr>
+        </p:nvGraphicFramePr>
+        <p:xfrm>
+          <a:off x="395536" y="1844824"/>
+          <a:ext cx="8496944" cy="1023888"/>
+        </p:xfrm>
+        <a:graphic>
+          <a:graphicData uri="http://schemas.openxmlformats.org/drawingml/2006/diagram">
+            <dgm:relIds xmlns:dgm="http://schemas.openxmlformats.org/drawingml/2006/diagram" xmlns:r="http://schemas.openxmlformats.org/officeDocument/2006/relationships" r:dm="rId2" r:lo="rId3" r:qs="rId4" r:cs="rId5"/>
+          </a:graphicData>
+        </a:graphic>
+      </p:graphicFrame>
+      <p:sp>
+        <p:nvSpPr>
+          <p:cNvPr id="5" name="Título 3"/>
+          <p:cNvSpPr>
+            <a:spLocks noGrp="1"/>
+          </p:cNvSpPr>
+          <p:nvPr>
+            <p:ph type="title"/>
+          </p:nvPr>
+        </p:nvSpPr>
+        <p:spPr>
+          <a:xfrm>
+            <a:off x="734888" y="152400"/>
+            <a:ext cx="8229600" cy="1143000"/>
+          </a:xfrm>
+        </p:spPr>
+        <p:txBody>
+          <a:bodyPr/>
+          <a:lstStyle/>
+          <a:p>
+            <a:r>
+              <a:rPr lang="pt-BR" dirty="0" smtClean="0"/>
+              <a:t>Conceito</a:t>
+            </a:r>
+            <a:r>
+              <a:rPr lang="pt-BR" baseline="0" dirty="0" smtClean="0"/>
+              <a:t> do serviço</a:t>
+            </a:r>
+            <a:endParaRPr lang="pt-BR" dirty="0"/>
+          </a:p>
+        </p:txBody>
+      </p:sp>
+      <p:grpSp>
+        <p:nvGrpSpPr>
+          <p:cNvPr id="6" name="Grupo 5"/>
+          <p:cNvGrpSpPr/>
+          <p:nvPr/>
+        </p:nvGrpSpPr>
+        <p:grpSpPr>
+          <a:xfrm>
+            <a:off x="388228" y="4098165"/>
+            <a:ext cx="1445047" cy="1573779"/>
+            <a:chOff x="3660" y="1841402"/>
+            <a:chExt cx="1445047" cy="1573779"/>
+          </a:xfrm>
+        </p:grpSpPr>
+        <p:sp>
+          <p:nvSpPr>
+            <p:cNvPr id="7" name="Retângulo de cantos arredondados 6"/>
+            <p:cNvSpPr/>
+            <p:nvPr/>
+          </p:nvSpPr>
+          <p:spPr>
+            <a:xfrm>
+              <a:off x="3660" y="1841402"/>
+              <a:ext cx="1445047" cy="1573779"/>
+            </a:xfrm>
+            <a:prstGeom prst="roundRect">
+              <a:avLst>
+                <a:gd name="adj" fmla="val 10000"/>
+              </a:avLst>
+            </a:prstGeom>
+            <a:blipFill rotWithShape="0">
+              <a:blip r:embed="rId7"/>
+              <a:stretch>
+                <a:fillRect/>
+              </a:stretch>
+            </a:blipFill>
+          </p:spPr>
+          <p:style>
+            <a:lnRef idx="2">
+              <a:schemeClr val="lt1">
+                <a:hueOff val="0"/>
+                <a:satOff val="0"/>
+                <a:lumOff val="0"/>
+                <a:alphaOff val="0"/>
+              </a:schemeClr>
+            </a:lnRef>
+            <a:fillRef idx="1">
+              <a:scrgbClr r="0" g="0" b="0"/>
+            </a:fillRef>
+            <a:effectRef idx="0">
+              <a:schemeClr val="accent1">
+                <a:hueOff val="0"/>
+                <a:satOff val="0"/>
+                <a:lumOff val="0"/>
+                <a:alphaOff val="0"/>
+              </a:schemeClr>
+            </a:effectRef>
+            <a:fontRef idx="minor">
+              <a:schemeClr val="lt1"/>
+            </a:fontRef>
+          </p:style>
+        </p:sp>
+        <p:sp>
+          <p:nvSpPr>
+            <p:cNvPr id="8" name="Retângulo 7"/>
+            <p:cNvSpPr/>
+            <p:nvPr/>
+          </p:nvSpPr>
+          <p:spPr>
+            <a:xfrm>
+              <a:off x="45984" y="1883726"/>
+              <a:ext cx="1360399" cy="1489131"/>
+            </a:xfrm>
+            <a:prstGeom prst="rect">
+              <a:avLst/>
+            </a:prstGeom>
+          </p:spPr>
+          <p:style>
+            <a:lnRef idx="0">
+              <a:scrgbClr r="0" g="0" b="0"/>
+            </a:lnRef>
+            <a:fillRef idx="0">
+              <a:scrgbClr r="0" g="0" b="0"/>
+            </a:fillRef>
+            <a:effectRef idx="0">
+              <a:scrgbClr r="0" g="0" b="0"/>
+            </a:effectRef>
+            <a:fontRef idx="minor">
+              <a:schemeClr val="lt1"/>
+            </a:fontRef>
+          </p:style>
+          <p:txBody>
+            <a:bodyPr spcFirstLastPara="0" vert="horz" wrap="square" lIns="40640" tIns="40640" rIns="40640" bIns="40640" numCol="1" spcCol="1270" anchor="ctr" anchorCtr="0">
+              <a:noAutofit/>
+            </a:bodyPr>
+            <a:lstStyle/>
+            <a:p>
+              <a:pPr lvl="0" algn="ctr" defTabSz="2844800">
+                <a:lnSpc>
+                  <a:spcPct val="90000"/>
+                </a:lnSpc>
+                <a:spcBef>
+                  <a:spcPct val="0"/>
+                </a:spcBef>
+                <a:spcAft>
+                  <a:spcPct val="35000"/>
+                </a:spcAft>
+              </a:pPr>
+              <a:endParaRPr lang="pt-BR" sz="6400" b="1" kern="1200" dirty="0">
+                <a:solidFill>
+                  <a:srgbClr val="7030A0"/>
+                </a:solidFill>
+              </a:endParaRPr>
+            </a:p>
+          </p:txBody>
+        </p:sp>
+      </p:grpSp>
+      <p:sp>
+        <p:nvSpPr>
+          <p:cNvPr id="9" name="Seta para a direita 8"/>
+          <p:cNvSpPr/>
+          <p:nvPr/>
+        </p:nvSpPr>
+        <p:spPr>
+          <a:xfrm>
+            <a:off x="2181712" y="4922016"/>
+            <a:ext cx="978408" cy="350115"/>
+          </a:xfrm>
+          <a:prstGeom prst="rightArrow">
+            <a:avLst/>
+          </a:prstGeom>
+          <a:ln>
+            <a:noFill/>
+          </a:ln>
+        </p:spPr>
+        <p:style>
+          <a:lnRef idx="2">
+            <a:schemeClr val="accent1">
+              <a:shade val="50000"/>
+            </a:schemeClr>
+          </a:lnRef>
+          <a:fillRef idx="1">
+            <a:schemeClr val="accent1"/>
+          </a:fillRef>
+          <a:effectRef idx="0">
+            <a:schemeClr val="accent1"/>
+          </a:effectRef>
+          <a:fontRef idx="minor">
+            <a:schemeClr val="lt1"/>
+          </a:fontRef>
+        </p:style>
+        <p:txBody>
+          <a:bodyPr rtlCol="0" anchor="ctr"/>
+          <a:lstStyle/>
+          <a:p>
+            <a:pPr algn="ctr"/>
+            <a:endParaRPr lang="pt-BR"/>
+          </a:p>
+        </p:txBody>
+      </p:sp>
+      <p:sp>
+        <p:nvSpPr>
+          <p:cNvPr id="10" name="Seta para a direita 9"/>
+          <p:cNvSpPr/>
+          <p:nvPr/>
+        </p:nvSpPr>
+        <p:spPr>
+          <a:xfrm>
+            <a:off x="3661376" y="4921906"/>
+            <a:ext cx="978408" cy="350115"/>
+          </a:xfrm>
+          <a:prstGeom prst="rightArrow">
+            <a:avLst/>
+          </a:prstGeom>
+          <a:ln>
+            <a:noFill/>
+          </a:ln>
+        </p:spPr>
+        <p:style>
+          <a:lnRef idx="2">
+            <a:schemeClr val="accent1">
+              <a:shade val="50000"/>
+            </a:schemeClr>
+          </a:lnRef>
+          <a:fillRef idx="1">
+            <a:schemeClr val="accent1"/>
+          </a:fillRef>
+          <a:effectRef idx="0">
+            <a:schemeClr val="accent1"/>
+          </a:effectRef>
+          <a:fontRef idx="minor">
+            <a:schemeClr val="lt1"/>
+          </a:fontRef>
+        </p:style>
+        <p:txBody>
+          <a:bodyPr rtlCol="0" anchor="ctr"/>
+          <a:lstStyle/>
+          <a:p>
+            <a:pPr algn="ctr"/>
+            <a:endParaRPr lang="pt-BR"/>
+          </a:p>
+        </p:txBody>
+      </p:sp>
+      <p:sp>
+        <p:nvSpPr>
+          <p:cNvPr id="14" name="Seta em curva para a esquerda 13"/>
+          <p:cNvSpPr/>
+          <p:nvPr/>
+        </p:nvSpPr>
+        <p:spPr>
+          <a:xfrm>
+            <a:off x="7956376" y="4829575"/>
+            <a:ext cx="731520" cy="1216152"/>
+          </a:xfrm>
+          <a:prstGeom prst="curvedLeftArrow">
+            <a:avLst/>
+          </a:prstGeom>
+          <a:solidFill>
+            <a:schemeClr val="tx2">
+              <a:lumMod val="60000"/>
+              <a:lumOff val="40000"/>
+            </a:schemeClr>
+          </a:solidFill>
+          <a:ln>
+            <a:noFill/>
+          </a:ln>
+        </p:spPr>
+        <p:style>
+          <a:lnRef idx="2">
+            <a:schemeClr val="accent1">
+              <a:shade val="50000"/>
+            </a:schemeClr>
+          </a:lnRef>
+          <a:fillRef idx="1">
+            <a:schemeClr val="accent1"/>
+          </a:fillRef>
+          <a:effectRef idx="0">
+            <a:schemeClr val="accent1"/>
+          </a:effectRef>
+          <a:fontRef idx="minor">
+            <a:schemeClr val="lt1"/>
+          </a:fontRef>
+        </p:style>
+        <p:txBody>
+          <a:bodyPr rtlCol="0" anchor="ctr"/>
+          <a:lstStyle/>
+          <a:p>
+            <a:pPr algn="ctr"/>
+            <a:endParaRPr lang="pt-BR">
+              <a:solidFill>
+                <a:schemeClr val="tx1"/>
+              </a:solidFill>
+            </a:endParaRPr>
+          </a:p>
+        </p:txBody>
+      </p:sp>
+      <p:sp>
+        <p:nvSpPr>
+          <p:cNvPr id="15" name="CaixaDeTexto 14"/>
+          <p:cNvSpPr txBox="1"/>
+          <p:nvPr/>
+        </p:nvSpPr>
+        <p:spPr>
+          <a:xfrm>
+            <a:off x="3464518" y="3612262"/>
+            <a:ext cx="1987724" cy="369332"/>
+          </a:xfrm>
+          <a:prstGeom prst="rect">
+            <a:avLst/>
+          </a:prstGeom>
+          <a:noFill/>
+        </p:spPr>
+        <p:txBody>
+          <a:bodyPr wrap="none" rtlCol="0">
+            <a:spAutoFit/>
+          </a:bodyPr>
+          <a:lstStyle/>
+          <a:p>
+            <a:r>
+              <a:rPr lang="pt-BR" dirty="0" err="1" smtClean="0"/>
+              <a:t>Idéia</a:t>
+            </a:r>
+            <a:r>
+              <a:rPr lang="pt-BR" dirty="0" smtClean="0"/>
+              <a:t> </a:t>
+            </a:r>
+            <a:r>
+              <a:rPr lang="pt-BR" dirty="0" smtClean="0"/>
+              <a:t>dos três clicks</a:t>
+            </a:r>
+            <a:endParaRPr lang="pt-BR" dirty="0"/>
+          </a:p>
+        </p:txBody>
+      </p:sp>
+      <p:sp>
+        <p:nvSpPr>
+          <p:cNvPr id="16" name="Seta para a direita 15"/>
+          <p:cNvSpPr/>
+          <p:nvPr/>
+        </p:nvSpPr>
+        <p:spPr>
+          <a:xfrm>
+            <a:off x="6981292" y="4735069"/>
+            <a:ext cx="978408" cy="350115"/>
+          </a:xfrm>
+          <a:prstGeom prst="rightArrow">
+            <a:avLst>
+              <a:gd name="adj1" fmla="val 50000"/>
+              <a:gd name="adj2" fmla="val 0"/>
+            </a:avLst>
+          </a:prstGeom>
+          <a:ln>
+            <a:noFill/>
+          </a:ln>
+        </p:spPr>
+        <p:style>
+          <a:lnRef idx="2">
+            <a:schemeClr val="accent1">
+              <a:shade val="50000"/>
+            </a:schemeClr>
+          </a:lnRef>
+          <a:fillRef idx="1">
+            <a:schemeClr val="accent1"/>
+          </a:fillRef>
+          <a:effectRef idx="0">
+            <a:schemeClr val="accent1"/>
+          </a:effectRef>
+          <a:fontRef idx="minor">
+            <a:schemeClr val="lt1"/>
+          </a:fontRef>
+        </p:style>
+        <p:txBody>
+          <a:bodyPr rtlCol="0" anchor="ctr"/>
+          <a:lstStyle/>
+          <a:p>
+            <a:pPr algn="ctr"/>
+            <a:endParaRPr lang="pt-BR"/>
+          </a:p>
+        </p:txBody>
+      </p:sp>
+      <p:sp>
+        <p:nvSpPr>
+          <p:cNvPr id="17" name="CaixaDeTexto 16"/>
+          <p:cNvSpPr txBox="1"/>
+          <p:nvPr/>
+        </p:nvSpPr>
+        <p:spPr>
+          <a:xfrm>
+            <a:off x="2033041" y="4365737"/>
+            <a:ext cx="902491" cy="369332"/>
+          </a:xfrm>
+          <a:prstGeom prst="rect">
+            <a:avLst/>
+          </a:prstGeom>
+          <a:noFill/>
+        </p:spPr>
+        <p:txBody>
+          <a:bodyPr wrap="none" rtlCol="0">
+            <a:spAutoFit/>
+          </a:bodyPr>
+          <a:lstStyle/>
+          <a:p>
+            <a:r>
+              <a:rPr lang="pt-BR" dirty="0" smtClean="0"/>
+              <a:t>Seleção</a:t>
+            </a:r>
+            <a:endParaRPr lang="pt-BR" dirty="0"/>
+          </a:p>
+        </p:txBody>
+      </p:sp>
+      <p:sp>
+        <p:nvSpPr>
+          <p:cNvPr id="18" name="CaixaDeTexto 17"/>
+          <p:cNvSpPr txBox="1"/>
+          <p:nvPr/>
+        </p:nvSpPr>
+        <p:spPr>
+          <a:xfrm>
+            <a:off x="3930560" y="4365737"/>
+            <a:ext cx="292068" cy="369332"/>
+          </a:xfrm>
+          <a:prstGeom prst="rect">
+            <a:avLst/>
+          </a:prstGeom>
+          <a:noFill/>
+        </p:spPr>
+        <p:txBody>
+          <a:bodyPr wrap="none" rtlCol="0">
+            <a:spAutoFit/>
+          </a:bodyPr>
+          <a:lstStyle/>
+          <a:p>
+            <a:r>
+              <a:rPr lang="pt-BR" dirty="0" smtClean="0"/>
+              <a:t>?</a:t>
+            </a:r>
+            <a:endParaRPr lang="pt-BR" dirty="0"/>
+          </a:p>
+        </p:txBody>
+      </p:sp>
+      <p:sp>
+        <p:nvSpPr>
+          <p:cNvPr id="19" name="CaixaDeTexto 18"/>
+          <p:cNvSpPr txBox="1"/>
+          <p:nvPr/>
+        </p:nvSpPr>
+        <p:spPr>
+          <a:xfrm>
+            <a:off x="6865130" y="4372376"/>
+            <a:ext cx="1540743" cy="369332"/>
+          </a:xfrm>
+          <a:prstGeom prst="rect">
+            <a:avLst/>
+          </a:prstGeom>
+          <a:noFill/>
+        </p:spPr>
+        <p:txBody>
+          <a:bodyPr wrap="none" rtlCol="0">
+            <a:spAutoFit/>
+          </a:bodyPr>
+          <a:lstStyle/>
+          <a:p>
+            <a:r>
+              <a:rPr lang="pt-BR" dirty="0" smtClean="0"/>
+              <a:t>Confirma </a:t>
+            </a:r>
+            <a:r>
+              <a:rPr lang="pt-BR" dirty="0" smtClean="0"/>
+              <a:t>ação</a:t>
+            </a:r>
+            <a:endParaRPr lang="pt-BR" dirty="0"/>
+          </a:p>
+        </p:txBody>
+      </p:sp>
+      <p:sp>
+        <p:nvSpPr>
+          <p:cNvPr id="2" name="CaixaDeTexto 1"/>
+          <p:cNvSpPr txBox="1"/>
+          <p:nvPr/>
+        </p:nvSpPr>
+        <p:spPr>
+          <a:xfrm>
+            <a:off x="1833275" y="6165304"/>
+            <a:ext cx="651012" cy="369332"/>
+          </a:xfrm>
+          <a:prstGeom prst="rect">
+            <a:avLst/>
+          </a:prstGeom>
+          <a:noFill/>
+        </p:spPr>
+        <p:txBody>
+          <a:bodyPr wrap="none" rtlCol="0">
+            <a:spAutoFit/>
+          </a:bodyPr>
+          <a:lstStyle/>
+          <a:p>
+            <a:r>
+              <a:rPr lang="pt-BR" dirty="0" err="1" smtClean="0"/>
+              <a:t>ifTTT</a:t>
+            </a:r>
+            <a:endParaRPr lang="pt-BR" dirty="0"/>
+          </a:p>
+        </p:txBody>
+      </p:sp>
+    </p:spTree>
+    <p:extLst>
+      <p:ext uri="{BB962C8B-B14F-4D97-AF65-F5344CB8AC3E}">
+        <p14:creationId xmlns:p14="http://schemas.microsoft.com/office/powerpoint/2010/main" val="540687137"/>
       </p:ext>
     </p:extLst>
   </p:cSld>
@@ -14945,13 +18297,13 @@
           <p:nvPr>
             <p:extLst>
               <p:ext uri="{D42A27DB-BD31-4B8C-83A1-F6EECF244321}">
-                <p14:modId xmlns:p14="http://schemas.microsoft.com/office/powerpoint/2010/main" val="4149030208"/>
+                <p14:modId xmlns:p14="http://schemas.microsoft.com/office/powerpoint/2010/main" val="2027181623"/>
               </p:ext>
             </p:extLst>
           </p:nvPr>
         </p:nvGraphicFramePr>
         <p:xfrm>
-          <a:off x="623900" y="2483996"/>
+          <a:off x="623900" y="1756033"/>
           <a:ext cx="8328248" cy="4064000"/>
         </p:xfrm>
         <a:graphic>
@@ -14982,38 +18334,12 @@
           <a:p>
             <a:r>
               <a:rPr lang="pt-BR" dirty="0" smtClean="0"/>
-              <a:t>Conceito</a:t>
-            </a:r>
-            <a:r>
-              <a:rPr lang="pt-BR" baseline="0" dirty="0" smtClean="0"/>
-              <a:t> do serviço</a:t>
+              <a:t>Regras de negócio</a:t>
             </a:r>
             <a:endParaRPr lang="pt-BR" dirty="0"/>
           </a:p>
         </p:txBody>
       </p:sp>
-      <p:graphicFrame>
-        <p:nvGraphicFramePr>
-          <p:cNvPr id="5" name="Diagrama 4"/>
-          <p:cNvGraphicFramePr/>
-          <p:nvPr>
-            <p:extLst>
-              <p:ext uri="{D42A27DB-BD31-4B8C-83A1-F6EECF244321}">
-                <p14:modId xmlns:p14="http://schemas.microsoft.com/office/powerpoint/2010/main" val="2343394079"/>
-              </p:ext>
-            </p:extLst>
-          </p:nvPr>
-        </p:nvGraphicFramePr>
-        <p:xfrm>
-          <a:off x="467544" y="1397000"/>
-          <a:ext cx="8496944" cy="1023888"/>
-        </p:xfrm>
-        <a:graphic>
-          <a:graphicData uri="http://schemas.openxmlformats.org/drawingml/2006/diagram">
-            <dgm:relIds xmlns:dgm="http://schemas.openxmlformats.org/drawingml/2006/diagram" xmlns:r="http://schemas.openxmlformats.org/officeDocument/2006/relationships" r:dm="rId7" r:lo="rId8" r:qs="rId9" r:cs="rId10"/>
-          </a:graphicData>
-        </a:graphic>
-      </p:graphicFrame>
       <p:sp>
         <p:nvSpPr>
           <p:cNvPr id="29" name="Seta em curva para baixo 28"/>
@@ -15188,6 +18514,94 @@
           <a:bodyPr/>
           <a:lstStyle/>
           <a:p>
+            <a:r>
+              <a:rPr lang="pt-BR" dirty="0" smtClean="0"/>
+              <a:t>MVP</a:t>
+            </a:r>
+            <a:endParaRPr lang="pt-BR" dirty="0"/>
+          </a:p>
+        </p:txBody>
+      </p:sp>
+      <p:pic>
+        <p:nvPicPr>
+          <p:cNvPr id="6" name="Espaço Reservado para Conteúdo 5"/>
+          <p:cNvPicPr>
+            <a:picLocks noGrp="1" noChangeAspect="1"/>
+          </p:cNvPicPr>
+          <p:nvPr>
+            <p:ph idx="1"/>
+          </p:nvPr>
+        </p:nvPicPr>
+        <p:blipFill rotWithShape="1">
+          <a:blip r:embed="rId2" cstate="print">
+            <a:extLst>
+              <a:ext uri="{28A0092B-C50C-407E-A947-70E740481C1C}">
+                <a14:useLocalDpi xmlns:a14="http://schemas.microsoft.com/office/drawing/2010/main" val="0"/>
+              </a:ext>
+            </a:extLst>
+          </a:blip>
+          <a:srcRect t="8253" r="1162" b="15291"/>
+          <a:stretch/>
+        </p:blipFill>
+        <p:spPr>
+          <a:xfrm>
+            <a:off x="1187624" y="1268760"/>
+            <a:ext cx="6120680" cy="5400600"/>
+          </a:xfrm>
+        </p:spPr>
+      </p:pic>
+    </p:spTree>
+    <p:extLst>
+      <p:ext uri="{BB962C8B-B14F-4D97-AF65-F5344CB8AC3E}">
+        <p14:creationId xmlns:p14="http://schemas.microsoft.com/office/powerpoint/2010/main" val="1686287847"/>
+      </p:ext>
+    </p:extLst>
+  </p:cSld>
+  <p:clrMapOvr>
+    <a:masterClrMapping/>
+  </p:clrMapOvr>
+  <p:timing>
+    <p:tnLst>
+      <p:par>
+        <p:cTn id="1" dur="indefinite" restart="never" nodeType="tmRoot"/>
+      </p:par>
+    </p:tnLst>
+  </p:timing>
+</p:sld>
+</file>
+
+<file path=ppt/slides/slide5.xml><?xml version="1.0" encoding="utf-8"?>
+<p:sld xmlns:a="http://schemas.openxmlformats.org/drawingml/2006/main" xmlns:r="http://schemas.openxmlformats.org/officeDocument/2006/relationships" xmlns:p="http://schemas.openxmlformats.org/presentationml/2006/main">
+  <p:cSld>
+    <p:spTree>
+      <p:nvGrpSpPr>
+        <p:cNvPr id="1" name=""/>
+        <p:cNvGrpSpPr/>
+        <p:nvPr/>
+      </p:nvGrpSpPr>
+      <p:grpSpPr>
+        <a:xfrm>
+          <a:off x="0" y="0"/>
+          <a:ext cx="0" cy="0"/>
+          <a:chOff x="0" y="0"/>
+          <a:chExt cx="0" cy="0"/>
+        </a:xfrm>
+      </p:grpSpPr>
+      <p:sp>
+        <p:nvSpPr>
+          <p:cNvPr id="2" name="Título 1"/>
+          <p:cNvSpPr>
+            <a:spLocks noGrp="1"/>
+          </p:cNvSpPr>
+          <p:nvPr>
+            <p:ph type="title"/>
+          </p:nvPr>
+        </p:nvSpPr>
+        <p:spPr/>
+        <p:txBody>
+          <a:bodyPr/>
+          <a:lstStyle/>
+          <a:p>
             <a:endParaRPr lang="pt-BR"/>
           </a:p>
         </p:txBody>
@@ -15214,7 +18628,82 @@
     </p:spTree>
     <p:extLst>
       <p:ext uri="{BB962C8B-B14F-4D97-AF65-F5344CB8AC3E}">
-        <p14:creationId xmlns:p14="http://schemas.microsoft.com/office/powerpoint/2010/main" val="1250170884"/>
+        <p14:creationId xmlns:p14="http://schemas.microsoft.com/office/powerpoint/2010/main" val="2358521325"/>
+      </p:ext>
+    </p:extLst>
+  </p:cSld>
+  <p:clrMapOvr>
+    <a:masterClrMapping/>
+  </p:clrMapOvr>
+  <p:timing>
+    <p:tnLst>
+      <p:par>
+        <p:cTn id="1" dur="indefinite" restart="never" nodeType="tmRoot"/>
+      </p:par>
+    </p:tnLst>
+  </p:timing>
+</p:sld>
+</file>
+
+<file path=ppt/slides/slide6.xml><?xml version="1.0" encoding="utf-8"?>
+<p:sld xmlns:a="http://schemas.openxmlformats.org/drawingml/2006/main" xmlns:r="http://schemas.openxmlformats.org/officeDocument/2006/relationships" xmlns:p="http://schemas.openxmlformats.org/presentationml/2006/main">
+  <p:cSld>
+    <p:spTree>
+      <p:nvGrpSpPr>
+        <p:cNvPr id="1" name=""/>
+        <p:cNvGrpSpPr/>
+        <p:nvPr/>
+      </p:nvGrpSpPr>
+      <p:grpSpPr>
+        <a:xfrm>
+          <a:off x="0" y="0"/>
+          <a:ext cx="0" cy="0"/>
+          <a:chOff x="0" y="0"/>
+          <a:chExt cx="0" cy="0"/>
+        </a:xfrm>
+      </p:grpSpPr>
+      <p:sp>
+        <p:nvSpPr>
+          <p:cNvPr id="2" name="Título 1"/>
+          <p:cNvSpPr>
+            <a:spLocks noGrp="1"/>
+          </p:cNvSpPr>
+          <p:nvPr>
+            <p:ph type="title"/>
+          </p:nvPr>
+        </p:nvSpPr>
+        <p:spPr/>
+        <p:txBody>
+          <a:bodyPr/>
+          <a:lstStyle/>
+          <a:p>
+            <a:endParaRPr lang="pt-BR"/>
+          </a:p>
+        </p:txBody>
+      </p:sp>
+      <p:sp>
+        <p:nvSpPr>
+          <p:cNvPr id="3" name="Espaço Reservado para Conteúdo 2"/>
+          <p:cNvSpPr>
+            <a:spLocks noGrp="1"/>
+          </p:cNvSpPr>
+          <p:nvPr>
+            <p:ph idx="1"/>
+          </p:nvPr>
+        </p:nvSpPr>
+        <p:spPr/>
+        <p:txBody>
+          <a:bodyPr/>
+          <a:lstStyle/>
+          <a:p>
+            <a:endParaRPr lang="pt-BR"/>
+          </a:p>
+        </p:txBody>
+      </p:sp>
+    </p:spTree>
+    <p:extLst>
+      <p:ext uri="{BB962C8B-B14F-4D97-AF65-F5344CB8AC3E}">
+        <p14:creationId xmlns:p14="http://schemas.microsoft.com/office/powerpoint/2010/main" val="3490049079"/>
       </p:ext>
     </p:extLst>
   </p:cSld>

--- a/Ppt.pptx
+++ b/Ppt.pptx
@@ -2,15 +2,15 @@
 <file path=ppt/presentation.xml><?xml version="1.0" encoding="utf-8"?>
 <p:presentation xmlns:a="http://schemas.openxmlformats.org/drawingml/2006/main" xmlns:r="http://schemas.openxmlformats.org/officeDocument/2006/relationships" xmlns:p="http://schemas.openxmlformats.org/presentationml/2006/main" saveSubsetFonts="1">
   <p:sldMasterIdLst>
-    <p:sldMasterId id="2147483648" r:id="rId1"/>
+    <p:sldMasterId id="2147483672" r:id="rId1"/>
   </p:sldMasterIdLst>
   <p:sldIdLst>
-    <p:sldId id="257" r:id="rId2"/>
-    <p:sldId id="260" r:id="rId3"/>
-    <p:sldId id="256" r:id="rId4"/>
-    <p:sldId id="261" r:id="rId5"/>
-    <p:sldId id="262" r:id="rId6"/>
-    <p:sldId id="263" r:id="rId7"/>
+    <p:sldId id="265" r:id="rId2"/>
+    <p:sldId id="257" r:id="rId3"/>
+    <p:sldId id="260" r:id="rId4"/>
+    <p:sldId id="256" r:id="rId5"/>
+    <p:sldId id="261" r:id="rId6"/>
+    <p:sldId id="262" r:id="rId7"/>
   </p:sldIdLst>
   <p:sldSz cx="9144000" cy="6858000" type="screen4x3"/>
   <p:notesSz cx="6858000" cy="9144000"/>
@@ -111,7 +111,7 @@
   </p:defaultTextStyle>
   <p:extLst>
     <p:ext uri="{EFAFB233-063F-42B5-8137-9DF3F51BA10A}">
-      <p15:sldGuideLst xmlns:p15="http://schemas.microsoft.com/office/powerpoint/2012/main">
+      <p15:sldGuideLst xmlns:p15="http://schemas.microsoft.com/office/powerpoint/2012/main" xmlns="">
         <p15:guide id="1" orient="horz" pos="2160">
           <p15:clr>
             <a:srgbClr val="A4A3A4"/>
@@ -4080,9 +4080,7 @@
       <dgm:prSet phldrT="[Texto]"/>
       <dgm:spPr>
         <a:solidFill>
-          <a:schemeClr val="accent6">
-            <a:lumMod val="75000"/>
-          </a:schemeClr>
+          <a:srgbClr val="FFC000"/>
         </a:solidFill>
       </dgm:spPr>
       <dgm:t>
@@ -4164,9 +4162,7 @@
       <dgm:prSet phldrT="[Texto]"/>
       <dgm:spPr>
         <a:solidFill>
-          <a:schemeClr val="accent6">
-            <a:lumMod val="75000"/>
-          </a:schemeClr>
+          <a:srgbClr val="FFC000"/>
         </a:solidFill>
       </dgm:spPr>
       <dgm:t>
@@ -5709,7 +5705,7 @@
             <a:fillRect/>
           </a:stretch>
         </a:blipFill>
-        <a:ln w="25400" cap="flat" cmpd="sng" algn="ctr">
+        <a:ln w="28575" cap="flat" cmpd="sng" algn="ctr">
           <a:solidFill>
             <a:schemeClr val="lt1">
               <a:hueOff val="0"/>
@@ -5793,7 +5789,7 @@
           </a:pathLst>
         </a:custGeom>
         <a:noFill/>
-        <a:ln w="25400" cap="flat" cmpd="sng" algn="ctr">
+        <a:ln w="28575" cap="flat" cmpd="sng" algn="ctr">
           <a:solidFill>
             <a:schemeClr val="accent1">
               <a:shade val="60000"/>
@@ -5865,7 +5861,7 @@
             <a:fillRect/>
           </a:stretch>
         </a:blipFill>
-        <a:ln w="25400" cap="flat" cmpd="sng" algn="ctr">
+        <a:ln w="28575" cap="flat" cmpd="sng" algn="ctr">
           <a:solidFill>
             <a:schemeClr val="lt1">
               <a:hueOff val="0"/>
@@ -5949,7 +5945,7 @@
           </a:pathLst>
         </a:custGeom>
         <a:noFill/>
-        <a:ln w="25400" cap="flat" cmpd="sng" algn="ctr">
+        <a:ln w="28575" cap="flat" cmpd="sng" algn="ctr">
           <a:solidFill>
             <a:schemeClr val="accent1">
               <a:shade val="80000"/>
@@ -6021,7 +6017,7 @@
             <a:fillRect/>
           </a:stretch>
         </a:blipFill>
-        <a:ln w="25400" cap="flat" cmpd="sng" algn="ctr">
+        <a:ln w="28575" cap="flat" cmpd="sng" algn="ctr">
           <a:solidFill>
             <a:schemeClr val="lt1">
               <a:hueOff val="0"/>
@@ -6105,7 +6101,7 @@
           </a:pathLst>
         </a:custGeom>
         <a:noFill/>
-        <a:ln w="25400" cap="flat" cmpd="sng" algn="ctr">
+        <a:ln w="28575" cap="flat" cmpd="sng" algn="ctr">
           <a:solidFill>
             <a:schemeClr val="accent1">
               <a:shade val="80000"/>
@@ -6177,7 +6173,7 @@
             <a:fillRect/>
           </a:stretch>
         </a:blipFill>
-        <a:ln w="25400" cap="flat" cmpd="sng" algn="ctr">
+        <a:ln w="28575" cap="flat" cmpd="sng" algn="ctr">
           <a:solidFill>
             <a:schemeClr val="lt1">
               <a:hueOff val="0"/>
@@ -6261,7 +6257,7 @@
           </a:pathLst>
         </a:custGeom>
         <a:noFill/>
-        <a:ln w="25400" cap="flat" cmpd="sng" algn="ctr">
+        <a:ln w="28575" cap="flat" cmpd="sng" algn="ctr">
           <a:solidFill>
             <a:schemeClr val="accent1">
               <a:shade val="80000"/>
@@ -6333,7 +6329,7 @@
             <a:fillRect/>
           </a:stretch>
         </a:blipFill>
-        <a:ln w="25400" cap="flat" cmpd="sng" algn="ctr">
+        <a:ln w="28575" cap="flat" cmpd="sng" algn="ctr">
           <a:solidFill>
             <a:schemeClr val="lt1">
               <a:hueOff val="0"/>
@@ -6417,7 +6413,7 @@
         <a:solidFill>
           <a:srgbClr val="00B050"/>
         </a:solidFill>
-        <a:ln w="25400" cap="flat" cmpd="sng" algn="ctr">
+        <a:ln w="28575" cap="flat" cmpd="sng" algn="ctr">
           <a:solidFill>
             <a:schemeClr val="lt1">
               <a:hueOff val="0"/>
@@ -6445,12 +6441,12 @@
         </a:fontRef>
       </dsp:style>
       <dsp:txBody>
-        <a:bodyPr spcFirstLastPara="0" vert="horz" wrap="square" lIns="28004" tIns="9335" rIns="9335" bIns="9335" numCol="1" spcCol="1270" anchor="ctr" anchorCtr="0">
+        <a:bodyPr spcFirstLastPara="0" vert="horz" wrap="square" lIns="24003" tIns="8001" rIns="8001" bIns="8001" numCol="1" spcCol="1270" anchor="ctr" anchorCtr="0">
           <a:noAutofit/>
         </a:bodyPr>
         <a:lstStyle/>
         <a:p>
-          <a:pPr lvl="0" algn="ctr" defTabSz="311150">
+          <a:pPr lvl="0" algn="ctr" defTabSz="266700">
             <a:lnSpc>
               <a:spcPct val="90000"/>
             </a:lnSpc>
@@ -6462,10 +6458,10 @@
             </a:spcAft>
           </a:pPr>
           <a:r>
-            <a:rPr lang="pt-BR" sz="700" kern="1200" dirty="0" smtClean="0"/>
+            <a:rPr lang="pt-BR" sz="600" kern="1200" dirty="0" smtClean="0"/>
             <a:t>Alerta </a:t>
           </a:r>
-          <a:endParaRPr lang="pt-BR" sz="700" kern="1200" dirty="0"/>
+          <a:endParaRPr lang="pt-BR" sz="600" kern="1200" dirty="0"/>
         </a:p>
       </dsp:txBody>
       <dsp:txXfrm>
@@ -6489,7 +6485,7 @@
         <a:solidFill>
           <a:srgbClr val="00B050"/>
         </a:solidFill>
-        <a:ln w="25400" cap="flat" cmpd="sng" algn="ctr">
+        <a:ln w="28575" cap="flat" cmpd="sng" algn="ctr">
           <a:solidFill>
             <a:schemeClr val="lt1">
               <a:hueOff val="0"/>
@@ -6517,12 +6513,12 @@
         </a:fontRef>
       </dsp:style>
       <dsp:txBody>
-        <a:bodyPr spcFirstLastPara="0" vert="horz" wrap="square" lIns="28004" tIns="9335" rIns="9335" bIns="9335" numCol="1" spcCol="1270" anchor="ctr" anchorCtr="0">
+        <a:bodyPr spcFirstLastPara="0" vert="horz" wrap="square" lIns="24003" tIns="8001" rIns="8001" bIns="8001" numCol="1" spcCol="1270" anchor="ctr" anchorCtr="0">
           <a:noAutofit/>
         </a:bodyPr>
         <a:lstStyle/>
         <a:p>
-          <a:pPr lvl="0" algn="ctr" defTabSz="311150">
+          <a:pPr lvl="0" algn="ctr" defTabSz="266700">
             <a:lnSpc>
               <a:spcPct val="90000"/>
             </a:lnSpc>
@@ -6534,10 +6530,10 @@
             </a:spcAft>
           </a:pPr>
           <a:r>
-            <a:rPr lang="pt-BR" sz="700" kern="1200" dirty="0" smtClean="0"/>
+            <a:rPr lang="pt-BR" sz="600" kern="1200" dirty="0" smtClean="0"/>
             <a:t>Decisão </a:t>
           </a:r>
-          <a:endParaRPr lang="pt-BR" sz="700" kern="1200" dirty="0"/>
+          <a:endParaRPr lang="pt-BR" sz="600" kern="1200" dirty="0"/>
         </a:p>
       </dsp:txBody>
       <dsp:txXfrm>
@@ -6563,7 +6559,7 @@
             <a:lumMod val="75000"/>
           </a:schemeClr>
         </a:solidFill>
-        <a:ln w="25400" cap="flat" cmpd="sng" algn="ctr">
+        <a:ln w="28575" cap="flat" cmpd="sng" algn="ctr">
           <a:solidFill>
             <a:schemeClr val="lt1">
               <a:hueOff val="0"/>
@@ -6591,12 +6587,12 @@
         </a:fontRef>
       </dsp:style>
       <dsp:txBody>
-        <a:bodyPr spcFirstLastPara="0" vert="horz" wrap="square" lIns="28004" tIns="9335" rIns="9335" bIns="9335" numCol="1" spcCol="1270" anchor="ctr" anchorCtr="0">
+        <a:bodyPr spcFirstLastPara="0" vert="horz" wrap="square" lIns="24003" tIns="8001" rIns="8001" bIns="8001" numCol="1" spcCol="1270" anchor="ctr" anchorCtr="0">
           <a:noAutofit/>
         </a:bodyPr>
         <a:lstStyle/>
         <a:p>
-          <a:pPr lvl="0" algn="ctr" defTabSz="311150">
+          <a:pPr lvl="0" algn="ctr" defTabSz="266700">
             <a:lnSpc>
               <a:spcPct val="90000"/>
             </a:lnSpc>
@@ -6608,10 +6604,10 @@
             </a:spcAft>
           </a:pPr>
           <a:r>
-            <a:rPr lang="pt-BR" sz="700" kern="1200" dirty="0" smtClean="0"/>
+            <a:rPr lang="pt-BR" sz="600" kern="1200" dirty="0" smtClean="0"/>
             <a:t>Objetivo</a:t>
           </a:r>
-          <a:endParaRPr lang="pt-BR" sz="700" kern="1200" dirty="0"/>
+          <a:endParaRPr lang="pt-BR" sz="600" kern="1200" dirty="0"/>
         </a:p>
       </dsp:txBody>
       <dsp:txXfrm>
@@ -6637,7 +6633,7 @@
             <a:lumMod val="75000"/>
           </a:schemeClr>
         </a:solidFill>
-        <a:ln w="25400" cap="flat" cmpd="sng" algn="ctr">
+        <a:ln w="28575" cap="flat" cmpd="sng" algn="ctr">
           <a:solidFill>
             <a:schemeClr val="lt1">
               <a:hueOff val="0"/>
@@ -6665,12 +6661,12 @@
         </a:fontRef>
       </dsp:style>
       <dsp:txBody>
-        <a:bodyPr spcFirstLastPara="0" vert="horz" wrap="square" lIns="28004" tIns="9335" rIns="9335" bIns="9335" numCol="1" spcCol="1270" anchor="ctr" anchorCtr="0">
+        <a:bodyPr spcFirstLastPara="0" vert="horz" wrap="square" lIns="24003" tIns="8001" rIns="8001" bIns="8001" numCol="1" spcCol="1270" anchor="ctr" anchorCtr="0">
           <a:noAutofit/>
         </a:bodyPr>
         <a:lstStyle/>
         <a:p>
-          <a:pPr lvl="0" algn="ctr" defTabSz="311150">
+          <a:pPr lvl="0" algn="ctr" defTabSz="266700">
             <a:lnSpc>
               <a:spcPct val="90000"/>
             </a:lnSpc>
@@ -6682,10 +6678,10 @@
             </a:spcAft>
           </a:pPr>
           <a:r>
-            <a:rPr lang="pt-BR" sz="700" kern="1200" dirty="0" smtClean="0"/>
+            <a:rPr lang="pt-BR" sz="600" kern="1200" dirty="0" smtClean="0"/>
             <a:t>Configuração </a:t>
           </a:r>
-          <a:endParaRPr lang="pt-BR" sz="700" kern="1200" dirty="0"/>
+          <a:endParaRPr lang="pt-BR" sz="600" kern="1200" dirty="0"/>
         </a:p>
       </dsp:txBody>
       <dsp:txXfrm>
@@ -6709,7 +6705,7 @@
         <a:solidFill>
           <a:srgbClr val="00B050"/>
         </a:solidFill>
-        <a:ln w="25400" cap="flat" cmpd="sng" algn="ctr">
+        <a:ln w="28575" cap="flat" cmpd="sng" algn="ctr">
           <a:solidFill>
             <a:schemeClr val="lt1">
               <a:hueOff val="0"/>
@@ -6737,12 +6733,12 @@
         </a:fontRef>
       </dsp:style>
       <dsp:txBody>
-        <a:bodyPr spcFirstLastPara="0" vert="horz" wrap="square" lIns="28004" tIns="9335" rIns="9335" bIns="9335" numCol="1" spcCol="1270" anchor="ctr" anchorCtr="0">
+        <a:bodyPr spcFirstLastPara="0" vert="horz" wrap="square" lIns="24003" tIns="8001" rIns="8001" bIns="8001" numCol="1" spcCol="1270" anchor="ctr" anchorCtr="0">
           <a:noAutofit/>
         </a:bodyPr>
         <a:lstStyle/>
         <a:p>
-          <a:pPr lvl="0" algn="ctr" defTabSz="311150">
+          <a:pPr lvl="0" algn="ctr" defTabSz="266700">
             <a:lnSpc>
               <a:spcPct val="90000"/>
             </a:lnSpc>
@@ -6754,10 +6750,10 @@
             </a:spcAft>
           </a:pPr>
           <a:r>
-            <a:rPr lang="pt-BR" sz="700" kern="1200" dirty="0" smtClean="0"/>
+            <a:rPr lang="pt-BR" sz="600" kern="1200" dirty="0" smtClean="0"/>
             <a:t>Ação</a:t>
           </a:r>
-          <a:endParaRPr lang="pt-BR" sz="700" kern="1200" dirty="0"/>
+          <a:endParaRPr lang="pt-BR" sz="600" kern="1200" dirty="0"/>
         </a:p>
       </dsp:txBody>
       <dsp:txXfrm>
@@ -6793,7 +6789,7 @@
         <a:solidFill>
           <a:srgbClr val="00B050"/>
         </a:solidFill>
-        <a:ln w="25400" cap="flat" cmpd="sng" algn="ctr">
+        <a:ln w="28575" cap="flat" cmpd="sng" algn="ctr">
           <a:solidFill>
             <a:schemeClr val="lt1">
               <a:hueOff val="0"/>
@@ -6821,12 +6817,12 @@
         </a:fontRef>
       </dsp:style>
       <dsp:txBody>
-        <a:bodyPr spcFirstLastPara="0" vert="horz" wrap="square" lIns="60008" tIns="20003" rIns="20003" bIns="20003" numCol="1" spcCol="1270" anchor="ctr" anchorCtr="0">
+        <a:bodyPr spcFirstLastPara="0" vert="horz" wrap="square" lIns="52007" tIns="17336" rIns="17336" bIns="17336" numCol="1" spcCol="1270" anchor="ctr" anchorCtr="0">
           <a:noAutofit/>
         </a:bodyPr>
         <a:lstStyle/>
         <a:p>
-          <a:pPr lvl="0" algn="ctr" defTabSz="666750">
+          <a:pPr lvl="0" algn="ctr" defTabSz="577850">
             <a:lnSpc>
               <a:spcPct val="90000"/>
             </a:lnSpc>
@@ -6838,10 +6834,10 @@
             </a:spcAft>
           </a:pPr>
           <a:r>
-            <a:rPr lang="pt-BR" sz="1500" kern="1200" dirty="0" smtClean="0"/>
+            <a:rPr lang="pt-BR" sz="1300" kern="1200" dirty="0" smtClean="0"/>
             <a:t>Alerta </a:t>
           </a:r>
-          <a:endParaRPr lang="pt-BR" sz="1500" kern="1200" dirty="0"/>
+          <a:endParaRPr lang="pt-BR" sz="1300" kern="1200" dirty="0"/>
         </a:p>
       </dsp:txBody>
       <dsp:txXfrm>
@@ -6865,7 +6861,7 @@
         <a:solidFill>
           <a:srgbClr val="00B050"/>
         </a:solidFill>
-        <a:ln w="25400" cap="flat" cmpd="sng" algn="ctr">
+        <a:ln w="28575" cap="flat" cmpd="sng" algn="ctr">
           <a:solidFill>
             <a:schemeClr val="lt1">
               <a:hueOff val="0"/>
@@ -6893,12 +6889,12 @@
         </a:fontRef>
       </dsp:style>
       <dsp:txBody>
-        <a:bodyPr spcFirstLastPara="0" vert="horz" wrap="square" lIns="60008" tIns="20003" rIns="20003" bIns="20003" numCol="1" spcCol="1270" anchor="ctr" anchorCtr="0">
+        <a:bodyPr spcFirstLastPara="0" vert="horz" wrap="square" lIns="52007" tIns="17336" rIns="17336" bIns="17336" numCol="1" spcCol="1270" anchor="ctr" anchorCtr="0">
           <a:noAutofit/>
         </a:bodyPr>
         <a:lstStyle/>
         <a:p>
-          <a:pPr lvl="0" algn="ctr" defTabSz="666750">
+          <a:pPr lvl="0" algn="ctr" defTabSz="577850">
             <a:lnSpc>
               <a:spcPct val="90000"/>
             </a:lnSpc>
@@ -6910,10 +6906,10 @@
             </a:spcAft>
           </a:pPr>
           <a:r>
-            <a:rPr lang="pt-BR" sz="1500" kern="1200" dirty="0" smtClean="0"/>
+            <a:rPr lang="pt-BR" sz="1300" kern="1200" dirty="0" smtClean="0"/>
             <a:t>Decisão </a:t>
           </a:r>
-          <a:endParaRPr lang="pt-BR" sz="1500" kern="1200" dirty="0"/>
+          <a:endParaRPr lang="pt-BR" sz="1300" kern="1200" dirty="0"/>
         </a:p>
       </dsp:txBody>
       <dsp:txXfrm>
@@ -6935,11 +6931,9 @@
           <a:avLst/>
         </a:prstGeom>
         <a:solidFill>
-          <a:schemeClr val="accent6">
-            <a:lumMod val="75000"/>
-          </a:schemeClr>
+          <a:srgbClr val="FFC000"/>
         </a:solidFill>
-        <a:ln w="25400" cap="flat" cmpd="sng" algn="ctr">
+        <a:ln w="28575" cap="flat" cmpd="sng" algn="ctr">
           <a:solidFill>
             <a:schemeClr val="lt1">
               <a:hueOff val="0"/>
@@ -6967,12 +6961,12 @@
         </a:fontRef>
       </dsp:style>
       <dsp:txBody>
-        <a:bodyPr spcFirstLastPara="0" vert="horz" wrap="square" lIns="60008" tIns="20003" rIns="20003" bIns="20003" numCol="1" spcCol="1270" anchor="ctr" anchorCtr="0">
+        <a:bodyPr spcFirstLastPara="0" vert="horz" wrap="square" lIns="52007" tIns="17336" rIns="17336" bIns="17336" numCol="1" spcCol="1270" anchor="ctr" anchorCtr="0">
           <a:noAutofit/>
         </a:bodyPr>
         <a:lstStyle/>
         <a:p>
-          <a:pPr lvl="0" algn="ctr" defTabSz="666750">
+          <a:pPr lvl="0" algn="ctr" defTabSz="577850">
             <a:lnSpc>
               <a:spcPct val="90000"/>
             </a:lnSpc>
@@ -6984,10 +6978,10 @@
             </a:spcAft>
           </a:pPr>
           <a:r>
-            <a:rPr lang="pt-BR" sz="1500" kern="1200" dirty="0" smtClean="0"/>
+            <a:rPr lang="pt-BR" sz="1300" kern="1200" dirty="0" smtClean="0"/>
             <a:t>Objetivo</a:t>
           </a:r>
-          <a:endParaRPr lang="pt-BR" sz="1500" kern="1200" dirty="0"/>
+          <a:endParaRPr lang="pt-BR" sz="1300" kern="1200" dirty="0"/>
         </a:p>
       </dsp:txBody>
       <dsp:txXfrm>
@@ -7009,11 +7003,9 @@
           <a:avLst/>
         </a:prstGeom>
         <a:solidFill>
-          <a:schemeClr val="accent6">
-            <a:lumMod val="75000"/>
-          </a:schemeClr>
+          <a:srgbClr val="FFC000"/>
         </a:solidFill>
-        <a:ln w="25400" cap="flat" cmpd="sng" algn="ctr">
+        <a:ln w="28575" cap="flat" cmpd="sng" algn="ctr">
           <a:solidFill>
             <a:schemeClr val="lt1">
               <a:hueOff val="0"/>
@@ -7041,12 +7033,12 @@
         </a:fontRef>
       </dsp:style>
       <dsp:txBody>
-        <a:bodyPr spcFirstLastPara="0" vert="horz" wrap="square" lIns="60008" tIns="20003" rIns="20003" bIns="20003" numCol="1" spcCol="1270" anchor="ctr" anchorCtr="0">
+        <a:bodyPr spcFirstLastPara="0" vert="horz" wrap="square" lIns="52007" tIns="17336" rIns="17336" bIns="17336" numCol="1" spcCol="1270" anchor="ctr" anchorCtr="0">
           <a:noAutofit/>
         </a:bodyPr>
         <a:lstStyle/>
         <a:p>
-          <a:pPr lvl="0" algn="ctr" defTabSz="666750">
+          <a:pPr lvl="0" algn="ctr" defTabSz="577850">
             <a:lnSpc>
               <a:spcPct val="90000"/>
             </a:lnSpc>
@@ -7058,10 +7050,10 @@
             </a:spcAft>
           </a:pPr>
           <a:r>
-            <a:rPr lang="pt-BR" sz="1500" kern="1200" dirty="0" smtClean="0"/>
+            <a:rPr lang="pt-BR" sz="1300" kern="1200" dirty="0" smtClean="0"/>
             <a:t>Configuração </a:t>
           </a:r>
-          <a:endParaRPr lang="pt-BR" sz="1500" kern="1200" dirty="0"/>
+          <a:endParaRPr lang="pt-BR" sz="1300" kern="1200" dirty="0"/>
         </a:p>
       </dsp:txBody>
       <dsp:txXfrm>
@@ -7085,7 +7077,7 @@
         <a:solidFill>
           <a:srgbClr val="00B050"/>
         </a:solidFill>
-        <a:ln w="25400" cap="flat" cmpd="sng" algn="ctr">
+        <a:ln w="28575" cap="flat" cmpd="sng" algn="ctr">
           <a:solidFill>
             <a:schemeClr val="lt1">
               <a:hueOff val="0"/>
@@ -7113,12 +7105,12 @@
         </a:fontRef>
       </dsp:style>
       <dsp:txBody>
-        <a:bodyPr spcFirstLastPara="0" vert="horz" wrap="square" lIns="60008" tIns="20003" rIns="20003" bIns="20003" numCol="1" spcCol="1270" anchor="ctr" anchorCtr="0">
+        <a:bodyPr spcFirstLastPara="0" vert="horz" wrap="square" lIns="52007" tIns="17336" rIns="17336" bIns="17336" numCol="1" spcCol="1270" anchor="ctr" anchorCtr="0">
           <a:noAutofit/>
         </a:bodyPr>
         <a:lstStyle/>
         <a:p>
-          <a:pPr lvl="0" algn="ctr" defTabSz="666750">
+          <a:pPr lvl="0" algn="ctr" defTabSz="577850">
             <a:lnSpc>
               <a:spcPct val="90000"/>
             </a:lnSpc>
@@ -7130,10 +7122,10 @@
             </a:spcAft>
           </a:pPr>
           <a:r>
-            <a:rPr lang="pt-BR" sz="1500" kern="1200" dirty="0" smtClean="0"/>
+            <a:rPr lang="pt-BR" sz="1300" kern="1200" dirty="0" smtClean="0"/>
             <a:t>Ação</a:t>
           </a:r>
-          <a:endParaRPr lang="pt-BR" sz="1500" kern="1200" dirty="0"/>
+          <a:endParaRPr lang="pt-BR" sz="1300" kern="1200" dirty="0"/>
         </a:p>
       </dsp:txBody>
       <dsp:txXfrm>
@@ -14265,7 +14257,7 @@
       </p:grpSpPr>
       <p:sp>
         <p:nvSpPr>
-          <p:cNvPr id="2" name="Título 1"/>
+          <p:cNvPr id="2" name="Title 1"/>
           <p:cNvSpPr>
             <a:spLocks noGrp="1"/>
           </p:cNvSpPr>
@@ -14275,25 +14267,34 @@
         </p:nvSpPr>
         <p:spPr>
           <a:xfrm>
-            <a:off x="685800" y="2130425"/>
-            <a:ext cx="7772400" cy="1470025"/>
+            <a:off x="685800" y="609601"/>
+            <a:ext cx="7772400" cy="4267200"/>
           </a:xfrm>
         </p:spPr>
         <p:txBody>
-          <a:bodyPr/>
-          <a:lstStyle/>
+          <a:bodyPr anchor="b">
+            <a:noAutofit/>
+          </a:bodyPr>
+          <a:lstStyle>
+            <a:lvl1pPr>
+              <a:lnSpc>
+                <a:spcPct val="100000"/>
+              </a:lnSpc>
+              <a:defRPr sz="8000"/>
+            </a:lvl1pPr>
+          </a:lstStyle>
           <a:p>
             <a:r>
               <a:rPr lang="pt-BR" smtClean="0"/>
               <a:t>Clique para editar o título mestre</a:t>
             </a:r>
-            <a:endParaRPr lang="pt-BR"/>
+            <a:endParaRPr lang="en-US" dirty="0"/>
           </a:p>
         </p:txBody>
       </p:sp>
       <p:sp>
         <p:nvSpPr>
-          <p:cNvPr id="3" name="Subtítulo 2"/>
+          <p:cNvPr id="3" name="Subtitle 2"/>
           <p:cNvSpPr>
             <a:spLocks noGrp="1"/>
           </p:cNvSpPr>
@@ -14303,16 +14304,18 @@
         </p:nvSpPr>
         <p:spPr>
           <a:xfrm>
-            <a:off x="1371600" y="3886200"/>
-            <a:ext cx="6400800" cy="1752600"/>
+            <a:off x="1371600" y="4953000"/>
+            <a:ext cx="6400800" cy="1219200"/>
           </a:xfrm>
         </p:spPr>
         <p:txBody>
-          <a:bodyPr/>
+          <a:bodyPr>
+            <a:normAutofit/>
+          </a:bodyPr>
           <a:lstStyle>
             <a:lvl1pPr marL="0" indent="0" algn="ctr">
               <a:buNone/>
-              <a:defRPr>
+              <a:defRPr sz="2400">
                 <a:solidFill>
                   <a:schemeClr val="tx1">
                     <a:tint val="75000"/>
@@ -14406,13 +14409,13 @@
               <a:rPr lang="pt-BR" smtClean="0"/>
               <a:t>Clique para editar o estilo do subtítulo mestre</a:t>
             </a:r>
-            <a:endParaRPr lang="pt-BR"/>
+            <a:endParaRPr lang="en-US" dirty="0"/>
           </a:p>
         </p:txBody>
       </p:sp>
       <p:sp>
         <p:nvSpPr>
-          <p:cNvPr id="4" name="Espaço Reservado para Data 3"/>
+          <p:cNvPr id="7" name="Date Placeholder 6"/>
           <p:cNvSpPr>
             <a:spLocks noGrp="1"/>
           </p:cNvSpPr>
@@ -14427,7 +14430,7 @@
           <a:p>
             <a:fld id="{6170734A-4B5A-4F3B-B573-1E93A2DEC51B}" type="datetimeFigureOut">
               <a:rPr lang="pt-BR" smtClean="0"/>
-              <a:t>04/09/2018</a:t>
+              <a:t>06/09/2018</a:t>
             </a:fld>
             <a:endParaRPr lang="pt-BR"/>
           </a:p>
@@ -14435,31 +14438,12 @@
       </p:sp>
       <p:sp>
         <p:nvSpPr>
-          <p:cNvPr id="5" name="Espaço Reservado para Rodapé 4"/>
+          <p:cNvPr id="8" name="Slide Number Placeholder 7"/>
           <p:cNvSpPr>
             <a:spLocks noGrp="1"/>
           </p:cNvSpPr>
           <p:nvPr>
-            <p:ph type="ftr" sz="quarter" idx="11"/>
-          </p:nvPr>
-        </p:nvSpPr>
-        <p:spPr/>
-        <p:txBody>
-          <a:bodyPr/>
-          <a:lstStyle/>
-          <a:p>
-            <a:endParaRPr lang="pt-BR"/>
-          </a:p>
-        </p:txBody>
-      </p:sp>
-      <p:sp>
-        <p:nvSpPr>
-          <p:cNvPr id="6" name="Espaço Reservado para Número de Slide 5"/>
-          <p:cNvSpPr>
-            <a:spLocks noGrp="1"/>
-          </p:cNvSpPr>
-          <p:nvPr>
-            <p:ph type="sldNum" sz="quarter" idx="12"/>
+            <p:ph type="sldNum" sz="quarter" idx="11"/>
           </p:nvPr>
         </p:nvSpPr>
         <p:spPr/>
@@ -14475,12 +14459,26 @@
           </a:p>
         </p:txBody>
       </p:sp>
+      <p:sp>
+        <p:nvSpPr>
+          <p:cNvPr id="9" name="Footer Placeholder 8"/>
+          <p:cNvSpPr>
+            <a:spLocks noGrp="1"/>
+          </p:cNvSpPr>
+          <p:nvPr>
+            <p:ph type="ftr" sz="quarter" idx="12"/>
+          </p:nvPr>
+        </p:nvSpPr>
+        <p:spPr/>
+        <p:txBody>
+          <a:bodyPr/>
+          <a:lstStyle/>
+          <a:p>
+            <a:endParaRPr lang="pt-BR"/>
+          </a:p>
+        </p:txBody>
+      </p:sp>
     </p:spTree>
-    <p:extLst>
-      <p:ext uri="{BB962C8B-B14F-4D97-AF65-F5344CB8AC3E}">
-        <p14:creationId xmlns:p14="http://schemas.microsoft.com/office/powerpoint/2010/main" val="2581778132"/>
-      </p:ext>
-    </p:extLst>
   </p:cSld>
   <p:clrMapOvr>
     <a:masterClrMapping/>
@@ -14507,7 +14505,7 @@
       </p:grpSpPr>
       <p:sp>
         <p:nvSpPr>
-          <p:cNvPr id="2" name="Título 1"/>
+          <p:cNvPr id="2" name="Title 1"/>
           <p:cNvSpPr>
             <a:spLocks noGrp="1"/>
           </p:cNvSpPr>
@@ -14524,13 +14522,13 @@
               <a:rPr lang="pt-BR" smtClean="0"/>
               <a:t>Clique para editar o título mestre</a:t>
             </a:r>
-            <a:endParaRPr lang="pt-BR"/>
+            <a:endParaRPr lang="en-US" dirty="0"/>
           </a:p>
         </p:txBody>
       </p:sp>
       <p:sp>
         <p:nvSpPr>
-          <p:cNvPr id="3" name="Espaço Reservado para Texto Vertical 2"/>
+          <p:cNvPr id="3" name="Vertical Text Placeholder 2"/>
           <p:cNvSpPr>
             <a:spLocks noGrp="1"/>
           </p:cNvSpPr>
@@ -14576,13 +14574,13 @@
               <a:rPr lang="pt-BR" smtClean="0"/>
               <a:t>Quinto nível</a:t>
             </a:r>
-            <a:endParaRPr lang="pt-BR"/>
+            <a:endParaRPr lang="en-US"/>
           </a:p>
         </p:txBody>
       </p:sp>
       <p:sp>
         <p:nvSpPr>
-          <p:cNvPr id="4" name="Espaço Reservado para Data 3"/>
+          <p:cNvPr id="4" name="Date Placeholder 3"/>
           <p:cNvSpPr>
             <a:spLocks noGrp="1"/>
           </p:cNvSpPr>
@@ -14597,7 +14595,7 @@
           <a:p>
             <a:fld id="{6170734A-4B5A-4F3B-B573-1E93A2DEC51B}" type="datetimeFigureOut">
               <a:rPr lang="pt-BR" smtClean="0"/>
-              <a:t>04/09/2018</a:t>
+              <a:t>06/09/2018</a:t>
             </a:fld>
             <a:endParaRPr lang="pt-BR"/>
           </a:p>
@@ -14605,7 +14603,7 @@
       </p:sp>
       <p:sp>
         <p:nvSpPr>
-          <p:cNvPr id="5" name="Espaço Reservado para Rodapé 4"/>
+          <p:cNvPr id="5" name="Footer Placeholder 4"/>
           <p:cNvSpPr>
             <a:spLocks noGrp="1"/>
           </p:cNvSpPr>
@@ -14624,7 +14622,7 @@
       </p:sp>
       <p:sp>
         <p:nvSpPr>
-          <p:cNvPr id="6" name="Espaço Reservado para Número de Slide 5"/>
+          <p:cNvPr id="6" name="Slide Number Placeholder 5"/>
           <p:cNvSpPr>
             <a:spLocks noGrp="1"/>
           </p:cNvSpPr>
@@ -14646,11 +14644,6 @@
         </p:txBody>
       </p:sp>
     </p:spTree>
-    <p:extLst>
-      <p:ext uri="{BB962C8B-B14F-4D97-AF65-F5344CB8AC3E}">
-        <p14:creationId xmlns:p14="http://schemas.microsoft.com/office/powerpoint/2010/main" val="4253167156"/>
-      </p:ext>
-    </p:extLst>
   </p:cSld>
   <p:clrMapOvr>
     <a:masterClrMapping/>
@@ -14677,7 +14670,7 @@
       </p:grpSpPr>
       <p:sp>
         <p:nvSpPr>
-          <p:cNvPr id="2" name="Título Vertical 1"/>
+          <p:cNvPr id="2" name="Vertical Title 1"/>
           <p:cNvSpPr>
             <a:spLocks noGrp="1"/>
           </p:cNvSpPr>
@@ -14699,13 +14692,13 @@
               <a:rPr lang="pt-BR" smtClean="0"/>
               <a:t>Clique para editar o título mestre</a:t>
             </a:r>
-            <a:endParaRPr lang="pt-BR"/>
+            <a:endParaRPr lang="en-US" dirty="0"/>
           </a:p>
         </p:txBody>
       </p:sp>
       <p:sp>
         <p:nvSpPr>
-          <p:cNvPr id="3" name="Espaço Reservado para Texto Vertical 2"/>
+          <p:cNvPr id="3" name="Vertical Text Placeholder 2"/>
           <p:cNvSpPr>
             <a:spLocks noGrp="1"/>
           </p:cNvSpPr>
@@ -14756,13 +14749,13 @@
               <a:rPr lang="pt-BR" smtClean="0"/>
               <a:t>Quinto nível</a:t>
             </a:r>
-            <a:endParaRPr lang="pt-BR"/>
+            <a:endParaRPr lang="en-US"/>
           </a:p>
         </p:txBody>
       </p:sp>
       <p:sp>
         <p:nvSpPr>
-          <p:cNvPr id="4" name="Espaço Reservado para Data 3"/>
+          <p:cNvPr id="4" name="Date Placeholder 3"/>
           <p:cNvSpPr>
             <a:spLocks noGrp="1"/>
           </p:cNvSpPr>
@@ -14777,7 +14770,7 @@
           <a:p>
             <a:fld id="{6170734A-4B5A-4F3B-B573-1E93A2DEC51B}" type="datetimeFigureOut">
               <a:rPr lang="pt-BR" smtClean="0"/>
-              <a:t>04/09/2018</a:t>
+              <a:t>06/09/2018</a:t>
             </a:fld>
             <a:endParaRPr lang="pt-BR"/>
           </a:p>
@@ -14785,7 +14778,7 @@
       </p:sp>
       <p:sp>
         <p:nvSpPr>
-          <p:cNvPr id="5" name="Espaço Reservado para Rodapé 4"/>
+          <p:cNvPr id="5" name="Footer Placeholder 4"/>
           <p:cNvSpPr>
             <a:spLocks noGrp="1"/>
           </p:cNvSpPr>
@@ -14804,7 +14797,7 @@
       </p:sp>
       <p:sp>
         <p:nvSpPr>
-          <p:cNvPr id="6" name="Espaço Reservado para Número de Slide 5"/>
+          <p:cNvPr id="6" name="Slide Number Placeholder 5"/>
           <p:cNvSpPr>
             <a:spLocks noGrp="1"/>
           </p:cNvSpPr>
@@ -14826,11 +14819,6 @@
         </p:txBody>
       </p:sp>
     </p:spTree>
-    <p:extLst>
-      <p:ext uri="{BB962C8B-B14F-4D97-AF65-F5344CB8AC3E}">
-        <p14:creationId xmlns:p14="http://schemas.microsoft.com/office/powerpoint/2010/main" val="1124347005"/>
-      </p:ext>
-    </p:extLst>
   </p:cSld>
   <p:clrMapOvr>
     <a:masterClrMapping/>
@@ -14857,7 +14845,7 @@
       </p:grpSpPr>
       <p:sp>
         <p:nvSpPr>
-          <p:cNvPr id="2" name="Título 1"/>
+          <p:cNvPr id="2" name="Title 1"/>
           <p:cNvSpPr>
             <a:spLocks noGrp="1"/>
           </p:cNvSpPr>
@@ -14874,13 +14862,13 @@
               <a:rPr lang="pt-BR" smtClean="0"/>
               <a:t>Clique para editar o título mestre</a:t>
             </a:r>
-            <a:endParaRPr lang="pt-BR"/>
+            <a:endParaRPr lang="en-US" dirty="0"/>
           </a:p>
         </p:txBody>
       </p:sp>
       <p:sp>
         <p:nvSpPr>
-          <p:cNvPr id="3" name="Espaço Reservado para Conteúdo 2"/>
+          <p:cNvPr id="3" name="Content Placeholder 2"/>
           <p:cNvSpPr>
             <a:spLocks noGrp="1"/>
           </p:cNvSpPr>
@@ -14891,7 +14879,25 @@
         <p:spPr/>
         <p:txBody>
           <a:bodyPr/>
-          <a:lstStyle/>
+          <a:lstStyle>
+            <a:lvl5pPr>
+              <a:defRPr/>
+            </a:lvl5pPr>
+            <a:lvl6pPr>
+              <a:defRPr/>
+            </a:lvl6pPr>
+            <a:lvl7pPr>
+              <a:defRPr/>
+            </a:lvl7pPr>
+            <a:lvl8pPr>
+              <a:defRPr/>
+            </a:lvl8pPr>
+            <a:lvl9pPr>
+              <a:buFont typeface="Arial" pitchFamily="34" charset="0"/>
+              <a:buChar char="•"/>
+              <a:defRPr/>
+            </a:lvl9pPr>
+          </a:lstStyle>
           <a:p>
             <a:pPr lvl="0"/>
             <a:r>
@@ -14926,13 +14932,13 @@
               <a:rPr lang="pt-BR" smtClean="0"/>
               <a:t>Quinto nível</a:t>
             </a:r>
-            <a:endParaRPr lang="pt-BR"/>
+            <a:endParaRPr lang="en-US" dirty="0" smtClean="0"/>
           </a:p>
         </p:txBody>
       </p:sp>
       <p:sp>
         <p:nvSpPr>
-          <p:cNvPr id="4" name="Espaço Reservado para Data 3"/>
+          <p:cNvPr id="4" name="Date Placeholder 3"/>
           <p:cNvSpPr>
             <a:spLocks noGrp="1"/>
           </p:cNvSpPr>
@@ -14947,7 +14953,7 @@
           <a:p>
             <a:fld id="{6170734A-4B5A-4F3B-B573-1E93A2DEC51B}" type="datetimeFigureOut">
               <a:rPr lang="pt-BR" smtClean="0"/>
-              <a:t>04/09/2018</a:t>
+              <a:t>06/09/2018</a:t>
             </a:fld>
             <a:endParaRPr lang="pt-BR"/>
           </a:p>
@@ -14955,7 +14961,7 @@
       </p:sp>
       <p:sp>
         <p:nvSpPr>
-          <p:cNvPr id="5" name="Espaço Reservado para Rodapé 4"/>
+          <p:cNvPr id="5" name="Footer Placeholder 4"/>
           <p:cNvSpPr>
             <a:spLocks noGrp="1"/>
           </p:cNvSpPr>
@@ -14974,7 +14980,7 @@
       </p:sp>
       <p:sp>
         <p:nvSpPr>
-          <p:cNvPr id="6" name="Espaço Reservado para Número de Slide 5"/>
+          <p:cNvPr id="6" name="Slide Number Placeholder 5"/>
           <p:cNvSpPr>
             <a:spLocks noGrp="1"/>
           </p:cNvSpPr>
@@ -14996,11 +15002,6 @@
         </p:txBody>
       </p:sp>
     </p:spTree>
-    <p:extLst>
-      <p:ext uri="{BB962C8B-B14F-4D97-AF65-F5344CB8AC3E}">
-        <p14:creationId xmlns:p14="http://schemas.microsoft.com/office/powerpoint/2010/main" val="672882247"/>
-      </p:ext>
-    </p:extLst>
   </p:cSld>
   <p:clrMapOvr>
     <a:masterClrMapping/>
@@ -15027,7 +15028,7 @@
       </p:grpSpPr>
       <p:sp>
         <p:nvSpPr>
-          <p:cNvPr id="2" name="Título 1"/>
+          <p:cNvPr id="2" name="Title 1"/>
           <p:cNvSpPr>
             <a:spLocks noGrp="1"/>
           </p:cNvSpPr>
@@ -15037,15 +15038,36 @@
         </p:nvSpPr>
         <p:spPr>
           <a:xfrm>
-            <a:off x="722313" y="4406900"/>
-            <a:ext cx="7772400" cy="1362075"/>
+            <a:off x="722313" y="1371600"/>
+            <a:ext cx="7772400" cy="2505075"/>
           </a:xfrm>
         </p:spPr>
         <p:txBody>
-          <a:bodyPr anchor="t"/>
+          <a:bodyPr anchor="b"/>
           <a:lstStyle>
-            <a:lvl1pPr algn="l">
-              <a:defRPr sz="4000" b="1" cap="all"/>
+            <a:lvl1pPr algn="ctr" defTabSz="914400" rtl="0" eaLnBrk="1" latinLnBrk="0" hangingPunct="1">
+              <a:lnSpc>
+                <a:spcPct val="100000"/>
+              </a:lnSpc>
+              <a:spcBef>
+                <a:spcPct val="0"/>
+              </a:spcBef>
+              <a:buNone/>
+              <a:defRPr lang="en-US" sz="4800" kern="1200" dirty="0" smtClean="0">
+                <a:solidFill>
+                  <a:schemeClr val="tx2"/>
+                </a:solidFill>
+                <a:effectLst>
+                  <a:outerShdw blurRad="63500" dist="38100" dir="5400000" algn="t" rotWithShape="0">
+                    <a:prstClr val="black">
+                      <a:alpha val="25000"/>
+                    </a:prstClr>
+                  </a:outerShdw>
+                </a:effectLst>
+                <a:latin typeface="+mn-lt"/>
+                <a:ea typeface="+mj-ea"/>
+                <a:cs typeface="+mj-cs"/>
+              </a:defRPr>
             </a:lvl1pPr>
           </a:lstStyle>
           <a:p>
@@ -15053,13 +15075,13 @@
               <a:rPr lang="pt-BR" smtClean="0"/>
               <a:t>Clique para editar o título mestre</a:t>
             </a:r>
-            <a:endParaRPr lang="pt-BR"/>
+            <a:endParaRPr lang="en-US" dirty="0"/>
           </a:p>
         </p:txBody>
       </p:sp>
       <p:sp>
         <p:nvSpPr>
-          <p:cNvPr id="3" name="Espaço Reservado para Texto 2"/>
+          <p:cNvPr id="3" name="Text Placeholder 2"/>
           <p:cNvSpPr>
             <a:spLocks noGrp="1"/>
           </p:cNvSpPr>
@@ -15069,14 +15091,14 @@
         </p:nvSpPr>
         <p:spPr>
           <a:xfrm>
-            <a:off x="722313" y="2906713"/>
-            <a:ext cx="7772400" cy="1500187"/>
+            <a:off x="722313" y="4068763"/>
+            <a:ext cx="7772400" cy="1131887"/>
           </a:xfrm>
         </p:spPr>
         <p:txBody>
-          <a:bodyPr anchor="b"/>
+          <a:bodyPr anchor="t"/>
           <a:lstStyle>
-            <a:lvl1pPr marL="0" indent="0">
+            <a:lvl1pPr marL="0" indent="0" algn="ctr">
               <a:buNone/>
               <a:defRPr sz="2000">
                 <a:solidFill>
@@ -15178,7 +15200,7 @@
       </p:sp>
       <p:sp>
         <p:nvSpPr>
-          <p:cNvPr id="4" name="Espaço Reservado para Data 3"/>
+          <p:cNvPr id="4" name="Date Placeholder 3"/>
           <p:cNvSpPr>
             <a:spLocks noGrp="1"/>
           </p:cNvSpPr>
@@ -15193,7 +15215,7 @@
           <a:p>
             <a:fld id="{6170734A-4B5A-4F3B-B573-1E93A2DEC51B}" type="datetimeFigureOut">
               <a:rPr lang="pt-BR" smtClean="0"/>
-              <a:t>04/09/2018</a:t>
+              <a:t>06/09/2018</a:t>
             </a:fld>
             <a:endParaRPr lang="pt-BR"/>
           </a:p>
@@ -15201,7 +15223,7 @@
       </p:sp>
       <p:sp>
         <p:nvSpPr>
-          <p:cNvPr id="5" name="Espaço Reservado para Rodapé 4"/>
+          <p:cNvPr id="5" name="Footer Placeholder 4"/>
           <p:cNvSpPr>
             <a:spLocks noGrp="1"/>
           </p:cNvSpPr>
@@ -15220,7 +15242,7 @@
       </p:sp>
       <p:sp>
         <p:nvSpPr>
-          <p:cNvPr id="6" name="Espaço Reservado para Número de Slide 5"/>
+          <p:cNvPr id="6" name="Slide Number Placeholder 5"/>
           <p:cNvSpPr>
             <a:spLocks noGrp="1"/>
           </p:cNvSpPr>
@@ -15241,12 +15263,157 @@
           </a:p>
         </p:txBody>
       </p:sp>
+      <p:sp>
+        <p:nvSpPr>
+          <p:cNvPr id="7" name="Oval 6"/>
+          <p:cNvSpPr/>
+          <p:nvPr/>
+        </p:nvSpPr>
+        <p:spPr>
+          <a:xfrm>
+            <a:off x="4495800" y="3924300"/>
+            <a:ext cx="84772" cy="84772"/>
+          </a:xfrm>
+          <a:prstGeom prst="ellipse">
+            <a:avLst/>
+          </a:prstGeom>
+          <a:solidFill>
+            <a:schemeClr val="tx1">
+              <a:lumMod val="50000"/>
+              <a:lumOff val="50000"/>
+            </a:schemeClr>
+          </a:solidFill>
+          <a:ln w="12700">
+            <a:noFill/>
+          </a:ln>
+          <a:effectLst/>
+        </p:spPr>
+        <p:style>
+          <a:lnRef idx="2">
+            <a:schemeClr val="accent1">
+              <a:shade val="50000"/>
+            </a:schemeClr>
+          </a:lnRef>
+          <a:fillRef idx="1">
+            <a:schemeClr val="accent1"/>
+          </a:fillRef>
+          <a:effectRef idx="0">
+            <a:schemeClr val="accent1"/>
+          </a:effectRef>
+          <a:fontRef idx="minor">
+            <a:schemeClr val="lt1"/>
+          </a:fontRef>
+        </p:style>
+        <p:txBody>
+          <a:bodyPr rtlCol="0" anchor="ctr"/>
+          <a:lstStyle/>
+          <a:p>
+            <a:pPr algn="ctr"/>
+            <a:endParaRPr lang="en-US"/>
+          </a:p>
+        </p:txBody>
+      </p:sp>
+      <p:sp>
+        <p:nvSpPr>
+          <p:cNvPr id="8" name="Oval 7"/>
+          <p:cNvSpPr/>
+          <p:nvPr/>
+        </p:nvSpPr>
+        <p:spPr>
+          <a:xfrm>
+            <a:off x="4695825" y="3924300"/>
+            <a:ext cx="84772" cy="84772"/>
+          </a:xfrm>
+          <a:prstGeom prst="ellipse">
+            <a:avLst/>
+          </a:prstGeom>
+          <a:solidFill>
+            <a:schemeClr val="tx1">
+              <a:lumMod val="50000"/>
+              <a:lumOff val="50000"/>
+            </a:schemeClr>
+          </a:solidFill>
+          <a:ln w="12700">
+            <a:noFill/>
+          </a:ln>
+          <a:effectLst/>
+        </p:spPr>
+        <p:style>
+          <a:lnRef idx="2">
+            <a:schemeClr val="accent1">
+              <a:shade val="50000"/>
+            </a:schemeClr>
+          </a:lnRef>
+          <a:fillRef idx="1">
+            <a:schemeClr val="accent1"/>
+          </a:fillRef>
+          <a:effectRef idx="0">
+            <a:schemeClr val="accent1"/>
+          </a:effectRef>
+          <a:fontRef idx="minor">
+            <a:schemeClr val="lt1"/>
+          </a:fontRef>
+        </p:style>
+        <p:txBody>
+          <a:bodyPr rtlCol="0" anchor="ctr"/>
+          <a:lstStyle/>
+          <a:p>
+            <a:pPr algn="ctr"/>
+            <a:endParaRPr lang="en-US"/>
+          </a:p>
+        </p:txBody>
+      </p:sp>
+      <p:sp>
+        <p:nvSpPr>
+          <p:cNvPr id="9" name="Oval 8"/>
+          <p:cNvSpPr/>
+          <p:nvPr/>
+        </p:nvSpPr>
+        <p:spPr>
+          <a:xfrm>
+            <a:off x="4296728" y="3924300"/>
+            <a:ext cx="84772" cy="84772"/>
+          </a:xfrm>
+          <a:prstGeom prst="ellipse">
+            <a:avLst/>
+          </a:prstGeom>
+          <a:solidFill>
+            <a:schemeClr val="tx1">
+              <a:lumMod val="50000"/>
+              <a:lumOff val="50000"/>
+            </a:schemeClr>
+          </a:solidFill>
+          <a:ln w="12700">
+            <a:noFill/>
+          </a:ln>
+          <a:effectLst/>
+        </p:spPr>
+        <p:style>
+          <a:lnRef idx="2">
+            <a:schemeClr val="accent1">
+              <a:shade val="50000"/>
+            </a:schemeClr>
+          </a:lnRef>
+          <a:fillRef idx="1">
+            <a:schemeClr val="accent1"/>
+          </a:fillRef>
+          <a:effectRef idx="0">
+            <a:schemeClr val="accent1"/>
+          </a:effectRef>
+          <a:fontRef idx="minor">
+            <a:schemeClr val="lt1"/>
+          </a:fontRef>
+        </p:style>
+        <p:txBody>
+          <a:bodyPr rtlCol="0" anchor="ctr"/>
+          <a:lstStyle/>
+          <a:p>
+            <a:pPr algn="ctr"/>
+            <a:endParaRPr lang="en-US"/>
+          </a:p>
+        </p:txBody>
+      </p:sp>
     </p:spTree>
-    <p:extLst>
-      <p:ext uri="{BB962C8B-B14F-4D97-AF65-F5344CB8AC3E}">
-        <p14:creationId xmlns:p14="http://schemas.microsoft.com/office/powerpoint/2010/main" val="3621810035"/>
-      </p:ext>
-    </p:extLst>
   </p:cSld>
   <p:clrMapOvr>
     <a:masterClrMapping/>
@@ -15273,7 +15440,7 @@
       </p:grpSpPr>
       <p:sp>
         <p:nvSpPr>
-          <p:cNvPr id="2" name="Título 1"/>
+          <p:cNvPr id="2" name="Title 1"/>
           <p:cNvSpPr>
             <a:spLocks noGrp="1"/>
           </p:cNvSpPr>
@@ -15290,98 +15457,13 @@
               <a:rPr lang="pt-BR" smtClean="0"/>
               <a:t>Clique para editar o título mestre</a:t>
             </a:r>
-            <a:endParaRPr lang="pt-BR"/>
+            <a:endParaRPr lang="en-US"/>
           </a:p>
         </p:txBody>
       </p:sp>
       <p:sp>
         <p:nvSpPr>
-          <p:cNvPr id="3" name="Espaço Reservado para Conteúdo 2"/>
-          <p:cNvSpPr>
-            <a:spLocks noGrp="1"/>
-          </p:cNvSpPr>
-          <p:nvPr>
-            <p:ph sz="half" idx="1"/>
-          </p:nvPr>
-        </p:nvSpPr>
-        <p:spPr>
-          <a:xfrm>
-            <a:off x="457200" y="1600200"/>
-            <a:ext cx="4038600" cy="4525963"/>
-          </a:xfrm>
-        </p:spPr>
-        <p:txBody>
-          <a:bodyPr/>
-          <a:lstStyle>
-            <a:lvl1pPr>
-              <a:defRPr sz="2800"/>
-            </a:lvl1pPr>
-            <a:lvl2pPr>
-              <a:defRPr sz="2400"/>
-            </a:lvl2pPr>
-            <a:lvl3pPr>
-              <a:defRPr sz="2000"/>
-            </a:lvl3pPr>
-            <a:lvl4pPr>
-              <a:defRPr sz="1800"/>
-            </a:lvl4pPr>
-            <a:lvl5pPr>
-              <a:defRPr sz="1800"/>
-            </a:lvl5pPr>
-            <a:lvl6pPr>
-              <a:defRPr sz="1800"/>
-            </a:lvl6pPr>
-            <a:lvl7pPr>
-              <a:defRPr sz="1800"/>
-            </a:lvl7pPr>
-            <a:lvl8pPr>
-              <a:defRPr sz="1800"/>
-            </a:lvl8pPr>
-            <a:lvl9pPr>
-              <a:defRPr sz="1800"/>
-            </a:lvl9pPr>
-          </a:lstStyle>
-          <a:p>
-            <a:pPr lvl="0"/>
-            <a:r>
-              <a:rPr lang="pt-BR" smtClean="0"/>
-              <a:t>Clique para editar o texto mestre</a:t>
-            </a:r>
-          </a:p>
-          <a:p>
-            <a:pPr lvl="1"/>
-            <a:r>
-              <a:rPr lang="pt-BR" smtClean="0"/>
-              <a:t>Segundo nível</a:t>
-            </a:r>
-          </a:p>
-          <a:p>
-            <a:pPr lvl="2"/>
-            <a:r>
-              <a:rPr lang="pt-BR" smtClean="0"/>
-              <a:t>Terceiro nível</a:t>
-            </a:r>
-          </a:p>
-          <a:p>
-            <a:pPr lvl="3"/>
-            <a:r>
-              <a:rPr lang="pt-BR" smtClean="0"/>
-              <a:t>Quarto nível</a:t>
-            </a:r>
-          </a:p>
-          <a:p>
-            <a:pPr lvl="4"/>
-            <a:r>
-              <a:rPr lang="pt-BR" smtClean="0"/>
-              <a:t>Quinto nível</a:t>
-            </a:r>
-            <a:endParaRPr lang="pt-BR"/>
-          </a:p>
-        </p:txBody>
-      </p:sp>
-      <p:sp>
-        <p:nvSpPr>
-          <p:cNvPr id="4" name="Espaço Reservado para Conteúdo 3"/>
+          <p:cNvPr id="4" name="Content Placeholder 3"/>
           <p:cNvSpPr>
             <a:spLocks noGrp="1"/>
           </p:cNvSpPr>
@@ -15399,285 +15481,13 @@
           <a:bodyPr/>
           <a:lstStyle>
             <a:lvl1pPr>
-              <a:defRPr sz="2800"/>
-            </a:lvl1pPr>
-            <a:lvl2pPr>
-              <a:defRPr sz="2400"/>
-            </a:lvl2pPr>
-            <a:lvl3pPr>
-              <a:defRPr sz="2000"/>
-            </a:lvl3pPr>
-            <a:lvl4pPr>
-              <a:defRPr sz="1800"/>
-            </a:lvl4pPr>
-            <a:lvl5pPr>
-              <a:defRPr sz="1800"/>
-            </a:lvl5pPr>
-            <a:lvl6pPr>
-              <a:defRPr sz="1800"/>
-            </a:lvl6pPr>
-            <a:lvl7pPr>
-              <a:defRPr sz="1800"/>
-            </a:lvl7pPr>
-            <a:lvl8pPr>
-              <a:defRPr sz="1800"/>
-            </a:lvl8pPr>
-            <a:lvl9pPr>
-              <a:defRPr sz="1800"/>
-            </a:lvl9pPr>
-          </a:lstStyle>
-          <a:p>
-            <a:pPr lvl="0"/>
-            <a:r>
-              <a:rPr lang="pt-BR" smtClean="0"/>
-              <a:t>Clique para editar o texto mestre</a:t>
-            </a:r>
-          </a:p>
-          <a:p>
-            <a:pPr lvl="1"/>
-            <a:r>
-              <a:rPr lang="pt-BR" smtClean="0"/>
-              <a:t>Segundo nível</a:t>
-            </a:r>
-          </a:p>
-          <a:p>
-            <a:pPr lvl="2"/>
-            <a:r>
-              <a:rPr lang="pt-BR" smtClean="0"/>
-              <a:t>Terceiro nível</a:t>
-            </a:r>
-          </a:p>
-          <a:p>
-            <a:pPr lvl="3"/>
-            <a:r>
-              <a:rPr lang="pt-BR" smtClean="0"/>
-              <a:t>Quarto nível</a:t>
-            </a:r>
-          </a:p>
-          <a:p>
-            <a:pPr lvl="4"/>
-            <a:r>
-              <a:rPr lang="pt-BR" smtClean="0"/>
-              <a:t>Quinto nível</a:t>
-            </a:r>
-            <a:endParaRPr lang="pt-BR"/>
-          </a:p>
-        </p:txBody>
-      </p:sp>
-      <p:sp>
-        <p:nvSpPr>
-          <p:cNvPr id="5" name="Espaço Reservado para Data 4"/>
-          <p:cNvSpPr>
-            <a:spLocks noGrp="1"/>
-          </p:cNvSpPr>
-          <p:nvPr>
-            <p:ph type="dt" sz="half" idx="10"/>
-          </p:nvPr>
-        </p:nvSpPr>
-        <p:spPr/>
-        <p:txBody>
-          <a:bodyPr/>
-          <a:lstStyle/>
-          <a:p>
-            <a:fld id="{6170734A-4B5A-4F3B-B573-1E93A2DEC51B}" type="datetimeFigureOut">
-              <a:rPr lang="pt-BR" smtClean="0"/>
-              <a:t>04/09/2018</a:t>
-            </a:fld>
-            <a:endParaRPr lang="pt-BR"/>
-          </a:p>
-        </p:txBody>
-      </p:sp>
-      <p:sp>
-        <p:nvSpPr>
-          <p:cNvPr id="6" name="Espaço Reservado para Rodapé 5"/>
-          <p:cNvSpPr>
-            <a:spLocks noGrp="1"/>
-          </p:cNvSpPr>
-          <p:nvPr>
-            <p:ph type="ftr" sz="quarter" idx="11"/>
-          </p:nvPr>
-        </p:nvSpPr>
-        <p:spPr/>
-        <p:txBody>
-          <a:bodyPr/>
-          <a:lstStyle/>
-          <a:p>
-            <a:endParaRPr lang="pt-BR"/>
-          </a:p>
-        </p:txBody>
-      </p:sp>
-      <p:sp>
-        <p:nvSpPr>
-          <p:cNvPr id="7" name="Espaço Reservado para Número de Slide 6"/>
-          <p:cNvSpPr>
-            <a:spLocks noGrp="1"/>
-          </p:cNvSpPr>
-          <p:nvPr>
-            <p:ph type="sldNum" sz="quarter" idx="12"/>
-          </p:nvPr>
-        </p:nvSpPr>
-        <p:spPr/>
-        <p:txBody>
-          <a:bodyPr/>
-          <a:lstStyle/>
-          <a:p>
-            <a:fld id="{644A173B-B495-4654-A1A8-D9C9081FB057}" type="slidenum">
-              <a:rPr lang="pt-BR" smtClean="0"/>
-              <a:t>‹nº›</a:t>
-            </a:fld>
-            <a:endParaRPr lang="pt-BR"/>
-          </a:p>
-        </p:txBody>
-      </p:sp>
-    </p:spTree>
-    <p:extLst>
-      <p:ext uri="{BB962C8B-B14F-4D97-AF65-F5344CB8AC3E}">
-        <p14:creationId xmlns:p14="http://schemas.microsoft.com/office/powerpoint/2010/main" val="208204752"/>
-      </p:ext>
-    </p:extLst>
-  </p:cSld>
-  <p:clrMapOvr>
-    <a:masterClrMapping/>
-  </p:clrMapOvr>
-</p:sldLayout>
-</file>
-
-<file path=ppt/slideLayouts/slideLayout5.xml><?xml version="1.0" encoding="utf-8"?>
-<p:sldLayout xmlns:a="http://schemas.openxmlformats.org/drawingml/2006/main" xmlns:r="http://schemas.openxmlformats.org/officeDocument/2006/relationships" xmlns:p="http://schemas.openxmlformats.org/presentationml/2006/main" type="twoTxTwoObj" preserve="1">
-  <p:cSld name="Comparação">
-    <p:spTree>
-      <p:nvGrpSpPr>
-        <p:cNvPr id="1" name=""/>
-        <p:cNvGrpSpPr/>
-        <p:nvPr/>
-      </p:nvGrpSpPr>
-      <p:grpSpPr>
-        <a:xfrm>
-          <a:off x="0" y="0"/>
-          <a:ext cx="0" cy="0"/>
-          <a:chOff x="0" y="0"/>
-          <a:chExt cx="0" cy="0"/>
-        </a:xfrm>
-      </p:grpSpPr>
-      <p:sp>
-        <p:nvSpPr>
-          <p:cNvPr id="2" name="Título 1"/>
-          <p:cNvSpPr>
-            <a:spLocks noGrp="1"/>
-          </p:cNvSpPr>
-          <p:nvPr>
-            <p:ph type="title"/>
-          </p:nvPr>
-        </p:nvSpPr>
-        <p:spPr/>
-        <p:txBody>
-          <a:bodyPr/>
-          <a:lstStyle>
-            <a:lvl1pPr>
-              <a:defRPr/>
-            </a:lvl1pPr>
-          </a:lstStyle>
-          <a:p>
-            <a:r>
-              <a:rPr lang="pt-BR" smtClean="0"/>
-              <a:t>Clique para editar o título mestre</a:t>
-            </a:r>
-            <a:endParaRPr lang="pt-BR"/>
-          </a:p>
-        </p:txBody>
-      </p:sp>
-      <p:sp>
-        <p:nvSpPr>
-          <p:cNvPr id="3" name="Espaço Reservado para Texto 2"/>
-          <p:cNvSpPr>
-            <a:spLocks noGrp="1"/>
-          </p:cNvSpPr>
-          <p:nvPr>
-            <p:ph type="body" idx="1"/>
-          </p:nvPr>
-        </p:nvSpPr>
-        <p:spPr>
-          <a:xfrm>
-            <a:off x="457200" y="1535113"/>
-            <a:ext cx="4040188" cy="639762"/>
-          </a:xfrm>
-        </p:spPr>
-        <p:txBody>
-          <a:bodyPr anchor="b"/>
-          <a:lstStyle>
-            <a:lvl1pPr marL="0" indent="0">
-              <a:buNone/>
-              <a:defRPr sz="2400" b="1"/>
-            </a:lvl1pPr>
-            <a:lvl2pPr marL="457200" indent="0">
-              <a:buNone/>
-              <a:defRPr sz="2000" b="1"/>
-            </a:lvl2pPr>
-            <a:lvl3pPr marL="914400" indent="0">
-              <a:buNone/>
-              <a:defRPr sz="1800" b="1"/>
-            </a:lvl3pPr>
-            <a:lvl4pPr marL="1371600" indent="0">
-              <a:buNone/>
-              <a:defRPr sz="1600" b="1"/>
-            </a:lvl4pPr>
-            <a:lvl5pPr marL="1828800" indent="0">
-              <a:buNone/>
-              <a:defRPr sz="1600" b="1"/>
-            </a:lvl5pPr>
-            <a:lvl6pPr marL="2286000" indent="0">
-              <a:buNone/>
-              <a:defRPr sz="1600" b="1"/>
-            </a:lvl6pPr>
-            <a:lvl7pPr marL="2743200" indent="0">
-              <a:buNone/>
-              <a:defRPr sz="1600" b="1"/>
-            </a:lvl7pPr>
-            <a:lvl8pPr marL="3200400" indent="0">
-              <a:buNone/>
-              <a:defRPr sz="1600" b="1"/>
-            </a:lvl8pPr>
-            <a:lvl9pPr marL="3657600" indent="0">
-              <a:buNone/>
-              <a:defRPr sz="1600" b="1"/>
-            </a:lvl9pPr>
-          </a:lstStyle>
-          <a:p>
-            <a:pPr lvl="0"/>
-            <a:r>
-              <a:rPr lang="pt-BR" smtClean="0"/>
-              <a:t>Clique para editar o texto mestre</a:t>
-            </a:r>
-          </a:p>
-        </p:txBody>
-      </p:sp>
-      <p:sp>
-        <p:nvSpPr>
-          <p:cNvPr id="4" name="Espaço Reservado para Conteúdo 3"/>
-          <p:cNvSpPr>
-            <a:spLocks noGrp="1"/>
-          </p:cNvSpPr>
-          <p:nvPr>
-            <p:ph sz="half" idx="2"/>
-          </p:nvPr>
-        </p:nvSpPr>
-        <p:spPr>
-          <a:xfrm>
-            <a:off x="457200" y="2174875"/>
-            <a:ext cx="4040188" cy="3951288"/>
-          </a:xfrm>
-        </p:spPr>
-        <p:txBody>
-          <a:bodyPr/>
-          <a:lstStyle>
-            <a:lvl1pPr>
               <a:defRPr sz="2400"/>
             </a:lvl1pPr>
             <a:lvl2pPr>
-              <a:defRPr sz="2000"/>
+              <a:defRPr sz="1600"/>
             </a:lvl2pPr>
             <a:lvl3pPr>
-              <a:defRPr sz="1800"/>
+              <a:defRPr sz="1600"/>
             </a:lvl3pPr>
             <a:lvl4pPr>
               <a:defRPr sz="1600"/>
@@ -15732,32 +15542,208 @@
               <a:rPr lang="pt-BR" smtClean="0"/>
               <a:t>Quinto nível</a:t>
             </a:r>
+            <a:endParaRPr lang="en-US" dirty="0" smtClean="0"/>
+          </a:p>
+        </p:txBody>
+      </p:sp>
+      <p:sp>
+        <p:nvSpPr>
+          <p:cNvPr id="5" name="Date Placeholder 4"/>
+          <p:cNvSpPr>
+            <a:spLocks noGrp="1"/>
+          </p:cNvSpPr>
+          <p:nvPr>
+            <p:ph type="dt" sz="half" idx="10"/>
+          </p:nvPr>
+        </p:nvSpPr>
+        <p:spPr/>
+        <p:txBody>
+          <a:bodyPr/>
+          <a:lstStyle/>
+          <a:p>
+            <a:fld id="{6170734A-4B5A-4F3B-B573-1E93A2DEC51B}" type="datetimeFigureOut">
+              <a:rPr lang="pt-BR" smtClean="0"/>
+              <a:t>06/09/2018</a:t>
+            </a:fld>
             <a:endParaRPr lang="pt-BR"/>
           </a:p>
         </p:txBody>
       </p:sp>
       <p:sp>
         <p:nvSpPr>
-          <p:cNvPr id="5" name="Espaço Reservado para Texto 4"/>
+          <p:cNvPr id="6" name="Footer Placeholder 5"/>
           <p:cNvSpPr>
             <a:spLocks noGrp="1"/>
           </p:cNvSpPr>
           <p:nvPr>
-            <p:ph type="body" sz="quarter" idx="3"/>
+            <p:ph type="ftr" sz="quarter" idx="11"/>
+          </p:nvPr>
+        </p:nvSpPr>
+        <p:spPr/>
+        <p:txBody>
+          <a:bodyPr/>
+          <a:lstStyle/>
+          <a:p>
+            <a:endParaRPr lang="pt-BR"/>
+          </a:p>
+        </p:txBody>
+      </p:sp>
+      <p:sp>
+        <p:nvSpPr>
+          <p:cNvPr id="7" name="Slide Number Placeholder 6"/>
+          <p:cNvSpPr>
+            <a:spLocks noGrp="1"/>
+          </p:cNvSpPr>
+          <p:nvPr>
+            <p:ph type="sldNum" sz="quarter" idx="12"/>
+          </p:nvPr>
+        </p:nvSpPr>
+        <p:spPr/>
+        <p:txBody>
+          <a:bodyPr/>
+          <a:lstStyle/>
+          <a:p>
+            <a:fld id="{644A173B-B495-4654-A1A8-D9C9081FB057}" type="slidenum">
+              <a:rPr lang="pt-BR" smtClean="0"/>
+              <a:t>‹nº›</a:t>
+            </a:fld>
+            <a:endParaRPr lang="pt-BR"/>
+          </a:p>
+        </p:txBody>
+      </p:sp>
+      <p:sp>
+        <p:nvSpPr>
+          <p:cNvPr id="9" name="Content Placeholder 8"/>
+          <p:cNvSpPr>
+            <a:spLocks noGrp="1"/>
+          </p:cNvSpPr>
+          <p:nvPr>
+            <p:ph sz="quarter" idx="13"/>
           </p:nvPr>
         </p:nvSpPr>
         <p:spPr>
           <a:xfrm>
-            <a:off x="4645025" y="1535113"/>
-            <a:ext cx="4041775" cy="639762"/>
+            <a:off x="365760" y="1600200"/>
+            <a:ext cx="4041648" cy="4526280"/>
           </a:xfrm>
         </p:spPr>
         <p:txBody>
-          <a:bodyPr anchor="b"/>
+          <a:bodyPr/>
+          <a:lstStyle/>
+          <a:p>
+            <a:pPr lvl="0"/>
+            <a:r>
+              <a:rPr lang="pt-BR" smtClean="0"/>
+              <a:t>Clique para editar o texto mestre</a:t>
+            </a:r>
+          </a:p>
+          <a:p>
+            <a:pPr lvl="1"/>
+            <a:r>
+              <a:rPr lang="pt-BR" smtClean="0"/>
+              <a:t>Segundo nível</a:t>
+            </a:r>
+          </a:p>
+          <a:p>
+            <a:pPr lvl="2"/>
+            <a:r>
+              <a:rPr lang="pt-BR" smtClean="0"/>
+              <a:t>Terceiro nível</a:t>
+            </a:r>
+          </a:p>
+          <a:p>
+            <a:pPr lvl="3"/>
+            <a:r>
+              <a:rPr lang="pt-BR" smtClean="0"/>
+              <a:t>Quarto nível</a:t>
+            </a:r>
+          </a:p>
+          <a:p>
+            <a:pPr lvl="4"/>
+            <a:r>
+              <a:rPr lang="pt-BR" smtClean="0"/>
+              <a:t>Quinto nível</a:t>
+            </a:r>
+            <a:endParaRPr lang="en-US"/>
+          </a:p>
+        </p:txBody>
+      </p:sp>
+    </p:spTree>
+  </p:cSld>
+  <p:clrMapOvr>
+    <a:masterClrMapping/>
+  </p:clrMapOvr>
+</p:sldLayout>
+</file>
+
+<file path=ppt/slideLayouts/slideLayout5.xml><?xml version="1.0" encoding="utf-8"?>
+<p:sldLayout xmlns:a="http://schemas.openxmlformats.org/drawingml/2006/main" xmlns:r="http://schemas.openxmlformats.org/officeDocument/2006/relationships" xmlns:p="http://schemas.openxmlformats.org/presentationml/2006/main" type="twoTxTwoObj" preserve="1">
+  <p:cSld name="Comparação">
+    <p:spTree>
+      <p:nvGrpSpPr>
+        <p:cNvPr id="1" name=""/>
+        <p:cNvGrpSpPr/>
+        <p:nvPr/>
+      </p:nvGrpSpPr>
+      <p:grpSpPr>
+        <a:xfrm>
+          <a:off x="0" y="0"/>
+          <a:ext cx="0" cy="0"/>
+          <a:chOff x="0" y="0"/>
+          <a:chExt cx="0" cy="0"/>
+        </a:xfrm>
+      </p:grpSpPr>
+      <p:sp>
+        <p:nvSpPr>
+          <p:cNvPr id="2" name="Title 1"/>
+          <p:cNvSpPr>
+            <a:spLocks noGrp="1"/>
+          </p:cNvSpPr>
+          <p:nvPr>
+            <p:ph type="title"/>
+          </p:nvPr>
+        </p:nvSpPr>
+        <p:spPr/>
+        <p:txBody>
+          <a:bodyPr/>
           <a:lstStyle>
-            <a:lvl1pPr marL="0" indent="0">
+            <a:lvl1pPr>
+              <a:defRPr/>
+            </a:lvl1pPr>
+          </a:lstStyle>
+          <a:p>
+            <a:r>
+              <a:rPr lang="pt-BR" smtClean="0"/>
+              <a:t>Clique para editar o título mestre</a:t>
+            </a:r>
+            <a:endParaRPr lang="en-US"/>
+          </a:p>
+        </p:txBody>
+      </p:sp>
+      <p:sp>
+        <p:nvSpPr>
+          <p:cNvPr id="3" name="Text Placeholder 2"/>
+          <p:cNvSpPr>
+            <a:spLocks noGrp="1"/>
+          </p:cNvSpPr>
+          <p:nvPr>
+            <p:ph type="body" idx="1"/>
+          </p:nvPr>
+        </p:nvSpPr>
+        <p:spPr>
+          <a:xfrm>
+            <a:off x="457200" y="1600200"/>
+            <a:ext cx="4040188" cy="609600"/>
+          </a:xfrm>
+        </p:spPr>
+        <p:txBody>
+          <a:bodyPr anchor="b">
+            <a:noAutofit/>
+          </a:bodyPr>
+          <a:lstStyle>
+            <a:lvl1pPr marL="0" indent="0" algn="ctr">
               <a:buNone/>
-              <a:defRPr sz="2400" b="1"/>
+              <a:defRPr sz="2400" b="0"/>
             </a:lvl1pPr>
             <a:lvl2pPr marL="457200" indent="0">
               <a:buNone/>
@@ -15803,51 +15789,155 @@
       </p:sp>
       <p:sp>
         <p:nvSpPr>
-          <p:cNvPr id="6" name="Espaço Reservado para Conteúdo 5"/>
+          <p:cNvPr id="5" name="Text Placeholder 4"/>
           <p:cNvSpPr>
             <a:spLocks noGrp="1"/>
           </p:cNvSpPr>
           <p:nvPr>
-            <p:ph sz="quarter" idx="4"/>
+            <p:ph type="body" sz="quarter" idx="3"/>
           </p:nvPr>
         </p:nvSpPr>
         <p:spPr>
           <a:xfrm>
-            <a:off x="4645025" y="2174875"/>
-            <a:ext cx="4041775" cy="3951288"/>
+            <a:off x="4648200" y="1600200"/>
+            <a:ext cx="4041775" cy="609600"/>
+          </a:xfrm>
+        </p:spPr>
+        <p:txBody>
+          <a:bodyPr anchor="b">
+            <a:noAutofit/>
+          </a:bodyPr>
+          <a:lstStyle>
+            <a:lvl1pPr marL="0" indent="0" algn="ctr">
+              <a:buNone/>
+              <a:defRPr sz="2400" b="0"/>
+            </a:lvl1pPr>
+            <a:lvl2pPr marL="457200" indent="0">
+              <a:buNone/>
+              <a:defRPr sz="2000" b="1"/>
+            </a:lvl2pPr>
+            <a:lvl3pPr marL="914400" indent="0">
+              <a:buNone/>
+              <a:defRPr sz="1800" b="1"/>
+            </a:lvl3pPr>
+            <a:lvl4pPr marL="1371600" indent="0">
+              <a:buNone/>
+              <a:defRPr sz="1600" b="1"/>
+            </a:lvl4pPr>
+            <a:lvl5pPr marL="1828800" indent="0">
+              <a:buNone/>
+              <a:defRPr sz="1600" b="1"/>
+            </a:lvl5pPr>
+            <a:lvl6pPr marL="2286000" indent="0">
+              <a:buNone/>
+              <a:defRPr sz="1600" b="1"/>
+            </a:lvl6pPr>
+            <a:lvl7pPr marL="2743200" indent="0">
+              <a:buNone/>
+              <a:defRPr sz="1600" b="1"/>
+            </a:lvl7pPr>
+            <a:lvl8pPr marL="3200400" indent="0">
+              <a:buNone/>
+              <a:defRPr sz="1600" b="1"/>
+            </a:lvl8pPr>
+            <a:lvl9pPr marL="3657600" indent="0">
+              <a:buNone/>
+              <a:defRPr sz="1600" b="1"/>
+            </a:lvl9pPr>
+          </a:lstStyle>
+          <a:p>
+            <a:pPr lvl="0"/>
+            <a:r>
+              <a:rPr lang="pt-BR" smtClean="0"/>
+              <a:t>Clique para editar o texto mestre</a:t>
+            </a:r>
+          </a:p>
+        </p:txBody>
+      </p:sp>
+      <p:sp>
+        <p:nvSpPr>
+          <p:cNvPr id="7" name="Date Placeholder 6"/>
+          <p:cNvSpPr>
+            <a:spLocks noGrp="1"/>
+          </p:cNvSpPr>
+          <p:nvPr>
+            <p:ph type="dt" sz="half" idx="10"/>
+          </p:nvPr>
+        </p:nvSpPr>
+        <p:spPr/>
+        <p:txBody>
+          <a:bodyPr/>
+          <a:lstStyle/>
+          <a:p>
+            <a:fld id="{6170734A-4B5A-4F3B-B573-1E93A2DEC51B}" type="datetimeFigureOut">
+              <a:rPr lang="pt-BR" smtClean="0"/>
+              <a:t>06/09/2018</a:t>
+            </a:fld>
+            <a:endParaRPr lang="pt-BR"/>
+          </a:p>
+        </p:txBody>
+      </p:sp>
+      <p:sp>
+        <p:nvSpPr>
+          <p:cNvPr id="8" name="Footer Placeholder 7"/>
+          <p:cNvSpPr>
+            <a:spLocks noGrp="1"/>
+          </p:cNvSpPr>
+          <p:nvPr>
+            <p:ph type="ftr" sz="quarter" idx="11"/>
+          </p:nvPr>
+        </p:nvSpPr>
+        <p:spPr/>
+        <p:txBody>
+          <a:bodyPr/>
+          <a:lstStyle/>
+          <a:p>
+            <a:endParaRPr lang="pt-BR"/>
+          </a:p>
+        </p:txBody>
+      </p:sp>
+      <p:sp>
+        <p:nvSpPr>
+          <p:cNvPr id="9" name="Slide Number Placeholder 8"/>
+          <p:cNvSpPr>
+            <a:spLocks noGrp="1"/>
+          </p:cNvSpPr>
+          <p:nvPr>
+            <p:ph type="sldNum" sz="quarter" idx="12"/>
+          </p:nvPr>
+        </p:nvSpPr>
+        <p:spPr/>
+        <p:txBody>
+          <a:bodyPr/>
+          <a:lstStyle/>
+          <a:p>
+            <a:fld id="{644A173B-B495-4654-A1A8-D9C9081FB057}" type="slidenum">
+              <a:rPr lang="pt-BR" smtClean="0"/>
+              <a:t>‹nº›</a:t>
+            </a:fld>
+            <a:endParaRPr lang="pt-BR"/>
+          </a:p>
+        </p:txBody>
+      </p:sp>
+      <p:sp>
+        <p:nvSpPr>
+          <p:cNvPr id="11" name="Content Placeholder 10"/>
+          <p:cNvSpPr>
+            <a:spLocks noGrp="1"/>
+          </p:cNvSpPr>
+          <p:nvPr>
+            <p:ph sz="quarter" idx="13"/>
+          </p:nvPr>
+        </p:nvSpPr>
+        <p:spPr>
+          <a:xfrm>
+            <a:off x="457200" y="2212848"/>
+            <a:ext cx="4041648" cy="3913632"/>
           </a:xfrm>
         </p:spPr>
         <p:txBody>
           <a:bodyPr/>
-          <a:lstStyle>
-            <a:lvl1pPr>
-              <a:defRPr sz="2400"/>
-            </a:lvl1pPr>
-            <a:lvl2pPr>
-              <a:defRPr sz="2000"/>
-            </a:lvl2pPr>
-            <a:lvl3pPr>
-              <a:defRPr sz="1800"/>
-            </a:lvl3pPr>
-            <a:lvl4pPr>
-              <a:defRPr sz="1600"/>
-            </a:lvl4pPr>
-            <a:lvl5pPr>
-              <a:defRPr sz="1600"/>
-            </a:lvl5pPr>
-            <a:lvl6pPr>
-              <a:defRPr sz="1600"/>
-            </a:lvl6pPr>
-            <a:lvl7pPr>
-              <a:defRPr sz="1600"/>
-            </a:lvl7pPr>
-            <a:lvl8pPr>
-              <a:defRPr sz="1600"/>
-            </a:lvl8pPr>
-            <a:lvl9pPr>
-              <a:defRPr sz="1600"/>
-            </a:lvl9pPr>
-          </a:lstStyle>
+          <a:lstStyle/>
           <a:p>
             <a:pPr lvl="0"/>
             <a:r>
@@ -15882,81 +15972,68 @@
               <a:rPr lang="pt-BR" smtClean="0"/>
               <a:t>Quinto nível</a:t>
             </a:r>
-            <a:endParaRPr lang="pt-BR"/>
+            <a:endParaRPr lang="en-US" dirty="0"/>
           </a:p>
         </p:txBody>
       </p:sp>
       <p:sp>
         <p:nvSpPr>
-          <p:cNvPr id="7" name="Espaço Reservado para Data 6"/>
+          <p:cNvPr id="13" name="Content Placeholder 12"/>
           <p:cNvSpPr>
             <a:spLocks noGrp="1"/>
           </p:cNvSpPr>
           <p:nvPr>
-            <p:ph type="dt" sz="half" idx="10"/>
+            <p:ph sz="quarter" idx="14"/>
           </p:nvPr>
         </p:nvSpPr>
-        <p:spPr/>
+        <p:spPr>
+          <a:xfrm>
+            <a:off x="4672584" y="2212848"/>
+            <a:ext cx="4041648" cy="3913187"/>
+          </a:xfrm>
+        </p:spPr>
         <p:txBody>
           <a:bodyPr/>
           <a:lstStyle/>
           <a:p>
-            <a:fld id="{6170734A-4B5A-4F3B-B573-1E93A2DEC51B}" type="datetimeFigureOut">
+            <a:pPr lvl="0"/>
+            <a:r>
               <a:rPr lang="pt-BR" smtClean="0"/>
-              <a:t>04/09/2018</a:t>
-            </a:fld>
-            <a:endParaRPr lang="pt-BR"/>
+              <a:t>Clique para editar o texto mestre</a:t>
+            </a:r>
           </a:p>
-        </p:txBody>
-      </p:sp>
-      <p:sp>
-        <p:nvSpPr>
-          <p:cNvPr id="8" name="Espaço Reservado para Rodapé 7"/>
-          <p:cNvSpPr>
-            <a:spLocks noGrp="1"/>
-          </p:cNvSpPr>
-          <p:nvPr>
-            <p:ph type="ftr" sz="quarter" idx="11"/>
-          </p:nvPr>
-        </p:nvSpPr>
-        <p:spPr/>
-        <p:txBody>
-          <a:bodyPr/>
-          <a:lstStyle/>
           <a:p>
-            <a:endParaRPr lang="pt-BR"/>
+            <a:pPr lvl="1"/>
+            <a:r>
+              <a:rPr lang="pt-BR" smtClean="0"/>
+              <a:t>Segundo nível</a:t>
+            </a:r>
           </a:p>
-        </p:txBody>
-      </p:sp>
-      <p:sp>
-        <p:nvSpPr>
-          <p:cNvPr id="9" name="Espaço Reservado para Número de Slide 8"/>
-          <p:cNvSpPr>
-            <a:spLocks noGrp="1"/>
-          </p:cNvSpPr>
-          <p:nvPr>
-            <p:ph type="sldNum" sz="quarter" idx="12"/>
-          </p:nvPr>
-        </p:nvSpPr>
-        <p:spPr/>
-        <p:txBody>
-          <a:bodyPr/>
-          <a:lstStyle/>
           <a:p>
-            <a:fld id="{644A173B-B495-4654-A1A8-D9C9081FB057}" type="slidenum">
+            <a:pPr lvl="2"/>
+            <a:r>
               <a:rPr lang="pt-BR" smtClean="0"/>
-              <a:t>‹nº›</a:t>
-            </a:fld>
-            <a:endParaRPr lang="pt-BR"/>
+              <a:t>Terceiro nível</a:t>
+            </a:r>
+          </a:p>
+          <a:p>
+            <a:pPr lvl="3"/>
+            <a:r>
+              <a:rPr lang="pt-BR" smtClean="0"/>
+              <a:t>Quarto nível</a:t>
+            </a:r>
+          </a:p>
+          <a:p>
+            <a:pPr lvl="4"/>
+            <a:r>
+              <a:rPr lang="pt-BR" smtClean="0"/>
+              <a:t>Quinto nível</a:t>
+            </a:r>
+            <a:endParaRPr lang="en-US" dirty="0"/>
           </a:p>
         </p:txBody>
       </p:sp>
     </p:spTree>
-    <p:extLst>
-      <p:ext uri="{BB962C8B-B14F-4D97-AF65-F5344CB8AC3E}">
-        <p14:creationId xmlns:p14="http://schemas.microsoft.com/office/powerpoint/2010/main" val="3827631283"/>
-      </p:ext>
-    </p:extLst>
   </p:cSld>
   <p:clrMapOvr>
     <a:masterClrMapping/>
@@ -15983,7 +16060,7 @@
       </p:grpSpPr>
       <p:sp>
         <p:nvSpPr>
-          <p:cNvPr id="2" name="Título 1"/>
+          <p:cNvPr id="2" name="Title 1"/>
           <p:cNvSpPr>
             <a:spLocks noGrp="1"/>
           </p:cNvSpPr>
@@ -16000,13 +16077,13 @@
               <a:rPr lang="pt-BR" smtClean="0"/>
               <a:t>Clique para editar o título mestre</a:t>
             </a:r>
-            <a:endParaRPr lang="pt-BR"/>
+            <a:endParaRPr lang="en-US" dirty="0"/>
           </a:p>
         </p:txBody>
       </p:sp>
       <p:sp>
         <p:nvSpPr>
-          <p:cNvPr id="3" name="Espaço Reservado para Data 2"/>
+          <p:cNvPr id="3" name="Date Placeholder 2"/>
           <p:cNvSpPr>
             <a:spLocks noGrp="1"/>
           </p:cNvSpPr>
@@ -16021,7 +16098,7 @@
           <a:p>
             <a:fld id="{6170734A-4B5A-4F3B-B573-1E93A2DEC51B}" type="datetimeFigureOut">
               <a:rPr lang="pt-BR" smtClean="0"/>
-              <a:t>04/09/2018</a:t>
+              <a:t>06/09/2018</a:t>
             </a:fld>
             <a:endParaRPr lang="pt-BR"/>
           </a:p>
@@ -16029,7 +16106,7 @@
       </p:sp>
       <p:sp>
         <p:nvSpPr>
-          <p:cNvPr id="4" name="Espaço Reservado para Rodapé 3"/>
+          <p:cNvPr id="4" name="Footer Placeholder 3"/>
           <p:cNvSpPr>
             <a:spLocks noGrp="1"/>
           </p:cNvSpPr>
@@ -16048,7 +16125,7 @@
       </p:sp>
       <p:sp>
         <p:nvSpPr>
-          <p:cNvPr id="5" name="Espaço Reservado para Número de Slide 4"/>
+          <p:cNvPr id="5" name="Slide Number Placeholder 4"/>
           <p:cNvSpPr>
             <a:spLocks noGrp="1"/>
           </p:cNvSpPr>
@@ -16070,11 +16147,6 @@
         </p:txBody>
       </p:sp>
     </p:spTree>
-    <p:extLst>
-      <p:ext uri="{BB962C8B-B14F-4D97-AF65-F5344CB8AC3E}">
-        <p14:creationId xmlns:p14="http://schemas.microsoft.com/office/powerpoint/2010/main" val="1133627837"/>
-      </p:ext>
-    </p:extLst>
   </p:cSld>
   <p:clrMapOvr>
     <a:masterClrMapping/>
@@ -16101,7 +16173,7 @@
       </p:grpSpPr>
       <p:sp>
         <p:nvSpPr>
-          <p:cNvPr id="2" name="Espaço Reservado para Data 1"/>
+          <p:cNvPr id="2" name="Date Placeholder 1"/>
           <p:cNvSpPr>
             <a:spLocks noGrp="1"/>
           </p:cNvSpPr>
@@ -16116,7 +16188,7 @@
           <a:p>
             <a:fld id="{6170734A-4B5A-4F3B-B573-1E93A2DEC51B}" type="datetimeFigureOut">
               <a:rPr lang="pt-BR" smtClean="0"/>
-              <a:t>04/09/2018</a:t>
+              <a:t>06/09/2018</a:t>
             </a:fld>
             <a:endParaRPr lang="pt-BR"/>
           </a:p>
@@ -16124,7 +16196,7 @@
       </p:sp>
       <p:sp>
         <p:nvSpPr>
-          <p:cNvPr id="3" name="Espaço Reservado para Rodapé 2"/>
+          <p:cNvPr id="3" name="Footer Placeholder 2"/>
           <p:cNvSpPr>
             <a:spLocks noGrp="1"/>
           </p:cNvSpPr>
@@ -16143,7 +16215,7 @@
       </p:sp>
       <p:sp>
         <p:nvSpPr>
-          <p:cNvPr id="4" name="Espaço Reservado para Número de Slide 3"/>
+          <p:cNvPr id="4" name="Slide Number Placeholder 3"/>
           <p:cNvSpPr>
             <a:spLocks noGrp="1"/>
           </p:cNvSpPr>
@@ -16165,11 +16237,6 @@
         </p:txBody>
       </p:sp>
     </p:spTree>
-    <p:extLst>
-      <p:ext uri="{BB962C8B-B14F-4D97-AF65-F5344CB8AC3E}">
-        <p14:creationId xmlns:p14="http://schemas.microsoft.com/office/powerpoint/2010/main" val="213509335"/>
-      </p:ext>
-    </p:extLst>
   </p:cSld>
   <p:clrMapOvr>
     <a:masterClrMapping/>
@@ -16196,7 +16263,7 @@
       </p:grpSpPr>
       <p:sp>
         <p:nvSpPr>
-          <p:cNvPr id="2" name="Título 1"/>
+          <p:cNvPr id="2" name="Title 1"/>
           <p:cNvSpPr>
             <a:spLocks noGrp="1"/>
           </p:cNvSpPr>
@@ -16206,15 +16273,26 @@
         </p:nvSpPr>
         <p:spPr>
           <a:xfrm>
-            <a:off x="457200" y="273050"/>
-            <a:ext cx="3008313" cy="1162050"/>
+            <a:off x="5907087" y="266700"/>
+            <a:ext cx="3008313" cy="2095500"/>
           </a:xfrm>
         </p:spPr>
         <p:txBody>
           <a:bodyPr anchor="b"/>
           <a:lstStyle>
-            <a:lvl1pPr algn="l">
-              <a:defRPr sz="2000" b="1"/>
+            <a:lvl1pPr algn="ctr">
+              <a:lnSpc>
+                <a:spcPct val="100000"/>
+              </a:lnSpc>
+              <a:defRPr sz="2800" b="0">
+                <a:effectLst>
+                  <a:outerShdw blurRad="50800" dist="25400" dir="5400000" algn="t" rotWithShape="0">
+                    <a:prstClr val="black">
+                      <a:alpha val="25000"/>
+                    </a:prstClr>
+                  </a:outerShdw>
+                </a:effectLst>
+              </a:defRPr>
             </a:lvl1pPr>
           </a:lstStyle>
           <a:p>
@@ -16222,13 +16300,13 @@
               <a:rPr lang="pt-BR" smtClean="0"/>
               <a:t>Clique para editar o título mestre</a:t>
             </a:r>
-            <a:endParaRPr lang="pt-BR"/>
+            <a:endParaRPr lang="en-US" dirty="0"/>
           </a:p>
         </p:txBody>
       </p:sp>
       <p:sp>
         <p:nvSpPr>
-          <p:cNvPr id="3" name="Espaço Reservado para Conteúdo 2"/>
+          <p:cNvPr id="3" name="Content Placeholder 2"/>
           <p:cNvSpPr>
             <a:spLocks noGrp="1"/>
           </p:cNvSpPr>
@@ -16238,8 +16316,8 @@
         </p:nvSpPr>
         <p:spPr>
           <a:xfrm>
-            <a:off x="3575050" y="273050"/>
-            <a:ext cx="5111750" cy="5853113"/>
+            <a:off x="719137" y="273050"/>
+            <a:ext cx="4995863" cy="5853113"/>
           </a:xfrm>
         </p:spPr>
         <p:txBody>
@@ -16307,13 +16385,13 @@
               <a:rPr lang="pt-BR" smtClean="0"/>
               <a:t>Quinto nível</a:t>
             </a:r>
-            <a:endParaRPr lang="pt-BR"/>
+            <a:endParaRPr lang="en-US" dirty="0"/>
           </a:p>
         </p:txBody>
       </p:sp>
       <p:sp>
         <p:nvSpPr>
-          <p:cNvPr id="4" name="Espaço Reservado para Texto 3"/>
+          <p:cNvPr id="4" name="Text Placeholder 3"/>
           <p:cNvSpPr>
             <a:spLocks noGrp="1"/>
           </p:cNvSpPr>
@@ -16323,16 +16401,21 @@
         </p:nvSpPr>
         <p:spPr>
           <a:xfrm>
-            <a:off x="457200" y="1435100"/>
-            <a:ext cx="3008313" cy="4691063"/>
+            <a:off x="5907087" y="2438400"/>
+            <a:ext cx="3008313" cy="3687763"/>
           </a:xfrm>
         </p:spPr>
         <p:txBody>
-          <a:bodyPr/>
+          <a:bodyPr>
+            <a:normAutofit/>
+          </a:bodyPr>
           <a:lstStyle>
-            <a:lvl1pPr marL="0" indent="0">
+            <a:lvl1pPr marL="0" indent="0" algn="ctr">
+              <a:lnSpc>
+                <a:spcPct val="125000"/>
+              </a:lnSpc>
               <a:buNone/>
-              <a:defRPr sz="1400"/>
+              <a:defRPr sz="1600"/>
             </a:lvl1pPr>
             <a:lvl2pPr marL="457200" indent="0">
               <a:buNone/>
@@ -16378,7 +16461,7 @@
       </p:sp>
       <p:sp>
         <p:nvSpPr>
-          <p:cNvPr id="5" name="Espaço Reservado para Data 4"/>
+          <p:cNvPr id="5" name="Date Placeholder 4"/>
           <p:cNvSpPr>
             <a:spLocks noGrp="1"/>
           </p:cNvSpPr>
@@ -16393,7 +16476,7 @@
           <a:p>
             <a:fld id="{6170734A-4B5A-4F3B-B573-1E93A2DEC51B}" type="datetimeFigureOut">
               <a:rPr lang="pt-BR" smtClean="0"/>
-              <a:t>04/09/2018</a:t>
+              <a:t>06/09/2018</a:t>
             </a:fld>
             <a:endParaRPr lang="pt-BR"/>
           </a:p>
@@ -16401,7 +16484,7 @@
       </p:sp>
       <p:sp>
         <p:nvSpPr>
-          <p:cNvPr id="6" name="Espaço Reservado para Rodapé 5"/>
+          <p:cNvPr id="6" name="Footer Placeholder 5"/>
           <p:cNvSpPr>
             <a:spLocks noGrp="1"/>
           </p:cNvSpPr>
@@ -16420,7 +16503,7 @@
       </p:sp>
       <p:sp>
         <p:nvSpPr>
-          <p:cNvPr id="7" name="Espaço Reservado para Número de Slide 6"/>
+          <p:cNvPr id="7" name="Slide Number Placeholder 6"/>
           <p:cNvSpPr>
             <a:spLocks noGrp="1"/>
           </p:cNvSpPr>
@@ -16442,11 +16525,6 @@
         </p:txBody>
       </p:sp>
     </p:spTree>
-    <p:extLst>
-      <p:ext uri="{BB962C8B-B14F-4D97-AF65-F5344CB8AC3E}">
-        <p14:creationId xmlns:p14="http://schemas.microsoft.com/office/powerpoint/2010/main" val="3301934051"/>
-      </p:ext>
-    </p:extLst>
   </p:cSld>
   <p:clrMapOvr>
     <a:masterClrMapping/>
@@ -16473,7 +16551,7 @@
       </p:grpSpPr>
       <p:sp>
         <p:nvSpPr>
-          <p:cNvPr id="2" name="Título 1"/>
+          <p:cNvPr id="2" name="Title 1"/>
           <p:cNvSpPr>
             <a:spLocks noGrp="1"/>
           </p:cNvSpPr>
@@ -16483,15 +16561,18 @@
         </p:nvSpPr>
         <p:spPr>
           <a:xfrm>
-            <a:off x="1792288" y="4800600"/>
-            <a:ext cx="5486400" cy="566738"/>
+            <a:off x="1679576" y="228600"/>
+            <a:ext cx="5711824" cy="895350"/>
           </a:xfrm>
         </p:spPr>
         <p:txBody>
           <a:bodyPr anchor="b"/>
           <a:lstStyle>
-            <a:lvl1pPr algn="l">
-              <a:defRPr sz="2000" b="1"/>
+            <a:lvl1pPr algn="ctr">
+              <a:lnSpc>
+                <a:spcPct val="100000"/>
+              </a:lnSpc>
+              <a:defRPr sz="2800" b="0"/>
             </a:lvl1pPr>
           </a:lstStyle>
           <a:p>
@@ -16499,13 +16580,13 @@
               <a:rPr lang="pt-BR" smtClean="0"/>
               <a:t>Clique para editar o título mestre</a:t>
             </a:r>
-            <a:endParaRPr lang="pt-BR"/>
+            <a:endParaRPr lang="en-US" dirty="0"/>
           </a:p>
         </p:txBody>
       </p:sp>
       <p:sp>
         <p:nvSpPr>
-          <p:cNvPr id="3" name="Espaço Reservado para Imagem 2"/>
+          <p:cNvPr id="3" name="Picture Placeholder 2"/>
           <p:cNvSpPr>
             <a:spLocks noGrp="1"/>
           </p:cNvSpPr>
@@ -16515,14 +16596,26 @@
         </p:nvSpPr>
         <p:spPr>
           <a:xfrm>
-            <a:off x="1792288" y="612775"/>
-            <a:ext cx="5486400" cy="4114800"/>
+            <a:off x="1508126" y="1143000"/>
+            <a:ext cx="6054724" cy="4541044"/>
           </a:xfrm>
+          <a:ln w="76200">
+            <a:solidFill>
+              <a:schemeClr val="bg1"/>
+            </a:solidFill>
+          </a:ln>
+          <a:effectLst>
+            <a:outerShdw blurRad="88900" dist="50800" dir="5400000" algn="ctr" rotWithShape="0">
+              <a:srgbClr val="000000">
+                <a:alpha val="25000"/>
+              </a:srgbClr>
+            </a:outerShdw>
+          </a:effectLst>
         </p:spPr>
         <p:txBody>
-          <a:bodyPr/>
+          <a:bodyPr anchor="t"/>
           <a:lstStyle>
-            <a:lvl1pPr marL="0" indent="0">
+            <a:lvl1pPr marL="0" indent="0" algn="ctr">
               <a:buNone/>
               <a:defRPr sz="3200"/>
             </a:lvl1pPr>
@@ -16560,13 +16653,17 @@
             </a:lvl9pPr>
           </a:lstStyle>
           <a:p>
-            <a:endParaRPr lang="pt-BR"/>
+            <a:r>
+              <a:rPr lang="pt-BR" smtClean="0"/>
+              <a:t>Clique no ícone para adicionar uma imagem</a:t>
+            </a:r>
+            <a:endParaRPr lang="en-US" dirty="0"/>
           </a:p>
         </p:txBody>
       </p:sp>
       <p:sp>
         <p:nvSpPr>
-          <p:cNvPr id="4" name="Espaço Reservado para Texto 3"/>
+          <p:cNvPr id="4" name="Text Placeholder 3"/>
           <p:cNvSpPr>
             <a:spLocks noGrp="1"/>
           </p:cNvSpPr>
@@ -16576,16 +16673,18 @@
         </p:nvSpPr>
         <p:spPr>
           <a:xfrm>
-            <a:off x="1792288" y="5367338"/>
-            <a:ext cx="5486400" cy="804862"/>
+            <a:off x="1679576" y="5810250"/>
+            <a:ext cx="5711824" cy="533400"/>
           </a:xfrm>
         </p:spPr>
         <p:txBody>
-          <a:bodyPr/>
+          <a:bodyPr>
+            <a:normAutofit/>
+          </a:bodyPr>
           <a:lstStyle>
-            <a:lvl1pPr marL="0" indent="0">
+            <a:lvl1pPr marL="0" indent="0" algn="ctr">
               <a:buNone/>
-              <a:defRPr sz="1400"/>
+              <a:defRPr sz="1600"/>
             </a:lvl1pPr>
             <a:lvl2pPr marL="457200" indent="0">
               <a:buNone/>
@@ -16631,7 +16730,7 @@
       </p:sp>
       <p:sp>
         <p:nvSpPr>
-          <p:cNvPr id="5" name="Espaço Reservado para Data 4"/>
+          <p:cNvPr id="5" name="Date Placeholder 4"/>
           <p:cNvSpPr>
             <a:spLocks noGrp="1"/>
           </p:cNvSpPr>
@@ -16646,7 +16745,7 @@
           <a:p>
             <a:fld id="{6170734A-4B5A-4F3B-B573-1E93A2DEC51B}" type="datetimeFigureOut">
               <a:rPr lang="pt-BR" smtClean="0"/>
-              <a:t>04/09/2018</a:t>
+              <a:t>06/09/2018</a:t>
             </a:fld>
             <a:endParaRPr lang="pt-BR"/>
           </a:p>
@@ -16654,7 +16753,7 @@
       </p:sp>
       <p:sp>
         <p:nvSpPr>
-          <p:cNvPr id="6" name="Espaço Reservado para Rodapé 5"/>
+          <p:cNvPr id="6" name="Footer Placeholder 5"/>
           <p:cNvSpPr>
             <a:spLocks noGrp="1"/>
           </p:cNvSpPr>
@@ -16673,7 +16772,7 @@
       </p:sp>
       <p:sp>
         <p:nvSpPr>
-          <p:cNvPr id="7" name="Espaço Reservado para Número de Slide 6"/>
+          <p:cNvPr id="7" name="Slide Number Placeholder 6"/>
           <p:cNvSpPr>
             <a:spLocks noGrp="1"/>
           </p:cNvSpPr>
@@ -16695,11 +16794,6 @@
         </p:txBody>
       </p:sp>
     </p:spTree>
-    <p:extLst>
-      <p:ext uri="{BB962C8B-B14F-4D97-AF65-F5344CB8AC3E}">
-        <p14:creationId xmlns:p14="http://schemas.microsoft.com/office/powerpoint/2010/main" val="3264949084"/>
-      </p:ext>
-    </p:extLst>
   </p:cSld>
   <p:clrMapOvr>
     <a:masterClrMapping/>
@@ -16711,7 +16805,7 @@
 <p:sldMaster xmlns:a="http://schemas.openxmlformats.org/drawingml/2006/main" xmlns:r="http://schemas.openxmlformats.org/officeDocument/2006/relationships" xmlns:p="http://schemas.openxmlformats.org/presentationml/2006/main">
   <p:cSld>
     <p:bg>
-      <p:bgRef idx="1001">
+      <p:bgRef idx="1002">
         <a:schemeClr val="bg1"/>
       </p:bgRef>
     </p:bg>
@@ -16731,7 +16825,7 @@
       </p:grpSpPr>
       <p:sp>
         <p:nvSpPr>
-          <p:cNvPr id="2" name="Espaço Reservado para Título 1"/>
+          <p:cNvPr id="2" name="Title Placeholder 1"/>
           <p:cNvSpPr>
             <a:spLocks noGrp="1"/>
           </p:cNvSpPr>
@@ -16741,16 +16835,16 @@
         </p:nvSpPr>
         <p:spPr>
           <a:xfrm>
-            <a:off x="457200" y="274638"/>
-            <a:ext cx="8229600" cy="1143000"/>
+            <a:off x="457200" y="0"/>
+            <a:ext cx="8229600" cy="1600200"/>
           </a:xfrm>
           <a:prstGeom prst="rect">
             <a:avLst/>
           </a:prstGeom>
         </p:spPr>
         <p:txBody>
-          <a:bodyPr vert="horz" lIns="91440" tIns="45720" rIns="91440" bIns="45720" rtlCol="0" anchor="ctr">
-            <a:normAutofit/>
+          <a:bodyPr vert="horz" lIns="91440" tIns="45720" rIns="91440" bIns="45720" rtlCol="0" anchor="b">
+            <a:noAutofit/>
           </a:bodyPr>
           <a:lstStyle/>
           <a:p>
@@ -16758,13 +16852,13 @@
               <a:rPr lang="pt-BR" smtClean="0"/>
               <a:t>Clique para editar o título mestre</a:t>
             </a:r>
-            <a:endParaRPr lang="pt-BR"/>
+            <a:endParaRPr lang="en-US" dirty="0"/>
           </a:p>
         </p:txBody>
       </p:sp>
       <p:sp>
         <p:nvSpPr>
-          <p:cNvPr id="3" name="Espaço Reservado para Texto 2"/>
+          <p:cNvPr id="3" name="Text Placeholder 2"/>
           <p:cNvSpPr>
             <a:spLocks noGrp="1"/>
           </p:cNvSpPr>
@@ -16820,13 +16914,13 @@
               <a:rPr lang="pt-BR" smtClean="0"/>
               <a:t>Quinto nível</a:t>
             </a:r>
-            <a:endParaRPr lang="pt-BR"/>
+            <a:endParaRPr lang="en-US" dirty="0" smtClean="0"/>
           </a:p>
         </p:txBody>
       </p:sp>
       <p:sp>
         <p:nvSpPr>
-          <p:cNvPr id="4" name="Espaço Reservado para Data 3"/>
+          <p:cNvPr id="4" name="Date Placeholder 3"/>
           <p:cNvSpPr>
             <a:spLocks noGrp="1"/>
           </p:cNvSpPr>
@@ -16836,30 +16930,32 @@
         </p:nvSpPr>
         <p:spPr>
           <a:xfrm>
-            <a:off x="457200" y="6356350"/>
-            <a:ext cx="2133600" cy="365125"/>
+            <a:off x="6363347" y="6356350"/>
+            <a:ext cx="2085975" cy="365125"/>
           </a:xfrm>
           <a:prstGeom prst="rect">
             <a:avLst/>
           </a:prstGeom>
         </p:spPr>
         <p:txBody>
-          <a:bodyPr vert="horz" lIns="91440" tIns="45720" rIns="91440" bIns="45720" rtlCol="0" anchor="ctr"/>
+          <a:bodyPr vert="horz" lIns="91440" tIns="45720" rIns="45720" bIns="45720" rtlCol="0" anchor="ctr"/>
           <a:lstStyle>
-            <a:lvl1pPr algn="l">
+            <a:lvl1pPr algn="r">
               <a:defRPr sz="1200">
                 <a:solidFill>
                   <a:schemeClr val="tx1">
-                    <a:tint val="75000"/>
+                    <a:lumMod val="65000"/>
+                    <a:lumOff val="35000"/>
                   </a:schemeClr>
                 </a:solidFill>
+                <a:latin typeface="Century Gothic" pitchFamily="34" charset="0"/>
               </a:defRPr>
             </a:lvl1pPr>
           </a:lstStyle>
           <a:p>
             <a:fld id="{6170734A-4B5A-4F3B-B573-1E93A2DEC51B}" type="datetimeFigureOut">
               <a:rPr lang="pt-BR" smtClean="0"/>
-              <a:t>04/09/2018</a:t>
+              <a:t>06/09/2018</a:t>
             </a:fld>
             <a:endParaRPr lang="pt-BR"/>
           </a:p>
@@ -16867,7 +16963,7 @@
       </p:sp>
       <p:sp>
         <p:nvSpPr>
-          <p:cNvPr id="5" name="Espaço Reservado para Rodapé 4"/>
+          <p:cNvPr id="5" name="Footer Placeholder 4"/>
           <p:cNvSpPr>
             <a:spLocks noGrp="1"/>
           </p:cNvSpPr>
@@ -16877,23 +16973,25 @@
         </p:nvSpPr>
         <p:spPr>
           <a:xfrm>
-            <a:off x="3124200" y="6356350"/>
-            <a:ext cx="2895600" cy="365125"/>
+            <a:off x="659165" y="6356350"/>
+            <a:ext cx="2847975" cy="365125"/>
           </a:xfrm>
           <a:prstGeom prst="rect">
             <a:avLst/>
           </a:prstGeom>
         </p:spPr>
         <p:txBody>
-          <a:bodyPr vert="horz" lIns="91440" tIns="45720" rIns="91440" bIns="45720" rtlCol="0" anchor="ctr"/>
+          <a:bodyPr vert="horz" lIns="45720" tIns="45720" rIns="91440" bIns="45720" rtlCol="0" anchor="ctr"/>
           <a:lstStyle>
-            <a:lvl1pPr algn="ctr">
+            <a:lvl1pPr algn="l">
               <a:defRPr sz="1200">
                 <a:solidFill>
                   <a:schemeClr val="tx1">
-                    <a:tint val="75000"/>
+                    <a:lumMod val="65000"/>
+                    <a:lumOff val="35000"/>
                   </a:schemeClr>
                 </a:solidFill>
+                <a:latin typeface="Century Gothic" pitchFamily="34" charset="0"/>
               </a:defRPr>
             </a:lvl1pPr>
           </a:lstStyle>
@@ -16904,7 +17002,7 @@
       </p:sp>
       <p:sp>
         <p:nvSpPr>
-          <p:cNvPr id="6" name="Espaço Reservado para Número de Slide 5"/>
+          <p:cNvPr id="6" name="Slide Number Placeholder 5"/>
           <p:cNvSpPr>
             <a:spLocks noGrp="1"/>
           </p:cNvSpPr>
@@ -16914,23 +17012,25 @@
         </p:nvSpPr>
         <p:spPr>
           <a:xfrm>
-            <a:off x="6553200" y="6356350"/>
-            <a:ext cx="2133600" cy="365125"/>
+            <a:off x="8543278" y="6356350"/>
+            <a:ext cx="561975" cy="365125"/>
           </a:xfrm>
           <a:prstGeom prst="rect">
             <a:avLst/>
           </a:prstGeom>
         </p:spPr>
         <p:txBody>
-          <a:bodyPr vert="horz" lIns="91440" tIns="45720" rIns="91440" bIns="45720" rtlCol="0" anchor="ctr"/>
+          <a:bodyPr vert="horz" lIns="27432" tIns="45720" rIns="45720" bIns="45720" rtlCol="0" anchor="ctr"/>
           <a:lstStyle>
-            <a:lvl1pPr algn="r">
+            <a:lvl1pPr algn="l">
               <a:defRPr sz="1200">
                 <a:solidFill>
                   <a:schemeClr val="tx1">
-                    <a:tint val="75000"/>
+                    <a:lumMod val="65000"/>
+                    <a:lumOff val="35000"/>
                   </a:schemeClr>
                 </a:solidFill>
+                <a:latin typeface="Century Gothic" pitchFamily="34" charset="0"/>
               </a:defRPr>
             </a:lvl1pPr>
           </a:lstStyle>
@@ -16943,39 +17043,151 @@
           </a:p>
         </p:txBody>
       </p:sp>
+      <p:sp>
+        <p:nvSpPr>
+          <p:cNvPr id="7" name="Oval 6"/>
+          <p:cNvSpPr/>
+          <p:nvPr/>
+        </p:nvSpPr>
+        <p:spPr>
+          <a:xfrm>
+            <a:off x="8457760" y="6499384"/>
+            <a:ext cx="84772" cy="84772"/>
+          </a:xfrm>
+          <a:prstGeom prst="ellipse">
+            <a:avLst/>
+          </a:prstGeom>
+          <a:solidFill>
+            <a:schemeClr val="tx1">
+              <a:lumMod val="50000"/>
+              <a:lumOff val="50000"/>
+            </a:schemeClr>
+          </a:solidFill>
+          <a:ln w="12700">
+            <a:noFill/>
+          </a:ln>
+          <a:effectLst/>
+        </p:spPr>
+        <p:style>
+          <a:lnRef idx="2">
+            <a:schemeClr val="accent1">
+              <a:shade val="50000"/>
+            </a:schemeClr>
+          </a:lnRef>
+          <a:fillRef idx="1">
+            <a:schemeClr val="accent1"/>
+          </a:fillRef>
+          <a:effectRef idx="0">
+            <a:schemeClr val="accent1"/>
+          </a:effectRef>
+          <a:fontRef idx="minor">
+            <a:schemeClr val="lt1"/>
+          </a:fontRef>
+        </p:style>
+        <p:txBody>
+          <a:bodyPr rtlCol="0" anchor="ctr"/>
+          <a:lstStyle/>
+          <a:p>
+            <a:pPr marL="0" algn="ctr" defTabSz="914400" rtl="0" eaLnBrk="1" latinLnBrk="0" hangingPunct="1"/>
+            <a:endParaRPr lang="en-US" sz="1800" kern="1200">
+              <a:solidFill>
+                <a:schemeClr val="lt1"/>
+              </a:solidFill>
+              <a:latin typeface="+mn-lt"/>
+              <a:ea typeface="+mn-ea"/>
+              <a:cs typeface="+mn-cs"/>
+            </a:endParaRPr>
+          </a:p>
+        </p:txBody>
+      </p:sp>
+      <p:sp>
+        <p:nvSpPr>
+          <p:cNvPr id="8" name="Oval 7"/>
+          <p:cNvSpPr/>
+          <p:nvPr/>
+        </p:nvSpPr>
+        <p:spPr>
+          <a:xfrm>
+            <a:off x="569119" y="6499384"/>
+            <a:ext cx="84772" cy="84772"/>
+          </a:xfrm>
+          <a:prstGeom prst="ellipse">
+            <a:avLst/>
+          </a:prstGeom>
+          <a:solidFill>
+            <a:schemeClr val="tx1">
+              <a:lumMod val="50000"/>
+              <a:lumOff val="50000"/>
+            </a:schemeClr>
+          </a:solidFill>
+          <a:ln w="12700">
+            <a:noFill/>
+          </a:ln>
+          <a:effectLst/>
+        </p:spPr>
+        <p:style>
+          <a:lnRef idx="2">
+            <a:schemeClr val="accent1">
+              <a:shade val="50000"/>
+            </a:schemeClr>
+          </a:lnRef>
+          <a:fillRef idx="1">
+            <a:schemeClr val="accent1"/>
+          </a:fillRef>
+          <a:effectRef idx="0">
+            <a:schemeClr val="accent1"/>
+          </a:effectRef>
+          <a:fontRef idx="minor">
+            <a:schemeClr val="lt1"/>
+          </a:fontRef>
+        </p:style>
+        <p:txBody>
+          <a:bodyPr rtlCol="0" anchor="ctr"/>
+          <a:lstStyle/>
+          <a:p>
+            <a:pPr algn="ctr"/>
+            <a:endParaRPr lang="en-US"/>
+          </a:p>
+        </p:txBody>
+      </p:sp>
     </p:spTree>
-    <p:extLst>
-      <p:ext uri="{BB962C8B-B14F-4D97-AF65-F5344CB8AC3E}">
-        <p14:creationId xmlns:p14="http://schemas.microsoft.com/office/powerpoint/2010/main" val="2422746762"/>
-      </p:ext>
-    </p:extLst>
   </p:cSld>
   <p:clrMap bg1="lt1" tx1="dk1" bg2="lt2" tx2="dk2" accent1="accent1" accent2="accent2" accent3="accent3" accent4="accent4" accent5="accent5" accent6="accent6" hlink="hlink" folHlink="folHlink"/>
   <p:sldLayoutIdLst>
-    <p:sldLayoutId id="2147483649" r:id="rId1"/>
-    <p:sldLayoutId id="2147483650" r:id="rId2"/>
-    <p:sldLayoutId id="2147483651" r:id="rId3"/>
-    <p:sldLayoutId id="2147483652" r:id="rId4"/>
-    <p:sldLayoutId id="2147483653" r:id="rId5"/>
-    <p:sldLayoutId id="2147483654" r:id="rId6"/>
-    <p:sldLayoutId id="2147483655" r:id="rId7"/>
-    <p:sldLayoutId id="2147483656" r:id="rId8"/>
-    <p:sldLayoutId id="2147483657" r:id="rId9"/>
-    <p:sldLayoutId id="2147483658" r:id="rId10"/>
-    <p:sldLayoutId id="2147483659" r:id="rId11"/>
+    <p:sldLayoutId id="2147483673" r:id="rId1"/>
+    <p:sldLayoutId id="2147483674" r:id="rId2"/>
+    <p:sldLayoutId id="2147483675" r:id="rId3"/>
+    <p:sldLayoutId id="2147483676" r:id="rId4"/>
+    <p:sldLayoutId id="2147483677" r:id="rId5"/>
+    <p:sldLayoutId id="2147483678" r:id="rId6"/>
+    <p:sldLayoutId id="2147483679" r:id="rId7"/>
+    <p:sldLayoutId id="2147483680" r:id="rId8"/>
+    <p:sldLayoutId id="2147483681" r:id="rId9"/>
+    <p:sldLayoutId id="2147483682" r:id="rId10"/>
+    <p:sldLayoutId id="2147483683" r:id="rId11"/>
   </p:sldLayoutIdLst>
   <p:txStyles>
     <p:titleStyle>
       <a:lvl1pPr algn="ctr" defTabSz="914400" rtl="0" eaLnBrk="1" latinLnBrk="0" hangingPunct="1">
+        <a:lnSpc>
+          <a:spcPts val="5800"/>
+        </a:lnSpc>
         <a:spcBef>
           <a:spcPct val="0"/>
         </a:spcBef>
         <a:buNone/>
-        <a:defRPr sz="4400" kern="1200">
+        <a:defRPr sz="5400" kern="1200">
           <a:solidFill>
-            <a:schemeClr val="tx1"/>
+            <a:schemeClr val="tx2"/>
           </a:solidFill>
-          <a:latin typeface="+mj-lt"/>
+          <a:effectLst>
+            <a:outerShdw blurRad="63500" dist="38100" dir="5400000" algn="t" rotWithShape="0">
+              <a:prstClr val="black">
+                <a:alpha val="25000"/>
+              </a:prstClr>
+            </a:outerShdw>
+          </a:effectLst>
+          <a:latin typeface="+mn-lt"/>
           <a:ea typeface="+mj-ea"/>
           <a:cs typeface="+mj-cs"/>
         </a:defRPr>
@@ -16988,11 +17200,14 @@
         </a:spcBef>
         <a:buFont typeface="Arial" pitchFamily="34" charset="0"/>
         <a:buChar char="•"/>
-        <a:defRPr sz="3200" kern="1200">
+        <a:defRPr sz="2400" kern="1200">
           <a:solidFill>
-            <a:schemeClr val="tx1"/>
+            <a:schemeClr val="tx1">
+              <a:lumMod val="50000"/>
+              <a:lumOff val="50000"/>
+            </a:schemeClr>
           </a:solidFill>
-          <a:latin typeface="+mn-lt"/>
+          <a:latin typeface="+mj-lt"/>
           <a:ea typeface="+mn-ea"/>
           <a:cs typeface="+mn-cs"/>
         </a:defRPr>
@@ -17001,13 +17216,16 @@
         <a:spcBef>
           <a:spcPct val="20000"/>
         </a:spcBef>
-        <a:buFont typeface="Arial" pitchFamily="34" charset="0"/>
-        <a:buChar char="–"/>
-        <a:defRPr sz="2800" kern="1200">
+        <a:buFont typeface="Courier New" pitchFamily="49" charset="0"/>
+        <a:buChar char="o"/>
+        <a:defRPr sz="1600" kern="1200">
           <a:solidFill>
-            <a:schemeClr val="tx1"/>
+            <a:schemeClr val="tx1">
+              <a:lumMod val="50000"/>
+              <a:lumOff val="50000"/>
+            </a:schemeClr>
           </a:solidFill>
-          <a:latin typeface="+mn-lt"/>
+          <a:latin typeface="+mj-lt"/>
           <a:ea typeface="+mn-ea"/>
           <a:cs typeface="+mn-cs"/>
         </a:defRPr>
@@ -17018,11 +17236,14 @@
         </a:spcBef>
         <a:buFont typeface="Arial" pitchFamily="34" charset="0"/>
         <a:buChar char="•"/>
-        <a:defRPr sz="2400" kern="1200">
+        <a:defRPr sz="1600" kern="1200">
           <a:solidFill>
-            <a:schemeClr val="tx1"/>
+            <a:schemeClr val="tx1">
+              <a:lumMod val="50000"/>
+              <a:lumOff val="50000"/>
+            </a:schemeClr>
           </a:solidFill>
-          <a:latin typeface="+mn-lt"/>
+          <a:latin typeface="+mj-lt"/>
           <a:ea typeface="+mn-ea"/>
           <a:cs typeface="+mn-cs"/>
         </a:defRPr>
@@ -17031,13 +17252,16 @@
         <a:spcBef>
           <a:spcPct val="20000"/>
         </a:spcBef>
-        <a:buFont typeface="Arial" pitchFamily="34" charset="0"/>
-        <a:buChar char="–"/>
-        <a:defRPr sz="2000" kern="1200">
+        <a:buFont typeface="Courier New" pitchFamily="49" charset="0"/>
+        <a:buChar char="o"/>
+        <a:defRPr sz="1600" kern="1200">
           <a:solidFill>
-            <a:schemeClr val="tx1"/>
+            <a:schemeClr val="tx1">
+              <a:lumMod val="50000"/>
+              <a:lumOff val="50000"/>
+            </a:schemeClr>
           </a:solidFill>
-          <a:latin typeface="+mn-lt"/>
+          <a:latin typeface="+mj-lt"/>
           <a:ea typeface="+mn-ea"/>
           <a:cs typeface="+mn-cs"/>
         </a:defRPr>
@@ -17047,12 +17271,15 @@
           <a:spcPct val="20000"/>
         </a:spcBef>
         <a:buFont typeface="Arial" pitchFamily="34" charset="0"/>
-        <a:buChar char="»"/>
-        <a:defRPr sz="2000" kern="1200">
+        <a:buChar char="•"/>
+        <a:defRPr sz="1600" kern="1200">
           <a:solidFill>
-            <a:schemeClr val="tx1"/>
+            <a:schemeClr val="tx1">
+              <a:lumMod val="50000"/>
+              <a:lumOff val="50000"/>
+            </a:schemeClr>
           </a:solidFill>
-          <a:latin typeface="+mn-lt"/>
+          <a:latin typeface="+mj-lt"/>
           <a:ea typeface="+mn-ea"/>
           <a:cs typeface="+mn-cs"/>
         </a:defRPr>
@@ -17061,13 +17288,16 @@
         <a:spcBef>
           <a:spcPct val="20000"/>
         </a:spcBef>
-        <a:buFont typeface="Arial" pitchFamily="34" charset="0"/>
-        <a:buChar char="•"/>
-        <a:defRPr sz="2000" kern="1200">
+        <a:buFont typeface="Courier New" pitchFamily="49" charset="0"/>
+        <a:buChar char="o"/>
+        <a:defRPr sz="1600" kern="1200">
           <a:solidFill>
-            <a:schemeClr val="tx1"/>
+            <a:schemeClr val="tx1">
+              <a:lumMod val="50000"/>
+              <a:lumOff val="50000"/>
+            </a:schemeClr>
           </a:solidFill>
-          <a:latin typeface="+mn-lt"/>
+          <a:latin typeface="+mj-lt"/>
           <a:ea typeface="+mn-ea"/>
           <a:cs typeface="+mn-cs"/>
         </a:defRPr>
@@ -17078,11 +17308,14 @@
         </a:spcBef>
         <a:buFont typeface="Arial" pitchFamily="34" charset="0"/>
         <a:buChar char="•"/>
-        <a:defRPr sz="2000" kern="1200">
+        <a:defRPr sz="1600" kern="1200">
           <a:solidFill>
-            <a:schemeClr val="tx1"/>
+            <a:schemeClr val="tx1">
+              <a:lumMod val="50000"/>
+              <a:lumOff val="50000"/>
+            </a:schemeClr>
           </a:solidFill>
-          <a:latin typeface="+mn-lt"/>
+          <a:latin typeface="+mj-lt"/>
           <a:ea typeface="+mn-ea"/>
           <a:cs typeface="+mn-cs"/>
         </a:defRPr>
@@ -17091,13 +17324,16 @@
         <a:spcBef>
           <a:spcPct val="20000"/>
         </a:spcBef>
-        <a:buFont typeface="Arial" pitchFamily="34" charset="0"/>
-        <a:buChar char="•"/>
-        <a:defRPr sz="2000" kern="1200">
+        <a:buFont typeface="Courier New" pitchFamily="49" charset="0"/>
+        <a:buChar char="o"/>
+        <a:defRPr sz="1600" kern="1200">
           <a:solidFill>
-            <a:schemeClr val="tx1"/>
+            <a:schemeClr val="tx1">
+              <a:lumMod val="50000"/>
+              <a:lumOff val="50000"/>
+            </a:schemeClr>
           </a:solidFill>
-          <a:latin typeface="+mn-lt"/>
+          <a:latin typeface="+mj-lt"/>
           <a:ea typeface="+mn-ea"/>
           <a:cs typeface="+mn-cs"/>
         </a:defRPr>
@@ -17108,11 +17344,14 @@
         </a:spcBef>
         <a:buFont typeface="Arial" pitchFamily="34" charset="0"/>
         <a:buChar char="•"/>
-        <a:defRPr sz="2000" kern="1200">
+        <a:defRPr sz="1600" kern="1200">
           <a:solidFill>
-            <a:schemeClr val="tx1"/>
+            <a:schemeClr val="tx1">
+              <a:lumMod val="50000"/>
+              <a:lumOff val="50000"/>
+            </a:schemeClr>
           </a:solidFill>
-          <a:latin typeface="+mn-lt"/>
+          <a:latin typeface="+mj-lt"/>
           <a:ea typeface="+mn-ea"/>
           <a:cs typeface="+mn-cs"/>
         </a:defRPr>
@@ -17120,7 +17359,7 @@
     </p:bodyStyle>
     <p:otherStyle>
       <a:defPPr>
-        <a:defRPr lang="pt-BR"/>
+        <a:defRPr lang="en-US"/>
       </a:defPPr>
       <a:lvl1pPr marL="0" algn="l" defTabSz="914400" rtl="0" eaLnBrk="1" latinLnBrk="0" hangingPunct="1">
         <a:defRPr sz="1800" kern="1200">
@@ -17234,6 +17473,237 @@
           <a:chExt cx="0" cy="0"/>
         </a:xfrm>
       </p:grpSpPr>
+      <p:pic>
+        <p:nvPicPr>
+          <p:cNvPr id="2053" name="Picture 5"/>
+          <p:cNvPicPr>
+            <a:picLocks noChangeAspect="1" noChangeArrowheads="1"/>
+          </p:cNvPicPr>
+          <p:nvPr/>
+        </p:nvPicPr>
+        <p:blipFill>
+          <a:blip r:embed="rId2">
+            <a:extLst>
+              <a:ext uri="{28A0092B-C50C-407E-A947-70E740481C1C}">
+                <a14:useLocalDpi xmlns:a14="http://schemas.microsoft.com/office/drawing/2010/main" val="0"/>
+              </a:ext>
+            </a:extLst>
+          </a:blip>
+          <a:srcRect/>
+          <a:stretch>
+            <a:fillRect/>
+          </a:stretch>
+        </p:blipFill>
+        <p:spPr bwMode="auto">
+          <a:xfrm>
+            <a:off x="4036532" y="1573414"/>
+            <a:ext cx="1415945" cy="987866"/>
+          </a:xfrm>
+          <a:prstGeom prst="rect">
+            <a:avLst/>
+          </a:prstGeom>
+          <a:noFill/>
+          <a:ln>
+            <a:noFill/>
+          </a:ln>
+          <a:effectLst/>
+          <a:extLst>
+            <a:ext uri="{909E8E84-426E-40DD-AFC4-6F175D3DCCD1}">
+              <a14:hiddenFill xmlns:a14="http://schemas.microsoft.com/office/drawing/2010/main">
+                <a:solidFill>
+                  <a:schemeClr val="accent1"/>
+                </a:solidFill>
+              </a14:hiddenFill>
+            </a:ext>
+            <a:ext uri="{91240B29-F687-4F45-9708-019B960494DF}">
+              <a14:hiddenLine xmlns:a14="http://schemas.microsoft.com/office/drawing/2010/main" w="9525">
+                <a:solidFill>
+                  <a:schemeClr val="tx1"/>
+                </a:solidFill>
+                <a:miter lim="800000"/>
+                <a:headEnd/>
+                <a:tailEnd/>
+              </a14:hiddenLine>
+            </a:ext>
+            <a:ext uri="{AF507438-7753-43E0-B8FC-AC1667EBCBE1}">
+              <a14:hiddenEffects xmlns:a14="http://schemas.microsoft.com/office/drawing/2010/main">
+                <a:effectLst>
+                  <a:outerShdw dist="35921" dir="2700000" algn="ctr" rotWithShape="0">
+                    <a:schemeClr val="bg2"/>
+                  </a:outerShdw>
+                </a:effectLst>
+              </a14:hiddenEffects>
+            </a:ext>
+          </a:extLst>
+        </p:spPr>
+      </p:pic>
+      <p:pic>
+        <p:nvPicPr>
+          <p:cNvPr id="1032" name="Picture 8" descr="Imagem relacionada"/>
+          <p:cNvPicPr>
+            <a:picLocks noChangeAspect="1" noChangeArrowheads="1"/>
+          </p:cNvPicPr>
+          <p:nvPr/>
+        </p:nvPicPr>
+        <p:blipFill rotWithShape="1">
+          <a:blip r:embed="rId3" cstate="print">
+            <a:duotone>
+              <a:prstClr val="black"/>
+              <a:schemeClr val="accent6">
+                <a:tint val="45000"/>
+                <a:satMod val="400000"/>
+              </a:schemeClr>
+            </a:duotone>
+            <a:extLst>
+              <a:ext uri="{28A0092B-C50C-407E-A947-70E740481C1C}">
+                <a14:useLocalDpi xmlns:a14="http://schemas.microsoft.com/office/drawing/2010/main" val="0"/>
+              </a:ext>
+            </a:extLst>
+          </a:blip>
+          <a:srcRect l="14430" t="10828" r="14725" b="11351"/>
+          <a:stretch/>
+        </p:blipFill>
+        <p:spPr bwMode="auto">
+          <a:xfrm>
+            <a:off x="4150402" y="1747672"/>
+            <a:ext cx="687111" cy="759600"/>
+          </a:xfrm>
+          <a:prstGeom prst="rect">
+            <a:avLst/>
+          </a:prstGeom>
+          <a:noFill/>
+          <a:extLst>
+            <a:ext uri="{909E8E84-426E-40DD-AFC4-6F175D3DCCD1}">
+              <a14:hiddenFill xmlns:a14="http://schemas.microsoft.com/office/drawing/2010/main">
+                <a:solidFill>
+                  <a:srgbClr val="FFFFFF"/>
+                </a:solidFill>
+              </a14:hiddenFill>
+            </a:ext>
+          </a:extLst>
+        </p:spPr>
+      </p:pic>
+      <p:sp>
+        <p:nvSpPr>
+          <p:cNvPr id="2" name="Título 1"/>
+          <p:cNvSpPr>
+            <a:spLocks noGrp="1"/>
+          </p:cNvSpPr>
+          <p:nvPr>
+            <p:ph type="title"/>
+          </p:nvPr>
+        </p:nvSpPr>
+        <p:spPr>
+          <a:xfrm>
+            <a:off x="1746571" y="3429000"/>
+            <a:ext cx="6222442" cy="1143000"/>
+          </a:xfrm>
+        </p:spPr>
+        <p:txBody>
+          <a:bodyPr>
+            <a:normAutofit/>
+          </a:bodyPr>
+          <a:lstStyle/>
+          <a:p>
+            <a:r>
+              <a:rPr lang="pt-BR" sz="5400" b="1" dirty="0"/>
+              <a:t>Active </a:t>
+            </a:r>
+            <a:r>
+              <a:rPr lang="pt-BR" sz="5400" b="1" dirty="0" smtClean="0"/>
+              <a:t>campus</a:t>
+            </a:r>
+            <a:endParaRPr lang="pt-BR" sz="5400" dirty="0"/>
+          </a:p>
+        </p:txBody>
+      </p:sp>
+      <p:pic>
+        <p:nvPicPr>
+          <p:cNvPr id="2057" name="Picture 9" descr="Imagem relacionada"/>
+          <p:cNvPicPr>
+            <a:picLocks noChangeAspect="1" noChangeArrowheads="1"/>
+          </p:cNvPicPr>
+          <p:nvPr/>
+        </p:nvPicPr>
+        <p:blipFill rotWithShape="1">
+          <a:blip r:embed="rId4" cstate="print">
+            <a:duotone>
+              <a:prstClr val="black"/>
+              <a:schemeClr val="accent6">
+                <a:tint val="45000"/>
+                <a:satMod val="400000"/>
+              </a:schemeClr>
+            </a:duotone>
+            <a:extLst>
+              <a:ext uri="{28A0092B-C50C-407E-A947-70E740481C1C}">
+                <a14:useLocalDpi xmlns:a14="http://schemas.microsoft.com/office/drawing/2010/main" val="0"/>
+              </a:ext>
+            </a:extLst>
+          </a:blip>
+          <a:srcRect l="36212" t="31953" r="29576" b="34023"/>
+          <a:stretch/>
+        </p:blipFill>
+        <p:spPr bwMode="auto">
+          <a:xfrm>
+            <a:off x="4383199" y="1913208"/>
+            <a:ext cx="454314" cy="424800"/>
+          </a:xfrm>
+          <a:prstGeom prst="roundRect">
+            <a:avLst>
+              <a:gd name="adj" fmla="val 8594"/>
+            </a:avLst>
+          </a:prstGeom>
+          <a:solidFill>
+            <a:srgbClr val="FFFFFF">
+              <a:shade val="85000"/>
+            </a:srgbClr>
+          </a:solidFill>
+          <a:ln>
+            <a:noFill/>
+          </a:ln>
+          <a:effectLst>
+            <a:reflection blurRad="12700" stA="38000" endPos="28000" dist="5000" dir="5400000" sy="-100000" algn="bl" rotWithShape="0"/>
+          </a:effectLst>
+          <a:extLst/>
+        </p:spPr>
+      </p:pic>
+    </p:spTree>
+    <p:extLst>
+      <p:ext uri="{BB962C8B-B14F-4D97-AF65-F5344CB8AC3E}">
+        <p14:creationId xmlns:p14="http://schemas.microsoft.com/office/powerpoint/2010/main" val="367532902"/>
+      </p:ext>
+    </p:extLst>
+  </p:cSld>
+  <p:clrMapOvr>
+    <a:masterClrMapping/>
+  </p:clrMapOvr>
+  <p:timing>
+    <p:tnLst>
+      <p:par>
+        <p:cTn id="1" dur="indefinite" restart="never" nodeType="tmRoot"/>
+      </p:par>
+    </p:tnLst>
+  </p:timing>
+</p:sld>
+</file>
+
+<file path=ppt/slides/slide2.xml><?xml version="1.0" encoding="utf-8"?>
+<p:sld xmlns:a="http://schemas.openxmlformats.org/drawingml/2006/main" xmlns:r="http://schemas.openxmlformats.org/officeDocument/2006/relationships" xmlns:p="http://schemas.openxmlformats.org/presentationml/2006/main">
+  <p:cSld>
+    <p:spTree>
+      <p:nvGrpSpPr>
+        <p:cNvPr id="1" name=""/>
+        <p:cNvGrpSpPr/>
+        <p:nvPr/>
+      </p:nvGrpSpPr>
+      <p:grpSpPr>
+        <a:xfrm>
+          <a:off x="0" y="0"/>
+          <a:ext cx="0" cy="0"/>
+          <a:chOff x="0" y="0"/>
+          <a:chExt cx="0" cy="0"/>
+        </a:xfrm>
+      </p:grpSpPr>
       <p:sp>
         <p:nvSpPr>
           <p:cNvPr id="2" name="Título 1"/>
@@ -17257,10 +17727,10 @@
           <a:lstStyle/>
           <a:p>
             <a:r>
-              <a:rPr lang="pt-BR" sz="2400" dirty="0" smtClean="0"/>
+              <a:rPr lang="pt-BR" sz="5400" dirty="0" smtClean="0"/>
               <a:t>Visão geral do produto</a:t>
             </a:r>
-            <a:endParaRPr lang="pt-BR" sz="2400" dirty="0"/>
+            <a:endParaRPr lang="pt-BR" sz="5400" dirty="0"/>
           </a:p>
         </p:txBody>
       </p:sp>
@@ -17676,8 +18146,8 @@
         </p:nvSpPr>
         <p:spPr>
           <a:xfrm>
-            <a:off x="307975" y="1245065"/>
-            <a:ext cx="1878078" cy="369332"/>
+            <a:off x="330859" y="1640478"/>
+            <a:ext cx="1701941" cy="369332"/>
           </a:xfrm>
           <a:prstGeom prst="rect">
             <a:avLst/>
@@ -17692,12 +18162,60 @@
           <a:p>
             <a:r>
               <a:rPr lang="pt-BR" dirty="0" smtClean="0"/>
-              <a:t> ad Active campus</a:t>
+              <a:t>Active </a:t>
+            </a:r>
+            <a:r>
+              <a:rPr lang="pt-BR" dirty="0" smtClean="0"/>
+              <a:t>campus</a:t>
             </a:r>
             <a:endParaRPr lang="pt-BR" dirty="0"/>
           </a:p>
         </p:txBody>
       </p:sp>
+      <p:pic>
+        <p:nvPicPr>
+          <p:cNvPr id="1026" name="Picture 2" descr="https://cdn-images-1.medium.com/max/600/1*YHKQVfSqFafrXvGcc5wUuQ.png"/>
+          <p:cNvPicPr>
+            <a:picLocks noChangeAspect="1" noChangeArrowheads="1"/>
+          </p:cNvPicPr>
+          <p:nvPr/>
+        </p:nvPicPr>
+        <p:blipFill rotWithShape="1">
+          <a:blip r:embed="rId12">
+            <a:extLst>
+              <a:ext uri="{28A0092B-C50C-407E-A947-70E740481C1C}">
+                <a14:useLocalDpi xmlns:a14="http://schemas.microsoft.com/office/drawing/2010/main" val="0"/>
+              </a:ext>
+            </a:extLst>
+          </a:blip>
+          <a:srcRect b="11346"/>
+          <a:stretch/>
+        </p:blipFill>
+        <p:spPr bwMode="auto">
+          <a:xfrm>
+            <a:off x="0" y="-60521"/>
+            <a:ext cx="827584" cy="614104"/>
+          </a:xfrm>
+          <a:prstGeom prst="rect">
+            <a:avLst/>
+          </a:prstGeom>
+          <a:ln>
+            <a:noFill/>
+          </a:ln>
+          <a:effectLst>
+            <a:softEdge rad="112500"/>
+          </a:effectLst>
+          <a:extLst>
+            <a:ext uri="{909E8E84-426E-40DD-AFC4-6F175D3DCCD1}">
+              <a14:hiddenFill xmlns:a14="http://schemas.microsoft.com/office/drawing/2010/main">
+                <a:solidFill>
+                  <a:srgbClr val="FFFFFF"/>
+                </a:solidFill>
+              </a14:hiddenFill>
+            </a:ext>
+          </a:extLst>
+        </p:spPr>
+      </p:pic>
     </p:spTree>
     <p:extLst>
       <p:ext uri="{BB962C8B-B14F-4D97-AF65-F5344CB8AC3E}">
@@ -17718,7 +18236,7 @@
 </p:sld>
 </file>
 
-<file path=ppt/slides/slide2.xml><?xml version="1.0" encoding="utf-8"?>
+<file path=ppt/slides/slide3.xml><?xml version="1.0" encoding="utf-8"?>
 <p:sld xmlns:a="http://schemas.openxmlformats.org/drawingml/2006/main" xmlns:r="http://schemas.openxmlformats.org/officeDocument/2006/relationships" xmlns:p="http://schemas.openxmlformats.org/presentationml/2006/main">
   <p:cSld>
     <p:spTree>
@@ -17742,7 +18260,7 @@
           <p:nvPr>
             <p:extLst>
               <p:ext uri="{D42A27DB-BD31-4B8C-83A1-F6EECF244321}">
-                <p14:modId xmlns:p14="http://schemas.microsoft.com/office/powerpoint/2010/main" val="1433127407"/>
+                <p14:modId xmlns:p14="http://schemas.microsoft.com/office/powerpoint/2010/main" val="1119180477"/>
               </p:ext>
             </p:extLst>
           </p:nvPr>
@@ -17778,14 +18296,14 @@
           <a:lstStyle/>
           <a:p>
             <a:r>
-              <a:rPr lang="pt-BR" dirty="0" smtClean="0"/>
+              <a:rPr lang="pt-BR" sz="5400" dirty="0" smtClean="0"/>
               <a:t>Conceito</a:t>
             </a:r>
             <a:r>
-              <a:rPr lang="pt-BR" baseline="0" dirty="0" smtClean="0"/>
+              <a:rPr lang="pt-BR" sz="5400" baseline="0" dirty="0" smtClean="0"/>
               <a:t> do serviço</a:t>
             </a:r>
-            <a:endParaRPr lang="pt-BR" dirty="0"/>
+            <a:endParaRPr lang="pt-BR" sz="5400" dirty="0"/>
           </a:p>
         </p:txBody>
       </p:sp>
@@ -18000,8 +18518,8 @@
         </p:nvSpPr>
         <p:spPr>
           <a:xfrm>
-            <a:off x="7956376" y="4829575"/>
-            <a:ext cx="731520" cy="1216152"/>
+            <a:off x="7956376" y="4797152"/>
+            <a:ext cx="731520" cy="1224000"/>
           </a:xfrm>
           <a:prstGeom prst="curvedLeftArrow">
             <a:avLst/>
@@ -18054,7 +18572,7 @@
         <p:spPr>
           <a:xfrm>
             <a:off x="3464518" y="3612262"/>
-            <a:ext cx="1987724" cy="369332"/>
+            <a:ext cx="2173993" cy="369332"/>
           </a:xfrm>
           <a:prstGeom prst="rect">
             <a:avLst/>
@@ -18068,12 +18586,8 @@
           <a:lstStyle/>
           <a:p>
             <a:r>
-              <a:rPr lang="pt-BR" dirty="0" err="1" smtClean="0"/>
-              <a:t>Idéia</a:t>
-            </a:r>
-            <a:r>
               <a:rPr lang="pt-BR" dirty="0" smtClean="0"/>
-              <a:t> </a:t>
+              <a:t>Ideia </a:t>
             </a:r>
             <a:r>
               <a:rPr lang="pt-BR" dirty="0" smtClean="0"/>
@@ -18091,7 +18605,7 @@
         </p:nvSpPr>
         <p:spPr>
           <a:xfrm>
-            <a:off x="6981292" y="4735069"/>
+            <a:off x="6977968" y="4709996"/>
             <a:ext cx="978408" cy="350115"/>
           </a:xfrm>
           <a:prstGeom prst="rightArrow">
@@ -18137,7 +18651,7 @@
         </p:nvSpPr>
         <p:spPr>
           <a:xfrm>
-            <a:off x="2033041" y="4365737"/>
+            <a:off x="2219670" y="4380903"/>
             <a:ext cx="902491" cy="369332"/>
           </a:xfrm>
           <a:prstGeom prst="rect">
@@ -18167,7 +18681,7 @@
         </p:nvSpPr>
         <p:spPr>
           <a:xfrm>
-            <a:off x="3930560" y="4365737"/>
+            <a:off x="4004546" y="4380903"/>
             <a:ext cx="292068" cy="369332"/>
           </a:xfrm>
           <a:prstGeom prst="rect">
@@ -18197,7 +18711,7 @@
         </p:nvSpPr>
         <p:spPr>
           <a:xfrm>
-            <a:off x="6865130" y="4372376"/>
+            <a:off x="6977968" y="4340664"/>
             <a:ext cx="1540743" cy="369332"/>
           </a:xfrm>
           <a:prstGeom prst="rect">
@@ -18213,11 +18727,7 @@
           <a:p>
             <a:r>
               <a:rPr lang="pt-BR" dirty="0" smtClean="0"/>
-              <a:t>Confirma </a:t>
-            </a:r>
-            <a:r>
-              <a:rPr lang="pt-BR" dirty="0" smtClean="0"/>
-              <a:t>ação</a:t>
+              <a:t>Confirma ação</a:t>
             </a:r>
             <a:endParaRPr lang="pt-BR" dirty="0"/>
           </a:p>
@@ -18253,6 +18763,50 @@
           </a:p>
         </p:txBody>
       </p:sp>
+      <p:pic>
+        <p:nvPicPr>
+          <p:cNvPr id="20" name="Picture 2" descr="https://cdn-images-1.medium.com/max/600/1*YHKQVfSqFafrXvGcc5wUuQ.png"/>
+          <p:cNvPicPr>
+            <a:picLocks noChangeAspect="1" noChangeArrowheads="1"/>
+          </p:cNvPicPr>
+          <p:nvPr/>
+        </p:nvPicPr>
+        <p:blipFill rotWithShape="1">
+          <a:blip r:embed="rId8">
+            <a:extLst>
+              <a:ext uri="{28A0092B-C50C-407E-A947-70E740481C1C}">
+                <a14:useLocalDpi xmlns:a14="http://schemas.microsoft.com/office/drawing/2010/main" val="0"/>
+              </a:ext>
+            </a:extLst>
+          </a:blip>
+          <a:srcRect b="11346"/>
+          <a:stretch/>
+        </p:blipFill>
+        <p:spPr bwMode="auto">
+          <a:xfrm>
+            <a:off x="0" y="-60521"/>
+            <a:ext cx="827584" cy="614104"/>
+          </a:xfrm>
+          <a:prstGeom prst="rect">
+            <a:avLst/>
+          </a:prstGeom>
+          <a:ln>
+            <a:noFill/>
+          </a:ln>
+          <a:effectLst>
+            <a:softEdge rad="112500"/>
+          </a:effectLst>
+          <a:extLst>
+            <a:ext uri="{909E8E84-426E-40DD-AFC4-6F175D3DCCD1}">
+              <a14:hiddenFill xmlns:a14="http://schemas.microsoft.com/office/drawing/2010/main">
+                <a:solidFill>
+                  <a:srgbClr val="FFFFFF"/>
+                </a:solidFill>
+              </a14:hiddenFill>
+            </a:ext>
+          </a:extLst>
+        </p:spPr>
+      </p:pic>
     </p:spTree>
     <p:extLst>
       <p:ext uri="{BB962C8B-B14F-4D97-AF65-F5344CB8AC3E}">
@@ -18273,7 +18827,7 @@
 </p:sld>
 </file>
 
-<file path=ppt/slides/slide3.xml><?xml version="1.0" encoding="utf-8"?>
+<file path=ppt/slides/slide4.xml><?xml version="1.0" encoding="utf-8"?>
 <p:sld xmlns:a="http://schemas.openxmlformats.org/drawingml/2006/main" xmlns:r="http://schemas.openxmlformats.org/officeDocument/2006/relationships" xmlns:p="http://schemas.openxmlformats.org/presentationml/2006/main">
   <p:cSld>
     <p:spTree>
@@ -18333,10 +18887,10 @@
           <a:lstStyle/>
           <a:p>
             <a:r>
-              <a:rPr lang="pt-BR" dirty="0" smtClean="0"/>
+              <a:rPr lang="pt-BR" sz="5400" dirty="0" smtClean="0"/>
               <a:t>Regras de negócio</a:t>
             </a:r>
-            <a:endParaRPr lang="pt-BR" dirty="0"/>
+            <a:endParaRPr lang="pt-BR" sz="5400" dirty="0"/>
           </a:p>
         </p:txBody>
       </p:sp>
@@ -18462,98 +19016,54 @@
           </a:p>
         </p:txBody>
       </p:sp>
-    </p:spTree>
-    <p:extLst>
-      <p:ext uri="{BB962C8B-B14F-4D97-AF65-F5344CB8AC3E}">
-        <p14:creationId xmlns:p14="http://schemas.microsoft.com/office/powerpoint/2010/main" val="2961304654"/>
-      </p:ext>
-    </p:extLst>
-  </p:cSld>
-  <p:clrMapOvr>
-    <a:masterClrMapping/>
-  </p:clrMapOvr>
-  <p:timing>
-    <p:tnLst>
-      <p:par>
-        <p:cTn id="1" dur="indefinite" restart="never" nodeType="tmRoot"/>
-      </p:par>
-    </p:tnLst>
-  </p:timing>
-</p:sld>
-</file>
-
-<file path=ppt/slides/slide4.xml><?xml version="1.0" encoding="utf-8"?>
-<p:sld xmlns:a="http://schemas.openxmlformats.org/drawingml/2006/main" xmlns:r="http://schemas.openxmlformats.org/officeDocument/2006/relationships" xmlns:p="http://schemas.openxmlformats.org/presentationml/2006/main">
-  <p:cSld>
-    <p:spTree>
-      <p:nvGrpSpPr>
-        <p:cNvPr id="1" name=""/>
-        <p:cNvGrpSpPr/>
-        <p:nvPr/>
-      </p:nvGrpSpPr>
-      <p:grpSpPr>
-        <a:xfrm>
-          <a:off x="0" y="0"/>
-          <a:ext cx="0" cy="0"/>
-          <a:chOff x="0" y="0"/>
-          <a:chExt cx="0" cy="0"/>
-        </a:xfrm>
-      </p:grpSpPr>
-      <p:sp>
-        <p:nvSpPr>
-          <p:cNvPr id="2" name="Título 1"/>
-          <p:cNvSpPr>
-            <a:spLocks noGrp="1"/>
-          </p:cNvSpPr>
-          <p:nvPr>
-            <p:ph type="title"/>
-          </p:nvPr>
-        </p:nvSpPr>
-        <p:spPr/>
-        <p:txBody>
-          <a:bodyPr/>
-          <a:lstStyle/>
-          <a:p>
-            <a:r>
-              <a:rPr lang="pt-BR" dirty="0" smtClean="0"/>
-              <a:t>MVP</a:t>
-            </a:r>
-            <a:endParaRPr lang="pt-BR" dirty="0"/>
-          </a:p>
-        </p:txBody>
-      </p:sp>
       <p:pic>
         <p:nvPicPr>
-          <p:cNvPr id="6" name="Espaço Reservado para Conteúdo 5"/>
+          <p:cNvPr id="7" name="Picture 2" descr="https://cdn-images-1.medium.com/max/600/1*YHKQVfSqFafrXvGcc5wUuQ.png"/>
           <p:cNvPicPr>
-            <a:picLocks noGrp="1" noChangeAspect="1"/>
+            <a:picLocks noChangeAspect="1" noChangeArrowheads="1"/>
           </p:cNvPicPr>
-          <p:nvPr>
-            <p:ph idx="1"/>
-          </p:nvPr>
+          <p:nvPr/>
         </p:nvPicPr>
         <p:blipFill rotWithShape="1">
-          <a:blip r:embed="rId2" cstate="print">
+          <a:blip r:embed="rId7">
             <a:extLst>
               <a:ext uri="{28A0092B-C50C-407E-A947-70E740481C1C}">
                 <a14:useLocalDpi xmlns:a14="http://schemas.microsoft.com/office/drawing/2010/main" val="0"/>
               </a:ext>
             </a:extLst>
           </a:blip>
-          <a:srcRect t="8253" r="1162" b="15291"/>
+          <a:srcRect b="11346"/>
           <a:stretch/>
         </p:blipFill>
-        <p:spPr>
+        <p:spPr bwMode="auto">
           <a:xfrm>
-            <a:off x="1187624" y="1268760"/>
-            <a:ext cx="6120680" cy="5400600"/>
+            <a:off x="0" y="-60521"/>
+            <a:ext cx="827584" cy="614104"/>
           </a:xfrm>
+          <a:prstGeom prst="rect">
+            <a:avLst/>
+          </a:prstGeom>
+          <a:ln>
+            <a:noFill/>
+          </a:ln>
+          <a:effectLst>
+            <a:softEdge rad="112500"/>
+          </a:effectLst>
+          <a:extLst>
+            <a:ext uri="{909E8E84-426E-40DD-AFC4-6F175D3DCCD1}">
+              <a14:hiddenFill xmlns:a14="http://schemas.microsoft.com/office/drawing/2010/main">
+                <a:solidFill>
+                  <a:srgbClr val="FFFFFF"/>
+                </a:solidFill>
+              </a14:hiddenFill>
+            </a:ext>
+          </a:extLst>
         </p:spPr>
       </p:pic>
     </p:spTree>
     <p:extLst>
       <p:ext uri="{BB962C8B-B14F-4D97-AF65-F5344CB8AC3E}">
-        <p14:creationId xmlns:p14="http://schemas.microsoft.com/office/powerpoint/2010/main" val="1686287847"/>
+        <p14:creationId xmlns:p14="http://schemas.microsoft.com/office/powerpoint/2010/main" val="2961304654"/>
       </p:ext>
     </p:extLst>
   </p:cSld>
@@ -18602,33 +19112,90 @@
           <a:bodyPr/>
           <a:lstStyle/>
           <a:p>
-            <a:endParaRPr lang="pt-BR"/>
+            <a:r>
+              <a:rPr lang="pt-BR" sz="5400" dirty="0" smtClean="0"/>
+              <a:t>MVP</a:t>
+            </a:r>
+            <a:endParaRPr lang="pt-BR" sz="5400" dirty="0"/>
           </a:p>
         </p:txBody>
       </p:sp>
-      <p:sp>
-        <p:nvSpPr>
-          <p:cNvPr id="3" name="Espaço Reservado para Conteúdo 2"/>
-          <p:cNvSpPr>
-            <a:spLocks noGrp="1"/>
-          </p:cNvSpPr>
+      <p:pic>
+        <p:nvPicPr>
+          <p:cNvPr id="6" name="Espaço Reservado para Conteúdo 5"/>
+          <p:cNvPicPr>
+            <a:picLocks noGrp="1" noChangeAspect="1"/>
+          </p:cNvPicPr>
           <p:nvPr>
             <p:ph idx="1"/>
           </p:nvPr>
-        </p:nvSpPr>
-        <p:spPr/>
-        <p:txBody>
-          <a:bodyPr/>
-          <a:lstStyle/>
-          <a:p>
-            <a:endParaRPr lang="pt-BR"/>
-          </a:p>
-        </p:txBody>
-      </p:sp>
+        </p:nvPicPr>
+        <p:blipFill rotWithShape="1">
+          <a:blip r:embed="rId2" cstate="print">
+            <a:extLst>
+              <a:ext uri="{28A0092B-C50C-407E-A947-70E740481C1C}">
+                <a14:useLocalDpi xmlns:a14="http://schemas.microsoft.com/office/drawing/2010/main" val="0"/>
+              </a:ext>
+            </a:extLst>
+          </a:blip>
+          <a:srcRect t="8253" r="1162" b="15291"/>
+          <a:stretch/>
+        </p:blipFill>
+        <p:spPr>
+          <a:xfrm>
+            <a:off x="1619672" y="1700808"/>
+            <a:ext cx="6120680" cy="4752528"/>
+          </a:xfrm>
+        </p:spPr>
+      </p:pic>
+      <p:pic>
+        <p:nvPicPr>
+          <p:cNvPr id="4" name="Picture 2" descr="https://cdn-images-1.medium.com/max/600/1*YHKQVfSqFafrXvGcc5wUuQ.png"/>
+          <p:cNvPicPr>
+            <a:picLocks noChangeAspect="1" noChangeArrowheads="1"/>
+          </p:cNvPicPr>
+          <p:nvPr/>
+        </p:nvPicPr>
+        <p:blipFill rotWithShape="1">
+          <a:blip r:embed="rId3">
+            <a:extLst>
+              <a:ext uri="{28A0092B-C50C-407E-A947-70E740481C1C}">
+                <a14:useLocalDpi xmlns:a14="http://schemas.microsoft.com/office/drawing/2010/main" val="0"/>
+              </a:ext>
+            </a:extLst>
+          </a:blip>
+          <a:srcRect b="11346"/>
+          <a:stretch/>
+        </p:blipFill>
+        <p:spPr bwMode="auto">
+          <a:xfrm>
+            <a:off x="0" y="-60521"/>
+            <a:ext cx="827584" cy="614104"/>
+          </a:xfrm>
+          <a:prstGeom prst="rect">
+            <a:avLst/>
+          </a:prstGeom>
+          <a:ln>
+            <a:noFill/>
+          </a:ln>
+          <a:effectLst>
+            <a:softEdge rad="112500"/>
+          </a:effectLst>
+          <a:extLst>
+            <a:ext uri="{909E8E84-426E-40DD-AFC4-6F175D3DCCD1}">
+              <a14:hiddenFill xmlns:a14="http://schemas.microsoft.com/office/drawing/2010/main">
+                <a:solidFill>
+                  <a:srgbClr val="FFFFFF"/>
+                </a:solidFill>
+              </a14:hiddenFill>
+            </a:ext>
+          </a:extLst>
+        </p:spPr>
+      </p:pic>
     </p:spTree>
     <p:extLst>
       <p:ext uri="{BB962C8B-B14F-4D97-AF65-F5344CB8AC3E}">
-        <p14:creationId xmlns:p14="http://schemas.microsoft.com/office/powerpoint/2010/main" val="2358521325"/>
+        <p14:creationId xmlns:p14="http://schemas.microsoft.com/office/powerpoint/2010/main" val="1686287847"/>
       </p:ext>
     </p:extLst>
   </p:cSld>
@@ -18677,7 +19244,7 @@
           <a:bodyPr/>
           <a:lstStyle/>
           <a:p>
-            <a:endParaRPr lang="pt-BR"/>
+            <a:endParaRPr lang="pt-BR" sz="5400" dirty="0"/>
           </a:p>
         </p:txBody>
       </p:sp>
@@ -18700,10 +19267,54 @@
           </a:p>
         </p:txBody>
       </p:sp>
+      <p:pic>
+        <p:nvPicPr>
+          <p:cNvPr id="4" name="Picture 2" descr="https://cdn-images-1.medium.com/max/600/1*YHKQVfSqFafrXvGcc5wUuQ.png"/>
+          <p:cNvPicPr>
+            <a:picLocks noChangeAspect="1" noChangeArrowheads="1"/>
+          </p:cNvPicPr>
+          <p:nvPr/>
+        </p:nvPicPr>
+        <p:blipFill rotWithShape="1">
+          <a:blip r:embed="rId2">
+            <a:extLst>
+              <a:ext uri="{28A0092B-C50C-407E-A947-70E740481C1C}">
+                <a14:useLocalDpi xmlns:a14="http://schemas.microsoft.com/office/drawing/2010/main" val="0"/>
+              </a:ext>
+            </a:extLst>
+          </a:blip>
+          <a:srcRect b="11346"/>
+          <a:stretch/>
+        </p:blipFill>
+        <p:spPr bwMode="auto">
+          <a:xfrm>
+            <a:off x="0" y="-60521"/>
+            <a:ext cx="827584" cy="614104"/>
+          </a:xfrm>
+          <a:prstGeom prst="rect">
+            <a:avLst/>
+          </a:prstGeom>
+          <a:ln>
+            <a:noFill/>
+          </a:ln>
+          <a:effectLst>
+            <a:softEdge rad="112500"/>
+          </a:effectLst>
+          <a:extLst>
+            <a:ext uri="{909E8E84-426E-40DD-AFC4-6F175D3DCCD1}">
+              <a14:hiddenFill xmlns:a14="http://schemas.microsoft.com/office/drawing/2010/main">
+                <a:solidFill>
+                  <a:srgbClr val="FFFFFF"/>
+                </a:solidFill>
+              </a14:hiddenFill>
+            </a:ext>
+          </a:extLst>
+        </p:spPr>
+      </p:pic>
     </p:spTree>
     <p:extLst>
       <p:ext uri="{BB962C8B-B14F-4D97-AF65-F5344CB8AC3E}">
-        <p14:creationId xmlns:p14="http://schemas.microsoft.com/office/powerpoint/2010/main" val="3490049079"/>
+        <p14:creationId xmlns:p14="http://schemas.microsoft.com/office/powerpoint/2010/main" val="2358521325"/>
       </p:ext>
     </p:extLst>
   </p:cSld>
@@ -18721,9 +19332,9 @@
 </file>
 
 <file path=ppt/theme/theme1.xml><?xml version="1.0" encoding="utf-8"?>
-<a:theme xmlns:a="http://schemas.openxmlformats.org/drawingml/2006/main" name="Tema do Office">
+<a:theme xmlns:a="http://schemas.openxmlformats.org/drawingml/2006/main" name="Executivo">
   <a:themeElements>
-    <a:clrScheme name="Escritório">
+    <a:clrScheme name="Executivo">
       <a:dk1>
         <a:sysClr val="windowText" lastClr="000000"/>
       </a:dk1>
@@ -18731,48 +19342,83 @@
         <a:sysClr val="window" lastClr="FFFFFF"/>
       </a:lt1>
       <a:dk2>
-        <a:srgbClr val="1F497D"/>
+        <a:srgbClr val="2F5897"/>
       </a:dk2>
       <a:lt2>
-        <a:srgbClr val="EEECE1"/>
+        <a:srgbClr val="E4E9EF"/>
       </a:lt2>
       <a:accent1>
-        <a:srgbClr val="4F81BD"/>
+        <a:srgbClr val="6076B4"/>
       </a:accent1>
       <a:accent2>
-        <a:srgbClr val="C0504D"/>
+        <a:srgbClr val="9C5252"/>
       </a:accent2>
       <a:accent3>
-        <a:srgbClr val="9BBB59"/>
+        <a:srgbClr val="E68422"/>
       </a:accent3>
       <a:accent4>
-        <a:srgbClr val="8064A2"/>
+        <a:srgbClr val="846648"/>
       </a:accent4>
       <a:accent5>
-        <a:srgbClr val="4BACC6"/>
+        <a:srgbClr val="63891F"/>
       </a:accent5>
       <a:accent6>
-        <a:srgbClr val="F79646"/>
+        <a:srgbClr val="758085"/>
       </a:accent6>
       <a:hlink>
-        <a:srgbClr val="0000FF"/>
+        <a:srgbClr val="3399FF"/>
       </a:hlink>
       <a:folHlink>
-        <a:srgbClr val="800080"/>
+        <a:srgbClr val="B2B2B2"/>
       </a:folHlink>
     </a:clrScheme>
-    <a:fontScheme name="Escritório">
+    <a:fontScheme name="Executivo">
       <a:majorFont>
-        <a:latin typeface="Calibri"/>
+        <a:latin typeface="Century Gothic"/>
         <a:ea typeface=""/>
         <a:cs typeface=""/>
-        <a:font script="Jpan" typeface="ＭＳ Ｐゴシック"/>
+        <a:font script="Jpan" typeface="HGｺﾞｼｯｸM"/>
+        <a:font script="Hang" typeface="HY중고딕"/>
+        <a:font script="Hans" typeface="幼圆"/>
+        <a:font script="Hant" typeface="微軟正黑體"/>
+        <a:font script="Arab" typeface="Tahoma"/>
+        <a:font script="Hebr" typeface="Gisha"/>
+        <a:font script="Thai" typeface="DilleniaUPC"/>
+        <a:font script="Ethi" typeface="Nyala"/>
+        <a:font script="Beng" typeface="Vrinda"/>
+        <a:font script="Gujr" typeface="Shruti"/>
+        <a:font script="Khmr" typeface="DaunPenh"/>
+        <a:font script="Knda" typeface="Tunga"/>
+        <a:font script="Guru" typeface="Raavi"/>
+        <a:font script="Cans" typeface="Euphemia"/>
+        <a:font script="Cher" typeface="Plantagenet Cherokee"/>
+        <a:font script="Yiii" typeface="Microsoft Yi Baiti"/>
+        <a:font script="Tibt" typeface="Microsoft Himalaya"/>
+        <a:font script="Thaa" typeface="MV Boli"/>
+        <a:font script="Deva" typeface="Mangal"/>
+        <a:font script="Telu" typeface="Gautami"/>
+        <a:font script="Taml" typeface="Latha"/>
+        <a:font script="Syrc" typeface="Estrangelo Edessa"/>
+        <a:font script="Orya" typeface="Kalinga"/>
+        <a:font script="Mlym" typeface="Kartika"/>
+        <a:font script="Laoo" typeface="DokChampa"/>
+        <a:font script="Sinh" typeface="Iskoola Pota"/>
+        <a:font script="Mong" typeface="Mongolian Baiti"/>
+        <a:font script="Viet" typeface="Tahoma"/>
+        <a:font script="Uigh" typeface="Microsoft Uighur"/>
+        <a:font script="Geor" typeface="Sylfaen"/>
+      </a:majorFont>
+      <a:minorFont>
+        <a:latin typeface="Palatino Linotype"/>
+        <a:ea typeface=""/>
+        <a:cs typeface=""/>
+        <a:font script="Jpan" typeface="HGS明朝E"/>
         <a:font script="Hang" typeface="맑은 고딕"/>
         <a:font script="Hans" typeface="宋体"/>
         <a:font script="Hant" typeface="新細明體"/>
         <a:font script="Arab" typeface="Times New Roman"/>
         <a:font script="Hebr" typeface="Times New Roman"/>
-        <a:font script="Thai" typeface="Angsana New"/>
+        <a:font script="Thai" typeface="Browallia New"/>
         <a:font script="Ethi" typeface="Nyala"/>
         <a:font script="Beng" typeface="Vrinda"/>
         <a:font script="Gujr" typeface="Shruti"/>
@@ -18796,44 +19442,9 @@
         <a:font script="Viet" typeface="Times New Roman"/>
         <a:font script="Uigh" typeface="Microsoft Uighur"/>
         <a:font script="Geor" typeface="Sylfaen"/>
-      </a:majorFont>
-      <a:minorFont>
-        <a:latin typeface="Calibri"/>
-        <a:ea typeface=""/>
-        <a:cs typeface=""/>
-        <a:font script="Jpan" typeface="ＭＳ Ｐゴシック"/>
-        <a:font script="Hang" typeface="맑은 고딕"/>
-        <a:font script="Hans" typeface="宋体"/>
-        <a:font script="Hant" typeface="新細明體"/>
-        <a:font script="Arab" typeface="Arial"/>
-        <a:font script="Hebr" typeface="Arial"/>
-        <a:font script="Thai" typeface="Cordia New"/>
-        <a:font script="Ethi" typeface="Nyala"/>
-        <a:font script="Beng" typeface="Vrinda"/>
-        <a:font script="Gujr" typeface="Shruti"/>
-        <a:font script="Khmr" typeface="DaunPenh"/>
-        <a:font script="Knda" typeface="Tunga"/>
-        <a:font script="Guru" typeface="Raavi"/>
-        <a:font script="Cans" typeface="Euphemia"/>
-        <a:font script="Cher" typeface="Plantagenet Cherokee"/>
-        <a:font script="Yiii" typeface="Microsoft Yi Baiti"/>
-        <a:font script="Tibt" typeface="Microsoft Himalaya"/>
-        <a:font script="Thaa" typeface="MV Boli"/>
-        <a:font script="Deva" typeface="Mangal"/>
-        <a:font script="Telu" typeface="Gautami"/>
-        <a:font script="Taml" typeface="Latha"/>
-        <a:font script="Syrc" typeface="Estrangelo Edessa"/>
-        <a:font script="Orya" typeface="Kalinga"/>
-        <a:font script="Mlym" typeface="Kartika"/>
-        <a:font script="Laoo" typeface="DokChampa"/>
-        <a:font script="Sinh" typeface="Iskoola Pota"/>
-        <a:font script="Mong" typeface="Mongolian Baiti"/>
-        <a:font script="Viet" typeface="Arial"/>
-        <a:font script="Uigh" typeface="Microsoft Uighur"/>
-        <a:font script="Geor" typeface="Sylfaen"/>
       </a:minorFont>
     </a:fontScheme>
-    <a:fmtScheme name="Escritório">
+    <a:fmtScheme name="Executivo">
       <a:fillStyleLst>
         <a:solidFill>
           <a:schemeClr val="phClr"/>
@@ -18895,13 +19506,13 @@
           </a:solidFill>
           <a:prstDash val="solid"/>
         </a:ln>
-        <a:ln w="25400" cap="flat" cmpd="sng" algn="ctr">
+        <a:ln w="28575" cap="flat" cmpd="sng" algn="ctr">
           <a:solidFill>
             <a:schemeClr val="phClr"/>
           </a:solidFill>
           <a:prstDash val="solid"/>
         </a:ln>
-        <a:ln w="38100" cap="flat" cmpd="sng" algn="ctr">
+        <a:ln w="50800" cap="flat" cmpd="sng" algn="ctr">
           <a:solidFill>
             <a:schemeClr val="phClr"/>
           </a:solidFill>
@@ -18954,42 +19565,24 @@
         </a:solidFill>
         <a:gradFill rotWithShape="1">
           <a:gsLst>
-            <a:gs pos="0">
+            <a:gs pos="50000">
               <a:schemeClr val="phClr">
-                <a:tint val="40000"/>
-                <a:satMod val="350000"/>
+                <a:tint val="80000"/>
+                <a:satMod val="250000"/>
               </a:schemeClr>
             </a:gs>
-            <a:gs pos="40000">
+            <a:gs pos="76000">
               <a:schemeClr val="phClr">
-                <a:tint val="45000"/>
-                <a:shade val="99000"/>
-                <a:satMod val="350000"/>
+                <a:tint val="90000"/>
+                <a:shade val="90000"/>
+                <a:satMod val="200000"/>
               </a:schemeClr>
             </a:gs>
-            <a:gs pos="100000">
+            <a:gs pos="92000">
               <a:schemeClr val="phClr">
-                <a:shade val="20000"/>
-                <a:satMod val="255000"/>
-              </a:schemeClr>
-            </a:gs>
-          </a:gsLst>
-          <a:path path="circle">
-            <a:fillToRect l="50000" t="-80000" r="50000" b="180000"/>
-          </a:path>
-        </a:gradFill>
-        <a:gradFill rotWithShape="1">
-          <a:gsLst>
-            <a:gs pos="0">
-              <a:schemeClr val="phClr">
-                <a:tint val="80000"/>
-                <a:satMod val="300000"/>
-              </a:schemeClr>
-            </a:gs>
-            <a:gs pos="100000">
-              <a:schemeClr val="phClr">
-                <a:shade val="30000"/>
-                <a:satMod val="200000"/>
+                <a:tint val="90000"/>
+                <a:shade val="70000"/>
+                <a:satMod val="250000"/>
               </a:schemeClr>
             </a:gs>
           </a:gsLst>
@@ -18997,6 +19590,19 @@
             <a:fillToRect l="50000" t="50000" r="50000" b="50000"/>
           </a:path>
         </a:gradFill>
+        <a:blipFill>
+          <a:blip xmlns:r="http://schemas.openxmlformats.org/officeDocument/2006/relationships" r:embed="rId1">
+            <a:duotone>
+              <a:schemeClr val="phClr">
+                <a:tint val="95000"/>
+              </a:schemeClr>
+              <a:schemeClr val="phClr">
+                <a:shade val="90000"/>
+              </a:schemeClr>
+            </a:duotone>
+          </a:blip>
+          <a:tile tx="0" ty="0" sx="100000" sy="100000" flip="none" algn="tl"/>
+        </a:blipFill>
       </a:bgFillStyleLst>
     </a:fmtScheme>
   </a:themeElements>

--- a/Ppt.pptx
+++ b/Ppt.pptx
@@ -111,7 +111,7 @@
   </p:defaultTextStyle>
   <p:extLst>
     <p:ext uri="{EFAFB233-063F-42B5-8137-9DF3F51BA10A}">
-      <p15:sldGuideLst xmlns:p15="http://schemas.microsoft.com/office/powerpoint/2012/main" xmlns="">
+      <p15:sldGuideLst xmlns="" xmlns:p15="http://schemas.microsoft.com/office/powerpoint/2012/main">
         <p15:guide id="1" orient="horz" pos="2160">
           <p15:clr>
             <a:srgbClr val="A4A3A4"/>
@@ -2370,6 +2370,753 @@
 </file>
 
 <file path=ppt/diagrams/colors4.xml><?xml version="1.0" encoding="utf-8"?>
+<dgm:colorsDef xmlns:dgm="http://schemas.openxmlformats.org/drawingml/2006/diagram" xmlns:a="http://schemas.openxmlformats.org/drawingml/2006/main" uniqueId="urn:microsoft.com/office/officeart/2005/8/colors/accent1_2">
+  <dgm:title val=""/>
+  <dgm:desc val=""/>
+  <dgm:catLst>
+    <dgm:cat type="accent1" pri="11200"/>
+  </dgm:catLst>
+  <dgm:styleLbl name="node0">
+    <dgm:fillClrLst meth="repeat">
+      <a:schemeClr val="accent1"/>
+    </dgm:fillClrLst>
+    <dgm:linClrLst meth="repeat">
+      <a:schemeClr val="lt1"/>
+    </dgm:linClrLst>
+    <dgm:effectClrLst/>
+    <dgm:txLinClrLst/>
+    <dgm:txFillClrLst/>
+    <dgm:txEffectClrLst/>
+  </dgm:styleLbl>
+  <dgm:styleLbl name="alignNode1">
+    <dgm:fillClrLst meth="repeat">
+      <a:schemeClr val="accent1"/>
+    </dgm:fillClrLst>
+    <dgm:linClrLst meth="repeat">
+      <a:schemeClr val="accent1"/>
+    </dgm:linClrLst>
+    <dgm:effectClrLst/>
+    <dgm:txLinClrLst/>
+    <dgm:txFillClrLst/>
+    <dgm:txEffectClrLst/>
+  </dgm:styleLbl>
+  <dgm:styleLbl name="node1">
+    <dgm:fillClrLst meth="repeat">
+      <a:schemeClr val="accent1"/>
+    </dgm:fillClrLst>
+    <dgm:linClrLst meth="repeat">
+      <a:schemeClr val="lt1"/>
+    </dgm:linClrLst>
+    <dgm:effectClrLst/>
+    <dgm:txLinClrLst/>
+    <dgm:txFillClrLst/>
+    <dgm:txEffectClrLst/>
+  </dgm:styleLbl>
+  <dgm:styleLbl name="lnNode1">
+    <dgm:fillClrLst meth="repeat">
+      <a:schemeClr val="accent1"/>
+    </dgm:fillClrLst>
+    <dgm:linClrLst meth="repeat">
+      <a:schemeClr val="lt1"/>
+    </dgm:linClrLst>
+    <dgm:effectClrLst/>
+    <dgm:txLinClrLst/>
+    <dgm:txFillClrLst/>
+    <dgm:txEffectClrLst/>
+  </dgm:styleLbl>
+  <dgm:styleLbl name="vennNode1">
+    <dgm:fillClrLst meth="repeat">
+      <a:schemeClr val="accent1">
+        <a:alpha val="50000"/>
+      </a:schemeClr>
+    </dgm:fillClrLst>
+    <dgm:linClrLst meth="repeat">
+      <a:schemeClr val="lt1"/>
+    </dgm:linClrLst>
+    <dgm:effectClrLst/>
+    <dgm:txLinClrLst/>
+    <dgm:txFillClrLst/>
+    <dgm:txEffectClrLst/>
+  </dgm:styleLbl>
+  <dgm:styleLbl name="node2">
+    <dgm:fillClrLst meth="repeat">
+      <a:schemeClr val="accent1"/>
+    </dgm:fillClrLst>
+    <dgm:linClrLst meth="repeat">
+      <a:schemeClr val="lt1"/>
+    </dgm:linClrLst>
+    <dgm:effectClrLst/>
+    <dgm:txLinClrLst/>
+    <dgm:txFillClrLst/>
+    <dgm:txEffectClrLst/>
+  </dgm:styleLbl>
+  <dgm:styleLbl name="node3">
+    <dgm:fillClrLst meth="repeat">
+      <a:schemeClr val="accent1"/>
+    </dgm:fillClrLst>
+    <dgm:linClrLst meth="repeat">
+      <a:schemeClr val="lt1"/>
+    </dgm:linClrLst>
+    <dgm:effectClrLst/>
+    <dgm:txLinClrLst/>
+    <dgm:txFillClrLst/>
+    <dgm:txEffectClrLst/>
+  </dgm:styleLbl>
+  <dgm:styleLbl name="node4">
+    <dgm:fillClrLst meth="repeat">
+      <a:schemeClr val="accent1"/>
+    </dgm:fillClrLst>
+    <dgm:linClrLst meth="repeat">
+      <a:schemeClr val="lt1"/>
+    </dgm:linClrLst>
+    <dgm:effectClrLst/>
+    <dgm:txLinClrLst/>
+    <dgm:txFillClrLst/>
+    <dgm:txEffectClrLst/>
+  </dgm:styleLbl>
+  <dgm:styleLbl name="fgImgPlace1">
+    <dgm:fillClrLst meth="repeat">
+      <a:schemeClr val="accent1">
+        <a:tint val="50000"/>
+      </a:schemeClr>
+    </dgm:fillClrLst>
+    <dgm:linClrLst meth="repeat">
+      <a:schemeClr val="lt1"/>
+    </dgm:linClrLst>
+    <dgm:effectClrLst/>
+    <dgm:txLinClrLst/>
+    <dgm:txFillClrLst meth="repeat">
+      <a:schemeClr val="lt1"/>
+    </dgm:txFillClrLst>
+    <dgm:txEffectClrLst/>
+  </dgm:styleLbl>
+  <dgm:styleLbl name="alignImgPlace1">
+    <dgm:fillClrLst meth="repeat">
+      <a:schemeClr val="accent1">
+        <a:tint val="50000"/>
+      </a:schemeClr>
+    </dgm:fillClrLst>
+    <dgm:linClrLst meth="repeat">
+      <a:schemeClr val="lt1"/>
+    </dgm:linClrLst>
+    <dgm:effectClrLst/>
+    <dgm:txLinClrLst/>
+    <dgm:txFillClrLst meth="repeat">
+      <a:schemeClr val="lt1"/>
+    </dgm:txFillClrLst>
+    <dgm:txEffectClrLst/>
+  </dgm:styleLbl>
+  <dgm:styleLbl name="bgImgPlace1">
+    <dgm:fillClrLst meth="repeat">
+      <a:schemeClr val="accent1">
+        <a:tint val="50000"/>
+      </a:schemeClr>
+    </dgm:fillClrLst>
+    <dgm:linClrLst meth="repeat">
+      <a:schemeClr val="lt1"/>
+    </dgm:linClrLst>
+    <dgm:effectClrLst/>
+    <dgm:txLinClrLst/>
+    <dgm:txFillClrLst meth="repeat">
+      <a:schemeClr val="lt1"/>
+    </dgm:txFillClrLst>
+    <dgm:txEffectClrLst/>
+  </dgm:styleLbl>
+  <dgm:styleLbl name="sibTrans2D1">
+    <dgm:fillClrLst meth="repeat">
+      <a:schemeClr val="accent1">
+        <a:tint val="60000"/>
+      </a:schemeClr>
+    </dgm:fillClrLst>
+    <dgm:linClrLst meth="repeat">
+      <a:schemeClr val="accent1">
+        <a:tint val="60000"/>
+      </a:schemeClr>
+    </dgm:linClrLst>
+    <dgm:effectClrLst/>
+    <dgm:txLinClrLst/>
+    <dgm:txFillClrLst/>
+    <dgm:txEffectClrLst/>
+  </dgm:styleLbl>
+  <dgm:styleLbl name="fgSibTrans2D1">
+    <dgm:fillClrLst meth="repeat">
+      <a:schemeClr val="accent1">
+        <a:tint val="60000"/>
+      </a:schemeClr>
+    </dgm:fillClrLst>
+    <dgm:linClrLst meth="repeat">
+      <a:schemeClr val="accent1">
+        <a:tint val="60000"/>
+      </a:schemeClr>
+    </dgm:linClrLst>
+    <dgm:effectClrLst/>
+    <dgm:txLinClrLst/>
+    <dgm:txFillClrLst/>
+    <dgm:txEffectClrLst/>
+  </dgm:styleLbl>
+  <dgm:styleLbl name="bgSibTrans2D1">
+    <dgm:fillClrLst meth="repeat">
+      <a:schemeClr val="accent1">
+        <a:tint val="60000"/>
+      </a:schemeClr>
+    </dgm:fillClrLst>
+    <dgm:linClrLst meth="repeat">
+      <a:schemeClr val="accent1">
+        <a:tint val="60000"/>
+      </a:schemeClr>
+    </dgm:linClrLst>
+    <dgm:effectClrLst/>
+    <dgm:txLinClrLst/>
+    <dgm:txFillClrLst/>
+    <dgm:txEffectClrLst/>
+  </dgm:styleLbl>
+  <dgm:styleLbl name="sibTrans1D1">
+    <dgm:fillClrLst meth="repeat">
+      <a:schemeClr val="accent1"/>
+    </dgm:fillClrLst>
+    <dgm:linClrLst meth="repeat">
+      <a:schemeClr val="accent1"/>
+    </dgm:linClrLst>
+    <dgm:effectClrLst/>
+    <dgm:txLinClrLst/>
+    <dgm:txFillClrLst meth="repeat">
+      <a:schemeClr val="tx1"/>
+    </dgm:txFillClrLst>
+    <dgm:txEffectClrLst/>
+  </dgm:styleLbl>
+  <dgm:styleLbl name="callout">
+    <dgm:fillClrLst meth="repeat">
+      <a:schemeClr val="accent1"/>
+    </dgm:fillClrLst>
+    <dgm:linClrLst meth="repeat">
+      <a:schemeClr val="accent1">
+        <a:tint val="50000"/>
+      </a:schemeClr>
+    </dgm:linClrLst>
+    <dgm:effectClrLst/>
+    <dgm:txLinClrLst/>
+    <dgm:txFillClrLst meth="repeat">
+      <a:schemeClr val="tx1"/>
+    </dgm:txFillClrLst>
+    <dgm:txEffectClrLst/>
+  </dgm:styleLbl>
+  <dgm:styleLbl name="asst0">
+    <dgm:fillClrLst meth="repeat">
+      <a:schemeClr val="accent1"/>
+    </dgm:fillClrLst>
+    <dgm:linClrLst meth="repeat">
+      <a:schemeClr val="lt1"/>
+    </dgm:linClrLst>
+    <dgm:effectClrLst/>
+    <dgm:txLinClrLst/>
+    <dgm:txFillClrLst/>
+    <dgm:txEffectClrLst/>
+  </dgm:styleLbl>
+  <dgm:styleLbl name="asst1">
+    <dgm:fillClrLst meth="repeat">
+      <a:schemeClr val="accent1"/>
+    </dgm:fillClrLst>
+    <dgm:linClrLst meth="repeat">
+      <a:schemeClr val="lt1"/>
+    </dgm:linClrLst>
+    <dgm:effectClrLst/>
+    <dgm:txLinClrLst/>
+    <dgm:txFillClrLst/>
+    <dgm:txEffectClrLst/>
+  </dgm:styleLbl>
+  <dgm:styleLbl name="asst2">
+    <dgm:fillClrLst meth="repeat">
+      <a:schemeClr val="accent1"/>
+    </dgm:fillClrLst>
+    <dgm:linClrLst meth="repeat">
+      <a:schemeClr val="lt1"/>
+    </dgm:linClrLst>
+    <dgm:effectClrLst/>
+    <dgm:txLinClrLst/>
+    <dgm:txFillClrLst/>
+    <dgm:txEffectClrLst/>
+  </dgm:styleLbl>
+  <dgm:styleLbl name="asst3">
+    <dgm:fillClrLst meth="repeat">
+      <a:schemeClr val="accent1"/>
+    </dgm:fillClrLst>
+    <dgm:linClrLst meth="repeat">
+      <a:schemeClr val="lt1"/>
+    </dgm:linClrLst>
+    <dgm:effectClrLst/>
+    <dgm:txLinClrLst/>
+    <dgm:txFillClrLst/>
+    <dgm:txEffectClrLst/>
+  </dgm:styleLbl>
+  <dgm:styleLbl name="asst4">
+    <dgm:fillClrLst meth="repeat">
+      <a:schemeClr val="accent1"/>
+    </dgm:fillClrLst>
+    <dgm:linClrLst meth="repeat">
+      <a:schemeClr val="lt1"/>
+    </dgm:linClrLst>
+    <dgm:effectClrLst/>
+    <dgm:txLinClrLst/>
+    <dgm:txFillClrLst/>
+    <dgm:txEffectClrLst/>
+  </dgm:styleLbl>
+  <dgm:styleLbl name="parChTrans2D1">
+    <dgm:fillClrLst meth="repeat">
+      <a:schemeClr val="accent1">
+        <a:tint val="60000"/>
+      </a:schemeClr>
+    </dgm:fillClrLst>
+    <dgm:linClrLst meth="repeat">
+      <a:schemeClr val="accent1">
+        <a:tint val="60000"/>
+      </a:schemeClr>
+    </dgm:linClrLst>
+    <dgm:effectClrLst/>
+    <dgm:txLinClrLst/>
+    <dgm:txFillClrLst meth="repeat">
+      <a:schemeClr val="lt1"/>
+    </dgm:txFillClrLst>
+    <dgm:txEffectClrLst/>
+  </dgm:styleLbl>
+  <dgm:styleLbl name="parChTrans2D2">
+    <dgm:fillClrLst meth="repeat">
+      <a:schemeClr val="accent1"/>
+    </dgm:fillClrLst>
+    <dgm:linClrLst meth="repeat">
+      <a:schemeClr val="accent1"/>
+    </dgm:linClrLst>
+    <dgm:effectClrLst/>
+    <dgm:txLinClrLst/>
+    <dgm:txFillClrLst meth="repeat">
+      <a:schemeClr val="lt1"/>
+    </dgm:txFillClrLst>
+    <dgm:txEffectClrLst/>
+  </dgm:styleLbl>
+  <dgm:styleLbl name="parChTrans2D3">
+    <dgm:fillClrLst meth="repeat">
+      <a:schemeClr val="accent1"/>
+    </dgm:fillClrLst>
+    <dgm:linClrLst meth="repeat">
+      <a:schemeClr val="accent1"/>
+    </dgm:linClrLst>
+    <dgm:effectClrLst/>
+    <dgm:txLinClrLst/>
+    <dgm:txFillClrLst meth="repeat">
+      <a:schemeClr val="lt1"/>
+    </dgm:txFillClrLst>
+    <dgm:txEffectClrLst/>
+  </dgm:styleLbl>
+  <dgm:styleLbl name="parChTrans2D4">
+    <dgm:fillClrLst meth="repeat">
+      <a:schemeClr val="accent1"/>
+    </dgm:fillClrLst>
+    <dgm:linClrLst meth="repeat">
+      <a:schemeClr val="accent1"/>
+    </dgm:linClrLst>
+    <dgm:effectClrLst/>
+    <dgm:txLinClrLst/>
+    <dgm:txFillClrLst meth="repeat">
+      <a:schemeClr val="lt1"/>
+    </dgm:txFillClrLst>
+    <dgm:txEffectClrLst/>
+  </dgm:styleLbl>
+  <dgm:styleLbl name="parChTrans1D1">
+    <dgm:fillClrLst meth="repeat">
+      <a:schemeClr val="accent1"/>
+    </dgm:fillClrLst>
+    <dgm:linClrLst meth="repeat">
+      <a:schemeClr val="accent1">
+        <a:shade val="60000"/>
+      </a:schemeClr>
+    </dgm:linClrLst>
+    <dgm:effectClrLst/>
+    <dgm:txLinClrLst/>
+    <dgm:txFillClrLst meth="repeat">
+      <a:schemeClr val="tx1"/>
+    </dgm:txFillClrLst>
+    <dgm:txEffectClrLst/>
+  </dgm:styleLbl>
+  <dgm:styleLbl name="parChTrans1D2">
+    <dgm:fillClrLst meth="repeat">
+      <a:schemeClr val="accent1"/>
+    </dgm:fillClrLst>
+    <dgm:linClrLst meth="repeat">
+      <a:schemeClr val="accent1">
+        <a:shade val="60000"/>
+      </a:schemeClr>
+    </dgm:linClrLst>
+    <dgm:effectClrLst/>
+    <dgm:txLinClrLst/>
+    <dgm:txFillClrLst meth="repeat">
+      <a:schemeClr val="tx1"/>
+    </dgm:txFillClrLst>
+    <dgm:txEffectClrLst/>
+  </dgm:styleLbl>
+  <dgm:styleLbl name="parChTrans1D3">
+    <dgm:fillClrLst meth="repeat">
+      <a:schemeClr val="accent1"/>
+    </dgm:fillClrLst>
+    <dgm:linClrLst meth="repeat">
+      <a:schemeClr val="accent1">
+        <a:shade val="80000"/>
+      </a:schemeClr>
+    </dgm:linClrLst>
+    <dgm:effectClrLst/>
+    <dgm:txLinClrLst/>
+    <dgm:txFillClrLst meth="repeat">
+      <a:schemeClr val="tx1"/>
+    </dgm:txFillClrLst>
+    <dgm:txEffectClrLst/>
+  </dgm:styleLbl>
+  <dgm:styleLbl name="parChTrans1D4">
+    <dgm:fillClrLst meth="repeat">
+      <a:schemeClr val="accent1"/>
+    </dgm:fillClrLst>
+    <dgm:linClrLst meth="repeat">
+      <a:schemeClr val="accent1">
+        <a:shade val="80000"/>
+      </a:schemeClr>
+    </dgm:linClrLst>
+    <dgm:effectClrLst/>
+    <dgm:txLinClrLst/>
+    <dgm:txFillClrLst meth="repeat">
+      <a:schemeClr val="tx1"/>
+    </dgm:txFillClrLst>
+    <dgm:txEffectClrLst/>
+  </dgm:styleLbl>
+  <dgm:styleLbl name="fgAcc1">
+    <dgm:fillClrLst meth="repeat">
+      <a:schemeClr val="lt1">
+        <a:alpha val="90000"/>
+      </a:schemeClr>
+    </dgm:fillClrLst>
+    <dgm:linClrLst meth="repeat">
+      <a:schemeClr val="accent1"/>
+    </dgm:linClrLst>
+    <dgm:effectClrLst/>
+    <dgm:txLinClrLst/>
+    <dgm:txFillClrLst meth="repeat">
+      <a:schemeClr val="dk1"/>
+    </dgm:txFillClrLst>
+    <dgm:txEffectClrLst/>
+  </dgm:styleLbl>
+  <dgm:styleLbl name="conFgAcc1">
+    <dgm:fillClrLst meth="repeat">
+      <a:schemeClr val="lt1">
+        <a:alpha val="90000"/>
+      </a:schemeClr>
+    </dgm:fillClrLst>
+    <dgm:linClrLst meth="repeat">
+      <a:schemeClr val="accent1"/>
+    </dgm:linClrLst>
+    <dgm:effectClrLst/>
+    <dgm:txLinClrLst/>
+    <dgm:txFillClrLst meth="repeat">
+      <a:schemeClr val="dk1"/>
+    </dgm:txFillClrLst>
+    <dgm:txEffectClrLst/>
+  </dgm:styleLbl>
+  <dgm:styleLbl name="alignAcc1">
+    <dgm:fillClrLst meth="repeat">
+      <a:schemeClr val="lt1">
+        <a:alpha val="90000"/>
+      </a:schemeClr>
+    </dgm:fillClrLst>
+    <dgm:linClrLst meth="repeat">
+      <a:schemeClr val="accent1"/>
+    </dgm:linClrLst>
+    <dgm:effectClrLst/>
+    <dgm:txLinClrLst/>
+    <dgm:txFillClrLst meth="repeat">
+      <a:schemeClr val="dk1"/>
+    </dgm:txFillClrLst>
+    <dgm:txEffectClrLst/>
+  </dgm:styleLbl>
+  <dgm:styleLbl name="trAlignAcc1">
+    <dgm:fillClrLst meth="repeat">
+      <a:schemeClr val="lt1">
+        <a:alpha val="40000"/>
+      </a:schemeClr>
+    </dgm:fillClrLst>
+    <dgm:linClrLst meth="repeat">
+      <a:schemeClr val="accent1"/>
+    </dgm:linClrLst>
+    <dgm:effectClrLst/>
+    <dgm:txLinClrLst/>
+    <dgm:txFillClrLst meth="repeat">
+      <a:schemeClr val="dk1"/>
+    </dgm:txFillClrLst>
+    <dgm:txEffectClrLst/>
+  </dgm:styleLbl>
+  <dgm:styleLbl name="bgAcc1">
+    <dgm:fillClrLst meth="repeat">
+      <a:schemeClr val="lt1">
+        <a:alpha val="90000"/>
+      </a:schemeClr>
+    </dgm:fillClrLst>
+    <dgm:linClrLst meth="repeat">
+      <a:schemeClr val="accent1"/>
+    </dgm:linClrLst>
+    <dgm:effectClrLst/>
+    <dgm:txLinClrLst/>
+    <dgm:txFillClrLst meth="repeat">
+      <a:schemeClr val="dk1"/>
+    </dgm:txFillClrLst>
+    <dgm:txEffectClrLst/>
+  </dgm:styleLbl>
+  <dgm:styleLbl name="solidFgAcc1">
+    <dgm:fillClrLst meth="repeat">
+      <a:schemeClr val="lt1"/>
+    </dgm:fillClrLst>
+    <dgm:linClrLst meth="repeat">
+      <a:schemeClr val="accent1"/>
+    </dgm:linClrLst>
+    <dgm:effectClrLst/>
+    <dgm:txLinClrLst/>
+    <dgm:txFillClrLst meth="repeat">
+      <a:schemeClr val="dk1"/>
+    </dgm:txFillClrLst>
+    <dgm:txEffectClrLst/>
+  </dgm:styleLbl>
+  <dgm:styleLbl name="solidAlignAcc1">
+    <dgm:fillClrLst meth="repeat">
+      <a:schemeClr val="lt1"/>
+    </dgm:fillClrLst>
+    <dgm:linClrLst meth="repeat">
+      <a:schemeClr val="accent1"/>
+    </dgm:linClrLst>
+    <dgm:effectClrLst/>
+    <dgm:txLinClrLst/>
+    <dgm:txFillClrLst meth="repeat">
+      <a:schemeClr val="dk1"/>
+    </dgm:txFillClrLst>
+    <dgm:txEffectClrLst/>
+  </dgm:styleLbl>
+  <dgm:styleLbl name="solidBgAcc1">
+    <dgm:fillClrLst meth="repeat">
+      <a:schemeClr val="lt1"/>
+    </dgm:fillClrLst>
+    <dgm:linClrLst meth="repeat">
+      <a:schemeClr val="accent1"/>
+    </dgm:linClrLst>
+    <dgm:effectClrLst/>
+    <dgm:txLinClrLst/>
+    <dgm:txFillClrLst meth="repeat">
+      <a:schemeClr val="dk1"/>
+    </dgm:txFillClrLst>
+    <dgm:txEffectClrLst/>
+  </dgm:styleLbl>
+  <dgm:styleLbl name="fgAccFollowNode1">
+    <dgm:fillClrLst meth="repeat">
+      <a:schemeClr val="accent1">
+        <a:alpha val="90000"/>
+        <a:tint val="40000"/>
+      </a:schemeClr>
+    </dgm:fillClrLst>
+    <dgm:linClrLst meth="repeat">
+      <a:schemeClr val="accent1">
+        <a:alpha val="90000"/>
+        <a:tint val="40000"/>
+      </a:schemeClr>
+    </dgm:linClrLst>
+    <dgm:effectClrLst/>
+    <dgm:txLinClrLst/>
+    <dgm:txFillClrLst meth="repeat">
+      <a:schemeClr val="dk1"/>
+    </dgm:txFillClrLst>
+    <dgm:txEffectClrLst/>
+  </dgm:styleLbl>
+  <dgm:styleLbl name="alignAccFollowNode1">
+    <dgm:fillClrLst meth="repeat">
+      <a:schemeClr val="accent1">
+        <a:alpha val="90000"/>
+        <a:tint val="40000"/>
+      </a:schemeClr>
+    </dgm:fillClrLst>
+    <dgm:linClrLst meth="repeat">
+      <a:schemeClr val="accent1">
+        <a:alpha val="90000"/>
+        <a:tint val="40000"/>
+      </a:schemeClr>
+    </dgm:linClrLst>
+    <dgm:effectClrLst/>
+    <dgm:txLinClrLst/>
+    <dgm:txFillClrLst meth="repeat">
+      <a:schemeClr val="dk1"/>
+    </dgm:txFillClrLst>
+    <dgm:txEffectClrLst/>
+  </dgm:styleLbl>
+  <dgm:styleLbl name="bgAccFollowNode1">
+    <dgm:fillClrLst meth="repeat">
+      <a:schemeClr val="accent1">
+        <a:alpha val="90000"/>
+        <a:tint val="40000"/>
+      </a:schemeClr>
+    </dgm:fillClrLst>
+    <dgm:linClrLst meth="repeat">
+      <a:schemeClr val="accent1">
+        <a:alpha val="90000"/>
+        <a:tint val="40000"/>
+      </a:schemeClr>
+    </dgm:linClrLst>
+    <dgm:effectClrLst/>
+    <dgm:txLinClrLst/>
+    <dgm:txFillClrLst meth="repeat">
+      <a:schemeClr val="dk1"/>
+    </dgm:txFillClrLst>
+    <dgm:txEffectClrLst/>
+  </dgm:styleLbl>
+  <dgm:styleLbl name="fgAcc0">
+    <dgm:fillClrLst meth="repeat">
+      <a:schemeClr val="lt1">
+        <a:alpha val="90000"/>
+      </a:schemeClr>
+    </dgm:fillClrLst>
+    <dgm:linClrLst meth="repeat">
+      <a:schemeClr val="accent1"/>
+    </dgm:linClrLst>
+    <dgm:effectClrLst/>
+    <dgm:txLinClrLst/>
+    <dgm:txFillClrLst meth="repeat">
+      <a:schemeClr val="dk1"/>
+    </dgm:txFillClrLst>
+    <dgm:txEffectClrLst/>
+  </dgm:styleLbl>
+  <dgm:styleLbl name="fgAcc2">
+    <dgm:fillClrLst meth="repeat">
+      <a:schemeClr val="lt1">
+        <a:alpha val="90000"/>
+      </a:schemeClr>
+    </dgm:fillClrLst>
+    <dgm:linClrLst meth="repeat">
+      <a:schemeClr val="accent1"/>
+    </dgm:linClrLst>
+    <dgm:effectClrLst/>
+    <dgm:txLinClrLst/>
+    <dgm:txFillClrLst meth="repeat">
+      <a:schemeClr val="dk1"/>
+    </dgm:txFillClrLst>
+    <dgm:txEffectClrLst/>
+  </dgm:styleLbl>
+  <dgm:styleLbl name="fgAcc3">
+    <dgm:fillClrLst meth="repeat">
+      <a:schemeClr val="lt1">
+        <a:alpha val="90000"/>
+      </a:schemeClr>
+    </dgm:fillClrLst>
+    <dgm:linClrLst meth="repeat">
+      <a:schemeClr val="accent1"/>
+    </dgm:linClrLst>
+    <dgm:effectClrLst/>
+    <dgm:txLinClrLst/>
+    <dgm:txFillClrLst meth="repeat">
+      <a:schemeClr val="dk1"/>
+    </dgm:txFillClrLst>
+    <dgm:txEffectClrLst/>
+  </dgm:styleLbl>
+  <dgm:styleLbl name="fgAcc4">
+    <dgm:fillClrLst meth="repeat">
+      <a:schemeClr val="lt1">
+        <a:alpha val="90000"/>
+      </a:schemeClr>
+    </dgm:fillClrLst>
+    <dgm:linClrLst meth="repeat">
+      <a:schemeClr val="accent1"/>
+    </dgm:linClrLst>
+    <dgm:effectClrLst/>
+    <dgm:txLinClrLst/>
+    <dgm:txFillClrLst meth="repeat">
+      <a:schemeClr val="dk1"/>
+    </dgm:txFillClrLst>
+    <dgm:txEffectClrLst/>
+  </dgm:styleLbl>
+  <dgm:styleLbl name="bgShp">
+    <dgm:fillClrLst meth="repeat">
+      <a:schemeClr val="accent1">
+        <a:tint val="40000"/>
+      </a:schemeClr>
+    </dgm:fillClrLst>
+    <dgm:linClrLst meth="repeat">
+      <a:schemeClr val="accent1"/>
+    </dgm:linClrLst>
+    <dgm:effectClrLst/>
+    <dgm:txLinClrLst/>
+    <dgm:txFillClrLst meth="repeat">
+      <a:schemeClr val="dk1"/>
+    </dgm:txFillClrLst>
+    <dgm:txEffectClrLst/>
+  </dgm:styleLbl>
+  <dgm:styleLbl name="dkBgShp">
+    <dgm:fillClrLst meth="repeat">
+      <a:schemeClr val="accent1">
+        <a:shade val="80000"/>
+      </a:schemeClr>
+    </dgm:fillClrLst>
+    <dgm:linClrLst meth="repeat">
+      <a:schemeClr val="accent1"/>
+    </dgm:linClrLst>
+    <dgm:effectClrLst/>
+    <dgm:txLinClrLst/>
+    <dgm:txFillClrLst meth="repeat">
+      <a:schemeClr val="lt1"/>
+    </dgm:txFillClrLst>
+    <dgm:txEffectClrLst/>
+  </dgm:styleLbl>
+  <dgm:styleLbl name="trBgShp">
+    <dgm:fillClrLst meth="repeat">
+      <a:schemeClr val="accent1">
+        <a:tint val="50000"/>
+        <a:alpha val="40000"/>
+      </a:schemeClr>
+    </dgm:fillClrLst>
+    <dgm:linClrLst meth="repeat">
+      <a:schemeClr val="accent1"/>
+    </dgm:linClrLst>
+    <dgm:effectClrLst/>
+    <dgm:txLinClrLst/>
+    <dgm:txFillClrLst meth="repeat">
+      <a:schemeClr val="lt1"/>
+    </dgm:txFillClrLst>
+    <dgm:txEffectClrLst/>
+  </dgm:styleLbl>
+  <dgm:styleLbl name="fgShp">
+    <dgm:fillClrLst meth="repeat">
+      <a:schemeClr val="accent1">
+        <a:tint val="60000"/>
+      </a:schemeClr>
+    </dgm:fillClrLst>
+    <dgm:linClrLst meth="repeat">
+      <a:schemeClr val="lt1"/>
+    </dgm:linClrLst>
+    <dgm:effectClrLst/>
+    <dgm:txLinClrLst/>
+    <dgm:txFillClrLst meth="repeat">
+      <a:schemeClr val="dk1"/>
+    </dgm:txFillClrLst>
+    <dgm:txEffectClrLst/>
+  </dgm:styleLbl>
+  <dgm:styleLbl name="revTx">
+    <dgm:fillClrLst meth="repeat">
+      <a:schemeClr val="lt1">
+        <a:alpha val="0"/>
+      </a:schemeClr>
+    </dgm:fillClrLst>
+    <dgm:linClrLst meth="repeat">
+      <a:schemeClr val="dk1">
+        <a:alpha val="0"/>
+      </a:schemeClr>
+    </dgm:linClrLst>
+    <dgm:effectClrLst/>
+    <dgm:txLinClrLst/>
+    <dgm:txFillClrLst meth="repeat">
+      <a:schemeClr val="tx1"/>
+    </dgm:txFillClrLst>
+    <dgm:txEffectClrLst/>
+  </dgm:styleLbl>
+</dgm:colorsDef>
+</file>
+
+<file path=ppt/diagrams/colors5.xml><?xml version="1.0" encoding="utf-8"?>
 <dgm:colorsDef xmlns:dgm="http://schemas.openxmlformats.org/drawingml/2006/diagram" xmlns:a="http://schemas.openxmlformats.org/drawingml/2006/main" uniqueId="urn:microsoft.com/office/officeart/2005/8/colors/accent1_2">
   <dgm:title val=""/>
   <dgm:desc val=""/>
@@ -5671,6 +6418,471 @@
   <dgm:extLst>
     <a:ext uri="http://schemas.microsoft.com/office/drawing/2008/diagram">
       <dsp:dataModelExt xmlns:dsp="http://schemas.microsoft.com/office/drawing/2008/diagram" relId="rId6" minVer="http://schemas.openxmlformats.org/drawingml/2006/diagram"/>
+    </a:ext>
+  </dgm:extLst>
+</dgm:dataModel>
+</file>
+
+<file path=ppt/diagrams/data5.xml><?xml version="1.0" encoding="utf-8"?>
+<dgm:dataModel xmlns:dgm="http://schemas.openxmlformats.org/drawingml/2006/diagram" xmlns:a="http://schemas.openxmlformats.org/drawingml/2006/main">
+  <dgm:ptLst>
+    <dgm:pt modelId="{3D7E4721-08AD-4056-9D97-280A0288FF53}" type="doc">
+      <dgm:prSet loTypeId="urn:microsoft.com/office/officeart/2005/8/layout/hierarchy1" loCatId="hierarchy" qsTypeId="urn:microsoft.com/office/officeart/2005/8/quickstyle/simple1" qsCatId="simple" csTypeId="urn:microsoft.com/office/officeart/2005/8/colors/accent1_2" csCatId="accent1" phldr="1"/>
+      <dgm:spPr/>
+      <dgm:t>
+        <a:bodyPr/>
+        <a:lstStyle/>
+        <a:p>
+          <a:endParaRPr lang="pt-BR"/>
+        </a:p>
+      </dgm:t>
+    </dgm:pt>
+    <dgm:pt modelId="{7DF7B6DD-8D79-468E-B015-C667742FBFEB}">
+      <dgm:prSet phldrT="[Texto]"/>
+      <dgm:spPr/>
+      <dgm:t>
+        <a:bodyPr/>
+        <a:lstStyle/>
+        <a:p>
+          <a:r>
+            <a:rPr lang="pt-BR" smtClean="0"/>
+            <a:t>Login</a:t>
+          </a:r>
+          <a:endParaRPr lang="pt-BR" dirty="0"/>
+        </a:p>
+      </dgm:t>
+    </dgm:pt>
+    <dgm:pt modelId="{1B8AF3C6-2F66-4552-8F48-4A75818AB395}" type="parTrans" cxnId="{9F3DCA4B-DDEA-4D57-A2BE-01EDAA20879E}">
+      <dgm:prSet/>
+      <dgm:spPr/>
+      <dgm:t>
+        <a:bodyPr/>
+        <a:lstStyle/>
+        <a:p>
+          <a:endParaRPr lang="pt-BR"/>
+        </a:p>
+      </dgm:t>
+    </dgm:pt>
+    <dgm:pt modelId="{473ED60A-3384-44E1-AF12-F229B86CAE9E}" type="sibTrans" cxnId="{9F3DCA4B-DDEA-4D57-A2BE-01EDAA20879E}">
+      <dgm:prSet/>
+      <dgm:spPr/>
+      <dgm:t>
+        <a:bodyPr/>
+        <a:lstStyle/>
+        <a:p>
+          <a:endParaRPr lang="pt-BR"/>
+        </a:p>
+      </dgm:t>
+    </dgm:pt>
+    <dgm:pt modelId="{A68B1903-0028-4D99-A908-2252855922B4}">
+      <dgm:prSet phldrT="[Texto]" phldr="1"/>
+      <dgm:spPr/>
+      <dgm:t>
+        <a:bodyPr/>
+        <a:lstStyle/>
+        <a:p>
+          <a:endParaRPr lang="pt-BR" dirty="0"/>
+        </a:p>
+      </dgm:t>
+    </dgm:pt>
+    <dgm:pt modelId="{32E73D07-24A9-418B-8637-70AE2A4B04DD}" type="parTrans" cxnId="{A0080B84-0FED-4907-B363-A04CB2652188}">
+      <dgm:prSet/>
+      <dgm:spPr/>
+      <dgm:t>
+        <a:bodyPr/>
+        <a:lstStyle/>
+        <a:p>
+          <a:endParaRPr lang="pt-BR"/>
+        </a:p>
+      </dgm:t>
+    </dgm:pt>
+    <dgm:pt modelId="{3AE7814F-4A62-4A6D-BDAB-3D33B77BF4FD}" type="sibTrans" cxnId="{A0080B84-0FED-4907-B363-A04CB2652188}">
+      <dgm:prSet/>
+      <dgm:spPr/>
+      <dgm:t>
+        <a:bodyPr/>
+        <a:lstStyle/>
+        <a:p>
+          <a:endParaRPr lang="pt-BR"/>
+        </a:p>
+      </dgm:t>
+    </dgm:pt>
+    <dgm:pt modelId="{4A1CE773-3E85-4B37-BA18-CB28DF37705F}">
+      <dgm:prSet phldrT="[Texto]" phldr="1"/>
+      <dgm:spPr/>
+      <dgm:t>
+        <a:bodyPr/>
+        <a:lstStyle/>
+        <a:p>
+          <a:endParaRPr lang="pt-BR" dirty="0"/>
+        </a:p>
+      </dgm:t>
+    </dgm:pt>
+    <dgm:pt modelId="{C970C188-F04F-415C-B685-2C4E7AFB148E}" type="parTrans" cxnId="{A67FD952-7E3E-42C2-B9AC-9786F65D1584}">
+      <dgm:prSet/>
+      <dgm:spPr/>
+      <dgm:t>
+        <a:bodyPr/>
+        <a:lstStyle/>
+        <a:p>
+          <a:endParaRPr lang="pt-BR"/>
+        </a:p>
+      </dgm:t>
+    </dgm:pt>
+    <dgm:pt modelId="{1EF5A848-6056-46B2-8C3B-F197EDA52614}" type="sibTrans" cxnId="{A67FD952-7E3E-42C2-B9AC-9786F65D1584}">
+      <dgm:prSet/>
+      <dgm:spPr/>
+      <dgm:t>
+        <a:bodyPr/>
+        <a:lstStyle/>
+        <a:p>
+          <a:endParaRPr lang="pt-BR"/>
+        </a:p>
+      </dgm:t>
+    </dgm:pt>
+    <dgm:pt modelId="{0B78D950-F64C-4F79-9424-FC10DB963D07}">
+      <dgm:prSet phldrT="[Texto]" phldr="1"/>
+      <dgm:spPr/>
+      <dgm:t>
+        <a:bodyPr/>
+        <a:lstStyle/>
+        <a:p>
+          <a:endParaRPr lang="pt-BR"/>
+        </a:p>
+      </dgm:t>
+    </dgm:pt>
+    <dgm:pt modelId="{E7451915-896C-4288-AD48-855A6C21988B}" type="parTrans" cxnId="{2DE19D6A-0338-4C45-9789-A3DF9DC222C9}">
+      <dgm:prSet/>
+      <dgm:spPr/>
+      <dgm:t>
+        <a:bodyPr/>
+        <a:lstStyle/>
+        <a:p>
+          <a:endParaRPr lang="pt-BR"/>
+        </a:p>
+      </dgm:t>
+    </dgm:pt>
+    <dgm:pt modelId="{AFFF66B4-B9B5-4E36-AA20-261B0247CA86}" type="sibTrans" cxnId="{2DE19D6A-0338-4C45-9789-A3DF9DC222C9}">
+      <dgm:prSet/>
+      <dgm:spPr/>
+      <dgm:t>
+        <a:bodyPr/>
+        <a:lstStyle/>
+        <a:p>
+          <a:endParaRPr lang="pt-BR"/>
+        </a:p>
+      </dgm:t>
+    </dgm:pt>
+    <dgm:pt modelId="{1850DA1E-5FA1-477A-B976-B2D4EBE87D5D}">
+      <dgm:prSet phldrT="[Texto]" phldr="1"/>
+      <dgm:spPr/>
+      <dgm:t>
+        <a:bodyPr/>
+        <a:lstStyle/>
+        <a:p>
+          <a:endParaRPr lang="pt-BR"/>
+        </a:p>
+      </dgm:t>
+    </dgm:pt>
+    <dgm:pt modelId="{D0661366-8DBA-4DBC-A06D-4481D4191AE8}" type="parTrans" cxnId="{D6B62EAA-2909-4929-97DB-3DBC8590ACB3}">
+      <dgm:prSet/>
+      <dgm:spPr/>
+      <dgm:t>
+        <a:bodyPr/>
+        <a:lstStyle/>
+        <a:p>
+          <a:endParaRPr lang="pt-BR"/>
+        </a:p>
+      </dgm:t>
+    </dgm:pt>
+    <dgm:pt modelId="{6D191926-0014-4E6D-98FF-F9A17EE6CFE6}" type="sibTrans" cxnId="{D6B62EAA-2909-4929-97DB-3DBC8590ACB3}">
+      <dgm:prSet/>
+      <dgm:spPr/>
+      <dgm:t>
+        <a:bodyPr/>
+        <a:lstStyle/>
+        <a:p>
+          <a:endParaRPr lang="pt-BR"/>
+        </a:p>
+      </dgm:t>
+    </dgm:pt>
+    <dgm:pt modelId="{59CCE03C-2FF3-423B-BD96-76B6582D53C4}">
+      <dgm:prSet phldrT="[Texto]" phldr="1"/>
+      <dgm:spPr/>
+      <dgm:t>
+        <a:bodyPr/>
+        <a:lstStyle/>
+        <a:p>
+          <a:endParaRPr lang="pt-BR"/>
+        </a:p>
+      </dgm:t>
+    </dgm:pt>
+    <dgm:pt modelId="{209FE170-F083-402C-AC83-549C8EA18AC8}" type="parTrans" cxnId="{EE6EE38F-33DF-440B-95EE-5A74B606D817}">
+      <dgm:prSet/>
+      <dgm:spPr/>
+      <dgm:t>
+        <a:bodyPr/>
+        <a:lstStyle/>
+        <a:p>
+          <a:endParaRPr lang="pt-BR"/>
+        </a:p>
+      </dgm:t>
+    </dgm:pt>
+    <dgm:pt modelId="{D16DE795-A73A-415D-BD73-B2E0862ECF96}" type="sibTrans" cxnId="{EE6EE38F-33DF-440B-95EE-5A74B606D817}">
+      <dgm:prSet/>
+      <dgm:spPr/>
+      <dgm:t>
+        <a:bodyPr/>
+        <a:lstStyle/>
+        <a:p>
+          <a:endParaRPr lang="pt-BR"/>
+        </a:p>
+      </dgm:t>
+    </dgm:pt>
+    <dgm:pt modelId="{7B45AD48-8CE5-4F2D-9E5A-9E6EAD70CFE8}" type="pres">
+      <dgm:prSet presAssocID="{3D7E4721-08AD-4056-9D97-280A0288FF53}" presName="hierChild1" presStyleCnt="0">
+        <dgm:presLayoutVars>
+          <dgm:chPref val="1"/>
+          <dgm:dir/>
+          <dgm:animOne val="branch"/>
+          <dgm:animLvl val="lvl"/>
+          <dgm:resizeHandles/>
+        </dgm:presLayoutVars>
+      </dgm:prSet>
+      <dgm:spPr/>
+    </dgm:pt>
+    <dgm:pt modelId="{98AF0672-4BF2-4BE6-AE81-34B4937C453D}" type="pres">
+      <dgm:prSet presAssocID="{7DF7B6DD-8D79-468E-B015-C667742FBFEB}" presName="hierRoot1" presStyleCnt="0"/>
+      <dgm:spPr/>
+    </dgm:pt>
+    <dgm:pt modelId="{23CCCCC9-26A7-4219-92DF-4846B78E56B8}" type="pres">
+      <dgm:prSet presAssocID="{7DF7B6DD-8D79-468E-B015-C667742FBFEB}" presName="composite" presStyleCnt="0"/>
+      <dgm:spPr/>
+    </dgm:pt>
+    <dgm:pt modelId="{A1E5727F-60B4-46F6-A5E5-9FF43D09173A}" type="pres">
+      <dgm:prSet presAssocID="{7DF7B6DD-8D79-468E-B015-C667742FBFEB}" presName="background" presStyleLbl="node0" presStyleIdx="0" presStyleCnt="1"/>
+      <dgm:spPr/>
+    </dgm:pt>
+    <dgm:pt modelId="{551BA09D-D6E3-46F9-B56A-111B5F9BD539}" type="pres">
+      <dgm:prSet presAssocID="{7DF7B6DD-8D79-468E-B015-C667742FBFEB}" presName="text" presStyleLbl="fgAcc0" presStyleIdx="0" presStyleCnt="1">
+        <dgm:presLayoutVars>
+          <dgm:chPref val="3"/>
+        </dgm:presLayoutVars>
+      </dgm:prSet>
+      <dgm:spPr/>
+      <dgm:t>
+        <a:bodyPr/>
+        <a:lstStyle/>
+        <a:p>
+          <a:endParaRPr lang="pt-BR"/>
+        </a:p>
+      </dgm:t>
+    </dgm:pt>
+    <dgm:pt modelId="{5406F40D-6900-46D5-B789-FD5A745F7CB0}" type="pres">
+      <dgm:prSet presAssocID="{7DF7B6DD-8D79-468E-B015-C667742FBFEB}" presName="hierChild2" presStyleCnt="0"/>
+      <dgm:spPr/>
+    </dgm:pt>
+    <dgm:pt modelId="{282AF261-4AE4-422A-80CF-EF69C2A1EEC2}" type="pres">
+      <dgm:prSet presAssocID="{32E73D07-24A9-418B-8637-70AE2A4B04DD}" presName="Name10" presStyleLbl="parChTrans1D2" presStyleIdx="0" presStyleCnt="2"/>
+      <dgm:spPr/>
+    </dgm:pt>
+    <dgm:pt modelId="{10B57636-B5C9-40C3-8917-34C3E0AD1337}" type="pres">
+      <dgm:prSet presAssocID="{A68B1903-0028-4D99-A908-2252855922B4}" presName="hierRoot2" presStyleCnt="0"/>
+      <dgm:spPr/>
+    </dgm:pt>
+    <dgm:pt modelId="{C4803185-988E-4044-8A98-1CE534C2F5A5}" type="pres">
+      <dgm:prSet presAssocID="{A68B1903-0028-4D99-A908-2252855922B4}" presName="composite2" presStyleCnt="0"/>
+      <dgm:spPr/>
+    </dgm:pt>
+    <dgm:pt modelId="{D1973B1A-C160-4BAE-AD91-BE1A9E778653}" type="pres">
+      <dgm:prSet presAssocID="{A68B1903-0028-4D99-A908-2252855922B4}" presName="background2" presStyleLbl="node2" presStyleIdx="0" presStyleCnt="2"/>
+      <dgm:spPr/>
+    </dgm:pt>
+    <dgm:pt modelId="{9B275DF0-F8DC-42C9-8595-F87857D25C56}" type="pres">
+      <dgm:prSet presAssocID="{A68B1903-0028-4D99-A908-2252855922B4}" presName="text2" presStyleLbl="fgAcc2" presStyleIdx="0" presStyleCnt="2">
+        <dgm:presLayoutVars>
+          <dgm:chPref val="3"/>
+        </dgm:presLayoutVars>
+      </dgm:prSet>
+      <dgm:spPr/>
+    </dgm:pt>
+    <dgm:pt modelId="{E9486A02-105E-4062-8F07-285CC9C6B0C3}" type="pres">
+      <dgm:prSet presAssocID="{A68B1903-0028-4D99-A908-2252855922B4}" presName="hierChild3" presStyleCnt="0"/>
+      <dgm:spPr/>
+    </dgm:pt>
+    <dgm:pt modelId="{19A18D5C-3828-4A3A-AD39-842915AB4B31}" type="pres">
+      <dgm:prSet presAssocID="{C970C188-F04F-415C-B685-2C4E7AFB148E}" presName="Name17" presStyleLbl="parChTrans1D3" presStyleIdx="0" presStyleCnt="3"/>
+      <dgm:spPr/>
+    </dgm:pt>
+    <dgm:pt modelId="{BFF919F8-951E-4BAA-8DF4-D9DD861D304E}" type="pres">
+      <dgm:prSet presAssocID="{4A1CE773-3E85-4B37-BA18-CB28DF37705F}" presName="hierRoot3" presStyleCnt="0"/>
+      <dgm:spPr/>
+    </dgm:pt>
+    <dgm:pt modelId="{0C21D39F-2713-4DC0-A78B-9379CA414AF4}" type="pres">
+      <dgm:prSet presAssocID="{4A1CE773-3E85-4B37-BA18-CB28DF37705F}" presName="composite3" presStyleCnt="0"/>
+      <dgm:spPr/>
+    </dgm:pt>
+    <dgm:pt modelId="{D1341DCC-09F8-49CA-A19E-CBE2B03B3153}" type="pres">
+      <dgm:prSet presAssocID="{4A1CE773-3E85-4B37-BA18-CB28DF37705F}" presName="background3" presStyleLbl="node3" presStyleIdx="0" presStyleCnt="3"/>
+      <dgm:spPr/>
+    </dgm:pt>
+    <dgm:pt modelId="{1FDF757A-8487-43AB-AF08-50814C884DE4}" type="pres">
+      <dgm:prSet presAssocID="{4A1CE773-3E85-4B37-BA18-CB28DF37705F}" presName="text3" presStyleLbl="fgAcc3" presStyleIdx="0" presStyleCnt="3">
+        <dgm:presLayoutVars>
+          <dgm:chPref val="3"/>
+        </dgm:presLayoutVars>
+      </dgm:prSet>
+      <dgm:spPr/>
+    </dgm:pt>
+    <dgm:pt modelId="{33B64664-2BF1-43DA-8E2F-52300A5A0E69}" type="pres">
+      <dgm:prSet presAssocID="{4A1CE773-3E85-4B37-BA18-CB28DF37705F}" presName="hierChild4" presStyleCnt="0"/>
+      <dgm:spPr/>
+    </dgm:pt>
+    <dgm:pt modelId="{D84E6FED-1F7A-45AD-857D-03BBF7C6EE30}" type="pres">
+      <dgm:prSet presAssocID="{E7451915-896C-4288-AD48-855A6C21988B}" presName="Name17" presStyleLbl="parChTrans1D3" presStyleIdx="1" presStyleCnt="3"/>
+      <dgm:spPr/>
+    </dgm:pt>
+    <dgm:pt modelId="{E562D5DC-701C-47A5-9B43-94F5F9DA5033}" type="pres">
+      <dgm:prSet presAssocID="{0B78D950-F64C-4F79-9424-FC10DB963D07}" presName="hierRoot3" presStyleCnt="0"/>
+      <dgm:spPr/>
+    </dgm:pt>
+    <dgm:pt modelId="{464CEB15-B51E-49CA-B087-82EC9B2E3835}" type="pres">
+      <dgm:prSet presAssocID="{0B78D950-F64C-4F79-9424-FC10DB963D07}" presName="composite3" presStyleCnt="0"/>
+      <dgm:spPr/>
+    </dgm:pt>
+    <dgm:pt modelId="{4653B551-E7DA-4C83-9956-E88983EC0E2A}" type="pres">
+      <dgm:prSet presAssocID="{0B78D950-F64C-4F79-9424-FC10DB963D07}" presName="background3" presStyleLbl="node3" presStyleIdx="1" presStyleCnt="3"/>
+      <dgm:spPr/>
+    </dgm:pt>
+    <dgm:pt modelId="{CE5DDF01-E77D-45F5-B5D5-56C67C8251CC}" type="pres">
+      <dgm:prSet presAssocID="{0B78D950-F64C-4F79-9424-FC10DB963D07}" presName="text3" presStyleLbl="fgAcc3" presStyleIdx="1" presStyleCnt="3">
+        <dgm:presLayoutVars>
+          <dgm:chPref val="3"/>
+        </dgm:presLayoutVars>
+      </dgm:prSet>
+      <dgm:spPr/>
+    </dgm:pt>
+    <dgm:pt modelId="{6B94BDAB-E368-434A-BFD0-AB9139FB7970}" type="pres">
+      <dgm:prSet presAssocID="{0B78D950-F64C-4F79-9424-FC10DB963D07}" presName="hierChild4" presStyleCnt="0"/>
+      <dgm:spPr/>
+    </dgm:pt>
+    <dgm:pt modelId="{27BBB5A0-E2AA-4E8D-8C7B-612768D431FF}" type="pres">
+      <dgm:prSet presAssocID="{D0661366-8DBA-4DBC-A06D-4481D4191AE8}" presName="Name10" presStyleLbl="parChTrans1D2" presStyleIdx="1" presStyleCnt="2"/>
+      <dgm:spPr/>
+    </dgm:pt>
+    <dgm:pt modelId="{B1ED7FA4-6552-438F-A6A2-A57F28468333}" type="pres">
+      <dgm:prSet presAssocID="{1850DA1E-5FA1-477A-B976-B2D4EBE87D5D}" presName="hierRoot2" presStyleCnt="0"/>
+      <dgm:spPr/>
+    </dgm:pt>
+    <dgm:pt modelId="{625B5A97-EE3F-4934-B9E8-51564273800C}" type="pres">
+      <dgm:prSet presAssocID="{1850DA1E-5FA1-477A-B976-B2D4EBE87D5D}" presName="composite2" presStyleCnt="0"/>
+      <dgm:spPr/>
+    </dgm:pt>
+    <dgm:pt modelId="{41350408-BE8E-4C29-AE25-C439DFA9FBA2}" type="pres">
+      <dgm:prSet presAssocID="{1850DA1E-5FA1-477A-B976-B2D4EBE87D5D}" presName="background2" presStyleLbl="node2" presStyleIdx="1" presStyleCnt="2"/>
+      <dgm:spPr/>
+    </dgm:pt>
+    <dgm:pt modelId="{25D2C26B-F21A-40F6-AFB5-6B810F70B9F0}" type="pres">
+      <dgm:prSet presAssocID="{1850DA1E-5FA1-477A-B976-B2D4EBE87D5D}" presName="text2" presStyleLbl="fgAcc2" presStyleIdx="1" presStyleCnt="2">
+        <dgm:presLayoutVars>
+          <dgm:chPref val="3"/>
+        </dgm:presLayoutVars>
+      </dgm:prSet>
+      <dgm:spPr/>
+    </dgm:pt>
+    <dgm:pt modelId="{D7D83D01-28E2-4ABF-9889-3E58CE005994}" type="pres">
+      <dgm:prSet presAssocID="{1850DA1E-5FA1-477A-B976-B2D4EBE87D5D}" presName="hierChild3" presStyleCnt="0"/>
+      <dgm:spPr/>
+    </dgm:pt>
+    <dgm:pt modelId="{8FD4D1BD-9BC6-432E-AAAF-D0ACFFEB96D1}" type="pres">
+      <dgm:prSet presAssocID="{209FE170-F083-402C-AC83-549C8EA18AC8}" presName="Name17" presStyleLbl="parChTrans1D3" presStyleIdx="2" presStyleCnt="3"/>
+      <dgm:spPr/>
+    </dgm:pt>
+    <dgm:pt modelId="{7B4D9211-4B9F-4A41-9FBA-36878883B984}" type="pres">
+      <dgm:prSet presAssocID="{59CCE03C-2FF3-423B-BD96-76B6582D53C4}" presName="hierRoot3" presStyleCnt="0"/>
+      <dgm:spPr/>
+    </dgm:pt>
+    <dgm:pt modelId="{08DAFDDE-B5F3-42C9-BB3E-4A294EF44AF8}" type="pres">
+      <dgm:prSet presAssocID="{59CCE03C-2FF3-423B-BD96-76B6582D53C4}" presName="composite3" presStyleCnt="0"/>
+      <dgm:spPr/>
+    </dgm:pt>
+    <dgm:pt modelId="{CD644283-1664-4DD6-B0E5-567160C70EA5}" type="pres">
+      <dgm:prSet presAssocID="{59CCE03C-2FF3-423B-BD96-76B6582D53C4}" presName="background3" presStyleLbl="node3" presStyleIdx="2" presStyleCnt="3"/>
+      <dgm:spPr/>
+    </dgm:pt>
+    <dgm:pt modelId="{4B48D8DF-A1BE-4174-B8A6-C77B7C5F4228}" type="pres">
+      <dgm:prSet presAssocID="{59CCE03C-2FF3-423B-BD96-76B6582D53C4}" presName="text3" presStyleLbl="fgAcc3" presStyleIdx="2" presStyleCnt="3">
+        <dgm:presLayoutVars>
+          <dgm:chPref val="3"/>
+        </dgm:presLayoutVars>
+      </dgm:prSet>
+      <dgm:spPr/>
+    </dgm:pt>
+    <dgm:pt modelId="{05544E91-113E-483B-AD62-60295B1AE279}" type="pres">
+      <dgm:prSet presAssocID="{59CCE03C-2FF3-423B-BD96-76B6582D53C4}" presName="hierChild4" presStyleCnt="0"/>
+      <dgm:spPr/>
+    </dgm:pt>
+  </dgm:ptLst>
+  <dgm:cxnLst>
+    <dgm:cxn modelId="{81F4BAF8-FC0D-4E23-9C18-98C0218BE48A}" type="presOf" srcId="{C970C188-F04F-415C-B685-2C4E7AFB148E}" destId="{19A18D5C-3828-4A3A-AD39-842915AB4B31}" srcOrd="0" destOrd="0" presId="urn:microsoft.com/office/officeart/2005/8/layout/hierarchy1"/>
+    <dgm:cxn modelId="{CF1ED747-D1E8-44C2-BB9D-CD19855A4CB9}" type="presOf" srcId="{32E73D07-24A9-418B-8637-70AE2A4B04DD}" destId="{282AF261-4AE4-422A-80CF-EF69C2A1EEC2}" srcOrd="0" destOrd="0" presId="urn:microsoft.com/office/officeart/2005/8/layout/hierarchy1"/>
+    <dgm:cxn modelId="{B3B6EDA5-6B63-40BC-AFA8-98D4E7F21188}" type="presOf" srcId="{4A1CE773-3E85-4B37-BA18-CB28DF37705F}" destId="{1FDF757A-8487-43AB-AF08-50814C884DE4}" srcOrd="0" destOrd="0" presId="urn:microsoft.com/office/officeart/2005/8/layout/hierarchy1"/>
+    <dgm:cxn modelId="{4218E0FC-F711-4185-BADB-6B6ECC1D843D}" type="presOf" srcId="{0B78D950-F64C-4F79-9424-FC10DB963D07}" destId="{CE5DDF01-E77D-45F5-B5D5-56C67C8251CC}" srcOrd="0" destOrd="0" presId="urn:microsoft.com/office/officeart/2005/8/layout/hierarchy1"/>
+    <dgm:cxn modelId="{9F3DCA4B-DDEA-4D57-A2BE-01EDAA20879E}" srcId="{3D7E4721-08AD-4056-9D97-280A0288FF53}" destId="{7DF7B6DD-8D79-468E-B015-C667742FBFEB}" srcOrd="0" destOrd="0" parTransId="{1B8AF3C6-2F66-4552-8F48-4A75818AB395}" sibTransId="{473ED60A-3384-44E1-AF12-F229B86CAE9E}"/>
+    <dgm:cxn modelId="{D9830D42-6793-401A-82E3-4581CBF0226C}" type="presOf" srcId="{59CCE03C-2FF3-423B-BD96-76B6582D53C4}" destId="{4B48D8DF-A1BE-4174-B8A6-C77B7C5F4228}" srcOrd="0" destOrd="0" presId="urn:microsoft.com/office/officeart/2005/8/layout/hierarchy1"/>
+    <dgm:cxn modelId="{A67FD952-7E3E-42C2-B9AC-9786F65D1584}" srcId="{A68B1903-0028-4D99-A908-2252855922B4}" destId="{4A1CE773-3E85-4B37-BA18-CB28DF37705F}" srcOrd="0" destOrd="0" parTransId="{C970C188-F04F-415C-B685-2C4E7AFB148E}" sibTransId="{1EF5A848-6056-46B2-8C3B-F197EDA52614}"/>
+    <dgm:cxn modelId="{912B9C92-F861-4ED4-833D-4A33BFF730D3}" type="presOf" srcId="{209FE170-F083-402C-AC83-549C8EA18AC8}" destId="{8FD4D1BD-9BC6-432E-AAAF-D0ACFFEB96D1}" srcOrd="0" destOrd="0" presId="urn:microsoft.com/office/officeart/2005/8/layout/hierarchy1"/>
+    <dgm:cxn modelId="{B53CC8F2-C2FF-44F2-AD7D-E1D43CADF105}" type="presOf" srcId="{E7451915-896C-4288-AD48-855A6C21988B}" destId="{D84E6FED-1F7A-45AD-857D-03BBF7C6EE30}" srcOrd="0" destOrd="0" presId="urn:microsoft.com/office/officeart/2005/8/layout/hierarchy1"/>
+    <dgm:cxn modelId="{2DE19D6A-0338-4C45-9789-A3DF9DC222C9}" srcId="{A68B1903-0028-4D99-A908-2252855922B4}" destId="{0B78D950-F64C-4F79-9424-FC10DB963D07}" srcOrd="1" destOrd="0" parTransId="{E7451915-896C-4288-AD48-855A6C21988B}" sibTransId="{AFFF66B4-B9B5-4E36-AA20-261B0247CA86}"/>
+    <dgm:cxn modelId="{21F323C0-55E9-477A-9219-41A82E8F2D1F}" type="presOf" srcId="{D0661366-8DBA-4DBC-A06D-4481D4191AE8}" destId="{27BBB5A0-E2AA-4E8D-8C7B-612768D431FF}" srcOrd="0" destOrd="0" presId="urn:microsoft.com/office/officeart/2005/8/layout/hierarchy1"/>
+    <dgm:cxn modelId="{A0080B84-0FED-4907-B363-A04CB2652188}" srcId="{7DF7B6DD-8D79-468E-B015-C667742FBFEB}" destId="{A68B1903-0028-4D99-A908-2252855922B4}" srcOrd="0" destOrd="0" parTransId="{32E73D07-24A9-418B-8637-70AE2A4B04DD}" sibTransId="{3AE7814F-4A62-4A6D-BDAB-3D33B77BF4FD}"/>
+    <dgm:cxn modelId="{FC6CD126-E9D8-401A-BEDE-74EB18CCE6B9}" type="presOf" srcId="{1850DA1E-5FA1-477A-B976-B2D4EBE87D5D}" destId="{25D2C26B-F21A-40F6-AFB5-6B810F70B9F0}" srcOrd="0" destOrd="0" presId="urn:microsoft.com/office/officeart/2005/8/layout/hierarchy1"/>
+    <dgm:cxn modelId="{84A04DB9-21A6-4E40-B4F5-4A36615BF526}" type="presOf" srcId="{A68B1903-0028-4D99-A908-2252855922B4}" destId="{9B275DF0-F8DC-42C9-8595-F87857D25C56}" srcOrd="0" destOrd="0" presId="urn:microsoft.com/office/officeart/2005/8/layout/hierarchy1"/>
+    <dgm:cxn modelId="{7E417A89-C0CC-406B-8785-10E05B96A5C7}" type="presOf" srcId="{3D7E4721-08AD-4056-9D97-280A0288FF53}" destId="{7B45AD48-8CE5-4F2D-9E5A-9E6EAD70CFE8}" srcOrd="0" destOrd="0" presId="urn:microsoft.com/office/officeart/2005/8/layout/hierarchy1"/>
+    <dgm:cxn modelId="{CEA47BB9-80A6-46E6-A4D2-9A1AC78C4EF1}" type="presOf" srcId="{7DF7B6DD-8D79-468E-B015-C667742FBFEB}" destId="{551BA09D-D6E3-46F9-B56A-111B5F9BD539}" srcOrd="0" destOrd="0" presId="urn:microsoft.com/office/officeart/2005/8/layout/hierarchy1"/>
+    <dgm:cxn modelId="{EE6EE38F-33DF-440B-95EE-5A74B606D817}" srcId="{1850DA1E-5FA1-477A-B976-B2D4EBE87D5D}" destId="{59CCE03C-2FF3-423B-BD96-76B6582D53C4}" srcOrd="0" destOrd="0" parTransId="{209FE170-F083-402C-AC83-549C8EA18AC8}" sibTransId="{D16DE795-A73A-415D-BD73-B2E0862ECF96}"/>
+    <dgm:cxn modelId="{D6B62EAA-2909-4929-97DB-3DBC8590ACB3}" srcId="{7DF7B6DD-8D79-468E-B015-C667742FBFEB}" destId="{1850DA1E-5FA1-477A-B976-B2D4EBE87D5D}" srcOrd="1" destOrd="0" parTransId="{D0661366-8DBA-4DBC-A06D-4481D4191AE8}" sibTransId="{6D191926-0014-4E6D-98FF-F9A17EE6CFE6}"/>
+    <dgm:cxn modelId="{01F054D9-3260-4C51-9D31-D81EF86610E9}" type="presParOf" srcId="{7B45AD48-8CE5-4F2D-9E5A-9E6EAD70CFE8}" destId="{98AF0672-4BF2-4BE6-AE81-34B4937C453D}" srcOrd="0" destOrd="0" presId="urn:microsoft.com/office/officeart/2005/8/layout/hierarchy1"/>
+    <dgm:cxn modelId="{54AEBAB2-4AF3-4805-9128-06F9AD64C2F9}" type="presParOf" srcId="{98AF0672-4BF2-4BE6-AE81-34B4937C453D}" destId="{23CCCCC9-26A7-4219-92DF-4846B78E56B8}" srcOrd="0" destOrd="0" presId="urn:microsoft.com/office/officeart/2005/8/layout/hierarchy1"/>
+    <dgm:cxn modelId="{2DACF968-BE17-4653-BE91-48E2A492A278}" type="presParOf" srcId="{23CCCCC9-26A7-4219-92DF-4846B78E56B8}" destId="{A1E5727F-60B4-46F6-A5E5-9FF43D09173A}" srcOrd="0" destOrd="0" presId="urn:microsoft.com/office/officeart/2005/8/layout/hierarchy1"/>
+    <dgm:cxn modelId="{F1B14BC4-D67F-4C22-A44B-5E00FE984136}" type="presParOf" srcId="{23CCCCC9-26A7-4219-92DF-4846B78E56B8}" destId="{551BA09D-D6E3-46F9-B56A-111B5F9BD539}" srcOrd="1" destOrd="0" presId="urn:microsoft.com/office/officeart/2005/8/layout/hierarchy1"/>
+    <dgm:cxn modelId="{CA3FBA16-E078-42F0-B640-C5F123141962}" type="presParOf" srcId="{98AF0672-4BF2-4BE6-AE81-34B4937C453D}" destId="{5406F40D-6900-46D5-B789-FD5A745F7CB0}" srcOrd="1" destOrd="0" presId="urn:microsoft.com/office/officeart/2005/8/layout/hierarchy1"/>
+    <dgm:cxn modelId="{E0A1CB7B-3800-4E61-9B3E-592422D6346D}" type="presParOf" srcId="{5406F40D-6900-46D5-B789-FD5A745F7CB0}" destId="{282AF261-4AE4-422A-80CF-EF69C2A1EEC2}" srcOrd="0" destOrd="0" presId="urn:microsoft.com/office/officeart/2005/8/layout/hierarchy1"/>
+    <dgm:cxn modelId="{0DB9C8F9-A1D3-4134-9406-8E64149845DC}" type="presParOf" srcId="{5406F40D-6900-46D5-B789-FD5A745F7CB0}" destId="{10B57636-B5C9-40C3-8917-34C3E0AD1337}" srcOrd="1" destOrd="0" presId="urn:microsoft.com/office/officeart/2005/8/layout/hierarchy1"/>
+    <dgm:cxn modelId="{081E0BB0-8DBD-4357-B9E6-202811F058CF}" type="presParOf" srcId="{10B57636-B5C9-40C3-8917-34C3E0AD1337}" destId="{C4803185-988E-4044-8A98-1CE534C2F5A5}" srcOrd="0" destOrd="0" presId="urn:microsoft.com/office/officeart/2005/8/layout/hierarchy1"/>
+    <dgm:cxn modelId="{53CB3722-8471-4D80-946A-3748BC3F790F}" type="presParOf" srcId="{C4803185-988E-4044-8A98-1CE534C2F5A5}" destId="{D1973B1A-C160-4BAE-AD91-BE1A9E778653}" srcOrd="0" destOrd="0" presId="urn:microsoft.com/office/officeart/2005/8/layout/hierarchy1"/>
+    <dgm:cxn modelId="{CF5E6436-8F8B-4DCC-A8C0-156179090028}" type="presParOf" srcId="{C4803185-988E-4044-8A98-1CE534C2F5A5}" destId="{9B275DF0-F8DC-42C9-8595-F87857D25C56}" srcOrd="1" destOrd="0" presId="urn:microsoft.com/office/officeart/2005/8/layout/hierarchy1"/>
+    <dgm:cxn modelId="{2B4CFD44-4665-4575-8668-A1CD3760F36F}" type="presParOf" srcId="{10B57636-B5C9-40C3-8917-34C3E0AD1337}" destId="{E9486A02-105E-4062-8F07-285CC9C6B0C3}" srcOrd="1" destOrd="0" presId="urn:microsoft.com/office/officeart/2005/8/layout/hierarchy1"/>
+    <dgm:cxn modelId="{EA8FB686-79E1-4F8E-8F43-70F095A40DF1}" type="presParOf" srcId="{E9486A02-105E-4062-8F07-285CC9C6B0C3}" destId="{19A18D5C-3828-4A3A-AD39-842915AB4B31}" srcOrd="0" destOrd="0" presId="urn:microsoft.com/office/officeart/2005/8/layout/hierarchy1"/>
+    <dgm:cxn modelId="{FFD87C18-F57D-4B33-8E98-797F43E8B766}" type="presParOf" srcId="{E9486A02-105E-4062-8F07-285CC9C6B0C3}" destId="{BFF919F8-951E-4BAA-8DF4-D9DD861D304E}" srcOrd="1" destOrd="0" presId="urn:microsoft.com/office/officeart/2005/8/layout/hierarchy1"/>
+    <dgm:cxn modelId="{7BDAA0DC-9F32-44C8-AC5E-D47A09D15F11}" type="presParOf" srcId="{BFF919F8-951E-4BAA-8DF4-D9DD861D304E}" destId="{0C21D39F-2713-4DC0-A78B-9379CA414AF4}" srcOrd="0" destOrd="0" presId="urn:microsoft.com/office/officeart/2005/8/layout/hierarchy1"/>
+    <dgm:cxn modelId="{9D8E066B-207D-4E8A-8E2A-4BE7E530CF1C}" type="presParOf" srcId="{0C21D39F-2713-4DC0-A78B-9379CA414AF4}" destId="{D1341DCC-09F8-49CA-A19E-CBE2B03B3153}" srcOrd="0" destOrd="0" presId="urn:microsoft.com/office/officeart/2005/8/layout/hierarchy1"/>
+    <dgm:cxn modelId="{E5155C0A-9E6B-4870-9646-1F690C7F056E}" type="presParOf" srcId="{0C21D39F-2713-4DC0-A78B-9379CA414AF4}" destId="{1FDF757A-8487-43AB-AF08-50814C884DE4}" srcOrd="1" destOrd="0" presId="urn:microsoft.com/office/officeart/2005/8/layout/hierarchy1"/>
+    <dgm:cxn modelId="{715926FF-BF6F-488A-9052-A5A421D7A314}" type="presParOf" srcId="{BFF919F8-951E-4BAA-8DF4-D9DD861D304E}" destId="{33B64664-2BF1-43DA-8E2F-52300A5A0E69}" srcOrd="1" destOrd="0" presId="urn:microsoft.com/office/officeart/2005/8/layout/hierarchy1"/>
+    <dgm:cxn modelId="{3BF8073D-F0EA-4C38-9F88-2F7E039C9320}" type="presParOf" srcId="{E9486A02-105E-4062-8F07-285CC9C6B0C3}" destId="{D84E6FED-1F7A-45AD-857D-03BBF7C6EE30}" srcOrd="2" destOrd="0" presId="urn:microsoft.com/office/officeart/2005/8/layout/hierarchy1"/>
+    <dgm:cxn modelId="{42E620F9-BA04-44FD-AB0C-82A976C74FE9}" type="presParOf" srcId="{E9486A02-105E-4062-8F07-285CC9C6B0C3}" destId="{E562D5DC-701C-47A5-9B43-94F5F9DA5033}" srcOrd="3" destOrd="0" presId="urn:microsoft.com/office/officeart/2005/8/layout/hierarchy1"/>
+    <dgm:cxn modelId="{1E2C49BB-E203-4515-895A-4A1BE0E7077F}" type="presParOf" srcId="{E562D5DC-701C-47A5-9B43-94F5F9DA5033}" destId="{464CEB15-B51E-49CA-B087-82EC9B2E3835}" srcOrd="0" destOrd="0" presId="urn:microsoft.com/office/officeart/2005/8/layout/hierarchy1"/>
+    <dgm:cxn modelId="{7C23D2C5-5444-43F0-8C59-A85578F2967A}" type="presParOf" srcId="{464CEB15-B51E-49CA-B087-82EC9B2E3835}" destId="{4653B551-E7DA-4C83-9956-E88983EC0E2A}" srcOrd="0" destOrd="0" presId="urn:microsoft.com/office/officeart/2005/8/layout/hierarchy1"/>
+    <dgm:cxn modelId="{51DCEC02-87D9-4342-A8E7-A95AFB641ADA}" type="presParOf" srcId="{464CEB15-B51E-49CA-B087-82EC9B2E3835}" destId="{CE5DDF01-E77D-45F5-B5D5-56C67C8251CC}" srcOrd="1" destOrd="0" presId="urn:microsoft.com/office/officeart/2005/8/layout/hierarchy1"/>
+    <dgm:cxn modelId="{F69F225F-33D6-46E8-921D-58AE894381FE}" type="presParOf" srcId="{E562D5DC-701C-47A5-9B43-94F5F9DA5033}" destId="{6B94BDAB-E368-434A-BFD0-AB9139FB7970}" srcOrd="1" destOrd="0" presId="urn:microsoft.com/office/officeart/2005/8/layout/hierarchy1"/>
+    <dgm:cxn modelId="{310B551C-7E37-4E8E-8C14-AF4AD650985C}" type="presParOf" srcId="{5406F40D-6900-46D5-B789-FD5A745F7CB0}" destId="{27BBB5A0-E2AA-4E8D-8C7B-612768D431FF}" srcOrd="2" destOrd="0" presId="urn:microsoft.com/office/officeart/2005/8/layout/hierarchy1"/>
+    <dgm:cxn modelId="{3D821C2A-8F7E-46E5-AA4F-80394BB5BEF4}" type="presParOf" srcId="{5406F40D-6900-46D5-B789-FD5A745F7CB0}" destId="{B1ED7FA4-6552-438F-A6A2-A57F28468333}" srcOrd="3" destOrd="0" presId="urn:microsoft.com/office/officeart/2005/8/layout/hierarchy1"/>
+    <dgm:cxn modelId="{A96EEF70-D9B9-4469-8F12-B911BFBC2819}" type="presParOf" srcId="{B1ED7FA4-6552-438F-A6A2-A57F28468333}" destId="{625B5A97-EE3F-4934-B9E8-51564273800C}" srcOrd="0" destOrd="0" presId="urn:microsoft.com/office/officeart/2005/8/layout/hierarchy1"/>
+    <dgm:cxn modelId="{94EBDE27-7C39-4F12-87C1-31287A713146}" type="presParOf" srcId="{625B5A97-EE3F-4934-B9E8-51564273800C}" destId="{41350408-BE8E-4C29-AE25-C439DFA9FBA2}" srcOrd="0" destOrd="0" presId="urn:microsoft.com/office/officeart/2005/8/layout/hierarchy1"/>
+    <dgm:cxn modelId="{02C85E2D-3939-4FFC-8048-881CB01E2793}" type="presParOf" srcId="{625B5A97-EE3F-4934-B9E8-51564273800C}" destId="{25D2C26B-F21A-40F6-AFB5-6B810F70B9F0}" srcOrd="1" destOrd="0" presId="urn:microsoft.com/office/officeart/2005/8/layout/hierarchy1"/>
+    <dgm:cxn modelId="{AB3AC460-284D-4DCA-B98F-244A4E175EE9}" type="presParOf" srcId="{B1ED7FA4-6552-438F-A6A2-A57F28468333}" destId="{D7D83D01-28E2-4ABF-9889-3E58CE005994}" srcOrd="1" destOrd="0" presId="urn:microsoft.com/office/officeart/2005/8/layout/hierarchy1"/>
+    <dgm:cxn modelId="{EFB9DD20-E690-48C8-8594-C931BA1835E7}" type="presParOf" srcId="{D7D83D01-28E2-4ABF-9889-3E58CE005994}" destId="{8FD4D1BD-9BC6-432E-AAAF-D0ACFFEB96D1}" srcOrd="0" destOrd="0" presId="urn:microsoft.com/office/officeart/2005/8/layout/hierarchy1"/>
+    <dgm:cxn modelId="{3D2164EB-75F7-4B4F-8407-BAB37EFD5943}" type="presParOf" srcId="{D7D83D01-28E2-4ABF-9889-3E58CE005994}" destId="{7B4D9211-4B9F-4A41-9FBA-36878883B984}" srcOrd="1" destOrd="0" presId="urn:microsoft.com/office/officeart/2005/8/layout/hierarchy1"/>
+    <dgm:cxn modelId="{8F38F49C-E62B-41D9-84DF-6234D1904179}" type="presParOf" srcId="{7B4D9211-4B9F-4A41-9FBA-36878883B984}" destId="{08DAFDDE-B5F3-42C9-BB3E-4A294EF44AF8}" srcOrd="0" destOrd="0" presId="urn:microsoft.com/office/officeart/2005/8/layout/hierarchy1"/>
+    <dgm:cxn modelId="{74DFAD88-F8A1-4DE7-A7C0-B7338116B954}" type="presParOf" srcId="{08DAFDDE-B5F3-42C9-BB3E-4A294EF44AF8}" destId="{CD644283-1664-4DD6-B0E5-567160C70EA5}" srcOrd="0" destOrd="0" presId="urn:microsoft.com/office/officeart/2005/8/layout/hierarchy1"/>
+    <dgm:cxn modelId="{F37FED62-6BDA-40CC-8EE9-91F29C636212}" type="presParOf" srcId="{08DAFDDE-B5F3-42C9-BB3E-4A294EF44AF8}" destId="{4B48D8DF-A1BE-4174-B8A6-C77B7C5F4228}" srcOrd="1" destOrd="0" presId="urn:microsoft.com/office/officeart/2005/8/layout/hierarchy1"/>
+    <dgm:cxn modelId="{9D918DF6-FF59-4F69-B08C-061BC99F18E6}" type="presParOf" srcId="{7B4D9211-4B9F-4A41-9FBA-36878883B984}" destId="{05544E91-113E-483B-AD62-60295B1AE279}" srcOrd="1" destOrd="0" presId="urn:microsoft.com/office/officeart/2005/8/layout/hierarchy1"/>
+  </dgm:cxnLst>
+  <dgm:bg/>
+  <dgm:whole/>
+  <dgm:extLst>
+    <a:ext uri="http://schemas.microsoft.com/office/drawing/2008/diagram">
+      <dsp:dataModelExt xmlns:dsp="http://schemas.microsoft.com/office/drawing/2008/diagram" relId="rId7" minVer="http://schemas.openxmlformats.org/drawingml/2006/diagram"/>
     </a:ext>
   </dgm:extLst>
 </dgm:dataModel>
@@ -8642,6 +9854,1071 @@
 </dsp:drawing>
 </file>
 
+<file path=ppt/diagrams/drawing5.xml><?xml version="1.0" encoding="utf-8"?>
+<dsp:drawing xmlns:dgm="http://schemas.openxmlformats.org/drawingml/2006/diagram" xmlns:dsp="http://schemas.microsoft.com/office/drawing/2008/diagram" xmlns:a="http://schemas.openxmlformats.org/drawingml/2006/main">
+  <dsp:spTree>
+    <dsp:nvGrpSpPr>
+      <dsp:cNvPr id="0" name=""/>
+      <dsp:cNvGrpSpPr/>
+    </dsp:nvGrpSpPr>
+    <dsp:grpSpPr/>
+    <dsp:sp modelId="{8FD4D1BD-9BC6-432E-AAAF-D0ACFFEB96D1}">
+      <dsp:nvSpPr>
+        <dsp:cNvPr id="0" name=""/>
+        <dsp:cNvSpPr/>
+      </dsp:nvSpPr>
+      <dsp:spPr>
+        <a:xfrm>
+          <a:off x="6104881" y="2724914"/>
+          <a:ext cx="91440" cy="507496"/>
+        </a:xfrm>
+        <a:custGeom>
+          <a:avLst/>
+          <a:gdLst/>
+          <a:ahLst/>
+          <a:cxnLst/>
+          <a:rect l="0" t="0" r="0" b="0"/>
+          <a:pathLst>
+            <a:path>
+              <a:moveTo>
+                <a:pt x="45720" y="0"/>
+              </a:moveTo>
+              <a:lnTo>
+                <a:pt x="45720" y="507496"/>
+              </a:lnTo>
+            </a:path>
+          </a:pathLst>
+        </a:custGeom>
+        <a:noFill/>
+        <a:ln w="28575" cap="flat" cmpd="sng" algn="ctr">
+          <a:solidFill>
+            <a:schemeClr val="accent1">
+              <a:shade val="80000"/>
+              <a:hueOff val="0"/>
+              <a:satOff val="0"/>
+              <a:lumOff val="0"/>
+              <a:alphaOff val="0"/>
+            </a:schemeClr>
+          </a:solidFill>
+          <a:prstDash val="solid"/>
+        </a:ln>
+        <a:effectLst/>
+      </dsp:spPr>
+      <dsp:style>
+        <a:lnRef idx="2">
+          <a:scrgbClr r="0" g="0" b="0"/>
+        </a:lnRef>
+        <a:fillRef idx="0">
+          <a:scrgbClr r="0" g="0" b="0"/>
+        </a:fillRef>
+        <a:effectRef idx="0">
+          <a:scrgbClr r="0" g="0" b="0"/>
+        </a:effectRef>
+        <a:fontRef idx="minor"/>
+      </dsp:style>
+    </dsp:sp>
+    <dsp:sp modelId="{27BBB5A0-E2AA-4E8D-8C7B-612768D431FF}">
+      <dsp:nvSpPr>
+        <dsp:cNvPr id="0" name=""/>
+        <dsp:cNvSpPr/>
+      </dsp:nvSpPr>
+      <dsp:spPr>
+        <a:xfrm>
+          <a:off x="4551043" y="1109360"/>
+          <a:ext cx="1599558" cy="507496"/>
+        </a:xfrm>
+        <a:custGeom>
+          <a:avLst/>
+          <a:gdLst/>
+          <a:ahLst/>
+          <a:cxnLst/>
+          <a:rect l="0" t="0" r="0" b="0"/>
+          <a:pathLst>
+            <a:path>
+              <a:moveTo>
+                <a:pt x="0" y="0"/>
+              </a:moveTo>
+              <a:lnTo>
+                <a:pt x="0" y="345843"/>
+              </a:lnTo>
+              <a:lnTo>
+                <a:pt x="1599558" y="345843"/>
+              </a:lnTo>
+              <a:lnTo>
+                <a:pt x="1599558" y="507496"/>
+              </a:lnTo>
+            </a:path>
+          </a:pathLst>
+        </a:custGeom>
+        <a:noFill/>
+        <a:ln w="28575" cap="flat" cmpd="sng" algn="ctr">
+          <a:solidFill>
+            <a:schemeClr val="accent1">
+              <a:shade val="60000"/>
+              <a:hueOff val="0"/>
+              <a:satOff val="0"/>
+              <a:lumOff val="0"/>
+              <a:alphaOff val="0"/>
+            </a:schemeClr>
+          </a:solidFill>
+          <a:prstDash val="solid"/>
+        </a:ln>
+        <a:effectLst/>
+      </dsp:spPr>
+      <dsp:style>
+        <a:lnRef idx="2">
+          <a:scrgbClr r="0" g="0" b="0"/>
+        </a:lnRef>
+        <a:fillRef idx="0">
+          <a:scrgbClr r="0" g="0" b="0"/>
+        </a:fillRef>
+        <a:effectRef idx="0">
+          <a:scrgbClr r="0" g="0" b="0"/>
+        </a:effectRef>
+        <a:fontRef idx="minor"/>
+      </dsp:style>
+    </dsp:sp>
+    <dsp:sp modelId="{D84E6FED-1F7A-45AD-857D-03BBF7C6EE30}">
+      <dsp:nvSpPr>
+        <dsp:cNvPr id="0" name=""/>
+        <dsp:cNvSpPr/>
+      </dsp:nvSpPr>
+      <dsp:spPr>
+        <a:xfrm>
+          <a:off x="2951484" y="2724914"/>
+          <a:ext cx="1066372" cy="507496"/>
+        </a:xfrm>
+        <a:custGeom>
+          <a:avLst/>
+          <a:gdLst/>
+          <a:ahLst/>
+          <a:cxnLst/>
+          <a:rect l="0" t="0" r="0" b="0"/>
+          <a:pathLst>
+            <a:path>
+              <a:moveTo>
+                <a:pt x="0" y="0"/>
+              </a:moveTo>
+              <a:lnTo>
+                <a:pt x="0" y="345843"/>
+              </a:lnTo>
+              <a:lnTo>
+                <a:pt x="1066372" y="345843"/>
+              </a:lnTo>
+              <a:lnTo>
+                <a:pt x="1066372" y="507496"/>
+              </a:lnTo>
+            </a:path>
+          </a:pathLst>
+        </a:custGeom>
+        <a:noFill/>
+        <a:ln w="28575" cap="flat" cmpd="sng" algn="ctr">
+          <a:solidFill>
+            <a:schemeClr val="accent1">
+              <a:shade val="80000"/>
+              <a:hueOff val="0"/>
+              <a:satOff val="0"/>
+              <a:lumOff val="0"/>
+              <a:alphaOff val="0"/>
+            </a:schemeClr>
+          </a:solidFill>
+          <a:prstDash val="solid"/>
+        </a:ln>
+        <a:effectLst/>
+      </dsp:spPr>
+      <dsp:style>
+        <a:lnRef idx="2">
+          <a:scrgbClr r="0" g="0" b="0"/>
+        </a:lnRef>
+        <a:fillRef idx="0">
+          <a:scrgbClr r="0" g="0" b="0"/>
+        </a:fillRef>
+        <a:effectRef idx="0">
+          <a:scrgbClr r="0" g="0" b="0"/>
+        </a:effectRef>
+        <a:fontRef idx="minor"/>
+      </dsp:style>
+    </dsp:sp>
+    <dsp:sp modelId="{19A18D5C-3828-4A3A-AD39-842915AB4B31}">
+      <dsp:nvSpPr>
+        <dsp:cNvPr id="0" name=""/>
+        <dsp:cNvSpPr/>
+      </dsp:nvSpPr>
+      <dsp:spPr>
+        <a:xfrm>
+          <a:off x="1885112" y="2724914"/>
+          <a:ext cx="1066372" cy="507496"/>
+        </a:xfrm>
+        <a:custGeom>
+          <a:avLst/>
+          <a:gdLst/>
+          <a:ahLst/>
+          <a:cxnLst/>
+          <a:rect l="0" t="0" r="0" b="0"/>
+          <a:pathLst>
+            <a:path>
+              <a:moveTo>
+                <a:pt x="1066372" y="0"/>
+              </a:moveTo>
+              <a:lnTo>
+                <a:pt x="1066372" y="345843"/>
+              </a:lnTo>
+              <a:lnTo>
+                <a:pt x="0" y="345843"/>
+              </a:lnTo>
+              <a:lnTo>
+                <a:pt x="0" y="507496"/>
+              </a:lnTo>
+            </a:path>
+          </a:pathLst>
+        </a:custGeom>
+        <a:noFill/>
+        <a:ln w="28575" cap="flat" cmpd="sng" algn="ctr">
+          <a:solidFill>
+            <a:schemeClr val="accent1">
+              <a:shade val="80000"/>
+              <a:hueOff val="0"/>
+              <a:satOff val="0"/>
+              <a:lumOff val="0"/>
+              <a:alphaOff val="0"/>
+            </a:schemeClr>
+          </a:solidFill>
+          <a:prstDash val="solid"/>
+        </a:ln>
+        <a:effectLst/>
+      </dsp:spPr>
+      <dsp:style>
+        <a:lnRef idx="2">
+          <a:scrgbClr r="0" g="0" b="0"/>
+        </a:lnRef>
+        <a:fillRef idx="0">
+          <a:scrgbClr r="0" g="0" b="0"/>
+        </a:fillRef>
+        <a:effectRef idx="0">
+          <a:scrgbClr r="0" g="0" b="0"/>
+        </a:effectRef>
+        <a:fontRef idx="minor"/>
+      </dsp:style>
+    </dsp:sp>
+    <dsp:sp modelId="{282AF261-4AE4-422A-80CF-EF69C2A1EEC2}">
+      <dsp:nvSpPr>
+        <dsp:cNvPr id="0" name=""/>
+        <dsp:cNvSpPr/>
+      </dsp:nvSpPr>
+      <dsp:spPr>
+        <a:xfrm>
+          <a:off x="2951484" y="1109360"/>
+          <a:ext cx="1599558" cy="507496"/>
+        </a:xfrm>
+        <a:custGeom>
+          <a:avLst/>
+          <a:gdLst/>
+          <a:ahLst/>
+          <a:cxnLst/>
+          <a:rect l="0" t="0" r="0" b="0"/>
+          <a:pathLst>
+            <a:path>
+              <a:moveTo>
+                <a:pt x="1599558" y="0"/>
+              </a:moveTo>
+              <a:lnTo>
+                <a:pt x="1599558" y="345843"/>
+              </a:lnTo>
+              <a:lnTo>
+                <a:pt x="0" y="345843"/>
+              </a:lnTo>
+              <a:lnTo>
+                <a:pt x="0" y="507496"/>
+              </a:lnTo>
+            </a:path>
+          </a:pathLst>
+        </a:custGeom>
+        <a:noFill/>
+        <a:ln w="28575" cap="flat" cmpd="sng" algn="ctr">
+          <a:solidFill>
+            <a:schemeClr val="accent1">
+              <a:shade val="60000"/>
+              <a:hueOff val="0"/>
+              <a:satOff val="0"/>
+              <a:lumOff val="0"/>
+              <a:alphaOff val="0"/>
+            </a:schemeClr>
+          </a:solidFill>
+          <a:prstDash val="solid"/>
+        </a:ln>
+        <a:effectLst/>
+      </dsp:spPr>
+      <dsp:style>
+        <a:lnRef idx="2">
+          <a:scrgbClr r="0" g="0" b="0"/>
+        </a:lnRef>
+        <a:fillRef idx="0">
+          <a:scrgbClr r="0" g="0" b="0"/>
+        </a:fillRef>
+        <a:effectRef idx="0">
+          <a:scrgbClr r="0" g="0" b="0"/>
+        </a:effectRef>
+        <a:fontRef idx="minor"/>
+      </dsp:style>
+    </dsp:sp>
+    <dsp:sp modelId="{A1E5727F-60B4-46F6-A5E5-9FF43D09173A}">
+      <dsp:nvSpPr>
+        <dsp:cNvPr id="0" name=""/>
+        <dsp:cNvSpPr/>
+      </dsp:nvSpPr>
+      <dsp:spPr>
+        <a:xfrm>
+          <a:off x="3678556" y="1303"/>
+          <a:ext cx="1744972" cy="1108057"/>
+        </a:xfrm>
+        <a:prstGeom prst="roundRect">
+          <a:avLst>
+            <a:gd name="adj" fmla="val 10000"/>
+          </a:avLst>
+        </a:prstGeom>
+        <a:solidFill>
+          <a:schemeClr val="accent1">
+            <a:hueOff val="0"/>
+            <a:satOff val="0"/>
+            <a:lumOff val="0"/>
+            <a:alphaOff val="0"/>
+          </a:schemeClr>
+        </a:solidFill>
+        <a:ln w="28575" cap="flat" cmpd="sng" algn="ctr">
+          <a:solidFill>
+            <a:schemeClr val="lt1">
+              <a:hueOff val="0"/>
+              <a:satOff val="0"/>
+              <a:lumOff val="0"/>
+              <a:alphaOff val="0"/>
+            </a:schemeClr>
+          </a:solidFill>
+          <a:prstDash val="solid"/>
+        </a:ln>
+        <a:effectLst/>
+      </dsp:spPr>
+      <dsp:style>
+        <a:lnRef idx="2">
+          <a:scrgbClr r="0" g="0" b="0"/>
+        </a:lnRef>
+        <a:fillRef idx="1">
+          <a:scrgbClr r="0" g="0" b="0"/>
+        </a:fillRef>
+        <a:effectRef idx="0">
+          <a:scrgbClr r="0" g="0" b="0"/>
+        </a:effectRef>
+        <a:fontRef idx="minor">
+          <a:schemeClr val="lt1"/>
+        </a:fontRef>
+      </dsp:style>
+    </dsp:sp>
+    <dsp:sp modelId="{551BA09D-D6E3-46F9-B56A-111B5F9BD539}">
+      <dsp:nvSpPr>
+        <dsp:cNvPr id="0" name=""/>
+        <dsp:cNvSpPr/>
+      </dsp:nvSpPr>
+      <dsp:spPr>
+        <a:xfrm>
+          <a:off x="3872442" y="185494"/>
+          <a:ext cx="1744972" cy="1108057"/>
+        </a:xfrm>
+        <a:prstGeom prst="roundRect">
+          <a:avLst>
+            <a:gd name="adj" fmla="val 10000"/>
+          </a:avLst>
+        </a:prstGeom>
+        <a:solidFill>
+          <a:schemeClr val="lt1">
+            <a:alpha val="90000"/>
+            <a:hueOff val="0"/>
+            <a:satOff val="0"/>
+            <a:lumOff val="0"/>
+            <a:alphaOff val="0"/>
+          </a:schemeClr>
+        </a:solidFill>
+        <a:ln w="28575" cap="flat" cmpd="sng" algn="ctr">
+          <a:solidFill>
+            <a:schemeClr val="accent1">
+              <a:hueOff val="0"/>
+              <a:satOff val="0"/>
+              <a:lumOff val="0"/>
+              <a:alphaOff val="0"/>
+            </a:schemeClr>
+          </a:solidFill>
+          <a:prstDash val="solid"/>
+        </a:ln>
+        <a:effectLst/>
+      </dsp:spPr>
+      <dsp:style>
+        <a:lnRef idx="2">
+          <a:scrgbClr r="0" g="0" b="0"/>
+        </a:lnRef>
+        <a:fillRef idx="1">
+          <a:scrgbClr r="0" g="0" b="0"/>
+        </a:fillRef>
+        <a:effectRef idx="0">
+          <a:scrgbClr r="0" g="0" b="0"/>
+        </a:effectRef>
+        <a:fontRef idx="minor"/>
+      </dsp:style>
+      <dsp:txBody>
+        <a:bodyPr spcFirstLastPara="0" vert="horz" wrap="square" lIns="156210" tIns="156210" rIns="156210" bIns="156210" numCol="1" spcCol="1270" anchor="ctr" anchorCtr="0">
+          <a:noAutofit/>
+        </a:bodyPr>
+        <a:lstStyle/>
+        <a:p>
+          <a:pPr lvl="0" algn="ctr" defTabSz="1822450">
+            <a:lnSpc>
+              <a:spcPct val="90000"/>
+            </a:lnSpc>
+            <a:spcBef>
+              <a:spcPct val="0"/>
+            </a:spcBef>
+            <a:spcAft>
+              <a:spcPct val="35000"/>
+            </a:spcAft>
+          </a:pPr>
+          <a:r>
+            <a:rPr lang="pt-BR" sz="4100" kern="1200" smtClean="0"/>
+            <a:t>Login</a:t>
+          </a:r>
+          <a:endParaRPr lang="pt-BR" sz="4100" kern="1200" dirty="0"/>
+        </a:p>
+      </dsp:txBody>
+      <dsp:txXfrm>
+        <a:off x="3904896" y="217948"/>
+        <a:ext cx="1680064" cy="1043149"/>
+      </dsp:txXfrm>
+    </dsp:sp>
+    <dsp:sp modelId="{D1973B1A-C160-4BAE-AD91-BE1A9E778653}">
+      <dsp:nvSpPr>
+        <dsp:cNvPr id="0" name=""/>
+        <dsp:cNvSpPr/>
+      </dsp:nvSpPr>
+      <dsp:spPr>
+        <a:xfrm>
+          <a:off x="2078998" y="1616856"/>
+          <a:ext cx="1744972" cy="1108057"/>
+        </a:xfrm>
+        <a:prstGeom prst="roundRect">
+          <a:avLst>
+            <a:gd name="adj" fmla="val 10000"/>
+          </a:avLst>
+        </a:prstGeom>
+        <a:solidFill>
+          <a:schemeClr val="accent1">
+            <a:hueOff val="0"/>
+            <a:satOff val="0"/>
+            <a:lumOff val="0"/>
+            <a:alphaOff val="0"/>
+          </a:schemeClr>
+        </a:solidFill>
+        <a:ln w="28575" cap="flat" cmpd="sng" algn="ctr">
+          <a:solidFill>
+            <a:schemeClr val="lt1">
+              <a:hueOff val="0"/>
+              <a:satOff val="0"/>
+              <a:lumOff val="0"/>
+              <a:alphaOff val="0"/>
+            </a:schemeClr>
+          </a:solidFill>
+          <a:prstDash val="solid"/>
+        </a:ln>
+        <a:effectLst/>
+      </dsp:spPr>
+      <dsp:style>
+        <a:lnRef idx="2">
+          <a:scrgbClr r="0" g="0" b="0"/>
+        </a:lnRef>
+        <a:fillRef idx="1">
+          <a:scrgbClr r="0" g="0" b="0"/>
+        </a:fillRef>
+        <a:effectRef idx="0">
+          <a:scrgbClr r="0" g="0" b="0"/>
+        </a:effectRef>
+        <a:fontRef idx="minor">
+          <a:schemeClr val="lt1"/>
+        </a:fontRef>
+      </dsp:style>
+    </dsp:sp>
+    <dsp:sp modelId="{9B275DF0-F8DC-42C9-8595-F87857D25C56}">
+      <dsp:nvSpPr>
+        <dsp:cNvPr id="0" name=""/>
+        <dsp:cNvSpPr/>
+      </dsp:nvSpPr>
+      <dsp:spPr>
+        <a:xfrm>
+          <a:off x="2272884" y="1801048"/>
+          <a:ext cx="1744972" cy="1108057"/>
+        </a:xfrm>
+        <a:prstGeom prst="roundRect">
+          <a:avLst>
+            <a:gd name="adj" fmla="val 10000"/>
+          </a:avLst>
+        </a:prstGeom>
+        <a:solidFill>
+          <a:schemeClr val="lt1">
+            <a:alpha val="90000"/>
+            <a:hueOff val="0"/>
+            <a:satOff val="0"/>
+            <a:lumOff val="0"/>
+            <a:alphaOff val="0"/>
+          </a:schemeClr>
+        </a:solidFill>
+        <a:ln w="28575" cap="flat" cmpd="sng" algn="ctr">
+          <a:solidFill>
+            <a:schemeClr val="accent1">
+              <a:hueOff val="0"/>
+              <a:satOff val="0"/>
+              <a:lumOff val="0"/>
+              <a:alphaOff val="0"/>
+            </a:schemeClr>
+          </a:solidFill>
+          <a:prstDash val="solid"/>
+        </a:ln>
+        <a:effectLst/>
+      </dsp:spPr>
+      <dsp:style>
+        <a:lnRef idx="2">
+          <a:scrgbClr r="0" g="0" b="0"/>
+        </a:lnRef>
+        <a:fillRef idx="1">
+          <a:scrgbClr r="0" g="0" b="0"/>
+        </a:fillRef>
+        <a:effectRef idx="0">
+          <a:scrgbClr r="0" g="0" b="0"/>
+        </a:effectRef>
+        <a:fontRef idx="minor"/>
+      </dsp:style>
+      <dsp:txBody>
+        <a:bodyPr spcFirstLastPara="0" vert="horz" wrap="square" lIns="133350" tIns="133350" rIns="133350" bIns="133350" numCol="1" spcCol="1270" anchor="ctr" anchorCtr="0">
+          <a:noAutofit/>
+        </a:bodyPr>
+        <a:lstStyle/>
+        <a:p>
+          <a:pPr lvl="0" algn="ctr" defTabSz="1555750">
+            <a:lnSpc>
+              <a:spcPct val="90000"/>
+            </a:lnSpc>
+            <a:spcBef>
+              <a:spcPct val="0"/>
+            </a:spcBef>
+            <a:spcAft>
+              <a:spcPct val="35000"/>
+            </a:spcAft>
+          </a:pPr>
+          <a:endParaRPr lang="pt-BR" sz="3500" kern="1200" dirty="0"/>
+        </a:p>
+      </dsp:txBody>
+      <dsp:txXfrm>
+        <a:off x="2305338" y="1833502"/>
+        <a:ext cx="1680064" cy="1043149"/>
+      </dsp:txXfrm>
+    </dsp:sp>
+    <dsp:sp modelId="{D1341DCC-09F8-49CA-A19E-CBE2B03B3153}">
+      <dsp:nvSpPr>
+        <dsp:cNvPr id="0" name=""/>
+        <dsp:cNvSpPr/>
+      </dsp:nvSpPr>
+      <dsp:spPr>
+        <a:xfrm>
+          <a:off x="1012626" y="3232410"/>
+          <a:ext cx="1744972" cy="1108057"/>
+        </a:xfrm>
+        <a:prstGeom prst="roundRect">
+          <a:avLst>
+            <a:gd name="adj" fmla="val 10000"/>
+          </a:avLst>
+        </a:prstGeom>
+        <a:solidFill>
+          <a:schemeClr val="accent1">
+            <a:hueOff val="0"/>
+            <a:satOff val="0"/>
+            <a:lumOff val="0"/>
+            <a:alphaOff val="0"/>
+          </a:schemeClr>
+        </a:solidFill>
+        <a:ln w="28575" cap="flat" cmpd="sng" algn="ctr">
+          <a:solidFill>
+            <a:schemeClr val="lt1">
+              <a:hueOff val="0"/>
+              <a:satOff val="0"/>
+              <a:lumOff val="0"/>
+              <a:alphaOff val="0"/>
+            </a:schemeClr>
+          </a:solidFill>
+          <a:prstDash val="solid"/>
+        </a:ln>
+        <a:effectLst/>
+      </dsp:spPr>
+      <dsp:style>
+        <a:lnRef idx="2">
+          <a:scrgbClr r="0" g="0" b="0"/>
+        </a:lnRef>
+        <a:fillRef idx="1">
+          <a:scrgbClr r="0" g="0" b="0"/>
+        </a:fillRef>
+        <a:effectRef idx="0">
+          <a:scrgbClr r="0" g="0" b="0"/>
+        </a:effectRef>
+        <a:fontRef idx="minor">
+          <a:schemeClr val="lt1"/>
+        </a:fontRef>
+      </dsp:style>
+    </dsp:sp>
+    <dsp:sp modelId="{1FDF757A-8487-43AB-AF08-50814C884DE4}">
+      <dsp:nvSpPr>
+        <dsp:cNvPr id="0" name=""/>
+        <dsp:cNvSpPr/>
+      </dsp:nvSpPr>
+      <dsp:spPr>
+        <a:xfrm>
+          <a:off x="1206512" y="3416602"/>
+          <a:ext cx="1744972" cy="1108057"/>
+        </a:xfrm>
+        <a:prstGeom prst="roundRect">
+          <a:avLst>
+            <a:gd name="adj" fmla="val 10000"/>
+          </a:avLst>
+        </a:prstGeom>
+        <a:solidFill>
+          <a:schemeClr val="lt1">
+            <a:alpha val="90000"/>
+            <a:hueOff val="0"/>
+            <a:satOff val="0"/>
+            <a:lumOff val="0"/>
+            <a:alphaOff val="0"/>
+          </a:schemeClr>
+        </a:solidFill>
+        <a:ln w="28575" cap="flat" cmpd="sng" algn="ctr">
+          <a:solidFill>
+            <a:schemeClr val="accent1">
+              <a:hueOff val="0"/>
+              <a:satOff val="0"/>
+              <a:lumOff val="0"/>
+              <a:alphaOff val="0"/>
+            </a:schemeClr>
+          </a:solidFill>
+          <a:prstDash val="solid"/>
+        </a:ln>
+        <a:effectLst/>
+      </dsp:spPr>
+      <dsp:style>
+        <a:lnRef idx="2">
+          <a:scrgbClr r="0" g="0" b="0"/>
+        </a:lnRef>
+        <a:fillRef idx="1">
+          <a:scrgbClr r="0" g="0" b="0"/>
+        </a:fillRef>
+        <a:effectRef idx="0">
+          <a:scrgbClr r="0" g="0" b="0"/>
+        </a:effectRef>
+        <a:fontRef idx="minor"/>
+      </dsp:style>
+      <dsp:txBody>
+        <a:bodyPr spcFirstLastPara="0" vert="horz" wrap="square" lIns="133350" tIns="133350" rIns="133350" bIns="133350" numCol="1" spcCol="1270" anchor="ctr" anchorCtr="0">
+          <a:noAutofit/>
+        </a:bodyPr>
+        <a:lstStyle/>
+        <a:p>
+          <a:pPr lvl="0" algn="ctr" defTabSz="1555750">
+            <a:lnSpc>
+              <a:spcPct val="90000"/>
+            </a:lnSpc>
+            <a:spcBef>
+              <a:spcPct val="0"/>
+            </a:spcBef>
+            <a:spcAft>
+              <a:spcPct val="35000"/>
+            </a:spcAft>
+          </a:pPr>
+          <a:endParaRPr lang="pt-BR" sz="3500" kern="1200" dirty="0"/>
+        </a:p>
+      </dsp:txBody>
+      <dsp:txXfrm>
+        <a:off x="1238966" y="3449056"/>
+        <a:ext cx="1680064" cy="1043149"/>
+      </dsp:txXfrm>
+    </dsp:sp>
+    <dsp:sp modelId="{4653B551-E7DA-4C83-9956-E88983EC0E2A}">
+      <dsp:nvSpPr>
+        <dsp:cNvPr id="0" name=""/>
+        <dsp:cNvSpPr/>
+      </dsp:nvSpPr>
+      <dsp:spPr>
+        <a:xfrm>
+          <a:off x="3145370" y="3232410"/>
+          <a:ext cx="1744972" cy="1108057"/>
+        </a:xfrm>
+        <a:prstGeom prst="roundRect">
+          <a:avLst>
+            <a:gd name="adj" fmla="val 10000"/>
+          </a:avLst>
+        </a:prstGeom>
+        <a:solidFill>
+          <a:schemeClr val="accent1">
+            <a:hueOff val="0"/>
+            <a:satOff val="0"/>
+            <a:lumOff val="0"/>
+            <a:alphaOff val="0"/>
+          </a:schemeClr>
+        </a:solidFill>
+        <a:ln w="28575" cap="flat" cmpd="sng" algn="ctr">
+          <a:solidFill>
+            <a:schemeClr val="lt1">
+              <a:hueOff val="0"/>
+              <a:satOff val="0"/>
+              <a:lumOff val="0"/>
+              <a:alphaOff val="0"/>
+            </a:schemeClr>
+          </a:solidFill>
+          <a:prstDash val="solid"/>
+        </a:ln>
+        <a:effectLst/>
+      </dsp:spPr>
+      <dsp:style>
+        <a:lnRef idx="2">
+          <a:scrgbClr r="0" g="0" b="0"/>
+        </a:lnRef>
+        <a:fillRef idx="1">
+          <a:scrgbClr r="0" g="0" b="0"/>
+        </a:fillRef>
+        <a:effectRef idx="0">
+          <a:scrgbClr r="0" g="0" b="0"/>
+        </a:effectRef>
+        <a:fontRef idx="minor">
+          <a:schemeClr val="lt1"/>
+        </a:fontRef>
+      </dsp:style>
+    </dsp:sp>
+    <dsp:sp modelId="{CE5DDF01-E77D-45F5-B5D5-56C67C8251CC}">
+      <dsp:nvSpPr>
+        <dsp:cNvPr id="0" name=""/>
+        <dsp:cNvSpPr/>
+      </dsp:nvSpPr>
+      <dsp:spPr>
+        <a:xfrm>
+          <a:off x="3339256" y="3416602"/>
+          <a:ext cx="1744972" cy="1108057"/>
+        </a:xfrm>
+        <a:prstGeom prst="roundRect">
+          <a:avLst>
+            <a:gd name="adj" fmla="val 10000"/>
+          </a:avLst>
+        </a:prstGeom>
+        <a:solidFill>
+          <a:schemeClr val="lt1">
+            <a:alpha val="90000"/>
+            <a:hueOff val="0"/>
+            <a:satOff val="0"/>
+            <a:lumOff val="0"/>
+            <a:alphaOff val="0"/>
+          </a:schemeClr>
+        </a:solidFill>
+        <a:ln w="28575" cap="flat" cmpd="sng" algn="ctr">
+          <a:solidFill>
+            <a:schemeClr val="accent1">
+              <a:hueOff val="0"/>
+              <a:satOff val="0"/>
+              <a:lumOff val="0"/>
+              <a:alphaOff val="0"/>
+            </a:schemeClr>
+          </a:solidFill>
+          <a:prstDash val="solid"/>
+        </a:ln>
+        <a:effectLst/>
+      </dsp:spPr>
+      <dsp:style>
+        <a:lnRef idx="2">
+          <a:scrgbClr r="0" g="0" b="0"/>
+        </a:lnRef>
+        <a:fillRef idx="1">
+          <a:scrgbClr r="0" g="0" b="0"/>
+        </a:fillRef>
+        <a:effectRef idx="0">
+          <a:scrgbClr r="0" g="0" b="0"/>
+        </a:effectRef>
+        <a:fontRef idx="minor"/>
+      </dsp:style>
+      <dsp:txBody>
+        <a:bodyPr spcFirstLastPara="0" vert="horz" wrap="square" lIns="133350" tIns="133350" rIns="133350" bIns="133350" numCol="1" spcCol="1270" anchor="ctr" anchorCtr="0">
+          <a:noAutofit/>
+        </a:bodyPr>
+        <a:lstStyle/>
+        <a:p>
+          <a:pPr lvl="0" algn="ctr" defTabSz="1555750">
+            <a:lnSpc>
+              <a:spcPct val="90000"/>
+            </a:lnSpc>
+            <a:spcBef>
+              <a:spcPct val="0"/>
+            </a:spcBef>
+            <a:spcAft>
+              <a:spcPct val="35000"/>
+            </a:spcAft>
+          </a:pPr>
+          <a:endParaRPr lang="pt-BR" sz="3500" kern="1200"/>
+        </a:p>
+      </dsp:txBody>
+      <dsp:txXfrm>
+        <a:off x="3371710" y="3449056"/>
+        <a:ext cx="1680064" cy="1043149"/>
+      </dsp:txXfrm>
+    </dsp:sp>
+    <dsp:sp modelId="{41350408-BE8E-4C29-AE25-C439DFA9FBA2}">
+      <dsp:nvSpPr>
+        <dsp:cNvPr id="0" name=""/>
+        <dsp:cNvSpPr/>
+      </dsp:nvSpPr>
+      <dsp:spPr>
+        <a:xfrm>
+          <a:off x="5278115" y="1616856"/>
+          <a:ext cx="1744972" cy="1108057"/>
+        </a:xfrm>
+        <a:prstGeom prst="roundRect">
+          <a:avLst>
+            <a:gd name="adj" fmla="val 10000"/>
+          </a:avLst>
+        </a:prstGeom>
+        <a:solidFill>
+          <a:schemeClr val="accent1">
+            <a:hueOff val="0"/>
+            <a:satOff val="0"/>
+            <a:lumOff val="0"/>
+            <a:alphaOff val="0"/>
+          </a:schemeClr>
+        </a:solidFill>
+        <a:ln w="28575" cap="flat" cmpd="sng" algn="ctr">
+          <a:solidFill>
+            <a:schemeClr val="lt1">
+              <a:hueOff val="0"/>
+              <a:satOff val="0"/>
+              <a:lumOff val="0"/>
+              <a:alphaOff val="0"/>
+            </a:schemeClr>
+          </a:solidFill>
+          <a:prstDash val="solid"/>
+        </a:ln>
+        <a:effectLst/>
+      </dsp:spPr>
+      <dsp:style>
+        <a:lnRef idx="2">
+          <a:scrgbClr r="0" g="0" b="0"/>
+        </a:lnRef>
+        <a:fillRef idx="1">
+          <a:scrgbClr r="0" g="0" b="0"/>
+        </a:fillRef>
+        <a:effectRef idx="0">
+          <a:scrgbClr r="0" g="0" b="0"/>
+        </a:effectRef>
+        <a:fontRef idx="minor">
+          <a:schemeClr val="lt1"/>
+        </a:fontRef>
+      </dsp:style>
+    </dsp:sp>
+    <dsp:sp modelId="{25D2C26B-F21A-40F6-AFB5-6B810F70B9F0}">
+      <dsp:nvSpPr>
+        <dsp:cNvPr id="0" name=""/>
+        <dsp:cNvSpPr/>
+      </dsp:nvSpPr>
+      <dsp:spPr>
+        <a:xfrm>
+          <a:off x="5472000" y="1801048"/>
+          <a:ext cx="1744972" cy="1108057"/>
+        </a:xfrm>
+        <a:prstGeom prst="roundRect">
+          <a:avLst>
+            <a:gd name="adj" fmla="val 10000"/>
+          </a:avLst>
+        </a:prstGeom>
+        <a:solidFill>
+          <a:schemeClr val="lt1">
+            <a:alpha val="90000"/>
+            <a:hueOff val="0"/>
+            <a:satOff val="0"/>
+            <a:lumOff val="0"/>
+            <a:alphaOff val="0"/>
+          </a:schemeClr>
+        </a:solidFill>
+        <a:ln w="28575" cap="flat" cmpd="sng" algn="ctr">
+          <a:solidFill>
+            <a:schemeClr val="accent1">
+              <a:hueOff val="0"/>
+              <a:satOff val="0"/>
+              <a:lumOff val="0"/>
+              <a:alphaOff val="0"/>
+            </a:schemeClr>
+          </a:solidFill>
+          <a:prstDash val="solid"/>
+        </a:ln>
+        <a:effectLst/>
+      </dsp:spPr>
+      <dsp:style>
+        <a:lnRef idx="2">
+          <a:scrgbClr r="0" g="0" b="0"/>
+        </a:lnRef>
+        <a:fillRef idx="1">
+          <a:scrgbClr r="0" g="0" b="0"/>
+        </a:fillRef>
+        <a:effectRef idx="0">
+          <a:scrgbClr r="0" g="0" b="0"/>
+        </a:effectRef>
+        <a:fontRef idx="minor"/>
+      </dsp:style>
+      <dsp:txBody>
+        <a:bodyPr spcFirstLastPara="0" vert="horz" wrap="square" lIns="133350" tIns="133350" rIns="133350" bIns="133350" numCol="1" spcCol="1270" anchor="ctr" anchorCtr="0">
+          <a:noAutofit/>
+        </a:bodyPr>
+        <a:lstStyle/>
+        <a:p>
+          <a:pPr lvl="0" algn="ctr" defTabSz="1555750">
+            <a:lnSpc>
+              <a:spcPct val="90000"/>
+            </a:lnSpc>
+            <a:spcBef>
+              <a:spcPct val="0"/>
+            </a:spcBef>
+            <a:spcAft>
+              <a:spcPct val="35000"/>
+            </a:spcAft>
+          </a:pPr>
+          <a:endParaRPr lang="pt-BR" sz="3500" kern="1200"/>
+        </a:p>
+      </dsp:txBody>
+      <dsp:txXfrm>
+        <a:off x="5504454" y="1833502"/>
+        <a:ext cx="1680064" cy="1043149"/>
+      </dsp:txXfrm>
+    </dsp:sp>
+    <dsp:sp modelId="{CD644283-1664-4DD6-B0E5-567160C70EA5}">
+      <dsp:nvSpPr>
+        <dsp:cNvPr id="0" name=""/>
+        <dsp:cNvSpPr/>
+      </dsp:nvSpPr>
+      <dsp:spPr>
+        <a:xfrm>
+          <a:off x="5278115" y="3232410"/>
+          <a:ext cx="1744972" cy="1108057"/>
+        </a:xfrm>
+        <a:prstGeom prst="roundRect">
+          <a:avLst>
+            <a:gd name="adj" fmla="val 10000"/>
+          </a:avLst>
+        </a:prstGeom>
+        <a:solidFill>
+          <a:schemeClr val="accent1">
+            <a:hueOff val="0"/>
+            <a:satOff val="0"/>
+            <a:lumOff val="0"/>
+            <a:alphaOff val="0"/>
+          </a:schemeClr>
+        </a:solidFill>
+        <a:ln w="28575" cap="flat" cmpd="sng" algn="ctr">
+          <a:solidFill>
+            <a:schemeClr val="lt1">
+              <a:hueOff val="0"/>
+              <a:satOff val="0"/>
+              <a:lumOff val="0"/>
+              <a:alphaOff val="0"/>
+            </a:schemeClr>
+          </a:solidFill>
+          <a:prstDash val="solid"/>
+        </a:ln>
+        <a:effectLst/>
+      </dsp:spPr>
+      <dsp:style>
+        <a:lnRef idx="2">
+          <a:scrgbClr r="0" g="0" b="0"/>
+        </a:lnRef>
+        <a:fillRef idx="1">
+          <a:scrgbClr r="0" g="0" b="0"/>
+        </a:fillRef>
+        <a:effectRef idx="0">
+          <a:scrgbClr r="0" g="0" b="0"/>
+        </a:effectRef>
+        <a:fontRef idx="minor">
+          <a:schemeClr val="lt1"/>
+        </a:fontRef>
+      </dsp:style>
+    </dsp:sp>
+    <dsp:sp modelId="{4B48D8DF-A1BE-4174-B8A6-C77B7C5F4228}">
+      <dsp:nvSpPr>
+        <dsp:cNvPr id="0" name=""/>
+        <dsp:cNvSpPr/>
+      </dsp:nvSpPr>
+      <dsp:spPr>
+        <a:xfrm>
+          <a:off x="5472000" y="3416602"/>
+          <a:ext cx="1744972" cy="1108057"/>
+        </a:xfrm>
+        <a:prstGeom prst="roundRect">
+          <a:avLst>
+            <a:gd name="adj" fmla="val 10000"/>
+          </a:avLst>
+        </a:prstGeom>
+        <a:solidFill>
+          <a:schemeClr val="lt1">
+            <a:alpha val="90000"/>
+            <a:hueOff val="0"/>
+            <a:satOff val="0"/>
+            <a:lumOff val="0"/>
+            <a:alphaOff val="0"/>
+          </a:schemeClr>
+        </a:solidFill>
+        <a:ln w="28575" cap="flat" cmpd="sng" algn="ctr">
+          <a:solidFill>
+            <a:schemeClr val="accent1">
+              <a:hueOff val="0"/>
+              <a:satOff val="0"/>
+              <a:lumOff val="0"/>
+              <a:alphaOff val="0"/>
+            </a:schemeClr>
+          </a:solidFill>
+          <a:prstDash val="solid"/>
+        </a:ln>
+        <a:effectLst/>
+      </dsp:spPr>
+      <dsp:style>
+        <a:lnRef idx="2">
+          <a:scrgbClr r="0" g="0" b="0"/>
+        </a:lnRef>
+        <a:fillRef idx="1">
+          <a:scrgbClr r="0" g="0" b="0"/>
+        </a:fillRef>
+        <a:effectRef idx="0">
+          <a:scrgbClr r="0" g="0" b="0"/>
+        </a:effectRef>
+        <a:fontRef idx="minor"/>
+      </dsp:style>
+      <dsp:txBody>
+        <a:bodyPr spcFirstLastPara="0" vert="horz" wrap="square" lIns="133350" tIns="133350" rIns="133350" bIns="133350" numCol="1" spcCol="1270" anchor="ctr" anchorCtr="0">
+          <a:noAutofit/>
+        </a:bodyPr>
+        <a:lstStyle/>
+        <a:p>
+          <a:pPr lvl="0" algn="ctr" defTabSz="1555750">
+            <a:lnSpc>
+              <a:spcPct val="90000"/>
+            </a:lnSpc>
+            <a:spcBef>
+              <a:spcPct val="0"/>
+            </a:spcBef>
+            <a:spcAft>
+              <a:spcPct val="35000"/>
+            </a:spcAft>
+          </a:pPr>
+          <a:endParaRPr lang="pt-BR" sz="3500" kern="1200"/>
+        </a:p>
+      </dsp:txBody>
+      <dsp:txXfrm>
+        <a:off x="5504454" y="3449056"/>
+        <a:ext cx="1680064" cy="1043149"/>
+      </dsp:txXfrm>
+    </dsp:sp>
+  </dsp:spTree>
+</dsp:drawing>
+</file>
+
 <file path=ppt/diagrams/layout1.xml><?xml version="1.0" encoding="utf-8"?>
 <dgm:layoutDef xmlns:dgm="http://schemas.openxmlformats.org/drawingml/2006/diagram" xmlns:a="http://schemas.openxmlformats.org/drawingml/2006/main" uniqueId="urn:microsoft.com/office/officeart/2005/8/layout/hierarchy2">
   <dgm:title val=""/>
@@ -10102,6 +12379,569 @@
 </dgm:layoutDef>
 </file>
 
+<file path=ppt/diagrams/layout5.xml><?xml version="1.0" encoding="utf-8"?>
+<dgm:layoutDef xmlns:dgm="http://schemas.openxmlformats.org/drawingml/2006/diagram" xmlns:a="http://schemas.openxmlformats.org/drawingml/2006/main" uniqueId="urn:microsoft.com/office/officeart/2005/8/layout/hierarchy1">
+  <dgm:title val=""/>
+  <dgm:desc val=""/>
+  <dgm:catLst>
+    <dgm:cat type="hierarchy" pri="2000"/>
+  </dgm:catLst>
+  <dgm:sampData>
+    <dgm:dataModel>
+      <dgm:ptLst>
+        <dgm:pt modelId="0" type="doc"/>
+        <dgm:pt modelId="1">
+          <dgm:prSet phldr="1"/>
+        </dgm:pt>
+        <dgm:pt modelId="2">
+          <dgm:prSet phldr="1"/>
+        </dgm:pt>
+        <dgm:pt modelId="21">
+          <dgm:prSet phldr="1"/>
+        </dgm:pt>
+        <dgm:pt modelId="22">
+          <dgm:prSet phldr="1"/>
+        </dgm:pt>
+        <dgm:pt modelId="3">
+          <dgm:prSet phldr="1"/>
+        </dgm:pt>
+        <dgm:pt modelId="31">
+          <dgm:prSet phldr="1"/>
+        </dgm:pt>
+      </dgm:ptLst>
+      <dgm:cxnLst>
+        <dgm:cxn modelId="4" srcId="0" destId="1" srcOrd="0" destOrd="0"/>
+        <dgm:cxn modelId="5" srcId="1" destId="2" srcOrd="0" destOrd="0"/>
+        <dgm:cxn modelId="6" srcId="1" destId="3" srcOrd="1" destOrd="0"/>
+        <dgm:cxn modelId="23" srcId="2" destId="21" srcOrd="0" destOrd="0"/>
+        <dgm:cxn modelId="24" srcId="2" destId="22" srcOrd="1" destOrd="0"/>
+        <dgm:cxn modelId="33" srcId="3" destId="31" srcOrd="0" destOrd="0"/>
+      </dgm:cxnLst>
+      <dgm:bg/>
+      <dgm:whole/>
+    </dgm:dataModel>
+  </dgm:sampData>
+  <dgm:styleData>
+    <dgm:dataModel>
+      <dgm:ptLst>
+        <dgm:pt modelId="0" type="doc"/>
+        <dgm:pt modelId="1"/>
+        <dgm:pt modelId="11"/>
+        <dgm:pt modelId="12"/>
+      </dgm:ptLst>
+      <dgm:cxnLst>
+        <dgm:cxn modelId="2" srcId="0" destId="1" srcOrd="0" destOrd="0"/>
+        <dgm:cxn modelId="13" srcId="1" destId="11" srcOrd="0" destOrd="0"/>
+        <dgm:cxn modelId="14" srcId="1" destId="12" srcOrd="1" destOrd="0"/>
+      </dgm:cxnLst>
+      <dgm:bg/>
+      <dgm:whole/>
+    </dgm:dataModel>
+  </dgm:styleData>
+  <dgm:clrData>
+    <dgm:dataModel>
+      <dgm:ptLst>
+        <dgm:pt modelId="0" type="doc"/>
+        <dgm:pt modelId="1"/>
+        <dgm:pt modelId="2"/>
+        <dgm:pt modelId="21"/>
+        <dgm:pt modelId="211"/>
+        <dgm:pt modelId="3"/>
+        <dgm:pt modelId="31"/>
+        <dgm:pt modelId="311"/>
+      </dgm:ptLst>
+      <dgm:cxnLst>
+        <dgm:cxn modelId="4" srcId="0" destId="1" srcOrd="0" destOrd="0"/>
+        <dgm:cxn modelId="5" srcId="1" destId="2" srcOrd="0" destOrd="0"/>
+        <dgm:cxn modelId="6" srcId="1" destId="3" srcOrd="1" destOrd="0"/>
+        <dgm:cxn modelId="23" srcId="2" destId="21" srcOrd="0" destOrd="0"/>
+        <dgm:cxn modelId="24" srcId="21" destId="211" srcOrd="0" destOrd="0"/>
+        <dgm:cxn modelId="33" srcId="3" destId="31" srcOrd="0" destOrd="0"/>
+        <dgm:cxn modelId="34" srcId="31" destId="311" srcOrd="0" destOrd="0"/>
+      </dgm:cxnLst>
+      <dgm:bg/>
+      <dgm:whole/>
+    </dgm:dataModel>
+  </dgm:clrData>
+  <dgm:layoutNode name="hierChild1">
+    <dgm:varLst>
+      <dgm:chPref val="1"/>
+      <dgm:dir/>
+      <dgm:animOne val="branch"/>
+      <dgm:animLvl val="lvl"/>
+      <dgm:resizeHandles/>
+    </dgm:varLst>
+    <dgm:choose name="Name0">
+      <dgm:if name="Name1" func="var" arg="dir" op="equ" val="norm">
+        <dgm:alg type="hierChild">
+          <dgm:param type="linDir" val="fromL"/>
+        </dgm:alg>
+      </dgm:if>
+      <dgm:else name="Name2">
+        <dgm:alg type="hierChild">
+          <dgm:param type="linDir" val="fromR"/>
+        </dgm:alg>
+      </dgm:else>
+    </dgm:choose>
+    <dgm:shape xmlns:r="http://schemas.openxmlformats.org/officeDocument/2006/relationships" r:blip="">
+      <dgm:adjLst/>
+    </dgm:shape>
+    <dgm:presOf/>
+    <dgm:constrLst>
+      <dgm:constr type="primFontSz" for="des" ptType="node" op="equ" val="65"/>
+      <dgm:constr type="w" for="des" forName="composite" refType="w"/>
+      <dgm:constr type="h" for="des" forName="composite" refType="w" refFor="des" refForName="composite" fact="0.667"/>
+      <dgm:constr type="w" for="des" forName="composite2" refType="w" refFor="des" refForName="composite"/>
+      <dgm:constr type="h" for="des" forName="composite2" refType="h" refFor="des" refForName="composite"/>
+      <dgm:constr type="w" for="des" forName="composite3" refType="w" refFor="des" refForName="composite"/>
+      <dgm:constr type="h" for="des" forName="composite3" refType="h" refFor="des" refForName="composite"/>
+      <dgm:constr type="w" for="des" forName="composite4" refType="w" refFor="des" refForName="composite"/>
+      <dgm:constr type="h" for="des" forName="composite4" refType="h" refFor="des" refForName="composite"/>
+      <dgm:constr type="w" for="des" forName="composite5" refType="w" refFor="des" refForName="composite"/>
+      <dgm:constr type="h" for="des" forName="composite5" refType="h" refFor="des" refForName="composite"/>
+      <dgm:constr type="sibSp" refType="w" refFor="des" refForName="composite" fact="0.1"/>
+      <dgm:constr type="sibSp" for="des" forName="hierChild2" refType="sibSp"/>
+      <dgm:constr type="sibSp" for="des" forName="hierChild3" refType="sibSp"/>
+      <dgm:constr type="sibSp" for="des" forName="hierChild4" refType="sibSp"/>
+      <dgm:constr type="sibSp" for="des" forName="hierChild5" refType="sibSp"/>
+      <dgm:constr type="sibSp" for="des" forName="hierChild6" refType="sibSp"/>
+      <dgm:constr type="sp" for="des" forName="hierRoot1" refType="h" refFor="des" refForName="composite" fact="0.25"/>
+      <dgm:constr type="sp" for="des" forName="hierRoot2" refType="sp" refFor="des" refForName="hierRoot1"/>
+      <dgm:constr type="sp" for="des" forName="hierRoot3" refType="sp" refFor="des" refForName="hierRoot1"/>
+      <dgm:constr type="sp" for="des" forName="hierRoot4" refType="sp" refFor="des" refForName="hierRoot1"/>
+      <dgm:constr type="sp" for="des" forName="hierRoot5" refType="sp" refFor="des" refForName="hierRoot1"/>
+    </dgm:constrLst>
+    <dgm:ruleLst/>
+    <dgm:forEach name="Name3" axis="ch">
+      <dgm:forEach name="Name4" axis="self" ptType="node">
+        <dgm:layoutNode name="hierRoot1">
+          <dgm:alg type="hierRoot"/>
+          <dgm:shape xmlns:r="http://schemas.openxmlformats.org/officeDocument/2006/relationships" r:blip="">
+            <dgm:adjLst/>
+          </dgm:shape>
+          <dgm:presOf/>
+          <dgm:constrLst>
+            <dgm:constr type="bendDist" for="des" ptType="parTrans" refType="sp" fact="0.5"/>
+          </dgm:constrLst>
+          <dgm:ruleLst/>
+          <dgm:layoutNode name="composite">
+            <dgm:alg type="composite"/>
+            <dgm:shape xmlns:r="http://schemas.openxmlformats.org/officeDocument/2006/relationships" r:blip="">
+              <dgm:adjLst/>
+            </dgm:shape>
+            <dgm:presOf/>
+            <dgm:constrLst>
+              <dgm:constr type="w" for="ch" forName="background" refType="w" fact="0.9"/>
+              <dgm:constr type="h" for="ch" forName="background" refType="w" refFor="ch" refForName="background" fact="0.635"/>
+              <dgm:constr type="t" for="ch" forName="background"/>
+              <dgm:constr type="l" for="ch" forName="background"/>
+              <dgm:constr type="w" for="ch" forName="text" refType="w" fact="0.9"/>
+              <dgm:constr type="h" for="ch" forName="text" refType="w" refFor="ch" refForName="text" fact="0.635"/>
+              <dgm:constr type="t" for="ch" forName="text" refType="w" fact="0.095"/>
+              <dgm:constr type="l" for="ch" forName="text" refType="w" fact="0.1"/>
+            </dgm:constrLst>
+            <dgm:ruleLst/>
+            <dgm:layoutNode name="background" styleLbl="node0" moveWith="text">
+              <dgm:alg type="sp"/>
+              <dgm:shape xmlns:r="http://schemas.openxmlformats.org/officeDocument/2006/relationships" type="roundRect" r:blip="">
+                <dgm:adjLst>
+                  <dgm:adj idx="1" val="0.1"/>
+                </dgm:adjLst>
+              </dgm:shape>
+              <dgm:presOf/>
+              <dgm:constrLst/>
+              <dgm:ruleLst/>
+            </dgm:layoutNode>
+            <dgm:layoutNode name="text" styleLbl="fgAcc0">
+              <dgm:varLst>
+                <dgm:chPref val="3"/>
+              </dgm:varLst>
+              <dgm:alg type="tx"/>
+              <dgm:shape xmlns:r="http://schemas.openxmlformats.org/officeDocument/2006/relationships" type="roundRect" r:blip="">
+                <dgm:adjLst>
+                  <dgm:adj idx="1" val="0.1"/>
+                </dgm:adjLst>
+              </dgm:shape>
+              <dgm:presOf axis="self"/>
+              <dgm:constrLst>
+                <dgm:constr type="tMarg" refType="primFontSz" fact="0.3"/>
+                <dgm:constr type="bMarg" refType="primFontSz" fact="0.3"/>
+                <dgm:constr type="lMarg" refType="primFontSz" fact="0.3"/>
+                <dgm:constr type="rMarg" refType="primFontSz" fact="0.3"/>
+              </dgm:constrLst>
+              <dgm:ruleLst>
+                <dgm:rule type="primFontSz" val="5" fact="NaN" max="NaN"/>
+              </dgm:ruleLst>
+            </dgm:layoutNode>
+          </dgm:layoutNode>
+          <dgm:layoutNode name="hierChild2">
+            <dgm:choose name="Name5">
+              <dgm:if name="Name6" func="var" arg="dir" op="equ" val="norm">
+                <dgm:alg type="hierChild">
+                  <dgm:param type="linDir" val="fromL"/>
+                </dgm:alg>
+              </dgm:if>
+              <dgm:else name="Name7">
+                <dgm:alg type="hierChild">
+                  <dgm:param type="linDir" val="fromR"/>
+                </dgm:alg>
+              </dgm:else>
+            </dgm:choose>
+            <dgm:shape xmlns:r="http://schemas.openxmlformats.org/officeDocument/2006/relationships" r:blip="">
+              <dgm:adjLst/>
+            </dgm:shape>
+            <dgm:presOf/>
+            <dgm:constrLst/>
+            <dgm:ruleLst/>
+            <dgm:forEach name="Name8" axis="ch">
+              <dgm:forEach name="Name9" axis="self" ptType="parTrans" cnt="1">
+                <dgm:layoutNode name="Name10">
+                  <dgm:alg type="conn">
+                    <dgm:param type="dim" val="1D"/>
+                    <dgm:param type="endSty" val="noArr"/>
+                    <dgm:param type="connRout" val="bend"/>
+                    <dgm:param type="bendPt" val="end"/>
+                    <dgm:param type="begPts" val="bCtr"/>
+                    <dgm:param type="endPts" val="tCtr"/>
+                    <dgm:param type="srcNode" val="background"/>
+                    <dgm:param type="dstNode" val="background2"/>
+                  </dgm:alg>
+                  <dgm:shape xmlns:r="http://schemas.openxmlformats.org/officeDocument/2006/relationships" type="conn" r:blip="" zOrderOff="-999">
+                    <dgm:adjLst/>
+                  </dgm:shape>
+                  <dgm:presOf axis="self"/>
+                  <dgm:constrLst>
+                    <dgm:constr type="begPad"/>
+                    <dgm:constr type="endPad"/>
+                  </dgm:constrLst>
+                  <dgm:ruleLst/>
+                </dgm:layoutNode>
+              </dgm:forEach>
+              <dgm:forEach name="Name11" axis="self" ptType="node">
+                <dgm:layoutNode name="hierRoot2">
+                  <dgm:alg type="hierRoot"/>
+                  <dgm:shape xmlns:r="http://schemas.openxmlformats.org/officeDocument/2006/relationships" r:blip="">
+                    <dgm:adjLst/>
+                  </dgm:shape>
+                  <dgm:presOf/>
+                  <dgm:constrLst>
+                    <dgm:constr type="bendDist" for="des" ptType="parTrans" refType="sp" fact="0.5"/>
+                  </dgm:constrLst>
+                  <dgm:ruleLst/>
+                  <dgm:layoutNode name="composite2">
+                    <dgm:alg type="composite"/>
+                    <dgm:shape xmlns:r="http://schemas.openxmlformats.org/officeDocument/2006/relationships" r:blip="">
+                      <dgm:adjLst/>
+                    </dgm:shape>
+                    <dgm:presOf/>
+                    <dgm:constrLst>
+                      <dgm:constr type="w" for="ch" forName="background2" refType="w" fact="0.9"/>
+                      <dgm:constr type="h" for="ch" forName="background2" refType="w" refFor="ch" refForName="background2" fact="0.635"/>
+                      <dgm:constr type="t" for="ch" forName="background2"/>
+                      <dgm:constr type="l" for="ch" forName="background2"/>
+                      <dgm:constr type="w" for="ch" forName="text2" refType="w" fact="0.9"/>
+                      <dgm:constr type="h" for="ch" forName="text2" refType="w" refFor="ch" refForName="text2" fact="0.635"/>
+                      <dgm:constr type="t" for="ch" forName="text2" refType="w" fact="0.095"/>
+                      <dgm:constr type="l" for="ch" forName="text2" refType="w" fact="0.1"/>
+                    </dgm:constrLst>
+                    <dgm:ruleLst/>
+                    <dgm:layoutNode name="background2" moveWith="text2">
+                      <dgm:alg type="sp"/>
+                      <dgm:shape xmlns:r="http://schemas.openxmlformats.org/officeDocument/2006/relationships" type="roundRect" r:blip="">
+                        <dgm:adjLst>
+                          <dgm:adj idx="1" val="0.1"/>
+                        </dgm:adjLst>
+                      </dgm:shape>
+                      <dgm:presOf/>
+                      <dgm:constrLst/>
+                      <dgm:ruleLst/>
+                    </dgm:layoutNode>
+                    <dgm:layoutNode name="text2" styleLbl="fgAcc2">
+                      <dgm:varLst>
+                        <dgm:chPref val="3"/>
+                      </dgm:varLst>
+                      <dgm:alg type="tx"/>
+                      <dgm:shape xmlns:r="http://schemas.openxmlformats.org/officeDocument/2006/relationships" type="roundRect" r:blip="">
+                        <dgm:adjLst>
+                          <dgm:adj idx="1" val="0.1"/>
+                        </dgm:adjLst>
+                      </dgm:shape>
+                      <dgm:presOf axis="self"/>
+                      <dgm:constrLst>
+                        <dgm:constr type="tMarg" refType="primFontSz" fact="0.3"/>
+                        <dgm:constr type="bMarg" refType="primFontSz" fact="0.3"/>
+                        <dgm:constr type="lMarg" refType="primFontSz" fact="0.3"/>
+                        <dgm:constr type="rMarg" refType="primFontSz" fact="0.3"/>
+                      </dgm:constrLst>
+                      <dgm:ruleLst>
+                        <dgm:rule type="primFontSz" val="5" fact="NaN" max="NaN"/>
+                      </dgm:ruleLst>
+                    </dgm:layoutNode>
+                  </dgm:layoutNode>
+                  <dgm:layoutNode name="hierChild3">
+                    <dgm:choose name="Name12">
+                      <dgm:if name="Name13" func="var" arg="dir" op="equ" val="norm">
+                        <dgm:alg type="hierChild">
+                          <dgm:param type="linDir" val="fromL"/>
+                        </dgm:alg>
+                      </dgm:if>
+                      <dgm:else name="Name14">
+                        <dgm:alg type="hierChild">
+                          <dgm:param type="linDir" val="fromR"/>
+                        </dgm:alg>
+                      </dgm:else>
+                    </dgm:choose>
+                    <dgm:shape xmlns:r="http://schemas.openxmlformats.org/officeDocument/2006/relationships" r:blip="">
+                      <dgm:adjLst/>
+                    </dgm:shape>
+                    <dgm:presOf/>
+                    <dgm:constrLst/>
+                    <dgm:ruleLst/>
+                    <dgm:forEach name="Name15" axis="ch">
+                      <dgm:forEach name="Name16" axis="self" ptType="parTrans" cnt="1">
+                        <dgm:layoutNode name="Name17">
+                          <dgm:alg type="conn">
+                            <dgm:param type="dim" val="1D"/>
+                            <dgm:param type="endSty" val="noArr"/>
+                            <dgm:param type="connRout" val="bend"/>
+                            <dgm:param type="bendPt" val="end"/>
+                            <dgm:param type="begPts" val="bCtr"/>
+                            <dgm:param type="endPts" val="tCtr"/>
+                            <dgm:param type="srcNode" val="background2"/>
+                            <dgm:param type="dstNode" val="background3"/>
+                          </dgm:alg>
+                          <dgm:shape xmlns:r="http://schemas.openxmlformats.org/officeDocument/2006/relationships" type="conn" r:blip="" zOrderOff="-999">
+                            <dgm:adjLst/>
+                          </dgm:shape>
+                          <dgm:presOf axis="self"/>
+                          <dgm:constrLst>
+                            <dgm:constr type="begPad"/>
+                            <dgm:constr type="endPad"/>
+                          </dgm:constrLst>
+                          <dgm:ruleLst/>
+                        </dgm:layoutNode>
+                      </dgm:forEach>
+                      <dgm:forEach name="Name18" axis="self" ptType="node">
+                        <dgm:layoutNode name="hierRoot3">
+                          <dgm:alg type="hierRoot"/>
+                          <dgm:shape xmlns:r="http://schemas.openxmlformats.org/officeDocument/2006/relationships" r:blip="">
+                            <dgm:adjLst/>
+                          </dgm:shape>
+                          <dgm:presOf/>
+                          <dgm:constrLst>
+                            <dgm:constr type="bendDist" for="des" ptType="parTrans" refType="sp" fact="0.5"/>
+                          </dgm:constrLst>
+                          <dgm:ruleLst/>
+                          <dgm:layoutNode name="composite3">
+                            <dgm:alg type="composite"/>
+                            <dgm:shape xmlns:r="http://schemas.openxmlformats.org/officeDocument/2006/relationships" r:blip="">
+                              <dgm:adjLst/>
+                            </dgm:shape>
+                            <dgm:presOf/>
+                            <dgm:constrLst>
+                              <dgm:constr type="w" for="ch" forName="background3" refType="w" fact="0.9"/>
+                              <dgm:constr type="h" for="ch" forName="background3" refType="w" refFor="ch" refForName="background3" fact="0.635"/>
+                              <dgm:constr type="t" for="ch" forName="background3"/>
+                              <dgm:constr type="l" for="ch" forName="background3"/>
+                              <dgm:constr type="w" for="ch" forName="text3" refType="w" fact="0.9"/>
+                              <dgm:constr type="h" for="ch" forName="text3" refType="w" refFor="ch" refForName="text3" fact="0.635"/>
+                              <dgm:constr type="t" for="ch" forName="text3" refType="w" fact="0.095"/>
+                              <dgm:constr type="l" for="ch" forName="text3" refType="w" fact="0.1"/>
+                            </dgm:constrLst>
+                            <dgm:ruleLst/>
+                            <dgm:layoutNode name="background3" moveWith="text3">
+                              <dgm:alg type="sp"/>
+                              <dgm:shape xmlns:r="http://schemas.openxmlformats.org/officeDocument/2006/relationships" type="roundRect" r:blip="">
+                                <dgm:adjLst>
+                                  <dgm:adj idx="1" val="0.1"/>
+                                </dgm:adjLst>
+                              </dgm:shape>
+                              <dgm:presOf/>
+                              <dgm:constrLst/>
+                              <dgm:ruleLst/>
+                            </dgm:layoutNode>
+                            <dgm:layoutNode name="text3" styleLbl="fgAcc3">
+                              <dgm:varLst>
+                                <dgm:chPref val="3"/>
+                              </dgm:varLst>
+                              <dgm:alg type="tx"/>
+                              <dgm:shape xmlns:r="http://schemas.openxmlformats.org/officeDocument/2006/relationships" type="roundRect" r:blip="">
+                                <dgm:adjLst>
+                                  <dgm:adj idx="1" val="0.1"/>
+                                </dgm:adjLst>
+                              </dgm:shape>
+                              <dgm:presOf axis="self"/>
+                              <dgm:constrLst>
+                                <dgm:constr type="tMarg" refType="primFontSz" fact="0.3"/>
+                                <dgm:constr type="bMarg" refType="primFontSz" fact="0.3"/>
+                                <dgm:constr type="lMarg" refType="primFontSz" fact="0.3"/>
+                                <dgm:constr type="rMarg" refType="primFontSz" fact="0.3"/>
+                              </dgm:constrLst>
+                              <dgm:ruleLst>
+                                <dgm:rule type="primFontSz" val="5" fact="NaN" max="NaN"/>
+                              </dgm:ruleLst>
+                            </dgm:layoutNode>
+                          </dgm:layoutNode>
+                          <dgm:layoutNode name="hierChild4">
+                            <dgm:choose name="Name19">
+                              <dgm:if name="Name20" func="var" arg="dir" op="equ" val="norm">
+                                <dgm:alg type="hierChild">
+                                  <dgm:param type="linDir" val="fromL"/>
+                                </dgm:alg>
+                              </dgm:if>
+                              <dgm:else name="Name21">
+                                <dgm:alg type="hierChild">
+                                  <dgm:param type="linDir" val="fromR"/>
+                                </dgm:alg>
+                              </dgm:else>
+                            </dgm:choose>
+                            <dgm:shape xmlns:r="http://schemas.openxmlformats.org/officeDocument/2006/relationships" r:blip="">
+                              <dgm:adjLst/>
+                            </dgm:shape>
+                            <dgm:presOf/>
+                            <dgm:constrLst/>
+                            <dgm:ruleLst/>
+                            <dgm:forEach name="repeat" axis="ch">
+                              <dgm:forEach name="Name22" axis="self" ptType="parTrans" cnt="1">
+                                <dgm:layoutNode name="Name23">
+                                  <dgm:choose name="Name24">
+                                    <dgm:if name="Name25" axis="self" func="depth" op="lte" val="4">
+                                      <dgm:alg type="conn">
+                                        <dgm:param type="dim" val="1D"/>
+                                        <dgm:param type="endSty" val="noArr"/>
+                                        <dgm:param type="connRout" val="bend"/>
+                                        <dgm:param type="bendPt" val="end"/>
+                                        <dgm:param type="begPts" val="bCtr"/>
+                                        <dgm:param type="endPts" val="tCtr"/>
+                                        <dgm:param type="srcNode" val="background3"/>
+                                        <dgm:param type="dstNode" val="background4"/>
+                                      </dgm:alg>
+                                    </dgm:if>
+                                    <dgm:else name="Name26">
+                                      <dgm:alg type="conn">
+                                        <dgm:param type="dim" val="1D"/>
+                                        <dgm:param type="endSty" val="noArr"/>
+                                        <dgm:param type="connRout" val="bend"/>
+                                        <dgm:param type="bendPt" val="end"/>
+                                        <dgm:param type="begPts" val="bCtr"/>
+                                        <dgm:param type="endPts" val="tCtr"/>
+                                        <dgm:param type="srcNode" val="background4"/>
+                                        <dgm:param type="dstNode" val="background4"/>
+                                      </dgm:alg>
+                                    </dgm:else>
+                                  </dgm:choose>
+                                  <dgm:shape xmlns:r="http://schemas.openxmlformats.org/officeDocument/2006/relationships" type="conn" r:blip="" zOrderOff="-999">
+                                    <dgm:adjLst/>
+                                  </dgm:shape>
+                                  <dgm:presOf axis="self"/>
+                                  <dgm:constrLst>
+                                    <dgm:constr type="begPad"/>
+                                    <dgm:constr type="endPad"/>
+                                  </dgm:constrLst>
+                                  <dgm:ruleLst/>
+                                </dgm:layoutNode>
+                              </dgm:forEach>
+                              <dgm:forEach name="Name27" axis="self" ptType="node">
+                                <dgm:layoutNode name="hierRoot4">
+                                  <dgm:alg type="hierRoot"/>
+                                  <dgm:shape xmlns:r="http://schemas.openxmlformats.org/officeDocument/2006/relationships" r:blip="">
+                                    <dgm:adjLst/>
+                                  </dgm:shape>
+                                  <dgm:presOf/>
+                                  <dgm:constrLst>
+                                    <dgm:constr type="bendDist" for="des" ptType="parTrans" refType="sp" fact="0.5"/>
+                                  </dgm:constrLst>
+                                  <dgm:ruleLst/>
+                                  <dgm:layoutNode name="composite4">
+                                    <dgm:alg type="composite"/>
+                                    <dgm:shape xmlns:r="http://schemas.openxmlformats.org/officeDocument/2006/relationships" r:blip="">
+                                      <dgm:adjLst/>
+                                    </dgm:shape>
+                                    <dgm:presOf/>
+                                    <dgm:constrLst>
+                                      <dgm:constr type="w" for="ch" forName="background4" refType="w" fact="0.9"/>
+                                      <dgm:constr type="h" for="ch" forName="background4" refType="w" refFor="ch" refForName="background4" fact="0.635"/>
+                                      <dgm:constr type="t" for="ch" forName="background4"/>
+                                      <dgm:constr type="l" for="ch" forName="background4"/>
+                                      <dgm:constr type="w" for="ch" forName="text4" refType="w" fact="0.9"/>
+                                      <dgm:constr type="h" for="ch" forName="text4" refType="w" refFor="ch" refForName="text4" fact="0.635"/>
+                                      <dgm:constr type="t" for="ch" forName="text4" refType="w" fact="0.095"/>
+                                      <dgm:constr type="l" for="ch" forName="text4" refType="w" fact="0.1"/>
+                                    </dgm:constrLst>
+                                    <dgm:ruleLst/>
+                                    <dgm:layoutNode name="background4" moveWith="text4">
+                                      <dgm:alg type="sp"/>
+                                      <dgm:shape xmlns:r="http://schemas.openxmlformats.org/officeDocument/2006/relationships" type="roundRect" r:blip="">
+                                        <dgm:adjLst>
+                                          <dgm:adj idx="1" val="0.1"/>
+                                        </dgm:adjLst>
+                                      </dgm:shape>
+                                      <dgm:presOf/>
+                                      <dgm:constrLst/>
+                                      <dgm:ruleLst/>
+                                    </dgm:layoutNode>
+                                    <dgm:layoutNode name="text4" styleLbl="fgAcc4">
+                                      <dgm:varLst>
+                                        <dgm:chPref val="3"/>
+                                      </dgm:varLst>
+                                      <dgm:alg type="tx"/>
+                                      <dgm:shape xmlns:r="http://schemas.openxmlformats.org/officeDocument/2006/relationships" type="roundRect" r:blip="">
+                                        <dgm:adjLst>
+                                          <dgm:adj idx="1" val="0.1"/>
+                                        </dgm:adjLst>
+                                      </dgm:shape>
+                                      <dgm:presOf axis="self"/>
+                                      <dgm:constrLst>
+                                        <dgm:constr type="tMarg" refType="primFontSz" fact="0.3"/>
+                                        <dgm:constr type="bMarg" refType="primFontSz" fact="0.3"/>
+                                        <dgm:constr type="lMarg" refType="primFontSz" fact="0.3"/>
+                                        <dgm:constr type="rMarg" refType="primFontSz" fact="0.3"/>
+                                      </dgm:constrLst>
+                                      <dgm:ruleLst>
+                                        <dgm:rule type="primFontSz" val="5" fact="NaN" max="NaN"/>
+                                      </dgm:ruleLst>
+                                    </dgm:layoutNode>
+                                  </dgm:layoutNode>
+                                  <dgm:layoutNode name="hierChild5">
+                                    <dgm:choose name="Name28">
+                                      <dgm:if name="Name29" func="var" arg="dir" op="equ" val="norm">
+                                        <dgm:alg type="hierChild">
+                                          <dgm:param type="linDir" val="fromL"/>
+                                        </dgm:alg>
+                                      </dgm:if>
+                                      <dgm:else name="Name30">
+                                        <dgm:alg type="hierChild">
+                                          <dgm:param type="linDir" val="fromR"/>
+                                        </dgm:alg>
+                                      </dgm:else>
+                                    </dgm:choose>
+                                    <dgm:shape xmlns:r="http://schemas.openxmlformats.org/officeDocument/2006/relationships" r:blip="">
+                                      <dgm:adjLst/>
+                                    </dgm:shape>
+                                    <dgm:presOf/>
+                                    <dgm:constrLst/>
+                                    <dgm:ruleLst/>
+                                    <dgm:forEach name="Name31" ref="repeat"/>
+                                  </dgm:layoutNode>
+                                </dgm:layoutNode>
+                              </dgm:forEach>
+                            </dgm:forEach>
+                          </dgm:layoutNode>
+                        </dgm:layoutNode>
+                      </dgm:forEach>
+                    </dgm:forEach>
+                  </dgm:layoutNode>
+                </dgm:layoutNode>
+              </dgm:forEach>
+            </dgm:forEach>
+          </dgm:layoutNode>
+        </dgm:layoutNode>
+      </dgm:forEach>
+    </dgm:forEach>
+  </dgm:layoutNode>
+</dgm:layoutDef>
+</file>
+
 <file path=ppt/diagrams/quickStyle1.xml><?xml version="1.0" encoding="utf-8"?>
 <dgm:styleDef xmlns:dgm="http://schemas.openxmlformats.org/drawingml/2006/diagram" xmlns:a="http://schemas.openxmlformats.org/drawingml/2006/main" uniqueId="urn:microsoft.com/office/officeart/2005/8/quickstyle/simple1">
   <dgm:title val=""/>
@@ -14210,6 +17050,1040 @@
         <a:scrgbClr r="0" g="0" b="0"/>
       </a:fillRef>
       <a:effectRef idx="2">
+        <a:scrgbClr r="0" g="0" b="0"/>
+      </a:effectRef>
+      <a:fontRef idx="minor"/>
+    </dgm:style>
+  </dgm:styleLbl>
+  <dgm:styleLbl name="revTx">
+    <dgm:scene3d>
+      <a:camera prst="orthographicFront"/>
+      <a:lightRig rig="threePt" dir="t"/>
+    </dgm:scene3d>
+    <dgm:sp3d/>
+    <dgm:txPr/>
+    <dgm:style>
+      <a:lnRef idx="0">
+        <a:scrgbClr r="0" g="0" b="0"/>
+      </a:lnRef>
+      <a:fillRef idx="0">
+        <a:scrgbClr r="0" g="0" b="0"/>
+      </a:fillRef>
+      <a:effectRef idx="0">
+        <a:scrgbClr r="0" g="0" b="0"/>
+      </a:effectRef>
+      <a:fontRef idx="minor"/>
+    </dgm:style>
+  </dgm:styleLbl>
+</dgm:styleDef>
+</file>
+
+<file path=ppt/diagrams/quickStyle5.xml><?xml version="1.0" encoding="utf-8"?>
+<dgm:styleDef xmlns:dgm="http://schemas.openxmlformats.org/drawingml/2006/diagram" xmlns:a="http://schemas.openxmlformats.org/drawingml/2006/main" uniqueId="urn:microsoft.com/office/officeart/2005/8/quickstyle/simple1">
+  <dgm:title val=""/>
+  <dgm:desc val=""/>
+  <dgm:catLst>
+    <dgm:cat type="simple" pri="10100"/>
+  </dgm:catLst>
+  <dgm:scene3d>
+    <a:camera prst="orthographicFront"/>
+    <a:lightRig rig="threePt" dir="t"/>
+  </dgm:scene3d>
+  <dgm:styleLbl name="node0">
+    <dgm:scene3d>
+      <a:camera prst="orthographicFront"/>
+      <a:lightRig rig="threePt" dir="t"/>
+    </dgm:scene3d>
+    <dgm:sp3d/>
+    <dgm:txPr/>
+    <dgm:style>
+      <a:lnRef idx="2">
+        <a:scrgbClr r="0" g="0" b="0"/>
+      </a:lnRef>
+      <a:fillRef idx="1">
+        <a:scrgbClr r="0" g="0" b="0"/>
+      </a:fillRef>
+      <a:effectRef idx="0">
+        <a:scrgbClr r="0" g="0" b="0"/>
+      </a:effectRef>
+      <a:fontRef idx="minor">
+        <a:schemeClr val="lt1"/>
+      </a:fontRef>
+    </dgm:style>
+  </dgm:styleLbl>
+  <dgm:styleLbl name="lnNode1">
+    <dgm:scene3d>
+      <a:camera prst="orthographicFront"/>
+      <a:lightRig rig="threePt" dir="t"/>
+    </dgm:scene3d>
+    <dgm:sp3d/>
+    <dgm:txPr/>
+    <dgm:style>
+      <a:lnRef idx="2">
+        <a:scrgbClr r="0" g="0" b="0"/>
+      </a:lnRef>
+      <a:fillRef idx="1">
+        <a:scrgbClr r="0" g="0" b="0"/>
+      </a:fillRef>
+      <a:effectRef idx="0">
+        <a:scrgbClr r="0" g="0" b="0"/>
+      </a:effectRef>
+      <a:fontRef idx="minor">
+        <a:schemeClr val="lt1"/>
+      </a:fontRef>
+    </dgm:style>
+  </dgm:styleLbl>
+  <dgm:styleLbl name="vennNode1">
+    <dgm:scene3d>
+      <a:camera prst="orthographicFront"/>
+      <a:lightRig rig="threePt" dir="t"/>
+    </dgm:scene3d>
+    <dgm:sp3d/>
+    <dgm:txPr/>
+    <dgm:style>
+      <a:lnRef idx="2">
+        <a:scrgbClr r="0" g="0" b="0"/>
+      </a:lnRef>
+      <a:fillRef idx="1">
+        <a:scrgbClr r="0" g="0" b="0"/>
+      </a:fillRef>
+      <a:effectRef idx="0">
+        <a:scrgbClr r="0" g="0" b="0"/>
+      </a:effectRef>
+      <a:fontRef idx="minor">
+        <a:schemeClr val="tx1"/>
+      </a:fontRef>
+    </dgm:style>
+  </dgm:styleLbl>
+  <dgm:styleLbl name="alignNode1">
+    <dgm:scene3d>
+      <a:camera prst="orthographicFront"/>
+      <a:lightRig rig="threePt" dir="t"/>
+    </dgm:scene3d>
+    <dgm:sp3d/>
+    <dgm:txPr/>
+    <dgm:style>
+      <a:lnRef idx="2">
+        <a:scrgbClr r="0" g="0" b="0"/>
+      </a:lnRef>
+      <a:fillRef idx="1">
+        <a:scrgbClr r="0" g="0" b="0"/>
+      </a:fillRef>
+      <a:effectRef idx="0">
+        <a:scrgbClr r="0" g="0" b="0"/>
+      </a:effectRef>
+      <a:fontRef idx="minor">
+        <a:schemeClr val="lt1"/>
+      </a:fontRef>
+    </dgm:style>
+  </dgm:styleLbl>
+  <dgm:styleLbl name="node1">
+    <dgm:scene3d>
+      <a:camera prst="orthographicFront"/>
+      <a:lightRig rig="threePt" dir="t"/>
+    </dgm:scene3d>
+    <dgm:sp3d/>
+    <dgm:txPr/>
+    <dgm:style>
+      <a:lnRef idx="2">
+        <a:scrgbClr r="0" g="0" b="0"/>
+      </a:lnRef>
+      <a:fillRef idx="1">
+        <a:scrgbClr r="0" g="0" b="0"/>
+      </a:fillRef>
+      <a:effectRef idx="0">
+        <a:scrgbClr r="0" g="0" b="0"/>
+      </a:effectRef>
+      <a:fontRef idx="minor">
+        <a:schemeClr val="lt1"/>
+      </a:fontRef>
+    </dgm:style>
+  </dgm:styleLbl>
+  <dgm:styleLbl name="node2">
+    <dgm:scene3d>
+      <a:camera prst="orthographicFront"/>
+      <a:lightRig rig="threePt" dir="t"/>
+    </dgm:scene3d>
+    <dgm:sp3d/>
+    <dgm:txPr/>
+    <dgm:style>
+      <a:lnRef idx="2">
+        <a:scrgbClr r="0" g="0" b="0"/>
+      </a:lnRef>
+      <a:fillRef idx="1">
+        <a:scrgbClr r="0" g="0" b="0"/>
+      </a:fillRef>
+      <a:effectRef idx="0">
+        <a:scrgbClr r="0" g="0" b="0"/>
+      </a:effectRef>
+      <a:fontRef idx="minor">
+        <a:schemeClr val="lt1"/>
+      </a:fontRef>
+    </dgm:style>
+  </dgm:styleLbl>
+  <dgm:styleLbl name="node3">
+    <dgm:scene3d>
+      <a:camera prst="orthographicFront"/>
+      <a:lightRig rig="threePt" dir="t"/>
+    </dgm:scene3d>
+    <dgm:sp3d/>
+    <dgm:txPr/>
+    <dgm:style>
+      <a:lnRef idx="2">
+        <a:scrgbClr r="0" g="0" b="0"/>
+      </a:lnRef>
+      <a:fillRef idx="1">
+        <a:scrgbClr r="0" g="0" b="0"/>
+      </a:fillRef>
+      <a:effectRef idx="0">
+        <a:scrgbClr r="0" g="0" b="0"/>
+      </a:effectRef>
+      <a:fontRef idx="minor">
+        <a:schemeClr val="lt1"/>
+      </a:fontRef>
+    </dgm:style>
+  </dgm:styleLbl>
+  <dgm:styleLbl name="node4">
+    <dgm:scene3d>
+      <a:camera prst="orthographicFront"/>
+      <a:lightRig rig="threePt" dir="t"/>
+    </dgm:scene3d>
+    <dgm:sp3d/>
+    <dgm:txPr/>
+    <dgm:style>
+      <a:lnRef idx="2">
+        <a:scrgbClr r="0" g="0" b="0"/>
+      </a:lnRef>
+      <a:fillRef idx="1">
+        <a:scrgbClr r="0" g="0" b="0"/>
+      </a:fillRef>
+      <a:effectRef idx="0">
+        <a:scrgbClr r="0" g="0" b="0"/>
+      </a:effectRef>
+      <a:fontRef idx="minor">
+        <a:schemeClr val="lt1"/>
+      </a:fontRef>
+    </dgm:style>
+  </dgm:styleLbl>
+  <dgm:styleLbl name="fgImgPlace1">
+    <dgm:scene3d>
+      <a:camera prst="orthographicFront"/>
+      <a:lightRig rig="threePt" dir="t"/>
+    </dgm:scene3d>
+    <dgm:sp3d/>
+    <dgm:txPr/>
+    <dgm:style>
+      <a:lnRef idx="2">
+        <a:scrgbClr r="0" g="0" b="0"/>
+      </a:lnRef>
+      <a:fillRef idx="1">
+        <a:scrgbClr r="0" g="0" b="0"/>
+      </a:fillRef>
+      <a:effectRef idx="0">
+        <a:scrgbClr r="0" g="0" b="0"/>
+      </a:effectRef>
+      <a:fontRef idx="minor"/>
+    </dgm:style>
+  </dgm:styleLbl>
+  <dgm:styleLbl name="alignImgPlace1">
+    <dgm:scene3d>
+      <a:camera prst="orthographicFront"/>
+      <a:lightRig rig="threePt" dir="t"/>
+    </dgm:scene3d>
+    <dgm:sp3d/>
+    <dgm:txPr/>
+    <dgm:style>
+      <a:lnRef idx="2">
+        <a:scrgbClr r="0" g="0" b="0"/>
+      </a:lnRef>
+      <a:fillRef idx="1">
+        <a:scrgbClr r="0" g="0" b="0"/>
+      </a:fillRef>
+      <a:effectRef idx="0">
+        <a:scrgbClr r="0" g="0" b="0"/>
+      </a:effectRef>
+      <a:fontRef idx="minor"/>
+    </dgm:style>
+  </dgm:styleLbl>
+  <dgm:styleLbl name="bgImgPlace1">
+    <dgm:scene3d>
+      <a:camera prst="orthographicFront"/>
+      <a:lightRig rig="threePt" dir="t"/>
+    </dgm:scene3d>
+    <dgm:sp3d/>
+    <dgm:txPr/>
+    <dgm:style>
+      <a:lnRef idx="2">
+        <a:scrgbClr r="0" g="0" b="0"/>
+      </a:lnRef>
+      <a:fillRef idx="1">
+        <a:scrgbClr r="0" g="0" b="0"/>
+      </a:fillRef>
+      <a:effectRef idx="0">
+        <a:scrgbClr r="0" g="0" b="0"/>
+      </a:effectRef>
+      <a:fontRef idx="minor"/>
+    </dgm:style>
+  </dgm:styleLbl>
+  <dgm:styleLbl name="sibTrans2D1">
+    <dgm:scene3d>
+      <a:camera prst="orthographicFront"/>
+      <a:lightRig rig="threePt" dir="t"/>
+    </dgm:scene3d>
+    <dgm:sp3d/>
+    <dgm:txPr/>
+    <dgm:style>
+      <a:lnRef idx="0">
+        <a:scrgbClr r="0" g="0" b="0"/>
+      </a:lnRef>
+      <a:fillRef idx="1">
+        <a:scrgbClr r="0" g="0" b="0"/>
+      </a:fillRef>
+      <a:effectRef idx="0">
+        <a:scrgbClr r="0" g="0" b="0"/>
+      </a:effectRef>
+      <a:fontRef idx="minor">
+        <a:schemeClr val="lt1"/>
+      </a:fontRef>
+    </dgm:style>
+  </dgm:styleLbl>
+  <dgm:styleLbl name="fgSibTrans2D1">
+    <dgm:scene3d>
+      <a:camera prst="orthographicFront"/>
+      <a:lightRig rig="threePt" dir="t"/>
+    </dgm:scene3d>
+    <dgm:sp3d/>
+    <dgm:txPr/>
+    <dgm:style>
+      <a:lnRef idx="0">
+        <a:scrgbClr r="0" g="0" b="0"/>
+      </a:lnRef>
+      <a:fillRef idx="1">
+        <a:scrgbClr r="0" g="0" b="0"/>
+      </a:fillRef>
+      <a:effectRef idx="0">
+        <a:scrgbClr r="0" g="0" b="0"/>
+      </a:effectRef>
+      <a:fontRef idx="minor">
+        <a:schemeClr val="lt1"/>
+      </a:fontRef>
+    </dgm:style>
+  </dgm:styleLbl>
+  <dgm:styleLbl name="bgSibTrans2D1">
+    <dgm:scene3d>
+      <a:camera prst="orthographicFront"/>
+      <a:lightRig rig="threePt" dir="t"/>
+    </dgm:scene3d>
+    <dgm:sp3d/>
+    <dgm:txPr/>
+    <dgm:style>
+      <a:lnRef idx="0">
+        <a:scrgbClr r="0" g="0" b="0"/>
+      </a:lnRef>
+      <a:fillRef idx="1">
+        <a:scrgbClr r="0" g="0" b="0"/>
+      </a:fillRef>
+      <a:effectRef idx="0">
+        <a:scrgbClr r="0" g="0" b="0"/>
+      </a:effectRef>
+      <a:fontRef idx="minor">
+        <a:schemeClr val="lt1"/>
+      </a:fontRef>
+    </dgm:style>
+  </dgm:styleLbl>
+  <dgm:styleLbl name="sibTrans1D1">
+    <dgm:scene3d>
+      <a:camera prst="orthographicFront"/>
+      <a:lightRig rig="threePt" dir="t"/>
+    </dgm:scene3d>
+    <dgm:sp3d/>
+    <dgm:txPr/>
+    <dgm:style>
+      <a:lnRef idx="1">
+        <a:scrgbClr r="0" g="0" b="0"/>
+      </a:lnRef>
+      <a:fillRef idx="0">
+        <a:scrgbClr r="0" g="0" b="0"/>
+      </a:fillRef>
+      <a:effectRef idx="0">
+        <a:scrgbClr r="0" g="0" b="0"/>
+      </a:effectRef>
+      <a:fontRef idx="minor"/>
+    </dgm:style>
+  </dgm:styleLbl>
+  <dgm:styleLbl name="callout">
+    <dgm:scene3d>
+      <a:camera prst="orthographicFront"/>
+      <a:lightRig rig="threePt" dir="t"/>
+    </dgm:scene3d>
+    <dgm:sp3d/>
+    <dgm:txPr/>
+    <dgm:style>
+      <a:lnRef idx="2">
+        <a:scrgbClr r="0" g="0" b="0"/>
+      </a:lnRef>
+      <a:fillRef idx="1">
+        <a:scrgbClr r="0" g="0" b="0"/>
+      </a:fillRef>
+      <a:effectRef idx="0">
+        <a:scrgbClr r="0" g="0" b="0"/>
+      </a:effectRef>
+      <a:fontRef idx="minor"/>
+    </dgm:style>
+  </dgm:styleLbl>
+  <dgm:styleLbl name="asst0">
+    <dgm:scene3d>
+      <a:camera prst="orthographicFront"/>
+      <a:lightRig rig="threePt" dir="t"/>
+    </dgm:scene3d>
+    <dgm:sp3d/>
+    <dgm:txPr/>
+    <dgm:style>
+      <a:lnRef idx="2">
+        <a:scrgbClr r="0" g="0" b="0"/>
+      </a:lnRef>
+      <a:fillRef idx="1">
+        <a:scrgbClr r="0" g="0" b="0"/>
+      </a:fillRef>
+      <a:effectRef idx="0">
+        <a:scrgbClr r="0" g="0" b="0"/>
+      </a:effectRef>
+      <a:fontRef idx="minor">
+        <a:schemeClr val="lt1"/>
+      </a:fontRef>
+    </dgm:style>
+  </dgm:styleLbl>
+  <dgm:styleLbl name="asst1">
+    <dgm:scene3d>
+      <a:camera prst="orthographicFront"/>
+      <a:lightRig rig="threePt" dir="t"/>
+    </dgm:scene3d>
+    <dgm:sp3d/>
+    <dgm:txPr/>
+    <dgm:style>
+      <a:lnRef idx="2">
+        <a:scrgbClr r="0" g="0" b="0"/>
+      </a:lnRef>
+      <a:fillRef idx="1">
+        <a:scrgbClr r="0" g="0" b="0"/>
+      </a:fillRef>
+      <a:effectRef idx="0">
+        <a:scrgbClr r="0" g="0" b="0"/>
+      </a:effectRef>
+      <a:fontRef idx="minor">
+        <a:schemeClr val="lt1"/>
+      </a:fontRef>
+    </dgm:style>
+  </dgm:styleLbl>
+  <dgm:styleLbl name="asst2">
+    <dgm:scene3d>
+      <a:camera prst="orthographicFront"/>
+      <a:lightRig rig="threePt" dir="t"/>
+    </dgm:scene3d>
+    <dgm:sp3d/>
+    <dgm:txPr/>
+    <dgm:style>
+      <a:lnRef idx="2">
+        <a:scrgbClr r="0" g="0" b="0"/>
+      </a:lnRef>
+      <a:fillRef idx="1">
+        <a:scrgbClr r="0" g="0" b="0"/>
+      </a:fillRef>
+      <a:effectRef idx="0">
+        <a:scrgbClr r="0" g="0" b="0"/>
+      </a:effectRef>
+      <a:fontRef idx="minor">
+        <a:schemeClr val="lt1"/>
+      </a:fontRef>
+    </dgm:style>
+  </dgm:styleLbl>
+  <dgm:styleLbl name="asst3">
+    <dgm:scene3d>
+      <a:camera prst="orthographicFront"/>
+      <a:lightRig rig="threePt" dir="t"/>
+    </dgm:scene3d>
+    <dgm:sp3d/>
+    <dgm:txPr/>
+    <dgm:style>
+      <a:lnRef idx="2">
+        <a:scrgbClr r="0" g="0" b="0"/>
+      </a:lnRef>
+      <a:fillRef idx="1">
+        <a:scrgbClr r="0" g="0" b="0"/>
+      </a:fillRef>
+      <a:effectRef idx="0">
+        <a:scrgbClr r="0" g="0" b="0"/>
+      </a:effectRef>
+      <a:fontRef idx="minor">
+        <a:schemeClr val="lt1"/>
+      </a:fontRef>
+    </dgm:style>
+  </dgm:styleLbl>
+  <dgm:styleLbl name="asst4">
+    <dgm:scene3d>
+      <a:camera prst="orthographicFront"/>
+      <a:lightRig rig="threePt" dir="t"/>
+    </dgm:scene3d>
+    <dgm:sp3d/>
+    <dgm:txPr/>
+    <dgm:style>
+      <a:lnRef idx="2">
+        <a:scrgbClr r="0" g="0" b="0"/>
+      </a:lnRef>
+      <a:fillRef idx="1">
+        <a:scrgbClr r="0" g="0" b="0"/>
+      </a:fillRef>
+      <a:effectRef idx="0">
+        <a:scrgbClr r="0" g="0" b="0"/>
+      </a:effectRef>
+      <a:fontRef idx="minor">
+        <a:schemeClr val="lt1"/>
+      </a:fontRef>
+    </dgm:style>
+  </dgm:styleLbl>
+  <dgm:styleLbl name="parChTrans2D1">
+    <dgm:scene3d>
+      <a:camera prst="orthographicFront"/>
+      <a:lightRig rig="threePt" dir="t"/>
+    </dgm:scene3d>
+    <dgm:sp3d/>
+    <dgm:txPr/>
+    <dgm:style>
+      <a:lnRef idx="2">
+        <a:scrgbClr r="0" g="0" b="0"/>
+      </a:lnRef>
+      <a:fillRef idx="1">
+        <a:scrgbClr r="0" g="0" b="0"/>
+      </a:fillRef>
+      <a:effectRef idx="0">
+        <a:scrgbClr r="0" g="0" b="0"/>
+      </a:effectRef>
+      <a:fontRef idx="minor">
+        <a:schemeClr val="lt1"/>
+      </a:fontRef>
+    </dgm:style>
+  </dgm:styleLbl>
+  <dgm:styleLbl name="parChTrans2D2">
+    <dgm:scene3d>
+      <a:camera prst="orthographicFront"/>
+      <a:lightRig rig="threePt" dir="t"/>
+    </dgm:scene3d>
+    <dgm:sp3d/>
+    <dgm:txPr/>
+    <dgm:style>
+      <a:lnRef idx="2">
+        <a:scrgbClr r="0" g="0" b="0"/>
+      </a:lnRef>
+      <a:fillRef idx="1">
+        <a:scrgbClr r="0" g="0" b="0"/>
+      </a:fillRef>
+      <a:effectRef idx="0">
+        <a:scrgbClr r="0" g="0" b="0"/>
+      </a:effectRef>
+      <a:fontRef idx="minor">
+        <a:schemeClr val="lt1"/>
+      </a:fontRef>
+    </dgm:style>
+  </dgm:styleLbl>
+  <dgm:styleLbl name="parChTrans2D3">
+    <dgm:scene3d>
+      <a:camera prst="orthographicFront"/>
+      <a:lightRig rig="threePt" dir="t"/>
+    </dgm:scene3d>
+    <dgm:sp3d/>
+    <dgm:txPr/>
+    <dgm:style>
+      <a:lnRef idx="2">
+        <a:scrgbClr r="0" g="0" b="0"/>
+      </a:lnRef>
+      <a:fillRef idx="1">
+        <a:scrgbClr r="0" g="0" b="0"/>
+      </a:fillRef>
+      <a:effectRef idx="0">
+        <a:scrgbClr r="0" g="0" b="0"/>
+      </a:effectRef>
+      <a:fontRef idx="minor">
+        <a:schemeClr val="lt1"/>
+      </a:fontRef>
+    </dgm:style>
+  </dgm:styleLbl>
+  <dgm:styleLbl name="parChTrans2D4">
+    <dgm:scene3d>
+      <a:camera prst="orthographicFront"/>
+      <a:lightRig rig="threePt" dir="t"/>
+    </dgm:scene3d>
+    <dgm:sp3d/>
+    <dgm:txPr/>
+    <dgm:style>
+      <a:lnRef idx="2">
+        <a:scrgbClr r="0" g="0" b="0"/>
+      </a:lnRef>
+      <a:fillRef idx="1">
+        <a:scrgbClr r="0" g="0" b="0"/>
+      </a:fillRef>
+      <a:effectRef idx="0">
+        <a:scrgbClr r="0" g="0" b="0"/>
+      </a:effectRef>
+      <a:fontRef idx="minor">
+        <a:schemeClr val="lt1"/>
+      </a:fontRef>
+    </dgm:style>
+  </dgm:styleLbl>
+  <dgm:styleLbl name="parChTrans1D1">
+    <dgm:scene3d>
+      <a:camera prst="orthographicFront"/>
+      <a:lightRig rig="threePt" dir="t"/>
+    </dgm:scene3d>
+    <dgm:sp3d/>
+    <dgm:txPr/>
+    <dgm:style>
+      <a:lnRef idx="2">
+        <a:scrgbClr r="0" g="0" b="0"/>
+      </a:lnRef>
+      <a:fillRef idx="0">
+        <a:scrgbClr r="0" g="0" b="0"/>
+      </a:fillRef>
+      <a:effectRef idx="0">
+        <a:scrgbClr r="0" g="0" b="0"/>
+      </a:effectRef>
+      <a:fontRef idx="minor"/>
+    </dgm:style>
+  </dgm:styleLbl>
+  <dgm:styleLbl name="parChTrans1D2">
+    <dgm:scene3d>
+      <a:camera prst="orthographicFront"/>
+      <a:lightRig rig="threePt" dir="t"/>
+    </dgm:scene3d>
+    <dgm:sp3d/>
+    <dgm:txPr/>
+    <dgm:style>
+      <a:lnRef idx="2">
+        <a:scrgbClr r="0" g="0" b="0"/>
+      </a:lnRef>
+      <a:fillRef idx="0">
+        <a:scrgbClr r="0" g="0" b="0"/>
+      </a:fillRef>
+      <a:effectRef idx="0">
+        <a:scrgbClr r="0" g="0" b="0"/>
+      </a:effectRef>
+      <a:fontRef idx="minor"/>
+    </dgm:style>
+  </dgm:styleLbl>
+  <dgm:styleLbl name="parChTrans1D3">
+    <dgm:scene3d>
+      <a:camera prst="orthographicFront"/>
+      <a:lightRig rig="threePt" dir="t"/>
+    </dgm:scene3d>
+    <dgm:sp3d/>
+    <dgm:txPr/>
+    <dgm:style>
+      <a:lnRef idx="2">
+        <a:scrgbClr r="0" g="0" b="0"/>
+      </a:lnRef>
+      <a:fillRef idx="0">
+        <a:scrgbClr r="0" g="0" b="0"/>
+      </a:fillRef>
+      <a:effectRef idx="0">
+        <a:scrgbClr r="0" g="0" b="0"/>
+      </a:effectRef>
+      <a:fontRef idx="minor"/>
+    </dgm:style>
+  </dgm:styleLbl>
+  <dgm:styleLbl name="parChTrans1D4">
+    <dgm:scene3d>
+      <a:camera prst="orthographicFront"/>
+      <a:lightRig rig="threePt" dir="t"/>
+    </dgm:scene3d>
+    <dgm:sp3d/>
+    <dgm:txPr/>
+    <dgm:style>
+      <a:lnRef idx="2">
+        <a:scrgbClr r="0" g="0" b="0"/>
+      </a:lnRef>
+      <a:fillRef idx="0">
+        <a:scrgbClr r="0" g="0" b="0"/>
+      </a:fillRef>
+      <a:effectRef idx="0">
+        <a:scrgbClr r="0" g="0" b="0"/>
+      </a:effectRef>
+      <a:fontRef idx="minor"/>
+    </dgm:style>
+  </dgm:styleLbl>
+  <dgm:styleLbl name="fgAcc1">
+    <dgm:scene3d>
+      <a:camera prst="orthographicFront"/>
+      <a:lightRig rig="threePt" dir="t"/>
+    </dgm:scene3d>
+    <dgm:sp3d/>
+    <dgm:txPr/>
+    <dgm:style>
+      <a:lnRef idx="2">
+        <a:scrgbClr r="0" g="0" b="0"/>
+      </a:lnRef>
+      <a:fillRef idx="1">
+        <a:scrgbClr r="0" g="0" b="0"/>
+      </a:fillRef>
+      <a:effectRef idx="0">
+        <a:scrgbClr r="0" g="0" b="0"/>
+      </a:effectRef>
+      <a:fontRef idx="minor"/>
+    </dgm:style>
+  </dgm:styleLbl>
+  <dgm:styleLbl name="conFgAcc1">
+    <dgm:scene3d>
+      <a:camera prst="orthographicFront"/>
+      <a:lightRig rig="threePt" dir="t"/>
+    </dgm:scene3d>
+    <dgm:sp3d/>
+    <dgm:txPr/>
+    <dgm:style>
+      <a:lnRef idx="2">
+        <a:scrgbClr r="0" g="0" b="0"/>
+      </a:lnRef>
+      <a:fillRef idx="1">
+        <a:scrgbClr r="0" g="0" b="0"/>
+      </a:fillRef>
+      <a:effectRef idx="0">
+        <a:scrgbClr r="0" g="0" b="0"/>
+      </a:effectRef>
+      <a:fontRef idx="minor"/>
+    </dgm:style>
+  </dgm:styleLbl>
+  <dgm:styleLbl name="alignAcc1">
+    <dgm:scene3d>
+      <a:camera prst="orthographicFront"/>
+      <a:lightRig rig="threePt" dir="t"/>
+    </dgm:scene3d>
+    <dgm:sp3d/>
+    <dgm:txPr/>
+    <dgm:style>
+      <a:lnRef idx="2">
+        <a:scrgbClr r="0" g="0" b="0"/>
+      </a:lnRef>
+      <a:fillRef idx="1">
+        <a:scrgbClr r="0" g="0" b="0"/>
+      </a:fillRef>
+      <a:effectRef idx="0">
+        <a:scrgbClr r="0" g="0" b="0"/>
+      </a:effectRef>
+      <a:fontRef idx="minor"/>
+    </dgm:style>
+  </dgm:styleLbl>
+  <dgm:styleLbl name="trAlignAcc1">
+    <dgm:scene3d>
+      <a:camera prst="orthographicFront"/>
+      <a:lightRig rig="threePt" dir="t"/>
+    </dgm:scene3d>
+    <dgm:sp3d/>
+    <dgm:txPr/>
+    <dgm:style>
+      <a:lnRef idx="1">
+        <a:scrgbClr r="0" g="0" b="0"/>
+      </a:lnRef>
+      <a:fillRef idx="1">
+        <a:scrgbClr r="0" g="0" b="0"/>
+      </a:fillRef>
+      <a:effectRef idx="0">
+        <a:scrgbClr r="0" g="0" b="0"/>
+      </a:effectRef>
+      <a:fontRef idx="minor"/>
+    </dgm:style>
+  </dgm:styleLbl>
+  <dgm:styleLbl name="bgAcc1">
+    <dgm:scene3d>
+      <a:camera prst="orthographicFront"/>
+      <a:lightRig rig="threePt" dir="t"/>
+    </dgm:scene3d>
+    <dgm:sp3d/>
+    <dgm:txPr/>
+    <dgm:style>
+      <a:lnRef idx="2">
+        <a:scrgbClr r="0" g="0" b="0"/>
+      </a:lnRef>
+      <a:fillRef idx="1">
+        <a:scrgbClr r="0" g="0" b="0"/>
+      </a:fillRef>
+      <a:effectRef idx="0">
+        <a:scrgbClr r="0" g="0" b="0"/>
+      </a:effectRef>
+      <a:fontRef idx="minor"/>
+    </dgm:style>
+  </dgm:styleLbl>
+  <dgm:styleLbl name="solidFgAcc1">
+    <dgm:scene3d>
+      <a:camera prst="orthographicFront"/>
+      <a:lightRig rig="threePt" dir="t"/>
+    </dgm:scene3d>
+    <dgm:sp3d/>
+    <dgm:txPr/>
+    <dgm:style>
+      <a:lnRef idx="2">
+        <a:scrgbClr r="0" g="0" b="0"/>
+      </a:lnRef>
+      <a:fillRef idx="1">
+        <a:scrgbClr r="0" g="0" b="0"/>
+      </a:fillRef>
+      <a:effectRef idx="0">
+        <a:scrgbClr r="0" g="0" b="0"/>
+      </a:effectRef>
+      <a:fontRef idx="minor"/>
+    </dgm:style>
+  </dgm:styleLbl>
+  <dgm:styleLbl name="solidAlignAcc1">
+    <dgm:scene3d>
+      <a:camera prst="orthographicFront"/>
+      <a:lightRig rig="threePt" dir="t"/>
+    </dgm:scene3d>
+    <dgm:sp3d/>
+    <dgm:txPr/>
+    <dgm:style>
+      <a:lnRef idx="2">
+        <a:scrgbClr r="0" g="0" b="0"/>
+      </a:lnRef>
+      <a:fillRef idx="1">
+        <a:scrgbClr r="0" g="0" b="0"/>
+      </a:fillRef>
+      <a:effectRef idx="0">
+        <a:scrgbClr r="0" g="0" b="0"/>
+      </a:effectRef>
+      <a:fontRef idx="minor"/>
+    </dgm:style>
+  </dgm:styleLbl>
+  <dgm:styleLbl name="solidBgAcc1">
+    <dgm:scene3d>
+      <a:camera prst="orthographicFront"/>
+      <a:lightRig rig="threePt" dir="t"/>
+    </dgm:scene3d>
+    <dgm:sp3d/>
+    <dgm:txPr/>
+    <dgm:style>
+      <a:lnRef idx="2">
+        <a:scrgbClr r="0" g="0" b="0"/>
+      </a:lnRef>
+      <a:fillRef idx="1">
+        <a:scrgbClr r="0" g="0" b="0"/>
+      </a:fillRef>
+      <a:effectRef idx="0">
+        <a:scrgbClr r="0" g="0" b="0"/>
+      </a:effectRef>
+      <a:fontRef idx="minor"/>
+    </dgm:style>
+  </dgm:styleLbl>
+  <dgm:styleLbl name="fgAccFollowNode1">
+    <dgm:scene3d>
+      <a:camera prst="orthographicFront"/>
+      <a:lightRig rig="threePt" dir="t"/>
+    </dgm:scene3d>
+    <dgm:sp3d/>
+    <dgm:txPr/>
+    <dgm:style>
+      <a:lnRef idx="2">
+        <a:scrgbClr r="0" g="0" b="0"/>
+      </a:lnRef>
+      <a:fillRef idx="1">
+        <a:scrgbClr r="0" g="0" b="0"/>
+      </a:fillRef>
+      <a:effectRef idx="0">
+        <a:scrgbClr r="0" g="0" b="0"/>
+      </a:effectRef>
+      <a:fontRef idx="minor"/>
+    </dgm:style>
+  </dgm:styleLbl>
+  <dgm:styleLbl name="alignAccFollowNode1">
+    <dgm:scene3d>
+      <a:camera prst="orthographicFront"/>
+      <a:lightRig rig="threePt" dir="t"/>
+    </dgm:scene3d>
+    <dgm:sp3d/>
+    <dgm:txPr/>
+    <dgm:style>
+      <a:lnRef idx="2">
+        <a:scrgbClr r="0" g="0" b="0"/>
+      </a:lnRef>
+      <a:fillRef idx="1">
+        <a:scrgbClr r="0" g="0" b="0"/>
+      </a:fillRef>
+      <a:effectRef idx="0">
+        <a:scrgbClr r="0" g="0" b="0"/>
+      </a:effectRef>
+      <a:fontRef idx="minor"/>
+    </dgm:style>
+  </dgm:styleLbl>
+  <dgm:styleLbl name="bgAccFollowNode1">
+    <dgm:scene3d>
+      <a:camera prst="orthographicFront"/>
+      <a:lightRig rig="threePt" dir="t"/>
+    </dgm:scene3d>
+    <dgm:sp3d/>
+    <dgm:txPr/>
+    <dgm:style>
+      <a:lnRef idx="2">
+        <a:scrgbClr r="0" g="0" b="0"/>
+      </a:lnRef>
+      <a:fillRef idx="1">
+        <a:scrgbClr r="0" g="0" b="0"/>
+      </a:fillRef>
+      <a:effectRef idx="0">
+        <a:scrgbClr r="0" g="0" b="0"/>
+      </a:effectRef>
+      <a:fontRef idx="minor"/>
+    </dgm:style>
+  </dgm:styleLbl>
+  <dgm:styleLbl name="fgAcc0">
+    <dgm:scene3d>
+      <a:camera prst="orthographicFront"/>
+      <a:lightRig rig="threePt" dir="t"/>
+    </dgm:scene3d>
+    <dgm:sp3d/>
+    <dgm:txPr/>
+    <dgm:style>
+      <a:lnRef idx="2">
+        <a:scrgbClr r="0" g="0" b="0"/>
+      </a:lnRef>
+      <a:fillRef idx="1">
+        <a:scrgbClr r="0" g="0" b="0"/>
+      </a:fillRef>
+      <a:effectRef idx="0">
+        <a:scrgbClr r="0" g="0" b="0"/>
+      </a:effectRef>
+      <a:fontRef idx="minor"/>
+    </dgm:style>
+  </dgm:styleLbl>
+  <dgm:styleLbl name="fgAcc2">
+    <dgm:scene3d>
+      <a:camera prst="orthographicFront"/>
+      <a:lightRig rig="threePt" dir="t"/>
+    </dgm:scene3d>
+    <dgm:sp3d/>
+    <dgm:txPr/>
+    <dgm:style>
+      <a:lnRef idx="2">
+        <a:scrgbClr r="0" g="0" b="0"/>
+      </a:lnRef>
+      <a:fillRef idx="1">
+        <a:scrgbClr r="0" g="0" b="0"/>
+      </a:fillRef>
+      <a:effectRef idx="0">
+        <a:scrgbClr r="0" g="0" b="0"/>
+      </a:effectRef>
+      <a:fontRef idx="minor"/>
+    </dgm:style>
+  </dgm:styleLbl>
+  <dgm:styleLbl name="fgAcc3">
+    <dgm:scene3d>
+      <a:camera prst="orthographicFront"/>
+      <a:lightRig rig="threePt" dir="t"/>
+    </dgm:scene3d>
+    <dgm:sp3d/>
+    <dgm:txPr/>
+    <dgm:style>
+      <a:lnRef idx="2">
+        <a:scrgbClr r="0" g="0" b="0"/>
+      </a:lnRef>
+      <a:fillRef idx="1">
+        <a:scrgbClr r="0" g="0" b="0"/>
+      </a:fillRef>
+      <a:effectRef idx="0">
+        <a:scrgbClr r="0" g="0" b="0"/>
+      </a:effectRef>
+      <a:fontRef idx="minor"/>
+    </dgm:style>
+  </dgm:styleLbl>
+  <dgm:styleLbl name="fgAcc4">
+    <dgm:scene3d>
+      <a:camera prst="orthographicFront"/>
+      <a:lightRig rig="threePt" dir="t"/>
+    </dgm:scene3d>
+    <dgm:sp3d/>
+    <dgm:txPr/>
+    <dgm:style>
+      <a:lnRef idx="2">
+        <a:scrgbClr r="0" g="0" b="0"/>
+      </a:lnRef>
+      <a:fillRef idx="1">
+        <a:scrgbClr r="0" g="0" b="0"/>
+      </a:fillRef>
+      <a:effectRef idx="0">
+        <a:scrgbClr r="0" g="0" b="0"/>
+      </a:effectRef>
+      <a:fontRef idx="minor"/>
+    </dgm:style>
+  </dgm:styleLbl>
+  <dgm:styleLbl name="bgShp">
+    <dgm:scene3d>
+      <a:camera prst="orthographicFront"/>
+      <a:lightRig rig="threePt" dir="t"/>
+    </dgm:scene3d>
+    <dgm:sp3d/>
+    <dgm:txPr/>
+    <dgm:style>
+      <a:lnRef idx="0">
+        <a:scrgbClr r="0" g="0" b="0"/>
+      </a:lnRef>
+      <a:fillRef idx="1">
+        <a:scrgbClr r="0" g="0" b="0"/>
+      </a:fillRef>
+      <a:effectRef idx="0">
+        <a:scrgbClr r="0" g="0" b="0"/>
+      </a:effectRef>
+      <a:fontRef idx="minor"/>
+    </dgm:style>
+  </dgm:styleLbl>
+  <dgm:styleLbl name="dkBgShp">
+    <dgm:scene3d>
+      <a:camera prst="orthographicFront"/>
+      <a:lightRig rig="threePt" dir="t"/>
+    </dgm:scene3d>
+    <dgm:sp3d/>
+    <dgm:txPr/>
+    <dgm:style>
+      <a:lnRef idx="0">
+        <a:scrgbClr r="0" g="0" b="0"/>
+      </a:lnRef>
+      <a:fillRef idx="1">
+        <a:scrgbClr r="0" g="0" b="0"/>
+      </a:fillRef>
+      <a:effectRef idx="0">
+        <a:scrgbClr r="0" g="0" b="0"/>
+      </a:effectRef>
+      <a:fontRef idx="minor"/>
+    </dgm:style>
+  </dgm:styleLbl>
+  <dgm:styleLbl name="trBgShp">
+    <dgm:scene3d>
+      <a:camera prst="orthographicFront"/>
+      <a:lightRig rig="threePt" dir="t"/>
+    </dgm:scene3d>
+    <dgm:sp3d/>
+    <dgm:txPr/>
+    <dgm:style>
+      <a:lnRef idx="0">
+        <a:scrgbClr r="0" g="0" b="0"/>
+      </a:lnRef>
+      <a:fillRef idx="1">
+        <a:scrgbClr r="0" g="0" b="0"/>
+      </a:fillRef>
+      <a:effectRef idx="0">
+        <a:scrgbClr r="0" g="0" b="0"/>
+      </a:effectRef>
+      <a:fontRef idx="minor"/>
+    </dgm:style>
+  </dgm:styleLbl>
+  <dgm:styleLbl name="fgShp">
+    <dgm:scene3d>
+      <a:camera prst="orthographicFront"/>
+      <a:lightRig rig="threePt" dir="t"/>
+    </dgm:scene3d>
+    <dgm:sp3d/>
+    <dgm:txPr/>
+    <dgm:style>
+      <a:lnRef idx="2">
+        <a:scrgbClr r="0" g="0" b="0"/>
+      </a:lnRef>
+      <a:fillRef idx="1">
+        <a:scrgbClr r="0" g="0" b="0"/>
+      </a:fillRef>
+      <a:effectRef idx="0">
         <a:scrgbClr r="0" g="0" b="0"/>
       </a:effectRef>
       <a:fontRef idx="minor"/>
@@ -17595,7 +21469,7 @@
         </p:nvSpPr>
         <p:spPr>
           <a:xfrm>
-            <a:off x="1746571" y="3429000"/>
+            <a:off x="1726292" y="3068960"/>
             <a:ext cx="6222442" cy="1143000"/>
           </a:xfrm>
         </p:spPr>
@@ -17667,6 +21541,140 @@
           <a:extLst/>
         </p:spPr>
       </p:pic>
+      <p:sp>
+        <p:nvSpPr>
+          <p:cNvPr id="6" name="CaixaDeTexto 5"/>
+          <p:cNvSpPr txBox="1"/>
+          <p:nvPr/>
+        </p:nvSpPr>
+        <p:spPr>
+          <a:xfrm>
+            <a:off x="541904" y="5173465"/>
+            <a:ext cx="8350576" cy="369332"/>
+          </a:xfrm>
+          <a:prstGeom prst="rect">
+            <a:avLst/>
+          </a:prstGeom>
+          <a:noFill/>
+        </p:spPr>
+        <p:txBody>
+          <a:bodyPr wrap="square" rtlCol="0">
+            <a:spAutoFit/>
+          </a:bodyPr>
+          <a:lstStyle/>
+          <a:p>
+            <a:pPr algn="r"/>
+            <a:r>
+              <a:rPr lang="pt-BR" dirty="0" err="1" smtClean="0"/>
+              <a:t>Neimar</a:t>
+            </a:r>
+            <a:r>
+              <a:rPr lang="pt-BR" dirty="0" smtClean="0"/>
+              <a:t> Moises </a:t>
+            </a:r>
+            <a:r>
+              <a:rPr lang="pt-BR" dirty="0" err="1" smtClean="0"/>
+              <a:t>Gobbi</a:t>
+            </a:r>
+            <a:r>
+              <a:rPr lang="pt-BR" dirty="0" smtClean="0"/>
+              <a:t> </a:t>
+            </a:r>
+            <a:endParaRPr lang="pt-BR" dirty="0"/>
+          </a:p>
+        </p:txBody>
+      </p:sp>
+      <p:sp>
+        <p:nvSpPr>
+          <p:cNvPr id="7" name="CaixaDeTexto 6"/>
+          <p:cNvSpPr txBox="1"/>
+          <p:nvPr/>
+        </p:nvSpPr>
+        <p:spPr>
+          <a:xfrm>
+            <a:off x="541904" y="5661248"/>
+            <a:ext cx="8350576" cy="369332"/>
+          </a:xfrm>
+          <a:prstGeom prst="rect">
+            <a:avLst/>
+          </a:prstGeom>
+          <a:noFill/>
+        </p:spPr>
+        <p:txBody>
+          <a:bodyPr wrap="square" rtlCol="0">
+            <a:spAutoFit/>
+          </a:bodyPr>
+          <a:lstStyle/>
+          <a:p>
+            <a:pPr algn="r"/>
+            <a:r>
+              <a:rPr lang="pt-BR" dirty="0" smtClean="0"/>
+              <a:t>Faculdade Senac RS  2018/2</a:t>
+            </a:r>
+            <a:endParaRPr lang="pt-BR" dirty="0"/>
+          </a:p>
+        </p:txBody>
+      </p:sp>
+      <p:sp>
+        <p:nvSpPr>
+          <p:cNvPr id="8" name="CaixaDeTexto 7"/>
+          <p:cNvSpPr txBox="1"/>
+          <p:nvPr/>
+        </p:nvSpPr>
+        <p:spPr>
+          <a:xfrm>
+            <a:off x="541904" y="6159236"/>
+            <a:ext cx="8350576" cy="369332"/>
+          </a:xfrm>
+          <a:prstGeom prst="rect">
+            <a:avLst/>
+          </a:prstGeom>
+          <a:noFill/>
+        </p:spPr>
+        <p:txBody>
+          <a:bodyPr wrap="square" rtlCol="0">
+            <a:spAutoFit/>
+          </a:bodyPr>
+          <a:lstStyle/>
+          <a:p>
+            <a:pPr algn="r"/>
+            <a:r>
+              <a:rPr lang="pt-BR" dirty="0" smtClean="0"/>
+              <a:t>Curso Analise de desenvolvimento de sistemas</a:t>
+            </a:r>
+            <a:endParaRPr lang="pt-BR" dirty="0"/>
+          </a:p>
+        </p:txBody>
+      </p:sp>
+      <p:sp>
+        <p:nvSpPr>
+          <p:cNvPr id="3" name="Retângulo 2"/>
+          <p:cNvSpPr/>
+          <p:nvPr/>
+        </p:nvSpPr>
+        <p:spPr>
+          <a:xfrm>
+            <a:off x="541904" y="589330"/>
+            <a:ext cx="8350575" cy="369332"/>
+          </a:xfrm>
+          <a:prstGeom prst="rect">
+            <a:avLst/>
+          </a:prstGeom>
+        </p:spPr>
+        <p:txBody>
+          <a:bodyPr wrap="square">
+            <a:spAutoFit/>
+          </a:bodyPr>
+          <a:lstStyle/>
+          <a:p>
+            <a:pPr algn="ctr"/>
+            <a:r>
+              <a:rPr lang="pt-BR" dirty="0"/>
+              <a:t>Trabalho de conclusão</a:t>
+            </a:r>
+          </a:p>
+        </p:txBody>
+      </p:sp>
     </p:spTree>
     <p:extLst>
       <p:ext uri="{BB962C8B-B14F-4D97-AF65-F5344CB8AC3E}">
@@ -18162,11 +22170,7 @@
           <a:p>
             <a:r>
               <a:rPr lang="pt-BR" dirty="0" smtClean="0"/>
-              <a:t>Active </a:t>
-            </a:r>
-            <a:r>
-              <a:rPr lang="pt-BR" dirty="0" smtClean="0"/>
-              <a:t>campus</a:t>
+              <a:t>Active campus</a:t>
             </a:r>
             <a:endParaRPr lang="pt-BR" dirty="0"/>
           </a:p>
@@ -18587,11 +22591,7 @@
           <a:p>
             <a:r>
               <a:rPr lang="pt-BR" dirty="0" smtClean="0"/>
-              <a:t>Ideia </a:t>
-            </a:r>
-            <a:r>
-              <a:rPr lang="pt-BR" dirty="0" smtClean="0"/>
-              <a:t>dos três clicks</a:t>
+              <a:t>Ideia dos três clicks</a:t>
             </a:r>
             <a:endParaRPr lang="pt-BR" dirty="0"/>
           </a:p>
@@ -19107,7 +23107,12 @@
             <p:ph type="title"/>
           </p:nvPr>
         </p:nvSpPr>
-        <p:spPr/>
+        <p:spPr>
+          <a:xfrm>
+            <a:off x="457200" y="116632"/>
+            <a:ext cx="8229600" cy="1296144"/>
+          </a:xfrm>
+        </p:spPr>
         <p:txBody>
           <a:bodyPr/>
           <a:lstStyle/>
@@ -19122,34 +23127,6 @@
       </p:sp>
       <p:pic>
         <p:nvPicPr>
-          <p:cNvPr id="6" name="Espaço Reservado para Conteúdo 5"/>
-          <p:cNvPicPr>
-            <a:picLocks noGrp="1" noChangeAspect="1"/>
-          </p:cNvPicPr>
-          <p:nvPr>
-            <p:ph idx="1"/>
-          </p:nvPr>
-        </p:nvPicPr>
-        <p:blipFill rotWithShape="1">
-          <a:blip r:embed="rId2" cstate="print">
-            <a:extLst>
-              <a:ext uri="{28A0092B-C50C-407E-A947-70E740481C1C}">
-                <a14:useLocalDpi xmlns:a14="http://schemas.microsoft.com/office/drawing/2010/main" val="0"/>
-              </a:ext>
-            </a:extLst>
-          </a:blip>
-          <a:srcRect t="8253" r="1162" b="15291"/>
-          <a:stretch/>
-        </p:blipFill>
-        <p:spPr>
-          <a:xfrm>
-            <a:off x="1619672" y="1700808"/>
-            <a:ext cx="6120680" cy="4752528"/>
-          </a:xfrm>
-        </p:spPr>
-      </p:pic>
-      <p:pic>
-        <p:nvPicPr>
           <p:cNvPr id="4" name="Picture 2" descr="https://cdn-images-1.medium.com/max/600/1*YHKQVfSqFafrXvGcc5wUuQ.png"/>
           <p:cNvPicPr>
             <a:picLocks noChangeAspect="1" noChangeArrowheads="1"/>
@@ -19157,7 +23134,7 @@
           <p:nvPr/>
         </p:nvPicPr>
         <p:blipFill rotWithShape="1">
-          <a:blip r:embed="rId3">
+          <a:blip r:embed="rId2">
             <a:extLst>
               <a:ext uri="{28A0092B-C50C-407E-A947-70E740481C1C}">
                 <a14:useLocalDpi xmlns:a14="http://schemas.microsoft.com/office/drawing/2010/main" val="0"/>
@@ -19192,6 +23169,31 @@
           </a:extLst>
         </p:spPr>
       </p:pic>
+      <p:graphicFrame>
+        <p:nvGraphicFramePr>
+          <p:cNvPr id="5" name="Espaço Reservado para Conteúdo 4"/>
+          <p:cNvGraphicFramePr>
+            <a:graphicFrameLocks noGrp="1"/>
+          </p:cNvGraphicFramePr>
+          <p:nvPr>
+            <p:ph idx="1"/>
+            <p:extLst>
+              <p:ext uri="{D42A27DB-BD31-4B8C-83A1-F6EECF244321}">
+                <p14:modId xmlns:p14="http://schemas.microsoft.com/office/powerpoint/2010/main" val="2841335617"/>
+              </p:ext>
+            </p:extLst>
+          </p:nvPr>
+        </p:nvGraphicFramePr>
+        <p:xfrm>
+          <a:off x="457200" y="1600200"/>
+          <a:ext cx="8229600" cy="4525963"/>
+        </p:xfrm>
+        <a:graphic>
+          <a:graphicData uri="http://schemas.openxmlformats.org/drawingml/2006/diagram">
+            <dgm:relIds xmlns:dgm="http://schemas.openxmlformats.org/drawingml/2006/diagram" xmlns:r="http://schemas.openxmlformats.org/officeDocument/2006/relationships" r:dm="rId3" r:lo="rId4" r:qs="rId5" r:cs="rId6"/>
+          </a:graphicData>
+        </a:graphic>
+      </p:graphicFrame>
     </p:spTree>
     <p:extLst>
       <p:ext uri="{BB962C8B-B14F-4D97-AF65-F5344CB8AC3E}">

--- a/Ppt.pptx
+++ b/Ppt.pptx
@@ -112,7 +112,7 @@
   </p:defaultTextStyle>
   <p:extLst>
     <p:ext uri="{EFAFB233-063F-42B5-8137-9DF3F51BA10A}">
-      <p15:sldGuideLst xmlns:p15="http://schemas.microsoft.com/office/powerpoint/2012/main" xmlns="">
+      <p15:sldGuideLst xmlns="" xmlns:p15="http://schemas.microsoft.com/office/powerpoint/2012/main">
         <p15:guide id="1" orient="horz" pos="2160">
           <p15:clr>
             <a:srgbClr val="A4A3A4"/>
@@ -4723,6 +4723,788 @@
   <dgm:styleLbl name="trBgShp">
     <dgm:fillClrLst meth="repeat">
       <a:schemeClr val="accent3">
+        <a:tint val="50000"/>
+        <a:alpha val="40000"/>
+      </a:schemeClr>
+    </dgm:fillClrLst>
+    <dgm:linClrLst meth="repeat">
+      <a:schemeClr val="accent3"/>
+    </dgm:linClrLst>
+    <dgm:effectClrLst/>
+    <dgm:txLinClrLst/>
+    <dgm:txFillClrLst meth="repeat">
+      <a:schemeClr val="lt1"/>
+    </dgm:txFillClrLst>
+    <dgm:txEffectClrLst/>
+  </dgm:styleLbl>
+  <dgm:styleLbl name="fgShp">
+    <dgm:fillClrLst meth="repeat">
+      <a:schemeClr val="accent3">
+        <a:tint val="40000"/>
+      </a:schemeClr>
+    </dgm:fillClrLst>
+    <dgm:linClrLst meth="repeat">
+      <a:schemeClr val="lt1"/>
+    </dgm:linClrLst>
+    <dgm:effectClrLst/>
+    <dgm:txLinClrLst/>
+    <dgm:txFillClrLst meth="repeat">
+      <a:schemeClr val="dk1"/>
+    </dgm:txFillClrLst>
+    <dgm:txEffectClrLst/>
+  </dgm:styleLbl>
+  <dgm:styleLbl name="revTx">
+    <dgm:fillClrLst meth="repeat">
+      <a:schemeClr val="lt1">
+        <a:alpha val="0"/>
+      </a:schemeClr>
+    </dgm:fillClrLst>
+    <dgm:linClrLst meth="repeat">
+      <a:schemeClr val="dk1">
+        <a:alpha val="0"/>
+      </a:schemeClr>
+    </dgm:linClrLst>
+    <dgm:effectClrLst/>
+    <dgm:txLinClrLst/>
+    <dgm:txFillClrLst meth="repeat">
+      <a:schemeClr val="tx1"/>
+    </dgm:txFillClrLst>
+    <dgm:txEffectClrLst/>
+  </dgm:styleLbl>
+</dgm:colorsDef>
+</file>
+
+<file path=ppt/diagrams/colors7.xml><?xml version="1.0" encoding="utf-8"?>
+<dgm:colorsDef xmlns:dgm="http://schemas.openxmlformats.org/drawingml/2006/diagram" xmlns:a="http://schemas.openxmlformats.org/drawingml/2006/main" uniqueId="urn:microsoft.com/office/officeart/2005/8/colors/colorful3">
+  <dgm:title val=""/>
+  <dgm:desc val=""/>
+  <dgm:catLst>
+    <dgm:cat type="colorful" pri="10300"/>
+  </dgm:catLst>
+  <dgm:styleLbl name="node0">
+    <dgm:fillClrLst meth="repeat">
+      <a:schemeClr val="accent2"/>
+    </dgm:fillClrLst>
+    <dgm:linClrLst meth="repeat">
+      <a:schemeClr val="lt1"/>
+    </dgm:linClrLst>
+    <dgm:effectClrLst/>
+    <dgm:txLinClrLst/>
+    <dgm:txFillClrLst/>
+    <dgm:txEffectClrLst/>
+  </dgm:styleLbl>
+  <dgm:styleLbl name="node1">
+    <dgm:fillClrLst>
+      <a:schemeClr val="accent3"/>
+      <a:schemeClr val="accent4"/>
+    </dgm:fillClrLst>
+    <dgm:linClrLst meth="repeat">
+      <a:schemeClr val="lt1"/>
+    </dgm:linClrLst>
+    <dgm:effectClrLst/>
+    <dgm:txLinClrLst/>
+    <dgm:txFillClrLst/>
+    <dgm:txEffectClrLst/>
+  </dgm:styleLbl>
+  <dgm:styleLbl name="alignNode1">
+    <dgm:fillClrLst>
+      <a:schemeClr val="accent3"/>
+      <a:schemeClr val="accent4"/>
+    </dgm:fillClrLst>
+    <dgm:linClrLst>
+      <a:schemeClr val="accent3"/>
+      <a:schemeClr val="accent4"/>
+    </dgm:linClrLst>
+    <dgm:effectClrLst/>
+    <dgm:txLinClrLst/>
+    <dgm:txFillClrLst/>
+    <dgm:txEffectClrLst/>
+  </dgm:styleLbl>
+  <dgm:styleLbl name="lnNode1">
+    <dgm:fillClrLst>
+      <a:schemeClr val="accent3"/>
+      <a:schemeClr val="accent4"/>
+    </dgm:fillClrLst>
+    <dgm:linClrLst meth="repeat">
+      <a:schemeClr val="lt1"/>
+    </dgm:linClrLst>
+    <dgm:effectClrLst/>
+    <dgm:txLinClrLst/>
+    <dgm:txFillClrLst/>
+    <dgm:txEffectClrLst/>
+  </dgm:styleLbl>
+  <dgm:styleLbl name="vennNode1">
+    <dgm:fillClrLst>
+      <a:schemeClr val="accent3">
+        <a:alpha val="50000"/>
+      </a:schemeClr>
+      <a:schemeClr val="accent4">
+        <a:alpha val="50000"/>
+      </a:schemeClr>
+    </dgm:fillClrLst>
+    <dgm:linClrLst meth="repeat">
+      <a:schemeClr val="lt1"/>
+    </dgm:linClrLst>
+    <dgm:effectClrLst/>
+    <dgm:txLinClrLst/>
+    <dgm:txFillClrLst/>
+    <dgm:txEffectClrLst/>
+  </dgm:styleLbl>
+  <dgm:styleLbl name="node2">
+    <dgm:fillClrLst>
+      <a:schemeClr val="accent4"/>
+    </dgm:fillClrLst>
+    <dgm:linClrLst meth="repeat">
+      <a:schemeClr val="lt1"/>
+    </dgm:linClrLst>
+    <dgm:effectClrLst/>
+    <dgm:txLinClrLst/>
+    <dgm:txFillClrLst/>
+    <dgm:txEffectClrLst/>
+  </dgm:styleLbl>
+  <dgm:styleLbl name="node3">
+    <dgm:fillClrLst>
+      <a:schemeClr val="accent5"/>
+    </dgm:fillClrLst>
+    <dgm:linClrLst meth="repeat">
+      <a:schemeClr val="lt1"/>
+    </dgm:linClrLst>
+    <dgm:effectClrLst/>
+    <dgm:txLinClrLst/>
+    <dgm:txFillClrLst/>
+    <dgm:txEffectClrLst/>
+  </dgm:styleLbl>
+  <dgm:styleLbl name="node4">
+    <dgm:fillClrLst>
+      <a:schemeClr val="accent6"/>
+    </dgm:fillClrLst>
+    <dgm:linClrLst meth="repeat">
+      <a:schemeClr val="lt1"/>
+    </dgm:linClrLst>
+    <dgm:effectClrLst/>
+    <dgm:txLinClrLst/>
+    <dgm:txFillClrLst/>
+    <dgm:txEffectClrLst/>
+  </dgm:styleLbl>
+  <dgm:styleLbl name="fgImgPlace1">
+    <dgm:fillClrLst>
+      <a:schemeClr val="accent3">
+        <a:tint val="50000"/>
+      </a:schemeClr>
+      <a:schemeClr val="accent4">
+        <a:tint val="50000"/>
+      </a:schemeClr>
+    </dgm:fillClrLst>
+    <dgm:linClrLst meth="repeat">
+      <a:schemeClr val="lt1"/>
+    </dgm:linClrLst>
+    <dgm:effectClrLst/>
+    <dgm:txLinClrLst/>
+    <dgm:txFillClrLst meth="repeat">
+      <a:schemeClr val="lt1"/>
+    </dgm:txFillClrLst>
+    <dgm:txEffectClrLst/>
+  </dgm:styleLbl>
+  <dgm:styleLbl name="alignImgPlace1">
+    <dgm:fillClrLst>
+      <a:schemeClr val="accent3">
+        <a:tint val="50000"/>
+      </a:schemeClr>
+      <a:schemeClr val="accent4">
+        <a:tint val="20000"/>
+      </a:schemeClr>
+    </dgm:fillClrLst>
+    <dgm:linClrLst meth="repeat">
+      <a:schemeClr val="lt1"/>
+    </dgm:linClrLst>
+    <dgm:effectClrLst/>
+    <dgm:txLinClrLst/>
+    <dgm:txFillClrLst meth="repeat">
+      <a:schemeClr val="lt1"/>
+    </dgm:txFillClrLst>
+    <dgm:txEffectClrLst/>
+  </dgm:styleLbl>
+  <dgm:styleLbl name="bgImgPlace1">
+    <dgm:fillClrLst>
+      <a:schemeClr val="accent3">
+        <a:tint val="50000"/>
+      </a:schemeClr>
+      <a:schemeClr val="accent4">
+        <a:tint val="20000"/>
+      </a:schemeClr>
+    </dgm:fillClrLst>
+    <dgm:linClrLst meth="repeat">
+      <a:schemeClr val="lt1"/>
+    </dgm:linClrLst>
+    <dgm:effectClrLst/>
+    <dgm:txLinClrLst/>
+    <dgm:txFillClrLst meth="repeat">
+      <a:schemeClr val="lt1"/>
+    </dgm:txFillClrLst>
+    <dgm:txEffectClrLst/>
+  </dgm:styleLbl>
+  <dgm:styleLbl name="sibTrans2D1">
+    <dgm:fillClrLst>
+      <a:schemeClr val="accent3"/>
+      <a:schemeClr val="accent4"/>
+    </dgm:fillClrLst>
+    <dgm:linClrLst meth="repeat">
+      <a:schemeClr val="lt1"/>
+    </dgm:linClrLst>
+    <dgm:effectClrLst/>
+    <dgm:txLinClrLst/>
+    <dgm:txFillClrLst/>
+    <dgm:txEffectClrLst/>
+  </dgm:styleLbl>
+  <dgm:styleLbl name="fgSibTrans2D1">
+    <dgm:fillClrLst>
+      <a:schemeClr val="accent3"/>
+      <a:schemeClr val="accent4"/>
+    </dgm:fillClrLst>
+    <dgm:linClrLst meth="repeat">
+      <a:schemeClr val="lt1"/>
+    </dgm:linClrLst>
+    <dgm:effectClrLst/>
+    <dgm:txLinClrLst/>
+    <dgm:txFillClrLst meth="repeat">
+      <a:schemeClr val="lt1"/>
+    </dgm:txFillClrLst>
+    <dgm:txEffectClrLst/>
+  </dgm:styleLbl>
+  <dgm:styleLbl name="bgSibTrans2D1">
+    <dgm:fillClrLst>
+      <a:schemeClr val="accent3"/>
+      <a:schemeClr val="accent4"/>
+    </dgm:fillClrLst>
+    <dgm:linClrLst meth="repeat">
+      <a:schemeClr val="lt1"/>
+    </dgm:linClrLst>
+    <dgm:effectClrLst/>
+    <dgm:txLinClrLst/>
+    <dgm:txFillClrLst meth="repeat">
+      <a:schemeClr val="lt1"/>
+    </dgm:txFillClrLst>
+    <dgm:txEffectClrLst/>
+  </dgm:styleLbl>
+  <dgm:styleLbl name="sibTrans1D1">
+    <dgm:fillClrLst/>
+    <dgm:linClrLst>
+      <a:schemeClr val="accent3"/>
+      <a:schemeClr val="accent4"/>
+    </dgm:linClrLst>
+    <dgm:effectClrLst/>
+    <dgm:txLinClrLst/>
+    <dgm:txFillClrLst meth="repeat">
+      <a:schemeClr val="tx1"/>
+    </dgm:txFillClrLst>
+    <dgm:txEffectClrLst/>
+  </dgm:styleLbl>
+  <dgm:styleLbl name="callout">
+    <dgm:fillClrLst meth="repeat">
+      <a:schemeClr val="accent3"/>
+    </dgm:fillClrLst>
+    <dgm:linClrLst meth="repeat">
+      <a:schemeClr val="accent3">
+        <a:tint val="50000"/>
+      </a:schemeClr>
+    </dgm:linClrLst>
+    <dgm:effectClrLst/>
+    <dgm:txLinClrLst/>
+    <dgm:txFillClrLst meth="repeat">
+      <a:schemeClr val="tx1"/>
+    </dgm:txFillClrLst>
+    <dgm:txEffectClrLst/>
+  </dgm:styleLbl>
+  <dgm:styleLbl name="asst0">
+    <dgm:fillClrLst meth="repeat">
+      <a:schemeClr val="accent3"/>
+    </dgm:fillClrLst>
+    <dgm:linClrLst meth="repeat">
+      <a:schemeClr val="lt1">
+        <a:shade val="80000"/>
+      </a:schemeClr>
+    </dgm:linClrLst>
+    <dgm:effectClrLst/>
+    <dgm:txLinClrLst/>
+    <dgm:txFillClrLst/>
+    <dgm:txEffectClrLst/>
+  </dgm:styleLbl>
+  <dgm:styleLbl name="asst1">
+    <dgm:fillClrLst meth="repeat">
+      <a:schemeClr val="accent4"/>
+    </dgm:fillClrLst>
+    <dgm:linClrLst meth="repeat">
+      <a:schemeClr val="lt1">
+        <a:shade val="80000"/>
+      </a:schemeClr>
+    </dgm:linClrLst>
+    <dgm:effectClrLst/>
+    <dgm:txLinClrLst/>
+    <dgm:txFillClrLst/>
+    <dgm:txEffectClrLst/>
+  </dgm:styleLbl>
+  <dgm:styleLbl name="asst2">
+    <dgm:fillClrLst>
+      <a:schemeClr val="accent5"/>
+    </dgm:fillClrLst>
+    <dgm:linClrLst meth="repeat">
+      <a:schemeClr val="lt1"/>
+    </dgm:linClrLst>
+    <dgm:effectClrLst/>
+    <dgm:txLinClrLst/>
+    <dgm:txFillClrLst/>
+    <dgm:txEffectClrLst/>
+  </dgm:styleLbl>
+  <dgm:styleLbl name="asst3">
+    <dgm:fillClrLst>
+      <a:schemeClr val="accent6"/>
+    </dgm:fillClrLst>
+    <dgm:linClrLst meth="repeat">
+      <a:schemeClr val="lt1"/>
+    </dgm:linClrLst>
+    <dgm:effectClrLst/>
+    <dgm:txLinClrLst/>
+    <dgm:txFillClrLst/>
+    <dgm:txEffectClrLst/>
+  </dgm:styleLbl>
+  <dgm:styleLbl name="asst4">
+    <dgm:fillClrLst>
+      <a:schemeClr val="accent1"/>
+    </dgm:fillClrLst>
+    <dgm:linClrLst meth="repeat">
+      <a:schemeClr val="lt1"/>
+    </dgm:linClrLst>
+    <dgm:effectClrLst/>
+    <dgm:txLinClrLst/>
+    <dgm:txFillClrLst/>
+    <dgm:txEffectClrLst/>
+  </dgm:styleLbl>
+  <dgm:styleLbl name="parChTrans2D1">
+    <dgm:fillClrLst meth="repeat">
+      <a:schemeClr val="accent2"/>
+    </dgm:fillClrLst>
+    <dgm:linClrLst meth="repeat">
+      <a:schemeClr val="lt1"/>
+    </dgm:linClrLst>
+    <dgm:effectClrLst/>
+    <dgm:txLinClrLst/>
+    <dgm:txFillClrLst meth="repeat">
+      <a:schemeClr val="lt1"/>
+    </dgm:txFillClrLst>
+    <dgm:txEffectClrLst/>
+  </dgm:styleLbl>
+  <dgm:styleLbl name="parChTrans2D2">
+    <dgm:fillClrLst meth="repeat">
+      <a:schemeClr val="accent3"/>
+    </dgm:fillClrLst>
+    <dgm:linClrLst meth="repeat">
+      <a:schemeClr val="lt1"/>
+    </dgm:linClrLst>
+    <dgm:effectClrLst/>
+    <dgm:txLinClrLst/>
+    <dgm:txFillClrLst/>
+    <dgm:txEffectClrLst/>
+  </dgm:styleLbl>
+  <dgm:styleLbl name="parChTrans2D3">
+    <dgm:fillClrLst meth="repeat">
+      <a:schemeClr val="accent4"/>
+    </dgm:fillClrLst>
+    <dgm:linClrLst meth="repeat">
+      <a:schemeClr val="lt1"/>
+    </dgm:linClrLst>
+    <dgm:effectClrLst/>
+    <dgm:txLinClrLst/>
+    <dgm:txFillClrLst/>
+    <dgm:txEffectClrLst/>
+  </dgm:styleLbl>
+  <dgm:styleLbl name="parChTrans2D4">
+    <dgm:fillClrLst meth="repeat">
+      <a:schemeClr val="accent5"/>
+    </dgm:fillClrLst>
+    <dgm:linClrLst meth="repeat">
+      <a:schemeClr val="lt1"/>
+    </dgm:linClrLst>
+    <dgm:effectClrLst/>
+    <dgm:txLinClrLst/>
+    <dgm:txFillClrLst meth="repeat">
+      <a:schemeClr val="lt1"/>
+    </dgm:txFillClrLst>
+    <dgm:txEffectClrLst/>
+  </dgm:styleLbl>
+  <dgm:styleLbl name="parChTrans1D1">
+    <dgm:fillClrLst meth="repeat">
+      <a:schemeClr val="accent3"/>
+    </dgm:fillClrLst>
+    <dgm:linClrLst meth="repeat">
+      <a:schemeClr val="accent3"/>
+    </dgm:linClrLst>
+    <dgm:effectClrLst/>
+    <dgm:txLinClrLst/>
+    <dgm:txFillClrLst meth="repeat">
+      <a:schemeClr val="tx1"/>
+    </dgm:txFillClrLst>
+    <dgm:txEffectClrLst/>
+  </dgm:styleLbl>
+  <dgm:styleLbl name="parChTrans1D2">
+    <dgm:fillClrLst meth="repeat">
+      <a:schemeClr val="accent2">
+        <a:tint val="90000"/>
+      </a:schemeClr>
+    </dgm:fillClrLst>
+    <dgm:linClrLst meth="repeat">
+      <a:schemeClr val="accent4"/>
+    </dgm:linClrLst>
+    <dgm:effectClrLst/>
+    <dgm:txLinClrLst/>
+    <dgm:txFillClrLst meth="repeat">
+      <a:schemeClr val="tx1"/>
+    </dgm:txFillClrLst>
+    <dgm:txEffectClrLst/>
+  </dgm:styleLbl>
+  <dgm:styleLbl name="parChTrans1D3">
+    <dgm:fillClrLst meth="repeat">
+      <a:schemeClr val="accent2">
+        <a:tint val="70000"/>
+      </a:schemeClr>
+    </dgm:fillClrLst>
+    <dgm:linClrLst meth="repeat">
+      <a:schemeClr val="accent5"/>
+    </dgm:linClrLst>
+    <dgm:effectClrLst/>
+    <dgm:txLinClrLst/>
+    <dgm:txFillClrLst meth="repeat">
+      <a:schemeClr val="tx1"/>
+    </dgm:txFillClrLst>
+    <dgm:txEffectClrLst/>
+  </dgm:styleLbl>
+  <dgm:styleLbl name="parChTrans1D4">
+    <dgm:fillClrLst meth="repeat">
+      <a:schemeClr val="accent6">
+        <a:tint val="50000"/>
+      </a:schemeClr>
+    </dgm:fillClrLst>
+    <dgm:linClrLst meth="repeat">
+      <a:schemeClr val="accent6"/>
+    </dgm:linClrLst>
+    <dgm:effectClrLst/>
+    <dgm:txLinClrLst/>
+    <dgm:txFillClrLst meth="repeat">
+      <a:schemeClr val="tx1"/>
+    </dgm:txFillClrLst>
+    <dgm:txEffectClrLst/>
+  </dgm:styleLbl>
+  <dgm:styleLbl name="fgAcc1">
+    <dgm:fillClrLst meth="repeat">
+      <a:schemeClr val="lt1">
+        <a:alpha val="90000"/>
+      </a:schemeClr>
+    </dgm:fillClrLst>
+    <dgm:linClrLst>
+      <a:schemeClr val="accent3"/>
+      <a:schemeClr val="accent4"/>
+    </dgm:linClrLst>
+    <dgm:effectClrLst/>
+    <dgm:txLinClrLst/>
+    <dgm:txFillClrLst meth="repeat">
+      <a:schemeClr val="dk1"/>
+    </dgm:txFillClrLst>
+    <dgm:txEffectClrLst/>
+  </dgm:styleLbl>
+  <dgm:styleLbl name="conFgAcc1">
+    <dgm:fillClrLst meth="repeat">
+      <a:schemeClr val="lt1">
+        <a:alpha val="90000"/>
+      </a:schemeClr>
+    </dgm:fillClrLst>
+    <dgm:linClrLst>
+      <a:schemeClr val="accent3"/>
+      <a:schemeClr val="accent4"/>
+    </dgm:linClrLst>
+    <dgm:effectClrLst/>
+    <dgm:txLinClrLst/>
+    <dgm:txFillClrLst meth="repeat">
+      <a:schemeClr val="dk1"/>
+    </dgm:txFillClrLst>
+    <dgm:txEffectClrLst/>
+  </dgm:styleLbl>
+  <dgm:styleLbl name="alignAcc1">
+    <dgm:fillClrLst meth="repeat">
+      <a:schemeClr val="lt1">
+        <a:alpha val="90000"/>
+      </a:schemeClr>
+    </dgm:fillClrLst>
+    <dgm:linClrLst>
+      <a:schemeClr val="accent3"/>
+      <a:schemeClr val="accent4"/>
+    </dgm:linClrLst>
+    <dgm:effectClrLst/>
+    <dgm:txLinClrLst/>
+    <dgm:txFillClrLst meth="repeat">
+      <a:schemeClr val="dk1"/>
+    </dgm:txFillClrLst>
+    <dgm:txEffectClrLst/>
+  </dgm:styleLbl>
+  <dgm:styleLbl name="trAlignAcc1">
+    <dgm:fillClrLst meth="repeat">
+      <a:schemeClr val="lt1">
+        <a:alpha val="40000"/>
+      </a:schemeClr>
+    </dgm:fillClrLst>
+    <dgm:linClrLst meth="repeat">
+      <a:schemeClr val="accent2"/>
+    </dgm:linClrLst>
+    <dgm:effectClrLst/>
+    <dgm:txLinClrLst/>
+    <dgm:txFillClrLst meth="repeat">
+      <a:schemeClr val="dk1"/>
+    </dgm:txFillClrLst>
+    <dgm:txEffectClrLst/>
+  </dgm:styleLbl>
+  <dgm:styleLbl name="bgAcc1">
+    <dgm:fillClrLst meth="repeat">
+      <a:schemeClr val="lt1">
+        <a:alpha val="90000"/>
+      </a:schemeClr>
+    </dgm:fillClrLst>
+    <dgm:linClrLst>
+      <a:schemeClr val="accent3"/>
+      <a:schemeClr val="accent4"/>
+    </dgm:linClrLst>
+    <dgm:effectClrLst/>
+    <dgm:txLinClrLst/>
+    <dgm:txFillClrLst meth="repeat">
+      <a:schemeClr val="dk1"/>
+    </dgm:txFillClrLst>
+    <dgm:txEffectClrLst/>
+  </dgm:styleLbl>
+  <dgm:styleLbl name="solidFgAcc1">
+    <dgm:fillClrLst meth="repeat">
+      <a:schemeClr val="lt1"/>
+    </dgm:fillClrLst>
+    <dgm:linClrLst>
+      <a:schemeClr val="accent3"/>
+      <a:schemeClr val="accent4"/>
+    </dgm:linClrLst>
+    <dgm:effectClrLst/>
+    <dgm:txLinClrLst/>
+    <dgm:txFillClrLst meth="repeat">
+      <a:schemeClr val="dk1"/>
+    </dgm:txFillClrLst>
+    <dgm:txEffectClrLst/>
+  </dgm:styleLbl>
+  <dgm:styleLbl name="solidAlignAcc1">
+    <dgm:fillClrLst meth="repeat">
+      <a:schemeClr val="lt1"/>
+    </dgm:fillClrLst>
+    <dgm:linClrLst>
+      <a:schemeClr val="accent3"/>
+      <a:schemeClr val="accent4"/>
+    </dgm:linClrLst>
+    <dgm:effectClrLst/>
+    <dgm:txLinClrLst/>
+    <dgm:txFillClrLst meth="repeat">
+      <a:schemeClr val="dk1"/>
+    </dgm:txFillClrLst>
+    <dgm:txEffectClrLst/>
+  </dgm:styleLbl>
+  <dgm:styleLbl name="solidBgAcc1">
+    <dgm:fillClrLst meth="repeat">
+      <a:schemeClr val="lt1"/>
+    </dgm:fillClrLst>
+    <dgm:linClrLst>
+      <a:schemeClr val="accent3"/>
+      <a:schemeClr val="accent4"/>
+    </dgm:linClrLst>
+    <dgm:effectClrLst/>
+    <dgm:txLinClrLst/>
+    <dgm:txFillClrLst meth="repeat">
+      <a:schemeClr val="dk1"/>
+    </dgm:txFillClrLst>
+    <dgm:txEffectClrLst/>
+  </dgm:styleLbl>
+  <dgm:styleLbl name="fgAccFollowNode1">
+    <dgm:fillClrLst>
+      <a:schemeClr val="accent3">
+        <a:tint val="40000"/>
+        <a:alpha val="90000"/>
+      </a:schemeClr>
+      <a:schemeClr val="accent4">
+        <a:tint val="40000"/>
+        <a:alpha val="90000"/>
+      </a:schemeClr>
+    </dgm:fillClrLst>
+    <dgm:linClrLst>
+      <a:schemeClr val="accent3">
+        <a:tint val="40000"/>
+        <a:alpha val="90000"/>
+      </a:schemeClr>
+      <a:schemeClr val="accent4">
+        <a:tint val="40000"/>
+        <a:alpha val="90000"/>
+      </a:schemeClr>
+    </dgm:linClrLst>
+    <dgm:effectClrLst/>
+    <dgm:txLinClrLst/>
+    <dgm:txFillClrLst meth="repeat">
+      <a:schemeClr val="dk1"/>
+    </dgm:txFillClrLst>
+    <dgm:txEffectClrLst/>
+  </dgm:styleLbl>
+  <dgm:styleLbl name="alignAccFollowNode1">
+    <dgm:fillClrLst>
+      <a:schemeClr val="accent3">
+        <a:tint val="40000"/>
+        <a:alpha val="90000"/>
+      </a:schemeClr>
+      <a:schemeClr val="accent4">
+        <a:tint val="40000"/>
+        <a:alpha val="90000"/>
+      </a:schemeClr>
+    </dgm:fillClrLst>
+    <dgm:linClrLst>
+      <a:schemeClr val="accent3">
+        <a:tint val="40000"/>
+        <a:alpha val="90000"/>
+      </a:schemeClr>
+      <a:schemeClr val="accent4">
+        <a:tint val="40000"/>
+        <a:alpha val="90000"/>
+      </a:schemeClr>
+    </dgm:linClrLst>
+    <dgm:effectClrLst/>
+    <dgm:txLinClrLst/>
+    <dgm:txFillClrLst meth="repeat">
+      <a:schemeClr val="dk1"/>
+    </dgm:txFillClrLst>
+    <dgm:txEffectClrLst/>
+  </dgm:styleLbl>
+  <dgm:styleLbl name="bgAccFollowNode1">
+    <dgm:fillClrLst>
+      <a:schemeClr val="accent3">
+        <a:tint val="40000"/>
+        <a:alpha val="90000"/>
+      </a:schemeClr>
+      <a:schemeClr val="accent4">
+        <a:tint val="40000"/>
+        <a:alpha val="90000"/>
+      </a:schemeClr>
+    </dgm:fillClrLst>
+    <dgm:linClrLst>
+      <a:schemeClr val="accent3">
+        <a:tint val="40000"/>
+        <a:alpha val="90000"/>
+      </a:schemeClr>
+      <a:schemeClr val="accent4">
+        <a:tint val="40000"/>
+        <a:alpha val="90000"/>
+      </a:schemeClr>
+    </dgm:linClrLst>
+    <dgm:effectClrLst/>
+    <dgm:txLinClrLst/>
+    <dgm:txFillClrLst meth="repeat">
+      <a:schemeClr val="dk1"/>
+    </dgm:txFillClrLst>
+    <dgm:txEffectClrLst/>
+  </dgm:styleLbl>
+  <dgm:styleLbl name="fgAcc0">
+    <dgm:fillClrLst meth="repeat">
+      <a:schemeClr val="lt1">
+        <a:alpha val="90000"/>
+      </a:schemeClr>
+    </dgm:fillClrLst>
+    <dgm:linClrLst>
+      <a:schemeClr val="accent2"/>
+    </dgm:linClrLst>
+    <dgm:effectClrLst/>
+    <dgm:txLinClrLst/>
+    <dgm:txFillClrLst meth="repeat">
+      <a:schemeClr val="dk1"/>
+    </dgm:txFillClrLst>
+    <dgm:txEffectClrLst/>
+  </dgm:styleLbl>
+  <dgm:styleLbl name="fgAcc2">
+    <dgm:fillClrLst meth="repeat">
+      <a:schemeClr val="lt1">
+        <a:alpha val="90000"/>
+      </a:schemeClr>
+    </dgm:fillClrLst>
+    <dgm:linClrLst>
+      <a:schemeClr val="accent4"/>
+    </dgm:linClrLst>
+    <dgm:effectClrLst/>
+    <dgm:txLinClrLst/>
+    <dgm:txFillClrLst meth="repeat">
+      <a:schemeClr val="dk1"/>
+    </dgm:txFillClrLst>
+    <dgm:txEffectClrLst/>
+  </dgm:styleLbl>
+  <dgm:styleLbl name="fgAcc3">
+    <dgm:fillClrLst meth="repeat">
+      <a:schemeClr val="lt1">
+        <a:alpha val="90000"/>
+      </a:schemeClr>
+    </dgm:fillClrLst>
+    <dgm:linClrLst>
+      <a:schemeClr val="accent5"/>
+    </dgm:linClrLst>
+    <dgm:effectClrLst/>
+    <dgm:txLinClrLst/>
+    <dgm:txFillClrLst meth="repeat">
+      <a:schemeClr val="dk1"/>
+    </dgm:txFillClrLst>
+    <dgm:txEffectClrLst/>
+  </dgm:styleLbl>
+  <dgm:styleLbl name="fgAcc4">
+    <dgm:fillClrLst meth="repeat">
+      <a:schemeClr val="lt1">
+        <a:alpha val="90000"/>
+      </a:schemeClr>
+    </dgm:fillClrLst>
+    <dgm:linClrLst>
+      <a:schemeClr val="accent6"/>
+    </dgm:linClrLst>
+    <dgm:effectClrLst/>
+    <dgm:txLinClrLst/>
+    <dgm:txFillClrLst meth="repeat">
+      <a:schemeClr val="dk1"/>
+    </dgm:txFillClrLst>
+    <dgm:txEffectClrLst/>
+  </dgm:styleLbl>
+  <dgm:styleLbl name="bgShp">
+    <dgm:fillClrLst meth="repeat">
+      <a:schemeClr val="accent3">
+        <a:tint val="40000"/>
+      </a:schemeClr>
+    </dgm:fillClrLst>
+    <dgm:linClrLst meth="repeat">
+      <a:schemeClr val="dk1"/>
+    </dgm:linClrLst>
+    <dgm:effectClrLst/>
+    <dgm:txLinClrLst/>
+    <dgm:txFillClrLst meth="repeat">
+      <a:schemeClr val="dk1"/>
+    </dgm:txFillClrLst>
+    <dgm:txEffectClrLst/>
+  </dgm:styleLbl>
+  <dgm:styleLbl name="dkBgShp">
+    <dgm:fillClrLst meth="repeat">
+      <a:schemeClr val="accent3">
+        <a:shade val="90000"/>
+      </a:schemeClr>
+    </dgm:fillClrLst>
+    <dgm:linClrLst meth="repeat">
+      <a:schemeClr val="dk1"/>
+    </dgm:linClrLst>
+    <dgm:effectClrLst/>
+    <dgm:txLinClrLst/>
+    <dgm:txFillClrLst meth="repeat">
+      <a:schemeClr val="lt1"/>
+    </dgm:txFillClrLst>
+    <dgm:txEffectClrLst/>
+  </dgm:styleLbl>
+  <dgm:styleLbl name="trBgShp">
+    <dgm:fillClrLst meth="repeat">
+      <a:schemeClr val="accent2">
         <a:tint val="50000"/>
         <a:alpha val="40000"/>
       </a:schemeClr>
@@ -8705,53 +9487,53 @@
     </dgm:pt>
   </dgm:ptLst>
   <dgm:cxnLst>
-    <dgm:cxn modelId="{AE1EFA4F-43D7-4B31-9E7F-940D6FCC10FD}" type="presOf" srcId="{7DF7B6DD-8D79-468E-B015-C667742FBFEB}" destId="{85F62DE2-963F-4C4E-96AF-E89F91C81D5C}" srcOrd="0" destOrd="0" presId="urn:microsoft.com/office/officeart/2008/layout/HorizontalMultiLevelHierarchy"/>
-    <dgm:cxn modelId="{B4FD77FA-C77B-48AF-8FBC-9D705ED00DE4}" type="presOf" srcId="{9B0E06C2-4430-4C22-92AF-6D91175F2E8B}" destId="{99E58E7E-BFE3-414B-AF9D-7BB998895FEF}" srcOrd="0" destOrd="0" presId="urn:microsoft.com/office/officeart/2008/layout/HorizontalMultiLevelHierarchy"/>
+    <dgm:cxn modelId="{18D20495-54B2-41BA-B806-37002FB53632}" type="presOf" srcId="{69705CEA-F570-453E-89C2-BF794F678958}" destId="{BC230F88-AF16-401E-847A-5EB6F35167B5}" srcOrd="0" destOrd="0" presId="urn:microsoft.com/office/officeart/2008/layout/HorizontalMultiLevelHierarchy"/>
+    <dgm:cxn modelId="{E47C819D-D54E-4599-897F-5F05D785E91C}" type="presOf" srcId="{80A8E8CD-E500-4265-9EBD-08F5903454F8}" destId="{4E7B5B8A-E25E-4056-A287-F1501FE9A818}" srcOrd="1" destOrd="0" presId="urn:microsoft.com/office/officeart/2008/layout/HorizontalMultiLevelHierarchy"/>
+    <dgm:cxn modelId="{C91CC287-7190-42C4-97C0-2D91E272BCC3}" type="presOf" srcId="{47DBA1AE-1E15-431B-816E-E3495D91D50D}" destId="{C3B714E9-8D56-4F47-AE83-1B4A1B36E261}" srcOrd="0" destOrd="0" presId="urn:microsoft.com/office/officeart/2008/layout/HorizontalMultiLevelHierarchy"/>
+    <dgm:cxn modelId="{020A2310-5D97-4D7E-9909-51E2CE9FB027}" type="presOf" srcId="{7D4A7BEA-0826-4D7F-9B13-830276B86077}" destId="{175FB72B-84C8-486C-9686-3AA16043A190}" srcOrd="0" destOrd="0" presId="urn:microsoft.com/office/officeart/2008/layout/HorizontalMultiLevelHierarchy"/>
+    <dgm:cxn modelId="{68BEAA0F-F727-404F-A1C3-B6A93BF7DE79}" type="presOf" srcId="{B3A3E97E-B1F5-4285-B3CC-626A9AFB88AF}" destId="{962A20E9-4E8A-4469-B9A9-712648A37A7E}" srcOrd="1" destOrd="0" presId="urn:microsoft.com/office/officeart/2008/layout/HorizontalMultiLevelHierarchy"/>
+    <dgm:cxn modelId="{DC17CFEB-C2B6-4EF4-A568-2436AA4299E9}" type="presOf" srcId="{BCECA982-1209-40D3-90B9-DB39233875A5}" destId="{85116997-987D-40A8-AFCA-C5A54CBB823D}" srcOrd="0" destOrd="0" presId="urn:microsoft.com/office/officeart/2008/layout/HorizontalMultiLevelHierarchy"/>
+    <dgm:cxn modelId="{0E9DAE43-BD16-4A14-9821-2524BC241F48}" srcId="{CE13128E-9149-4B70-91DE-630C4ABBFE00}" destId="{08C55BA2-31D6-43CA-BE8B-18095A33123C}" srcOrd="1" destOrd="0" parTransId="{6DB745CF-1A78-406B-8408-ECE8759E9FA1}" sibTransId="{E3EE3127-9860-436D-80DB-2AE4EBD12F9F}"/>
+    <dgm:cxn modelId="{A67FD952-7E3E-42C2-B9AC-9786F65D1584}" srcId="{08C55BA2-31D6-43CA-BE8B-18095A33123C}" destId="{4A1CE773-3E85-4B37-BA18-CB28DF37705F}" srcOrd="0" destOrd="0" parTransId="{C970C188-F04F-415C-B685-2C4E7AFB148E}" sibTransId="{1EF5A848-6056-46B2-8C3B-F197EDA52614}"/>
+    <dgm:cxn modelId="{A9952C7E-C879-479B-834A-6036B1AB1527}" srcId="{7DF7B6DD-8D79-468E-B015-C667742FBFEB}" destId="{CE13128E-9149-4B70-91DE-630C4ABBFE00}" srcOrd="0" destOrd="0" parTransId="{C6E5B58F-10F1-4A0F-B24B-83ABFC7283E8}" sibTransId="{6CE5C753-8F6C-4D7B-8CBB-35D97C591B3B}"/>
+    <dgm:cxn modelId="{D5162A70-9646-4B9A-9D47-8847B119A36D}" type="presOf" srcId="{DC5DA3D9-0E16-42DE-894D-7A0ACA3BEA89}" destId="{5AE26B0C-D01B-45E0-A33F-6264A326BBFD}" srcOrd="1" destOrd="0" presId="urn:microsoft.com/office/officeart/2008/layout/HorizontalMultiLevelHierarchy"/>
+    <dgm:cxn modelId="{BB8CC356-122F-4E4D-BF7E-874EEDB47A04}" type="presOf" srcId="{C6E5B58F-10F1-4A0F-B24B-83ABFC7283E8}" destId="{E04E75EF-3FF5-4F99-9454-4458B90560B9}" srcOrd="0" destOrd="0" presId="urn:microsoft.com/office/officeart/2008/layout/HorizontalMultiLevelHierarchy"/>
+    <dgm:cxn modelId="{B353EAEA-C1EF-497E-AD8A-EEFA8A1765D1}" type="presOf" srcId="{305D8F76-DE5C-477C-9DE0-661AB94732FF}" destId="{2DB62359-910D-4F81-A286-8DE2D01AD00D}" srcOrd="1" destOrd="0" presId="urn:microsoft.com/office/officeart/2008/layout/HorizontalMultiLevelHierarchy"/>
+    <dgm:cxn modelId="{BB366179-8CB8-48F8-B469-8D59183C75FA}" type="presOf" srcId="{DC5DA3D9-0E16-42DE-894D-7A0ACA3BEA89}" destId="{76804D07-263C-4BFE-886B-E38C63B4A639}" srcOrd="0" destOrd="0" presId="urn:microsoft.com/office/officeart/2008/layout/HorizontalMultiLevelHierarchy"/>
+    <dgm:cxn modelId="{CC33FE3A-2675-4C05-AC2C-C262B46663BD}" type="presOf" srcId="{08C55BA2-31D6-43CA-BE8B-18095A33123C}" destId="{E44A7F6B-CDD6-46D7-8C6D-31E128DCFA9B}" srcOrd="0" destOrd="0" presId="urn:microsoft.com/office/officeart/2008/layout/HorizontalMultiLevelHierarchy"/>
+    <dgm:cxn modelId="{8F03D61F-9583-4BD6-9C0A-EAE164CEDD1E}" srcId="{D24B9365-C298-4D09-9B43-19F1F42CB936}" destId="{9CDE7211-7213-4221-9E18-349FFE24B791}" srcOrd="0" destOrd="0" parTransId="{DC5DA3D9-0E16-42DE-894D-7A0ACA3BEA89}" sibTransId="{29A5C94B-43C5-43DC-83C7-D6A9D3B54949}"/>
+    <dgm:cxn modelId="{4A871634-BAF2-4366-8270-342BEC8E9356}" type="presOf" srcId="{BCECA982-1209-40D3-90B9-DB39233875A5}" destId="{59995DB5-1B81-4758-85FC-551EB375F06C}" srcOrd="1" destOrd="0" presId="urn:microsoft.com/office/officeart/2008/layout/HorizontalMultiLevelHierarchy"/>
+    <dgm:cxn modelId="{1BF0094A-FEFC-422B-B205-AFF45445190D}" type="presOf" srcId="{63FF3E21-F438-42A5-8D7B-E965B1D3812A}" destId="{9539C340-DD91-4CCB-9617-C26D5EA57291}" srcOrd="1" destOrd="0" presId="urn:microsoft.com/office/officeart/2008/layout/HorizontalMultiLevelHierarchy"/>
+    <dgm:cxn modelId="{8E4EFBD5-37F1-443C-8D37-89A4DC4A200B}" type="presOf" srcId="{31A7FA4E-1377-4668-AA4A-F847E0BA75F9}" destId="{64DC2729-4AEE-46FC-A4B3-43AAC41F9DD2}" srcOrd="0" destOrd="0" presId="urn:microsoft.com/office/officeart/2008/layout/HorizontalMultiLevelHierarchy"/>
+    <dgm:cxn modelId="{27FA3CE5-0EFE-4E17-AEF1-7436EA42B042}" srcId="{4A1CE773-3E85-4B37-BA18-CB28DF37705F}" destId="{47DBA1AE-1E15-431B-816E-E3495D91D50D}" srcOrd="0" destOrd="0" parTransId="{DB96E258-2D1C-4B1E-950D-055EBF0AF5CA}" sibTransId="{91669A65-5834-4388-8EB8-E7B6090E317E}"/>
     <dgm:cxn modelId="{AE4F2E6D-309B-4F80-8E06-C12019005D59}" type="presOf" srcId="{DB96E258-2D1C-4B1E-950D-055EBF0AF5CA}" destId="{1B00757B-AD37-414D-BCDF-A22538F398D1}" srcOrd="1" destOrd="0" presId="urn:microsoft.com/office/officeart/2008/layout/HorizontalMultiLevelHierarchy"/>
+    <dgm:cxn modelId="{F693BDB5-3E8E-4D97-A21C-531C30DC49A7}" type="presOf" srcId="{C00D11A3-9D06-466C-BA99-53F0B6A1B1FC}" destId="{2FAEB9D7-2202-48D6-BEFE-7691405C0023}" srcOrd="0" destOrd="0" presId="urn:microsoft.com/office/officeart/2008/layout/HorizontalMultiLevelHierarchy"/>
+    <dgm:cxn modelId="{B54418A1-3FDE-464D-B17A-A04C569FE824}" type="presOf" srcId="{6DB745CF-1A78-406B-8408-ECE8759E9FA1}" destId="{3E2CFF2C-518D-45AB-95AC-8B2259762694}" srcOrd="1" destOrd="0" presId="urn:microsoft.com/office/officeart/2008/layout/HorizontalMultiLevelHierarchy"/>
+    <dgm:cxn modelId="{82597DAD-63A8-4A76-B9BE-23D8DF04E26F}" type="presOf" srcId="{CE13128E-9149-4B70-91DE-630C4ABBFE00}" destId="{CCC824B9-6D4D-4981-9C76-2E02AF6A080B}" srcOrd="0" destOrd="0" presId="urn:microsoft.com/office/officeart/2008/layout/HorizontalMultiLevelHierarchy"/>
+    <dgm:cxn modelId="{EA349AEE-F38C-4392-A380-76DF0CF9C396}" type="presOf" srcId="{C970C188-F04F-415C-B685-2C4E7AFB148E}" destId="{D9A7ED5D-FF3B-42E9-A95A-82691CE48DCF}" srcOrd="0" destOrd="0" presId="urn:microsoft.com/office/officeart/2008/layout/HorizontalMultiLevelHierarchy"/>
     <dgm:cxn modelId="{9F3DCA4B-DDEA-4D57-A2BE-01EDAA20879E}" srcId="{3D7E4721-08AD-4056-9D97-280A0288FF53}" destId="{7DF7B6DD-8D79-468E-B015-C667742FBFEB}" srcOrd="0" destOrd="0" parTransId="{1B8AF3C6-2F66-4552-8F48-4A75818AB395}" sibTransId="{473ED60A-3384-44E1-AF12-F229B86CAE9E}"/>
     <dgm:cxn modelId="{0911AA29-B75D-4350-AE96-7B3FAD2DFDF5}" type="presOf" srcId="{C00D11A3-9D06-466C-BA99-53F0B6A1B1FC}" destId="{4A7E1716-0151-45F0-9631-89C21FC2D372}" srcOrd="1" destOrd="0" presId="urn:microsoft.com/office/officeart/2008/layout/HorizontalMultiLevelHierarchy"/>
+    <dgm:cxn modelId="{91BB3751-AE35-42E3-9C14-D0C99A4298F0}" srcId="{69705CEA-F570-453E-89C2-BF794F678958}" destId="{7D4A7BEA-0826-4D7F-9B13-830276B86077}" srcOrd="0" destOrd="0" parTransId="{80A8E8CD-E500-4265-9EBD-08F5903454F8}" sibTransId="{652FD5D0-86D7-4337-9B75-D2CD6C870809}"/>
+    <dgm:cxn modelId="{84BE7329-BE44-40EF-A84C-01DCF7EA027F}" type="presOf" srcId="{0ED25E3A-194B-4DBD-AE05-C5BAB2D4B322}" destId="{FBCAE61C-F8F7-4954-B5B0-98F173752588}" srcOrd="0" destOrd="0" presId="urn:microsoft.com/office/officeart/2008/layout/HorizontalMultiLevelHierarchy"/>
+    <dgm:cxn modelId="{CC6C77C6-FE6E-49D4-86B7-B41D722DE6FD}" srcId="{D24B9365-C298-4D09-9B43-19F1F42CB936}" destId="{31A7FA4E-1377-4668-AA4A-F847E0BA75F9}" srcOrd="1" destOrd="0" parTransId="{BCECA982-1209-40D3-90B9-DB39233875A5}" sibTransId="{84D3DBC8-A14D-46AC-9625-01BC5680C226}"/>
+    <dgm:cxn modelId="{39F6116F-B56E-4177-8F3B-03B043793E50}" type="presOf" srcId="{DB96E258-2D1C-4B1E-950D-055EBF0AF5CA}" destId="{C0070F97-A64B-4B18-A039-4EA6BBCC45E3}" srcOrd="0" destOrd="0" presId="urn:microsoft.com/office/officeart/2008/layout/HorizontalMultiLevelHierarchy"/>
+    <dgm:cxn modelId="{AE1EFA4F-43D7-4B31-9E7F-940D6FCC10FD}" type="presOf" srcId="{7DF7B6DD-8D79-468E-B015-C667742FBFEB}" destId="{85F62DE2-963F-4C4E-96AF-E89F91C81D5C}" srcOrd="0" destOrd="0" presId="urn:microsoft.com/office/officeart/2008/layout/HorizontalMultiLevelHierarchy"/>
     <dgm:cxn modelId="{6C19DA65-7600-49E5-A4BA-A0BBEFEC9683}" type="presOf" srcId="{6DB745CF-1A78-406B-8408-ECE8759E9FA1}" destId="{7FF2BF7D-A4BE-4AF2-9EFD-0878EA33F434}" srcOrd="0" destOrd="0" presId="urn:microsoft.com/office/officeart/2008/layout/HorizontalMultiLevelHierarchy"/>
-    <dgm:cxn modelId="{DC17CFEB-C2B6-4EF4-A568-2436AA4299E9}" type="presOf" srcId="{BCECA982-1209-40D3-90B9-DB39233875A5}" destId="{85116997-987D-40A8-AFCA-C5A54CBB823D}" srcOrd="0" destOrd="0" presId="urn:microsoft.com/office/officeart/2008/layout/HorizontalMultiLevelHierarchy"/>
-    <dgm:cxn modelId="{E47C819D-D54E-4599-897F-5F05D785E91C}" type="presOf" srcId="{80A8E8CD-E500-4265-9EBD-08F5903454F8}" destId="{4E7B5B8A-E25E-4056-A287-F1501FE9A818}" srcOrd="1" destOrd="0" presId="urn:microsoft.com/office/officeart/2008/layout/HorizontalMultiLevelHierarchy"/>
-    <dgm:cxn modelId="{84BE7329-BE44-40EF-A84C-01DCF7EA027F}" type="presOf" srcId="{0ED25E3A-194B-4DBD-AE05-C5BAB2D4B322}" destId="{FBCAE61C-F8F7-4954-B5B0-98F173752588}" srcOrd="0" destOrd="0" presId="urn:microsoft.com/office/officeart/2008/layout/HorizontalMultiLevelHierarchy"/>
-    <dgm:cxn modelId="{4A871634-BAF2-4366-8270-342BEC8E9356}" type="presOf" srcId="{BCECA982-1209-40D3-90B9-DB39233875A5}" destId="{59995DB5-1B81-4758-85FC-551EB375F06C}" srcOrd="1" destOrd="0" presId="urn:microsoft.com/office/officeart/2008/layout/HorizontalMultiLevelHierarchy"/>
-    <dgm:cxn modelId="{EA349AEE-F38C-4392-A380-76DF0CF9C396}" type="presOf" srcId="{C970C188-F04F-415C-B685-2C4E7AFB148E}" destId="{D9A7ED5D-FF3B-42E9-A95A-82691CE48DCF}" srcOrd="0" destOrd="0" presId="urn:microsoft.com/office/officeart/2008/layout/HorizontalMultiLevelHierarchy"/>
-    <dgm:cxn modelId="{27FA3CE5-0EFE-4E17-AEF1-7436EA42B042}" srcId="{4A1CE773-3E85-4B37-BA18-CB28DF37705F}" destId="{47DBA1AE-1E15-431B-816E-E3495D91D50D}" srcOrd="0" destOrd="0" parTransId="{DB96E258-2D1C-4B1E-950D-055EBF0AF5CA}" sibTransId="{91669A65-5834-4388-8EB8-E7B6090E317E}"/>
     <dgm:cxn modelId="{B671D779-080D-46B7-806E-9D6D7A129DE5}" type="presOf" srcId="{B3A3E97E-B1F5-4285-B3CC-626A9AFB88AF}" destId="{7F8C45BB-9C92-4B8F-B244-3A92D6C34FF5}" srcOrd="0" destOrd="0" presId="urn:microsoft.com/office/officeart/2008/layout/HorizontalMultiLevelHierarchy"/>
-    <dgm:cxn modelId="{BB8CC356-122F-4E4D-BF7E-874EEDB47A04}" type="presOf" srcId="{C6E5B58F-10F1-4A0F-B24B-83ABFC7283E8}" destId="{E04E75EF-3FF5-4F99-9454-4458B90560B9}" srcOrd="0" destOrd="0" presId="urn:microsoft.com/office/officeart/2008/layout/HorizontalMultiLevelHierarchy"/>
-    <dgm:cxn modelId="{BB366179-8CB8-48F8-B469-8D59183C75FA}" type="presOf" srcId="{DC5DA3D9-0E16-42DE-894D-7A0ACA3BEA89}" destId="{76804D07-263C-4BFE-886B-E38C63B4A639}" srcOrd="0" destOrd="0" presId="urn:microsoft.com/office/officeart/2008/layout/HorizontalMultiLevelHierarchy"/>
-    <dgm:cxn modelId="{A9952C7E-C879-479B-834A-6036B1AB1527}" srcId="{7DF7B6DD-8D79-468E-B015-C667742FBFEB}" destId="{CE13128E-9149-4B70-91DE-630C4ABBFE00}" srcOrd="0" destOrd="0" parTransId="{C6E5B58F-10F1-4A0F-B24B-83ABFC7283E8}" sibTransId="{6CE5C753-8F6C-4D7B-8CBB-35D97C591B3B}"/>
-    <dgm:cxn modelId="{82597DAD-63A8-4A76-B9BE-23D8DF04E26F}" type="presOf" srcId="{CE13128E-9149-4B70-91DE-630C4ABBFE00}" destId="{CCC824B9-6D4D-4981-9C76-2E02AF6A080B}" srcOrd="0" destOrd="0" presId="urn:microsoft.com/office/officeart/2008/layout/HorizontalMultiLevelHierarchy"/>
-    <dgm:cxn modelId="{B54418A1-3FDE-464D-B17A-A04C569FE824}" type="presOf" srcId="{6DB745CF-1A78-406B-8408-ECE8759E9FA1}" destId="{3E2CFF2C-518D-45AB-95AC-8B2259762694}" srcOrd="1" destOrd="0" presId="urn:microsoft.com/office/officeart/2008/layout/HorizontalMultiLevelHierarchy"/>
-    <dgm:cxn modelId="{F693BDB5-3E8E-4D97-A21C-531C30DC49A7}" type="presOf" srcId="{C00D11A3-9D06-466C-BA99-53F0B6A1B1FC}" destId="{2FAEB9D7-2202-48D6-BEFE-7691405C0023}" srcOrd="0" destOrd="0" presId="urn:microsoft.com/office/officeart/2008/layout/HorizontalMultiLevelHierarchy"/>
-    <dgm:cxn modelId="{8F03D61F-9583-4BD6-9C0A-EAE164CEDD1E}" srcId="{D24B9365-C298-4D09-9B43-19F1F42CB936}" destId="{9CDE7211-7213-4221-9E18-349FFE24B791}" srcOrd="0" destOrd="0" parTransId="{DC5DA3D9-0E16-42DE-894D-7A0ACA3BEA89}" sibTransId="{29A5C94B-43C5-43DC-83C7-D6A9D3B54949}"/>
+    <dgm:cxn modelId="{788DF614-934B-4CDE-8FF1-17B10ABAAFDA}" type="presOf" srcId="{C970C188-F04F-415C-B685-2C4E7AFB148E}" destId="{C592C0A8-EC42-4A45-91EE-9CDFDF8DA551}" srcOrd="1" destOrd="0" presId="urn:microsoft.com/office/officeart/2008/layout/HorizontalMultiLevelHierarchy"/>
+    <dgm:cxn modelId="{1A56D051-FCD1-4ACE-B517-CA53D4CD293A}" type="presOf" srcId="{C6E5B58F-10F1-4A0F-B24B-83ABFC7283E8}" destId="{350094D2-7DCD-4D6D-BF3C-22BADCB8186A}" srcOrd="1" destOrd="0" presId="urn:microsoft.com/office/officeart/2008/layout/HorizontalMultiLevelHierarchy"/>
+    <dgm:cxn modelId="{9A780A0D-89E7-413B-80CA-0ADF2A767F6C}" type="presOf" srcId="{D24B9365-C298-4D09-9B43-19F1F42CB936}" destId="{C1F3184D-BED2-4588-91D0-6026066D0495}" srcOrd="0" destOrd="0" presId="urn:microsoft.com/office/officeart/2008/layout/HorizontalMultiLevelHierarchy"/>
+    <dgm:cxn modelId="{38540718-F67F-4C11-9B24-F182E409F9F7}" srcId="{4A1CE773-3E85-4B37-BA18-CB28DF37705F}" destId="{9B0E06C2-4430-4C22-92AF-6D91175F2E8B}" srcOrd="1" destOrd="0" parTransId="{B3A3E97E-B1F5-4285-B3CC-626A9AFB88AF}" sibTransId="{7EF15AAC-523E-46E8-BCE2-0064739EBD0B}"/>
     <dgm:cxn modelId="{FBC35013-D260-4A4E-A0AB-B35E1343F84D}" srcId="{7D4A7BEA-0826-4D7F-9B13-830276B86077}" destId="{D24B9365-C298-4D09-9B43-19F1F42CB936}" srcOrd="0" destOrd="0" parTransId="{63FF3E21-F438-42A5-8D7B-E965B1D3812A}" sibTransId="{8DD4E92C-112D-485C-B591-98B1A3C4F30E}"/>
-    <dgm:cxn modelId="{020A2310-5D97-4D7E-9909-51E2CE9FB027}" type="presOf" srcId="{7D4A7BEA-0826-4D7F-9B13-830276B86077}" destId="{175FB72B-84C8-486C-9686-3AA16043A190}" srcOrd="0" destOrd="0" presId="urn:microsoft.com/office/officeart/2008/layout/HorizontalMultiLevelHierarchy"/>
-    <dgm:cxn modelId="{100C4F7D-2A1A-4546-B2DC-F10C4BB3C755}" srcId="{7DF7B6DD-8D79-468E-B015-C667742FBFEB}" destId="{69705CEA-F570-453E-89C2-BF794F678958}" srcOrd="1" destOrd="0" parTransId="{C00D11A3-9D06-466C-BA99-53F0B6A1B1FC}" sibTransId="{2CA70043-153C-4528-8CBA-351914359EE1}"/>
-    <dgm:cxn modelId="{788DF614-934B-4CDE-8FF1-17B10ABAAFDA}" type="presOf" srcId="{C970C188-F04F-415C-B685-2C4E7AFB148E}" destId="{C592C0A8-EC42-4A45-91EE-9CDFDF8DA551}" srcOrd="1" destOrd="0" presId="urn:microsoft.com/office/officeart/2008/layout/HorizontalMultiLevelHierarchy"/>
-    <dgm:cxn modelId="{E7A7BC4A-FA59-4FC2-A70C-7826F6D84463}" type="presOf" srcId="{3D7E4721-08AD-4056-9D97-280A0288FF53}" destId="{48EA20E2-9F73-4378-9103-C6F25598EA7F}" srcOrd="0" destOrd="0" presId="urn:microsoft.com/office/officeart/2008/layout/HorizontalMultiLevelHierarchy"/>
-    <dgm:cxn modelId="{C91CC287-7190-42C4-97C0-2D91E272BCC3}" type="presOf" srcId="{47DBA1AE-1E15-431B-816E-E3495D91D50D}" destId="{C3B714E9-8D56-4F47-AE83-1B4A1B36E261}" srcOrd="0" destOrd="0" presId="urn:microsoft.com/office/officeart/2008/layout/HorizontalMultiLevelHierarchy"/>
-    <dgm:cxn modelId="{A9BC8CC8-D9B4-420C-A71C-562C76E994F1}" srcId="{CE13128E-9149-4B70-91DE-630C4ABBFE00}" destId="{0ED25E3A-194B-4DBD-AE05-C5BAB2D4B322}" srcOrd="0" destOrd="0" parTransId="{305D8F76-DE5C-477C-9DE0-661AB94732FF}" sibTransId="{964FDF4F-7DC1-44AC-84EA-F8B8AA5B99EA}"/>
-    <dgm:cxn modelId="{9A780A0D-89E7-413B-80CA-0ADF2A767F6C}" type="presOf" srcId="{D24B9365-C298-4D09-9B43-19F1F42CB936}" destId="{C1F3184D-BED2-4588-91D0-6026066D0495}" srcOrd="0" destOrd="0" presId="urn:microsoft.com/office/officeart/2008/layout/HorizontalMultiLevelHierarchy"/>
-    <dgm:cxn modelId="{39F6116F-B56E-4177-8F3B-03B043793E50}" type="presOf" srcId="{DB96E258-2D1C-4B1E-950D-055EBF0AF5CA}" destId="{C0070F97-A64B-4B18-A039-4EA6BBCC45E3}" srcOrd="0" destOrd="0" presId="urn:microsoft.com/office/officeart/2008/layout/HorizontalMultiLevelHierarchy"/>
     <dgm:cxn modelId="{D4921EC2-E1FF-4937-9022-063F086BEBF0}" type="presOf" srcId="{305D8F76-DE5C-477C-9DE0-661AB94732FF}" destId="{040CB96B-06C3-4570-9EDB-C32DFC727847}" srcOrd="0" destOrd="0" presId="urn:microsoft.com/office/officeart/2008/layout/HorizontalMultiLevelHierarchy"/>
     <dgm:cxn modelId="{B3194426-8F2C-4599-8334-A77C24E85D70}" type="presOf" srcId="{63FF3E21-F438-42A5-8D7B-E965B1D3812A}" destId="{11F12F7E-0B93-41A3-87BC-24FCC6E0289B}" srcOrd="0" destOrd="0" presId="urn:microsoft.com/office/officeart/2008/layout/HorizontalMultiLevelHierarchy"/>
-    <dgm:cxn modelId="{8E4EFBD5-37F1-443C-8D37-89A4DC4A200B}" type="presOf" srcId="{31A7FA4E-1377-4668-AA4A-F847E0BA75F9}" destId="{64DC2729-4AEE-46FC-A4B3-43AAC41F9DD2}" srcOrd="0" destOrd="0" presId="urn:microsoft.com/office/officeart/2008/layout/HorizontalMultiLevelHierarchy"/>
-    <dgm:cxn modelId="{D5162A70-9646-4B9A-9D47-8847B119A36D}" type="presOf" srcId="{DC5DA3D9-0E16-42DE-894D-7A0ACA3BEA89}" destId="{5AE26B0C-D01B-45E0-A33F-6264A326BBFD}" srcOrd="1" destOrd="0" presId="urn:microsoft.com/office/officeart/2008/layout/HorizontalMultiLevelHierarchy"/>
+    <dgm:cxn modelId="{100C4F7D-2A1A-4546-B2DC-F10C4BB3C755}" srcId="{7DF7B6DD-8D79-468E-B015-C667742FBFEB}" destId="{69705CEA-F570-453E-89C2-BF794F678958}" srcOrd="1" destOrd="0" parTransId="{C00D11A3-9D06-466C-BA99-53F0B6A1B1FC}" sibTransId="{2CA70043-153C-4528-8CBA-351914359EE1}"/>
+    <dgm:cxn modelId="{A9BC8CC8-D9B4-420C-A71C-562C76E994F1}" srcId="{CE13128E-9149-4B70-91DE-630C4ABBFE00}" destId="{0ED25E3A-194B-4DBD-AE05-C5BAB2D4B322}" srcOrd="0" destOrd="0" parTransId="{305D8F76-DE5C-477C-9DE0-661AB94732FF}" sibTransId="{964FDF4F-7DC1-44AC-84EA-F8B8AA5B99EA}"/>
     <dgm:cxn modelId="{C1B85BF8-8C75-4508-BDA6-ED7D32829F8E}" type="presOf" srcId="{9CDE7211-7213-4221-9E18-349FFE24B791}" destId="{9D43B9EB-EF57-4CA9-8875-07E50AC536FE}" srcOrd="0" destOrd="0" presId="urn:microsoft.com/office/officeart/2008/layout/HorizontalMultiLevelHierarchy"/>
-    <dgm:cxn modelId="{38540718-F67F-4C11-9B24-F182E409F9F7}" srcId="{4A1CE773-3E85-4B37-BA18-CB28DF37705F}" destId="{9B0E06C2-4430-4C22-92AF-6D91175F2E8B}" srcOrd="1" destOrd="0" parTransId="{B3A3E97E-B1F5-4285-B3CC-626A9AFB88AF}" sibTransId="{7EF15AAC-523E-46E8-BCE2-0064739EBD0B}"/>
+    <dgm:cxn modelId="{D6CC8C56-3DAD-4CE5-BB65-51B263CD22D9}" type="presOf" srcId="{80A8E8CD-E500-4265-9EBD-08F5903454F8}" destId="{A8088930-A153-477E-9029-C095C3D50AF4}" srcOrd="0" destOrd="0" presId="urn:microsoft.com/office/officeart/2008/layout/HorizontalMultiLevelHierarchy"/>
+    <dgm:cxn modelId="{E7A7BC4A-FA59-4FC2-A70C-7826F6D84463}" type="presOf" srcId="{3D7E4721-08AD-4056-9D97-280A0288FF53}" destId="{48EA20E2-9F73-4378-9103-C6F25598EA7F}" srcOrd="0" destOrd="0" presId="urn:microsoft.com/office/officeart/2008/layout/HorizontalMultiLevelHierarchy"/>
+    <dgm:cxn modelId="{B4FD77FA-C77B-48AF-8FBC-9D705ED00DE4}" type="presOf" srcId="{9B0E06C2-4430-4C22-92AF-6D91175F2E8B}" destId="{99E58E7E-BFE3-414B-AF9D-7BB998895FEF}" srcOrd="0" destOrd="0" presId="urn:microsoft.com/office/officeart/2008/layout/HorizontalMultiLevelHierarchy"/>
     <dgm:cxn modelId="{E8E957DC-8B5E-4F8C-B5ED-96F2A805E2A8}" type="presOf" srcId="{4A1CE773-3E85-4B37-BA18-CB28DF37705F}" destId="{08C3CC76-66C0-40DD-B207-18615301AEA6}" srcOrd="0" destOrd="0" presId="urn:microsoft.com/office/officeart/2008/layout/HorizontalMultiLevelHierarchy"/>
-    <dgm:cxn modelId="{91BB3751-AE35-42E3-9C14-D0C99A4298F0}" srcId="{69705CEA-F570-453E-89C2-BF794F678958}" destId="{7D4A7BEA-0826-4D7F-9B13-830276B86077}" srcOrd="0" destOrd="0" parTransId="{80A8E8CD-E500-4265-9EBD-08F5903454F8}" sibTransId="{652FD5D0-86D7-4337-9B75-D2CD6C870809}"/>
-    <dgm:cxn modelId="{18D20495-54B2-41BA-B806-37002FB53632}" type="presOf" srcId="{69705CEA-F570-453E-89C2-BF794F678958}" destId="{BC230F88-AF16-401E-847A-5EB6F35167B5}" srcOrd="0" destOrd="0" presId="urn:microsoft.com/office/officeart/2008/layout/HorizontalMultiLevelHierarchy"/>
-    <dgm:cxn modelId="{1A56D051-FCD1-4ACE-B517-CA53D4CD293A}" type="presOf" srcId="{C6E5B58F-10F1-4A0F-B24B-83ABFC7283E8}" destId="{350094D2-7DCD-4D6D-BF3C-22BADCB8186A}" srcOrd="1" destOrd="0" presId="urn:microsoft.com/office/officeart/2008/layout/HorizontalMultiLevelHierarchy"/>
-    <dgm:cxn modelId="{D6CC8C56-3DAD-4CE5-BB65-51B263CD22D9}" type="presOf" srcId="{80A8E8CD-E500-4265-9EBD-08F5903454F8}" destId="{A8088930-A153-477E-9029-C095C3D50AF4}" srcOrd="0" destOrd="0" presId="urn:microsoft.com/office/officeart/2008/layout/HorizontalMultiLevelHierarchy"/>
-    <dgm:cxn modelId="{CC33FE3A-2675-4C05-AC2C-C262B46663BD}" type="presOf" srcId="{08C55BA2-31D6-43CA-BE8B-18095A33123C}" destId="{E44A7F6B-CDD6-46D7-8C6D-31E128DCFA9B}" srcOrd="0" destOrd="0" presId="urn:microsoft.com/office/officeart/2008/layout/HorizontalMultiLevelHierarchy"/>
-    <dgm:cxn modelId="{A67FD952-7E3E-42C2-B9AC-9786F65D1584}" srcId="{08C55BA2-31D6-43CA-BE8B-18095A33123C}" destId="{4A1CE773-3E85-4B37-BA18-CB28DF37705F}" srcOrd="0" destOrd="0" parTransId="{C970C188-F04F-415C-B685-2C4E7AFB148E}" sibTransId="{1EF5A848-6056-46B2-8C3B-F197EDA52614}"/>
-    <dgm:cxn modelId="{CC6C77C6-FE6E-49D4-86B7-B41D722DE6FD}" srcId="{D24B9365-C298-4D09-9B43-19F1F42CB936}" destId="{31A7FA4E-1377-4668-AA4A-F847E0BA75F9}" srcOrd="1" destOrd="0" parTransId="{BCECA982-1209-40D3-90B9-DB39233875A5}" sibTransId="{84D3DBC8-A14D-46AC-9625-01BC5680C226}"/>
-    <dgm:cxn modelId="{1BF0094A-FEFC-422B-B205-AFF45445190D}" type="presOf" srcId="{63FF3E21-F438-42A5-8D7B-E965B1D3812A}" destId="{9539C340-DD91-4CCB-9617-C26D5EA57291}" srcOrd="1" destOrd="0" presId="urn:microsoft.com/office/officeart/2008/layout/HorizontalMultiLevelHierarchy"/>
-    <dgm:cxn modelId="{68BEAA0F-F727-404F-A1C3-B6A93BF7DE79}" type="presOf" srcId="{B3A3E97E-B1F5-4285-B3CC-626A9AFB88AF}" destId="{962A20E9-4E8A-4469-B9A9-712648A37A7E}" srcOrd="1" destOrd="0" presId="urn:microsoft.com/office/officeart/2008/layout/HorizontalMultiLevelHierarchy"/>
-    <dgm:cxn modelId="{0E9DAE43-BD16-4A14-9821-2524BC241F48}" srcId="{CE13128E-9149-4B70-91DE-630C4ABBFE00}" destId="{08C55BA2-31D6-43CA-BE8B-18095A33123C}" srcOrd="1" destOrd="0" parTransId="{6DB745CF-1A78-406B-8408-ECE8759E9FA1}" sibTransId="{E3EE3127-9860-436D-80DB-2AE4EBD12F9F}"/>
-    <dgm:cxn modelId="{B353EAEA-C1EF-497E-AD8A-EEFA8A1765D1}" type="presOf" srcId="{305D8F76-DE5C-477C-9DE0-661AB94732FF}" destId="{2DB62359-910D-4F81-A286-8DE2D01AD00D}" srcOrd="1" destOrd="0" presId="urn:microsoft.com/office/officeart/2008/layout/HorizontalMultiLevelHierarchy"/>
     <dgm:cxn modelId="{E85A5082-869E-40EA-9C36-EDCB529A800C}" type="presParOf" srcId="{48EA20E2-9F73-4378-9103-C6F25598EA7F}" destId="{86C845A6-4E5D-48FE-9B1B-66F63DBF6920}" srcOrd="0" destOrd="0" presId="urn:microsoft.com/office/officeart/2008/layout/HorizontalMultiLevelHierarchy"/>
     <dgm:cxn modelId="{40337B89-9F14-49F4-B9A9-FB9EEE4ADA72}" type="presParOf" srcId="{86C845A6-4E5D-48FE-9B1B-66F63DBF6920}" destId="{85F62DE2-963F-4C4E-96AF-E89F91C81D5C}" srcOrd="0" destOrd="0" presId="urn:microsoft.com/office/officeart/2008/layout/HorizontalMultiLevelHierarchy"/>
     <dgm:cxn modelId="{22D98093-D67B-4619-B710-0A51376D5E73}" type="presParOf" srcId="{86C845A6-4E5D-48FE-9B1B-66F63DBF6920}" destId="{67D192E8-B60F-4363-ADBD-30FA0B008AD7}" srcOrd="1" destOrd="0" presId="urn:microsoft.com/office/officeart/2008/layout/HorizontalMultiLevelHierarchy"/>
@@ -10068,6 +10850,618 @@
 </dgm:dataModel>
 </file>
 
+<file path=ppt/diagrams/data7.xml><?xml version="1.0" encoding="utf-8"?>
+<dgm:dataModel xmlns:dgm="http://schemas.openxmlformats.org/drawingml/2006/diagram" xmlns:a="http://schemas.openxmlformats.org/drawingml/2006/main">
+  <dgm:ptLst>
+    <dgm:pt modelId="{22EDE592-A0EB-41CF-AB47-086A3B51C4FA}" type="doc">
+      <dgm:prSet loTypeId="urn:microsoft.com/office/officeart/2009/3/layout/RandomtoResultProcess" loCatId="process" qsTypeId="urn:microsoft.com/office/officeart/2005/8/quickstyle/3d5" qsCatId="3D" csTypeId="urn:microsoft.com/office/officeart/2005/8/colors/colorful3" csCatId="colorful" phldr="1"/>
+      <dgm:spPr/>
+      <dgm:t>
+        <a:bodyPr/>
+        <a:lstStyle/>
+        <a:p>
+          <a:endParaRPr lang="pt-BR"/>
+        </a:p>
+      </dgm:t>
+    </dgm:pt>
+    <dgm:pt modelId="{AEC7EC48-8C02-4B20-8E1F-90500B617624}">
+      <dgm:prSet phldrT="[Texto]" custT="1"/>
+      <dgm:spPr/>
+      <dgm:t>
+        <a:bodyPr/>
+        <a:lstStyle/>
+        <a:p>
+          <a:r>
+            <a:rPr lang="pt-BR" sz="1600" b="1" dirty="0" smtClean="0">
+              <a:solidFill>
+                <a:srgbClr val="7030A0"/>
+              </a:solidFill>
+            </a:rPr>
+            <a:t>Vínculo acadêmico</a:t>
+          </a:r>
+          <a:endParaRPr lang="pt-BR" sz="1600" b="1" dirty="0">
+            <a:solidFill>
+              <a:srgbClr val="7030A0"/>
+            </a:solidFill>
+          </a:endParaRPr>
+        </a:p>
+      </dgm:t>
+    </dgm:pt>
+    <dgm:pt modelId="{D4C354B0-6CF2-4C5D-8DAA-FEA02DC65661}" type="parTrans" cxnId="{DF1CFBA1-B758-4DE9-A315-FA315515EAF3}">
+      <dgm:prSet/>
+      <dgm:spPr/>
+      <dgm:t>
+        <a:bodyPr/>
+        <a:lstStyle/>
+        <a:p>
+          <a:endParaRPr lang="pt-BR"/>
+        </a:p>
+      </dgm:t>
+    </dgm:pt>
+    <dgm:pt modelId="{35D481EC-5A30-4509-A548-3FF1DB75A4B2}" type="sibTrans" cxnId="{DF1CFBA1-B758-4DE9-A315-FA315515EAF3}">
+      <dgm:prSet/>
+      <dgm:spPr/>
+      <dgm:t>
+        <a:bodyPr/>
+        <a:lstStyle/>
+        <a:p>
+          <a:endParaRPr lang="pt-BR"/>
+        </a:p>
+      </dgm:t>
+    </dgm:pt>
+    <dgm:pt modelId="{B29097FC-881E-4BDA-AE34-17BE6DF4FA78}">
+      <dgm:prSet phldrT="[Texto]" custT="1"/>
+      <dgm:spPr/>
+      <dgm:t>
+        <a:bodyPr/>
+        <a:lstStyle/>
+        <a:p>
+          <a:r>
+            <a:rPr lang="pt-BR" sz="1600" b="1" dirty="0" smtClean="0">
+              <a:solidFill>
+                <a:srgbClr val="7030A0"/>
+              </a:solidFill>
+            </a:rPr>
+            <a:t>Serviço ativo</a:t>
+          </a:r>
+          <a:endParaRPr lang="pt-BR" sz="1600" b="1" dirty="0">
+            <a:solidFill>
+              <a:srgbClr val="7030A0"/>
+            </a:solidFill>
+          </a:endParaRPr>
+        </a:p>
+      </dgm:t>
+    </dgm:pt>
+    <dgm:pt modelId="{1130CEFC-3B2C-4AF6-AAC4-D72F4897740C}" type="parTrans" cxnId="{F9C792D6-EA17-4463-8BC2-4791BFFDBABA}">
+      <dgm:prSet/>
+      <dgm:spPr/>
+      <dgm:t>
+        <a:bodyPr/>
+        <a:lstStyle/>
+        <a:p>
+          <a:endParaRPr lang="pt-BR"/>
+        </a:p>
+      </dgm:t>
+    </dgm:pt>
+    <dgm:pt modelId="{7F461BAA-C4A6-40D8-A0E9-4E017EC132BE}" type="sibTrans" cxnId="{F9C792D6-EA17-4463-8BC2-4791BFFDBABA}">
+      <dgm:prSet/>
+      <dgm:spPr/>
+      <dgm:t>
+        <a:bodyPr/>
+        <a:lstStyle/>
+        <a:p>
+          <a:endParaRPr lang="pt-BR"/>
+        </a:p>
+      </dgm:t>
+    </dgm:pt>
+    <dgm:pt modelId="{505F4CD4-2686-42E6-95A9-7B89F6B9C74E}">
+      <dgm:prSet phldrT="[Texto]" custT="1"/>
+      <dgm:spPr/>
+      <dgm:t>
+        <a:bodyPr/>
+        <a:lstStyle/>
+        <a:p>
+          <a:r>
+            <a:rPr lang="pt-BR" sz="1600" b="1" dirty="0" smtClean="0">
+              <a:ln>
+                <a:solidFill>
+                  <a:schemeClr val="accent6">
+                    <a:lumMod val="20000"/>
+                    <a:lumOff val="80000"/>
+                  </a:schemeClr>
+                </a:solidFill>
+              </a:ln>
+              <a:solidFill>
+                <a:srgbClr val="7030A0"/>
+              </a:solidFill>
+              <a:latin typeface="Calibri Light" pitchFamily="34" charset="0"/>
+              <a:ea typeface="Arial Unicode MS" pitchFamily="34" charset="-128"/>
+              <a:cs typeface="Arial Unicode MS" pitchFamily="34" charset="-128"/>
+            </a:rPr>
+            <a:t>Disparo</a:t>
+          </a:r>
+          <a:endParaRPr lang="pt-BR" sz="1600" b="1" dirty="0">
+            <a:ln>
+              <a:solidFill>
+                <a:schemeClr val="accent6">
+                  <a:lumMod val="20000"/>
+                  <a:lumOff val="80000"/>
+                </a:schemeClr>
+              </a:solidFill>
+            </a:ln>
+            <a:solidFill>
+              <a:srgbClr val="7030A0"/>
+            </a:solidFill>
+            <a:latin typeface="Calibri Light" pitchFamily="34" charset="0"/>
+            <a:ea typeface="Arial Unicode MS" pitchFamily="34" charset="-128"/>
+            <a:cs typeface="Arial Unicode MS" pitchFamily="34" charset="-128"/>
+          </a:endParaRPr>
+        </a:p>
+      </dgm:t>
+    </dgm:pt>
+    <dgm:pt modelId="{BC60DA09-34E4-4F7A-8E55-EA94F1CAFA3C}" type="parTrans" cxnId="{EB128D22-6BC6-4DF8-87AC-6BDA7C03F6BA}">
+      <dgm:prSet/>
+      <dgm:spPr/>
+      <dgm:t>
+        <a:bodyPr/>
+        <a:lstStyle/>
+        <a:p>
+          <a:endParaRPr lang="pt-BR"/>
+        </a:p>
+      </dgm:t>
+    </dgm:pt>
+    <dgm:pt modelId="{7AD7802A-E2B9-4D94-B940-26CA447C01CA}" type="sibTrans" cxnId="{EB128D22-6BC6-4DF8-87AC-6BDA7C03F6BA}">
+      <dgm:prSet/>
+      <dgm:spPr/>
+      <dgm:t>
+        <a:bodyPr/>
+        <a:lstStyle/>
+        <a:p>
+          <a:endParaRPr lang="pt-BR"/>
+        </a:p>
+      </dgm:t>
+    </dgm:pt>
+    <dgm:pt modelId="{C62F95CA-A4A2-429F-B5F9-9BF7203AA612}">
+      <dgm:prSet phldrT="[Texto]" custT="1"/>
+      <dgm:spPr/>
+      <dgm:t>
+        <a:bodyPr/>
+        <a:lstStyle/>
+        <a:p>
+          <a:r>
+            <a:rPr lang="pt-BR" sz="1600" b="1" dirty="0" smtClean="0">
+              <a:solidFill>
+                <a:srgbClr val="7030A0"/>
+              </a:solidFill>
+            </a:rPr>
+            <a:t>Regularidade de atividades acadêmicas</a:t>
+          </a:r>
+          <a:endParaRPr lang="pt-BR" sz="1600" b="1" dirty="0">
+            <a:solidFill>
+              <a:srgbClr val="7030A0"/>
+            </a:solidFill>
+          </a:endParaRPr>
+        </a:p>
+      </dgm:t>
+    </dgm:pt>
+    <dgm:pt modelId="{508213F6-CBDC-4843-8CCA-3BB288F0668C}" type="parTrans" cxnId="{59D8B790-EA36-4442-977F-2D3A31C10F4F}">
+      <dgm:prSet/>
+      <dgm:spPr/>
+      <dgm:t>
+        <a:bodyPr/>
+        <a:lstStyle/>
+        <a:p>
+          <a:endParaRPr lang="pt-BR"/>
+        </a:p>
+      </dgm:t>
+    </dgm:pt>
+    <dgm:pt modelId="{45B7446E-FBDF-439B-B7B5-639F3F563037}" type="sibTrans" cxnId="{59D8B790-EA36-4442-977F-2D3A31C10F4F}">
+      <dgm:prSet/>
+      <dgm:spPr/>
+      <dgm:t>
+        <a:bodyPr/>
+        <a:lstStyle/>
+        <a:p>
+          <a:endParaRPr lang="pt-BR"/>
+        </a:p>
+      </dgm:t>
+    </dgm:pt>
+    <dgm:pt modelId="{CE8DC8A5-33C9-4826-AEF7-4F82CD9B1336}">
+      <dgm:prSet phldrT="[Texto]" custT="1"/>
+      <dgm:spPr/>
+      <dgm:t>
+        <a:bodyPr/>
+        <a:lstStyle/>
+        <a:p>
+          <a:r>
+            <a:rPr lang="pt-BR" sz="1600" b="1" dirty="0" err="1" smtClean="0">
+              <a:solidFill>
+                <a:srgbClr val="7030A0"/>
+              </a:solidFill>
+            </a:rPr>
+            <a:t>Login</a:t>
+          </a:r>
+          <a:endParaRPr lang="pt-BR" sz="1600" b="1" dirty="0">
+            <a:solidFill>
+              <a:srgbClr val="7030A0"/>
+            </a:solidFill>
+          </a:endParaRPr>
+        </a:p>
+      </dgm:t>
+    </dgm:pt>
+    <dgm:pt modelId="{27BC585C-3760-463B-9A8E-3E783CC38F45}" type="parTrans" cxnId="{45E259A8-B8E1-43F7-9411-5B04CC016DAF}">
+      <dgm:prSet/>
+      <dgm:spPr/>
+      <dgm:t>
+        <a:bodyPr/>
+        <a:lstStyle/>
+        <a:p>
+          <a:endParaRPr lang="pt-BR"/>
+        </a:p>
+      </dgm:t>
+    </dgm:pt>
+    <dgm:pt modelId="{E9B790F8-FE85-49B3-A297-89693CDC07BF}" type="sibTrans" cxnId="{45E259A8-B8E1-43F7-9411-5B04CC016DAF}">
+      <dgm:prSet/>
+      <dgm:spPr/>
+      <dgm:t>
+        <a:bodyPr/>
+        <a:lstStyle/>
+        <a:p>
+          <a:endParaRPr lang="pt-BR"/>
+        </a:p>
+      </dgm:t>
+    </dgm:pt>
+    <dgm:pt modelId="{B738F447-C386-4E97-BB17-FC3F98F0CB5E}">
+      <dgm:prSet phldrT="[Texto]" custT="1"/>
+      <dgm:spPr>
+        <a:blipFill rotWithShape="0">
+          <a:blip xmlns:r="http://schemas.openxmlformats.org/officeDocument/2006/relationships" r:embed="rId1"/>
+          <a:stretch>
+            <a:fillRect/>
+          </a:stretch>
+        </a:blipFill>
+      </dgm:spPr>
+      <dgm:t>
+        <a:bodyPr/>
+        <a:lstStyle/>
+        <a:p>
+          <a:r>
+            <a:rPr lang="pt-BR" sz="2000" dirty="0" smtClean="0"/>
+            <a:t>Ação</a:t>
+          </a:r>
+          <a:endParaRPr lang="pt-BR" sz="2000" dirty="0"/>
+        </a:p>
+      </dgm:t>
+    </dgm:pt>
+    <dgm:pt modelId="{6E12C5D0-541B-44EA-B2C5-69CE491561C6}" type="parTrans" cxnId="{A6570221-2BD3-4B41-A9E1-B3649C4A7C7B}">
+      <dgm:prSet/>
+      <dgm:spPr/>
+      <dgm:t>
+        <a:bodyPr/>
+        <a:lstStyle/>
+        <a:p>
+          <a:endParaRPr lang="pt-BR"/>
+        </a:p>
+      </dgm:t>
+    </dgm:pt>
+    <dgm:pt modelId="{FE6BA099-FF4D-45C8-8014-7EF128380DA2}" type="sibTrans" cxnId="{A6570221-2BD3-4B41-A9E1-B3649C4A7C7B}">
+      <dgm:prSet/>
+      <dgm:spPr/>
+      <dgm:t>
+        <a:bodyPr/>
+        <a:lstStyle/>
+        <a:p>
+          <a:endParaRPr lang="pt-BR"/>
+        </a:p>
+      </dgm:t>
+    </dgm:pt>
+    <dgm:pt modelId="{E4B7F709-29C5-463E-BDA7-70F01B0229DE}" type="pres">
+      <dgm:prSet presAssocID="{22EDE592-A0EB-41CF-AB47-086A3B51C4FA}" presName="Name0" presStyleCnt="0">
+        <dgm:presLayoutVars>
+          <dgm:dir/>
+          <dgm:animOne val="branch"/>
+          <dgm:animLvl val="lvl"/>
+        </dgm:presLayoutVars>
+      </dgm:prSet>
+      <dgm:spPr/>
+    </dgm:pt>
+    <dgm:pt modelId="{FBF99920-A3E1-47CE-B3FB-32BC06886D3C}" type="pres">
+      <dgm:prSet presAssocID="{AEC7EC48-8C02-4B20-8E1F-90500B617624}" presName="chaos" presStyleCnt="0"/>
+      <dgm:spPr/>
+    </dgm:pt>
+    <dgm:pt modelId="{1B027B00-893D-4199-B75D-A9C03757194C}" type="pres">
+      <dgm:prSet presAssocID="{AEC7EC48-8C02-4B20-8E1F-90500B617624}" presName="parTx1" presStyleLbl="revTx" presStyleIdx="0" presStyleCnt="5"/>
+      <dgm:spPr/>
+      <dgm:t>
+        <a:bodyPr/>
+        <a:lstStyle/>
+        <a:p>
+          <a:endParaRPr lang="pt-BR"/>
+        </a:p>
+      </dgm:t>
+    </dgm:pt>
+    <dgm:pt modelId="{00580EB5-6E14-41C9-BAE4-5D9B53114EEE}" type="pres">
+      <dgm:prSet presAssocID="{AEC7EC48-8C02-4B20-8E1F-90500B617624}" presName="c1" presStyleLbl="node1" presStyleIdx="0" presStyleCnt="19"/>
+      <dgm:spPr/>
+    </dgm:pt>
+    <dgm:pt modelId="{4448610D-4D4D-41F4-890F-69C4D3D935FC}" type="pres">
+      <dgm:prSet presAssocID="{AEC7EC48-8C02-4B20-8E1F-90500B617624}" presName="c2" presStyleLbl="node1" presStyleIdx="1" presStyleCnt="19"/>
+      <dgm:spPr/>
+    </dgm:pt>
+    <dgm:pt modelId="{E00C693B-520F-47D0-BF8F-47A0DB9CF440}" type="pres">
+      <dgm:prSet presAssocID="{AEC7EC48-8C02-4B20-8E1F-90500B617624}" presName="c3" presStyleLbl="node1" presStyleIdx="2" presStyleCnt="19"/>
+      <dgm:spPr/>
+    </dgm:pt>
+    <dgm:pt modelId="{2069A35E-31CE-4145-B4C3-65945DAC45DF}" type="pres">
+      <dgm:prSet presAssocID="{AEC7EC48-8C02-4B20-8E1F-90500B617624}" presName="c4" presStyleLbl="node1" presStyleIdx="3" presStyleCnt="19"/>
+      <dgm:spPr/>
+    </dgm:pt>
+    <dgm:pt modelId="{02060C2B-6DFE-469B-955E-1286E3332045}" type="pres">
+      <dgm:prSet presAssocID="{AEC7EC48-8C02-4B20-8E1F-90500B617624}" presName="c5" presStyleLbl="node1" presStyleIdx="4" presStyleCnt="19"/>
+      <dgm:spPr/>
+    </dgm:pt>
+    <dgm:pt modelId="{4A3BB8EA-5318-4840-908C-4C12AD3258F5}" type="pres">
+      <dgm:prSet presAssocID="{AEC7EC48-8C02-4B20-8E1F-90500B617624}" presName="c6" presStyleLbl="node1" presStyleIdx="5" presStyleCnt="19"/>
+      <dgm:spPr/>
+    </dgm:pt>
+    <dgm:pt modelId="{8CBDDA7E-4803-4C44-99D4-124C240D06E5}" type="pres">
+      <dgm:prSet presAssocID="{AEC7EC48-8C02-4B20-8E1F-90500B617624}" presName="c7" presStyleLbl="node1" presStyleIdx="6" presStyleCnt="19"/>
+      <dgm:spPr/>
+    </dgm:pt>
+    <dgm:pt modelId="{A8EDFAC4-0083-41BA-8FB4-0FBD5B49C7E9}" type="pres">
+      <dgm:prSet presAssocID="{AEC7EC48-8C02-4B20-8E1F-90500B617624}" presName="c8" presStyleLbl="node1" presStyleIdx="7" presStyleCnt="19"/>
+      <dgm:spPr/>
+    </dgm:pt>
+    <dgm:pt modelId="{F0E3306D-5F74-47EC-AD44-C46708318CFD}" type="pres">
+      <dgm:prSet presAssocID="{AEC7EC48-8C02-4B20-8E1F-90500B617624}" presName="c9" presStyleLbl="node1" presStyleIdx="8" presStyleCnt="19"/>
+      <dgm:spPr/>
+    </dgm:pt>
+    <dgm:pt modelId="{46AAA524-6750-4A40-81BB-1CA9ABF48930}" type="pres">
+      <dgm:prSet presAssocID="{AEC7EC48-8C02-4B20-8E1F-90500B617624}" presName="c10" presStyleLbl="node1" presStyleIdx="9" presStyleCnt="19"/>
+      <dgm:spPr/>
+    </dgm:pt>
+    <dgm:pt modelId="{4D92DDD5-8D64-4B0E-9FA3-4E4AE1700A15}" type="pres">
+      <dgm:prSet presAssocID="{AEC7EC48-8C02-4B20-8E1F-90500B617624}" presName="c11" presStyleLbl="node1" presStyleIdx="10" presStyleCnt="19"/>
+      <dgm:spPr/>
+    </dgm:pt>
+    <dgm:pt modelId="{91772DB1-3A7D-4EA5-81A7-86DAFFF585F2}" type="pres">
+      <dgm:prSet presAssocID="{AEC7EC48-8C02-4B20-8E1F-90500B617624}" presName="c12" presStyleLbl="node1" presStyleIdx="11" presStyleCnt="19"/>
+      <dgm:spPr/>
+    </dgm:pt>
+    <dgm:pt modelId="{3E862664-DC2C-4985-B968-AD77D73F8587}" type="pres">
+      <dgm:prSet presAssocID="{AEC7EC48-8C02-4B20-8E1F-90500B617624}" presName="c13" presStyleLbl="node1" presStyleIdx="12" presStyleCnt="19"/>
+      <dgm:spPr/>
+    </dgm:pt>
+    <dgm:pt modelId="{5581EE3E-EC0C-436D-8F48-E62FEC748958}" type="pres">
+      <dgm:prSet presAssocID="{AEC7EC48-8C02-4B20-8E1F-90500B617624}" presName="c14" presStyleLbl="node1" presStyleIdx="13" presStyleCnt="19"/>
+      <dgm:spPr/>
+    </dgm:pt>
+    <dgm:pt modelId="{AE908452-2532-491A-B351-C4711C5DE25B}" type="pres">
+      <dgm:prSet presAssocID="{AEC7EC48-8C02-4B20-8E1F-90500B617624}" presName="c15" presStyleLbl="node1" presStyleIdx="14" presStyleCnt="19"/>
+      <dgm:spPr/>
+    </dgm:pt>
+    <dgm:pt modelId="{41C0A3F5-B9FA-480F-9FE9-F65875326FBC}" type="pres">
+      <dgm:prSet presAssocID="{AEC7EC48-8C02-4B20-8E1F-90500B617624}" presName="c16" presStyleLbl="node1" presStyleIdx="15" presStyleCnt="19"/>
+      <dgm:spPr/>
+    </dgm:pt>
+    <dgm:pt modelId="{13E195AE-E1EA-4E19-97C6-55417BA5FEF1}" type="pres">
+      <dgm:prSet presAssocID="{AEC7EC48-8C02-4B20-8E1F-90500B617624}" presName="c17" presStyleLbl="node1" presStyleIdx="16" presStyleCnt="19"/>
+      <dgm:spPr/>
+    </dgm:pt>
+    <dgm:pt modelId="{E33FD6B8-956F-4C60-AB20-1143C5DCC8DD}" type="pres">
+      <dgm:prSet presAssocID="{AEC7EC48-8C02-4B20-8E1F-90500B617624}" presName="c18" presStyleLbl="node1" presStyleIdx="17" presStyleCnt="19"/>
+      <dgm:spPr/>
+    </dgm:pt>
+    <dgm:pt modelId="{8971B518-2617-4DA8-9693-53AC754B0610}" type="pres">
+      <dgm:prSet presAssocID="{35D481EC-5A30-4509-A548-3FF1DB75A4B2}" presName="chevronComposite1" presStyleCnt="0"/>
+      <dgm:spPr/>
+    </dgm:pt>
+    <dgm:pt modelId="{4AC40FF3-008F-4006-B5F6-29CDB6E77DEB}" type="pres">
+      <dgm:prSet presAssocID="{35D481EC-5A30-4509-A548-3FF1DB75A4B2}" presName="chevron1" presStyleLbl="sibTrans2D1" presStyleIdx="0" presStyleCnt="4"/>
+      <dgm:spPr/>
+    </dgm:pt>
+    <dgm:pt modelId="{D902790A-FE1A-46F4-BEEC-01C8E2E3BB21}" type="pres">
+      <dgm:prSet presAssocID="{35D481EC-5A30-4509-A548-3FF1DB75A4B2}" presName="spChevron1" presStyleCnt="0"/>
+      <dgm:spPr/>
+    </dgm:pt>
+    <dgm:pt modelId="{87AA7DA3-06E3-4442-8EA3-3374768EB3F7}" type="pres">
+      <dgm:prSet presAssocID="{CE8DC8A5-33C9-4826-AEF7-4F82CD9B1336}" presName="middle" presStyleCnt="0"/>
+      <dgm:spPr/>
+    </dgm:pt>
+    <dgm:pt modelId="{7E666CA4-5CBD-4C36-BAAC-654BA24805FD}" type="pres">
+      <dgm:prSet presAssocID="{CE8DC8A5-33C9-4826-AEF7-4F82CD9B1336}" presName="parTxMid" presStyleLbl="revTx" presStyleIdx="1" presStyleCnt="5"/>
+      <dgm:spPr/>
+      <dgm:t>
+        <a:bodyPr/>
+        <a:lstStyle/>
+        <a:p>
+          <a:endParaRPr lang="pt-BR"/>
+        </a:p>
+      </dgm:t>
+    </dgm:pt>
+    <dgm:pt modelId="{4BDA2281-9B9B-44A8-8DDA-964771625DCC}" type="pres">
+      <dgm:prSet presAssocID="{CE8DC8A5-33C9-4826-AEF7-4F82CD9B1336}" presName="spMid" presStyleCnt="0"/>
+      <dgm:spPr/>
+    </dgm:pt>
+    <dgm:pt modelId="{C54B9902-3BDD-405F-89BF-497D7EAD3FE5}" type="pres">
+      <dgm:prSet presAssocID="{E9B790F8-FE85-49B3-A297-89693CDC07BF}" presName="chevronComposite1" presStyleCnt="0"/>
+      <dgm:spPr/>
+    </dgm:pt>
+    <dgm:pt modelId="{5510BB7F-E98E-4475-A087-C6391C783681}" type="pres">
+      <dgm:prSet presAssocID="{E9B790F8-FE85-49B3-A297-89693CDC07BF}" presName="chevron1" presStyleLbl="sibTrans2D1" presStyleIdx="1" presStyleCnt="4" custLinFactNeighborX="-32832" custLinFactNeighborY="3004"/>
+      <dgm:spPr/>
+    </dgm:pt>
+    <dgm:pt modelId="{5383089A-DE8F-4C30-8343-04430CDC116B}" type="pres">
+      <dgm:prSet presAssocID="{E9B790F8-FE85-49B3-A297-89693CDC07BF}" presName="spChevron1" presStyleCnt="0"/>
+      <dgm:spPr/>
+    </dgm:pt>
+    <dgm:pt modelId="{1ECD3E19-B412-4A93-9E7A-946C35857172}" type="pres">
+      <dgm:prSet presAssocID="{B29097FC-881E-4BDA-AE34-17BE6DF4FA78}" presName="middle" presStyleCnt="0"/>
+      <dgm:spPr/>
+    </dgm:pt>
+    <dgm:pt modelId="{AFD080A8-E866-41A1-B81A-578F566B068A}" type="pres">
+      <dgm:prSet presAssocID="{B29097FC-881E-4BDA-AE34-17BE6DF4FA78}" presName="parTxMid" presStyleLbl="revTx" presStyleIdx="2" presStyleCnt="5"/>
+      <dgm:spPr/>
+      <dgm:t>
+        <a:bodyPr/>
+        <a:lstStyle/>
+        <a:p>
+          <a:endParaRPr lang="pt-BR"/>
+        </a:p>
+      </dgm:t>
+    </dgm:pt>
+    <dgm:pt modelId="{0C55856E-739C-421F-9815-C23F23F36032}" type="pres">
+      <dgm:prSet presAssocID="{B29097FC-881E-4BDA-AE34-17BE6DF4FA78}" presName="spMid" presStyleCnt="0"/>
+      <dgm:spPr/>
+    </dgm:pt>
+    <dgm:pt modelId="{8EEE36BE-A847-4F4C-B148-D5AE2649AABD}" type="pres">
+      <dgm:prSet presAssocID="{7F461BAA-C4A6-40D8-A0E9-4E017EC132BE}" presName="chevronComposite1" presStyleCnt="0"/>
+      <dgm:spPr/>
+    </dgm:pt>
+    <dgm:pt modelId="{C5065143-8AF7-4AE9-A44E-5E4DF178427E}" type="pres">
+      <dgm:prSet presAssocID="{7F461BAA-C4A6-40D8-A0E9-4E017EC132BE}" presName="chevron1" presStyleLbl="sibTrans2D1" presStyleIdx="2" presStyleCnt="4" custLinFactNeighborX="-37554" custLinFactNeighborY="3004"/>
+      <dgm:spPr/>
+    </dgm:pt>
+    <dgm:pt modelId="{0B3ECFED-BEFB-4AD3-8B13-FE6A9DE76FBF}" type="pres">
+      <dgm:prSet presAssocID="{7F461BAA-C4A6-40D8-A0E9-4E017EC132BE}" presName="spChevron1" presStyleCnt="0"/>
+      <dgm:spPr/>
+    </dgm:pt>
+    <dgm:pt modelId="{EDA20C08-5741-4C40-BF10-6701B884719F}" type="pres">
+      <dgm:prSet presAssocID="{C62F95CA-A4A2-429F-B5F9-9BF7203AA612}" presName="middle" presStyleCnt="0"/>
+      <dgm:spPr/>
+    </dgm:pt>
+    <dgm:pt modelId="{731B2C02-8FA5-4821-B98E-CF94C3140B85}" type="pres">
+      <dgm:prSet presAssocID="{C62F95CA-A4A2-429F-B5F9-9BF7203AA612}" presName="parTxMid" presStyleLbl="revTx" presStyleIdx="3" presStyleCnt="5"/>
+      <dgm:spPr/>
+      <dgm:t>
+        <a:bodyPr/>
+        <a:lstStyle/>
+        <a:p>
+          <a:endParaRPr lang="pt-BR"/>
+        </a:p>
+      </dgm:t>
+    </dgm:pt>
+    <dgm:pt modelId="{51047D0C-DA51-4264-AC12-FC76835CCCF2}" type="pres">
+      <dgm:prSet presAssocID="{C62F95CA-A4A2-429F-B5F9-9BF7203AA612}" presName="spMid" presStyleCnt="0"/>
+      <dgm:spPr/>
+    </dgm:pt>
+    <dgm:pt modelId="{A97A6211-3FDB-4936-8364-267D311BFAE6}" type="pres">
+      <dgm:prSet presAssocID="{45B7446E-FBDF-439B-B7B5-639F3F563037}" presName="chevronComposite1" presStyleCnt="0"/>
+      <dgm:spPr/>
+    </dgm:pt>
+    <dgm:pt modelId="{B9E275C6-562A-432D-BC53-BE29329C92C7}" type="pres">
+      <dgm:prSet presAssocID="{45B7446E-FBDF-439B-B7B5-639F3F563037}" presName="chevron1" presStyleLbl="sibTrans2D1" presStyleIdx="3" presStyleCnt="4"/>
+      <dgm:spPr/>
+    </dgm:pt>
+    <dgm:pt modelId="{A32425F3-1A05-480B-8C42-3867B5FF3B43}" type="pres">
+      <dgm:prSet presAssocID="{45B7446E-FBDF-439B-B7B5-639F3F563037}" presName="spChevron1" presStyleCnt="0"/>
+      <dgm:spPr/>
+    </dgm:pt>
+    <dgm:pt modelId="{F81925F2-2E66-41B1-858C-E7685CCC5264}" type="pres">
+      <dgm:prSet presAssocID="{505F4CD4-2686-42E6-95A9-7B89F6B9C74E}" presName="last" presStyleCnt="0"/>
+      <dgm:spPr/>
+    </dgm:pt>
+    <dgm:pt modelId="{BE15EE83-3B00-4A10-B193-E9EE791FF290}" type="pres">
+      <dgm:prSet presAssocID="{505F4CD4-2686-42E6-95A9-7B89F6B9C74E}" presName="circleTx" presStyleLbl="node1" presStyleIdx="18" presStyleCnt="19"/>
+      <dgm:spPr/>
+      <dgm:t>
+        <a:bodyPr/>
+        <a:lstStyle/>
+        <a:p>
+          <a:endParaRPr lang="pt-BR"/>
+        </a:p>
+      </dgm:t>
+    </dgm:pt>
+    <dgm:pt modelId="{E051B2E9-E0F1-4F67-B203-7076EBD6126A}" type="pres">
+      <dgm:prSet presAssocID="{505F4CD4-2686-42E6-95A9-7B89F6B9C74E}" presName="desTxN" presStyleLbl="revTx" presStyleIdx="4" presStyleCnt="5" custLinFactNeighborY="-4188">
+        <dgm:presLayoutVars>
+          <dgm:bulletEnabled val="1"/>
+        </dgm:presLayoutVars>
+      </dgm:prSet>
+      <dgm:spPr/>
+      <dgm:t>
+        <a:bodyPr/>
+        <a:lstStyle/>
+        <a:p>
+          <a:endParaRPr lang="pt-BR"/>
+        </a:p>
+      </dgm:t>
+    </dgm:pt>
+    <dgm:pt modelId="{59755A42-CBDA-4E90-A653-54B6C2B8BB49}" type="pres">
+      <dgm:prSet presAssocID="{505F4CD4-2686-42E6-95A9-7B89F6B9C74E}" presName="spN" presStyleCnt="0"/>
+      <dgm:spPr/>
+    </dgm:pt>
+  </dgm:ptLst>
+  <dgm:cxnLst>
+    <dgm:cxn modelId="{00BF715C-2F37-4A04-8633-D04EEAF39437}" type="presOf" srcId="{22EDE592-A0EB-41CF-AB47-086A3B51C4FA}" destId="{E4B7F709-29C5-463E-BDA7-70F01B0229DE}" srcOrd="0" destOrd="0" presId="urn:microsoft.com/office/officeart/2009/3/layout/RandomtoResultProcess"/>
+    <dgm:cxn modelId="{8E057E43-72F4-453D-BA58-CFDB3875A52E}" type="presOf" srcId="{505F4CD4-2686-42E6-95A9-7B89F6B9C74E}" destId="{BE15EE83-3B00-4A10-B193-E9EE791FF290}" srcOrd="0" destOrd="0" presId="urn:microsoft.com/office/officeart/2009/3/layout/RandomtoResultProcess"/>
+    <dgm:cxn modelId="{42C78568-173C-44D1-A87B-12C4C737C8C3}" type="presOf" srcId="{C62F95CA-A4A2-429F-B5F9-9BF7203AA612}" destId="{731B2C02-8FA5-4821-B98E-CF94C3140B85}" srcOrd="0" destOrd="0" presId="urn:microsoft.com/office/officeart/2009/3/layout/RandomtoResultProcess"/>
+    <dgm:cxn modelId="{F9C792D6-EA17-4463-8BC2-4791BFFDBABA}" srcId="{22EDE592-A0EB-41CF-AB47-086A3B51C4FA}" destId="{B29097FC-881E-4BDA-AE34-17BE6DF4FA78}" srcOrd="2" destOrd="0" parTransId="{1130CEFC-3B2C-4AF6-AAC4-D72F4897740C}" sibTransId="{7F461BAA-C4A6-40D8-A0E9-4E017EC132BE}"/>
+    <dgm:cxn modelId="{DF1CFBA1-B758-4DE9-A315-FA315515EAF3}" srcId="{22EDE592-A0EB-41CF-AB47-086A3B51C4FA}" destId="{AEC7EC48-8C02-4B20-8E1F-90500B617624}" srcOrd="0" destOrd="0" parTransId="{D4C354B0-6CF2-4C5D-8DAA-FEA02DC65661}" sibTransId="{35D481EC-5A30-4509-A548-3FF1DB75A4B2}"/>
+    <dgm:cxn modelId="{D0AE9019-B6B0-47AA-B171-EB8992642CA6}" type="presOf" srcId="{B29097FC-881E-4BDA-AE34-17BE6DF4FA78}" destId="{AFD080A8-E866-41A1-B81A-578F566B068A}" srcOrd="0" destOrd="0" presId="urn:microsoft.com/office/officeart/2009/3/layout/RandomtoResultProcess"/>
+    <dgm:cxn modelId="{A6570221-2BD3-4B41-A9E1-B3649C4A7C7B}" srcId="{505F4CD4-2686-42E6-95A9-7B89F6B9C74E}" destId="{B738F447-C386-4E97-BB17-FC3F98F0CB5E}" srcOrd="0" destOrd="0" parTransId="{6E12C5D0-541B-44EA-B2C5-69CE491561C6}" sibTransId="{FE6BA099-FF4D-45C8-8014-7EF128380DA2}"/>
+    <dgm:cxn modelId="{EB128D22-6BC6-4DF8-87AC-6BDA7C03F6BA}" srcId="{22EDE592-A0EB-41CF-AB47-086A3B51C4FA}" destId="{505F4CD4-2686-42E6-95A9-7B89F6B9C74E}" srcOrd="4" destOrd="0" parTransId="{BC60DA09-34E4-4F7A-8E55-EA94F1CAFA3C}" sibTransId="{7AD7802A-E2B9-4D94-B940-26CA447C01CA}"/>
+    <dgm:cxn modelId="{59D8B790-EA36-4442-977F-2D3A31C10F4F}" srcId="{22EDE592-A0EB-41CF-AB47-086A3B51C4FA}" destId="{C62F95CA-A4A2-429F-B5F9-9BF7203AA612}" srcOrd="3" destOrd="0" parTransId="{508213F6-CBDC-4843-8CCA-3BB288F0668C}" sibTransId="{45B7446E-FBDF-439B-B7B5-639F3F563037}"/>
+    <dgm:cxn modelId="{57D98E7C-0794-420D-88E4-39A2F3FFD04A}" type="presOf" srcId="{B738F447-C386-4E97-BB17-FC3F98F0CB5E}" destId="{E051B2E9-E0F1-4F67-B203-7076EBD6126A}" srcOrd="0" destOrd="0" presId="urn:microsoft.com/office/officeart/2009/3/layout/RandomtoResultProcess"/>
+    <dgm:cxn modelId="{A23187BE-C860-45F1-9DE4-6034022C4EB1}" type="presOf" srcId="{AEC7EC48-8C02-4B20-8E1F-90500B617624}" destId="{1B027B00-893D-4199-B75D-A9C03757194C}" srcOrd="0" destOrd="0" presId="urn:microsoft.com/office/officeart/2009/3/layout/RandomtoResultProcess"/>
+    <dgm:cxn modelId="{CD163514-32BC-43B5-BDC1-39D8990EDDE7}" type="presOf" srcId="{CE8DC8A5-33C9-4826-AEF7-4F82CD9B1336}" destId="{7E666CA4-5CBD-4C36-BAAC-654BA24805FD}" srcOrd="0" destOrd="0" presId="urn:microsoft.com/office/officeart/2009/3/layout/RandomtoResultProcess"/>
+    <dgm:cxn modelId="{45E259A8-B8E1-43F7-9411-5B04CC016DAF}" srcId="{22EDE592-A0EB-41CF-AB47-086A3B51C4FA}" destId="{CE8DC8A5-33C9-4826-AEF7-4F82CD9B1336}" srcOrd="1" destOrd="0" parTransId="{27BC585C-3760-463B-9A8E-3E783CC38F45}" sibTransId="{E9B790F8-FE85-49B3-A297-89693CDC07BF}"/>
+    <dgm:cxn modelId="{DEE6DF5D-4DA3-420B-8B55-EB89059F751E}" type="presParOf" srcId="{E4B7F709-29C5-463E-BDA7-70F01B0229DE}" destId="{FBF99920-A3E1-47CE-B3FB-32BC06886D3C}" srcOrd="0" destOrd="0" presId="urn:microsoft.com/office/officeart/2009/3/layout/RandomtoResultProcess"/>
+    <dgm:cxn modelId="{C088EC10-31CE-46D0-9449-595CBF2A7F11}" type="presParOf" srcId="{FBF99920-A3E1-47CE-B3FB-32BC06886D3C}" destId="{1B027B00-893D-4199-B75D-A9C03757194C}" srcOrd="0" destOrd="0" presId="urn:microsoft.com/office/officeart/2009/3/layout/RandomtoResultProcess"/>
+    <dgm:cxn modelId="{D6D5A3C4-6DBF-4D1C-A9D4-37E67DBC8CC3}" type="presParOf" srcId="{FBF99920-A3E1-47CE-B3FB-32BC06886D3C}" destId="{00580EB5-6E14-41C9-BAE4-5D9B53114EEE}" srcOrd="1" destOrd="0" presId="urn:microsoft.com/office/officeart/2009/3/layout/RandomtoResultProcess"/>
+    <dgm:cxn modelId="{378D774E-1F5E-49AD-BFCC-470D82146765}" type="presParOf" srcId="{FBF99920-A3E1-47CE-B3FB-32BC06886D3C}" destId="{4448610D-4D4D-41F4-890F-69C4D3D935FC}" srcOrd="2" destOrd="0" presId="urn:microsoft.com/office/officeart/2009/3/layout/RandomtoResultProcess"/>
+    <dgm:cxn modelId="{C626B401-F0B3-4095-85E3-51BC98810C4F}" type="presParOf" srcId="{FBF99920-A3E1-47CE-B3FB-32BC06886D3C}" destId="{E00C693B-520F-47D0-BF8F-47A0DB9CF440}" srcOrd="3" destOrd="0" presId="urn:microsoft.com/office/officeart/2009/3/layout/RandomtoResultProcess"/>
+    <dgm:cxn modelId="{7F172623-4387-4BF5-B5DD-C23F8717EC59}" type="presParOf" srcId="{FBF99920-A3E1-47CE-B3FB-32BC06886D3C}" destId="{2069A35E-31CE-4145-B4C3-65945DAC45DF}" srcOrd="4" destOrd="0" presId="urn:microsoft.com/office/officeart/2009/3/layout/RandomtoResultProcess"/>
+    <dgm:cxn modelId="{5FDCED33-1DC1-4507-A8C9-DDD9010CEAFB}" type="presParOf" srcId="{FBF99920-A3E1-47CE-B3FB-32BC06886D3C}" destId="{02060C2B-6DFE-469B-955E-1286E3332045}" srcOrd="5" destOrd="0" presId="urn:microsoft.com/office/officeart/2009/3/layout/RandomtoResultProcess"/>
+    <dgm:cxn modelId="{652F21AB-01D6-4305-9181-76F1A25CF95F}" type="presParOf" srcId="{FBF99920-A3E1-47CE-B3FB-32BC06886D3C}" destId="{4A3BB8EA-5318-4840-908C-4C12AD3258F5}" srcOrd="6" destOrd="0" presId="urn:microsoft.com/office/officeart/2009/3/layout/RandomtoResultProcess"/>
+    <dgm:cxn modelId="{DA364930-6B85-468C-B7BB-65F51DEA9634}" type="presParOf" srcId="{FBF99920-A3E1-47CE-B3FB-32BC06886D3C}" destId="{8CBDDA7E-4803-4C44-99D4-124C240D06E5}" srcOrd="7" destOrd="0" presId="urn:microsoft.com/office/officeart/2009/3/layout/RandomtoResultProcess"/>
+    <dgm:cxn modelId="{FFDBE20D-5871-444A-95B7-857303C6E610}" type="presParOf" srcId="{FBF99920-A3E1-47CE-B3FB-32BC06886D3C}" destId="{A8EDFAC4-0083-41BA-8FB4-0FBD5B49C7E9}" srcOrd="8" destOrd="0" presId="urn:microsoft.com/office/officeart/2009/3/layout/RandomtoResultProcess"/>
+    <dgm:cxn modelId="{D46E2785-D4F6-4163-95E9-87E87F2F8409}" type="presParOf" srcId="{FBF99920-A3E1-47CE-B3FB-32BC06886D3C}" destId="{F0E3306D-5F74-47EC-AD44-C46708318CFD}" srcOrd="9" destOrd="0" presId="urn:microsoft.com/office/officeart/2009/3/layout/RandomtoResultProcess"/>
+    <dgm:cxn modelId="{B056EF15-B208-4C9C-BE85-5FD57B634CE5}" type="presParOf" srcId="{FBF99920-A3E1-47CE-B3FB-32BC06886D3C}" destId="{46AAA524-6750-4A40-81BB-1CA9ABF48930}" srcOrd="10" destOrd="0" presId="urn:microsoft.com/office/officeart/2009/3/layout/RandomtoResultProcess"/>
+    <dgm:cxn modelId="{D4610DCD-CC3D-4597-9EA7-C64DD48DB588}" type="presParOf" srcId="{FBF99920-A3E1-47CE-B3FB-32BC06886D3C}" destId="{4D92DDD5-8D64-4B0E-9FA3-4E4AE1700A15}" srcOrd="11" destOrd="0" presId="urn:microsoft.com/office/officeart/2009/3/layout/RandomtoResultProcess"/>
+    <dgm:cxn modelId="{6A5107F1-348B-445D-8D1D-0DCAA2EF8F7B}" type="presParOf" srcId="{FBF99920-A3E1-47CE-B3FB-32BC06886D3C}" destId="{91772DB1-3A7D-4EA5-81A7-86DAFFF585F2}" srcOrd="12" destOrd="0" presId="urn:microsoft.com/office/officeart/2009/3/layout/RandomtoResultProcess"/>
+    <dgm:cxn modelId="{5F77FCB5-BD34-4E22-B7E4-0011C38042F0}" type="presParOf" srcId="{FBF99920-A3E1-47CE-B3FB-32BC06886D3C}" destId="{3E862664-DC2C-4985-B968-AD77D73F8587}" srcOrd="13" destOrd="0" presId="urn:microsoft.com/office/officeart/2009/3/layout/RandomtoResultProcess"/>
+    <dgm:cxn modelId="{D39DA0C5-D2F3-4D93-A6A8-6C4C6EE8145A}" type="presParOf" srcId="{FBF99920-A3E1-47CE-B3FB-32BC06886D3C}" destId="{5581EE3E-EC0C-436D-8F48-E62FEC748958}" srcOrd="14" destOrd="0" presId="urn:microsoft.com/office/officeart/2009/3/layout/RandomtoResultProcess"/>
+    <dgm:cxn modelId="{81E14418-7559-47AE-91D2-A3079E47A5B3}" type="presParOf" srcId="{FBF99920-A3E1-47CE-B3FB-32BC06886D3C}" destId="{AE908452-2532-491A-B351-C4711C5DE25B}" srcOrd="15" destOrd="0" presId="urn:microsoft.com/office/officeart/2009/3/layout/RandomtoResultProcess"/>
+    <dgm:cxn modelId="{3B0308AC-146C-40AF-8CAD-963D66245335}" type="presParOf" srcId="{FBF99920-A3E1-47CE-B3FB-32BC06886D3C}" destId="{41C0A3F5-B9FA-480F-9FE9-F65875326FBC}" srcOrd="16" destOrd="0" presId="urn:microsoft.com/office/officeart/2009/3/layout/RandomtoResultProcess"/>
+    <dgm:cxn modelId="{3E54D72E-0403-4C42-AF5A-EE5D70589338}" type="presParOf" srcId="{FBF99920-A3E1-47CE-B3FB-32BC06886D3C}" destId="{13E195AE-E1EA-4E19-97C6-55417BA5FEF1}" srcOrd="17" destOrd="0" presId="urn:microsoft.com/office/officeart/2009/3/layout/RandomtoResultProcess"/>
+    <dgm:cxn modelId="{77591DB9-CB8D-4BC1-8F99-E78E8EC73627}" type="presParOf" srcId="{FBF99920-A3E1-47CE-B3FB-32BC06886D3C}" destId="{E33FD6B8-956F-4C60-AB20-1143C5DCC8DD}" srcOrd="18" destOrd="0" presId="urn:microsoft.com/office/officeart/2009/3/layout/RandomtoResultProcess"/>
+    <dgm:cxn modelId="{97B4635F-F6C8-4BB5-ACA9-1A1A69C0D32C}" type="presParOf" srcId="{E4B7F709-29C5-463E-BDA7-70F01B0229DE}" destId="{8971B518-2617-4DA8-9693-53AC754B0610}" srcOrd="1" destOrd="0" presId="urn:microsoft.com/office/officeart/2009/3/layout/RandomtoResultProcess"/>
+    <dgm:cxn modelId="{3DE102F2-CF53-46F6-9176-63E3984FC521}" type="presParOf" srcId="{8971B518-2617-4DA8-9693-53AC754B0610}" destId="{4AC40FF3-008F-4006-B5F6-29CDB6E77DEB}" srcOrd="0" destOrd="0" presId="urn:microsoft.com/office/officeart/2009/3/layout/RandomtoResultProcess"/>
+    <dgm:cxn modelId="{917206E6-9FF5-4B86-A109-5E43D5527006}" type="presParOf" srcId="{8971B518-2617-4DA8-9693-53AC754B0610}" destId="{D902790A-FE1A-46F4-BEEC-01C8E2E3BB21}" srcOrd="1" destOrd="0" presId="urn:microsoft.com/office/officeart/2009/3/layout/RandomtoResultProcess"/>
+    <dgm:cxn modelId="{3C41B2CB-EDDD-4A4F-A767-9FFBA2117210}" type="presParOf" srcId="{E4B7F709-29C5-463E-BDA7-70F01B0229DE}" destId="{87AA7DA3-06E3-4442-8EA3-3374768EB3F7}" srcOrd="2" destOrd="0" presId="urn:microsoft.com/office/officeart/2009/3/layout/RandomtoResultProcess"/>
+    <dgm:cxn modelId="{E754F5E7-DEF4-4C3D-A2F9-73388ABA06C1}" type="presParOf" srcId="{87AA7DA3-06E3-4442-8EA3-3374768EB3F7}" destId="{7E666CA4-5CBD-4C36-BAAC-654BA24805FD}" srcOrd="0" destOrd="0" presId="urn:microsoft.com/office/officeart/2009/3/layout/RandomtoResultProcess"/>
+    <dgm:cxn modelId="{3EEE5C24-9B89-4B41-A3F3-69AEB7E57D97}" type="presParOf" srcId="{87AA7DA3-06E3-4442-8EA3-3374768EB3F7}" destId="{4BDA2281-9B9B-44A8-8DDA-964771625DCC}" srcOrd="1" destOrd="0" presId="urn:microsoft.com/office/officeart/2009/3/layout/RandomtoResultProcess"/>
+    <dgm:cxn modelId="{BD628FD4-BCA6-4039-BD95-C8893543950F}" type="presParOf" srcId="{E4B7F709-29C5-463E-BDA7-70F01B0229DE}" destId="{C54B9902-3BDD-405F-89BF-497D7EAD3FE5}" srcOrd="3" destOrd="0" presId="urn:microsoft.com/office/officeart/2009/3/layout/RandomtoResultProcess"/>
+    <dgm:cxn modelId="{AD36932F-F46C-45A9-B089-9FF9918284BE}" type="presParOf" srcId="{C54B9902-3BDD-405F-89BF-497D7EAD3FE5}" destId="{5510BB7F-E98E-4475-A087-C6391C783681}" srcOrd="0" destOrd="0" presId="urn:microsoft.com/office/officeart/2009/3/layout/RandomtoResultProcess"/>
+    <dgm:cxn modelId="{571F461C-3AA3-4A2D-BAB8-BEF22FC1753E}" type="presParOf" srcId="{C54B9902-3BDD-405F-89BF-497D7EAD3FE5}" destId="{5383089A-DE8F-4C30-8343-04430CDC116B}" srcOrd="1" destOrd="0" presId="urn:microsoft.com/office/officeart/2009/3/layout/RandomtoResultProcess"/>
+    <dgm:cxn modelId="{E3369A93-0DDB-4BC4-9551-0AC864854913}" type="presParOf" srcId="{E4B7F709-29C5-463E-BDA7-70F01B0229DE}" destId="{1ECD3E19-B412-4A93-9E7A-946C35857172}" srcOrd="4" destOrd="0" presId="urn:microsoft.com/office/officeart/2009/3/layout/RandomtoResultProcess"/>
+    <dgm:cxn modelId="{561260E4-18EF-40DC-8D0C-613AC3C706D3}" type="presParOf" srcId="{1ECD3E19-B412-4A93-9E7A-946C35857172}" destId="{AFD080A8-E866-41A1-B81A-578F566B068A}" srcOrd="0" destOrd="0" presId="urn:microsoft.com/office/officeart/2009/3/layout/RandomtoResultProcess"/>
+    <dgm:cxn modelId="{16E1431B-8F37-4869-9D82-9F3CAA46C042}" type="presParOf" srcId="{1ECD3E19-B412-4A93-9E7A-946C35857172}" destId="{0C55856E-739C-421F-9815-C23F23F36032}" srcOrd="1" destOrd="0" presId="urn:microsoft.com/office/officeart/2009/3/layout/RandomtoResultProcess"/>
+    <dgm:cxn modelId="{FCC96B79-36D2-45AE-8F23-A316F0BD2554}" type="presParOf" srcId="{E4B7F709-29C5-463E-BDA7-70F01B0229DE}" destId="{8EEE36BE-A847-4F4C-B148-D5AE2649AABD}" srcOrd="5" destOrd="0" presId="urn:microsoft.com/office/officeart/2009/3/layout/RandomtoResultProcess"/>
+    <dgm:cxn modelId="{58DB8E73-337A-49AB-8303-BE8F3212D891}" type="presParOf" srcId="{8EEE36BE-A847-4F4C-B148-D5AE2649AABD}" destId="{C5065143-8AF7-4AE9-A44E-5E4DF178427E}" srcOrd="0" destOrd="0" presId="urn:microsoft.com/office/officeart/2009/3/layout/RandomtoResultProcess"/>
+    <dgm:cxn modelId="{033D5EA1-C188-419D-B0BC-C5941F1CCC66}" type="presParOf" srcId="{8EEE36BE-A847-4F4C-B148-D5AE2649AABD}" destId="{0B3ECFED-BEFB-4AD3-8B13-FE6A9DE76FBF}" srcOrd="1" destOrd="0" presId="urn:microsoft.com/office/officeart/2009/3/layout/RandomtoResultProcess"/>
+    <dgm:cxn modelId="{202CDB42-BC9C-4834-B3C0-2FF61F60A23E}" type="presParOf" srcId="{E4B7F709-29C5-463E-BDA7-70F01B0229DE}" destId="{EDA20C08-5741-4C40-BF10-6701B884719F}" srcOrd="6" destOrd="0" presId="urn:microsoft.com/office/officeart/2009/3/layout/RandomtoResultProcess"/>
+    <dgm:cxn modelId="{A178EEC0-D3BE-4249-B59C-18969500CA0B}" type="presParOf" srcId="{EDA20C08-5741-4C40-BF10-6701B884719F}" destId="{731B2C02-8FA5-4821-B98E-CF94C3140B85}" srcOrd="0" destOrd="0" presId="urn:microsoft.com/office/officeart/2009/3/layout/RandomtoResultProcess"/>
+    <dgm:cxn modelId="{E8A43724-B9CA-40AB-BF81-61A27BBF9F51}" type="presParOf" srcId="{EDA20C08-5741-4C40-BF10-6701B884719F}" destId="{51047D0C-DA51-4264-AC12-FC76835CCCF2}" srcOrd="1" destOrd="0" presId="urn:microsoft.com/office/officeart/2009/3/layout/RandomtoResultProcess"/>
+    <dgm:cxn modelId="{C5FE59D6-3B7D-42C1-A729-6D84A30694AE}" type="presParOf" srcId="{E4B7F709-29C5-463E-BDA7-70F01B0229DE}" destId="{A97A6211-3FDB-4936-8364-267D311BFAE6}" srcOrd="7" destOrd="0" presId="urn:microsoft.com/office/officeart/2009/3/layout/RandomtoResultProcess"/>
+    <dgm:cxn modelId="{9CEBACF2-F5E3-4A63-B7B7-28EA8EFB1CF0}" type="presParOf" srcId="{A97A6211-3FDB-4936-8364-267D311BFAE6}" destId="{B9E275C6-562A-432D-BC53-BE29329C92C7}" srcOrd="0" destOrd="0" presId="urn:microsoft.com/office/officeart/2009/3/layout/RandomtoResultProcess"/>
+    <dgm:cxn modelId="{EF3EEA52-AB01-49D7-BDA1-4BCD77EA38BD}" type="presParOf" srcId="{A97A6211-3FDB-4936-8364-267D311BFAE6}" destId="{A32425F3-1A05-480B-8C42-3867B5FF3B43}" srcOrd="1" destOrd="0" presId="urn:microsoft.com/office/officeart/2009/3/layout/RandomtoResultProcess"/>
+    <dgm:cxn modelId="{1254559A-9F32-4179-9A5A-70B95B829908}" type="presParOf" srcId="{E4B7F709-29C5-463E-BDA7-70F01B0229DE}" destId="{F81925F2-2E66-41B1-858C-E7685CCC5264}" srcOrd="8" destOrd="0" presId="urn:microsoft.com/office/officeart/2009/3/layout/RandomtoResultProcess"/>
+    <dgm:cxn modelId="{9A6605F0-66C0-4576-948D-2D8ED4EA5388}" type="presParOf" srcId="{F81925F2-2E66-41B1-858C-E7685CCC5264}" destId="{BE15EE83-3B00-4A10-B193-E9EE791FF290}" srcOrd="0" destOrd="0" presId="urn:microsoft.com/office/officeart/2009/3/layout/RandomtoResultProcess"/>
+    <dgm:cxn modelId="{5B09C777-624F-4556-93DE-FA248F47CDF2}" type="presParOf" srcId="{F81925F2-2E66-41B1-858C-E7685CCC5264}" destId="{E051B2E9-E0F1-4F67-B203-7076EBD6126A}" srcOrd="1" destOrd="0" presId="urn:microsoft.com/office/officeart/2009/3/layout/RandomtoResultProcess"/>
+    <dgm:cxn modelId="{F4A99E11-32C2-42FD-BABC-985222AF0408}" type="presParOf" srcId="{F81925F2-2E66-41B1-858C-E7685CCC5264}" destId="{59755A42-CBDA-4E90-A653-54B6C2B8BB49}" srcOrd="2" destOrd="0" presId="urn:microsoft.com/office/officeart/2009/3/layout/RandomtoResultProcess"/>
+  </dgm:cxnLst>
+  <dgm:bg/>
+  <dgm:whole/>
+  <dgm:extLst>
+    <a:ext uri="http://schemas.microsoft.com/office/drawing/2008/diagram">
+      <dsp:dataModelExt xmlns:dsp="http://schemas.microsoft.com/office/drawing/2008/diagram" relId="rId9" minVer="http://schemas.openxmlformats.org/drawingml/2006/diagram"/>
+    </a:ext>
+  </dgm:extLst>
+</dgm:dataModel>
+</file>
+
 <file path=ppt/diagrams/drawing1.xml><?xml version="1.0" encoding="utf-8"?>
 <dsp:drawing xmlns:dgm="http://schemas.openxmlformats.org/drawingml/2006/diagram" xmlns:dsp="http://schemas.microsoft.com/office/drawing/2008/diagram" xmlns:a="http://schemas.openxmlformats.org/drawingml/2006/main">
   <dsp:spTree>
@@ -16118,6 +17512,1479 @@
       <dsp:txXfrm>
         <a:off x="8181489" y="3900561"/>
         <a:ext cx="909147" cy="836756"/>
+      </dsp:txXfrm>
+    </dsp:sp>
+  </dsp:spTree>
+</dsp:drawing>
+</file>
+
+<file path=ppt/diagrams/drawing7.xml><?xml version="1.0" encoding="utf-8"?>
+<dsp:drawing xmlns:dgm="http://schemas.openxmlformats.org/drawingml/2006/diagram" xmlns:dsp="http://schemas.microsoft.com/office/drawing/2008/diagram" xmlns:a="http://schemas.openxmlformats.org/drawingml/2006/main">
+  <dsp:spTree>
+    <dsp:nvGrpSpPr>
+      <dsp:cNvPr id="0" name=""/>
+      <dsp:cNvGrpSpPr/>
+    </dsp:nvGrpSpPr>
+    <dsp:grpSpPr/>
+    <dsp:sp modelId="{1B027B00-893D-4199-B75D-A9C03757194C}">
+      <dsp:nvSpPr>
+        <dsp:cNvPr id="0" name=""/>
+        <dsp:cNvSpPr/>
+      </dsp:nvSpPr>
+      <dsp:spPr>
+        <a:xfrm>
+          <a:off x="100326" y="1610148"/>
+          <a:ext cx="1385821" cy="456691"/>
+        </a:xfrm>
+        <a:prstGeom prst="rect">
+          <a:avLst/>
+        </a:prstGeom>
+        <a:noFill/>
+        <a:ln>
+          <a:noFill/>
+        </a:ln>
+        <a:effectLst/>
+      </dsp:spPr>
+      <dsp:style>
+        <a:lnRef idx="0">
+          <a:scrgbClr r="0" g="0" b="0"/>
+        </a:lnRef>
+        <a:fillRef idx="0">
+          <a:scrgbClr r="0" g="0" b="0"/>
+        </a:fillRef>
+        <a:effectRef idx="0">
+          <a:scrgbClr r="0" g="0" b="0"/>
+        </a:effectRef>
+        <a:fontRef idx="minor"/>
+      </dsp:style>
+      <dsp:txBody>
+        <a:bodyPr spcFirstLastPara="0" vert="horz" wrap="square" lIns="20320" tIns="20320" rIns="20320" bIns="20320" numCol="1" spcCol="1270" anchor="ctr" anchorCtr="0">
+          <a:noAutofit/>
+        </a:bodyPr>
+        <a:lstStyle/>
+        <a:p>
+          <a:pPr lvl="0" algn="ctr" defTabSz="711200">
+            <a:lnSpc>
+              <a:spcPct val="90000"/>
+            </a:lnSpc>
+            <a:spcBef>
+              <a:spcPct val="0"/>
+            </a:spcBef>
+            <a:spcAft>
+              <a:spcPct val="35000"/>
+            </a:spcAft>
+          </a:pPr>
+          <a:r>
+            <a:rPr lang="pt-BR" sz="1600" b="1" kern="1200" dirty="0" smtClean="0">
+              <a:solidFill>
+                <a:srgbClr val="7030A0"/>
+              </a:solidFill>
+            </a:rPr>
+            <a:t>Vínculo acadêmico</a:t>
+          </a:r>
+          <a:endParaRPr lang="pt-BR" sz="1600" b="1" kern="1200" dirty="0">
+            <a:solidFill>
+              <a:srgbClr val="7030A0"/>
+            </a:solidFill>
+          </a:endParaRPr>
+        </a:p>
+      </dsp:txBody>
+      <dsp:txXfrm>
+        <a:off x="100326" y="1610148"/>
+        <a:ext cx="1385821" cy="456691"/>
+      </dsp:txXfrm>
+    </dsp:sp>
+    <dsp:sp modelId="{00580EB5-6E14-41C9-BAE4-5D9B53114EEE}">
+      <dsp:nvSpPr>
+        <dsp:cNvPr id="0" name=""/>
+        <dsp:cNvSpPr/>
+      </dsp:nvSpPr>
+      <dsp:spPr>
+        <a:xfrm>
+          <a:off x="98751" y="1471251"/>
+          <a:ext cx="110235" cy="110235"/>
+        </a:xfrm>
+        <a:prstGeom prst="ellipse">
+          <a:avLst/>
+        </a:prstGeom>
+        <a:solidFill>
+          <a:schemeClr val="accent3">
+            <a:hueOff val="0"/>
+            <a:satOff val="0"/>
+            <a:lumOff val="0"/>
+            <a:alphaOff val="0"/>
+          </a:schemeClr>
+        </a:solidFill>
+        <a:ln>
+          <a:noFill/>
+        </a:ln>
+        <a:effectLst/>
+        <a:sp3d extrusionH="381000" contourW="38100" prstMaterial="matte">
+          <a:contourClr>
+            <a:schemeClr val="lt1"/>
+          </a:contourClr>
+        </a:sp3d>
+      </dsp:spPr>
+      <dsp:style>
+        <a:lnRef idx="0">
+          <a:scrgbClr r="0" g="0" b="0"/>
+        </a:lnRef>
+        <a:fillRef idx="1">
+          <a:scrgbClr r="0" g="0" b="0"/>
+        </a:fillRef>
+        <a:effectRef idx="0">
+          <a:scrgbClr r="0" g="0" b="0"/>
+        </a:effectRef>
+        <a:fontRef idx="minor">
+          <a:schemeClr val="lt1"/>
+        </a:fontRef>
+      </dsp:style>
+    </dsp:sp>
+    <dsp:sp modelId="{4448610D-4D4D-41F4-890F-69C4D3D935FC}">
+      <dsp:nvSpPr>
+        <dsp:cNvPr id="0" name=""/>
+        <dsp:cNvSpPr/>
+      </dsp:nvSpPr>
+      <dsp:spPr>
+        <a:xfrm>
+          <a:off x="175916" y="1316921"/>
+          <a:ext cx="110235" cy="110235"/>
+        </a:xfrm>
+        <a:prstGeom prst="ellipse">
+          <a:avLst/>
+        </a:prstGeom>
+        <a:solidFill>
+          <a:schemeClr val="accent3">
+            <a:hueOff val="8"/>
+            <a:satOff val="-2792"/>
+            <a:lumOff val="-654"/>
+            <a:alphaOff val="0"/>
+          </a:schemeClr>
+        </a:solidFill>
+        <a:ln>
+          <a:noFill/>
+        </a:ln>
+        <a:effectLst/>
+        <a:sp3d extrusionH="381000" contourW="38100" prstMaterial="matte">
+          <a:contourClr>
+            <a:schemeClr val="lt1"/>
+          </a:contourClr>
+        </a:sp3d>
+      </dsp:spPr>
+      <dsp:style>
+        <a:lnRef idx="0">
+          <a:scrgbClr r="0" g="0" b="0"/>
+        </a:lnRef>
+        <a:fillRef idx="1">
+          <a:scrgbClr r="0" g="0" b="0"/>
+        </a:fillRef>
+        <a:effectRef idx="0">
+          <a:scrgbClr r="0" g="0" b="0"/>
+        </a:effectRef>
+        <a:fontRef idx="minor">
+          <a:schemeClr val="lt1"/>
+        </a:fontRef>
+      </dsp:style>
+    </dsp:sp>
+    <dsp:sp modelId="{E00C693B-520F-47D0-BF8F-47A0DB9CF440}">
+      <dsp:nvSpPr>
+        <dsp:cNvPr id="0" name=""/>
+        <dsp:cNvSpPr/>
+      </dsp:nvSpPr>
+      <dsp:spPr>
+        <a:xfrm>
+          <a:off x="361112" y="1347787"/>
+          <a:ext cx="173227" cy="173227"/>
+        </a:xfrm>
+        <a:prstGeom prst="ellipse">
+          <a:avLst/>
+        </a:prstGeom>
+        <a:solidFill>
+          <a:schemeClr val="accent3">
+            <a:hueOff val="15"/>
+            <a:satOff val="-5585"/>
+            <a:lumOff val="-1307"/>
+            <a:alphaOff val="0"/>
+          </a:schemeClr>
+        </a:solidFill>
+        <a:ln>
+          <a:noFill/>
+        </a:ln>
+        <a:effectLst/>
+        <a:sp3d extrusionH="381000" contourW="38100" prstMaterial="matte">
+          <a:contourClr>
+            <a:schemeClr val="lt1"/>
+          </a:contourClr>
+        </a:sp3d>
+      </dsp:spPr>
+      <dsp:style>
+        <a:lnRef idx="0">
+          <a:scrgbClr r="0" g="0" b="0"/>
+        </a:lnRef>
+        <a:fillRef idx="1">
+          <a:scrgbClr r="0" g="0" b="0"/>
+        </a:fillRef>
+        <a:effectRef idx="0">
+          <a:scrgbClr r="0" g="0" b="0"/>
+        </a:effectRef>
+        <a:fontRef idx="minor">
+          <a:schemeClr val="lt1"/>
+        </a:fontRef>
+      </dsp:style>
+    </dsp:sp>
+    <dsp:sp modelId="{2069A35E-31CE-4145-B4C3-65945DAC45DF}">
+      <dsp:nvSpPr>
+        <dsp:cNvPr id="0" name=""/>
+        <dsp:cNvSpPr/>
+      </dsp:nvSpPr>
+      <dsp:spPr>
+        <a:xfrm>
+          <a:off x="515442" y="1178024"/>
+          <a:ext cx="110235" cy="110235"/>
+        </a:xfrm>
+        <a:prstGeom prst="ellipse">
+          <a:avLst/>
+        </a:prstGeom>
+        <a:solidFill>
+          <a:schemeClr val="accent3">
+            <a:hueOff val="23"/>
+            <a:satOff val="-8377"/>
+            <a:lumOff val="-1961"/>
+            <a:alphaOff val="0"/>
+          </a:schemeClr>
+        </a:solidFill>
+        <a:ln>
+          <a:noFill/>
+        </a:ln>
+        <a:effectLst/>
+        <a:sp3d extrusionH="381000" contourW="38100" prstMaterial="matte">
+          <a:contourClr>
+            <a:schemeClr val="lt1"/>
+          </a:contourClr>
+        </a:sp3d>
+      </dsp:spPr>
+      <dsp:style>
+        <a:lnRef idx="0">
+          <a:scrgbClr r="0" g="0" b="0"/>
+        </a:lnRef>
+        <a:fillRef idx="1">
+          <a:scrgbClr r="0" g="0" b="0"/>
+        </a:fillRef>
+        <a:effectRef idx="0">
+          <a:scrgbClr r="0" g="0" b="0"/>
+        </a:effectRef>
+        <a:fontRef idx="minor">
+          <a:schemeClr val="lt1"/>
+        </a:fontRef>
+      </dsp:style>
+    </dsp:sp>
+    <dsp:sp modelId="{02060C2B-6DFE-469B-955E-1286E3332045}">
+      <dsp:nvSpPr>
+        <dsp:cNvPr id="0" name=""/>
+        <dsp:cNvSpPr/>
+      </dsp:nvSpPr>
+      <dsp:spPr>
+        <a:xfrm>
+          <a:off x="716072" y="1116292"/>
+          <a:ext cx="110235" cy="110235"/>
+        </a:xfrm>
+        <a:prstGeom prst="ellipse">
+          <a:avLst/>
+        </a:prstGeom>
+        <a:solidFill>
+          <a:schemeClr val="accent3">
+            <a:hueOff val="30"/>
+            <a:satOff val="-11169"/>
+            <a:lumOff val="-2615"/>
+            <a:alphaOff val="0"/>
+          </a:schemeClr>
+        </a:solidFill>
+        <a:ln>
+          <a:noFill/>
+        </a:ln>
+        <a:effectLst/>
+        <a:sp3d extrusionH="381000" contourW="38100" prstMaterial="matte">
+          <a:contourClr>
+            <a:schemeClr val="lt1"/>
+          </a:contourClr>
+        </a:sp3d>
+      </dsp:spPr>
+      <dsp:style>
+        <a:lnRef idx="0">
+          <a:scrgbClr r="0" g="0" b="0"/>
+        </a:lnRef>
+        <a:fillRef idx="1">
+          <a:scrgbClr r="0" g="0" b="0"/>
+        </a:fillRef>
+        <a:effectRef idx="0">
+          <a:scrgbClr r="0" g="0" b="0"/>
+        </a:effectRef>
+        <a:fontRef idx="minor">
+          <a:schemeClr val="lt1"/>
+        </a:fontRef>
+      </dsp:style>
+    </dsp:sp>
+    <dsp:sp modelId="{4A3BB8EA-5318-4840-908C-4C12AD3258F5}">
+      <dsp:nvSpPr>
+        <dsp:cNvPr id="0" name=""/>
+        <dsp:cNvSpPr/>
+      </dsp:nvSpPr>
+      <dsp:spPr>
+        <a:xfrm>
+          <a:off x="963000" y="1224323"/>
+          <a:ext cx="110235" cy="110235"/>
+        </a:xfrm>
+        <a:prstGeom prst="ellipse">
+          <a:avLst/>
+        </a:prstGeom>
+        <a:solidFill>
+          <a:schemeClr val="accent3">
+            <a:hueOff val="38"/>
+            <a:satOff val="-13962"/>
+            <a:lumOff val="-3268"/>
+            <a:alphaOff val="0"/>
+          </a:schemeClr>
+        </a:solidFill>
+        <a:ln>
+          <a:noFill/>
+        </a:ln>
+        <a:effectLst/>
+        <a:sp3d extrusionH="381000" contourW="38100" prstMaterial="matte">
+          <a:contourClr>
+            <a:schemeClr val="lt1"/>
+          </a:contourClr>
+        </a:sp3d>
+      </dsp:spPr>
+      <dsp:style>
+        <a:lnRef idx="0">
+          <a:scrgbClr r="0" g="0" b="0"/>
+        </a:lnRef>
+        <a:fillRef idx="1">
+          <a:scrgbClr r="0" g="0" b="0"/>
+        </a:fillRef>
+        <a:effectRef idx="0">
+          <a:scrgbClr r="0" g="0" b="0"/>
+        </a:effectRef>
+        <a:fontRef idx="minor">
+          <a:schemeClr val="lt1"/>
+        </a:fontRef>
+      </dsp:style>
+    </dsp:sp>
+    <dsp:sp modelId="{8CBDDA7E-4803-4C44-99D4-124C240D06E5}">
+      <dsp:nvSpPr>
+        <dsp:cNvPr id="0" name=""/>
+        <dsp:cNvSpPr/>
+      </dsp:nvSpPr>
+      <dsp:spPr>
+        <a:xfrm>
+          <a:off x="1117330" y="1301488"/>
+          <a:ext cx="173227" cy="173227"/>
+        </a:xfrm>
+        <a:prstGeom prst="ellipse">
+          <a:avLst/>
+        </a:prstGeom>
+        <a:solidFill>
+          <a:schemeClr val="accent3">
+            <a:hueOff val="46"/>
+            <a:satOff val="-16754"/>
+            <a:lumOff val="-3922"/>
+            <a:alphaOff val="0"/>
+          </a:schemeClr>
+        </a:solidFill>
+        <a:ln>
+          <a:noFill/>
+        </a:ln>
+        <a:effectLst/>
+        <a:sp3d extrusionH="381000" contourW="38100" prstMaterial="matte">
+          <a:contourClr>
+            <a:schemeClr val="lt1"/>
+          </a:contourClr>
+        </a:sp3d>
+      </dsp:spPr>
+      <dsp:style>
+        <a:lnRef idx="0">
+          <a:scrgbClr r="0" g="0" b="0"/>
+        </a:lnRef>
+        <a:fillRef idx="1">
+          <a:scrgbClr r="0" g="0" b="0"/>
+        </a:fillRef>
+        <a:effectRef idx="0">
+          <a:scrgbClr r="0" g="0" b="0"/>
+        </a:effectRef>
+        <a:fontRef idx="minor">
+          <a:schemeClr val="lt1"/>
+        </a:fontRef>
+      </dsp:style>
+    </dsp:sp>
+    <dsp:sp modelId="{A8EDFAC4-0083-41BA-8FB4-0FBD5B49C7E9}">
+      <dsp:nvSpPr>
+        <dsp:cNvPr id="0" name=""/>
+        <dsp:cNvSpPr/>
+      </dsp:nvSpPr>
+      <dsp:spPr>
+        <a:xfrm>
+          <a:off x="1333392" y="1471251"/>
+          <a:ext cx="110235" cy="110235"/>
+        </a:xfrm>
+        <a:prstGeom prst="ellipse">
+          <a:avLst/>
+        </a:prstGeom>
+        <a:solidFill>
+          <a:schemeClr val="accent3">
+            <a:hueOff val="53"/>
+            <a:satOff val="-19546"/>
+            <a:lumOff val="-4576"/>
+            <a:alphaOff val="0"/>
+          </a:schemeClr>
+        </a:solidFill>
+        <a:ln>
+          <a:noFill/>
+        </a:ln>
+        <a:effectLst/>
+        <a:sp3d extrusionH="381000" contourW="38100" prstMaterial="matte">
+          <a:contourClr>
+            <a:schemeClr val="lt1"/>
+          </a:contourClr>
+        </a:sp3d>
+      </dsp:spPr>
+      <dsp:style>
+        <a:lnRef idx="0">
+          <a:scrgbClr r="0" g="0" b="0"/>
+        </a:lnRef>
+        <a:fillRef idx="1">
+          <a:scrgbClr r="0" g="0" b="0"/>
+        </a:fillRef>
+        <a:effectRef idx="0">
+          <a:scrgbClr r="0" g="0" b="0"/>
+        </a:effectRef>
+        <a:fontRef idx="minor">
+          <a:schemeClr val="lt1"/>
+        </a:fontRef>
+      </dsp:style>
+    </dsp:sp>
+    <dsp:sp modelId="{F0E3306D-5F74-47EC-AD44-C46708318CFD}">
+      <dsp:nvSpPr>
+        <dsp:cNvPr id="0" name=""/>
+        <dsp:cNvSpPr/>
+      </dsp:nvSpPr>
+      <dsp:spPr>
+        <a:xfrm>
+          <a:off x="1425990" y="1641014"/>
+          <a:ext cx="110235" cy="110235"/>
+        </a:xfrm>
+        <a:prstGeom prst="ellipse">
+          <a:avLst/>
+        </a:prstGeom>
+        <a:solidFill>
+          <a:schemeClr val="accent3">
+            <a:hueOff val="61"/>
+            <a:satOff val="-22339"/>
+            <a:lumOff val="-5229"/>
+            <a:alphaOff val="0"/>
+          </a:schemeClr>
+        </a:solidFill>
+        <a:ln>
+          <a:noFill/>
+        </a:ln>
+        <a:effectLst/>
+        <a:sp3d extrusionH="381000" contourW="38100" prstMaterial="matte">
+          <a:contourClr>
+            <a:schemeClr val="lt1"/>
+          </a:contourClr>
+        </a:sp3d>
+      </dsp:spPr>
+      <dsp:style>
+        <a:lnRef idx="0">
+          <a:scrgbClr r="0" g="0" b="0"/>
+        </a:lnRef>
+        <a:fillRef idx="1">
+          <a:scrgbClr r="0" g="0" b="0"/>
+        </a:fillRef>
+        <a:effectRef idx="0">
+          <a:scrgbClr r="0" g="0" b="0"/>
+        </a:effectRef>
+        <a:fontRef idx="minor">
+          <a:schemeClr val="lt1"/>
+        </a:fontRef>
+      </dsp:style>
+    </dsp:sp>
+    <dsp:sp modelId="{46AAA524-6750-4A40-81BB-1CA9ABF48930}">
+      <dsp:nvSpPr>
+        <dsp:cNvPr id="0" name=""/>
+        <dsp:cNvSpPr/>
+      </dsp:nvSpPr>
+      <dsp:spPr>
+        <a:xfrm>
+          <a:off x="623473" y="1316921"/>
+          <a:ext cx="283463" cy="283463"/>
+        </a:xfrm>
+        <a:prstGeom prst="ellipse">
+          <a:avLst/>
+        </a:prstGeom>
+        <a:solidFill>
+          <a:schemeClr val="accent3">
+            <a:hueOff val="68"/>
+            <a:satOff val="-25131"/>
+            <a:lumOff val="-5883"/>
+            <a:alphaOff val="0"/>
+          </a:schemeClr>
+        </a:solidFill>
+        <a:ln>
+          <a:noFill/>
+        </a:ln>
+        <a:effectLst/>
+        <a:sp3d extrusionH="381000" contourW="38100" prstMaterial="matte">
+          <a:contourClr>
+            <a:schemeClr val="lt1"/>
+          </a:contourClr>
+        </a:sp3d>
+      </dsp:spPr>
+      <dsp:style>
+        <a:lnRef idx="0">
+          <a:scrgbClr r="0" g="0" b="0"/>
+        </a:lnRef>
+        <a:fillRef idx="1">
+          <a:scrgbClr r="0" g="0" b="0"/>
+        </a:fillRef>
+        <a:effectRef idx="0">
+          <a:scrgbClr r="0" g="0" b="0"/>
+        </a:effectRef>
+        <a:fontRef idx="minor">
+          <a:schemeClr val="lt1"/>
+        </a:fontRef>
+      </dsp:style>
+    </dsp:sp>
+    <dsp:sp modelId="{4D92DDD5-8D64-4B0E-9FA3-4E4AE1700A15}">
+      <dsp:nvSpPr>
+        <dsp:cNvPr id="0" name=""/>
+        <dsp:cNvSpPr/>
+      </dsp:nvSpPr>
+      <dsp:spPr>
+        <a:xfrm>
+          <a:off x="21586" y="1903375"/>
+          <a:ext cx="110235" cy="110235"/>
+        </a:xfrm>
+        <a:prstGeom prst="ellipse">
+          <a:avLst/>
+        </a:prstGeom>
+        <a:solidFill>
+          <a:schemeClr val="accent3">
+            <a:hueOff val="76"/>
+            <a:satOff val="-27923"/>
+            <a:lumOff val="-6537"/>
+            <a:alphaOff val="0"/>
+          </a:schemeClr>
+        </a:solidFill>
+        <a:ln>
+          <a:noFill/>
+        </a:ln>
+        <a:effectLst/>
+        <a:sp3d extrusionH="381000" contourW="38100" prstMaterial="matte">
+          <a:contourClr>
+            <a:schemeClr val="lt1"/>
+          </a:contourClr>
+        </a:sp3d>
+      </dsp:spPr>
+      <dsp:style>
+        <a:lnRef idx="0">
+          <a:scrgbClr r="0" g="0" b="0"/>
+        </a:lnRef>
+        <a:fillRef idx="1">
+          <a:scrgbClr r="0" g="0" b="0"/>
+        </a:fillRef>
+        <a:effectRef idx="0">
+          <a:scrgbClr r="0" g="0" b="0"/>
+        </a:effectRef>
+        <a:fontRef idx="minor">
+          <a:schemeClr val="lt1"/>
+        </a:fontRef>
+      </dsp:style>
+    </dsp:sp>
+    <dsp:sp modelId="{91772DB1-3A7D-4EA5-81A7-86DAFFF585F2}">
+      <dsp:nvSpPr>
+        <dsp:cNvPr id="0" name=""/>
+        <dsp:cNvSpPr/>
+      </dsp:nvSpPr>
+      <dsp:spPr>
+        <a:xfrm>
+          <a:off x="114184" y="2042272"/>
+          <a:ext cx="173227" cy="173227"/>
+        </a:xfrm>
+        <a:prstGeom prst="ellipse">
+          <a:avLst/>
+        </a:prstGeom>
+        <a:solidFill>
+          <a:schemeClr val="accent3">
+            <a:hueOff val="84"/>
+            <a:satOff val="-30716"/>
+            <a:lumOff val="-7190"/>
+            <a:alphaOff val="0"/>
+          </a:schemeClr>
+        </a:solidFill>
+        <a:ln>
+          <a:noFill/>
+        </a:ln>
+        <a:effectLst/>
+        <a:sp3d extrusionH="381000" contourW="38100" prstMaterial="matte">
+          <a:contourClr>
+            <a:schemeClr val="lt1"/>
+          </a:contourClr>
+        </a:sp3d>
+      </dsp:spPr>
+      <dsp:style>
+        <a:lnRef idx="0">
+          <a:scrgbClr r="0" g="0" b="0"/>
+        </a:lnRef>
+        <a:fillRef idx="1">
+          <a:scrgbClr r="0" g="0" b="0"/>
+        </a:fillRef>
+        <a:effectRef idx="0">
+          <a:scrgbClr r="0" g="0" b="0"/>
+        </a:effectRef>
+        <a:fontRef idx="minor">
+          <a:schemeClr val="lt1"/>
+        </a:fontRef>
+      </dsp:style>
+    </dsp:sp>
+    <dsp:sp modelId="{3E862664-DC2C-4985-B968-AD77D73F8587}">
+      <dsp:nvSpPr>
+        <dsp:cNvPr id="0" name=""/>
+        <dsp:cNvSpPr/>
+      </dsp:nvSpPr>
+      <dsp:spPr>
+        <a:xfrm>
+          <a:off x="345679" y="2165737"/>
+          <a:ext cx="251967" cy="251967"/>
+        </a:xfrm>
+        <a:prstGeom prst="ellipse">
+          <a:avLst/>
+        </a:prstGeom>
+        <a:solidFill>
+          <a:schemeClr val="accent3">
+            <a:hueOff val="91"/>
+            <a:satOff val="-33508"/>
+            <a:lumOff val="-7844"/>
+            <a:alphaOff val="0"/>
+          </a:schemeClr>
+        </a:solidFill>
+        <a:ln>
+          <a:noFill/>
+        </a:ln>
+        <a:effectLst/>
+        <a:sp3d extrusionH="381000" contourW="38100" prstMaterial="matte">
+          <a:contourClr>
+            <a:schemeClr val="lt1"/>
+          </a:contourClr>
+        </a:sp3d>
+      </dsp:spPr>
+      <dsp:style>
+        <a:lnRef idx="0">
+          <a:scrgbClr r="0" g="0" b="0"/>
+        </a:lnRef>
+        <a:fillRef idx="1">
+          <a:scrgbClr r="0" g="0" b="0"/>
+        </a:fillRef>
+        <a:effectRef idx="0">
+          <a:scrgbClr r="0" g="0" b="0"/>
+        </a:effectRef>
+        <a:fontRef idx="minor">
+          <a:schemeClr val="lt1"/>
+        </a:fontRef>
+      </dsp:style>
+    </dsp:sp>
+    <dsp:sp modelId="{5581EE3E-EC0C-436D-8F48-E62FEC748958}">
+      <dsp:nvSpPr>
+        <dsp:cNvPr id="0" name=""/>
+        <dsp:cNvSpPr/>
+      </dsp:nvSpPr>
+      <dsp:spPr>
+        <a:xfrm>
+          <a:off x="669772" y="2366366"/>
+          <a:ext cx="110235" cy="110235"/>
+        </a:xfrm>
+        <a:prstGeom prst="ellipse">
+          <a:avLst/>
+        </a:prstGeom>
+        <a:solidFill>
+          <a:schemeClr val="accent3">
+            <a:hueOff val="99"/>
+            <a:satOff val="-36300"/>
+            <a:lumOff val="-8498"/>
+            <a:alphaOff val="0"/>
+          </a:schemeClr>
+        </a:solidFill>
+        <a:ln>
+          <a:noFill/>
+        </a:ln>
+        <a:effectLst/>
+        <a:sp3d extrusionH="381000" contourW="38100" prstMaterial="matte">
+          <a:contourClr>
+            <a:schemeClr val="lt1"/>
+          </a:contourClr>
+        </a:sp3d>
+      </dsp:spPr>
+      <dsp:style>
+        <a:lnRef idx="0">
+          <a:scrgbClr r="0" g="0" b="0"/>
+        </a:lnRef>
+        <a:fillRef idx="1">
+          <a:scrgbClr r="0" g="0" b="0"/>
+        </a:fillRef>
+        <a:effectRef idx="0">
+          <a:scrgbClr r="0" g="0" b="0"/>
+        </a:effectRef>
+        <a:fontRef idx="minor">
+          <a:schemeClr val="lt1"/>
+        </a:fontRef>
+      </dsp:style>
+    </dsp:sp>
+    <dsp:sp modelId="{AE908452-2532-491A-B351-C4711C5DE25B}">
+      <dsp:nvSpPr>
+        <dsp:cNvPr id="0" name=""/>
+        <dsp:cNvSpPr/>
+      </dsp:nvSpPr>
+      <dsp:spPr>
+        <a:xfrm>
+          <a:off x="731505" y="2165737"/>
+          <a:ext cx="173227" cy="173227"/>
+        </a:xfrm>
+        <a:prstGeom prst="ellipse">
+          <a:avLst/>
+        </a:prstGeom>
+        <a:solidFill>
+          <a:schemeClr val="accent3">
+            <a:hueOff val="107"/>
+            <a:satOff val="-39093"/>
+            <a:lumOff val="-9151"/>
+            <a:alphaOff val="0"/>
+          </a:schemeClr>
+        </a:solidFill>
+        <a:ln>
+          <a:noFill/>
+        </a:ln>
+        <a:effectLst/>
+        <a:sp3d extrusionH="381000" contourW="38100" prstMaterial="matte">
+          <a:contourClr>
+            <a:schemeClr val="lt1"/>
+          </a:contourClr>
+        </a:sp3d>
+      </dsp:spPr>
+      <dsp:style>
+        <a:lnRef idx="0">
+          <a:scrgbClr r="0" g="0" b="0"/>
+        </a:lnRef>
+        <a:fillRef idx="1">
+          <a:scrgbClr r="0" g="0" b="0"/>
+        </a:fillRef>
+        <a:effectRef idx="0">
+          <a:scrgbClr r="0" g="0" b="0"/>
+        </a:effectRef>
+        <a:fontRef idx="minor">
+          <a:schemeClr val="lt1"/>
+        </a:fontRef>
+      </dsp:style>
+    </dsp:sp>
+    <dsp:sp modelId="{41C0A3F5-B9FA-480F-9FE9-F65875326FBC}">
+      <dsp:nvSpPr>
+        <dsp:cNvPr id="0" name=""/>
+        <dsp:cNvSpPr/>
+      </dsp:nvSpPr>
+      <dsp:spPr>
+        <a:xfrm>
+          <a:off x="885835" y="2381799"/>
+          <a:ext cx="110235" cy="110235"/>
+        </a:xfrm>
+        <a:prstGeom prst="ellipse">
+          <a:avLst/>
+        </a:prstGeom>
+        <a:solidFill>
+          <a:schemeClr val="accent3">
+            <a:hueOff val="114"/>
+            <a:satOff val="-41885"/>
+            <a:lumOff val="-9805"/>
+            <a:alphaOff val="0"/>
+          </a:schemeClr>
+        </a:solidFill>
+        <a:ln>
+          <a:noFill/>
+        </a:ln>
+        <a:effectLst/>
+        <a:sp3d extrusionH="381000" contourW="38100" prstMaterial="matte">
+          <a:contourClr>
+            <a:schemeClr val="lt1"/>
+          </a:contourClr>
+        </a:sp3d>
+      </dsp:spPr>
+      <dsp:style>
+        <a:lnRef idx="0">
+          <a:scrgbClr r="0" g="0" b="0"/>
+        </a:lnRef>
+        <a:fillRef idx="1">
+          <a:scrgbClr r="0" g="0" b="0"/>
+        </a:fillRef>
+        <a:effectRef idx="0">
+          <a:scrgbClr r="0" g="0" b="0"/>
+        </a:effectRef>
+        <a:fontRef idx="minor">
+          <a:schemeClr val="lt1"/>
+        </a:fontRef>
+      </dsp:style>
+    </dsp:sp>
+    <dsp:sp modelId="{13E195AE-E1EA-4E19-97C6-55417BA5FEF1}">
+      <dsp:nvSpPr>
+        <dsp:cNvPr id="0" name=""/>
+        <dsp:cNvSpPr/>
+      </dsp:nvSpPr>
+      <dsp:spPr>
+        <a:xfrm>
+          <a:off x="1024732" y="2134871"/>
+          <a:ext cx="251967" cy="251967"/>
+        </a:xfrm>
+        <a:prstGeom prst="ellipse">
+          <a:avLst/>
+        </a:prstGeom>
+        <a:solidFill>
+          <a:schemeClr val="accent3">
+            <a:hueOff val="122"/>
+            <a:satOff val="-44677"/>
+            <a:lumOff val="-10459"/>
+            <a:alphaOff val="0"/>
+          </a:schemeClr>
+        </a:solidFill>
+        <a:ln>
+          <a:noFill/>
+        </a:ln>
+        <a:effectLst/>
+        <a:sp3d extrusionH="381000" contourW="38100" prstMaterial="matte">
+          <a:contourClr>
+            <a:schemeClr val="lt1"/>
+          </a:contourClr>
+        </a:sp3d>
+      </dsp:spPr>
+      <dsp:style>
+        <a:lnRef idx="0">
+          <a:scrgbClr r="0" g="0" b="0"/>
+        </a:lnRef>
+        <a:fillRef idx="1">
+          <a:scrgbClr r="0" g="0" b="0"/>
+        </a:fillRef>
+        <a:effectRef idx="0">
+          <a:scrgbClr r="0" g="0" b="0"/>
+        </a:effectRef>
+        <a:fontRef idx="minor">
+          <a:schemeClr val="lt1"/>
+        </a:fontRef>
+      </dsp:style>
+    </dsp:sp>
+    <dsp:sp modelId="{E33FD6B8-956F-4C60-AB20-1143C5DCC8DD}">
+      <dsp:nvSpPr>
+        <dsp:cNvPr id="0" name=""/>
+        <dsp:cNvSpPr/>
+      </dsp:nvSpPr>
+      <dsp:spPr>
+        <a:xfrm>
+          <a:off x="1364258" y="2073138"/>
+          <a:ext cx="173227" cy="173227"/>
+        </a:xfrm>
+        <a:prstGeom prst="ellipse">
+          <a:avLst/>
+        </a:prstGeom>
+        <a:solidFill>
+          <a:schemeClr val="accent3">
+            <a:hueOff val="129"/>
+            <a:satOff val="-47470"/>
+            <a:lumOff val="-11112"/>
+            <a:alphaOff val="0"/>
+          </a:schemeClr>
+        </a:solidFill>
+        <a:ln>
+          <a:noFill/>
+        </a:ln>
+        <a:effectLst/>
+        <a:sp3d extrusionH="381000" contourW="38100" prstMaterial="matte">
+          <a:contourClr>
+            <a:schemeClr val="lt1"/>
+          </a:contourClr>
+        </a:sp3d>
+      </dsp:spPr>
+      <dsp:style>
+        <a:lnRef idx="0">
+          <a:scrgbClr r="0" g="0" b="0"/>
+        </a:lnRef>
+        <a:fillRef idx="1">
+          <a:scrgbClr r="0" g="0" b="0"/>
+        </a:fillRef>
+        <a:effectRef idx="0">
+          <a:scrgbClr r="0" g="0" b="0"/>
+        </a:effectRef>
+        <a:fontRef idx="minor">
+          <a:schemeClr val="lt1"/>
+        </a:fontRef>
+      </dsp:style>
+    </dsp:sp>
+    <dsp:sp modelId="{4AC40FF3-008F-4006-B5F6-29CDB6E77DEB}">
+      <dsp:nvSpPr>
+        <dsp:cNvPr id="0" name=""/>
+        <dsp:cNvSpPr/>
+      </dsp:nvSpPr>
+      <dsp:spPr>
+        <a:xfrm>
+          <a:off x="1537486" y="1347530"/>
+          <a:ext cx="508745" cy="971249"/>
+        </a:xfrm>
+        <a:prstGeom prst="chevron">
+          <a:avLst>
+            <a:gd name="adj" fmla="val 62310"/>
+          </a:avLst>
+        </a:prstGeom>
+        <a:solidFill>
+          <a:schemeClr val="accent3">
+            <a:hueOff val="0"/>
+            <a:satOff val="0"/>
+            <a:lumOff val="0"/>
+            <a:alphaOff val="0"/>
+          </a:schemeClr>
+        </a:solidFill>
+        <a:ln>
+          <a:noFill/>
+        </a:ln>
+        <a:effectLst/>
+        <a:sp3d z="-52400" extrusionH="181000" contourW="38100" prstMaterial="matte">
+          <a:contourClr>
+            <a:schemeClr val="lt1"/>
+          </a:contourClr>
+        </a:sp3d>
+      </dsp:spPr>
+      <dsp:style>
+        <a:lnRef idx="0">
+          <a:scrgbClr r="0" g="0" b="0"/>
+        </a:lnRef>
+        <a:fillRef idx="1">
+          <a:scrgbClr r="0" g="0" b="0"/>
+        </a:fillRef>
+        <a:effectRef idx="0">
+          <a:scrgbClr r="0" g="0" b="0"/>
+        </a:effectRef>
+        <a:fontRef idx="minor">
+          <a:schemeClr val="lt1"/>
+        </a:fontRef>
+      </dsp:style>
+    </dsp:sp>
+    <dsp:sp modelId="{7E666CA4-5CBD-4C36-BAAC-654BA24805FD}">
+      <dsp:nvSpPr>
+        <dsp:cNvPr id="0" name=""/>
+        <dsp:cNvSpPr/>
+      </dsp:nvSpPr>
+      <dsp:spPr>
+        <a:xfrm>
+          <a:off x="2046231" y="1348002"/>
+          <a:ext cx="1387486" cy="971240"/>
+        </a:xfrm>
+        <a:prstGeom prst="rect">
+          <a:avLst/>
+        </a:prstGeom>
+        <a:noFill/>
+        <a:ln>
+          <a:noFill/>
+        </a:ln>
+        <a:effectLst/>
+      </dsp:spPr>
+      <dsp:style>
+        <a:lnRef idx="0">
+          <a:scrgbClr r="0" g="0" b="0"/>
+        </a:lnRef>
+        <a:fillRef idx="0">
+          <a:scrgbClr r="0" g="0" b="0"/>
+        </a:fillRef>
+        <a:effectRef idx="0">
+          <a:scrgbClr r="0" g="0" b="0"/>
+        </a:effectRef>
+        <a:fontRef idx="minor"/>
+      </dsp:style>
+      <dsp:txBody>
+        <a:bodyPr spcFirstLastPara="0" vert="horz" wrap="square" lIns="20320" tIns="20320" rIns="20320" bIns="20320" numCol="1" spcCol="1270" anchor="ctr" anchorCtr="0">
+          <a:noAutofit/>
+        </a:bodyPr>
+        <a:lstStyle/>
+        <a:p>
+          <a:pPr lvl="0" algn="ctr" defTabSz="711200">
+            <a:lnSpc>
+              <a:spcPct val="90000"/>
+            </a:lnSpc>
+            <a:spcBef>
+              <a:spcPct val="0"/>
+            </a:spcBef>
+            <a:spcAft>
+              <a:spcPct val="35000"/>
+            </a:spcAft>
+          </a:pPr>
+          <a:r>
+            <a:rPr lang="pt-BR" sz="1600" b="1" kern="1200" dirty="0" err="1" smtClean="0">
+              <a:solidFill>
+                <a:srgbClr val="7030A0"/>
+              </a:solidFill>
+            </a:rPr>
+            <a:t>Login</a:t>
+          </a:r>
+          <a:endParaRPr lang="pt-BR" sz="1600" b="1" kern="1200" dirty="0">
+            <a:solidFill>
+              <a:srgbClr val="7030A0"/>
+            </a:solidFill>
+          </a:endParaRPr>
+        </a:p>
+      </dsp:txBody>
+      <dsp:txXfrm>
+        <a:off x="2046231" y="1348002"/>
+        <a:ext cx="1387486" cy="971240"/>
+      </dsp:txXfrm>
+    </dsp:sp>
+    <dsp:sp modelId="{5510BB7F-E98E-4475-A087-C6391C783681}">
+      <dsp:nvSpPr>
+        <dsp:cNvPr id="0" name=""/>
+        <dsp:cNvSpPr/>
+      </dsp:nvSpPr>
+      <dsp:spPr>
+        <a:xfrm>
+          <a:off x="3266686" y="1376706"/>
+          <a:ext cx="508745" cy="971249"/>
+        </a:xfrm>
+        <a:prstGeom prst="chevron">
+          <a:avLst>
+            <a:gd name="adj" fmla="val 62310"/>
+          </a:avLst>
+        </a:prstGeom>
+        <a:solidFill>
+          <a:schemeClr val="accent3">
+            <a:hueOff val="46"/>
+            <a:satOff val="-16754"/>
+            <a:lumOff val="-3922"/>
+            <a:alphaOff val="0"/>
+          </a:schemeClr>
+        </a:solidFill>
+        <a:ln>
+          <a:noFill/>
+        </a:ln>
+        <a:effectLst/>
+        <a:sp3d z="-52400" extrusionH="181000" contourW="38100" prstMaterial="matte">
+          <a:contourClr>
+            <a:schemeClr val="lt1"/>
+          </a:contourClr>
+        </a:sp3d>
+      </dsp:spPr>
+      <dsp:style>
+        <a:lnRef idx="0">
+          <a:scrgbClr r="0" g="0" b="0"/>
+        </a:lnRef>
+        <a:fillRef idx="1">
+          <a:scrgbClr r="0" g="0" b="0"/>
+        </a:fillRef>
+        <a:effectRef idx="0">
+          <a:scrgbClr r="0" g="0" b="0"/>
+        </a:effectRef>
+        <a:fontRef idx="minor">
+          <a:schemeClr val="lt1"/>
+        </a:fontRef>
+      </dsp:style>
+    </dsp:sp>
+    <dsp:sp modelId="{AFD080A8-E866-41A1-B81A-578F566B068A}">
+      <dsp:nvSpPr>
+        <dsp:cNvPr id="0" name=""/>
+        <dsp:cNvSpPr/>
+      </dsp:nvSpPr>
+      <dsp:spPr>
+        <a:xfrm>
+          <a:off x="3942463" y="1348002"/>
+          <a:ext cx="1387486" cy="971240"/>
+        </a:xfrm>
+        <a:prstGeom prst="rect">
+          <a:avLst/>
+        </a:prstGeom>
+        <a:noFill/>
+        <a:ln>
+          <a:noFill/>
+        </a:ln>
+        <a:effectLst/>
+      </dsp:spPr>
+      <dsp:style>
+        <a:lnRef idx="0">
+          <a:scrgbClr r="0" g="0" b="0"/>
+        </a:lnRef>
+        <a:fillRef idx="0">
+          <a:scrgbClr r="0" g="0" b="0"/>
+        </a:fillRef>
+        <a:effectRef idx="0">
+          <a:scrgbClr r="0" g="0" b="0"/>
+        </a:effectRef>
+        <a:fontRef idx="minor"/>
+      </dsp:style>
+      <dsp:txBody>
+        <a:bodyPr spcFirstLastPara="0" vert="horz" wrap="square" lIns="20320" tIns="20320" rIns="20320" bIns="20320" numCol="1" spcCol="1270" anchor="ctr" anchorCtr="0">
+          <a:noAutofit/>
+        </a:bodyPr>
+        <a:lstStyle/>
+        <a:p>
+          <a:pPr lvl="0" algn="ctr" defTabSz="711200">
+            <a:lnSpc>
+              <a:spcPct val="90000"/>
+            </a:lnSpc>
+            <a:spcBef>
+              <a:spcPct val="0"/>
+            </a:spcBef>
+            <a:spcAft>
+              <a:spcPct val="35000"/>
+            </a:spcAft>
+          </a:pPr>
+          <a:r>
+            <a:rPr lang="pt-BR" sz="1600" b="1" kern="1200" dirty="0" smtClean="0">
+              <a:solidFill>
+                <a:srgbClr val="7030A0"/>
+              </a:solidFill>
+            </a:rPr>
+            <a:t>Serviço ativo</a:t>
+          </a:r>
+          <a:endParaRPr lang="pt-BR" sz="1600" b="1" kern="1200" dirty="0">
+            <a:solidFill>
+              <a:srgbClr val="7030A0"/>
+            </a:solidFill>
+          </a:endParaRPr>
+        </a:p>
+      </dsp:txBody>
+      <dsp:txXfrm>
+        <a:off x="3942463" y="1348002"/>
+        <a:ext cx="1387486" cy="971240"/>
+      </dsp:txXfrm>
+    </dsp:sp>
+    <dsp:sp modelId="{C5065143-8AF7-4AE9-A44E-5E4DF178427E}">
+      <dsp:nvSpPr>
+        <dsp:cNvPr id="0" name=""/>
+        <dsp:cNvSpPr/>
+      </dsp:nvSpPr>
+      <dsp:spPr>
+        <a:xfrm>
+          <a:off x="5138895" y="1376706"/>
+          <a:ext cx="508745" cy="971249"/>
+        </a:xfrm>
+        <a:prstGeom prst="chevron">
+          <a:avLst>
+            <a:gd name="adj" fmla="val 62310"/>
+          </a:avLst>
+        </a:prstGeom>
+        <a:solidFill>
+          <a:schemeClr val="accent3">
+            <a:hueOff val="91"/>
+            <a:satOff val="-33508"/>
+            <a:lumOff val="-7844"/>
+            <a:alphaOff val="0"/>
+          </a:schemeClr>
+        </a:solidFill>
+        <a:ln>
+          <a:noFill/>
+        </a:ln>
+        <a:effectLst/>
+        <a:sp3d z="-52400" extrusionH="181000" contourW="38100" prstMaterial="matte">
+          <a:contourClr>
+            <a:schemeClr val="lt1"/>
+          </a:contourClr>
+        </a:sp3d>
+      </dsp:spPr>
+      <dsp:style>
+        <a:lnRef idx="0">
+          <a:scrgbClr r="0" g="0" b="0"/>
+        </a:lnRef>
+        <a:fillRef idx="1">
+          <a:scrgbClr r="0" g="0" b="0"/>
+        </a:fillRef>
+        <a:effectRef idx="0">
+          <a:scrgbClr r="0" g="0" b="0"/>
+        </a:effectRef>
+        <a:fontRef idx="minor">
+          <a:schemeClr val="lt1"/>
+        </a:fontRef>
+      </dsp:style>
+    </dsp:sp>
+    <dsp:sp modelId="{731B2C02-8FA5-4821-B98E-CF94C3140B85}">
+      <dsp:nvSpPr>
+        <dsp:cNvPr id="0" name=""/>
+        <dsp:cNvSpPr/>
+      </dsp:nvSpPr>
+      <dsp:spPr>
+        <a:xfrm>
+          <a:off x="5838695" y="1348002"/>
+          <a:ext cx="1387486" cy="971240"/>
+        </a:xfrm>
+        <a:prstGeom prst="rect">
+          <a:avLst/>
+        </a:prstGeom>
+        <a:noFill/>
+        <a:ln>
+          <a:noFill/>
+        </a:ln>
+        <a:effectLst/>
+      </dsp:spPr>
+      <dsp:style>
+        <a:lnRef idx="0">
+          <a:scrgbClr r="0" g="0" b="0"/>
+        </a:lnRef>
+        <a:fillRef idx="0">
+          <a:scrgbClr r="0" g="0" b="0"/>
+        </a:fillRef>
+        <a:effectRef idx="0">
+          <a:scrgbClr r="0" g="0" b="0"/>
+        </a:effectRef>
+        <a:fontRef idx="minor"/>
+      </dsp:style>
+      <dsp:txBody>
+        <a:bodyPr spcFirstLastPara="0" vert="horz" wrap="square" lIns="20320" tIns="20320" rIns="20320" bIns="20320" numCol="1" spcCol="1270" anchor="ctr" anchorCtr="0">
+          <a:noAutofit/>
+        </a:bodyPr>
+        <a:lstStyle/>
+        <a:p>
+          <a:pPr lvl="0" algn="ctr" defTabSz="711200">
+            <a:lnSpc>
+              <a:spcPct val="90000"/>
+            </a:lnSpc>
+            <a:spcBef>
+              <a:spcPct val="0"/>
+            </a:spcBef>
+            <a:spcAft>
+              <a:spcPct val="35000"/>
+            </a:spcAft>
+          </a:pPr>
+          <a:r>
+            <a:rPr lang="pt-BR" sz="1600" b="1" kern="1200" dirty="0" smtClean="0">
+              <a:solidFill>
+                <a:srgbClr val="7030A0"/>
+              </a:solidFill>
+            </a:rPr>
+            <a:t>Regularidade de atividades acadêmicas</a:t>
+          </a:r>
+          <a:endParaRPr lang="pt-BR" sz="1600" b="1" kern="1200" dirty="0">
+            <a:solidFill>
+              <a:srgbClr val="7030A0"/>
+            </a:solidFill>
+          </a:endParaRPr>
+        </a:p>
+      </dsp:txBody>
+      <dsp:txXfrm>
+        <a:off x="5838695" y="1348002"/>
+        <a:ext cx="1387486" cy="971240"/>
+      </dsp:txXfrm>
+    </dsp:sp>
+    <dsp:sp modelId="{B9E275C6-562A-432D-BC53-BE29329C92C7}">
+      <dsp:nvSpPr>
+        <dsp:cNvPr id="0" name=""/>
+        <dsp:cNvSpPr/>
+      </dsp:nvSpPr>
+      <dsp:spPr>
+        <a:xfrm>
+          <a:off x="7226181" y="1347530"/>
+          <a:ext cx="508745" cy="971249"/>
+        </a:xfrm>
+        <a:prstGeom prst="chevron">
+          <a:avLst>
+            <a:gd name="adj" fmla="val 62310"/>
+          </a:avLst>
+        </a:prstGeom>
+        <a:solidFill>
+          <a:schemeClr val="accent3">
+            <a:hueOff val="137"/>
+            <a:satOff val="-50262"/>
+            <a:lumOff val="-11766"/>
+            <a:alphaOff val="0"/>
+          </a:schemeClr>
+        </a:solidFill>
+        <a:ln>
+          <a:noFill/>
+        </a:ln>
+        <a:effectLst/>
+        <a:sp3d z="-52400" extrusionH="181000" contourW="38100" prstMaterial="matte">
+          <a:contourClr>
+            <a:schemeClr val="lt1"/>
+          </a:contourClr>
+        </a:sp3d>
+      </dsp:spPr>
+      <dsp:style>
+        <a:lnRef idx="0">
+          <a:scrgbClr r="0" g="0" b="0"/>
+        </a:lnRef>
+        <a:fillRef idx="1">
+          <a:scrgbClr r="0" g="0" b="0"/>
+        </a:fillRef>
+        <a:effectRef idx="0">
+          <a:scrgbClr r="0" g="0" b="0"/>
+        </a:effectRef>
+        <a:fontRef idx="minor">
+          <a:schemeClr val="lt1"/>
+        </a:fontRef>
+      </dsp:style>
+    </dsp:sp>
+    <dsp:sp modelId="{BE15EE83-3B00-4A10-B193-E9EE791FF290}">
+      <dsp:nvSpPr>
+        <dsp:cNvPr id="0" name=""/>
+        <dsp:cNvSpPr/>
+      </dsp:nvSpPr>
+      <dsp:spPr>
+        <a:xfrm>
+          <a:off x="7838988" y="1278628"/>
+          <a:ext cx="1179363" cy="1179363"/>
+        </a:xfrm>
+        <a:prstGeom prst="ellipse">
+          <a:avLst/>
+        </a:prstGeom>
+        <a:solidFill>
+          <a:schemeClr val="accent3">
+            <a:hueOff val="137"/>
+            <a:satOff val="-50262"/>
+            <a:lumOff val="-11766"/>
+            <a:alphaOff val="0"/>
+          </a:schemeClr>
+        </a:solidFill>
+        <a:ln>
+          <a:noFill/>
+        </a:ln>
+        <a:effectLst/>
+        <a:sp3d extrusionH="381000" contourW="38100" prstMaterial="matte">
+          <a:contourClr>
+            <a:schemeClr val="lt1"/>
+          </a:contourClr>
+        </a:sp3d>
+      </dsp:spPr>
+      <dsp:style>
+        <a:lnRef idx="0">
+          <a:scrgbClr r="0" g="0" b="0"/>
+        </a:lnRef>
+        <a:fillRef idx="1">
+          <a:scrgbClr r="0" g="0" b="0"/>
+        </a:fillRef>
+        <a:effectRef idx="0">
+          <a:scrgbClr r="0" g="0" b="0"/>
+        </a:effectRef>
+        <a:fontRef idx="minor">
+          <a:schemeClr val="lt1"/>
+        </a:fontRef>
+      </dsp:style>
+      <dsp:txBody>
+        <a:bodyPr spcFirstLastPara="0" vert="horz" wrap="square" lIns="0" tIns="0" rIns="0" bIns="0" numCol="1" spcCol="1270" anchor="ctr" anchorCtr="0">
+          <a:noAutofit/>
+        </a:bodyPr>
+        <a:lstStyle/>
+        <a:p>
+          <a:pPr lvl="0" algn="ctr" defTabSz="711200">
+            <a:lnSpc>
+              <a:spcPct val="90000"/>
+            </a:lnSpc>
+            <a:spcBef>
+              <a:spcPct val="0"/>
+            </a:spcBef>
+            <a:spcAft>
+              <a:spcPct val="35000"/>
+            </a:spcAft>
+          </a:pPr>
+          <a:r>
+            <a:rPr lang="pt-BR" sz="1600" b="1" kern="1200" dirty="0" smtClean="0">
+              <a:ln>
+                <a:solidFill>
+                  <a:schemeClr val="accent6">
+                    <a:lumMod val="20000"/>
+                    <a:lumOff val="80000"/>
+                  </a:schemeClr>
+                </a:solidFill>
+              </a:ln>
+              <a:solidFill>
+                <a:srgbClr val="7030A0"/>
+              </a:solidFill>
+              <a:latin typeface="Calibri Light" pitchFamily="34" charset="0"/>
+              <a:ea typeface="Arial Unicode MS" pitchFamily="34" charset="-128"/>
+              <a:cs typeface="Arial Unicode MS" pitchFamily="34" charset="-128"/>
+            </a:rPr>
+            <a:t>Disparo</a:t>
+          </a:r>
+          <a:endParaRPr lang="pt-BR" sz="1600" b="1" kern="1200" dirty="0">
+            <a:ln>
+              <a:solidFill>
+                <a:schemeClr val="accent6">
+                  <a:lumMod val="20000"/>
+                  <a:lumOff val="80000"/>
+                </a:schemeClr>
+              </a:solidFill>
+            </a:ln>
+            <a:solidFill>
+              <a:srgbClr val="7030A0"/>
+            </a:solidFill>
+            <a:latin typeface="Calibri Light" pitchFamily="34" charset="0"/>
+            <a:ea typeface="Arial Unicode MS" pitchFamily="34" charset="-128"/>
+            <a:cs typeface="Arial Unicode MS" pitchFamily="34" charset="-128"/>
+          </a:endParaRPr>
+        </a:p>
+      </dsp:txBody>
+      <dsp:txXfrm>
+        <a:off x="8011702" y="1451342"/>
+        <a:ext cx="833935" cy="833935"/>
+      </dsp:txXfrm>
+    </dsp:sp>
+    <dsp:sp modelId="{E051B2E9-E0F1-4F67-B203-7076EBD6126A}">
+      <dsp:nvSpPr>
+        <dsp:cNvPr id="0" name=""/>
+        <dsp:cNvSpPr/>
+      </dsp:nvSpPr>
+      <dsp:spPr>
+        <a:xfrm>
+          <a:off x="7734926" y="2537319"/>
+          <a:ext cx="1387486" cy="855616"/>
+        </a:xfrm>
+        <a:prstGeom prst="rect">
+          <a:avLst/>
+        </a:prstGeom>
+        <a:blipFill rotWithShape="0">
+          <a:blip xmlns:r="http://schemas.openxmlformats.org/officeDocument/2006/relationships" r:embed="rId1"/>
+          <a:stretch>
+            <a:fillRect/>
+          </a:stretch>
+        </a:blipFill>
+        <a:ln>
+          <a:noFill/>
+        </a:ln>
+        <a:effectLst/>
+      </dsp:spPr>
+      <dsp:style>
+        <a:lnRef idx="0">
+          <a:scrgbClr r="0" g="0" b="0"/>
+        </a:lnRef>
+        <a:fillRef idx="0">
+          <a:scrgbClr r="0" g="0" b="0"/>
+        </a:fillRef>
+        <a:effectRef idx="0">
+          <a:scrgbClr r="0" g="0" b="0"/>
+        </a:effectRef>
+        <a:fontRef idx="minor"/>
+      </dsp:style>
+      <dsp:txBody>
+        <a:bodyPr spcFirstLastPara="0" vert="horz" wrap="square" lIns="25400" tIns="25400" rIns="25400" bIns="25400" numCol="1" spcCol="1270" anchor="ctr" anchorCtr="0">
+          <a:noAutofit/>
+        </a:bodyPr>
+        <a:lstStyle/>
+        <a:p>
+          <a:pPr lvl="0" algn="ctr" defTabSz="889000">
+            <a:lnSpc>
+              <a:spcPct val="90000"/>
+            </a:lnSpc>
+            <a:spcBef>
+              <a:spcPct val="0"/>
+            </a:spcBef>
+            <a:spcAft>
+              <a:spcPct val="35000"/>
+            </a:spcAft>
+          </a:pPr>
+          <a:r>
+            <a:rPr lang="pt-BR" sz="2000" kern="1200" dirty="0" smtClean="0"/>
+            <a:t>Ação</a:t>
+          </a:r>
+          <a:endParaRPr lang="pt-BR" sz="2000" kern="1200" dirty="0"/>
+        </a:p>
+      </dsp:txBody>
+      <dsp:txXfrm>
+        <a:off x="7734926" y="2537319"/>
+        <a:ext cx="1387486" cy="855616"/>
       </dsp:txXfrm>
     </dsp:sp>
   </dsp:spTree>
@@ -18429,6 +21296,666 @@
 </dgm:layoutDef>
 </file>
 
+<file path=ppt/diagrams/layout7.xml><?xml version="1.0" encoding="utf-8"?>
+<dgm:layoutDef xmlns:dgm="http://schemas.openxmlformats.org/drawingml/2006/diagram" xmlns:a="http://schemas.openxmlformats.org/drawingml/2006/main" uniqueId="urn:microsoft.com/office/officeart/2009/3/layout/RandomtoResultProcess">
+  <dgm:title val=""/>
+  <dgm:desc val=""/>
+  <dgm:catLst>
+    <dgm:cat type="process" pri="12750"/>
+  </dgm:catLst>
+  <dgm:sampData>
+    <dgm:dataModel>
+      <dgm:ptLst>
+        <dgm:pt modelId="0" type="doc"/>
+        <dgm:pt modelId="1">
+          <dgm:prSet phldr="1"/>
+        </dgm:pt>
+        <dgm:pt modelId="11">
+          <dgm:prSet phldr="1"/>
+        </dgm:pt>
+        <dgm:pt modelId="2">
+          <dgm:prSet phldr="1"/>
+        </dgm:pt>
+        <dgm:pt modelId="21">
+          <dgm:prSet phldr="1"/>
+        </dgm:pt>
+      </dgm:ptLst>
+      <dgm:cxnLst>
+        <dgm:cxn modelId="4" srcId="0" destId="1" srcOrd="0" destOrd="0"/>
+        <dgm:cxn modelId="41" srcId="1" destId="11" srcOrd="0" destOrd="0"/>
+        <dgm:cxn modelId="5" srcId="0" destId="2" srcOrd="0" destOrd="0"/>
+        <dgm:cxn modelId="51" srcId="2" destId="21" srcOrd="0" destOrd="0"/>
+      </dgm:cxnLst>
+      <dgm:bg/>
+      <dgm:whole/>
+    </dgm:dataModel>
+  </dgm:sampData>
+  <dgm:styleData>
+    <dgm:dataModel>
+      <dgm:ptLst>
+        <dgm:pt modelId="0" type="doc"/>
+        <dgm:pt modelId="1">
+          <dgm:prSet phldr="1"/>
+        </dgm:pt>
+        <dgm:pt modelId="2">
+          <dgm:prSet phldr="1"/>
+        </dgm:pt>
+      </dgm:ptLst>
+      <dgm:cxnLst>
+        <dgm:cxn modelId="3" srcId="0" destId="1" srcOrd="0" destOrd="0"/>
+        <dgm:cxn modelId="4" srcId="0" destId="2" srcOrd="1" destOrd="0"/>
+      </dgm:cxnLst>
+      <dgm:bg/>
+      <dgm:whole/>
+    </dgm:dataModel>
+  </dgm:styleData>
+  <dgm:clrData>
+    <dgm:dataModel>
+      <dgm:ptLst>
+        <dgm:pt modelId="0" type="doc"/>
+        <dgm:pt modelId="1">
+          <dgm:prSet phldr="1"/>
+        </dgm:pt>
+        <dgm:pt modelId="2">
+          <dgm:prSet phldr="1"/>
+        </dgm:pt>
+      </dgm:ptLst>
+      <dgm:cxnLst>
+        <dgm:cxn modelId="3" srcId="0" destId="1" srcOrd="0" destOrd="0"/>
+        <dgm:cxn modelId="4" srcId="0" destId="2" srcOrd="1" destOrd="0"/>
+      </dgm:cxnLst>
+      <dgm:bg/>
+      <dgm:whole/>
+    </dgm:dataModel>
+  </dgm:clrData>
+  <dgm:layoutNode name="Name0">
+    <dgm:varLst>
+      <dgm:dir/>
+      <dgm:animOne val="branch"/>
+      <dgm:animLvl val="lvl"/>
+    </dgm:varLst>
+    <dgm:choose name="Name1">
+      <dgm:if name="Name2" func="var" arg="dir" op="equ" val="norm">
+        <dgm:alg type="lin">
+          <dgm:param type="fallback" val="2D"/>
+          <dgm:param type="nodeVertAlign" val="t"/>
+        </dgm:alg>
+      </dgm:if>
+      <dgm:else name="Name3">
+        <dgm:alg type="lin">
+          <dgm:param type="fallback" val="2D"/>
+          <dgm:param type="nodeVertAlign" val="t"/>
+          <dgm:param type="linDir" val="fromR"/>
+        </dgm:alg>
+      </dgm:else>
+    </dgm:choose>
+    <dgm:shape xmlns:r="http://schemas.openxmlformats.org/officeDocument/2006/relationships" r:blip="">
+      <dgm:adjLst/>
+    </dgm:shape>
+    <dgm:constrLst>
+      <dgm:constr type="userH" refType="h" fact="2"/>
+      <dgm:constr type="w" for="ch" forName="chaos" refType="userH" fact="0.681"/>
+      <dgm:constr type="h" for="ch" forName="chaos" refType="userH"/>
+      <dgm:constr type="w" for="ch" forName="middle" refType="userH" fact="0.6"/>
+      <dgm:constr type="h" for="ch" forName="middle" refType="userH"/>
+      <dgm:constr type="w" for="ch" forName="last" refType="userH" fact="0.6"/>
+      <dgm:constr type="h" for="ch" forName="last" refType="userH"/>
+      <dgm:constr type="w" for="ch" forName="chevronComposite1" refType="userH" fact="0.22"/>
+      <dgm:constr type="h" for="ch" forName="chevronComposite1" refType="userH" fact="0.52"/>
+      <dgm:constr type="w" for="ch" forName="chevronComposite2" refType="userH" fact="0.22"/>
+      <dgm:constr type="h" for="ch" forName="chevronComposite2" refType="userH" fact="0.52"/>
+      <dgm:constr type="w" for="ch" forName="overlap" refType="userH" fact="-0.04"/>
+      <dgm:constr type="h" for="ch" forName="overlap" refType="userH" fact="0.06"/>
+      <dgm:constr type="primFontSz" for="des" forName="parTx1" op="equ" val="65"/>
+      <dgm:constr type="primFontSz" for="des" forName="parTxMid" refType="primFontSz" refFor="des" refForName="parTx1" op="equ"/>
+      <dgm:constr type="primFontSz" for="des" forName="circleTx" refType="primFontSz" refFor="des" refForName="parTx1" op="equ"/>
+      <dgm:constr type="primFontSz" for="des" forName="desTx1" op="equ" val="65"/>
+      <dgm:constr type="primFontSz" for="des" forName="desTxMid" refType="primFontSz" refFor="des" refForName="desTx1" op="equ"/>
+      <dgm:constr type="primFontSz" for="des" forName="desTxN" refType="primFontSz" refFor="des" refForName="desTx1" op="equ"/>
+    </dgm:constrLst>
+    <dgm:forEach name="Name4" axis="ch" ptType="node">
+      <dgm:choose name="Name5">
+        <dgm:if name="Name6" axis="self" ptType="node" func="pos" op="equ" val="1">
+          <dgm:layoutNode name="chaos">
+            <dgm:alg type="composite"/>
+            <dgm:shape xmlns:r="http://schemas.openxmlformats.org/officeDocument/2006/relationships" r:blip="">
+              <dgm:adjLst/>
+            </dgm:shape>
+            <dgm:presOf/>
+            <dgm:constrLst>
+              <dgm:constr type="ctrX" for="ch" forName="parTx1" refType="w" fact="0.5"/>
+              <dgm:constr type="t" for="ch" forName="parTx1" refType="w" fact="0.32"/>
+              <dgm:constr type="w" for="ch" forName="parTx1" refType="w" fact="0.88"/>
+              <dgm:constr type="h" for="ch" forName="parTx1" refType="w" fact="0.29"/>
+              <dgm:constr type="ctrX" for="ch" forName="desTx1" refType="w" fact="0.5"/>
+              <dgm:constr type="b" for="ch" forName="desTx1" refType="h"/>
+              <dgm:constr type="w" for="ch" forName="desTx1" refType="w" fact="0.88"/>
+              <dgm:constr type="h" for="ch" forName="desTx1" refType="h" fact="0.37"/>
+              <dgm:constr type="l" for="ch" forName="c1" refType="w" fact="0.05"/>
+              <dgm:constr type="t" for="ch" forName="c1" refType="w" fact="0.23"/>
+              <dgm:constr type="w" for="ch" forName="c1" refType="w" fact="0.07"/>
+              <dgm:constr type="h" for="ch" forName="c1" refType="w" refFor="ch" refForName="c1"/>
+              <dgm:constr type="l" for="ch" forName="c2" refType="w" fact="0.1"/>
+              <dgm:constr type="t" for="ch" forName="c2" refType="w" fact="0.13"/>
+              <dgm:constr type="w" for="ch" forName="c2" refType="w" fact="0.07"/>
+              <dgm:constr type="h" for="ch" forName="c2" refType="w" refFor="ch" refForName="c2"/>
+              <dgm:constr type="l" for="ch" forName="c3" refType="w" fact="0.22"/>
+              <dgm:constr type="t" for="ch" forName="c3" refType="w" fact="0.15"/>
+              <dgm:constr type="w" for="ch" forName="c3" refType="w" fact="0.11"/>
+              <dgm:constr type="h" for="ch" forName="c3" refType="w" refFor="ch" refForName="c3"/>
+              <dgm:constr type="l" for="ch" forName="c4" refType="w" fact="0.32"/>
+              <dgm:constr type="t" for="ch" forName="c4" refType="w" fact="0.04"/>
+              <dgm:constr type="w" for="ch" forName="c4" refType="w" fact="0.07"/>
+              <dgm:constr type="h" for="ch" forName="c4" refType="w" refFor="ch" refForName="c4"/>
+              <dgm:constr type="l" for="ch" forName="c5" refType="w" fact="0.45"/>
+              <dgm:constr type="t" for="ch" forName="c5" refType="w" fact="0"/>
+              <dgm:constr type="w" for="ch" forName="c5" refType="w" fact="0.07"/>
+              <dgm:constr type="h" for="ch" forName="c5" refType="w" refFor="ch" refForName="c5"/>
+              <dgm:constr type="l" for="ch" forName="c6" refType="w" fact="0.61"/>
+              <dgm:constr type="t" for="ch" forName="c6" refType="w" fact="0.07"/>
+              <dgm:constr type="w" for="ch" forName="c6" refType="w" fact="0.07"/>
+              <dgm:constr type="h" for="ch" forName="c6" refType="w" refFor="ch" refForName="c6"/>
+              <dgm:constr type="l" for="ch" forName="c7" refType="w" fact="0.71"/>
+              <dgm:constr type="t" for="ch" forName="c7" refType="w" fact="0.12"/>
+              <dgm:constr type="w" for="ch" forName="c7" refType="w" fact="0.11"/>
+              <dgm:constr type="h" for="ch" forName="c7" refType="w" refFor="ch" refForName="c7"/>
+              <dgm:constr type="l" for="ch" forName="c8" refType="w" fact="0.85"/>
+              <dgm:constr type="t" for="ch" forName="c8" refType="w" fact="0.23"/>
+              <dgm:constr type="w" for="ch" forName="c8" refType="w" fact="0.07"/>
+              <dgm:constr type="h" for="ch" forName="c8" refType="w" refFor="ch" refForName="c8"/>
+              <dgm:constr type="l" for="ch" forName="c9" refType="w" fact="0.91"/>
+              <dgm:constr type="t" for="ch" forName="c9" refType="w" fact="0.34"/>
+              <dgm:constr type="w" for="ch" forName="c9" refType="w" fact="0.07"/>
+              <dgm:constr type="h" for="ch" forName="c9" refType="w" refFor="ch" refForName="c9"/>
+              <dgm:constr type="l" for="ch" forName="c10" refType="w" fact="0.39"/>
+              <dgm:constr type="t" for="ch" forName="c10" refType="w" fact="0.13"/>
+              <dgm:constr type="w" for="ch" forName="c10" refType="w" fact="0.18"/>
+              <dgm:constr type="h" for="ch" forName="c10" refType="w" refFor="ch" refForName="c10"/>
+              <dgm:constr type="l" for="ch" forName="c11" refType="w" fact="0"/>
+              <dgm:constr type="t" for="ch" forName="c11" refType="w" fact="0.51"/>
+              <dgm:constr type="w" for="ch" forName="c11" refType="w" fact="0.07"/>
+              <dgm:constr type="h" for="ch" forName="c11" refType="w" refFor="ch" refForName="c11"/>
+              <dgm:constr type="l" for="ch" forName="c12" refType="w" fact="0.06"/>
+              <dgm:constr type="t" for="ch" forName="c12" refType="w" fact="0.6"/>
+              <dgm:constr type="w" for="ch" forName="c12" refType="w" fact="0.11"/>
+              <dgm:constr type="h" for="ch" forName="c12" refType="w" refFor="ch" refForName="c12"/>
+              <dgm:constr type="l" for="ch" forName="c13" refType="w" fact="0.21"/>
+              <dgm:constr type="t" for="ch" forName="c13" refType="w" fact="0.68"/>
+              <dgm:constr type="w" for="ch" forName="c13" refType="w" fact="0.16"/>
+              <dgm:constr type="h" for="ch" forName="c13" refType="w" refFor="ch" refForName="c13"/>
+              <dgm:constr type="l" for="ch" forName="c14" refType="w" fact="0.42"/>
+              <dgm:constr type="t" for="ch" forName="c14" refType="w" fact="0.81"/>
+              <dgm:constr type="w" for="ch" forName="c14" refType="w" fact="0.07"/>
+              <dgm:constr type="h" for="ch" forName="c14" refType="w" refFor="ch" refForName="c14"/>
+              <dgm:constr type="l" for="ch" forName="c15" refType="w" fact="0.46"/>
+              <dgm:constr type="t" for="ch" forName="c15" refType="w" fact="0.68"/>
+              <dgm:constr type="w" for="ch" forName="c15" refType="w" fact="0.11"/>
+              <dgm:constr type="h" for="ch" forName="c15" refType="w" refFor="ch" refForName="c15"/>
+              <dgm:constr type="l" for="ch" forName="c16" refType="w" fact="0.56"/>
+              <dgm:constr type="t" for="ch" forName="c16" refType="w" fact="0.82"/>
+              <dgm:constr type="w" for="ch" forName="c16" refType="w" fact="0.07"/>
+              <dgm:constr type="h" for="ch" forName="c16" refType="w" refFor="ch" refForName="c16"/>
+              <dgm:constr type="l" for="ch" forName="c17" refType="w" fact="0.65"/>
+              <dgm:constr type="t" for="ch" forName="c17" refType="w" fact="0.66"/>
+              <dgm:constr type="w" for="ch" forName="c17" refType="w" fact="0.16"/>
+              <dgm:constr type="h" for="ch" forName="c17" refType="w" refFor="ch" refForName="c17"/>
+              <dgm:constr type="l" for="ch" forName="c18" refType="w" fact="0.87"/>
+              <dgm:constr type="t" for="ch" forName="c18" refType="w" fact="0.62"/>
+              <dgm:constr type="w" for="ch" forName="c18" refType="w" fact="0.11"/>
+              <dgm:constr type="h" for="ch" forName="c18" refType="w" refFor="ch" refForName="c18"/>
+            </dgm:constrLst>
+            <dgm:layoutNode name="parTx1" styleLbl="revTx">
+              <dgm:alg type="tx"/>
+              <dgm:shape xmlns:r="http://schemas.openxmlformats.org/officeDocument/2006/relationships" type="rect" r:blip="">
+                <dgm:adjLst/>
+              </dgm:shape>
+              <dgm:presOf axis="self" ptType="node"/>
+              <dgm:constrLst>
+                <dgm:constr type="lMarg" refType="primFontSz" fact="0.1"/>
+                <dgm:constr type="rMarg" refType="primFontSz" fact="0.1"/>
+                <dgm:constr type="tMarg" refType="primFontSz" fact="0.1"/>
+                <dgm:constr type="bMarg" refType="primFontSz" fact="0.1"/>
+              </dgm:constrLst>
+              <dgm:ruleLst>
+                <dgm:rule type="primFontSz" val="5" fact="NaN" max="NaN"/>
+              </dgm:ruleLst>
+            </dgm:layoutNode>
+            <dgm:choose name="Name7">
+              <dgm:if name="Name8" axis="ch" ptType="node" func="cnt" op="gte" val="1">
+                <dgm:layoutNode name="desTx1" styleLbl="revTx">
+                  <dgm:varLst>
+                    <dgm:bulletEnabled val="1"/>
+                  </dgm:varLst>
+                  <dgm:choose name="Name9">
+                    <dgm:if name="Name10" axis="ch" ptType="node" func="cnt" op="equ" val="1">
+                      <dgm:alg type="tx">
+                        <dgm:param type="shpTxLTRAlignCh" val="l"/>
+                      </dgm:alg>
+                    </dgm:if>
+                    <dgm:else name="Name11">
+                      <dgm:alg type="tx">
+                        <dgm:param type="shpTxLTRAlignCh" val="l"/>
+                        <dgm:param type="stBulletLvl" val="1"/>
+                      </dgm:alg>
+                    </dgm:else>
+                  </dgm:choose>
+                  <dgm:shape xmlns:r="http://schemas.openxmlformats.org/officeDocument/2006/relationships" type="rect" r:blip="">
+                    <dgm:adjLst/>
+                  </dgm:shape>
+                  <dgm:presOf axis="des" ptType="node"/>
+                  <dgm:constrLst>
+                    <dgm:constr type="lMarg" refType="primFontSz" fact="0.1"/>
+                    <dgm:constr type="rMarg" refType="primFontSz" fact="0.1"/>
+                    <dgm:constr type="tMarg" refType="primFontSz" fact="0.1"/>
+                    <dgm:constr type="bMarg" refType="primFontSz" fact="0.1"/>
+                  </dgm:constrLst>
+                  <dgm:ruleLst>
+                    <dgm:rule type="primFontSz" val="5" fact="NaN" max="NaN"/>
+                  </dgm:ruleLst>
+                </dgm:layoutNode>
+              </dgm:if>
+              <dgm:else name="Name12"/>
+            </dgm:choose>
+            <dgm:layoutNode name="c1" styleLbl="node1">
+              <dgm:alg type="sp"/>
+              <dgm:shape xmlns:r="http://schemas.openxmlformats.org/officeDocument/2006/relationships" type="ellipse" r:blip="">
+                <dgm:adjLst/>
+              </dgm:shape>
+              <dgm:presOf/>
+            </dgm:layoutNode>
+            <dgm:layoutNode name="c2" styleLbl="node1">
+              <dgm:alg type="sp"/>
+              <dgm:shape xmlns:r="http://schemas.openxmlformats.org/officeDocument/2006/relationships" type="ellipse" r:blip="">
+                <dgm:adjLst/>
+              </dgm:shape>
+              <dgm:presOf/>
+            </dgm:layoutNode>
+            <dgm:layoutNode name="c3" styleLbl="node1">
+              <dgm:alg type="sp"/>
+              <dgm:shape xmlns:r="http://schemas.openxmlformats.org/officeDocument/2006/relationships" type="ellipse" r:blip="">
+                <dgm:adjLst/>
+              </dgm:shape>
+              <dgm:presOf/>
+            </dgm:layoutNode>
+            <dgm:layoutNode name="c4" styleLbl="node1">
+              <dgm:alg type="sp"/>
+              <dgm:shape xmlns:r="http://schemas.openxmlformats.org/officeDocument/2006/relationships" type="ellipse" r:blip="">
+                <dgm:adjLst/>
+              </dgm:shape>
+              <dgm:presOf/>
+            </dgm:layoutNode>
+            <dgm:layoutNode name="c5" styleLbl="node1">
+              <dgm:alg type="sp"/>
+              <dgm:shape xmlns:r="http://schemas.openxmlformats.org/officeDocument/2006/relationships" type="ellipse" r:blip="">
+                <dgm:adjLst/>
+              </dgm:shape>
+              <dgm:presOf/>
+            </dgm:layoutNode>
+            <dgm:layoutNode name="c6" styleLbl="node1">
+              <dgm:alg type="sp"/>
+              <dgm:shape xmlns:r="http://schemas.openxmlformats.org/officeDocument/2006/relationships" type="ellipse" r:blip="">
+                <dgm:adjLst/>
+              </dgm:shape>
+              <dgm:presOf/>
+            </dgm:layoutNode>
+            <dgm:layoutNode name="c7" styleLbl="node1">
+              <dgm:alg type="sp"/>
+              <dgm:shape xmlns:r="http://schemas.openxmlformats.org/officeDocument/2006/relationships" type="ellipse" r:blip="">
+                <dgm:adjLst/>
+              </dgm:shape>
+              <dgm:presOf/>
+            </dgm:layoutNode>
+            <dgm:layoutNode name="c8" styleLbl="node1">
+              <dgm:alg type="sp"/>
+              <dgm:shape xmlns:r="http://schemas.openxmlformats.org/officeDocument/2006/relationships" type="ellipse" r:blip="">
+                <dgm:adjLst/>
+              </dgm:shape>
+              <dgm:presOf/>
+            </dgm:layoutNode>
+            <dgm:layoutNode name="c9" styleLbl="node1">
+              <dgm:alg type="sp"/>
+              <dgm:shape xmlns:r="http://schemas.openxmlformats.org/officeDocument/2006/relationships" type="ellipse" r:blip="">
+                <dgm:adjLst/>
+              </dgm:shape>
+              <dgm:presOf/>
+            </dgm:layoutNode>
+            <dgm:layoutNode name="c10" styleLbl="node1">
+              <dgm:alg type="sp"/>
+              <dgm:shape xmlns:r="http://schemas.openxmlformats.org/officeDocument/2006/relationships" type="ellipse" r:blip="">
+                <dgm:adjLst/>
+              </dgm:shape>
+              <dgm:presOf/>
+            </dgm:layoutNode>
+            <dgm:layoutNode name="c11" styleLbl="node1">
+              <dgm:alg type="sp"/>
+              <dgm:shape xmlns:r="http://schemas.openxmlformats.org/officeDocument/2006/relationships" type="ellipse" r:blip="">
+                <dgm:adjLst/>
+              </dgm:shape>
+              <dgm:presOf/>
+            </dgm:layoutNode>
+            <dgm:layoutNode name="c12" styleLbl="node1">
+              <dgm:alg type="sp"/>
+              <dgm:shape xmlns:r="http://schemas.openxmlformats.org/officeDocument/2006/relationships" type="ellipse" r:blip="">
+                <dgm:adjLst/>
+              </dgm:shape>
+              <dgm:presOf/>
+            </dgm:layoutNode>
+            <dgm:layoutNode name="c13" styleLbl="node1">
+              <dgm:alg type="sp"/>
+              <dgm:shape xmlns:r="http://schemas.openxmlformats.org/officeDocument/2006/relationships" type="ellipse" r:blip="">
+                <dgm:adjLst/>
+              </dgm:shape>
+              <dgm:presOf/>
+            </dgm:layoutNode>
+            <dgm:layoutNode name="c14" styleLbl="node1">
+              <dgm:alg type="sp"/>
+              <dgm:shape xmlns:r="http://schemas.openxmlformats.org/officeDocument/2006/relationships" type="ellipse" r:blip="">
+                <dgm:adjLst/>
+              </dgm:shape>
+              <dgm:presOf/>
+            </dgm:layoutNode>
+            <dgm:layoutNode name="c15" styleLbl="node1">
+              <dgm:alg type="sp"/>
+              <dgm:shape xmlns:r="http://schemas.openxmlformats.org/officeDocument/2006/relationships" type="ellipse" r:blip="">
+                <dgm:adjLst/>
+              </dgm:shape>
+              <dgm:presOf/>
+            </dgm:layoutNode>
+            <dgm:layoutNode name="c16" styleLbl="node1">
+              <dgm:alg type="sp"/>
+              <dgm:shape xmlns:r="http://schemas.openxmlformats.org/officeDocument/2006/relationships" type="ellipse" r:blip="">
+                <dgm:adjLst/>
+              </dgm:shape>
+              <dgm:presOf/>
+            </dgm:layoutNode>
+            <dgm:layoutNode name="c17" styleLbl="node1">
+              <dgm:alg type="sp"/>
+              <dgm:shape xmlns:r="http://schemas.openxmlformats.org/officeDocument/2006/relationships" type="ellipse" r:blip="">
+                <dgm:adjLst/>
+              </dgm:shape>
+              <dgm:presOf/>
+            </dgm:layoutNode>
+            <dgm:layoutNode name="c18" styleLbl="node1">
+              <dgm:alg type="sp"/>
+              <dgm:shape xmlns:r="http://schemas.openxmlformats.org/officeDocument/2006/relationships" type="ellipse" r:blip="">
+                <dgm:adjLst/>
+              </dgm:shape>
+              <dgm:presOf/>
+            </dgm:layoutNode>
+          </dgm:layoutNode>
+        </dgm:if>
+        <dgm:if name="Name13" axis="self" ptType="node" func="revPos" op="equ" val="1">
+          <dgm:layoutNode name="last">
+            <dgm:alg type="composite"/>
+            <dgm:shape xmlns:r="http://schemas.openxmlformats.org/officeDocument/2006/relationships" r:blip="">
+              <dgm:adjLst/>
+            </dgm:shape>
+            <dgm:presOf/>
+            <dgm:constrLst>
+              <dgm:constr type="ctrX" for="ch" forName="circleTx" refType="w" fact="0.5"/>
+              <dgm:constr type="t" for="ch" forName="circleTx" refType="w" fact="0.117"/>
+              <dgm:constr type="w" for="ch" forName="circleTx" refType="h" refFor="ch" refForName="circleTx"/>
+              <dgm:constr type="h" for="ch" forName="circleTx" refType="w" fact="0.85"/>
+              <dgm:constr type="l" for="ch" forName="desTxN"/>
+              <dgm:constr type="b" for="ch" forName="desTxN" refType="h"/>
+              <dgm:constr type="w" for="ch" forName="desTxN" refType="w"/>
+              <dgm:constr type="h" for="ch" forName="desTxN" refType="h" fact="0.37"/>
+              <dgm:constr type="ctrX" for="ch" forName="spN" refType="w" fact="0.5"/>
+              <dgm:constr type="t" for="ch" forName="spN"/>
+              <dgm:constr type="w" for="ch" forName="spN" refType="w" fact="0.93"/>
+              <dgm:constr type="h" for="ch" forName="spN" refType="h" fact="0.01"/>
+            </dgm:constrLst>
+            <dgm:layoutNode name="circleTx" styleLbl="node1">
+              <dgm:alg type="tx"/>
+              <dgm:shape xmlns:r="http://schemas.openxmlformats.org/officeDocument/2006/relationships" type="ellipse" r:blip="">
+                <dgm:adjLst/>
+              </dgm:shape>
+              <dgm:presOf axis="self" ptType="node"/>
+              <dgm:constrLst>
+                <dgm:constr type="lMarg"/>
+                <dgm:constr type="rMarg"/>
+                <dgm:constr type="tMarg"/>
+                <dgm:constr type="bMarg"/>
+              </dgm:constrLst>
+              <dgm:ruleLst>
+                <dgm:rule type="primFontSz" val="5" fact="NaN" max="NaN"/>
+              </dgm:ruleLst>
+            </dgm:layoutNode>
+            <dgm:choose name="Name14">
+              <dgm:if name="Name15" axis="ch" ptType="node" func="cnt" op="gte" val="1">
+                <dgm:layoutNode name="desTxN" styleLbl="revTx">
+                  <dgm:varLst>
+                    <dgm:bulletEnabled val="1"/>
+                  </dgm:varLst>
+                  <dgm:choose name="Name16">
+                    <dgm:if name="Name17" axis="ch" ptType="node" func="cnt" op="equ" val="1">
+                      <dgm:alg type="tx">
+                        <dgm:param type="shpTxLTRAlignCh" val="l"/>
+                      </dgm:alg>
+                    </dgm:if>
+                    <dgm:else name="Name18">
+                      <dgm:alg type="tx">
+                        <dgm:param type="shpTxLTRAlignCh" val="l"/>
+                        <dgm:param type="stBulletLvl" val="1"/>
+                      </dgm:alg>
+                    </dgm:else>
+                  </dgm:choose>
+                  <dgm:shape xmlns:r="http://schemas.openxmlformats.org/officeDocument/2006/relationships" type="rect" r:blip="">
+                    <dgm:adjLst/>
+                  </dgm:shape>
+                  <dgm:presOf axis="des" ptType="node"/>
+                  <dgm:constrLst>
+                    <dgm:constr type="lMarg" refType="primFontSz" fact="0.1"/>
+                    <dgm:constr type="rMarg" refType="primFontSz" fact="0.1"/>
+                    <dgm:constr type="tMarg" refType="primFontSz" fact="0.1"/>
+                    <dgm:constr type="bMarg" refType="primFontSz" fact="0.1"/>
+                  </dgm:constrLst>
+                  <dgm:ruleLst>
+                    <dgm:rule type="primFontSz" val="5" fact="NaN" max="NaN"/>
+                  </dgm:ruleLst>
+                </dgm:layoutNode>
+              </dgm:if>
+              <dgm:else name="Name19"/>
+            </dgm:choose>
+            <dgm:layoutNode name="spN">
+              <dgm:alg type="sp"/>
+              <dgm:shape xmlns:r="http://schemas.openxmlformats.org/officeDocument/2006/relationships" r:blip="">
+                <dgm:adjLst/>
+              </dgm:shape>
+              <dgm:presOf/>
+            </dgm:layoutNode>
+          </dgm:layoutNode>
+        </dgm:if>
+        <dgm:else name="Name20">
+          <dgm:layoutNode name="middle">
+            <dgm:alg type="composite"/>
+            <dgm:shape xmlns:r="http://schemas.openxmlformats.org/officeDocument/2006/relationships" r:blip="">
+              <dgm:adjLst/>
+            </dgm:shape>
+            <dgm:presOf/>
+            <dgm:constrLst>
+              <dgm:constr type="l" for="ch" forName="parTxMid"/>
+              <dgm:constr type="t" for="ch" forName="parTxMid" refType="w" fact="0.167"/>
+              <dgm:constr type="w" for="ch" forName="parTxMid" refType="w"/>
+              <dgm:constr type="h" for="ch" forName="parTxMid" refType="w" fact="0.7"/>
+              <dgm:constr type="l" for="ch" forName="desTxMid"/>
+              <dgm:constr type="b" for="ch" forName="desTxMid" refType="h"/>
+              <dgm:constr type="w" for="ch" forName="desTxMid" refType="w"/>
+              <dgm:constr type="h" for="ch" forName="desTxMid" refType="h" fact="0.37"/>
+              <dgm:constr type="ctrX" for="ch" forName="spMid" refType="w" fact="0.5"/>
+              <dgm:constr type="t" for="ch" forName="spMid"/>
+              <dgm:constr type="w" for="ch" forName="spMid" refType="w" fact="0.01"/>
+              <dgm:constr type="h" for="ch" forName="spMid" refType="h" fact="0.01"/>
+            </dgm:constrLst>
+            <dgm:layoutNode name="parTxMid" styleLbl="revTx">
+              <dgm:alg type="tx"/>
+              <dgm:shape xmlns:r="http://schemas.openxmlformats.org/officeDocument/2006/relationships" type="rect" r:blip="">
+                <dgm:adjLst/>
+              </dgm:shape>
+              <dgm:presOf axis="self" ptType="node"/>
+              <dgm:constrLst>
+                <dgm:constr type="lMarg" refType="primFontSz" fact="0.1"/>
+                <dgm:constr type="rMarg" refType="primFontSz" fact="0.1"/>
+                <dgm:constr type="tMarg" refType="primFontSz" fact="0.1"/>
+                <dgm:constr type="bMarg" refType="primFontSz" fact="0.1"/>
+              </dgm:constrLst>
+              <dgm:ruleLst>
+                <dgm:rule type="primFontSz" val="5" fact="NaN" max="NaN"/>
+              </dgm:ruleLst>
+            </dgm:layoutNode>
+            <dgm:choose name="Name21">
+              <dgm:if name="Name22" axis="ch" ptType="node" func="cnt" op="gte" val="1">
+                <dgm:layoutNode name="desTxMid" styleLbl="revTx">
+                  <dgm:varLst>
+                    <dgm:bulletEnabled val="1"/>
+                  </dgm:varLst>
+                  <dgm:choose name="Name23">
+                    <dgm:if name="Name24" axis="ch" ptType="node" func="cnt" op="equ" val="1">
+                      <dgm:alg type="tx">
+                        <dgm:param type="shpTxLTRAlignCh" val="l"/>
+                      </dgm:alg>
+                    </dgm:if>
+                    <dgm:else name="Name25">
+                      <dgm:alg type="tx">
+                        <dgm:param type="shpTxLTRAlignCh" val="l"/>
+                        <dgm:param type="stBulletLvl" val="1"/>
+                      </dgm:alg>
+                    </dgm:else>
+                  </dgm:choose>
+                  <dgm:shape xmlns:r="http://schemas.openxmlformats.org/officeDocument/2006/relationships" type="rect" r:blip="">
+                    <dgm:adjLst/>
+                  </dgm:shape>
+                  <dgm:presOf axis="des" ptType="node"/>
+                  <dgm:constrLst>
+                    <dgm:constr type="lMarg" refType="primFontSz" fact="0.1"/>
+                    <dgm:constr type="rMarg" refType="primFontSz" fact="0.1"/>
+                    <dgm:constr type="tMarg" refType="primFontSz" fact="0.1"/>
+                    <dgm:constr type="bMarg" refType="primFontSz" fact="0.1"/>
+                  </dgm:constrLst>
+                  <dgm:ruleLst>
+                    <dgm:rule type="primFontSz" val="5" fact="NaN" max="NaN"/>
+                  </dgm:ruleLst>
+                </dgm:layoutNode>
+              </dgm:if>
+              <dgm:else name="Name26"/>
+            </dgm:choose>
+            <dgm:layoutNode name="spMid">
+              <dgm:alg type="sp"/>
+              <dgm:shape xmlns:r="http://schemas.openxmlformats.org/officeDocument/2006/relationships" r:blip="">
+                <dgm:adjLst/>
+              </dgm:shape>
+              <dgm:presOf/>
+            </dgm:layoutNode>
+          </dgm:layoutNode>
+        </dgm:else>
+      </dgm:choose>
+      <dgm:forEach name="Name27" axis="followSib" ptType="sibTrans" cnt="1">
+        <dgm:layoutNode name="chevronComposite1" styleLbl="alignImgPlace1">
+          <dgm:alg type="composite"/>
+          <dgm:shape xmlns:r="http://schemas.openxmlformats.org/officeDocument/2006/relationships" r:blip="">
+            <dgm:adjLst/>
+          </dgm:shape>
+          <dgm:presOf/>
+          <dgm:constrLst>
+            <dgm:constr type="l" for="ch" forName="chevron1"/>
+            <dgm:constr type="t" for="ch" forName="chevron1" refType="h" fact="0.1923"/>
+            <dgm:constr type="w" for="ch" forName="chevron1" refType="w"/>
+            <dgm:constr type="b" for="ch" forName="chevron1" refType="h"/>
+            <dgm:constr type="l" for="ch" forName="spChevron1"/>
+            <dgm:constr type="t" for="ch" forName="spChevron1"/>
+            <dgm:constr type="w" for="ch" forName="spChevron1" refType="w" fact="0.01"/>
+            <dgm:constr type="h" for="ch" forName="spChevron1" refType="h" fact="0.01"/>
+          </dgm:constrLst>
+          <dgm:layoutNode name="chevron1">
+            <dgm:alg type="sp"/>
+            <dgm:choose name="Name28">
+              <dgm:if name="Name29" func="var" arg="dir" op="equ" val="norm">
+                <dgm:shape xmlns:r="http://schemas.openxmlformats.org/officeDocument/2006/relationships" type="chevron" r:blip="">
+                  <dgm:adjLst>
+                    <dgm:adj idx="1" val="0.6231"/>
+                  </dgm:adjLst>
+                </dgm:shape>
+              </dgm:if>
+              <dgm:else name="Name30">
+                <dgm:shape xmlns:r="http://schemas.openxmlformats.org/officeDocument/2006/relationships" rot="180" type="chevron" r:blip="">
+                  <dgm:adjLst>
+                    <dgm:adj idx="1" val="0.6231"/>
+                  </dgm:adjLst>
+                </dgm:shape>
+              </dgm:else>
+            </dgm:choose>
+            <dgm:presOf/>
+          </dgm:layoutNode>
+          <dgm:layoutNode name="spChevron1">
+            <dgm:alg type="sp"/>
+            <dgm:shape xmlns:r="http://schemas.openxmlformats.org/officeDocument/2006/relationships" r:blip="">
+              <dgm:adjLst/>
+            </dgm:shape>
+            <dgm:presOf/>
+          </dgm:layoutNode>
+        </dgm:layoutNode>
+        <dgm:choose name="Name31">
+          <dgm:if name="Name32" axis="root ch" ptType="all node" func="cnt" op="equ" val="2">
+            <dgm:layoutNode name="overlap">
+              <dgm:alg type="sp"/>
+              <dgm:shape xmlns:r="http://schemas.openxmlformats.org/officeDocument/2006/relationships" r:blip="">
+                <dgm:adjLst/>
+              </dgm:shape>
+              <dgm:presOf/>
+            </dgm:layoutNode>
+            <dgm:layoutNode name="chevronComposite2" styleLbl="alignImgPlace1">
+              <dgm:alg type="composite"/>
+              <dgm:shape xmlns:r="http://schemas.openxmlformats.org/officeDocument/2006/relationships" r:blip="">
+                <dgm:adjLst/>
+              </dgm:shape>
+              <dgm:presOf/>
+              <dgm:constrLst>
+                <dgm:constr type="l" for="ch" forName="chevron2"/>
+                <dgm:constr type="t" for="ch" forName="chevron2" refType="h" fact="0.1923"/>
+                <dgm:constr type="w" for="ch" forName="chevron2" refType="w"/>
+                <dgm:constr type="b" for="ch" forName="chevron2" refType="h"/>
+                <dgm:constr type="l" for="ch" forName="spChevron2"/>
+                <dgm:constr type="t" for="ch" forName="spChevron2"/>
+                <dgm:constr type="w" for="ch" forName="spChevron2" refType="w" fact="0.01"/>
+                <dgm:constr type="h" for="ch" forName="spChevron2" refType="h" fact="0.01"/>
+              </dgm:constrLst>
+              <dgm:layoutNode name="chevron2">
+                <dgm:alg type="sp"/>
+                <dgm:choose name="Name33">
+                  <dgm:if name="Name34" func="var" arg="dir" op="equ" val="norm">
+                    <dgm:shape xmlns:r="http://schemas.openxmlformats.org/officeDocument/2006/relationships" type="chevron" r:blip="">
+                      <dgm:adjLst>
+                        <dgm:adj idx="1" val="0.6231"/>
+                      </dgm:adjLst>
+                    </dgm:shape>
+                  </dgm:if>
+                  <dgm:else name="Name35">
+                    <dgm:shape xmlns:r="http://schemas.openxmlformats.org/officeDocument/2006/relationships" rot="180" type="chevron" r:blip="">
+                      <dgm:adjLst>
+                        <dgm:adj idx="1" val="0.6231"/>
+                      </dgm:adjLst>
+                    </dgm:shape>
+                  </dgm:else>
+                </dgm:choose>
+                <dgm:presOf/>
+              </dgm:layoutNode>
+              <dgm:layoutNode name="spChevron2">
+                <dgm:alg type="sp"/>
+                <dgm:shape xmlns:r="http://schemas.openxmlformats.org/officeDocument/2006/relationships" r:blip="">
+                  <dgm:adjLst/>
+                </dgm:shape>
+                <dgm:presOf/>
+              </dgm:layoutNode>
+            </dgm:layoutNode>
+          </dgm:if>
+          <dgm:else name="Name36"/>
+        </dgm:choose>
+      </dgm:forEach>
+    </dgm:forEach>
+  </dgm:layoutNode>
+</dgm:layoutDef>
+</file>
+
 <file path=ppt/diagrams/quickStyle1.xml><?xml version="1.0" encoding="utf-8"?>
 <dgm:styleDef xmlns:dgm="http://schemas.openxmlformats.org/drawingml/2006/diagram" xmlns:a="http://schemas.openxmlformats.org/drawingml/2006/main" uniqueId="urn:microsoft.com/office/officeart/2005/8/quickstyle/simple1">
   <dgm:title val=""/>
@@ -24599,6 +28126,1144 @@
     <dgm:txPr/>
     <dgm:style>
       <a:lnRef idx="2">
+        <a:scrgbClr r="0" g="0" b="0"/>
+      </a:lnRef>
+      <a:fillRef idx="1">
+        <a:scrgbClr r="0" g="0" b="0"/>
+      </a:fillRef>
+      <a:effectRef idx="0">
+        <a:scrgbClr r="0" g="0" b="0"/>
+      </a:effectRef>
+      <a:fontRef idx="minor"/>
+    </dgm:style>
+  </dgm:styleLbl>
+  <dgm:styleLbl name="revTx">
+    <dgm:scene3d>
+      <a:camera prst="orthographicFront"/>
+      <a:lightRig rig="threePt" dir="t"/>
+    </dgm:scene3d>
+    <dgm:sp3d/>
+    <dgm:txPr/>
+    <dgm:style>
+      <a:lnRef idx="0">
+        <a:scrgbClr r="0" g="0" b="0"/>
+      </a:lnRef>
+      <a:fillRef idx="0">
+        <a:scrgbClr r="0" g="0" b="0"/>
+      </a:fillRef>
+      <a:effectRef idx="0">
+        <a:scrgbClr r="0" g="0" b="0"/>
+      </a:effectRef>
+      <a:fontRef idx="minor"/>
+    </dgm:style>
+  </dgm:styleLbl>
+</dgm:styleDef>
+</file>
+
+<file path=ppt/diagrams/quickStyle7.xml><?xml version="1.0" encoding="utf-8"?>
+<dgm:styleDef xmlns:dgm="http://schemas.openxmlformats.org/drawingml/2006/diagram" xmlns:a="http://schemas.openxmlformats.org/drawingml/2006/main" uniqueId="urn:microsoft.com/office/officeart/2005/8/quickstyle/3d5">
+  <dgm:title val=""/>
+  <dgm:desc val=""/>
+  <dgm:catLst>
+    <dgm:cat type="3D" pri="11500"/>
+  </dgm:catLst>
+  <dgm:scene3d>
+    <a:camera prst="isometricOffAxis2Left" zoom="95000"/>
+    <a:lightRig rig="flat" dir="t"/>
+  </dgm:scene3d>
+  <dgm:styleLbl name="node0">
+    <dgm:scene3d>
+      <a:camera prst="orthographicFront"/>
+      <a:lightRig rig="threePt" dir="t"/>
+    </dgm:scene3d>
+    <dgm:sp3d extrusionH="381000" contourW="38100" prstMaterial="matte">
+      <a:contourClr>
+        <a:schemeClr val="lt1"/>
+      </a:contourClr>
+    </dgm:sp3d>
+    <dgm:txPr/>
+    <dgm:style>
+      <a:lnRef idx="0">
+        <a:scrgbClr r="0" g="0" b="0"/>
+      </a:lnRef>
+      <a:fillRef idx="1">
+        <a:scrgbClr r="0" g="0" b="0"/>
+      </a:fillRef>
+      <a:effectRef idx="0">
+        <a:scrgbClr r="0" g="0" b="0"/>
+      </a:effectRef>
+      <a:fontRef idx="minor">
+        <a:schemeClr val="lt1"/>
+      </a:fontRef>
+    </dgm:style>
+  </dgm:styleLbl>
+  <dgm:styleLbl name="lnNode1">
+    <dgm:scene3d>
+      <a:camera prst="orthographicFront"/>
+      <a:lightRig rig="threePt" dir="t"/>
+    </dgm:scene3d>
+    <dgm:sp3d extrusionH="381000" contourW="38100" prstMaterial="matte">
+      <a:contourClr>
+        <a:schemeClr val="lt1"/>
+      </a:contourClr>
+    </dgm:sp3d>
+    <dgm:txPr/>
+    <dgm:style>
+      <a:lnRef idx="0">
+        <a:scrgbClr r="0" g="0" b="0"/>
+      </a:lnRef>
+      <a:fillRef idx="1">
+        <a:scrgbClr r="0" g="0" b="0"/>
+      </a:fillRef>
+      <a:effectRef idx="0">
+        <a:scrgbClr r="0" g="0" b="0"/>
+      </a:effectRef>
+      <a:fontRef idx="minor">
+        <a:schemeClr val="lt1"/>
+      </a:fontRef>
+    </dgm:style>
+  </dgm:styleLbl>
+  <dgm:styleLbl name="vennNode1">
+    <dgm:scene3d>
+      <a:camera prst="orthographicFront"/>
+      <a:lightRig rig="threePt" dir="t"/>
+    </dgm:scene3d>
+    <dgm:sp3d extrusionH="381000" contourW="38100" prstMaterial="matte">
+      <a:contourClr>
+        <a:schemeClr val="lt1"/>
+      </a:contourClr>
+    </dgm:sp3d>
+    <dgm:txPr/>
+    <dgm:style>
+      <a:lnRef idx="0">
+        <a:scrgbClr r="0" g="0" b="0"/>
+      </a:lnRef>
+      <a:fillRef idx="1">
+        <a:scrgbClr r="0" g="0" b="0"/>
+      </a:fillRef>
+      <a:effectRef idx="0">
+        <a:scrgbClr r="0" g="0" b="0"/>
+      </a:effectRef>
+      <a:fontRef idx="minor">
+        <a:schemeClr val="tx1"/>
+      </a:fontRef>
+    </dgm:style>
+  </dgm:styleLbl>
+  <dgm:styleLbl name="alignNode1">
+    <dgm:scene3d>
+      <a:camera prst="orthographicFront"/>
+      <a:lightRig rig="threePt" dir="t"/>
+    </dgm:scene3d>
+    <dgm:sp3d extrusionH="381000" contourW="38100" prstMaterial="matte">
+      <a:contourClr>
+        <a:schemeClr val="lt1"/>
+      </a:contourClr>
+    </dgm:sp3d>
+    <dgm:txPr/>
+    <dgm:style>
+      <a:lnRef idx="1">
+        <a:scrgbClr r="0" g="0" b="0"/>
+      </a:lnRef>
+      <a:fillRef idx="1">
+        <a:scrgbClr r="0" g="0" b="0"/>
+      </a:fillRef>
+      <a:effectRef idx="0">
+        <a:scrgbClr r="0" g="0" b="0"/>
+      </a:effectRef>
+      <a:fontRef idx="minor">
+        <a:schemeClr val="lt1"/>
+      </a:fontRef>
+    </dgm:style>
+  </dgm:styleLbl>
+  <dgm:styleLbl name="node1">
+    <dgm:scene3d>
+      <a:camera prst="orthographicFront"/>
+      <a:lightRig rig="threePt" dir="t"/>
+    </dgm:scene3d>
+    <dgm:sp3d extrusionH="381000" contourW="38100" prstMaterial="matte">
+      <a:contourClr>
+        <a:schemeClr val="lt1"/>
+      </a:contourClr>
+    </dgm:sp3d>
+    <dgm:txPr/>
+    <dgm:style>
+      <a:lnRef idx="0">
+        <a:scrgbClr r="0" g="0" b="0"/>
+      </a:lnRef>
+      <a:fillRef idx="1">
+        <a:scrgbClr r="0" g="0" b="0"/>
+      </a:fillRef>
+      <a:effectRef idx="0">
+        <a:scrgbClr r="0" g="0" b="0"/>
+      </a:effectRef>
+      <a:fontRef idx="minor">
+        <a:schemeClr val="lt1"/>
+      </a:fontRef>
+    </dgm:style>
+  </dgm:styleLbl>
+  <dgm:styleLbl name="node2">
+    <dgm:scene3d>
+      <a:camera prst="orthographicFront"/>
+      <a:lightRig rig="threePt" dir="t"/>
+    </dgm:scene3d>
+    <dgm:sp3d extrusionH="381000" contourW="38100" prstMaterial="matte">
+      <a:contourClr>
+        <a:schemeClr val="lt1"/>
+      </a:contourClr>
+    </dgm:sp3d>
+    <dgm:txPr/>
+    <dgm:style>
+      <a:lnRef idx="0">
+        <a:scrgbClr r="0" g="0" b="0"/>
+      </a:lnRef>
+      <a:fillRef idx="1">
+        <a:scrgbClr r="0" g="0" b="0"/>
+      </a:fillRef>
+      <a:effectRef idx="0">
+        <a:scrgbClr r="0" g="0" b="0"/>
+      </a:effectRef>
+      <a:fontRef idx="minor">
+        <a:schemeClr val="lt1"/>
+      </a:fontRef>
+    </dgm:style>
+  </dgm:styleLbl>
+  <dgm:styleLbl name="node3">
+    <dgm:scene3d>
+      <a:camera prst="orthographicFront"/>
+      <a:lightRig rig="threePt" dir="t"/>
+    </dgm:scene3d>
+    <dgm:sp3d extrusionH="381000" contourW="38100" prstMaterial="matte">
+      <a:contourClr>
+        <a:schemeClr val="lt1"/>
+      </a:contourClr>
+    </dgm:sp3d>
+    <dgm:txPr/>
+    <dgm:style>
+      <a:lnRef idx="0">
+        <a:scrgbClr r="0" g="0" b="0"/>
+      </a:lnRef>
+      <a:fillRef idx="1">
+        <a:scrgbClr r="0" g="0" b="0"/>
+      </a:fillRef>
+      <a:effectRef idx="0">
+        <a:scrgbClr r="0" g="0" b="0"/>
+      </a:effectRef>
+      <a:fontRef idx="minor">
+        <a:schemeClr val="lt1"/>
+      </a:fontRef>
+    </dgm:style>
+  </dgm:styleLbl>
+  <dgm:styleLbl name="node4">
+    <dgm:scene3d>
+      <a:camera prst="orthographicFront"/>
+      <a:lightRig rig="threePt" dir="t"/>
+    </dgm:scene3d>
+    <dgm:sp3d extrusionH="381000" contourW="38100" prstMaterial="matte">
+      <a:contourClr>
+        <a:schemeClr val="lt1"/>
+      </a:contourClr>
+    </dgm:sp3d>
+    <dgm:txPr/>
+    <dgm:style>
+      <a:lnRef idx="0">
+        <a:scrgbClr r="0" g="0" b="0"/>
+      </a:lnRef>
+      <a:fillRef idx="1">
+        <a:scrgbClr r="0" g="0" b="0"/>
+      </a:fillRef>
+      <a:effectRef idx="0">
+        <a:scrgbClr r="0" g="0" b="0"/>
+      </a:effectRef>
+      <a:fontRef idx="minor">
+        <a:schemeClr val="lt1"/>
+      </a:fontRef>
+    </dgm:style>
+  </dgm:styleLbl>
+  <dgm:styleLbl name="fgImgPlace1">
+    <dgm:scene3d>
+      <a:camera prst="orthographicFront"/>
+      <a:lightRig rig="threePt" dir="t"/>
+    </dgm:scene3d>
+    <dgm:sp3d z="57150" extrusionH="63500" contourW="12700" prstMaterial="matte">
+      <a:contourClr>
+        <a:schemeClr val="lt1"/>
+      </a:contourClr>
+    </dgm:sp3d>
+    <dgm:txPr/>
+    <dgm:style>
+      <a:lnRef idx="0">
+        <a:scrgbClr r="0" g="0" b="0"/>
+      </a:lnRef>
+      <a:fillRef idx="1">
+        <a:scrgbClr r="0" g="0" b="0"/>
+      </a:fillRef>
+      <a:effectRef idx="0">
+        <a:scrgbClr r="0" g="0" b="0"/>
+      </a:effectRef>
+      <a:fontRef idx="minor"/>
+    </dgm:style>
+  </dgm:styleLbl>
+  <dgm:styleLbl name="alignImgPlace1">
+    <dgm:scene3d>
+      <a:camera prst="orthographicFront"/>
+      <a:lightRig rig="threePt" dir="t"/>
+    </dgm:scene3d>
+    <dgm:sp3d extrusionH="63500" contourW="12700" prstMaterial="matte">
+      <a:contourClr>
+        <a:schemeClr val="lt1"/>
+      </a:contourClr>
+    </dgm:sp3d>
+    <dgm:txPr/>
+    <dgm:style>
+      <a:lnRef idx="0">
+        <a:scrgbClr r="0" g="0" b="0"/>
+      </a:lnRef>
+      <a:fillRef idx="1">
+        <a:scrgbClr r="0" g="0" b="0"/>
+      </a:fillRef>
+      <a:effectRef idx="0">
+        <a:scrgbClr r="0" g="0" b="0"/>
+      </a:effectRef>
+      <a:fontRef idx="minor"/>
+    </dgm:style>
+  </dgm:styleLbl>
+  <dgm:styleLbl name="bgImgPlace1">
+    <dgm:scene3d>
+      <a:camera prst="orthographicFront"/>
+      <a:lightRig rig="threePt" dir="t"/>
+    </dgm:scene3d>
+    <dgm:sp3d z="-381000" extrusionH="63500" contourW="12700" prstMaterial="matte">
+      <a:contourClr>
+        <a:schemeClr val="lt1"/>
+      </a:contourClr>
+    </dgm:sp3d>
+    <dgm:txPr/>
+    <dgm:style>
+      <a:lnRef idx="0">
+        <a:scrgbClr r="0" g="0" b="0"/>
+      </a:lnRef>
+      <a:fillRef idx="1">
+        <a:scrgbClr r="0" g="0" b="0"/>
+      </a:fillRef>
+      <a:effectRef idx="0">
+        <a:scrgbClr r="0" g="0" b="0"/>
+      </a:effectRef>
+      <a:fontRef idx="minor"/>
+    </dgm:style>
+  </dgm:styleLbl>
+  <dgm:styleLbl name="sibTrans2D1">
+    <dgm:scene3d>
+      <a:camera prst="orthographicFront"/>
+      <a:lightRig rig="threePt" dir="t"/>
+    </dgm:scene3d>
+    <dgm:sp3d z="-52400" extrusionH="181000" contourW="38100" prstMaterial="matte">
+      <a:contourClr>
+        <a:schemeClr val="lt1"/>
+      </a:contourClr>
+    </dgm:sp3d>
+    <dgm:txPr/>
+    <dgm:style>
+      <a:lnRef idx="0">
+        <a:scrgbClr r="0" g="0" b="0"/>
+      </a:lnRef>
+      <a:fillRef idx="1">
+        <a:scrgbClr r="0" g="0" b="0"/>
+      </a:fillRef>
+      <a:effectRef idx="0">
+        <a:scrgbClr r="0" g="0" b="0"/>
+      </a:effectRef>
+      <a:fontRef idx="minor">
+        <a:schemeClr val="lt1"/>
+      </a:fontRef>
+    </dgm:style>
+  </dgm:styleLbl>
+  <dgm:styleLbl name="fgSibTrans2D1">
+    <dgm:scene3d>
+      <a:camera prst="orthographicFront"/>
+      <a:lightRig rig="threePt" dir="t"/>
+    </dgm:scene3d>
+    <dgm:sp3d z="57150" extrusionH="63500" contourW="12700" prstMaterial="matte">
+      <a:contourClr>
+        <a:schemeClr val="dk1">
+          <a:tint val="20000"/>
+        </a:schemeClr>
+      </a:contourClr>
+    </dgm:sp3d>
+    <dgm:txPr/>
+    <dgm:style>
+      <a:lnRef idx="0">
+        <a:scrgbClr r="0" g="0" b="0"/>
+      </a:lnRef>
+      <a:fillRef idx="1">
+        <a:scrgbClr r="0" g="0" b="0"/>
+      </a:fillRef>
+      <a:effectRef idx="0">
+        <a:scrgbClr r="0" g="0" b="0"/>
+      </a:effectRef>
+      <a:fontRef idx="minor">
+        <a:schemeClr val="lt1"/>
+      </a:fontRef>
+    </dgm:style>
+  </dgm:styleLbl>
+  <dgm:styleLbl name="bgSibTrans2D1">
+    <dgm:scene3d>
+      <a:camera prst="orthographicFront"/>
+      <a:lightRig rig="threePt" dir="t"/>
+    </dgm:scene3d>
+    <dgm:sp3d z="-381000" extrusionH="63500" contourW="12700" prstMaterial="matte">
+      <a:contourClr>
+        <a:schemeClr val="dk1">
+          <a:tint val="20000"/>
+        </a:schemeClr>
+      </a:contourClr>
+    </dgm:sp3d>
+    <dgm:txPr/>
+    <dgm:style>
+      <a:lnRef idx="0">
+        <a:scrgbClr r="0" g="0" b="0"/>
+      </a:lnRef>
+      <a:fillRef idx="1">
+        <a:scrgbClr r="0" g="0" b="0"/>
+      </a:fillRef>
+      <a:effectRef idx="0">
+        <a:scrgbClr r="0" g="0" b="0"/>
+      </a:effectRef>
+      <a:fontRef idx="minor">
+        <a:schemeClr val="lt1"/>
+      </a:fontRef>
+    </dgm:style>
+  </dgm:styleLbl>
+  <dgm:styleLbl name="sibTrans1D1">
+    <dgm:scene3d>
+      <a:camera prst="orthographicFront"/>
+      <a:lightRig rig="threePt" dir="t"/>
+    </dgm:scene3d>
+    <dgm:sp3d z="-40000" prstMaterial="matte"/>
+    <dgm:txPr/>
+    <dgm:style>
+      <a:lnRef idx="1">
+        <a:scrgbClr r="0" g="0" b="0"/>
+      </a:lnRef>
+      <a:fillRef idx="0">
+        <a:scrgbClr r="0" g="0" b="0"/>
+      </a:fillRef>
+      <a:effectRef idx="0">
+        <a:scrgbClr r="0" g="0" b="0"/>
+      </a:effectRef>
+      <a:fontRef idx="minor"/>
+    </dgm:style>
+  </dgm:styleLbl>
+  <dgm:styleLbl name="callout">
+    <dgm:scene3d>
+      <a:camera prst="orthographicFront"/>
+      <a:lightRig rig="threePt" dir="t"/>
+    </dgm:scene3d>
+    <dgm:sp3d z="127000" prstMaterial="matte"/>
+    <dgm:txPr/>
+    <dgm:style>
+      <a:lnRef idx="2">
+        <a:scrgbClr r="0" g="0" b="0"/>
+      </a:lnRef>
+      <a:fillRef idx="1">
+        <a:scrgbClr r="0" g="0" b="0"/>
+      </a:fillRef>
+      <a:effectRef idx="0">
+        <a:scrgbClr r="0" g="0" b="0"/>
+      </a:effectRef>
+      <a:fontRef idx="minor"/>
+    </dgm:style>
+  </dgm:styleLbl>
+  <dgm:styleLbl name="asst0">
+    <dgm:scene3d>
+      <a:camera prst="orthographicFront"/>
+      <a:lightRig rig="threePt" dir="t"/>
+    </dgm:scene3d>
+    <dgm:sp3d extrusionH="381000" contourW="38100" prstMaterial="matte">
+      <a:contourClr>
+        <a:schemeClr val="lt1"/>
+      </a:contourClr>
+    </dgm:sp3d>
+    <dgm:txPr/>
+    <dgm:style>
+      <a:lnRef idx="0">
+        <a:scrgbClr r="0" g="0" b="0"/>
+      </a:lnRef>
+      <a:fillRef idx="1">
+        <a:scrgbClr r="0" g="0" b="0"/>
+      </a:fillRef>
+      <a:effectRef idx="0">
+        <a:scrgbClr r="0" g="0" b="0"/>
+      </a:effectRef>
+      <a:fontRef idx="minor">
+        <a:schemeClr val="lt1"/>
+      </a:fontRef>
+    </dgm:style>
+  </dgm:styleLbl>
+  <dgm:styleLbl name="asst1">
+    <dgm:scene3d>
+      <a:camera prst="orthographicFront"/>
+      <a:lightRig rig="threePt" dir="t"/>
+    </dgm:scene3d>
+    <dgm:sp3d extrusionH="381000" contourW="38100" prstMaterial="matte">
+      <a:contourClr>
+        <a:schemeClr val="lt1"/>
+      </a:contourClr>
+    </dgm:sp3d>
+    <dgm:txPr/>
+    <dgm:style>
+      <a:lnRef idx="0">
+        <a:scrgbClr r="0" g="0" b="0"/>
+      </a:lnRef>
+      <a:fillRef idx="1">
+        <a:scrgbClr r="0" g="0" b="0"/>
+      </a:fillRef>
+      <a:effectRef idx="0">
+        <a:scrgbClr r="0" g="0" b="0"/>
+      </a:effectRef>
+      <a:fontRef idx="minor">
+        <a:schemeClr val="lt1"/>
+      </a:fontRef>
+    </dgm:style>
+  </dgm:styleLbl>
+  <dgm:styleLbl name="asst2">
+    <dgm:scene3d>
+      <a:camera prst="orthographicFront"/>
+      <a:lightRig rig="threePt" dir="t"/>
+    </dgm:scene3d>
+    <dgm:sp3d extrusionH="381000" contourW="38100" prstMaterial="matte">
+      <a:contourClr>
+        <a:schemeClr val="lt1"/>
+      </a:contourClr>
+    </dgm:sp3d>
+    <dgm:txPr/>
+    <dgm:style>
+      <a:lnRef idx="0">
+        <a:scrgbClr r="0" g="0" b="0"/>
+      </a:lnRef>
+      <a:fillRef idx="1">
+        <a:scrgbClr r="0" g="0" b="0"/>
+      </a:fillRef>
+      <a:effectRef idx="0">
+        <a:scrgbClr r="0" g="0" b="0"/>
+      </a:effectRef>
+      <a:fontRef idx="minor">
+        <a:schemeClr val="lt1"/>
+      </a:fontRef>
+    </dgm:style>
+  </dgm:styleLbl>
+  <dgm:styleLbl name="asst3">
+    <dgm:scene3d>
+      <a:camera prst="orthographicFront"/>
+      <a:lightRig rig="threePt" dir="t"/>
+    </dgm:scene3d>
+    <dgm:sp3d extrusionH="381000" contourW="38100" prstMaterial="matte">
+      <a:contourClr>
+        <a:schemeClr val="lt1"/>
+      </a:contourClr>
+    </dgm:sp3d>
+    <dgm:txPr/>
+    <dgm:style>
+      <a:lnRef idx="0">
+        <a:scrgbClr r="0" g="0" b="0"/>
+      </a:lnRef>
+      <a:fillRef idx="1">
+        <a:scrgbClr r="0" g="0" b="0"/>
+      </a:fillRef>
+      <a:effectRef idx="0">
+        <a:scrgbClr r="0" g="0" b="0"/>
+      </a:effectRef>
+      <a:fontRef idx="minor">
+        <a:schemeClr val="lt1"/>
+      </a:fontRef>
+    </dgm:style>
+  </dgm:styleLbl>
+  <dgm:styleLbl name="parChTrans2D1">
+    <dgm:scene3d>
+      <a:camera prst="orthographicFront"/>
+      <a:lightRig rig="threePt" dir="t"/>
+    </dgm:scene3d>
+    <dgm:sp3d z="52400" extrusionH="381000" contourW="38100" prstMaterial="matte">
+      <a:contourClr>
+        <a:schemeClr val="lt1"/>
+      </a:contourClr>
+    </dgm:sp3d>
+    <dgm:txPr/>
+    <dgm:style>
+      <a:lnRef idx="0">
+        <a:scrgbClr r="0" g="0" b="0"/>
+      </a:lnRef>
+      <a:fillRef idx="1">
+        <a:scrgbClr r="0" g="0" b="0"/>
+      </a:fillRef>
+      <a:effectRef idx="0">
+        <a:scrgbClr r="0" g="0" b="0"/>
+      </a:effectRef>
+      <a:fontRef idx="minor">
+        <a:schemeClr val="lt1"/>
+      </a:fontRef>
+    </dgm:style>
+  </dgm:styleLbl>
+  <dgm:styleLbl name="parChTrans2D2">
+    <dgm:scene3d>
+      <a:camera prst="orthographicFront"/>
+      <a:lightRig rig="threePt" dir="t"/>
+    </dgm:scene3d>
+    <dgm:sp3d z="52400" extrusionH="381000" contourW="38100" prstMaterial="matte">
+      <a:contourClr>
+        <a:schemeClr val="lt1"/>
+      </a:contourClr>
+    </dgm:sp3d>
+    <dgm:txPr/>
+    <dgm:style>
+      <a:lnRef idx="0">
+        <a:scrgbClr r="0" g="0" b="0"/>
+      </a:lnRef>
+      <a:fillRef idx="1">
+        <a:scrgbClr r="0" g="0" b="0"/>
+      </a:fillRef>
+      <a:effectRef idx="0">
+        <a:scrgbClr r="0" g="0" b="0"/>
+      </a:effectRef>
+      <a:fontRef idx="minor">
+        <a:schemeClr val="lt1"/>
+      </a:fontRef>
+    </dgm:style>
+  </dgm:styleLbl>
+  <dgm:styleLbl name="parChTrans2D3">
+    <dgm:scene3d>
+      <a:camera prst="orthographicFront"/>
+      <a:lightRig rig="threePt" dir="t"/>
+    </dgm:scene3d>
+    <dgm:sp3d z="60000" prstMaterial="flat">
+      <a:bevelT w="120900" h="88900"/>
+      <a:bevelB w="88900" h="31750" prst="angle"/>
+    </dgm:sp3d>
+    <dgm:txPr/>
+    <dgm:style>
+      <a:lnRef idx="0">
+        <a:scrgbClr r="0" g="0" b="0"/>
+      </a:lnRef>
+      <a:fillRef idx="3">
+        <a:scrgbClr r="0" g="0" b="0"/>
+      </a:fillRef>
+      <a:effectRef idx="1">
+        <a:scrgbClr r="0" g="0" b="0"/>
+      </a:effectRef>
+      <a:fontRef idx="minor">
+        <a:schemeClr val="lt1"/>
+      </a:fontRef>
+    </dgm:style>
+  </dgm:styleLbl>
+  <dgm:styleLbl name="parChTrans2D4">
+    <dgm:scene3d>
+      <a:camera prst="orthographicFront"/>
+      <a:lightRig rig="threePt" dir="t"/>
+    </dgm:scene3d>
+    <dgm:sp3d z="60000" prstMaterial="flat">
+      <a:bevelT w="120900" h="88900"/>
+      <a:bevelB w="88900" h="31750" prst="angle"/>
+    </dgm:sp3d>
+    <dgm:txPr/>
+    <dgm:style>
+      <a:lnRef idx="0">
+        <a:scrgbClr r="0" g="0" b="0"/>
+      </a:lnRef>
+      <a:fillRef idx="3">
+        <a:scrgbClr r="0" g="0" b="0"/>
+      </a:fillRef>
+      <a:effectRef idx="1">
+        <a:scrgbClr r="0" g="0" b="0"/>
+      </a:effectRef>
+      <a:fontRef idx="minor">
+        <a:schemeClr val="lt1"/>
+      </a:fontRef>
+    </dgm:style>
+  </dgm:styleLbl>
+  <dgm:styleLbl name="parChTrans1D1">
+    <dgm:scene3d>
+      <a:camera prst="orthographicFront"/>
+      <a:lightRig rig="threePt" dir="t"/>
+    </dgm:scene3d>
+    <dgm:sp3d z="-40000" prstMaterial="matte"/>
+    <dgm:txPr/>
+    <dgm:style>
+      <a:lnRef idx="2">
+        <a:scrgbClr r="0" g="0" b="0"/>
+      </a:lnRef>
+      <a:fillRef idx="0">
+        <a:scrgbClr r="0" g="0" b="0"/>
+      </a:fillRef>
+      <a:effectRef idx="0">
+        <a:scrgbClr r="0" g="0" b="0"/>
+      </a:effectRef>
+      <a:fontRef idx="minor"/>
+    </dgm:style>
+  </dgm:styleLbl>
+  <dgm:styleLbl name="parChTrans1D2">
+    <dgm:scene3d>
+      <a:camera prst="orthographicFront"/>
+      <a:lightRig rig="threePt" dir="t"/>
+    </dgm:scene3d>
+    <dgm:sp3d z="-40000" prstMaterial="matte"/>
+    <dgm:txPr/>
+    <dgm:style>
+      <a:lnRef idx="2">
+        <a:scrgbClr r="0" g="0" b="0"/>
+      </a:lnRef>
+      <a:fillRef idx="0">
+        <a:scrgbClr r="0" g="0" b="0"/>
+      </a:fillRef>
+      <a:effectRef idx="0">
+        <a:scrgbClr r="0" g="0" b="0"/>
+      </a:effectRef>
+      <a:fontRef idx="minor"/>
+    </dgm:style>
+  </dgm:styleLbl>
+  <dgm:styleLbl name="parChTrans1D3">
+    <dgm:scene3d>
+      <a:camera prst="orthographicFront"/>
+      <a:lightRig rig="threePt" dir="t"/>
+    </dgm:scene3d>
+    <dgm:sp3d z="-40000" prstMaterial="matte"/>
+    <dgm:txPr/>
+    <dgm:style>
+      <a:lnRef idx="2">
+        <a:scrgbClr r="0" g="0" b="0"/>
+      </a:lnRef>
+      <a:fillRef idx="0">
+        <a:scrgbClr r="0" g="0" b="0"/>
+      </a:fillRef>
+      <a:effectRef idx="0">
+        <a:scrgbClr r="0" g="0" b="0"/>
+      </a:effectRef>
+      <a:fontRef idx="minor"/>
+    </dgm:style>
+  </dgm:styleLbl>
+  <dgm:styleLbl name="parChTrans1D4">
+    <dgm:scene3d>
+      <a:camera prst="orthographicFront"/>
+      <a:lightRig rig="threePt" dir="t"/>
+    </dgm:scene3d>
+    <dgm:sp3d z="-40000" prstMaterial="matte"/>
+    <dgm:txPr/>
+    <dgm:style>
+      <a:lnRef idx="2">
+        <a:scrgbClr r="0" g="0" b="0"/>
+      </a:lnRef>
+      <a:fillRef idx="0">
+        <a:scrgbClr r="0" g="0" b="0"/>
+      </a:fillRef>
+      <a:effectRef idx="0">
+        <a:scrgbClr r="0" g="0" b="0"/>
+      </a:effectRef>
+      <a:fontRef idx="minor"/>
+    </dgm:style>
+  </dgm:styleLbl>
+  <dgm:styleLbl name="fgAcc1">
+    <dgm:scene3d>
+      <a:camera prst="orthographicFront"/>
+      <a:lightRig rig="threePt" dir="t"/>
+    </dgm:scene3d>
+    <dgm:sp3d z="57150" extrusionH="63500" prstMaterial="matte"/>
+    <dgm:txPr/>
+    <dgm:style>
+      <a:lnRef idx="1">
+        <a:scrgbClr r="0" g="0" b="0"/>
+      </a:lnRef>
+      <a:fillRef idx="1">
+        <a:scrgbClr r="0" g="0" b="0"/>
+      </a:fillRef>
+      <a:effectRef idx="0">
+        <a:scrgbClr r="0" g="0" b="0"/>
+      </a:effectRef>
+      <a:fontRef idx="minor"/>
+    </dgm:style>
+  </dgm:styleLbl>
+  <dgm:styleLbl name="conFgAcc1">
+    <dgm:scene3d>
+      <a:camera prst="orthographicFront"/>
+      <a:lightRig rig="threePt" dir="t"/>
+    </dgm:scene3d>
+    <dgm:sp3d z="-60000" extrusionH="63500" prstMaterial="matte"/>
+    <dgm:txPr/>
+    <dgm:style>
+      <a:lnRef idx="1">
+        <a:scrgbClr r="0" g="0" b="0"/>
+      </a:lnRef>
+      <a:fillRef idx="1">
+        <a:scrgbClr r="0" g="0" b="0"/>
+      </a:fillRef>
+      <a:effectRef idx="0">
+        <a:scrgbClr r="0" g="0" b="0"/>
+      </a:effectRef>
+      <a:fontRef idx="minor"/>
+    </dgm:style>
+  </dgm:styleLbl>
+  <dgm:styleLbl name="alignAcc1">
+    <dgm:scene3d>
+      <a:camera prst="orthographicFront"/>
+      <a:lightRig rig="threePt" dir="t"/>
+    </dgm:scene3d>
+    <dgm:sp3d z="-60000" extrusionH="63500" prstMaterial="matte"/>
+    <dgm:txPr/>
+    <dgm:style>
+      <a:lnRef idx="1">
+        <a:scrgbClr r="0" g="0" b="0"/>
+      </a:lnRef>
+      <a:fillRef idx="1">
+        <a:scrgbClr r="0" g="0" b="0"/>
+      </a:fillRef>
+      <a:effectRef idx="0">
+        <a:scrgbClr r="0" g="0" b="0"/>
+      </a:effectRef>
+      <a:fontRef idx="minor"/>
+    </dgm:style>
+  </dgm:styleLbl>
+  <dgm:styleLbl name="trAlignAcc1">
+    <dgm:scene3d>
+      <a:camera prst="orthographicFront"/>
+      <a:lightRig rig="threePt" dir="t"/>
+    </dgm:scene3d>
+    <dgm:sp3d extrusionH="381000" prstMaterial="matte"/>
+    <dgm:txPr/>
+    <dgm:style>
+      <a:lnRef idx="1">
+        <a:scrgbClr r="0" g="0" b="0"/>
+      </a:lnRef>
+      <a:fillRef idx="1">
+        <a:scrgbClr r="0" g="0" b="0"/>
+      </a:fillRef>
+      <a:effectRef idx="0">
+        <a:scrgbClr r="0" g="0" b="0"/>
+      </a:effectRef>
+      <a:fontRef idx="minor"/>
+    </dgm:style>
+  </dgm:styleLbl>
+  <dgm:styleLbl name="bgAcc1">
+    <dgm:scene3d>
+      <a:camera prst="orthographicFront"/>
+      <a:lightRig rig="threePt" dir="t"/>
+    </dgm:scene3d>
+    <dgm:sp3d z="-400500" extrusionH="63500" prstMaterial="matte"/>
+    <dgm:txPr/>
+    <dgm:style>
+      <a:lnRef idx="1">
+        <a:scrgbClr r="0" g="0" b="0"/>
+      </a:lnRef>
+      <a:fillRef idx="1">
+        <a:scrgbClr r="0" g="0" b="0"/>
+      </a:fillRef>
+      <a:effectRef idx="0">
+        <a:scrgbClr r="0" g="0" b="0"/>
+      </a:effectRef>
+      <a:fontRef idx="minor"/>
+    </dgm:style>
+  </dgm:styleLbl>
+  <dgm:styleLbl name="solidFgAcc1">
+    <dgm:scene3d>
+      <a:camera prst="orthographicFront"/>
+      <a:lightRig rig="threePt" dir="t"/>
+    </dgm:scene3d>
+    <dgm:sp3d z="57150" extrusionH="12700" prstMaterial="flat">
+      <a:bevelT w="50800" h="50800"/>
+    </dgm:sp3d>
+    <dgm:txPr/>
+    <dgm:style>
+      <a:lnRef idx="1">
+        <a:scrgbClr r="0" g="0" b="0"/>
+      </a:lnRef>
+      <a:fillRef idx="1">
+        <a:scrgbClr r="0" g="0" b="0"/>
+      </a:fillRef>
+      <a:effectRef idx="2">
+        <a:scrgbClr r="0" g="0" b="0"/>
+      </a:effectRef>
+      <a:fontRef idx="minor"/>
+    </dgm:style>
+  </dgm:styleLbl>
+  <dgm:styleLbl name="solidAlignAcc1">
+    <dgm:scene3d>
+      <a:camera prst="orthographicFront"/>
+      <a:lightRig rig="threePt" dir="t"/>
+    </dgm:scene3d>
+    <dgm:sp3d extrusionH="12700" prstMaterial="flat">
+      <a:bevelT w="50800" h="50800"/>
+    </dgm:sp3d>
+    <dgm:txPr/>
+    <dgm:style>
+      <a:lnRef idx="1">
+        <a:scrgbClr r="0" g="0" b="0"/>
+      </a:lnRef>
+      <a:fillRef idx="1">
+        <a:scrgbClr r="0" g="0" b="0"/>
+      </a:fillRef>
+      <a:effectRef idx="2">
+        <a:scrgbClr r="0" g="0" b="0"/>
+      </a:effectRef>
+      <a:fontRef idx="minor"/>
+    </dgm:style>
+  </dgm:styleLbl>
+  <dgm:styleLbl name="solidBgAcc1">
+    <dgm:scene3d>
+      <a:camera prst="orthographicFront"/>
+      <a:lightRig rig="threePt" dir="t"/>
+    </dgm:scene3d>
+    <dgm:sp3d z="-63500" extrusionH="63500" prstMaterial="matte"/>
+    <dgm:txPr/>
+    <dgm:style>
+      <a:lnRef idx="1">
+        <a:scrgbClr r="0" g="0" b="0"/>
+      </a:lnRef>
+      <a:fillRef idx="1">
+        <a:scrgbClr r="0" g="0" b="0"/>
+      </a:fillRef>
+      <a:effectRef idx="0">
+        <a:scrgbClr r="0" g="0" b="0"/>
+      </a:effectRef>
+      <a:fontRef idx="minor"/>
+    </dgm:style>
+  </dgm:styleLbl>
+  <dgm:styleLbl name="fgAccFollowNode1">
+    <dgm:scene3d>
+      <a:camera prst="orthographicFront"/>
+      <a:lightRig rig="threePt" dir="t"/>
+    </dgm:scene3d>
+    <dgm:sp3d z="57150" extrusionH="63500" contourW="12700" prstMaterial="matte">
+      <a:contourClr>
+        <a:schemeClr val="dk1">
+          <a:tint val="20000"/>
+        </a:schemeClr>
+      </a:contourClr>
+    </dgm:sp3d>
+    <dgm:txPr/>
+    <dgm:style>
+      <a:lnRef idx="0">
+        <a:scrgbClr r="0" g="0" b="0"/>
+      </a:lnRef>
+      <a:fillRef idx="1">
+        <a:scrgbClr r="0" g="0" b="0"/>
+      </a:fillRef>
+      <a:effectRef idx="0">
+        <a:scrgbClr r="0" g="0" b="0"/>
+      </a:effectRef>
+      <a:fontRef idx="minor"/>
+    </dgm:style>
+  </dgm:styleLbl>
+  <dgm:styleLbl name="alignAccFollowNode1">
+    <dgm:scene3d>
+      <a:camera prst="orthographicFront"/>
+      <a:lightRig rig="threePt" dir="t"/>
+    </dgm:scene3d>
+    <dgm:sp3d extrusionH="381000" contourW="38100" prstMaterial="matte">
+      <a:contourClr>
+        <a:schemeClr val="lt1"/>
+      </a:contourClr>
+    </dgm:sp3d>
+    <dgm:txPr/>
+    <dgm:style>
+      <a:lnRef idx="0">
+        <a:scrgbClr r="0" g="0" b="0"/>
+      </a:lnRef>
+      <a:fillRef idx="1">
+        <a:scrgbClr r="0" g="0" b="0"/>
+      </a:fillRef>
+      <a:effectRef idx="0">
+        <a:scrgbClr r="0" g="0" b="0"/>
+      </a:effectRef>
+      <a:fontRef idx="minor"/>
+    </dgm:style>
+  </dgm:styleLbl>
+  <dgm:styleLbl name="bgAccFollowNode1">
+    <dgm:scene3d>
+      <a:camera prst="orthographicFront"/>
+      <a:lightRig rig="threePt" dir="t"/>
+    </dgm:scene3d>
+    <dgm:sp3d z="-400500" extrusionH="63500" contourW="12700" prstMaterial="matte">
+      <a:contourClr>
+        <a:schemeClr val="lt1"/>
+      </a:contourClr>
+    </dgm:sp3d>
+    <dgm:txPr/>
+    <dgm:style>
+      <a:lnRef idx="0">
+        <a:scrgbClr r="0" g="0" b="0"/>
+      </a:lnRef>
+      <a:fillRef idx="1">
+        <a:scrgbClr r="0" g="0" b="0"/>
+      </a:fillRef>
+      <a:effectRef idx="2">
+        <a:scrgbClr r="0" g="0" b="0"/>
+      </a:effectRef>
+      <a:fontRef idx="minor"/>
+    </dgm:style>
+  </dgm:styleLbl>
+  <dgm:styleLbl name="fgAcc0">
+    <dgm:scene3d>
+      <a:camera prst="orthographicFront"/>
+      <a:lightRig rig="threePt" dir="t"/>
+    </dgm:scene3d>
+    <dgm:sp3d z="57150" extrusionH="63500" prstMaterial="matte"/>
+    <dgm:txPr/>
+    <dgm:style>
+      <a:lnRef idx="1">
+        <a:scrgbClr r="0" g="0" b="0"/>
+      </a:lnRef>
+      <a:fillRef idx="1">
+        <a:scrgbClr r="0" g="0" b="0"/>
+      </a:fillRef>
+      <a:effectRef idx="0">
+        <a:scrgbClr r="0" g="0" b="0"/>
+      </a:effectRef>
+      <a:fontRef idx="minor"/>
+    </dgm:style>
+  </dgm:styleLbl>
+  <dgm:styleLbl name="fgAcc2">
+    <dgm:scene3d>
+      <a:camera prst="orthographicFront"/>
+      <a:lightRig rig="threePt" dir="t"/>
+    </dgm:scene3d>
+    <dgm:sp3d z="57150" extrusionH="63500" prstMaterial="matte"/>
+    <dgm:txPr/>
+    <dgm:style>
+      <a:lnRef idx="1">
+        <a:scrgbClr r="0" g="0" b="0"/>
+      </a:lnRef>
+      <a:fillRef idx="1">
+        <a:scrgbClr r="0" g="0" b="0"/>
+      </a:fillRef>
+      <a:effectRef idx="0">
+        <a:scrgbClr r="0" g="0" b="0"/>
+      </a:effectRef>
+      <a:fontRef idx="minor"/>
+    </dgm:style>
+  </dgm:styleLbl>
+  <dgm:styleLbl name="fgAcc3">
+    <dgm:scene3d>
+      <a:camera prst="orthographicFront"/>
+      <a:lightRig rig="threePt" dir="t"/>
+    </dgm:scene3d>
+    <dgm:sp3d z="57150" extrusionH="63500" prstMaterial="matte"/>
+    <dgm:txPr/>
+    <dgm:style>
+      <a:lnRef idx="1">
+        <a:scrgbClr r="0" g="0" b="0"/>
+      </a:lnRef>
+      <a:fillRef idx="1">
+        <a:scrgbClr r="0" g="0" b="0"/>
+      </a:fillRef>
+      <a:effectRef idx="0">
+        <a:scrgbClr r="0" g="0" b="0"/>
+      </a:effectRef>
+      <a:fontRef idx="minor"/>
+    </dgm:style>
+  </dgm:styleLbl>
+  <dgm:styleLbl name="fgAcc4">
+    <dgm:scene3d>
+      <a:camera prst="orthographicFront"/>
+      <a:lightRig rig="threePt" dir="t"/>
+    </dgm:scene3d>
+    <dgm:sp3d z="57150" extrusionH="63500" prstMaterial="matte"/>
+    <dgm:txPr/>
+    <dgm:style>
+      <a:lnRef idx="1">
+        <a:scrgbClr r="0" g="0" b="0"/>
+      </a:lnRef>
+      <a:fillRef idx="1">
+        <a:scrgbClr r="0" g="0" b="0"/>
+      </a:fillRef>
+      <a:effectRef idx="0">
+        <a:scrgbClr r="0" g="0" b="0"/>
+      </a:effectRef>
+      <a:fontRef idx="minor"/>
+    </dgm:style>
+  </dgm:styleLbl>
+  <dgm:styleLbl name="bgShp">
+    <dgm:scene3d>
+      <a:camera prst="orthographicFront"/>
+      <a:lightRig rig="threePt" dir="t"/>
+    </dgm:scene3d>
+    <dgm:sp3d z="-400500" extrusionH="63500" contourW="12700" prstMaterial="matte">
+      <a:contourClr>
+        <a:schemeClr val="lt1">
+          <a:tint val="50000"/>
+        </a:schemeClr>
+      </a:contourClr>
+    </dgm:sp3d>
+    <dgm:txPr/>
+    <dgm:style>
+      <a:lnRef idx="0">
+        <a:scrgbClr r="0" g="0" b="0"/>
+      </a:lnRef>
+      <a:fillRef idx="1">
+        <a:scrgbClr r="0" g="0" b="0"/>
+      </a:fillRef>
+      <a:effectRef idx="0">
+        <a:scrgbClr r="0" g="0" b="0"/>
+      </a:effectRef>
+      <a:fontRef idx="minor"/>
+    </dgm:style>
+  </dgm:styleLbl>
+  <dgm:styleLbl name="dkBgShp">
+    <dgm:scene3d>
+      <a:camera prst="orthographicFront"/>
+      <a:lightRig rig="threePt" dir="t"/>
+    </dgm:scene3d>
+    <dgm:sp3d extrusionH="381000" contourW="38100" prstMaterial="matte">
+      <a:contourClr>
+        <a:schemeClr val="lt1"/>
+      </a:contourClr>
+    </dgm:sp3d>
+    <dgm:txPr/>
+    <dgm:style>
+      <a:lnRef idx="0">
+        <a:scrgbClr r="0" g="0" b="0"/>
+      </a:lnRef>
+      <a:fillRef idx="1">
+        <a:scrgbClr r="0" g="0" b="0"/>
+      </a:fillRef>
+      <a:effectRef idx="0">
+        <a:scrgbClr r="0" g="0" b="0"/>
+      </a:effectRef>
+      <a:fontRef idx="minor">
+        <a:schemeClr val="lt1"/>
+      </a:fontRef>
+    </dgm:style>
+  </dgm:styleLbl>
+  <dgm:styleLbl name="trBgShp">
+    <dgm:scene3d>
+      <a:camera prst="orthographicFront"/>
+      <a:lightRig rig="threePt" dir="t"/>
+    </dgm:scene3d>
+    <dgm:sp3d z="-400500" prstMaterial="matte"/>
+    <dgm:txPr/>
+    <dgm:style>
+      <a:lnRef idx="0">
+        <a:scrgbClr r="0" g="0" b="0"/>
+      </a:lnRef>
+      <a:fillRef idx="1">
+        <a:scrgbClr r="0" g="0" b="0"/>
+      </a:fillRef>
+      <a:effectRef idx="0">
+        <a:scrgbClr r="0" g="0" b="0"/>
+      </a:effectRef>
+      <a:fontRef idx="minor"/>
+    </dgm:style>
+  </dgm:styleLbl>
+  <dgm:styleLbl name="fgShp">
+    <dgm:scene3d>
+      <a:camera prst="orthographicFront"/>
+      <a:lightRig rig="threePt" dir="t"/>
+    </dgm:scene3d>
+    <dgm:sp3d z="57150" extrusionH="63500" contourW="12700" prstMaterial="matte">
+      <a:contourClr>
+        <a:schemeClr val="lt1">
+          <a:tint val="50000"/>
+        </a:schemeClr>
+      </a:contourClr>
+    </dgm:sp3d>
+    <dgm:txPr/>
+    <dgm:style>
+      <a:lnRef idx="0">
         <a:scrgbClr r="0" g="0" b="0"/>
       </a:lnRef>
       <a:fillRef idx="1">
@@ -24825,7 +29490,7 @@
           <a:p>
             <a:fld id="{6170734A-4B5A-4F3B-B573-1E93A2DEC51B}" type="datetimeFigureOut">
               <a:rPr lang="pt-BR" smtClean="0"/>
-              <a:t>07/09/2018</a:t>
+              <a:t>09/09/2018</a:t>
             </a:fld>
             <a:endParaRPr lang="pt-BR"/>
           </a:p>
@@ -24990,7 +29655,7 @@
           <a:p>
             <a:fld id="{6170734A-4B5A-4F3B-B573-1E93A2DEC51B}" type="datetimeFigureOut">
               <a:rPr lang="pt-BR" smtClean="0"/>
-              <a:t>07/09/2018</a:t>
+              <a:t>09/09/2018</a:t>
             </a:fld>
             <a:endParaRPr lang="pt-BR"/>
           </a:p>
@@ -25165,7 +29830,7 @@
           <a:p>
             <a:fld id="{6170734A-4B5A-4F3B-B573-1E93A2DEC51B}" type="datetimeFigureOut">
               <a:rPr lang="pt-BR" smtClean="0"/>
-              <a:t>07/09/2018</a:t>
+              <a:t>09/09/2018</a:t>
             </a:fld>
             <a:endParaRPr lang="pt-BR"/>
           </a:p>
@@ -25348,7 +30013,7 @@
           <a:p>
             <a:fld id="{6170734A-4B5A-4F3B-B573-1E93A2DEC51B}" type="datetimeFigureOut">
               <a:rPr lang="pt-BR" smtClean="0"/>
-              <a:t>07/09/2018</a:t>
+              <a:t>09/09/2018</a:t>
             </a:fld>
             <a:endParaRPr lang="pt-BR"/>
           </a:p>
@@ -25610,7 +30275,7 @@
           <a:p>
             <a:fld id="{6170734A-4B5A-4F3B-B573-1E93A2DEC51B}" type="datetimeFigureOut">
               <a:rPr lang="pt-BR" smtClean="0"/>
-              <a:t>07/09/2018</a:t>
+              <a:t>09/09/2018</a:t>
             </a:fld>
             <a:endParaRPr lang="pt-BR"/>
           </a:p>
@@ -25958,7 +30623,7 @@
           <a:p>
             <a:fld id="{6170734A-4B5A-4F3B-B573-1E93A2DEC51B}" type="datetimeFigureOut">
               <a:rPr lang="pt-BR" smtClean="0"/>
-              <a:t>07/09/2018</a:t>
+              <a:t>09/09/2018</a:t>
             </a:fld>
             <a:endParaRPr lang="pt-BR"/>
           </a:p>
@@ -26266,7 +30931,7 @@
           <a:p>
             <a:fld id="{6170734A-4B5A-4F3B-B573-1E93A2DEC51B}" type="datetimeFigureOut">
               <a:rPr lang="pt-BR" smtClean="0"/>
-              <a:t>07/09/2018</a:t>
+              <a:t>09/09/2018</a:t>
             </a:fld>
             <a:endParaRPr lang="pt-BR"/>
           </a:p>
@@ -26493,7 +31158,7 @@
           <a:p>
             <a:fld id="{6170734A-4B5A-4F3B-B573-1E93A2DEC51B}" type="datetimeFigureOut">
               <a:rPr lang="pt-BR" smtClean="0"/>
-              <a:t>07/09/2018</a:t>
+              <a:t>09/09/2018</a:t>
             </a:fld>
             <a:endParaRPr lang="pt-BR"/>
           </a:p>
@@ -26583,7 +31248,7 @@
           <a:p>
             <a:fld id="{6170734A-4B5A-4F3B-B573-1E93A2DEC51B}" type="datetimeFigureOut">
               <a:rPr lang="pt-BR" smtClean="0"/>
-              <a:t>07/09/2018</a:t>
+              <a:t>09/09/2018</a:t>
             </a:fld>
             <a:endParaRPr lang="pt-BR"/>
           </a:p>
@@ -26871,7 +31536,7 @@
           <a:p>
             <a:fld id="{6170734A-4B5A-4F3B-B573-1E93A2DEC51B}" type="datetimeFigureOut">
               <a:rPr lang="pt-BR" smtClean="0"/>
-              <a:t>07/09/2018</a:t>
+              <a:t>09/09/2018</a:t>
             </a:fld>
             <a:endParaRPr lang="pt-BR"/>
           </a:p>
@@ -27140,7 +31805,7 @@
           <a:p>
             <a:fld id="{6170734A-4B5A-4F3B-B573-1E93A2DEC51B}" type="datetimeFigureOut">
               <a:rPr lang="pt-BR" smtClean="0"/>
-              <a:t>07/09/2018</a:t>
+              <a:t>09/09/2018</a:t>
             </a:fld>
             <a:endParaRPr lang="pt-BR"/>
           </a:p>
@@ -27350,7 +32015,7 @@
           <a:p>
             <a:fld id="{6170734A-4B5A-4F3B-B573-1E93A2DEC51B}" type="datetimeFigureOut">
               <a:rPr lang="pt-BR" smtClean="0"/>
-              <a:t>07/09/2018</a:t>
+              <a:t>09/09/2018</a:t>
             </a:fld>
             <a:endParaRPr lang="pt-BR"/>
           </a:p>
@@ -28270,7 +32935,7 @@
           <p:nvPr>
             <p:extLst>
               <p:ext uri="{D42A27DB-BD31-4B8C-83A1-F6EECF244321}">
-                <p14:modId xmlns:p14="http://schemas.microsoft.com/office/powerpoint/2010/main" val="182715018"/>
+                <p14:modId xmlns:p14="http://schemas.microsoft.com/office/powerpoint/2010/main" val="1822011568"/>
               </p:ext>
             </p:extLst>
           </p:nvPr>
@@ -30029,6 +34694,59 @@
           <a:chExt cx="0" cy="0"/>
         </a:xfrm>
       </p:grpSpPr>
+      <p:pic>
+        <p:nvPicPr>
+          <p:cNvPr id="1026" name="Picture 2" descr="Resultado de imagem para serviÃ§os web"/>
+          <p:cNvPicPr>
+            <a:picLocks noChangeAspect="1" noChangeArrowheads="1"/>
+          </p:cNvPicPr>
+          <p:nvPr/>
+        </p:nvPicPr>
+        <p:blipFill rotWithShape="1">
+          <a:blip r:embed="rId2">
+            <a:extLst>
+              <a:ext uri="{BEBA8EAE-BF5A-486C-A8C5-ECC9F3942E4B}">
+                <a14:imgProps xmlns:a14="http://schemas.microsoft.com/office/drawing/2010/main">
+                  <a14:imgLayer r:embed="rId3">
+                    <a14:imgEffect>
+                      <a14:colorTemperature colorTemp="5900"/>
+                    </a14:imgEffect>
+                  </a14:imgLayer>
+                </a14:imgProps>
+              </a:ext>
+              <a:ext uri="{28A0092B-C50C-407E-A947-70E740481C1C}">
+                <a14:useLocalDpi xmlns:a14="http://schemas.microsoft.com/office/drawing/2010/main" val="0"/>
+              </a:ext>
+            </a:extLst>
+          </a:blip>
+          <a:srcRect t="12120"/>
+          <a:stretch/>
+        </p:blipFill>
+        <p:spPr bwMode="auto">
+          <a:xfrm>
+            <a:off x="6898508" y="5157192"/>
+            <a:ext cx="1637928" cy="1512168"/>
+          </a:xfrm>
+          <a:prstGeom prst="ellipse">
+            <a:avLst/>
+          </a:prstGeom>
+          <a:ln>
+            <a:noFill/>
+          </a:ln>
+          <a:effectLst>
+            <a:softEdge rad="112500"/>
+          </a:effectLst>
+          <a:extLst>
+            <a:ext uri="{909E8E84-426E-40DD-AFC4-6F175D3DCCD1}">
+              <a14:hiddenFill xmlns:a14="http://schemas.microsoft.com/office/drawing/2010/main">
+                <a:solidFill>
+                  <a:srgbClr val="FFFFFF"/>
+                </a:solidFill>
+              </a14:hiddenFill>
+            </a:ext>
+          </a:extLst>
+        </p:spPr>
+      </p:pic>
       <p:sp>
         <p:nvSpPr>
           <p:cNvPr id="2" name="Título 1"/>
@@ -30057,25 +34775,6 @@
           </a:p>
         </p:txBody>
       </p:sp>
-      <p:sp>
-        <p:nvSpPr>
-          <p:cNvPr id="3" name="Espaço Reservado para Conteúdo 2"/>
-          <p:cNvSpPr>
-            <a:spLocks noGrp="1"/>
-          </p:cNvSpPr>
-          <p:nvPr>
-            <p:ph idx="1"/>
-          </p:nvPr>
-        </p:nvSpPr>
-        <p:spPr/>
-        <p:txBody>
-          <a:bodyPr/>
-          <a:lstStyle/>
-          <a:p>
-            <a:endParaRPr lang="pt-BR" dirty="0"/>
-          </a:p>
-        </p:txBody>
-      </p:sp>
       <p:pic>
         <p:nvPicPr>
           <p:cNvPr id="4" name="Picture 2" descr="https://cdn-images-1.medium.com/max/600/1*YHKQVfSqFafrXvGcc5wUuQ.png"/>
@@ -30085,7 +34784,7 @@
           <p:nvPr/>
         </p:nvPicPr>
         <p:blipFill rotWithShape="1">
-          <a:blip r:embed="rId2">
+          <a:blip r:embed="rId4">
             <a:extLst>
               <a:ext uri="{28A0092B-C50C-407E-A947-70E740481C1C}">
                 <a14:useLocalDpi xmlns:a14="http://schemas.microsoft.com/office/drawing/2010/main" val="0"/>
@@ -30101,6 +34800,93 @@
             <a:ext cx="827584" cy="614104"/>
           </a:xfrm>
           <a:prstGeom prst="rect">
+            <a:avLst/>
+          </a:prstGeom>
+          <a:ln>
+            <a:noFill/>
+          </a:ln>
+          <a:effectLst>
+            <a:softEdge rad="112500"/>
+          </a:effectLst>
+          <a:extLst>
+            <a:ext uri="{909E8E84-426E-40DD-AFC4-6F175D3DCCD1}">
+              <a14:hiddenFill xmlns:a14="http://schemas.microsoft.com/office/drawing/2010/main">
+                <a:solidFill>
+                  <a:srgbClr val="FFFFFF"/>
+                </a:solidFill>
+              </a14:hiddenFill>
+            </a:ext>
+          </a:extLst>
+        </p:spPr>
+      </p:pic>
+      <p:graphicFrame>
+        <p:nvGraphicFramePr>
+          <p:cNvPr id="11" name="Espaço Reservado para Conteúdo 10"/>
+          <p:cNvGraphicFramePr>
+            <a:graphicFrameLocks noGrp="1"/>
+          </p:cNvGraphicFramePr>
+          <p:nvPr>
+            <p:ph idx="1"/>
+            <p:extLst>
+              <p:ext uri="{D42A27DB-BD31-4B8C-83A1-F6EECF244321}">
+                <p14:modId xmlns:p14="http://schemas.microsoft.com/office/powerpoint/2010/main" val="3007311410"/>
+              </p:ext>
+            </p:extLst>
+          </p:nvPr>
+        </p:nvGraphicFramePr>
+        <p:xfrm>
+          <a:off x="9168" y="1548234"/>
+          <a:ext cx="9144000" cy="4545062"/>
+        </p:xfrm>
+        <a:graphic>
+          <a:graphicData uri="http://schemas.openxmlformats.org/drawingml/2006/diagram">
+            <dgm:relIds xmlns:dgm="http://schemas.openxmlformats.org/drawingml/2006/diagram" xmlns:r="http://schemas.openxmlformats.org/officeDocument/2006/relationships" r:dm="rId5" r:lo="rId6" r:qs="rId7" r:cs="rId8"/>
+          </a:graphicData>
+        </a:graphic>
+      </p:graphicFrame>
+      <p:pic>
+        <p:nvPicPr>
+          <p:cNvPr id="1030" name="Picture 6" descr="Resultado de imagem para servidor nuvem vector"/>
+          <p:cNvPicPr>
+            <a:picLocks noChangeAspect="1" noChangeArrowheads="1"/>
+          </p:cNvPicPr>
+          <p:nvPr/>
+        </p:nvPicPr>
+        <p:blipFill>
+          <a:blip r:embed="rId10">
+            <a:duotone>
+              <a:schemeClr val="accent3">
+                <a:shade val="45000"/>
+                <a:satMod val="135000"/>
+              </a:schemeClr>
+              <a:prstClr val="white"/>
+            </a:duotone>
+            <a:extLst>
+              <a:ext uri="{BEBA8EAE-BF5A-486C-A8C5-ECC9F3942E4B}">
+                <a14:imgProps xmlns:a14="http://schemas.microsoft.com/office/drawing/2010/main">
+                  <a14:imgLayer r:embed="rId11">
+                    <a14:imgEffect>
+                      <a14:sharpenSoften amount="-50000"/>
+                    </a14:imgEffect>
+                  </a14:imgLayer>
+                </a14:imgProps>
+              </a:ext>
+              <a:ext uri="{28A0092B-C50C-407E-A947-70E740481C1C}">
+                <a14:useLocalDpi xmlns:a14="http://schemas.microsoft.com/office/drawing/2010/main" val="0"/>
+              </a:ext>
+            </a:extLst>
+          </a:blip>
+          <a:srcRect/>
+          <a:stretch>
+            <a:fillRect/>
+          </a:stretch>
+        </p:blipFill>
+        <p:spPr bwMode="auto">
+          <a:xfrm>
+            <a:off x="-127168" y="2247892"/>
+            <a:ext cx="954752" cy="954752"/>
+          </a:xfrm>
+          <a:prstGeom prst="ellipse">
             <a:avLst/>
           </a:prstGeom>
           <a:ln>

--- a/Ppt.pptx
+++ b/Ppt.pptx
@@ -132,7 +132,7 @@
   </p:defaultTextStyle>
   <p:extLst>
     <p:ext uri="{EFAFB233-063F-42B5-8137-9DF3F51BA10A}">
-      <p15:sldGuideLst xmlns:p15="http://schemas.microsoft.com/office/powerpoint/2012/main" xmlns="">
+      <p15:sldGuideLst xmlns:p15="http://schemas.microsoft.com/office/powerpoint/2012/main">
         <p15:guide id="1" orient="horz" pos="2160">
           <p15:clr>
             <a:srgbClr val="A4A3A4"/>
@@ -896,6 +896,753 @@
 </dgm:colorsDef>
 </file>
 
+<file path=ppt/diagrams/colors10.xml><?xml version="1.0" encoding="utf-8"?>
+<dgm:colorsDef xmlns:dgm="http://schemas.openxmlformats.org/drawingml/2006/diagram" xmlns:a="http://schemas.openxmlformats.org/drawingml/2006/main" uniqueId="urn:microsoft.com/office/officeart/2005/8/colors/accent1_2">
+  <dgm:title val=""/>
+  <dgm:desc val=""/>
+  <dgm:catLst>
+    <dgm:cat type="accent1" pri="11200"/>
+  </dgm:catLst>
+  <dgm:styleLbl name="node0">
+    <dgm:fillClrLst meth="repeat">
+      <a:schemeClr val="accent1"/>
+    </dgm:fillClrLst>
+    <dgm:linClrLst meth="repeat">
+      <a:schemeClr val="lt1"/>
+    </dgm:linClrLst>
+    <dgm:effectClrLst/>
+    <dgm:txLinClrLst/>
+    <dgm:txFillClrLst/>
+    <dgm:txEffectClrLst/>
+  </dgm:styleLbl>
+  <dgm:styleLbl name="alignNode1">
+    <dgm:fillClrLst meth="repeat">
+      <a:schemeClr val="accent1"/>
+    </dgm:fillClrLst>
+    <dgm:linClrLst meth="repeat">
+      <a:schemeClr val="accent1"/>
+    </dgm:linClrLst>
+    <dgm:effectClrLst/>
+    <dgm:txLinClrLst/>
+    <dgm:txFillClrLst/>
+    <dgm:txEffectClrLst/>
+  </dgm:styleLbl>
+  <dgm:styleLbl name="node1">
+    <dgm:fillClrLst meth="repeat">
+      <a:schemeClr val="accent1"/>
+    </dgm:fillClrLst>
+    <dgm:linClrLst meth="repeat">
+      <a:schemeClr val="lt1"/>
+    </dgm:linClrLst>
+    <dgm:effectClrLst/>
+    <dgm:txLinClrLst/>
+    <dgm:txFillClrLst/>
+    <dgm:txEffectClrLst/>
+  </dgm:styleLbl>
+  <dgm:styleLbl name="lnNode1">
+    <dgm:fillClrLst meth="repeat">
+      <a:schemeClr val="accent1"/>
+    </dgm:fillClrLst>
+    <dgm:linClrLst meth="repeat">
+      <a:schemeClr val="lt1"/>
+    </dgm:linClrLst>
+    <dgm:effectClrLst/>
+    <dgm:txLinClrLst/>
+    <dgm:txFillClrLst/>
+    <dgm:txEffectClrLst/>
+  </dgm:styleLbl>
+  <dgm:styleLbl name="vennNode1">
+    <dgm:fillClrLst meth="repeat">
+      <a:schemeClr val="accent1">
+        <a:alpha val="50000"/>
+      </a:schemeClr>
+    </dgm:fillClrLst>
+    <dgm:linClrLst meth="repeat">
+      <a:schemeClr val="lt1"/>
+    </dgm:linClrLst>
+    <dgm:effectClrLst/>
+    <dgm:txLinClrLst/>
+    <dgm:txFillClrLst/>
+    <dgm:txEffectClrLst/>
+  </dgm:styleLbl>
+  <dgm:styleLbl name="node2">
+    <dgm:fillClrLst meth="repeat">
+      <a:schemeClr val="accent1"/>
+    </dgm:fillClrLst>
+    <dgm:linClrLst meth="repeat">
+      <a:schemeClr val="lt1"/>
+    </dgm:linClrLst>
+    <dgm:effectClrLst/>
+    <dgm:txLinClrLst/>
+    <dgm:txFillClrLst/>
+    <dgm:txEffectClrLst/>
+  </dgm:styleLbl>
+  <dgm:styleLbl name="node3">
+    <dgm:fillClrLst meth="repeat">
+      <a:schemeClr val="accent1"/>
+    </dgm:fillClrLst>
+    <dgm:linClrLst meth="repeat">
+      <a:schemeClr val="lt1"/>
+    </dgm:linClrLst>
+    <dgm:effectClrLst/>
+    <dgm:txLinClrLst/>
+    <dgm:txFillClrLst/>
+    <dgm:txEffectClrLst/>
+  </dgm:styleLbl>
+  <dgm:styleLbl name="node4">
+    <dgm:fillClrLst meth="repeat">
+      <a:schemeClr val="accent1"/>
+    </dgm:fillClrLst>
+    <dgm:linClrLst meth="repeat">
+      <a:schemeClr val="lt1"/>
+    </dgm:linClrLst>
+    <dgm:effectClrLst/>
+    <dgm:txLinClrLst/>
+    <dgm:txFillClrLst/>
+    <dgm:txEffectClrLst/>
+  </dgm:styleLbl>
+  <dgm:styleLbl name="fgImgPlace1">
+    <dgm:fillClrLst meth="repeat">
+      <a:schemeClr val="accent1">
+        <a:tint val="50000"/>
+      </a:schemeClr>
+    </dgm:fillClrLst>
+    <dgm:linClrLst meth="repeat">
+      <a:schemeClr val="lt1"/>
+    </dgm:linClrLst>
+    <dgm:effectClrLst/>
+    <dgm:txLinClrLst/>
+    <dgm:txFillClrLst meth="repeat">
+      <a:schemeClr val="lt1"/>
+    </dgm:txFillClrLst>
+    <dgm:txEffectClrLst/>
+  </dgm:styleLbl>
+  <dgm:styleLbl name="alignImgPlace1">
+    <dgm:fillClrLst meth="repeat">
+      <a:schemeClr val="accent1">
+        <a:tint val="50000"/>
+      </a:schemeClr>
+    </dgm:fillClrLst>
+    <dgm:linClrLst meth="repeat">
+      <a:schemeClr val="lt1"/>
+    </dgm:linClrLst>
+    <dgm:effectClrLst/>
+    <dgm:txLinClrLst/>
+    <dgm:txFillClrLst meth="repeat">
+      <a:schemeClr val="lt1"/>
+    </dgm:txFillClrLst>
+    <dgm:txEffectClrLst/>
+  </dgm:styleLbl>
+  <dgm:styleLbl name="bgImgPlace1">
+    <dgm:fillClrLst meth="repeat">
+      <a:schemeClr val="accent1">
+        <a:tint val="50000"/>
+      </a:schemeClr>
+    </dgm:fillClrLst>
+    <dgm:linClrLst meth="repeat">
+      <a:schemeClr val="lt1"/>
+    </dgm:linClrLst>
+    <dgm:effectClrLst/>
+    <dgm:txLinClrLst/>
+    <dgm:txFillClrLst meth="repeat">
+      <a:schemeClr val="lt1"/>
+    </dgm:txFillClrLst>
+    <dgm:txEffectClrLst/>
+  </dgm:styleLbl>
+  <dgm:styleLbl name="sibTrans2D1">
+    <dgm:fillClrLst meth="repeat">
+      <a:schemeClr val="accent1">
+        <a:tint val="60000"/>
+      </a:schemeClr>
+    </dgm:fillClrLst>
+    <dgm:linClrLst meth="repeat">
+      <a:schemeClr val="accent1">
+        <a:tint val="60000"/>
+      </a:schemeClr>
+    </dgm:linClrLst>
+    <dgm:effectClrLst/>
+    <dgm:txLinClrLst/>
+    <dgm:txFillClrLst/>
+    <dgm:txEffectClrLst/>
+  </dgm:styleLbl>
+  <dgm:styleLbl name="fgSibTrans2D1">
+    <dgm:fillClrLst meth="repeat">
+      <a:schemeClr val="accent1">
+        <a:tint val="60000"/>
+      </a:schemeClr>
+    </dgm:fillClrLst>
+    <dgm:linClrLst meth="repeat">
+      <a:schemeClr val="accent1">
+        <a:tint val="60000"/>
+      </a:schemeClr>
+    </dgm:linClrLst>
+    <dgm:effectClrLst/>
+    <dgm:txLinClrLst/>
+    <dgm:txFillClrLst/>
+    <dgm:txEffectClrLst/>
+  </dgm:styleLbl>
+  <dgm:styleLbl name="bgSibTrans2D1">
+    <dgm:fillClrLst meth="repeat">
+      <a:schemeClr val="accent1">
+        <a:tint val="60000"/>
+      </a:schemeClr>
+    </dgm:fillClrLst>
+    <dgm:linClrLst meth="repeat">
+      <a:schemeClr val="accent1">
+        <a:tint val="60000"/>
+      </a:schemeClr>
+    </dgm:linClrLst>
+    <dgm:effectClrLst/>
+    <dgm:txLinClrLst/>
+    <dgm:txFillClrLst/>
+    <dgm:txEffectClrLst/>
+  </dgm:styleLbl>
+  <dgm:styleLbl name="sibTrans1D1">
+    <dgm:fillClrLst meth="repeat">
+      <a:schemeClr val="accent1"/>
+    </dgm:fillClrLst>
+    <dgm:linClrLst meth="repeat">
+      <a:schemeClr val="accent1"/>
+    </dgm:linClrLst>
+    <dgm:effectClrLst/>
+    <dgm:txLinClrLst/>
+    <dgm:txFillClrLst meth="repeat">
+      <a:schemeClr val="tx1"/>
+    </dgm:txFillClrLst>
+    <dgm:txEffectClrLst/>
+  </dgm:styleLbl>
+  <dgm:styleLbl name="callout">
+    <dgm:fillClrLst meth="repeat">
+      <a:schemeClr val="accent1"/>
+    </dgm:fillClrLst>
+    <dgm:linClrLst meth="repeat">
+      <a:schemeClr val="accent1">
+        <a:tint val="50000"/>
+      </a:schemeClr>
+    </dgm:linClrLst>
+    <dgm:effectClrLst/>
+    <dgm:txLinClrLst/>
+    <dgm:txFillClrLst meth="repeat">
+      <a:schemeClr val="tx1"/>
+    </dgm:txFillClrLst>
+    <dgm:txEffectClrLst/>
+  </dgm:styleLbl>
+  <dgm:styleLbl name="asst0">
+    <dgm:fillClrLst meth="repeat">
+      <a:schemeClr val="accent1"/>
+    </dgm:fillClrLst>
+    <dgm:linClrLst meth="repeat">
+      <a:schemeClr val="lt1"/>
+    </dgm:linClrLst>
+    <dgm:effectClrLst/>
+    <dgm:txLinClrLst/>
+    <dgm:txFillClrLst/>
+    <dgm:txEffectClrLst/>
+  </dgm:styleLbl>
+  <dgm:styleLbl name="asst1">
+    <dgm:fillClrLst meth="repeat">
+      <a:schemeClr val="accent1"/>
+    </dgm:fillClrLst>
+    <dgm:linClrLst meth="repeat">
+      <a:schemeClr val="lt1"/>
+    </dgm:linClrLst>
+    <dgm:effectClrLst/>
+    <dgm:txLinClrLst/>
+    <dgm:txFillClrLst/>
+    <dgm:txEffectClrLst/>
+  </dgm:styleLbl>
+  <dgm:styleLbl name="asst2">
+    <dgm:fillClrLst meth="repeat">
+      <a:schemeClr val="accent1"/>
+    </dgm:fillClrLst>
+    <dgm:linClrLst meth="repeat">
+      <a:schemeClr val="lt1"/>
+    </dgm:linClrLst>
+    <dgm:effectClrLst/>
+    <dgm:txLinClrLst/>
+    <dgm:txFillClrLst/>
+    <dgm:txEffectClrLst/>
+  </dgm:styleLbl>
+  <dgm:styleLbl name="asst3">
+    <dgm:fillClrLst meth="repeat">
+      <a:schemeClr val="accent1"/>
+    </dgm:fillClrLst>
+    <dgm:linClrLst meth="repeat">
+      <a:schemeClr val="lt1"/>
+    </dgm:linClrLst>
+    <dgm:effectClrLst/>
+    <dgm:txLinClrLst/>
+    <dgm:txFillClrLst/>
+    <dgm:txEffectClrLst/>
+  </dgm:styleLbl>
+  <dgm:styleLbl name="asst4">
+    <dgm:fillClrLst meth="repeat">
+      <a:schemeClr val="accent1"/>
+    </dgm:fillClrLst>
+    <dgm:linClrLst meth="repeat">
+      <a:schemeClr val="lt1"/>
+    </dgm:linClrLst>
+    <dgm:effectClrLst/>
+    <dgm:txLinClrLst/>
+    <dgm:txFillClrLst/>
+    <dgm:txEffectClrLst/>
+  </dgm:styleLbl>
+  <dgm:styleLbl name="parChTrans2D1">
+    <dgm:fillClrLst meth="repeat">
+      <a:schemeClr val="accent1">
+        <a:tint val="60000"/>
+      </a:schemeClr>
+    </dgm:fillClrLst>
+    <dgm:linClrLst meth="repeat">
+      <a:schemeClr val="accent1">
+        <a:tint val="60000"/>
+      </a:schemeClr>
+    </dgm:linClrLst>
+    <dgm:effectClrLst/>
+    <dgm:txLinClrLst/>
+    <dgm:txFillClrLst meth="repeat">
+      <a:schemeClr val="lt1"/>
+    </dgm:txFillClrLst>
+    <dgm:txEffectClrLst/>
+  </dgm:styleLbl>
+  <dgm:styleLbl name="parChTrans2D2">
+    <dgm:fillClrLst meth="repeat">
+      <a:schemeClr val="accent1"/>
+    </dgm:fillClrLst>
+    <dgm:linClrLst meth="repeat">
+      <a:schemeClr val="accent1"/>
+    </dgm:linClrLst>
+    <dgm:effectClrLst/>
+    <dgm:txLinClrLst/>
+    <dgm:txFillClrLst meth="repeat">
+      <a:schemeClr val="lt1"/>
+    </dgm:txFillClrLst>
+    <dgm:txEffectClrLst/>
+  </dgm:styleLbl>
+  <dgm:styleLbl name="parChTrans2D3">
+    <dgm:fillClrLst meth="repeat">
+      <a:schemeClr val="accent1"/>
+    </dgm:fillClrLst>
+    <dgm:linClrLst meth="repeat">
+      <a:schemeClr val="accent1"/>
+    </dgm:linClrLst>
+    <dgm:effectClrLst/>
+    <dgm:txLinClrLst/>
+    <dgm:txFillClrLst meth="repeat">
+      <a:schemeClr val="lt1"/>
+    </dgm:txFillClrLst>
+    <dgm:txEffectClrLst/>
+  </dgm:styleLbl>
+  <dgm:styleLbl name="parChTrans2D4">
+    <dgm:fillClrLst meth="repeat">
+      <a:schemeClr val="accent1"/>
+    </dgm:fillClrLst>
+    <dgm:linClrLst meth="repeat">
+      <a:schemeClr val="accent1"/>
+    </dgm:linClrLst>
+    <dgm:effectClrLst/>
+    <dgm:txLinClrLst/>
+    <dgm:txFillClrLst meth="repeat">
+      <a:schemeClr val="lt1"/>
+    </dgm:txFillClrLst>
+    <dgm:txEffectClrLst/>
+  </dgm:styleLbl>
+  <dgm:styleLbl name="parChTrans1D1">
+    <dgm:fillClrLst meth="repeat">
+      <a:schemeClr val="accent1"/>
+    </dgm:fillClrLst>
+    <dgm:linClrLst meth="repeat">
+      <a:schemeClr val="accent1">
+        <a:shade val="60000"/>
+      </a:schemeClr>
+    </dgm:linClrLst>
+    <dgm:effectClrLst/>
+    <dgm:txLinClrLst/>
+    <dgm:txFillClrLst meth="repeat">
+      <a:schemeClr val="tx1"/>
+    </dgm:txFillClrLst>
+    <dgm:txEffectClrLst/>
+  </dgm:styleLbl>
+  <dgm:styleLbl name="parChTrans1D2">
+    <dgm:fillClrLst meth="repeat">
+      <a:schemeClr val="accent1"/>
+    </dgm:fillClrLst>
+    <dgm:linClrLst meth="repeat">
+      <a:schemeClr val="accent1">
+        <a:shade val="60000"/>
+      </a:schemeClr>
+    </dgm:linClrLst>
+    <dgm:effectClrLst/>
+    <dgm:txLinClrLst/>
+    <dgm:txFillClrLst meth="repeat">
+      <a:schemeClr val="tx1"/>
+    </dgm:txFillClrLst>
+    <dgm:txEffectClrLst/>
+  </dgm:styleLbl>
+  <dgm:styleLbl name="parChTrans1D3">
+    <dgm:fillClrLst meth="repeat">
+      <a:schemeClr val="accent1"/>
+    </dgm:fillClrLst>
+    <dgm:linClrLst meth="repeat">
+      <a:schemeClr val="accent1">
+        <a:shade val="80000"/>
+      </a:schemeClr>
+    </dgm:linClrLst>
+    <dgm:effectClrLst/>
+    <dgm:txLinClrLst/>
+    <dgm:txFillClrLst meth="repeat">
+      <a:schemeClr val="tx1"/>
+    </dgm:txFillClrLst>
+    <dgm:txEffectClrLst/>
+  </dgm:styleLbl>
+  <dgm:styleLbl name="parChTrans1D4">
+    <dgm:fillClrLst meth="repeat">
+      <a:schemeClr val="accent1"/>
+    </dgm:fillClrLst>
+    <dgm:linClrLst meth="repeat">
+      <a:schemeClr val="accent1">
+        <a:shade val="80000"/>
+      </a:schemeClr>
+    </dgm:linClrLst>
+    <dgm:effectClrLst/>
+    <dgm:txLinClrLst/>
+    <dgm:txFillClrLst meth="repeat">
+      <a:schemeClr val="tx1"/>
+    </dgm:txFillClrLst>
+    <dgm:txEffectClrLst/>
+  </dgm:styleLbl>
+  <dgm:styleLbl name="fgAcc1">
+    <dgm:fillClrLst meth="repeat">
+      <a:schemeClr val="lt1">
+        <a:alpha val="90000"/>
+      </a:schemeClr>
+    </dgm:fillClrLst>
+    <dgm:linClrLst meth="repeat">
+      <a:schemeClr val="accent1"/>
+    </dgm:linClrLst>
+    <dgm:effectClrLst/>
+    <dgm:txLinClrLst/>
+    <dgm:txFillClrLst meth="repeat">
+      <a:schemeClr val="dk1"/>
+    </dgm:txFillClrLst>
+    <dgm:txEffectClrLst/>
+  </dgm:styleLbl>
+  <dgm:styleLbl name="conFgAcc1">
+    <dgm:fillClrLst meth="repeat">
+      <a:schemeClr val="lt1">
+        <a:alpha val="90000"/>
+      </a:schemeClr>
+    </dgm:fillClrLst>
+    <dgm:linClrLst meth="repeat">
+      <a:schemeClr val="accent1"/>
+    </dgm:linClrLst>
+    <dgm:effectClrLst/>
+    <dgm:txLinClrLst/>
+    <dgm:txFillClrLst meth="repeat">
+      <a:schemeClr val="dk1"/>
+    </dgm:txFillClrLst>
+    <dgm:txEffectClrLst/>
+  </dgm:styleLbl>
+  <dgm:styleLbl name="alignAcc1">
+    <dgm:fillClrLst meth="repeat">
+      <a:schemeClr val="lt1">
+        <a:alpha val="90000"/>
+      </a:schemeClr>
+    </dgm:fillClrLst>
+    <dgm:linClrLst meth="repeat">
+      <a:schemeClr val="accent1"/>
+    </dgm:linClrLst>
+    <dgm:effectClrLst/>
+    <dgm:txLinClrLst/>
+    <dgm:txFillClrLst meth="repeat">
+      <a:schemeClr val="dk1"/>
+    </dgm:txFillClrLst>
+    <dgm:txEffectClrLst/>
+  </dgm:styleLbl>
+  <dgm:styleLbl name="trAlignAcc1">
+    <dgm:fillClrLst meth="repeat">
+      <a:schemeClr val="lt1">
+        <a:alpha val="40000"/>
+      </a:schemeClr>
+    </dgm:fillClrLst>
+    <dgm:linClrLst meth="repeat">
+      <a:schemeClr val="accent1"/>
+    </dgm:linClrLst>
+    <dgm:effectClrLst/>
+    <dgm:txLinClrLst/>
+    <dgm:txFillClrLst meth="repeat">
+      <a:schemeClr val="dk1"/>
+    </dgm:txFillClrLst>
+    <dgm:txEffectClrLst/>
+  </dgm:styleLbl>
+  <dgm:styleLbl name="bgAcc1">
+    <dgm:fillClrLst meth="repeat">
+      <a:schemeClr val="lt1">
+        <a:alpha val="90000"/>
+      </a:schemeClr>
+    </dgm:fillClrLst>
+    <dgm:linClrLst meth="repeat">
+      <a:schemeClr val="accent1"/>
+    </dgm:linClrLst>
+    <dgm:effectClrLst/>
+    <dgm:txLinClrLst/>
+    <dgm:txFillClrLst meth="repeat">
+      <a:schemeClr val="dk1"/>
+    </dgm:txFillClrLst>
+    <dgm:txEffectClrLst/>
+  </dgm:styleLbl>
+  <dgm:styleLbl name="solidFgAcc1">
+    <dgm:fillClrLst meth="repeat">
+      <a:schemeClr val="lt1"/>
+    </dgm:fillClrLst>
+    <dgm:linClrLst meth="repeat">
+      <a:schemeClr val="accent1"/>
+    </dgm:linClrLst>
+    <dgm:effectClrLst/>
+    <dgm:txLinClrLst/>
+    <dgm:txFillClrLst meth="repeat">
+      <a:schemeClr val="dk1"/>
+    </dgm:txFillClrLst>
+    <dgm:txEffectClrLst/>
+  </dgm:styleLbl>
+  <dgm:styleLbl name="solidAlignAcc1">
+    <dgm:fillClrLst meth="repeat">
+      <a:schemeClr val="lt1"/>
+    </dgm:fillClrLst>
+    <dgm:linClrLst meth="repeat">
+      <a:schemeClr val="accent1"/>
+    </dgm:linClrLst>
+    <dgm:effectClrLst/>
+    <dgm:txLinClrLst/>
+    <dgm:txFillClrLst meth="repeat">
+      <a:schemeClr val="dk1"/>
+    </dgm:txFillClrLst>
+    <dgm:txEffectClrLst/>
+  </dgm:styleLbl>
+  <dgm:styleLbl name="solidBgAcc1">
+    <dgm:fillClrLst meth="repeat">
+      <a:schemeClr val="lt1"/>
+    </dgm:fillClrLst>
+    <dgm:linClrLst meth="repeat">
+      <a:schemeClr val="accent1"/>
+    </dgm:linClrLst>
+    <dgm:effectClrLst/>
+    <dgm:txLinClrLst/>
+    <dgm:txFillClrLst meth="repeat">
+      <a:schemeClr val="dk1"/>
+    </dgm:txFillClrLst>
+    <dgm:txEffectClrLst/>
+  </dgm:styleLbl>
+  <dgm:styleLbl name="fgAccFollowNode1">
+    <dgm:fillClrLst meth="repeat">
+      <a:schemeClr val="accent1">
+        <a:alpha val="90000"/>
+        <a:tint val="40000"/>
+      </a:schemeClr>
+    </dgm:fillClrLst>
+    <dgm:linClrLst meth="repeat">
+      <a:schemeClr val="accent1">
+        <a:alpha val="90000"/>
+        <a:tint val="40000"/>
+      </a:schemeClr>
+    </dgm:linClrLst>
+    <dgm:effectClrLst/>
+    <dgm:txLinClrLst/>
+    <dgm:txFillClrLst meth="repeat">
+      <a:schemeClr val="dk1"/>
+    </dgm:txFillClrLst>
+    <dgm:txEffectClrLst/>
+  </dgm:styleLbl>
+  <dgm:styleLbl name="alignAccFollowNode1">
+    <dgm:fillClrLst meth="repeat">
+      <a:schemeClr val="accent1">
+        <a:alpha val="90000"/>
+        <a:tint val="40000"/>
+      </a:schemeClr>
+    </dgm:fillClrLst>
+    <dgm:linClrLst meth="repeat">
+      <a:schemeClr val="accent1">
+        <a:alpha val="90000"/>
+        <a:tint val="40000"/>
+      </a:schemeClr>
+    </dgm:linClrLst>
+    <dgm:effectClrLst/>
+    <dgm:txLinClrLst/>
+    <dgm:txFillClrLst meth="repeat">
+      <a:schemeClr val="dk1"/>
+    </dgm:txFillClrLst>
+    <dgm:txEffectClrLst/>
+  </dgm:styleLbl>
+  <dgm:styleLbl name="bgAccFollowNode1">
+    <dgm:fillClrLst meth="repeat">
+      <a:schemeClr val="accent1">
+        <a:alpha val="90000"/>
+        <a:tint val="40000"/>
+      </a:schemeClr>
+    </dgm:fillClrLst>
+    <dgm:linClrLst meth="repeat">
+      <a:schemeClr val="accent1">
+        <a:alpha val="90000"/>
+        <a:tint val="40000"/>
+      </a:schemeClr>
+    </dgm:linClrLst>
+    <dgm:effectClrLst/>
+    <dgm:txLinClrLst/>
+    <dgm:txFillClrLst meth="repeat">
+      <a:schemeClr val="dk1"/>
+    </dgm:txFillClrLst>
+    <dgm:txEffectClrLst/>
+  </dgm:styleLbl>
+  <dgm:styleLbl name="fgAcc0">
+    <dgm:fillClrLst meth="repeat">
+      <a:schemeClr val="lt1">
+        <a:alpha val="90000"/>
+      </a:schemeClr>
+    </dgm:fillClrLst>
+    <dgm:linClrLst meth="repeat">
+      <a:schemeClr val="accent1"/>
+    </dgm:linClrLst>
+    <dgm:effectClrLst/>
+    <dgm:txLinClrLst/>
+    <dgm:txFillClrLst meth="repeat">
+      <a:schemeClr val="dk1"/>
+    </dgm:txFillClrLst>
+    <dgm:txEffectClrLst/>
+  </dgm:styleLbl>
+  <dgm:styleLbl name="fgAcc2">
+    <dgm:fillClrLst meth="repeat">
+      <a:schemeClr val="lt1">
+        <a:alpha val="90000"/>
+      </a:schemeClr>
+    </dgm:fillClrLst>
+    <dgm:linClrLst meth="repeat">
+      <a:schemeClr val="accent1"/>
+    </dgm:linClrLst>
+    <dgm:effectClrLst/>
+    <dgm:txLinClrLst/>
+    <dgm:txFillClrLst meth="repeat">
+      <a:schemeClr val="dk1"/>
+    </dgm:txFillClrLst>
+    <dgm:txEffectClrLst/>
+  </dgm:styleLbl>
+  <dgm:styleLbl name="fgAcc3">
+    <dgm:fillClrLst meth="repeat">
+      <a:schemeClr val="lt1">
+        <a:alpha val="90000"/>
+      </a:schemeClr>
+    </dgm:fillClrLst>
+    <dgm:linClrLst meth="repeat">
+      <a:schemeClr val="accent1"/>
+    </dgm:linClrLst>
+    <dgm:effectClrLst/>
+    <dgm:txLinClrLst/>
+    <dgm:txFillClrLst meth="repeat">
+      <a:schemeClr val="dk1"/>
+    </dgm:txFillClrLst>
+    <dgm:txEffectClrLst/>
+  </dgm:styleLbl>
+  <dgm:styleLbl name="fgAcc4">
+    <dgm:fillClrLst meth="repeat">
+      <a:schemeClr val="lt1">
+        <a:alpha val="90000"/>
+      </a:schemeClr>
+    </dgm:fillClrLst>
+    <dgm:linClrLst meth="repeat">
+      <a:schemeClr val="accent1"/>
+    </dgm:linClrLst>
+    <dgm:effectClrLst/>
+    <dgm:txLinClrLst/>
+    <dgm:txFillClrLst meth="repeat">
+      <a:schemeClr val="dk1"/>
+    </dgm:txFillClrLst>
+    <dgm:txEffectClrLst/>
+  </dgm:styleLbl>
+  <dgm:styleLbl name="bgShp">
+    <dgm:fillClrLst meth="repeat">
+      <a:schemeClr val="accent1">
+        <a:tint val="40000"/>
+      </a:schemeClr>
+    </dgm:fillClrLst>
+    <dgm:linClrLst meth="repeat">
+      <a:schemeClr val="accent1"/>
+    </dgm:linClrLst>
+    <dgm:effectClrLst/>
+    <dgm:txLinClrLst/>
+    <dgm:txFillClrLst meth="repeat">
+      <a:schemeClr val="dk1"/>
+    </dgm:txFillClrLst>
+    <dgm:txEffectClrLst/>
+  </dgm:styleLbl>
+  <dgm:styleLbl name="dkBgShp">
+    <dgm:fillClrLst meth="repeat">
+      <a:schemeClr val="accent1">
+        <a:shade val="80000"/>
+      </a:schemeClr>
+    </dgm:fillClrLst>
+    <dgm:linClrLst meth="repeat">
+      <a:schemeClr val="accent1"/>
+    </dgm:linClrLst>
+    <dgm:effectClrLst/>
+    <dgm:txLinClrLst/>
+    <dgm:txFillClrLst meth="repeat">
+      <a:schemeClr val="lt1"/>
+    </dgm:txFillClrLst>
+    <dgm:txEffectClrLst/>
+  </dgm:styleLbl>
+  <dgm:styleLbl name="trBgShp">
+    <dgm:fillClrLst meth="repeat">
+      <a:schemeClr val="accent1">
+        <a:tint val="50000"/>
+        <a:alpha val="40000"/>
+      </a:schemeClr>
+    </dgm:fillClrLst>
+    <dgm:linClrLst meth="repeat">
+      <a:schemeClr val="accent1"/>
+    </dgm:linClrLst>
+    <dgm:effectClrLst/>
+    <dgm:txLinClrLst/>
+    <dgm:txFillClrLst meth="repeat">
+      <a:schemeClr val="lt1"/>
+    </dgm:txFillClrLst>
+    <dgm:txEffectClrLst/>
+  </dgm:styleLbl>
+  <dgm:styleLbl name="fgShp">
+    <dgm:fillClrLst meth="repeat">
+      <a:schemeClr val="accent1">
+        <a:tint val="60000"/>
+      </a:schemeClr>
+    </dgm:fillClrLst>
+    <dgm:linClrLst meth="repeat">
+      <a:schemeClr val="lt1"/>
+    </dgm:linClrLst>
+    <dgm:effectClrLst/>
+    <dgm:txLinClrLst/>
+    <dgm:txFillClrLst meth="repeat">
+      <a:schemeClr val="dk1"/>
+    </dgm:txFillClrLst>
+    <dgm:txEffectClrLst/>
+  </dgm:styleLbl>
+  <dgm:styleLbl name="revTx">
+    <dgm:fillClrLst meth="repeat">
+      <a:schemeClr val="lt1">
+        <a:alpha val="0"/>
+      </a:schemeClr>
+    </dgm:fillClrLst>
+    <dgm:linClrLst meth="repeat">
+      <a:schemeClr val="dk1">
+        <a:alpha val="0"/>
+      </a:schemeClr>
+    </dgm:linClrLst>
+    <dgm:effectClrLst/>
+    <dgm:txLinClrLst/>
+    <dgm:txFillClrLst meth="repeat">
+      <a:schemeClr val="tx1"/>
+    </dgm:txFillClrLst>
+    <dgm:txEffectClrLst/>
+  </dgm:styleLbl>
+</dgm:colorsDef>
+</file>
+
 <file path=ppt/diagrams/colors2.xml><?xml version="1.0" encoding="utf-8"?>
 <dgm:colorsDef xmlns:dgm="http://schemas.openxmlformats.org/drawingml/2006/diagram" xmlns:a="http://schemas.openxmlformats.org/drawingml/2006/main" uniqueId="urn:microsoft.com/office/officeart/2005/8/colors/accent1_2">
   <dgm:title val=""/>
@@ -7373,6 +8120,13 @@
         </dgm:presLayoutVars>
       </dgm:prSet>
       <dgm:spPr/>
+      <dgm:t>
+        <a:bodyPr/>
+        <a:lstStyle/>
+        <a:p>
+          <a:endParaRPr lang="pt-BR"/>
+        </a:p>
+      </dgm:t>
     </dgm:pt>
     <dgm:pt modelId="{8BB83E3E-CE17-4D42-8DAD-C01CA2C28E4F}" type="pres">
       <dgm:prSet presAssocID="{CF1ADD8D-C2DC-4952-8FED-E142F0475B4C}" presName="diamond" presStyleLbl="bgShp" presStyleIdx="0" presStyleCnt="1" custScaleX="141216" custScaleY="87328" custLinFactNeighborX="2882"/>
@@ -7453,8 +8207,8 @@
     <dgm:cxn modelId="{B15F9662-A84E-47E0-868E-43919BF601D7}" srcId="{CF1ADD8D-C2DC-4952-8FED-E142F0475B4C}" destId="{D36E4681-3C75-4A70-AB27-5C982946D7BD}" srcOrd="2" destOrd="0" parTransId="{5B37C3B2-F2AE-47ED-A0E6-CF45457E4A78}" sibTransId="{ECD57A6A-6F78-46E9-8903-3ED92A61DCF7}"/>
     <dgm:cxn modelId="{7C0F87E1-9EB5-45B3-AFCD-199C755B8026}" type="presOf" srcId="{D36E4681-3C75-4A70-AB27-5C982946D7BD}" destId="{C2622DEC-99A0-43F2-B629-1EB34D7A6645}" srcOrd="0" destOrd="0" presId="urn:microsoft.com/office/officeart/2005/8/layout/matrix3"/>
     <dgm:cxn modelId="{F465B371-F795-40B6-9F79-7C407F55931C}" srcId="{CF1ADD8D-C2DC-4952-8FED-E142F0475B4C}" destId="{3F45AA86-EC33-417F-8904-C8A992F93388}" srcOrd="0" destOrd="0" parTransId="{F3863189-CB3B-4154-AB1C-A93CC7261C5D}" sibTransId="{1AE60E9F-51D0-41E7-AC02-7C0115D0D11E}"/>
+    <dgm:cxn modelId="{2A04875D-E630-47D4-98FF-318226DBA964}" type="presOf" srcId="{BAAD56C5-FE96-456E-83F1-590A5C8015CD}" destId="{D9C6D685-EDBB-4DC5-885A-3D868A4B563E}" srcOrd="0" destOrd="1" presId="urn:microsoft.com/office/officeart/2005/8/layout/matrix3"/>
     <dgm:cxn modelId="{9F237EF2-2BAF-4970-9C8F-9655B2231C6E}" type="presOf" srcId="{3F45AA86-EC33-417F-8904-C8A992F93388}" destId="{EE696764-36FA-415F-BDB2-1C9764E1E43A}" srcOrd="0" destOrd="0" presId="urn:microsoft.com/office/officeart/2005/8/layout/matrix3"/>
-    <dgm:cxn modelId="{2A04875D-E630-47D4-98FF-318226DBA964}" type="presOf" srcId="{BAAD56C5-FE96-456E-83F1-590A5C8015CD}" destId="{D9C6D685-EDBB-4DC5-885A-3D868A4B563E}" srcOrd="0" destOrd="1" presId="urn:microsoft.com/office/officeart/2005/8/layout/matrix3"/>
     <dgm:cxn modelId="{CD6F033E-7A2D-4759-9184-C31DC664FEC2}" srcId="{66C1AADE-9A17-4A1F-98EA-87F2566CF35D}" destId="{BAAD56C5-FE96-456E-83F1-590A5C8015CD}" srcOrd="0" destOrd="0" parTransId="{F08A05A6-01FF-4289-AF76-2923E01D0631}" sibTransId="{7650913C-321F-4054-BBE9-7E6ACE9FEC72}"/>
     <dgm:cxn modelId="{06028F2F-E3DB-4054-AF09-E3E1D6CF26E0}" type="presOf" srcId="{717E048A-8266-4148-A83F-7ED740B63328}" destId="{FD762FAA-AA06-4BBB-9230-89FCEB3A2795}" srcOrd="0" destOrd="1" presId="urn:microsoft.com/office/officeart/2005/8/layout/matrix3"/>
     <dgm:cxn modelId="{CF259D55-F93C-4233-952F-8C6997D77814}" srcId="{CF1ADD8D-C2DC-4952-8FED-E142F0475B4C}" destId="{3E1A2244-59C1-41FE-B4E7-E06EE0C2763A}" srcOrd="3" destOrd="0" parTransId="{41EEA9FC-EC83-47A7-A337-1EA8207A5A2E}" sibTransId="{913FC47A-2344-44CE-838E-E1E1259EE1A4}"/>
@@ -7481,6 +8235,390 @@
 </dgm:dataModel>
 </file>
 
+<file path=ppt/diagrams/data10.xml><?xml version="1.0" encoding="utf-8"?>
+<dgm:dataModel xmlns:dgm="http://schemas.openxmlformats.org/drawingml/2006/diagram" xmlns:a="http://schemas.openxmlformats.org/drawingml/2006/main">
+  <dgm:ptLst>
+    <dgm:pt modelId="{41EDC0B5-5B2E-40F6-A795-26759C403F93}" type="doc">
+      <dgm:prSet loTypeId="urn:microsoft.com/office/officeart/2005/8/layout/target2" loCatId="relationship" qsTypeId="urn:microsoft.com/office/officeart/2005/8/quickstyle/3d7" qsCatId="3D" csTypeId="urn:microsoft.com/office/officeart/2005/8/colors/accent1_2" csCatId="accent1" phldr="1"/>
+      <dgm:spPr/>
+      <dgm:t>
+        <a:bodyPr/>
+        <a:lstStyle/>
+        <a:p>
+          <a:endParaRPr lang="pt-BR"/>
+        </a:p>
+      </dgm:t>
+    </dgm:pt>
+    <dgm:pt modelId="{3B8C848E-B7C5-4BFA-9530-8B78A658DBF9}">
+      <dgm:prSet phldrT="[Texto]"/>
+      <dgm:spPr/>
+      <dgm:t>
+        <a:bodyPr/>
+        <a:lstStyle/>
+        <a:p>
+          <a:r>
+            <a:rPr lang="pt-BR" dirty="0" smtClean="0"/>
+            <a:t>Web site</a:t>
+          </a:r>
+          <a:endParaRPr lang="pt-BR" dirty="0"/>
+        </a:p>
+      </dgm:t>
+    </dgm:pt>
+    <dgm:pt modelId="{63492834-D0E4-41B4-B7F7-53FCFD5E2B26}" type="parTrans" cxnId="{70816197-3CCD-4374-A787-AD50B6C98107}">
+      <dgm:prSet/>
+      <dgm:spPr/>
+      <dgm:t>
+        <a:bodyPr/>
+        <a:lstStyle/>
+        <a:p>
+          <a:endParaRPr lang="pt-BR"/>
+        </a:p>
+      </dgm:t>
+    </dgm:pt>
+    <dgm:pt modelId="{A1BBA8FF-D579-4E2A-8000-37E8226C6F13}" type="sibTrans" cxnId="{70816197-3CCD-4374-A787-AD50B6C98107}">
+      <dgm:prSet/>
+      <dgm:spPr/>
+      <dgm:t>
+        <a:bodyPr/>
+        <a:lstStyle/>
+        <a:p>
+          <a:endParaRPr lang="pt-BR"/>
+        </a:p>
+      </dgm:t>
+    </dgm:pt>
+    <dgm:pt modelId="{3522712F-F43A-4175-BE83-10EA01740169}">
+      <dgm:prSet phldrT="[Texto]"/>
+      <dgm:spPr/>
+      <dgm:t>
+        <a:bodyPr/>
+        <a:lstStyle/>
+        <a:p>
+          <a:r>
+            <a:rPr lang="pt-BR" dirty="0" smtClean="0"/>
+            <a:t>Dispositivos Mobile</a:t>
+          </a:r>
+          <a:endParaRPr lang="pt-BR" dirty="0"/>
+        </a:p>
+      </dgm:t>
+    </dgm:pt>
+    <dgm:pt modelId="{9E1B4B29-EEF3-45C0-9878-1588634F9605}" type="parTrans" cxnId="{972DCC70-CC7D-4C0D-B235-59E3598EF66A}">
+      <dgm:prSet/>
+      <dgm:spPr/>
+      <dgm:t>
+        <a:bodyPr/>
+        <a:lstStyle/>
+        <a:p>
+          <a:endParaRPr lang="pt-BR"/>
+        </a:p>
+      </dgm:t>
+    </dgm:pt>
+    <dgm:pt modelId="{EC03DB40-A835-4E7C-BD1B-9A73530AE7D6}" type="sibTrans" cxnId="{972DCC70-CC7D-4C0D-B235-59E3598EF66A}">
+      <dgm:prSet/>
+      <dgm:spPr/>
+      <dgm:t>
+        <a:bodyPr/>
+        <a:lstStyle/>
+        <a:p>
+          <a:endParaRPr lang="pt-BR"/>
+        </a:p>
+      </dgm:t>
+    </dgm:pt>
+    <dgm:pt modelId="{00AA778E-02C5-4AB7-94AA-A238D1ABCE99}">
+      <dgm:prSet phldrT="[Texto]"/>
+      <dgm:spPr/>
+      <dgm:t>
+        <a:bodyPr/>
+        <a:lstStyle/>
+        <a:p>
+          <a:endParaRPr lang="pt-BR" dirty="0"/>
+        </a:p>
+      </dgm:t>
+    </dgm:pt>
+    <dgm:pt modelId="{29E54D22-60C7-46BE-9AFD-CA81944A36C4}" type="parTrans" cxnId="{3CCA7E8F-9E1A-48EA-BA14-0A763B20D42D}">
+      <dgm:prSet/>
+      <dgm:spPr/>
+      <dgm:t>
+        <a:bodyPr/>
+        <a:lstStyle/>
+        <a:p>
+          <a:endParaRPr lang="pt-BR"/>
+        </a:p>
+      </dgm:t>
+    </dgm:pt>
+    <dgm:pt modelId="{7D102F0B-EB58-4562-BF14-F927D2AC4478}" type="sibTrans" cxnId="{3CCA7E8F-9E1A-48EA-BA14-0A763B20D42D}">
+      <dgm:prSet/>
+      <dgm:spPr/>
+      <dgm:t>
+        <a:bodyPr/>
+        <a:lstStyle/>
+        <a:p>
+          <a:endParaRPr lang="pt-BR"/>
+        </a:p>
+      </dgm:t>
+    </dgm:pt>
+    <dgm:pt modelId="{E050978C-0D9B-48B8-B177-C3932AA7913C}">
+      <dgm:prSet phldrT="[Texto]"/>
+      <dgm:spPr/>
+      <dgm:t>
+        <a:bodyPr/>
+        <a:lstStyle/>
+        <a:p>
+          <a:r>
+            <a:rPr lang="pt-BR" dirty="0" smtClean="0"/>
+            <a:t>Base dados Aplicação</a:t>
+          </a:r>
+          <a:endParaRPr lang="pt-BR" dirty="0"/>
+        </a:p>
+      </dgm:t>
+    </dgm:pt>
+    <dgm:pt modelId="{BB79AFD7-3839-453A-8EB2-A52F965A8C76}" type="parTrans" cxnId="{C8C2BECC-9D45-4EA0-8AC7-5375EB5F3EB6}">
+      <dgm:prSet/>
+      <dgm:spPr/>
+      <dgm:t>
+        <a:bodyPr/>
+        <a:lstStyle/>
+        <a:p>
+          <a:endParaRPr lang="pt-BR"/>
+        </a:p>
+      </dgm:t>
+    </dgm:pt>
+    <dgm:pt modelId="{D22D7724-B8DF-454F-9C7C-F4D3FEA5F73C}" type="sibTrans" cxnId="{C8C2BECC-9D45-4EA0-8AC7-5375EB5F3EB6}">
+      <dgm:prSet/>
+      <dgm:spPr/>
+      <dgm:t>
+        <a:bodyPr/>
+        <a:lstStyle/>
+        <a:p>
+          <a:endParaRPr lang="pt-BR"/>
+        </a:p>
+      </dgm:t>
+    </dgm:pt>
+    <dgm:pt modelId="{27FA57F4-188E-4BD9-8285-85AC9430C1CA}">
+      <dgm:prSet phldrT="[Texto]"/>
+      <dgm:spPr/>
+      <dgm:t>
+        <a:bodyPr/>
+        <a:lstStyle/>
+        <a:p>
+          <a:r>
+            <a:rPr lang="pt-BR" dirty="0" smtClean="0"/>
+            <a:t>Serviços</a:t>
+          </a:r>
+          <a:endParaRPr lang="pt-BR" dirty="0"/>
+        </a:p>
+      </dgm:t>
+    </dgm:pt>
+    <dgm:pt modelId="{EEDFEE3B-048B-4931-9733-606A3F23765B}" type="parTrans" cxnId="{83FF0B91-87EB-4F13-84AB-6C3D5FB7D2A5}">
+      <dgm:prSet/>
+      <dgm:spPr/>
+      <dgm:t>
+        <a:bodyPr/>
+        <a:lstStyle/>
+        <a:p>
+          <a:endParaRPr lang="pt-BR"/>
+        </a:p>
+      </dgm:t>
+    </dgm:pt>
+    <dgm:pt modelId="{8FFD755D-67E9-46A2-940B-D8AAEE3A428A}" type="sibTrans" cxnId="{83FF0B91-87EB-4F13-84AB-6C3D5FB7D2A5}">
+      <dgm:prSet/>
+      <dgm:spPr/>
+      <dgm:t>
+        <a:bodyPr/>
+        <a:lstStyle/>
+        <a:p>
+          <a:endParaRPr lang="pt-BR"/>
+        </a:p>
+      </dgm:t>
+    </dgm:pt>
+    <dgm:pt modelId="{A1B118FD-1FEB-4C32-90A6-C74FF73ACC39}">
+      <dgm:prSet phldrT="[Texto]"/>
+      <dgm:spPr/>
+      <dgm:t>
+        <a:bodyPr/>
+        <a:lstStyle/>
+        <a:p>
+          <a:r>
+            <a:rPr lang="pt-BR" dirty="0" smtClean="0"/>
+            <a:t>Base terceiro</a:t>
+          </a:r>
+          <a:endParaRPr lang="pt-BR" dirty="0"/>
+        </a:p>
+      </dgm:t>
+    </dgm:pt>
+    <dgm:pt modelId="{5DB2BB6F-623C-4D2B-9BAF-DCD48CD1A9C5}" type="parTrans" cxnId="{C54A608E-21D2-43AA-B51B-DEF0F85C137B}">
+      <dgm:prSet/>
+      <dgm:spPr/>
+      <dgm:t>
+        <a:bodyPr/>
+        <a:lstStyle/>
+        <a:p>
+          <a:endParaRPr lang="pt-BR"/>
+        </a:p>
+      </dgm:t>
+    </dgm:pt>
+    <dgm:pt modelId="{8DA34FC6-56B2-4413-80C1-1BB77F092E34}" type="sibTrans" cxnId="{C54A608E-21D2-43AA-B51B-DEF0F85C137B}">
+      <dgm:prSet/>
+      <dgm:spPr/>
+      <dgm:t>
+        <a:bodyPr/>
+        <a:lstStyle/>
+        <a:p>
+          <a:endParaRPr lang="pt-BR"/>
+        </a:p>
+      </dgm:t>
+    </dgm:pt>
+    <dgm:pt modelId="{5DC2A2A4-321E-49F3-87D9-1E402D63144A}" type="pres">
+      <dgm:prSet presAssocID="{41EDC0B5-5B2E-40F6-A795-26759C403F93}" presName="Name0" presStyleCnt="0">
+        <dgm:presLayoutVars>
+          <dgm:chMax val="3"/>
+          <dgm:chPref val="1"/>
+          <dgm:dir/>
+          <dgm:animLvl val="lvl"/>
+          <dgm:resizeHandles/>
+        </dgm:presLayoutVars>
+      </dgm:prSet>
+      <dgm:spPr/>
+    </dgm:pt>
+    <dgm:pt modelId="{47ABF3AE-7C0F-4F37-99E7-26C498633561}" type="pres">
+      <dgm:prSet presAssocID="{41EDC0B5-5B2E-40F6-A795-26759C403F93}" presName="outerBox" presStyleCnt="0"/>
+      <dgm:spPr/>
+    </dgm:pt>
+    <dgm:pt modelId="{BFCD2251-09FB-4193-82AE-20E41AABECB4}" type="pres">
+      <dgm:prSet presAssocID="{41EDC0B5-5B2E-40F6-A795-26759C403F93}" presName="outerBoxParent" presStyleLbl="node1" presStyleIdx="0" presStyleCnt="3"/>
+      <dgm:spPr/>
+      <dgm:t>
+        <a:bodyPr/>
+        <a:lstStyle/>
+        <a:p>
+          <a:endParaRPr lang="pt-BR"/>
+        </a:p>
+      </dgm:t>
+    </dgm:pt>
+    <dgm:pt modelId="{40DC6C87-52FE-4881-A102-E1D5BF83157F}" type="pres">
+      <dgm:prSet presAssocID="{41EDC0B5-5B2E-40F6-A795-26759C403F93}" presName="outerBoxChildren" presStyleCnt="0"/>
+      <dgm:spPr/>
+    </dgm:pt>
+    <dgm:pt modelId="{B75B4B1B-09EA-44A0-A091-652EBDE0EA98}" type="pres">
+      <dgm:prSet presAssocID="{3522712F-F43A-4175-BE83-10EA01740169}" presName="oChild" presStyleLbl="fgAcc1" presStyleIdx="0" presStyleCnt="3">
+        <dgm:presLayoutVars>
+          <dgm:bulletEnabled val="1"/>
+        </dgm:presLayoutVars>
+      </dgm:prSet>
+      <dgm:spPr/>
+      <dgm:t>
+        <a:bodyPr/>
+        <a:lstStyle/>
+        <a:p>
+          <a:endParaRPr lang="pt-BR"/>
+        </a:p>
+      </dgm:t>
+    </dgm:pt>
+    <dgm:pt modelId="{6F2C5CB4-CD05-43FF-9955-4AA40DDC091E}" type="pres">
+      <dgm:prSet presAssocID="{41EDC0B5-5B2E-40F6-A795-26759C403F93}" presName="middleBox" presStyleCnt="0"/>
+      <dgm:spPr/>
+    </dgm:pt>
+    <dgm:pt modelId="{ADD3C99B-AFC3-47B1-A4DF-7A75CC6ABE97}" type="pres">
+      <dgm:prSet presAssocID="{41EDC0B5-5B2E-40F6-A795-26759C403F93}" presName="middleBoxParent" presStyleLbl="node1" presStyleIdx="1" presStyleCnt="3"/>
+      <dgm:spPr/>
+      <dgm:t>
+        <a:bodyPr/>
+        <a:lstStyle/>
+        <a:p>
+          <a:endParaRPr lang="pt-BR"/>
+        </a:p>
+      </dgm:t>
+    </dgm:pt>
+    <dgm:pt modelId="{7D1FE98C-C703-4AEE-8EA1-2B69FFFCA50C}" type="pres">
+      <dgm:prSet presAssocID="{41EDC0B5-5B2E-40F6-A795-26759C403F93}" presName="middleBoxChildren" presStyleCnt="0"/>
+      <dgm:spPr/>
+    </dgm:pt>
+    <dgm:pt modelId="{003ADD9F-4AC4-45B5-8DD6-EC81A27549EB}" type="pres">
+      <dgm:prSet presAssocID="{E050978C-0D9B-48B8-B177-C3932AA7913C}" presName="mChild" presStyleLbl="fgAcc1" presStyleIdx="1" presStyleCnt="3">
+        <dgm:presLayoutVars>
+          <dgm:bulletEnabled val="1"/>
+        </dgm:presLayoutVars>
+      </dgm:prSet>
+      <dgm:spPr/>
+      <dgm:t>
+        <a:bodyPr/>
+        <a:lstStyle/>
+        <a:p>
+          <a:endParaRPr lang="pt-BR"/>
+        </a:p>
+      </dgm:t>
+    </dgm:pt>
+    <dgm:pt modelId="{9240E06D-CFF0-4752-A7B9-6EA42430CC6D}" type="pres">
+      <dgm:prSet presAssocID="{41EDC0B5-5B2E-40F6-A795-26759C403F93}" presName="centerBox" presStyleCnt="0"/>
+      <dgm:spPr/>
+    </dgm:pt>
+    <dgm:pt modelId="{A5A6D88A-617E-417D-BD7B-EBF9A20413FC}" type="pres">
+      <dgm:prSet presAssocID="{41EDC0B5-5B2E-40F6-A795-26759C403F93}" presName="centerBoxParent" presStyleLbl="node1" presStyleIdx="2" presStyleCnt="3"/>
+      <dgm:spPr/>
+      <dgm:t>
+        <a:bodyPr/>
+        <a:lstStyle/>
+        <a:p>
+          <a:endParaRPr lang="pt-BR"/>
+        </a:p>
+      </dgm:t>
+    </dgm:pt>
+    <dgm:pt modelId="{07340D8E-94CE-4AA4-A341-E33CE706BA46}" type="pres">
+      <dgm:prSet presAssocID="{41EDC0B5-5B2E-40F6-A795-26759C403F93}" presName="centerBoxChildren" presStyleCnt="0"/>
+      <dgm:spPr/>
+    </dgm:pt>
+    <dgm:pt modelId="{2C1EC8B9-85E5-46D8-A0E1-9621919A32B4}" type="pres">
+      <dgm:prSet presAssocID="{A1B118FD-1FEB-4C32-90A6-C74FF73ACC39}" presName="cChild" presStyleLbl="fgAcc1" presStyleIdx="2" presStyleCnt="3">
+        <dgm:presLayoutVars>
+          <dgm:bulletEnabled val="1"/>
+        </dgm:presLayoutVars>
+      </dgm:prSet>
+      <dgm:spPr/>
+      <dgm:t>
+        <a:bodyPr/>
+        <a:lstStyle/>
+        <a:p>
+          <a:endParaRPr lang="pt-BR"/>
+        </a:p>
+      </dgm:t>
+    </dgm:pt>
+  </dgm:ptLst>
+  <dgm:cxnLst>
+    <dgm:cxn modelId="{C54A608E-21D2-43AA-B51B-DEF0F85C137B}" srcId="{27FA57F4-188E-4BD9-8285-85AC9430C1CA}" destId="{A1B118FD-1FEB-4C32-90A6-C74FF73ACC39}" srcOrd="0" destOrd="0" parTransId="{5DB2BB6F-623C-4D2B-9BAF-DCD48CD1A9C5}" sibTransId="{8DA34FC6-56B2-4413-80C1-1BB77F092E34}"/>
+    <dgm:cxn modelId="{3CCA7E8F-9E1A-48EA-BA14-0A763B20D42D}" srcId="{41EDC0B5-5B2E-40F6-A795-26759C403F93}" destId="{00AA778E-02C5-4AB7-94AA-A238D1ABCE99}" srcOrd="1" destOrd="0" parTransId="{29E54D22-60C7-46BE-9AFD-CA81944A36C4}" sibTransId="{7D102F0B-EB58-4562-BF14-F927D2AC4478}"/>
+    <dgm:cxn modelId="{70816197-3CCD-4374-A787-AD50B6C98107}" srcId="{41EDC0B5-5B2E-40F6-A795-26759C403F93}" destId="{3B8C848E-B7C5-4BFA-9530-8B78A658DBF9}" srcOrd="0" destOrd="0" parTransId="{63492834-D0E4-41B4-B7F7-53FCFD5E2B26}" sibTransId="{A1BBA8FF-D579-4E2A-8000-37E8226C6F13}"/>
+    <dgm:cxn modelId="{83FF0B91-87EB-4F13-84AB-6C3D5FB7D2A5}" srcId="{41EDC0B5-5B2E-40F6-A795-26759C403F93}" destId="{27FA57F4-188E-4BD9-8285-85AC9430C1CA}" srcOrd="2" destOrd="0" parTransId="{EEDFEE3B-048B-4931-9733-606A3F23765B}" sibTransId="{8FFD755D-67E9-46A2-940B-D8AAEE3A428A}"/>
+    <dgm:cxn modelId="{972DCC70-CC7D-4C0D-B235-59E3598EF66A}" srcId="{3B8C848E-B7C5-4BFA-9530-8B78A658DBF9}" destId="{3522712F-F43A-4175-BE83-10EA01740169}" srcOrd="0" destOrd="0" parTransId="{9E1B4B29-EEF3-45C0-9878-1588634F9605}" sibTransId="{EC03DB40-A835-4E7C-BD1B-9A73530AE7D6}"/>
+    <dgm:cxn modelId="{FE52B234-DDA2-41A4-A0FB-8C00997A6DC9}" type="presOf" srcId="{A1B118FD-1FEB-4C32-90A6-C74FF73ACC39}" destId="{2C1EC8B9-85E5-46D8-A0E1-9621919A32B4}" srcOrd="0" destOrd="0" presId="urn:microsoft.com/office/officeart/2005/8/layout/target2"/>
+    <dgm:cxn modelId="{50090F85-38F3-4F38-9C95-0E87B537E31A}" type="presOf" srcId="{27FA57F4-188E-4BD9-8285-85AC9430C1CA}" destId="{A5A6D88A-617E-417D-BD7B-EBF9A20413FC}" srcOrd="0" destOrd="0" presId="urn:microsoft.com/office/officeart/2005/8/layout/target2"/>
+    <dgm:cxn modelId="{48FAC39E-92B9-4C02-B497-F47EA4BC281E}" type="presOf" srcId="{E050978C-0D9B-48B8-B177-C3932AA7913C}" destId="{003ADD9F-4AC4-45B5-8DD6-EC81A27549EB}" srcOrd="0" destOrd="0" presId="urn:microsoft.com/office/officeart/2005/8/layout/target2"/>
+    <dgm:cxn modelId="{A64CD332-3C8D-4E29-BBA4-ACA4A5C70894}" type="presOf" srcId="{3B8C848E-B7C5-4BFA-9530-8B78A658DBF9}" destId="{BFCD2251-09FB-4193-82AE-20E41AABECB4}" srcOrd="0" destOrd="0" presId="urn:microsoft.com/office/officeart/2005/8/layout/target2"/>
+    <dgm:cxn modelId="{852D2E0A-BBFF-4CF9-86C8-AA48801398EE}" type="presOf" srcId="{00AA778E-02C5-4AB7-94AA-A238D1ABCE99}" destId="{ADD3C99B-AFC3-47B1-A4DF-7A75CC6ABE97}" srcOrd="0" destOrd="0" presId="urn:microsoft.com/office/officeart/2005/8/layout/target2"/>
+    <dgm:cxn modelId="{3005B341-3B26-4ADD-85E4-C5EDCE0C9E20}" type="presOf" srcId="{3522712F-F43A-4175-BE83-10EA01740169}" destId="{B75B4B1B-09EA-44A0-A091-652EBDE0EA98}" srcOrd="0" destOrd="0" presId="urn:microsoft.com/office/officeart/2005/8/layout/target2"/>
+    <dgm:cxn modelId="{C8C2BECC-9D45-4EA0-8AC7-5375EB5F3EB6}" srcId="{00AA778E-02C5-4AB7-94AA-A238D1ABCE99}" destId="{E050978C-0D9B-48B8-B177-C3932AA7913C}" srcOrd="0" destOrd="0" parTransId="{BB79AFD7-3839-453A-8EB2-A52F965A8C76}" sibTransId="{D22D7724-B8DF-454F-9C7C-F4D3FEA5F73C}"/>
+    <dgm:cxn modelId="{75D2E0ED-99D5-44BB-AB4D-0F23545695CF}" type="presOf" srcId="{41EDC0B5-5B2E-40F6-A795-26759C403F93}" destId="{5DC2A2A4-321E-49F3-87D9-1E402D63144A}" srcOrd="0" destOrd="0" presId="urn:microsoft.com/office/officeart/2005/8/layout/target2"/>
+    <dgm:cxn modelId="{FBEA4A22-37AA-4D19-92F3-A05F7B4C4F3C}" type="presParOf" srcId="{5DC2A2A4-321E-49F3-87D9-1E402D63144A}" destId="{47ABF3AE-7C0F-4F37-99E7-26C498633561}" srcOrd="0" destOrd="0" presId="urn:microsoft.com/office/officeart/2005/8/layout/target2"/>
+    <dgm:cxn modelId="{FBFC4953-E3A1-4666-AE1A-E9EA156A9741}" type="presParOf" srcId="{47ABF3AE-7C0F-4F37-99E7-26C498633561}" destId="{BFCD2251-09FB-4193-82AE-20E41AABECB4}" srcOrd="0" destOrd="0" presId="urn:microsoft.com/office/officeart/2005/8/layout/target2"/>
+    <dgm:cxn modelId="{1C0CD012-4D6C-4F64-8494-29ED0B444B63}" type="presParOf" srcId="{47ABF3AE-7C0F-4F37-99E7-26C498633561}" destId="{40DC6C87-52FE-4881-A102-E1D5BF83157F}" srcOrd="1" destOrd="0" presId="urn:microsoft.com/office/officeart/2005/8/layout/target2"/>
+    <dgm:cxn modelId="{99E7428F-00D2-4BCD-8599-09CBC36C33F3}" type="presParOf" srcId="{40DC6C87-52FE-4881-A102-E1D5BF83157F}" destId="{B75B4B1B-09EA-44A0-A091-652EBDE0EA98}" srcOrd="0" destOrd="0" presId="urn:microsoft.com/office/officeart/2005/8/layout/target2"/>
+    <dgm:cxn modelId="{5C396527-4AD8-496B-853C-D8F81361D091}" type="presParOf" srcId="{5DC2A2A4-321E-49F3-87D9-1E402D63144A}" destId="{6F2C5CB4-CD05-43FF-9955-4AA40DDC091E}" srcOrd="1" destOrd="0" presId="urn:microsoft.com/office/officeart/2005/8/layout/target2"/>
+    <dgm:cxn modelId="{505E7B58-0B78-4DAF-804E-DD762EBF5F9A}" type="presParOf" srcId="{6F2C5CB4-CD05-43FF-9955-4AA40DDC091E}" destId="{ADD3C99B-AFC3-47B1-A4DF-7A75CC6ABE97}" srcOrd="0" destOrd="0" presId="urn:microsoft.com/office/officeart/2005/8/layout/target2"/>
+    <dgm:cxn modelId="{530F8CE3-F251-4AED-8229-6B6CE0BD966C}" type="presParOf" srcId="{6F2C5CB4-CD05-43FF-9955-4AA40DDC091E}" destId="{7D1FE98C-C703-4AEE-8EA1-2B69FFFCA50C}" srcOrd="1" destOrd="0" presId="urn:microsoft.com/office/officeart/2005/8/layout/target2"/>
+    <dgm:cxn modelId="{69667AFA-F8D6-4DDF-948B-859828CC7C97}" type="presParOf" srcId="{7D1FE98C-C703-4AEE-8EA1-2B69FFFCA50C}" destId="{003ADD9F-4AC4-45B5-8DD6-EC81A27549EB}" srcOrd="0" destOrd="0" presId="urn:microsoft.com/office/officeart/2005/8/layout/target2"/>
+    <dgm:cxn modelId="{6528BD12-E74A-4BF5-96F3-A0112110B4D5}" type="presParOf" srcId="{5DC2A2A4-321E-49F3-87D9-1E402D63144A}" destId="{9240E06D-CFF0-4752-A7B9-6EA42430CC6D}" srcOrd="2" destOrd="0" presId="urn:microsoft.com/office/officeart/2005/8/layout/target2"/>
+    <dgm:cxn modelId="{C200D654-F997-4840-B6FE-72E88575376D}" type="presParOf" srcId="{9240E06D-CFF0-4752-A7B9-6EA42430CC6D}" destId="{A5A6D88A-617E-417D-BD7B-EBF9A20413FC}" srcOrd="0" destOrd="0" presId="urn:microsoft.com/office/officeart/2005/8/layout/target2"/>
+    <dgm:cxn modelId="{8F316D5F-A345-4879-938A-76DA7B832D43}" type="presParOf" srcId="{9240E06D-CFF0-4752-A7B9-6EA42430CC6D}" destId="{07340D8E-94CE-4AA4-A341-E33CE706BA46}" srcOrd="1" destOrd="0" presId="urn:microsoft.com/office/officeart/2005/8/layout/target2"/>
+    <dgm:cxn modelId="{E6674CB8-698F-4BEC-9FA3-DFCEA7185E07}" type="presParOf" srcId="{07340D8E-94CE-4AA4-A341-E33CE706BA46}" destId="{2C1EC8B9-85E5-46D8-A0E1-9621919A32B4}" srcOrd="0" destOrd="0" presId="urn:microsoft.com/office/officeart/2005/8/layout/target2"/>
+  </dgm:cxnLst>
+  <dgm:bg/>
+  <dgm:whole/>
+  <dgm:extLst>
+    <a:ext uri="http://schemas.microsoft.com/office/drawing/2008/diagram">
+      <dsp:dataModelExt xmlns:dsp="http://schemas.microsoft.com/office/drawing/2008/diagram" relId="rId6" minVer="http://schemas.openxmlformats.org/drawingml/2006/diagram"/>
+    </a:ext>
+  </dgm:extLst>
+</dgm:dataModel>
+</file>
+
 <file path=ppt/diagrams/data2.xml><?xml version="1.0" encoding="utf-8"?>
 <dgm:dataModel xmlns:dgm="http://schemas.openxmlformats.org/drawingml/2006/diagram" xmlns:a="http://schemas.openxmlformats.org/drawingml/2006/main">
   <dgm:ptLst>
@@ -7689,6 +8827,13 @@
         </dgm:presLayoutVars>
       </dgm:prSet>
       <dgm:spPr/>
+      <dgm:t>
+        <a:bodyPr/>
+        <a:lstStyle/>
+        <a:p>
+          <a:endParaRPr lang="pt-BR"/>
+        </a:p>
+      </dgm:t>
     </dgm:pt>
     <dgm:pt modelId="{5B92B76B-FCAA-4BD9-8CC8-517E08C20AB3}" type="pres">
       <dgm:prSet presAssocID="{4D80D226-ED49-4F74-A9DC-E6739A1E525A}" presName="vertOne" presStyleCnt="0"/>
@@ -7728,6 +8873,13 @@
         </dgm:presLayoutVars>
       </dgm:prSet>
       <dgm:spPr/>
+      <dgm:t>
+        <a:bodyPr/>
+        <a:lstStyle/>
+        <a:p>
+          <a:endParaRPr lang="pt-BR"/>
+        </a:p>
+      </dgm:t>
     </dgm:pt>
     <dgm:pt modelId="{13BB23AD-A1C1-44BD-8F9F-4B0E06D42A51}" type="pres">
       <dgm:prSet presAssocID="{AAE061B8-66B1-4EF6-9A14-8DF9C1B027F9}" presName="parTransTwo" presStyleCnt="0"/>
@@ -7748,6 +8900,13 @@
         </dgm:presLayoutVars>
       </dgm:prSet>
       <dgm:spPr/>
+      <dgm:t>
+        <a:bodyPr/>
+        <a:lstStyle/>
+        <a:p>
+          <a:endParaRPr lang="pt-BR"/>
+        </a:p>
+      </dgm:t>
     </dgm:pt>
     <dgm:pt modelId="{3033286B-0A44-46A4-A85C-705519F62097}" type="pres">
       <dgm:prSet presAssocID="{807B4EC0-DBCD-4A0A-8B06-00253A878830}" presName="horzThree" presStyleCnt="0"/>
@@ -7768,6 +8927,13 @@
         </dgm:presLayoutVars>
       </dgm:prSet>
       <dgm:spPr/>
+      <dgm:t>
+        <a:bodyPr/>
+        <a:lstStyle/>
+        <a:p>
+          <a:endParaRPr lang="pt-BR"/>
+        </a:p>
+      </dgm:t>
     </dgm:pt>
     <dgm:pt modelId="{9C78176C-9637-4DF3-8CCD-3DEAC0FB681A}" type="pres">
       <dgm:prSet presAssocID="{75B7BF33-8AAF-4FD7-9587-CA0D5E8A58EC}" presName="parTransTwo" presStyleCnt="0"/>
@@ -7788,6 +8954,13 @@
         </dgm:presLayoutVars>
       </dgm:prSet>
       <dgm:spPr/>
+      <dgm:t>
+        <a:bodyPr/>
+        <a:lstStyle/>
+        <a:p>
+          <a:endParaRPr lang="pt-BR"/>
+        </a:p>
+      </dgm:t>
     </dgm:pt>
     <dgm:pt modelId="{32CB2186-D4A8-4F6C-A2F1-142F7718754D}" type="pres">
       <dgm:prSet presAssocID="{F7FF83DE-4A98-4D98-88E3-D4B472E51B37}" presName="horzThree" presStyleCnt="0"/>
@@ -7835,6 +9008,13 @@
         </dgm:presLayoutVars>
       </dgm:prSet>
       <dgm:spPr/>
+      <dgm:t>
+        <a:bodyPr/>
+        <a:lstStyle/>
+        <a:p>
+          <a:endParaRPr lang="pt-BR"/>
+        </a:p>
+      </dgm:t>
     </dgm:pt>
     <dgm:pt modelId="{73B653B1-F17F-43C2-97B3-6C0ED16DE704}" type="pres">
       <dgm:prSet presAssocID="{9C50F597-25B9-4003-B90C-F7665C6755DE}" presName="horzThree" presStyleCnt="0"/>
@@ -7842,21 +9022,21 @@
     </dgm:pt>
   </dgm:ptLst>
   <dgm:cxnLst>
+    <dgm:cxn modelId="{5CBCB8B0-0236-4E68-AE5C-A497B3A880C1}" type="presOf" srcId="{9C50F597-25B9-4003-B90C-F7665C6755DE}" destId="{9970C94A-8FA0-4DC8-A1B6-ADFB18536F17}" srcOrd="0" destOrd="0" presId="urn:microsoft.com/office/officeart/2005/8/layout/hierarchy4"/>
+    <dgm:cxn modelId="{2A83E94C-B0A5-43CA-A80E-FDC07FB30C97}" type="presOf" srcId="{4D80D226-ED49-4F74-A9DC-E6739A1E525A}" destId="{72A4396F-6C6D-4572-8D0B-0E5A71BA0032}" srcOrd="0" destOrd="0" presId="urn:microsoft.com/office/officeart/2005/8/layout/hierarchy4"/>
+    <dgm:cxn modelId="{450A96F1-A226-4857-9575-D42BE432BE1B}" type="presOf" srcId="{807B4EC0-DBCD-4A0A-8B06-00253A878830}" destId="{353B51B8-08EC-4BCF-999A-95E8A0758949}" srcOrd="0" destOrd="0" presId="urn:microsoft.com/office/officeart/2005/8/layout/hierarchy4"/>
+    <dgm:cxn modelId="{80C5821F-625F-4F7D-BC8A-B6AE91C3934A}" srcId="{75B7BF33-8AAF-4FD7-9587-CA0D5E8A58EC}" destId="{F7FF83DE-4A98-4D98-88E3-D4B472E51B37}" srcOrd="0" destOrd="0" parTransId="{77F47C2D-8749-48D1-BAA5-FE2905E54005}" sibTransId="{7B7DCFA7-693C-4385-B6BD-78144F3CF178}"/>
+    <dgm:cxn modelId="{F588288A-658F-4A2E-83A7-74D2DB0AC655}" srcId="{AAE061B8-66B1-4EF6-9A14-8DF9C1B027F9}" destId="{807B4EC0-DBCD-4A0A-8B06-00253A878830}" srcOrd="0" destOrd="0" parTransId="{2C0DBB5A-C660-45FB-A924-7EE7158F60BE}" sibTransId="{E6BD2728-01B4-47C8-BC63-9ABCB0A2F994}"/>
     <dgm:cxn modelId="{A8BD5C5C-6413-49EA-8C96-E43EEEE39C89}" type="presOf" srcId="{AAE061B8-66B1-4EF6-9A14-8DF9C1B027F9}" destId="{3E066A3C-E4EF-41FF-A4BF-6B6EAB1AAF61}" srcOrd="0" destOrd="0" presId="urn:microsoft.com/office/officeart/2005/8/layout/hierarchy4"/>
+    <dgm:cxn modelId="{5186CA98-C136-4CA9-89F8-86950FF9D7FE}" type="presOf" srcId="{45D0FA18-E7C9-40CA-85FE-6C06DF210865}" destId="{388079A2-CF1D-496E-888C-D15DE457FFDF}" srcOrd="0" destOrd="0" presId="urn:microsoft.com/office/officeart/2005/8/layout/hierarchy4"/>
+    <dgm:cxn modelId="{B5BC5289-EAAE-420F-A0DC-1314614F029B}" type="presOf" srcId="{F7FF83DE-4A98-4D98-88E3-D4B472E51B37}" destId="{76D2BF23-CE72-48BA-B213-54136EFD1F11}" srcOrd="0" destOrd="0" presId="urn:microsoft.com/office/officeart/2005/8/layout/hierarchy4"/>
     <dgm:cxn modelId="{E0207364-9F49-4CCB-9667-C8ACBE412209}" type="presOf" srcId="{75B7BF33-8AAF-4FD7-9587-CA0D5E8A58EC}" destId="{8969E11C-5CBF-4BF1-A6BC-7B90BACD04C4}" srcOrd="0" destOrd="0" presId="urn:microsoft.com/office/officeart/2005/8/layout/hierarchy4"/>
-    <dgm:cxn modelId="{5186CA98-C136-4CA9-89F8-86950FF9D7FE}" type="presOf" srcId="{45D0FA18-E7C9-40CA-85FE-6C06DF210865}" destId="{388079A2-CF1D-496E-888C-D15DE457FFDF}" srcOrd="0" destOrd="0" presId="urn:microsoft.com/office/officeart/2005/8/layout/hierarchy4"/>
+    <dgm:cxn modelId="{49924C73-89AD-4EE1-B8ED-2B628AE59112}" srcId="{4D80D226-ED49-4F74-A9DC-E6739A1E525A}" destId="{AAE061B8-66B1-4EF6-9A14-8DF9C1B027F9}" srcOrd="0" destOrd="0" parTransId="{86881EF1-C069-47E8-BB28-ACB5208570F6}" sibTransId="{C6852C81-936A-4457-823B-A45AAE0512FE}"/>
+    <dgm:cxn modelId="{E1097D70-B157-4CAD-B4ED-261888A93E93}" srcId="{45D0FA18-E7C9-40CA-85FE-6C06DF210865}" destId="{9C50F597-25B9-4003-B90C-F7665C6755DE}" srcOrd="0" destOrd="0" parTransId="{ED63D234-4DB5-4A7C-ACB0-DFCBA3737E1F}" sibTransId="{DD11E3BE-DDD0-4D15-A7CB-DB3759809659}"/>
+    <dgm:cxn modelId="{7854A23B-DFAF-4932-BC3F-92593C1FF720}" type="presOf" srcId="{40B78537-89BA-4099-9B51-D111571F2F51}" destId="{BF2C47A5-22D6-4556-A6BA-700966C15184}" srcOrd="0" destOrd="0" presId="urn:microsoft.com/office/officeart/2005/8/layout/hierarchy4"/>
+    <dgm:cxn modelId="{3F318998-8C97-494E-A31C-B3B3D41CBC26}" srcId="{4D80D226-ED49-4F74-A9DC-E6739A1E525A}" destId="{75B7BF33-8AAF-4FD7-9587-CA0D5E8A58EC}" srcOrd="1" destOrd="0" parTransId="{5DE4C07D-F0DA-4149-85BF-312A32B65653}" sibTransId="{9CFC7F9F-ACC1-4E61-9FCC-310A7607FB39}"/>
+    <dgm:cxn modelId="{45234437-E499-4B09-BA6B-B8C74A6F33B0}" srcId="{4D80D226-ED49-4F74-A9DC-E6739A1E525A}" destId="{45D0FA18-E7C9-40CA-85FE-6C06DF210865}" srcOrd="2" destOrd="0" parTransId="{BD61D5D3-0C7F-4418-96E8-2BD5E0117537}" sibTransId="{080D8A91-F1D4-4BE4-8EAB-DCDAB2E21950}"/>
     <dgm:cxn modelId="{0C743358-E86A-4194-9E97-92B32C117A4C}" srcId="{40B78537-89BA-4099-9B51-D111571F2F51}" destId="{4D80D226-ED49-4F74-A9DC-E6739A1E525A}" srcOrd="0" destOrd="0" parTransId="{3DC520C2-745C-44F2-976A-30A225DB0CA5}" sibTransId="{8F1D3AD4-E37D-44D5-B540-57B561A90D25}"/>
-    <dgm:cxn modelId="{450A96F1-A226-4857-9575-D42BE432BE1B}" type="presOf" srcId="{807B4EC0-DBCD-4A0A-8B06-00253A878830}" destId="{353B51B8-08EC-4BCF-999A-95E8A0758949}" srcOrd="0" destOrd="0" presId="urn:microsoft.com/office/officeart/2005/8/layout/hierarchy4"/>
-    <dgm:cxn modelId="{49924C73-89AD-4EE1-B8ED-2B628AE59112}" srcId="{4D80D226-ED49-4F74-A9DC-E6739A1E525A}" destId="{AAE061B8-66B1-4EF6-9A14-8DF9C1B027F9}" srcOrd="0" destOrd="0" parTransId="{86881EF1-C069-47E8-BB28-ACB5208570F6}" sibTransId="{C6852C81-936A-4457-823B-A45AAE0512FE}"/>
-    <dgm:cxn modelId="{2A83E94C-B0A5-43CA-A80E-FDC07FB30C97}" type="presOf" srcId="{4D80D226-ED49-4F74-A9DC-E6739A1E525A}" destId="{72A4396F-6C6D-4572-8D0B-0E5A71BA0032}" srcOrd="0" destOrd="0" presId="urn:microsoft.com/office/officeart/2005/8/layout/hierarchy4"/>
-    <dgm:cxn modelId="{B5BC5289-EAAE-420F-A0DC-1314614F029B}" type="presOf" srcId="{F7FF83DE-4A98-4D98-88E3-D4B472E51B37}" destId="{76D2BF23-CE72-48BA-B213-54136EFD1F11}" srcOrd="0" destOrd="0" presId="urn:microsoft.com/office/officeart/2005/8/layout/hierarchy4"/>
-    <dgm:cxn modelId="{7854A23B-DFAF-4932-BC3F-92593C1FF720}" type="presOf" srcId="{40B78537-89BA-4099-9B51-D111571F2F51}" destId="{BF2C47A5-22D6-4556-A6BA-700966C15184}" srcOrd="0" destOrd="0" presId="urn:microsoft.com/office/officeart/2005/8/layout/hierarchy4"/>
-    <dgm:cxn modelId="{F588288A-658F-4A2E-83A7-74D2DB0AC655}" srcId="{AAE061B8-66B1-4EF6-9A14-8DF9C1B027F9}" destId="{807B4EC0-DBCD-4A0A-8B06-00253A878830}" srcOrd="0" destOrd="0" parTransId="{2C0DBB5A-C660-45FB-A924-7EE7158F60BE}" sibTransId="{E6BD2728-01B4-47C8-BC63-9ABCB0A2F994}"/>
-    <dgm:cxn modelId="{E1097D70-B157-4CAD-B4ED-261888A93E93}" srcId="{45D0FA18-E7C9-40CA-85FE-6C06DF210865}" destId="{9C50F597-25B9-4003-B90C-F7665C6755DE}" srcOrd="0" destOrd="0" parTransId="{ED63D234-4DB5-4A7C-ACB0-DFCBA3737E1F}" sibTransId="{DD11E3BE-DDD0-4D15-A7CB-DB3759809659}"/>
-    <dgm:cxn modelId="{45234437-E499-4B09-BA6B-B8C74A6F33B0}" srcId="{4D80D226-ED49-4F74-A9DC-E6739A1E525A}" destId="{45D0FA18-E7C9-40CA-85FE-6C06DF210865}" srcOrd="2" destOrd="0" parTransId="{BD61D5D3-0C7F-4418-96E8-2BD5E0117537}" sibTransId="{080D8A91-F1D4-4BE4-8EAB-DCDAB2E21950}"/>
-    <dgm:cxn modelId="{3F318998-8C97-494E-A31C-B3B3D41CBC26}" srcId="{4D80D226-ED49-4F74-A9DC-E6739A1E525A}" destId="{75B7BF33-8AAF-4FD7-9587-CA0D5E8A58EC}" srcOrd="1" destOrd="0" parTransId="{5DE4C07D-F0DA-4149-85BF-312A32B65653}" sibTransId="{9CFC7F9F-ACC1-4E61-9FCC-310A7607FB39}"/>
-    <dgm:cxn modelId="{5CBCB8B0-0236-4E68-AE5C-A497B3A880C1}" type="presOf" srcId="{9C50F597-25B9-4003-B90C-F7665C6755DE}" destId="{9970C94A-8FA0-4DC8-A1B6-ADFB18536F17}" srcOrd="0" destOrd="0" presId="urn:microsoft.com/office/officeart/2005/8/layout/hierarchy4"/>
-    <dgm:cxn modelId="{80C5821F-625F-4F7D-BC8A-B6AE91C3934A}" srcId="{75B7BF33-8AAF-4FD7-9587-CA0D5E8A58EC}" destId="{F7FF83DE-4A98-4D98-88E3-D4B472E51B37}" srcOrd="0" destOrd="0" parTransId="{77F47C2D-8749-48D1-BAA5-FE2905E54005}" sibTransId="{7B7DCFA7-693C-4385-B6BD-78144F3CF178}"/>
     <dgm:cxn modelId="{F449A1B6-4A4C-43BA-BC3B-9ADCA0B1A5B0}" type="presParOf" srcId="{BF2C47A5-22D6-4556-A6BA-700966C15184}" destId="{5B92B76B-FCAA-4BD9-8CC8-517E08C20AB3}" srcOrd="0" destOrd="0" presId="urn:microsoft.com/office/officeart/2005/8/layout/hierarchy4"/>
     <dgm:cxn modelId="{A73F1CA9-A013-4273-86FB-6DDB22853DE1}" type="presParOf" srcId="{5B92B76B-FCAA-4BD9-8CC8-517E08C20AB3}" destId="{72A4396F-6C6D-4572-8D0B-0E5A71BA0032}" srcOrd="0" destOrd="0" presId="urn:microsoft.com/office/officeart/2005/8/layout/hierarchy4"/>
     <dgm:cxn modelId="{D50D2C29-A996-4DC2-A491-9AFB0402CABC}" type="presParOf" srcId="{5B92B76B-FCAA-4BD9-8CC8-517E08C20AB3}" destId="{343BDA7D-489F-4C5F-974C-44AE7F329B19}" srcOrd="1" destOrd="0" presId="urn:microsoft.com/office/officeart/2005/8/layout/hierarchy4"/>
@@ -14222,6 +15402,503 @@
       <dsp:txXfrm>
         <a:off x="4956620" y="3078940"/>
         <a:ext cx="3712517" cy="2027305"/>
+      </dsp:txXfrm>
+    </dsp:sp>
+  </dsp:spTree>
+</dsp:drawing>
+</file>
+
+<file path=ppt/diagrams/drawing10.xml><?xml version="1.0" encoding="utf-8"?>
+<dsp:drawing xmlns:dgm="http://schemas.openxmlformats.org/drawingml/2006/diagram" xmlns:dsp="http://schemas.microsoft.com/office/drawing/2008/diagram" xmlns:a="http://schemas.openxmlformats.org/drawingml/2006/main">
+  <dsp:spTree>
+    <dsp:nvGrpSpPr>
+      <dsp:cNvPr id="0" name=""/>
+      <dsp:cNvGrpSpPr/>
+    </dsp:nvGrpSpPr>
+    <dsp:grpSpPr/>
+    <dsp:sp modelId="{BFCD2251-09FB-4193-82AE-20E41AABECB4}">
+      <dsp:nvSpPr>
+        <dsp:cNvPr id="0" name=""/>
+        <dsp:cNvSpPr/>
+      </dsp:nvSpPr>
+      <dsp:spPr>
+        <a:xfrm>
+          <a:off x="0" y="0"/>
+          <a:ext cx="8784976" cy="5429200"/>
+        </a:xfrm>
+        <a:prstGeom prst="roundRect">
+          <a:avLst>
+            <a:gd name="adj" fmla="val 8500"/>
+          </a:avLst>
+        </a:prstGeom>
+        <a:solidFill>
+          <a:schemeClr val="accent1">
+            <a:hueOff val="0"/>
+            <a:satOff val="0"/>
+            <a:lumOff val="0"/>
+            <a:alphaOff val="0"/>
+          </a:schemeClr>
+        </a:solidFill>
+        <a:ln>
+          <a:noFill/>
+        </a:ln>
+        <a:effectLst>
+          <a:outerShdw blurRad="40000" dist="20000" dir="5400000" rotWithShape="0">
+            <a:srgbClr val="000000">
+              <a:alpha val="38000"/>
+            </a:srgbClr>
+          </a:outerShdw>
+        </a:effectLst>
+        <a:sp3d extrusionH="50600" prstMaterial="metal">
+          <a:bevelT w="101600" h="80600" prst="relaxedInset"/>
+          <a:bevelB w="80600" h="80600" prst="relaxedInset"/>
+        </a:sp3d>
+      </dsp:spPr>
+      <dsp:style>
+        <a:lnRef idx="0">
+          <a:scrgbClr r="0" g="0" b="0"/>
+        </a:lnRef>
+        <a:fillRef idx="1">
+          <a:scrgbClr r="0" g="0" b="0"/>
+        </a:fillRef>
+        <a:effectRef idx="1">
+          <a:scrgbClr r="0" g="0" b="0"/>
+        </a:effectRef>
+        <a:fontRef idx="minor">
+          <a:schemeClr val="dk1"/>
+        </a:fontRef>
+      </dsp:style>
+      <dsp:txBody>
+        <a:bodyPr spcFirstLastPara="0" vert="horz" wrap="square" lIns="160020" tIns="160020" rIns="160020" bIns="4213662" numCol="1" spcCol="1270" anchor="t" anchorCtr="0">
+          <a:noAutofit/>
+        </a:bodyPr>
+        <a:lstStyle/>
+        <a:p>
+          <a:pPr lvl="0" algn="l" defTabSz="1866900">
+            <a:lnSpc>
+              <a:spcPct val="90000"/>
+            </a:lnSpc>
+            <a:spcBef>
+              <a:spcPct val="0"/>
+            </a:spcBef>
+            <a:spcAft>
+              <a:spcPct val="35000"/>
+            </a:spcAft>
+          </a:pPr>
+          <a:r>
+            <a:rPr lang="pt-BR" sz="4200" kern="1200" dirty="0" smtClean="0"/>
+            <a:t>Web site</a:t>
+          </a:r>
+          <a:endParaRPr lang="pt-BR" sz="4200" kern="1200" dirty="0"/>
+        </a:p>
+      </dsp:txBody>
+      <dsp:txXfrm>
+        <a:off x="135163" y="135163"/>
+        <a:ext cx="8514650" cy="5158874"/>
+      </dsp:txXfrm>
+    </dsp:sp>
+    <dsp:sp modelId="{B75B4B1B-09EA-44A0-A091-652EBDE0EA98}">
+      <dsp:nvSpPr>
+        <dsp:cNvPr id="0" name=""/>
+        <dsp:cNvSpPr/>
+      </dsp:nvSpPr>
+      <dsp:spPr>
+        <a:xfrm>
+          <a:off x="219624" y="1357300"/>
+          <a:ext cx="1317746" cy="3800440"/>
+        </a:xfrm>
+        <a:prstGeom prst="roundRect">
+          <a:avLst>
+            <a:gd name="adj" fmla="val 10500"/>
+          </a:avLst>
+        </a:prstGeom>
+        <a:solidFill>
+          <a:schemeClr val="lt1">
+            <a:alpha val="90000"/>
+            <a:hueOff val="0"/>
+            <a:satOff val="0"/>
+            <a:lumOff val="0"/>
+            <a:alphaOff val="0"/>
+          </a:schemeClr>
+        </a:solidFill>
+        <a:ln w="9525" cap="flat" cmpd="sng" algn="ctr">
+          <a:solidFill>
+            <a:schemeClr val="accent1">
+              <a:hueOff val="0"/>
+              <a:satOff val="0"/>
+              <a:lumOff val="0"/>
+              <a:alphaOff val="0"/>
+            </a:schemeClr>
+          </a:solidFill>
+          <a:prstDash val="solid"/>
+        </a:ln>
+        <a:effectLst/>
+        <a:sp3d z="57200" extrusionH="600" contourW="3000">
+          <a:bevelT w="48600" h="18600" prst="relaxedInset"/>
+          <a:bevelB w="48600" h="8600" prst="relaxedInset"/>
+        </a:sp3d>
+      </dsp:spPr>
+      <dsp:style>
+        <a:lnRef idx="1">
+          <a:scrgbClr r="0" g="0" b="0"/>
+        </a:lnRef>
+        <a:fillRef idx="1">
+          <a:scrgbClr r="0" g="0" b="0"/>
+        </a:fillRef>
+        <a:effectRef idx="0">
+          <a:scrgbClr r="0" g="0" b="0"/>
+        </a:effectRef>
+        <a:fontRef idx="minor"/>
+      </dsp:style>
+      <dsp:txBody>
+        <a:bodyPr spcFirstLastPara="0" vert="horz" wrap="square" lIns="60960" tIns="60960" rIns="60960" bIns="60960" numCol="1" spcCol="1270" anchor="ctr" anchorCtr="0">
+          <a:noAutofit/>
+        </a:bodyPr>
+        <a:lstStyle/>
+        <a:p>
+          <a:pPr lvl="0" algn="ctr" defTabSz="711200">
+            <a:lnSpc>
+              <a:spcPct val="90000"/>
+            </a:lnSpc>
+            <a:spcBef>
+              <a:spcPct val="0"/>
+            </a:spcBef>
+            <a:spcAft>
+              <a:spcPct val="35000"/>
+            </a:spcAft>
+          </a:pPr>
+          <a:r>
+            <a:rPr lang="pt-BR" sz="1600" kern="1200" dirty="0" smtClean="0"/>
+            <a:t>Dispositivos Mobile</a:t>
+          </a:r>
+          <a:endParaRPr lang="pt-BR" sz="1600" kern="1200" dirty="0"/>
+        </a:p>
+      </dsp:txBody>
+      <dsp:txXfrm>
+        <a:off x="260149" y="1397825"/>
+        <a:ext cx="1236696" cy="3719390"/>
+      </dsp:txXfrm>
+    </dsp:sp>
+    <dsp:sp modelId="{ADD3C99B-AFC3-47B1-A4DF-7A75CC6ABE97}">
+      <dsp:nvSpPr>
+        <dsp:cNvPr id="0" name=""/>
+        <dsp:cNvSpPr/>
+      </dsp:nvSpPr>
+      <dsp:spPr>
+        <a:xfrm>
+          <a:off x="1756995" y="1357300"/>
+          <a:ext cx="6808356" cy="3800440"/>
+        </a:xfrm>
+        <a:prstGeom prst="roundRect">
+          <a:avLst>
+            <a:gd name="adj" fmla="val 10500"/>
+          </a:avLst>
+        </a:prstGeom>
+        <a:solidFill>
+          <a:schemeClr val="accent1">
+            <a:hueOff val="0"/>
+            <a:satOff val="0"/>
+            <a:lumOff val="0"/>
+            <a:alphaOff val="0"/>
+          </a:schemeClr>
+        </a:solidFill>
+        <a:ln>
+          <a:noFill/>
+        </a:ln>
+        <a:effectLst>
+          <a:outerShdw blurRad="40000" dist="20000" dir="5400000" rotWithShape="0">
+            <a:srgbClr val="000000">
+              <a:alpha val="38000"/>
+            </a:srgbClr>
+          </a:outerShdw>
+        </a:effectLst>
+        <a:sp3d extrusionH="50600" prstMaterial="metal">
+          <a:bevelT w="101600" h="80600" prst="relaxedInset"/>
+          <a:bevelB w="80600" h="80600" prst="relaxedInset"/>
+        </a:sp3d>
+      </dsp:spPr>
+      <dsp:style>
+        <a:lnRef idx="0">
+          <a:scrgbClr r="0" g="0" b="0"/>
+        </a:lnRef>
+        <a:fillRef idx="1">
+          <a:scrgbClr r="0" g="0" b="0"/>
+        </a:fillRef>
+        <a:effectRef idx="1">
+          <a:scrgbClr r="0" g="0" b="0"/>
+        </a:effectRef>
+        <a:fontRef idx="minor">
+          <a:schemeClr val="dk1"/>
+        </a:fontRef>
+      </dsp:style>
+      <dsp:txBody>
+        <a:bodyPr spcFirstLastPara="0" vert="horz" wrap="square" lIns="160020" tIns="160020" rIns="160020" bIns="2413279" numCol="1" spcCol="1270" anchor="t" anchorCtr="0">
+          <a:noAutofit/>
+        </a:bodyPr>
+        <a:lstStyle/>
+        <a:p>
+          <a:pPr lvl="0" algn="l" defTabSz="1866900">
+            <a:lnSpc>
+              <a:spcPct val="90000"/>
+            </a:lnSpc>
+            <a:spcBef>
+              <a:spcPct val="0"/>
+            </a:spcBef>
+            <a:spcAft>
+              <a:spcPct val="35000"/>
+            </a:spcAft>
+          </a:pPr>
+          <a:endParaRPr lang="pt-BR" sz="4200" kern="1200" dirty="0"/>
+        </a:p>
+      </dsp:txBody>
+      <dsp:txXfrm>
+        <a:off x="1873872" y="1474177"/>
+        <a:ext cx="6574602" cy="3566686"/>
+      </dsp:txXfrm>
+    </dsp:sp>
+    <dsp:sp modelId="{003ADD9F-4AC4-45B5-8DD6-EC81A27549EB}">
+      <dsp:nvSpPr>
+        <dsp:cNvPr id="0" name=""/>
+        <dsp:cNvSpPr/>
+      </dsp:nvSpPr>
+      <dsp:spPr>
+        <a:xfrm>
+          <a:off x="1927204" y="2687454"/>
+          <a:ext cx="1361671" cy="2185253"/>
+        </a:xfrm>
+        <a:prstGeom prst="roundRect">
+          <a:avLst>
+            <a:gd name="adj" fmla="val 10500"/>
+          </a:avLst>
+        </a:prstGeom>
+        <a:solidFill>
+          <a:schemeClr val="lt1">
+            <a:alpha val="90000"/>
+            <a:hueOff val="0"/>
+            <a:satOff val="0"/>
+            <a:lumOff val="0"/>
+            <a:alphaOff val="0"/>
+          </a:schemeClr>
+        </a:solidFill>
+        <a:ln w="9525" cap="flat" cmpd="sng" algn="ctr">
+          <a:solidFill>
+            <a:schemeClr val="accent1">
+              <a:hueOff val="0"/>
+              <a:satOff val="0"/>
+              <a:lumOff val="0"/>
+              <a:alphaOff val="0"/>
+            </a:schemeClr>
+          </a:solidFill>
+          <a:prstDash val="solid"/>
+        </a:ln>
+        <a:effectLst/>
+        <a:sp3d z="57200" extrusionH="600" contourW="3000">
+          <a:bevelT w="48600" h="18600" prst="relaxedInset"/>
+          <a:bevelB w="48600" h="8600" prst="relaxedInset"/>
+        </a:sp3d>
+      </dsp:spPr>
+      <dsp:style>
+        <a:lnRef idx="1">
+          <a:scrgbClr r="0" g="0" b="0"/>
+        </a:lnRef>
+        <a:fillRef idx="1">
+          <a:scrgbClr r="0" g="0" b="0"/>
+        </a:fillRef>
+        <a:effectRef idx="0">
+          <a:scrgbClr r="0" g="0" b="0"/>
+        </a:effectRef>
+        <a:fontRef idx="minor"/>
+      </dsp:style>
+      <dsp:txBody>
+        <a:bodyPr spcFirstLastPara="0" vert="horz" wrap="square" lIns="60960" tIns="60960" rIns="60960" bIns="60960" numCol="1" spcCol="1270" anchor="ctr" anchorCtr="0">
+          <a:noAutofit/>
+        </a:bodyPr>
+        <a:lstStyle/>
+        <a:p>
+          <a:pPr lvl="0" algn="ctr" defTabSz="711200">
+            <a:lnSpc>
+              <a:spcPct val="90000"/>
+            </a:lnSpc>
+            <a:spcBef>
+              <a:spcPct val="0"/>
+            </a:spcBef>
+            <a:spcAft>
+              <a:spcPct val="35000"/>
+            </a:spcAft>
+          </a:pPr>
+          <a:r>
+            <a:rPr lang="pt-BR" sz="1600" kern="1200" dirty="0" smtClean="0"/>
+            <a:t>Base dados Aplicação</a:t>
+          </a:r>
+          <a:endParaRPr lang="pt-BR" sz="1600" kern="1200" dirty="0"/>
+        </a:p>
+      </dsp:txBody>
+      <dsp:txXfrm>
+        <a:off x="1969080" y="2729330"/>
+        <a:ext cx="1277919" cy="2101501"/>
+      </dsp:txXfrm>
+    </dsp:sp>
+    <dsp:sp modelId="{A5A6D88A-617E-417D-BD7B-EBF9A20413FC}">
+      <dsp:nvSpPr>
+        <dsp:cNvPr id="0" name=""/>
+        <dsp:cNvSpPr/>
+      </dsp:nvSpPr>
+      <dsp:spPr>
+        <a:xfrm>
+          <a:off x="3470065" y="2714600"/>
+          <a:ext cx="4875661" cy="2171680"/>
+        </a:xfrm>
+        <a:prstGeom prst="roundRect">
+          <a:avLst>
+            <a:gd name="adj" fmla="val 10500"/>
+          </a:avLst>
+        </a:prstGeom>
+        <a:solidFill>
+          <a:schemeClr val="accent1">
+            <a:hueOff val="0"/>
+            <a:satOff val="0"/>
+            <a:lumOff val="0"/>
+            <a:alphaOff val="0"/>
+          </a:schemeClr>
+        </a:solidFill>
+        <a:ln>
+          <a:noFill/>
+        </a:ln>
+        <a:effectLst>
+          <a:outerShdw blurRad="40000" dist="20000" dir="5400000" rotWithShape="0">
+            <a:srgbClr val="000000">
+              <a:alpha val="38000"/>
+            </a:srgbClr>
+          </a:outerShdw>
+        </a:effectLst>
+        <a:sp3d extrusionH="50600" prstMaterial="metal">
+          <a:bevelT w="101600" h="80600" prst="relaxedInset"/>
+          <a:bevelB w="80600" h="80600" prst="relaxedInset"/>
+        </a:sp3d>
+      </dsp:spPr>
+      <dsp:style>
+        <a:lnRef idx="0">
+          <a:scrgbClr r="0" g="0" b="0"/>
+        </a:lnRef>
+        <a:fillRef idx="1">
+          <a:scrgbClr r="0" g="0" b="0"/>
+        </a:fillRef>
+        <a:effectRef idx="1">
+          <a:scrgbClr r="0" g="0" b="0"/>
+        </a:effectRef>
+        <a:fontRef idx="minor">
+          <a:schemeClr val="dk1"/>
+        </a:fontRef>
+      </dsp:style>
+      <dsp:txBody>
+        <a:bodyPr spcFirstLastPara="0" vert="horz" wrap="square" lIns="160020" tIns="160020" rIns="160020" bIns="1225793" numCol="1" spcCol="1270" anchor="t" anchorCtr="0">
+          <a:noAutofit/>
+        </a:bodyPr>
+        <a:lstStyle/>
+        <a:p>
+          <a:pPr lvl="0" algn="l" defTabSz="1866900">
+            <a:lnSpc>
+              <a:spcPct val="90000"/>
+            </a:lnSpc>
+            <a:spcBef>
+              <a:spcPct val="0"/>
+            </a:spcBef>
+            <a:spcAft>
+              <a:spcPct val="35000"/>
+            </a:spcAft>
+          </a:pPr>
+          <a:r>
+            <a:rPr lang="pt-BR" sz="4200" kern="1200" dirty="0" smtClean="0"/>
+            <a:t>Serviços</a:t>
+          </a:r>
+          <a:endParaRPr lang="pt-BR" sz="4200" kern="1200" dirty="0"/>
+        </a:p>
+      </dsp:txBody>
+      <dsp:txXfrm>
+        <a:off x="3536852" y="2781387"/>
+        <a:ext cx="4742087" cy="2038106"/>
+      </dsp:txXfrm>
+    </dsp:sp>
+    <dsp:sp modelId="{2C1EC8B9-85E5-46D8-A0E1-9621919A32B4}">
+      <dsp:nvSpPr>
+        <dsp:cNvPr id="0" name=""/>
+        <dsp:cNvSpPr/>
+      </dsp:nvSpPr>
+      <dsp:spPr>
+        <a:xfrm>
+          <a:off x="3591957" y="3691856"/>
+          <a:ext cx="4631878" cy="977256"/>
+        </a:xfrm>
+        <a:prstGeom prst="roundRect">
+          <a:avLst>
+            <a:gd name="adj" fmla="val 10500"/>
+          </a:avLst>
+        </a:prstGeom>
+        <a:solidFill>
+          <a:schemeClr val="lt1">
+            <a:alpha val="90000"/>
+            <a:hueOff val="0"/>
+            <a:satOff val="0"/>
+            <a:lumOff val="0"/>
+            <a:alphaOff val="0"/>
+          </a:schemeClr>
+        </a:solidFill>
+        <a:ln w="9525" cap="flat" cmpd="sng" algn="ctr">
+          <a:solidFill>
+            <a:schemeClr val="accent1">
+              <a:hueOff val="0"/>
+              <a:satOff val="0"/>
+              <a:lumOff val="0"/>
+              <a:alphaOff val="0"/>
+            </a:schemeClr>
+          </a:solidFill>
+          <a:prstDash val="solid"/>
+        </a:ln>
+        <a:effectLst/>
+        <a:sp3d z="57200" extrusionH="600" contourW="3000">
+          <a:bevelT w="48600" h="18600" prst="relaxedInset"/>
+          <a:bevelB w="48600" h="8600" prst="relaxedInset"/>
+        </a:sp3d>
+      </dsp:spPr>
+      <dsp:style>
+        <a:lnRef idx="1">
+          <a:scrgbClr r="0" g="0" b="0"/>
+        </a:lnRef>
+        <a:fillRef idx="1">
+          <a:scrgbClr r="0" g="0" b="0"/>
+        </a:fillRef>
+        <a:effectRef idx="0">
+          <a:scrgbClr r="0" g="0" b="0"/>
+        </a:effectRef>
+        <a:fontRef idx="minor"/>
+      </dsp:style>
+      <dsp:txBody>
+        <a:bodyPr spcFirstLastPara="0" vert="horz" wrap="square" lIns="60960" tIns="60960" rIns="60960" bIns="60960" numCol="1" spcCol="1270" anchor="ctr" anchorCtr="0">
+          <a:noAutofit/>
+        </a:bodyPr>
+        <a:lstStyle/>
+        <a:p>
+          <a:pPr lvl="0" algn="ctr" defTabSz="711200">
+            <a:lnSpc>
+              <a:spcPct val="90000"/>
+            </a:lnSpc>
+            <a:spcBef>
+              <a:spcPct val="0"/>
+            </a:spcBef>
+            <a:spcAft>
+              <a:spcPct val="35000"/>
+            </a:spcAft>
+          </a:pPr>
+          <a:r>
+            <a:rPr lang="pt-BR" sz="1600" kern="1200" dirty="0" smtClean="0"/>
+            <a:t>Base terceiro</a:t>
+          </a:r>
+          <a:endParaRPr lang="pt-BR" sz="1600" kern="1200" dirty="0"/>
+        </a:p>
+      </dsp:txBody>
+      <dsp:txXfrm>
+        <a:off x="3622011" y="3721910"/>
+        <a:ext cx="4571770" cy="917148"/>
       </dsp:txXfrm>
     </dsp:sp>
   </dsp:spTree>
@@ -22516,6 +24193,788 @@
         </dgm:layoutNode>
       </dgm:if>
       <dgm:else name="Name5"/>
+    </dgm:choose>
+  </dgm:layoutNode>
+</dgm:layoutDef>
+</file>
+
+<file path=ppt/diagrams/layout10.xml><?xml version="1.0" encoding="utf-8"?>
+<dgm:layoutDef xmlns:dgm="http://schemas.openxmlformats.org/drawingml/2006/diagram" xmlns:a="http://schemas.openxmlformats.org/drawingml/2006/main" uniqueId="urn:microsoft.com/office/officeart/2005/8/layout/target2">
+  <dgm:title val=""/>
+  <dgm:desc val=""/>
+  <dgm:catLst>
+    <dgm:cat type="relationship" pri="12000"/>
+  </dgm:catLst>
+  <dgm:sampData>
+    <dgm:dataModel>
+      <dgm:ptLst>
+        <dgm:pt modelId="0" type="doc"/>
+        <dgm:pt modelId="1">
+          <dgm:prSet phldr="1"/>
+        </dgm:pt>
+        <dgm:pt modelId="11">
+          <dgm:prSet phldr="1"/>
+        </dgm:pt>
+        <dgm:pt modelId="12">
+          <dgm:prSet phldr="1"/>
+        </dgm:pt>
+        <dgm:pt modelId="2">
+          <dgm:prSet phldr="1"/>
+        </dgm:pt>
+        <dgm:pt modelId="21">
+          <dgm:prSet phldr="1"/>
+        </dgm:pt>
+        <dgm:pt modelId="22">
+          <dgm:prSet phldr="1"/>
+        </dgm:pt>
+        <dgm:pt modelId="3">
+          <dgm:prSet phldr="1"/>
+        </dgm:pt>
+        <dgm:pt modelId="31">
+          <dgm:prSet phldr="1"/>
+        </dgm:pt>
+        <dgm:pt modelId="32">
+          <dgm:prSet phldr="1"/>
+        </dgm:pt>
+      </dgm:ptLst>
+      <dgm:cxnLst>
+        <dgm:cxn modelId="4" srcId="0" destId="1" srcOrd="0" destOrd="0"/>
+        <dgm:cxn modelId="5" srcId="0" destId="2" srcOrd="1" destOrd="0"/>
+        <dgm:cxn modelId="6" srcId="0" destId="3" srcOrd="2" destOrd="0"/>
+        <dgm:cxn modelId="13" srcId="1" destId="11" srcOrd="0" destOrd="0"/>
+        <dgm:cxn modelId="14" srcId="1" destId="12" srcOrd="1" destOrd="0"/>
+        <dgm:cxn modelId="23" srcId="2" destId="21" srcOrd="0" destOrd="0"/>
+        <dgm:cxn modelId="24" srcId="2" destId="22" srcOrd="1" destOrd="0"/>
+        <dgm:cxn modelId="33" srcId="3" destId="31" srcOrd="0" destOrd="0"/>
+        <dgm:cxn modelId="34" srcId="3" destId="32" srcOrd="1" destOrd="0"/>
+      </dgm:cxnLst>
+      <dgm:bg/>
+      <dgm:whole/>
+    </dgm:dataModel>
+  </dgm:sampData>
+  <dgm:styleData>
+    <dgm:dataModel>
+      <dgm:ptLst>
+        <dgm:pt modelId="0" type="doc"/>
+        <dgm:pt modelId="1"/>
+        <dgm:pt modelId="11"/>
+        <dgm:pt modelId="2"/>
+        <dgm:pt modelId="21"/>
+      </dgm:ptLst>
+      <dgm:cxnLst>
+        <dgm:cxn modelId="4" srcId="0" destId="1" srcOrd="0" destOrd="0"/>
+        <dgm:cxn modelId="5" srcId="0" destId="2" srcOrd="1" destOrd="0"/>
+        <dgm:cxn modelId="13" srcId="1" destId="11" srcOrd="0" destOrd="0"/>
+        <dgm:cxn modelId="23" srcId="2" destId="21" srcOrd="0" destOrd="0"/>
+      </dgm:cxnLst>
+      <dgm:bg/>
+      <dgm:whole/>
+    </dgm:dataModel>
+  </dgm:styleData>
+  <dgm:clrData>
+    <dgm:dataModel>
+      <dgm:ptLst>
+        <dgm:pt modelId="0" type="doc"/>
+        <dgm:pt modelId="1"/>
+        <dgm:pt modelId="11"/>
+        <dgm:pt modelId="2"/>
+        <dgm:pt modelId="21"/>
+        <dgm:pt modelId="3"/>
+        <dgm:pt modelId="31"/>
+        <dgm:pt modelId="4"/>
+        <dgm:pt modelId="41"/>
+      </dgm:ptLst>
+      <dgm:cxnLst>
+        <dgm:cxn modelId="5" srcId="0" destId="1" srcOrd="0" destOrd="0"/>
+        <dgm:cxn modelId="6" srcId="0" destId="2" srcOrd="1" destOrd="0"/>
+        <dgm:cxn modelId="7" srcId="0" destId="3" srcOrd="2" destOrd="0"/>
+        <dgm:cxn modelId="8" srcId="0" destId="4" srcOrd="3" destOrd="0"/>
+        <dgm:cxn modelId="13" srcId="1" destId="11" srcOrd="0" destOrd="0"/>
+        <dgm:cxn modelId="23" srcId="2" destId="21" srcOrd="0" destOrd="0"/>
+        <dgm:cxn modelId="33" srcId="3" destId="31" srcOrd="0" destOrd="0"/>
+        <dgm:cxn modelId="43" srcId="4" destId="41" srcOrd="0" destOrd="0"/>
+      </dgm:cxnLst>
+      <dgm:bg/>
+      <dgm:whole/>
+    </dgm:dataModel>
+  </dgm:clrData>
+  <dgm:layoutNode name="Name0">
+    <dgm:varLst>
+      <dgm:chMax val="3"/>
+      <dgm:chPref val="1"/>
+      <dgm:dir/>
+      <dgm:animLvl val="lvl"/>
+      <dgm:resizeHandles/>
+    </dgm:varLst>
+    <dgm:alg type="composite">
+      <dgm:param type="horzAlign" val="none"/>
+      <dgm:param type="vertAlign" val="none"/>
+    </dgm:alg>
+    <dgm:shape xmlns:r="http://schemas.openxmlformats.org/officeDocument/2006/relationships" r:blip="">
+      <dgm:adjLst/>
+    </dgm:shape>
+    <dgm:presOf/>
+    <dgm:choose name="Name1">
+      <dgm:if name="Name2" func="var" arg="dir" op="equ" val="norm">
+        <dgm:choose name="Name3">
+          <dgm:if name="Name4" axis="ch ch" ptType="node node" st="1 1" cnt="1 0" func="cnt" op="gt" val="0">
+            <dgm:choose name="Name5">
+              <dgm:if name="Name6" axis="ch ch" ptType="node node" st="2 1" cnt="1 0" func="cnt" op="gt" val="0">
+                <dgm:constrLst>
+                  <dgm:constr type="primFontSz" for="des" forName="middleBoxParent" val="65"/>
+                  <dgm:constr type="primFontSz" for="des" forName="mChild" val="65"/>
+                  <dgm:constr type="primFontSz" for="des" forName="outerBoxParent" refType="primFontSz" refFor="des" refForName="middleBoxParent" op="equ"/>
+                  <dgm:constr type="primFontSz" for="des" forName="centerBoxParent" refType="primFontSz" refFor="des" refForName="middleBoxParent" op="equ"/>
+                  <dgm:constr type="primFontSz" for="des" forName="oChild" refType="primFontSz" refFor="des" refForName="mChild" op="equ"/>
+                  <dgm:constr type="primFontSz" for="des" forName="cChild" refType="primFontSz" refFor="des" refForName="mChild" op="equ"/>
+                  <dgm:constr type="l" for="ch" forName="outerBox"/>
+                  <dgm:constr type="t" for="ch" forName="outerBox"/>
+                  <dgm:constr type="w" for="ch" forName="outerBox" refType="w"/>
+                  <dgm:constr type="h" for="ch" forName="outerBox" refType="h"/>
+                  <dgm:constr type="l" for="ch" forName="middleBox" refType="w" fact="0.2"/>
+                  <dgm:constr type="t" for="ch" forName="middleBox" refType="h" fact="0.25"/>
+                  <dgm:constr type="w" for="ch" forName="middleBox" refType="w" fact="0.775"/>
+                  <dgm:constr type="h" for="ch" forName="middleBox" refType="h" fact="0.7"/>
+                  <dgm:constr type="l" for="ch" forName="centerBox" refType="w" fact="0.395"/>
+                  <dgm:constr type="t" for="ch" forName="centerBox" refType="h" fact="0.5"/>
+                  <dgm:constr type="w" for="ch" forName="centerBox" refType="w" fact="0.555"/>
+                  <dgm:constr type="h" for="ch" forName="centerBox" refType="h" fact="0.4"/>
+                  <dgm:constr type="userA" for="des" forName="outerSibTrans" refType="w"/>
+                  <dgm:constr type="userA" for="des" forName="middleSibTrans" refType="w"/>
+                  <dgm:constr type="userA" for="des" forName="centerSibTrans" refType="w"/>
+                </dgm:constrLst>
+              </dgm:if>
+              <dgm:else name="Name7">
+                <dgm:constrLst>
+                  <dgm:constr type="primFontSz" for="des" forName="middleBoxParent" val="65"/>
+                  <dgm:constr type="primFontSz" for="des" forName="mChild" val="65"/>
+                  <dgm:constr type="primFontSz" for="des" forName="outerBoxParent" refType="primFontSz" refFor="des" refForName="middleBoxParent" op="equ"/>
+                  <dgm:constr type="primFontSz" for="des" forName="centerBoxParent" refType="primFontSz" refFor="des" refForName="middleBoxParent" op="equ"/>
+                  <dgm:constr type="primFontSz" for="des" forName="oChild" refType="primFontSz" refFor="des" refForName="mChild" op="equ"/>
+                  <dgm:constr type="primFontSz" for="des" forName="cChild" refType="primFontSz" refFor="des" refForName="mChild" op="equ"/>
+                  <dgm:constr type="l" for="ch" forName="outerBox"/>
+                  <dgm:constr type="t" for="ch" forName="outerBox"/>
+                  <dgm:constr type="w" for="ch" forName="outerBox" refType="w"/>
+                  <dgm:constr type="h" for="ch" forName="outerBox" refType="h"/>
+                  <dgm:constr type="l" for="ch" forName="middleBox" refType="w" fact="0.2"/>
+                  <dgm:constr type="t" for="ch" forName="middleBox" refType="h" fact="0.25"/>
+                  <dgm:constr type="w" for="ch" forName="middleBox" refType="w" fact="0.775"/>
+                  <dgm:constr type="h" for="ch" forName="middleBox" refType="h" fact="0.7"/>
+                  <dgm:constr type="l" for="ch" forName="centerBox" refType="w" fact="0.225"/>
+                  <dgm:constr type="t" for="ch" forName="centerBox" refType="h" fact="0.5"/>
+                  <dgm:constr type="w" for="ch" forName="centerBox" refType="w" fact="0.725"/>
+                  <dgm:constr type="h" for="ch" forName="centerBox" refType="h" fact="0.4"/>
+                  <dgm:constr type="userA" for="des" forName="outerSibTrans" refType="w"/>
+                  <dgm:constr type="userA" for="des" forName="middleSibTrans" refType="w"/>
+                  <dgm:constr type="userA" for="des" forName="centerSibTrans" refType="w"/>
+                </dgm:constrLst>
+              </dgm:else>
+            </dgm:choose>
+          </dgm:if>
+          <dgm:else name="Name8">
+            <dgm:choose name="Name9">
+              <dgm:if name="Name10" axis="ch ch" ptType="node node" st="2 1" cnt="1 0" func="cnt" op="gt" val="0">
+                <dgm:constrLst>
+                  <dgm:constr type="primFontSz" for="des" forName="middleBoxParent" val="65"/>
+                  <dgm:constr type="primFontSz" for="des" forName="mChild" val="65"/>
+                  <dgm:constr type="primFontSz" for="des" forName="outerBoxParent" refType="primFontSz" refFor="des" refForName="middleBoxParent" op="equ"/>
+                  <dgm:constr type="primFontSz" for="des" forName="centerBoxParent" refType="primFontSz" refFor="des" refForName="middleBoxParent" op="equ"/>
+                  <dgm:constr type="primFontSz" for="des" forName="oChild" refType="primFontSz" refFor="des" refForName="mChild" op="equ"/>
+                  <dgm:constr type="primFontSz" for="des" forName="cChild" refType="primFontSz" refFor="des" refForName="mChild" op="equ"/>
+                  <dgm:constr type="l" for="ch" forName="outerBox"/>
+                  <dgm:constr type="t" for="ch" forName="outerBox"/>
+                  <dgm:constr type="w" for="ch" forName="outerBox" refType="w"/>
+                  <dgm:constr type="h" for="ch" forName="outerBox" refType="h"/>
+                  <dgm:constr type="l" for="ch" forName="middleBox" refType="w" fact="0.025"/>
+                  <dgm:constr type="t" for="ch" forName="middleBox" refType="h" fact="0.25"/>
+                  <dgm:constr type="w" for="ch" forName="middleBox" refType="w" fact="0.95"/>
+                  <dgm:constr type="h" for="ch" forName="middleBox" refType="h" fact="0.7"/>
+                  <dgm:constr type="l" for="ch" forName="centerBox" refType="w" fact="0.26"/>
+                  <dgm:constr type="t" for="ch" forName="centerBox" refType="h" fact="0.5"/>
+                  <dgm:constr type="w" for="ch" forName="centerBox" refType="w" fact="0.69"/>
+                  <dgm:constr type="h" for="ch" forName="centerBox" refType="h" fact="0.4"/>
+                  <dgm:constr type="userA" for="des" forName="outerSibTrans" refType="w"/>
+                  <dgm:constr type="userA" for="des" forName="middleSibTrans" refType="w"/>
+                  <dgm:constr type="userA" for="des" forName="centerSibTrans" refType="w"/>
+                </dgm:constrLst>
+              </dgm:if>
+              <dgm:else name="Name11">
+                <dgm:constrLst>
+                  <dgm:constr type="primFontSz" for="des" forName="middleBoxParent" val="65"/>
+                  <dgm:constr type="primFontSz" for="des" forName="mChild" val="65"/>
+                  <dgm:constr type="primFontSz" for="des" forName="outerBoxParent" refType="primFontSz" refFor="des" refForName="middleBoxParent" op="equ"/>
+                  <dgm:constr type="primFontSz" for="des" forName="centerBoxParent" refType="primFontSz" refFor="des" refForName="middleBoxParent" op="equ"/>
+                  <dgm:constr type="primFontSz" for="des" forName="oChild" refType="primFontSz" refFor="des" refForName="mChild" op="equ"/>
+                  <dgm:constr type="primFontSz" for="des" forName="cChild" refType="primFontSz" refFor="des" refForName="mChild" op="equ"/>
+                  <dgm:constr type="l" for="ch" forName="outerBox"/>
+                  <dgm:constr type="t" for="ch" forName="outerBox"/>
+                  <dgm:constr type="w" for="ch" forName="outerBox" refType="w"/>
+                  <dgm:constr type="h" for="ch" forName="outerBox" refType="h"/>
+                  <dgm:constr type="l" for="ch" forName="middleBox" refType="w" fact="0.025"/>
+                  <dgm:constr type="t" for="ch" forName="middleBox" refType="h" fact="0.25"/>
+                  <dgm:constr type="w" for="ch" forName="middleBox" refType="w" fact="0.95"/>
+                  <dgm:constr type="h" for="ch" forName="middleBox" refType="h" fact="0.7"/>
+                  <dgm:constr type="l" for="ch" forName="centerBox" refType="w" fact="0.05"/>
+                  <dgm:constr type="t" for="ch" forName="centerBox" refType="h" fact="0.5"/>
+                  <dgm:constr type="w" for="ch" forName="centerBox" refType="w" fact="0.9"/>
+                  <dgm:constr type="h" for="ch" forName="centerBox" refType="h" fact="0.4"/>
+                  <dgm:constr type="userA" for="des" forName="outerSibTrans" refType="w"/>
+                  <dgm:constr type="userA" for="des" forName="middleSibTrans" refType="w"/>
+                  <dgm:constr type="userA" for="des" forName="centerSibTrans" refType="w"/>
+                </dgm:constrLst>
+              </dgm:else>
+            </dgm:choose>
+          </dgm:else>
+        </dgm:choose>
+      </dgm:if>
+      <dgm:else name="Name12">
+        <dgm:choose name="Name13">
+          <dgm:if name="Name14" axis="ch ch" ptType="node node" st="1 1" cnt="1 0" func="cnt" op="gt" val="0">
+            <dgm:choose name="Name15">
+              <dgm:if name="Name16" axis="ch ch" ptType="node node" st="2 1" cnt="1 0" func="cnt" op="gt" val="0">
+                <dgm:constrLst>
+                  <dgm:constr type="primFontSz" for="des" forName="middleBoxParent" val="65"/>
+                  <dgm:constr type="primFontSz" for="des" forName="mChild" val="65"/>
+                  <dgm:constr type="primFontSz" for="des" forName="outerBoxParent" refType="primFontSz" refFor="des" refForName="middleBoxParent" op="equ"/>
+                  <dgm:constr type="primFontSz" for="des" forName="centerBoxParent" refType="primFontSz" refFor="des" refForName="middleBoxParent" op="equ"/>
+                  <dgm:constr type="primFontSz" for="des" forName="oChild" refType="primFontSz" refFor="des" refForName="mChild" op="equ"/>
+                  <dgm:constr type="primFontSz" for="des" forName="cChild" refType="primFontSz" refFor="des" refForName="mChild" op="equ"/>
+                  <dgm:constr type="l" for="ch" forName="outerBox"/>
+                  <dgm:constr type="t" for="ch" forName="outerBox"/>
+                  <dgm:constr type="w" for="ch" forName="outerBox" refType="w"/>
+                  <dgm:constr type="h" for="ch" forName="outerBox" refType="h"/>
+                  <dgm:constr type="l" for="ch" forName="middleBox" refType="w" fact="0.025"/>
+                  <dgm:constr type="t" for="ch" forName="middleBox" refType="h" fact="0.25"/>
+                  <dgm:constr type="w" for="ch" forName="middleBox" refType="w" fact="0.775"/>
+                  <dgm:constr type="h" for="ch" forName="middleBox" refType="h" fact="0.7"/>
+                  <dgm:constr type="l" for="ch" forName="centerBox" refType="w" fact="0.05"/>
+                  <dgm:constr type="t" for="ch" forName="centerBox" refType="h" fact="0.5"/>
+                  <dgm:constr type="w" for="ch" forName="centerBox" refType="w" fact="0.55"/>
+                  <dgm:constr type="h" for="ch" forName="centerBox" refType="h" fact="0.4"/>
+                  <dgm:constr type="userA" for="des" forName="outerSibTrans" refType="w"/>
+                  <dgm:constr type="userA" for="des" forName="middleSibTrans" refType="w"/>
+                  <dgm:constr type="userA" for="des" forName="centerSibTrans" refType="w"/>
+                </dgm:constrLst>
+              </dgm:if>
+              <dgm:else name="Name17">
+                <dgm:constrLst>
+                  <dgm:constr type="primFontSz" for="des" forName="middleBoxParent" val="65"/>
+                  <dgm:constr type="primFontSz" for="des" forName="mChild" val="65"/>
+                  <dgm:constr type="primFontSz" for="des" forName="outerBoxParent" refType="primFontSz" refFor="des" refForName="middleBoxParent" op="equ"/>
+                  <dgm:constr type="primFontSz" for="des" forName="centerBoxParent" refType="primFontSz" refFor="des" refForName="middleBoxParent" op="equ"/>
+                  <dgm:constr type="primFontSz" for="des" forName="oChild" refType="primFontSz" refFor="des" refForName="mChild" op="equ"/>
+                  <dgm:constr type="primFontSz" for="des" forName="cChild" refType="primFontSz" refFor="des" refForName="mChild" op="equ"/>
+                  <dgm:constr type="l" for="ch" forName="outerBox"/>
+                  <dgm:constr type="t" for="ch" forName="outerBox"/>
+                  <dgm:constr type="w" for="ch" forName="outerBox" refType="w"/>
+                  <dgm:constr type="h" for="ch" forName="outerBox" refType="h"/>
+                  <dgm:constr type="l" for="ch" forName="middleBox" refType="w" fact="0.025"/>
+                  <dgm:constr type="t" for="ch" forName="middleBox" refType="h" fact="0.25"/>
+                  <dgm:constr type="w" for="ch" forName="middleBox" refType="w" fact="0.775"/>
+                  <dgm:constr type="h" for="ch" forName="middleBox" refType="h" fact="0.7"/>
+                  <dgm:constr type="l" for="ch" forName="centerBox" refType="w" fact="0.05"/>
+                  <dgm:constr type="t" for="ch" forName="centerBox" refType="h" fact="0.5"/>
+                  <dgm:constr type="w" for="ch" forName="centerBox" refType="w" fact="0.725"/>
+                  <dgm:constr type="h" for="ch" forName="centerBox" refType="h" fact="0.4"/>
+                  <dgm:constr type="userA" for="des" forName="outerSibTrans" refType="w"/>
+                  <dgm:constr type="userA" for="des" forName="middleSibTrans" refType="w"/>
+                  <dgm:constr type="userA" for="des" forName="centerSibTrans" refType="w"/>
+                </dgm:constrLst>
+              </dgm:else>
+            </dgm:choose>
+          </dgm:if>
+          <dgm:else name="Name18">
+            <dgm:choose name="Name19">
+              <dgm:if name="Name20" axis="ch ch" ptType="node node" st="2 1" cnt="1 0" func="cnt" op="gt" val="0">
+                <dgm:constrLst>
+                  <dgm:constr type="primFontSz" for="des" forName="middleBoxParent" val="65"/>
+                  <dgm:constr type="primFontSz" for="des" forName="mChild" val="65"/>
+                  <dgm:constr type="primFontSz" for="des" forName="outerBoxParent" refType="primFontSz" refFor="des" refForName="middleBoxParent" op="equ"/>
+                  <dgm:constr type="primFontSz" for="des" forName="centerBoxParent" refType="primFontSz" refFor="des" refForName="middleBoxParent" op="equ"/>
+                  <dgm:constr type="primFontSz" for="des" forName="oChild" refType="primFontSz" refFor="des" refForName="mChild" op="equ"/>
+                  <dgm:constr type="primFontSz" for="des" forName="cChild" refType="primFontSz" refFor="des" refForName="mChild" op="equ"/>
+                  <dgm:constr type="l" for="ch" forName="outerBox"/>
+                  <dgm:constr type="t" for="ch" forName="outerBox"/>
+                  <dgm:constr type="w" for="ch" forName="outerBox" refType="w"/>
+                  <dgm:constr type="h" for="ch" forName="outerBox" refType="h"/>
+                  <dgm:constr type="l" for="ch" forName="middleBox" refType="w" fact="0.025"/>
+                  <dgm:constr type="t" for="ch" forName="middleBox" refType="h" fact="0.25"/>
+                  <dgm:constr type="w" for="ch" forName="middleBox" refType="w" fact="0.95"/>
+                  <dgm:constr type="h" for="ch" forName="middleBox" refType="h" fact="0.7"/>
+                  <dgm:constr type="l" for="ch" forName="centerBox" refType="w" fact="0.05"/>
+                  <dgm:constr type="t" for="ch" forName="centerBox" refType="h" fact="0.5"/>
+                  <dgm:constr type="w" for="ch" forName="centerBox" refType="w" fact="0.69"/>
+                  <dgm:constr type="h" for="ch" forName="centerBox" refType="h" fact="0.4"/>
+                  <dgm:constr type="userA" for="des" forName="outerSibTrans" refType="w"/>
+                  <dgm:constr type="userA" for="des" forName="middleSibTrans" refType="w"/>
+                  <dgm:constr type="userA" for="des" forName="centerSibTrans" refType="w"/>
+                </dgm:constrLst>
+              </dgm:if>
+              <dgm:else name="Name21">
+                <dgm:constrLst>
+                  <dgm:constr type="primFontSz" for="des" forName="middleBoxParent" val="65"/>
+                  <dgm:constr type="primFontSz" for="des" forName="mChild" val="65"/>
+                  <dgm:constr type="primFontSz" for="des" forName="outerBoxParent" refType="primFontSz" refFor="des" refForName="middleBoxParent" op="equ"/>
+                  <dgm:constr type="primFontSz" for="des" forName="centerBoxParent" refType="primFontSz" refFor="des" refForName="middleBoxParent" op="equ"/>
+                  <dgm:constr type="primFontSz" for="des" forName="oChild" refType="primFontSz" refFor="des" refForName="mChild" op="equ"/>
+                  <dgm:constr type="primFontSz" for="des" forName="cChild" refType="primFontSz" refFor="des" refForName="mChild" op="equ"/>
+                  <dgm:constr type="l" for="ch" forName="outerBox"/>
+                  <dgm:constr type="t" for="ch" forName="outerBox"/>
+                  <dgm:constr type="w" for="ch" forName="outerBox" refType="w"/>
+                  <dgm:constr type="h" for="ch" forName="outerBox" refType="h"/>
+                  <dgm:constr type="l" for="ch" forName="middleBox" refType="w" fact="0.025"/>
+                  <dgm:constr type="t" for="ch" forName="middleBox" refType="h" fact="0.25"/>
+                  <dgm:constr type="w" for="ch" forName="middleBox" refType="w" fact="0.95"/>
+                  <dgm:constr type="h" for="ch" forName="middleBox" refType="h" fact="0.7"/>
+                  <dgm:constr type="l" for="ch" forName="centerBox" refType="w" fact="0.05"/>
+                  <dgm:constr type="t" for="ch" forName="centerBox" refType="h" fact="0.5"/>
+                  <dgm:constr type="w" for="ch" forName="centerBox" refType="w" fact="0.9"/>
+                  <dgm:constr type="h" for="ch" forName="centerBox" refType="h" fact="0.4"/>
+                  <dgm:constr type="userA" for="des" forName="outerSibTrans" refType="w"/>
+                  <dgm:constr type="userA" for="des" forName="middleSibTrans" refType="w"/>
+                  <dgm:constr type="userA" for="des" forName="centerSibTrans" refType="w"/>
+                </dgm:constrLst>
+              </dgm:else>
+            </dgm:choose>
+          </dgm:else>
+        </dgm:choose>
+      </dgm:else>
+    </dgm:choose>
+    <dgm:ruleLst/>
+    <dgm:choose name="Name22">
+      <dgm:if name="Name23" axis="root ch" ptType="all node" st="1 1" cnt="0 0" func="cnt" op="gte" val="1">
+        <dgm:layoutNode name="outerBox" styleLbl="node1">
+          <dgm:alg type="composite">
+            <dgm:param type="horzAlign" val="none"/>
+            <dgm:param type="vertAlign" val="none"/>
+          </dgm:alg>
+          <dgm:shape xmlns:r="http://schemas.openxmlformats.org/officeDocument/2006/relationships" r:blip="">
+            <dgm:adjLst/>
+          </dgm:shape>
+          <dgm:presOf/>
+          <dgm:choose name="Name24">
+            <dgm:if name="Name25" axis="root ch" ptType="all node" st="1 1" cnt="0 0" func="cnt" op="gt" val="1">
+              <dgm:choose name="Name26">
+                <dgm:if name="Name27" func="var" arg="dir" op="equ" val="norm">
+                  <dgm:constrLst>
+                    <dgm:constr type="l" for="ch" forName="outerBoxParent"/>
+                    <dgm:constr type="t" for="ch" forName="outerBoxParent"/>
+                    <dgm:constr type="w" for="ch" forName="outerBoxParent" refType="w"/>
+                    <dgm:constr type="h" for="ch" forName="outerBoxParent" refType="h"/>
+                    <dgm:constr type="bMarg" for="ch" forName="outerBoxParent" refType="h" fact="2.2"/>
+                    <dgm:constr type="l" for="ch" forName="outerBoxChildren" refType="w" fact="0.025"/>
+                    <dgm:constr type="t" for="ch" forName="outerBoxChildren" refType="h" fact="0.25"/>
+                    <dgm:constr type="w" for="ch" forName="outerBoxChildren" refType="w" fact="0.15"/>
+                    <dgm:constr type="h" for="ch" forName="outerBoxChildren" refType="h" fact="0.7"/>
+                  </dgm:constrLst>
+                </dgm:if>
+                <dgm:else name="Name28">
+                  <dgm:constrLst>
+                    <dgm:constr type="l" for="ch" forName="outerBoxParent"/>
+                    <dgm:constr type="t" for="ch" forName="outerBoxParent"/>
+                    <dgm:constr type="w" for="ch" forName="outerBoxParent" refType="w"/>
+                    <dgm:constr type="h" for="ch" forName="outerBoxParent" refType="h"/>
+                    <dgm:constr type="bMarg" for="ch" forName="outerBoxParent" refType="h" fact="2.2"/>
+                    <dgm:constr type="l" for="ch" forName="outerBoxChildren" refType="w" fact="0.825"/>
+                    <dgm:constr type="t" for="ch" forName="outerBoxChildren" refType="h" fact="0.25"/>
+                    <dgm:constr type="w" for="ch" forName="outerBoxChildren" refType="w" fact="0.15"/>
+                    <dgm:constr type="h" for="ch" forName="outerBoxChildren" refType="h" fact="0.7"/>
+                  </dgm:constrLst>
+                </dgm:else>
+              </dgm:choose>
+            </dgm:if>
+            <dgm:else name="Name29">
+              <dgm:constrLst>
+                <dgm:constr type="l" for="ch" forName="outerBoxParent"/>
+                <dgm:constr type="t" for="ch" forName="outerBoxParent"/>
+                <dgm:constr type="w" for="ch" forName="outerBoxParent" refType="w"/>
+                <dgm:constr type="h" for="ch" forName="outerBoxParent" refType="h"/>
+                <dgm:constr type="bMarg" for="ch" forName="outerBoxParent" refType="h" fact="1.75"/>
+                <dgm:constr type="l" for="ch" forName="outerBoxChildren" refType="w" fact="0.025"/>
+                <dgm:constr type="t" for="ch" forName="outerBoxChildren" refType="h" fact="0.45"/>
+                <dgm:constr type="w" for="ch" forName="outerBoxChildren" refType="w" fact="0.95"/>
+                <dgm:constr type="h" for="ch" forName="outerBoxChildren" refType="h" fact="0.45"/>
+              </dgm:constrLst>
+            </dgm:else>
+          </dgm:choose>
+          <dgm:ruleLst/>
+          <dgm:layoutNode name="outerBoxParent" styleLbl="node1">
+            <dgm:alg type="tx">
+              <dgm:param type="txAnchorVert" val="t"/>
+              <dgm:param type="parTxLTRAlign" val="l"/>
+              <dgm:param type="parTxRTLAlign" val="r"/>
+            </dgm:alg>
+            <dgm:shape xmlns:r="http://schemas.openxmlformats.org/officeDocument/2006/relationships" type="roundRect" r:blip="">
+              <dgm:adjLst>
+                <dgm:adj idx="1" val="0.085"/>
+              </dgm:adjLst>
+            </dgm:shape>
+            <dgm:presOf axis="ch" ptType="node" cnt="1"/>
+            <dgm:constrLst>
+              <dgm:constr type="tMarg" refType="primFontSz" fact="0.3"/>
+              <dgm:constr type="lMarg" refType="primFontSz" fact="0.3"/>
+              <dgm:constr type="rMarg" refType="primFontSz" fact="0.3"/>
+            </dgm:constrLst>
+            <dgm:ruleLst>
+              <dgm:rule type="primFontSz" val="5" fact="NaN" max="NaN"/>
+            </dgm:ruleLst>
+          </dgm:layoutNode>
+          <dgm:layoutNode name="outerBoxChildren">
+            <dgm:choose name="Name30">
+              <dgm:if name="Name31" axis="root ch" ptType="all node" st="1 1" cnt="0 0" func="cnt" op="gt" val="1">
+                <dgm:alg type="lin">
+                  <dgm:param type="linDir" val="fromT"/>
+                  <dgm:param type="vertAlign" val="t"/>
+                </dgm:alg>
+              </dgm:if>
+              <dgm:else name="Name32">
+                <dgm:choose name="Name33">
+                  <dgm:if name="Name34" func="var" arg="dir" op="equ" val="norm">
+                    <dgm:alg type="lin">
+                      <dgm:param type="horzAlign" val="l"/>
+                    </dgm:alg>
+                  </dgm:if>
+                  <dgm:else name="Name35">
+                    <dgm:alg type="lin">
+                      <dgm:param type="linDir" val="fromR"/>
+                      <dgm:param type="horzAlign" val="r"/>
+                    </dgm:alg>
+                  </dgm:else>
+                </dgm:choose>
+              </dgm:else>
+            </dgm:choose>
+            <dgm:shape xmlns:r="http://schemas.openxmlformats.org/officeDocument/2006/relationships" r:blip="">
+              <dgm:adjLst/>
+            </dgm:shape>
+            <dgm:presOf/>
+            <dgm:constrLst>
+              <dgm:constr type="w" for="ch" forName="oChild" refType="w"/>
+              <dgm:constr type="h" for="ch" forName="oChild" refType="h"/>
+            </dgm:constrLst>
+            <dgm:ruleLst/>
+            <dgm:forEach name="Name36" axis="ch ch" ptType="node node" st="1 1" cnt="1 0">
+              <dgm:layoutNode name="oChild" styleLbl="fgAcc1">
+                <dgm:varLst>
+                  <dgm:bulletEnabled val="1"/>
+                </dgm:varLst>
+                <dgm:alg type="tx"/>
+                <dgm:shape xmlns:r="http://schemas.openxmlformats.org/officeDocument/2006/relationships" type="roundRect" r:blip="">
+                  <dgm:adjLst>
+                    <dgm:adj idx="1" val="0.105"/>
+                  </dgm:adjLst>
+                </dgm:shape>
+                <dgm:presOf axis="desOrSelf" ptType="node"/>
+                <dgm:constrLst>
+                  <dgm:constr type="tMarg" refType="primFontSz" fact="0.3"/>
+                  <dgm:constr type="bMarg" refType="primFontSz" fact="0.3"/>
+                  <dgm:constr type="lMarg" refType="primFontSz" fact="0.3"/>
+                  <dgm:constr type="rMarg" refType="primFontSz" fact="0.3"/>
+                </dgm:constrLst>
+                <dgm:ruleLst>
+                  <dgm:rule type="primFontSz" val="5" fact="NaN" max="NaN"/>
+                </dgm:ruleLst>
+              </dgm:layoutNode>
+              <dgm:forEach name="Name37" axis="followSib" ptType="sibTrans" cnt="1">
+                <dgm:layoutNode name="outerSibTrans">
+                  <dgm:alg type="sp"/>
+                  <dgm:shape xmlns:r="http://schemas.openxmlformats.org/officeDocument/2006/relationships" r:blip="">
+                    <dgm:adjLst/>
+                  </dgm:shape>
+                  <dgm:presOf/>
+                  <dgm:constrLst>
+                    <dgm:constr type="userA"/>
+                    <dgm:constr type="w" refType="userA" fact="0.015"/>
+                    <dgm:constr type="h" refType="userA" fact="0.015"/>
+                  </dgm:constrLst>
+                  <dgm:ruleLst/>
+                </dgm:layoutNode>
+              </dgm:forEach>
+            </dgm:forEach>
+          </dgm:layoutNode>
+        </dgm:layoutNode>
+      </dgm:if>
+      <dgm:else name="Name38"/>
+    </dgm:choose>
+    <dgm:choose name="Name39">
+      <dgm:if name="Name40" axis="root ch" ptType="all node" st="1 1" cnt="0 0" func="cnt" op="gte" val="2">
+        <dgm:layoutNode name="middleBox">
+          <dgm:alg type="composite">
+            <dgm:param type="horzAlign" val="none"/>
+            <dgm:param type="vertAlign" val="none"/>
+          </dgm:alg>
+          <dgm:shape xmlns:r="http://schemas.openxmlformats.org/officeDocument/2006/relationships" r:blip="">
+            <dgm:adjLst/>
+          </dgm:shape>
+          <dgm:presOf/>
+          <dgm:choose name="Name41">
+            <dgm:if name="Name42" axis="root ch" ptType="all node" st="1 1" cnt="0 0" func="cnt" op="gt" val="2">
+              <dgm:choose name="Name43">
+                <dgm:if name="Name44" func="var" arg="dir" op="equ" val="norm">
+                  <dgm:constrLst>
+                    <dgm:constr type="l" for="ch" forName="middleBoxParent"/>
+                    <dgm:constr type="t" for="ch" forName="middleBoxParent"/>
+                    <dgm:constr type="w" for="ch" forName="middleBoxParent" refType="w"/>
+                    <dgm:constr type="h" for="ch" forName="middleBoxParent" refType="h"/>
+                    <dgm:constr type="bMarg" for="ch" forName="middleBoxParent" refType="h" fact="1.8"/>
+                    <dgm:constr type="l" for="ch" forName="middleBoxChildren" refType="w" fact="0.025"/>
+                    <dgm:constr type="t" for="ch" forName="middleBoxChildren" refType="h" fact="0.35"/>
+                    <dgm:constr type="w" for="ch" forName="middleBoxChildren" refType="w" fact="0.2"/>
+                    <dgm:constr type="h" for="ch" forName="middleBoxChildren" refType="h" fact="0.575"/>
+                  </dgm:constrLst>
+                </dgm:if>
+                <dgm:else name="Name45">
+                  <dgm:constrLst>
+                    <dgm:constr type="l" for="ch" forName="middleBoxParent"/>
+                    <dgm:constr type="t" for="ch" forName="middleBoxParent"/>
+                    <dgm:constr type="w" for="ch" forName="middleBoxParent" refType="w"/>
+                    <dgm:constr type="h" for="ch" forName="middleBoxParent" refType="h"/>
+                    <dgm:constr type="bMarg" for="ch" forName="middleBoxParent" refType="h" fact="1.8"/>
+                    <dgm:constr type="l" for="ch" forName="middleBoxChildren" refType="w" fact="0.775"/>
+                    <dgm:constr type="t" for="ch" forName="middleBoxChildren" refType="h" fact="0.35"/>
+                    <dgm:constr type="w" for="ch" forName="middleBoxChildren" refType="w" fact="0.2"/>
+                    <dgm:constr type="h" for="ch" forName="middleBoxChildren" refType="h" fact="0.575"/>
+                  </dgm:constrLst>
+                </dgm:else>
+              </dgm:choose>
+            </dgm:if>
+            <dgm:else name="Name46">
+              <dgm:constrLst>
+                <dgm:constr type="l" for="ch" forName="middleBoxParent"/>
+                <dgm:constr type="t" for="ch" forName="middleBoxParent"/>
+                <dgm:constr type="w" for="ch" forName="middleBoxParent" refType="w"/>
+                <dgm:constr type="h" for="ch" forName="middleBoxParent" refType="h"/>
+                <dgm:constr type="bMarg" for="ch" forName="middleBoxParent" refType="h" fact="1.8"/>
+                <dgm:constr type="l" for="ch" forName="middleBoxChildren" refType="w" fact="0.025"/>
+                <dgm:constr type="t" for="ch" forName="middleBoxChildren" refType="h" fact="0.45"/>
+                <dgm:constr type="w" for="ch" forName="middleBoxChildren" refType="w" fact="0.95"/>
+                <dgm:constr type="h" for="ch" forName="middleBoxChildren" refType="h" fact="0.45"/>
+              </dgm:constrLst>
+            </dgm:else>
+          </dgm:choose>
+          <dgm:ruleLst/>
+          <dgm:layoutNode name="middleBoxParent" styleLbl="node1">
+            <dgm:alg type="tx">
+              <dgm:param type="txAnchorVert" val="t"/>
+              <dgm:param type="parTxLTRAlign" val="l"/>
+              <dgm:param type="parTxRTLAlign" val="r"/>
+            </dgm:alg>
+            <dgm:shape xmlns:r="http://schemas.openxmlformats.org/officeDocument/2006/relationships" type="roundRect" r:blip="">
+              <dgm:adjLst>
+                <dgm:adj idx="1" val="0.105"/>
+              </dgm:adjLst>
+            </dgm:shape>
+            <dgm:presOf axis="ch" ptType="node" st="2" cnt="1"/>
+            <dgm:constrLst>
+              <dgm:constr type="tMarg" refType="primFontSz" fact="0.3"/>
+              <dgm:constr type="lMarg" refType="primFontSz" fact="0.3"/>
+              <dgm:constr type="rMarg" refType="primFontSz" fact="0.3"/>
+            </dgm:constrLst>
+            <dgm:ruleLst>
+              <dgm:rule type="primFontSz" val="5" fact="NaN" max="NaN"/>
+            </dgm:ruleLst>
+          </dgm:layoutNode>
+          <dgm:layoutNode name="middleBoxChildren">
+            <dgm:choose name="Name47">
+              <dgm:if name="Name48" axis="root ch" ptType="all node" st="1 1" cnt="0 0" func="cnt" op="gt" val="2">
+                <dgm:alg type="lin">
+                  <dgm:param type="linDir" val="fromT"/>
+                  <dgm:param type="vertAlign" val="t"/>
+                </dgm:alg>
+              </dgm:if>
+              <dgm:else name="Name49">
+                <dgm:choose name="Name50">
+                  <dgm:if name="Name51" func="var" arg="dir" op="equ" val="norm">
+                    <dgm:alg type="lin">
+                      <dgm:param type="horzAlign" val="l"/>
+                    </dgm:alg>
+                  </dgm:if>
+                  <dgm:else name="Name52">
+                    <dgm:alg type="lin">
+                      <dgm:param type="linDir" val="fromR"/>
+                      <dgm:param type="horzAlign" val="r"/>
+                    </dgm:alg>
+                  </dgm:else>
+                </dgm:choose>
+              </dgm:else>
+            </dgm:choose>
+            <dgm:shape xmlns:r="http://schemas.openxmlformats.org/officeDocument/2006/relationships" r:blip="">
+              <dgm:adjLst/>
+            </dgm:shape>
+            <dgm:presOf/>
+            <dgm:constrLst>
+              <dgm:constr type="w" for="ch" forName="mChild" refType="w"/>
+              <dgm:constr type="h" for="ch" forName="mChild" refType="h"/>
+            </dgm:constrLst>
+            <dgm:ruleLst/>
+            <dgm:forEach name="Name53" axis="ch ch" ptType="node node" st="2 1" cnt="1 0">
+              <dgm:layoutNode name="mChild" styleLbl="fgAcc1">
+                <dgm:varLst>
+                  <dgm:bulletEnabled val="1"/>
+                </dgm:varLst>
+                <dgm:alg type="tx"/>
+                <dgm:shape xmlns:r="http://schemas.openxmlformats.org/officeDocument/2006/relationships" type="roundRect" r:blip="">
+                  <dgm:adjLst>
+                    <dgm:adj idx="1" val="0.105"/>
+                  </dgm:adjLst>
+                </dgm:shape>
+                <dgm:presOf axis="desOrSelf" ptType="node"/>
+                <dgm:constrLst>
+                  <dgm:constr type="tMarg" refType="primFontSz" fact="0.3"/>
+                  <dgm:constr type="bMarg" refType="primFontSz" fact="0.3"/>
+                  <dgm:constr type="lMarg" refType="primFontSz" fact="0.3"/>
+                  <dgm:constr type="rMarg" refType="primFontSz" fact="0.3"/>
+                </dgm:constrLst>
+                <dgm:ruleLst>
+                  <dgm:rule type="primFontSz" val="5" fact="NaN" max="NaN"/>
+                </dgm:ruleLst>
+              </dgm:layoutNode>
+              <dgm:forEach name="Name54" axis="followSib" ptType="sibTrans" cnt="1">
+                <dgm:layoutNode name="middleSibTrans">
+                  <dgm:alg type="sp"/>
+                  <dgm:shape xmlns:r="http://schemas.openxmlformats.org/officeDocument/2006/relationships" r:blip="">
+                    <dgm:adjLst/>
+                  </dgm:shape>
+                  <dgm:presOf/>
+                  <dgm:constrLst>
+                    <dgm:constr type="userA"/>
+                    <dgm:constr type="w" refType="userA" fact="0.015"/>
+                    <dgm:constr type="h" refType="userA" fact="0.015"/>
+                  </dgm:constrLst>
+                  <dgm:ruleLst/>
+                </dgm:layoutNode>
+              </dgm:forEach>
+            </dgm:forEach>
+          </dgm:layoutNode>
+        </dgm:layoutNode>
+      </dgm:if>
+      <dgm:else name="Name55"/>
+    </dgm:choose>
+    <dgm:choose name="Name56">
+      <dgm:if name="Name57" axis="root ch" ptType="all node" st="1 1" cnt="0 0" func="cnt" op="gte" val="3">
+        <dgm:layoutNode name="centerBox">
+          <dgm:alg type="composite">
+            <dgm:param type="horzAlign" val="none"/>
+            <dgm:param type="vertAlign" val="none"/>
+          </dgm:alg>
+          <dgm:shape xmlns:r="http://schemas.openxmlformats.org/officeDocument/2006/relationships" r:blip="">
+            <dgm:adjLst/>
+          </dgm:shape>
+          <dgm:presOf/>
+          <dgm:choose name="Name58">
+            <dgm:if name="Name59" axis="ch ch" ptType="node node" st="3 1" cnt="1 0" func="cnt" op="gt" val="0">
+              <dgm:constrLst>
+                <dgm:constr type="l" for="ch" forName="centerBoxParent"/>
+                <dgm:constr type="t" for="ch" forName="centerBoxParent"/>
+                <dgm:constr type="w" for="ch" forName="centerBoxParent" refType="w"/>
+                <dgm:constr type="h" for="ch" forName="centerBoxParent" refType="h"/>
+                <dgm:constr type="bMarg" for="ch" forName="centerBoxParent" refType="h" fact="1.6"/>
+                <dgm:constr type="l" for="ch" forName="centerBoxChildren" refType="w" fact="0.025"/>
+                <dgm:constr type="t" for="ch" forName="centerBoxChildren" refType="h" fact="0.45"/>
+                <dgm:constr type="w" for="ch" forName="centerBoxChildren" refType="w" fact="0.95"/>
+                <dgm:constr type="h" for="ch" forName="centerBoxChildren" refType="h" fact="0.45"/>
+              </dgm:constrLst>
+            </dgm:if>
+            <dgm:else name="Name60">
+              <dgm:constrLst>
+                <dgm:constr type="l" for="ch" forName="centerBoxParent"/>
+                <dgm:constr type="t" for="ch" forName="centerBoxParent"/>
+                <dgm:constr type="w" for="ch" forName="centerBoxParent" refType="w"/>
+                <dgm:constr type="h" for="ch" forName="centerBoxParent" refType="h"/>
+              </dgm:constrLst>
+            </dgm:else>
+          </dgm:choose>
+          <dgm:ruleLst/>
+          <dgm:layoutNode name="centerBoxParent" styleLbl="node1">
+            <dgm:alg type="tx">
+              <dgm:param type="txAnchorVert" val="t"/>
+              <dgm:param type="parTxLTRAlign" val="l"/>
+              <dgm:param type="parTxRTLAlign" val="r"/>
+            </dgm:alg>
+            <dgm:shape xmlns:r="http://schemas.openxmlformats.org/officeDocument/2006/relationships" type="roundRect" r:blip="">
+              <dgm:adjLst>
+                <dgm:adj idx="1" val="0.105"/>
+              </dgm:adjLst>
+            </dgm:shape>
+            <dgm:presOf axis="ch" ptType="node" st="3" cnt="1"/>
+            <dgm:constrLst>
+              <dgm:constr type="tMarg" refType="primFontSz" fact="0.3"/>
+              <dgm:constr type="lMarg" refType="primFontSz" fact="0.3"/>
+              <dgm:constr type="rMarg" refType="primFontSz" fact="0.3"/>
+            </dgm:constrLst>
+            <dgm:ruleLst>
+              <dgm:rule type="primFontSz" val="5" fact="NaN" max="NaN"/>
+            </dgm:ruleLst>
+          </dgm:layoutNode>
+          <dgm:choose name="Name61">
+            <dgm:if name="Name62" axis="ch ch" ptType="node node" st="3 1" cnt="1 0" func="cnt" op="gt" val="0">
+              <dgm:layoutNode name="centerBoxChildren">
+                <dgm:choose name="Name63">
+                  <dgm:if name="Name64" func="var" arg="dir" op="equ" val="norm">
+                    <dgm:alg type="lin">
+                      <dgm:param type="horzAlign" val="l"/>
+                    </dgm:alg>
+                  </dgm:if>
+                  <dgm:else name="Name65">
+                    <dgm:alg type="lin">
+                      <dgm:param type="linDir" val="fromR"/>
+                      <dgm:param type="horzAlign" val="r"/>
+                    </dgm:alg>
+                  </dgm:else>
+                </dgm:choose>
+                <dgm:shape xmlns:r="http://schemas.openxmlformats.org/officeDocument/2006/relationships" r:blip="">
+                  <dgm:adjLst/>
+                </dgm:shape>
+                <dgm:presOf/>
+                <dgm:constrLst>
+                  <dgm:constr type="w" for="ch" forName="cChild" refType="w"/>
+                  <dgm:constr type="h" for="ch" forName="cChild" refType="h"/>
+                </dgm:constrLst>
+                <dgm:ruleLst/>
+                <dgm:forEach name="Name66" axis="ch ch" ptType="node node" st="3 1" cnt="1 0">
+                  <dgm:layoutNode name="cChild" styleLbl="fgAcc1">
+                    <dgm:varLst>
+                      <dgm:bulletEnabled val="1"/>
+                    </dgm:varLst>
+                    <dgm:alg type="tx"/>
+                    <dgm:shape xmlns:r="http://schemas.openxmlformats.org/officeDocument/2006/relationships" type="roundRect" r:blip="">
+                      <dgm:adjLst>
+                        <dgm:adj idx="1" val="0.105"/>
+                      </dgm:adjLst>
+                    </dgm:shape>
+                    <dgm:presOf axis="desOrSelf" ptType="node"/>
+                    <dgm:constrLst>
+                      <dgm:constr type="tMarg" refType="primFontSz" fact="0.3"/>
+                      <dgm:constr type="bMarg" refType="primFontSz" fact="0.3"/>
+                      <dgm:constr type="lMarg" refType="primFontSz" fact="0.3"/>
+                      <dgm:constr type="rMarg" refType="primFontSz" fact="0.3"/>
+                    </dgm:constrLst>
+                    <dgm:ruleLst>
+                      <dgm:rule type="primFontSz" val="5" fact="NaN" max="NaN"/>
+                    </dgm:ruleLst>
+                  </dgm:layoutNode>
+                  <dgm:forEach name="Name67" axis="followSib" ptType="sibTrans" cnt="1">
+                    <dgm:layoutNode name="centerSibTrans">
+                      <dgm:alg type="sp"/>
+                      <dgm:shape xmlns:r="http://schemas.openxmlformats.org/officeDocument/2006/relationships" r:blip="">
+                        <dgm:adjLst/>
+                      </dgm:shape>
+                      <dgm:presOf/>
+                      <dgm:constrLst>
+                        <dgm:constr type="userA"/>
+                        <dgm:constr type="w" refType="userA" fact="0.015"/>
+                        <dgm:constr type="h" refType="userA" fact="0.015"/>
+                      </dgm:constrLst>
+                      <dgm:ruleLst/>
+                    </dgm:layoutNode>
+                  </dgm:forEach>
+                </dgm:forEach>
+              </dgm:layoutNode>
+            </dgm:if>
+            <dgm:else name="Name68"/>
+          </dgm:choose>
+        </dgm:layoutNode>
+      </dgm:if>
+      <dgm:else name="Name69"/>
     </dgm:choose>
   </dgm:layoutNode>
 </dgm:layoutDef>
@@ -27042,6 +29501,1139 @@
 </dgm:styleDef>
 </file>
 
+<file path=ppt/diagrams/quickStyle10.xml><?xml version="1.0" encoding="utf-8"?>
+<dgm:styleDef xmlns:dgm="http://schemas.openxmlformats.org/drawingml/2006/diagram" xmlns:a="http://schemas.openxmlformats.org/drawingml/2006/main" uniqueId="urn:microsoft.com/office/officeart/2005/8/quickstyle/3d7">
+  <dgm:title val=""/>
+  <dgm:desc val=""/>
+  <dgm:catLst>
+    <dgm:cat type="3D" pri="11700"/>
+  </dgm:catLst>
+  <dgm:scene3d>
+    <a:camera prst="perspectiveLeft" zoom="91000"/>
+    <a:lightRig rig="threePt" dir="t">
+      <a:rot lat="0" lon="0" rev="20640000"/>
+    </a:lightRig>
+  </dgm:scene3d>
+  <dgm:styleLbl name="node0">
+    <dgm:scene3d>
+      <a:camera prst="orthographicFront"/>
+      <a:lightRig rig="threePt" dir="t"/>
+    </dgm:scene3d>
+    <dgm:sp3d extrusionH="50600" prstMaterial="plastic">
+      <a:bevelT w="101600" h="80600" prst="relaxedInset"/>
+      <a:bevelB w="80600" h="80600" prst="relaxedInset"/>
+    </dgm:sp3d>
+    <dgm:txPr/>
+    <dgm:style>
+      <a:lnRef idx="0">
+        <a:scrgbClr r="0" g="0" b="0"/>
+      </a:lnRef>
+      <a:fillRef idx="1">
+        <a:scrgbClr r="0" g="0" b="0"/>
+      </a:fillRef>
+      <a:effectRef idx="1">
+        <a:scrgbClr r="0" g="0" b="0"/>
+      </a:effectRef>
+      <a:fontRef idx="minor">
+        <a:schemeClr val="dk1"/>
+      </a:fontRef>
+    </dgm:style>
+  </dgm:styleLbl>
+  <dgm:styleLbl name="lnNode1">
+    <dgm:scene3d>
+      <a:camera prst="orthographicFront"/>
+      <a:lightRig rig="threePt" dir="t"/>
+    </dgm:scene3d>
+    <dgm:sp3d extrusionH="50600" prstMaterial="plastic">
+      <a:bevelT w="101600" h="80600" prst="relaxedInset"/>
+      <a:bevelB w="80600" h="80600" prst="relaxedInset"/>
+    </dgm:sp3d>
+    <dgm:txPr/>
+    <dgm:style>
+      <a:lnRef idx="0">
+        <a:scrgbClr r="0" g="0" b="0"/>
+      </a:lnRef>
+      <a:fillRef idx="1">
+        <a:scrgbClr r="0" g="0" b="0"/>
+      </a:fillRef>
+      <a:effectRef idx="1">
+        <a:scrgbClr r="0" g="0" b="0"/>
+      </a:effectRef>
+      <a:fontRef idx="minor">
+        <a:schemeClr val="dk1"/>
+      </a:fontRef>
+    </dgm:style>
+  </dgm:styleLbl>
+  <dgm:styleLbl name="vennNode1">
+    <dgm:scene3d>
+      <a:camera prst="orthographicFront"/>
+      <a:lightRig rig="threePt" dir="t"/>
+    </dgm:scene3d>
+    <dgm:sp3d extrusionH="50600" prstMaterial="clear">
+      <a:bevelT w="101600" h="80600" prst="relaxedInset"/>
+      <a:bevelB w="80600" h="80600" prst="relaxedInset"/>
+    </dgm:sp3d>
+    <dgm:txPr/>
+    <dgm:style>
+      <a:lnRef idx="0">
+        <a:scrgbClr r="0" g="0" b="0"/>
+      </a:lnRef>
+      <a:fillRef idx="1">
+        <a:scrgbClr r="0" g="0" b="0"/>
+      </a:fillRef>
+      <a:effectRef idx="0">
+        <a:scrgbClr r="0" g="0" b="0"/>
+      </a:effectRef>
+      <a:fontRef idx="minor">
+        <a:schemeClr val="tx1"/>
+      </a:fontRef>
+    </dgm:style>
+  </dgm:styleLbl>
+  <dgm:styleLbl name="alignNode1">
+    <dgm:scene3d>
+      <a:camera prst="orthographicFront"/>
+      <a:lightRig rig="threePt" dir="t"/>
+    </dgm:scene3d>
+    <dgm:sp3d extrusionH="50600" prstMaterial="metal">
+      <a:bevelT w="101600" h="80600" prst="relaxedInset"/>
+      <a:bevelB w="80600" h="80600" prst="relaxedInset"/>
+    </dgm:sp3d>
+    <dgm:txPr/>
+    <dgm:style>
+      <a:lnRef idx="1">
+        <a:scrgbClr r="0" g="0" b="0"/>
+      </a:lnRef>
+      <a:fillRef idx="1">
+        <a:scrgbClr r="0" g="0" b="0"/>
+      </a:fillRef>
+      <a:effectRef idx="1">
+        <a:scrgbClr r="0" g="0" b="0"/>
+      </a:effectRef>
+      <a:fontRef idx="minor">
+        <a:schemeClr val="dk1"/>
+      </a:fontRef>
+    </dgm:style>
+  </dgm:styleLbl>
+  <dgm:styleLbl name="node1">
+    <dgm:scene3d>
+      <a:camera prst="orthographicFront"/>
+      <a:lightRig rig="threePt" dir="t"/>
+    </dgm:scene3d>
+    <dgm:sp3d extrusionH="50600" prstMaterial="metal">
+      <a:bevelT w="101600" h="80600" prst="relaxedInset"/>
+      <a:bevelB w="80600" h="80600" prst="relaxedInset"/>
+    </dgm:sp3d>
+    <dgm:txPr/>
+    <dgm:style>
+      <a:lnRef idx="0">
+        <a:scrgbClr r="0" g="0" b="0"/>
+      </a:lnRef>
+      <a:fillRef idx="1">
+        <a:scrgbClr r="0" g="0" b="0"/>
+      </a:fillRef>
+      <a:effectRef idx="1">
+        <a:scrgbClr r="0" g="0" b="0"/>
+      </a:effectRef>
+      <a:fontRef idx="minor">
+        <a:schemeClr val="dk1"/>
+      </a:fontRef>
+    </dgm:style>
+  </dgm:styleLbl>
+  <dgm:styleLbl name="node2">
+    <dgm:scene3d>
+      <a:camera prst="orthographicFront"/>
+      <a:lightRig rig="threePt" dir="t"/>
+    </dgm:scene3d>
+    <dgm:sp3d extrusionH="50600" prstMaterial="plastic">
+      <a:bevelT w="101600" h="80600" prst="relaxedInset"/>
+      <a:bevelB w="80600" h="80600" prst="relaxedInset"/>
+    </dgm:sp3d>
+    <dgm:txPr/>
+    <dgm:style>
+      <a:lnRef idx="0">
+        <a:scrgbClr r="0" g="0" b="0"/>
+      </a:lnRef>
+      <a:fillRef idx="1">
+        <a:scrgbClr r="0" g="0" b="0"/>
+      </a:fillRef>
+      <a:effectRef idx="1">
+        <a:scrgbClr r="0" g="0" b="0"/>
+      </a:effectRef>
+      <a:fontRef idx="minor">
+        <a:schemeClr val="dk1"/>
+      </a:fontRef>
+    </dgm:style>
+  </dgm:styleLbl>
+  <dgm:styleLbl name="node3">
+    <dgm:scene3d>
+      <a:camera prst="orthographicFront"/>
+      <a:lightRig rig="threePt" dir="t"/>
+    </dgm:scene3d>
+    <dgm:sp3d extrusionH="50600" prstMaterial="plastic">
+      <a:bevelT w="101600" h="80600" prst="relaxedInset"/>
+      <a:bevelB w="80600" h="80600" prst="relaxedInset"/>
+    </dgm:sp3d>
+    <dgm:txPr/>
+    <dgm:style>
+      <a:lnRef idx="0">
+        <a:scrgbClr r="0" g="0" b="0"/>
+      </a:lnRef>
+      <a:fillRef idx="1">
+        <a:scrgbClr r="0" g="0" b="0"/>
+      </a:fillRef>
+      <a:effectRef idx="1">
+        <a:scrgbClr r="0" g="0" b="0"/>
+      </a:effectRef>
+      <a:fontRef idx="minor">
+        <a:schemeClr val="dk1"/>
+      </a:fontRef>
+    </dgm:style>
+  </dgm:styleLbl>
+  <dgm:styleLbl name="node4">
+    <dgm:scene3d>
+      <a:camera prst="orthographicFront"/>
+      <a:lightRig rig="threePt" dir="t"/>
+    </dgm:scene3d>
+    <dgm:sp3d extrusionH="50600" prstMaterial="plastic">
+      <a:bevelT w="101600" h="80600" prst="relaxedInset"/>
+      <a:bevelB w="80600" h="80600" prst="relaxedInset"/>
+    </dgm:sp3d>
+    <dgm:txPr/>
+    <dgm:style>
+      <a:lnRef idx="0">
+        <a:scrgbClr r="0" g="0" b="0"/>
+      </a:lnRef>
+      <a:fillRef idx="1">
+        <a:scrgbClr r="0" g="0" b="0"/>
+      </a:fillRef>
+      <a:effectRef idx="1">
+        <a:scrgbClr r="0" g="0" b="0"/>
+      </a:effectRef>
+      <a:fontRef idx="minor">
+        <a:schemeClr val="dk1"/>
+      </a:fontRef>
+    </dgm:style>
+  </dgm:styleLbl>
+  <dgm:styleLbl name="fgImgPlace1">
+    <dgm:scene3d>
+      <a:camera prst="orthographicFront"/>
+      <a:lightRig rig="threePt" dir="t"/>
+    </dgm:scene3d>
+    <dgm:sp3d z="57200" extrusionH="10600" prstMaterial="plastic">
+      <a:bevelT w="101600" h="8600" prst="relaxedInset"/>
+      <a:bevelB w="8600" h="8600" prst="relaxedInset"/>
+    </dgm:sp3d>
+    <dgm:txPr/>
+    <dgm:style>
+      <a:lnRef idx="0">
+        <a:scrgbClr r="0" g="0" b="0"/>
+      </a:lnRef>
+      <a:fillRef idx="1">
+        <a:scrgbClr r="0" g="0" b="0"/>
+      </a:fillRef>
+      <a:effectRef idx="1">
+        <a:scrgbClr r="0" g="0" b="0"/>
+      </a:effectRef>
+      <a:fontRef idx="minor"/>
+    </dgm:style>
+  </dgm:styleLbl>
+  <dgm:styleLbl name="alignImgPlace1">
+    <dgm:scene3d>
+      <a:camera prst="orthographicFront"/>
+      <a:lightRig rig="threePt" dir="t"/>
+    </dgm:scene3d>
+    <dgm:sp3d extrusionH="50600" prstMaterial="plastic">
+      <a:bevelT w="101600" h="80600" prst="relaxedInset"/>
+      <a:bevelB w="80600" h="80600" prst="relaxedInset"/>
+    </dgm:sp3d>
+    <dgm:txPr/>
+    <dgm:style>
+      <a:lnRef idx="0">
+        <a:scrgbClr r="0" g="0" b="0"/>
+      </a:lnRef>
+      <a:fillRef idx="1">
+        <a:scrgbClr r="0" g="0" b="0"/>
+      </a:fillRef>
+      <a:effectRef idx="1">
+        <a:scrgbClr r="0" g="0" b="0"/>
+      </a:effectRef>
+      <a:fontRef idx="minor"/>
+    </dgm:style>
+  </dgm:styleLbl>
+  <dgm:styleLbl name="bgImgPlace1">
+    <dgm:scene3d>
+      <a:camera prst="orthographicFront"/>
+      <a:lightRig rig="threePt" dir="t"/>
+    </dgm:scene3d>
+    <dgm:sp3d z="-211800" extrusionH="10600" prstMaterial="plastic">
+      <a:bevelT w="101600" h="8600" prst="relaxedInset"/>
+      <a:bevelB w="8600" h="8600" prst="relaxedInset"/>
+    </dgm:sp3d>
+    <dgm:txPr/>
+    <dgm:style>
+      <a:lnRef idx="0">
+        <a:scrgbClr r="0" g="0" b="0"/>
+      </a:lnRef>
+      <a:fillRef idx="1">
+        <a:scrgbClr r="0" g="0" b="0"/>
+      </a:fillRef>
+      <a:effectRef idx="1">
+        <a:scrgbClr r="0" g="0" b="0"/>
+      </a:effectRef>
+      <a:fontRef idx="minor"/>
+    </dgm:style>
+  </dgm:styleLbl>
+  <dgm:styleLbl name="sibTrans2D1">
+    <dgm:scene3d>
+      <a:camera prst="orthographicFront"/>
+      <a:lightRig rig="threePt" dir="t"/>
+    </dgm:scene3d>
+    <dgm:sp3d z="-110000">
+      <a:bevelT w="40600" h="20600" prst="relaxedInset"/>
+    </dgm:sp3d>
+    <dgm:txPr/>
+    <dgm:style>
+      <a:lnRef idx="0">
+        <a:scrgbClr r="0" g="0" b="0"/>
+      </a:lnRef>
+      <a:fillRef idx="1">
+        <a:scrgbClr r="0" g="0" b="0"/>
+      </a:fillRef>
+      <a:effectRef idx="2">
+        <a:scrgbClr r="0" g="0" b="0"/>
+      </a:effectRef>
+      <a:fontRef idx="minor"/>
+    </dgm:style>
+  </dgm:styleLbl>
+  <dgm:styleLbl name="fgSibTrans2D1">
+    <dgm:scene3d>
+      <a:camera prst="orthographicFront"/>
+      <a:lightRig rig="threePt" dir="t"/>
+    </dgm:scene3d>
+    <dgm:sp3d z="10600">
+      <a:bevelT w="40600" h="20600" prst="relaxedInset"/>
+    </dgm:sp3d>
+    <dgm:txPr/>
+    <dgm:style>
+      <a:lnRef idx="0">
+        <a:scrgbClr r="0" g="0" b="0"/>
+      </a:lnRef>
+      <a:fillRef idx="1">
+        <a:scrgbClr r="0" g="0" b="0"/>
+      </a:fillRef>
+      <a:effectRef idx="2">
+        <a:scrgbClr r="0" g="0" b="0"/>
+      </a:effectRef>
+      <a:fontRef idx="minor"/>
+    </dgm:style>
+  </dgm:styleLbl>
+  <dgm:styleLbl name="bgSibTrans2D1">
+    <dgm:scene3d>
+      <a:camera prst="orthographicFront"/>
+      <a:lightRig rig="threePt" dir="t"/>
+    </dgm:scene3d>
+    <dgm:sp3d z="-211800">
+      <a:bevelT w="40600" h="20600" prst="relaxedInset"/>
+    </dgm:sp3d>
+    <dgm:txPr/>
+    <dgm:style>
+      <a:lnRef idx="0">
+        <a:scrgbClr r="0" g="0" b="0"/>
+      </a:lnRef>
+      <a:fillRef idx="1">
+        <a:scrgbClr r="0" g="0" b="0"/>
+      </a:fillRef>
+      <a:effectRef idx="2">
+        <a:scrgbClr r="0" g="0" b="0"/>
+      </a:effectRef>
+      <a:fontRef idx="minor"/>
+    </dgm:style>
+  </dgm:styleLbl>
+  <dgm:styleLbl name="sibTrans1D1">
+    <dgm:scene3d>
+      <a:camera prst="orthographicFront"/>
+      <a:lightRig rig="threePt" dir="t"/>
+    </dgm:scene3d>
+    <dgm:sp3d z="-110000"/>
+    <dgm:txPr/>
+    <dgm:style>
+      <a:lnRef idx="1">
+        <a:scrgbClr r="0" g="0" b="0"/>
+      </a:lnRef>
+      <a:fillRef idx="0">
+        <a:scrgbClr r="0" g="0" b="0"/>
+      </a:fillRef>
+      <a:effectRef idx="0">
+        <a:scrgbClr r="0" g="0" b="0"/>
+      </a:effectRef>
+      <a:fontRef idx="minor"/>
+    </dgm:style>
+  </dgm:styleLbl>
+  <dgm:styleLbl name="callout">
+    <dgm:scene3d>
+      <a:camera prst="orthographicFront"/>
+      <a:lightRig rig="threePt" dir="t"/>
+    </dgm:scene3d>
+    <dgm:sp3d z="10000"/>
+    <dgm:txPr/>
+    <dgm:style>
+      <a:lnRef idx="1">
+        <a:scrgbClr r="0" g="0" b="0"/>
+      </a:lnRef>
+      <a:fillRef idx="1">
+        <a:scrgbClr r="0" g="0" b="0"/>
+      </a:fillRef>
+      <a:effectRef idx="0">
+        <a:scrgbClr r="0" g="0" b="0"/>
+      </a:effectRef>
+      <a:fontRef idx="minor"/>
+    </dgm:style>
+  </dgm:styleLbl>
+  <dgm:styleLbl name="asst0">
+    <dgm:scene3d>
+      <a:camera prst="orthographicFront"/>
+      <a:lightRig rig="threePt" dir="t"/>
+    </dgm:scene3d>
+    <dgm:sp3d extrusionH="50600" prstMaterial="plastic">
+      <a:bevelT w="101600" h="80600" prst="relaxedInset"/>
+      <a:bevelB w="80600" h="80600" prst="relaxedInset"/>
+    </dgm:sp3d>
+    <dgm:txPr/>
+    <dgm:style>
+      <a:lnRef idx="0">
+        <a:scrgbClr r="0" g="0" b="0"/>
+      </a:lnRef>
+      <a:fillRef idx="1">
+        <a:scrgbClr r="0" g="0" b="0"/>
+      </a:fillRef>
+      <a:effectRef idx="1">
+        <a:scrgbClr r="0" g="0" b="0"/>
+      </a:effectRef>
+      <a:fontRef idx="minor">
+        <a:schemeClr val="dk1"/>
+      </a:fontRef>
+    </dgm:style>
+  </dgm:styleLbl>
+  <dgm:styleLbl name="asst1">
+    <dgm:scene3d>
+      <a:camera prst="orthographicFront"/>
+      <a:lightRig rig="threePt" dir="t"/>
+    </dgm:scene3d>
+    <dgm:sp3d extrusionH="50600" prstMaterial="plastic">
+      <a:bevelT w="101600" h="80600" prst="relaxedInset"/>
+      <a:bevelB w="80600" h="80600" prst="relaxedInset"/>
+    </dgm:sp3d>
+    <dgm:txPr/>
+    <dgm:style>
+      <a:lnRef idx="0">
+        <a:scrgbClr r="0" g="0" b="0"/>
+      </a:lnRef>
+      <a:fillRef idx="1">
+        <a:scrgbClr r="0" g="0" b="0"/>
+      </a:fillRef>
+      <a:effectRef idx="1">
+        <a:scrgbClr r="0" g="0" b="0"/>
+      </a:effectRef>
+      <a:fontRef idx="minor">
+        <a:schemeClr val="dk1"/>
+      </a:fontRef>
+    </dgm:style>
+  </dgm:styleLbl>
+  <dgm:styleLbl name="asst2">
+    <dgm:scene3d>
+      <a:camera prst="orthographicFront"/>
+      <a:lightRig rig="threePt" dir="t"/>
+    </dgm:scene3d>
+    <dgm:sp3d extrusionH="50600" prstMaterial="plastic">
+      <a:bevelT w="101600" h="80600" prst="relaxedInset"/>
+      <a:bevelB w="80600" h="80600" prst="relaxedInset"/>
+    </dgm:sp3d>
+    <dgm:txPr/>
+    <dgm:style>
+      <a:lnRef idx="0">
+        <a:scrgbClr r="0" g="0" b="0"/>
+      </a:lnRef>
+      <a:fillRef idx="1">
+        <a:scrgbClr r="0" g="0" b="0"/>
+      </a:fillRef>
+      <a:effectRef idx="1">
+        <a:scrgbClr r="0" g="0" b="0"/>
+      </a:effectRef>
+      <a:fontRef idx="minor">
+        <a:schemeClr val="dk1"/>
+      </a:fontRef>
+    </dgm:style>
+  </dgm:styleLbl>
+  <dgm:styleLbl name="asst3">
+    <dgm:scene3d>
+      <a:camera prst="orthographicFront"/>
+      <a:lightRig rig="threePt" dir="t"/>
+    </dgm:scene3d>
+    <dgm:sp3d extrusionH="50600" prstMaterial="plastic">
+      <a:bevelT w="101600" h="80600" prst="relaxedInset"/>
+      <a:bevelB w="80600" h="80600" prst="relaxedInset"/>
+    </dgm:sp3d>
+    <dgm:txPr/>
+    <dgm:style>
+      <a:lnRef idx="0">
+        <a:scrgbClr r="0" g="0" b="0"/>
+      </a:lnRef>
+      <a:fillRef idx="1">
+        <a:scrgbClr r="0" g="0" b="0"/>
+      </a:fillRef>
+      <a:effectRef idx="1">
+        <a:scrgbClr r="0" g="0" b="0"/>
+      </a:effectRef>
+      <a:fontRef idx="minor">
+        <a:schemeClr val="dk1"/>
+      </a:fontRef>
+    </dgm:style>
+  </dgm:styleLbl>
+  <dgm:styleLbl name="asst4">
+    <dgm:scene3d>
+      <a:camera prst="orthographicFront"/>
+      <a:lightRig rig="threePt" dir="t"/>
+    </dgm:scene3d>
+    <dgm:sp3d extrusionH="50600" prstMaterial="plastic">
+      <a:bevelT w="101600" h="80600" prst="relaxedInset"/>
+      <a:bevelB w="80600" h="80600" prst="relaxedInset"/>
+    </dgm:sp3d>
+    <dgm:txPr/>
+    <dgm:style>
+      <a:lnRef idx="0">
+        <a:scrgbClr r="0" g="0" b="0"/>
+      </a:lnRef>
+      <a:fillRef idx="1">
+        <a:scrgbClr r="0" g="0" b="0"/>
+      </a:fillRef>
+      <a:effectRef idx="1">
+        <a:scrgbClr r="0" g="0" b="0"/>
+      </a:effectRef>
+      <a:fontRef idx="minor">
+        <a:schemeClr val="dk1"/>
+      </a:fontRef>
+    </dgm:style>
+  </dgm:styleLbl>
+  <dgm:styleLbl name="parChTrans2D1">
+    <dgm:scene3d>
+      <a:camera prst="orthographicFront"/>
+      <a:lightRig rig="threePt" dir="t"/>
+    </dgm:scene3d>
+    <dgm:sp3d z="-110000">
+      <a:bevelT w="40600" h="20600" prst="relaxedInset"/>
+    </dgm:sp3d>
+    <dgm:txPr/>
+    <dgm:style>
+      <a:lnRef idx="0">
+        <a:scrgbClr r="0" g="0" b="0"/>
+      </a:lnRef>
+      <a:fillRef idx="1">
+        <a:scrgbClr r="0" g="0" b="0"/>
+      </a:fillRef>
+      <a:effectRef idx="0">
+        <a:scrgbClr r="0" g="0" b="0"/>
+      </a:effectRef>
+      <a:fontRef idx="minor"/>
+    </dgm:style>
+  </dgm:styleLbl>
+  <dgm:styleLbl name="parChTrans2D2">
+    <dgm:scene3d>
+      <a:camera prst="orthographicFront"/>
+      <a:lightRig rig="threePt" dir="t"/>
+    </dgm:scene3d>
+    <dgm:sp3d z="-110000">
+      <a:bevelT w="40600" h="20600" prst="relaxedInset"/>
+    </dgm:sp3d>
+    <dgm:txPr/>
+    <dgm:style>
+      <a:lnRef idx="0">
+        <a:scrgbClr r="0" g="0" b="0"/>
+      </a:lnRef>
+      <a:fillRef idx="1">
+        <a:scrgbClr r="0" g="0" b="0"/>
+      </a:fillRef>
+      <a:effectRef idx="0">
+        <a:scrgbClr r="0" g="0" b="0"/>
+      </a:effectRef>
+      <a:fontRef idx="minor"/>
+    </dgm:style>
+  </dgm:styleLbl>
+  <dgm:styleLbl name="parChTrans2D3">
+    <dgm:scene3d>
+      <a:camera prst="orthographicFront"/>
+      <a:lightRig rig="threePt" dir="t"/>
+    </dgm:scene3d>
+    <dgm:sp3d z="-110000"/>
+    <dgm:txPr/>
+    <dgm:style>
+      <a:lnRef idx="0">
+        <a:scrgbClr r="0" g="0" b="0"/>
+      </a:lnRef>
+      <a:fillRef idx="1">
+        <a:scrgbClr r="0" g="0" b="0"/>
+      </a:fillRef>
+      <a:effectRef idx="0">
+        <a:scrgbClr r="0" g="0" b="0"/>
+      </a:effectRef>
+      <a:fontRef idx="minor"/>
+    </dgm:style>
+  </dgm:styleLbl>
+  <dgm:styleLbl name="parChTrans2D4">
+    <dgm:scene3d>
+      <a:camera prst="orthographicFront"/>
+      <a:lightRig rig="threePt" dir="t"/>
+    </dgm:scene3d>
+    <dgm:sp3d z="-110000"/>
+    <dgm:txPr/>
+    <dgm:style>
+      <a:lnRef idx="0">
+        <a:scrgbClr r="0" g="0" b="0"/>
+      </a:lnRef>
+      <a:fillRef idx="1">
+        <a:scrgbClr r="0" g="0" b="0"/>
+      </a:fillRef>
+      <a:effectRef idx="0">
+        <a:scrgbClr r="0" g="0" b="0"/>
+      </a:effectRef>
+      <a:fontRef idx="minor"/>
+    </dgm:style>
+  </dgm:styleLbl>
+  <dgm:styleLbl name="parChTrans1D1">
+    <dgm:scene3d>
+      <a:camera prst="orthographicFront"/>
+      <a:lightRig rig="threePt" dir="t"/>
+    </dgm:scene3d>
+    <dgm:sp3d z="-110000"/>
+    <dgm:txPr/>
+    <dgm:style>
+      <a:lnRef idx="2">
+        <a:scrgbClr r="0" g="0" b="0"/>
+      </a:lnRef>
+      <a:fillRef idx="0">
+        <a:scrgbClr r="0" g="0" b="0"/>
+      </a:fillRef>
+      <a:effectRef idx="0">
+        <a:scrgbClr r="0" g="0" b="0"/>
+      </a:effectRef>
+      <a:fontRef idx="minor"/>
+    </dgm:style>
+  </dgm:styleLbl>
+  <dgm:styleLbl name="parChTrans1D2">
+    <dgm:scene3d>
+      <a:camera prst="orthographicFront"/>
+      <a:lightRig rig="threePt" dir="t"/>
+    </dgm:scene3d>
+    <dgm:sp3d z="-110000"/>
+    <dgm:txPr/>
+    <dgm:style>
+      <a:lnRef idx="2">
+        <a:scrgbClr r="0" g="0" b="0"/>
+      </a:lnRef>
+      <a:fillRef idx="0">
+        <a:scrgbClr r="0" g="0" b="0"/>
+      </a:fillRef>
+      <a:effectRef idx="0">
+        <a:scrgbClr r="0" g="0" b="0"/>
+      </a:effectRef>
+      <a:fontRef idx="minor"/>
+    </dgm:style>
+  </dgm:styleLbl>
+  <dgm:styleLbl name="parChTrans1D3">
+    <dgm:scene3d>
+      <a:camera prst="orthographicFront"/>
+      <a:lightRig rig="threePt" dir="t"/>
+    </dgm:scene3d>
+    <dgm:sp3d z="-110000"/>
+    <dgm:txPr/>
+    <dgm:style>
+      <a:lnRef idx="2">
+        <a:scrgbClr r="0" g="0" b="0"/>
+      </a:lnRef>
+      <a:fillRef idx="0">
+        <a:scrgbClr r="0" g="0" b="0"/>
+      </a:fillRef>
+      <a:effectRef idx="0">
+        <a:scrgbClr r="0" g="0" b="0"/>
+      </a:effectRef>
+      <a:fontRef idx="minor"/>
+    </dgm:style>
+  </dgm:styleLbl>
+  <dgm:styleLbl name="parChTrans1D4">
+    <dgm:scene3d>
+      <a:camera prst="orthographicFront"/>
+      <a:lightRig rig="threePt" dir="t"/>
+    </dgm:scene3d>
+    <dgm:sp3d z="-110000"/>
+    <dgm:txPr/>
+    <dgm:style>
+      <a:lnRef idx="2">
+        <a:scrgbClr r="0" g="0" b="0"/>
+      </a:lnRef>
+      <a:fillRef idx="0">
+        <a:scrgbClr r="0" g="0" b="0"/>
+      </a:fillRef>
+      <a:effectRef idx="0">
+        <a:scrgbClr r="0" g="0" b="0"/>
+      </a:effectRef>
+      <a:fontRef idx="minor"/>
+    </dgm:style>
+  </dgm:styleLbl>
+  <dgm:styleLbl name="fgAcc1">
+    <dgm:scene3d>
+      <a:camera prst="orthographicFront"/>
+      <a:lightRig rig="threePt" dir="t"/>
+    </dgm:scene3d>
+    <dgm:sp3d z="57200" extrusionH="600" contourW="3000">
+      <a:bevelT w="48600" h="18600" prst="relaxedInset"/>
+      <a:bevelB w="48600" h="8600" prst="relaxedInset"/>
+    </dgm:sp3d>
+    <dgm:txPr/>
+    <dgm:style>
+      <a:lnRef idx="1">
+        <a:scrgbClr r="0" g="0" b="0"/>
+      </a:lnRef>
+      <a:fillRef idx="1">
+        <a:scrgbClr r="0" g="0" b="0"/>
+      </a:fillRef>
+      <a:effectRef idx="0">
+        <a:scrgbClr r="0" g="0" b="0"/>
+      </a:effectRef>
+      <a:fontRef idx="minor"/>
+    </dgm:style>
+  </dgm:styleLbl>
+  <dgm:styleLbl name="conFgAcc1">
+    <dgm:scene3d>
+      <a:camera prst="orthographicFront"/>
+      <a:lightRig rig="threePt" dir="t"/>
+    </dgm:scene3d>
+    <dgm:sp3d z="-161800" extrusionH="10600" prstMaterial="matte">
+      <a:bevelT w="90600" h="18600" prst="softRound"/>
+      <a:bevelB w="48600" h="8600" prst="relaxedInset"/>
+    </dgm:sp3d>
+    <dgm:txPr/>
+    <dgm:style>
+      <a:lnRef idx="1">
+        <a:scrgbClr r="0" g="0" b="0"/>
+      </a:lnRef>
+      <a:fillRef idx="1">
+        <a:scrgbClr r="0" g="0" b="0"/>
+      </a:fillRef>
+      <a:effectRef idx="0">
+        <a:scrgbClr r="0" g="0" b="0"/>
+      </a:effectRef>
+      <a:fontRef idx="minor"/>
+    </dgm:style>
+  </dgm:styleLbl>
+  <dgm:styleLbl name="alignAcc1">
+    <dgm:scene3d>
+      <a:camera prst="orthographicFront"/>
+      <a:lightRig rig="threePt" dir="t"/>
+    </dgm:scene3d>
+    <dgm:sp3d extrusionH="50600">
+      <a:bevelT w="101600" h="80600"/>
+      <a:bevelB w="80600" h="80600"/>
+    </dgm:sp3d>
+    <dgm:txPr/>
+    <dgm:style>
+      <a:lnRef idx="1">
+        <a:scrgbClr r="0" g="0" b="0"/>
+      </a:lnRef>
+      <a:fillRef idx="1">
+        <a:scrgbClr r="0" g="0" b="0"/>
+      </a:fillRef>
+      <a:effectRef idx="0">
+        <a:scrgbClr r="0" g="0" b="0"/>
+      </a:effectRef>
+      <a:fontRef idx="minor"/>
+    </dgm:style>
+  </dgm:styleLbl>
+  <dgm:styleLbl name="trAlignAcc1">
+    <dgm:scene3d>
+      <a:camera prst="orthographicFront"/>
+      <a:lightRig rig="threePt" dir="t"/>
+    </dgm:scene3d>
+    <dgm:sp3d extrusionH="50600">
+      <a:bevelT w="101600" h="80600"/>
+    </dgm:sp3d>
+    <dgm:txPr/>
+    <dgm:style>
+      <a:lnRef idx="1">
+        <a:scrgbClr r="0" g="0" b="0"/>
+      </a:lnRef>
+      <a:fillRef idx="1">
+        <a:scrgbClr r="0" g="0" b="0"/>
+      </a:fillRef>
+      <a:effectRef idx="0">
+        <a:scrgbClr r="0" g="0" b="0"/>
+      </a:effectRef>
+      <a:fontRef idx="minor"/>
+    </dgm:style>
+  </dgm:styleLbl>
+  <dgm:styleLbl name="bgAcc1">
+    <dgm:scene3d>
+      <a:camera prst="orthographicFront"/>
+      <a:lightRig rig="threePt" dir="t"/>
+    </dgm:scene3d>
+    <dgm:sp3d z="-161800" extrusionH="10600" prstMaterial="matte">
+      <a:bevelT w="90600" h="18600" prst="softRound"/>
+      <a:bevelB w="48600" h="8600" prst="relaxedInset"/>
+    </dgm:sp3d>
+    <dgm:txPr/>
+    <dgm:style>
+      <a:lnRef idx="1">
+        <a:scrgbClr r="0" g="0" b="0"/>
+      </a:lnRef>
+      <a:fillRef idx="1">
+        <a:scrgbClr r="0" g="0" b="0"/>
+      </a:fillRef>
+      <a:effectRef idx="0">
+        <a:scrgbClr r="0" g="0" b="0"/>
+      </a:effectRef>
+      <a:fontRef idx="minor"/>
+    </dgm:style>
+  </dgm:styleLbl>
+  <dgm:styleLbl name="solidFgAcc1">
+    <dgm:scene3d>
+      <a:camera prst="orthographicFront"/>
+      <a:lightRig rig="threePt" dir="t"/>
+    </dgm:scene3d>
+    <dgm:sp3d z="57200" extrusionH="600" contourW="3000">
+      <a:bevelT w="48600" h="18600" prst="relaxedInset"/>
+      <a:bevelB w="48600" h="8600" prst="relaxedInset"/>
+    </dgm:sp3d>
+    <dgm:txPr/>
+    <dgm:style>
+      <a:lnRef idx="0">
+        <a:scrgbClr r="0" g="0" b="0"/>
+      </a:lnRef>
+      <a:fillRef idx="1">
+        <a:scrgbClr r="0" g="0" b="0"/>
+      </a:fillRef>
+      <a:effectRef idx="0">
+        <a:scrgbClr r="0" g="0" b="0"/>
+      </a:effectRef>
+      <a:fontRef idx="minor"/>
+    </dgm:style>
+  </dgm:styleLbl>
+  <dgm:styleLbl name="solidAlignAcc1">
+    <dgm:scene3d>
+      <a:camera prst="orthographicFront"/>
+      <a:lightRig rig="threePt" dir="t"/>
+    </dgm:scene3d>
+    <dgm:sp3d extrusionH="50600" contourW="3000">
+      <a:bevelT w="101600" h="80600" prst="relaxedInset"/>
+      <a:bevelB w="80600" h="80600" prst="relaxedInset"/>
+    </dgm:sp3d>
+    <dgm:txPr/>
+    <dgm:style>
+      <a:lnRef idx="0">
+        <a:scrgbClr r="0" g="0" b="0"/>
+      </a:lnRef>
+      <a:fillRef idx="1">
+        <a:scrgbClr r="0" g="0" b="0"/>
+      </a:fillRef>
+      <a:effectRef idx="0">
+        <a:scrgbClr r="0" g="0" b="0"/>
+      </a:effectRef>
+      <a:fontRef idx="minor"/>
+    </dgm:style>
+  </dgm:styleLbl>
+  <dgm:styleLbl name="solidBgAcc1">
+    <dgm:scene3d>
+      <a:camera prst="orthographicFront"/>
+      <a:lightRig rig="threePt" dir="t"/>
+    </dgm:scene3d>
+    <dgm:sp3d z="-161800" extrusionH="10600" contourW="3000">
+      <a:bevelT w="48600" h="8600" prst="softRound"/>
+      <a:bevelB w="48600" h="8600" prst="relaxedInset"/>
+    </dgm:sp3d>
+    <dgm:txPr/>
+    <dgm:style>
+      <a:lnRef idx="0">
+        <a:scrgbClr r="0" g="0" b="0"/>
+      </a:lnRef>
+      <a:fillRef idx="1">
+        <a:scrgbClr r="0" g="0" b="0"/>
+      </a:fillRef>
+      <a:effectRef idx="0">
+        <a:scrgbClr r="0" g="0" b="0"/>
+      </a:effectRef>
+      <a:fontRef idx="minor"/>
+    </dgm:style>
+  </dgm:styleLbl>
+  <dgm:styleLbl name="fgAccFollowNode1">
+    <dgm:scene3d>
+      <a:camera prst="orthographicFront"/>
+      <a:lightRig rig="threePt" dir="t"/>
+    </dgm:scene3d>
+    <dgm:sp3d z="57200" extrusionH="600" contourW="3000">
+      <a:bevelT w="48600" h="18600" prst="relaxedInset"/>
+      <a:bevelB w="48600" h="8600" prst="relaxedInset"/>
+    </dgm:sp3d>
+    <dgm:txPr/>
+    <dgm:style>
+      <a:lnRef idx="0">
+        <a:scrgbClr r="0" g="0" b="0"/>
+      </a:lnRef>
+      <a:fillRef idx="1">
+        <a:scrgbClr r="0" g="0" b="0"/>
+      </a:fillRef>
+      <a:effectRef idx="0">
+        <a:scrgbClr r="0" g="0" b="0"/>
+      </a:effectRef>
+      <a:fontRef idx="minor"/>
+    </dgm:style>
+  </dgm:styleLbl>
+  <dgm:styleLbl name="alignAccFollowNode1">
+    <dgm:scene3d>
+      <a:camera prst="orthographicFront"/>
+      <a:lightRig rig="threePt" dir="t"/>
+    </dgm:scene3d>
+    <dgm:sp3d extrusionH="50600" contourW="3000">
+      <a:bevelT w="101600" h="80600" prst="relaxedInset"/>
+      <a:bevelB w="80600" h="80600" prst="relaxedInset"/>
+    </dgm:sp3d>
+    <dgm:txPr/>
+    <dgm:style>
+      <a:lnRef idx="0">
+        <a:scrgbClr r="0" g="0" b="0"/>
+      </a:lnRef>
+      <a:fillRef idx="1">
+        <a:scrgbClr r="0" g="0" b="0"/>
+      </a:fillRef>
+      <a:effectRef idx="0">
+        <a:scrgbClr r="0" g="0" b="0"/>
+      </a:effectRef>
+      <a:fontRef idx="minor"/>
+    </dgm:style>
+  </dgm:styleLbl>
+  <dgm:styleLbl name="bgAccFollowNode1">
+    <dgm:scene3d>
+      <a:camera prst="orthographicFront"/>
+      <a:lightRig rig="threePt" dir="t"/>
+    </dgm:scene3d>
+    <dgm:sp3d z="-161800" extrusionH="10600" contourW="3000">
+      <a:bevelT w="48600" h="8600" prst="relaxedInset"/>
+      <a:bevelB w="48600" h="8600" prst="relaxedInset"/>
+    </dgm:sp3d>
+    <dgm:txPr/>
+    <dgm:style>
+      <a:lnRef idx="0">
+        <a:scrgbClr r="0" g="0" b="0"/>
+      </a:lnRef>
+      <a:fillRef idx="1">
+        <a:scrgbClr r="0" g="0" b="0"/>
+      </a:fillRef>
+      <a:effectRef idx="0">
+        <a:scrgbClr r="0" g="0" b="0"/>
+      </a:effectRef>
+      <a:fontRef idx="minor"/>
+    </dgm:style>
+  </dgm:styleLbl>
+  <dgm:styleLbl name="fgAcc0">
+    <dgm:scene3d>
+      <a:camera prst="orthographicFront"/>
+      <a:lightRig rig="threePt" dir="t"/>
+    </dgm:scene3d>
+    <dgm:sp3d z="57200" extrusionH="600" contourW="3000">
+      <a:bevelT w="48600" h="18600" prst="relaxedInset"/>
+      <a:bevelB w="48600" h="8600" prst="relaxedInset"/>
+    </dgm:sp3d>
+    <dgm:txPr/>
+    <dgm:style>
+      <a:lnRef idx="1">
+        <a:scrgbClr r="0" g="0" b="0"/>
+      </a:lnRef>
+      <a:fillRef idx="1">
+        <a:scrgbClr r="0" g="0" b="0"/>
+      </a:fillRef>
+      <a:effectRef idx="0">
+        <a:scrgbClr r="0" g="0" b="0"/>
+      </a:effectRef>
+      <a:fontRef idx="minor"/>
+    </dgm:style>
+  </dgm:styleLbl>
+  <dgm:styleLbl name="fgAcc2">
+    <dgm:scene3d>
+      <a:camera prst="orthographicFront"/>
+      <a:lightRig rig="threePt" dir="t"/>
+    </dgm:scene3d>
+    <dgm:sp3d z="57200" extrusionH="600" contourW="3000">
+      <a:bevelT w="48600" h="18600" prst="relaxedInset"/>
+      <a:bevelB w="48600" h="8600" prst="relaxedInset"/>
+    </dgm:sp3d>
+    <dgm:txPr/>
+    <dgm:style>
+      <a:lnRef idx="1">
+        <a:scrgbClr r="0" g="0" b="0"/>
+      </a:lnRef>
+      <a:fillRef idx="1">
+        <a:scrgbClr r="0" g="0" b="0"/>
+      </a:fillRef>
+      <a:effectRef idx="0">
+        <a:scrgbClr r="0" g="0" b="0"/>
+      </a:effectRef>
+      <a:fontRef idx="minor"/>
+    </dgm:style>
+  </dgm:styleLbl>
+  <dgm:styleLbl name="fgAcc3">
+    <dgm:scene3d>
+      <a:camera prst="orthographicFront"/>
+      <a:lightRig rig="threePt" dir="t"/>
+    </dgm:scene3d>
+    <dgm:sp3d z="57200" extrusionH="600" contourW="3000">
+      <a:bevelT w="48600" h="18600" prst="relaxedInset"/>
+      <a:bevelB w="48600" h="8600" prst="relaxedInset"/>
+    </dgm:sp3d>
+    <dgm:txPr/>
+    <dgm:style>
+      <a:lnRef idx="1">
+        <a:scrgbClr r="0" g="0" b="0"/>
+      </a:lnRef>
+      <a:fillRef idx="1">
+        <a:scrgbClr r="0" g="0" b="0"/>
+      </a:fillRef>
+      <a:effectRef idx="0">
+        <a:scrgbClr r="0" g="0" b="0"/>
+      </a:effectRef>
+      <a:fontRef idx="minor"/>
+    </dgm:style>
+  </dgm:styleLbl>
+  <dgm:styleLbl name="fgAcc4">
+    <dgm:scene3d>
+      <a:camera prst="orthographicFront"/>
+      <a:lightRig rig="threePt" dir="t"/>
+    </dgm:scene3d>
+    <dgm:sp3d z="57200" extrusionH="600" contourW="3000">
+      <a:bevelT w="48600" h="18600" prst="relaxedInset"/>
+      <a:bevelB w="48600" h="8600" prst="relaxedInset"/>
+    </dgm:sp3d>
+    <dgm:txPr/>
+    <dgm:style>
+      <a:lnRef idx="1">
+        <a:scrgbClr r="0" g="0" b="0"/>
+      </a:lnRef>
+      <a:fillRef idx="1">
+        <a:scrgbClr r="0" g="0" b="0"/>
+      </a:fillRef>
+      <a:effectRef idx="0">
+        <a:scrgbClr r="0" g="0" b="0"/>
+      </a:effectRef>
+      <a:fontRef idx="minor"/>
+    </dgm:style>
+  </dgm:styleLbl>
+  <dgm:styleLbl name="bgShp">
+    <dgm:scene3d>
+      <a:camera prst="orthographicFront"/>
+      <a:lightRig rig="threePt" dir="t"/>
+    </dgm:scene3d>
+    <dgm:sp3d z="-161800" extrusionH="600" contourW="3000">
+      <a:bevelT w="48600" h="18600" prst="relaxedInset"/>
+      <a:bevelB w="48600" h="8600" prst="relaxedInset"/>
+    </dgm:sp3d>
+    <dgm:txPr/>
+    <dgm:style>
+      <a:lnRef idx="0">
+        <a:scrgbClr r="0" g="0" b="0"/>
+      </a:lnRef>
+      <a:fillRef idx="1">
+        <a:scrgbClr r="0" g="0" b="0"/>
+      </a:fillRef>
+      <a:effectRef idx="0">
+        <a:scrgbClr r="0" g="0" b="0"/>
+      </a:effectRef>
+      <a:fontRef idx="minor"/>
+    </dgm:style>
+  </dgm:styleLbl>
+  <dgm:styleLbl name="dkBgShp">
+    <dgm:scene3d>
+      <a:camera prst="orthographicFront"/>
+      <a:lightRig rig="threePt" dir="t"/>
+    </dgm:scene3d>
+    <dgm:sp3d extrusionH="50600">
+      <a:bevelT w="80600" h="80600" prst="relaxedInset"/>
+      <a:bevelB w="80600" h="80600" prst="relaxedInset"/>
+    </dgm:sp3d>
+    <dgm:txPr/>
+    <dgm:style>
+      <a:lnRef idx="0">
+        <a:scrgbClr r="0" g="0" b="0"/>
+      </a:lnRef>
+      <a:fillRef idx="1">
+        <a:scrgbClr r="0" g="0" b="0"/>
+      </a:fillRef>
+      <a:effectRef idx="0">
+        <a:scrgbClr r="0" g="0" b="0"/>
+      </a:effectRef>
+      <a:fontRef idx="minor"/>
+    </dgm:style>
+  </dgm:styleLbl>
+  <dgm:styleLbl name="trBgShp">
+    <dgm:scene3d>
+      <a:camera prst="orthographicFront"/>
+      <a:lightRig rig="threePt" dir="t"/>
+    </dgm:scene3d>
+    <dgm:sp3d z="-152400" prstMaterial="matte"/>
+    <dgm:txPr/>
+    <dgm:style>
+      <a:lnRef idx="0">
+        <a:scrgbClr r="0" g="0" b="0"/>
+      </a:lnRef>
+      <a:fillRef idx="1">
+        <a:scrgbClr r="0" g="0" b="0"/>
+      </a:fillRef>
+      <a:effectRef idx="0">
+        <a:scrgbClr r="0" g="0" b="0"/>
+      </a:effectRef>
+      <a:fontRef idx="minor"/>
+    </dgm:style>
+  </dgm:styleLbl>
+  <dgm:styleLbl name="fgShp">
+    <dgm:scene3d>
+      <a:camera prst="orthographicFront"/>
+      <a:lightRig rig="threePt" dir="t"/>
+    </dgm:scene3d>
+    <dgm:sp3d z="57200" extrusionH="600" contourW="3000" prstMaterial="plastic">
+      <a:bevelT w="80600" h="18600" prst="relaxedInset"/>
+      <a:bevelB w="80600" h="8600" prst="relaxedInset"/>
+    </dgm:sp3d>
+    <dgm:txPr/>
+    <dgm:style>
+      <a:lnRef idx="0">
+        <a:scrgbClr r="0" g="0" b="0"/>
+      </a:lnRef>
+      <a:fillRef idx="1">
+        <a:scrgbClr r="0" g="0" b="0"/>
+      </a:fillRef>
+      <a:effectRef idx="0">
+        <a:scrgbClr r="0" g="0" b="0"/>
+      </a:effectRef>
+      <a:fontRef idx="minor"/>
+    </dgm:style>
+  </dgm:styleLbl>
+  <dgm:styleLbl name="revTx">
+    <dgm:scene3d>
+      <a:camera prst="orthographicFront"/>
+      <a:lightRig rig="threePt" dir="t"/>
+    </dgm:scene3d>
+    <dgm:sp3d/>
+    <dgm:txPr/>
+    <dgm:style>
+      <a:lnRef idx="0">
+        <a:scrgbClr r="0" g="0" b="0"/>
+      </a:lnRef>
+      <a:fillRef idx="0">
+        <a:scrgbClr r="0" g="0" b="0"/>
+      </a:fillRef>
+      <a:effectRef idx="0">
+        <a:scrgbClr r="0" g="0" b="0"/>
+      </a:effectRef>
+      <a:fontRef idx="minor"/>
+    </dgm:style>
+  </dgm:styleLbl>
+</dgm:styleDef>
+</file>
+
 <file path=ppt/diagrams/quickStyle2.xml><?xml version="1.0" encoding="utf-8"?>
 <dgm:styleDef xmlns:dgm="http://schemas.openxmlformats.org/drawingml/2006/diagram" xmlns:a="http://schemas.openxmlformats.org/drawingml/2006/main" uniqueId="urn:microsoft.com/office/officeart/2005/8/quickstyle/simple1">
   <dgm:title val=""/>
@@ -35610,7 +39202,7 @@
           <a:p>
             <a:fld id="{6170734A-4B5A-4F3B-B573-1E93A2DEC51B}" type="datetimeFigureOut">
               <a:rPr lang="pt-BR" smtClean="0"/>
-              <a:t>13/09/2018</a:t>
+              <a:t>14/09/2018</a:t>
             </a:fld>
             <a:endParaRPr lang="pt-BR"/>
           </a:p>
@@ -35775,7 +39367,7 @@
           <a:p>
             <a:fld id="{6170734A-4B5A-4F3B-B573-1E93A2DEC51B}" type="datetimeFigureOut">
               <a:rPr lang="pt-BR" smtClean="0"/>
-              <a:t>13/09/2018</a:t>
+              <a:t>14/09/2018</a:t>
             </a:fld>
             <a:endParaRPr lang="pt-BR"/>
           </a:p>
@@ -35950,7 +39542,7 @@
           <a:p>
             <a:fld id="{6170734A-4B5A-4F3B-B573-1E93A2DEC51B}" type="datetimeFigureOut">
               <a:rPr lang="pt-BR" smtClean="0"/>
-              <a:t>13/09/2018</a:t>
+              <a:t>14/09/2018</a:t>
             </a:fld>
             <a:endParaRPr lang="pt-BR"/>
           </a:p>
@@ -36133,7 +39725,7 @@
           <a:p>
             <a:fld id="{6170734A-4B5A-4F3B-B573-1E93A2DEC51B}" type="datetimeFigureOut">
               <a:rPr lang="pt-BR" smtClean="0"/>
-              <a:t>13/09/2018</a:t>
+              <a:t>14/09/2018</a:t>
             </a:fld>
             <a:endParaRPr lang="pt-BR"/>
           </a:p>
@@ -36395,7 +39987,7 @@
           <a:p>
             <a:fld id="{6170734A-4B5A-4F3B-B573-1E93A2DEC51B}" type="datetimeFigureOut">
               <a:rPr lang="pt-BR" smtClean="0"/>
-              <a:t>13/09/2018</a:t>
+              <a:t>14/09/2018</a:t>
             </a:fld>
             <a:endParaRPr lang="pt-BR"/>
           </a:p>
@@ -36743,7 +40335,7 @@
           <a:p>
             <a:fld id="{6170734A-4B5A-4F3B-B573-1E93A2DEC51B}" type="datetimeFigureOut">
               <a:rPr lang="pt-BR" smtClean="0"/>
-              <a:t>13/09/2018</a:t>
+              <a:t>14/09/2018</a:t>
             </a:fld>
             <a:endParaRPr lang="pt-BR"/>
           </a:p>
@@ -37051,7 +40643,7 @@
           <a:p>
             <a:fld id="{6170734A-4B5A-4F3B-B573-1E93A2DEC51B}" type="datetimeFigureOut">
               <a:rPr lang="pt-BR" smtClean="0"/>
-              <a:t>13/09/2018</a:t>
+              <a:t>14/09/2018</a:t>
             </a:fld>
             <a:endParaRPr lang="pt-BR"/>
           </a:p>
@@ -37278,7 +40870,7 @@
           <a:p>
             <a:fld id="{6170734A-4B5A-4F3B-B573-1E93A2DEC51B}" type="datetimeFigureOut">
               <a:rPr lang="pt-BR" smtClean="0"/>
-              <a:t>13/09/2018</a:t>
+              <a:t>14/09/2018</a:t>
             </a:fld>
             <a:endParaRPr lang="pt-BR"/>
           </a:p>
@@ -37368,7 +40960,7 @@
           <a:p>
             <a:fld id="{6170734A-4B5A-4F3B-B573-1E93A2DEC51B}" type="datetimeFigureOut">
               <a:rPr lang="pt-BR" smtClean="0"/>
-              <a:t>13/09/2018</a:t>
+              <a:t>14/09/2018</a:t>
             </a:fld>
             <a:endParaRPr lang="pt-BR"/>
           </a:p>
@@ -37656,7 +41248,7 @@
           <a:p>
             <a:fld id="{6170734A-4B5A-4F3B-B573-1E93A2DEC51B}" type="datetimeFigureOut">
               <a:rPr lang="pt-BR" smtClean="0"/>
-              <a:t>13/09/2018</a:t>
+              <a:t>14/09/2018</a:t>
             </a:fld>
             <a:endParaRPr lang="pt-BR"/>
           </a:p>
@@ -37925,7 +41517,7 @@
           <a:p>
             <a:fld id="{6170734A-4B5A-4F3B-B573-1E93A2DEC51B}" type="datetimeFigureOut">
               <a:rPr lang="pt-BR" smtClean="0"/>
-              <a:t>13/09/2018</a:t>
+              <a:t>14/09/2018</a:t>
             </a:fld>
             <a:endParaRPr lang="pt-BR"/>
           </a:p>
@@ -38135,7 +41727,7 @@
           <a:p>
             <a:fld id="{6170734A-4B5A-4F3B-B573-1E93A2DEC51B}" type="datetimeFigureOut">
               <a:rPr lang="pt-BR" smtClean="0"/>
-              <a:t>13/09/2018</a:t>
+              <a:t>14/09/2018</a:t>
             </a:fld>
             <a:endParaRPr lang="pt-BR"/>
           </a:p>
@@ -39559,8 +43151,8 @@
         </p:nvSpPr>
         <p:spPr>
           <a:xfrm>
-            <a:off x="323528" y="4365104"/>
-            <a:ext cx="8229600" cy="1600200"/>
+            <a:off x="107504" y="553583"/>
+            <a:ext cx="8856984" cy="1528192"/>
           </a:xfrm>
         </p:spPr>
         <p:txBody>
@@ -39577,7 +43169,7 @@
             </a:r>
             <a:r>
               <a:rPr lang="pt-BR" baseline="0" dirty="0" err="1" smtClean="0"/>
-              <a:t>User</a:t>
+              <a:t>Users</a:t>
             </a:r>
             <a:r>
               <a:rPr lang="pt-BR" baseline="0" dirty="0" smtClean="0"/>
@@ -39647,6 +43239,82 @@
           </a:extLst>
         </p:spPr>
       </p:pic>
+      <p:sp>
+        <p:nvSpPr>
+          <p:cNvPr id="3" name="Retângulo 2"/>
+          <p:cNvSpPr/>
+          <p:nvPr/>
+        </p:nvSpPr>
+        <p:spPr>
+          <a:xfrm>
+            <a:off x="395536" y="2238679"/>
+            <a:ext cx="8568952" cy="1406344"/>
+          </a:xfrm>
+          <a:prstGeom prst="rect">
+            <a:avLst/>
+          </a:prstGeom>
+        </p:spPr>
+        <p:style>
+          <a:lnRef idx="1">
+            <a:schemeClr val="accent3"/>
+          </a:lnRef>
+          <a:fillRef idx="2">
+            <a:schemeClr val="accent3"/>
+          </a:fillRef>
+          <a:effectRef idx="1">
+            <a:schemeClr val="accent3"/>
+          </a:effectRef>
+          <a:fontRef idx="minor">
+            <a:schemeClr val="dk1"/>
+          </a:fontRef>
+        </p:style>
+        <p:txBody>
+          <a:bodyPr rtlCol="0" anchor="ctr"/>
+          <a:lstStyle/>
+          <a:p>
+            <a:pPr algn="ctr"/>
+            <a:endParaRPr lang="pt-BR"/>
+          </a:p>
+        </p:txBody>
+      </p:sp>
+      <p:sp>
+        <p:nvSpPr>
+          <p:cNvPr id="5" name="Retângulo 4"/>
+          <p:cNvSpPr/>
+          <p:nvPr/>
+        </p:nvSpPr>
+        <p:spPr>
+          <a:xfrm rot="16200000">
+            <a:off x="2929508" y="4034162"/>
+            <a:ext cx="3212976" cy="2434700"/>
+          </a:xfrm>
+          <a:prstGeom prst="rect">
+            <a:avLst/>
+          </a:prstGeom>
+        </p:spPr>
+        <p:style>
+          <a:lnRef idx="1">
+            <a:schemeClr val="accent3"/>
+          </a:lnRef>
+          <a:fillRef idx="2">
+            <a:schemeClr val="accent3"/>
+          </a:fillRef>
+          <a:effectRef idx="1">
+            <a:schemeClr val="accent3"/>
+          </a:effectRef>
+          <a:fontRef idx="minor">
+            <a:schemeClr val="dk1"/>
+          </a:fontRef>
+        </p:style>
+        <p:txBody>
+          <a:bodyPr rtlCol="0" anchor="ctr"/>
+          <a:lstStyle/>
+          <a:p>
+            <a:pPr algn="ctr"/>
+            <a:endParaRPr lang="pt-BR"/>
+          </a:p>
+        </p:txBody>
+      </p:sp>
     </p:spTree>
     <p:extLst>
       <p:ext uri="{BB962C8B-B14F-4D97-AF65-F5344CB8AC3E}">
@@ -39853,7 +43521,7 @@
           <a:bodyPr/>
           <a:lstStyle/>
           <a:p>
-            <a:endParaRPr lang="pt-BR"/>
+            <a:endParaRPr lang="pt-BR" dirty="0"/>
           </a:p>
         </p:txBody>
       </p:sp>
@@ -40114,25 +43782,31 @@
           </a:p>
         </p:txBody>
       </p:sp>
-      <p:sp>
-        <p:nvSpPr>
-          <p:cNvPr id="3" name="Espaço Reservado para Conteúdo 2"/>
-          <p:cNvSpPr>
-            <a:spLocks noGrp="1"/>
-          </p:cNvSpPr>
+      <p:graphicFrame>
+        <p:nvGraphicFramePr>
+          <p:cNvPr id="8" name="Espaço Reservado para Conteúdo 7"/>
+          <p:cNvGraphicFramePr>
+            <a:graphicFrameLocks noGrp="1"/>
+          </p:cNvGraphicFramePr>
           <p:nvPr>
             <p:ph idx="1"/>
+            <p:extLst>
+              <p:ext uri="{D42A27DB-BD31-4B8C-83A1-F6EECF244321}">
+                <p14:modId xmlns:p14="http://schemas.microsoft.com/office/powerpoint/2010/main" val="785109281"/>
+              </p:ext>
+            </p:extLst>
           </p:nvPr>
-        </p:nvSpPr>
-        <p:spPr/>
-        <p:txBody>
-          <a:bodyPr/>
-          <a:lstStyle/>
-          <a:p>
-            <a:endParaRPr lang="pt-BR"/>
-          </a:p>
-        </p:txBody>
-      </p:sp>
+        </p:nvGraphicFramePr>
+        <p:xfrm>
+          <a:off x="251520" y="1600200"/>
+          <a:ext cx="8784976" cy="5429200"/>
+        </p:xfrm>
+        <a:graphic>
+          <a:graphicData uri="http://schemas.openxmlformats.org/drawingml/2006/diagram">
+            <dgm:relIds xmlns:dgm="http://schemas.openxmlformats.org/drawingml/2006/diagram" xmlns:r="http://schemas.openxmlformats.org/officeDocument/2006/relationships" r:dm="rId2" r:lo="rId3" r:qs="rId4" r:cs="rId5"/>
+          </a:graphicData>
+        </a:graphic>
+      </p:graphicFrame>
       <p:pic>
         <p:nvPicPr>
           <p:cNvPr id="4" name="Picture 2" descr="https://cdn-images-1.medium.com/max/600/1*YHKQVfSqFafrXvGcc5wUuQ.png"/>
@@ -40142,7 +43816,7 @@
           <p:nvPr/>
         </p:nvPicPr>
         <p:blipFill rotWithShape="1">
-          <a:blip r:embed="rId2">
+          <a:blip r:embed="rId7">
             <a:extLst>
               <a:ext uri="{28A0092B-C50C-407E-A947-70E740481C1C}">
                 <a14:useLocalDpi xmlns:a14="http://schemas.microsoft.com/office/drawing/2010/main" val="0"/>

--- a/Ppt.pptx
+++ b/Ppt.pptx
@@ -7,31 +7,32 @@
   <p:sldIdLst>
     <p:sldId id="265" r:id="rId2"/>
     <p:sldId id="278" r:id="rId3"/>
-    <p:sldId id="268" r:id="rId4"/>
-    <p:sldId id="267" r:id="rId5"/>
-    <p:sldId id="257" r:id="rId6"/>
-    <p:sldId id="260" r:id="rId7"/>
-    <p:sldId id="256" r:id="rId8"/>
-    <p:sldId id="261" r:id="rId9"/>
-    <p:sldId id="262" r:id="rId10"/>
-    <p:sldId id="266" r:id="rId11"/>
-    <p:sldId id="282" r:id="rId12"/>
-    <p:sldId id="269" r:id="rId13"/>
-    <p:sldId id="270" r:id="rId14"/>
-    <p:sldId id="271" r:id="rId15"/>
-    <p:sldId id="272" r:id="rId16"/>
-    <p:sldId id="283" r:id="rId17"/>
-    <p:sldId id="274" r:id="rId18"/>
-    <p:sldId id="273" r:id="rId19"/>
-    <p:sldId id="275" r:id="rId20"/>
-    <p:sldId id="284" r:id="rId21"/>
-    <p:sldId id="276" r:id="rId22"/>
-    <p:sldId id="277" r:id="rId23"/>
-    <p:sldId id="286" r:id="rId24"/>
-    <p:sldId id="287" r:id="rId25"/>
-    <p:sldId id="288" r:id="rId26"/>
-    <p:sldId id="289" r:id="rId27"/>
-    <p:sldId id="290" r:id="rId28"/>
+    <p:sldId id="291" r:id="rId4"/>
+    <p:sldId id="268" r:id="rId5"/>
+    <p:sldId id="267" r:id="rId6"/>
+    <p:sldId id="257" r:id="rId7"/>
+    <p:sldId id="260" r:id="rId8"/>
+    <p:sldId id="256" r:id="rId9"/>
+    <p:sldId id="261" r:id="rId10"/>
+    <p:sldId id="262" r:id="rId11"/>
+    <p:sldId id="266" r:id="rId12"/>
+    <p:sldId id="282" r:id="rId13"/>
+    <p:sldId id="269" r:id="rId14"/>
+    <p:sldId id="270" r:id="rId15"/>
+    <p:sldId id="271" r:id="rId16"/>
+    <p:sldId id="272" r:id="rId17"/>
+    <p:sldId id="283" r:id="rId18"/>
+    <p:sldId id="274" r:id="rId19"/>
+    <p:sldId id="273" r:id="rId20"/>
+    <p:sldId id="275" r:id="rId21"/>
+    <p:sldId id="284" r:id="rId22"/>
+    <p:sldId id="276" r:id="rId23"/>
+    <p:sldId id="277" r:id="rId24"/>
+    <p:sldId id="286" r:id="rId25"/>
+    <p:sldId id="287" r:id="rId26"/>
+    <p:sldId id="288" r:id="rId27"/>
+    <p:sldId id="289" r:id="rId28"/>
+    <p:sldId id="290" r:id="rId29"/>
   </p:sldIdLst>
   <p:sldSz cx="9144000" cy="6858000" type="screen4x3"/>
   <p:notesSz cx="6858000" cy="9144000"/>
@@ -132,7 +133,7 @@
   </p:defaultTextStyle>
   <p:extLst>
     <p:ext uri="{EFAFB233-063F-42B5-8137-9DF3F51BA10A}">
-      <p15:sldGuideLst xmlns:p15="http://schemas.microsoft.com/office/powerpoint/2012/main">
+      <p15:sldGuideLst xmlns="" xmlns:p15="http://schemas.microsoft.com/office/powerpoint/2012/main">
         <p15:guide id="1" orient="horz" pos="2160">
           <p15:clr>
             <a:srgbClr val="A4A3A4"/>
@@ -7821,7 +7822,7 @@
 <dgm:dataModel xmlns:dgm="http://schemas.openxmlformats.org/drawingml/2006/diagram" xmlns:a="http://schemas.openxmlformats.org/drawingml/2006/main">
   <dgm:ptLst>
     <dgm:pt modelId="{CF1ADD8D-C2DC-4952-8FED-E142F0475B4C}" type="doc">
-      <dgm:prSet loTypeId="urn:microsoft.com/office/officeart/2005/8/layout/matrix3" loCatId="matrix" qsTypeId="urn:microsoft.com/office/officeart/2005/8/quickstyle/simple1" qsCatId="simple" csTypeId="urn:microsoft.com/office/officeart/2005/8/colors/accent1_2" csCatId="accent1" phldr="1"/>
+      <dgm:prSet loTypeId="urn:microsoft.com/office/officeart/2005/8/layout/matrix3" loCatId="matrix" qsTypeId="urn:microsoft.com/office/officeart/2005/8/quickstyle/3d4" qsCatId="3D" csTypeId="urn:microsoft.com/office/officeart/2005/8/colors/accent1_2" csCatId="accent1" phldr="1"/>
       <dgm:spPr/>
       <dgm:t>
         <a:bodyPr/>
@@ -7832,17 +7833,25 @@
       </dgm:t>
     </dgm:pt>
     <dgm:pt modelId="{3F45AA86-EC33-417F-8904-C8A992F93388}">
-      <dgm:prSet phldrT="[Texto]"/>
+      <dgm:prSet phldrT="[Texto]" custT="1"/>
       <dgm:spPr/>
       <dgm:t>
         <a:bodyPr/>
         <a:lstStyle/>
         <a:p>
           <a:r>
-            <a:rPr lang="pt-BR" dirty="0" smtClean="0"/>
+            <a:rPr lang="pt-BR" sz="1600" b="1" dirty="0" smtClean="0">
+              <a:solidFill>
+                <a:schemeClr val="tx1"/>
+              </a:solidFill>
+            </a:rPr>
             <a:t>Forças</a:t>
           </a:r>
-          <a:endParaRPr lang="pt-BR" dirty="0"/>
+          <a:endParaRPr lang="pt-BR" sz="1600" b="1" dirty="0">
+            <a:solidFill>
+              <a:schemeClr val="tx1"/>
+            </a:solidFill>
+          </a:endParaRPr>
         </a:p>
       </dgm:t>
     </dgm:pt>
@@ -7853,7 +7862,11 @@
         <a:bodyPr/>
         <a:lstStyle/>
         <a:p>
-          <a:endParaRPr lang="pt-BR"/>
+          <a:endParaRPr lang="pt-BR" sz="1600">
+            <a:solidFill>
+              <a:schemeClr val="tx1"/>
+            </a:solidFill>
+          </a:endParaRPr>
         </a:p>
       </dgm:t>
     </dgm:pt>
@@ -7864,22 +7877,34 @@
         <a:bodyPr/>
         <a:lstStyle/>
         <a:p>
-          <a:endParaRPr lang="pt-BR"/>
+          <a:endParaRPr lang="pt-BR" sz="1600">
+            <a:solidFill>
+              <a:schemeClr val="tx1"/>
+            </a:solidFill>
+          </a:endParaRPr>
         </a:p>
       </dgm:t>
     </dgm:pt>
     <dgm:pt modelId="{66C1AADE-9A17-4A1F-98EA-87F2566CF35D}">
-      <dgm:prSet phldrT="[Texto]"/>
+      <dgm:prSet phldrT="[Texto]" custT="1"/>
       <dgm:spPr/>
       <dgm:t>
         <a:bodyPr/>
         <a:lstStyle/>
         <a:p>
           <a:r>
-            <a:rPr lang="pt-BR" dirty="0" smtClean="0"/>
+            <a:rPr lang="pt-BR" sz="1600" b="1" dirty="0" smtClean="0">
+              <a:solidFill>
+                <a:schemeClr val="tx1"/>
+              </a:solidFill>
+            </a:rPr>
             <a:t>Fraquezas</a:t>
           </a:r>
-          <a:endParaRPr lang="pt-BR" dirty="0"/>
+          <a:endParaRPr lang="pt-BR" sz="1600" b="1" dirty="0">
+            <a:solidFill>
+              <a:schemeClr val="tx1"/>
+            </a:solidFill>
+          </a:endParaRPr>
         </a:p>
       </dgm:t>
     </dgm:pt>
@@ -7890,7 +7915,11 @@
         <a:bodyPr/>
         <a:lstStyle/>
         <a:p>
-          <a:endParaRPr lang="pt-BR"/>
+          <a:endParaRPr lang="pt-BR" sz="1600">
+            <a:solidFill>
+              <a:schemeClr val="tx1"/>
+            </a:solidFill>
+          </a:endParaRPr>
         </a:p>
       </dgm:t>
     </dgm:pt>
@@ -7901,22 +7930,34 @@
         <a:bodyPr/>
         <a:lstStyle/>
         <a:p>
-          <a:endParaRPr lang="pt-BR"/>
+          <a:endParaRPr lang="pt-BR" sz="1600">
+            <a:solidFill>
+              <a:schemeClr val="tx1"/>
+            </a:solidFill>
+          </a:endParaRPr>
         </a:p>
       </dgm:t>
     </dgm:pt>
     <dgm:pt modelId="{D36E4681-3C75-4A70-AB27-5C982946D7BD}">
-      <dgm:prSet phldrT="[Texto]"/>
+      <dgm:prSet phldrT="[Texto]" custT="1"/>
       <dgm:spPr/>
       <dgm:t>
         <a:bodyPr/>
         <a:lstStyle/>
         <a:p>
           <a:r>
-            <a:rPr lang="pt-BR" dirty="0" smtClean="0"/>
+            <a:rPr lang="pt-BR" sz="1600" b="1" dirty="0" smtClean="0">
+              <a:solidFill>
+                <a:schemeClr val="tx1"/>
+              </a:solidFill>
+            </a:rPr>
             <a:t>Oportunidades</a:t>
           </a:r>
-          <a:endParaRPr lang="pt-BR" dirty="0"/>
+          <a:endParaRPr lang="pt-BR" sz="1600" b="1" dirty="0">
+            <a:solidFill>
+              <a:schemeClr val="tx1"/>
+            </a:solidFill>
+          </a:endParaRPr>
         </a:p>
       </dgm:t>
     </dgm:pt>
@@ -7927,7 +7968,11 @@
         <a:bodyPr/>
         <a:lstStyle/>
         <a:p>
-          <a:endParaRPr lang="pt-BR"/>
+          <a:endParaRPr lang="pt-BR" sz="1600">
+            <a:solidFill>
+              <a:schemeClr val="tx1"/>
+            </a:solidFill>
+          </a:endParaRPr>
         </a:p>
       </dgm:t>
     </dgm:pt>
@@ -7938,18 +7983,34 @@
         <a:bodyPr/>
         <a:lstStyle/>
         <a:p>
-          <a:endParaRPr lang="pt-BR"/>
+          <a:endParaRPr lang="pt-BR" sz="1600">
+            <a:solidFill>
+              <a:schemeClr val="tx1"/>
+            </a:solidFill>
+          </a:endParaRPr>
         </a:p>
       </dgm:t>
     </dgm:pt>
     <dgm:pt modelId="{B5B1274F-DE22-4BB1-8257-EE626C019846}">
-      <dgm:prSet phldrT="[Texto]"/>
+      <dgm:prSet phldrT="[Texto]" custT="1"/>
       <dgm:spPr/>
       <dgm:t>
         <a:bodyPr/>
         <a:lstStyle/>
         <a:p>
-          <a:endParaRPr lang="pt-BR" dirty="0"/>
+          <a:r>
+            <a:rPr lang="pt-BR" sz="1600" dirty="0" smtClean="0">
+              <a:solidFill>
+                <a:schemeClr val="tx1"/>
+              </a:solidFill>
+            </a:rPr>
+            <a:t>Cliente real para teste</a:t>
+          </a:r>
+          <a:endParaRPr lang="pt-BR" sz="1600" dirty="0">
+            <a:solidFill>
+              <a:schemeClr val="tx1"/>
+            </a:solidFill>
+          </a:endParaRPr>
         </a:p>
       </dgm:t>
     </dgm:pt>
@@ -7960,7 +8021,11 @@
         <a:bodyPr/>
         <a:lstStyle/>
         <a:p>
-          <a:endParaRPr lang="pt-BR"/>
+          <a:endParaRPr lang="pt-BR" sz="1600">
+            <a:solidFill>
+              <a:schemeClr val="tx1"/>
+            </a:solidFill>
+          </a:endParaRPr>
         </a:p>
       </dgm:t>
     </dgm:pt>
@@ -7971,18 +8036,26 @@
         <a:bodyPr/>
         <a:lstStyle/>
         <a:p>
-          <a:endParaRPr lang="pt-BR"/>
+          <a:endParaRPr lang="pt-BR" sz="1600">
+            <a:solidFill>
+              <a:schemeClr val="tx1"/>
+            </a:solidFill>
+          </a:endParaRPr>
         </a:p>
       </dgm:t>
     </dgm:pt>
     <dgm:pt modelId="{717E048A-8266-4148-A83F-7ED740B63328}">
-      <dgm:prSet phldrT="[Texto]"/>
+      <dgm:prSet phldrT="[Texto]" custT="1"/>
       <dgm:spPr/>
       <dgm:t>
         <a:bodyPr/>
         <a:lstStyle/>
         <a:p>
-          <a:endParaRPr lang="pt-BR" dirty="0"/>
+          <a:endParaRPr lang="pt-BR" sz="1600" dirty="0">
+            <a:solidFill>
+              <a:schemeClr val="tx1"/>
+            </a:solidFill>
+          </a:endParaRPr>
         </a:p>
       </dgm:t>
     </dgm:pt>
@@ -7993,7 +8066,11 @@
         <a:bodyPr/>
         <a:lstStyle/>
         <a:p>
-          <a:endParaRPr lang="pt-BR"/>
+          <a:endParaRPr lang="pt-BR" sz="1600">
+            <a:solidFill>
+              <a:schemeClr val="tx1"/>
+            </a:solidFill>
+          </a:endParaRPr>
         </a:p>
       </dgm:t>
     </dgm:pt>
@@ -8004,103 +8081,687 @@
         <a:bodyPr/>
         <a:lstStyle/>
         <a:p>
-          <a:endParaRPr lang="pt-BR"/>
+          <a:endParaRPr lang="pt-BR" sz="1600">
+            <a:solidFill>
+              <a:schemeClr val="tx1"/>
+            </a:solidFill>
+          </a:endParaRPr>
         </a:p>
       </dgm:t>
     </dgm:pt>
-    <dgm:pt modelId="{93362C25-92B8-402E-AE46-08C3F6384D17}">
-      <dgm:prSet phldrT="[Texto]"/>
+    <dgm:pt modelId="{BAAD56C5-FE96-456E-83F1-590A5C8015CD}">
+      <dgm:prSet phldrT="[Texto]" custT="1"/>
       <dgm:spPr/>
       <dgm:t>
         <a:bodyPr/>
         <a:lstStyle/>
         <a:p>
-          <a:endParaRPr lang="pt-BR" dirty="0"/>
+          <a:r>
+            <a:rPr lang="pt-BR" sz="1600" dirty="0" smtClean="0">
+              <a:solidFill>
+                <a:schemeClr val="tx1"/>
+              </a:solidFill>
+            </a:rPr>
+            <a:t>Poucas atividades em Java script</a:t>
+          </a:r>
+          <a:endParaRPr lang="pt-BR" sz="1600" dirty="0">
+            <a:solidFill>
+              <a:schemeClr val="tx1"/>
+            </a:solidFill>
+          </a:endParaRPr>
         </a:p>
       </dgm:t>
     </dgm:pt>
-    <dgm:pt modelId="{B1765D98-26B5-40E0-8717-13625F841581}" type="parTrans" cxnId="{6810FEE4-D729-4E47-BCD1-85DAC177575F}">
+    <dgm:pt modelId="{F08A05A6-01FF-4289-AF76-2923E01D0631}" type="parTrans" cxnId="{CD6F033E-7A2D-4759-9184-C31DC664FEC2}">
       <dgm:prSet/>
       <dgm:spPr/>
       <dgm:t>
         <a:bodyPr/>
         <a:lstStyle/>
         <a:p>
-          <a:endParaRPr lang="pt-BR"/>
+          <a:endParaRPr lang="pt-BR" sz="1600">
+            <a:solidFill>
+              <a:schemeClr val="tx1"/>
+            </a:solidFill>
+          </a:endParaRPr>
         </a:p>
       </dgm:t>
     </dgm:pt>
-    <dgm:pt modelId="{13ABB180-9399-44EC-8F3F-B47555D79B7B}" type="sibTrans" cxnId="{6810FEE4-D729-4E47-BCD1-85DAC177575F}">
+    <dgm:pt modelId="{7650913C-321F-4054-BBE9-7E6ACE9FEC72}" type="sibTrans" cxnId="{CD6F033E-7A2D-4759-9184-C31DC664FEC2}">
       <dgm:prSet/>
       <dgm:spPr/>
       <dgm:t>
         <a:bodyPr/>
         <a:lstStyle/>
         <a:p>
-          <a:endParaRPr lang="pt-BR"/>
+          <a:endParaRPr lang="pt-BR" sz="1600">
+            <a:solidFill>
+              <a:schemeClr val="tx1"/>
+            </a:solidFill>
+          </a:endParaRPr>
         </a:p>
       </dgm:t>
     </dgm:pt>
-    <dgm:pt modelId="{BAAD56C5-FE96-456E-83F1-590A5C8015CD}">
-      <dgm:prSet phldrT="[Texto]"/>
+    <dgm:pt modelId="{3E1A2244-59C1-41FE-B4E7-E06EE0C2763A}">
+      <dgm:prSet phldrT="[Texto]" custT="1"/>
       <dgm:spPr/>
       <dgm:t>
         <a:bodyPr/>
         <a:lstStyle/>
         <a:p>
-          <a:endParaRPr lang="pt-BR" dirty="0"/>
+          <a:r>
+            <a:rPr lang="pt-BR" sz="1600" b="1" dirty="0" smtClean="0">
+              <a:solidFill>
+                <a:schemeClr val="tx1"/>
+              </a:solidFill>
+            </a:rPr>
+            <a:t>Ameaças</a:t>
+          </a:r>
+          <a:endParaRPr lang="pt-BR" sz="1600" b="1" dirty="0">
+            <a:solidFill>
+              <a:schemeClr val="tx1"/>
+            </a:solidFill>
+          </a:endParaRPr>
         </a:p>
       </dgm:t>
     </dgm:pt>
-    <dgm:pt modelId="{F08A05A6-01FF-4289-AF76-2923E01D0631}" type="parTrans" cxnId="{CD6F033E-7A2D-4759-9184-C31DC664FEC2}">
+    <dgm:pt modelId="{913FC47A-2344-44CE-838E-E1E1259EE1A4}" type="sibTrans" cxnId="{CF259D55-F93C-4233-952F-8C6997D77814}">
       <dgm:prSet/>
       <dgm:spPr/>
       <dgm:t>
         <a:bodyPr/>
         <a:lstStyle/>
         <a:p>
-          <a:endParaRPr lang="pt-BR"/>
+          <a:endParaRPr lang="pt-BR" sz="1600">
+            <a:solidFill>
+              <a:schemeClr val="tx1"/>
+            </a:solidFill>
+          </a:endParaRPr>
         </a:p>
       </dgm:t>
     </dgm:pt>
-    <dgm:pt modelId="{7650913C-321F-4054-BBE9-7E6ACE9FEC72}" type="sibTrans" cxnId="{CD6F033E-7A2D-4759-9184-C31DC664FEC2}">
+    <dgm:pt modelId="{41EEA9FC-EC83-47A7-A337-1EA8207A5A2E}" type="parTrans" cxnId="{CF259D55-F93C-4233-952F-8C6997D77814}">
       <dgm:prSet/>
       <dgm:spPr/>
       <dgm:t>
         <a:bodyPr/>
         <a:lstStyle/>
         <a:p>
-          <a:endParaRPr lang="pt-BR"/>
+          <a:endParaRPr lang="pt-BR" sz="1600">
+            <a:solidFill>
+              <a:schemeClr val="tx1"/>
+            </a:solidFill>
+          </a:endParaRPr>
         </a:p>
       </dgm:t>
     </dgm:pt>
-    <dgm:pt modelId="{3E1A2244-59C1-41FE-B4E7-E06EE0C2763A}">
-      <dgm:prSet phldrT="[Texto]"/>
+    <dgm:pt modelId="{83581594-02F2-4D10-8F1A-DC884B2D879B}">
+      <dgm:prSet phldrT="[Texto]" custT="1"/>
       <dgm:spPr/>
       <dgm:t>
         <a:bodyPr/>
         <a:lstStyle/>
         <a:p>
           <a:r>
-            <a:rPr lang="pt-BR" dirty="0" smtClean="0"/>
-            <a:t>Ameaças</a:t>
+            <a:rPr lang="pt-BR" sz="1600" smtClean="0">
+              <a:solidFill>
+                <a:schemeClr val="tx1"/>
+              </a:solidFill>
+            </a:rPr>
+            <a:t>Ambiente </a:t>
           </a:r>
-          <a:endParaRPr lang="pt-BR" dirty="0"/>
+          <a:r>
+            <a:rPr lang="pt-BR" sz="1600" dirty="0" smtClean="0">
+              <a:solidFill>
+                <a:schemeClr val="tx1"/>
+              </a:solidFill>
+            </a:rPr>
+            <a:t>corporativo de desenvolvimento</a:t>
+          </a:r>
+          <a:endParaRPr lang="pt-BR" sz="1600" dirty="0">
+            <a:solidFill>
+              <a:schemeClr val="tx1"/>
+            </a:solidFill>
+          </a:endParaRPr>
         </a:p>
       </dgm:t>
     </dgm:pt>
-    <dgm:pt modelId="{913FC47A-2344-44CE-838E-E1E1259EE1A4}" type="sibTrans" cxnId="{CF259D55-F93C-4233-952F-8C6997D77814}">
+    <dgm:pt modelId="{6C31659A-3466-4C71-9696-95AF35241685}" type="parTrans" cxnId="{7DEAA5AD-6B87-43B1-A97F-E75EDED37176}">
       <dgm:prSet/>
       <dgm:spPr/>
       <dgm:t>
         <a:bodyPr/>
         <a:lstStyle/>
         <a:p>
+          <a:endParaRPr lang="pt-BR" sz="1600">
+            <a:solidFill>
+              <a:schemeClr val="tx1"/>
+            </a:solidFill>
+          </a:endParaRPr>
+        </a:p>
+      </dgm:t>
+    </dgm:pt>
+    <dgm:pt modelId="{53392A59-2EF6-47F4-AFCA-B8ED043EF4E0}" type="sibTrans" cxnId="{7DEAA5AD-6B87-43B1-A97F-E75EDED37176}">
+      <dgm:prSet/>
+      <dgm:spPr/>
+      <dgm:t>
+        <a:bodyPr/>
+        <a:lstStyle/>
+        <a:p>
+          <a:endParaRPr lang="pt-BR" sz="1600">
+            <a:solidFill>
+              <a:schemeClr val="tx1"/>
+            </a:solidFill>
+          </a:endParaRPr>
+        </a:p>
+      </dgm:t>
+    </dgm:pt>
+    <dgm:pt modelId="{AE6F54F4-AC71-40C8-A986-AC1ED479D9F9}">
+      <dgm:prSet custT="1"/>
+      <dgm:spPr/>
+      <dgm:t>
+        <a:bodyPr/>
+        <a:lstStyle/>
+        <a:p>
+          <a:r>
+            <a:rPr lang="pt-BR" sz="1600" dirty="0" smtClean="0">
+              <a:solidFill>
+                <a:schemeClr val="tx1"/>
+              </a:solidFill>
+            </a:rPr>
+            <a:t>Implementação de um produto diferenciado</a:t>
+          </a:r>
+          <a:endParaRPr lang="pt-BR" sz="1600" dirty="0">
+            <a:solidFill>
+              <a:schemeClr val="tx1"/>
+            </a:solidFill>
+          </a:endParaRPr>
+        </a:p>
+      </dgm:t>
+    </dgm:pt>
+    <dgm:pt modelId="{C87AD4F6-6CE0-4208-8DD9-5C9CFBD4EE1F}" type="parTrans" cxnId="{7F09D543-27A2-40B0-A09A-7D4CDAD7743B}">
+      <dgm:prSet/>
+      <dgm:spPr/>
+      <dgm:t>
+        <a:bodyPr/>
+        <a:lstStyle/>
+        <a:p>
+          <a:endParaRPr lang="pt-BR" sz="1600">
+            <a:solidFill>
+              <a:schemeClr val="tx1"/>
+            </a:solidFill>
+          </a:endParaRPr>
+        </a:p>
+      </dgm:t>
+    </dgm:pt>
+    <dgm:pt modelId="{7163E582-85F2-4824-87DE-47766D12047F}" type="sibTrans" cxnId="{7F09D543-27A2-40B0-A09A-7D4CDAD7743B}">
+      <dgm:prSet/>
+      <dgm:spPr/>
+      <dgm:t>
+        <a:bodyPr/>
+        <a:lstStyle/>
+        <a:p>
+          <a:endParaRPr lang="pt-BR" sz="1600">
+            <a:solidFill>
+              <a:schemeClr val="tx1"/>
+            </a:solidFill>
+          </a:endParaRPr>
+        </a:p>
+      </dgm:t>
+    </dgm:pt>
+    <dgm:pt modelId="{114215D4-534D-488E-AE2F-64A701486B67}">
+      <dgm:prSet custT="1"/>
+      <dgm:spPr/>
+      <dgm:t>
+        <a:bodyPr/>
+        <a:lstStyle/>
+        <a:p>
+          <a:r>
+            <a:rPr lang="pt-BR" sz="1600" dirty="0" smtClean="0">
+              <a:solidFill>
+                <a:schemeClr val="tx1"/>
+              </a:solidFill>
+            </a:rPr>
+            <a:t>Primeiro contato com a tecnologia PWA</a:t>
+          </a:r>
+          <a:endParaRPr lang="pt-BR" sz="1600" dirty="0">
+            <a:solidFill>
+              <a:schemeClr val="tx1"/>
+            </a:solidFill>
+          </a:endParaRPr>
+        </a:p>
+      </dgm:t>
+    </dgm:pt>
+    <dgm:pt modelId="{E05ECA12-0E27-4B59-A058-E9135042E567}" type="parTrans" cxnId="{1DD656E0-B567-4F9F-A8AA-25EA18E806A1}">
+      <dgm:prSet/>
+      <dgm:spPr/>
+      <dgm:t>
+        <a:bodyPr/>
+        <a:lstStyle/>
+        <a:p>
+          <a:endParaRPr lang="pt-BR" sz="1600">
+            <a:solidFill>
+              <a:schemeClr val="tx1"/>
+            </a:solidFill>
+          </a:endParaRPr>
+        </a:p>
+      </dgm:t>
+    </dgm:pt>
+    <dgm:pt modelId="{719B1BFC-9DBD-408D-ACF0-B10EEC2A41A7}" type="sibTrans" cxnId="{1DD656E0-B567-4F9F-A8AA-25EA18E806A1}">
+      <dgm:prSet/>
+      <dgm:spPr/>
+      <dgm:t>
+        <a:bodyPr/>
+        <a:lstStyle/>
+        <a:p>
+          <a:endParaRPr lang="pt-BR" sz="1600">
+            <a:solidFill>
+              <a:schemeClr val="tx1"/>
+            </a:solidFill>
+          </a:endParaRPr>
+        </a:p>
+      </dgm:t>
+    </dgm:pt>
+    <dgm:pt modelId="{28F2A582-3F39-44B1-9C67-55EA726C9625}">
+      <dgm:prSet custT="1"/>
+      <dgm:spPr/>
+      <dgm:t>
+        <a:bodyPr/>
+        <a:lstStyle/>
+        <a:p>
+          <a:r>
+            <a:rPr lang="pt-BR" sz="1600" dirty="0" smtClean="0">
+              <a:solidFill>
+                <a:schemeClr val="tx1"/>
+              </a:solidFill>
+            </a:rPr>
+            <a:t>Tempo para desenvolvimento</a:t>
+          </a:r>
+          <a:endParaRPr lang="pt-BR" sz="1600" dirty="0">
+            <a:solidFill>
+              <a:schemeClr val="tx1"/>
+            </a:solidFill>
+          </a:endParaRPr>
+        </a:p>
+      </dgm:t>
+    </dgm:pt>
+    <dgm:pt modelId="{F401882F-5F1D-459B-83A4-B11F05E4971D}" type="parTrans" cxnId="{44AE11D9-9692-4480-BE07-F447CE7FD3ED}">
+      <dgm:prSet/>
+      <dgm:spPr/>
+      <dgm:t>
+        <a:bodyPr/>
+        <a:lstStyle/>
+        <a:p>
+          <a:endParaRPr lang="pt-BR" sz="1600">
+            <a:solidFill>
+              <a:schemeClr val="tx1"/>
+            </a:solidFill>
+          </a:endParaRPr>
+        </a:p>
+      </dgm:t>
+    </dgm:pt>
+    <dgm:pt modelId="{955EE58A-3B19-45E3-93AF-89E61868F24C}" type="sibTrans" cxnId="{44AE11D9-9692-4480-BE07-F447CE7FD3ED}">
+      <dgm:prSet/>
+      <dgm:spPr/>
+      <dgm:t>
+        <a:bodyPr/>
+        <a:lstStyle/>
+        <a:p>
+          <a:endParaRPr lang="pt-BR" sz="1600">
+            <a:solidFill>
+              <a:schemeClr val="tx1"/>
+            </a:solidFill>
+          </a:endParaRPr>
+        </a:p>
+      </dgm:t>
+    </dgm:pt>
+    <dgm:pt modelId="{87B8680A-C149-48A4-8264-3517F25C147E}">
+      <dgm:prSet custT="1"/>
+      <dgm:spPr/>
+      <dgm:t>
+        <a:bodyPr/>
+        <a:lstStyle/>
+        <a:p>
+          <a:endParaRPr lang="pt-BR" sz="1600" dirty="0">
+            <a:solidFill>
+              <a:schemeClr val="tx1"/>
+            </a:solidFill>
+          </a:endParaRPr>
+        </a:p>
+      </dgm:t>
+    </dgm:pt>
+    <dgm:pt modelId="{949E1F94-8284-447B-B241-40D865F53A55}" type="parTrans" cxnId="{E3B660EC-5288-4A34-93B3-AD2DE44F70EC}">
+      <dgm:prSet/>
+      <dgm:spPr/>
+      <dgm:t>
+        <a:bodyPr/>
+        <a:lstStyle/>
+        <a:p>
+          <a:endParaRPr lang="pt-BR" sz="1600">
+            <a:solidFill>
+              <a:schemeClr val="tx1"/>
+            </a:solidFill>
+          </a:endParaRPr>
+        </a:p>
+      </dgm:t>
+    </dgm:pt>
+    <dgm:pt modelId="{71918E25-8C5E-4422-9609-B43FA7B31DC4}" type="sibTrans" cxnId="{E3B660EC-5288-4A34-93B3-AD2DE44F70EC}">
+      <dgm:prSet/>
+      <dgm:spPr/>
+      <dgm:t>
+        <a:bodyPr/>
+        <a:lstStyle/>
+        <a:p>
+          <a:endParaRPr lang="pt-BR" sz="1600">
+            <a:solidFill>
+              <a:schemeClr val="tx1"/>
+            </a:solidFill>
+          </a:endParaRPr>
+        </a:p>
+      </dgm:t>
+    </dgm:pt>
+    <dgm:pt modelId="{A85FA4DD-EE7A-4E07-9FDE-16684DFECF0B}">
+      <dgm:prSet custT="1"/>
+      <dgm:spPr/>
+      <dgm:t>
+        <a:bodyPr/>
+        <a:lstStyle/>
+        <a:p>
+          <a:r>
+            <a:rPr lang="pt-BR" sz="1600" dirty="0" smtClean="0">
+              <a:solidFill>
+                <a:schemeClr val="tx1"/>
+              </a:solidFill>
+            </a:rPr>
+            <a:t>Possibilidade de disponibilização do produto na faculdade</a:t>
+          </a:r>
+          <a:endParaRPr lang="pt-BR" sz="1600" dirty="0">
+            <a:solidFill>
+              <a:schemeClr val="tx1"/>
+            </a:solidFill>
+          </a:endParaRPr>
+        </a:p>
+      </dgm:t>
+    </dgm:pt>
+    <dgm:pt modelId="{94683295-FEFB-4A41-8AD9-D5A416ADA8B3}" type="parTrans" cxnId="{323E47D7-BD03-485A-AF38-11E564FEA2FD}">
+      <dgm:prSet/>
+      <dgm:spPr/>
+      <dgm:t>
+        <a:bodyPr/>
+        <a:lstStyle/>
+        <a:p>
+          <a:endParaRPr lang="pt-BR" sz="1600">
+            <a:solidFill>
+              <a:schemeClr val="tx1"/>
+            </a:solidFill>
+          </a:endParaRPr>
+        </a:p>
+      </dgm:t>
+    </dgm:pt>
+    <dgm:pt modelId="{DA83D4C6-72CF-430C-A36E-6909CA4CE4E0}" type="sibTrans" cxnId="{323E47D7-BD03-485A-AF38-11E564FEA2FD}">
+      <dgm:prSet/>
+      <dgm:spPr/>
+      <dgm:t>
+        <a:bodyPr/>
+        <a:lstStyle/>
+        <a:p>
+          <a:endParaRPr lang="pt-BR" sz="1600">
+            <a:solidFill>
+              <a:schemeClr val="tx1"/>
+            </a:solidFill>
+          </a:endParaRPr>
+        </a:p>
+      </dgm:t>
+    </dgm:pt>
+    <dgm:pt modelId="{C361F7D9-3AEE-43D8-88B6-52A7D3EF477D}">
+      <dgm:prSet phldrT="[Texto]" custT="1"/>
+      <dgm:spPr/>
+      <dgm:t>
+        <a:bodyPr/>
+        <a:lstStyle/>
+        <a:p>
+          <a:endParaRPr lang="pt-BR" sz="1600" b="1" dirty="0">
+            <a:solidFill>
+              <a:schemeClr val="tx1"/>
+            </a:solidFill>
+          </a:endParaRPr>
+        </a:p>
+      </dgm:t>
+    </dgm:pt>
+    <dgm:pt modelId="{38AF198D-F277-44FF-A71D-0F4C3AA008DB}" type="parTrans" cxnId="{563F3562-BECC-470A-91A7-5F1523345778}">
+      <dgm:prSet/>
+      <dgm:spPr/>
+      <dgm:t>
+        <a:bodyPr/>
+        <a:lstStyle/>
+        <a:p>
           <a:endParaRPr lang="pt-BR"/>
         </a:p>
       </dgm:t>
     </dgm:pt>
-    <dgm:pt modelId="{41EEA9FC-EC83-47A7-A337-1EA8207A5A2E}" type="parTrans" cxnId="{CF259D55-F93C-4233-952F-8C6997D77814}">
+    <dgm:pt modelId="{4922D11E-FAB4-4BAC-B8E0-35106D255AE2}" type="sibTrans" cxnId="{563F3562-BECC-470A-91A7-5F1523345778}">
+      <dgm:prSet/>
+      <dgm:spPr/>
+      <dgm:t>
+        <a:bodyPr/>
+        <a:lstStyle/>
+        <a:p>
+          <a:endParaRPr lang="pt-BR"/>
+        </a:p>
+      </dgm:t>
+    </dgm:pt>
+    <dgm:pt modelId="{8611D8F1-44A5-41C6-97A4-1D921EDC5D3C}">
+      <dgm:prSet phldrT="[Texto]" custT="1"/>
+      <dgm:spPr/>
+      <dgm:t>
+        <a:bodyPr/>
+        <a:lstStyle/>
+        <a:p>
+          <a:endParaRPr lang="pt-BR" sz="1600" b="1" dirty="0">
+            <a:solidFill>
+              <a:schemeClr val="tx1"/>
+            </a:solidFill>
+          </a:endParaRPr>
+        </a:p>
+      </dgm:t>
+    </dgm:pt>
+    <dgm:pt modelId="{7D891C28-6F81-4B82-8387-CE898DF246B1}" type="parTrans" cxnId="{309AC82B-05F9-4FB7-A272-3891445686D0}">
+      <dgm:prSet/>
+      <dgm:spPr/>
+      <dgm:t>
+        <a:bodyPr/>
+        <a:lstStyle/>
+        <a:p>
+          <a:endParaRPr lang="pt-BR"/>
+        </a:p>
+      </dgm:t>
+    </dgm:pt>
+    <dgm:pt modelId="{18F9BD85-7E48-4A37-AF00-DBA6C41FF66A}" type="sibTrans" cxnId="{309AC82B-05F9-4FB7-A272-3891445686D0}">
+      <dgm:prSet/>
+      <dgm:spPr/>
+      <dgm:t>
+        <a:bodyPr/>
+        <a:lstStyle/>
+        <a:p>
+          <a:endParaRPr lang="pt-BR"/>
+        </a:p>
+      </dgm:t>
+    </dgm:pt>
+    <dgm:pt modelId="{D734D156-11ED-4F62-A769-FAE6C467FBFB}">
+      <dgm:prSet phldrT="[Texto]" custT="1"/>
+      <dgm:spPr/>
+      <dgm:t>
+        <a:bodyPr/>
+        <a:lstStyle/>
+        <a:p>
+          <a:endParaRPr lang="pt-BR" sz="1600" b="1" dirty="0">
+            <a:solidFill>
+              <a:schemeClr val="tx1"/>
+            </a:solidFill>
+          </a:endParaRPr>
+        </a:p>
+      </dgm:t>
+    </dgm:pt>
+    <dgm:pt modelId="{B4A7E4E6-F3A2-47ED-B8AD-7CD1FC4A4320}" type="parTrans" cxnId="{DB083AA9-320F-45F3-9EE6-BC7637F3E6B4}">
+      <dgm:prSet/>
+      <dgm:spPr/>
+      <dgm:t>
+        <a:bodyPr/>
+        <a:lstStyle/>
+        <a:p>
+          <a:endParaRPr lang="pt-BR"/>
+        </a:p>
+      </dgm:t>
+    </dgm:pt>
+    <dgm:pt modelId="{F42072B5-8637-447D-82CA-8D1EFA312CE0}" type="sibTrans" cxnId="{DB083AA9-320F-45F3-9EE6-BC7637F3E6B4}">
+      <dgm:prSet/>
+      <dgm:spPr/>
+      <dgm:t>
+        <a:bodyPr/>
+        <a:lstStyle/>
+        <a:p>
+          <a:endParaRPr lang="pt-BR"/>
+        </a:p>
+      </dgm:t>
+    </dgm:pt>
+    <dgm:pt modelId="{FCA5832A-FD92-45CD-A034-C13CCAB40DC5}">
+      <dgm:prSet custT="1"/>
+      <dgm:spPr/>
+      <dgm:t>
+        <a:bodyPr/>
+        <a:lstStyle/>
+        <a:p>
+          <a:endParaRPr lang="pt-BR" sz="1600" dirty="0">
+            <a:solidFill>
+              <a:schemeClr val="tx1"/>
+            </a:solidFill>
+          </a:endParaRPr>
+        </a:p>
+      </dgm:t>
+    </dgm:pt>
+    <dgm:pt modelId="{D06DC76D-4C7D-4F93-BC52-3DB8584BB83A}" type="parTrans" cxnId="{1E9544FA-750E-4693-9589-9411F514886C}">
+      <dgm:prSet/>
+      <dgm:spPr/>
+      <dgm:t>
+        <a:bodyPr/>
+        <a:lstStyle/>
+        <a:p>
+          <a:endParaRPr lang="pt-BR"/>
+        </a:p>
+      </dgm:t>
+    </dgm:pt>
+    <dgm:pt modelId="{22B48F31-53D2-45BB-961D-D78BF97491F5}" type="sibTrans" cxnId="{1E9544FA-750E-4693-9589-9411F514886C}">
+      <dgm:prSet/>
+      <dgm:spPr/>
+      <dgm:t>
+        <a:bodyPr/>
+        <a:lstStyle/>
+        <a:p>
+          <a:endParaRPr lang="pt-BR"/>
+        </a:p>
+      </dgm:t>
+    </dgm:pt>
+    <dgm:pt modelId="{34F94A6B-F3B2-4AB0-8332-B7F7B83BB073}">
+      <dgm:prSet phldrT="[Texto]" custT="1"/>
+      <dgm:spPr/>
+      <dgm:t>
+        <a:bodyPr/>
+        <a:lstStyle/>
+        <a:p>
+          <a:endParaRPr lang="pt-BR" sz="1600" b="1" dirty="0">
+            <a:solidFill>
+              <a:schemeClr val="tx1"/>
+            </a:solidFill>
+          </a:endParaRPr>
+        </a:p>
+      </dgm:t>
+    </dgm:pt>
+    <dgm:pt modelId="{88B8B27D-E185-437D-A708-4464D9B72A2F}" type="parTrans" cxnId="{60E13776-4F81-469D-B723-907E50C79EF3}">
+      <dgm:prSet/>
+      <dgm:spPr/>
+      <dgm:t>
+        <a:bodyPr/>
+        <a:lstStyle/>
+        <a:p>
+          <a:endParaRPr lang="pt-BR"/>
+        </a:p>
+      </dgm:t>
+    </dgm:pt>
+    <dgm:pt modelId="{34E086D0-6893-40EB-A51D-CD8AC3FFC351}" type="sibTrans" cxnId="{60E13776-4F81-469D-B723-907E50C79EF3}">
+      <dgm:prSet/>
+      <dgm:spPr/>
+      <dgm:t>
+        <a:bodyPr/>
+        <a:lstStyle/>
+        <a:p>
+          <a:endParaRPr lang="pt-BR"/>
+        </a:p>
+      </dgm:t>
+    </dgm:pt>
+    <dgm:pt modelId="{767E1750-544D-4794-9A2E-A8DCC044D696}">
+      <dgm:prSet custT="1"/>
+      <dgm:spPr/>
+      <dgm:t>
+        <a:bodyPr/>
+        <a:lstStyle/>
+        <a:p>
+          <a:endParaRPr lang="pt-BR" sz="1600" dirty="0">
+            <a:solidFill>
+              <a:schemeClr val="tx1"/>
+            </a:solidFill>
+          </a:endParaRPr>
+        </a:p>
+      </dgm:t>
+    </dgm:pt>
+    <dgm:pt modelId="{3DB8DD9E-1CCC-48CE-B050-0A27A7F69936}" type="parTrans" cxnId="{DD2DB27F-031A-4EC2-B07F-163B0D2079B7}">
+      <dgm:prSet/>
+      <dgm:spPr/>
+      <dgm:t>
+        <a:bodyPr/>
+        <a:lstStyle/>
+        <a:p>
+          <a:endParaRPr lang="pt-BR"/>
+        </a:p>
+      </dgm:t>
+    </dgm:pt>
+    <dgm:pt modelId="{8C7EF394-BDF6-47C2-9766-F7A6EA8D91B9}" type="sibTrans" cxnId="{DD2DB27F-031A-4EC2-B07F-163B0D2079B7}">
+      <dgm:prSet/>
+      <dgm:spPr/>
+      <dgm:t>
+        <a:bodyPr/>
+        <a:lstStyle/>
+        <a:p>
+          <a:endParaRPr lang="pt-BR"/>
+        </a:p>
+      </dgm:t>
+    </dgm:pt>
+    <dgm:pt modelId="{A412FC16-27CD-465B-BDA3-B68D05D4B74D}">
+      <dgm:prSet custT="1"/>
+      <dgm:spPr/>
+      <dgm:t>
+        <a:bodyPr/>
+        <a:lstStyle/>
+        <a:p>
+          <a:endParaRPr lang="pt-BR" sz="1600" dirty="0">
+            <a:solidFill>
+              <a:schemeClr val="tx1"/>
+            </a:solidFill>
+          </a:endParaRPr>
+        </a:p>
+      </dgm:t>
+    </dgm:pt>
+    <dgm:pt modelId="{544042A8-1214-4155-8E41-948578C06C23}" type="parTrans" cxnId="{0B30DF3B-1A7E-4D90-9A07-ED1C813AB803}">
+      <dgm:prSet/>
+      <dgm:spPr/>
+      <dgm:t>
+        <a:bodyPr/>
+        <a:lstStyle/>
+        <a:p>
+          <a:endParaRPr lang="pt-BR"/>
+        </a:p>
+      </dgm:t>
+    </dgm:pt>
+    <dgm:pt modelId="{A5D9D0F3-A8B1-4F76-9A42-E7478C904057}" type="sibTrans" cxnId="{0B30DF3B-1A7E-4D90-9A07-ED1C813AB803}">
       <dgm:prSet/>
       <dgm:spPr/>
       <dgm:t>
@@ -8129,8 +8790,15 @@
       </dgm:t>
     </dgm:pt>
     <dgm:pt modelId="{8BB83E3E-CE17-4D42-8DAD-C01CA2C28E4F}" type="pres">
-      <dgm:prSet presAssocID="{CF1ADD8D-C2DC-4952-8FED-E142F0475B4C}" presName="diamond" presStyleLbl="bgShp" presStyleIdx="0" presStyleCnt="1" custScaleX="141216" custScaleY="87328" custLinFactNeighborX="2882"/>
-      <dgm:spPr/>
+      <dgm:prSet presAssocID="{CF1ADD8D-C2DC-4952-8FED-E142F0475B4C}" presName="diamond" presStyleLbl="bgShp" presStyleIdx="0" presStyleCnt="1" custScaleX="141216" custScaleY="100000" custLinFactNeighborX="5227" custLinFactNeighborY="6500"/>
+      <dgm:spPr/>
+      <dgm:t>
+        <a:bodyPr/>
+        <a:lstStyle/>
+        <a:p>
+          <a:endParaRPr lang="pt-BR"/>
+        </a:p>
+      </dgm:t>
     </dgm:pt>
     <dgm:pt modelId="{EE696764-36FA-415F-BDB2-1C9764E1E43A}" type="pres">
       <dgm:prSet presAssocID="{CF1ADD8D-C2DC-4952-8FED-E142F0475B4C}" presName="quad1" presStyleLbl="node1" presStyleIdx="0" presStyleCnt="4" custScaleX="175010" custLinFactNeighborX="-26654" custLinFactNeighborY="1851">
@@ -8202,23 +8870,47 @@
     </dgm:pt>
   </dgm:ptLst>
   <dgm:cxnLst>
-    <dgm:cxn modelId="{7CE69C58-5E39-4435-82EF-28E519CFA3E4}" type="presOf" srcId="{93362C25-92B8-402E-AE46-08C3F6384D17}" destId="{C2622DEC-99A0-43F2-B629-1EB34D7A6645}" srcOrd="0" destOrd="1" presId="urn:microsoft.com/office/officeart/2005/8/layout/matrix3"/>
-    <dgm:cxn modelId="{4EF49700-C14F-45B5-8A15-951FB976F2D4}" type="presOf" srcId="{B5B1274F-DE22-4BB1-8257-EE626C019846}" destId="{EE696764-36FA-415F-BDB2-1C9764E1E43A}" srcOrd="0" destOrd="1" presId="urn:microsoft.com/office/officeart/2005/8/layout/matrix3"/>
+    <dgm:cxn modelId="{DD2DB27F-031A-4EC2-B07F-163B0D2079B7}" srcId="{3E1A2244-59C1-41FE-B4E7-E06EE0C2763A}" destId="{767E1750-544D-4794-9A2E-A8DCC044D696}" srcOrd="3" destOrd="0" parTransId="{3DB8DD9E-1CCC-48CE-B050-0A27A7F69936}" sibTransId="{8C7EF394-BDF6-47C2-9766-F7A6EA8D91B9}"/>
+    <dgm:cxn modelId="{7F09D543-27A2-40B0-A09A-7D4CDAD7743B}" srcId="{D36E4681-3C75-4A70-AB27-5C982946D7BD}" destId="{AE6F54F4-AC71-40C8-A986-AC1ED479D9F9}" srcOrd="1" destOrd="0" parTransId="{C87AD4F6-6CE0-4208-8DD9-5C9CFBD4EE1F}" sibTransId="{7163E582-85F2-4824-87DE-47766D12047F}"/>
+    <dgm:cxn modelId="{9F237EF2-2BAF-4970-9C8F-9655B2231C6E}" type="presOf" srcId="{3F45AA86-EC33-417F-8904-C8A992F93388}" destId="{EE696764-36FA-415F-BDB2-1C9764E1E43A}" srcOrd="0" destOrd="0" presId="urn:microsoft.com/office/officeart/2005/8/layout/matrix3"/>
+    <dgm:cxn modelId="{B289D425-E2BA-4C50-824C-6A58CEA8726E}" srcId="{CF1ADD8D-C2DC-4952-8FED-E142F0475B4C}" destId="{66C1AADE-9A17-4A1F-98EA-87F2566CF35D}" srcOrd="1" destOrd="0" parTransId="{E2972E97-3597-451B-A2C6-1A5225E542F0}" sibTransId="{10A117A2-DDD0-4B52-8E15-F21FB4FE07A5}"/>
+    <dgm:cxn modelId="{CAB56ECD-BE6E-4B24-AC49-51EFAFB4B6E3}" type="presOf" srcId="{CF1ADD8D-C2DC-4952-8FED-E142F0475B4C}" destId="{519E3474-1962-4759-B656-85BE338C7B98}" srcOrd="0" destOrd="0" presId="urn:microsoft.com/office/officeart/2005/8/layout/matrix3"/>
+    <dgm:cxn modelId="{C3F088A9-27FC-4851-90FA-6BC53FC7465B}" srcId="{3E1A2244-59C1-41FE-B4E7-E06EE0C2763A}" destId="{717E048A-8266-4148-A83F-7ED740B63328}" srcOrd="6" destOrd="0" parTransId="{997273CF-D274-4A18-8B9E-21DA3F081FCB}" sibTransId="{C11FE336-4F75-4B3C-831D-B7D3349E1B40}"/>
+    <dgm:cxn modelId="{7F925CB9-90EB-4C2D-A77F-5BC4817DB837}" type="presOf" srcId="{AE6F54F4-AC71-40C8-A986-AC1ED479D9F9}" destId="{C2622DEC-99A0-43F2-B629-1EB34D7A6645}" srcOrd="0" destOrd="2" presId="urn:microsoft.com/office/officeart/2005/8/layout/matrix3"/>
+    <dgm:cxn modelId="{44AE11D9-9692-4480-BE07-F447CE7FD3ED}" srcId="{3E1A2244-59C1-41FE-B4E7-E06EE0C2763A}" destId="{28F2A582-3F39-44B1-9C67-55EA726C9625}" srcOrd="1" destOrd="0" parTransId="{F401882F-5F1D-459B-83A4-B11F05E4971D}" sibTransId="{955EE58A-3B19-45E3-93AF-89E61868F24C}"/>
+    <dgm:cxn modelId="{F209FCB6-9619-45C2-9B2D-311D789E2FB3}" type="presOf" srcId="{B5B1274F-DE22-4BB1-8257-EE626C019846}" destId="{EE696764-36FA-415F-BDB2-1C9764E1E43A}" srcOrd="0" destOrd="3" presId="urn:microsoft.com/office/officeart/2005/8/layout/matrix3"/>
+    <dgm:cxn modelId="{88C93529-BB35-4B94-8FDA-A9B936A18F37}" type="presOf" srcId="{BAAD56C5-FE96-456E-83F1-590A5C8015CD}" destId="{D9C6D685-EDBB-4DC5-885A-3D868A4B563E}" srcOrd="0" destOrd="3" presId="urn:microsoft.com/office/officeart/2005/8/layout/matrix3"/>
+    <dgm:cxn modelId="{0DFF62FE-26CF-4E3D-97B2-0F93CD64141D}" type="presOf" srcId="{D36E4681-3C75-4A70-AB27-5C982946D7BD}" destId="{C2622DEC-99A0-43F2-B629-1EB34D7A6645}" srcOrd="0" destOrd="0" presId="urn:microsoft.com/office/officeart/2005/8/layout/matrix3"/>
+    <dgm:cxn modelId="{7DEAA5AD-6B87-43B1-A97F-E75EDED37176}" srcId="{3F45AA86-EC33-417F-8904-C8A992F93388}" destId="{83581594-02F2-4D10-8F1A-DC884B2D879B}" srcOrd="1" destOrd="0" parTransId="{6C31659A-3466-4C71-9696-95AF35241685}" sibTransId="{53392A59-2EF6-47F4-AFCA-B8ED043EF4E0}"/>
+    <dgm:cxn modelId="{B4F426D5-DA60-401E-90AC-FE59AE77105B}" type="presOf" srcId="{87B8680A-C149-48A4-8264-3517F25C147E}" destId="{FD762FAA-AA06-4BBB-9230-89FCEB3A2795}" srcOrd="0" destOrd="6" presId="urn:microsoft.com/office/officeart/2005/8/layout/matrix3"/>
+    <dgm:cxn modelId="{F28DE1AE-C99D-4E4A-BC21-2E6A79FA80B2}" type="presOf" srcId="{A85FA4DD-EE7A-4E07-9FDE-16684DFECF0B}" destId="{C2622DEC-99A0-43F2-B629-1EB34D7A6645}" srcOrd="0" destOrd="3" presId="urn:microsoft.com/office/officeart/2005/8/layout/matrix3"/>
+    <dgm:cxn modelId="{FB531A93-B8E3-430B-B76A-35CF6F35DC0A}" type="presOf" srcId="{83581594-02F2-4D10-8F1A-DC884B2D879B}" destId="{EE696764-36FA-415F-BDB2-1C9764E1E43A}" srcOrd="0" destOrd="2" presId="urn:microsoft.com/office/officeart/2005/8/layout/matrix3"/>
+    <dgm:cxn modelId="{563F3562-BECC-470A-91A7-5F1523345778}" srcId="{3F45AA86-EC33-417F-8904-C8A992F93388}" destId="{C361F7D9-3AEE-43D8-88B6-52A7D3EF477D}" srcOrd="0" destOrd="0" parTransId="{38AF198D-F277-44FF-A71D-0F4C3AA008DB}" sibTransId="{4922D11E-FAB4-4BAC-B8E0-35106D255AE2}"/>
+    <dgm:cxn modelId="{E05CCAE4-4C0E-4DE0-A732-0D6885F0C5C0}" type="presOf" srcId="{114215D4-534D-488E-AE2F-64A701486B67}" destId="{D9C6D685-EDBB-4DC5-885A-3D868A4B563E}" srcOrd="0" destOrd="2" presId="urn:microsoft.com/office/officeart/2005/8/layout/matrix3"/>
+    <dgm:cxn modelId="{309AC82B-05F9-4FB7-A272-3891445686D0}" srcId="{66C1AADE-9A17-4A1F-98EA-87F2566CF35D}" destId="{8611D8F1-44A5-41C6-97A4-1D921EDC5D3C}" srcOrd="0" destOrd="0" parTransId="{7D891C28-6F81-4B82-8387-CE898DF246B1}" sibTransId="{18F9BD85-7E48-4A37-AF00-DBA6C41FF66A}"/>
+    <dgm:cxn modelId="{DC13D542-C47B-4187-B59C-50166CA03FC2}" type="presOf" srcId="{FCA5832A-FD92-45CD-A034-C13CCAB40DC5}" destId="{FD762FAA-AA06-4BBB-9230-89FCEB3A2795}" srcOrd="0" destOrd="5" presId="urn:microsoft.com/office/officeart/2005/8/layout/matrix3"/>
+    <dgm:cxn modelId="{323E47D7-BD03-485A-AF38-11E564FEA2FD}" srcId="{D36E4681-3C75-4A70-AB27-5C982946D7BD}" destId="{A85FA4DD-EE7A-4E07-9FDE-16684DFECF0B}" srcOrd="2" destOrd="0" parTransId="{94683295-FEFB-4A41-8AD9-D5A416ADA8B3}" sibTransId="{DA83D4C6-72CF-430C-A36E-6909CA4CE4E0}"/>
+    <dgm:cxn modelId="{0B8A4232-585C-4614-BA8D-47820E4C650F}" type="presOf" srcId="{28F2A582-3F39-44B1-9C67-55EA726C9625}" destId="{FD762FAA-AA06-4BBB-9230-89FCEB3A2795}" srcOrd="0" destOrd="2" presId="urn:microsoft.com/office/officeart/2005/8/layout/matrix3"/>
+    <dgm:cxn modelId="{1E9544FA-750E-4693-9589-9411F514886C}" srcId="{3E1A2244-59C1-41FE-B4E7-E06EE0C2763A}" destId="{FCA5832A-FD92-45CD-A034-C13CCAB40DC5}" srcOrd="4" destOrd="0" parTransId="{D06DC76D-4C7D-4F93-BC52-3DB8584BB83A}" sibTransId="{22B48F31-53D2-45BB-961D-D78BF97491F5}"/>
+    <dgm:cxn modelId="{5840E74A-CF93-49FF-88D7-90511FE0689C}" type="presOf" srcId="{767E1750-544D-4794-9A2E-A8DCC044D696}" destId="{FD762FAA-AA06-4BBB-9230-89FCEB3A2795}" srcOrd="0" destOrd="4" presId="urn:microsoft.com/office/officeart/2005/8/layout/matrix3"/>
+    <dgm:cxn modelId="{F465B371-F795-40B6-9F79-7C407F55931C}" srcId="{CF1ADD8D-C2DC-4952-8FED-E142F0475B4C}" destId="{3F45AA86-EC33-417F-8904-C8A992F93388}" srcOrd="0" destOrd="0" parTransId="{F3863189-CB3B-4154-AB1C-A93CC7261C5D}" sibTransId="{1AE60E9F-51D0-41E7-AC02-7C0115D0D11E}"/>
+    <dgm:cxn modelId="{2B7760A3-A361-4B08-A8AA-7F757F67FEAA}" type="presOf" srcId="{A412FC16-27CD-465B-BDA3-B68D05D4B74D}" destId="{FD762FAA-AA06-4BBB-9230-89FCEB3A2795}" srcOrd="0" destOrd="3" presId="urn:microsoft.com/office/officeart/2005/8/layout/matrix3"/>
+    <dgm:cxn modelId="{E3B660EC-5288-4A34-93B3-AD2DE44F70EC}" srcId="{3E1A2244-59C1-41FE-B4E7-E06EE0C2763A}" destId="{87B8680A-C149-48A4-8264-3517F25C147E}" srcOrd="5" destOrd="0" parTransId="{949E1F94-8284-447B-B241-40D865F53A55}" sibTransId="{71918E25-8C5E-4422-9609-B43FA7B31DC4}"/>
+    <dgm:cxn modelId="{73FACBE1-C0A6-45D8-9CA6-E83DF05B9F39}" type="presOf" srcId="{34F94A6B-F3B2-4AB0-8332-B7F7B83BB073}" destId="{FD762FAA-AA06-4BBB-9230-89FCEB3A2795}" srcOrd="0" destOrd="1" presId="urn:microsoft.com/office/officeart/2005/8/layout/matrix3"/>
+    <dgm:cxn modelId="{8C45393B-8045-419E-8241-E67B86131E05}" type="presOf" srcId="{3E1A2244-59C1-41FE-B4E7-E06EE0C2763A}" destId="{FD762FAA-AA06-4BBB-9230-89FCEB3A2795}" srcOrd="0" destOrd="0" presId="urn:microsoft.com/office/officeart/2005/8/layout/matrix3"/>
+    <dgm:cxn modelId="{5649DB32-7C1C-4F83-B2B3-511CFE064DF4}" srcId="{3F45AA86-EC33-417F-8904-C8A992F93388}" destId="{B5B1274F-DE22-4BB1-8257-EE626C019846}" srcOrd="2" destOrd="0" parTransId="{AC5A7D89-E9DE-4B7A-A25A-63AF9DFD4F54}" sibTransId="{8DD817EE-8B78-4BC1-A358-BC94BD9EA295}"/>
+    <dgm:cxn modelId="{D2361819-2263-457E-8CDE-929BD0F73E17}" type="presOf" srcId="{717E048A-8266-4148-A83F-7ED740B63328}" destId="{FD762FAA-AA06-4BBB-9230-89FCEB3A2795}" srcOrd="0" destOrd="7" presId="urn:microsoft.com/office/officeart/2005/8/layout/matrix3"/>
+    <dgm:cxn modelId="{D9CE5C91-9F85-4006-A28B-A50A57F25B6C}" type="presOf" srcId="{C361F7D9-3AEE-43D8-88B6-52A7D3EF477D}" destId="{EE696764-36FA-415F-BDB2-1C9764E1E43A}" srcOrd="0" destOrd="1" presId="urn:microsoft.com/office/officeart/2005/8/layout/matrix3"/>
+    <dgm:cxn modelId="{DB083AA9-320F-45F3-9EE6-BC7637F3E6B4}" srcId="{D36E4681-3C75-4A70-AB27-5C982946D7BD}" destId="{D734D156-11ED-4F62-A769-FAE6C467FBFB}" srcOrd="0" destOrd="0" parTransId="{B4A7E4E6-F3A2-47ED-B8AD-7CD1FC4A4320}" sibTransId="{F42072B5-8637-447D-82CA-8D1EFA312CE0}"/>
+    <dgm:cxn modelId="{26D0D4FB-24A2-4BE4-A7A6-91E5BF78216B}" type="presOf" srcId="{8611D8F1-44A5-41C6-97A4-1D921EDC5D3C}" destId="{D9C6D685-EDBB-4DC5-885A-3D868A4B563E}" srcOrd="0" destOrd="1" presId="urn:microsoft.com/office/officeart/2005/8/layout/matrix3"/>
     <dgm:cxn modelId="{B15F9662-A84E-47E0-868E-43919BF601D7}" srcId="{CF1ADD8D-C2DC-4952-8FED-E142F0475B4C}" destId="{D36E4681-3C75-4A70-AB27-5C982946D7BD}" srcOrd="2" destOrd="0" parTransId="{5B37C3B2-F2AE-47ED-A0E6-CF45457E4A78}" sibTransId="{ECD57A6A-6F78-46E9-8903-3ED92A61DCF7}"/>
-    <dgm:cxn modelId="{7C0F87E1-9EB5-45B3-AFCD-199C755B8026}" type="presOf" srcId="{D36E4681-3C75-4A70-AB27-5C982946D7BD}" destId="{C2622DEC-99A0-43F2-B629-1EB34D7A6645}" srcOrd="0" destOrd="0" presId="urn:microsoft.com/office/officeart/2005/8/layout/matrix3"/>
-    <dgm:cxn modelId="{F465B371-F795-40B6-9F79-7C407F55931C}" srcId="{CF1ADD8D-C2DC-4952-8FED-E142F0475B4C}" destId="{3F45AA86-EC33-417F-8904-C8A992F93388}" srcOrd="0" destOrd="0" parTransId="{F3863189-CB3B-4154-AB1C-A93CC7261C5D}" sibTransId="{1AE60E9F-51D0-41E7-AC02-7C0115D0D11E}"/>
-    <dgm:cxn modelId="{2A04875D-E630-47D4-98FF-318226DBA964}" type="presOf" srcId="{BAAD56C5-FE96-456E-83F1-590A5C8015CD}" destId="{D9C6D685-EDBB-4DC5-885A-3D868A4B563E}" srcOrd="0" destOrd="1" presId="urn:microsoft.com/office/officeart/2005/8/layout/matrix3"/>
-    <dgm:cxn modelId="{9F237EF2-2BAF-4970-9C8F-9655B2231C6E}" type="presOf" srcId="{3F45AA86-EC33-417F-8904-C8A992F93388}" destId="{EE696764-36FA-415F-BDB2-1C9764E1E43A}" srcOrd="0" destOrd="0" presId="urn:microsoft.com/office/officeart/2005/8/layout/matrix3"/>
-    <dgm:cxn modelId="{CD6F033E-7A2D-4759-9184-C31DC664FEC2}" srcId="{66C1AADE-9A17-4A1F-98EA-87F2566CF35D}" destId="{BAAD56C5-FE96-456E-83F1-590A5C8015CD}" srcOrd="0" destOrd="0" parTransId="{F08A05A6-01FF-4289-AF76-2923E01D0631}" sibTransId="{7650913C-321F-4054-BBE9-7E6ACE9FEC72}"/>
-    <dgm:cxn modelId="{06028F2F-E3DB-4054-AF09-E3E1D6CF26E0}" type="presOf" srcId="{717E048A-8266-4148-A83F-7ED740B63328}" destId="{FD762FAA-AA06-4BBB-9230-89FCEB3A2795}" srcOrd="0" destOrd="1" presId="urn:microsoft.com/office/officeart/2005/8/layout/matrix3"/>
+    <dgm:cxn modelId="{CD6F033E-7A2D-4759-9184-C31DC664FEC2}" srcId="{66C1AADE-9A17-4A1F-98EA-87F2566CF35D}" destId="{BAAD56C5-FE96-456E-83F1-590A5C8015CD}" srcOrd="2" destOrd="0" parTransId="{F08A05A6-01FF-4289-AF76-2923E01D0631}" sibTransId="{7650913C-321F-4054-BBE9-7E6ACE9FEC72}"/>
+    <dgm:cxn modelId="{8FCC30A7-CBD7-4905-B16E-3BD31C65EA1A}" type="presOf" srcId="{66C1AADE-9A17-4A1F-98EA-87F2566CF35D}" destId="{D9C6D685-EDBB-4DC5-885A-3D868A4B563E}" srcOrd="0" destOrd="0" presId="urn:microsoft.com/office/officeart/2005/8/layout/matrix3"/>
+    <dgm:cxn modelId="{0B30DF3B-1A7E-4D90-9A07-ED1C813AB803}" srcId="{3E1A2244-59C1-41FE-B4E7-E06EE0C2763A}" destId="{A412FC16-27CD-465B-BDA3-B68D05D4B74D}" srcOrd="2" destOrd="0" parTransId="{544042A8-1214-4155-8E41-948578C06C23}" sibTransId="{A5D9D0F3-A8B1-4F76-9A42-E7478C904057}"/>
+    <dgm:cxn modelId="{60E13776-4F81-469D-B723-907E50C79EF3}" srcId="{3E1A2244-59C1-41FE-B4E7-E06EE0C2763A}" destId="{34F94A6B-F3B2-4AB0-8332-B7F7B83BB073}" srcOrd="0" destOrd="0" parTransId="{88B8B27D-E185-437D-A708-4464D9B72A2F}" sibTransId="{34E086D0-6893-40EB-A51D-CD8AC3FFC351}"/>
     <dgm:cxn modelId="{CF259D55-F93C-4233-952F-8C6997D77814}" srcId="{CF1ADD8D-C2DC-4952-8FED-E142F0475B4C}" destId="{3E1A2244-59C1-41FE-B4E7-E06EE0C2763A}" srcOrd="3" destOrd="0" parTransId="{41EEA9FC-EC83-47A7-A337-1EA8207A5A2E}" sibTransId="{913FC47A-2344-44CE-838E-E1E1259EE1A4}"/>
-    <dgm:cxn modelId="{6810FEE4-D729-4E47-BCD1-85DAC177575F}" srcId="{D36E4681-3C75-4A70-AB27-5C982946D7BD}" destId="{93362C25-92B8-402E-AE46-08C3F6384D17}" srcOrd="0" destOrd="0" parTransId="{B1765D98-26B5-40E0-8717-13625F841581}" sibTransId="{13ABB180-9399-44EC-8F3F-B47555D79B7B}"/>
-    <dgm:cxn modelId="{B289D425-E2BA-4C50-824C-6A58CEA8726E}" srcId="{CF1ADD8D-C2DC-4952-8FED-E142F0475B4C}" destId="{66C1AADE-9A17-4A1F-98EA-87F2566CF35D}" srcOrd="1" destOrd="0" parTransId="{E2972E97-3597-451B-A2C6-1A5225E542F0}" sibTransId="{10A117A2-DDD0-4B52-8E15-F21FB4FE07A5}"/>
-    <dgm:cxn modelId="{759A5C91-4B39-46BA-A586-75E8C4087A0A}" type="presOf" srcId="{66C1AADE-9A17-4A1F-98EA-87F2566CF35D}" destId="{D9C6D685-EDBB-4DC5-885A-3D868A4B563E}" srcOrd="0" destOrd="0" presId="urn:microsoft.com/office/officeart/2005/8/layout/matrix3"/>
-    <dgm:cxn modelId="{C3F088A9-27FC-4851-90FA-6BC53FC7465B}" srcId="{3E1A2244-59C1-41FE-B4E7-E06EE0C2763A}" destId="{717E048A-8266-4148-A83F-7ED740B63328}" srcOrd="0" destOrd="0" parTransId="{997273CF-D274-4A18-8B9E-21DA3F081FCB}" sibTransId="{C11FE336-4F75-4B3C-831D-B7D3349E1B40}"/>
-    <dgm:cxn modelId="{5649DB32-7C1C-4F83-B2B3-511CFE064DF4}" srcId="{3F45AA86-EC33-417F-8904-C8A992F93388}" destId="{B5B1274F-DE22-4BB1-8257-EE626C019846}" srcOrd="0" destOrd="0" parTransId="{AC5A7D89-E9DE-4B7A-A25A-63AF9DFD4F54}" sibTransId="{8DD817EE-8B78-4BC1-A358-BC94BD9EA295}"/>
-    <dgm:cxn modelId="{9ED484F5-575D-40E3-B3A4-8C41D40B7D00}" type="presOf" srcId="{3E1A2244-59C1-41FE-B4E7-E06EE0C2763A}" destId="{FD762FAA-AA06-4BBB-9230-89FCEB3A2795}" srcOrd="0" destOrd="0" presId="urn:microsoft.com/office/officeart/2005/8/layout/matrix3"/>
-    <dgm:cxn modelId="{CAB56ECD-BE6E-4B24-AC49-51EFAFB4B6E3}" type="presOf" srcId="{CF1ADD8D-C2DC-4952-8FED-E142F0475B4C}" destId="{519E3474-1962-4759-B656-85BE338C7B98}" srcOrd="0" destOrd="0" presId="urn:microsoft.com/office/officeart/2005/8/layout/matrix3"/>
+    <dgm:cxn modelId="{1DD656E0-B567-4F9F-A8AA-25EA18E806A1}" srcId="{66C1AADE-9A17-4A1F-98EA-87F2566CF35D}" destId="{114215D4-534D-488E-AE2F-64A701486B67}" srcOrd="1" destOrd="0" parTransId="{E05ECA12-0E27-4B59-A058-E9135042E567}" sibTransId="{719B1BFC-9DBD-408D-ACF0-B10EEC2A41A7}"/>
+    <dgm:cxn modelId="{43649DD0-9B70-4076-8BB7-F3A4577472E9}" type="presOf" srcId="{D734D156-11ED-4F62-A769-FAE6C467FBFB}" destId="{C2622DEC-99A0-43F2-B629-1EB34D7A6645}" srcOrd="0" destOrd="1" presId="urn:microsoft.com/office/officeart/2005/8/layout/matrix3"/>
     <dgm:cxn modelId="{AB36AB61-29C5-4809-BE56-2E51FAA03B9D}" type="presParOf" srcId="{519E3474-1962-4759-B656-85BE338C7B98}" destId="{8BB83E3E-CE17-4D42-8DAD-C01CA2C28E4F}" srcOrd="0" destOrd="0" presId="urn:microsoft.com/office/officeart/2005/8/layout/matrix3"/>
     <dgm:cxn modelId="{C7E7D7D3-8039-455F-9758-7F19C6A3C6CA}" type="presParOf" srcId="{519E3474-1962-4759-B656-85BE338C7B98}" destId="{EE696764-36FA-415F-BDB2-1C9764E1E43A}" srcOrd="1" destOrd="0" presId="urn:microsoft.com/office/officeart/2005/8/layout/matrix3"/>
     <dgm:cxn modelId="{63B71E43-A1DE-4ABF-B05B-CBF339F2691E}" type="presParOf" srcId="{519E3474-1962-4759-B656-85BE338C7B98}" destId="{D9C6D685-EDBB-4DC5-885A-3D868A4B563E}" srcOrd="2" destOrd="0" presId="urn:microsoft.com/office/officeart/2005/8/layout/matrix3"/>
@@ -8239,7 +8931,7 @@
 <dgm:dataModel xmlns:dgm="http://schemas.openxmlformats.org/drawingml/2006/diagram" xmlns:a="http://schemas.openxmlformats.org/drawingml/2006/main">
   <dgm:ptLst>
     <dgm:pt modelId="{41EDC0B5-5B2E-40F6-A795-26759C403F93}" type="doc">
-      <dgm:prSet loTypeId="urn:microsoft.com/office/officeart/2005/8/layout/target2" loCatId="relationship" qsTypeId="urn:microsoft.com/office/officeart/2005/8/quickstyle/3d7" qsCatId="3D" csTypeId="urn:microsoft.com/office/officeart/2005/8/colors/accent1_2" csCatId="accent1" phldr="1"/>
+      <dgm:prSet loTypeId="urn:microsoft.com/office/officeart/2005/8/layout/target2" loCatId="relationship" qsTypeId="urn:microsoft.com/office/officeart/2009/2/quickstyle/3d8" qsCatId="3D" csTypeId="urn:microsoft.com/office/officeart/2005/8/colors/accent1_2" csCatId="accent1" phldr="1"/>
       <dgm:spPr/>
       <dgm:t>
         <a:bodyPr/>
@@ -8295,7 +8987,7 @@
         <a:p>
           <a:r>
             <a:rPr lang="pt-BR" dirty="0" smtClean="0"/>
-            <a:t>Dispositivos Mobile</a:t>
+            <a:t>Serviço PWA</a:t>
           </a:r>
           <a:endParaRPr lang="pt-BR" dirty="0"/>
         </a:p>
@@ -8478,10 +9170,24 @@
         </dgm:presLayoutVars>
       </dgm:prSet>
       <dgm:spPr/>
+      <dgm:t>
+        <a:bodyPr/>
+        <a:lstStyle/>
+        <a:p>
+          <a:endParaRPr lang="pt-BR"/>
+        </a:p>
+      </dgm:t>
     </dgm:pt>
     <dgm:pt modelId="{47ABF3AE-7C0F-4F37-99E7-26C498633561}" type="pres">
       <dgm:prSet presAssocID="{41EDC0B5-5B2E-40F6-A795-26759C403F93}" presName="outerBox" presStyleCnt="0"/>
       <dgm:spPr/>
+      <dgm:t>
+        <a:bodyPr/>
+        <a:lstStyle/>
+        <a:p>
+          <a:endParaRPr lang="pt-BR"/>
+        </a:p>
+      </dgm:t>
     </dgm:pt>
     <dgm:pt modelId="{BFCD2251-09FB-4193-82AE-20E41AABECB4}" type="pres">
       <dgm:prSet presAssocID="{41EDC0B5-5B2E-40F6-A795-26759C403F93}" presName="outerBoxParent" presStyleLbl="node1" presStyleIdx="0" presStyleCnt="3"/>
@@ -8497,6 +9203,13 @@
     <dgm:pt modelId="{40DC6C87-52FE-4881-A102-E1D5BF83157F}" type="pres">
       <dgm:prSet presAssocID="{41EDC0B5-5B2E-40F6-A795-26759C403F93}" presName="outerBoxChildren" presStyleCnt="0"/>
       <dgm:spPr/>
+      <dgm:t>
+        <a:bodyPr/>
+        <a:lstStyle/>
+        <a:p>
+          <a:endParaRPr lang="pt-BR"/>
+        </a:p>
+      </dgm:t>
     </dgm:pt>
     <dgm:pt modelId="{B75B4B1B-09EA-44A0-A091-652EBDE0EA98}" type="pres">
       <dgm:prSet presAssocID="{3522712F-F43A-4175-BE83-10EA01740169}" presName="oChild" presStyleLbl="fgAcc1" presStyleIdx="0" presStyleCnt="3">
@@ -8516,6 +9229,13 @@
     <dgm:pt modelId="{6F2C5CB4-CD05-43FF-9955-4AA40DDC091E}" type="pres">
       <dgm:prSet presAssocID="{41EDC0B5-5B2E-40F6-A795-26759C403F93}" presName="middleBox" presStyleCnt="0"/>
       <dgm:spPr/>
+      <dgm:t>
+        <a:bodyPr/>
+        <a:lstStyle/>
+        <a:p>
+          <a:endParaRPr lang="pt-BR"/>
+        </a:p>
+      </dgm:t>
     </dgm:pt>
     <dgm:pt modelId="{ADD3C99B-AFC3-47B1-A4DF-7A75CC6ABE97}" type="pres">
       <dgm:prSet presAssocID="{41EDC0B5-5B2E-40F6-A795-26759C403F93}" presName="middleBoxParent" presStyleLbl="node1" presStyleIdx="1" presStyleCnt="3"/>
@@ -8531,6 +9251,13 @@
     <dgm:pt modelId="{7D1FE98C-C703-4AEE-8EA1-2B69FFFCA50C}" type="pres">
       <dgm:prSet presAssocID="{41EDC0B5-5B2E-40F6-A795-26759C403F93}" presName="middleBoxChildren" presStyleCnt="0"/>
       <dgm:spPr/>
+      <dgm:t>
+        <a:bodyPr/>
+        <a:lstStyle/>
+        <a:p>
+          <a:endParaRPr lang="pt-BR"/>
+        </a:p>
+      </dgm:t>
     </dgm:pt>
     <dgm:pt modelId="{003ADD9F-4AC4-45B5-8DD6-EC81A27549EB}" type="pres">
       <dgm:prSet presAssocID="{E050978C-0D9B-48B8-B177-C3932AA7913C}" presName="mChild" presStyleLbl="fgAcc1" presStyleIdx="1" presStyleCnt="3">
@@ -8550,6 +9277,13 @@
     <dgm:pt modelId="{9240E06D-CFF0-4752-A7B9-6EA42430CC6D}" type="pres">
       <dgm:prSet presAssocID="{41EDC0B5-5B2E-40F6-A795-26759C403F93}" presName="centerBox" presStyleCnt="0"/>
       <dgm:spPr/>
+      <dgm:t>
+        <a:bodyPr/>
+        <a:lstStyle/>
+        <a:p>
+          <a:endParaRPr lang="pt-BR"/>
+        </a:p>
+      </dgm:t>
     </dgm:pt>
     <dgm:pt modelId="{A5A6D88A-617E-417D-BD7B-EBF9A20413FC}" type="pres">
       <dgm:prSet presAssocID="{41EDC0B5-5B2E-40F6-A795-26759C403F93}" presName="centerBoxParent" presStyleLbl="node1" presStyleIdx="2" presStyleCnt="3"/>
@@ -8565,6 +9299,13 @@
     <dgm:pt modelId="{07340D8E-94CE-4AA4-A341-E33CE706BA46}" type="pres">
       <dgm:prSet presAssocID="{41EDC0B5-5B2E-40F6-A795-26759C403F93}" presName="centerBoxChildren" presStyleCnt="0"/>
       <dgm:spPr/>
+      <dgm:t>
+        <a:bodyPr/>
+        <a:lstStyle/>
+        <a:p>
+          <a:endParaRPr lang="pt-BR"/>
+        </a:p>
+      </dgm:t>
     </dgm:pt>
     <dgm:pt modelId="{2C1EC8B9-85E5-46D8-A0E1-9621919A32B4}" type="pres">
       <dgm:prSet presAssocID="{A1B118FD-1FEB-4C32-90A6-C74FF73ACC39}" presName="cChild" presStyleLbl="fgAcc1" presStyleIdx="2" presStyleCnt="3">
@@ -8591,8 +9332,8 @@
     <dgm:cxn modelId="{FE52B234-DDA2-41A4-A0FB-8C00997A6DC9}" type="presOf" srcId="{A1B118FD-1FEB-4C32-90A6-C74FF73ACC39}" destId="{2C1EC8B9-85E5-46D8-A0E1-9621919A32B4}" srcOrd="0" destOrd="0" presId="urn:microsoft.com/office/officeart/2005/8/layout/target2"/>
     <dgm:cxn modelId="{50090F85-38F3-4F38-9C95-0E87B537E31A}" type="presOf" srcId="{27FA57F4-188E-4BD9-8285-85AC9430C1CA}" destId="{A5A6D88A-617E-417D-BD7B-EBF9A20413FC}" srcOrd="0" destOrd="0" presId="urn:microsoft.com/office/officeart/2005/8/layout/target2"/>
     <dgm:cxn modelId="{48FAC39E-92B9-4C02-B497-F47EA4BC281E}" type="presOf" srcId="{E050978C-0D9B-48B8-B177-C3932AA7913C}" destId="{003ADD9F-4AC4-45B5-8DD6-EC81A27549EB}" srcOrd="0" destOrd="0" presId="urn:microsoft.com/office/officeart/2005/8/layout/target2"/>
+    <dgm:cxn modelId="{852D2E0A-BBFF-4CF9-86C8-AA48801398EE}" type="presOf" srcId="{00AA778E-02C5-4AB7-94AA-A238D1ABCE99}" destId="{ADD3C99B-AFC3-47B1-A4DF-7A75CC6ABE97}" srcOrd="0" destOrd="0" presId="urn:microsoft.com/office/officeart/2005/8/layout/target2"/>
     <dgm:cxn modelId="{A64CD332-3C8D-4E29-BBA4-ACA4A5C70894}" type="presOf" srcId="{3B8C848E-B7C5-4BFA-9530-8B78A658DBF9}" destId="{BFCD2251-09FB-4193-82AE-20E41AABECB4}" srcOrd="0" destOrd="0" presId="urn:microsoft.com/office/officeart/2005/8/layout/target2"/>
-    <dgm:cxn modelId="{852D2E0A-BBFF-4CF9-86C8-AA48801398EE}" type="presOf" srcId="{00AA778E-02C5-4AB7-94AA-A238D1ABCE99}" destId="{ADD3C99B-AFC3-47B1-A4DF-7A75CC6ABE97}" srcOrd="0" destOrd="0" presId="urn:microsoft.com/office/officeart/2005/8/layout/target2"/>
     <dgm:cxn modelId="{3005B341-3B26-4ADD-85E4-C5EDCE0C9E20}" type="presOf" srcId="{3522712F-F43A-4175-BE83-10EA01740169}" destId="{B75B4B1B-09EA-44A0-A091-652EBDE0EA98}" srcOrd="0" destOrd="0" presId="urn:microsoft.com/office/officeart/2005/8/layout/target2"/>
     <dgm:cxn modelId="{C8C2BECC-9D45-4EA0-8AC7-5375EB5F3EB6}" srcId="{00AA778E-02C5-4AB7-94AA-A238D1ABCE99}" destId="{E050978C-0D9B-48B8-B177-C3932AA7913C}" srcOrd="0" destOrd="0" parTransId="{BB79AFD7-3839-453A-8EB2-A52F965A8C76}" sibTransId="{D22D7724-B8DF-454F-9C7C-F4D3FEA5F73C}"/>
     <dgm:cxn modelId="{75D2E0ED-99D5-44BB-AB4D-0F23545695CF}" type="presOf" srcId="{41EDC0B5-5B2E-40F6-A795-26759C403F93}" destId="{5DC2A2A4-321E-49F3-87D9-1E402D63144A}" srcOrd="0" destOrd="0" presId="urn:microsoft.com/office/officeart/2005/8/layout/target2"/>
@@ -9679,8 +10420,9 @@
       <dgm:prSet phldrT="[Texto]"/>
       <dgm:spPr>
         <a:solidFill>
-          <a:schemeClr val="accent6">
-            <a:lumMod val="75000"/>
+          <a:schemeClr val="accent3">
+            <a:lumMod val="60000"/>
+            <a:lumOff val="40000"/>
           </a:schemeClr>
         </a:solidFill>
       </dgm:spPr>
@@ -9763,8 +10505,9 @@
       <dgm:prSet phldrT="[Texto]"/>
       <dgm:spPr>
         <a:solidFill>
-          <a:schemeClr val="accent6">
-            <a:lumMod val="75000"/>
+          <a:schemeClr val="accent3">
+            <a:lumMod val="60000"/>
+            <a:lumOff val="40000"/>
           </a:schemeClr>
         </a:solidFill>
       </dgm:spPr>
@@ -15003,8 +15746,8 @@
       </dsp:nvSpPr>
       <dsp:spPr>
         <a:xfrm>
-          <a:off x="670548" y="364994"/>
-          <a:ext cx="8134945" cy="5030651"/>
+          <a:off x="805635" y="0"/>
+          <a:ext cx="8134945" cy="5760640"/>
         </a:xfrm>
         <a:prstGeom prst="diamond">
           <a:avLst/>
@@ -15022,6 +15765,14 @@
           <a:noFill/>
         </a:ln>
         <a:effectLst/>
+        <a:scene3d>
+          <a:camera prst="orthographicFront"/>
+          <a:lightRig rig="chilly" dir="t"/>
+        </a:scene3d>
+        <a:sp3d z="-12700" extrusionH="1700" prstMaterial="translucentPowder">
+          <a:bevelT w="25400" h="6350" prst="softRound"/>
+          <a:bevelB w="0" h="0" prst="convex"/>
+        </a:sp3d>
       </dsp:spPr>
       <dsp:style>
         <a:lnRef idx="0">
@@ -15057,21 +15808,20 @@
             <a:alphaOff val="0"/>
           </a:schemeClr>
         </a:solidFill>
-        <a:ln w="28575" cap="flat" cmpd="sng" algn="ctr">
-          <a:solidFill>
-            <a:schemeClr val="lt1">
-              <a:hueOff val="0"/>
-              <a:satOff val="0"/>
-              <a:lumOff val="0"/>
-              <a:alphaOff val="0"/>
-            </a:schemeClr>
-          </a:solidFill>
-          <a:prstDash val="solid"/>
+        <a:ln>
+          <a:noFill/>
         </a:ln>
         <a:effectLst/>
+        <a:scene3d>
+          <a:camera prst="orthographicFront"/>
+          <a:lightRig rig="chilly" dir="t"/>
+        </a:scene3d>
+        <a:sp3d prstMaterial="translucentPowder">
+          <a:bevelT w="127000" h="25400" prst="softRound"/>
+        </a:sp3d>
       </dsp:spPr>
       <dsp:style>
-        <a:lnRef idx="2">
+        <a:lnRef idx="0">
           <a:scrgbClr r="0" g="0" b="0"/>
         </a:lnRef>
         <a:fillRef idx="1">
@@ -15085,12 +15835,12 @@
         </a:fontRef>
       </dsp:style>
       <dsp:txBody>
-        <a:bodyPr spcFirstLastPara="0" vert="horz" wrap="square" lIns="144780" tIns="144780" rIns="144780" bIns="144780" numCol="1" spcCol="1270" anchor="t" anchorCtr="0">
+        <a:bodyPr spcFirstLastPara="0" vert="horz" wrap="square" lIns="60960" tIns="60960" rIns="60960" bIns="60960" numCol="1" spcCol="1270" anchor="t" anchorCtr="0">
           <a:noAutofit/>
         </a:bodyPr>
         <a:lstStyle/>
         <a:p>
-          <a:pPr lvl="0" algn="l" defTabSz="1689100">
+          <a:pPr lvl="0" algn="l" defTabSz="711200">
             <a:lnSpc>
               <a:spcPct val="90000"/>
             </a:lnSpc>
@@ -15102,13 +15852,21 @@
             </a:spcAft>
           </a:pPr>
           <a:r>
-            <a:rPr lang="pt-BR" sz="3800" kern="1200" dirty="0" smtClean="0"/>
+            <a:rPr lang="pt-BR" sz="1600" b="1" kern="1200" dirty="0" smtClean="0">
+              <a:solidFill>
+                <a:schemeClr val="tx1"/>
+              </a:solidFill>
+            </a:rPr>
             <a:t>Forças</a:t>
           </a:r>
-          <a:endParaRPr lang="pt-BR" sz="3800" kern="1200" dirty="0"/>
-        </a:p>
-        <a:p>
-          <a:pPr marL="285750" lvl="1" indent="-285750" algn="l" defTabSz="1333500">
+          <a:endParaRPr lang="pt-BR" sz="1600" b="1" kern="1200" dirty="0">
+            <a:solidFill>
+              <a:schemeClr val="tx1"/>
+            </a:solidFill>
+          </a:endParaRPr>
+        </a:p>
+        <a:p>
+          <a:pPr marL="171450" lvl="1" indent="-171450" algn="l" defTabSz="711200">
             <a:lnSpc>
               <a:spcPct val="90000"/>
             </a:lnSpc>
@@ -15120,7 +15878,73 @@
             </a:spcAft>
             <a:buChar char="••"/>
           </a:pPr>
-          <a:endParaRPr lang="pt-BR" sz="3000" kern="1200" dirty="0"/>
+          <a:endParaRPr lang="pt-BR" sz="1600" b="1" kern="1200" dirty="0">
+            <a:solidFill>
+              <a:schemeClr val="tx1"/>
+            </a:solidFill>
+          </a:endParaRPr>
+        </a:p>
+        <a:p>
+          <a:pPr marL="171450" lvl="1" indent="-171450" algn="l" defTabSz="711200">
+            <a:lnSpc>
+              <a:spcPct val="90000"/>
+            </a:lnSpc>
+            <a:spcBef>
+              <a:spcPct val="0"/>
+            </a:spcBef>
+            <a:spcAft>
+              <a:spcPct val="15000"/>
+            </a:spcAft>
+            <a:buChar char="••"/>
+          </a:pPr>
+          <a:r>
+            <a:rPr lang="pt-BR" sz="1600" kern="1200" smtClean="0">
+              <a:solidFill>
+                <a:schemeClr val="tx1"/>
+              </a:solidFill>
+            </a:rPr>
+            <a:t>Ambiente </a:t>
+          </a:r>
+          <a:r>
+            <a:rPr lang="pt-BR" sz="1600" kern="1200" dirty="0" smtClean="0">
+              <a:solidFill>
+                <a:schemeClr val="tx1"/>
+              </a:solidFill>
+            </a:rPr>
+            <a:t>corporativo de desenvolvimento</a:t>
+          </a:r>
+          <a:endParaRPr lang="pt-BR" sz="1600" kern="1200" dirty="0">
+            <a:solidFill>
+              <a:schemeClr val="tx1"/>
+            </a:solidFill>
+          </a:endParaRPr>
+        </a:p>
+        <a:p>
+          <a:pPr marL="171450" lvl="1" indent="-171450" algn="l" defTabSz="711200">
+            <a:lnSpc>
+              <a:spcPct val="90000"/>
+            </a:lnSpc>
+            <a:spcBef>
+              <a:spcPct val="0"/>
+            </a:spcBef>
+            <a:spcAft>
+              <a:spcPct val="15000"/>
+            </a:spcAft>
+            <a:buChar char="••"/>
+          </a:pPr>
+          <a:r>
+            <a:rPr lang="pt-BR" sz="1600" kern="1200" dirty="0" smtClean="0">
+              <a:solidFill>
+                <a:schemeClr val="tx1"/>
+              </a:solidFill>
+            </a:rPr>
+            <a:t>Cliente real para teste</a:t>
+          </a:r>
+          <a:endParaRPr lang="pt-BR" sz="1600" kern="1200" dirty="0">
+            <a:solidFill>
+              <a:schemeClr val="tx1"/>
+            </a:solidFill>
+          </a:endParaRPr>
         </a:p>
       </dsp:txBody>
       <dsp:txXfrm>
@@ -15149,21 +15973,20 @@
             <a:alphaOff val="0"/>
           </a:schemeClr>
         </a:solidFill>
-        <a:ln w="28575" cap="flat" cmpd="sng" algn="ctr">
-          <a:solidFill>
-            <a:schemeClr val="lt1">
-              <a:hueOff val="0"/>
-              <a:satOff val="0"/>
-              <a:lumOff val="0"/>
-              <a:alphaOff val="0"/>
-            </a:schemeClr>
-          </a:solidFill>
-          <a:prstDash val="solid"/>
+        <a:ln>
+          <a:noFill/>
         </a:ln>
         <a:effectLst/>
+        <a:scene3d>
+          <a:camera prst="orthographicFront"/>
+          <a:lightRig rig="chilly" dir="t"/>
+        </a:scene3d>
+        <a:sp3d prstMaterial="translucentPowder">
+          <a:bevelT w="127000" h="25400" prst="softRound"/>
+        </a:sp3d>
       </dsp:spPr>
       <dsp:style>
-        <a:lnRef idx="2">
+        <a:lnRef idx="0">
           <a:scrgbClr r="0" g="0" b="0"/>
         </a:lnRef>
         <a:fillRef idx="1">
@@ -15177,12 +16000,12 @@
         </a:fontRef>
       </dsp:style>
       <dsp:txBody>
-        <a:bodyPr spcFirstLastPara="0" vert="horz" wrap="square" lIns="144780" tIns="144780" rIns="144780" bIns="144780" numCol="1" spcCol="1270" anchor="t" anchorCtr="0">
+        <a:bodyPr spcFirstLastPara="0" vert="horz" wrap="square" lIns="60960" tIns="60960" rIns="60960" bIns="60960" numCol="1" spcCol="1270" anchor="t" anchorCtr="0">
           <a:noAutofit/>
         </a:bodyPr>
         <a:lstStyle/>
         <a:p>
-          <a:pPr lvl="0" algn="l" defTabSz="1689100">
+          <a:pPr lvl="0" algn="l" defTabSz="711200">
             <a:lnSpc>
               <a:spcPct val="90000"/>
             </a:lnSpc>
@@ -15194,13 +16017,21 @@
             </a:spcAft>
           </a:pPr>
           <a:r>
-            <a:rPr lang="pt-BR" sz="3800" kern="1200" dirty="0" smtClean="0"/>
+            <a:rPr lang="pt-BR" sz="1600" b="1" kern="1200" dirty="0" smtClean="0">
+              <a:solidFill>
+                <a:schemeClr val="tx1"/>
+              </a:solidFill>
+            </a:rPr>
             <a:t>Fraquezas</a:t>
           </a:r>
-          <a:endParaRPr lang="pt-BR" sz="3800" kern="1200" dirty="0"/>
-        </a:p>
-        <a:p>
-          <a:pPr marL="285750" lvl="1" indent="-285750" algn="l" defTabSz="1333500">
+          <a:endParaRPr lang="pt-BR" sz="1600" b="1" kern="1200" dirty="0">
+            <a:solidFill>
+              <a:schemeClr val="tx1"/>
+            </a:solidFill>
+          </a:endParaRPr>
+        </a:p>
+        <a:p>
+          <a:pPr marL="171450" lvl="1" indent="-171450" algn="l" defTabSz="711200">
             <a:lnSpc>
               <a:spcPct val="90000"/>
             </a:lnSpc>
@@ -15212,7 +16043,65 @@
             </a:spcAft>
             <a:buChar char="••"/>
           </a:pPr>
-          <a:endParaRPr lang="pt-BR" sz="3000" kern="1200" dirty="0"/>
+          <a:endParaRPr lang="pt-BR" sz="1600" b="1" kern="1200" dirty="0">
+            <a:solidFill>
+              <a:schemeClr val="tx1"/>
+            </a:solidFill>
+          </a:endParaRPr>
+        </a:p>
+        <a:p>
+          <a:pPr marL="171450" lvl="1" indent="-171450" algn="l" defTabSz="711200">
+            <a:lnSpc>
+              <a:spcPct val="90000"/>
+            </a:lnSpc>
+            <a:spcBef>
+              <a:spcPct val="0"/>
+            </a:spcBef>
+            <a:spcAft>
+              <a:spcPct val="15000"/>
+            </a:spcAft>
+            <a:buChar char="••"/>
+          </a:pPr>
+          <a:r>
+            <a:rPr lang="pt-BR" sz="1600" kern="1200" dirty="0" smtClean="0">
+              <a:solidFill>
+                <a:schemeClr val="tx1"/>
+              </a:solidFill>
+            </a:rPr>
+            <a:t>Primeiro contato com a tecnologia PWA</a:t>
+          </a:r>
+          <a:endParaRPr lang="pt-BR" sz="1600" kern="1200" dirty="0">
+            <a:solidFill>
+              <a:schemeClr val="tx1"/>
+            </a:solidFill>
+          </a:endParaRPr>
+        </a:p>
+        <a:p>
+          <a:pPr marL="171450" lvl="1" indent="-171450" algn="l" defTabSz="711200">
+            <a:lnSpc>
+              <a:spcPct val="90000"/>
+            </a:lnSpc>
+            <a:spcBef>
+              <a:spcPct val="0"/>
+            </a:spcBef>
+            <a:spcAft>
+              <a:spcPct val="15000"/>
+            </a:spcAft>
+            <a:buChar char="••"/>
+          </a:pPr>
+          <a:r>
+            <a:rPr lang="pt-BR" sz="1600" kern="1200" dirty="0" smtClean="0">
+              <a:solidFill>
+                <a:schemeClr val="tx1"/>
+              </a:solidFill>
+            </a:rPr>
+            <a:t>Poucas atividades em Java script</a:t>
+          </a:r>
+          <a:endParaRPr lang="pt-BR" sz="1600" kern="1200" dirty="0">
+            <a:solidFill>
+              <a:schemeClr val="tx1"/>
+            </a:solidFill>
+          </a:endParaRPr>
         </a:p>
       </dsp:txBody>
       <dsp:txXfrm>
@@ -15241,21 +16130,20 @@
             <a:alphaOff val="0"/>
           </a:schemeClr>
         </a:solidFill>
-        <a:ln w="28575" cap="flat" cmpd="sng" algn="ctr">
-          <a:solidFill>
-            <a:schemeClr val="lt1">
-              <a:hueOff val="0"/>
-              <a:satOff val="0"/>
-              <a:lumOff val="0"/>
-              <a:alphaOff val="0"/>
-            </a:schemeClr>
-          </a:solidFill>
-          <a:prstDash val="solid"/>
+        <a:ln>
+          <a:noFill/>
         </a:ln>
         <a:effectLst/>
+        <a:scene3d>
+          <a:camera prst="orthographicFront"/>
+          <a:lightRig rig="chilly" dir="t"/>
+        </a:scene3d>
+        <a:sp3d prstMaterial="translucentPowder">
+          <a:bevelT w="127000" h="25400" prst="softRound"/>
+        </a:sp3d>
       </dsp:spPr>
       <dsp:style>
-        <a:lnRef idx="2">
+        <a:lnRef idx="0">
           <a:scrgbClr r="0" g="0" b="0"/>
         </a:lnRef>
         <a:fillRef idx="1">
@@ -15269,12 +16157,12 @@
         </a:fontRef>
       </dsp:style>
       <dsp:txBody>
-        <a:bodyPr spcFirstLastPara="0" vert="horz" wrap="square" lIns="140970" tIns="140970" rIns="140970" bIns="140970" numCol="1" spcCol="1270" anchor="t" anchorCtr="0">
+        <a:bodyPr spcFirstLastPara="0" vert="horz" wrap="square" lIns="60960" tIns="60960" rIns="60960" bIns="60960" numCol="1" spcCol="1270" anchor="t" anchorCtr="0">
           <a:noAutofit/>
         </a:bodyPr>
         <a:lstStyle/>
         <a:p>
-          <a:pPr lvl="0" algn="l" defTabSz="1644650">
+          <a:pPr lvl="0" algn="l" defTabSz="711200">
             <a:lnSpc>
               <a:spcPct val="90000"/>
             </a:lnSpc>
@@ -15286,13 +16174,21 @@
             </a:spcAft>
           </a:pPr>
           <a:r>
-            <a:rPr lang="pt-BR" sz="3700" kern="1200" dirty="0" smtClean="0"/>
+            <a:rPr lang="pt-BR" sz="1600" b="1" kern="1200" dirty="0" smtClean="0">
+              <a:solidFill>
+                <a:schemeClr val="tx1"/>
+              </a:solidFill>
+            </a:rPr>
             <a:t>Oportunidades</a:t>
           </a:r>
-          <a:endParaRPr lang="pt-BR" sz="3700" kern="1200" dirty="0"/>
-        </a:p>
-        <a:p>
-          <a:pPr marL="285750" lvl="1" indent="-285750" algn="l" defTabSz="1289050">
+          <a:endParaRPr lang="pt-BR" sz="1600" b="1" kern="1200" dirty="0">
+            <a:solidFill>
+              <a:schemeClr val="tx1"/>
+            </a:solidFill>
+          </a:endParaRPr>
+        </a:p>
+        <a:p>
+          <a:pPr marL="171450" lvl="1" indent="-171450" algn="l" defTabSz="711200">
             <a:lnSpc>
               <a:spcPct val="90000"/>
             </a:lnSpc>
@@ -15304,7 +16200,65 @@
             </a:spcAft>
             <a:buChar char="••"/>
           </a:pPr>
-          <a:endParaRPr lang="pt-BR" sz="2900" kern="1200" dirty="0"/>
+          <a:endParaRPr lang="pt-BR" sz="1600" b="1" kern="1200" dirty="0">
+            <a:solidFill>
+              <a:schemeClr val="tx1"/>
+            </a:solidFill>
+          </a:endParaRPr>
+        </a:p>
+        <a:p>
+          <a:pPr marL="171450" lvl="1" indent="-171450" algn="l" defTabSz="711200">
+            <a:lnSpc>
+              <a:spcPct val="90000"/>
+            </a:lnSpc>
+            <a:spcBef>
+              <a:spcPct val="0"/>
+            </a:spcBef>
+            <a:spcAft>
+              <a:spcPct val="15000"/>
+            </a:spcAft>
+            <a:buChar char="••"/>
+          </a:pPr>
+          <a:r>
+            <a:rPr lang="pt-BR" sz="1600" kern="1200" dirty="0" smtClean="0">
+              <a:solidFill>
+                <a:schemeClr val="tx1"/>
+              </a:solidFill>
+            </a:rPr>
+            <a:t>Implementação de um produto diferenciado</a:t>
+          </a:r>
+          <a:endParaRPr lang="pt-BR" sz="1600" kern="1200" dirty="0">
+            <a:solidFill>
+              <a:schemeClr val="tx1"/>
+            </a:solidFill>
+          </a:endParaRPr>
+        </a:p>
+        <a:p>
+          <a:pPr marL="171450" lvl="1" indent="-171450" algn="l" defTabSz="711200">
+            <a:lnSpc>
+              <a:spcPct val="90000"/>
+            </a:lnSpc>
+            <a:spcBef>
+              <a:spcPct val="0"/>
+            </a:spcBef>
+            <a:spcAft>
+              <a:spcPct val="15000"/>
+            </a:spcAft>
+            <a:buChar char="••"/>
+          </a:pPr>
+          <a:r>
+            <a:rPr lang="pt-BR" sz="1600" kern="1200" dirty="0" smtClean="0">
+              <a:solidFill>
+                <a:schemeClr val="tx1"/>
+              </a:solidFill>
+            </a:rPr>
+            <a:t>Possibilidade de disponibilização do produto na faculdade</a:t>
+          </a:r>
+          <a:endParaRPr lang="pt-BR" sz="1600" kern="1200" dirty="0">
+            <a:solidFill>
+              <a:schemeClr val="tx1"/>
+            </a:solidFill>
+          </a:endParaRPr>
         </a:p>
       </dsp:txBody>
       <dsp:txXfrm>
@@ -15333,21 +16287,20 @@
             <a:alphaOff val="0"/>
           </a:schemeClr>
         </a:solidFill>
-        <a:ln w="28575" cap="flat" cmpd="sng" algn="ctr">
-          <a:solidFill>
-            <a:schemeClr val="lt1">
-              <a:hueOff val="0"/>
-              <a:satOff val="0"/>
-              <a:lumOff val="0"/>
-              <a:alphaOff val="0"/>
-            </a:schemeClr>
-          </a:solidFill>
-          <a:prstDash val="solid"/>
+        <a:ln>
+          <a:noFill/>
         </a:ln>
         <a:effectLst/>
+        <a:scene3d>
+          <a:camera prst="orthographicFront"/>
+          <a:lightRig rig="chilly" dir="t"/>
+        </a:scene3d>
+        <a:sp3d prstMaterial="translucentPowder">
+          <a:bevelT w="127000" h="25400" prst="softRound"/>
+        </a:sp3d>
       </dsp:spPr>
       <dsp:style>
-        <a:lnRef idx="2">
+        <a:lnRef idx="0">
           <a:scrgbClr r="0" g="0" b="0"/>
         </a:lnRef>
         <a:fillRef idx="1">
@@ -15361,12 +16314,12 @@
         </a:fontRef>
       </dsp:style>
       <dsp:txBody>
-        <a:bodyPr spcFirstLastPara="0" vert="horz" wrap="square" lIns="140970" tIns="140970" rIns="140970" bIns="140970" numCol="1" spcCol="1270" anchor="t" anchorCtr="0">
+        <a:bodyPr spcFirstLastPara="0" vert="horz" wrap="square" lIns="60960" tIns="60960" rIns="60960" bIns="60960" numCol="1" spcCol="1270" anchor="t" anchorCtr="0">
           <a:noAutofit/>
         </a:bodyPr>
         <a:lstStyle/>
         <a:p>
-          <a:pPr lvl="0" algn="l" defTabSz="1644650">
+          <a:pPr lvl="0" algn="l" defTabSz="711200">
             <a:lnSpc>
               <a:spcPct val="90000"/>
             </a:lnSpc>
@@ -15378,13 +16331,21 @@
             </a:spcAft>
           </a:pPr>
           <a:r>
-            <a:rPr lang="pt-BR" sz="3700" kern="1200" dirty="0" smtClean="0"/>
+            <a:rPr lang="pt-BR" sz="1600" b="1" kern="1200" dirty="0" smtClean="0">
+              <a:solidFill>
+                <a:schemeClr val="tx1"/>
+              </a:solidFill>
+            </a:rPr>
             <a:t>Ameaças</a:t>
           </a:r>
-          <a:endParaRPr lang="pt-BR" sz="3700" kern="1200" dirty="0"/>
-        </a:p>
-        <a:p>
-          <a:pPr marL="285750" lvl="1" indent="-285750" algn="l" defTabSz="1289050">
+          <a:endParaRPr lang="pt-BR" sz="1600" b="1" kern="1200" dirty="0">
+            <a:solidFill>
+              <a:schemeClr val="tx1"/>
+            </a:solidFill>
+          </a:endParaRPr>
+        </a:p>
+        <a:p>
+          <a:pPr marL="171450" lvl="1" indent="-171450" algn="l" defTabSz="711200">
             <a:lnSpc>
               <a:spcPct val="90000"/>
             </a:lnSpc>
@@ -15396,7 +16357,133 @@
             </a:spcAft>
             <a:buChar char="••"/>
           </a:pPr>
-          <a:endParaRPr lang="pt-BR" sz="2900" kern="1200" dirty="0"/>
+          <a:endParaRPr lang="pt-BR" sz="1600" b="1" kern="1200" dirty="0">
+            <a:solidFill>
+              <a:schemeClr val="tx1"/>
+            </a:solidFill>
+          </a:endParaRPr>
+        </a:p>
+        <a:p>
+          <a:pPr marL="171450" lvl="1" indent="-171450" algn="l" defTabSz="711200">
+            <a:lnSpc>
+              <a:spcPct val="90000"/>
+            </a:lnSpc>
+            <a:spcBef>
+              <a:spcPct val="0"/>
+            </a:spcBef>
+            <a:spcAft>
+              <a:spcPct val="15000"/>
+            </a:spcAft>
+            <a:buChar char="••"/>
+          </a:pPr>
+          <a:r>
+            <a:rPr lang="pt-BR" sz="1600" kern="1200" dirty="0" smtClean="0">
+              <a:solidFill>
+                <a:schemeClr val="tx1"/>
+              </a:solidFill>
+            </a:rPr>
+            <a:t>Tempo para desenvolvimento</a:t>
+          </a:r>
+          <a:endParaRPr lang="pt-BR" sz="1600" kern="1200" dirty="0">
+            <a:solidFill>
+              <a:schemeClr val="tx1"/>
+            </a:solidFill>
+          </a:endParaRPr>
+        </a:p>
+        <a:p>
+          <a:pPr marL="171450" lvl="1" indent="-171450" algn="l" defTabSz="711200">
+            <a:lnSpc>
+              <a:spcPct val="90000"/>
+            </a:lnSpc>
+            <a:spcBef>
+              <a:spcPct val="0"/>
+            </a:spcBef>
+            <a:spcAft>
+              <a:spcPct val="15000"/>
+            </a:spcAft>
+            <a:buChar char="••"/>
+          </a:pPr>
+          <a:endParaRPr lang="pt-BR" sz="1600" kern="1200" dirty="0">
+            <a:solidFill>
+              <a:schemeClr val="tx1"/>
+            </a:solidFill>
+          </a:endParaRPr>
+        </a:p>
+        <a:p>
+          <a:pPr marL="171450" lvl="1" indent="-171450" algn="l" defTabSz="711200">
+            <a:lnSpc>
+              <a:spcPct val="90000"/>
+            </a:lnSpc>
+            <a:spcBef>
+              <a:spcPct val="0"/>
+            </a:spcBef>
+            <a:spcAft>
+              <a:spcPct val="15000"/>
+            </a:spcAft>
+            <a:buChar char="••"/>
+          </a:pPr>
+          <a:endParaRPr lang="pt-BR" sz="1600" kern="1200" dirty="0">
+            <a:solidFill>
+              <a:schemeClr val="tx1"/>
+            </a:solidFill>
+          </a:endParaRPr>
+        </a:p>
+        <a:p>
+          <a:pPr marL="171450" lvl="1" indent="-171450" algn="l" defTabSz="711200">
+            <a:lnSpc>
+              <a:spcPct val="90000"/>
+            </a:lnSpc>
+            <a:spcBef>
+              <a:spcPct val="0"/>
+            </a:spcBef>
+            <a:spcAft>
+              <a:spcPct val="15000"/>
+            </a:spcAft>
+            <a:buChar char="••"/>
+          </a:pPr>
+          <a:endParaRPr lang="pt-BR" sz="1600" kern="1200" dirty="0">
+            <a:solidFill>
+              <a:schemeClr val="tx1"/>
+            </a:solidFill>
+          </a:endParaRPr>
+        </a:p>
+        <a:p>
+          <a:pPr marL="171450" lvl="1" indent="-171450" algn="l" defTabSz="711200">
+            <a:lnSpc>
+              <a:spcPct val="90000"/>
+            </a:lnSpc>
+            <a:spcBef>
+              <a:spcPct val="0"/>
+            </a:spcBef>
+            <a:spcAft>
+              <a:spcPct val="15000"/>
+            </a:spcAft>
+            <a:buChar char="••"/>
+          </a:pPr>
+          <a:endParaRPr lang="pt-BR" sz="1600" kern="1200" dirty="0">
+            <a:solidFill>
+              <a:schemeClr val="tx1"/>
+            </a:solidFill>
+          </a:endParaRPr>
+        </a:p>
+        <a:p>
+          <a:pPr marL="171450" lvl="1" indent="-171450" algn="l" defTabSz="711200">
+            <a:lnSpc>
+              <a:spcPct val="90000"/>
+            </a:lnSpc>
+            <a:spcBef>
+              <a:spcPct val="0"/>
+            </a:spcBef>
+            <a:spcAft>
+              <a:spcPct val="15000"/>
+            </a:spcAft>
+            <a:buChar char="••"/>
+          </a:pPr>
+          <a:endParaRPr lang="pt-BR" sz="1600" kern="1200" dirty="0">
+            <a:solidFill>
+              <a:schemeClr val="tx1"/>
+            </a:solidFill>
+          </a:endParaRPr>
         </a:p>
       </dsp:txBody>
       <dsp:txXfrm>
@@ -15424,7 +16511,7 @@
       <dsp:spPr>
         <a:xfrm>
           <a:off x="0" y="0"/>
-          <a:ext cx="8784976" cy="5429200"/>
+          <a:ext cx="8928992" cy="5429200"/>
         </a:xfrm>
         <a:prstGeom prst="roundRect">
           <a:avLst>
@@ -15443,15 +16530,18 @@
           <a:noFill/>
         </a:ln>
         <a:effectLst>
-          <a:outerShdw blurRad="40000" dist="20000" dir="5400000" rotWithShape="0">
+          <a:outerShdw blurRad="40000" dist="23000" dir="5400000" rotWithShape="0">
             <a:srgbClr val="000000">
-              <a:alpha val="38000"/>
+              <a:alpha val="35000"/>
             </a:srgbClr>
           </a:outerShdw>
         </a:effectLst>
-        <a:sp3d extrusionH="50600" prstMaterial="metal">
-          <a:bevelT w="101600" h="80600" prst="relaxedInset"/>
-          <a:bevelB w="80600" h="80600" prst="relaxedInset"/>
+        <a:sp3d extrusionH="190500" prstMaterial="matte">
+          <a:bevelT w="120650" h="38100" prst="relaxedInset"/>
+          <a:bevelB w="120650" h="57150" prst="relaxedInset"/>
+          <a:contourClr>
+            <a:schemeClr val="bg1"/>
+          </a:contourClr>
         </a:sp3d>
       </dsp:spPr>
       <dsp:style>
@@ -15461,11 +16551,11 @@
         <a:fillRef idx="1">
           <a:scrgbClr r="0" g="0" b="0"/>
         </a:fillRef>
-        <a:effectRef idx="1">
+        <a:effectRef idx="2">
           <a:scrgbClr r="0" g="0" b="0"/>
         </a:effectRef>
         <a:fontRef idx="minor">
-          <a:schemeClr val="dk1"/>
+          <a:schemeClr val="lt1"/>
         </a:fontRef>
       </dsp:style>
       <dsp:txBody>
@@ -15494,7 +16584,7 @@
       </dsp:txBody>
       <dsp:txXfrm>
         <a:off x="135163" y="135163"/>
-        <a:ext cx="8514650" cy="5158874"/>
+        <a:ext cx="8658666" cy="5158874"/>
       </dsp:txXfrm>
     </dsp:sp>
     <dsp:sp modelId="{B75B4B1B-09EA-44A0-A091-652EBDE0EA98}">
@@ -15504,8 +16594,8 @@
       </dsp:nvSpPr>
       <dsp:spPr>
         <a:xfrm>
-          <a:off x="219624" y="1357300"/>
-          <a:ext cx="1317746" cy="3800440"/>
+          <a:off x="223224" y="1357300"/>
+          <a:ext cx="1339348" cy="3800440"/>
         </a:xfrm>
         <a:prstGeom prst="roundRect">
           <a:avLst>
@@ -15521,42 +16611,42 @@
             <a:alphaOff val="0"/>
           </a:schemeClr>
         </a:solidFill>
-        <a:ln w="9525" cap="flat" cmpd="sng" algn="ctr">
-          <a:solidFill>
-            <a:schemeClr val="accent1">
-              <a:hueOff val="0"/>
-              <a:satOff val="0"/>
-              <a:lumOff val="0"/>
-              <a:alphaOff val="0"/>
-            </a:schemeClr>
-          </a:solidFill>
-          <a:prstDash val="solid"/>
+        <a:ln>
+          <a:noFill/>
         </a:ln>
-        <a:effectLst/>
-        <a:sp3d z="57200" extrusionH="600" contourW="3000">
-          <a:bevelT w="48600" h="18600" prst="relaxedInset"/>
-          <a:bevelB w="48600" h="8600" prst="relaxedInset"/>
+        <a:effectLst>
+          <a:outerShdw blurRad="40000" dist="23000" dir="5400000" rotWithShape="0">
+            <a:srgbClr val="000000">
+              <a:alpha val="35000"/>
+            </a:srgbClr>
+          </a:outerShdw>
+        </a:effectLst>
+        <a:sp3d z="152400" extrusionH="63500" prstMaterial="matte">
+          <a:bevelT w="50800" h="19050" prst="relaxedInset"/>
+          <a:contourClr>
+            <a:schemeClr val="bg1"/>
+          </a:contourClr>
         </a:sp3d>
       </dsp:spPr>
       <dsp:style>
-        <a:lnRef idx="1">
+        <a:lnRef idx="0">
           <a:scrgbClr r="0" g="0" b="0"/>
         </a:lnRef>
         <a:fillRef idx="1">
           <a:scrgbClr r="0" g="0" b="0"/>
         </a:fillRef>
-        <a:effectRef idx="0">
+        <a:effectRef idx="2">
           <a:scrgbClr r="0" g="0" b="0"/>
         </a:effectRef>
         <a:fontRef idx="minor"/>
       </dsp:style>
       <dsp:txBody>
-        <a:bodyPr spcFirstLastPara="0" vert="horz" wrap="square" lIns="60960" tIns="60960" rIns="60960" bIns="60960" numCol="1" spcCol="1270" anchor="ctr" anchorCtr="0">
+        <a:bodyPr spcFirstLastPara="0" vert="horz" wrap="square" lIns="76200" tIns="76200" rIns="76200" bIns="76200" numCol="1" spcCol="1270" anchor="ctr" anchorCtr="0">
           <a:noAutofit/>
         </a:bodyPr>
         <a:lstStyle/>
         <a:p>
-          <a:pPr lvl="0" algn="ctr" defTabSz="711200">
+          <a:pPr lvl="0" algn="ctr" defTabSz="889000">
             <a:lnSpc>
               <a:spcPct val="90000"/>
             </a:lnSpc>
@@ -15568,15 +16658,15 @@
             </a:spcAft>
           </a:pPr>
           <a:r>
-            <a:rPr lang="pt-BR" sz="1600" kern="1200" dirty="0" smtClean="0"/>
-            <a:t>Dispositivos Mobile</a:t>
+            <a:rPr lang="pt-BR" sz="2000" kern="1200" dirty="0" smtClean="0"/>
+            <a:t>Serviço PWA</a:t>
           </a:r>
-          <a:endParaRPr lang="pt-BR" sz="1600" kern="1200" dirty="0"/>
+          <a:endParaRPr lang="pt-BR" sz="2000" kern="1200" dirty="0"/>
         </a:p>
       </dsp:txBody>
       <dsp:txXfrm>
-        <a:off x="260149" y="1397825"/>
-        <a:ext cx="1236696" cy="3719390"/>
+        <a:off x="264414" y="1398490"/>
+        <a:ext cx="1256968" cy="3718060"/>
       </dsp:txXfrm>
     </dsp:sp>
     <dsp:sp modelId="{ADD3C99B-AFC3-47B1-A4DF-7A75CC6ABE97}">
@@ -15586,8 +16676,8 @@
       </dsp:nvSpPr>
       <dsp:spPr>
         <a:xfrm>
-          <a:off x="1756995" y="1357300"/>
-          <a:ext cx="6808356" cy="3800440"/>
+          <a:off x="1785798" y="1357300"/>
+          <a:ext cx="6919968" cy="3800440"/>
         </a:xfrm>
         <a:prstGeom prst="roundRect">
           <a:avLst>
@@ -15606,15 +16696,18 @@
           <a:noFill/>
         </a:ln>
         <a:effectLst>
-          <a:outerShdw blurRad="40000" dist="20000" dir="5400000" rotWithShape="0">
+          <a:outerShdw blurRad="40000" dist="23000" dir="5400000" rotWithShape="0">
             <a:srgbClr val="000000">
-              <a:alpha val="38000"/>
+              <a:alpha val="35000"/>
             </a:srgbClr>
           </a:outerShdw>
         </a:effectLst>
-        <a:sp3d extrusionH="50600" prstMaterial="metal">
-          <a:bevelT w="101600" h="80600" prst="relaxedInset"/>
-          <a:bevelB w="80600" h="80600" prst="relaxedInset"/>
+        <a:sp3d extrusionH="190500" prstMaterial="matte">
+          <a:bevelT w="120650" h="38100" prst="relaxedInset"/>
+          <a:bevelB w="120650" h="57150" prst="relaxedInset"/>
+          <a:contourClr>
+            <a:schemeClr val="bg1"/>
+          </a:contourClr>
         </a:sp3d>
       </dsp:spPr>
       <dsp:style>
@@ -15624,11 +16717,11 @@
         <a:fillRef idx="1">
           <a:scrgbClr r="0" g="0" b="0"/>
         </a:fillRef>
-        <a:effectRef idx="1">
+        <a:effectRef idx="2">
           <a:scrgbClr r="0" g="0" b="0"/>
         </a:effectRef>
         <a:fontRef idx="minor">
-          <a:schemeClr val="dk1"/>
+          <a:schemeClr val="lt1"/>
         </a:fontRef>
       </dsp:style>
       <dsp:txBody>
@@ -15652,8 +16745,8 @@
         </a:p>
       </dsp:txBody>
       <dsp:txXfrm>
-        <a:off x="1873872" y="1474177"/>
-        <a:ext cx="6574602" cy="3566686"/>
+        <a:off x="1902675" y="1474177"/>
+        <a:ext cx="6686214" cy="3566686"/>
       </dsp:txXfrm>
     </dsp:sp>
     <dsp:sp modelId="{003ADD9F-4AC4-45B5-8DD6-EC81A27549EB}">
@@ -15663,8 +16756,8 @@
       </dsp:nvSpPr>
       <dsp:spPr>
         <a:xfrm>
-          <a:off x="1927204" y="2687454"/>
-          <a:ext cx="1361671" cy="2185253"/>
+          <a:off x="1958797" y="2687454"/>
+          <a:ext cx="1383993" cy="2185253"/>
         </a:xfrm>
         <a:prstGeom prst="roundRect">
           <a:avLst>
@@ -15680,42 +16773,42 @@
             <a:alphaOff val="0"/>
           </a:schemeClr>
         </a:solidFill>
-        <a:ln w="9525" cap="flat" cmpd="sng" algn="ctr">
-          <a:solidFill>
-            <a:schemeClr val="accent1">
-              <a:hueOff val="0"/>
-              <a:satOff val="0"/>
-              <a:lumOff val="0"/>
-              <a:alphaOff val="0"/>
-            </a:schemeClr>
-          </a:solidFill>
-          <a:prstDash val="solid"/>
+        <a:ln>
+          <a:noFill/>
         </a:ln>
-        <a:effectLst/>
-        <a:sp3d z="57200" extrusionH="600" contourW="3000">
-          <a:bevelT w="48600" h="18600" prst="relaxedInset"/>
-          <a:bevelB w="48600" h="8600" prst="relaxedInset"/>
+        <a:effectLst>
+          <a:outerShdw blurRad="40000" dist="23000" dir="5400000" rotWithShape="0">
+            <a:srgbClr val="000000">
+              <a:alpha val="35000"/>
+            </a:srgbClr>
+          </a:outerShdw>
+        </a:effectLst>
+        <a:sp3d z="152400" extrusionH="63500" prstMaterial="matte">
+          <a:bevelT w="50800" h="19050" prst="relaxedInset"/>
+          <a:contourClr>
+            <a:schemeClr val="bg1"/>
+          </a:contourClr>
         </a:sp3d>
       </dsp:spPr>
       <dsp:style>
-        <a:lnRef idx="1">
+        <a:lnRef idx="0">
           <a:scrgbClr r="0" g="0" b="0"/>
         </a:lnRef>
         <a:fillRef idx="1">
           <a:scrgbClr r="0" g="0" b="0"/>
         </a:fillRef>
-        <a:effectRef idx="0">
+        <a:effectRef idx="2">
           <a:scrgbClr r="0" g="0" b="0"/>
         </a:effectRef>
         <a:fontRef idx="minor"/>
       </dsp:style>
       <dsp:txBody>
-        <a:bodyPr spcFirstLastPara="0" vert="horz" wrap="square" lIns="60960" tIns="60960" rIns="60960" bIns="60960" numCol="1" spcCol="1270" anchor="ctr" anchorCtr="0">
+        <a:bodyPr spcFirstLastPara="0" vert="horz" wrap="square" lIns="76200" tIns="76200" rIns="76200" bIns="76200" numCol="1" spcCol="1270" anchor="ctr" anchorCtr="0">
           <a:noAutofit/>
         </a:bodyPr>
         <a:lstStyle/>
         <a:p>
-          <a:pPr lvl="0" algn="ctr" defTabSz="711200">
+          <a:pPr lvl="0" algn="ctr" defTabSz="889000">
             <a:lnSpc>
               <a:spcPct val="90000"/>
             </a:lnSpc>
@@ -15727,15 +16820,15 @@
             </a:spcAft>
           </a:pPr>
           <a:r>
-            <a:rPr lang="pt-BR" sz="1600" kern="1200" dirty="0" smtClean="0"/>
+            <a:rPr lang="pt-BR" sz="2000" kern="1200" dirty="0" smtClean="0"/>
             <a:t>Base dados Aplicação</a:t>
           </a:r>
-          <a:endParaRPr lang="pt-BR" sz="1600" kern="1200" dirty="0"/>
+          <a:endParaRPr lang="pt-BR" sz="2000" kern="1200" dirty="0"/>
         </a:p>
       </dsp:txBody>
       <dsp:txXfrm>
-        <a:off x="1969080" y="2729330"/>
-        <a:ext cx="1277919" cy="2101501"/>
+        <a:off x="2001360" y="2730017"/>
+        <a:ext cx="1298867" cy="2100127"/>
       </dsp:txXfrm>
     </dsp:sp>
     <dsp:sp modelId="{A5A6D88A-617E-417D-BD7B-EBF9A20413FC}">
@@ -15745,8 +16838,8 @@
       </dsp:nvSpPr>
       <dsp:spPr>
         <a:xfrm>
-          <a:off x="3470065" y="2714600"/>
-          <a:ext cx="4875661" cy="2171680"/>
+          <a:off x="3526951" y="2714600"/>
+          <a:ext cx="4955590" cy="2171680"/>
         </a:xfrm>
         <a:prstGeom prst="roundRect">
           <a:avLst>
@@ -15765,15 +16858,18 @@
           <a:noFill/>
         </a:ln>
         <a:effectLst>
-          <a:outerShdw blurRad="40000" dist="20000" dir="5400000" rotWithShape="0">
+          <a:outerShdw blurRad="40000" dist="23000" dir="5400000" rotWithShape="0">
             <a:srgbClr val="000000">
-              <a:alpha val="38000"/>
+              <a:alpha val="35000"/>
             </a:srgbClr>
           </a:outerShdw>
         </a:effectLst>
-        <a:sp3d extrusionH="50600" prstMaterial="metal">
-          <a:bevelT w="101600" h="80600" prst="relaxedInset"/>
-          <a:bevelB w="80600" h="80600" prst="relaxedInset"/>
+        <a:sp3d extrusionH="190500" prstMaterial="matte">
+          <a:bevelT w="120650" h="38100" prst="relaxedInset"/>
+          <a:bevelB w="120650" h="57150" prst="relaxedInset"/>
+          <a:contourClr>
+            <a:schemeClr val="bg1"/>
+          </a:contourClr>
         </a:sp3d>
       </dsp:spPr>
       <dsp:style>
@@ -15783,11 +16879,11 @@
         <a:fillRef idx="1">
           <a:scrgbClr r="0" g="0" b="0"/>
         </a:fillRef>
-        <a:effectRef idx="1">
+        <a:effectRef idx="2">
           <a:scrgbClr r="0" g="0" b="0"/>
         </a:effectRef>
         <a:fontRef idx="minor">
-          <a:schemeClr val="dk1"/>
+          <a:schemeClr val="lt1"/>
         </a:fontRef>
       </dsp:style>
       <dsp:txBody>
@@ -15815,8 +16911,8 @@
         </a:p>
       </dsp:txBody>
       <dsp:txXfrm>
-        <a:off x="3536852" y="2781387"/>
-        <a:ext cx="4742087" cy="2038106"/>
+        <a:off x="3593738" y="2781387"/>
+        <a:ext cx="4822016" cy="2038106"/>
       </dsp:txXfrm>
     </dsp:sp>
     <dsp:sp modelId="{2C1EC8B9-85E5-46D8-A0E1-9621919A32B4}">
@@ -15826,8 +16922,8 @@
       </dsp:nvSpPr>
       <dsp:spPr>
         <a:xfrm>
-          <a:off x="3591957" y="3691856"/>
-          <a:ext cx="4631878" cy="977256"/>
+          <a:off x="3650841" y="3691856"/>
+          <a:ext cx="4707811" cy="977256"/>
         </a:xfrm>
         <a:prstGeom prst="roundRect">
           <a:avLst>
@@ -15843,42 +16939,42 @@
             <a:alphaOff val="0"/>
           </a:schemeClr>
         </a:solidFill>
-        <a:ln w="9525" cap="flat" cmpd="sng" algn="ctr">
-          <a:solidFill>
-            <a:schemeClr val="accent1">
-              <a:hueOff val="0"/>
-              <a:satOff val="0"/>
-              <a:lumOff val="0"/>
-              <a:alphaOff val="0"/>
-            </a:schemeClr>
-          </a:solidFill>
-          <a:prstDash val="solid"/>
+        <a:ln>
+          <a:noFill/>
         </a:ln>
-        <a:effectLst/>
-        <a:sp3d z="57200" extrusionH="600" contourW="3000">
-          <a:bevelT w="48600" h="18600" prst="relaxedInset"/>
-          <a:bevelB w="48600" h="8600" prst="relaxedInset"/>
+        <a:effectLst>
+          <a:outerShdw blurRad="40000" dist="23000" dir="5400000" rotWithShape="0">
+            <a:srgbClr val="000000">
+              <a:alpha val="35000"/>
+            </a:srgbClr>
+          </a:outerShdw>
+        </a:effectLst>
+        <a:sp3d z="152400" extrusionH="63500" prstMaterial="matte">
+          <a:bevelT w="50800" h="19050" prst="relaxedInset"/>
+          <a:contourClr>
+            <a:schemeClr val="bg1"/>
+          </a:contourClr>
         </a:sp3d>
       </dsp:spPr>
       <dsp:style>
-        <a:lnRef idx="1">
+        <a:lnRef idx="0">
           <a:scrgbClr r="0" g="0" b="0"/>
         </a:lnRef>
         <a:fillRef idx="1">
           <a:scrgbClr r="0" g="0" b="0"/>
         </a:fillRef>
-        <a:effectRef idx="0">
+        <a:effectRef idx="2">
           <a:scrgbClr r="0" g="0" b="0"/>
         </a:effectRef>
         <a:fontRef idx="minor"/>
       </dsp:style>
       <dsp:txBody>
-        <a:bodyPr spcFirstLastPara="0" vert="horz" wrap="square" lIns="60960" tIns="60960" rIns="60960" bIns="60960" numCol="1" spcCol="1270" anchor="ctr" anchorCtr="0">
+        <a:bodyPr spcFirstLastPara="0" vert="horz" wrap="square" lIns="76200" tIns="76200" rIns="76200" bIns="76200" numCol="1" spcCol="1270" anchor="ctr" anchorCtr="0">
           <a:noAutofit/>
         </a:bodyPr>
         <a:lstStyle/>
         <a:p>
-          <a:pPr lvl="0" algn="ctr" defTabSz="711200">
+          <a:pPr lvl="0" algn="ctr" defTabSz="889000">
             <a:lnSpc>
               <a:spcPct val="90000"/>
             </a:lnSpc>
@@ -15890,15 +16986,15 @@
             </a:spcAft>
           </a:pPr>
           <a:r>
-            <a:rPr lang="pt-BR" sz="1600" kern="1200" dirty="0" smtClean="0"/>
+            <a:rPr lang="pt-BR" sz="2000" kern="1200" dirty="0" smtClean="0"/>
             <a:t>Base terceiro</a:t>
           </a:r>
-          <a:endParaRPr lang="pt-BR" sz="1600" kern="1200" dirty="0"/>
+          <a:endParaRPr lang="pt-BR" sz="2000" kern="1200" dirty="0"/>
         </a:p>
       </dsp:txBody>
       <dsp:txXfrm>
-        <a:off x="3622011" y="3721910"/>
-        <a:ext cx="4571770" cy="917148"/>
+        <a:off x="3680895" y="3721910"/>
+        <a:ext cx="4647703" cy="917148"/>
       </dsp:txXfrm>
     </dsp:sp>
   </dsp:spTree>
@@ -17178,8 +18274,8 @@
       </dsp:nvSpPr>
       <dsp:spPr>
         <a:xfrm>
-          <a:off x="972" y="338786"/>
-          <a:ext cx="865786" cy="346314"/>
+          <a:off x="2021" y="0"/>
+          <a:ext cx="1799056" cy="583568"/>
         </a:xfrm>
         <a:prstGeom prst="chevron">
           <a:avLst/>
@@ -17215,12 +18311,12 @@
         </a:fontRef>
       </dsp:style>
       <dsp:txBody>
-        <a:bodyPr spcFirstLastPara="0" vert="horz" wrap="square" lIns="24003" tIns="8001" rIns="8001" bIns="8001" numCol="1" spcCol="1270" anchor="ctr" anchorCtr="0">
+        <a:bodyPr spcFirstLastPara="0" vert="horz" wrap="square" lIns="56007" tIns="18669" rIns="18669" bIns="18669" numCol="1" spcCol="1270" anchor="ctr" anchorCtr="0">
           <a:noAutofit/>
         </a:bodyPr>
         <a:lstStyle/>
         <a:p>
-          <a:pPr lvl="0" algn="ctr" defTabSz="266700">
+          <a:pPr lvl="0" algn="ctr" defTabSz="622300">
             <a:lnSpc>
               <a:spcPct val="90000"/>
             </a:lnSpc>
@@ -17232,15 +18328,15 @@
             </a:spcAft>
           </a:pPr>
           <a:r>
-            <a:rPr lang="pt-BR" sz="600" kern="1200" dirty="0" smtClean="0"/>
+            <a:rPr lang="pt-BR" sz="1400" kern="1200" dirty="0" smtClean="0"/>
             <a:t>Alerta </a:t>
           </a:r>
-          <a:endParaRPr lang="pt-BR" sz="600" kern="1200" dirty="0"/>
+          <a:endParaRPr lang="pt-BR" sz="1400" kern="1200" dirty="0"/>
         </a:p>
       </dsp:txBody>
       <dsp:txXfrm>
-        <a:off x="174129" y="338786"/>
-        <a:ext cx="519472" cy="346314"/>
+        <a:off x="293805" y="0"/>
+        <a:ext cx="1215488" cy="583568"/>
       </dsp:txXfrm>
     </dsp:sp>
     <dsp:sp modelId="{0E54B96F-FCDA-4811-9652-44BD62A0423B}">
@@ -17250,8 +18346,8 @@
       </dsp:nvSpPr>
       <dsp:spPr>
         <a:xfrm>
-          <a:off x="780180" y="338786"/>
-          <a:ext cx="865786" cy="346314"/>
+          <a:off x="1621172" y="0"/>
+          <a:ext cx="1799056" cy="583568"/>
         </a:xfrm>
         <a:prstGeom prst="chevron">
           <a:avLst/>
@@ -17287,12 +18383,12 @@
         </a:fontRef>
       </dsp:style>
       <dsp:txBody>
-        <a:bodyPr spcFirstLastPara="0" vert="horz" wrap="square" lIns="24003" tIns="8001" rIns="8001" bIns="8001" numCol="1" spcCol="1270" anchor="ctr" anchorCtr="0">
+        <a:bodyPr spcFirstLastPara="0" vert="horz" wrap="square" lIns="56007" tIns="18669" rIns="18669" bIns="18669" numCol="1" spcCol="1270" anchor="ctr" anchorCtr="0">
           <a:noAutofit/>
         </a:bodyPr>
         <a:lstStyle/>
         <a:p>
-          <a:pPr lvl="0" algn="ctr" defTabSz="266700">
+          <a:pPr lvl="0" algn="ctr" defTabSz="622300">
             <a:lnSpc>
               <a:spcPct val="90000"/>
             </a:lnSpc>
@@ -17304,15 +18400,15 @@
             </a:spcAft>
           </a:pPr>
           <a:r>
-            <a:rPr lang="pt-BR" sz="600" kern="1200" dirty="0" smtClean="0"/>
+            <a:rPr lang="pt-BR" sz="1400" kern="1200" dirty="0" smtClean="0"/>
             <a:t>Decisão </a:t>
           </a:r>
-          <a:endParaRPr lang="pt-BR" sz="600" kern="1200" dirty="0"/>
+          <a:endParaRPr lang="pt-BR" sz="1400" kern="1200" dirty="0"/>
         </a:p>
       </dsp:txBody>
       <dsp:txXfrm>
-        <a:off x="953337" y="338786"/>
-        <a:ext cx="519472" cy="346314"/>
+        <a:off x="1912956" y="0"/>
+        <a:ext cx="1215488" cy="583568"/>
       </dsp:txXfrm>
     </dsp:sp>
     <dsp:sp modelId="{138F2E86-935B-4AAB-80A0-A8E3FB8514BE}">
@@ -17322,15 +18418,16 @@
       </dsp:nvSpPr>
       <dsp:spPr>
         <a:xfrm>
-          <a:off x="1595421" y="339406"/>
-          <a:ext cx="865786" cy="346314"/>
+          <a:off x="3315196" y="0"/>
+          <a:ext cx="1799056" cy="583568"/>
         </a:xfrm>
         <a:prstGeom prst="chevron">
           <a:avLst/>
         </a:prstGeom>
         <a:solidFill>
-          <a:schemeClr val="accent6">
-            <a:lumMod val="75000"/>
+          <a:schemeClr val="accent3">
+            <a:lumMod val="60000"/>
+            <a:lumOff val="40000"/>
           </a:schemeClr>
         </a:solidFill>
         <a:ln w="28575" cap="flat" cmpd="sng" algn="ctr">
@@ -17361,12 +18458,12 @@
         </a:fontRef>
       </dsp:style>
       <dsp:txBody>
-        <a:bodyPr spcFirstLastPara="0" vert="horz" wrap="square" lIns="24003" tIns="8001" rIns="8001" bIns="8001" numCol="1" spcCol="1270" anchor="ctr" anchorCtr="0">
+        <a:bodyPr spcFirstLastPara="0" vert="horz" wrap="square" lIns="56007" tIns="18669" rIns="18669" bIns="18669" numCol="1" spcCol="1270" anchor="ctr" anchorCtr="0">
           <a:noAutofit/>
         </a:bodyPr>
         <a:lstStyle/>
         <a:p>
-          <a:pPr lvl="0" algn="ctr" defTabSz="266700">
+          <a:pPr lvl="0" algn="ctr" defTabSz="622300">
             <a:lnSpc>
               <a:spcPct val="90000"/>
             </a:lnSpc>
@@ -17378,15 +18475,15 @@
             </a:spcAft>
           </a:pPr>
           <a:r>
-            <a:rPr lang="pt-BR" sz="600" kern="1200" dirty="0" smtClean="0"/>
+            <a:rPr lang="pt-BR" sz="1400" kern="1200" dirty="0" smtClean="0"/>
             <a:t>Objetivo</a:t>
           </a:r>
-          <a:endParaRPr lang="pt-BR" sz="600" kern="1200" dirty="0"/>
+          <a:endParaRPr lang="pt-BR" sz="1400" kern="1200" dirty="0"/>
         </a:p>
       </dsp:txBody>
       <dsp:txXfrm>
-        <a:off x="1768578" y="339406"/>
-        <a:ext cx="519472" cy="346314"/>
+        <a:off x="3606980" y="0"/>
+        <a:ext cx="1215488" cy="583568"/>
       </dsp:txXfrm>
     </dsp:sp>
     <dsp:sp modelId="{036DEDB6-3F7D-4265-9536-70444E0F43C5}">
@@ -17396,15 +18493,16 @@
       </dsp:nvSpPr>
       <dsp:spPr>
         <a:xfrm>
-          <a:off x="2338596" y="338786"/>
-          <a:ext cx="865786" cy="346314"/>
+          <a:off x="4859474" y="0"/>
+          <a:ext cx="1799056" cy="583568"/>
         </a:xfrm>
         <a:prstGeom prst="chevron">
           <a:avLst/>
         </a:prstGeom>
         <a:solidFill>
-          <a:schemeClr val="accent6">
-            <a:lumMod val="75000"/>
+          <a:schemeClr val="accent3">
+            <a:lumMod val="60000"/>
+            <a:lumOff val="40000"/>
           </a:schemeClr>
         </a:solidFill>
         <a:ln w="28575" cap="flat" cmpd="sng" algn="ctr">
@@ -17435,12 +18533,12 @@
         </a:fontRef>
       </dsp:style>
       <dsp:txBody>
-        <a:bodyPr spcFirstLastPara="0" vert="horz" wrap="square" lIns="24003" tIns="8001" rIns="8001" bIns="8001" numCol="1" spcCol="1270" anchor="ctr" anchorCtr="0">
+        <a:bodyPr spcFirstLastPara="0" vert="horz" wrap="square" lIns="56007" tIns="18669" rIns="18669" bIns="18669" numCol="1" spcCol="1270" anchor="ctr" anchorCtr="0">
           <a:noAutofit/>
         </a:bodyPr>
         <a:lstStyle/>
         <a:p>
-          <a:pPr lvl="0" algn="ctr" defTabSz="266700">
+          <a:pPr lvl="0" algn="ctr" defTabSz="622300">
             <a:lnSpc>
               <a:spcPct val="90000"/>
             </a:lnSpc>
@@ -17452,15 +18550,15 @@
             </a:spcAft>
           </a:pPr>
           <a:r>
-            <a:rPr lang="pt-BR" sz="600" kern="1200" dirty="0" smtClean="0"/>
+            <a:rPr lang="pt-BR" sz="1400" kern="1200" dirty="0" smtClean="0"/>
             <a:t>Configuração </a:t>
           </a:r>
-          <a:endParaRPr lang="pt-BR" sz="600" kern="1200" dirty="0"/>
+          <a:endParaRPr lang="pt-BR" sz="1400" kern="1200" dirty="0"/>
         </a:p>
       </dsp:txBody>
       <dsp:txXfrm>
-        <a:off x="2511753" y="338786"/>
-        <a:ext cx="519472" cy="346314"/>
+        <a:off x="5151258" y="0"/>
+        <a:ext cx="1215488" cy="583568"/>
       </dsp:txXfrm>
     </dsp:sp>
     <dsp:sp modelId="{884F73D8-A1DD-409F-B35B-3D4A5D42189F}">
@@ -17470,8 +18568,8 @@
       </dsp:nvSpPr>
       <dsp:spPr>
         <a:xfrm>
-          <a:off x="3117804" y="338786"/>
-          <a:ext cx="865786" cy="346314"/>
+          <a:off x="6478625" y="0"/>
+          <a:ext cx="1799056" cy="583568"/>
         </a:xfrm>
         <a:prstGeom prst="chevron">
           <a:avLst/>
@@ -17507,12 +18605,12 @@
         </a:fontRef>
       </dsp:style>
       <dsp:txBody>
-        <a:bodyPr spcFirstLastPara="0" vert="horz" wrap="square" lIns="24003" tIns="8001" rIns="8001" bIns="8001" numCol="1" spcCol="1270" anchor="ctr" anchorCtr="0">
+        <a:bodyPr spcFirstLastPara="0" vert="horz" wrap="square" lIns="56007" tIns="18669" rIns="18669" bIns="18669" numCol="1" spcCol="1270" anchor="ctr" anchorCtr="0">
           <a:noAutofit/>
         </a:bodyPr>
         <a:lstStyle/>
         <a:p>
-          <a:pPr lvl="0" algn="ctr" defTabSz="266700">
+          <a:pPr lvl="0" algn="ctr" defTabSz="622300">
             <a:lnSpc>
               <a:spcPct val="90000"/>
             </a:lnSpc>
@@ -17524,15 +18622,15 @@
             </a:spcAft>
           </a:pPr>
           <a:r>
-            <a:rPr lang="pt-BR" sz="600" kern="1200" dirty="0" smtClean="0"/>
+            <a:rPr lang="pt-BR" sz="1400" kern="1200" dirty="0" smtClean="0"/>
             <a:t>Ação</a:t>
           </a:r>
-          <a:endParaRPr lang="pt-BR" sz="600" kern="1200" dirty="0"/>
+          <a:endParaRPr lang="pt-BR" sz="1400" kern="1200" dirty="0"/>
         </a:p>
       </dsp:txBody>
       <dsp:txXfrm>
-        <a:off x="3290961" y="338786"/>
-        <a:ext cx="519472" cy="346314"/>
+        <a:off x="6770409" y="0"/>
+        <a:ext cx="1215488" cy="583568"/>
       </dsp:txXfrm>
     </dsp:sp>
   </dsp:spTree>
@@ -28468,11 +29566,11 @@
 </file>
 
 <file path=ppt/diagrams/quickStyle1.xml><?xml version="1.0" encoding="utf-8"?>
-<dgm:styleDef xmlns:dgm="http://schemas.openxmlformats.org/drawingml/2006/diagram" xmlns:a="http://schemas.openxmlformats.org/drawingml/2006/main" uniqueId="urn:microsoft.com/office/officeart/2005/8/quickstyle/simple1">
+<dgm:styleDef xmlns:dgm="http://schemas.openxmlformats.org/drawingml/2006/diagram" xmlns:a="http://schemas.openxmlformats.org/drawingml/2006/main" uniqueId="urn:microsoft.com/office/officeart/2005/8/quickstyle/3d4">
   <dgm:title val=""/>
   <dgm:desc val=""/>
   <dgm:catLst>
-    <dgm:cat type="simple" pri="10100"/>
+    <dgm:cat type="3D" pri="11400"/>
   </dgm:catLst>
   <dgm:scene3d>
     <a:camera prst="orthographicFront"/>
@@ -28481,12 +29579,14 @@
   <dgm:styleLbl name="node0">
     <dgm:scene3d>
       <a:camera prst="orthographicFront"/>
-      <a:lightRig rig="threePt" dir="t"/>
+      <a:lightRig rig="chilly" dir="t"/>
     </dgm:scene3d>
-    <dgm:sp3d/>
+    <dgm:sp3d prstMaterial="translucentPowder">
+      <a:bevelT w="127000" h="25400" prst="softRound"/>
+    </dgm:sp3d>
     <dgm:txPr/>
     <dgm:style>
-      <a:lnRef idx="2">
+      <a:lnRef idx="0">
         <a:scrgbClr r="0" g="0" b="0"/>
       </a:lnRef>
       <a:fillRef idx="1">
@@ -28503,12 +29603,14 @@
   <dgm:styleLbl name="lnNode1">
     <dgm:scene3d>
       <a:camera prst="orthographicFront"/>
-      <a:lightRig rig="threePt" dir="t"/>
+      <a:lightRig rig="chilly" dir="t"/>
     </dgm:scene3d>
-    <dgm:sp3d/>
+    <dgm:sp3d prstMaterial="translucentPowder">
+      <a:bevelT w="127000" h="25400" prst="softRound"/>
+    </dgm:sp3d>
     <dgm:txPr/>
     <dgm:style>
-      <a:lnRef idx="2">
+      <a:lnRef idx="0">
         <a:scrgbClr r="0" g="0" b="0"/>
       </a:lnRef>
       <a:fillRef idx="1">
@@ -28525,12 +29627,14 @@
   <dgm:styleLbl name="vennNode1">
     <dgm:scene3d>
       <a:camera prst="orthographicFront"/>
-      <a:lightRig rig="threePt" dir="t"/>
+      <a:lightRig rig="chilly" dir="t"/>
     </dgm:scene3d>
-    <dgm:sp3d/>
+    <dgm:sp3d prstMaterial="translucentPowder">
+      <a:bevelT w="127000" h="25400" prst="softRound"/>
+    </dgm:sp3d>
     <dgm:txPr/>
     <dgm:style>
-      <a:lnRef idx="2">
+      <a:lnRef idx="0">
         <a:scrgbClr r="0" g="0" b="0"/>
       </a:lnRef>
       <a:fillRef idx="1">
@@ -28547,12 +29651,14 @@
   <dgm:styleLbl name="alignNode1">
     <dgm:scene3d>
       <a:camera prst="orthographicFront"/>
-      <a:lightRig rig="threePt" dir="t"/>
+      <a:lightRig rig="chilly" dir="t"/>
     </dgm:scene3d>
-    <dgm:sp3d/>
+    <dgm:sp3d prstMaterial="translucentPowder">
+      <a:bevelT w="127000" h="25400" prst="softRound"/>
+    </dgm:sp3d>
     <dgm:txPr/>
     <dgm:style>
-      <a:lnRef idx="2">
+      <a:lnRef idx="1">
         <a:scrgbClr r="0" g="0" b="0"/>
       </a:lnRef>
       <a:fillRef idx="1">
@@ -28569,12 +29675,14 @@
   <dgm:styleLbl name="node1">
     <dgm:scene3d>
       <a:camera prst="orthographicFront"/>
-      <a:lightRig rig="threePt" dir="t"/>
+      <a:lightRig rig="chilly" dir="t"/>
     </dgm:scene3d>
-    <dgm:sp3d/>
+    <dgm:sp3d prstMaterial="translucentPowder">
+      <a:bevelT w="127000" h="25400" prst="softRound"/>
+    </dgm:sp3d>
     <dgm:txPr/>
     <dgm:style>
-      <a:lnRef idx="2">
+      <a:lnRef idx="0">
         <a:scrgbClr r="0" g="0" b="0"/>
       </a:lnRef>
       <a:fillRef idx="1">
@@ -28591,12 +29699,14 @@
   <dgm:styleLbl name="node2">
     <dgm:scene3d>
       <a:camera prst="orthographicFront"/>
-      <a:lightRig rig="threePt" dir="t"/>
+      <a:lightRig rig="chilly" dir="t"/>
     </dgm:scene3d>
-    <dgm:sp3d/>
+    <dgm:sp3d prstMaterial="translucentPowder">
+      <a:bevelT w="127000" h="25400" prst="softRound"/>
+    </dgm:sp3d>
     <dgm:txPr/>
     <dgm:style>
-      <a:lnRef idx="2">
+      <a:lnRef idx="0">
         <a:scrgbClr r="0" g="0" b="0"/>
       </a:lnRef>
       <a:fillRef idx="1">
@@ -28613,12 +29723,14 @@
   <dgm:styleLbl name="node3">
     <dgm:scene3d>
       <a:camera prst="orthographicFront"/>
-      <a:lightRig rig="threePt" dir="t"/>
+      <a:lightRig rig="chilly" dir="t"/>
     </dgm:scene3d>
-    <dgm:sp3d/>
+    <dgm:sp3d prstMaterial="translucentPowder">
+      <a:bevelT w="127000" h="25400" prst="softRound"/>
+    </dgm:sp3d>
     <dgm:txPr/>
     <dgm:style>
-      <a:lnRef idx="2">
+      <a:lnRef idx="0">
         <a:scrgbClr r="0" g="0" b="0"/>
       </a:lnRef>
       <a:fillRef idx="1">
@@ -28635,12 +29747,14 @@
   <dgm:styleLbl name="node4">
     <dgm:scene3d>
       <a:camera prst="orthographicFront"/>
-      <a:lightRig rig="threePt" dir="t"/>
+      <a:lightRig rig="chilly" dir="t"/>
     </dgm:scene3d>
-    <dgm:sp3d/>
+    <dgm:sp3d prstMaterial="translucentPowder">
+      <a:bevelT w="127000" h="25400" prst="softRound"/>
+    </dgm:sp3d>
     <dgm:txPr/>
     <dgm:style>
-      <a:lnRef idx="2">
+      <a:lnRef idx="0">
         <a:scrgbClr r="0" g="0" b="0"/>
       </a:lnRef>
       <a:fillRef idx="1">
@@ -28657,12 +29771,15 @@
   <dgm:styleLbl name="fgImgPlace1">
     <dgm:scene3d>
       <a:camera prst="orthographicFront"/>
-      <a:lightRig rig="threePt" dir="t"/>
+      <a:lightRig rig="chilly" dir="t"/>
     </dgm:scene3d>
-    <dgm:sp3d/>
+    <dgm:sp3d z="12700" extrusionH="12700" prstMaterial="translucentPowder">
+      <a:bevelT w="25400" h="6350" prst="softRound"/>
+      <a:bevelB w="0" h="0" prst="convex"/>
+    </dgm:sp3d>
     <dgm:txPr/>
     <dgm:style>
-      <a:lnRef idx="2">
+      <a:lnRef idx="0">
         <a:scrgbClr r="0" g="0" b="0"/>
       </a:lnRef>
       <a:fillRef idx="1">
@@ -28677,49 +29794,11 @@
   <dgm:styleLbl name="alignImgPlace1">
     <dgm:scene3d>
       <a:camera prst="orthographicFront"/>
-      <a:lightRig rig="threePt" dir="t"/>
+      <a:lightRig rig="chilly" dir="t"/>
     </dgm:scene3d>
-    <dgm:sp3d/>
-    <dgm:txPr/>
-    <dgm:style>
-      <a:lnRef idx="2">
-        <a:scrgbClr r="0" g="0" b="0"/>
-      </a:lnRef>
-      <a:fillRef idx="1">
-        <a:scrgbClr r="0" g="0" b="0"/>
-      </a:fillRef>
-      <a:effectRef idx="0">
-        <a:scrgbClr r="0" g="0" b="0"/>
-      </a:effectRef>
-      <a:fontRef idx="minor"/>
-    </dgm:style>
-  </dgm:styleLbl>
-  <dgm:styleLbl name="bgImgPlace1">
-    <dgm:scene3d>
-      <a:camera prst="orthographicFront"/>
-      <a:lightRig rig="threePt" dir="t"/>
-    </dgm:scene3d>
-    <dgm:sp3d/>
-    <dgm:txPr/>
-    <dgm:style>
-      <a:lnRef idx="2">
-        <a:scrgbClr r="0" g="0" b="0"/>
-      </a:lnRef>
-      <a:fillRef idx="1">
-        <a:scrgbClr r="0" g="0" b="0"/>
-      </a:fillRef>
-      <a:effectRef idx="0">
-        <a:scrgbClr r="0" g="0" b="0"/>
-      </a:effectRef>
-      <a:fontRef idx="minor"/>
-    </dgm:style>
-  </dgm:styleLbl>
-  <dgm:styleLbl name="sibTrans2D1">
-    <dgm:scene3d>
-      <a:camera prst="orthographicFront"/>
-      <a:lightRig rig="threePt" dir="t"/>
-    </dgm:scene3d>
-    <dgm:sp3d/>
+    <dgm:sp3d prstMaterial="translucentPowder">
+      <a:bevelT w="127000" h="25400" prst="softRound"/>
+    </dgm:sp3d>
     <dgm:txPr/>
     <dgm:style>
       <a:lnRef idx="0">
@@ -28736,12 +29815,39 @@
       </a:fontRef>
     </dgm:style>
   </dgm:styleLbl>
-  <dgm:styleLbl name="fgSibTrans2D1">
+  <dgm:styleLbl name="bgImgPlace1">
     <dgm:scene3d>
       <a:camera prst="orthographicFront"/>
-      <a:lightRig rig="threePt" dir="t"/>
+      <a:lightRig rig="chilly" dir="t"/>
     </dgm:scene3d>
-    <dgm:sp3d/>
+    <dgm:sp3d z="-25700" extrusionH="63500" contourW="12700" prstMaterial="matte">
+      <a:contourClr>
+        <a:schemeClr val="lt1"/>
+      </a:contourClr>
+    </dgm:sp3d>
+    <dgm:txPr/>
+    <dgm:style>
+      <a:lnRef idx="0">
+        <a:scrgbClr r="0" g="0" b="0"/>
+      </a:lnRef>
+      <a:fillRef idx="1">
+        <a:scrgbClr r="0" g="0" b="0"/>
+      </a:fillRef>
+      <a:effectRef idx="0">
+        <a:scrgbClr r="0" g="0" b="0"/>
+      </a:effectRef>
+      <a:fontRef idx="minor"/>
+    </dgm:style>
+  </dgm:styleLbl>
+  <dgm:styleLbl name="sibTrans2D1">
+    <dgm:scene3d>
+      <a:camera prst="orthographicFront"/>
+      <a:lightRig rig="chilly" dir="t"/>
+    </dgm:scene3d>
+    <dgm:sp3d z="-70000" extrusionH="1700" prstMaterial="translucentPowder">
+      <a:bevelT w="25400" h="6350" prst="softRound"/>
+      <a:bevelB w="0" h="0" prst="convex"/>
+    </dgm:sp3d>
     <dgm:txPr/>
     <dgm:style>
       <a:lnRef idx="0">
@@ -28758,12 +29864,100 @@
       </a:fontRef>
     </dgm:style>
   </dgm:styleLbl>
+  <dgm:styleLbl name="fgSibTrans2D1">
+    <dgm:scene3d>
+      <a:camera prst="orthographicFront"/>
+      <a:lightRig rig="chilly" dir="t"/>
+    </dgm:scene3d>
+    <dgm:sp3d z="12700" extrusionH="1700" prstMaterial="translucentPowder">
+      <a:bevelT w="25400" h="6350" prst="softRound"/>
+      <a:bevelB w="0" h="0" prst="convex"/>
+    </dgm:sp3d>
+    <dgm:txPr/>
+    <dgm:style>
+      <a:lnRef idx="0">
+        <a:scrgbClr r="0" g="0" b="0"/>
+      </a:lnRef>
+      <a:fillRef idx="1">
+        <a:scrgbClr r="0" g="0" b="0"/>
+      </a:fillRef>
+      <a:effectRef idx="0">
+        <a:scrgbClr r="0" g="0" b="0"/>
+      </a:effectRef>
+      <a:fontRef idx="minor"/>
+    </dgm:style>
+  </dgm:styleLbl>
   <dgm:styleLbl name="bgSibTrans2D1">
     <dgm:scene3d>
       <a:camera prst="orthographicFront"/>
-      <a:lightRig rig="threePt" dir="t"/>
+      <a:lightRig rig="chilly" dir="t"/>
     </dgm:scene3d>
-    <dgm:sp3d/>
+    <dgm:sp3d z="-25700" extrusionH="1700" prstMaterial="translucentPowder">
+      <a:bevelT w="25400" h="6350" prst="softRound"/>
+      <a:bevelB w="0" h="0" prst="convex"/>
+    </dgm:sp3d>
+    <dgm:txPr/>
+    <dgm:style>
+      <a:lnRef idx="0">
+        <a:scrgbClr r="0" g="0" b="0"/>
+      </a:lnRef>
+      <a:fillRef idx="1">
+        <a:scrgbClr r="0" g="0" b="0"/>
+      </a:fillRef>
+      <a:effectRef idx="0">
+        <a:scrgbClr r="0" g="0" b="0"/>
+      </a:effectRef>
+      <a:fontRef idx="minor"/>
+    </dgm:style>
+  </dgm:styleLbl>
+  <dgm:styleLbl name="sibTrans1D1">
+    <dgm:scene3d>
+      <a:camera prst="orthographicFront"/>
+      <a:lightRig rig="chilly" dir="t"/>
+    </dgm:scene3d>
+    <dgm:sp3d z="-40000" prstMaterial="matte"/>
+    <dgm:txPr/>
+    <dgm:style>
+      <a:lnRef idx="1">
+        <a:scrgbClr r="0" g="0" b="0"/>
+      </a:lnRef>
+      <a:fillRef idx="0">
+        <a:scrgbClr r="0" g="0" b="0"/>
+      </a:fillRef>
+      <a:effectRef idx="0">
+        <a:scrgbClr r="0" g="0" b="0"/>
+      </a:effectRef>
+      <a:fontRef idx="minor"/>
+    </dgm:style>
+  </dgm:styleLbl>
+  <dgm:styleLbl name="callout">
+    <dgm:scene3d>
+      <a:camera prst="orthographicFront"/>
+      <a:lightRig rig="chilly" dir="t"/>
+    </dgm:scene3d>
+    <dgm:sp3d z="127000" prstMaterial="matte"/>
+    <dgm:txPr/>
+    <dgm:style>
+      <a:lnRef idx="2">
+        <a:scrgbClr r="0" g="0" b="0"/>
+      </a:lnRef>
+      <a:fillRef idx="1">
+        <a:scrgbClr r="0" g="0" b="0"/>
+      </a:fillRef>
+      <a:effectRef idx="0">
+        <a:scrgbClr r="0" g="0" b="0"/>
+      </a:effectRef>
+      <a:fontRef idx="minor"/>
+    </dgm:style>
+  </dgm:styleLbl>
+  <dgm:styleLbl name="asst0">
+    <dgm:scene3d>
+      <a:camera prst="orthographicFront"/>
+      <a:lightRig rig="chilly" dir="t"/>
+    </dgm:scene3d>
+    <dgm:sp3d prstMaterial="translucentPowder">
+      <a:bevelT w="127000" h="25400" prst="softRound"/>
+    </dgm:sp3d>
     <dgm:txPr/>
     <dgm:style>
       <a:lnRef idx="0">
@@ -28780,55 +29974,17 @@
       </a:fontRef>
     </dgm:style>
   </dgm:styleLbl>
-  <dgm:styleLbl name="sibTrans1D1">
+  <dgm:styleLbl name="asst1">
     <dgm:scene3d>
       <a:camera prst="orthographicFront"/>
-      <a:lightRig rig="threePt" dir="t"/>
+      <a:lightRig rig="chilly" dir="t"/>
     </dgm:scene3d>
-    <dgm:sp3d/>
+    <dgm:sp3d prstMaterial="translucentPowder">
+      <a:bevelT w="127000" h="25400" prst="softRound"/>
+    </dgm:sp3d>
     <dgm:txPr/>
     <dgm:style>
-      <a:lnRef idx="1">
-        <a:scrgbClr r="0" g="0" b="0"/>
-      </a:lnRef>
-      <a:fillRef idx="0">
-        <a:scrgbClr r="0" g="0" b="0"/>
-      </a:fillRef>
-      <a:effectRef idx="0">
-        <a:scrgbClr r="0" g="0" b="0"/>
-      </a:effectRef>
-      <a:fontRef idx="minor"/>
-    </dgm:style>
-  </dgm:styleLbl>
-  <dgm:styleLbl name="callout">
-    <dgm:scene3d>
-      <a:camera prst="orthographicFront"/>
-      <a:lightRig rig="threePt" dir="t"/>
-    </dgm:scene3d>
-    <dgm:sp3d/>
-    <dgm:txPr/>
-    <dgm:style>
-      <a:lnRef idx="2">
-        <a:scrgbClr r="0" g="0" b="0"/>
-      </a:lnRef>
-      <a:fillRef idx="1">
-        <a:scrgbClr r="0" g="0" b="0"/>
-      </a:fillRef>
-      <a:effectRef idx="0">
-        <a:scrgbClr r="0" g="0" b="0"/>
-      </a:effectRef>
-      <a:fontRef idx="minor"/>
-    </dgm:style>
-  </dgm:styleLbl>
-  <dgm:styleLbl name="asst0">
-    <dgm:scene3d>
-      <a:camera prst="orthographicFront"/>
-      <a:lightRig rig="threePt" dir="t"/>
-    </dgm:scene3d>
-    <dgm:sp3d/>
-    <dgm:txPr/>
-    <dgm:style>
-      <a:lnRef idx="2">
+      <a:lnRef idx="0">
         <a:scrgbClr r="0" g="0" b="0"/>
       </a:lnRef>
       <a:fillRef idx="1">
@@ -28842,15 +29998,17 @@
       </a:fontRef>
     </dgm:style>
   </dgm:styleLbl>
-  <dgm:styleLbl name="asst1">
+  <dgm:styleLbl name="asst2">
     <dgm:scene3d>
       <a:camera prst="orthographicFront"/>
-      <a:lightRig rig="threePt" dir="t"/>
+      <a:lightRig rig="chilly" dir="t"/>
     </dgm:scene3d>
-    <dgm:sp3d/>
+    <dgm:sp3d prstMaterial="translucentPowder">
+      <a:bevelT w="127000" h="25400" prst="softRound"/>
+    </dgm:sp3d>
     <dgm:txPr/>
     <dgm:style>
-      <a:lnRef idx="2">
+      <a:lnRef idx="0">
         <a:scrgbClr r="0" g="0" b="0"/>
       </a:lnRef>
       <a:fillRef idx="1">
@@ -28864,15 +30022,17 @@
       </a:fontRef>
     </dgm:style>
   </dgm:styleLbl>
-  <dgm:styleLbl name="asst2">
+  <dgm:styleLbl name="asst3">
     <dgm:scene3d>
       <a:camera prst="orthographicFront"/>
-      <a:lightRig rig="threePt" dir="t"/>
+      <a:lightRig rig="chilly" dir="t"/>
     </dgm:scene3d>
-    <dgm:sp3d/>
+    <dgm:sp3d prstMaterial="translucentPowder">
+      <a:bevelT w="127000" h="25400" prst="softRound"/>
+    </dgm:sp3d>
     <dgm:txPr/>
     <dgm:style>
-      <a:lnRef idx="2">
+      <a:lnRef idx="0">
         <a:scrgbClr r="0" g="0" b="0"/>
       </a:lnRef>
       <a:fillRef idx="1">
@@ -28886,15 +30046,258 @@
       </a:fontRef>
     </dgm:style>
   </dgm:styleLbl>
-  <dgm:styleLbl name="asst3">
+  <dgm:styleLbl name="parChTrans2D1">
+    <dgm:scene3d>
+      <a:camera prst="orthographicFront"/>
+      <a:lightRig rig="chilly" dir="t"/>
+    </dgm:scene3d>
+    <dgm:sp3d z="1700" extrusionH="1700" prstMaterial="translucentPowder">
+      <a:bevelT w="25400" h="6350" prst="softRound"/>
+      <a:bevelB w="0" h="0" prst="convex"/>
+    </dgm:sp3d>
+    <dgm:txPr/>
+    <dgm:style>
+      <a:lnRef idx="0">
+        <a:scrgbClr r="0" g="0" b="0"/>
+      </a:lnRef>
+      <a:fillRef idx="1">
+        <a:scrgbClr r="0" g="0" b="0"/>
+      </a:fillRef>
+      <a:effectRef idx="0">
+        <a:scrgbClr r="0" g="0" b="0"/>
+      </a:effectRef>
+      <a:fontRef idx="minor"/>
+    </dgm:style>
+  </dgm:styleLbl>
+  <dgm:styleLbl name="parChTrans2D2">
+    <dgm:scene3d>
+      <a:camera prst="orthographicFront"/>
+      <a:lightRig rig="chilly" dir="t"/>
+    </dgm:scene3d>
+    <dgm:sp3d z="1700" extrusionH="1700" prstMaterial="translucentPowder">
+      <a:bevelT w="25400" h="6350" prst="softRound"/>
+      <a:bevelB w="0" h="0" prst="convex"/>
+    </dgm:sp3d>
+    <dgm:txPr/>
+    <dgm:style>
+      <a:lnRef idx="0">
+        <a:scrgbClr r="0" g="0" b="0"/>
+      </a:lnRef>
+      <a:fillRef idx="1">
+        <a:scrgbClr r="0" g="0" b="0"/>
+      </a:fillRef>
+      <a:effectRef idx="0">
+        <a:scrgbClr r="0" g="0" b="0"/>
+      </a:effectRef>
+      <a:fontRef idx="minor"/>
+    </dgm:style>
+  </dgm:styleLbl>
+  <dgm:styleLbl name="parChTrans2D3">
+    <dgm:scene3d>
+      <a:camera prst="orthographicFront"/>
+      <a:lightRig rig="chilly" dir="t"/>
+    </dgm:scene3d>
+    <dgm:sp3d extrusionH="1700" prstMaterial="translucentPowder">
+      <a:bevelT w="25400" h="6350" prst="softRound"/>
+      <a:bevelB w="0" h="0" prst="convex"/>
+    </dgm:sp3d>
+    <dgm:txPr/>
+    <dgm:style>
+      <a:lnRef idx="0">
+        <a:scrgbClr r="0" g="0" b="0"/>
+      </a:lnRef>
+      <a:fillRef idx="1">
+        <a:scrgbClr r="0" g="0" b="0"/>
+      </a:fillRef>
+      <a:effectRef idx="0">
+        <a:scrgbClr r="0" g="0" b="0"/>
+      </a:effectRef>
+      <a:fontRef idx="minor"/>
+    </dgm:style>
+  </dgm:styleLbl>
+  <dgm:styleLbl name="parChTrans2D4">
+    <dgm:scene3d>
+      <a:camera prst="orthographicFront"/>
+      <a:lightRig rig="chilly" dir="t"/>
+    </dgm:scene3d>
+    <dgm:sp3d extrusionH="1700" prstMaterial="translucentPowder">
+      <a:bevelT w="25400" h="6350" prst="softRound"/>
+      <a:bevelB w="0" h="0" prst="convex"/>
+    </dgm:sp3d>
+    <dgm:txPr/>
+    <dgm:style>
+      <a:lnRef idx="0">
+        <a:scrgbClr r="0" g="0" b="0"/>
+      </a:lnRef>
+      <a:fillRef idx="1">
+        <a:scrgbClr r="0" g="0" b="0"/>
+      </a:fillRef>
+      <a:effectRef idx="0">
+        <a:scrgbClr r="0" g="0" b="0"/>
+      </a:effectRef>
+      <a:fontRef idx="minor"/>
+    </dgm:style>
+  </dgm:styleLbl>
+  <dgm:styleLbl name="parChTrans1D1">
+    <dgm:scene3d>
+      <a:camera prst="orthographicFront"/>
+      <a:lightRig rig="chilly" dir="t"/>
+    </dgm:scene3d>
+    <dgm:sp3d z="-40000" prstMaterial="matte"/>
+    <dgm:txPr/>
+    <dgm:style>
+      <a:lnRef idx="2">
+        <a:scrgbClr r="0" g="0" b="0"/>
+      </a:lnRef>
+      <a:fillRef idx="0">
+        <a:scrgbClr r="0" g="0" b="0"/>
+      </a:fillRef>
+      <a:effectRef idx="0">
+        <a:scrgbClr r="0" g="0" b="0"/>
+      </a:effectRef>
+      <a:fontRef idx="minor"/>
+    </dgm:style>
+  </dgm:styleLbl>
+  <dgm:styleLbl name="parChTrans1D2">
     <dgm:scene3d>
       <a:camera prst="orthographicFront"/>
       <a:lightRig rig="threePt" dir="t"/>
     </dgm:scene3d>
-    <dgm:sp3d/>
+    <dgm:sp3d z="-40000" prstMaterial="matte"/>
     <dgm:txPr/>
     <dgm:style>
       <a:lnRef idx="2">
+        <a:scrgbClr r="0" g="0" b="0"/>
+      </a:lnRef>
+      <a:fillRef idx="0">
+        <a:scrgbClr r="0" g="0" b="0"/>
+      </a:fillRef>
+      <a:effectRef idx="0">
+        <a:scrgbClr r="0" g="0" b="0"/>
+      </a:effectRef>
+      <a:fontRef idx="minor"/>
+    </dgm:style>
+  </dgm:styleLbl>
+  <dgm:styleLbl name="parChTrans1D3">
+    <dgm:scene3d>
+      <a:camera prst="orthographicFront"/>
+      <a:lightRig rig="chilly" dir="t"/>
+    </dgm:scene3d>
+    <dgm:sp3d z="-40000" prstMaterial="matte"/>
+    <dgm:txPr/>
+    <dgm:style>
+      <a:lnRef idx="2">
+        <a:scrgbClr r="0" g="0" b="0"/>
+      </a:lnRef>
+      <a:fillRef idx="0">
+        <a:scrgbClr r="0" g="0" b="0"/>
+      </a:fillRef>
+      <a:effectRef idx="0">
+        <a:scrgbClr r="0" g="0" b="0"/>
+      </a:effectRef>
+      <a:fontRef idx="minor"/>
+    </dgm:style>
+  </dgm:styleLbl>
+  <dgm:styleLbl name="parChTrans1D4">
+    <dgm:scene3d>
+      <a:camera prst="orthographicFront"/>
+      <a:lightRig rig="chilly" dir="t"/>
+    </dgm:scene3d>
+    <dgm:sp3d z="-40000" prstMaterial="matte"/>
+    <dgm:txPr/>
+    <dgm:style>
+      <a:lnRef idx="2">
+        <a:scrgbClr r="0" g="0" b="0"/>
+      </a:lnRef>
+      <a:fillRef idx="0">
+        <a:scrgbClr r="0" g="0" b="0"/>
+      </a:fillRef>
+      <a:effectRef idx="0">
+        <a:scrgbClr r="0" g="0" b="0"/>
+      </a:effectRef>
+      <a:fontRef idx="minor"/>
+    </dgm:style>
+  </dgm:styleLbl>
+  <dgm:styleLbl name="fgAcc1">
+    <dgm:scene3d>
+      <a:camera prst="orthographicFront"/>
+      <a:lightRig rig="chilly" dir="t"/>
+    </dgm:scene3d>
+    <dgm:sp3d z="12700" extrusionH="1700" prstMaterial="dkEdge">
+      <a:bevelT w="25400" h="6350" prst="softRound"/>
+      <a:bevelB w="0" h="0" prst="convex"/>
+    </dgm:sp3d>
+    <dgm:txPr/>
+    <dgm:style>
+      <a:lnRef idx="1">
+        <a:scrgbClr r="0" g="0" b="0"/>
+      </a:lnRef>
+      <a:fillRef idx="1">
+        <a:scrgbClr r="0" g="0" b="0"/>
+      </a:fillRef>
+      <a:effectRef idx="0">
+        <a:scrgbClr r="0" g="0" b="0"/>
+      </a:effectRef>
+      <a:fontRef idx="minor"/>
+    </dgm:style>
+  </dgm:styleLbl>
+  <dgm:styleLbl name="conFgAcc1">
+    <dgm:scene3d>
+      <a:camera prst="orthographicFront"/>
+      <a:lightRig rig="chilly" dir="t"/>
+    </dgm:scene3d>
+    <dgm:sp3d z="12700" extrusionH="1700" prstMaterial="dkEdge">
+      <a:bevelT w="25400" h="6350" prst="softRound"/>
+      <a:bevelB w="0" h="0" prst="convex"/>
+    </dgm:sp3d>
+    <dgm:txPr/>
+    <dgm:style>
+      <a:lnRef idx="1">
+        <a:scrgbClr r="0" g="0" b="0"/>
+      </a:lnRef>
+      <a:fillRef idx="1">
+        <a:scrgbClr r="0" g="0" b="0"/>
+      </a:fillRef>
+      <a:effectRef idx="0">
+        <a:scrgbClr r="0" g="0" b="0"/>
+      </a:effectRef>
+      <a:fontRef idx="minor"/>
+    </dgm:style>
+  </dgm:styleLbl>
+  <dgm:styleLbl name="alignAcc1">
+    <dgm:scene3d>
+      <a:camera prst="orthographicFront"/>
+      <a:lightRig rig="chilly" dir="t"/>
+    </dgm:scene3d>
+    <dgm:sp3d prstMaterial="dkEdge">
+      <a:bevelT w="25400" h="6350" prst="softRound"/>
+      <a:bevelB w="0" h="0" prst="convex"/>
+    </dgm:sp3d>
+    <dgm:txPr/>
+    <dgm:style>
+      <a:lnRef idx="1">
+        <a:scrgbClr r="0" g="0" b="0"/>
+      </a:lnRef>
+      <a:fillRef idx="1">
+        <a:scrgbClr r="0" g="0" b="0"/>
+      </a:fillRef>
+      <a:effectRef idx="0">
+        <a:scrgbClr r="0" g="0" b="0"/>
+      </a:effectRef>
+      <a:fontRef idx="minor"/>
+    </dgm:style>
+  </dgm:styleLbl>
+  <dgm:styleLbl name="trAlignAcc1">
+    <dgm:scene3d>
+      <a:camera prst="orthographicFront"/>
+      <a:lightRig rig="chilly" dir="t"/>
+    </dgm:scene3d>
+    <dgm:sp3d prstMaterial="dkEdge">
+      <a:bevelT w="127000" h="25400"/>
+    </dgm:sp3d>
+    <dgm:txPr/>
+    <dgm:style>
+      <a:lnRef idx="1">
         <a:scrgbClr r="0" g="0" b="0"/>
       </a:lnRef>
       <a:fillRef idx="1">
@@ -28908,128 +30311,21 @@
       </a:fontRef>
     </dgm:style>
   </dgm:styleLbl>
-  <dgm:styleLbl name="asst4">
+  <dgm:styleLbl name="bgAcc1">
     <dgm:scene3d>
       <a:camera prst="orthographicFront"/>
-      <a:lightRig rig="threePt" dir="t"/>
+      <a:lightRig rig="chilly" dir="t"/>
     </dgm:scene3d>
-    <dgm:sp3d/>
+    <dgm:sp3d z="-12700" extrusionH="1700" prstMaterial="dkEdge">
+      <a:bevelT w="25400" h="6350" prst="softRound"/>
+      <a:bevelB w="0" h="0" prst="convex"/>
+    </dgm:sp3d>
     <dgm:txPr/>
     <dgm:style>
-      <a:lnRef idx="2">
+      <a:lnRef idx="1">
         <a:scrgbClr r="0" g="0" b="0"/>
       </a:lnRef>
       <a:fillRef idx="1">
-        <a:scrgbClr r="0" g="0" b="0"/>
-      </a:fillRef>
-      <a:effectRef idx="0">
-        <a:scrgbClr r="0" g="0" b="0"/>
-      </a:effectRef>
-      <a:fontRef idx="minor">
-        <a:schemeClr val="lt1"/>
-      </a:fontRef>
-    </dgm:style>
-  </dgm:styleLbl>
-  <dgm:styleLbl name="parChTrans2D1">
-    <dgm:scene3d>
-      <a:camera prst="orthographicFront"/>
-      <a:lightRig rig="threePt" dir="t"/>
-    </dgm:scene3d>
-    <dgm:sp3d/>
-    <dgm:txPr/>
-    <dgm:style>
-      <a:lnRef idx="2">
-        <a:scrgbClr r="0" g="0" b="0"/>
-      </a:lnRef>
-      <a:fillRef idx="1">
-        <a:scrgbClr r="0" g="0" b="0"/>
-      </a:fillRef>
-      <a:effectRef idx="0">
-        <a:scrgbClr r="0" g="0" b="0"/>
-      </a:effectRef>
-      <a:fontRef idx="minor">
-        <a:schemeClr val="lt1"/>
-      </a:fontRef>
-    </dgm:style>
-  </dgm:styleLbl>
-  <dgm:styleLbl name="parChTrans2D2">
-    <dgm:scene3d>
-      <a:camera prst="orthographicFront"/>
-      <a:lightRig rig="threePt" dir="t"/>
-    </dgm:scene3d>
-    <dgm:sp3d/>
-    <dgm:txPr/>
-    <dgm:style>
-      <a:lnRef idx="2">
-        <a:scrgbClr r="0" g="0" b="0"/>
-      </a:lnRef>
-      <a:fillRef idx="1">
-        <a:scrgbClr r="0" g="0" b="0"/>
-      </a:fillRef>
-      <a:effectRef idx="0">
-        <a:scrgbClr r="0" g="0" b="0"/>
-      </a:effectRef>
-      <a:fontRef idx="minor">
-        <a:schemeClr val="lt1"/>
-      </a:fontRef>
-    </dgm:style>
-  </dgm:styleLbl>
-  <dgm:styleLbl name="parChTrans2D3">
-    <dgm:scene3d>
-      <a:camera prst="orthographicFront"/>
-      <a:lightRig rig="threePt" dir="t"/>
-    </dgm:scene3d>
-    <dgm:sp3d/>
-    <dgm:txPr/>
-    <dgm:style>
-      <a:lnRef idx="2">
-        <a:scrgbClr r="0" g="0" b="0"/>
-      </a:lnRef>
-      <a:fillRef idx="1">
-        <a:scrgbClr r="0" g="0" b="0"/>
-      </a:fillRef>
-      <a:effectRef idx="0">
-        <a:scrgbClr r="0" g="0" b="0"/>
-      </a:effectRef>
-      <a:fontRef idx="minor">
-        <a:schemeClr val="lt1"/>
-      </a:fontRef>
-    </dgm:style>
-  </dgm:styleLbl>
-  <dgm:styleLbl name="parChTrans2D4">
-    <dgm:scene3d>
-      <a:camera prst="orthographicFront"/>
-      <a:lightRig rig="threePt" dir="t"/>
-    </dgm:scene3d>
-    <dgm:sp3d/>
-    <dgm:txPr/>
-    <dgm:style>
-      <a:lnRef idx="2">
-        <a:scrgbClr r="0" g="0" b="0"/>
-      </a:lnRef>
-      <a:fillRef idx="1">
-        <a:scrgbClr r="0" g="0" b="0"/>
-      </a:fillRef>
-      <a:effectRef idx="0">
-        <a:scrgbClr r="0" g="0" b="0"/>
-      </a:effectRef>
-      <a:fontRef idx="minor">
-        <a:schemeClr val="lt1"/>
-      </a:fontRef>
-    </dgm:style>
-  </dgm:styleLbl>
-  <dgm:styleLbl name="parChTrans1D1">
-    <dgm:scene3d>
-      <a:camera prst="orthographicFront"/>
-      <a:lightRig rig="threePt" dir="t"/>
-    </dgm:scene3d>
-    <dgm:sp3d/>
-    <dgm:txPr/>
-    <dgm:style>
-      <a:lnRef idx="2">
-        <a:scrgbClr r="0" g="0" b="0"/>
-      </a:lnRef>
-      <a:fillRef idx="0">
         <a:scrgbClr r="0" g="0" b="0"/>
       </a:fillRef>
       <a:effectRef idx="0">
@@ -29038,18 +30334,21 @@
       <a:fontRef idx="minor"/>
     </dgm:style>
   </dgm:styleLbl>
-  <dgm:styleLbl name="parChTrans1D2">
+  <dgm:styleLbl name="solidFgAcc1">
     <dgm:scene3d>
       <a:camera prst="orthographicFront"/>
-      <a:lightRig rig="threePt" dir="t"/>
+      <a:lightRig rig="chilly" dir="t"/>
     </dgm:scene3d>
-    <dgm:sp3d/>
+    <dgm:sp3d z="12700" extrusionH="1700" prstMaterial="dkEdge">
+      <a:bevelT w="25400" h="6350" prst="softRound"/>
+      <a:bevelB w="0" h="0" prst="convex"/>
+    </dgm:sp3d>
     <dgm:txPr/>
     <dgm:style>
-      <a:lnRef idx="2">
+      <a:lnRef idx="1">
         <a:scrgbClr r="0" g="0" b="0"/>
       </a:lnRef>
-      <a:fillRef idx="0">
+      <a:fillRef idx="1">
         <a:scrgbClr r="0" g="0" b="0"/>
       </a:fillRef>
       <a:effectRef idx="0">
@@ -29058,18 +30357,21 @@
       <a:fontRef idx="minor"/>
     </dgm:style>
   </dgm:styleLbl>
-  <dgm:styleLbl name="parChTrans1D3">
+  <dgm:styleLbl name="solidAlignAcc1">
     <dgm:scene3d>
       <a:camera prst="orthographicFront"/>
-      <a:lightRig rig="threePt" dir="t"/>
+      <a:lightRig rig="chilly" dir="t"/>
     </dgm:scene3d>
-    <dgm:sp3d/>
+    <dgm:sp3d extrusionH="1700" prstMaterial="dkEdge">
+      <a:bevelT w="25400" h="6350" prst="softRound"/>
+      <a:bevelB w="0" h="0" prst="convex"/>
+    </dgm:sp3d>
     <dgm:txPr/>
     <dgm:style>
-      <a:lnRef idx="2">
+      <a:lnRef idx="1">
         <a:scrgbClr r="0" g="0" b="0"/>
       </a:lnRef>
-      <a:fillRef idx="0">
+      <a:fillRef idx="1">
         <a:scrgbClr r="0" g="0" b="0"/>
       </a:fillRef>
       <a:effectRef idx="0">
@@ -29078,18 +30380,21 @@
       <a:fontRef idx="minor"/>
     </dgm:style>
   </dgm:styleLbl>
-  <dgm:styleLbl name="parChTrans1D4">
+  <dgm:styleLbl name="solidBgAcc1">
     <dgm:scene3d>
       <a:camera prst="orthographicFront"/>
-      <a:lightRig rig="threePt" dir="t"/>
+      <a:lightRig rig="chilly" dir="t"/>
     </dgm:scene3d>
-    <dgm:sp3d/>
+    <dgm:sp3d z="-12700" extrusionH="1700" prstMaterial="dkEdge">
+      <a:bevelT w="25400" h="6350" prst="softRound"/>
+      <a:bevelB w="0" h="0" prst="convex"/>
+    </dgm:sp3d>
     <dgm:txPr/>
     <dgm:style>
-      <a:lnRef idx="2">
+      <a:lnRef idx="1">
         <a:scrgbClr r="0" g="0" b="0"/>
       </a:lnRef>
-      <a:fillRef idx="0">
+      <a:fillRef idx="1">
         <a:scrgbClr r="0" g="0" b="0"/>
       </a:fillRef>
       <a:effectRef idx="0">
@@ -29098,15 +30403,18 @@
       <a:fontRef idx="minor"/>
     </dgm:style>
   </dgm:styleLbl>
-  <dgm:styleLbl name="fgAcc1">
+  <dgm:styleLbl name="fgAccFollowNode1">
     <dgm:scene3d>
       <a:camera prst="orthographicFront"/>
-      <a:lightRig rig="threePt" dir="t"/>
+      <a:lightRig rig="chilly" dir="t"/>
     </dgm:scene3d>
-    <dgm:sp3d/>
+    <dgm:sp3d z="12700" extrusionH="1700" prstMaterial="dkEdge">
+      <a:bevelT w="25400" h="6350" prst="softRound"/>
+      <a:bevelB w="0" h="0" prst="convex"/>
+    </dgm:sp3d>
     <dgm:txPr/>
     <dgm:style>
-      <a:lnRef idx="2">
+      <a:lnRef idx="1">
         <a:scrgbClr r="0" g="0" b="0"/>
       </a:lnRef>
       <a:fillRef idx="1">
@@ -29118,15 +30426,18 @@
       <a:fontRef idx="minor"/>
     </dgm:style>
   </dgm:styleLbl>
-  <dgm:styleLbl name="conFgAcc1">
+  <dgm:styleLbl name="alignAccFollowNode1">
     <dgm:scene3d>
       <a:camera prst="orthographicFront"/>
-      <a:lightRig rig="threePt" dir="t"/>
+      <a:lightRig rig="chilly" dir="t"/>
     </dgm:scene3d>
-    <dgm:sp3d/>
+    <dgm:sp3d extrusionH="1700" prstMaterial="dkEdge">
+      <a:bevelT w="25400" h="6350" prst="softRound"/>
+      <a:bevelB w="0" h="0" prst="convex"/>
+    </dgm:sp3d>
     <dgm:txPr/>
     <dgm:style>
-      <a:lnRef idx="2">
+      <a:lnRef idx="1">
         <a:scrgbClr r="0" g="0" b="0"/>
       </a:lnRef>
       <a:fillRef idx="1">
@@ -29138,15 +30449,18 @@
       <a:fontRef idx="minor"/>
     </dgm:style>
   </dgm:styleLbl>
-  <dgm:styleLbl name="alignAcc1">
+  <dgm:styleLbl name="bgAccFollowNode1">
     <dgm:scene3d>
       <a:camera prst="orthographicFront"/>
-      <a:lightRig rig="threePt" dir="t"/>
+      <a:lightRig rig="chilly" dir="t"/>
     </dgm:scene3d>
-    <dgm:sp3d/>
+    <dgm:sp3d z="-12700" extrusionH="1700" prstMaterial="dkEdge">
+      <a:bevelT w="25400" h="6350" prst="softRound"/>
+      <a:bevelB w="0" h="0" prst="convex"/>
+    </dgm:sp3d>
     <dgm:txPr/>
     <dgm:style>
-      <a:lnRef idx="2">
+      <a:lnRef idx="1">
         <a:scrgbClr r="0" g="0" b="0"/>
       </a:lnRef>
       <a:fillRef idx="1">
@@ -29158,12 +30472,15 @@
       <a:fontRef idx="minor"/>
     </dgm:style>
   </dgm:styleLbl>
-  <dgm:styleLbl name="trAlignAcc1">
+  <dgm:styleLbl name="fgAcc0">
     <dgm:scene3d>
       <a:camera prst="orthographicFront"/>
-      <a:lightRig rig="threePt" dir="t"/>
+      <a:lightRig rig="chilly" dir="t"/>
     </dgm:scene3d>
-    <dgm:sp3d/>
+    <dgm:sp3d z="12700" extrusionH="1700" prstMaterial="dkEdge">
+      <a:bevelT w="25400" h="6350" prst="softRound"/>
+      <a:bevelB w="0" h="0" prst="convex"/>
+    </dgm:sp3d>
     <dgm:txPr/>
     <dgm:style>
       <a:lnRef idx="1">
@@ -29178,15 +30495,18 @@
       <a:fontRef idx="minor"/>
     </dgm:style>
   </dgm:styleLbl>
-  <dgm:styleLbl name="bgAcc1">
+  <dgm:styleLbl name="fgAcc2">
     <dgm:scene3d>
       <a:camera prst="orthographicFront"/>
-      <a:lightRig rig="threePt" dir="t"/>
+      <a:lightRig rig="chilly" dir="t"/>
     </dgm:scene3d>
-    <dgm:sp3d/>
+    <dgm:sp3d z="12700" extrusionH="1700" prstMaterial="dkEdge">
+      <a:bevelT w="25400" h="6350" prst="softRound"/>
+      <a:bevelB w="0" h="0" prst="convex"/>
+    </dgm:sp3d>
     <dgm:txPr/>
     <dgm:style>
-      <a:lnRef idx="2">
+      <a:lnRef idx="1">
         <a:scrgbClr r="0" g="0" b="0"/>
       </a:lnRef>
       <a:fillRef idx="1">
@@ -29198,15 +30518,18 @@
       <a:fontRef idx="minor"/>
     </dgm:style>
   </dgm:styleLbl>
-  <dgm:styleLbl name="solidFgAcc1">
+  <dgm:styleLbl name="fgAcc3">
     <dgm:scene3d>
       <a:camera prst="orthographicFront"/>
-      <a:lightRig rig="threePt" dir="t"/>
+      <a:lightRig rig="chilly" dir="t"/>
     </dgm:scene3d>
-    <dgm:sp3d/>
+    <dgm:sp3d z="12700" extrusionH="1700" prstMaterial="dkEdge">
+      <a:bevelT w="25400" h="6350" prst="softRound"/>
+      <a:bevelB w="0" h="0" prst="convex"/>
+    </dgm:sp3d>
     <dgm:txPr/>
     <dgm:style>
-      <a:lnRef idx="2">
+      <a:lnRef idx="1">
         <a:scrgbClr r="0" g="0" b="0"/>
       </a:lnRef>
       <a:fillRef idx="1">
@@ -29218,15 +30541,18 @@
       <a:fontRef idx="minor"/>
     </dgm:style>
   </dgm:styleLbl>
-  <dgm:styleLbl name="solidAlignAcc1">
+  <dgm:styleLbl name="fgAcc4">
     <dgm:scene3d>
       <a:camera prst="orthographicFront"/>
-      <a:lightRig rig="threePt" dir="t"/>
+      <a:lightRig rig="chilly" dir="t"/>
     </dgm:scene3d>
-    <dgm:sp3d/>
+    <dgm:sp3d z="12700" extrusionH="1700" prstMaterial="dkEdge">
+      <a:bevelT w="25400" h="6350" prst="softRound"/>
+      <a:bevelB w="0" h="0" prst="convex"/>
+    </dgm:sp3d>
     <dgm:txPr/>
     <dgm:style>
-      <a:lnRef idx="2">
+      <a:lnRef idx="1">
         <a:scrgbClr r="0" g="0" b="0"/>
       </a:lnRef>
       <a:fillRef idx="1">
@@ -29238,15 +30564,18 @@
       <a:fontRef idx="minor"/>
     </dgm:style>
   </dgm:styleLbl>
-  <dgm:styleLbl name="solidBgAcc1">
+  <dgm:styleLbl name="bgShp">
     <dgm:scene3d>
       <a:camera prst="orthographicFront"/>
-      <a:lightRig rig="threePt" dir="t"/>
+      <a:lightRig rig="chilly" dir="t"/>
     </dgm:scene3d>
-    <dgm:sp3d/>
+    <dgm:sp3d z="-12700" extrusionH="1700" prstMaterial="translucentPowder">
+      <a:bevelT w="25400" h="6350" prst="softRound"/>
+      <a:bevelB w="0" h="0" prst="convex"/>
+    </dgm:sp3d>
     <dgm:txPr/>
     <dgm:style>
-      <a:lnRef idx="2">
+      <a:lnRef idx="0">
         <a:scrgbClr r="0" g="0" b="0"/>
       </a:lnRef>
       <a:fillRef idx="1">
@@ -29258,15 +30587,18 @@
       <a:fontRef idx="minor"/>
     </dgm:style>
   </dgm:styleLbl>
-  <dgm:styleLbl name="fgAccFollowNode1">
+  <dgm:styleLbl name="dkBgShp">
     <dgm:scene3d>
       <a:camera prst="orthographicFront"/>
-      <a:lightRig rig="threePt" dir="t"/>
+      <a:lightRig rig="chilly" dir="t"/>
     </dgm:scene3d>
-    <dgm:sp3d/>
+    <dgm:sp3d extrusionH="1700" prstMaterial="translucentPowder">
+      <a:bevelT w="25400" h="6350" prst="softRound"/>
+      <a:bevelB w="0" h="0" prst="convex"/>
+    </dgm:sp3d>
     <dgm:txPr/>
     <dgm:style>
-      <a:lnRef idx="2">
+      <a:lnRef idx="0">
         <a:scrgbClr r="0" g="0" b="0"/>
       </a:lnRef>
       <a:fillRef idx="1">
@@ -29278,15 +30610,15 @@
       <a:fontRef idx="minor"/>
     </dgm:style>
   </dgm:styleLbl>
-  <dgm:styleLbl name="alignAccFollowNode1">
+  <dgm:styleLbl name="trBgShp">
     <dgm:scene3d>
       <a:camera prst="orthographicFront"/>
-      <a:lightRig rig="threePt" dir="t"/>
+      <a:lightRig rig="chilly" dir="t"/>
     </dgm:scene3d>
-    <dgm:sp3d/>
+    <dgm:sp3d z="-152400" prstMaterial="matte"/>
     <dgm:txPr/>
     <dgm:style>
-      <a:lnRef idx="2">
+      <a:lnRef idx="0">
         <a:scrgbClr r="0" g="0" b="0"/>
       </a:lnRef>
       <a:fillRef idx="1">
@@ -29298,175 +30630,18 @@
       <a:fontRef idx="minor"/>
     </dgm:style>
   </dgm:styleLbl>
-  <dgm:styleLbl name="bgAccFollowNode1">
+  <dgm:styleLbl name="fgShp">
     <dgm:scene3d>
       <a:camera prst="orthographicFront"/>
-      <a:lightRig rig="threePt" dir="t"/>
+      <a:lightRig rig="chilly" dir="t"/>
     </dgm:scene3d>
-    <dgm:sp3d/>
-    <dgm:txPr/>
-    <dgm:style>
-      <a:lnRef idx="2">
-        <a:scrgbClr r="0" g="0" b="0"/>
-      </a:lnRef>
-      <a:fillRef idx="1">
-        <a:scrgbClr r="0" g="0" b="0"/>
-      </a:fillRef>
-      <a:effectRef idx="0">
-        <a:scrgbClr r="0" g="0" b="0"/>
-      </a:effectRef>
-      <a:fontRef idx="minor"/>
-    </dgm:style>
-  </dgm:styleLbl>
-  <dgm:styleLbl name="fgAcc0">
-    <dgm:scene3d>
-      <a:camera prst="orthographicFront"/>
-      <a:lightRig rig="threePt" dir="t"/>
-    </dgm:scene3d>
-    <dgm:sp3d/>
-    <dgm:txPr/>
-    <dgm:style>
-      <a:lnRef idx="2">
-        <a:scrgbClr r="0" g="0" b="0"/>
-      </a:lnRef>
-      <a:fillRef idx="1">
-        <a:scrgbClr r="0" g="0" b="0"/>
-      </a:fillRef>
-      <a:effectRef idx="0">
-        <a:scrgbClr r="0" g="0" b="0"/>
-      </a:effectRef>
-      <a:fontRef idx="minor"/>
-    </dgm:style>
-  </dgm:styleLbl>
-  <dgm:styleLbl name="fgAcc2">
-    <dgm:scene3d>
-      <a:camera prst="orthographicFront"/>
-      <a:lightRig rig="threePt" dir="t"/>
-    </dgm:scene3d>
-    <dgm:sp3d/>
-    <dgm:txPr/>
-    <dgm:style>
-      <a:lnRef idx="2">
-        <a:scrgbClr r="0" g="0" b="0"/>
-      </a:lnRef>
-      <a:fillRef idx="1">
-        <a:scrgbClr r="0" g="0" b="0"/>
-      </a:fillRef>
-      <a:effectRef idx="0">
-        <a:scrgbClr r="0" g="0" b="0"/>
-      </a:effectRef>
-      <a:fontRef idx="minor"/>
-    </dgm:style>
-  </dgm:styleLbl>
-  <dgm:styleLbl name="fgAcc3">
-    <dgm:scene3d>
-      <a:camera prst="orthographicFront"/>
-      <a:lightRig rig="threePt" dir="t"/>
-    </dgm:scene3d>
-    <dgm:sp3d/>
-    <dgm:txPr/>
-    <dgm:style>
-      <a:lnRef idx="2">
-        <a:scrgbClr r="0" g="0" b="0"/>
-      </a:lnRef>
-      <a:fillRef idx="1">
-        <a:scrgbClr r="0" g="0" b="0"/>
-      </a:fillRef>
-      <a:effectRef idx="0">
-        <a:scrgbClr r="0" g="0" b="0"/>
-      </a:effectRef>
-      <a:fontRef idx="minor"/>
-    </dgm:style>
-  </dgm:styleLbl>
-  <dgm:styleLbl name="fgAcc4">
-    <dgm:scene3d>
-      <a:camera prst="orthographicFront"/>
-      <a:lightRig rig="threePt" dir="t"/>
-    </dgm:scene3d>
-    <dgm:sp3d/>
-    <dgm:txPr/>
-    <dgm:style>
-      <a:lnRef idx="2">
-        <a:scrgbClr r="0" g="0" b="0"/>
-      </a:lnRef>
-      <a:fillRef idx="1">
-        <a:scrgbClr r="0" g="0" b="0"/>
-      </a:fillRef>
-      <a:effectRef idx="0">
-        <a:scrgbClr r="0" g="0" b="0"/>
-      </a:effectRef>
-      <a:fontRef idx="minor"/>
-    </dgm:style>
-  </dgm:styleLbl>
-  <dgm:styleLbl name="bgShp">
-    <dgm:scene3d>
-      <a:camera prst="orthographicFront"/>
-      <a:lightRig rig="threePt" dir="t"/>
-    </dgm:scene3d>
-    <dgm:sp3d/>
+    <dgm:sp3d z="12700" extrusionH="1700" prstMaterial="translucentPowder">
+      <a:bevelT w="25400" h="6350" prst="softRound"/>
+      <a:bevelB w="0" h="0" prst="convex"/>
+    </dgm:sp3d>
     <dgm:txPr/>
     <dgm:style>
       <a:lnRef idx="0">
-        <a:scrgbClr r="0" g="0" b="0"/>
-      </a:lnRef>
-      <a:fillRef idx="1">
-        <a:scrgbClr r="0" g="0" b="0"/>
-      </a:fillRef>
-      <a:effectRef idx="0">
-        <a:scrgbClr r="0" g="0" b="0"/>
-      </a:effectRef>
-      <a:fontRef idx="minor"/>
-    </dgm:style>
-  </dgm:styleLbl>
-  <dgm:styleLbl name="dkBgShp">
-    <dgm:scene3d>
-      <a:camera prst="orthographicFront"/>
-      <a:lightRig rig="threePt" dir="t"/>
-    </dgm:scene3d>
-    <dgm:sp3d/>
-    <dgm:txPr/>
-    <dgm:style>
-      <a:lnRef idx="0">
-        <a:scrgbClr r="0" g="0" b="0"/>
-      </a:lnRef>
-      <a:fillRef idx="1">
-        <a:scrgbClr r="0" g="0" b="0"/>
-      </a:fillRef>
-      <a:effectRef idx="0">
-        <a:scrgbClr r="0" g="0" b="0"/>
-      </a:effectRef>
-      <a:fontRef idx="minor"/>
-    </dgm:style>
-  </dgm:styleLbl>
-  <dgm:styleLbl name="trBgShp">
-    <dgm:scene3d>
-      <a:camera prst="orthographicFront"/>
-      <a:lightRig rig="threePt" dir="t"/>
-    </dgm:scene3d>
-    <dgm:sp3d/>
-    <dgm:txPr/>
-    <dgm:style>
-      <a:lnRef idx="0">
-        <a:scrgbClr r="0" g="0" b="0"/>
-      </a:lnRef>
-      <a:fillRef idx="1">
-        <a:scrgbClr r="0" g="0" b="0"/>
-      </a:fillRef>
-      <a:effectRef idx="0">
-        <a:scrgbClr r="0" g="0" b="0"/>
-      </a:effectRef>
-      <a:fontRef idx="minor"/>
-    </dgm:style>
-  </dgm:styleLbl>
-  <dgm:styleLbl name="fgShp">
-    <dgm:scene3d>
-      <a:camera prst="orthographicFront"/>
-      <a:lightRig rig="threePt" dir="t"/>
-    </dgm:scene3d>
-    <dgm:sp3d/>
-    <dgm:txPr/>
-    <dgm:style>
-      <a:lnRef idx="2">
         <a:scrgbClr r="0" g="0" b="0"/>
       </a:lnRef>
       <a:fillRef idx="1">
@@ -29502,16 +30677,18 @@
 </file>
 
 <file path=ppt/diagrams/quickStyle10.xml><?xml version="1.0" encoding="utf-8"?>
-<dgm:styleDef xmlns:dgm="http://schemas.openxmlformats.org/drawingml/2006/diagram" xmlns:a="http://schemas.openxmlformats.org/drawingml/2006/main" uniqueId="urn:microsoft.com/office/officeart/2005/8/quickstyle/3d7">
+<dgm:styleDef xmlns:dgm="http://schemas.openxmlformats.org/drawingml/2006/diagram" xmlns:a="http://schemas.openxmlformats.org/drawingml/2006/main" uniqueId="urn:microsoft.com/office/officeart/2009/2/quickstyle/3d8">
   <dgm:title val=""/>
   <dgm:desc val=""/>
   <dgm:catLst>
-    <dgm:cat type="3D" pri="11700"/>
+    <dgm:cat type="3D" pri="11800"/>
   </dgm:catLst>
   <dgm:scene3d>
-    <a:camera prst="perspectiveLeft" zoom="91000"/>
-    <a:lightRig rig="threePt" dir="t">
-      <a:rot lat="0" lon="0" rev="20640000"/>
+    <a:camera prst="perspectiveHeroicExtremeRightFacing" zoom="82000">
+      <a:rot lat="21300000" lon="20400000" rev="180000"/>
+    </a:camera>
+    <a:lightRig rig="morning" dir="t">
+      <a:rot lat="0" lon="0" rev="20400000"/>
     </a:lightRig>
   </dgm:scene3d>
   <dgm:styleLbl name="node0">
@@ -29519,9 +30696,12 @@
       <a:camera prst="orthographicFront"/>
       <a:lightRig rig="threePt" dir="t"/>
     </dgm:scene3d>
-    <dgm:sp3d extrusionH="50600" prstMaterial="plastic">
-      <a:bevelT w="101600" h="80600" prst="relaxedInset"/>
-      <a:bevelB w="80600" h="80600" prst="relaxedInset"/>
+    <dgm:sp3d extrusionH="190500" prstMaterial="matte">
+      <a:bevelT w="120650" h="38100" prst="relaxedInset"/>
+      <a:bevelB w="120650" h="57150" prst="relaxedInset"/>
+      <a:contourClr>
+        <a:schemeClr val="bg1"/>
+      </a:contourClr>
     </dgm:sp3d>
     <dgm:txPr/>
     <dgm:style>
@@ -29531,11 +30711,11 @@
       <a:fillRef idx="1">
         <a:scrgbClr r="0" g="0" b="0"/>
       </a:fillRef>
-      <a:effectRef idx="1">
+      <a:effectRef idx="2">
         <a:scrgbClr r="0" g="0" b="0"/>
       </a:effectRef>
       <a:fontRef idx="minor">
-        <a:schemeClr val="dk1"/>
+        <a:schemeClr val="lt1"/>
       </a:fontRef>
     </dgm:style>
   </dgm:styleLbl>
@@ -29544,9 +30724,12 @@
       <a:camera prst="orthographicFront"/>
       <a:lightRig rig="threePt" dir="t"/>
     </dgm:scene3d>
-    <dgm:sp3d extrusionH="50600" prstMaterial="plastic">
-      <a:bevelT w="101600" h="80600" prst="relaxedInset"/>
-      <a:bevelB w="80600" h="80600" prst="relaxedInset"/>
+    <dgm:sp3d extrusionH="190500" prstMaterial="matte">
+      <a:bevelT w="120650" h="38100" prst="relaxedInset"/>
+      <a:bevelB w="120650" h="57150" prst="relaxedInset"/>
+      <a:contourClr>
+        <a:schemeClr val="bg1"/>
+      </a:contourClr>
     </dgm:sp3d>
     <dgm:txPr/>
     <dgm:style>
@@ -29556,11 +30739,11 @@
       <a:fillRef idx="1">
         <a:scrgbClr r="0" g="0" b="0"/>
       </a:fillRef>
-      <a:effectRef idx="1">
+      <a:effectRef idx="2">
         <a:scrgbClr r="0" g="0" b="0"/>
       </a:effectRef>
       <a:fontRef idx="minor">
-        <a:schemeClr val="dk1"/>
+        <a:schemeClr val="lt1"/>
       </a:fontRef>
     </dgm:style>
   </dgm:styleLbl>
@@ -29569,9 +30752,12 @@
       <a:camera prst="orthographicFront"/>
       <a:lightRig rig="threePt" dir="t"/>
     </dgm:scene3d>
-    <dgm:sp3d extrusionH="50600" prstMaterial="clear">
-      <a:bevelT w="101600" h="80600" prst="relaxedInset"/>
-      <a:bevelB w="80600" h="80600" prst="relaxedInset"/>
+    <dgm:sp3d extrusionH="190500" prstMaterial="matte">
+      <a:bevelT w="120650" h="38100" prst="relaxedInset"/>
+      <a:bevelB w="120650" h="57150" prst="relaxedInset"/>
+      <a:contourClr>
+        <a:schemeClr val="bg1"/>
+      </a:contourClr>
     </dgm:sp3d>
     <dgm:txPr/>
     <dgm:style>
@@ -29581,7 +30767,7 @@
       <a:fillRef idx="1">
         <a:scrgbClr r="0" g="0" b="0"/>
       </a:fillRef>
-      <a:effectRef idx="0">
+      <a:effectRef idx="2">
         <a:scrgbClr r="0" g="0" b="0"/>
       </a:effectRef>
       <a:fontRef idx="minor">
@@ -29594,23 +30780,26 @@
       <a:camera prst="orthographicFront"/>
       <a:lightRig rig="threePt" dir="t"/>
     </dgm:scene3d>
-    <dgm:sp3d extrusionH="50600" prstMaterial="metal">
-      <a:bevelT w="101600" h="80600" prst="relaxedInset"/>
-      <a:bevelB w="80600" h="80600" prst="relaxedInset"/>
+    <dgm:sp3d extrusionH="190500" prstMaterial="matte">
+      <a:bevelT w="120650" h="38100" prst="relaxedInset"/>
+      <a:bevelB w="120650" h="57150" prst="relaxedInset"/>
+      <a:contourClr>
+        <a:schemeClr val="bg1"/>
+      </a:contourClr>
     </dgm:sp3d>
     <dgm:txPr/>
     <dgm:style>
-      <a:lnRef idx="1">
+      <a:lnRef idx="0">
         <a:scrgbClr r="0" g="0" b="0"/>
       </a:lnRef>
       <a:fillRef idx="1">
         <a:scrgbClr r="0" g="0" b="0"/>
       </a:fillRef>
-      <a:effectRef idx="1">
+      <a:effectRef idx="2">
         <a:scrgbClr r="0" g="0" b="0"/>
       </a:effectRef>
       <a:fontRef idx="minor">
-        <a:schemeClr val="dk1"/>
+        <a:schemeClr val="lt1"/>
       </a:fontRef>
     </dgm:style>
   </dgm:styleLbl>
@@ -29619,9 +30808,12 @@
       <a:camera prst="orthographicFront"/>
       <a:lightRig rig="threePt" dir="t"/>
     </dgm:scene3d>
-    <dgm:sp3d extrusionH="50600" prstMaterial="metal">
-      <a:bevelT w="101600" h="80600" prst="relaxedInset"/>
-      <a:bevelB w="80600" h="80600" prst="relaxedInset"/>
+    <dgm:sp3d extrusionH="190500" prstMaterial="matte">
+      <a:bevelT w="120650" h="38100" prst="relaxedInset"/>
+      <a:bevelB w="120650" h="57150" prst="relaxedInset"/>
+      <a:contourClr>
+        <a:schemeClr val="bg1"/>
+      </a:contourClr>
     </dgm:sp3d>
     <dgm:txPr/>
     <dgm:style>
@@ -29631,11 +30823,11 @@
       <a:fillRef idx="1">
         <a:scrgbClr r="0" g="0" b="0"/>
       </a:fillRef>
-      <a:effectRef idx="1">
+      <a:effectRef idx="2">
         <a:scrgbClr r="0" g="0" b="0"/>
       </a:effectRef>
       <a:fontRef idx="minor">
-        <a:schemeClr val="dk1"/>
+        <a:schemeClr val="lt1"/>
       </a:fontRef>
     </dgm:style>
   </dgm:styleLbl>
@@ -29644,9 +30836,12 @@
       <a:camera prst="orthographicFront"/>
       <a:lightRig rig="threePt" dir="t"/>
     </dgm:scene3d>
-    <dgm:sp3d extrusionH="50600" prstMaterial="plastic">
-      <a:bevelT w="101600" h="80600" prst="relaxedInset"/>
-      <a:bevelB w="80600" h="80600" prst="relaxedInset"/>
+    <dgm:sp3d extrusionH="190500" prstMaterial="matte">
+      <a:bevelT w="120650" h="38100" prst="relaxedInset"/>
+      <a:bevelB w="120650" h="57150" prst="relaxedInset"/>
+      <a:contourClr>
+        <a:schemeClr val="bg1"/>
+      </a:contourClr>
     </dgm:sp3d>
     <dgm:txPr/>
     <dgm:style>
@@ -29656,11 +30851,11 @@
       <a:fillRef idx="1">
         <a:scrgbClr r="0" g="0" b="0"/>
       </a:fillRef>
-      <a:effectRef idx="1">
+      <a:effectRef idx="2">
         <a:scrgbClr r="0" g="0" b="0"/>
       </a:effectRef>
       <a:fontRef idx="minor">
-        <a:schemeClr val="dk1"/>
+        <a:schemeClr val="lt1"/>
       </a:fontRef>
     </dgm:style>
   </dgm:styleLbl>
@@ -29669,9 +30864,12 @@
       <a:camera prst="orthographicFront"/>
       <a:lightRig rig="threePt" dir="t"/>
     </dgm:scene3d>
-    <dgm:sp3d extrusionH="50600" prstMaterial="plastic">
-      <a:bevelT w="101600" h="80600" prst="relaxedInset"/>
-      <a:bevelB w="80600" h="80600" prst="relaxedInset"/>
+    <dgm:sp3d extrusionH="190500" prstMaterial="matte">
+      <a:bevelT w="120650" h="38100" prst="relaxedInset"/>
+      <a:bevelB w="120650" h="57150" prst="relaxedInset"/>
+      <a:contourClr>
+        <a:schemeClr val="bg1"/>
+      </a:contourClr>
     </dgm:sp3d>
     <dgm:txPr/>
     <dgm:style>
@@ -29681,11 +30879,11 @@
       <a:fillRef idx="1">
         <a:scrgbClr r="0" g="0" b="0"/>
       </a:fillRef>
-      <a:effectRef idx="1">
+      <a:effectRef idx="2">
         <a:scrgbClr r="0" g="0" b="0"/>
       </a:effectRef>
       <a:fontRef idx="minor">
-        <a:schemeClr val="dk1"/>
+        <a:schemeClr val="lt1"/>
       </a:fontRef>
     </dgm:style>
   </dgm:styleLbl>
@@ -29694,9 +30892,12 @@
       <a:camera prst="orthographicFront"/>
       <a:lightRig rig="threePt" dir="t"/>
     </dgm:scene3d>
-    <dgm:sp3d extrusionH="50600" prstMaterial="plastic">
-      <a:bevelT w="101600" h="80600" prst="relaxedInset"/>
-      <a:bevelB w="80600" h="80600" prst="relaxedInset"/>
+    <dgm:sp3d extrusionH="190500" prstMaterial="matte">
+      <a:bevelT w="120650" h="38100" prst="relaxedInset"/>
+      <a:bevelB w="120650" h="57150" prst="relaxedInset"/>
+      <a:contourClr>
+        <a:schemeClr val="bg1"/>
+      </a:contourClr>
     </dgm:sp3d>
     <dgm:txPr/>
     <dgm:style>
@@ -29706,11 +30907,11 @@
       <a:fillRef idx="1">
         <a:scrgbClr r="0" g="0" b="0"/>
       </a:fillRef>
-      <a:effectRef idx="1">
+      <a:effectRef idx="2">
         <a:scrgbClr r="0" g="0" b="0"/>
       </a:effectRef>
       <a:fontRef idx="minor">
-        <a:schemeClr val="dk1"/>
+        <a:schemeClr val="lt1"/>
       </a:fontRef>
     </dgm:style>
   </dgm:styleLbl>
@@ -29719,9 +30920,11 @@
       <a:camera prst="orthographicFront"/>
       <a:lightRig rig="threePt" dir="t"/>
     </dgm:scene3d>
-    <dgm:sp3d z="57200" extrusionH="10600" prstMaterial="plastic">
-      <a:bevelT w="101600" h="8600" prst="relaxedInset"/>
-      <a:bevelB w="8600" h="8600" prst="relaxedInset"/>
+    <dgm:sp3d z="152400" extrusionH="63500" prstMaterial="matte">
+      <a:bevelT w="50800" h="19050" prst="relaxedInset"/>
+      <a:contourClr>
+        <a:schemeClr val="bg1"/>
+      </a:contourClr>
     </dgm:sp3d>
     <dgm:txPr/>
     <dgm:style>
@@ -29731,7 +30934,7 @@
       <a:fillRef idx="1">
         <a:scrgbClr r="0" g="0" b="0"/>
       </a:fillRef>
-      <a:effectRef idx="1">
+      <a:effectRef idx="0">
         <a:scrgbClr r="0" g="0" b="0"/>
       </a:effectRef>
       <a:fontRef idx="minor"/>
@@ -29742,9 +30945,10 @@
       <a:camera prst="orthographicFront"/>
       <a:lightRig rig="threePt" dir="t"/>
     </dgm:scene3d>
-    <dgm:sp3d extrusionH="50600" prstMaterial="plastic">
-      <a:bevelT w="101600" h="80600" prst="relaxedInset"/>
-      <a:bevelB w="80600" h="80600" prst="relaxedInset"/>
+    <dgm:sp3d extrusionH="63500" contourW="12700" prstMaterial="matte">
+      <a:contourClr>
+        <a:schemeClr val="lt1"/>
+      </a:contourClr>
     </dgm:sp3d>
     <dgm:txPr/>
     <dgm:style>
@@ -29754,7 +30958,7 @@
       <a:fillRef idx="1">
         <a:scrgbClr r="0" g="0" b="0"/>
       </a:fillRef>
-      <a:effectRef idx="1">
+      <a:effectRef idx="0">
         <a:scrgbClr r="0" g="0" b="0"/>
       </a:effectRef>
       <a:fontRef idx="minor"/>
@@ -29765,9 +30969,11 @@
       <a:camera prst="orthographicFront"/>
       <a:lightRig rig="threePt" dir="t"/>
     </dgm:scene3d>
-    <dgm:sp3d z="-211800" extrusionH="10600" prstMaterial="plastic">
-      <a:bevelT w="101600" h="8600" prst="relaxedInset"/>
-      <a:bevelB w="8600" h="8600" prst="relaxedInset"/>
+    <dgm:sp3d z="-302400" extrusionH="63500" prstMaterial="matte">
+      <a:bevelT w="50800" h="19050" prst="relaxedInset"/>
+      <a:contourClr>
+        <a:schemeClr val="bg1"/>
+      </a:contourClr>
     </dgm:sp3d>
     <dgm:txPr/>
     <dgm:style>
@@ -29777,7 +30983,7 @@
       <a:fillRef idx="1">
         <a:scrgbClr r="0" g="0" b="0"/>
       </a:fillRef>
-      <a:effectRef idx="1">
+      <a:effectRef idx="0">
         <a:scrgbClr r="0" g="0" b="0"/>
       </a:effectRef>
       <a:fontRef idx="minor"/>
@@ -29788,8 +30994,11 @@
       <a:camera prst="orthographicFront"/>
       <a:lightRig rig="threePt" dir="t"/>
     </dgm:scene3d>
-    <dgm:sp3d z="-110000">
-      <a:bevelT w="40600" h="20600" prst="relaxedInset"/>
+    <dgm:sp3d z="-60000" extrusionH="63500" prstMaterial="matte">
+      <a:bevelT w="50800" h="19050" prst="relaxedInset"/>
+      <a:contourClr>
+        <a:schemeClr val="bg1"/>
+      </a:contourClr>
     </dgm:sp3d>
     <dgm:txPr/>
     <dgm:style>
@@ -29802,7 +31011,9 @@
       <a:effectRef idx="2">
         <a:scrgbClr r="0" g="0" b="0"/>
       </a:effectRef>
-      <a:fontRef idx="minor"/>
+      <a:fontRef idx="minor">
+        <a:schemeClr val="lt1"/>
+      </a:fontRef>
     </dgm:style>
   </dgm:styleLbl>
   <dgm:styleLbl name="fgSibTrans2D1">
@@ -29810,8 +31021,11 @@
       <a:camera prst="orthographicFront"/>
       <a:lightRig rig="threePt" dir="t"/>
     </dgm:scene3d>
-    <dgm:sp3d z="10600">
-      <a:bevelT w="40600" h="20600" prst="relaxedInset"/>
+    <dgm:sp3d z="63500" extrusionH="63500" prstMaterial="matte">
+      <a:bevelT w="50800" h="19050" prst="relaxedInset"/>
+      <a:contourClr>
+        <a:schemeClr val="bg1"/>
+      </a:contourClr>
     </dgm:sp3d>
     <dgm:txPr/>
     <dgm:style>
@@ -29824,7 +31038,9 @@
       <a:effectRef idx="2">
         <a:scrgbClr r="0" g="0" b="0"/>
       </a:effectRef>
-      <a:fontRef idx="minor"/>
+      <a:fontRef idx="minor">
+        <a:schemeClr val="lt1"/>
+      </a:fontRef>
     </dgm:style>
   </dgm:styleLbl>
   <dgm:styleLbl name="bgSibTrans2D1">
@@ -29832,8 +31048,11 @@
       <a:camera prst="orthographicFront"/>
       <a:lightRig rig="threePt" dir="t"/>
     </dgm:scene3d>
-    <dgm:sp3d z="-211800">
-      <a:bevelT w="40600" h="20600" prst="relaxedInset"/>
+    <dgm:sp3d z="-152000" extrusionH="63500" prstMaterial="matte">
+      <a:bevelT w="50800" h="19050" prst="relaxedInset"/>
+      <a:contourClr>
+        <a:schemeClr val="bg1"/>
+      </a:contourClr>
     </dgm:sp3d>
     <dgm:txPr/>
     <dgm:style>
@@ -29846,7 +31065,9 @@
       <a:effectRef idx="2">
         <a:scrgbClr r="0" g="0" b="0"/>
       </a:effectRef>
-      <a:fontRef idx="minor"/>
+      <a:fontRef idx="minor">
+        <a:schemeClr val="lt1"/>
+      </a:fontRef>
     </dgm:style>
   </dgm:styleLbl>
   <dgm:styleLbl name="sibTrans1D1">
@@ -29854,7 +31075,7 @@
       <a:camera prst="orthographicFront"/>
       <a:lightRig rig="threePt" dir="t"/>
     </dgm:scene3d>
-    <dgm:sp3d z="-110000"/>
+    <dgm:sp3d z="-40000" prstMaterial="matte"/>
     <dgm:txPr/>
     <dgm:style>
       <a:lnRef idx="1">
@@ -29874,10 +31095,10 @@
       <a:camera prst="orthographicFront"/>
       <a:lightRig rig="threePt" dir="t"/>
     </dgm:scene3d>
-    <dgm:sp3d z="10000"/>
+    <dgm:sp3d z="127000" prstMaterial="matte"/>
     <dgm:txPr/>
     <dgm:style>
-      <a:lnRef idx="1">
+      <a:lnRef idx="2">
         <a:scrgbClr r="0" g="0" b="0"/>
       </a:lnRef>
       <a:fillRef idx="1">
@@ -29894,9 +31115,12 @@
       <a:camera prst="orthographicFront"/>
       <a:lightRig rig="threePt" dir="t"/>
     </dgm:scene3d>
-    <dgm:sp3d extrusionH="50600" prstMaterial="plastic">
-      <a:bevelT w="101600" h="80600" prst="relaxedInset"/>
-      <a:bevelB w="80600" h="80600" prst="relaxedInset"/>
+    <dgm:sp3d extrusionH="190500" prstMaterial="matte">
+      <a:bevelT w="120650" h="38100" prst="relaxedInset"/>
+      <a:bevelB w="120650" h="57150" prst="relaxedInset"/>
+      <a:contourClr>
+        <a:schemeClr val="bg1"/>
+      </a:contourClr>
     </dgm:sp3d>
     <dgm:txPr/>
     <dgm:style>
@@ -29906,11 +31130,11 @@
       <a:fillRef idx="1">
         <a:scrgbClr r="0" g="0" b="0"/>
       </a:fillRef>
-      <a:effectRef idx="1">
+      <a:effectRef idx="2">
         <a:scrgbClr r="0" g="0" b="0"/>
       </a:effectRef>
       <a:fontRef idx="minor">
-        <a:schemeClr val="dk1"/>
+        <a:schemeClr val="lt1"/>
       </a:fontRef>
     </dgm:style>
   </dgm:styleLbl>
@@ -29919,9 +31143,12 @@
       <a:camera prst="orthographicFront"/>
       <a:lightRig rig="threePt" dir="t"/>
     </dgm:scene3d>
-    <dgm:sp3d extrusionH="50600" prstMaterial="plastic">
-      <a:bevelT w="101600" h="80600" prst="relaxedInset"/>
-      <a:bevelB w="80600" h="80600" prst="relaxedInset"/>
+    <dgm:sp3d extrusionH="190500" prstMaterial="matte">
+      <a:bevelT w="120650" h="38100" prst="relaxedInset"/>
+      <a:bevelB w="120650" h="57150" prst="relaxedInset"/>
+      <a:contourClr>
+        <a:schemeClr val="bg1"/>
+      </a:contourClr>
     </dgm:sp3d>
     <dgm:txPr/>
     <dgm:style>
@@ -29931,11 +31158,11 @@
       <a:fillRef idx="1">
         <a:scrgbClr r="0" g="0" b="0"/>
       </a:fillRef>
-      <a:effectRef idx="1">
+      <a:effectRef idx="2">
         <a:scrgbClr r="0" g="0" b="0"/>
       </a:effectRef>
       <a:fontRef idx="minor">
-        <a:schemeClr val="dk1"/>
+        <a:schemeClr val="lt1"/>
       </a:fontRef>
     </dgm:style>
   </dgm:styleLbl>
@@ -29944,9 +31171,12 @@
       <a:camera prst="orthographicFront"/>
       <a:lightRig rig="threePt" dir="t"/>
     </dgm:scene3d>
-    <dgm:sp3d extrusionH="50600" prstMaterial="plastic">
-      <a:bevelT w="101600" h="80600" prst="relaxedInset"/>
-      <a:bevelB w="80600" h="80600" prst="relaxedInset"/>
+    <dgm:sp3d extrusionH="190500" prstMaterial="matte">
+      <a:bevelT w="120650" h="38100" prst="relaxedInset"/>
+      <a:bevelB w="120650" h="57150" prst="relaxedInset"/>
+      <a:contourClr>
+        <a:schemeClr val="bg1"/>
+      </a:contourClr>
     </dgm:sp3d>
     <dgm:txPr/>
     <dgm:style>
@@ -29956,11 +31186,11 @@
       <a:fillRef idx="1">
         <a:scrgbClr r="0" g="0" b="0"/>
       </a:fillRef>
-      <a:effectRef idx="1">
+      <a:effectRef idx="2">
         <a:scrgbClr r="0" g="0" b="0"/>
       </a:effectRef>
       <a:fontRef idx="minor">
-        <a:schemeClr val="dk1"/>
+        <a:schemeClr val="lt1"/>
       </a:fontRef>
     </dgm:style>
   </dgm:styleLbl>
@@ -29969,9 +31199,12 @@
       <a:camera prst="orthographicFront"/>
       <a:lightRig rig="threePt" dir="t"/>
     </dgm:scene3d>
-    <dgm:sp3d extrusionH="50600" prstMaterial="plastic">
-      <a:bevelT w="101600" h="80600" prst="relaxedInset"/>
-      <a:bevelB w="80600" h="80600" prst="relaxedInset"/>
+    <dgm:sp3d extrusionH="190500" prstMaterial="matte">
+      <a:bevelT w="120650" h="38100" prst="relaxedInset"/>
+      <a:bevelB w="120650" h="57150" prst="relaxedInset"/>
+      <a:contourClr>
+        <a:schemeClr val="bg1"/>
+      </a:contourClr>
     </dgm:sp3d>
     <dgm:txPr/>
     <dgm:style>
@@ -29981,36 +31214,11 @@
       <a:fillRef idx="1">
         <a:scrgbClr r="0" g="0" b="0"/>
       </a:fillRef>
-      <a:effectRef idx="1">
+      <a:effectRef idx="2">
         <a:scrgbClr r="0" g="0" b="0"/>
       </a:effectRef>
       <a:fontRef idx="minor">
-        <a:schemeClr val="dk1"/>
-      </a:fontRef>
-    </dgm:style>
-  </dgm:styleLbl>
-  <dgm:styleLbl name="asst4">
-    <dgm:scene3d>
-      <a:camera prst="orthographicFront"/>
-      <a:lightRig rig="threePt" dir="t"/>
-    </dgm:scene3d>
-    <dgm:sp3d extrusionH="50600" prstMaterial="plastic">
-      <a:bevelT w="101600" h="80600" prst="relaxedInset"/>
-      <a:bevelB w="80600" h="80600" prst="relaxedInset"/>
-    </dgm:sp3d>
-    <dgm:txPr/>
-    <dgm:style>
-      <a:lnRef idx="0">
-        <a:scrgbClr r="0" g="0" b="0"/>
-      </a:lnRef>
-      <a:fillRef idx="1">
-        <a:scrgbClr r="0" g="0" b="0"/>
-      </a:fillRef>
-      <a:effectRef idx="1">
-        <a:scrgbClr r="0" g="0" b="0"/>
-      </a:effectRef>
-      <a:fontRef idx="minor">
-        <a:schemeClr val="dk1"/>
+        <a:schemeClr val="lt1"/>
       </a:fontRef>
     </dgm:style>
   </dgm:styleLbl>
@@ -30019,8 +31227,11 @@
       <a:camera prst="orthographicFront"/>
       <a:lightRig rig="threePt" dir="t"/>
     </dgm:scene3d>
-    <dgm:sp3d z="-110000">
-      <a:bevelT w="40600" h="20600" prst="relaxedInset"/>
+    <dgm:sp3d extrusionH="63500" prstMaterial="matte">
+      <a:bevelT w="50800" h="19050" prst="relaxedInset"/>
+      <a:contourClr>
+        <a:schemeClr val="bg1"/>
+      </a:contourClr>
     </dgm:sp3d>
     <dgm:txPr/>
     <dgm:style>
@@ -30030,10 +31241,12 @@
       <a:fillRef idx="1">
         <a:scrgbClr r="0" g="0" b="0"/>
       </a:fillRef>
-      <a:effectRef idx="0">
+      <a:effectRef idx="2">
         <a:scrgbClr r="0" g="0" b="0"/>
       </a:effectRef>
-      <a:fontRef idx="minor"/>
+      <a:fontRef idx="minor">
+        <a:schemeClr val="lt1"/>
+      </a:fontRef>
     </dgm:style>
   </dgm:styleLbl>
   <dgm:styleLbl name="parChTrans2D2">
@@ -30041,8 +31254,11 @@
       <a:camera prst="orthographicFront"/>
       <a:lightRig rig="threePt" dir="t"/>
     </dgm:scene3d>
-    <dgm:sp3d z="-110000">
-      <a:bevelT w="40600" h="20600" prst="relaxedInset"/>
+    <dgm:sp3d extrusionH="63500" prstMaterial="matte">
+      <a:bevelT w="50800" h="19050" prst="relaxedInset"/>
+      <a:contourClr>
+        <a:schemeClr val="bg1"/>
+      </a:contourClr>
     </dgm:sp3d>
     <dgm:txPr/>
     <dgm:style>
@@ -30055,7 +31271,9 @@
       <a:effectRef idx="0">
         <a:scrgbClr r="0" g="0" b="0"/>
       </a:effectRef>
-      <a:fontRef idx="minor"/>
+      <a:fontRef idx="minor">
+        <a:schemeClr val="lt1"/>
+      </a:fontRef>
     </dgm:style>
   </dgm:styleLbl>
   <dgm:styleLbl name="parChTrans2D3">
@@ -30063,19 +31281,24 @@
       <a:camera prst="orthographicFront"/>
       <a:lightRig rig="threePt" dir="t"/>
     </dgm:scene3d>
-    <dgm:sp3d z="-110000"/>
+    <dgm:sp3d z="60000" prstMaterial="flat">
+      <a:bevelT w="120900" h="88900"/>
+      <a:bevelB w="88900" h="31750" prst="angle"/>
+    </dgm:sp3d>
     <dgm:txPr/>
     <dgm:style>
       <a:lnRef idx="0">
         <a:scrgbClr r="0" g="0" b="0"/>
       </a:lnRef>
-      <a:fillRef idx="1">
+      <a:fillRef idx="3">
         <a:scrgbClr r="0" g="0" b="0"/>
       </a:fillRef>
-      <a:effectRef idx="0">
+      <a:effectRef idx="1">
         <a:scrgbClr r="0" g="0" b="0"/>
       </a:effectRef>
-      <a:fontRef idx="minor"/>
+      <a:fontRef idx="minor">
+        <a:schemeClr val="lt1"/>
+      </a:fontRef>
     </dgm:style>
   </dgm:styleLbl>
   <dgm:styleLbl name="parChTrans2D4">
@@ -30083,19 +31306,24 @@
       <a:camera prst="orthographicFront"/>
       <a:lightRig rig="threePt" dir="t"/>
     </dgm:scene3d>
-    <dgm:sp3d z="-110000"/>
+    <dgm:sp3d z="60000" prstMaterial="flat">
+      <a:bevelT w="120900" h="88900"/>
+      <a:bevelB w="88900" h="31750" prst="angle"/>
+    </dgm:sp3d>
     <dgm:txPr/>
     <dgm:style>
       <a:lnRef idx="0">
         <a:scrgbClr r="0" g="0" b="0"/>
       </a:lnRef>
-      <a:fillRef idx="1">
+      <a:fillRef idx="3">
         <a:scrgbClr r="0" g="0" b="0"/>
       </a:fillRef>
-      <a:effectRef idx="0">
+      <a:effectRef idx="1">
         <a:scrgbClr r="0" g="0" b="0"/>
       </a:effectRef>
-      <a:fontRef idx="minor"/>
+      <a:fontRef idx="minor">
+        <a:schemeClr val="lt1"/>
+      </a:fontRef>
     </dgm:style>
   </dgm:styleLbl>
   <dgm:styleLbl name="parChTrans1D1">
@@ -30103,7 +31331,7 @@
       <a:camera prst="orthographicFront"/>
       <a:lightRig rig="threePt" dir="t"/>
     </dgm:scene3d>
-    <dgm:sp3d z="-110000"/>
+    <dgm:sp3d z="-40000" prstMaterial="matte"/>
     <dgm:txPr/>
     <dgm:style>
       <a:lnRef idx="2">
@@ -30123,7 +31351,7 @@
       <a:camera prst="orthographicFront"/>
       <a:lightRig rig="threePt" dir="t"/>
     </dgm:scene3d>
-    <dgm:sp3d z="-110000"/>
+    <dgm:sp3d z="-40000" prstMaterial="matte"/>
     <dgm:txPr/>
     <dgm:style>
       <a:lnRef idx="2">
@@ -30143,7 +31371,7 @@
       <a:camera prst="orthographicFront"/>
       <a:lightRig rig="threePt" dir="t"/>
     </dgm:scene3d>
-    <dgm:sp3d z="-110000"/>
+    <dgm:sp3d z="-40000" prstMaterial="matte"/>
     <dgm:txPr/>
     <dgm:style>
       <a:lnRef idx="2">
@@ -30163,7 +31391,7 @@
       <a:camera prst="orthographicFront"/>
       <a:lightRig rig="threePt" dir="t"/>
     </dgm:scene3d>
-    <dgm:sp3d z="-110000"/>
+    <dgm:sp3d z="-40000" prstMaterial="matte"/>
     <dgm:txPr/>
     <dgm:style>
       <a:lnRef idx="2">
@@ -30183,19 +31411,21 @@
       <a:camera prst="orthographicFront"/>
       <a:lightRig rig="threePt" dir="t"/>
     </dgm:scene3d>
-    <dgm:sp3d z="57200" extrusionH="600" contourW="3000">
-      <a:bevelT w="48600" h="18600" prst="relaxedInset"/>
-      <a:bevelB w="48600" h="8600" prst="relaxedInset"/>
+    <dgm:sp3d z="152400" extrusionH="63500" prstMaterial="matte">
+      <a:bevelT w="50800" h="19050" prst="relaxedInset"/>
+      <a:contourClr>
+        <a:schemeClr val="bg1"/>
+      </a:contourClr>
     </dgm:sp3d>
     <dgm:txPr/>
     <dgm:style>
-      <a:lnRef idx="1">
+      <a:lnRef idx="0">
         <a:scrgbClr r="0" g="0" b="0"/>
       </a:lnRef>
       <a:fillRef idx="1">
         <a:scrgbClr r="0" g="0" b="0"/>
       </a:fillRef>
-      <a:effectRef idx="0">
+      <a:effectRef idx="2">
         <a:scrgbClr r="0" g="0" b="0"/>
       </a:effectRef>
       <a:fontRef idx="minor"/>
@@ -30206,13 +31436,15 @@
       <a:camera prst="orthographicFront"/>
       <a:lightRig rig="threePt" dir="t"/>
     </dgm:scene3d>
-    <dgm:sp3d z="-161800" extrusionH="10600" prstMaterial="matte">
-      <a:bevelT w="90600" h="18600" prst="softRound"/>
-      <a:bevelB w="48600" h="8600" prst="relaxedInset"/>
+    <dgm:sp3d z="-152400" extrusionH="63500" prstMaterial="matte">
+      <a:bevelT w="44450" h="6350" prst="relaxedInset"/>
+      <a:contourClr>
+        <a:schemeClr val="bg1"/>
+      </a:contourClr>
     </dgm:sp3d>
     <dgm:txPr/>
     <dgm:style>
-      <a:lnRef idx="1">
+      <a:lnRef idx="0">
         <a:scrgbClr r="0" g="0" b="0"/>
       </a:lnRef>
       <a:fillRef idx="1">
@@ -30229,19 +31461,22 @@
       <a:camera prst="orthographicFront"/>
       <a:lightRig rig="threePt" dir="t"/>
     </dgm:scene3d>
-    <dgm:sp3d extrusionH="50600">
-      <a:bevelT w="101600" h="80600"/>
-      <a:bevelB w="80600" h="80600"/>
+    <dgm:sp3d extrusionH="190500" prstMaterial="matte">
+      <a:bevelT w="120650" h="38100" prst="relaxedInset"/>
+      <a:bevelB w="120650" h="57150" prst="relaxedInset"/>
+      <a:contourClr>
+        <a:schemeClr val="bg1"/>
+      </a:contourClr>
     </dgm:sp3d>
     <dgm:txPr/>
     <dgm:style>
-      <a:lnRef idx="1">
+      <a:lnRef idx="0">
         <a:scrgbClr r="0" g="0" b="0"/>
       </a:lnRef>
       <a:fillRef idx="1">
         <a:scrgbClr r="0" g="0" b="0"/>
       </a:fillRef>
-      <a:effectRef idx="0">
+      <a:effectRef idx="2">
         <a:scrgbClr r="0" g="0" b="0"/>
       </a:effectRef>
       <a:fontRef idx="minor"/>
@@ -30252,18 +31487,22 @@
       <a:camera prst="orthographicFront"/>
       <a:lightRig rig="threePt" dir="t"/>
     </dgm:scene3d>
-    <dgm:sp3d extrusionH="50600">
-      <a:bevelT w="101600" h="80600"/>
+    <dgm:sp3d extrusionH="190500" prstMaterial="matte">
+      <a:bevelT w="120650" h="38100"/>
+      <a:bevelB w="120650" h="57150" prst="relaxedInset"/>
+      <a:contourClr>
+        <a:schemeClr val="bg1"/>
+      </a:contourClr>
     </dgm:sp3d>
     <dgm:txPr/>
     <dgm:style>
-      <a:lnRef idx="1">
+      <a:lnRef idx="0">
         <a:scrgbClr r="0" g="0" b="0"/>
       </a:lnRef>
       <a:fillRef idx="1">
         <a:scrgbClr r="0" g="0" b="0"/>
       </a:fillRef>
-      <a:effectRef idx="0">
+      <a:effectRef idx="2">
         <a:scrgbClr r="0" g="0" b="0"/>
       </a:effectRef>
       <a:fontRef idx="minor"/>
@@ -30274,13 +31513,15 @@
       <a:camera prst="orthographicFront"/>
       <a:lightRig rig="threePt" dir="t"/>
     </dgm:scene3d>
-    <dgm:sp3d z="-161800" extrusionH="10600" prstMaterial="matte">
-      <a:bevelT w="90600" h="18600" prst="softRound"/>
-      <a:bevelB w="48600" h="8600" prst="relaxedInset"/>
+    <dgm:sp3d z="-152400" extrusionH="63500" prstMaterial="matte">
+      <a:bevelT w="44450" h="6350" prst="relaxedInset"/>
+      <a:contourClr>
+        <a:schemeClr val="bg1"/>
+      </a:contourClr>
     </dgm:sp3d>
     <dgm:txPr/>
     <dgm:style>
-      <a:lnRef idx="1">
+      <a:lnRef idx="0">
         <a:scrgbClr r="0" g="0" b="0"/>
       </a:lnRef>
       <a:fillRef idx="1">
@@ -30297,9 +31538,11 @@
       <a:camera prst="orthographicFront"/>
       <a:lightRig rig="threePt" dir="t"/>
     </dgm:scene3d>
-    <dgm:sp3d z="57200" extrusionH="600" contourW="3000">
-      <a:bevelT w="48600" h="18600" prst="relaxedInset"/>
-      <a:bevelB w="48600" h="8600" prst="relaxedInset"/>
+    <dgm:sp3d z="152400" extrusionH="63500" prstMaterial="matte">
+      <a:bevelT w="50800" h="19050" prst="relaxedInset"/>
+      <a:contourClr>
+        <a:schemeClr val="bg1"/>
+      </a:contourClr>
     </dgm:sp3d>
     <dgm:txPr/>
     <dgm:style>
@@ -30309,7 +31552,7 @@
       <a:fillRef idx="1">
         <a:scrgbClr r="0" g="0" b="0"/>
       </a:fillRef>
-      <a:effectRef idx="0">
+      <a:effectRef idx="2">
         <a:scrgbClr r="0" g="0" b="0"/>
       </a:effectRef>
       <a:fontRef idx="minor"/>
@@ -30320,9 +31563,12 @@
       <a:camera prst="orthographicFront"/>
       <a:lightRig rig="threePt" dir="t"/>
     </dgm:scene3d>
-    <dgm:sp3d extrusionH="50600" contourW="3000">
-      <a:bevelT w="101600" h="80600" prst="relaxedInset"/>
-      <a:bevelB w="80600" h="80600" prst="relaxedInset"/>
+    <dgm:sp3d extrusionH="190500" prstMaterial="matte">
+      <a:bevelT w="120650" h="38100" prst="relaxedInset"/>
+      <a:bevelB w="120650" h="57150" prst="relaxedInset"/>
+      <a:contourClr>
+        <a:schemeClr val="bg1"/>
+      </a:contourClr>
     </dgm:sp3d>
     <dgm:txPr/>
     <dgm:style>
@@ -30332,7 +31578,7 @@
       <a:fillRef idx="1">
         <a:scrgbClr r="0" g="0" b="0"/>
       </a:fillRef>
-      <a:effectRef idx="0">
+      <a:effectRef idx="2">
         <a:scrgbClr r="0" g="0" b="0"/>
       </a:effectRef>
       <a:fontRef idx="minor"/>
@@ -30343,9 +31589,11 @@
       <a:camera prst="orthographicFront"/>
       <a:lightRig rig="threePt" dir="t"/>
     </dgm:scene3d>
-    <dgm:sp3d z="-161800" extrusionH="10600" contourW="3000">
-      <a:bevelT w="48600" h="8600" prst="softRound"/>
-      <a:bevelB w="48600" h="8600" prst="relaxedInset"/>
+    <dgm:sp3d z="-152400" extrusionH="63500" prstMaterial="matte">
+      <a:bevelT w="44450" h="6350" prst="relaxedInset"/>
+      <a:contourClr>
+        <a:schemeClr val="bg1"/>
+      </a:contourClr>
     </dgm:sp3d>
     <dgm:txPr/>
     <dgm:style>
@@ -30366,9 +31614,11 @@
       <a:camera prst="orthographicFront"/>
       <a:lightRig rig="threePt" dir="t"/>
     </dgm:scene3d>
-    <dgm:sp3d z="57200" extrusionH="600" contourW="3000">
-      <a:bevelT w="48600" h="18600" prst="relaxedInset"/>
-      <a:bevelB w="48600" h="8600" prst="relaxedInset"/>
+    <dgm:sp3d z="152400" extrusionH="63500" prstMaterial="matte">
+      <a:bevelT w="50800" h="19050" prst="relaxedInset"/>
+      <a:contourClr>
+        <a:schemeClr val="bg1"/>
+      </a:contourClr>
     </dgm:sp3d>
     <dgm:txPr/>
     <dgm:style>
@@ -30389,9 +31639,12 @@
       <a:camera prst="orthographicFront"/>
       <a:lightRig rig="threePt" dir="t"/>
     </dgm:scene3d>
-    <dgm:sp3d extrusionH="50600" contourW="3000">
-      <a:bevelT w="101600" h="80600" prst="relaxedInset"/>
-      <a:bevelB w="80600" h="80600" prst="relaxedInset"/>
+    <dgm:sp3d extrusionH="190500" prstMaterial="matte">
+      <a:bevelT w="120650" h="38100" prst="relaxedInset"/>
+      <a:bevelB w="120650" h="57150" prst="relaxedInset"/>
+      <a:contourClr>
+        <a:schemeClr val="bg1"/>
+      </a:contourClr>
     </dgm:sp3d>
     <dgm:txPr/>
     <dgm:style>
@@ -30401,7 +31654,7 @@
       <a:fillRef idx="1">
         <a:scrgbClr r="0" g="0" b="0"/>
       </a:fillRef>
-      <a:effectRef idx="0">
+      <a:effectRef idx="2">
         <a:scrgbClr r="0" g="0" b="0"/>
       </a:effectRef>
       <a:fontRef idx="minor"/>
@@ -30412,9 +31665,11 @@
       <a:camera prst="orthographicFront"/>
       <a:lightRig rig="threePt" dir="t"/>
     </dgm:scene3d>
-    <dgm:sp3d z="-161800" extrusionH="10600" contourW="3000">
-      <a:bevelT w="48600" h="8600" prst="relaxedInset"/>
-      <a:bevelB w="48600" h="8600" prst="relaxedInset"/>
+    <dgm:sp3d z="-152400" extrusionH="63500" prstMaterial="matte">
+      <a:bevelT w="44450" h="6350" prst="relaxedInset"/>
+      <a:contourClr>
+        <a:schemeClr val="bg1"/>
+      </a:contourClr>
     </dgm:sp3d>
     <dgm:txPr/>
     <dgm:style>
@@ -30424,7 +31679,7 @@
       <a:fillRef idx="1">
         <a:scrgbClr r="0" g="0" b="0"/>
       </a:fillRef>
-      <a:effectRef idx="0">
+      <a:effectRef idx="2">
         <a:scrgbClr r="0" g="0" b="0"/>
       </a:effectRef>
       <a:fontRef idx="minor"/>
@@ -30435,13 +31690,15 @@
       <a:camera prst="orthographicFront"/>
       <a:lightRig rig="threePt" dir="t"/>
     </dgm:scene3d>
-    <dgm:sp3d z="57200" extrusionH="600" contourW="3000">
-      <a:bevelT w="48600" h="18600" prst="relaxedInset"/>
-      <a:bevelB w="48600" h="8600" prst="relaxedInset"/>
+    <dgm:sp3d z="152400" extrusionH="63500" prstMaterial="matte">
+      <a:bevelT w="50800" h="19050" prst="relaxedInset"/>
+      <a:contourClr>
+        <a:schemeClr val="bg1"/>
+      </a:contourClr>
     </dgm:sp3d>
     <dgm:txPr/>
     <dgm:style>
-      <a:lnRef idx="1">
+      <a:lnRef idx="0">
         <a:scrgbClr r="0" g="0" b="0"/>
       </a:lnRef>
       <a:fillRef idx="1">
@@ -30458,13 +31715,15 @@
       <a:camera prst="orthographicFront"/>
       <a:lightRig rig="threePt" dir="t"/>
     </dgm:scene3d>
-    <dgm:sp3d z="57200" extrusionH="600" contourW="3000">
-      <a:bevelT w="48600" h="18600" prst="relaxedInset"/>
-      <a:bevelB w="48600" h="8600" prst="relaxedInset"/>
+    <dgm:sp3d z="152400" extrusionH="63500" prstMaterial="matte">
+      <a:bevelT w="50800" h="19050" prst="relaxedInset"/>
+      <a:contourClr>
+        <a:schemeClr val="bg1"/>
+      </a:contourClr>
     </dgm:sp3d>
     <dgm:txPr/>
     <dgm:style>
-      <a:lnRef idx="1">
+      <a:lnRef idx="0">
         <a:scrgbClr r="0" g="0" b="0"/>
       </a:lnRef>
       <a:fillRef idx="1">
@@ -30481,13 +31740,15 @@
       <a:camera prst="orthographicFront"/>
       <a:lightRig rig="threePt" dir="t"/>
     </dgm:scene3d>
-    <dgm:sp3d z="57200" extrusionH="600" contourW="3000">
-      <a:bevelT w="48600" h="18600" prst="relaxedInset"/>
-      <a:bevelB w="48600" h="8600" prst="relaxedInset"/>
+    <dgm:sp3d z="152400" extrusionH="63500" prstMaterial="matte">
+      <a:bevelT w="50800" h="19050" prst="relaxedInset"/>
+      <a:contourClr>
+        <a:schemeClr val="bg1"/>
+      </a:contourClr>
     </dgm:sp3d>
     <dgm:txPr/>
     <dgm:style>
-      <a:lnRef idx="1">
+      <a:lnRef idx="0">
         <a:scrgbClr r="0" g="0" b="0"/>
       </a:lnRef>
       <a:fillRef idx="1">
@@ -30504,13 +31765,15 @@
       <a:camera prst="orthographicFront"/>
       <a:lightRig rig="threePt" dir="t"/>
     </dgm:scene3d>
-    <dgm:sp3d z="57200" extrusionH="600" contourW="3000">
-      <a:bevelT w="48600" h="18600" prst="relaxedInset"/>
-      <a:bevelB w="48600" h="8600" prst="relaxedInset"/>
+    <dgm:sp3d z="152400" extrusionH="63500" prstMaterial="matte">
+      <a:bevelT w="50800" h="19050" prst="relaxedInset"/>
+      <a:contourClr>
+        <a:schemeClr val="bg1"/>
+      </a:contourClr>
     </dgm:sp3d>
     <dgm:txPr/>
     <dgm:style>
-      <a:lnRef idx="1">
+      <a:lnRef idx="0">
         <a:scrgbClr r="0" g="0" b="0"/>
       </a:lnRef>
       <a:fillRef idx="1">
@@ -30527,9 +31790,11 @@
       <a:camera prst="orthographicFront"/>
       <a:lightRig rig="threePt" dir="t"/>
     </dgm:scene3d>
-    <dgm:sp3d z="-161800" extrusionH="600" contourW="3000">
-      <a:bevelT w="48600" h="18600" prst="relaxedInset"/>
-      <a:bevelB w="48600" h="8600" prst="relaxedInset"/>
+    <dgm:sp3d z="-152400" extrusionH="63500" prstMaterial="matte">
+      <a:bevelT w="44450" h="6350" prst="relaxedInset"/>
+      <a:contourClr>
+        <a:schemeClr val="bg1"/>
+      </a:contourClr>
     </dgm:sp3d>
     <dgm:txPr/>
     <dgm:style>
@@ -30550,9 +31815,12 @@
       <a:camera prst="orthographicFront"/>
       <a:lightRig rig="threePt" dir="t"/>
     </dgm:scene3d>
-    <dgm:sp3d extrusionH="50600">
-      <a:bevelT w="80600" h="80600" prst="relaxedInset"/>
-      <a:bevelB w="80600" h="80600" prst="relaxedInset"/>
+    <dgm:sp3d extrusionH="190500" prstMaterial="matte">
+      <a:bevelT w="120650" h="38100" prst="relaxedInset"/>
+      <a:bevelB w="120650" h="57150" prst="relaxedInset"/>
+      <a:contourClr>
+        <a:schemeClr val="bg1"/>
+      </a:contourClr>
     </dgm:sp3d>
     <dgm:txPr/>
     <dgm:style>
@@ -30562,10 +31830,12 @@
       <a:fillRef idx="1">
         <a:scrgbClr r="0" g="0" b="0"/>
       </a:fillRef>
-      <a:effectRef idx="0">
+      <a:effectRef idx="2">
         <a:scrgbClr r="0" g="0" b="0"/>
       </a:effectRef>
-      <a:fontRef idx="minor"/>
+      <a:fontRef idx="minor">
+        <a:schemeClr val="lt1"/>
+      </a:fontRef>
     </dgm:style>
   </dgm:styleLbl>
   <dgm:styleLbl name="trBgShp">
@@ -30593,9 +31863,11 @@
       <a:camera prst="orthographicFront"/>
       <a:lightRig rig="threePt" dir="t"/>
     </dgm:scene3d>
-    <dgm:sp3d z="57200" extrusionH="600" contourW="3000" prstMaterial="plastic">
-      <a:bevelT w="80600" h="18600" prst="relaxedInset"/>
-      <a:bevelB w="80600" h="8600" prst="relaxedInset"/>
+    <dgm:sp3d z="152400" extrusionH="63500" prstMaterial="matte">
+      <a:bevelT w="50800" h="19050" prst="relaxedInset"/>
+      <a:contourClr>
+        <a:schemeClr val="bg1"/>
+      </a:contourClr>
     </dgm:sp3d>
     <dgm:txPr/>
     <dgm:style>
@@ -30605,10 +31877,12 @@
       <a:fillRef idx="1">
         <a:scrgbClr r="0" g="0" b="0"/>
       </a:fillRef>
-      <a:effectRef idx="0">
+      <a:effectRef idx="2">
         <a:scrgbClr r="0" g="0" b="0"/>
       </a:effectRef>
-      <a:fontRef idx="minor"/>
+      <a:fontRef idx="minor">
+        <a:schemeClr val="lt1"/>
+      </a:fontRef>
     </dgm:style>
   </dgm:styleLbl>
   <dgm:styleLbl name="revTx">
@@ -39202,7 +40476,7 @@
           <a:p>
             <a:fld id="{6170734A-4B5A-4F3B-B573-1E93A2DEC51B}" type="datetimeFigureOut">
               <a:rPr lang="pt-BR" smtClean="0"/>
-              <a:t>14/09/2018</a:t>
+              <a:t>16/09/2018</a:t>
             </a:fld>
             <a:endParaRPr lang="pt-BR"/>
           </a:p>
@@ -39367,7 +40641,7 @@
           <a:p>
             <a:fld id="{6170734A-4B5A-4F3B-B573-1E93A2DEC51B}" type="datetimeFigureOut">
               <a:rPr lang="pt-BR" smtClean="0"/>
-              <a:t>14/09/2018</a:t>
+              <a:t>16/09/2018</a:t>
             </a:fld>
             <a:endParaRPr lang="pt-BR"/>
           </a:p>
@@ -39542,7 +40816,7 @@
           <a:p>
             <a:fld id="{6170734A-4B5A-4F3B-B573-1E93A2DEC51B}" type="datetimeFigureOut">
               <a:rPr lang="pt-BR" smtClean="0"/>
-              <a:t>14/09/2018</a:t>
+              <a:t>16/09/2018</a:t>
             </a:fld>
             <a:endParaRPr lang="pt-BR"/>
           </a:p>
@@ -39725,7 +40999,7 @@
           <a:p>
             <a:fld id="{6170734A-4B5A-4F3B-B573-1E93A2DEC51B}" type="datetimeFigureOut">
               <a:rPr lang="pt-BR" smtClean="0"/>
-              <a:t>14/09/2018</a:t>
+              <a:t>16/09/2018</a:t>
             </a:fld>
             <a:endParaRPr lang="pt-BR"/>
           </a:p>
@@ -39987,7 +41261,7 @@
           <a:p>
             <a:fld id="{6170734A-4B5A-4F3B-B573-1E93A2DEC51B}" type="datetimeFigureOut">
               <a:rPr lang="pt-BR" smtClean="0"/>
-              <a:t>14/09/2018</a:t>
+              <a:t>16/09/2018</a:t>
             </a:fld>
             <a:endParaRPr lang="pt-BR"/>
           </a:p>
@@ -40335,7 +41609,7 @@
           <a:p>
             <a:fld id="{6170734A-4B5A-4F3B-B573-1E93A2DEC51B}" type="datetimeFigureOut">
               <a:rPr lang="pt-BR" smtClean="0"/>
-              <a:t>14/09/2018</a:t>
+              <a:t>16/09/2018</a:t>
             </a:fld>
             <a:endParaRPr lang="pt-BR"/>
           </a:p>
@@ -40643,7 +41917,7 @@
           <a:p>
             <a:fld id="{6170734A-4B5A-4F3B-B573-1E93A2DEC51B}" type="datetimeFigureOut">
               <a:rPr lang="pt-BR" smtClean="0"/>
-              <a:t>14/09/2018</a:t>
+              <a:t>16/09/2018</a:t>
             </a:fld>
             <a:endParaRPr lang="pt-BR"/>
           </a:p>
@@ -40870,7 +42144,7 @@
           <a:p>
             <a:fld id="{6170734A-4B5A-4F3B-B573-1E93A2DEC51B}" type="datetimeFigureOut">
               <a:rPr lang="pt-BR" smtClean="0"/>
-              <a:t>14/09/2018</a:t>
+              <a:t>16/09/2018</a:t>
             </a:fld>
             <a:endParaRPr lang="pt-BR"/>
           </a:p>
@@ -40960,7 +42234,7 @@
           <a:p>
             <a:fld id="{6170734A-4B5A-4F3B-B573-1E93A2DEC51B}" type="datetimeFigureOut">
               <a:rPr lang="pt-BR" smtClean="0"/>
-              <a:t>14/09/2018</a:t>
+              <a:t>16/09/2018</a:t>
             </a:fld>
             <a:endParaRPr lang="pt-BR"/>
           </a:p>
@@ -41248,7 +42522,7 @@
           <a:p>
             <a:fld id="{6170734A-4B5A-4F3B-B573-1E93A2DEC51B}" type="datetimeFigureOut">
               <a:rPr lang="pt-BR" smtClean="0"/>
-              <a:t>14/09/2018</a:t>
+              <a:t>16/09/2018</a:t>
             </a:fld>
             <a:endParaRPr lang="pt-BR"/>
           </a:p>
@@ -41517,7 +42791,7 @@
           <a:p>
             <a:fld id="{6170734A-4B5A-4F3B-B573-1E93A2DEC51B}" type="datetimeFigureOut">
               <a:rPr lang="pt-BR" smtClean="0"/>
-              <a:t>14/09/2018</a:t>
+              <a:t>16/09/2018</a:t>
             </a:fld>
             <a:endParaRPr lang="pt-BR"/>
           </a:p>
@@ -41727,7 +43001,7 @@
           <a:p>
             <a:fld id="{6170734A-4B5A-4F3B-B573-1E93A2DEC51B}" type="datetimeFigureOut">
               <a:rPr lang="pt-BR" smtClean="0"/>
-              <a:t>14/09/2018</a:t>
+              <a:t>16/09/2018</a:t>
             </a:fld>
             <a:endParaRPr lang="pt-BR"/>
           </a:p>
@@ -42610,6 +43884,283 @@
           <a:chExt cx="0" cy="0"/>
         </a:xfrm>
       </p:grpSpPr>
+      <p:sp>
+        <p:nvSpPr>
+          <p:cNvPr id="2" name="Título 1"/>
+          <p:cNvSpPr>
+            <a:spLocks noGrp="1"/>
+          </p:cNvSpPr>
+          <p:nvPr>
+            <p:ph type="title"/>
+          </p:nvPr>
+        </p:nvSpPr>
+        <p:spPr>
+          <a:xfrm>
+            <a:off x="457200" y="0"/>
+            <a:ext cx="8686800" cy="908720"/>
+          </a:xfrm>
+        </p:spPr>
+        <p:txBody>
+          <a:bodyPr/>
+          <a:lstStyle/>
+          <a:p>
+            <a:r>
+              <a:rPr lang="pt-BR" sz="4400" dirty="0" smtClean="0"/>
+              <a:t>Aplicação serviço ao usuário</a:t>
+            </a:r>
+            <a:endParaRPr lang="pt-BR" sz="4400" dirty="0"/>
+          </a:p>
+        </p:txBody>
+      </p:sp>
+      <p:graphicFrame>
+        <p:nvGraphicFramePr>
+          <p:cNvPr id="6" name="Espaço Reservado para Conteúdo 5"/>
+          <p:cNvGraphicFramePr>
+            <a:graphicFrameLocks noGrp="1"/>
+          </p:cNvGraphicFramePr>
+          <p:nvPr>
+            <p:ph idx="1"/>
+            <p:extLst>
+              <p:ext uri="{D42A27DB-BD31-4B8C-83A1-F6EECF244321}">
+                <p14:modId xmlns:p14="http://schemas.microsoft.com/office/powerpoint/2010/main" val="3146447900"/>
+              </p:ext>
+            </p:extLst>
+          </p:nvPr>
+        </p:nvGraphicFramePr>
+        <p:xfrm>
+          <a:off x="0" y="1124744"/>
+          <a:ext cx="9144000" cy="5733256"/>
+        </p:xfrm>
+        <a:graphic>
+          <a:graphicData uri="http://schemas.openxmlformats.org/drawingml/2006/diagram">
+            <dgm:relIds xmlns:dgm="http://schemas.openxmlformats.org/drawingml/2006/diagram" xmlns:r="http://schemas.openxmlformats.org/officeDocument/2006/relationships" r:dm="rId2" r:lo="rId3" r:qs="rId4" r:cs="rId5"/>
+          </a:graphicData>
+        </a:graphic>
+      </p:graphicFrame>
+      <p:pic>
+        <p:nvPicPr>
+          <p:cNvPr id="4" name="Picture 2" descr="https://cdn-images-1.medium.com/max/600/1*YHKQVfSqFafrXvGcc5wUuQ.png"/>
+          <p:cNvPicPr>
+            <a:picLocks noChangeAspect="1" noChangeArrowheads="1"/>
+          </p:cNvPicPr>
+          <p:nvPr/>
+        </p:nvPicPr>
+        <p:blipFill rotWithShape="1">
+          <a:blip r:embed="rId7">
+            <a:extLst>
+              <a:ext uri="{28A0092B-C50C-407E-A947-70E740481C1C}">
+                <a14:useLocalDpi xmlns:a14="http://schemas.microsoft.com/office/drawing/2010/main" val="0"/>
+              </a:ext>
+            </a:extLst>
+          </a:blip>
+          <a:srcRect b="11346"/>
+          <a:stretch/>
+        </p:blipFill>
+        <p:spPr bwMode="auto">
+          <a:xfrm>
+            <a:off x="0" y="-60521"/>
+            <a:ext cx="827584" cy="614104"/>
+          </a:xfrm>
+          <a:prstGeom prst="rect">
+            <a:avLst/>
+          </a:prstGeom>
+          <a:ln>
+            <a:noFill/>
+          </a:ln>
+          <a:effectLst>
+            <a:softEdge rad="112500"/>
+          </a:effectLst>
+          <a:extLst>
+            <a:ext uri="{909E8E84-426E-40DD-AFC4-6F175D3DCCD1}">
+              <a14:hiddenFill xmlns:a14="http://schemas.microsoft.com/office/drawing/2010/main">
+                <a:solidFill>
+                  <a:srgbClr val="FFFFFF"/>
+                </a:solidFill>
+              </a14:hiddenFill>
+            </a:ext>
+          </a:extLst>
+        </p:spPr>
+      </p:pic>
+      <p:sp>
+        <p:nvSpPr>
+          <p:cNvPr id="8" name="CaixaDeTexto 7"/>
+          <p:cNvSpPr txBox="1"/>
+          <p:nvPr/>
+        </p:nvSpPr>
+        <p:spPr>
+          <a:xfrm>
+            <a:off x="-3437" y="2247254"/>
+            <a:ext cx="2119104" cy="646331"/>
+          </a:xfrm>
+          <a:prstGeom prst="rect">
+            <a:avLst/>
+          </a:prstGeom>
+          <a:noFill/>
+        </p:spPr>
+        <p:txBody>
+          <a:bodyPr wrap="square" rtlCol="0">
+            <a:spAutoFit/>
+          </a:bodyPr>
+          <a:lstStyle/>
+          <a:p>
+            <a:r>
+              <a:rPr lang="pt-BR" dirty="0" smtClean="0"/>
+              <a:t>Personalização do serviço (Opcional)</a:t>
+            </a:r>
+            <a:endParaRPr lang="pt-BR" dirty="0"/>
+          </a:p>
+        </p:txBody>
+      </p:sp>
+      <p:sp>
+        <p:nvSpPr>
+          <p:cNvPr id="9" name="CaixaDeTexto 8"/>
+          <p:cNvSpPr txBox="1"/>
+          <p:nvPr/>
+        </p:nvSpPr>
+        <p:spPr>
+          <a:xfrm>
+            <a:off x="2051720" y="3717032"/>
+            <a:ext cx="2520280" cy="369332"/>
+          </a:xfrm>
+          <a:prstGeom prst="rect">
+            <a:avLst/>
+          </a:prstGeom>
+          <a:noFill/>
+        </p:spPr>
+        <p:txBody>
+          <a:bodyPr wrap="square" rtlCol="0">
+            <a:spAutoFit/>
+          </a:bodyPr>
+          <a:lstStyle/>
+          <a:p>
+            <a:r>
+              <a:rPr lang="pt-BR" dirty="0" smtClean="0"/>
+              <a:t>Execução automática</a:t>
+            </a:r>
+            <a:endParaRPr lang="pt-BR" dirty="0"/>
+          </a:p>
+        </p:txBody>
+      </p:sp>
+      <p:sp>
+        <p:nvSpPr>
+          <p:cNvPr id="10" name="CaixaDeTexto 9"/>
+          <p:cNvSpPr txBox="1"/>
+          <p:nvPr/>
+        </p:nvSpPr>
+        <p:spPr>
+          <a:xfrm>
+            <a:off x="-10645" y="5782666"/>
+            <a:ext cx="2854453" cy="923330"/>
+          </a:xfrm>
+          <a:prstGeom prst="rect">
+            <a:avLst/>
+          </a:prstGeom>
+          <a:noFill/>
+        </p:spPr>
+        <p:txBody>
+          <a:bodyPr wrap="square" rtlCol="0">
+            <a:spAutoFit/>
+          </a:bodyPr>
+          <a:lstStyle/>
+          <a:p>
+            <a:r>
+              <a:rPr lang="pt-BR" dirty="0" smtClean="0">
+                <a:solidFill>
+                  <a:schemeClr val="accent5">
+                    <a:lumMod val="75000"/>
+                  </a:schemeClr>
+                </a:solidFill>
+              </a:rPr>
+              <a:t>Obs. Os quadros em verde destacam ações de usuário (Clicks)</a:t>
+            </a:r>
+            <a:endParaRPr lang="pt-BR" dirty="0">
+              <a:solidFill>
+                <a:schemeClr val="accent5">
+                  <a:lumMod val="75000"/>
+                </a:schemeClr>
+              </a:solidFill>
+            </a:endParaRPr>
+          </a:p>
+        </p:txBody>
+      </p:sp>
+      <p:sp>
+        <p:nvSpPr>
+          <p:cNvPr id="18" name="Chave esquerda 17"/>
+          <p:cNvSpPr/>
+          <p:nvPr/>
+        </p:nvSpPr>
+        <p:spPr>
+          <a:xfrm>
+            <a:off x="4572000" y="3140968"/>
+            <a:ext cx="443480" cy="3565028"/>
+          </a:xfrm>
+          <a:prstGeom prst="leftBrace">
+            <a:avLst>
+              <a:gd name="adj1" fmla="val 8333"/>
+              <a:gd name="adj2" fmla="val 20890"/>
+            </a:avLst>
+          </a:prstGeom>
+        </p:spPr>
+        <p:style>
+          <a:lnRef idx="3">
+            <a:schemeClr val="accent3"/>
+          </a:lnRef>
+          <a:fillRef idx="0">
+            <a:schemeClr val="accent3"/>
+          </a:fillRef>
+          <a:effectRef idx="2">
+            <a:schemeClr val="accent3"/>
+          </a:effectRef>
+          <a:fontRef idx="minor">
+            <a:schemeClr val="tx1"/>
+          </a:fontRef>
+        </p:style>
+        <p:txBody>
+          <a:bodyPr rtlCol="0" anchor="ctr"/>
+          <a:lstStyle/>
+          <a:p>
+            <a:pPr algn="ctr"/>
+            <a:endParaRPr lang="pt-BR"/>
+          </a:p>
+        </p:txBody>
+      </p:sp>
+    </p:spTree>
+    <p:extLst>
+      <p:ext uri="{BB962C8B-B14F-4D97-AF65-F5344CB8AC3E}">
+        <p14:creationId xmlns:p14="http://schemas.microsoft.com/office/powerpoint/2010/main" val="2358521325"/>
+      </p:ext>
+    </p:extLst>
+  </p:cSld>
+  <p:clrMapOvr>
+    <a:masterClrMapping/>
+  </p:clrMapOvr>
+  <p:timing>
+    <p:tnLst>
+      <p:par>
+        <p:cTn id="1" dur="indefinite" restart="never" nodeType="tmRoot"/>
+      </p:par>
+    </p:tnLst>
+  </p:timing>
+</p:sld>
+</file>
+
+<file path=ppt/slides/slide11.xml><?xml version="1.0" encoding="utf-8"?>
+<p:sld xmlns:a="http://schemas.openxmlformats.org/drawingml/2006/main" xmlns:r="http://schemas.openxmlformats.org/officeDocument/2006/relationships" xmlns:p="http://schemas.openxmlformats.org/presentationml/2006/main">
+  <p:cSld>
+    <p:spTree>
+      <p:nvGrpSpPr>
+        <p:cNvPr id="1" name=""/>
+        <p:cNvGrpSpPr/>
+        <p:nvPr/>
+      </p:nvGrpSpPr>
+      <p:grpSpPr>
+        <a:xfrm>
+          <a:off x="0" y="0"/>
+          <a:ext cx="0" cy="0"/>
+          <a:chOff x="0" y="0"/>
+          <a:chExt cx="0" cy="0"/>
+        </a:xfrm>
+      </p:grpSpPr>
       <p:pic>
         <p:nvPicPr>
           <p:cNvPr id="1026" name="Picture 2" descr="Resultado de imagem para serviÃ§os web"/>
@@ -42842,7 +44393,7 @@
 </p:sld>
 </file>
 
-<file path=ppt/slides/slide11.xml><?xml version="1.0" encoding="utf-8"?>
+<file path=ppt/slides/slide12.xml><?xml version="1.0" encoding="utf-8"?>
 <p:sld xmlns:a="http://schemas.openxmlformats.org/drawingml/2006/main" xmlns:r="http://schemas.openxmlformats.org/officeDocument/2006/relationships" xmlns:p="http://schemas.openxmlformats.org/presentationml/2006/main">
   <p:cSld>
     <p:spTree>
@@ -42995,7 +44546,7 @@
 </p:sld>
 </file>
 
-<file path=ppt/slides/slide12.xml><?xml version="1.0" encoding="utf-8"?>
+<file path=ppt/slides/slide13.xml><?xml version="1.0" encoding="utf-8"?>
 <p:sld xmlns:a="http://schemas.openxmlformats.org/drawingml/2006/main" xmlns:r="http://schemas.openxmlformats.org/officeDocument/2006/relationships" xmlns:p="http://schemas.openxmlformats.org/presentationml/2006/main">
   <p:cSld>
     <p:spTree>
@@ -43122,7 +44673,7 @@
 </p:sld>
 </file>
 
-<file path=ppt/slides/slide13.xml><?xml version="1.0" encoding="utf-8"?>
+<file path=ppt/slides/slide14.xml><?xml version="1.0" encoding="utf-8"?>
 <p:sld xmlns:a="http://schemas.openxmlformats.org/drawingml/2006/main" xmlns:r="http://schemas.openxmlformats.org/officeDocument/2006/relationships" xmlns:p="http://schemas.openxmlformats.org/presentationml/2006/main">
   <p:cSld>
     <p:spTree>
@@ -43151,7 +44702,7 @@
         </p:nvSpPr>
         <p:spPr>
           <a:xfrm>
-            <a:off x="107504" y="553583"/>
+            <a:off x="139512" y="246531"/>
             <a:ext cx="8856984" cy="1528192"/>
           </a:xfrm>
         </p:spPr>
@@ -43160,38 +44711,38 @@
           <a:lstStyle/>
           <a:p>
             <a:r>
-              <a:rPr lang="pt-BR" dirty="0" smtClean="0"/>
+              <a:rPr lang="pt-BR" sz="4400" dirty="0" smtClean="0"/>
               <a:t>Priorização</a:t>
             </a:r>
             <a:r>
-              <a:rPr lang="pt-BR" baseline="0" dirty="0" smtClean="0"/>
+              <a:rPr lang="pt-BR" sz="4400" baseline="0" dirty="0" smtClean="0"/>
               <a:t> de </a:t>
             </a:r>
             <a:r>
-              <a:rPr lang="pt-BR" baseline="0" dirty="0" err="1" smtClean="0"/>
+              <a:rPr lang="pt-BR" sz="4400" baseline="0" dirty="0" err="1" smtClean="0"/>
               <a:t>Users</a:t>
             </a:r>
             <a:r>
-              <a:rPr lang="pt-BR" baseline="0" dirty="0" smtClean="0"/>
+              <a:rPr lang="pt-BR" sz="4400" baseline="0" dirty="0" smtClean="0"/>
               <a:t> </a:t>
             </a:r>
             <a:r>
-              <a:rPr lang="pt-BR" baseline="0" dirty="0" err="1" smtClean="0"/>
+              <a:rPr lang="pt-BR" sz="4400" baseline="0" dirty="0" err="1" smtClean="0"/>
               <a:t>Stories</a:t>
             </a:r>
             <a:r>
-              <a:rPr lang="pt-BR" baseline="0" dirty="0" smtClean="0"/>
+              <a:rPr lang="pt-BR" sz="4400" baseline="0" dirty="0" smtClean="0"/>
               <a:t> T-</a:t>
             </a:r>
             <a:r>
-              <a:rPr lang="pt-BR" baseline="0" dirty="0" err="1" smtClean="0"/>
+              <a:rPr lang="pt-BR" sz="4400" baseline="0" dirty="0" err="1" smtClean="0"/>
               <a:t>shirt</a:t>
             </a:r>
             <a:r>
-              <a:rPr lang="pt-BR" baseline="0" dirty="0" smtClean="0"/>
+              <a:rPr lang="pt-BR" sz="4400" baseline="0" dirty="0" smtClean="0"/>
               <a:t>, valor do MV</a:t>
             </a:r>
-            <a:endParaRPr lang="pt-BR" dirty="0"/>
+            <a:endParaRPr lang="pt-BR" sz="4400" dirty="0"/>
           </a:p>
         </p:txBody>
       </p:sp>
@@ -43247,8 +44798,8 @@
         </p:nvSpPr>
         <p:spPr>
           <a:xfrm>
-            <a:off x="395536" y="2238679"/>
-            <a:ext cx="8568952" cy="1406344"/>
+            <a:off x="395536" y="1844824"/>
+            <a:ext cx="8568952" cy="1800199"/>
           </a:xfrm>
           <a:prstGeom prst="rect">
             <a:avLst/>
@@ -43335,7 +44886,7 @@
 </p:sld>
 </file>
 
-<file path=ppt/slides/slide14.xml><?xml version="1.0" encoding="utf-8"?>
+<file path=ppt/slides/slide15.xml><?xml version="1.0" encoding="utf-8"?>
 <p:sld xmlns:a="http://schemas.openxmlformats.org/drawingml/2006/main" xmlns:r="http://schemas.openxmlformats.org/officeDocument/2006/relationships" xmlns:p="http://schemas.openxmlformats.org/presentationml/2006/main">
   <p:cSld>
     <p:spTree>
@@ -43462,7 +45013,7 @@
 </p:sld>
 </file>
 
-<file path=ppt/slides/slide15.xml><?xml version="1.0" encoding="utf-8"?>
+<file path=ppt/slides/slide16.xml><?xml version="1.0" encoding="utf-8"?>
 <p:sld xmlns:a="http://schemas.openxmlformats.org/drawingml/2006/main" xmlns:r="http://schemas.openxmlformats.org/officeDocument/2006/relationships" xmlns:p="http://schemas.openxmlformats.org/presentationml/2006/main">
   <p:cSld>
     <p:spTree>
@@ -43589,7 +45140,7 @@
 </p:sld>
 </file>
 
-<file path=ppt/slides/slide16.xml><?xml version="1.0" encoding="utf-8"?>
+<file path=ppt/slides/slide17.xml><?xml version="1.0" encoding="utf-8"?>
 <p:sld xmlns:a="http://schemas.openxmlformats.org/drawingml/2006/main" xmlns:r="http://schemas.openxmlformats.org/officeDocument/2006/relationships" xmlns:p="http://schemas.openxmlformats.org/presentationml/2006/main">
   <p:cSld>
     <p:spTree>
@@ -43742,7 +45293,7 @@
 </p:sld>
 </file>
 
-<file path=ppt/slides/slide17.xml><?xml version="1.0" encoding="utf-8"?>
+<file path=ppt/slides/slide18.xml><?xml version="1.0" encoding="utf-8"?>
 <p:sld xmlns:a="http://schemas.openxmlformats.org/drawingml/2006/main" xmlns:r="http://schemas.openxmlformats.org/officeDocument/2006/relationships" xmlns:p="http://schemas.openxmlformats.org/presentationml/2006/main">
   <p:cSld>
     <p:spTree>
@@ -43792,14 +45343,14 @@
             <p:ph idx="1"/>
             <p:extLst>
               <p:ext uri="{D42A27DB-BD31-4B8C-83A1-F6EECF244321}">
-                <p14:modId xmlns:p14="http://schemas.microsoft.com/office/powerpoint/2010/main" val="785109281"/>
+                <p14:modId xmlns:p14="http://schemas.microsoft.com/office/powerpoint/2010/main" val="1120422377"/>
               </p:ext>
             </p:extLst>
           </p:nvPr>
         </p:nvGraphicFramePr>
         <p:xfrm>
-          <a:off x="251520" y="1600200"/>
-          <a:ext cx="8784976" cy="5429200"/>
+          <a:off x="107504" y="1600200"/>
+          <a:ext cx="8928992" cy="5429200"/>
         </p:xfrm>
         <a:graphic>
           <a:graphicData uri="http://schemas.openxmlformats.org/drawingml/2006/diagram">
@@ -43871,7 +45422,7 @@
 </p:sld>
 </file>
 
-<file path=ppt/slides/slide18.xml><?xml version="1.0" encoding="utf-8"?>
+<file path=ppt/slides/slide19.xml><?xml version="1.0" encoding="utf-8"?>
 <p:sld xmlns:a="http://schemas.openxmlformats.org/drawingml/2006/main" xmlns:r="http://schemas.openxmlformats.org/officeDocument/2006/relationships" xmlns:p="http://schemas.openxmlformats.org/presentationml/2006/main">
   <p:cSld>
     <p:spTree>
@@ -43982,129 +45533,6 @@
     <p:extLst>
       <p:ext uri="{BB962C8B-B14F-4D97-AF65-F5344CB8AC3E}">
         <p14:creationId xmlns:p14="http://schemas.microsoft.com/office/powerpoint/2010/main" val="2088152242"/>
-      </p:ext>
-    </p:extLst>
-  </p:cSld>
-  <p:clrMapOvr>
-    <a:masterClrMapping/>
-  </p:clrMapOvr>
-  <p:timing>
-    <p:tnLst>
-      <p:par>
-        <p:cTn id="1" dur="indefinite" restart="never" nodeType="tmRoot"/>
-      </p:par>
-    </p:tnLst>
-  </p:timing>
-</p:sld>
-</file>
-
-<file path=ppt/slides/slide19.xml><?xml version="1.0" encoding="utf-8"?>
-<p:sld xmlns:a="http://schemas.openxmlformats.org/drawingml/2006/main" xmlns:r="http://schemas.openxmlformats.org/officeDocument/2006/relationships" xmlns:p="http://schemas.openxmlformats.org/presentationml/2006/main">
-  <p:cSld>
-    <p:spTree>
-      <p:nvGrpSpPr>
-        <p:cNvPr id="1" name=""/>
-        <p:cNvGrpSpPr/>
-        <p:nvPr/>
-      </p:nvGrpSpPr>
-      <p:grpSpPr>
-        <a:xfrm>
-          <a:off x="0" y="0"/>
-          <a:ext cx="0" cy="0"/>
-          <a:chOff x="0" y="0"/>
-          <a:chExt cx="0" cy="0"/>
-        </a:xfrm>
-      </p:grpSpPr>
-      <p:sp>
-        <p:nvSpPr>
-          <p:cNvPr id="2" name="Título 1"/>
-          <p:cNvSpPr>
-            <a:spLocks noGrp="1"/>
-          </p:cNvSpPr>
-          <p:nvPr>
-            <p:ph type="title"/>
-          </p:nvPr>
-        </p:nvSpPr>
-        <p:spPr/>
-        <p:txBody>
-          <a:bodyPr/>
-          <a:lstStyle/>
-          <a:p>
-            <a:r>
-              <a:rPr lang="pt-BR" dirty="0" smtClean="0"/>
-              <a:t>Diagramas</a:t>
-            </a:r>
-            <a:endParaRPr lang="pt-BR" dirty="0"/>
-          </a:p>
-        </p:txBody>
-      </p:sp>
-      <p:sp>
-        <p:nvSpPr>
-          <p:cNvPr id="3" name="Espaço Reservado para Conteúdo 2"/>
-          <p:cNvSpPr>
-            <a:spLocks noGrp="1"/>
-          </p:cNvSpPr>
-          <p:nvPr>
-            <p:ph idx="1"/>
-          </p:nvPr>
-        </p:nvSpPr>
-        <p:spPr/>
-        <p:txBody>
-          <a:bodyPr/>
-          <a:lstStyle/>
-          <a:p>
-            <a:endParaRPr lang="pt-BR"/>
-          </a:p>
-        </p:txBody>
-      </p:sp>
-      <p:pic>
-        <p:nvPicPr>
-          <p:cNvPr id="4" name="Picture 2" descr="https://cdn-images-1.medium.com/max/600/1*YHKQVfSqFafrXvGcc5wUuQ.png"/>
-          <p:cNvPicPr>
-            <a:picLocks noChangeAspect="1" noChangeArrowheads="1"/>
-          </p:cNvPicPr>
-          <p:nvPr/>
-        </p:nvPicPr>
-        <p:blipFill rotWithShape="1">
-          <a:blip r:embed="rId2">
-            <a:extLst>
-              <a:ext uri="{28A0092B-C50C-407E-A947-70E740481C1C}">
-                <a14:useLocalDpi xmlns:a14="http://schemas.microsoft.com/office/drawing/2010/main" val="0"/>
-              </a:ext>
-            </a:extLst>
-          </a:blip>
-          <a:srcRect b="11346"/>
-          <a:stretch/>
-        </p:blipFill>
-        <p:spPr bwMode="auto">
-          <a:xfrm>
-            <a:off x="0" y="-60521"/>
-            <a:ext cx="827584" cy="614104"/>
-          </a:xfrm>
-          <a:prstGeom prst="rect">
-            <a:avLst/>
-          </a:prstGeom>
-          <a:ln>
-            <a:noFill/>
-          </a:ln>
-          <a:effectLst>
-            <a:softEdge rad="112500"/>
-          </a:effectLst>
-          <a:extLst>
-            <a:ext uri="{909E8E84-426E-40DD-AFC4-6F175D3DCCD1}">
-              <a14:hiddenFill xmlns:a14="http://schemas.microsoft.com/office/drawing/2010/main">
-                <a:solidFill>
-                  <a:srgbClr val="FFFFFF"/>
-                </a:solidFill>
-              </a14:hiddenFill>
-            </a:ext>
-          </a:extLst>
-        </p:spPr>
-      </p:pic>
-    </p:spTree>
-    <p:extLst>
-      <p:ext uri="{BB962C8B-B14F-4D97-AF65-F5344CB8AC3E}">
-        <p14:creationId xmlns:p14="http://schemas.microsoft.com/office/powerpoint/2010/main" val="436158414"/>
       </p:ext>
     </p:extLst>
   </p:cSld>
@@ -44305,6 +45733,129 @@
             <p:ph type="title"/>
           </p:nvPr>
         </p:nvSpPr>
+        <p:spPr/>
+        <p:txBody>
+          <a:bodyPr/>
+          <a:lstStyle/>
+          <a:p>
+            <a:r>
+              <a:rPr lang="pt-BR" dirty="0" smtClean="0"/>
+              <a:t>Diagramas</a:t>
+            </a:r>
+            <a:endParaRPr lang="pt-BR" dirty="0"/>
+          </a:p>
+        </p:txBody>
+      </p:sp>
+      <p:sp>
+        <p:nvSpPr>
+          <p:cNvPr id="3" name="Espaço Reservado para Conteúdo 2"/>
+          <p:cNvSpPr>
+            <a:spLocks noGrp="1"/>
+          </p:cNvSpPr>
+          <p:nvPr>
+            <p:ph idx="1"/>
+          </p:nvPr>
+        </p:nvSpPr>
+        <p:spPr/>
+        <p:txBody>
+          <a:bodyPr/>
+          <a:lstStyle/>
+          <a:p>
+            <a:endParaRPr lang="pt-BR"/>
+          </a:p>
+        </p:txBody>
+      </p:sp>
+      <p:pic>
+        <p:nvPicPr>
+          <p:cNvPr id="4" name="Picture 2" descr="https://cdn-images-1.medium.com/max/600/1*YHKQVfSqFafrXvGcc5wUuQ.png"/>
+          <p:cNvPicPr>
+            <a:picLocks noChangeAspect="1" noChangeArrowheads="1"/>
+          </p:cNvPicPr>
+          <p:nvPr/>
+        </p:nvPicPr>
+        <p:blipFill rotWithShape="1">
+          <a:blip r:embed="rId2">
+            <a:extLst>
+              <a:ext uri="{28A0092B-C50C-407E-A947-70E740481C1C}">
+                <a14:useLocalDpi xmlns:a14="http://schemas.microsoft.com/office/drawing/2010/main" val="0"/>
+              </a:ext>
+            </a:extLst>
+          </a:blip>
+          <a:srcRect b="11346"/>
+          <a:stretch/>
+        </p:blipFill>
+        <p:spPr bwMode="auto">
+          <a:xfrm>
+            <a:off x="0" y="-60521"/>
+            <a:ext cx="827584" cy="614104"/>
+          </a:xfrm>
+          <a:prstGeom prst="rect">
+            <a:avLst/>
+          </a:prstGeom>
+          <a:ln>
+            <a:noFill/>
+          </a:ln>
+          <a:effectLst>
+            <a:softEdge rad="112500"/>
+          </a:effectLst>
+          <a:extLst>
+            <a:ext uri="{909E8E84-426E-40DD-AFC4-6F175D3DCCD1}">
+              <a14:hiddenFill xmlns:a14="http://schemas.microsoft.com/office/drawing/2010/main">
+                <a:solidFill>
+                  <a:srgbClr val="FFFFFF"/>
+                </a:solidFill>
+              </a14:hiddenFill>
+            </a:ext>
+          </a:extLst>
+        </p:spPr>
+      </p:pic>
+    </p:spTree>
+    <p:extLst>
+      <p:ext uri="{BB962C8B-B14F-4D97-AF65-F5344CB8AC3E}">
+        <p14:creationId xmlns:p14="http://schemas.microsoft.com/office/powerpoint/2010/main" val="436158414"/>
+      </p:ext>
+    </p:extLst>
+  </p:cSld>
+  <p:clrMapOvr>
+    <a:masterClrMapping/>
+  </p:clrMapOvr>
+  <p:timing>
+    <p:tnLst>
+      <p:par>
+        <p:cTn id="1" dur="indefinite" restart="never" nodeType="tmRoot"/>
+      </p:par>
+    </p:tnLst>
+  </p:timing>
+</p:sld>
+</file>
+
+<file path=ppt/slides/slide21.xml><?xml version="1.0" encoding="utf-8"?>
+<p:sld xmlns:a="http://schemas.openxmlformats.org/drawingml/2006/main" xmlns:r="http://schemas.openxmlformats.org/officeDocument/2006/relationships" xmlns:p="http://schemas.openxmlformats.org/presentationml/2006/main">
+  <p:cSld>
+    <p:spTree>
+      <p:nvGrpSpPr>
+        <p:cNvPr id="1" name=""/>
+        <p:cNvGrpSpPr/>
+        <p:nvPr/>
+      </p:nvGrpSpPr>
+      <p:grpSpPr>
+        <a:xfrm>
+          <a:off x="0" y="0"/>
+          <a:ext cx="0" cy="0"/>
+          <a:chOff x="0" y="0"/>
+          <a:chExt cx="0" cy="0"/>
+        </a:xfrm>
+      </p:grpSpPr>
+      <p:sp>
+        <p:nvSpPr>
+          <p:cNvPr id="2" name="Título 1"/>
+          <p:cNvSpPr>
+            <a:spLocks noGrp="1"/>
+          </p:cNvSpPr>
+          <p:nvPr>
+            <p:ph type="title"/>
+          </p:nvPr>
+        </p:nvSpPr>
         <p:spPr>
           <a:xfrm>
             <a:off x="179512" y="4273749"/>
@@ -44433,7 +45984,7 @@
 </p:sld>
 </file>
 
-<file path=ppt/slides/slide21.xml><?xml version="1.0" encoding="utf-8"?>
+<file path=ppt/slides/slide22.xml><?xml version="1.0" encoding="utf-8"?>
 <p:sld xmlns:a="http://schemas.openxmlformats.org/drawingml/2006/main" xmlns:r="http://schemas.openxmlformats.org/officeDocument/2006/relationships" xmlns:p="http://schemas.openxmlformats.org/presentationml/2006/main">
   <p:cSld>
     <p:spTree>
@@ -44556,7 +46107,7 @@
 </p:sld>
 </file>
 
-<file path=ppt/slides/slide22.xml><?xml version="1.0" encoding="utf-8"?>
+<file path=ppt/slides/slide23.xml><?xml version="1.0" encoding="utf-8"?>
 <p:sld xmlns:a="http://schemas.openxmlformats.org/drawingml/2006/main" xmlns:r="http://schemas.openxmlformats.org/officeDocument/2006/relationships" xmlns:p="http://schemas.openxmlformats.org/presentationml/2006/main">
   <p:cSld>
     <p:spTree>
@@ -44679,7 +46230,7 @@
 </p:sld>
 </file>
 
-<file path=ppt/slides/slide23.xml><?xml version="1.0" encoding="utf-8"?>
+<file path=ppt/slides/slide24.xml><?xml version="1.0" encoding="utf-8"?>
 <p:sld xmlns:a="http://schemas.openxmlformats.org/drawingml/2006/main" xmlns:r="http://schemas.openxmlformats.org/officeDocument/2006/relationships" xmlns:p="http://schemas.openxmlformats.org/presentationml/2006/main">
   <p:cSld>
     <p:spTree>
@@ -44834,7 +46385,7 @@
 </p:sld>
 </file>
 
-<file path=ppt/slides/slide24.xml><?xml version="1.0" encoding="utf-8"?>
+<file path=ppt/slides/slide25.xml><?xml version="1.0" encoding="utf-8"?>
 <p:sld xmlns:a="http://schemas.openxmlformats.org/drawingml/2006/main" xmlns:r="http://schemas.openxmlformats.org/officeDocument/2006/relationships" xmlns:p="http://schemas.openxmlformats.org/presentationml/2006/main">
   <p:cSld>
     <p:spTree>
@@ -44957,7 +46508,7 @@
 </p:sld>
 </file>
 
-<file path=ppt/slides/slide25.xml><?xml version="1.0" encoding="utf-8"?>
+<file path=ppt/slides/slide26.xml><?xml version="1.0" encoding="utf-8"?>
 <p:sld xmlns:a="http://schemas.openxmlformats.org/drawingml/2006/main" xmlns:r="http://schemas.openxmlformats.org/officeDocument/2006/relationships" xmlns:p="http://schemas.openxmlformats.org/presentationml/2006/main">
   <p:cSld>
     <p:spTree>
@@ -45080,7 +46631,7 @@
 </p:sld>
 </file>
 
-<file path=ppt/slides/slide26.xml><?xml version="1.0" encoding="utf-8"?>
+<file path=ppt/slides/slide27.xml><?xml version="1.0" encoding="utf-8"?>
 <p:sld xmlns:a="http://schemas.openxmlformats.org/drawingml/2006/main" xmlns:r="http://schemas.openxmlformats.org/officeDocument/2006/relationships" xmlns:p="http://schemas.openxmlformats.org/presentationml/2006/main">
   <p:cSld>
     <p:spTree>
@@ -45203,7 +46754,7 @@
 </p:sld>
 </file>
 
-<file path=ppt/slides/slide27.xml><?xml version="1.0" encoding="utf-8"?>
+<file path=ppt/slides/slide28.xml><?xml version="1.0" encoding="utf-8"?>
 <p:sld xmlns:a="http://schemas.openxmlformats.org/drawingml/2006/main" xmlns:r="http://schemas.openxmlformats.org/officeDocument/2006/relationships" xmlns:p="http://schemas.openxmlformats.org/presentationml/2006/main">
   <p:cSld>
     <p:spTree>
@@ -45355,6 +46906,1778 @@
         </p:nvSpPr>
         <p:spPr>
           <a:xfrm>
+            <a:off x="448464" y="246531"/>
+            <a:ext cx="8229600" cy="687793"/>
+          </a:xfrm>
+        </p:spPr>
+        <p:txBody>
+          <a:bodyPr/>
+          <a:lstStyle/>
+          <a:p>
+            <a:r>
+              <a:rPr lang="pt-BR" dirty="0" smtClean="0"/>
+              <a:t>Sistemas correlatos</a:t>
+            </a:r>
+            <a:endParaRPr lang="pt-BR" dirty="0"/>
+          </a:p>
+        </p:txBody>
+      </p:sp>
+      <p:graphicFrame>
+        <p:nvGraphicFramePr>
+          <p:cNvPr id="4" name="Espaço Reservado para Conteúdo 3"/>
+          <p:cNvGraphicFramePr>
+            <a:graphicFrameLocks noGrp="1"/>
+          </p:cNvGraphicFramePr>
+          <p:nvPr>
+            <p:ph idx="1"/>
+            <p:extLst>
+              <p:ext uri="{D42A27DB-BD31-4B8C-83A1-F6EECF244321}">
+                <p14:modId xmlns:p14="http://schemas.microsoft.com/office/powerpoint/2010/main" val="3172162090"/>
+              </p:ext>
+            </p:extLst>
+          </p:nvPr>
+        </p:nvGraphicFramePr>
+        <p:xfrm>
+          <a:off x="107503" y="1340770"/>
+          <a:ext cx="8856984" cy="5112568"/>
+        </p:xfrm>
+        <a:graphic>
+          <a:graphicData uri="http://schemas.openxmlformats.org/drawingml/2006/table">
+            <a:tbl>
+              <a:tblPr firstRow="1" firstCol="1" bandRow="1">
+                <a:tableStyleId>{5C22544A-7EE6-4342-B048-85BDC9FD1C3A}</a:tableStyleId>
+              </a:tblPr>
+              <a:tblGrid>
+                <a:gridCol w="3111033"/>
+                <a:gridCol w="993424"/>
+                <a:gridCol w="1368152"/>
+                <a:gridCol w="1512168"/>
+                <a:gridCol w="1872207"/>
+              </a:tblGrid>
+              <a:tr h="852694">
+                <a:tc>
+                  <a:txBody>
+                    <a:bodyPr/>
+                    <a:lstStyle/>
+                    <a:p>
+                      <a:pPr>
+                        <a:lnSpc>
+                          <a:spcPct val="115000"/>
+                        </a:lnSpc>
+                        <a:spcAft>
+                          <a:spcPts val="0"/>
+                        </a:spcAft>
+                      </a:pPr>
+                      <a:r>
+                        <a:rPr lang="pt-BR" sz="1400" dirty="0">
+                          <a:effectLst/>
+                          <a:latin typeface="Arial Unicode MS" pitchFamily="34" charset="-128"/>
+                          <a:ea typeface="Arial Unicode MS" pitchFamily="34" charset="-128"/>
+                          <a:cs typeface="Arial Unicode MS" pitchFamily="34" charset="-128"/>
+                        </a:rPr>
+                        <a:t>Funcionalidades</a:t>
+                      </a:r>
+                    </a:p>
+                  </a:txBody>
+                  <a:tcPr marL="73025" marR="73025" marT="0" marB="0" anchor="ctr"/>
+                </a:tc>
+                <a:tc>
+                  <a:txBody>
+                    <a:bodyPr/>
+                    <a:lstStyle/>
+                    <a:p>
+                      <a:pPr algn="ctr">
+                        <a:lnSpc>
+                          <a:spcPct val="115000"/>
+                        </a:lnSpc>
+                        <a:spcAft>
+                          <a:spcPts val="0"/>
+                        </a:spcAft>
+                      </a:pPr>
+                      <a:r>
+                        <a:rPr lang="pt-BR" sz="1400" dirty="0">
+                          <a:effectLst/>
+                          <a:latin typeface="Arial Unicode MS" pitchFamily="34" charset="-128"/>
+                          <a:ea typeface="Arial Unicode MS" pitchFamily="34" charset="-128"/>
+                          <a:cs typeface="Arial Unicode MS" pitchFamily="34" charset="-128"/>
+                        </a:rPr>
+                        <a:t>SNE</a:t>
+                      </a:r>
+                    </a:p>
+                  </a:txBody>
+                  <a:tcPr marL="73025" marR="73025" marT="0" marB="0" anchor="ctr"/>
+                </a:tc>
+                <a:tc>
+                  <a:txBody>
+                    <a:bodyPr/>
+                    <a:lstStyle/>
+                    <a:p>
+                      <a:pPr algn="ctr">
+                        <a:lnSpc>
+                          <a:spcPct val="115000"/>
+                        </a:lnSpc>
+                        <a:spcAft>
+                          <a:spcPts val="0"/>
+                        </a:spcAft>
+                      </a:pPr>
+                      <a:r>
+                        <a:rPr lang="pt-BR" sz="1400" dirty="0" smtClean="0">
+                          <a:effectLst/>
+                          <a:latin typeface="Arial Unicode MS" pitchFamily="34" charset="-128"/>
+                          <a:ea typeface="Arial Unicode MS" pitchFamily="34" charset="-128"/>
+                          <a:cs typeface="Arial Unicode MS" pitchFamily="34" charset="-128"/>
+                        </a:rPr>
+                        <a:t>ASPUR</a:t>
+                      </a:r>
+                      <a:r>
+                        <a:rPr lang="pt-BR" sz="1400" dirty="0">
+                          <a:effectLst/>
+                          <a:latin typeface="Arial Unicode MS" pitchFamily="34" charset="-128"/>
+                          <a:ea typeface="Arial Unicode MS" pitchFamily="34" charset="-128"/>
+                          <a:cs typeface="Arial Unicode MS" pitchFamily="34" charset="-128"/>
+                        </a:rPr>
+                        <a:t> </a:t>
+                      </a:r>
+                    </a:p>
+                  </a:txBody>
+                  <a:tcPr marL="73025" marR="73025" marT="0" marB="0" anchor="ctr"/>
+                </a:tc>
+                <a:tc>
+                  <a:txBody>
+                    <a:bodyPr/>
+                    <a:lstStyle/>
+                    <a:p>
+                      <a:pPr>
+                        <a:lnSpc>
+                          <a:spcPct val="115000"/>
+                        </a:lnSpc>
+                      </a:pPr>
+                      <a:r>
+                        <a:rPr lang="pt-BR" sz="1400" dirty="0" smtClean="0">
+                          <a:effectLst/>
+                          <a:latin typeface="Arial Unicode MS" pitchFamily="34" charset="-128"/>
+                          <a:ea typeface="Arial Unicode MS" pitchFamily="34" charset="-128"/>
+                          <a:cs typeface="Arial Unicode MS" pitchFamily="34" charset="-128"/>
+                        </a:rPr>
+                        <a:t>UTFPR</a:t>
+                      </a:r>
+                      <a:r>
+                        <a:rPr lang="pt-BR" sz="1400" baseline="0" dirty="0" smtClean="0">
+                          <a:effectLst/>
+                          <a:latin typeface="Arial Unicode MS" pitchFamily="34" charset="-128"/>
+                          <a:ea typeface="Arial Unicode MS" pitchFamily="34" charset="-128"/>
+                          <a:cs typeface="Arial Unicode MS" pitchFamily="34" charset="-128"/>
+                        </a:rPr>
+                        <a:t>  mobile</a:t>
+                      </a:r>
+                      <a:endParaRPr lang="pt-BR" sz="1400" dirty="0">
+                        <a:effectLst/>
+                        <a:latin typeface="Arial Unicode MS" pitchFamily="34" charset="-128"/>
+                        <a:ea typeface="Arial Unicode MS" pitchFamily="34" charset="-128"/>
+                        <a:cs typeface="Arial Unicode MS" pitchFamily="34" charset="-128"/>
+                      </a:endParaRPr>
+                    </a:p>
+                  </a:txBody>
+                  <a:tcPr marL="73025" marR="73025" marT="0" marB="0" anchor="ctr"/>
+                </a:tc>
+                <a:tc>
+                  <a:txBody>
+                    <a:bodyPr/>
+                    <a:lstStyle/>
+                    <a:p>
+                      <a:pPr algn="ctr">
+                        <a:lnSpc>
+                          <a:spcPct val="115000"/>
+                        </a:lnSpc>
+                        <a:spcAft>
+                          <a:spcPts val="0"/>
+                        </a:spcAft>
+                      </a:pPr>
+                      <a:r>
+                        <a:rPr lang="pt-BR" sz="1400" dirty="0">
+                          <a:effectLst/>
+                          <a:latin typeface="Arial Unicode MS" pitchFamily="34" charset="-128"/>
+                          <a:ea typeface="Arial Unicode MS" pitchFamily="34" charset="-128"/>
+                          <a:cs typeface="Arial Unicode MS" pitchFamily="34" charset="-128"/>
+                        </a:rPr>
+                        <a:t>AC</a:t>
+                      </a:r>
+                    </a:p>
+                  </a:txBody>
+                  <a:tcPr marL="73025" marR="73025" marT="0" marB="0" anchor="ctr">
+                    <a:solidFill>
+                      <a:schemeClr val="accent3"/>
+                    </a:solidFill>
+                  </a:tcPr>
+                </a:tc>
+              </a:tr>
+              <a:tr h="477463">
+                <a:tc>
+                  <a:txBody>
+                    <a:bodyPr/>
+                    <a:lstStyle/>
+                    <a:p>
+                      <a:pPr>
+                        <a:lnSpc>
+                          <a:spcPct val="115000"/>
+                        </a:lnSpc>
+                        <a:spcAft>
+                          <a:spcPts val="0"/>
+                        </a:spcAft>
+                      </a:pPr>
+                      <a:r>
+                        <a:rPr lang="pt-BR" sz="1400" b="0" dirty="0">
+                          <a:effectLst/>
+                          <a:latin typeface="Arial Unicode MS" pitchFamily="34" charset="-128"/>
+                          <a:ea typeface="Arial Unicode MS" pitchFamily="34" charset="-128"/>
+                          <a:cs typeface="Arial Unicode MS" pitchFamily="34" charset="-128"/>
+                        </a:rPr>
+                        <a:t>Notificação </a:t>
+                      </a:r>
+                      <a:r>
+                        <a:rPr lang="pt-BR" sz="1400" b="0" dirty="0" smtClean="0">
+                          <a:effectLst/>
+                          <a:latin typeface="Arial Unicode MS" pitchFamily="34" charset="-128"/>
+                          <a:ea typeface="Arial Unicode MS" pitchFamily="34" charset="-128"/>
+                          <a:cs typeface="Arial Unicode MS" pitchFamily="34" charset="-128"/>
+                        </a:rPr>
+                        <a:t>informativas</a:t>
+                      </a:r>
+                      <a:endParaRPr lang="pt-BR" sz="1400" b="0" dirty="0">
+                        <a:effectLst/>
+                        <a:latin typeface="Arial Unicode MS" pitchFamily="34" charset="-128"/>
+                        <a:ea typeface="Arial Unicode MS" pitchFamily="34" charset="-128"/>
+                        <a:cs typeface="Arial Unicode MS" pitchFamily="34" charset="-128"/>
+                      </a:endParaRPr>
+                    </a:p>
+                  </a:txBody>
+                  <a:tcPr marL="73025" marR="73025" marT="0" marB="0" anchor="ctr"/>
+                </a:tc>
+                <a:tc>
+                  <a:txBody>
+                    <a:bodyPr/>
+                    <a:lstStyle/>
+                    <a:p>
+                      <a:pPr algn="ctr">
+                        <a:lnSpc>
+                          <a:spcPct val="115000"/>
+                        </a:lnSpc>
+                        <a:spcAft>
+                          <a:spcPts val="0"/>
+                        </a:spcAft>
+                      </a:pPr>
+                      <a:r>
+                        <a:rPr lang="pt-BR" sz="1400" dirty="0" smtClean="0">
+                          <a:effectLst/>
+                          <a:latin typeface="Arial Unicode MS" pitchFamily="34" charset="-128"/>
+                          <a:ea typeface="Arial Unicode MS" pitchFamily="34" charset="-128"/>
+                          <a:cs typeface="Arial Unicode MS" pitchFamily="34" charset="-128"/>
+                        </a:rPr>
+                        <a:t>S</a:t>
+                      </a:r>
+                      <a:endParaRPr lang="pt-BR" sz="1400" dirty="0">
+                        <a:effectLst/>
+                        <a:latin typeface="Arial Unicode MS" pitchFamily="34" charset="-128"/>
+                        <a:ea typeface="Arial Unicode MS" pitchFamily="34" charset="-128"/>
+                        <a:cs typeface="Arial Unicode MS" pitchFamily="34" charset="-128"/>
+                      </a:endParaRPr>
+                    </a:p>
+                  </a:txBody>
+                  <a:tcPr marL="73025" marR="73025" marT="0" marB="0" anchor="ctr"/>
+                </a:tc>
+                <a:tc>
+                  <a:txBody>
+                    <a:bodyPr/>
+                    <a:lstStyle/>
+                    <a:p>
+                      <a:pPr algn="ctr">
+                        <a:lnSpc>
+                          <a:spcPct val="115000"/>
+                        </a:lnSpc>
+                      </a:pPr>
+                      <a:r>
+                        <a:rPr lang="pt-BR" sz="1400" dirty="0" smtClean="0">
+                          <a:effectLst/>
+                          <a:latin typeface="Arial Unicode MS" pitchFamily="34" charset="-128"/>
+                          <a:ea typeface="Arial Unicode MS" pitchFamily="34" charset="-128"/>
+                          <a:cs typeface="Arial Unicode MS" pitchFamily="34" charset="-128"/>
+                        </a:rPr>
+                        <a:t>S</a:t>
+                      </a:r>
+                      <a:endParaRPr lang="pt-BR" sz="1400" dirty="0">
+                        <a:effectLst/>
+                        <a:latin typeface="Arial Unicode MS" pitchFamily="34" charset="-128"/>
+                        <a:ea typeface="Arial Unicode MS" pitchFamily="34" charset="-128"/>
+                        <a:cs typeface="Arial Unicode MS" pitchFamily="34" charset="-128"/>
+                      </a:endParaRPr>
+                    </a:p>
+                  </a:txBody>
+                  <a:tcPr marL="73025" marR="73025" marT="0" marB="0" anchor="ctr"/>
+                </a:tc>
+                <a:tc>
+                  <a:txBody>
+                    <a:bodyPr/>
+                    <a:lstStyle/>
+                    <a:p>
+                      <a:pPr algn="ctr">
+                        <a:lnSpc>
+                          <a:spcPct val="115000"/>
+                        </a:lnSpc>
+                      </a:pPr>
+                      <a:r>
+                        <a:rPr lang="pt-BR" sz="1400" dirty="0" smtClean="0">
+                          <a:effectLst/>
+                          <a:latin typeface="Arial Unicode MS" pitchFamily="34" charset="-128"/>
+                          <a:ea typeface="Arial Unicode MS" pitchFamily="34" charset="-128"/>
+                          <a:cs typeface="Arial Unicode MS" pitchFamily="34" charset="-128"/>
+                        </a:rPr>
+                        <a:t>S</a:t>
+                      </a:r>
+                      <a:endParaRPr lang="pt-BR" sz="1400" dirty="0">
+                        <a:effectLst/>
+                        <a:latin typeface="Arial Unicode MS" pitchFamily="34" charset="-128"/>
+                        <a:ea typeface="Arial Unicode MS" pitchFamily="34" charset="-128"/>
+                        <a:cs typeface="Arial Unicode MS" pitchFamily="34" charset="-128"/>
+                      </a:endParaRPr>
+                    </a:p>
+                  </a:txBody>
+                  <a:tcPr marL="73025" marR="73025" marT="0" marB="0" anchor="ctr"/>
+                </a:tc>
+                <a:tc>
+                  <a:txBody>
+                    <a:bodyPr/>
+                    <a:lstStyle/>
+                    <a:p>
+                      <a:pPr algn="ctr">
+                        <a:lnSpc>
+                          <a:spcPct val="115000"/>
+                        </a:lnSpc>
+                      </a:pPr>
+                      <a:r>
+                        <a:rPr lang="pt-BR" sz="1400" dirty="0" smtClean="0">
+                          <a:effectLst/>
+                          <a:latin typeface="Arial Unicode MS" pitchFamily="34" charset="-128"/>
+                          <a:ea typeface="Arial Unicode MS" pitchFamily="34" charset="-128"/>
+                          <a:cs typeface="Arial Unicode MS" pitchFamily="34" charset="-128"/>
+                        </a:rPr>
+                        <a:t>S</a:t>
+                      </a:r>
+                      <a:endParaRPr lang="pt-BR" sz="1400" dirty="0">
+                        <a:effectLst/>
+                        <a:latin typeface="Arial Unicode MS" pitchFamily="34" charset="-128"/>
+                        <a:ea typeface="Arial Unicode MS" pitchFamily="34" charset="-128"/>
+                        <a:cs typeface="Arial Unicode MS" pitchFamily="34" charset="-128"/>
+                      </a:endParaRPr>
+                    </a:p>
+                  </a:txBody>
+                  <a:tcPr marL="73025" marR="73025" marT="0" marB="0" anchor="ctr">
+                    <a:solidFill>
+                      <a:schemeClr val="accent3"/>
+                    </a:solidFill>
+                  </a:tcPr>
+                </a:tc>
+              </a:tr>
+              <a:tr h="477463">
+                <a:tc>
+                  <a:txBody>
+                    <a:bodyPr/>
+                    <a:lstStyle/>
+                    <a:p>
+                      <a:pPr>
+                        <a:lnSpc>
+                          <a:spcPct val="115000"/>
+                        </a:lnSpc>
+                        <a:spcAft>
+                          <a:spcPts val="0"/>
+                        </a:spcAft>
+                      </a:pPr>
+                      <a:r>
+                        <a:rPr lang="pt-BR" sz="1400" b="0" dirty="0" smtClean="0">
+                          <a:effectLst/>
+                          <a:latin typeface="Arial Unicode MS" pitchFamily="34" charset="-128"/>
+                          <a:ea typeface="Arial Unicode MS" pitchFamily="34" charset="-128"/>
+                          <a:cs typeface="Arial Unicode MS" pitchFamily="34" charset="-128"/>
+                        </a:rPr>
+                        <a:t>Notificação</a:t>
+                      </a:r>
+                      <a:r>
+                        <a:rPr lang="pt-BR" sz="1400" b="0" baseline="0" dirty="0" smtClean="0">
+                          <a:effectLst/>
+                          <a:latin typeface="Arial Unicode MS" pitchFamily="34" charset="-128"/>
+                          <a:ea typeface="Arial Unicode MS" pitchFamily="34" charset="-128"/>
+                          <a:cs typeface="Arial Unicode MS" pitchFamily="34" charset="-128"/>
+                        </a:rPr>
+                        <a:t> personalizáveis</a:t>
+                      </a:r>
+                      <a:endParaRPr lang="pt-BR" sz="1400" b="0" dirty="0">
+                        <a:effectLst/>
+                        <a:latin typeface="Arial Unicode MS" pitchFamily="34" charset="-128"/>
+                        <a:ea typeface="Arial Unicode MS" pitchFamily="34" charset="-128"/>
+                        <a:cs typeface="Arial Unicode MS" pitchFamily="34" charset="-128"/>
+                      </a:endParaRPr>
+                    </a:p>
+                  </a:txBody>
+                  <a:tcPr marL="73025" marR="73025" marT="0" marB="0" anchor="ctr"/>
+                </a:tc>
+                <a:tc>
+                  <a:txBody>
+                    <a:bodyPr/>
+                    <a:lstStyle/>
+                    <a:p>
+                      <a:pPr algn="ctr">
+                        <a:lnSpc>
+                          <a:spcPct val="115000"/>
+                        </a:lnSpc>
+                      </a:pPr>
+                      <a:r>
+                        <a:rPr lang="pt-BR" sz="1400" dirty="0" smtClean="0">
+                          <a:effectLst/>
+                          <a:latin typeface="Arial Unicode MS" pitchFamily="34" charset="-128"/>
+                          <a:ea typeface="Arial Unicode MS" pitchFamily="34" charset="-128"/>
+                          <a:cs typeface="Arial Unicode MS" pitchFamily="34" charset="-128"/>
+                        </a:rPr>
+                        <a:t>S</a:t>
+                      </a:r>
+                      <a:endParaRPr lang="pt-BR" sz="1400" dirty="0">
+                        <a:effectLst/>
+                        <a:latin typeface="Arial Unicode MS" pitchFamily="34" charset="-128"/>
+                        <a:ea typeface="Arial Unicode MS" pitchFamily="34" charset="-128"/>
+                        <a:cs typeface="Arial Unicode MS" pitchFamily="34" charset="-128"/>
+                      </a:endParaRPr>
+                    </a:p>
+                  </a:txBody>
+                  <a:tcPr marL="73025" marR="73025" marT="0" marB="0" anchor="ctr"/>
+                </a:tc>
+                <a:tc>
+                  <a:txBody>
+                    <a:bodyPr/>
+                    <a:lstStyle/>
+                    <a:p>
+                      <a:pPr algn="ctr">
+                        <a:lnSpc>
+                          <a:spcPct val="115000"/>
+                        </a:lnSpc>
+                      </a:pPr>
+                      <a:r>
+                        <a:rPr lang="pt-BR" sz="1400" dirty="0" smtClean="0">
+                          <a:effectLst/>
+                          <a:latin typeface="Arial Unicode MS" pitchFamily="34" charset="-128"/>
+                          <a:ea typeface="Arial Unicode MS" pitchFamily="34" charset="-128"/>
+                          <a:cs typeface="Arial Unicode MS" pitchFamily="34" charset="-128"/>
+                        </a:rPr>
+                        <a:t>N</a:t>
+                      </a:r>
+                      <a:endParaRPr lang="pt-BR" sz="1400" dirty="0">
+                        <a:effectLst/>
+                        <a:latin typeface="Arial Unicode MS" pitchFamily="34" charset="-128"/>
+                        <a:ea typeface="Arial Unicode MS" pitchFamily="34" charset="-128"/>
+                        <a:cs typeface="Arial Unicode MS" pitchFamily="34" charset="-128"/>
+                      </a:endParaRPr>
+                    </a:p>
+                  </a:txBody>
+                  <a:tcPr marL="73025" marR="73025" marT="0" marB="0" anchor="ctr"/>
+                </a:tc>
+                <a:tc>
+                  <a:txBody>
+                    <a:bodyPr/>
+                    <a:lstStyle/>
+                    <a:p>
+                      <a:pPr algn="ctr">
+                        <a:lnSpc>
+                          <a:spcPct val="115000"/>
+                        </a:lnSpc>
+                      </a:pPr>
+                      <a:r>
+                        <a:rPr lang="pt-BR" sz="1400" dirty="0" smtClean="0">
+                          <a:effectLst/>
+                          <a:latin typeface="Arial Unicode MS" pitchFamily="34" charset="-128"/>
+                          <a:ea typeface="Arial Unicode MS" pitchFamily="34" charset="-128"/>
+                          <a:cs typeface="Arial Unicode MS" pitchFamily="34" charset="-128"/>
+                        </a:rPr>
+                        <a:t>S</a:t>
+                      </a:r>
+                      <a:endParaRPr lang="pt-BR" sz="1400" dirty="0">
+                        <a:effectLst/>
+                        <a:latin typeface="Arial Unicode MS" pitchFamily="34" charset="-128"/>
+                        <a:ea typeface="Arial Unicode MS" pitchFamily="34" charset="-128"/>
+                        <a:cs typeface="Arial Unicode MS" pitchFamily="34" charset="-128"/>
+                      </a:endParaRPr>
+                    </a:p>
+                  </a:txBody>
+                  <a:tcPr marL="73025" marR="73025" marT="0" marB="0" anchor="ctr"/>
+                </a:tc>
+                <a:tc>
+                  <a:txBody>
+                    <a:bodyPr/>
+                    <a:lstStyle/>
+                    <a:p>
+                      <a:pPr algn="ctr">
+                        <a:lnSpc>
+                          <a:spcPct val="115000"/>
+                        </a:lnSpc>
+                      </a:pPr>
+                      <a:r>
+                        <a:rPr lang="pt-BR" sz="1400" dirty="0" smtClean="0">
+                          <a:effectLst/>
+                          <a:latin typeface="Arial Unicode MS" pitchFamily="34" charset="-128"/>
+                          <a:ea typeface="Arial Unicode MS" pitchFamily="34" charset="-128"/>
+                          <a:cs typeface="Arial Unicode MS" pitchFamily="34" charset="-128"/>
+                        </a:rPr>
+                        <a:t>S</a:t>
+                      </a:r>
+                      <a:endParaRPr lang="pt-BR" sz="1400" dirty="0">
+                        <a:effectLst/>
+                        <a:latin typeface="Arial Unicode MS" pitchFamily="34" charset="-128"/>
+                        <a:ea typeface="Arial Unicode MS" pitchFamily="34" charset="-128"/>
+                        <a:cs typeface="Arial Unicode MS" pitchFamily="34" charset="-128"/>
+                      </a:endParaRPr>
+                    </a:p>
+                  </a:txBody>
+                  <a:tcPr marL="73025" marR="73025" marT="0" marB="0" anchor="ctr">
+                    <a:solidFill>
+                      <a:schemeClr val="accent3"/>
+                    </a:solidFill>
+                  </a:tcPr>
+                </a:tc>
+              </a:tr>
+              <a:tr h="609506">
+                <a:tc>
+                  <a:txBody>
+                    <a:bodyPr/>
+                    <a:lstStyle/>
+                    <a:p>
+                      <a:pPr>
+                        <a:lnSpc>
+                          <a:spcPct val="115000"/>
+                        </a:lnSpc>
+                        <a:spcAft>
+                          <a:spcPts val="0"/>
+                        </a:spcAft>
+                      </a:pPr>
+                      <a:r>
+                        <a:rPr lang="pt-BR" sz="1400" b="0" dirty="0" smtClean="0">
+                          <a:effectLst/>
+                          <a:latin typeface="Arial Unicode MS" pitchFamily="34" charset="-128"/>
+                          <a:ea typeface="Arial Unicode MS" pitchFamily="34" charset="-128"/>
+                          <a:cs typeface="Arial Unicode MS" pitchFamily="34" charset="-128"/>
+                        </a:rPr>
+                        <a:t>Notificações integradas com</a:t>
+                      </a:r>
+                      <a:r>
+                        <a:rPr lang="pt-BR" sz="1400" b="0" baseline="0" dirty="0" smtClean="0">
+                          <a:effectLst/>
+                          <a:latin typeface="Arial Unicode MS" pitchFamily="34" charset="-128"/>
+                          <a:ea typeface="Arial Unicode MS" pitchFamily="34" charset="-128"/>
+                          <a:cs typeface="Arial Unicode MS" pitchFamily="34" charset="-128"/>
+                        </a:rPr>
+                        <a:t> diversos sistemas</a:t>
+                      </a:r>
+                      <a:endParaRPr lang="pt-BR" sz="1400" b="0" dirty="0">
+                        <a:effectLst/>
+                        <a:latin typeface="Arial Unicode MS" pitchFamily="34" charset="-128"/>
+                        <a:ea typeface="Arial Unicode MS" pitchFamily="34" charset="-128"/>
+                        <a:cs typeface="Arial Unicode MS" pitchFamily="34" charset="-128"/>
+                      </a:endParaRPr>
+                    </a:p>
+                  </a:txBody>
+                  <a:tcPr marL="73025" marR="73025" marT="0" marB="0" anchor="ctr"/>
+                </a:tc>
+                <a:tc>
+                  <a:txBody>
+                    <a:bodyPr/>
+                    <a:lstStyle/>
+                    <a:p>
+                      <a:pPr algn="ctr">
+                        <a:lnSpc>
+                          <a:spcPct val="115000"/>
+                        </a:lnSpc>
+                      </a:pPr>
+                      <a:r>
+                        <a:rPr lang="pt-BR" sz="1400" dirty="0" smtClean="0">
+                          <a:effectLst/>
+                          <a:latin typeface="Arial Unicode MS" pitchFamily="34" charset="-128"/>
+                          <a:ea typeface="Arial Unicode MS" pitchFamily="34" charset="-128"/>
+                          <a:cs typeface="Arial Unicode MS" pitchFamily="34" charset="-128"/>
+                        </a:rPr>
+                        <a:t>N</a:t>
+                      </a:r>
+                      <a:endParaRPr lang="pt-BR" sz="1400" dirty="0">
+                        <a:effectLst/>
+                        <a:latin typeface="Arial Unicode MS" pitchFamily="34" charset="-128"/>
+                        <a:ea typeface="Arial Unicode MS" pitchFamily="34" charset="-128"/>
+                        <a:cs typeface="Arial Unicode MS" pitchFamily="34" charset="-128"/>
+                      </a:endParaRPr>
+                    </a:p>
+                  </a:txBody>
+                  <a:tcPr marL="73025" marR="73025" marT="0" marB="0" anchor="ctr"/>
+                </a:tc>
+                <a:tc>
+                  <a:txBody>
+                    <a:bodyPr/>
+                    <a:lstStyle/>
+                    <a:p>
+                      <a:pPr algn="ctr">
+                        <a:lnSpc>
+                          <a:spcPct val="115000"/>
+                        </a:lnSpc>
+                      </a:pPr>
+                      <a:r>
+                        <a:rPr lang="pt-BR" sz="1400" dirty="0" smtClean="0">
+                          <a:effectLst/>
+                          <a:latin typeface="Arial Unicode MS" pitchFamily="34" charset="-128"/>
+                          <a:ea typeface="Arial Unicode MS" pitchFamily="34" charset="-128"/>
+                          <a:cs typeface="Arial Unicode MS" pitchFamily="34" charset="-128"/>
+                        </a:rPr>
+                        <a:t>N</a:t>
+                      </a:r>
+                      <a:endParaRPr lang="pt-BR" sz="1400" dirty="0">
+                        <a:effectLst/>
+                        <a:latin typeface="Arial Unicode MS" pitchFamily="34" charset="-128"/>
+                        <a:ea typeface="Arial Unicode MS" pitchFamily="34" charset="-128"/>
+                        <a:cs typeface="Arial Unicode MS" pitchFamily="34" charset="-128"/>
+                      </a:endParaRPr>
+                    </a:p>
+                  </a:txBody>
+                  <a:tcPr marL="73025" marR="73025" marT="0" marB="0" anchor="ctr"/>
+                </a:tc>
+                <a:tc>
+                  <a:txBody>
+                    <a:bodyPr/>
+                    <a:lstStyle/>
+                    <a:p>
+                      <a:pPr algn="ctr">
+                        <a:lnSpc>
+                          <a:spcPct val="115000"/>
+                        </a:lnSpc>
+                      </a:pPr>
+                      <a:r>
+                        <a:rPr lang="pt-BR" sz="1400" dirty="0" smtClean="0">
+                          <a:effectLst/>
+                          <a:latin typeface="Arial Unicode MS" pitchFamily="34" charset="-128"/>
+                          <a:ea typeface="Arial Unicode MS" pitchFamily="34" charset="-128"/>
+                          <a:cs typeface="Arial Unicode MS" pitchFamily="34" charset="-128"/>
+                        </a:rPr>
+                        <a:t>S</a:t>
+                      </a:r>
+                      <a:endParaRPr lang="pt-BR" sz="1400" dirty="0">
+                        <a:effectLst/>
+                        <a:latin typeface="Arial Unicode MS" pitchFamily="34" charset="-128"/>
+                        <a:ea typeface="Arial Unicode MS" pitchFamily="34" charset="-128"/>
+                        <a:cs typeface="Arial Unicode MS" pitchFamily="34" charset="-128"/>
+                      </a:endParaRPr>
+                    </a:p>
+                  </a:txBody>
+                  <a:tcPr marL="73025" marR="73025" marT="0" marB="0" anchor="ctr"/>
+                </a:tc>
+                <a:tc>
+                  <a:txBody>
+                    <a:bodyPr/>
+                    <a:lstStyle/>
+                    <a:p>
+                      <a:pPr algn="ctr">
+                        <a:lnSpc>
+                          <a:spcPct val="115000"/>
+                        </a:lnSpc>
+                      </a:pPr>
+                      <a:r>
+                        <a:rPr lang="pt-BR" sz="1400" dirty="0" smtClean="0">
+                          <a:effectLst/>
+                          <a:latin typeface="Arial Unicode MS" pitchFamily="34" charset="-128"/>
+                          <a:ea typeface="Arial Unicode MS" pitchFamily="34" charset="-128"/>
+                          <a:cs typeface="Arial Unicode MS" pitchFamily="34" charset="-128"/>
+                        </a:rPr>
+                        <a:t>S</a:t>
+                      </a:r>
+                      <a:endParaRPr lang="pt-BR" sz="1400" dirty="0">
+                        <a:effectLst/>
+                        <a:latin typeface="Arial Unicode MS" pitchFamily="34" charset="-128"/>
+                        <a:ea typeface="Arial Unicode MS" pitchFamily="34" charset="-128"/>
+                        <a:cs typeface="Arial Unicode MS" pitchFamily="34" charset="-128"/>
+                      </a:endParaRPr>
+                    </a:p>
+                  </a:txBody>
+                  <a:tcPr marL="73025" marR="73025" marT="0" marB="0" anchor="ctr">
+                    <a:solidFill>
+                      <a:schemeClr val="accent3"/>
+                    </a:solidFill>
+                  </a:tcPr>
+                </a:tc>
+              </a:tr>
+              <a:tr h="477463">
+                <a:tc>
+                  <a:txBody>
+                    <a:bodyPr/>
+                    <a:lstStyle/>
+                    <a:p>
+                      <a:pPr>
+                        <a:lnSpc>
+                          <a:spcPct val="115000"/>
+                        </a:lnSpc>
+                        <a:spcAft>
+                          <a:spcPts val="0"/>
+                        </a:spcAft>
+                      </a:pPr>
+                      <a:r>
+                        <a:rPr lang="pt-BR" sz="1400" b="0" dirty="0" smtClean="0">
+                          <a:effectLst/>
+                          <a:latin typeface="Arial Unicode MS" pitchFamily="34" charset="-128"/>
+                          <a:ea typeface="Arial Unicode MS" pitchFamily="34" charset="-128"/>
+                          <a:cs typeface="Arial Unicode MS" pitchFamily="34" charset="-128"/>
+                        </a:rPr>
+                        <a:t>Multi-plataformas</a:t>
+                      </a:r>
+                      <a:endParaRPr lang="pt-BR" sz="1400" b="0" dirty="0">
+                        <a:effectLst/>
+                        <a:latin typeface="Arial Unicode MS" pitchFamily="34" charset="-128"/>
+                        <a:ea typeface="Arial Unicode MS" pitchFamily="34" charset="-128"/>
+                        <a:cs typeface="Arial Unicode MS" pitchFamily="34" charset="-128"/>
+                      </a:endParaRPr>
+                    </a:p>
+                  </a:txBody>
+                  <a:tcPr marL="73025" marR="73025" marT="0" marB="0" anchor="ctr"/>
+                </a:tc>
+                <a:tc>
+                  <a:txBody>
+                    <a:bodyPr/>
+                    <a:lstStyle/>
+                    <a:p>
+                      <a:pPr algn="ctr">
+                        <a:lnSpc>
+                          <a:spcPct val="115000"/>
+                        </a:lnSpc>
+                      </a:pPr>
+                      <a:r>
+                        <a:rPr lang="pt-BR" sz="1400" dirty="0" smtClean="0">
+                          <a:effectLst/>
+                          <a:latin typeface="Arial Unicode MS" pitchFamily="34" charset="-128"/>
+                          <a:ea typeface="Arial Unicode MS" pitchFamily="34" charset="-128"/>
+                          <a:cs typeface="Arial Unicode MS" pitchFamily="34" charset="-128"/>
+                        </a:rPr>
+                        <a:t>N</a:t>
+                      </a:r>
+                      <a:endParaRPr lang="pt-BR" sz="1400" dirty="0">
+                        <a:effectLst/>
+                        <a:latin typeface="Arial Unicode MS" pitchFamily="34" charset="-128"/>
+                        <a:ea typeface="Arial Unicode MS" pitchFamily="34" charset="-128"/>
+                        <a:cs typeface="Arial Unicode MS" pitchFamily="34" charset="-128"/>
+                      </a:endParaRPr>
+                    </a:p>
+                  </a:txBody>
+                  <a:tcPr marL="73025" marR="73025" marT="0" marB="0" anchor="ctr"/>
+                </a:tc>
+                <a:tc>
+                  <a:txBody>
+                    <a:bodyPr/>
+                    <a:lstStyle/>
+                    <a:p>
+                      <a:pPr algn="ctr">
+                        <a:lnSpc>
+                          <a:spcPct val="115000"/>
+                        </a:lnSpc>
+                      </a:pPr>
+                      <a:r>
+                        <a:rPr lang="pt-BR" sz="1400" dirty="0" smtClean="0">
+                          <a:effectLst/>
+                          <a:latin typeface="Arial Unicode MS" pitchFamily="34" charset="-128"/>
+                          <a:ea typeface="Arial Unicode MS" pitchFamily="34" charset="-128"/>
+                          <a:cs typeface="Arial Unicode MS" pitchFamily="34" charset="-128"/>
+                        </a:rPr>
+                        <a:t>N</a:t>
+                      </a:r>
+                      <a:endParaRPr lang="pt-BR" sz="1400" dirty="0">
+                        <a:effectLst/>
+                        <a:latin typeface="Arial Unicode MS" pitchFamily="34" charset="-128"/>
+                        <a:ea typeface="Arial Unicode MS" pitchFamily="34" charset="-128"/>
+                        <a:cs typeface="Arial Unicode MS" pitchFamily="34" charset="-128"/>
+                      </a:endParaRPr>
+                    </a:p>
+                  </a:txBody>
+                  <a:tcPr marL="73025" marR="73025" marT="0" marB="0" anchor="ctr"/>
+                </a:tc>
+                <a:tc>
+                  <a:txBody>
+                    <a:bodyPr/>
+                    <a:lstStyle/>
+                    <a:p>
+                      <a:pPr algn="ctr">
+                        <a:lnSpc>
+                          <a:spcPct val="115000"/>
+                        </a:lnSpc>
+                      </a:pPr>
+                      <a:r>
+                        <a:rPr lang="pt-BR" sz="1400" dirty="0" smtClean="0">
+                          <a:effectLst/>
+                          <a:latin typeface="Arial Unicode MS" pitchFamily="34" charset="-128"/>
+                          <a:ea typeface="Arial Unicode MS" pitchFamily="34" charset="-128"/>
+                          <a:cs typeface="Arial Unicode MS" pitchFamily="34" charset="-128"/>
+                        </a:rPr>
+                        <a:t>S</a:t>
+                      </a:r>
+                      <a:endParaRPr lang="pt-BR" sz="1400" dirty="0">
+                        <a:effectLst/>
+                        <a:latin typeface="Arial Unicode MS" pitchFamily="34" charset="-128"/>
+                        <a:ea typeface="Arial Unicode MS" pitchFamily="34" charset="-128"/>
+                        <a:cs typeface="Arial Unicode MS" pitchFamily="34" charset="-128"/>
+                      </a:endParaRPr>
+                    </a:p>
+                  </a:txBody>
+                  <a:tcPr marL="73025" marR="73025" marT="0" marB="0" anchor="ctr"/>
+                </a:tc>
+                <a:tc>
+                  <a:txBody>
+                    <a:bodyPr/>
+                    <a:lstStyle/>
+                    <a:p>
+                      <a:pPr algn="ctr">
+                        <a:lnSpc>
+                          <a:spcPct val="115000"/>
+                        </a:lnSpc>
+                      </a:pPr>
+                      <a:r>
+                        <a:rPr lang="pt-BR" sz="1400" dirty="0" smtClean="0">
+                          <a:effectLst/>
+                          <a:latin typeface="Arial Unicode MS" pitchFamily="34" charset="-128"/>
+                          <a:ea typeface="Arial Unicode MS" pitchFamily="34" charset="-128"/>
+                          <a:cs typeface="Arial Unicode MS" pitchFamily="34" charset="-128"/>
+                        </a:rPr>
+                        <a:t>S</a:t>
+                      </a:r>
+                      <a:endParaRPr lang="pt-BR" sz="1400" dirty="0">
+                        <a:effectLst/>
+                        <a:latin typeface="Arial Unicode MS" pitchFamily="34" charset="-128"/>
+                        <a:ea typeface="Arial Unicode MS" pitchFamily="34" charset="-128"/>
+                        <a:cs typeface="Arial Unicode MS" pitchFamily="34" charset="-128"/>
+                      </a:endParaRPr>
+                    </a:p>
+                  </a:txBody>
+                  <a:tcPr marL="73025" marR="73025" marT="0" marB="0" anchor="ctr">
+                    <a:solidFill>
+                      <a:schemeClr val="accent3"/>
+                    </a:solidFill>
+                  </a:tcPr>
+                </a:tc>
+              </a:tr>
+              <a:tr h="487914">
+                <a:tc>
+                  <a:txBody>
+                    <a:bodyPr/>
+                    <a:lstStyle/>
+                    <a:p>
+                      <a:pPr>
+                        <a:lnSpc>
+                          <a:spcPct val="115000"/>
+                        </a:lnSpc>
+                        <a:spcAft>
+                          <a:spcPts val="0"/>
+                        </a:spcAft>
+                      </a:pPr>
+                      <a:r>
+                        <a:rPr lang="pt-BR" sz="1400" b="0" dirty="0" smtClean="0">
+                          <a:effectLst/>
+                          <a:latin typeface="Arial Unicode MS" pitchFamily="34" charset="-128"/>
+                          <a:ea typeface="Arial Unicode MS" pitchFamily="34" charset="-128"/>
+                          <a:cs typeface="Arial Unicode MS" pitchFamily="34" charset="-128"/>
+                        </a:rPr>
+                        <a:t>Lista</a:t>
+                      </a:r>
+                      <a:r>
+                        <a:rPr lang="pt-BR" sz="1400" b="0" baseline="0" dirty="0" smtClean="0">
+                          <a:effectLst/>
+                          <a:latin typeface="Arial Unicode MS" pitchFamily="34" charset="-128"/>
+                          <a:ea typeface="Arial Unicode MS" pitchFamily="34" charset="-128"/>
+                          <a:cs typeface="Arial Unicode MS" pitchFamily="34" charset="-128"/>
+                        </a:rPr>
+                        <a:t> de atividades por ambiente</a:t>
+                      </a:r>
+                      <a:endParaRPr lang="pt-BR" sz="1400" b="0" dirty="0">
+                        <a:effectLst/>
+                        <a:latin typeface="Arial Unicode MS" pitchFamily="34" charset="-128"/>
+                        <a:ea typeface="Arial Unicode MS" pitchFamily="34" charset="-128"/>
+                        <a:cs typeface="Arial Unicode MS" pitchFamily="34" charset="-128"/>
+                      </a:endParaRPr>
+                    </a:p>
+                  </a:txBody>
+                  <a:tcPr marL="73025" marR="73025" marT="0" marB="0" anchor="ctr"/>
+                </a:tc>
+                <a:tc>
+                  <a:txBody>
+                    <a:bodyPr/>
+                    <a:lstStyle/>
+                    <a:p>
+                      <a:pPr algn="ctr">
+                        <a:lnSpc>
+                          <a:spcPct val="115000"/>
+                        </a:lnSpc>
+                      </a:pPr>
+                      <a:r>
+                        <a:rPr lang="pt-BR" sz="1400" dirty="0" smtClean="0">
+                          <a:effectLst/>
+                          <a:latin typeface="Arial Unicode MS" pitchFamily="34" charset="-128"/>
+                          <a:ea typeface="Arial Unicode MS" pitchFamily="34" charset="-128"/>
+                          <a:cs typeface="Arial Unicode MS" pitchFamily="34" charset="-128"/>
+                        </a:rPr>
+                        <a:t>N</a:t>
+                      </a:r>
+                      <a:endParaRPr lang="pt-BR" sz="1400" dirty="0">
+                        <a:effectLst/>
+                        <a:latin typeface="Arial Unicode MS" pitchFamily="34" charset="-128"/>
+                        <a:ea typeface="Arial Unicode MS" pitchFamily="34" charset="-128"/>
+                        <a:cs typeface="Arial Unicode MS" pitchFamily="34" charset="-128"/>
+                      </a:endParaRPr>
+                    </a:p>
+                  </a:txBody>
+                  <a:tcPr marL="73025" marR="73025" marT="0" marB="0" anchor="ctr"/>
+                </a:tc>
+                <a:tc>
+                  <a:txBody>
+                    <a:bodyPr/>
+                    <a:lstStyle/>
+                    <a:p>
+                      <a:pPr algn="ctr">
+                        <a:lnSpc>
+                          <a:spcPct val="115000"/>
+                        </a:lnSpc>
+                      </a:pPr>
+                      <a:r>
+                        <a:rPr lang="pt-BR" sz="1400" dirty="0" smtClean="0">
+                          <a:effectLst/>
+                          <a:latin typeface="Arial Unicode MS" pitchFamily="34" charset="-128"/>
+                          <a:ea typeface="Arial Unicode MS" pitchFamily="34" charset="-128"/>
+                          <a:cs typeface="Arial Unicode MS" pitchFamily="34" charset="-128"/>
+                        </a:rPr>
+                        <a:t>N</a:t>
+                      </a:r>
+                      <a:endParaRPr lang="pt-BR" sz="1400" dirty="0">
+                        <a:effectLst/>
+                        <a:latin typeface="Arial Unicode MS" pitchFamily="34" charset="-128"/>
+                        <a:ea typeface="Arial Unicode MS" pitchFamily="34" charset="-128"/>
+                        <a:cs typeface="Arial Unicode MS" pitchFamily="34" charset="-128"/>
+                      </a:endParaRPr>
+                    </a:p>
+                  </a:txBody>
+                  <a:tcPr marL="73025" marR="73025" marT="0" marB="0" anchor="ctr"/>
+                </a:tc>
+                <a:tc>
+                  <a:txBody>
+                    <a:bodyPr/>
+                    <a:lstStyle/>
+                    <a:p>
+                      <a:pPr algn="ctr">
+                        <a:lnSpc>
+                          <a:spcPct val="115000"/>
+                        </a:lnSpc>
+                      </a:pPr>
+                      <a:r>
+                        <a:rPr lang="pt-BR" sz="1400" dirty="0" smtClean="0">
+                          <a:effectLst/>
+                          <a:latin typeface="Arial Unicode MS" pitchFamily="34" charset="-128"/>
+                          <a:ea typeface="Arial Unicode MS" pitchFamily="34" charset="-128"/>
+                          <a:cs typeface="Arial Unicode MS" pitchFamily="34" charset="-128"/>
+                        </a:rPr>
+                        <a:t>N</a:t>
+                      </a:r>
+                      <a:endParaRPr lang="pt-BR" sz="1400" dirty="0">
+                        <a:effectLst/>
+                        <a:latin typeface="Arial Unicode MS" pitchFamily="34" charset="-128"/>
+                        <a:ea typeface="Arial Unicode MS" pitchFamily="34" charset="-128"/>
+                        <a:cs typeface="Arial Unicode MS" pitchFamily="34" charset="-128"/>
+                      </a:endParaRPr>
+                    </a:p>
+                  </a:txBody>
+                  <a:tcPr marL="73025" marR="73025" marT="0" marB="0" anchor="ctr"/>
+                </a:tc>
+                <a:tc>
+                  <a:txBody>
+                    <a:bodyPr/>
+                    <a:lstStyle/>
+                    <a:p>
+                      <a:pPr algn="ctr">
+                        <a:lnSpc>
+                          <a:spcPct val="115000"/>
+                        </a:lnSpc>
+                      </a:pPr>
+                      <a:r>
+                        <a:rPr lang="pt-BR" sz="1400" dirty="0" smtClean="0">
+                          <a:effectLst/>
+                          <a:latin typeface="Arial Unicode MS" pitchFamily="34" charset="-128"/>
+                          <a:ea typeface="Arial Unicode MS" pitchFamily="34" charset="-128"/>
+                          <a:cs typeface="Arial Unicode MS" pitchFamily="34" charset="-128"/>
+                        </a:rPr>
+                        <a:t>S</a:t>
+                      </a:r>
+                      <a:endParaRPr lang="pt-BR" sz="1400" dirty="0">
+                        <a:effectLst/>
+                        <a:latin typeface="Arial Unicode MS" pitchFamily="34" charset="-128"/>
+                        <a:ea typeface="Arial Unicode MS" pitchFamily="34" charset="-128"/>
+                        <a:cs typeface="Arial Unicode MS" pitchFamily="34" charset="-128"/>
+                      </a:endParaRPr>
+                    </a:p>
+                  </a:txBody>
+                  <a:tcPr marL="73025" marR="73025" marT="0" marB="0" anchor="ctr">
+                    <a:solidFill>
+                      <a:schemeClr val="accent3"/>
+                    </a:solidFill>
+                  </a:tcPr>
+                </a:tc>
+              </a:tr>
+              <a:tr h="477463">
+                <a:tc>
+                  <a:txBody>
+                    <a:bodyPr/>
+                    <a:lstStyle/>
+                    <a:p>
+                      <a:pPr>
+                        <a:lnSpc>
+                          <a:spcPct val="115000"/>
+                        </a:lnSpc>
+                        <a:spcAft>
+                          <a:spcPts val="0"/>
+                        </a:spcAft>
+                      </a:pPr>
+                      <a:r>
+                        <a:rPr lang="pt-BR" sz="1400" b="0" dirty="0" smtClean="0">
+                          <a:effectLst/>
+                          <a:latin typeface="Arial Unicode MS" pitchFamily="34" charset="-128"/>
+                          <a:ea typeface="Arial Unicode MS" pitchFamily="34" charset="-128"/>
+                          <a:cs typeface="Arial Unicode MS" pitchFamily="34" charset="-128"/>
+                        </a:rPr>
+                        <a:t>Filtragem de notificação</a:t>
+                      </a:r>
+                      <a:endParaRPr lang="pt-BR" sz="1400" b="0" dirty="0">
+                        <a:effectLst/>
+                        <a:latin typeface="Arial Unicode MS" pitchFamily="34" charset="-128"/>
+                        <a:ea typeface="Arial Unicode MS" pitchFamily="34" charset="-128"/>
+                        <a:cs typeface="Arial Unicode MS" pitchFamily="34" charset="-128"/>
+                      </a:endParaRPr>
+                    </a:p>
+                  </a:txBody>
+                  <a:tcPr marL="73025" marR="73025" marT="0" marB="0" anchor="ctr"/>
+                </a:tc>
+                <a:tc>
+                  <a:txBody>
+                    <a:bodyPr/>
+                    <a:lstStyle/>
+                    <a:p>
+                      <a:pPr algn="ctr">
+                        <a:lnSpc>
+                          <a:spcPct val="115000"/>
+                        </a:lnSpc>
+                      </a:pPr>
+                      <a:r>
+                        <a:rPr lang="pt-BR" sz="1400" dirty="0" smtClean="0">
+                          <a:effectLst/>
+                          <a:latin typeface="Arial Unicode MS" pitchFamily="34" charset="-128"/>
+                          <a:ea typeface="Arial Unicode MS" pitchFamily="34" charset="-128"/>
+                          <a:cs typeface="Arial Unicode MS" pitchFamily="34" charset="-128"/>
+                        </a:rPr>
+                        <a:t>S</a:t>
+                      </a:r>
+                      <a:endParaRPr lang="pt-BR" sz="1400" dirty="0">
+                        <a:effectLst/>
+                        <a:latin typeface="Arial Unicode MS" pitchFamily="34" charset="-128"/>
+                        <a:ea typeface="Arial Unicode MS" pitchFamily="34" charset="-128"/>
+                        <a:cs typeface="Arial Unicode MS" pitchFamily="34" charset="-128"/>
+                      </a:endParaRPr>
+                    </a:p>
+                  </a:txBody>
+                  <a:tcPr marL="73025" marR="73025" marT="0" marB="0" anchor="ctr"/>
+                </a:tc>
+                <a:tc>
+                  <a:txBody>
+                    <a:bodyPr/>
+                    <a:lstStyle/>
+                    <a:p>
+                      <a:pPr algn="ctr">
+                        <a:lnSpc>
+                          <a:spcPct val="115000"/>
+                        </a:lnSpc>
+                      </a:pPr>
+                      <a:r>
+                        <a:rPr lang="pt-BR" sz="1400" dirty="0" smtClean="0">
+                          <a:effectLst/>
+                          <a:latin typeface="Arial Unicode MS" pitchFamily="34" charset="-128"/>
+                          <a:ea typeface="Arial Unicode MS" pitchFamily="34" charset="-128"/>
+                          <a:cs typeface="Arial Unicode MS" pitchFamily="34" charset="-128"/>
+                        </a:rPr>
+                        <a:t>N</a:t>
+                      </a:r>
+                      <a:endParaRPr lang="pt-BR" sz="1400" dirty="0">
+                        <a:effectLst/>
+                        <a:latin typeface="Arial Unicode MS" pitchFamily="34" charset="-128"/>
+                        <a:ea typeface="Arial Unicode MS" pitchFamily="34" charset="-128"/>
+                        <a:cs typeface="Arial Unicode MS" pitchFamily="34" charset="-128"/>
+                      </a:endParaRPr>
+                    </a:p>
+                  </a:txBody>
+                  <a:tcPr marL="73025" marR="73025" marT="0" marB="0" anchor="ctr"/>
+                </a:tc>
+                <a:tc>
+                  <a:txBody>
+                    <a:bodyPr/>
+                    <a:lstStyle/>
+                    <a:p>
+                      <a:pPr algn="ctr">
+                        <a:lnSpc>
+                          <a:spcPct val="115000"/>
+                        </a:lnSpc>
+                      </a:pPr>
+                      <a:r>
+                        <a:rPr lang="pt-BR" sz="1400" dirty="0" smtClean="0">
+                          <a:effectLst/>
+                          <a:latin typeface="Arial Unicode MS" pitchFamily="34" charset="-128"/>
+                          <a:ea typeface="Arial Unicode MS" pitchFamily="34" charset="-128"/>
+                          <a:cs typeface="Arial Unicode MS" pitchFamily="34" charset="-128"/>
+                        </a:rPr>
+                        <a:t>S</a:t>
+                      </a:r>
+                      <a:endParaRPr lang="pt-BR" sz="1400" dirty="0">
+                        <a:effectLst/>
+                        <a:latin typeface="Arial Unicode MS" pitchFamily="34" charset="-128"/>
+                        <a:ea typeface="Arial Unicode MS" pitchFamily="34" charset="-128"/>
+                        <a:cs typeface="Arial Unicode MS" pitchFamily="34" charset="-128"/>
+                      </a:endParaRPr>
+                    </a:p>
+                  </a:txBody>
+                  <a:tcPr marL="73025" marR="73025" marT="0" marB="0" anchor="ctr"/>
+                </a:tc>
+                <a:tc>
+                  <a:txBody>
+                    <a:bodyPr/>
+                    <a:lstStyle/>
+                    <a:p>
+                      <a:pPr algn="ctr">
+                        <a:lnSpc>
+                          <a:spcPct val="115000"/>
+                        </a:lnSpc>
+                      </a:pPr>
+                      <a:r>
+                        <a:rPr lang="pt-BR" sz="1400" dirty="0" smtClean="0">
+                          <a:effectLst/>
+                          <a:latin typeface="Arial Unicode MS" pitchFamily="34" charset="-128"/>
+                          <a:ea typeface="Arial Unicode MS" pitchFamily="34" charset="-128"/>
+                          <a:cs typeface="Arial Unicode MS" pitchFamily="34" charset="-128"/>
+                        </a:rPr>
+                        <a:t>S</a:t>
+                      </a:r>
+                      <a:endParaRPr lang="pt-BR" sz="1400" dirty="0">
+                        <a:effectLst/>
+                        <a:latin typeface="Arial Unicode MS" pitchFamily="34" charset="-128"/>
+                        <a:ea typeface="Arial Unicode MS" pitchFamily="34" charset="-128"/>
+                        <a:cs typeface="Arial Unicode MS" pitchFamily="34" charset="-128"/>
+                      </a:endParaRPr>
+                    </a:p>
+                  </a:txBody>
+                  <a:tcPr marL="73025" marR="73025" marT="0" marB="0" anchor="ctr">
+                    <a:solidFill>
+                      <a:schemeClr val="accent3"/>
+                    </a:solidFill>
+                  </a:tcPr>
+                </a:tc>
+              </a:tr>
+              <a:tr h="446892">
+                <a:tc>
+                  <a:txBody>
+                    <a:bodyPr/>
+                    <a:lstStyle/>
+                    <a:p>
+                      <a:pPr>
+                        <a:lnSpc>
+                          <a:spcPct val="115000"/>
+                        </a:lnSpc>
+                        <a:spcAft>
+                          <a:spcPts val="0"/>
+                        </a:spcAft>
+                      </a:pPr>
+                      <a:r>
+                        <a:rPr lang="pt-BR" sz="1400" b="0" dirty="0" smtClean="0">
+                          <a:effectLst/>
+                          <a:latin typeface="Arial Unicode MS" pitchFamily="34" charset="-128"/>
+                          <a:ea typeface="Arial Unicode MS" pitchFamily="34" charset="-128"/>
+                          <a:cs typeface="Arial Unicode MS" pitchFamily="34" charset="-128"/>
+                        </a:rPr>
+                        <a:t>Método</a:t>
+                      </a:r>
+                      <a:r>
+                        <a:rPr lang="pt-BR" sz="1400" b="0" baseline="0" dirty="0" smtClean="0">
+                          <a:effectLst/>
+                          <a:latin typeface="Arial Unicode MS" pitchFamily="34" charset="-128"/>
+                          <a:ea typeface="Arial Unicode MS" pitchFamily="34" charset="-128"/>
+                          <a:cs typeface="Arial Unicode MS" pitchFamily="34" charset="-128"/>
+                        </a:rPr>
+                        <a:t> interativos de três clicks</a:t>
+                      </a:r>
+                      <a:endParaRPr lang="pt-BR" sz="1400" b="0" dirty="0">
+                        <a:effectLst/>
+                        <a:latin typeface="Arial Unicode MS" pitchFamily="34" charset="-128"/>
+                        <a:ea typeface="Arial Unicode MS" pitchFamily="34" charset="-128"/>
+                        <a:cs typeface="Arial Unicode MS" pitchFamily="34" charset="-128"/>
+                      </a:endParaRPr>
+                    </a:p>
+                  </a:txBody>
+                  <a:tcPr marL="73025" marR="73025" marT="0" marB="0" anchor="ctr"/>
+                </a:tc>
+                <a:tc>
+                  <a:txBody>
+                    <a:bodyPr/>
+                    <a:lstStyle/>
+                    <a:p>
+                      <a:pPr algn="ctr">
+                        <a:lnSpc>
+                          <a:spcPct val="115000"/>
+                        </a:lnSpc>
+                      </a:pPr>
+                      <a:r>
+                        <a:rPr lang="pt-BR" sz="1400" dirty="0" smtClean="0">
+                          <a:effectLst/>
+                          <a:latin typeface="Arial Unicode MS" pitchFamily="34" charset="-128"/>
+                          <a:ea typeface="Arial Unicode MS" pitchFamily="34" charset="-128"/>
+                          <a:cs typeface="Arial Unicode MS" pitchFamily="34" charset="-128"/>
+                        </a:rPr>
+                        <a:t>S</a:t>
+                      </a:r>
+                      <a:endParaRPr lang="pt-BR" sz="1400" dirty="0">
+                        <a:effectLst/>
+                        <a:latin typeface="Arial Unicode MS" pitchFamily="34" charset="-128"/>
+                        <a:ea typeface="Arial Unicode MS" pitchFamily="34" charset="-128"/>
+                        <a:cs typeface="Arial Unicode MS" pitchFamily="34" charset="-128"/>
+                      </a:endParaRPr>
+                    </a:p>
+                  </a:txBody>
+                  <a:tcPr marL="73025" marR="73025" marT="0" marB="0" anchor="ctr"/>
+                </a:tc>
+                <a:tc>
+                  <a:txBody>
+                    <a:bodyPr/>
+                    <a:lstStyle/>
+                    <a:p>
+                      <a:pPr algn="ctr">
+                        <a:lnSpc>
+                          <a:spcPct val="115000"/>
+                        </a:lnSpc>
+                      </a:pPr>
+                      <a:r>
+                        <a:rPr lang="pt-BR" sz="1400" dirty="0" smtClean="0">
+                          <a:effectLst/>
+                          <a:latin typeface="Arial Unicode MS" pitchFamily="34" charset="-128"/>
+                          <a:ea typeface="Arial Unicode MS" pitchFamily="34" charset="-128"/>
+                          <a:cs typeface="Arial Unicode MS" pitchFamily="34" charset="-128"/>
+                        </a:rPr>
+                        <a:t>S</a:t>
+                      </a:r>
+                      <a:endParaRPr lang="pt-BR" sz="1400" dirty="0">
+                        <a:effectLst/>
+                        <a:latin typeface="Arial Unicode MS" pitchFamily="34" charset="-128"/>
+                        <a:ea typeface="Arial Unicode MS" pitchFamily="34" charset="-128"/>
+                        <a:cs typeface="Arial Unicode MS" pitchFamily="34" charset="-128"/>
+                      </a:endParaRPr>
+                    </a:p>
+                  </a:txBody>
+                  <a:tcPr marL="73025" marR="73025" marT="0" marB="0" anchor="ctr"/>
+                </a:tc>
+                <a:tc>
+                  <a:txBody>
+                    <a:bodyPr/>
+                    <a:lstStyle/>
+                    <a:p>
+                      <a:pPr algn="ctr">
+                        <a:lnSpc>
+                          <a:spcPct val="115000"/>
+                        </a:lnSpc>
+                        <a:spcAft>
+                          <a:spcPts val="0"/>
+                        </a:spcAft>
+                      </a:pPr>
+                      <a:r>
+                        <a:rPr lang="pt-BR" sz="1400" dirty="0" smtClean="0">
+                          <a:effectLst/>
+                          <a:latin typeface="Arial Unicode MS" pitchFamily="34" charset="-128"/>
+                          <a:ea typeface="Arial Unicode MS" pitchFamily="34" charset="-128"/>
+                          <a:cs typeface="Arial Unicode MS" pitchFamily="34" charset="-128"/>
+                        </a:rPr>
+                        <a:t>S</a:t>
+                      </a:r>
+                      <a:endParaRPr lang="pt-BR" sz="1400" dirty="0">
+                        <a:effectLst/>
+                        <a:latin typeface="Arial Unicode MS" pitchFamily="34" charset="-128"/>
+                        <a:ea typeface="Arial Unicode MS" pitchFamily="34" charset="-128"/>
+                        <a:cs typeface="Arial Unicode MS" pitchFamily="34" charset="-128"/>
+                      </a:endParaRPr>
+                    </a:p>
+                  </a:txBody>
+                  <a:tcPr marL="73025" marR="73025" marT="0" marB="0" anchor="ctr"/>
+                </a:tc>
+                <a:tc>
+                  <a:txBody>
+                    <a:bodyPr/>
+                    <a:lstStyle/>
+                    <a:p>
+                      <a:pPr algn="ctr">
+                        <a:lnSpc>
+                          <a:spcPct val="115000"/>
+                        </a:lnSpc>
+                      </a:pPr>
+                      <a:r>
+                        <a:rPr lang="pt-BR" sz="1400" dirty="0" smtClean="0">
+                          <a:effectLst/>
+                          <a:latin typeface="Arial Unicode MS" pitchFamily="34" charset="-128"/>
+                          <a:ea typeface="Arial Unicode MS" pitchFamily="34" charset="-128"/>
+                          <a:cs typeface="Arial Unicode MS" pitchFamily="34" charset="-128"/>
+                        </a:rPr>
+                        <a:t>S</a:t>
+                      </a:r>
+                      <a:endParaRPr lang="pt-BR" sz="1400" dirty="0">
+                        <a:effectLst/>
+                        <a:latin typeface="Arial Unicode MS" pitchFamily="34" charset="-128"/>
+                        <a:ea typeface="Arial Unicode MS" pitchFamily="34" charset="-128"/>
+                        <a:cs typeface="Arial Unicode MS" pitchFamily="34" charset="-128"/>
+                      </a:endParaRPr>
+                    </a:p>
+                  </a:txBody>
+                  <a:tcPr marL="73025" marR="73025" marT="0" marB="0" anchor="ctr">
+                    <a:solidFill>
+                      <a:schemeClr val="accent3"/>
+                    </a:solidFill>
+                  </a:tcPr>
+                </a:tc>
+              </a:tr>
+              <a:tr h="402855">
+                <a:tc>
+                  <a:txBody>
+                    <a:bodyPr/>
+                    <a:lstStyle/>
+                    <a:p>
+                      <a:pPr>
+                        <a:lnSpc>
+                          <a:spcPct val="115000"/>
+                        </a:lnSpc>
+                        <a:spcAft>
+                          <a:spcPts val="0"/>
+                        </a:spcAft>
+                      </a:pPr>
+                      <a:r>
+                        <a:rPr lang="pt-BR" sz="1400" b="0" dirty="0" smtClean="0">
+                          <a:effectLst/>
+                          <a:latin typeface="Arial Unicode MS" pitchFamily="34" charset="-128"/>
+                          <a:ea typeface="Arial Unicode MS" pitchFamily="34" charset="-128"/>
+                          <a:cs typeface="Arial Unicode MS" pitchFamily="34" charset="-128"/>
+                        </a:rPr>
+                        <a:t>Interação com</a:t>
+                      </a:r>
+                      <a:r>
+                        <a:rPr lang="pt-BR" sz="1400" b="0" baseline="0" dirty="0" smtClean="0">
+                          <a:effectLst/>
+                          <a:latin typeface="Arial Unicode MS" pitchFamily="34" charset="-128"/>
+                          <a:ea typeface="Arial Unicode MS" pitchFamily="34" charset="-128"/>
+                          <a:cs typeface="Arial Unicode MS" pitchFamily="34" charset="-128"/>
+                        </a:rPr>
+                        <a:t> </a:t>
+                      </a:r>
+                      <a:r>
+                        <a:rPr lang="pt-BR" sz="1400" b="0" baseline="0" dirty="0" err="1" smtClean="0">
+                          <a:effectLst/>
+                          <a:latin typeface="Arial Unicode MS" pitchFamily="34" charset="-128"/>
+                          <a:ea typeface="Arial Unicode MS" pitchFamily="34" charset="-128"/>
+                          <a:cs typeface="Arial Unicode MS" pitchFamily="34" charset="-128"/>
+                        </a:rPr>
+                        <a:t>multi-base</a:t>
+                      </a:r>
+                      <a:endParaRPr lang="pt-BR" sz="1400" b="0" dirty="0">
+                        <a:effectLst/>
+                        <a:latin typeface="Arial Unicode MS" pitchFamily="34" charset="-128"/>
+                        <a:ea typeface="Arial Unicode MS" pitchFamily="34" charset="-128"/>
+                        <a:cs typeface="Arial Unicode MS" pitchFamily="34" charset="-128"/>
+                      </a:endParaRPr>
+                    </a:p>
+                  </a:txBody>
+                  <a:tcPr marL="73025" marR="73025" marT="0" marB="0" anchor="ctr"/>
+                </a:tc>
+                <a:tc>
+                  <a:txBody>
+                    <a:bodyPr/>
+                    <a:lstStyle/>
+                    <a:p>
+                      <a:pPr algn="ctr">
+                        <a:lnSpc>
+                          <a:spcPct val="115000"/>
+                        </a:lnSpc>
+                      </a:pPr>
+                      <a:r>
+                        <a:rPr lang="pt-BR" sz="1400" dirty="0" smtClean="0">
+                          <a:effectLst/>
+                          <a:latin typeface="Arial Unicode MS" pitchFamily="34" charset="-128"/>
+                          <a:ea typeface="Arial Unicode MS" pitchFamily="34" charset="-128"/>
+                          <a:cs typeface="Arial Unicode MS" pitchFamily="34" charset="-128"/>
+                        </a:rPr>
+                        <a:t>N</a:t>
+                      </a:r>
+                      <a:endParaRPr lang="pt-BR" sz="1400" dirty="0">
+                        <a:effectLst/>
+                        <a:latin typeface="Arial Unicode MS" pitchFamily="34" charset="-128"/>
+                        <a:ea typeface="Arial Unicode MS" pitchFamily="34" charset="-128"/>
+                        <a:cs typeface="Arial Unicode MS" pitchFamily="34" charset="-128"/>
+                      </a:endParaRPr>
+                    </a:p>
+                  </a:txBody>
+                  <a:tcPr marL="73025" marR="73025" marT="0" marB="0" anchor="ctr"/>
+                </a:tc>
+                <a:tc>
+                  <a:txBody>
+                    <a:bodyPr/>
+                    <a:lstStyle/>
+                    <a:p>
+                      <a:pPr algn="ctr">
+                        <a:lnSpc>
+                          <a:spcPct val="115000"/>
+                        </a:lnSpc>
+                      </a:pPr>
+                      <a:r>
+                        <a:rPr lang="pt-BR" sz="1400" dirty="0" smtClean="0">
+                          <a:effectLst/>
+                          <a:latin typeface="Arial Unicode MS" pitchFamily="34" charset="-128"/>
+                          <a:ea typeface="Arial Unicode MS" pitchFamily="34" charset="-128"/>
+                          <a:cs typeface="Arial Unicode MS" pitchFamily="34" charset="-128"/>
+                        </a:rPr>
+                        <a:t>N</a:t>
+                      </a:r>
+                      <a:endParaRPr lang="pt-BR" sz="1400" dirty="0">
+                        <a:effectLst/>
+                        <a:latin typeface="Arial Unicode MS" pitchFamily="34" charset="-128"/>
+                        <a:ea typeface="Arial Unicode MS" pitchFamily="34" charset="-128"/>
+                        <a:cs typeface="Arial Unicode MS" pitchFamily="34" charset="-128"/>
+                      </a:endParaRPr>
+                    </a:p>
+                  </a:txBody>
+                  <a:tcPr marL="73025" marR="73025" marT="0" marB="0" anchor="ctr"/>
+                </a:tc>
+                <a:tc>
+                  <a:txBody>
+                    <a:bodyPr/>
+                    <a:lstStyle/>
+                    <a:p>
+                      <a:pPr algn="ctr">
+                        <a:lnSpc>
+                          <a:spcPct val="115000"/>
+                        </a:lnSpc>
+                        <a:spcAft>
+                          <a:spcPts val="0"/>
+                        </a:spcAft>
+                      </a:pPr>
+                      <a:r>
+                        <a:rPr lang="pt-BR" sz="1400" dirty="0" smtClean="0">
+                          <a:effectLst/>
+                          <a:latin typeface="Arial Unicode MS" pitchFamily="34" charset="-128"/>
+                          <a:ea typeface="Arial Unicode MS" pitchFamily="34" charset="-128"/>
+                          <a:cs typeface="Arial Unicode MS" pitchFamily="34" charset="-128"/>
+                        </a:rPr>
+                        <a:t>S</a:t>
+                      </a:r>
+                      <a:endParaRPr lang="pt-BR" sz="1400" dirty="0">
+                        <a:effectLst/>
+                        <a:latin typeface="Arial Unicode MS" pitchFamily="34" charset="-128"/>
+                        <a:ea typeface="Arial Unicode MS" pitchFamily="34" charset="-128"/>
+                        <a:cs typeface="Arial Unicode MS" pitchFamily="34" charset="-128"/>
+                      </a:endParaRPr>
+                    </a:p>
+                  </a:txBody>
+                  <a:tcPr marL="73025" marR="73025" marT="0" marB="0" anchor="ctr"/>
+                </a:tc>
+                <a:tc>
+                  <a:txBody>
+                    <a:bodyPr/>
+                    <a:lstStyle/>
+                    <a:p>
+                      <a:pPr algn="ctr">
+                        <a:lnSpc>
+                          <a:spcPct val="115000"/>
+                        </a:lnSpc>
+                      </a:pPr>
+                      <a:r>
+                        <a:rPr lang="pt-BR" sz="1400" dirty="0" smtClean="0">
+                          <a:effectLst/>
+                          <a:latin typeface="Arial Unicode MS" pitchFamily="34" charset="-128"/>
+                          <a:ea typeface="Arial Unicode MS" pitchFamily="34" charset="-128"/>
+                          <a:cs typeface="Arial Unicode MS" pitchFamily="34" charset="-128"/>
+                        </a:rPr>
+                        <a:t>S</a:t>
+                      </a:r>
+                      <a:endParaRPr lang="pt-BR" sz="1400" dirty="0">
+                        <a:effectLst/>
+                        <a:latin typeface="Arial Unicode MS" pitchFamily="34" charset="-128"/>
+                        <a:ea typeface="Arial Unicode MS" pitchFamily="34" charset="-128"/>
+                        <a:cs typeface="Arial Unicode MS" pitchFamily="34" charset="-128"/>
+                      </a:endParaRPr>
+                    </a:p>
+                  </a:txBody>
+                  <a:tcPr marL="73025" marR="73025" marT="0" marB="0" anchor="ctr">
+                    <a:solidFill>
+                      <a:schemeClr val="accent3"/>
+                    </a:solidFill>
+                  </a:tcPr>
+                </a:tc>
+              </a:tr>
+              <a:tr h="402855">
+                <a:tc>
+                  <a:txBody>
+                    <a:bodyPr/>
+                    <a:lstStyle/>
+                    <a:p>
+                      <a:pPr>
+                        <a:lnSpc>
+                          <a:spcPct val="115000"/>
+                        </a:lnSpc>
+                        <a:spcAft>
+                          <a:spcPts val="0"/>
+                        </a:spcAft>
+                      </a:pPr>
+                      <a:r>
+                        <a:rPr lang="pt-BR" sz="1400" b="0" dirty="0" smtClean="0">
+                          <a:effectLst/>
+                          <a:latin typeface="Arial Unicode MS" pitchFamily="34" charset="-128"/>
+                          <a:ea typeface="Arial Unicode MS" pitchFamily="34" charset="-128"/>
+                          <a:cs typeface="Arial Unicode MS" pitchFamily="34" charset="-128"/>
+                        </a:rPr>
+                        <a:t>Aplicação</a:t>
+                      </a:r>
+                      <a:r>
+                        <a:rPr lang="pt-BR" sz="1400" b="0" baseline="0" dirty="0" smtClean="0">
+                          <a:effectLst/>
+                          <a:latin typeface="Arial Unicode MS" pitchFamily="34" charset="-128"/>
+                          <a:ea typeface="Arial Unicode MS" pitchFamily="34" charset="-128"/>
+                          <a:cs typeface="Arial Unicode MS" pitchFamily="34" charset="-128"/>
+                        </a:rPr>
+                        <a:t> com Tecnologia PWA</a:t>
+                      </a:r>
+                      <a:endParaRPr lang="pt-BR" sz="1400" b="0" dirty="0">
+                        <a:effectLst/>
+                        <a:latin typeface="Arial Unicode MS" pitchFamily="34" charset="-128"/>
+                        <a:ea typeface="Arial Unicode MS" pitchFamily="34" charset="-128"/>
+                        <a:cs typeface="Arial Unicode MS" pitchFamily="34" charset="-128"/>
+                      </a:endParaRPr>
+                    </a:p>
+                  </a:txBody>
+                  <a:tcPr marL="73025" marR="73025" marT="0" marB="0" anchor="ctr"/>
+                </a:tc>
+                <a:tc>
+                  <a:txBody>
+                    <a:bodyPr/>
+                    <a:lstStyle/>
+                    <a:p>
+                      <a:pPr algn="ctr">
+                        <a:lnSpc>
+                          <a:spcPct val="115000"/>
+                        </a:lnSpc>
+                      </a:pPr>
+                      <a:r>
+                        <a:rPr lang="pt-BR" sz="1400" dirty="0" smtClean="0">
+                          <a:effectLst/>
+                          <a:latin typeface="Arial Unicode MS" pitchFamily="34" charset="-128"/>
+                          <a:ea typeface="Arial Unicode MS" pitchFamily="34" charset="-128"/>
+                          <a:cs typeface="Arial Unicode MS" pitchFamily="34" charset="-128"/>
+                        </a:rPr>
+                        <a:t>N</a:t>
+                      </a:r>
+                      <a:endParaRPr lang="pt-BR" sz="1400" dirty="0">
+                        <a:effectLst/>
+                        <a:latin typeface="Arial Unicode MS" pitchFamily="34" charset="-128"/>
+                        <a:ea typeface="Arial Unicode MS" pitchFamily="34" charset="-128"/>
+                        <a:cs typeface="Arial Unicode MS" pitchFamily="34" charset="-128"/>
+                      </a:endParaRPr>
+                    </a:p>
+                  </a:txBody>
+                  <a:tcPr marL="73025" marR="73025" marT="0" marB="0" anchor="ctr"/>
+                </a:tc>
+                <a:tc>
+                  <a:txBody>
+                    <a:bodyPr/>
+                    <a:lstStyle/>
+                    <a:p>
+                      <a:pPr algn="ctr">
+                        <a:lnSpc>
+                          <a:spcPct val="115000"/>
+                        </a:lnSpc>
+                      </a:pPr>
+                      <a:r>
+                        <a:rPr lang="pt-BR" sz="1400" dirty="0" smtClean="0">
+                          <a:effectLst/>
+                          <a:latin typeface="Arial Unicode MS" pitchFamily="34" charset="-128"/>
+                          <a:ea typeface="Arial Unicode MS" pitchFamily="34" charset="-128"/>
+                          <a:cs typeface="Arial Unicode MS" pitchFamily="34" charset="-128"/>
+                        </a:rPr>
+                        <a:t>N</a:t>
+                      </a:r>
+                      <a:endParaRPr lang="pt-BR" sz="1400" dirty="0">
+                        <a:effectLst/>
+                        <a:latin typeface="Arial Unicode MS" pitchFamily="34" charset="-128"/>
+                        <a:ea typeface="Arial Unicode MS" pitchFamily="34" charset="-128"/>
+                        <a:cs typeface="Arial Unicode MS" pitchFamily="34" charset="-128"/>
+                      </a:endParaRPr>
+                    </a:p>
+                  </a:txBody>
+                  <a:tcPr marL="73025" marR="73025" marT="0" marB="0" anchor="ctr"/>
+                </a:tc>
+                <a:tc>
+                  <a:txBody>
+                    <a:bodyPr/>
+                    <a:lstStyle/>
+                    <a:p>
+                      <a:pPr algn="ctr">
+                        <a:lnSpc>
+                          <a:spcPct val="115000"/>
+                        </a:lnSpc>
+                        <a:spcAft>
+                          <a:spcPts val="0"/>
+                        </a:spcAft>
+                      </a:pPr>
+                      <a:r>
+                        <a:rPr lang="pt-BR" sz="1400" dirty="0" smtClean="0">
+                          <a:effectLst/>
+                          <a:latin typeface="Arial Unicode MS" pitchFamily="34" charset="-128"/>
+                          <a:ea typeface="Arial Unicode MS" pitchFamily="34" charset="-128"/>
+                          <a:cs typeface="Arial Unicode MS" pitchFamily="34" charset="-128"/>
+                        </a:rPr>
+                        <a:t>N</a:t>
+                      </a:r>
+                      <a:endParaRPr lang="pt-BR" sz="1400" dirty="0">
+                        <a:effectLst/>
+                        <a:latin typeface="Arial Unicode MS" pitchFamily="34" charset="-128"/>
+                        <a:ea typeface="Arial Unicode MS" pitchFamily="34" charset="-128"/>
+                        <a:cs typeface="Arial Unicode MS" pitchFamily="34" charset="-128"/>
+                      </a:endParaRPr>
+                    </a:p>
+                  </a:txBody>
+                  <a:tcPr marL="73025" marR="73025" marT="0" marB="0" anchor="ctr"/>
+                </a:tc>
+                <a:tc>
+                  <a:txBody>
+                    <a:bodyPr/>
+                    <a:lstStyle/>
+                    <a:p>
+                      <a:pPr algn="ctr">
+                        <a:lnSpc>
+                          <a:spcPct val="115000"/>
+                        </a:lnSpc>
+                      </a:pPr>
+                      <a:r>
+                        <a:rPr lang="pt-BR" sz="1400" dirty="0" smtClean="0">
+                          <a:effectLst/>
+                          <a:latin typeface="Arial Unicode MS" pitchFamily="34" charset="-128"/>
+                          <a:ea typeface="Arial Unicode MS" pitchFamily="34" charset="-128"/>
+                          <a:cs typeface="Arial Unicode MS" pitchFamily="34" charset="-128"/>
+                        </a:rPr>
+                        <a:t>S</a:t>
+                      </a:r>
+                      <a:endParaRPr lang="pt-BR" sz="1400" dirty="0">
+                        <a:effectLst/>
+                        <a:latin typeface="Arial Unicode MS" pitchFamily="34" charset="-128"/>
+                        <a:ea typeface="Arial Unicode MS" pitchFamily="34" charset="-128"/>
+                        <a:cs typeface="Arial Unicode MS" pitchFamily="34" charset="-128"/>
+                      </a:endParaRPr>
+                    </a:p>
+                  </a:txBody>
+                  <a:tcPr marL="73025" marR="73025" marT="0" marB="0" anchor="ctr">
+                    <a:solidFill>
+                      <a:schemeClr val="accent3"/>
+                    </a:solidFill>
+                  </a:tcPr>
+                </a:tc>
+              </a:tr>
+            </a:tbl>
+          </a:graphicData>
+        </a:graphic>
+      </p:graphicFrame>
+      <p:pic>
+        <p:nvPicPr>
+          <p:cNvPr id="5" name="Picture 2" descr="https://cdn-images-1.medium.com/max/600/1*YHKQVfSqFafrXvGcc5wUuQ.png"/>
+          <p:cNvPicPr>
+            <a:picLocks noChangeAspect="1" noChangeArrowheads="1"/>
+          </p:cNvPicPr>
+          <p:nvPr/>
+        </p:nvPicPr>
+        <p:blipFill rotWithShape="1">
+          <a:blip r:embed="rId2">
+            <a:extLst>
+              <a:ext uri="{28A0092B-C50C-407E-A947-70E740481C1C}">
+                <a14:useLocalDpi xmlns:a14="http://schemas.microsoft.com/office/drawing/2010/main" val="0"/>
+              </a:ext>
+            </a:extLst>
+          </a:blip>
+          <a:srcRect b="11346"/>
+          <a:stretch/>
+        </p:blipFill>
+        <p:spPr bwMode="auto">
+          <a:xfrm>
+            <a:off x="0" y="-60521"/>
+            <a:ext cx="827584" cy="614104"/>
+          </a:xfrm>
+          <a:prstGeom prst="rect">
+            <a:avLst/>
+          </a:prstGeom>
+          <a:ln>
+            <a:noFill/>
+          </a:ln>
+          <a:effectLst>
+            <a:softEdge rad="112500"/>
+          </a:effectLst>
+          <a:extLst>
+            <a:ext uri="{909E8E84-426E-40DD-AFC4-6F175D3DCCD1}">
+              <a14:hiddenFill xmlns:a14="http://schemas.microsoft.com/office/drawing/2010/main">
+                <a:solidFill>
+                  <a:srgbClr val="FFFFFF"/>
+                </a:solidFill>
+              </a14:hiddenFill>
+            </a:ext>
+          </a:extLst>
+        </p:spPr>
+      </p:pic>
+    </p:spTree>
+    <p:extLst>
+      <p:ext uri="{BB962C8B-B14F-4D97-AF65-F5344CB8AC3E}">
+        <p14:creationId xmlns:p14="http://schemas.microsoft.com/office/powerpoint/2010/main" val="914878399"/>
+      </p:ext>
+    </p:extLst>
+  </p:cSld>
+  <p:clrMapOvr>
+    <a:masterClrMapping/>
+  </p:clrMapOvr>
+  <p:timing>
+    <p:tnLst>
+      <p:par>
+        <p:cTn id="1" dur="indefinite" restart="never" nodeType="tmRoot"/>
+      </p:par>
+    </p:tnLst>
+  </p:timing>
+</p:sld>
+</file>
+
+<file path=ppt/slides/slide4.xml><?xml version="1.0" encoding="utf-8"?>
+<p:sld xmlns:a="http://schemas.openxmlformats.org/drawingml/2006/main" xmlns:r="http://schemas.openxmlformats.org/officeDocument/2006/relationships" xmlns:p="http://schemas.openxmlformats.org/presentationml/2006/main">
+  <p:cSld>
+    <p:spTree>
+      <p:nvGrpSpPr>
+        <p:cNvPr id="1" name=""/>
+        <p:cNvGrpSpPr/>
+        <p:nvPr/>
+      </p:nvGrpSpPr>
+      <p:grpSpPr>
+        <a:xfrm>
+          <a:off x="0" y="0"/>
+          <a:ext cx="0" cy="0"/>
+          <a:chOff x="0" y="0"/>
+          <a:chExt cx="0" cy="0"/>
+        </a:xfrm>
+      </p:grpSpPr>
+      <p:sp>
+        <p:nvSpPr>
+          <p:cNvPr id="2" name="Título 1"/>
+          <p:cNvSpPr>
+            <a:spLocks noGrp="1"/>
+          </p:cNvSpPr>
+          <p:nvPr>
+            <p:ph type="title"/>
+          </p:nvPr>
+        </p:nvSpPr>
+        <p:spPr>
+          <a:xfrm>
             <a:off x="457200" y="0"/>
             <a:ext cx="8229600" cy="980728"/>
           </a:xfrm>
@@ -45385,7 +48708,7 @@
             <p:ph idx="1"/>
             <p:extLst>
               <p:ext uri="{D42A27DB-BD31-4B8C-83A1-F6EECF244321}">
-                <p14:modId xmlns:p14="http://schemas.microsoft.com/office/powerpoint/2010/main" val="332816035"/>
+                <p14:modId xmlns:p14="http://schemas.microsoft.com/office/powerpoint/2010/main" val="2188621248"/>
               </p:ext>
             </p:extLst>
           </p:nvPr>
@@ -45464,7 +48787,7 @@
 </p:sld>
 </file>
 
-<file path=ppt/slides/slide4.xml><?xml version="1.0" encoding="utf-8"?>
+<file path=ppt/slides/slide5.xml><?xml version="1.0" encoding="utf-8"?>
 <p:sld xmlns:a="http://schemas.openxmlformats.org/drawingml/2006/main" xmlns:r="http://schemas.openxmlformats.org/officeDocument/2006/relationships" xmlns:p="http://schemas.openxmlformats.org/presentationml/2006/main">
   <p:cSld>
     <p:spTree>
@@ -45598,7 +48921,7 @@
 </p:sld>
 </file>
 
-<file path=ppt/slides/slide5.xml><?xml version="1.0" encoding="utf-8"?>
+<file path=ppt/slides/slide6.xml><?xml version="1.0" encoding="utf-8"?>
 <p:sld xmlns:a="http://schemas.openxmlformats.org/drawingml/2006/main" xmlns:r="http://schemas.openxmlformats.org/officeDocument/2006/relationships" xmlns:p="http://schemas.openxmlformats.org/presentationml/2006/main">
   <p:cSld>
     <p:spTree>
@@ -45638,10 +48961,10 @@
           <a:lstStyle/>
           <a:p>
             <a:r>
-              <a:rPr lang="pt-BR" sz="4400" dirty="0" smtClean="0"/>
+              <a:rPr lang="pt-BR" sz="1400" dirty="0" smtClean="0"/>
               <a:t>Visão geral do produto</a:t>
             </a:r>
-            <a:endParaRPr lang="pt-BR" sz="4400" dirty="0"/>
+            <a:endParaRPr lang="pt-BR" sz="1400" dirty="0"/>
           </a:p>
         </p:txBody>
       </p:sp>
@@ -45991,14 +49314,14 @@
           <p:nvPr>
             <p:extLst>
               <p:ext uri="{D42A27DB-BD31-4B8C-83A1-F6EECF244321}">
-                <p14:modId xmlns:p14="http://schemas.microsoft.com/office/powerpoint/2010/main" val="4287728567"/>
+                <p14:modId xmlns:p14="http://schemas.microsoft.com/office/powerpoint/2010/main" val="2252121767"/>
               </p:ext>
             </p:extLst>
           </p:nvPr>
         </p:nvGraphicFramePr>
         <p:xfrm>
-          <a:off x="4015687" y="5909747"/>
-          <a:ext cx="3984564" cy="1023888"/>
+          <a:off x="612775" y="6030580"/>
+          <a:ext cx="8279704" cy="583568"/>
         </p:xfrm>
         <a:graphic>
           <a:graphicData uri="http://schemas.openxmlformats.org/drawingml/2006/diagram">
@@ -46013,9 +49336,9 @@
           <p:nvPr/>
         </p:nvSpPr>
         <p:spPr>
-          <a:xfrm>
-            <a:off x="5610939" y="4963332"/>
-            <a:ext cx="484632" cy="1149779"/>
+          <a:xfrm rot="2532514">
+            <a:off x="2078345" y="4649921"/>
+            <a:ext cx="484632" cy="1552487"/>
           </a:xfrm>
           <a:prstGeom prst="downArrow">
             <a:avLst/>
@@ -46143,7 +49466,7 @@
 </p:sld>
 </file>
 
-<file path=ppt/slides/slide6.xml><?xml version="1.0" encoding="utf-8"?>
+<file path=ppt/slides/slide7.xml><?xml version="1.0" encoding="utf-8"?>
 <p:sld xmlns:a="http://schemas.openxmlformats.org/drawingml/2006/main" xmlns:r="http://schemas.openxmlformats.org/officeDocument/2006/relationships" xmlns:p="http://schemas.openxmlformats.org/presentationml/2006/main">
   <p:cSld>
     <p:spTree>
@@ -46194,7 +49517,7 @@
         </p:nvSpPr>
         <p:spPr>
           <a:xfrm>
-            <a:off x="734888" y="152400"/>
+            <a:off x="458296" y="529999"/>
             <a:ext cx="8229600" cy="1143000"/>
           </a:xfrm>
         </p:spPr>
@@ -46203,14 +49526,14 @@
           <a:lstStyle/>
           <a:p>
             <a:r>
-              <a:rPr lang="pt-BR" sz="4400" dirty="0" smtClean="0"/>
+              <a:rPr lang="pt-BR" sz="1600" dirty="0" smtClean="0"/>
               <a:t>Conceito</a:t>
             </a:r>
             <a:r>
-              <a:rPr lang="pt-BR" sz="4400" baseline="0" dirty="0" smtClean="0"/>
+              <a:rPr lang="pt-BR" sz="1600" baseline="0" dirty="0" smtClean="0"/>
               <a:t> do serviço</a:t>
             </a:r>
-            <a:endParaRPr lang="pt-BR" sz="4400" dirty="0"/>
+            <a:endParaRPr lang="pt-BR" sz="1600" dirty="0"/>
           </a:p>
         </p:txBody>
       </p:sp>
@@ -46730,7 +50053,7 @@
 </p:sld>
 </file>
 
-<file path=ppt/slides/slide7.xml><?xml version="1.0" encoding="utf-8"?>
+<file path=ppt/slides/slide8.xml><?xml version="1.0" encoding="utf-8"?>
 <p:sld xmlns:a="http://schemas.openxmlformats.org/drawingml/2006/main" xmlns:r="http://schemas.openxmlformats.org/officeDocument/2006/relationships" xmlns:p="http://schemas.openxmlformats.org/presentationml/2006/main">
   <p:cSld>
     <p:spTree>
@@ -46983,7 +50306,7 @@
 </p:sld>
 </file>
 
-<file path=ppt/slides/slide8.xml><?xml version="1.0" encoding="utf-8"?>
+<file path=ppt/slides/slide9.xml><?xml version="1.0" encoding="utf-8"?>
 <p:sld xmlns:a="http://schemas.openxmlformats.org/drawingml/2006/main" xmlns:r="http://schemas.openxmlformats.org/officeDocument/2006/relationships" xmlns:p="http://schemas.openxmlformats.org/presentationml/2006/main">
   <p:cSld>
     <p:spTree>
@@ -47101,283 +50424,6 @@
     <p:extLst>
       <p:ext uri="{BB962C8B-B14F-4D97-AF65-F5344CB8AC3E}">
         <p14:creationId xmlns:p14="http://schemas.microsoft.com/office/powerpoint/2010/main" val="1686287847"/>
-      </p:ext>
-    </p:extLst>
-  </p:cSld>
-  <p:clrMapOvr>
-    <a:masterClrMapping/>
-  </p:clrMapOvr>
-  <p:timing>
-    <p:tnLst>
-      <p:par>
-        <p:cTn id="1" dur="indefinite" restart="never" nodeType="tmRoot"/>
-      </p:par>
-    </p:tnLst>
-  </p:timing>
-</p:sld>
-</file>
-
-<file path=ppt/slides/slide9.xml><?xml version="1.0" encoding="utf-8"?>
-<p:sld xmlns:a="http://schemas.openxmlformats.org/drawingml/2006/main" xmlns:r="http://schemas.openxmlformats.org/officeDocument/2006/relationships" xmlns:p="http://schemas.openxmlformats.org/presentationml/2006/main">
-  <p:cSld>
-    <p:spTree>
-      <p:nvGrpSpPr>
-        <p:cNvPr id="1" name=""/>
-        <p:cNvGrpSpPr/>
-        <p:nvPr/>
-      </p:nvGrpSpPr>
-      <p:grpSpPr>
-        <a:xfrm>
-          <a:off x="0" y="0"/>
-          <a:ext cx="0" cy="0"/>
-          <a:chOff x="0" y="0"/>
-          <a:chExt cx="0" cy="0"/>
-        </a:xfrm>
-      </p:grpSpPr>
-      <p:sp>
-        <p:nvSpPr>
-          <p:cNvPr id="2" name="Título 1"/>
-          <p:cNvSpPr>
-            <a:spLocks noGrp="1"/>
-          </p:cNvSpPr>
-          <p:nvPr>
-            <p:ph type="title"/>
-          </p:nvPr>
-        </p:nvSpPr>
-        <p:spPr>
-          <a:xfrm>
-            <a:off x="457200" y="0"/>
-            <a:ext cx="8686800" cy="908720"/>
-          </a:xfrm>
-        </p:spPr>
-        <p:txBody>
-          <a:bodyPr/>
-          <a:lstStyle/>
-          <a:p>
-            <a:r>
-              <a:rPr lang="pt-BR" sz="4400" dirty="0" smtClean="0"/>
-              <a:t>Aplicação serviço ao usuário</a:t>
-            </a:r>
-            <a:endParaRPr lang="pt-BR" sz="4400" dirty="0"/>
-          </a:p>
-        </p:txBody>
-      </p:sp>
-      <p:graphicFrame>
-        <p:nvGraphicFramePr>
-          <p:cNvPr id="6" name="Espaço Reservado para Conteúdo 5"/>
-          <p:cNvGraphicFramePr>
-            <a:graphicFrameLocks noGrp="1"/>
-          </p:cNvGraphicFramePr>
-          <p:nvPr>
-            <p:ph idx="1"/>
-            <p:extLst>
-              <p:ext uri="{D42A27DB-BD31-4B8C-83A1-F6EECF244321}">
-                <p14:modId xmlns:p14="http://schemas.microsoft.com/office/powerpoint/2010/main" val="3146447900"/>
-              </p:ext>
-            </p:extLst>
-          </p:nvPr>
-        </p:nvGraphicFramePr>
-        <p:xfrm>
-          <a:off x="0" y="1124744"/>
-          <a:ext cx="9144000" cy="5733256"/>
-        </p:xfrm>
-        <a:graphic>
-          <a:graphicData uri="http://schemas.openxmlformats.org/drawingml/2006/diagram">
-            <dgm:relIds xmlns:dgm="http://schemas.openxmlformats.org/drawingml/2006/diagram" xmlns:r="http://schemas.openxmlformats.org/officeDocument/2006/relationships" r:dm="rId2" r:lo="rId3" r:qs="rId4" r:cs="rId5"/>
-          </a:graphicData>
-        </a:graphic>
-      </p:graphicFrame>
-      <p:pic>
-        <p:nvPicPr>
-          <p:cNvPr id="4" name="Picture 2" descr="https://cdn-images-1.medium.com/max/600/1*YHKQVfSqFafrXvGcc5wUuQ.png"/>
-          <p:cNvPicPr>
-            <a:picLocks noChangeAspect="1" noChangeArrowheads="1"/>
-          </p:cNvPicPr>
-          <p:nvPr/>
-        </p:nvPicPr>
-        <p:blipFill rotWithShape="1">
-          <a:blip r:embed="rId7">
-            <a:extLst>
-              <a:ext uri="{28A0092B-C50C-407E-A947-70E740481C1C}">
-                <a14:useLocalDpi xmlns:a14="http://schemas.microsoft.com/office/drawing/2010/main" val="0"/>
-              </a:ext>
-            </a:extLst>
-          </a:blip>
-          <a:srcRect b="11346"/>
-          <a:stretch/>
-        </p:blipFill>
-        <p:spPr bwMode="auto">
-          <a:xfrm>
-            <a:off x="0" y="-60521"/>
-            <a:ext cx="827584" cy="614104"/>
-          </a:xfrm>
-          <a:prstGeom prst="rect">
-            <a:avLst/>
-          </a:prstGeom>
-          <a:ln>
-            <a:noFill/>
-          </a:ln>
-          <a:effectLst>
-            <a:softEdge rad="112500"/>
-          </a:effectLst>
-          <a:extLst>
-            <a:ext uri="{909E8E84-426E-40DD-AFC4-6F175D3DCCD1}">
-              <a14:hiddenFill xmlns:a14="http://schemas.microsoft.com/office/drawing/2010/main">
-                <a:solidFill>
-                  <a:srgbClr val="FFFFFF"/>
-                </a:solidFill>
-              </a14:hiddenFill>
-            </a:ext>
-          </a:extLst>
-        </p:spPr>
-      </p:pic>
-      <p:sp>
-        <p:nvSpPr>
-          <p:cNvPr id="8" name="CaixaDeTexto 7"/>
-          <p:cNvSpPr txBox="1"/>
-          <p:nvPr/>
-        </p:nvSpPr>
-        <p:spPr>
-          <a:xfrm>
-            <a:off x="-3437" y="2247254"/>
-            <a:ext cx="2119104" cy="646331"/>
-          </a:xfrm>
-          <a:prstGeom prst="rect">
-            <a:avLst/>
-          </a:prstGeom>
-          <a:noFill/>
-        </p:spPr>
-        <p:txBody>
-          <a:bodyPr wrap="square" rtlCol="0">
-            <a:spAutoFit/>
-          </a:bodyPr>
-          <a:lstStyle/>
-          <a:p>
-            <a:r>
-              <a:rPr lang="pt-BR" dirty="0" smtClean="0"/>
-              <a:t>Personalização do serviço (Opcional)</a:t>
-            </a:r>
-            <a:endParaRPr lang="pt-BR" dirty="0"/>
-          </a:p>
-        </p:txBody>
-      </p:sp>
-      <p:sp>
-        <p:nvSpPr>
-          <p:cNvPr id="9" name="CaixaDeTexto 8"/>
-          <p:cNvSpPr txBox="1"/>
-          <p:nvPr/>
-        </p:nvSpPr>
-        <p:spPr>
-          <a:xfrm>
-            <a:off x="2051720" y="3717032"/>
-            <a:ext cx="2520280" cy="369332"/>
-          </a:xfrm>
-          <a:prstGeom prst="rect">
-            <a:avLst/>
-          </a:prstGeom>
-          <a:noFill/>
-        </p:spPr>
-        <p:txBody>
-          <a:bodyPr wrap="square" rtlCol="0">
-            <a:spAutoFit/>
-          </a:bodyPr>
-          <a:lstStyle/>
-          <a:p>
-            <a:r>
-              <a:rPr lang="pt-BR" dirty="0" smtClean="0"/>
-              <a:t>Execução automática</a:t>
-            </a:r>
-            <a:endParaRPr lang="pt-BR" dirty="0"/>
-          </a:p>
-        </p:txBody>
-      </p:sp>
-      <p:sp>
-        <p:nvSpPr>
-          <p:cNvPr id="10" name="CaixaDeTexto 9"/>
-          <p:cNvSpPr txBox="1"/>
-          <p:nvPr/>
-        </p:nvSpPr>
-        <p:spPr>
-          <a:xfrm>
-            <a:off x="-10645" y="5782666"/>
-            <a:ext cx="2854453" cy="923330"/>
-          </a:xfrm>
-          <a:prstGeom prst="rect">
-            <a:avLst/>
-          </a:prstGeom>
-          <a:noFill/>
-        </p:spPr>
-        <p:txBody>
-          <a:bodyPr wrap="square" rtlCol="0">
-            <a:spAutoFit/>
-          </a:bodyPr>
-          <a:lstStyle/>
-          <a:p>
-            <a:r>
-              <a:rPr lang="pt-BR" dirty="0" smtClean="0">
-                <a:solidFill>
-                  <a:schemeClr val="accent5">
-                    <a:lumMod val="75000"/>
-                  </a:schemeClr>
-                </a:solidFill>
-              </a:rPr>
-              <a:t>Obs. Os quadros em verde destacam ações de usuário (Clicks)</a:t>
-            </a:r>
-            <a:endParaRPr lang="pt-BR" dirty="0">
-              <a:solidFill>
-                <a:schemeClr val="accent5">
-                  <a:lumMod val="75000"/>
-                </a:schemeClr>
-              </a:solidFill>
-            </a:endParaRPr>
-          </a:p>
-        </p:txBody>
-      </p:sp>
-      <p:sp>
-        <p:nvSpPr>
-          <p:cNvPr id="18" name="Chave esquerda 17"/>
-          <p:cNvSpPr/>
-          <p:nvPr/>
-        </p:nvSpPr>
-        <p:spPr>
-          <a:xfrm>
-            <a:off x="4572000" y="3140968"/>
-            <a:ext cx="443480" cy="3565028"/>
-          </a:xfrm>
-          <a:prstGeom prst="leftBrace">
-            <a:avLst>
-              <a:gd name="adj1" fmla="val 8333"/>
-              <a:gd name="adj2" fmla="val 20890"/>
-            </a:avLst>
-          </a:prstGeom>
-        </p:spPr>
-        <p:style>
-          <a:lnRef idx="3">
-            <a:schemeClr val="accent3"/>
-          </a:lnRef>
-          <a:fillRef idx="0">
-            <a:schemeClr val="accent3"/>
-          </a:fillRef>
-          <a:effectRef idx="2">
-            <a:schemeClr val="accent3"/>
-          </a:effectRef>
-          <a:fontRef idx="minor">
-            <a:schemeClr val="tx1"/>
-          </a:fontRef>
-        </p:style>
-        <p:txBody>
-          <a:bodyPr rtlCol="0" anchor="ctr"/>
-          <a:lstStyle/>
-          <a:p>
-            <a:pPr algn="ctr"/>
-            <a:endParaRPr lang="pt-BR"/>
-          </a:p>
-        </p:txBody>
-      </p:sp>
-    </p:spTree>
-    <p:extLst>
-      <p:ext uri="{BB962C8B-B14F-4D97-AF65-F5344CB8AC3E}">
-        <p14:creationId xmlns:p14="http://schemas.microsoft.com/office/powerpoint/2010/main" val="2358521325"/>
       </p:ext>
     </p:extLst>
   </p:cSld>

--- a/Ppt.pptx
+++ b/Ppt.pptx
@@ -16,23 +16,24 @@
     <p:sldId id="261" r:id="rId10"/>
     <p:sldId id="262" r:id="rId11"/>
     <p:sldId id="266" r:id="rId12"/>
-    <p:sldId id="282" r:id="rId13"/>
-    <p:sldId id="269" r:id="rId14"/>
-    <p:sldId id="270" r:id="rId15"/>
-    <p:sldId id="271" r:id="rId16"/>
-    <p:sldId id="272" r:id="rId17"/>
-    <p:sldId id="283" r:id="rId18"/>
-    <p:sldId id="274" r:id="rId19"/>
-    <p:sldId id="273" r:id="rId20"/>
-    <p:sldId id="275" r:id="rId21"/>
-    <p:sldId id="284" r:id="rId22"/>
-    <p:sldId id="276" r:id="rId23"/>
-    <p:sldId id="277" r:id="rId24"/>
-    <p:sldId id="286" r:id="rId25"/>
-    <p:sldId id="287" r:id="rId26"/>
-    <p:sldId id="288" r:id="rId27"/>
-    <p:sldId id="289" r:id="rId28"/>
-    <p:sldId id="290" r:id="rId29"/>
+    <p:sldId id="292" r:id="rId13"/>
+    <p:sldId id="282" r:id="rId14"/>
+    <p:sldId id="269" r:id="rId15"/>
+    <p:sldId id="270" r:id="rId16"/>
+    <p:sldId id="271" r:id="rId17"/>
+    <p:sldId id="272" r:id="rId18"/>
+    <p:sldId id="283" r:id="rId19"/>
+    <p:sldId id="274" r:id="rId20"/>
+    <p:sldId id="273" r:id="rId21"/>
+    <p:sldId id="275" r:id="rId22"/>
+    <p:sldId id="284" r:id="rId23"/>
+    <p:sldId id="276" r:id="rId24"/>
+    <p:sldId id="277" r:id="rId25"/>
+    <p:sldId id="286" r:id="rId26"/>
+    <p:sldId id="287" r:id="rId27"/>
+    <p:sldId id="288" r:id="rId28"/>
+    <p:sldId id="289" r:id="rId29"/>
+    <p:sldId id="290" r:id="rId30"/>
   </p:sldIdLst>
   <p:sldSz cx="9144000" cy="6858000" type="screen4x3"/>
   <p:notesSz cx="6858000" cy="9144000"/>
@@ -133,7 +134,7 @@
   </p:defaultTextStyle>
   <p:extLst>
     <p:ext uri="{EFAFB233-063F-42B5-8137-9DF3F51BA10A}">
-      <p15:sldGuideLst xmlns="" xmlns:p15="http://schemas.microsoft.com/office/powerpoint/2012/main">
+      <p15:sldGuideLst xmlns:p15="http://schemas.microsoft.com/office/powerpoint/2012/main" xmlns="">
         <p15:guide id="1" orient="horz" pos="2160">
           <p15:clr>
             <a:srgbClr val="A4A3A4"/>
@@ -8818,7 +8819,7 @@
       </dgm:t>
     </dgm:pt>
     <dgm:pt modelId="{D9C6D685-EDBB-4DC5-885A-3D868A4B563E}" type="pres">
-      <dgm:prSet presAssocID="{CF1ADD8D-C2DC-4952-8FED-E142F0475B4C}" presName="quad2" presStyleLbl="node1" presStyleIdx="1" presStyleCnt="4" custScaleX="175010" custLinFactNeighborX="45897" custLinFactNeighborY="113">
+      <dgm:prSet presAssocID="{CF1ADD8D-C2DC-4952-8FED-E142F0475B4C}" presName="quad2" presStyleLbl="node1" presStyleIdx="1" presStyleCnt="4" custScaleX="175010" custLinFactNeighborX="45897" custLinFactNeighborY="1282">
         <dgm:presLayoutVars>
           <dgm:chMax val="0"/>
           <dgm:chPref val="0"/>
@@ -8877,14 +8878,14 @@
     <dgm:cxn modelId="{CAB56ECD-BE6E-4B24-AC49-51EFAFB4B6E3}" type="presOf" srcId="{CF1ADD8D-C2DC-4952-8FED-E142F0475B4C}" destId="{519E3474-1962-4759-B656-85BE338C7B98}" srcOrd="0" destOrd="0" presId="urn:microsoft.com/office/officeart/2005/8/layout/matrix3"/>
     <dgm:cxn modelId="{C3F088A9-27FC-4851-90FA-6BC53FC7465B}" srcId="{3E1A2244-59C1-41FE-B4E7-E06EE0C2763A}" destId="{717E048A-8266-4148-A83F-7ED740B63328}" srcOrd="6" destOrd="0" parTransId="{997273CF-D274-4A18-8B9E-21DA3F081FCB}" sibTransId="{C11FE336-4F75-4B3C-831D-B7D3349E1B40}"/>
     <dgm:cxn modelId="{7F925CB9-90EB-4C2D-A77F-5BC4817DB837}" type="presOf" srcId="{AE6F54F4-AC71-40C8-A986-AC1ED479D9F9}" destId="{C2622DEC-99A0-43F2-B629-1EB34D7A6645}" srcOrd="0" destOrd="2" presId="urn:microsoft.com/office/officeart/2005/8/layout/matrix3"/>
+    <dgm:cxn modelId="{F209FCB6-9619-45C2-9B2D-311D789E2FB3}" type="presOf" srcId="{B5B1274F-DE22-4BB1-8257-EE626C019846}" destId="{EE696764-36FA-415F-BDB2-1C9764E1E43A}" srcOrd="0" destOrd="3" presId="urn:microsoft.com/office/officeart/2005/8/layout/matrix3"/>
     <dgm:cxn modelId="{44AE11D9-9692-4480-BE07-F447CE7FD3ED}" srcId="{3E1A2244-59C1-41FE-B4E7-E06EE0C2763A}" destId="{28F2A582-3F39-44B1-9C67-55EA726C9625}" srcOrd="1" destOrd="0" parTransId="{F401882F-5F1D-459B-83A4-B11F05E4971D}" sibTransId="{955EE58A-3B19-45E3-93AF-89E61868F24C}"/>
-    <dgm:cxn modelId="{F209FCB6-9619-45C2-9B2D-311D789E2FB3}" type="presOf" srcId="{B5B1274F-DE22-4BB1-8257-EE626C019846}" destId="{EE696764-36FA-415F-BDB2-1C9764E1E43A}" srcOrd="0" destOrd="3" presId="urn:microsoft.com/office/officeart/2005/8/layout/matrix3"/>
     <dgm:cxn modelId="{88C93529-BB35-4B94-8FDA-A9B936A18F37}" type="presOf" srcId="{BAAD56C5-FE96-456E-83F1-590A5C8015CD}" destId="{D9C6D685-EDBB-4DC5-885A-3D868A4B563E}" srcOrd="0" destOrd="3" presId="urn:microsoft.com/office/officeart/2005/8/layout/matrix3"/>
     <dgm:cxn modelId="{0DFF62FE-26CF-4E3D-97B2-0F93CD64141D}" type="presOf" srcId="{D36E4681-3C75-4A70-AB27-5C982946D7BD}" destId="{C2622DEC-99A0-43F2-B629-1EB34D7A6645}" srcOrd="0" destOrd="0" presId="urn:microsoft.com/office/officeart/2005/8/layout/matrix3"/>
+    <dgm:cxn modelId="{FB531A93-B8E3-430B-B76A-35CF6F35DC0A}" type="presOf" srcId="{83581594-02F2-4D10-8F1A-DC884B2D879B}" destId="{EE696764-36FA-415F-BDB2-1C9764E1E43A}" srcOrd="0" destOrd="2" presId="urn:microsoft.com/office/officeart/2005/8/layout/matrix3"/>
     <dgm:cxn modelId="{7DEAA5AD-6B87-43B1-A97F-E75EDED37176}" srcId="{3F45AA86-EC33-417F-8904-C8A992F93388}" destId="{83581594-02F2-4D10-8F1A-DC884B2D879B}" srcOrd="1" destOrd="0" parTransId="{6C31659A-3466-4C71-9696-95AF35241685}" sibTransId="{53392A59-2EF6-47F4-AFCA-B8ED043EF4E0}"/>
+    <dgm:cxn modelId="{F28DE1AE-C99D-4E4A-BC21-2E6A79FA80B2}" type="presOf" srcId="{A85FA4DD-EE7A-4E07-9FDE-16684DFECF0B}" destId="{C2622DEC-99A0-43F2-B629-1EB34D7A6645}" srcOrd="0" destOrd="3" presId="urn:microsoft.com/office/officeart/2005/8/layout/matrix3"/>
     <dgm:cxn modelId="{B4F426D5-DA60-401E-90AC-FE59AE77105B}" type="presOf" srcId="{87B8680A-C149-48A4-8264-3517F25C147E}" destId="{FD762FAA-AA06-4BBB-9230-89FCEB3A2795}" srcOrd="0" destOrd="6" presId="urn:microsoft.com/office/officeart/2005/8/layout/matrix3"/>
-    <dgm:cxn modelId="{F28DE1AE-C99D-4E4A-BC21-2E6A79FA80B2}" type="presOf" srcId="{A85FA4DD-EE7A-4E07-9FDE-16684DFECF0B}" destId="{C2622DEC-99A0-43F2-B629-1EB34D7A6645}" srcOrd="0" destOrd="3" presId="urn:microsoft.com/office/officeart/2005/8/layout/matrix3"/>
-    <dgm:cxn modelId="{FB531A93-B8E3-430B-B76A-35CF6F35DC0A}" type="presOf" srcId="{83581594-02F2-4D10-8F1A-DC884B2D879B}" destId="{EE696764-36FA-415F-BDB2-1C9764E1E43A}" srcOrd="0" destOrd="2" presId="urn:microsoft.com/office/officeart/2005/8/layout/matrix3"/>
     <dgm:cxn modelId="{563F3562-BECC-470A-91A7-5F1523345778}" srcId="{3F45AA86-EC33-417F-8904-C8A992F93388}" destId="{C361F7D9-3AEE-43D8-88B6-52A7D3EF477D}" srcOrd="0" destOrd="0" parTransId="{38AF198D-F277-44FF-A71D-0F4C3AA008DB}" sibTransId="{4922D11E-FAB4-4BAC-B8E0-35106D255AE2}"/>
     <dgm:cxn modelId="{E05CCAE4-4C0E-4DE0-A732-0D6885F0C5C0}" type="presOf" srcId="{114215D4-534D-488E-AE2F-64A701486B67}" destId="{D9C6D685-EDBB-4DC5-885A-3D868A4B563E}" srcOrd="0" destOrd="2" presId="urn:microsoft.com/office/officeart/2005/8/layout/matrix3"/>
     <dgm:cxn modelId="{309AC82B-05F9-4FB7-A272-3891445686D0}" srcId="{66C1AADE-9A17-4A1F-98EA-87F2566CF35D}" destId="{8611D8F1-44A5-41C6-97A4-1D921EDC5D3C}" srcOrd="0" destOrd="0" parTransId="{7D891C28-6F81-4B82-8387-CE898DF246B1}" sibTransId="{18F9BD85-7E48-4A37-AF00-DBA6C41FF66A}"/>
@@ -8894,8 +8895,8 @@
     <dgm:cxn modelId="{1E9544FA-750E-4693-9589-9411F514886C}" srcId="{3E1A2244-59C1-41FE-B4E7-E06EE0C2763A}" destId="{FCA5832A-FD92-45CD-A034-C13CCAB40DC5}" srcOrd="4" destOrd="0" parTransId="{D06DC76D-4C7D-4F93-BC52-3DB8584BB83A}" sibTransId="{22B48F31-53D2-45BB-961D-D78BF97491F5}"/>
     <dgm:cxn modelId="{5840E74A-CF93-49FF-88D7-90511FE0689C}" type="presOf" srcId="{767E1750-544D-4794-9A2E-A8DCC044D696}" destId="{FD762FAA-AA06-4BBB-9230-89FCEB3A2795}" srcOrd="0" destOrd="4" presId="urn:microsoft.com/office/officeart/2005/8/layout/matrix3"/>
     <dgm:cxn modelId="{F465B371-F795-40B6-9F79-7C407F55931C}" srcId="{CF1ADD8D-C2DC-4952-8FED-E142F0475B4C}" destId="{3F45AA86-EC33-417F-8904-C8A992F93388}" srcOrd="0" destOrd="0" parTransId="{F3863189-CB3B-4154-AB1C-A93CC7261C5D}" sibTransId="{1AE60E9F-51D0-41E7-AC02-7C0115D0D11E}"/>
+    <dgm:cxn modelId="{E3B660EC-5288-4A34-93B3-AD2DE44F70EC}" srcId="{3E1A2244-59C1-41FE-B4E7-E06EE0C2763A}" destId="{87B8680A-C149-48A4-8264-3517F25C147E}" srcOrd="5" destOrd="0" parTransId="{949E1F94-8284-447B-B241-40D865F53A55}" sibTransId="{71918E25-8C5E-4422-9609-B43FA7B31DC4}"/>
     <dgm:cxn modelId="{2B7760A3-A361-4B08-A8AA-7F757F67FEAA}" type="presOf" srcId="{A412FC16-27CD-465B-BDA3-B68D05D4B74D}" destId="{FD762FAA-AA06-4BBB-9230-89FCEB3A2795}" srcOrd="0" destOrd="3" presId="urn:microsoft.com/office/officeart/2005/8/layout/matrix3"/>
-    <dgm:cxn modelId="{E3B660EC-5288-4A34-93B3-AD2DE44F70EC}" srcId="{3E1A2244-59C1-41FE-B4E7-E06EE0C2763A}" destId="{87B8680A-C149-48A4-8264-3517F25C147E}" srcOrd="5" destOrd="0" parTransId="{949E1F94-8284-447B-B241-40D865F53A55}" sibTransId="{71918E25-8C5E-4422-9609-B43FA7B31DC4}"/>
     <dgm:cxn modelId="{73FACBE1-C0A6-45D8-9CA6-E83DF05B9F39}" type="presOf" srcId="{34F94A6B-F3B2-4AB0-8332-B7F7B83BB073}" destId="{FD762FAA-AA06-4BBB-9230-89FCEB3A2795}" srcOrd="0" destOrd="1" presId="urn:microsoft.com/office/officeart/2005/8/layout/matrix3"/>
     <dgm:cxn modelId="{8C45393B-8045-419E-8241-E67B86131E05}" type="presOf" srcId="{3E1A2244-59C1-41FE-B4E7-E06EE0C2763A}" destId="{FD762FAA-AA06-4BBB-9230-89FCEB3A2795}" srcOrd="0" destOrd="0" presId="urn:microsoft.com/office/officeart/2005/8/layout/matrix3"/>
     <dgm:cxn modelId="{5649DB32-7C1C-4F83-B2B3-511CFE064DF4}" srcId="{3F45AA86-EC33-417F-8904-C8A992F93388}" destId="{B5B1274F-DE22-4BB1-8257-EE626C019846}" srcOrd="2" destOrd="0" parTransId="{AC5A7D89-E9DE-4B7A-A25A-63AF9DFD4F54}" sibTransId="{8DD817EE-8B78-4BC1-A358-BC94BD9EA295}"/>
@@ -8906,11 +8907,11 @@
     <dgm:cxn modelId="{B15F9662-A84E-47E0-868E-43919BF601D7}" srcId="{CF1ADD8D-C2DC-4952-8FED-E142F0475B4C}" destId="{D36E4681-3C75-4A70-AB27-5C982946D7BD}" srcOrd="2" destOrd="0" parTransId="{5B37C3B2-F2AE-47ED-A0E6-CF45457E4A78}" sibTransId="{ECD57A6A-6F78-46E9-8903-3ED92A61DCF7}"/>
     <dgm:cxn modelId="{CD6F033E-7A2D-4759-9184-C31DC664FEC2}" srcId="{66C1AADE-9A17-4A1F-98EA-87F2566CF35D}" destId="{BAAD56C5-FE96-456E-83F1-590A5C8015CD}" srcOrd="2" destOrd="0" parTransId="{F08A05A6-01FF-4289-AF76-2923E01D0631}" sibTransId="{7650913C-321F-4054-BBE9-7E6ACE9FEC72}"/>
     <dgm:cxn modelId="{8FCC30A7-CBD7-4905-B16E-3BD31C65EA1A}" type="presOf" srcId="{66C1AADE-9A17-4A1F-98EA-87F2566CF35D}" destId="{D9C6D685-EDBB-4DC5-885A-3D868A4B563E}" srcOrd="0" destOrd="0" presId="urn:microsoft.com/office/officeart/2005/8/layout/matrix3"/>
+    <dgm:cxn modelId="{60E13776-4F81-469D-B723-907E50C79EF3}" srcId="{3E1A2244-59C1-41FE-B4E7-E06EE0C2763A}" destId="{34F94A6B-F3B2-4AB0-8332-B7F7B83BB073}" srcOrd="0" destOrd="0" parTransId="{88B8B27D-E185-437D-A708-4464D9B72A2F}" sibTransId="{34E086D0-6893-40EB-A51D-CD8AC3FFC351}"/>
     <dgm:cxn modelId="{0B30DF3B-1A7E-4D90-9A07-ED1C813AB803}" srcId="{3E1A2244-59C1-41FE-B4E7-E06EE0C2763A}" destId="{A412FC16-27CD-465B-BDA3-B68D05D4B74D}" srcOrd="2" destOrd="0" parTransId="{544042A8-1214-4155-8E41-948578C06C23}" sibTransId="{A5D9D0F3-A8B1-4F76-9A42-E7478C904057}"/>
-    <dgm:cxn modelId="{60E13776-4F81-469D-B723-907E50C79EF3}" srcId="{3E1A2244-59C1-41FE-B4E7-E06EE0C2763A}" destId="{34F94A6B-F3B2-4AB0-8332-B7F7B83BB073}" srcOrd="0" destOrd="0" parTransId="{88B8B27D-E185-437D-A708-4464D9B72A2F}" sibTransId="{34E086D0-6893-40EB-A51D-CD8AC3FFC351}"/>
     <dgm:cxn modelId="{CF259D55-F93C-4233-952F-8C6997D77814}" srcId="{CF1ADD8D-C2DC-4952-8FED-E142F0475B4C}" destId="{3E1A2244-59C1-41FE-B4E7-E06EE0C2763A}" srcOrd="3" destOrd="0" parTransId="{41EEA9FC-EC83-47A7-A337-1EA8207A5A2E}" sibTransId="{913FC47A-2344-44CE-838E-E1E1259EE1A4}"/>
+    <dgm:cxn modelId="{43649DD0-9B70-4076-8BB7-F3A4577472E9}" type="presOf" srcId="{D734D156-11ED-4F62-A769-FAE6C467FBFB}" destId="{C2622DEC-99A0-43F2-B629-1EB34D7A6645}" srcOrd="0" destOrd="1" presId="urn:microsoft.com/office/officeart/2005/8/layout/matrix3"/>
     <dgm:cxn modelId="{1DD656E0-B567-4F9F-A8AA-25EA18E806A1}" srcId="{66C1AADE-9A17-4A1F-98EA-87F2566CF35D}" destId="{114215D4-534D-488E-AE2F-64A701486B67}" srcOrd="1" destOrd="0" parTransId="{E05ECA12-0E27-4B59-A058-E9135042E567}" sibTransId="{719B1BFC-9DBD-408D-ACF0-B10EEC2A41A7}"/>
-    <dgm:cxn modelId="{43649DD0-9B70-4076-8BB7-F3A4577472E9}" type="presOf" srcId="{D734D156-11ED-4F62-A769-FAE6C467FBFB}" destId="{C2622DEC-99A0-43F2-B629-1EB34D7A6645}" srcOrd="0" destOrd="1" presId="urn:microsoft.com/office/officeart/2005/8/layout/matrix3"/>
     <dgm:cxn modelId="{AB36AB61-29C5-4809-BE56-2E51FAA03B9D}" type="presParOf" srcId="{519E3474-1962-4759-B656-85BE338C7B98}" destId="{8BB83E3E-CE17-4D42-8DAD-C01CA2C28E4F}" srcOrd="0" destOrd="0" presId="urn:microsoft.com/office/officeart/2005/8/layout/matrix3"/>
     <dgm:cxn modelId="{C7E7D7D3-8039-455F-9758-7F19C6A3C6CA}" type="presParOf" srcId="{519E3474-1962-4759-B656-85BE338C7B98}" destId="{EE696764-36FA-415F-BDB2-1C9764E1E43A}" srcOrd="1" destOrd="0" presId="urn:microsoft.com/office/officeart/2005/8/layout/matrix3"/>
     <dgm:cxn modelId="{63B71E43-A1DE-4ABF-B05B-CBF339F2691E}" type="presParOf" srcId="{519E3474-1962-4759-B656-85BE338C7B98}" destId="{D9C6D685-EDBB-4DC5-885A-3D868A4B563E}" srcOrd="2" destOrd="0" presId="urn:microsoft.com/office/officeart/2005/8/layout/matrix3"/>
@@ -9324,19 +9325,19 @@
     </dgm:pt>
   </dgm:ptLst>
   <dgm:cxnLst>
+    <dgm:cxn modelId="{70816197-3CCD-4374-A787-AD50B6C98107}" srcId="{41EDC0B5-5B2E-40F6-A795-26759C403F93}" destId="{3B8C848E-B7C5-4BFA-9530-8B78A658DBF9}" srcOrd="0" destOrd="0" parTransId="{63492834-D0E4-41B4-B7F7-53FCFD5E2B26}" sibTransId="{A1BBA8FF-D579-4E2A-8000-37E8226C6F13}"/>
+    <dgm:cxn modelId="{75D2E0ED-99D5-44BB-AB4D-0F23545695CF}" type="presOf" srcId="{41EDC0B5-5B2E-40F6-A795-26759C403F93}" destId="{5DC2A2A4-321E-49F3-87D9-1E402D63144A}" srcOrd="0" destOrd="0" presId="urn:microsoft.com/office/officeart/2005/8/layout/target2"/>
+    <dgm:cxn modelId="{C8C2BECC-9D45-4EA0-8AC7-5375EB5F3EB6}" srcId="{00AA778E-02C5-4AB7-94AA-A238D1ABCE99}" destId="{E050978C-0D9B-48B8-B177-C3932AA7913C}" srcOrd="0" destOrd="0" parTransId="{BB79AFD7-3839-453A-8EB2-A52F965A8C76}" sibTransId="{D22D7724-B8DF-454F-9C7C-F4D3FEA5F73C}"/>
+    <dgm:cxn modelId="{3005B341-3B26-4ADD-85E4-C5EDCE0C9E20}" type="presOf" srcId="{3522712F-F43A-4175-BE83-10EA01740169}" destId="{B75B4B1B-09EA-44A0-A091-652EBDE0EA98}" srcOrd="0" destOrd="0" presId="urn:microsoft.com/office/officeart/2005/8/layout/target2"/>
+    <dgm:cxn modelId="{972DCC70-CC7D-4C0D-B235-59E3598EF66A}" srcId="{3B8C848E-B7C5-4BFA-9530-8B78A658DBF9}" destId="{3522712F-F43A-4175-BE83-10EA01740169}" srcOrd="0" destOrd="0" parTransId="{9E1B4B29-EEF3-45C0-9878-1588634F9605}" sibTransId="{EC03DB40-A835-4E7C-BD1B-9A73530AE7D6}"/>
+    <dgm:cxn modelId="{50090F85-38F3-4F38-9C95-0E87B537E31A}" type="presOf" srcId="{27FA57F4-188E-4BD9-8285-85AC9430C1CA}" destId="{A5A6D88A-617E-417D-BD7B-EBF9A20413FC}" srcOrd="0" destOrd="0" presId="urn:microsoft.com/office/officeart/2005/8/layout/target2"/>
+    <dgm:cxn modelId="{FE52B234-DDA2-41A4-A0FB-8C00997A6DC9}" type="presOf" srcId="{A1B118FD-1FEB-4C32-90A6-C74FF73ACC39}" destId="{2C1EC8B9-85E5-46D8-A0E1-9621919A32B4}" srcOrd="0" destOrd="0" presId="urn:microsoft.com/office/officeart/2005/8/layout/target2"/>
+    <dgm:cxn modelId="{48FAC39E-92B9-4C02-B497-F47EA4BC281E}" type="presOf" srcId="{E050978C-0D9B-48B8-B177-C3932AA7913C}" destId="{003ADD9F-4AC4-45B5-8DD6-EC81A27549EB}" srcOrd="0" destOrd="0" presId="urn:microsoft.com/office/officeart/2005/8/layout/target2"/>
+    <dgm:cxn modelId="{83FF0B91-87EB-4F13-84AB-6C3D5FB7D2A5}" srcId="{41EDC0B5-5B2E-40F6-A795-26759C403F93}" destId="{27FA57F4-188E-4BD9-8285-85AC9430C1CA}" srcOrd="2" destOrd="0" parTransId="{EEDFEE3B-048B-4931-9733-606A3F23765B}" sibTransId="{8FFD755D-67E9-46A2-940B-D8AAEE3A428A}"/>
+    <dgm:cxn modelId="{3CCA7E8F-9E1A-48EA-BA14-0A763B20D42D}" srcId="{41EDC0B5-5B2E-40F6-A795-26759C403F93}" destId="{00AA778E-02C5-4AB7-94AA-A238D1ABCE99}" srcOrd="1" destOrd="0" parTransId="{29E54D22-60C7-46BE-9AFD-CA81944A36C4}" sibTransId="{7D102F0B-EB58-4562-BF14-F927D2AC4478}"/>
+    <dgm:cxn modelId="{852D2E0A-BBFF-4CF9-86C8-AA48801398EE}" type="presOf" srcId="{00AA778E-02C5-4AB7-94AA-A238D1ABCE99}" destId="{ADD3C99B-AFC3-47B1-A4DF-7A75CC6ABE97}" srcOrd="0" destOrd="0" presId="urn:microsoft.com/office/officeart/2005/8/layout/target2"/>
     <dgm:cxn modelId="{C54A608E-21D2-43AA-B51B-DEF0F85C137B}" srcId="{27FA57F4-188E-4BD9-8285-85AC9430C1CA}" destId="{A1B118FD-1FEB-4C32-90A6-C74FF73ACC39}" srcOrd="0" destOrd="0" parTransId="{5DB2BB6F-623C-4D2B-9BAF-DCD48CD1A9C5}" sibTransId="{8DA34FC6-56B2-4413-80C1-1BB77F092E34}"/>
-    <dgm:cxn modelId="{3CCA7E8F-9E1A-48EA-BA14-0A763B20D42D}" srcId="{41EDC0B5-5B2E-40F6-A795-26759C403F93}" destId="{00AA778E-02C5-4AB7-94AA-A238D1ABCE99}" srcOrd="1" destOrd="0" parTransId="{29E54D22-60C7-46BE-9AFD-CA81944A36C4}" sibTransId="{7D102F0B-EB58-4562-BF14-F927D2AC4478}"/>
-    <dgm:cxn modelId="{70816197-3CCD-4374-A787-AD50B6C98107}" srcId="{41EDC0B5-5B2E-40F6-A795-26759C403F93}" destId="{3B8C848E-B7C5-4BFA-9530-8B78A658DBF9}" srcOrd="0" destOrd="0" parTransId="{63492834-D0E4-41B4-B7F7-53FCFD5E2B26}" sibTransId="{A1BBA8FF-D579-4E2A-8000-37E8226C6F13}"/>
-    <dgm:cxn modelId="{83FF0B91-87EB-4F13-84AB-6C3D5FB7D2A5}" srcId="{41EDC0B5-5B2E-40F6-A795-26759C403F93}" destId="{27FA57F4-188E-4BD9-8285-85AC9430C1CA}" srcOrd="2" destOrd="0" parTransId="{EEDFEE3B-048B-4931-9733-606A3F23765B}" sibTransId="{8FFD755D-67E9-46A2-940B-D8AAEE3A428A}"/>
-    <dgm:cxn modelId="{972DCC70-CC7D-4C0D-B235-59E3598EF66A}" srcId="{3B8C848E-B7C5-4BFA-9530-8B78A658DBF9}" destId="{3522712F-F43A-4175-BE83-10EA01740169}" srcOrd="0" destOrd="0" parTransId="{9E1B4B29-EEF3-45C0-9878-1588634F9605}" sibTransId="{EC03DB40-A835-4E7C-BD1B-9A73530AE7D6}"/>
-    <dgm:cxn modelId="{FE52B234-DDA2-41A4-A0FB-8C00997A6DC9}" type="presOf" srcId="{A1B118FD-1FEB-4C32-90A6-C74FF73ACC39}" destId="{2C1EC8B9-85E5-46D8-A0E1-9621919A32B4}" srcOrd="0" destOrd="0" presId="urn:microsoft.com/office/officeart/2005/8/layout/target2"/>
-    <dgm:cxn modelId="{50090F85-38F3-4F38-9C95-0E87B537E31A}" type="presOf" srcId="{27FA57F4-188E-4BD9-8285-85AC9430C1CA}" destId="{A5A6D88A-617E-417D-BD7B-EBF9A20413FC}" srcOrd="0" destOrd="0" presId="urn:microsoft.com/office/officeart/2005/8/layout/target2"/>
-    <dgm:cxn modelId="{48FAC39E-92B9-4C02-B497-F47EA4BC281E}" type="presOf" srcId="{E050978C-0D9B-48B8-B177-C3932AA7913C}" destId="{003ADD9F-4AC4-45B5-8DD6-EC81A27549EB}" srcOrd="0" destOrd="0" presId="urn:microsoft.com/office/officeart/2005/8/layout/target2"/>
-    <dgm:cxn modelId="{852D2E0A-BBFF-4CF9-86C8-AA48801398EE}" type="presOf" srcId="{00AA778E-02C5-4AB7-94AA-A238D1ABCE99}" destId="{ADD3C99B-AFC3-47B1-A4DF-7A75CC6ABE97}" srcOrd="0" destOrd="0" presId="urn:microsoft.com/office/officeart/2005/8/layout/target2"/>
     <dgm:cxn modelId="{A64CD332-3C8D-4E29-BBA4-ACA4A5C70894}" type="presOf" srcId="{3B8C848E-B7C5-4BFA-9530-8B78A658DBF9}" destId="{BFCD2251-09FB-4193-82AE-20E41AABECB4}" srcOrd="0" destOrd="0" presId="urn:microsoft.com/office/officeart/2005/8/layout/target2"/>
-    <dgm:cxn modelId="{3005B341-3B26-4ADD-85E4-C5EDCE0C9E20}" type="presOf" srcId="{3522712F-F43A-4175-BE83-10EA01740169}" destId="{B75B4B1B-09EA-44A0-A091-652EBDE0EA98}" srcOrd="0" destOrd="0" presId="urn:microsoft.com/office/officeart/2005/8/layout/target2"/>
-    <dgm:cxn modelId="{C8C2BECC-9D45-4EA0-8AC7-5375EB5F3EB6}" srcId="{00AA778E-02C5-4AB7-94AA-A238D1ABCE99}" destId="{E050978C-0D9B-48B8-B177-C3932AA7913C}" srcOrd="0" destOrd="0" parTransId="{BB79AFD7-3839-453A-8EB2-A52F965A8C76}" sibTransId="{D22D7724-B8DF-454F-9C7C-F4D3FEA5F73C}"/>
-    <dgm:cxn modelId="{75D2E0ED-99D5-44BB-AB4D-0F23545695CF}" type="presOf" srcId="{41EDC0B5-5B2E-40F6-A795-26759C403F93}" destId="{5DC2A2A4-321E-49F3-87D9-1E402D63144A}" srcOrd="0" destOrd="0" presId="urn:microsoft.com/office/officeart/2005/8/layout/target2"/>
     <dgm:cxn modelId="{FBEA4A22-37AA-4D19-92F3-A05F7B4C4F3C}" type="presParOf" srcId="{5DC2A2A4-321E-49F3-87D9-1E402D63144A}" destId="{47ABF3AE-7C0F-4F37-99E7-26C498633561}" srcOrd="0" destOrd="0" presId="urn:microsoft.com/office/officeart/2005/8/layout/target2"/>
     <dgm:cxn modelId="{FBFC4953-E3A1-4666-AE1A-E9EA156A9741}" type="presParOf" srcId="{47ABF3AE-7C0F-4F37-99E7-26C498633561}" destId="{BFCD2251-09FB-4193-82AE-20E41AABECB4}" srcOrd="0" destOrd="0" presId="urn:microsoft.com/office/officeart/2005/8/layout/target2"/>
     <dgm:cxn modelId="{1C0CD012-4D6C-4F64-8494-29ED0B444B63}" type="presParOf" srcId="{47ABF3AE-7C0F-4F37-99E7-26C498633561}" destId="{40DC6C87-52FE-4881-A102-E1D5BF83157F}" srcOrd="1" destOrd="0" presId="urn:microsoft.com/office/officeart/2005/8/layout/target2"/>
@@ -9444,22 +9445,18 @@
         </a:p>
       </dgm:t>
     </dgm:pt>
-    <dgm:pt modelId="{45D0FA18-E7C9-40CA-85FE-6C06DF210865}">
+    <dgm:pt modelId="{807B4EC0-DBCD-4A0A-8B06-00253A878830}">
       <dgm:prSet phldrT="[Texto]"/>
       <dgm:spPr/>
       <dgm:t>
         <a:bodyPr/>
         <a:lstStyle/>
         <a:p>
-          <a:r>
-            <a:rPr lang="pt-BR" dirty="0" smtClean="0"/>
-            <a:t>Modelo de</a:t>
-          </a:r>
           <a:endParaRPr lang="pt-BR" dirty="0"/>
         </a:p>
       </dgm:t>
     </dgm:pt>
-    <dgm:pt modelId="{BD61D5D3-0C7F-4418-96E8-2BD5E0117537}" type="parTrans" cxnId="{45234437-E499-4B09-BA6B-B8C74A6F33B0}">
+    <dgm:pt modelId="{2C0DBB5A-C660-45FB-A924-7EE7158F60BE}" type="parTrans" cxnId="{F588288A-658F-4A2E-83A7-74D2DB0AC655}">
       <dgm:prSet/>
       <dgm:spPr/>
       <dgm:t>
@@ -9470,7 +9467,7 @@
         </a:p>
       </dgm:t>
     </dgm:pt>
-    <dgm:pt modelId="{080D8A91-F1D4-4BE4-8EAB-DCDAB2E21950}" type="sibTrans" cxnId="{45234437-E499-4B09-BA6B-B8C74A6F33B0}">
+    <dgm:pt modelId="{E6BD2728-01B4-47C8-BC63-9ABCB0A2F994}" type="sibTrans" cxnId="{F588288A-658F-4A2E-83A7-74D2DB0AC655}">
       <dgm:prSet/>
       <dgm:spPr/>
       <dgm:t>
@@ -9481,7 +9478,7 @@
         </a:p>
       </dgm:t>
     </dgm:pt>
-    <dgm:pt modelId="{807B4EC0-DBCD-4A0A-8B06-00253A878830}">
+    <dgm:pt modelId="{75B7BF33-8AAF-4FD7-9587-CA0D5E8A58EC}">
       <dgm:prSet phldrT="[Texto]"/>
       <dgm:spPr/>
       <dgm:t>
@@ -9492,32 +9489,27 @@
         </a:p>
       </dgm:t>
     </dgm:pt>
-    <dgm:pt modelId="{2C0DBB5A-C660-45FB-A924-7EE7158F60BE}" type="parTrans" cxnId="{F588288A-658F-4A2E-83A7-74D2DB0AC655}">
+    <dgm:pt modelId="{5DE4C07D-F0DA-4149-85BF-312A32B65653}" type="parTrans" cxnId="{3F318998-8C97-494E-A31C-B3B3D41CBC26}">
       <dgm:prSet/>
-      <dgm:spPr/>
-    </dgm:pt>
-    <dgm:pt modelId="{E6BD2728-01B4-47C8-BC63-9ABCB0A2F994}" type="sibTrans" cxnId="{F588288A-658F-4A2E-83A7-74D2DB0AC655}">
-      <dgm:prSet/>
-      <dgm:spPr/>
-    </dgm:pt>
-    <dgm:pt modelId="{75B7BF33-8AAF-4FD7-9587-CA0D5E8A58EC}">
-      <dgm:prSet phldrT="[Texto]"/>
       <dgm:spPr/>
       <dgm:t>
         <a:bodyPr/>
         <a:lstStyle/>
         <a:p>
-          <a:endParaRPr lang="pt-BR" dirty="0"/>
+          <a:endParaRPr lang="pt-BR"/>
         </a:p>
       </dgm:t>
-    </dgm:pt>
-    <dgm:pt modelId="{5DE4C07D-F0DA-4149-85BF-312A32B65653}" type="parTrans" cxnId="{3F318998-8C97-494E-A31C-B3B3D41CBC26}">
-      <dgm:prSet/>
-      <dgm:spPr/>
     </dgm:pt>
     <dgm:pt modelId="{9CFC7F9F-ACC1-4E61-9FCC-310A7607FB39}" type="sibTrans" cxnId="{3F318998-8C97-494E-A31C-B3B3D41CBC26}">
       <dgm:prSet/>
       <dgm:spPr/>
+      <dgm:t>
+        <a:bodyPr/>
+        <a:lstStyle/>
+        <a:p>
+          <a:endParaRPr lang="pt-BR"/>
+        </a:p>
+      </dgm:t>
     </dgm:pt>
     <dgm:pt modelId="{F7FF83DE-4A98-4D98-88E3-D4B472E51B37}">
       <dgm:prSet phldrT="[Texto]"/>
@@ -9533,29 +9525,90 @@
     <dgm:pt modelId="{77F47C2D-8749-48D1-BAA5-FE2905E54005}" type="parTrans" cxnId="{80C5821F-625F-4F7D-BC8A-B6AE91C3934A}">
       <dgm:prSet/>
       <dgm:spPr/>
+      <dgm:t>
+        <a:bodyPr/>
+        <a:lstStyle/>
+        <a:p>
+          <a:endParaRPr lang="pt-BR"/>
+        </a:p>
+      </dgm:t>
     </dgm:pt>
     <dgm:pt modelId="{7B7DCFA7-693C-4385-B6BD-78144F3CF178}" type="sibTrans" cxnId="{80C5821F-625F-4F7D-BC8A-B6AE91C3934A}">
       <dgm:prSet/>
       <dgm:spPr/>
-    </dgm:pt>
-    <dgm:pt modelId="{9C50F597-25B9-4003-B90C-F7665C6755DE}">
-      <dgm:prSet phldrT="[Texto]"/>
-      <dgm:spPr/>
       <dgm:t>
         <a:bodyPr/>
         <a:lstStyle/>
         <a:p>
+          <a:endParaRPr lang="pt-BR"/>
+        </a:p>
+      </dgm:t>
+    </dgm:pt>
+    <dgm:pt modelId="{DE0B541D-B1EF-49A8-B1B8-4C73363FC6D4}">
+      <dgm:prSet phldrT="[Texto]"/>
+      <dgm:spPr/>
+      <dgm:t>
+        <a:bodyPr/>
+        <a:lstStyle/>
+        <a:p>
           <a:endParaRPr lang="pt-BR" dirty="0"/>
         </a:p>
       </dgm:t>
     </dgm:pt>
-    <dgm:pt modelId="{ED63D234-4DB5-4A7C-ACB0-DFCBA3737E1F}" type="parTrans" cxnId="{E1097D70-B157-4CAD-B4ED-261888A93E93}">
+    <dgm:pt modelId="{014BC2A4-FD1D-4D42-A01D-5289BAB99708}" type="parTrans" cxnId="{50B29E5C-E3E8-4471-BE2C-0DEE63803713}">
       <dgm:prSet/>
       <dgm:spPr/>
-    </dgm:pt>
-    <dgm:pt modelId="{DD11E3BE-DDD0-4D15-A7CB-DB3759809659}" type="sibTrans" cxnId="{E1097D70-B157-4CAD-B4ED-261888A93E93}">
+      <dgm:t>
+        <a:bodyPr/>
+        <a:lstStyle/>
+        <a:p>
+          <a:endParaRPr lang="pt-BR"/>
+        </a:p>
+      </dgm:t>
+    </dgm:pt>
+    <dgm:pt modelId="{A8AC497A-F722-46F2-B50B-41360A498B18}" type="sibTrans" cxnId="{50B29E5C-E3E8-4471-BE2C-0DEE63803713}">
       <dgm:prSet/>
       <dgm:spPr/>
+      <dgm:t>
+        <a:bodyPr/>
+        <a:lstStyle/>
+        <a:p>
+          <a:endParaRPr lang="pt-BR"/>
+        </a:p>
+      </dgm:t>
+    </dgm:pt>
+    <dgm:pt modelId="{66983D87-635D-4AB6-83B7-A56308FCDED8}">
+      <dgm:prSet phldrT="[Texto]"/>
+      <dgm:spPr/>
+      <dgm:t>
+        <a:bodyPr/>
+        <a:lstStyle/>
+        <a:p>
+          <a:endParaRPr lang="pt-BR" dirty="0"/>
+        </a:p>
+      </dgm:t>
+    </dgm:pt>
+    <dgm:pt modelId="{9C47322D-F6A7-4719-BB24-C28620ACB50F}" type="parTrans" cxnId="{7EF210E4-D897-4179-9BC5-389EE7AF9059}">
+      <dgm:prSet/>
+      <dgm:spPr/>
+      <dgm:t>
+        <a:bodyPr/>
+        <a:lstStyle/>
+        <a:p>
+          <a:endParaRPr lang="pt-BR"/>
+        </a:p>
+      </dgm:t>
+    </dgm:pt>
+    <dgm:pt modelId="{5CBF6F54-78E8-4641-B73A-672EE79EAF98}" type="sibTrans" cxnId="{7EF210E4-D897-4179-9BC5-389EE7AF9059}">
+      <dgm:prSet/>
+      <dgm:spPr/>
+      <dgm:t>
+        <a:bodyPr/>
+        <a:lstStyle/>
+        <a:p>
+          <a:endParaRPr lang="pt-BR"/>
+        </a:p>
+      </dgm:t>
     </dgm:pt>
     <dgm:pt modelId="{BF2C47A5-22D6-4556-A6BA-700966C15184}" type="pres">
       <dgm:prSet presAssocID="{40B78537-89BA-4099-9B51-D111571F2F51}" presName="Name0" presStyleCnt="0">
@@ -9711,12 +9764,12 @@
       <dgm:prSet presAssocID="{9CFC7F9F-ACC1-4E61-9FCC-310A7607FB39}" presName="sibSpaceTwo" presStyleCnt="0"/>
       <dgm:spPr/>
     </dgm:pt>
-    <dgm:pt modelId="{6B524E27-51EE-4751-B1D5-4337704880CD}" type="pres">
-      <dgm:prSet presAssocID="{45D0FA18-E7C9-40CA-85FE-6C06DF210865}" presName="vertTwo" presStyleCnt="0"/>
-      <dgm:spPr/>
-    </dgm:pt>
-    <dgm:pt modelId="{388079A2-CF1D-496E-888C-D15DE457FFDF}" type="pres">
-      <dgm:prSet presAssocID="{45D0FA18-E7C9-40CA-85FE-6C06DF210865}" presName="txTwo" presStyleLbl="node2" presStyleIdx="2" presStyleCnt="3">
+    <dgm:pt modelId="{71754611-90DF-4E08-B7BC-F330D312708E}" type="pres">
+      <dgm:prSet presAssocID="{DE0B541D-B1EF-49A8-B1B8-4C73363FC6D4}" presName="vertTwo" presStyleCnt="0"/>
+      <dgm:spPr/>
+    </dgm:pt>
+    <dgm:pt modelId="{BC688DC5-6F0D-4071-810D-259250BFE46E}" type="pres">
+      <dgm:prSet presAssocID="{DE0B541D-B1EF-49A8-B1B8-4C73363FC6D4}" presName="txTwo" presStyleLbl="node2" presStyleIdx="2" presStyleCnt="3">
         <dgm:presLayoutVars>
           <dgm:chPref val="3"/>
         </dgm:presLayoutVars>
@@ -9730,20 +9783,20 @@
         </a:p>
       </dgm:t>
     </dgm:pt>
-    <dgm:pt modelId="{7BE353E2-7399-4998-80F7-5A8024D4DF4C}" type="pres">
-      <dgm:prSet presAssocID="{45D0FA18-E7C9-40CA-85FE-6C06DF210865}" presName="parTransTwo" presStyleCnt="0"/>
-      <dgm:spPr/>
-    </dgm:pt>
-    <dgm:pt modelId="{55020588-9697-4A04-881A-B75963278D8D}" type="pres">
-      <dgm:prSet presAssocID="{45D0FA18-E7C9-40CA-85FE-6C06DF210865}" presName="horzTwo" presStyleCnt="0"/>
-      <dgm:spPr/>
-    </dgm:pt>
-    <dgm:pt modelId="{0F654F86-0494-470C-AB79-DE64E734D4E1}" type="pres">
-      <dgm:prSet presAssocID="{9C50F597-25B9-4003-B90C-F7665C6755DE}" presName="vertThree" presStyleCnt="0"/>
-      <dgm:spPr/>
-    </dgm:pt>
-    <dgm:pt modelId="{9970C94A-8FA0-4DC8-A1B6-ADFB18536F17}" type="pres">
-      <dgm:prSet presAssocID="{9C50F597-25B9-4003-B90C-F7665C6755DE}" presName="txThree" presStyleLbl="node3" presStyleIdx="2" presStyleCnt="3">
+    <dgm:pt modelId="{76FEC23C-78D7-40EF-B926-D0F67C9E63C5}" type="pres">
+      <dgm:prSet presAssocID="{DE0B541D-B1EF-49A8-B1B8-4C73363FC6D4}" presName="parTransTwo" presStyleCnt="0"/>
+      <dgm:spPr/>
+    </dgm:pt>
+    <dgm:pt modelId="{FEF4A5BF-5C2B-478A-8F61-FB03B27BBE8D}" type="pres">
+      <dgm:prSet presAssocID="{DE0B541D-B1EF-49A8-B1B8-4C73363FC6D4}" presName="horzTwo" presStyleCnt="0"/>
+      <dgm:spPr/>
+    </dgm:pt>
+    <dgm:pt modelId="{DB7D0345-FBE7-4E86-9769-C5E686DDF7C8}" type="pres">
+      <dgm:prSet presAssocID="{66983D87-635D-4AB6-83B7-A56308FCDED8}" presName="vertThree" presStyleCnt="0"/>
+      <dgm:spPr/>
+    </dgm:pt>
+    <dgm:pt modelId="{2D6485A9-B159-4B5F-839A-03A4B14DEE84}" type="pres">
+      <dgm:prSet presAssocID="{66983D87-635D-4AB6-83B7-A56308FCDED8}" presName="txThree" presStyleLbl="node3" presStyleIdx="2" presStyleCnt="3">
         <dgm:presLayoutVars>
           <dgm:chPref val="3"/>
         </dgm:presLayoutVars>
@@ -9757,27 +9810,27 @@
         </a:p>
       </dgm:t>
     </dgm:pt>
-    <dgm:pt modelId="{73B653B1-F17F-43C2-97B3-6C0ED16DE704}" type="pres">
-      <dgm:prSet presAssocID="{9C50F597-25B9-4003-B90C-F7665C6755DE}" presName="horzThree" presStyleCnt="0"/>
+    <dgm:pt modelId="{69B76BCF-CB08-4556-A73E-A59CA905F22B}" type="pres">
+      <dgm:prSet presAssocID="{66983D87-635D-4AB6-83B7-A56308FCDED8}" presName="horzThree" presStyleCnt="0"/>
       <dgm:spPr/>
     </dgm:pt>
   </dgm:ptLst>
   <dgm:cxnLst>
-    <dgm:cxn modelId="{5CBCB8B0-0236-4E68-AE5C-A497B3A880C1}" type="presOf" srcId="{9C50F597-25B9-4003-B90C-F7665C6755DE}" destId="{9970C94A-8FA0-4DC8-A1B6-ADFB18536F17}" srcOrd="0" destOrd="0" presId="urn:microsoft.com/office/officeart/2005/8/layout/hierarchy4"/>
-    <dgm:cxn modelId="{2A83E94C-B0A5-43CA-A80E-FDC07FB30C97}" type="presOf" srcId="{4D80D226-ED49-4F74-A9DC-E6739A1E525A}" destId="{72A4396F-6C6D-4572-8D0B-0E5A71BA0032}" srcOrd="0" destOrd="0" presId="urn:microsoft.com/office/officeart/2005/8/layout/hierarchy4"/>
-    <dgm:cxn modelId="{450A96F1-A226-4857-9575-D42BE432BE1B}" type="presOf" srcId="{807B4EC0-DBCD-4A0A-8B06-00253A878830}" destId="{353B51B8-08EC-4BCF-999A-95E8A0758949}" srcOrd="0" destOrd="0" presId="urn:microsoft.com/office/officeart/2005/8/layout/hierarchy4"/>
+    <dgm:cxn modelId="{B5BC5289-EAAE-420F-A0DC-1314614F029B}" type="presOf" srcId="{F7FF83DE-4A98-4D98-88E3-D4B472E51B37}" destId="{76D2BF23-CE72-48BA-B213-54136EFD1F11}" srcOrd="0" destOrd="0" presId="urn:microsoft.com/office/officeart/2005/8/layout/hierarchy4"/>
     <dgm:cxn modelId="{80C5821F-625F-4F7D-BC8A-B6AE91C3934A}" srcId="{75B7BF33-8AAF-4FD7-9587-CA0D5E8A58EC}" destId="{F7FF83DE-4A98-4D98-88E3-D4B472E51B37}" srcOrd="0" destOrd="0" parTransId="{77F47C2D-8749-48D1-BAA5-FE2905E54005}" sibTransId="{7B7DCFA7-693C-4385-B6BD-78144F3CF178}"/>
     <dgm:cxn modelId="{F588288A-658F-4A2E-83A7-74D2DB0AC655}" srcId="{AAE061B8-66B1-4EF6-9A14-8DF9C1B027F9}" destId="{807B4EC0-DBCD-4A0A-8B06-00253A878830}" srcOrd="0" destOrd="0" parTransId="{2C0DBB5A-C660-45FB-A924-7EE7158F60BE}" sibTransId="{E6BD2728-01B4-47C8-BC63-9ABCB0A2F994}"/>
+    <dgm:cxn modelId="{2A83E94C-B0A5-43CA-A80E-FDC07FB30C97}" type="presOf" srcId="{4D80D226-ED49-4F74-A9DC-E6739A1E525A}" destId="{72A4396F-6C6D-4572-8D0B-0E5A71BA0032}" srcOrd="0" destOrd="0" presId="urn:microsoft.com/office/officeart/2005/8/layout/hierarchy4"/>
+    <dgm:cxn modelId="{0C743358-E86A-4194-9E97-92B32C117A4C}" srcId="{40B78537-89BA-4099-9B51-D111571F2F51}" destId="{4D80D226-ED49-4F74-A9DC-E6739A1E525A}" srcOrd="0" destOrd="0" parTransId="{3DC520C2-745C-44F2-976A-30A225DB0CA5}" sibTransId="{8F1D3AD4-E37D-44D5-B540-57B561A90D25}"/>
+    <dgm:cxn modelId="{5CA8BEC7-66E9-4325-85EB-7144737DB8DB}" type="presOf" srcId="{DE0B541D-B1EF-49A8-B1B8-4C73363FC6D4}" destId="{BC688DC5-6F0D-4071-810D-259250BFE46E}" srcOrd="0" destOrd="0" presId="urn:microsoft.com/office/officeart/2005/8/layout/hierarchy4"/>
+    <dgm:cxn modelId="{50B29E5C-E3E8-4471-BE2C-0DEE63803713}" srcId="{4D80D226-ED49-4F74-A9DC-E6739A1E525A}" destId="{DE0B541D-B1EF-49A8-B1B8-4C73363FC6D4}" srcOrd="2" destOrd="0" parTransId="{014BC2A4-FD1D-4D42-A01D-5289BAB99708}" sibTransId="{A8AC497A-F722-46F2-B50B-41360A498B18}"/>
+    <dgm:cxn modelId="{8BFAF09E-8D7B-4CBD-97F1-44E5D272319E}" type="presOf" srcId="{66983D87-635D-4AB6-83B7-A56308FCDED8}" destId="{2D6485A9-B159-4B5F-839A-03A4B14DEE84}" srcOrd="0" destOrd="0" presId="urn:microsoft.com/office/officeart/2005/8/layout/hierarchy4"/>
+    <dgm:cxn modelId="{E0207364-9F49-4CCB-9667-C8ACBE412209}" type="presOf" srcId="{75B7BF33-8AAF-4FD7-9587-CA0D5E8A58EC}" destId="{8969E11C-5CBF-4BF1-A6BC-7B90BACD04C4}" srcOrd="0" destOrd="0" presId="urn:microsoft.com/office/officeart/2005/8/layout/hierarchy4"/>
+    <dgm:cxn modelId="{3F318998-8C97-494E-A31C-B3B3D41CBC26}" srcId="{4D80D226-ED49-4F74-A9DC-E6739A1E525A}" destId="{75B7BF33-8AAF-4FD7-9587-CA0D5E8A58EC}" srcOrd="1" destOrd="0" parTransId="{5DE4C07D-F0DA-4149-85BF-312A32B65653}" sibTransId="{9CFC7F9F-ACC1-4E61-9FCC-310A7607FB39}"/>
+    <dgm:cxn modelId="{7854A23B-DFAF-4932-BC3F-92593C1FF720}" type="presOf" srcId="{40B78537-89BA-4099-9B51-D111571F2F51}" destId="{BF2C47A5-22D6-4556-A6BA-700966C15184}" srcOrd="0" destOrd="0" presId="urn:microsoft.com/office/officeart/2005/8/layout/hierarchy4"/>
+    <dgm:cxn modelId="{450A96F1-A226-4857-9575-D42BE432BE1B}" type="presOf" srcId="{807B4EC0-DBCD-4A0A-8B06-00253A878830}" destId="{353B51B8-08EC-4BCF-999A-95E8A0758949}" srcOrd="0" destOrd="0" presId="urn:microsoft.com/office/officeart/2005/8/layout/hierarchy4"/>
+    <dgm:cxn modelId="{7EF210E4-D897-4179-9BC5-389EE7AF9059}" srcId="{DE0B541D-B1EF-49A8-B1B8-4C73363FC6D4}" destId="{66983D87-635D-4AB6-83B7-A56308FCDED8}" srcOrd="0" destOrd="0" parTransId="{9C47322D-F6A7-4719-BB24-C28620ACB50F}" sibTransId="{5CBF6F54-78E8-4641-B73A-672EE79EAF98}"/>
     <dgm:cxn modelId="{A8BD5C5C-6413-49EA-8C96-E43EEEE39C89}" type="presOf" srcId="{AAE061B8-66B1-4EF6-9A14-8DF9C1B027F9}" destId="{3E066A3C-E4EF-41FF-A4BF-6B6EAB1AAF61}" srcOrd="0" destOrd="0" presId="urn:microsoft.com/office/officeart/2005/8/layout/hierarchy4"/>
-    <dgm:cxn modelId="{5186CA98-C136-4CA9-89F8-86950FF9D7FE}" type="presOf" srcId="{45D0FA18-E7C9-40CA-85FE-6C06DF210865}" destId="{388079A2-CF1D-496E-888C-D15DE457FFDF}" srcOrd="0" destOrd="0" presId="urn:microsoft.com/office/officeart/2005/8/layout/hierarchy4"/>
-    <dgm:cxn modelId="{B5BC5289-EAAE-420F-A0DC-1314614F029B}" type="presOf" srcId="{F7FF83DE-4A98-4D98-88E3-D4B472E51B37}" destId="{76D2BF23-CE72-48BA-B213-54136EFD1F11}" srcOrd="0" destOrd="0" presId="urn:microsoft.com/office/officeart/2005/8/layout/hierarchy4"/>
-    <dgm:cxn modelId="{E0207364-9F49-4CCB-9667-C8ACBE412209}" type="presOf" srcId="{75B7BF33-8AAF-4FD7-9587-CA0D5E8A58EC}" destId="{8969E11C-5CBF-4BF1-A6BC-7B90BACD04C4}" srcOrd="0" destOrd="0" presId="urn:microsoft.com/office/officeart/2005/8/layout/hierarchy4"/>
     <dgm:cxn modelId="{49924C73-89AD-4EE1-B8ED-2B628AE59112}" srcId="{4D80D226-ED49-4F74-A9DC-E6739A1E525A}" destId="{AAE061B8-66B1-4EF6-9A14-8DF9C1B027F9}" srcOrd="0" destOrd="0" parTransId="{86881EF1-C069-47E8-BB28-ACB5208570F6}" sibTransId="{C6852C81-936A-4457-823B-A45AAE0512FE}"/>
-    <dgm:cxn modelId="{E1097D70-B157-4CAD-B4ED-261888A93E93}" srcId="{45D0FA18-E7C9-40CA-85FE-6C06DF210865}" destId="{9C50F597-25B9-4003-B90C-F7665C6755DE}" srcOrd="0" destOrd="0" parTransId="{ED63D234-4DB5-4A7C-ACB0-DFCBA3737E1F}" sibTransId="{DD11E3BE-DDD0-4D15-A7CB-DB3759809659}"/>
-    <dgm:cxn modelId="{7854A23B-DFAF-4932-BC3F-92593C1FF720}" type="presOf" srcId="{40B78537-89BA-4099-9B51-D111571F2F51}" destId="{BF2C47A5-22D6-4556-A6BA-700966C15184}" srcOrd="0" destOrd="0" presId="urn:microsoft.com/office/officeart/2005/8/layout/hierarchy4"/>
-    <dgm:cxn modelId="{3F318998-8C97-494E-A31C-B3B3D41CBC26}" srcId="{4D80D226-ED49-4F74-A9DC-E6739A1E525A}" destId="{75B7BF33-8AAF-4FD7-9587-CA0D5E8A58EC}" srcOrd="1" destOrd="0" parTransId="{5DE4C07D-F0DA-4149-85BF-312A32B65653}" sibTransId="{9CFC7F9F-ACC1-4E61-9FCC-310A7607FB39}"/>
-    <dgm:cxn modelId="{45234437-E499-4B09-BA6B-B8C74A6F33B0}" srcId="{4D80D226-ED49-4F74-A9DC-E6739A1E525A}" destId="{45D0FA18-E7C9-40CA-85FE-6C06DF210865}" srcOrd="2" destOrd="0" parTransId="{BD61D5D3-0C7F-4418-96E8-2BD5E0117537}" sibTransId="{080D8A91-F1D4-4BE4-8EAB-DCDAB2E21950}"/>
-    <dgm:cxn modelId="{0C743358-E86A-4194-9E97-92B32C117A4C}" srcId="{40B78537-89BA-4099-9B51-D111571F2F51}" destId="{4D80D226-ED49-4F74-A9DC-E6739A1E525A}" srcOrd="0" destOrd="0" parTransId="{3DC520C2-745C-44F2-976A-30A225DB0CA5}" sibTransId="{8F1D3AD4-E37D-44D5-B540-57B561A90D25}"/>
     <dgm:cxn modelId="{F449A1B6-4A4C-43BA-BC3B-9ADCA0B1A5B0}" type="presParOf" srcId="{BF2C47A5-22D6-4556-A6BA-700966C15184}" destId="{5B92B76B-FCAA-4BD9-8CC8-517E08C20AB3}" srcOrd="0" destOrd="0" presId="urn:microsoft.com/office/officeart/2005/8/layout/hierarchy4"/>
     <dgm:cxn modelId="{A73F1CA9-A013-4273-86FB-6DDB22853DE1}" type="presParOf" srcId="{5B92B76B-FCAA-4BD9-8CC8-517E08C20AB3}" destId="{72A4396F-6C6D-4572-8D0B-0E5A71BA0032}" srcOrd="0" destOrd="0" presId="urn:microsoft.com/office/officeart/2005/8/layout/hierarchy4"/>
     <dgm:cxn modelId="{D50D2C29-A996-4DC2-A491-9AFB0402CABC}" type="presParOf" srcId="{5B92B76B-FCAA-4BD9-8CC8-517E08C20AB3}" destId="{343BDA7D-489F-4C5F-974C-44AE7F329B19}" srcOrd="1" destOrd="0" presId="urn:microsoft.com/office/officeart/2005/8/layout/hierarchy4"/>
@@ -9798,13 +9851,13 @@
     <dgm:cxn modelId="{4849C075-1FE7-4747-8895-A7914A680655}" type="presParOf" srcId="{90A4CCD1-8A36-49A7-B62C-8924FA3AEBC9}" destId="{76D2BF23-CE72-48BA-B213-54136EFD1F11}" srcOrd="0" destOrd="0" presId="urn:microsoft.com/office/officeart/2005/8/layout/hierarchy4"/>
     <dgm:cxn modelId="{6F527E2D-27F7-4D60-9BB5-E424CB36B99D}" type="presParOf" srcId="{90A4CCD1-8A36-49A7-B62C-8924FA3AEBC9}" destId="{32CB2186-D4A8-4F6C-A2F1-142F7718754D}" srcOrd="1" destOrd="0" presId="urn:microsoft.com/office/officeart/2005/8/layout/hierarchy4"/>
     <dgm:cxn modelId="{408ADFE1-EAB5-4AB6-9320-4186DEB48E3D}" type="presParOf" srcId="{0990B35D-4BC1-49F8-90ED-335ADC34BE47}" destId="{5AFF4DCF-C5E2-4782-BD30-9801A0AAF994}" srcOrd="3" destOrd="0" presId="urn:microsoft.com/office/officeart/2005/8/layout/hierarchy4"/>
-    <dgm:cxn modelId="{494816D4-3E17-40D8-80F3-B7A29590AA2D}" type="presParOf" srcId="{0990B35D-4BC1-49F8-90ED-335ADC34BE47}" destId="{6B524E27-51EE-4751-B1D5-4337704880CD}" srcOrd="4" destOrd="0" presId="urn:microsoft.com/office/officeart/2005/8/layout/hierarchy4"/>
-    <dgm:cxn modelId="{8070F40A-AAEB-4CF0-AC43-F8ED9AA65925}" type="presParOf" srcId="{6B524E27-51EE-4751-B1D5-4337704880CD}" destId="{388079A2-CF1D-496E-888C-D15DE457FFDF}" srcOrd="0" destOrd="0" presId="urn:microsoft.com/office/officeart/2005/8/layout/hierarchy4"/>
-    <dgm:cxn modelId="{7CEDBFEE-3660-4D9A-AD95-59ED00D38350}" type="presParOf" srcId="{6B524E27-51EE-4751-B1D5-4337704880CD}" destId="{7BE353E2-7399-4998-80F7-5A8024D4DF4C}" srcOrd="1" destOrd="0" presId="urn:microsoft.com/office/officeart/2005/8/layout/hierarchy4"/>
-    <dgm:cxn modelId="{2F4C46F4-4AC2-414A-9591-9B1DEE8B479F}" type="presParOf" srcId="{6B524E27-51EE-4751-B1D5-4337704880CD}" destId="{55020588-9697-4A04-881A-B75963278D8D}" srcOrd="2" destOrd="0" presId="urn:microsoft.com/office/officeart/2005/8/layout/hierarchy4"/>
-    <dgm:cxn modelId="{E6495237-6297-4D1D-B352-C11403594521}" type="presParOf" srcId="{55020588-9697-4A04-881A-B75963278D8D}" destId="{0F654F86-0494-470C-AB79-DE64E734D4E1}" srcOrd="0" destOrd="0" presId="urn:microsoft.com/office/officeart/2005/8/layout/hierarchy4"/>
-    <dgm:cxn modelId="{AF46BC58-4153-4204-89A6-6AC54D3408D1}" type="presParOf" srcId="{0F654F86-0494-470C-AB79-DE64E734D4E1}" destId="{9970C94A-8FA0-4DC8-A1B6-ADFB18536F17}" srcOrd="0" destOrd="0" presId="urn:microsoft.com/office/officeart/2005/8/layout/hierarchy4"/>
-    <dgm:cxn modelId="{876BA06C-ABC1-4D98-B206-33A986142388}" type="presParOf" srcId="{0F654F86-0494-470C-AB79-DE64E734D4E1}" destId="{73B653B1-F17F-43C2-97B3-6C0ED16DE704}" srcOrd="1" destOrd="0" presId="urn:microsoft.com/office/officeart/2005/8/layout/hierarchy4"/>
+    <dgm:cxn modelId="{B154C9E2-59FF-4A1C-8C64-6B67E6DDA781}" type="presParOf" srcId="{0990B35D-4BC1-49F8-90ED-335ADC34BE47}" destId="{71754611-90DF-4E08-B7BC-F330D312708E}" srcOrd="4" destOrd="0" presId="urn:microsoft.com/office/officeart/2005/8/layout/hierarchy4"/>
+    <dgm:cxn modelId="{63C56A94-A131-4A18-B199-1FDE81EAE45F}" type="presParOf" srcId="{71754611-90DF-4E08-B7BC-F330D312708E}" destId="{BC688DC5-6F0D-4071-810D-259250BFE46E}" srcOrd="0" destOrd="0" presId="urn:microsoft.com/office/officeart/2005/8/layout/hierarchy4"/>
+    <dgm:cxn modelId="{D0AA2DB0-8895-4DCD-B2A2-90B525DE8AEE}" type="presParOf" srcId="{71754611-90DF-4E08-B7BC-F330D312708E}" destId="{76FEC23C-78D7-40EF-B926-D0F67C9E63C5}" srcOrd="1" destOrd="0" presId="urn:microsoft.com/office/officeart/2005/8/layout/hierarchy4"/>
+    <dgm:cxn modelId="{1BA63E8E-9EF3-42DE-A737-FC721A7C1C20}" type="presParOf" srcId="{71754611-90DF-4E08-B7BC-F330D312708E}" destId="{FEF4A5BF-5C2B-478A-8F61-FB03B27BBE8D}" srcOrd="2" destOrd="0" presId="urn:microsoft.com/office/officeart/2005/8/layout/hierarchy4"/>
+    <dgm:cxn modelId="{33FDA3F8-06F9-4048-9264-9DD2D48CE55B}" type="presParOf" srcId="{FEF4A5BF-5C2B-478A-8F61-FB03B27BBE8D}" destId="{DB7D0345-FBE7-4E86-9769-C5E686DDF7C8}" srcOrd="0" destOrd="0" presId="urn:microsoft.com/office/officeart/2005/8/layout/hierarchy4"/>
+    <dgm:cxn modelId="{83203539-BD28-4FEA-8205-FB421F7651F6}" type="presParOf" srcId="{DB7D0345-FBE7-4E86-9769-C5E686DDF7C8}" destId="{2D6485A9-B159-4B5F-839A-03A4B14DEE84}" srcOrd="0" destOrd="0" presId="urn:microsoft.com/office/officeart/2005/8/layout/hierarchy4"/>
+    <dgm:cxn modelId="{D897FFE2-24F3-407E-92C0-34ADFE6308C6}" type="presParOf" srcId="{DB7D0345-FBE7-4E86-9769-C5E686DDF7C8}" destId="{69B76BCF-CB08-4556-A73E-A59CA905F22B}" srcOrd="1" destOrd="0" presId="urn:microsoft.com/office/officeart/2005/8/layout/hierarchy4"/>
   </dgm:cxnLst>
   <dgm:bg/>
   <dgm:whole/>
@@ -13749,53 +13802,53 @@
     </dgm:pt>
   </dgm:ptLst>
   <dgm:cxnLst>
-    <dgm:cxn modelId="{AE1EFA4F-43D7-4B31-9E7F-940D6FCC10FD}" type="presOf" srcId="{7DF7B6DD-8D79-468E-B015-C667742FBFEB}" destId="{85F62DE2-963F-4C4E-96AF-E89F91C81D5C}" srcOrd="0" destOrd="0" presId="urn:microsoft.com/office/officeart/2008/layout/HorizontalMultiLevelHierarchy"/>
-    <dgm:cxn modelId="{B4FD77FA-C77B-48AF-8FBC-9D705ED00DE4}" type="presOf" srcId="{9B0E06C2-4430-4C22-92AF-6D91175F2E8B}" destId="{99E58E7E-BFE3-414B-AF9D-7BB998895FEF}" srcOrd="0" destOrd="0" presId="urn:microsoft.com/office/officeart/2008/layout/HorizontalMultiLevelHierarchy"/>
+    <dgm:cxn modelId="{18D20495-54B2-41BA-B806-37002FB53632}" type="presOf" srcId="{69705CEA-F570-453E-89C2-BF794F678958}" destId="{BC230F88-AF16-401E-847A-5EB6F35167B5}" srcOrd="0" destOrd="0" presId="urn:microsoft.com/office/officeart/2008/layout/HorizontalMultiLevelHierarchy"/>
+    <dgm:cxn modelId="{E47C819D-D54E-4599-897F-5F05D785E91C}" type="presOf" srcId="{80A8E8CD-E500-4265-9EBD-08F5903454F8}" destId="{4E7B5B8A-E25E-4056-A287-F1501FE9A818}" srcOrd="1" destOrd="0" presId="urn:microsoft.com/office/officeart/2008/layout/HorizontalMultiLevelHierarchy"/>
+    <dgm:cxn modelId="{C91CC287-7190-42C4-97C0-2D91E272BCC3}" type="presOf" srcId="{47DBA1AE-1E15-431B-816E-E3495D91D50D}" destId="{C3B714E9-8D56-4F47-AE83-1B4A1B36E261}" srcOrd="0" destOrd="0" presId="urn:microsoft.com/office/officeart/2008/layout/HorizontalMultiLevelHierarchy"/>
+    <dgm:cxn modelId="{020A2310-5D97-4D7E-9909-51E2CE9FB027}" type="presOf" srcId="{7D4A7BEA-0826-4D7F-9B13-830276B86077}" destId="{175FB72B-84C8-486C-9686-3AA16043A190}" srcOrd="0" destOrd="0" presId="urn:microsoft.com/office/officeart/2008/layout/HorizontalMultiLevelHierarchy"/>
+    <dgm:cxn modelId="{68BEAA0F-F727-404F-A1C3-B6A93BF7DE79}" type="presOf" srcId="{B3A3E97E-B1F5-4285-B3CC-626A9AFB88AF}" destId="{962A20E9-4E8A-4469-B9A9-712648A37A7E}" srcOrd="1" destOrd="0" presId="urn:microsoft.com/office/officeart/2008/layout/HorizontalMultiLevelHierarchy"/>
+    <dgm:cxn modelId="{DC17CFEB-C2B6-4EF4-A568-2436AA4299E9}" type="presOf" srcId="{BCECA982-1209-40D3-90B9-DB39233875A5}" destId="{85116997-987D-40A8-AFCA-C5A54CBB823D}" srcOrd="0" destOrd="0" presId="urn:microsoft.com/office/officeart/2008/layout/HorizontalMultiLevelHierarchy"/>
+    <dgm:cxn modelId="{0E9DAE43-BD16-4A14-9821-2524BC241F48}" srcId="{CE13128E-9149-4B70-91DE-630C4ABBFE00}" destId="{08C55BA2-31D6-43CA-BE8B-18095A33123C}" srcOrd="1" destOrd="0" parTransId="{6DB745CF-1A78-406B-8408-ECE8759E9FA1}" sibTransId="{E3EE3127-9860-436D-80DB-2AE4EBD12F9F}"/>
+    <dgm:cxn modelId="{A67FD952-7E3E-42C2-B9AC-9786F65D1584}" srcId="{08C55BA2-31D6-43CA-BE8B-18095A33123C}" destId="{4A1CE773-3E85-4B37-BA18-CB28DF37705F}" srcOrd="0" destOrd="0" parTransId="{C970C188-F04F-415C-B685-2C4E7AFB148E}" sibTransId="{1EF5A848-6056-46B2-8C3B-F197EDA52614}"/>
+    <dgm:cxn modelId="{A9952C7E-C879-479B-834A-6036B1AB1527}" srcId="{7DF7B6DD-8D79-468E-B015-C667742FBFEB}" destId="{CE13128E-9149-4B70-91DE-630C4ABBFE00}" srcOrd="0" destOrd="0" parTransId="{C6E5B58F-10F1-4A0F-B24B-83ABFC7283E8}" sibTransId="{6CE5C753-8F6C-4D7B-8CBB-35D97C591B3B}"/>
+    <dgm:cxn modelId="{D5162A70-9646-4B9A-9D47-8847B119A36D}" type="presOf" srcId="{DC5DA3D9-0E16-42DE-894D-7A0ACA3BEA89}" destId="{5AE26B0C-D01B-45E0-A33F-6264A326BBFD}" srcOrd="1" destOrd="0" presId="urn:microsoft.com/office/officeart/2008/layout/HorizontalMultiLevelHierarchy"/>
+    <dgm:cxn modelId="{BB8CC356-122F-4E4D-BF7E-874EEDB47A04}" type="presOf" srcId="{C6E5B58F-10F1-4A0F-B24B-83ABFC7283E8}" destId="{E04E75EF-3FF5-4F99-9454-4458B90560B9}" srcOrd="0" destOrd="0" presId="urn:microsoft.com/office/officeart/2008/layout/HorizontalMultiLevelHierarchy"/>
+    <dgm:cxn modelId="{B353EAEA-C1EF-497E-AD8A-EEFA8A1765D1}" type="presOf" srcId="{305D8F76-DE5C-477C-9DE0-661AB94732FF}" destId="{2DB62359-910D-4F81-A286-8DE2D01AD00D}" srcOrd="1" destOrd="0" presId="urn:microsoft.com/office/officeart/2008/layout/HorizontalMultiLevelHierarchy"/>
+    <dgm:cxn modelId="{BB366179-8CB8-48F8-B469-8D59183C75FA}" type="presOf" srcId="{DC5DA3D9-0E16-42DE-894D-7A0ACA3BEA89}" destId="{76804D07-263C-4BFE-886B-E38C63B4A639}" srcOrd="0" destOrd="0" presId="urn:microsoft.com/office/officeart/2008/layout/HorizontalMultiLevelHierarchy"/>
+    <dgm:cxn modelId="{CC33FE3A-2675-4C05-AC2C-C262B46663BD}" type="presOf" srcId="{08C55BA2-31D6-43CA-BE8B-18095A33123C}" destId="{E44A7F6B-CDD6-46D7-8C6D-31E128DCFA9B}" srcOrd="0" destOrd="0" presId="urn:microsoft.com/office/officeart/2008/layout/HorizontalMultiLevelHierarchy"/>
+    <dgm:cxn modelId="{8F03D61F-9583-4BD6-9C0A-EAE164CEDD1E}" srcId="{D24B9365-C298-4D09-9B43-19F1F42CB936}" destId="{9CDE7211-7213-4221-9E18-349FFE24B791}" srcOrd="0" destOrd="0" parTransId="{DC5DA3D9-0E16-42DE-894D-7A0ACA3BEA89}" sibTransId="{29A5C94B-43C5-43DC-83C7-D6A9D3B54949}"/>
+    <dgm:cxn modelId="{4A871634-BAF2-4366-8270-342BEC8E9356}" type="presOf" srcId="{BCECA982-1209-40D3-90B9-DB39233875A5}" destId="{59995DB5-1B81-4758-85FC-551EB375F06C}" srcOrd="1" destOrd="0" presId="urn:microsoft.com/office/officeart/2008/layout/HorizontalMultiLevelHierarchy"/>
+    <dgm:cxn modelId="{1BF0094A-FEFC-422B-B205-AFF45445190D}" type="presOf" srcId="{63FF3E21-F438-42A5-8D7B-E965B1D3812A}" destId="{9539C340-DD91-4CCB-9617-C26D5EA57291}" srcOrd="1" destOrd="0" presId="urn:microsoft.com/office/officeart/2008/layout/HorizontalMultiLevelHierarchy"/>
+    <dgm:cxn modelId="{8E4EFBD5-37F1-443C-8D37-89A4DC4A200B}" type="presOf" srcId="{31A7FA4E-1377-4668-AA4A-F847E0BA75F9}" destId="{64DC2729-4AEE-46FC-A4B3-43AAC41F9DD2}" srcOrd="0" destOrd="0" presId="urn:microsoft.com/office/officeart/2008/layout/HorizontalMultiLevelHierarchy"/>
+    <dgm:cxn modelId="{27FA3CE5-0EFE-4E17-AEF1-7436EA42B042}" srcId="{4A1CE773-3E85-4B37-BA18-CB28DF37705F}" destId="{47DBA1AE-1E15-431B-816E-E3495D91D50D}" srcOrd="0" destOrd="0" parTransId="{DB96E258-2D1C-4B1E-950D-055EBF0AF5CA}" sibTransId="{91669A65-5834-4388-8EB8-E7B6090E317E}"/>
     <dgm:cxn modelId="{AE4F2E6D-309B-4F80-8E06-C12019005D59}" type="presOf" srcId="{DB96E258-2D1C-4B1E-950D-055EBF0AF5CA}" destId="{1B00757B-AD37-414D-BCDF-A22538F398D1}" srcOrd="1" destOrd="0" presId="urn:microsoft.com/office/officeart/2008/layout/HorizontalMultiLevelHierarchy"/>
+    <dgm:cxn modelId="{F693BDB5-3E8E-4D97-A21C-531C30DC49A7}" type="presOf" srcId="{C00D11A3-9D06-466C-BA99-53F0B6A1B1FC}" destId="{2FAEB9D7-2202-48D6-BEFE-7691405C0023}" srcOrd="0" destOrd="0" presId="urn:microsoft.com/office/officeart/2008/layout/HorizontalMultiLevelHierarchy"/>
+    <dgm:cxn modelId="{B54418A1-3FDE-464D-B17A-A04C569FE824}" type="presOf" srcId="{6DB745CF-1A78-406B-8408-ECE8759E9FA1}" destId="{3E2CFF2C-518D-45AB-95AC-8B2259762694}" srcOrd="1" destOrd="0" presId="urn:microsoft.com/office/officeart/2008/layout/HorizontalMultiLevelHierarchy"/>
+    <dgm:cxn modelId="{82597DAD-63A8-4A76-B9BE-23D8DF04E26F}" type="presOf" srcId="{CE13128E-9149-4B70-91DE-630C4ABBFE00}" destId="{CCC824B9-6D4D-4981-9C76-2E02AF6A080B}" srcOrd="0" destOrd="0" presId="urn:microsoft.com/office/officeart/2008/layout/HorizontalMultiLevelHierarchy"/>
+    <dgm:cxn modelId="{EA349AEE-F38C-4392-A380-76DF0CF9C396}" type="presOf" srcId="{C970C188-F04F-415C-B685-2C4E7AFB148E}" destId="{D9A7ED5D-FF3B-42E9-A95A-82691CE48DCF}" srcOrd="0" destOrd="0" presId="urn:microsoft.com/office/officeart/2008/layout/HorizontalMultiLevelHierarchy"/>
     <dgm:cxn modelId="{9F3DCA4B-DDEA-4D57-A2BE-01EDAA20879E}" srcId="{3D7E4721-08AD-4056-9D97-280A0288FF53}" destId="{7DF7B6DD-8D79-468E-B015-C667742FBFEB}" srcOrd="0" destOrd="0" parTransId="{1B8AF3C6-2F66-4552-8F48-4A75818AB395}" sibTransId="{473ED60A-3384-44E1-AF12-F229B86CAE9E}"/>
     <dgm:cxn modelId="{0911AA29-B75D-4350-AE96-7B3FAD2DFDF5}" type="presOf" srcId="{C00D11A3-9D06-466C-BA99-53F0B6A1B1FC}" destId="{4A7E1716-0151-45F0-9631-89C21FC2D372}" srcOrd="1" destOrd="0" presId="urn:microsoft.com/office/officeart/2008/layout/HorizontalMultiLevelHierarchy"/>
+    <dgm:cxn modelId="{91BB3751-AE35-42E3-9C14-D0C99A4298F0}" srcId="{69705CEA-F570-453E-89C2-BF794F678958}" destId="{7D4A7BEA-0826-4D7F-9B13-830276B86077}" srcOrd="0" destOrd="0" parTransId="{80A8E8CD-E500-4265-9EBD-08F5903454F8}" sibTransId="{652FD5D0-86D7-4337-9B75-D2CD6C870809}"/>
+    <dgm:cxn modelId="{84BE7329-BE44-40EF-A84C-01DCF7EA027F}" type="presOf" srcId="{0ED25E3A-194B-4DBD-AE05-C5BAB2D4B322}" destId="{FBCAE61C-F8F7-4954-B5B0-98F173752588}" srcOrd="0" destOrd="0" presId="urn:microsoft.com/office/officeart/2008/layout/HorizontalMultiLevelHierarchy"/>
+    <dgm:cxn modelId="{CC6C77C6-FE6E-49D4-86B7-B41D722DE6FD}" srcId="{D24B9365-C298-4D09-9B43-19F1F42CB936}" destId="{31A7FA4E-1377-4668-AA4A-F847E0BA75F9}" srcOrd="1" destOrd="0" parTransId="{BCECA982-1209-40D3-90B9-DB39233875A5}" sibTransId="{84D3DBC8-A14D-46AC-9625-01BC5680C226}"/>
+    <dgm:cxn modelId="{39F6116F-B56E-4177-8F3B-03B043793E50}" type="presOf" srcId="{DB96E258-2D1C-4B1E-950D-055EBF0AF5CA}" destId="{C0070F97-A64B-4B18-A039-4EA6BBCC45E3}" srcOrd="0" destOrd="0" presId="urn:microsoft.com/office/officeart/2008/layout/HorizontalMultiLevelHierarchy"/>
+    <dgm:cxn modelId="{AE1EFA4F-43D7-4B31-9E7F-940D6FCC10FD}" type="presOf" srcId="{7DF7B6DD-8D79-468E-B015-C667742FBFEB}" destId="{85F62DE2-963F-4C4E-96AF-E89F91C81D5C}" srcOrd="0" destOrd="0" presId="urn:microsoft.com/office/officeart/2008/layout/HorizontalMultiLevelHierarchy"/>
     <dgm:cxn modelId="{6C19DA65-7600-49E5-A4BA-A0BBEFEC9683}" type="presOf" srcId="{6DB745CF-1A78-406B-8408-ECE8759E9FA1}" destId="{7FF2BF7D-A4BE-4AF2-9EFD-0878EA33F434}" srcOrd="0" destOrd="0" presId="urn:microsoft.com/office/officeart/2008/layout/HorizontalMultiLevelHierarchy"/>
-    <dgm:cxn modelId="{DC17CFEB-C2B6-4EF4-A568-2436AA4299E9}" type="presOf" srcId="{BCECA982-1209-40D3-90B9-DB39233875A5}" destId="{85116997-987D-40A8-AFCA-C5A54CBB823D}" srcOrd="0" destOrd="0" presId="urn:microsoft.com/office/officeart/2008/layout/HorizontalMultiLevelHierarchy"/>
-    <dgm:cxn modelId="{E47C819D-D54E-4599-897F-5F05D785E91C}" type="presOf" srcId="{80A8E8CD-E500-4265-9EBD-08F5903454F8}" destId="{4E7B5B8A-E25E-4056-A287-F1501FE9A818}" srcOrd="1" destOrd="0" presId="urn:microsoft.com/office/officeart/2008/layout/HorizontalMultiLevelHierarchy"/>
-    <dgm:cxn modelId="{84BE7329-BE44-40EF-A84C-01DCF7EA027F}" type="presOf" srcId="{0ED25E3A-194B-4DBD-AE05-C5BAB2D4B322}" destId="{FBCAE61C-F8F7-4954-B5B0-98F173752588}" srcOrd="0" destOrd="0" presId="urn:microsoft.com/office/officeart/2008/layout/HorizontalMultiLevelHierarchy"/>
-    <dgm:cxn modelId="{4A871634-BAF2-4366-8270-342BEC8E9356}" type="presOf" srcId="{BCECA982-1209-40D3-90B9-DB39233875A5}" destId="{59995DB5-1B81-4758-85FC-551EB375F06C}" srcOrd="1" destOrd="0" presId="urn:microsoft.com/office/officeart/2008/layout/HorizontalMultiLevelHierarchy"/>
-    <dgm:cxn modelId="{EA349AEE-F38C-4392-A380-76DF0CF9C396}" type="presOf" srcId="{C970C188-F04F-415C-B685-2C4E7AFB148E}" destId="{D9A7ED5D-FF3B-42E9-A95A-82691CE48DCF}" srcOrd="0" destOrd="0" presId="urn:microsoft.com/office/officeart/2008/layout/HorizontalMultiLevelHierarchy"/>
-    <dgm:cxn modelId="{27FA3CE5-0EFE-4E17-AEF1-7436EA42B042}" srcId="{4A1CE773-3E85-4B37-BA18-CB28DF37705F}" destId="{47DBA1AE-1E15-431B-816E-E3495D91D50D}" srcOrd="0" destOrd="0" parTransId="{DB96E258-2D1C-4B1E-950D-055EBF0AF5CA}" sibTransId="{91669A65-5834-4388-8EB8-E7B6090E317E}"/>
     <dgm:cxn modelId="{B671D779-080D-46B7-806E-9D6D7A129DE5}" type="presOf" srcId="{B3A3E97E-B1F5-4285-B3CC-626A9AFB88AF}" destId="{7F8C45BB-9C92-4B8F-B244-3A92D6C34FF5}" srcOrd="0" destOrd="0" presId="urn:microsoft.com/office/officeart/2008/layout/HorizontalMultiLevelHierarchy"/>
-    <dgm:cxn modelId="{BB8CC356-122F-4E4D-BF7E-874EEDB47A04}" type="presOf" srcId="{C6E5B58F-10F1-4A0F-B24B-83ABFC7283E8}" destId="{E04E75EF-3FF5-4F99-9454-4458B90560B9}" srcOrd="0" destOrd="0" presId="urn:microsoft.com/office/officeart/2008/layout/HorizontalMultiLevelHierarchy"/>
-    <dgm:cxn modelId="{BB366179-8CB8-48F8-B469-8D59183C75FA}" type="presOf" srcId="{DC5DA3D9-0E16-42DE-894D-7A0ACA3BEA89}" destId="{76804D07-263C-4BFE-886B-E38C63B4A639}" srcOrd="0" destOrd="0" presId="urn:microsoft.com/office/officeart/2008/layout/HorizontalMultiLevelHierarchy"/>
-    <dgm:cxn modelId="{A9952C7E-C879-479B-834A-6036B1AB1527}" srcId="{7DF7B6DD-8D79-468E-B015-C667742FBFEB}" destId="{CE13128E-9149-4B70-91DE-630C4ABBFE00}" srcOrd="0" destOrd="0" parTransId="{C6E5B58F-10F1-4A0F-B24B-83ABFC7283E8}" sibTransId="{6CE5C753-8F6C-4D7B-8CBB-35D97C591B3B}"/>
-    <dgm:cxn modelId="{82597DAD-63A8-4A76-B9BE-23D8DF04E26F}" type="presOf" srcId="{CE13128E-9149-4B70-91DE-630C4ABBFE00}" destId="{CCC824B9-6D4D-4981-9C76-2E02AF6A080B}" srcOrd="0" destOrd="0" presId="urn:microsoft.com/office/officeart/2008/layout/HorizontalMultiLevelHierarchy"/>
-    <dgm:cxn modelId="{B54418A1-3FDE-464D-B17A-A04C569FE824}" type="presOf" srcId="{6DB745CF-1A78-406B-8408-ECE8759E9FA1}" destId="{3E2CFF2C-518D-45AB-95AC-8B2259762694}" srcOrd="1" destOrd="0" presId="urn:microsoft.com/office/officeart/2008/layout/HorizontalMultiLevelHierarchy"/>
-    <dgm:cxn modelId="{F693BDB5-3E8E-4D97-A21C-531C30DC49A7}" type="presOf" srcId="{C00D11A3-9D06-466C-BA99-53F0B6A1B1FC}" destId="{2FAEB9D7-2202-48D6-BEFE-7691405C0023}" srcOrd="0" destOrd="0" presId="urn:microsoft.com/office/officeart/2008/layout/HorizontalMultiLevelHierarchy"/>
-    <dgm:cxn modelId="{8F03D61F-9583-4BD6-9C0A-EAE164CEDD1E}" srcId="{D24B9365-C298-4D09-9B43-19F1F42CB936}" destId="{9CDE7211-7213-4221-9E18-349FFE24B791}" srcOrd="0" destOrd="0" parTransId="{DC5DA3D9-0E16-42DE-894D-7A0ACA3BEA89}" sibTransId="{29A5C94B-43C5-43DC-83C7-D6A9D3B54949}"/>
+    <dgm:cxn modelId="{788DF614-934B-4CDE-8FF1-17B10ABAAFDA}" type="presOf" srcId="{C970C188-F04F-415C-B685-2C4E7AFB148E}" destId="{C592C0A8-EC42-4A45-91EE-9CDFDF8DA551}" srcOrd="1" destOrd="0" presId="urn:microsoft.com/office/officeart/2008/layout/HorizontalMultiLevelHierarchy"/>
+    <dgm:cxn modelId="{1A56D051-FCD1-4ACE-B517-CA53D4CD293A}" type="presOf" srcId="{C6E5B58F-10F1-4A0F-B24B-83ABFC7283E8}" destId="{350094D2-7DCD-4D6D-BF3C-22BADCB8186A}" srcOrd="1" destOrd="0" presId="urn:microsoft.com/office/officeart/2008/layout/HorizontalMultiLevelHierarchy"/>
+    <dgm:cxn modelId="{9A780A0D-89E7-413B-80CA-0ADF2A767F6C}" type="presOf" srcId="{D24B9365-C298-4D09-9B43-19F1F42CB936}" destId="{C1F3184D-BED2-4588-91D0-6026066D0495}" srcOrd="0" destOrd="0" presId="urn:microsoft.com/office/officeart/2008/layout/HorizontalMultiLevelHierarchy"/>
+    <dgm:cxn modelId="{38540718-F67F-4C11-9B24-F182E409F9F7}" srcId="{4A1CE773-3E85-4B37-BA18-CB28DF37705F}" destId="{9B0E06C2-4430-4C22-92AF-6D91175F2E8B}" srcOrd="1" destOrd="0" parTransId="{B3A3E97E-B1F5-4285-B3CC-626A9AFB88AF}" sibTransId="{7EF15AAC-523E-46E8-BCE2-0064739EBD0B}"/>
     <dgm:cxn modelId="{FBC35013-D260-4A4E-A0AB-B35E1343F84D}" srcId="{7D4A7BEA-0826-4D7F-9B13-830276B86077}" destId="{D24B9365-C298-4D09-9B43-19F1F42CB936}" srcOrd="0" destOrd="0" parTransId="{63FF3E21-F438-42A5-8D7B-E965B1D3812A}" sibTransId="{8DD4E92C-112D-485C-B591-98B1A3C4F30E}"/>
-    <dgm:cxn modelId="{020A2310-5D97-4D7E-9909-51E2CE9FB027}" type="presOf" srcId="{7D4A7BEA-0826-4D7F-9B13-830276B86077}" destId="{175FB72B-84C8-486C-9686-3AA16043A190}" srcOrd="0" destOrd="0" presId="urn:microsoft.com/office/officeart/2008/layout/HorizontalMultiLevelHierarchy"/>
-    <dgm:cxn modelId="{100C4F7D-2A1A-4546-B2DC-F10C4BB3C755}" srcId="{7DF7B6DD-8D79-468E-B015-C667742FBFEB}" destId="{69705CEA-F570-453E-89C2-BF794F678958}" srcOrd="1" destOrd="0" parTransId="{C00D11A3-9D06-466C-BA99-53F0B6A1B1FC}" sibTransId="{2CA70043-153C-4528-8CBA-351914359EE1}"/>
-    <dgm:cxn modelId="{788DF614-934B-4CDE-8FF1-17B10ABAAFDA}" type="presOf" srcId="{C970C188-F04F-415C-B685-2C4E7AFB148E}" destId="{C592C0A8-EC42-4A45-91EE-9CDFDF8DA551}" srcOrd="1" destOrd="0" presId="urn:microsoft.com/office/officeart/2008/layout/HorizontalMultiLevelHierarchy"/>
-    <dgm:cxn modelId="{E7A7BC4A-FA59-4FC2-A70C-7826F6D84463}" type="presOf" srcId="{3D7E4721-08AD-4056-9D97-280A0288FF53}" destId="{48EA20E2-9F73-4378-9103-C6F25598EA7F}" srcOrd="0" destOrd="0" presId="urn:microsoft.com/office/officeart/2008/layout/HorizontalMultiLevelHierarchy"/>
-    <dgm:cxn modelId="{C91CC287-7190-42C4-97C0-2D91E272BCC3}" type="presOf" srcId="{47DBA1AE-1E15-431B-816E-E3495D91D50D}" destId="{C3B714E9-8D56-4F47-AE83-1B4A1B36E261}" srcOrd="0" destOrd="0" presId="urn:microsoft.com/office/officeart/2008/layout/HorizontalMultiLevelHierarchy"/>
-    <dgm:cxn modelId="{A9BC8CC8-D9B4-420C-A71C-562C76E994F1}" srcId="{CE13128E-9149-4B70-91DE-630C4ABBFE00}" destId="{0ED25E3A-194B-4DBD-AE05-C5BAB2D4B322}" srcOrd="0" destOrd="0" parTransId="{305D8F76-DE5C-477C-9DE0-661AB94732FF}" sibTransId="{964FDF4F-7DC1-44AC-84EA-F8B8AA5B99EA}"/>
-    <dgm:cxn modelId="{9A780A0D-89E7-413B-80CA-0ADF2A767F6C}" type="presOf" srcId="{D24B9365-C298-4D09-9B43-19F1F42CB936}" destId="{C1F3184D-BED2-4588-91D0-6026066D0495}" srcOrd="0" destOrd="0" presId="urn:microsoft.com/office/officeart/2008/layout/HorizontalMultiLevelHierarchy"/>
-    <dgm:cxn modelId="{39F6116F-B56E-4177-8F3B-03B043793E50}" type="presOf" srcId="{DB96E258-2D1C-4B1E-950D-055EBF0AF5CA}" destId="{C0070F97-A64B-4B18-A039-4EA6BBCC45E3}" srcOrd="0" destOrd="0" presId="urn:microsoft.com/office/officeart/2008/layout/HorizontalMultiLevelHierarchy"/>
     <dgm:cxn modelId="{D4921EC2-E1FF-4937-9022-063F086BEBF0}" type="presOf" srcId="{305D8F76-DE5C-477C-9DE0-661AB94732FF}" destId="{040CB96B-06C3-4570-9EDB-C32DFC727847}" srcOrd="0" destOrd="0" presId="urn:microsoft.com/office/officeart/2008/layout/HorizontalMultiLevelHierarchy"/>
     <dgm:cxn modelId="{B3194426-8F2C-4599-8334-A77C24E85D70}" type="presOf" srcId="{63FF3E21-F438-42A5-8D7B-E965B1D3812A}" destId="{11F12F7E-0B93-41A3-87BC-24FCC6E0289B}" srcOrd="0" destOrd="0" presId="urn:microsoft.com/office/officeart/2008/layout/HorizontalMultiLevelHierarchy"/>
-    <dgm:cxn modelId="{8E4EFBD5-37F1-443C-8D37-89A4DC4A200B}" type="presOf" srcId="{31A7FA4E-1377-4668-AA4A-F847E0BA75F9}" destId="{64DC2729-4AEE-46FC-A4B3-43AAC41F9DD2}" srcOrd="0" destOrd="0" presId="urn:microsoft.com/office/officeart/2008/layout/HorizontalMultiLevelHierarchy"/>
-    <dgm:cxn modelId="{D5162A70-9646-4B9A-9D47-8847B119A36D}" type="presOf" srcId="{DC5DA3D9-0E16-42DE-894D-7A0ACA3BEA89}" destId="{5AE26B0C-D01B-45E0-A33F-6264A326BBFD}" srcOrd="1" destOrd="0" presId="urn:microsoft.com/office/officeart/2008/layout/HorizontalMultiLevelHierarchy"/>
+    <dgm:cxn modelId="{100C4F7D-2A1A-4546-B2DC-F10C4BB3C755}" srcId="{7DF7B6DD-8D79-468E-B015-C667742FBFEB}" destId="{69705CEA-F570-453E-89C2-BF794F678958}" srcOrd="1" destOrd="0" parTransId="{C00D11A3-9D06-466C-BA99-53F0B6A1B1FC}" sibTransId="{2CA70043-153C-4528-8CBA-351914359EE1}"/>
+    <dgm:cxn modelId="{A9BC8CC8-D9B4-420C-A71C-562C76E994F1}" srcId="{CE13128E-9149-4B70-91DE-630C4ABBFE00}" destId="{0ED25E3A-194B-4DBD-AE05-C5BAB2D4B322}" srcOrd="0" destOrd="0" parTransId="{305D8F76-DE5C-477C-9DE0-661AB94732FF}" sibTransId="{964FDF4F-7DC1-44AC-84EA-F8B8AA5B99EA}"/>
     <dgm:cxn modelId="{C1B85BF8-8C75-4508-BDA6-ED7D32829F8E}" type="presOf" srcId="{9CDE7211-7213-4221-9E18-349FFE24B791}" destId="{9D43B9EB-EF57-4CA9-8875-07E50AC536FE}" srcOrd="0" destOrd="0" presId="urn:microsoft.com/office/officeart/2008/layout/HorizontalMultiLevelHierarchy"/>
-    <dgm:cxn modelId="{38540718-F67F-4C11-9B24-F182E409F9F7}" srcId="{4A1CE773-3E85-4B37-BA18-CB28DF37705F}" destId="{9B0E06C2-4430-4C22-92AF-6D91175F2E8B}" srcOrd="1" destOrd="0" parTransId="{B3A3E97E-B1F5-4285-B3CC-626A9AFB88AF}" sibTransId="{7EF15AAC-523E-46E8-BCE2-0064739EBD0B}"/>
+    <dgm:cxn modelId="{D6CC8C56-3DAD-4CE5-BB65-51B263CD22D9}" type="presOf" srcId="{80A8E8CD-E500-4265-9EBD-08F5903454F8}" destId="{A8088930-A153-477E-9029-C095C3D50AF4}" srcOrd="0" destOrd="0" presId="urn:microsoft.com/office/officeart/2008/layout/HorizontalMultiLevelHierarchy"/>
+    <dgm:cxn modelId="{E7A7BC4A-FA59-4FC2-A70C-7826F6D84463}" type="presOf" srcId="{3D7E4721-08AD-4056-9D97-280A0288FF53}" destId="{48EA20E2-9F73-4378-9103-C6F25598EA7F}" srcOrd="0" destOrd="0" presId="urn:microsoft.com/office/officeart/2008/layout/HorizontalMultiLevelHierarchy"/>
+    <dgm:cxn modelId="{B4FD77FA-C77B-48AF-8FBC-9D705ED00DE4}" type="presOf" srcId="{9B0E06C2-4430-4C22-92AF-6D91175F2E8B}" destId="{99E58E7E-BFE3-414B-AF9D-7BB998895FEF}" srcOrd="0" destOrd="0" presId="urn:microsoft.com/office/officeart/2008/layout/HorizontalMultiLevelHierarchy"/>
     <dgm:cxn modelId="{E8E957DC-8B5E-4F8C-B5ED-96F2A805E2A8}" type="presOf" srcId="{4A1CE773-3E85-4B37-BA18-CB28DF37705F}" destId="{08C3CC76-66C0-40DD-B207-18615301AEA6}" srcOrd="0" destOrd="0" presId="urn:microsoft.com/office/officeart/2008/layout/HorizontalMultiLevelHierarchy"/>
-    <dgm:cxn modelId="{91BB3751-AE35-42E3-9C14-D0C99A4298F0}" srcId="{69705CEA-F570-453E-89C2-BF794F678958}" destId="{7D4A7BEA-0826-4D7F-9B13-830276B86077}" srcOrd="0" destOrd="0" parTransId="{80A8E8CD-E500-4265-9EBD-08F5903454F8}" sibTransId="{652FD5D0-86D7-4337-9B75-D2CD6C870809}"/>
-    <dgm:cxn modelId="{18D20495-54B2-41BA-B806-37002FB53632}" type="presOf" srcId="{69705CEA-F570-453E-89C2-BF794F678958}" destId="{BC230F88-AF16-401E-847A-5EB6F35167B5}" srcOrd="0" destOrd="0" presId="urn:microsoft.com/office/officeart/2008/layout/HorizontalMultiLevelHierarchy"/>
-    <dgm:cxn modelId="{1A56D051-FCD1-4ACE-B517-CA53D4CD293A}" type="presOf" srcId="{C6E5B58F-10F1-4A0F-B24B-83ABFC7283E8}" destId="{350094D2-7DCD-4D6D-BF3C-22BADCB8186A}" srcOrd="1" destOrd="0" presId="urn:microsoft.com/office/officeart/2008/layout/HorizontalMultiLevelHierarchy"/>
-    <dgm:cxn modelId="{D6CC8C56-3DAD-4CE5-BB65-51B263CD22D9}" type="presOf" srcId="{80A8E8CD-E500-4265-9EBD-08F5903454F8}" destId="{A8088930-A153-477E-9029-C095C3D50AF4}" srcOrd="0" destOrd="0" presId="urn:microsoft.com/office/officeart/2008/layout/HorizontalMultiLevelHierarchy"/>
-    <dgm:cxn modelId="{CC33FE3A-2675-4C05-AC2C-C262B46663BD}" type="presOf" srcId="{08C55BA2-31D6-43CA-BE8B-18095A33123C}" destId="{E44A7F6B-CDD6-46D7-8C6D-31E128DCFA9B}" srcOrd="0" destOrd="0" presId="urn:microsoft.com/office/officeart/2008/layout/HorizontalMultiLevelHierarchy"/>
-    <dgm:cxn modelId="{A67FD952-7E3E-42C2-B9AC-9786F65D1584}" srcId="{08C55BA2-31D6-43CA-BE8B-18095A33123C}" destId="{4A1CE773-3E85-4B37-BA18-CB28DF37705F}" srcOrd="0" destOrd="0" parTransId="{C970C188-F04F-415C-B685-2C4E7AFB148E}" sibTransId="{1EF5A848-6056-46B2-8C3B-F197EDA52614}"/>
-    <dgm:cxn modelId="{CC6C77C6-FE6E-49D4-86B7-B41D722DE6FD}" srcId="{D24B9365-C298-4D09-9B43-19F1F42CB936}" destId="{31A7FA4E-1377-4668-AA4A-F847E0BA75F9}" srcOrd="1" destOrd="0" parTransId="{BCECA982-1209-40D3-90B9-DB39233875A5}" sibTransId="{84D3DBC8-A14D-46AC-9625-01BC5680C226}"/>
-    <dgm:cxn modelId="{1BF0094A-FEFC-422B-B205-AFF45445190D}" type="presOf" srcId="{63FF3E21-F438-42A5-8D7B-E965B1D3812A}" destId="{9539C340-DD91-4CCB-9617-C26D5EA57291}" srcOrd="1" destOrd="0" presId="urn:microsoft.com/office/officeart/2008/layout/HorizontalMultiLevelHierarchy"/>
-    <dgm:cxn modelId="{68BEAA0F-F727-404F-A1C3-B6A93BF7DE79}" type="presOf" srcId="{B3A3E97E-B1F5-4285-B3CC-626A9AFB88AF}" destId="{962A20E9-4E8A-4469-B9A9-712648A37A7E}" srcOrd="1" destOrd="0" presId="urn:microsoft.com/office/officeart/2008/layout/HorizontalMultiLevelHierarchy"/>
-    <dgm:cxn modelId="{0E9DAE43-BD16-4A14-9821-2524BC241F48}" srcId="{CE13128E-9149-4B70-91DE-630C4ABBFE00}" destId="{08C55BA2-31D6-43CA-BE8B-18095A33123C}" srcOrd="1" destOrd="0" parTransId="{6DB745CF-1A78-406B-8408-ECE8759E9FA1}" sibTransId="{E3EE3127-9860-436D-80DB-2AE4EBD12F9F}"/>
-    <dgm:cxn modelId="{B353EAEA-C1EF-497E-AD8A-EEFA8A1765D1}" type="presOf" srcId="{305D8F76-DE5C-477C-9DE0-661AB94732FF}" destId="{2DB62359-910D-4F81-A286-8DE2D01AD00D}" srcOrd="1" destOrd="0" presId="urn:microsoft.com/office/officeart/2008/layout/HorizontalMultiLevelHierarchy"/>
     <dgm:cxn modelId="{E85A5082-869E-40EA-9C36-EDCB529A800C}" type="presParOf" srcId="{48EA20E2-9F73-4378-9103-C6F25598EA7F}" destId="{86C845A6-4E5D-48FE-9B1B-66F63DBF6920}" srcOrd="0" destOrd="0" presId="urn:microsoft.com/office/officeart/2008/layout/HorizontalMultiLevelHierarchy"/>
     <dgm:cxn modelId="{40337B89-9F14-49F4-B9A9-FB9EEE4ADA72}" type="presParOf" srcId="{86C845A6-4E5D-48FE-9B1B-66F63DBF6920}" destId="{85F62DE2-963F-4C4E-96AF-E89F91C81D5C}" srcOrd="0" destOrd="0" presId="urn:microsoft.com/office/officeart/2008/layout/HorizontalMultiLevelHierarchy"/>
     <dgm:cxn modelId="{22D98093-D67B-4619-B710-0A51376D5E73}" type="presParOf" srcId="{86C845A6-4E5D-48FE-9B1B-66F63DBF6920}" destId="{67D192E8-B60F-4363-ADBD-30FA0B008AD7}" srcOrd="1" destOrd="0" presId="urn:microsoft.com/office/officeart/2008/layout/HorizontalMultiLevelHierarchy"/>
@@ -15959,7 +16012,7 @@
       </dsp:nvSpPr>
       <dsp:spPr>
         <a:xfrm>
-          <a:off x="4846948" y="549799"/>
+          <a:off x="4846948" y="576062"/>
           <a:ext cx="3931861" cy="2246649"/>
         </a:xfrm>
         <a:prstGeom prst="roundRect">
@@ -16105,7 +16158,7 @@
         </a:p>
       </dsp:txBody>
       <dsp:txXfrm>
-        <a:off x="4956620" y="659471"/>
+        <a:off x="4956620" y="685734"/>
         <a:ext cx="3712517" cy="2027305"/>
       </dsp:txXfrm>
     </dsp:sp>
@@ -17139,12 +17192,12 @@
         </a:fontRef>
       </dsp:style>
       <dsp:txBody>
-        <a:bodyPr spcFirstLastPara="0" vert="horz" wrap="square" lIns="160020" tIns="160020" rIns="160020" bIns="160020" numCol="1" spcCol="1270" anchor="ctr" anchorCtr="0">
+        <a:bodyPr spcFirstLastPara="0" vert="horz" wrap="square" lIns="213360" tIns="213360" rIns="213360" bIns="213360" numCol="1" spcCol="1270" anchor="ctr" anchorCtr="0">
           <a:noAutofit/>
         </a:bodyPr>
         <a:lstStyle/>
         <a:p>
-          <a:pPr lvl="0" algn="ctr" defTabSz="1866900">
+          <a:pPr lvl="0" algn="ctr" defTabSz="2489200">
             <a:lnSpc>
               <a:spcPct val="90000"/>
             </a:lnSpc>
@@ -17155,7 +17208,7 @@
               <a:spcPct val="35000"/>
             </a:spcAft>
           </a:pPr>
-          <a:endParaRPr lang="pt-BR" sz="4200" kern="1200" dirty="0"/>
+          <a:endParaRPr lang="pt-BR" sz="5600" kern="1200" dirty="0"/>
         </a:p>
       </dsp:txBody>
       <dsp:txXfrm>
@@ -17214,12 +17267,12 @@
         </a:fontRef>
       </dsp:style>
       <dsp:txBody>
-        <a:bodyPr spcFirstLastPara="0" vert="horz" wrap="square" lIns="160020" tIns="160020" rIns="160020" bIns="160020" numCol="1" spcCol="1270" anchor="ctr" anchorCtr="0">
+        <a:bodyPr spcFirstLastPara="0" vert="horz" wrap="square" lIns="247650" tIns="247650" rIns="247650" bIns="247650" numCol="1" spcCol="1270" anchor="ctr" anchorCtr="0">
           <a:noAutofit/>
         </a:bodyPr>
         <a:lstStyle/>
         <a:p>
-          <a:pPr lvl="0" algn="ctr" defTabSz="1866900">
+          <a:pPr lvl="0" algn="ctr" defTabSz="2889250">
             <a:lnSpc>
               <a:spcPct val="90000"/>
             </a:lnSpc>
@@ -17230,7 +17283,7 @@
               <a:spcPct val="35000"/>
             </a:spcAft>
           </a:pPr>
-          <a:endParaRPr lang="pt-BR" sz="4200" kern="1200" dirty="0"/>
+          <a:endParaRPr lang="pt-BR" sz="6500" kern="1200" dirty="0"/>
         </a:p>
       </dsp:txBody>
       <dsp:txXfrm>
@@ -17289,12 +17342,12 @@
         </a:fontRef>
       </dsp:style>
       <dsp:txBody>
-        <a:bodyPr spcFirstLastPara="0" vert="horz" wrap="square" lIns="160020" tIns="160020" rIns="160020" bIns="160020" numCol="1" spcCol="1270" anchor="ctr" anchorCtr="0">
+        <a:bodyPr spcFirstLastPara="0" vert="horz" wrap="square" lIns="247650" tIns="247650" rIns="247650" bIns="247650" numCol="1" spcCol="1270" anchor="ctr" anchorCtr="0">
           <a:noAutofit/>
         </a:bodyPr>
         <a:lstStyle/>
         <a:p>
-          <a:pPr lvl="0" algn="ctr" defTabSz="1866900">
+          <a:pPr lvl="0" algn="ctr" defTabSz="2889250">
             <a:lnSpc>
               <a:spcPct val="90000"/>
             </a:lnSpc>
@@ -17305,7 +17358,7 @@
               <a:spcPct val="35000"/>
             </a:spcAft>
           </a:pPr>
-          <a:endParaRPr lang="pt-BR" sz="4200" kern="1200" dirty="0"/>
+          <a:endParaRPr lang="pt-BR" sz="6500" kern="1200" dirty="0"/>
         </a:p>
       </dsp:txBody>
       <dsp:txXfrm>
@@ -17364,12 +17417,12 @@
         </a:fontRef>
       </dsp:style>
       <dsp:txBody>
-        <a:bodyPr spcFirstLastPara="0" vert="horz" wrap="square" lIns="160020" tIns="160020" rIns="160020" bIns="160020" numCol="1" spcCol="1270" anchor="ctr" anchorCtr="0">
+        <a:bodyPr spcFirstLastPara="0" vert="horz" wrap="square" lIns="247650" tIns="247650" rIns="247650" bIns="247650" numCol="1" spcCol="1270" anchor="ctr" anchorCtr="0">
           <a:noAutofit/>
         </a:bodyPr>
         <a:lstStyle/>
         <a:p>
-          <a:pPr lvl="0" algn="ctr" defTabSz="1866900">
+          <a:pPr lvl="0" algn="ctr" defTabSz="2889250">
             <a:lnSpc>
               <a:spcPct val="90000"/>
             </a:lnSpc>
@@ -17380,7 +17433,7 @@
               <a:spcPct val="35000"/>
             </a:spcAft>
           </a:pPr>
-          <a:endParaRPr lang="pt-BR" sz="4200" kern="1200" dirty="0"/>
+          <a:endParaRPr lang="pt-BR" sz="6500" kern="1200" dirty="0"/>
         </a:p>
       </dsp:txBody>
       <dsp:txXfrm>
@@ -17388,7 +17441,7 @@
         <a:ext cx="2691623" cy="1641389"/>
       </dsp:txXfrm>
     </dsp:sp>
-    <dsp:sp modelId="{388079A2-CF1D-496E-888C-D15DE457FFDF}">
+    <dsp:sp modelId="{BC688DC5-6F0D-4071-810D-259250BFE46E}">
       <dsp:nvSpPr>
         <dsp:cNvPr id="0" name=""/>
         <dsp:cNvSpPr/>
@@ -17439,12 +17492,12 @@
         </a:fontRef>
       </dsp:style>
       <dsp:txBody>
-        <a:bodyPr spcFirstLastPara="0" vert="horz" wrap="square" lIns="160020" tIns="160020" rIns="160020" bIns="160020" numCol="1" spcCol="1270" anchor="ctr" anchorCtr="0">
+        <a:bodyPr spcFirstLastPara="0" vert="horz" wrap="square" lIns="247650" tIns="247650" rIns="247650" bIns="247650" numCol="1" spcCol="1270" anchor="ctr" anchorCtr="0">
           <a:noAutofit/>
         </a:bodyPr>
         <a:lstStyle/>
         <a:p>
-          <a:pPr lvl="0" algn="ctr" defTabSz="1866900">
+          <a:pPr lvl="0" algn="ctr" defTabSz="2889250">
             <a:lnSpc>
               <a:spcPct val="90000"/>
             </a:lnSpc>
@@ -17455,11 +17508,7 @@
               <a:spcPct val="35000"/>
             </a:spcAft>
           </a:pPr>
-          <a:r>
-            <a:rPr lang="pt-BR" sz="4200" kern="1200" dirty="0" smtClean="0"/>
-            <a:t>Modelo de</a:t>
-          </a:r>
-          <a:endParaRPr lang="pt-BR" sz="4200" kern="1200" dirty="0"/>
+          <a:endParaRPr lang="pt-BR" sz="6500" kern="1200" dirty="0"/>
         </a:p>
       </dsp:txBody>
       <dsp:txXfrm>
@@ -17467,7 +17516,7 @@
         <a:ext cx="2691623" cy="1641389"/>
       </dsp:txXfrm>
     </dsp:sp>
-    <dsp:sp modelId="{9970C94A-8FA0-4DC8-A1B6-ADFB18536F17}">
+    <dsp:sp modelId="{2D6485A9-B159-4B5F-839A-03A4B14DEE84}">
       <dsp:nvSpPr>
         <dsp:cNvPr id="0" name=""/>
         <dsp:cNvSpPr/>
@@ -17518,12 +17567,12 @@
         </a:fontRef>
       </dsp:style>
       <dsp:txBody>
-        <a:bodyPr spcFirstLastPara="0" vert="horz" wrap="square" lIns="160020" tIns="160020" rIns="160020" bIns="160020" numCol="1" spcCol="1270" anchor="ctr" anchorCtr="0">
+        <a:bodyPr spcFirstLastPara="0" vert="horz" wrap="square" lIns="247650" tIns="247650" rIns="247650" bIns="247650" numCol="1" spcCol="1270" anchor="ctr" anchorCtr="0">
           <a:noAutofit/>
         </a:bodyPr>
         <a:lstStyle/>
         <a:p>
-          <a:pPr lvl="0" algn="ctr" defTabSz="1866900">
+          <a:pPr lvl="0" algn="ctr" defTabSz="2889250">
             <a:lnSpc>
               <a:spcPct val="90000"/>
             </a:lnSpc>
@@ -17534,7 +17583,7 @@
               <a:spcPct val="35000"/>
             </a:spcAft>
           </a:pPr>
-          <a:endParaRPr lang="pt-BR" sz="4200" kern="1200" dirty="0"/>
+          <a:endParaRPr lang="pt-BR" sz="6500" kern="1200" dirty="0"/>
         </a:p>
       </dsp:txBody>
       <dsp:txXfrm>
@@ -40476,7 +40525,7 @@
           <a:p>
             <a:fld id="{6170734A-4B5A-4F3B-B573-1E93A2DEC51B}" type="datetimeFigureOut">
               <a:rPr lang="pt-BR" smtClean="0"/>
-              <a:t>16/09/2018</a:t>
+              <a:t>17/09/2018</a:t>
             </a:fld>
             <a:endParaRPr lang="pt-BR"/>
           </a:p>
@@ -40641,7 +40690,7 @@
           <a:p>
             <a:fld id="{6170734A-4B5A-4F3B-B573-1E93A2DEC51B}" type="datetimeFigureOut">
               <a:rPr lang="pt-BR" smtClean="0"/>
-              <a:t>16/09/2018</a:t>
+              <a:t>17/09/2018</a:t>
             </a:fld>
             <a:endParaRPr lang="pt-BR"/>
           </a:p>
@@ -40816,7 +40865,7 @@
           <a:p>
             <a:fld id="{6170734A-4B5A-4F3B-B573-1E93A2DEC51B}" type="datetimeFigureOut">
               <a:rPr lang="pt-BR" smtClean="0"/>
-              <a:t>16/09/2018</a:t>
+              <a:t>17/09/2018</a:t>
             </a:fld>
             <a:endParaRPr lang="pt-BR"/>
           </a:p>
@@ -40999,7 +41048,7 @@
           <a:p>
             <a:fld id="{6170734A-4B5A-4F3B-B573-1E93A2DEC51B}" type="datetimeFigureOut">
               <a:rPr lang="pt-BR" smtClean="0"/>
-              <a:t>16/09/2018</a:t>
+              <a:t>17/09/2018</a:t>
             </a:fld>
             <a:endParaRPr lang="pt-BR"/>
           </a:p>
@@ -41261,7 +41310,7 @@
           <a:p>
             <a:fld id="{6170734A-4B5A-4F3B-B573-1E93A2DEC51B}" type="datetimeFigureOut">
               <a:rPr lang="pt-BR" smtClean="0"/>
-              <a:t>16/09/2018</a:t>
+              <a:t>17/09/2018</a:t>
             </a:fld>
             <a:endParaRPr lang="pt-BR"/>
           </a:p>
@@ -41609,7 +41658,7 @@
           <a:p>
             <a:fld id="{6170734A-4B5A-4F3B-B573-1E93A2DEC51B}" type="datetimeFigureOut">
               <a:rPr lang="pt-BR" smtClean="0"/>
-              <a:t>16/09/2018</a:t>
+              <a:t>17/09/2018</a:t>
             </a:fld>
             <a:endParaRPr lang="pt-BR"/>
           </a:p>
@@ -41917,7 +41966,7 @@
           <a:p>
             <a:fld id="{6170734A-4B5A-4F3B-B573-1E93A2DEC51B}" type="datetimeFigureOut">
               <a:rPr lang="pt-BR" smtClean="0"/>
-              <a:t>16/09/2018</a:t>
+              <a:t>17/09/2018</a:t>
             </a:fld>
             <a:endParaRPr lang="pt-BR"/>
           </a:p>
@@ -42144,7 +42193,7 @@
           <a:p>
             <a:fld id="{6170734A-4B5A-4F3B-B573-1E93A2DEC51B}" type="datetimeFigureOut">
               <a:rPr lang="pt-BR" smtClean="0"/>
-              <a:t>16/09/2018</a:t>
+              <a:t>17/09/2018</a:t>
             </a:fld>
             <a:endParaRPr lang="pt-BR"/>
           </a:p>
@@ -42234,7 +42283,7 @@
           <a:p>
             <a:fld id="{6170734A-4B5A-4F3B-B573-1E93A2DEC51B}" type="datetimeFigureOut">
               <a:rPr lang="pt-BR" smtClean="0"/>
-              <a:t>16/09/2018</a:t>
+              <a:t>17/09/2018</a:t>
             </a:fld>
             <a:endParaRPr lang="pt-BR"/>
           </a:p>
@@ -42522,7 +42571,7 @@
           <a:p>
             <a:fld id="{6170734A-4B5A-4F3B-B573-1E93A2DEC51B}" type="datetimeFigureOut">
               <a:rPr lang="pt-BR" smtClean="0"/>
-              <a:t>16/09/2018</a:t>
+              <a:t>17/09/2018</a:t>
             </a:fld>
             <a:endParaRPr lang="pt-BR"/>
           </a:p>
@@ -42791,7 +42840,7 @@
           <a:p>
             <a:fld id="{6170734A-4B5A-4F3B-B573-1E93A2DEC51B}" type="datetimeFigureOut">
               <a:rPr lang="pt-BR" smtClean="0"/>
-              <a:t>16/09/2018</a:t>
+              <a:t>17/09/2018</a:t>
             </a:fld>
             <a:endParaRPr lang="pt-BR"/>
           </a:p>
@@ -43001,7 +43050,7 @@
           <a:p>
             <a:fld id="{6170734A-4B5A-4F3B-B573-1E93A2DEC51B}" type="datetimeFigureOut">
               <a:rPr lang="pt-BR" smtClean="0"/>
-              <a:t>16/09/2018</a:t>
+              <a:t>17/09/2018</a:t>
             </a:fld>
             <a:endParaRPr lang="pt-BR"/>
           </a:p>
@@ -44422,6 +44471,191 @@
         </p:nvSpPr>
         <p:spPr>
           <a:xfrm>
+            <a:off x="449600" y="31656"/>
+            <a:ext cx="8229600" cy="877064"/>
+          </a:xfrm>
+        </p:spPr>
+        <p:txBody>
+          <a:bodyPr/>
+          <a:lstStyle/>
+          <a:p>
+            <a:r>
+              <a:rPr lang="pt-BR" sz="4400" dirty="0" smtClean="0"/>
+              <a:t>Project </a:t>
+            </a:r>
+            <a:r>
+              <a:rPr lang="pt-BR" sz="4400" dirty="0" err="1" smtClean="0"/>
+              <a:t>model</a:t>
+            </a:r>
+            <a:r>
+              <a:rPr lang="pt-BR" sz="4400" dirty="0" smtClean="0"/>
+              <a:t> </a:t>
+            </a:r>
+            <a:r>
+              <a:rPr lang="pt-BR" sz="4400" dirty="0" err="1" smtClean="0"/>
+              <a:t>Canvas</a:t>
+            </a:r>
+            <a:endParaRPr lang="pt-BR" sz="4400" dirty="0"/>
+          </a:p>
+        </p:txBody>
+      </p:sp>
+      <p:pic>
+        <p:nvPicPr>
+          <p:cNvPr id="4" name="Picture 2" descr="https://cdn-images-1.medium.com/max/600/1*YHKQVfSqFafrXvGcc5wUuQ.png"/>
+          <p:cNvPicPr>
+            <a:picLocks noChangeAspect="1" noChangeArrowheads="1"/>
+          </p:cNvPicPr>
+          <p:nvPr/>
+        </p:nvPicPr>
+        <p:blipFill rotWithShape="1">
+          <a:blip r:embed="rId2">
+            <a:extLst>
+              <a:ext uri="{28A0092B-C50C-407E-A947-70E740481C1C}">
+                <a14:useLocalDpi xmlns:a14="http://schemas.microsoft.com/office/drawing/2010/main" val="0"/>
+              </a:ext>
+            </a:extLst>
+          </a:blip>
+          <a:srcRect b="11346"/>
+          <a:stretch/>
+        </p:blipFill>
+        <p:spPr bwMode="auto">
+          <a:xfrm>
+            <a:off x="0" y="-60521"/>
+            <a:ext cx="827584" cy="614104"/>
+          </a:xfrm>
+          <a:prstGeom prst="rect">
+            <a:avLst/>
+          </a:prstGeom>
+          <a:ln>
+            <a:noFill/>
+          </a:ln>
+          <a:effectLst>
+            <a:softEdge rad="112500"/>
+          </a:effectLst>
+          <a:extLst>
+            <a:ext uri="{909E8E84-426E-40DD-AFC4-6F175D3DCCD1}">
+              <a14:hiddenFill xmlns:a14="http://schemas.microsoft.com/office/drawing/2010/main">
+                <a:solidFill>
+                  <a:srgbClr val="FFFFFF"/>
+                </a:solidFill>
+              </a14:hiddenFill>
+            </a:ext>
+          </a:extLst>
+        </p:spPr>
+      </p:pic>
+      <p:pic>
+        <p:nvPicPr>
+          <p:cNvPr id="5" name="Picture 2">
+            <a:hlinkClick r:id="rId3"/>
+          </p:cNvPr>
+          <p:cNvPicPr>
+            <a:picLocks noChangeAspect="1" noChangeArrowheads="1"/>
+          </p:cNvPicPr>
+          <p:nvPr/>
+        </p:nvPicPr>
+        <p:blipFill rotWithShape="1">
+          <a:blip r:embed="rId4">
+            <a:extLst>
+              <a:ext uri="{28A0092B-C50C-407E-A947-70E740481C1C}">
+                <a14:useLocalDpi xmlns:a14="http://schemas.microsoft.com/office/drawing/2010/main" val="0"/>
+              </a:ext>
+            </a:extLst>
+          </a:blip>
+          <a:srcRect l="2415" t="3822" r="43734"/>
+          <a:stretch/>
+        </p:blipFill>
+        <p:spPr bwMode="auto">
+          <a:xfrm>
+            <a:off x="0" y="908720"/>
+            <a:ext cx="9144000" cy="5949280"/>
+          </a:xfrm>
+          <a:prstGeom prst="rect">
+            <a:avLst/>
+          </a:prstGeom>
+          <a:noFill/>
+          <a:ln>
+            <a:noFill/>
+          </a:ln>
+          <a:effectLst/>
+          <a:extLst>
+            <a:ext uri="{909E8E84-426E-40DD-AFC4-6F175D3DCCD1}">
+              <a14:hiddenFill xmlns:a14="http://schemas.microsoft.com/office/drawing/2010/main">
+                <a:solidFill>
+                  <a:schemeClr val="accent1"/>
+                </a:solidFill>
+              </a14:hiddenFill>
+            </a:ext>
+            <a:ext uri="{91240B29-F687-4F45-9708-019B960494DF}">
+              <a14:hiddenLine xmlns:a14="http://schemas.microsoft.com/office/drawing/2010/main" w="9525">
+                <a:solidFill>
+                  <a:schemeClr val="tx1"/>
+                </a:solidFill>
+                <a:miter lim="800000"/>
+                <a:headEnd/>
+                <a:tailEnd/>
+              </a14:hiddenLine>
+            </a:ext>
+            <a:ext uri="{AF507438-7753-43E0-B8FC-AC1667EBCBE1}">
+              <a14:hiddenEffects xmlns:a14="http://schemas.microsoft.com/office/drawing/2010/main">
+                <a:effectLst>
+                  <a:outerShdw dist="35921" dir="2700000" algn="ctr" rotWithShape="0">
+                    <a:schemeClr val="bg2"/>
+                  </a:outerShdw>
+                </a:effectLst>
+              </a14:hiddenEffects>
+            </a:ext>
+          </a:extLst>
+        </p:spPr>
+      </p:pic>
+    </p:spTree>
+    <p:extLst>
+      <p:ext uri="{BB962C8B-B14F-4D97-AF65-F5344CB8AC3E}">
+        <p14:creationId xmlns:p14="http://schemas.microsoft.com/office/powerpoint/2010/main" val="1607500152"/>
+      </p:ext>
+    </p:extLst>
+  </p:cSld>
+  <p:clrMapOvr>
+    <a:masterClrMapping/>
+  </p:clrMapOvr>
+  <p:timing>
+    <p:tnLst>
+      <p:par>
+        <p:cTn id="1" dur="indefinite" restart="never" nodeType="tmRoot"/>
+      </p:par>
+    </p:tnLst>
+  </p:timing>
+</p:sld>
+</file>
+
+<file path=ppt/slides/slide13.xml><?xml version="1.0" encoding="utf-8"?>
+<p:sld xmlns:a="http://schemas.openxmlformats.org/drawingml/2006/main" xmlns:r="http://schemas.openxmlformats.org/officeDocument/2006/relationships" xmlns:p="http://schemas.openxmlformats.org/presentationml/2006/main">
+  <p:cSld>
+    <p:spTree>
+      <p:nvGrpSpPr>
+        <p:cNvPr id="1" name=""/>
+        <p:cNvGrpSpPr/>
+        <p:nvPr/>
+      </p:nvGrpSpPr>
+      <p:grpSpPr>
+        <a:xfrm>
+          <a:off x="0" y="0"/>
+          <a:ext cx="0" cy="0"/>
+          <a:chOff x="0" y="0"/>
+          <a:chExt cx="0" cy="0"/>
+        </a:xfrm>
+      </p:grpSpPr>
+      <p:sp>
+        <p:nvSpPr>
+          <p:cNvPr id="2" name="Título 1"/>
+          <p:cNvSpPr>
+            <a:spLocks noGrp="1"/>
+          </p:cNvSpPr>
+          <p:nvPr>
+            <p:ph type="title"/>
+          </p:nvPr>
+        </p:nvSpPr>
+        <p:spPr>
+          <a:xfrm>
             <a:off x="179512" y="4273749"/>
             <a:ext cx="8784976" cy="1368152"/>
           </a:xfrm>
@@ -44546,7 +44780,7 @@
 </p:sld>
 </file>
 
-<file path=ppt/slides/slide13.xml><?xml version="1.0" encoding="utf-8"?>
+<file path=ppt/slides/slide14.xml><?xml version="1.0" encoding="utf-8"?>
 <p:sld xmlns:a="http://schemas.openxmlformats.org/drawingml/2006/main" xmlns:r="http://schemas.openxmlformats.org/officeDocument/2006/relationships" xmlns:p="http://schemas.openxmlformats.org/presentationml/2006/main">
   <p:cSld>
     <p:spTree>
@@ -44673,7 +44907,7 @@
 </p:sld>
 </file>
 
-<file path=ppt/slides/slide14.xml><?xml version="1.0" encoding="utf-8"?>
+<file path=ppt/slides/slide15.xml><?xml version="1.0" encoding="utf-8"?>
 <p:sld xmlns:a="http://schemas.openxmlformats.org/drawingml/2006/main" xmlns:r="http://schemas.openxmlformats.org/officeDocument/2006/relationships" xmlns:p="http://schemas.openxmlformats.org/presentationml/2006/main">
   <p:cSld>
     <p:spTree>
@@ -44886,7 +45120,7 @@
 </p:sld>
 </file>
 
-<file path=ppt/slides/slide15.xml><?xml version="1.0" encoding="utf-8"?>
+<file path=ppt/slides/slide16.xml><?xml version="1.0" encoding="utf-8"?>
 <p:sld xmlns:a="http://schemas.openxmlformats.org/drawingml/2006/main" xmlns:r="http://schemas.openxmlformats.org/officeDocument/2006/relationships" xmlns:p="http://schemas.openxmlformats.org/presentationml/2006/main">
   <p:cSld>
     <p:spTree>
@@ -45013,7 +45247,7 @@
 </p:sld>
 </file>
 
-<file path=ppt/slides/slide16.xml><?xml version="1.0" encoding="utf-8"?>
+<file path=ppt/slides/slide17.xml><?xml version="1.0" encoding="utf-8"?>
 <p:sld xmlns:a="http://schemas.openxmlformats.org/drawingml/2006/main" xmlns:r="http://schemas.openxmlformats.org/officeDocument/2006/relationships" xmlns:p="http://schemas.openxmlformats.org/presentationml/2006/main">
   <p:cSld>
     <p:spTree>
@@ -45140,7 +45374,7 @@
 </p:sld>
 </file>
 
-<file path=ppt/slides/slide17.xml><?xml version="1.0" encoding="utf-8"?>
+<file path=ppt/slides/slide18.xml><?xml version="1.0" encoding="utf-8"?>
 <p:sld xmlns:a="http://schemas.openxmlformats.org/drawingml/2006/main" xmlns:r="http://schemas.openxmlformats.org/officeDocument/2006/relationships" xmlns:p="http://schemas.openxmlformats.org/presentationml/2006/main">
   <p:cSld>
     <p:spTree>
@@ -45293,7 +45527,7 @@
 </p:sld>
 </file>
 
-<file path=ppt/slides/slide18.xml><?xml version="1.0" encoding="utf-8"?>
+<file path=ppt/slides/slide19.xml><?xml version="1.0" encoding="utf-8"?>
 <p:sld xmlns:a="http://schemas.openxmlformats.org/drawingml/2006/main" xmlns:r="http://schemas.openxmlformats.org/officeDocument/2006/relationships" xmlns:p="http://schemas.openxmlformats.org/presentationml/2006/main">
   <p:cSld>
     <p:spTree>
@@ -45406,133 +45640,6 @@
     <p:extLst>
       <p:ext uri="{BB962C8B-B14F-4D97-AF65-F5344CB8AC3E}">
         <p14:creationId xmlns:p14="http://schemas.microsoft.com/office/powerpoint/2010/main" val="2504744416"/>
-      </p:ext>
-    </p:extLst>
-  </p:cSld>
-  <p:clrMapOvr>
-    <a:masterClrMapping/>
-  </p:clrMapOvr>
-  <p:timing>
-    <p:tnLst>
-      <p:par>
-        <p:cTn id="1" dur="indefinite" restart="never" nodeType="tmRoot"/>
-      </p:par>
-    </p:tnLst>
-  </p:timing>
-</p:sld>
-</file>
-
-<file path=ppt/slides/slide19.xml><?xml version="1.0" encoding="utf-8"?>
-<p:sld xmlns:a="http://schemas.openxmlformats.org/drawingml/2006/main" xmlns:r="http://schemas.openxmlformats.org/officeDocument/2006/relationships" xmlns:p="http://schemas.openxmlformats.org/presentationml/2006/main">
-  <p:cSld>
-    <p:spTree>
-      <p:nvGrpSpPr>
-        <p:cNvPr id="1" name=""/>
-        <p:cNvGrpSpPr/>
-        <p:nvPr/>
-      </p:nvGrpSpPr>
-      <p:grpSpPr>
-        <a:xfrm>
-          <a:off x="0" y="0"/>
-          <a:ext cx="0" cy="0"/>
-          <a:chOff x="0" y="0"/>
-          <a:chExt cx="0" cy="0"/>
-        </a:xfrm>
-      </p:grpSpPr>
-      <p:sp>
-        <p:nvSpPr>
-          <p:cNvPr id="2" name="Título 1"/>
-          <p:cNvSpPr>
-            <a:spLocks noGrp="1"/>
-          </p:cNvSpPr>
-          <p:nvPr>
-            <p:ph type="title"/>
-          </p:nvPr>
-        </p:nvSpPr>
-        <p:spPr/>
-        <p:txBody>
-          <a:bodyPr/>
-          <a:lstStyle/>
-          <a:p>
-            <a:r>
-              <a:rPr lang="pt-BR" dirty="0" smtClean="0"/>
-              <a:t>Algo </a:t>
-            </a:r>
-            <a:r>
-              <a:rPr lang="pt-BR" dirty="0" err="1" smtClean="0"/>
-              <a:t>aaS</a:t>
-            </a:r>
-            <a:endParaRPr lang="pt-BR" dirty="0"/>
-          </a:p>
-        </p:txBody>
-      </p:sp>
-      <p:sp>
-        <p:nvSpPr>
-          <p:cNvPr id="3" name="Espaço Reservado para Conteúdo 2"/>
-          <p:cNvSpPr>
-            <a:spLocks noGrp="1"/>
-          </p:cNvSpPr>
-          <p:nvPr>
-            <p:ph idx="1"/>
-          </p:nvPr>
-        </p:nvSpPr>
-        <p:spPr/>
-        <p:txBody>
-          <a:bodyPr/>
-          <a:lstStyle/>
-          <a:p>
-            <a:endParaRPr lang="pt-BR"/>
-          </a:p>
-        </p:txBody>
-      </p:sp>
-      <p:pic>
-        <p:nvPicPr>
-          <p:cNvPr id="4" name="Picture 2" descr="https://cdn-images-1.medium.com/max/600/1*YHKQVfSqFafrXvGcc5wUuQ.png"/>
-          <p:cNvPicPr>
-            <a:picLocks noChangeAspect="1" noChangeArrowheads="1"/>
-          </p:cNvPicPr>
-          <p:nvPr/>
-        </p:nvPicPr>
-        <p:blipFill rotWithShape="1">
-          <a:blip r:embed="rId2">
-            <a:extLst>
-              <a:ext uri="{28A0092B-C50C-407E-A947-70E740481C1C}">
-                <a14:useLocalDpi xmlns:a14="http://schemas.microsoft.com/office/drawing/2010/main" val="0"/>
-              </a:ext>
-            </a:extLst>
-          </a:blip>
-          <a:srcRect b="11346"/>
-          <a:stretch/>
-        </p:blipFill>
-        <p:spPr bwMode="auto">
-          <a:xfrm>
-            <a:off x="0" y="-60521"/>
-            <a:ext cx="827584" cy="614104"/>
-          </a:xfrm>
-          <a:prstGeom prst="rect">
-            <a:avLst/>
-          </a:prstGeom>
-          <a:ln>
-            <a:noFill/>
-          </a:ln>
-          <a:effectLst>
-            <a:softEdge rad="112500"/>
-          </a:effectLst>
-          <a:extLst>
-            <a:ext uri="{909E8E84-426E-40DD-AFC4-6F175D3DCCD1}">
-              <a14:hiddenFill xmlns:a14="http://schemas.microsoft.com/office/drawing/2010/main">
-                <a:solidFill>
-                  <a:srgbClr val="FFFFFF"/>
-                </a:solidFill>
-              </a14:hiddenFill>
-            </a:ext>
-          </a:extLst>
-        </p:spPr>
-      </p:pic>
-    </p:spTree>
-    <p:extLst>
-      <p:ext uri="{BB962C8B-B14F-4D97-AF65-F5344CB8AC3E}">
-        <p14:creationId xmlns:p14="http://schemas.microsoft.com/office/powerpoint/2010/main" val="2088152242"/>
       </p:ext>
     </p:extLst>
   </p:cSld>
@@ -45740,6 +45847,133 @@
           <a:p>
             <a:r>
               <a:rPr lang="pt-BR" dirty="0" smtClean="0"/>
+              <a:t>Algo </a:t>
+            </a:r>
+            <a:r>
+              <a:rPr lang="pt-BR" dirty="0" err="1" smtClean="0"/>
+              <a:t>aaS</a:t>
+            </a:r>
+            <a:endParaRPr lang="pt-BR" dirty="0"/>
+          </a:p>
+        </p:txBody>
+      </p:sp>
+      <p:sp>
+        <p:nvSpPr>
+          <p:cNvPr id="3" name="Espaço Reservado para Conteúdo 2"/>
+          <p:cNvSpPr>
+            <a:spLocks noGrp="1"/>
+          </p:cNvSpPr>
+          <p:nvPr>
+            <p:ph idx="1"/>
+          </p:nvPr>
+        </p:nvSpPr>
+        <p:spPr/>
+        <p:txBody>
+          <a:bodyPr/>
+          <a:lstStyle/>
+          <a:p>
+            <a:endParaRPr lang="pt-BR"/>
+          </a:p>
+        </p:txBody>
+      </p:sp>
+      <p:pic>
+        <p:nvPicPr>
+          <p:cNvPr id="4" name="Picture 2" descr="https://cdn-images-1.medium.com/max/600/1*YHKQVfSqFafrXvGcc5wUuQ.png"/>
+          <p:cNvPicPr>
+            <a:picLocks noChangeAspect="1" noChangeArrowheads="1"/>
+          </p:cNvPicPr>
+          <p:nvPr/>
+        </p:nvPicPr>
+        <p:blipFill rotWithShape="1">
+          <a:blip r:embed="rId2">
+            <a:extLst>
+              <a:ext uri="{28A0092B-C50C-407E-A947-70E740481C1C}">
+                <a14:useLocalDpi xmlns:a14="http://schemas.microsoft.com/office/drawing/2010/main" val="0"/>
+              </a:ext>
+            </a:extLst>
+          </a:blip>
+          <a:srcRect b="11346"/>
+          <a:stretch/>
+        </p:blipFill>
+        <p:spPr bwMode="auto">
+          <a:xfrm>
+            <a:off x="0" y="-60521"/>
+            <a:ext cx="827584" cy="614104"/>
+          </a:xfrm>
+          <a:prstGeom prst="rect">
+            <a:avLst/>
+          </a:prstGeom>
+          <a:ln>
+            <a:noFill/>
+          </a:ln>
+          <a:effectLst>
+            <a:softEdge rad="112500"/>
+          </a:effectLst>
+          <a:extLst>
+            <a:ext uri="{909E8E84-426E-40DD-AFC4-6F175D3DCCD1}">
+              <a14:hiddenFill xmlns:a14="http://schemas.microsoft.com/office/drawing/2010/main">
+                <a:solidFill>
+                  <a:srgbClr val="FFFFFF"/>
+                </a:solidFill>
+              </a14:hiddenFill>
+            </a:ext>
+          </a:extLst>
+        </p:spPr>
+      </p:pic>
+    </p:spTree>
+    <p:extLst>
+      <p:ext uri="{BB962C8B-B14F-4D97-AF65-F5344CB8AC3E}">
+        <p14:creationId xmlns:p14="http://schemas.microsoft.com/office/powerpoint/2010/main" val="2088152242"/>
+      </p:ext>
+    </p:extLst>
+  </p:cSld>
+  <p:clrMapOvr>
+    <a:masterClrMapping/>
+  </p:clrMapOvr>
+  <p:timing>
+    <p:tnLst>
+      <p:par>
+        <p:cTn id="1" dur="indefinite" restart="never" nodeType="tmRoot"/>
+      </p:par>
+    </p:tnLst>
+  </p:timing>
+</p:sld>
+</file>
+
+<file path=ppt/slides/slide21.xml><?xml version="1.0" encoding="utf-8"?>
+<p:sld xmlns:a="http://schemas.openxmlformats.org/drawingml/2006/main" xmlns:r="http://schemas.openxmlformats.org/officeDocument/2006/relationships" xmlns:p="http://schemas.openxmlformats.org/presentationml/2006/main">
+  <p:cSld>
+    <p:spTree>
+      <p:nvGrpSpPr>
+        <p:cNvPr id="1" name=""/>
+        <p:cNvGrpSpPr/>
+        <p:nvPr/>
+      </p:nvGrpSpPr>
+      <p:grpSpPr>
+        <a:xfrm>
+          <a:off x="0" y="0"/>
+          <a:ext cx="0" cy="0"/>
+          <a:chOff x="0" y="0"/>
+          <a:chExt cx="0" cy="0"/>
+        </a:xfrm>
+      </p:grpSpPr>
+      <p:sp>
+        <p:nvSpPr>
+          <p:cNvPr id="2" name="Título 1"/>
+          <p:cNvSpPr>
+            <a:spLocks noGrp="1"/>
+          </p:cNvSpPr>
+          <p:nvPr>
+            <p:ph type="title"/>
+          </p:nvPr>
+        </p:nvSpPr>
+        <p:spPr/>
+        <p:txBody>
+          <a:bodyPr/>
+          <a:lstStyle/>
+          <a:p>
+            <a:r>
+              <a:rPr lang="pt-BR" dirty="0" smtClean="0"/>
               <a:t>Diagramas</a:t>
             </a:r>
             <a:endParaRPr lang="pt-BR" dirty="0"/>
@@ -45829,7 +46063,7 @@
 </p:sld>
 </file>
 
-<file path=ppt/slides/slide21.xml><?xml version="1.0" encoding="utf-8"?>
+<file path=ppt/slides/slide22.xml><?xml version="1.0" encoding="utf-8"?>
 <p:sld xmlns:a="http://schemas.openxmlformats.org/drawingml/2006/main" xmlns:r="http://schemas.openxmlformats.org/officeDocument/2006/relationships" xmlns:p="http://schemas.openxmlformats.org/presentationml/2006/main">
   <p:cSld>
     <p:spTree>
@@ -45984,7 +46218,7 @@
 </p:sld>
 </file>
 
-<file path=ppt/slides/slide22.xml><?xml version="1.0" encoding="utf-8"?>
+<file path=ppt/slides/slide23.xml><?xml version="1.0" encoding="utf-8"?>
 <p:sld xmlns:a="http://schemas.openxmlformats.org/drawingml/2006/main" xmlns:r="http://schemas.openxmlformats.org/officeDocument/2006/relationships" xmlns:p="http://schemas.openxmlformats.org/presentationml/2006/main">
   <p:cSld>
     <p:spTree>
@@ -46107,7 +46341,7 @@
 </p:sld>
 </file>
 
-<file path=ppt/slides/slide23.xml><?xml version="1.0" encoding="utf-8"?>
+<file path=ppt/slides/slide24.xml><?xml version="1.0" encoding="utf-8"?>
 <p:sld xmlns:a="http://schemas.openxmlformats.org/drawingml/2006/main" xmlns:r="http://schemas.openxmlformats.org/officeDocument/2006/relationships" xmlns:p="http://schemas.openxmlformats.org/presentationml/2006/main">
   <p:cSld>
     <p:spTree>
@@ -46230,7 +46464,7 @@
 </p:sld>
 </file>
 
-<file path=ppt/slides/slide24.xml><?xml version="1.0" encoding="utf-8"?>
+<file path=ppt/slides/slide25.xml><?xml version="1.0" encoding="utf-8"?>
 <p:sld xmlns:a="http://schemas.openxmlformats.org/drawingml/2006/main" xmlns:r="http://schemas.openxmlformats.org/officeDocument/2006/relationships" xmlns:p="http://schemas.openxmlformats.org/presentationml/2006/main">
   <p:cSld>
     <p:spTree>
@@ -46385,7 +46619,7 @@
 </p:sld>
 </file>
 
-<file path=ppt/slides/slide25.xml><?xml version="1.0" encoding="utf-8"?>
+<file path=ppt/slides/slide26.xml><?xml version="1.0" encoding="utf-8"?>
 <p:sld xmlns:a="http://schemas.openxmlformats.org/drawingml/2006/main" xmlns:r="http://schemas.openxmlformats.org/officeDocument/2006/relationships" xmlns:p="http://schemas.openxmlformats.org/presentationml/2006/main">
   <p:cSld>
     <p:spTree>
@@ -46508,7 +46742,7 @@
 </p:sld>
 </file>
 
-<file path=ppt/slides/slide26.xml><?xml version="1.0" encoding="utf-8"?>
+<file path=ppt/slides/slide27.xml><?xml version="1.0" encoding="utf-8"?>
 <p:sld xmlns:a="http://schemas.openxmlformats.org/drawingml/2006/main" xmlns:r="http://schemas.openxmlformats.org/officeDocument/2006/relationships" xmlns:p="http://schemas.openxmlformats.org/presentationml/2006/main">
   <p:cSld>
     <p:spTree>
@@ -46631,7 +46865,7 @@
 </p:sld>
 </file>
 
-<file path=ppt/slides/slide27.xml><?xml version="1.0" encoding="utf-8"?>
+<file path=ppt/slides/slide28.xml><?xml version="1.0" encoding="utf-8"?>
 <p:sld xmlns:a="http://schemas.openxmlformats.org/drawingml/2006/main" xmlns:r="http://schemas.openxmlformats.org/officeDocument/2006/relationships" xmlns:p="http://schemas.openxmlformats.org/presentationml/2006/main">
   <p:cSld>
     <p:spTree>
@@ -46754,7 +46988,7 @@
 </p:sld>
 </file>
 
-<file path=ppt/slides/slide28.xml><?xml version="1.0" encoding="utf-8"?>
+<file path=ppt/slides/slide29.xml><?xml version="1.0" encoding="utf-8"?>
 <p:sld xmlns:a="http://schemas.openxmlformats.org/drawingml/2006/main" xmlns:r="http://schemas.openxmlformats.org/officeDocument/2006/relationships" xmlns:p="http://schemas.openxmlformats.org/presentationml/2006/main">
   <p:cSld>
     <p:spTree>
@@ -48708,7 +48942,7 @@
             <p:ph idx="1"/>
             <p:extLst>
               <p:ext uri="{D42A27DB-BD31-4B8C-83A1-F6EECF244321}">
-                <p14:modId xmlns:p14="http://schemas.microsoft.com/office/powerpoint/2010/main" val="2188621248"/>
+                <p14:modId xmlns:p14="http://schemas.microsoft.com/office/powerpoint/2010/main" val="3011637011"/>
               </p:ext>
             </p:extLst>
           </p:nvPr>
@@ -48842,7 +49076,7 @@
             <p:ph idx="1"/>
             <p:extLst>
               <p:ext uri="{D42A27DB-BD31-4B8C-83A1-F6EECF244321}">
-                <p14:modId xmlns:p14="http://schemas.microsoft.com/office/powerpoint/2010/main" val="4105279511"/>
+                <p14:modId xmlns:p14="http://schemas.microsoft.com/office/powerpoint/2010/main" val="3154052518"/>
               </p:ext>
             </p:extLst>
           </p:nvPr>

--- a/Ppt.pptx
+++ b/Ppt.pptx
@@ -4,6 +4,9 @@
   <p:sldMasterIdLst>
     <p:sldMasterId id="2147483672" r:id="rId1"/>
   </p:sldMasterIdLst>
+  <p:notesMasterIdLst>
+    <p:notesMasterId r:id="rId31"/>
+  </p:notesMasterIdLst>
   <p:sldIdLst>
     <p:sldId id="265" r:id="rId2"/>
     <p:sldId id="278" r:id="rId3"/>
@@ -9816,21 +9819,21 @@
     </dgm:pt>
   </dgm:ptLst>
   <dgm:cxnLst>
+    <dgm:cxn modelId="{2A83E94C-B0A5-43CA-A80E-FDC07FB30C97}" type="presOf" srcId="{4D80D226-ED49-4F74-A9DC-E6739A1E525A}" destId="{72A4396F-6C6D-4572-8D0B-0E5A71BA0032}" srcOrd="0" destOrd="0" presId="urn:microsoft.com/office/officeart/2005/8/layout/hierarchy4"/>
+    <dgm:cxn modelId="{450A96F1-A226-4857-9575-D42BE432BE1B}" type="presOf" srcId="{807B4EC0-DBCD-4A0A-8B06-00253A878830}" destId="{353B51B8-08EC-4BCF-999A-95E8A0758949}" srcOrd="0" destOrd="0" presId="urn:microsoft.com/office/officeart/2005/8/layout/hierarchy4"/>
+    <dgm:cxn modelId="{80C5821F-625F-4F7D-BC8A-B6AE91C3934A}" srcId="{75B7BF33-8AAF-4FD7-9587-CA0D5E8A58EC}" destId="{F7FF83DE-4A98-4D98-88E3-D4B472E51B37}" srcOrd="0" destOrd="0" parTransId="{77F47C2D-8749-48D1-BAA5-FE2905E54005}" sibTransId="{7B7DCFA7-693C-4385-B6BD-78144F3CF178}"/>
+    <dgm:cxn modelId="{7EF210E4-D897-4179-9BC5-389EE7AF9059}" srcId="{DE0B541D-B1EF-49A8-B1B8-4C73363FC6D4}" destId="{66983D87-635D-4AB6-83B7-A56308FCDED8}" srcOrd="0" destOrd="0" parTransId="{9C47322D-F6A7-4719-BB24-C28620ACB50F}" sibTransId="{5CBF6F54-78E8-4641-B73A-672EE79EAF98}"/>
+    <dgm:cxn modelId="{F588288A-658F-4A2E-83A7-74D2DB0AC655}" srcId="{AAE061B8-66B1-4EF6-9A14-8DF9C1B027F9}" destId="{807B4EC0-DBCD-4A0A-8B06-00253A878830}" srcOrd="0" destOrd="0" parTransId="{2C0DBB5A-C660-45FB-A924-7EE7158F60BE}" sibTransId="{E6BD2728-01B4-47C8-BC63-9ABCB0A2F994}"/>
+    <dgm:cxn modelId="{5CA8BEC7-66E9-4325-85EB-7144737DB8DB}" type="presOf" srcId="{DE0B541D-B1EF-49A8-B1B8-4C73363FC6D4}" destId="{BC688DC5-6F0D-4071-810D-259250BFE46E}" srcOrd="0" destOrd="0" presId="urn:microsoft.com/office/officeart/2005/8/layout/hierarchy4"/>
+    <dgm:cxn modelId="{A8BD5C5C-6413-49EA-8C96-E43EEEE39C89}" type="presOf" srcId="{AAE061B8-66B1-4EF6-9A14-8DF9C1B027F9}" destId="{3E066A3C-E4EF-41FF-A4BF-6B6EAB1AAF61}" srcOrd="0" destOrd="0" presId="urn:microsoft.com/office/officeart/2005/8/layout/hierarchy4"/>
     <dgm:cxn modelId="{B5BC5289-EAAE-420F-A0DC-1314614F029B}" type="presOf" srcId="{F7FF83DE-4A98-4D98-88E3-D4B472E51B37}" destId="{76D2BF23-CE72-48BA-B213-54136EFD1F11}" srcOrd="0" destOrd="0" presId="urn:microsoft.com/office/officeart/2005/8/layout/hierarchy4"/>
-    <dgm:cxn modelId="{80C5821F-625F-4F7D-BC8A-B6AE91C3934A}" srcId="{75B7BF33-8AAF-4FD7-9587-CA0D5E8A58EC}" destId="{F7FF83DE-4A98-4D98-88E3-D4B472E51B37}" srcOrd="0" destOrd="0" parTransId="{77F47C2D-8749-48D1-BAA5-FE2905E54005}" sibTransId="{7B7DCFA7-693C-4385-B6BD-78144F3CF178}"/>
-    <dgm:cxn modelId="{F588288A-658F-4A2E-83A7-74D2DB0AC655}" srcId="{AAE061B8-66B1-4EF6-9A14-8DF9C1B027F9}" destId="{807B4EC0-DBCD-4A0A-8B06-00253A878830}" srcOrd="0" destOrd="0" parTransId="{2C0DBB5A-C660-45FB-A924-7EE7158F60BE}" sibTransId="{E6BD2728-01B4-47C8-BC63-9ABCB0A2F994}"/>
-    <dgm:cxn modelId="{2A83E94C-B0A5-43CA-A80E-FDC07FB30C97}" type="presOf" srcId="{4D80D226-ED49-4F74-A9DC-E6739A1E525A}" destId="{72A4396F-6C6D-4572-8D0B-0E5A71BA0032}" srcOrd="0" destOrd="0" presId="urn:microsoft.com/office/officeart/2005/8/layout/hierarchy4"/>
+    <dgm:cxn modelId="{E0207364-9F49-4CCB-9667-C8ACBE412209}" type="presOf" srcId="{75B7BF33-8AAF-4FD7-9587-CA0D5E8A58EC}" destId="{8969E11C-5CBF-4BF1-A6BC-7B90BACD04C4}" srcOrd="0" destOrd="0" presId="urn:microsoft.com/office/officeart/2005/8/layout/hierarchy4"/>
+    <dgm:cxn modelId="{49924C73-89AD-4EE1-B8ED-2B628AE59112}" srcId="{4D80D226-ED49-4F74-A9DC-E6739A1E525A}" destId="{AAE061B8-66B1-4EF6-9A14-8DF9C1B027F9}" srcOrd="0" destOrd="0" parTransId="{86881EF1-C069-47E8-BB28-ACB5208570F6}" sibTransId="{C6852C81-936A-4457-823B-A45AAE0512FE}"/>
+    <dgm:cxn modelId="{7854A23B-DFAF-4932-BC3F-92593C1FF720}" type="presOf" srcId="{40B78537-89BA-4099-9B51-D111571F2F51}" destId="{BF2C47A5-22D6-4556-A6BA-700966C15184}" srcOrd="0" destOrd="0" presId="urn:microsoft.com/office/officeart/2005/8/layout/hierarchy4"/>
+    <dgm:cxn modelId="{3F318998-8C97-494E-A31C-B3B3D41CBC26}" srcId="{4D80D226-ED49-4F74-A9DC-E6739A1E525A}" destId="{75B7BF33-8AAF-4FD7-9587-CA0D5E8A58EC}" srcOrd="1" destOrd="0" parTransId="{5DE4C07D-F0DA-4149-85BF-312A32B65653}" sibTransId="{9CFC7F9F-ACC1-4E61-9FCC-310A7607FB39}"/>
+    <dgm:cxn modelId="{8BFAF09E-8D7B-4CBD-97F1-44E5D272319E}" type="presOf" srcId="{66983D87-635D-4AB6-83B7-A56308FCDED8}" destId="{2D6485A9-B159-4B5F-839A-03A4B14DEE84}" srcOrd="0" destOrd="0" presId="urn:microsoft.com/office/officeart/2005/8/layout/hierarchy4"/>
     <dgm:cxn modelId="{0C743358-E86A-4194-9E97-92B32C117A4C}" srcId="{40B78537-89BA-4099-9B51-D111571F2F51}" destId="{4D80D226-ED49-4F74-A9DC-E6739A1E525A}" srcOrd="0" destOrd="0" parTransId="{3DC520C2-745C-44F2-976A-30A225DB0CA5}" sibTransId="{8F1D3AD4-E37D-44D5-B540-57B561A90D25}"/>
-    <dgm:cxn modelId="{5CA8BEC7-66E9-4325-85EB-7144737DB8DB}" type="presOf" srcId="{DE0B541D-B1EF-49A8-B1B8-4C73363FC6D4}" destId="{BC688DC5-6F0D-4071-810D-259250BFE46E}" srcOrd="0" destOrd="0" presId="urn:microsoft.com/office/officeart/2005/8/layout/hierarchy4"/>
     <dgm:cxn modelId="{50B29E5C-E3E8-4471-BE2C-0DEE63803713}" srcId="{4D80D226-ED49-4F74-A9DC-E6739A1E525A}" destId="{DE0B541D-B1EF-49A8-B1B8-4C73363FC6D4}" srcOrd="2" destOrd="0" parTransId="{014BC2A4-FD1D-4D42-A01D-5289BAB99708}" sibTransId="{A8AC497A-F722-46F2-B50B-41360A498B18}"/>
-    <dgm:cxn modelId="{8BFAF09E-8D7B-4CBD-97F1-44E5D272319E}" type="presOf" srcId="{66983D87-635D-4AB6-83B7-A56308FCDED8}" destId="{2D6485A9-B159-4B5F-839A-03A4B14DEE84}" srcOrd="0" destOrd="0" presId="urn:microsoft.com/office/officeart/2005/8/layout/hierarchy4"/>
-    <dgm:cxn modelId="{E0207364-9F49-4CCB-9667-C8ACBE412209}" type="presOf" srcId="{75B7BF33-8AAF-4FD7-9587-CA0D5E8A58EC}" destId="{8969E11C-5CBF-4BF1-A6BC-7B90BACD04C4}" srcOrd="0" destOrd="0" presId="urn:microsoft.com/office/officeart/2005/8/layout/hierarchy4"/>
-    <dgm:cxn modelId="{3F318998-8C97-494E-A31C-B3B3D41CBC26}" srcId="{4D80D226-ED49-4F74-A9DC-E6739A1E525A}" destId="{75B7BF33-8AAF-4FD7-9587-CA0D5E8A58EC}" srcOrd="1" destOrd="0" parTransId="{5DE4C07D-F0DA-4149-85BF-312A32B65653}" sibTransId="{9CFC7F9F-ACC1-4E61-9FCC-310A7607FB39}"/>
-    <dgm:cxn modelId="{7854A23B-DFAF-4932-BC3F-92593C1FF720}" type="presOf" srcId="{40B78537-89BA-4099-9B51-D111571F2F51}" destId="{BF2C47A5-22D6-4556-A6BA-700966C15184}" srcOrd="0" destOrd="0" presId="urn:microsoft.com/office/officeart/2005/8/layout/hierarchy4"/>
-    <dgm:cxn modelId="{450A96F1-A226-4857-9575-D42BE432BE1B}" type="presOf" srcId="{807B4EC0-DBCD-4A0A-8B06-00253A878830}" destId="{353B51B8-08EC-4BCF-999A-95E8A0758949}" srcOrd="0" destOrd="0" presId="urn:microsoft.com/office/officeart/2005/8/layout/hierarchy4"/>
-    <dgm:cxn modelId="{7EF210E4-D897-4179-9BC5-389EE7AF9059}" srcId="{DE0B541D-B1EF-49A8-B1B8-4C73363FC6D4}" destId="{66983D87-635D-4AB6-83B7-A56308FCDED8}" srcOrd="0" destOrd="0" parTransId="{9C47322D-F6A7-4719-BB24-C28620ACB50F}" sibTransId="{5CBF6F54-78E8-4641-B73A-672EE79EAF98}"/>
-    <dgm:cxn modelId="{A8BD5C5C-6413-49EA-8C96-E43EEEE39C89}" type="presOf" srcId="{AAE061B8-66B1-4EF6-9A14-8DF9C1B027F9}" destId="{3E066A3C-E4EF-41FF-A4BF-6B6EAB1AAF61}" srcOrd="0" destOrd="0" presId="urn:microsoft.com/office/officeart/2005/8/layout/hierarchy4"/>
-    <dgm:cxn modelId="{49924C73-89AD-4EE1-B8ED-2B628AE59112}" srcId="{4D80D226-ED49-4F74-A9DC-E6739A1E525A}" destId="{AAE061B8-66B1-4EF6-9A14-8DF9C1B027F9}" srcOrd="0" destOrd="0" parTransId="{86881EF1-C069-47E8-BB28-ACB5208570F6}" sibTransId="{C6852C81-936A-4457-823B-A45AAE0512FE}"/>
     <dgm:cxn modelId="{F449A1B6-4A4C-43BA-BC3B-9ADCA0B1A5B0}" type="presParOf" srcId="{BF2C47A5-22D6-4556-A6BA-700966C15184}" destId="{5B92B76B-FCAA-4BD9-8CC8-517E08C20AB3}" srcOrd="0" destOrd="0" presId="urn:microsoft.com/office/officeart/2005/8/layout/hierarchy4"/>
     <dgm:cxn modelId="{A73F1CA9-A013-4273-86FB-6DDB22853DE1}" type="presParOf" srcId="{5B92B76B-FCAA-4BD9-8CC8-517E08C20AB3}" destId="{72A4396F-6C6D-4572-8D0B-0E5A71BA0032}" srcOrd="0" destOrd="0" presId="urn:microsoft.com/office/officeart/2005/8/layout/hierarchy4"/>
     <dgm:cxn modelId="{D50D2C29-A996-4DC2-A491-9AFB0402CABC}" type="presParOf" srcId="{5B92B76B-FCAA-4BD9-8CC8-517E08C20AB3}" destId="{343BDA7D-489F-4C5F-974C-44AE7F329B19}" srcOrd="1" destOrd="0" presId="urn:microsoft.com/office/officeart/2005/8/layout/hierarchy4"/>
@@ -40333,6 +40336,440 @@
 </dgm:styleDef>
 </file>
 
+<file path=ppt/notesMasters/notesMaster1.xml><?xml version="1.0" encoding="utf-8"?>
+<p:notesMaster xmlns:a="http://schemas.openxmlformats.org/drawingml/2006/main" xmlns:r="http://schemas.openxmlformats.org/officeDocument/2006/relationships" xmlns:p="http://schemas.openxmlformats.org/presentationml/2006/main">
+  <p:cSld>
+    <p:bg>
+      <p:bgRef idx="1001">
+        <a:schemeClr val="bg1"/>
+      </p:bgRef>
+    </p:bg>
+    <p:spTree>
+      <p:nvGrpSpPr>
+        <p:cNvPr id="1" name=""/>
+        <p:cNvGrpSpPr/>
+        <p:nvPr/>
+      </p:nvGrpSpPr>
+      <p:grpSpPr>
+        <a:xfrm>
+          <a:off x="0" y="0"/>
+          <a:ext cx="0" cy="0"/>
+          <a:chOff x="0" y="0"/>
+          <a:chExt cx="0" cy="0"/>
+        </a:xfrm>
+      </p:grpSpPr>
+      <p:sp>
+        <p:nvSpPr>
+          <p:cNvPr id="2" name="Espaço Reservado para Cabeçalho 1"/>
+          <p:cNvSpPr>
+            <a:spLocks noGrp="1"/>
+          </p:cNvSpPr>
+          <p:nvPr>
+            <p:ph type="hdr" sz="quarter"/>
+          </p:nvPr>
+        </p:nvSpPr>
+        <p:spPr>
+          <a:xfrm>
+            <a:off x="0" y="0"/>
+            <a:ext cx="2971800" cy="457200"/>
+          </a:xfrm>
+          <a:prstGeom prst="rect">
+            <a:avLst/>
+          </a:prstGeom>
+        </p:spPr>
+        <p:txBody>
+          <a:bodyPr vert="horz" lIns="91440" tIns="45720" rIns="91440" bIns="45720" rtlCol="0"/>
+          <a:lstStyle>
+            <a:lvl1pPr algn="l">
+              <a:defRPr sz="1200"/>
+            </a:lvl1pPr>
+          </a:lstStyle>
+          <a:p>
+            <a:endParaRPr lang="pt-BR"/>
+          </a:p>
+        </p:txBody>
+      </p:sp>
+      <p:sp>
+        <p:nvSpPr>
+          <p:cNvPr id="3" name="Espaço Reservado para Data 2"/>
+          <p:cNvSpPr>
+            <a:spLocks noGrp="1"/>
+          </p:cNvSpPr>
+          <p:nvPr>
+            <p:ph type="dt" idx="1"/>
+          </p:nvPr>
+        </p:nvSpPr>
+        <p:spPr>
+          <a:xfrm>
+            <a:off x="3884613" y="0"/>
+            <a:ext cx="2971800" cy="457200"/>
+          </a:xfrm>
+          <a:prstGeom prst="rect">
+            <a:avLst/>
+          </a:prstGeom>
+        </p:spPr>
+        <p:txBody>
+          <a:bodyPr vert="horz" lIns="91440" tIns="45720" rIns="91440" bIns="45720" rtlCol="0"/>
+          <a:lstStyle>
+            <a:lvl1pPr algn="r">
+              <a:defRPr sz="1200"/>
+            </a:lvl1pPr>
+          </a:lstStyle>
+          <a:p>
+            <a:fld id="{3F5D9F91-5035-469D-968F-FE3C304D0282}" type="datetimeFigureOut">
+              <a:rPr lang="pt-BR" smtClean="0"/>
+              <a:t>21/09/2018</a:t>
+            </a:fld>
+            <a:endParaRPr lang="pt-BR"/>
+          </a:p>
+        </p:txBody>
+      </p:sp>
+      <p:sp>
+        <p:nvSpPr>
+          <p:cNvPr id="4" name="Espaço Reservado para Imagem de Slide 3"/>
+          <p:cNvSpPr>
+            <a:spLocks noGrp="1" noRot="1" noChangeAspect="1"/>
+          </p:cNvSpPr>
+          <p:nvPr>
+            <p:ph type="sldImg" idx="2"/>
+          </p:nvPr>
+        </p:nvSpPr>
+        <p:spPr>
+          <a:xfrm>
+            <a:off x="1143000" y="685800"/>
+            <a:ext cx="4572000" cy="3429000"/>
+          </a:xfrm>
+          <a:prstGeom prst="rect">
+            <a:avLst/>
+          </a:prstGeom>
+          <a:noFill/>
+          <a:ln w="12700">
+            <a:solidFill>
+              <a:prstClr val="black"/>
+            </a:solidFill>
+          </a:ln>
+        </p:spPr>
+        <p:txBody>
+          <a:bodyPr vert="horz" lIns="91440" tIns="45720" rIns="91440" bIns="45720" rtlCol="0" anchor="ctr"/>
+          <a:lstStyle/>
+          <a:p>
+            <a:endParaRPr lang="pt-BR"/>
+          </a:p>
+        </p:txBody>
+      </p:sp>
+      <p:sp>
+        <p:nvSpPr>
+          <p:cNvPr id="5" name="Espaço Reservado para Anotações 4"/>
+          <p:cNvSpPr>
+            <a:spLocks noGrp="1"/>
+          </p:cNvSpPr>
+          <p:nvPr>
+            <p:ph type="body" sz="quarter" idx="3"/>
+          </p:nvPr>
+        </p:nvSpPr>
+        <p:spPr>
+          <a:xfrm>
+            <a:off x="685800" y="4343400"/>
+            <a:ext cx="5486400" cy="4114800"/>
+          </a:xfrm>
+          <a:prstGeom prst="rect">
+            <a:avLst/>
+          </a:prstGeom>
+        </p:spPr>
+        <p:txBody>
+          <a:bodyPr vert="horz" lIns="91440" tIns="45720" rIns="91440" bIns="45720" rtlCol="0"/>
+          <a:lstStyle/>
+          <a:p>
+            <a:pPr lvl="0"/>
+            <a:r>
+              <a:rPr lang="pt-BR" smtClean="0"/>
+              <a:t>Clique para editar o texto mestre</a:t>
+            </a:r>
+          </a:p>
+          <a:p>
+            <a:pPr lvl="1"/>
+            <a:r>
+              <a:rPr lang="pt-BR" smtClean="0"/>
+              <a:t>Segundo nível</a:t>
+            </a:r>
+          </a:p>
+          <a:p>
+            <a:pPr lvl="2"/>
+            <a:r>
+              <a:rPr lang="pt-BR" smtClean="0"/>
+              <a:t>Terceiro nível</a:t>
+            </a:r>
+          </a:p>
+          <a:p>
+            <a:pPr lvl="3"/>
+            <a:r>
+              <a:rPr lang="pt-BR" smtClean="0"/>
+              <a:t>Quarto nível</a:t>
+            </a:r>
+          </a:p>
+          <a:p>
+            <a:pPr lvl="4"/>
+            <a:r>
+              <a:rPr lang="pt-BR" smtClean="0"/>
+              <a:t>Quinto nível</a:t>
+            </a:r>
+            <a:endParaRPr lang="pt-BR"/>
+          </a:p>
+        </p:txBody>
+      </p:sp>
+      <p:sp>
+        <p:nvSpPr>
+          <p:cNvPr id="6" name="Espaço Reservado para Rodapé 5"/>
+          <p:cNvSpPr>
+            <a:spLocks noGrp="1"/>
+          </p:cNvSpPr>
+          <p:nvPr>
+            <p:ph type="ftr" sz="quarter" idx="4"/>
+          </p:nvPr>
+        </p:nvSpPr>
+        <p:spPr>
+          <a:xfrm>
+            <a:off x="0" y="8685213"/>
+            <a:ext cx="2971800" cy="457200"/>
+          </a:xfrm>
+          <a:prstGeom prst="rect">
+            <a:avLst/>
+          </a:prstGeom>
+        </p:spPr>
+        <p:txBody>
+          <a:bodyPr vert="horz" lIns="91440" tIns="45720" rIns="91440" bIns="45720" rtlCol="0" anchor="b"/>
+          <a:lstStyle>
+            <a:lvl1pPr algn="l">
+              <a:defRPr sz="1200"/>
+            </a:lvl1pPr>
+          </a:lstStyle>
+          <a:p>
+            <a:endParaRPr lang="pt-BR"/>
+          </a:p>
+        </p:txBody>
+      </p:sp>
+      <p:sp>
+        <p:nvSpPr>
+          <p:cNvPr id="7" name="Espaço Reservado para Número de Slide 6"/>
+          <p:cNvSpPr>
+            <a:spLocks noGrp="1"/>
+          </p:cNvSpPr>
+          <p:nvPr>
+            <p:ph type="sldNum" sz="quarter" idx="5"/>
+          </p:nvPr>
+        </p:nvSpPr>
+        <p:spPr>
+          <a:xfrm>
+            <a:off x="3884613" y="8685213"/>
+            <a:ext cx="2971800" cy="457200"/>
+          </a:xfrm>
+          <a:prstGeom prst="rect">
+            <a:avLst/>
+          </a:prstGeom>
+        </p:spPr>
+        <p:txBody>
+          <a:bodyPr vert="horz" lIns="91440" tIns="45720" rIns="91440" bIns="45720" rtlCol="0" anchor="b"/>
+          <a:lstStyle>
+            <a:lvl1pPr algn="r">
+              <a:defRPr sz="1200"/>
+            </a:lvl1pPr>
+          </a:lstStyle>
+          <a:p>
+            <a:fld id="{712E17E6-F46B-44DA-99F1-1EB897427454}" type="slidenum">
+              <a:rPr lang="pt-BR" smtClean="0"/>
+              <a:t>‹nº›</a:t>
+            </a:fld>
+            <a:endParaRPr lang="pt-BR"/>
+          </a:p>
+        </p:txBody>
+      </p:sp>
+    </p:spTree>
+    <p:extLst>
+      <p:ext uri="{BB962C8B-B14F-4D97-AF65-F5344CB8AC3E}">
+        <p14:creationId xmlns:p14="http://schemas.microsoft.com/office/powerpoint/2010/main" val="834276987"/>
+      </p:ext>
+    </p:extLst>
+  </p:cSld>
+  <p:clrMap bg1="lt1" tx1="dk1" bg2="lt2" tx2="dk2" accent1="accent1" accent2="accent2" accent3="accent3" accent4="accent4" accent5="accent5" accent6="accent6" hlink="hlink" folHlink="folHlink"/>
+  <p:notesStyle>
+    <a:lvl1pPr marL="0" algn="l" defTabSz="914400" rtl="0" eaLnBrk="1" latinLnBrk="0" hangingPunct="1">
+      <a:defRPr sz="1200" kern="1200">
+        <a:solidFill>
+          <a:schemeClr val="tx1"/>
+        </a:solidFill>
+        <a:latin typeface="+mn-lt"/>
+        <a:ea typeface="+mn-ea"/>
+        <a:cs typeface="+mn-cs"/>
+      </a:defRPr>
+    </a:lvl1pPr>
+    <a:lvl2pPr marL="457200" algn="l" defTabSz="914400" rtl="0" eaLnBrk="1" latinLnBrk="0" hangingPunct="1">
+      <a:defRPr sz="1200" kern="1200">
+        <a:solidFill>
+          <a:schemeClr val="tx1"/>
+        </a:solidFill>
+        <a:latin typeface="+mn-lt"/>
+        <a:ea typeface="+mn-ea"/>
+        <a:cs typeface="+mn-cs"/>
+      </a:defRPr>
+    </a:lvl2pPr>
+    <a:lvl3pPr marL="914400" algn="l" defTabSz="914400" rtl="0" eaLnBrk="1" latinLnBrk="0" hangingPunct="1">
+      <a:defRPr sz="1200" kern="1200">
+        <a:solidFill>
+          <a:schemeClr val="tx1"/>
+        </a:solidFill>
+        <a:latin typeface="+mn-lt"/>
+        <a:ea typeface="+mn-ea"/>
+        <a:cs typeface="+mn-cs"/>
+      </a:defRPr>
+    </a:lvl3pPr>
+    <a:lvl4pPr marL="1371600" algn="l" defTabSz="914400" rtl="0" eaLnBrk="1" latinLnBrk="0" hangingPunct="1">
+      <a:defRPr sz="1200" kern="1200">
+        <a:solidFill>
+          <a:schemeClr val="tx1"/>
+        </a:solidFill>
+        <a:latin typeface="+mn-lt"/>
+        <a:ea typeface="+mn-ea"/>
+        <a:cs typeface="+mn-cs"/>
+      </a:defRPr>
+    </a:lvl4pPr>
+    <a:lvl5pPr marL="1828800" algn="l" defTabSz="914400" rtl="0" eaLnBrk="1" latinLnBrk="0" hangingPunct="1">
+      <a:defRPr sz="1200" kern="1200">
+        <a:solidFill>
+          <a:schemeClr val="tx1"/>
+        </a:solidFill>
+        <a:latin typeface="+mn-lt"/>
+        <a:ea typeface="+mn-ea"/>
+        <a:cs typeface="+mn-cs"/>
+      </a:defRPr>
+    </a:lvl5pPr>
+    <a:lvl6pPr marL="2286000" algn="l" defTabSz="914400" rtl="0" eaLnBrk="1" latinLnBrk="0" hangingPunct="1">
+      <a:defRPr sz="1200" kern="1200">
+        <a:solidFill>
+          <a:schemeClr val="tx1"/>
+        </a:solidFill>
+        <a:latin typeface="+mn-lt"/>
+        <a:ea typeface="+mn-ea"/>
+        <a:cs typeface="+mn-cs"/>
+      </a:defRPr>
+    </a:lvl6pPr>
+    <a:lvl7pPr marL="2743200" algn="l" defTabSz="914400" rtl="0" eaLnBrk="1" latinLnBrk="0" hangingPunct="1">
+      <a:defRPr sz="1200" kern="1200">
+        <a:solidFill>
+          <a:schemeClr val="tx1"/>
+        </a:solidFill>
+        <a:latin typeface="+mn-lt"/>
+        <a:ea typeface="+mn-ea"/>
+        <a:cs typeface="+mn-cs"/>
+      </a:defRPr>
+    </a:lvl7pPr>
+    <a:lvl8pPr marL="3200400" algn="l" defTabSz="914400" rtl="0" eaLnBrk="1" latinLnBrk="0" hangingPunct="1">
+      <a:defRPr sz="1200" kern="1200">
+        <a:solidFill>
+          <a:schemeClr val="tx1"/>
+        </a:solidFill>
+        <a:latin typeface="+mn-lt"/>
+        <a:ea typeface="+mn-ea"/>
+        <a:cs typeface="+mn-cs"/>
+      </a:defRPr>
+    </a:lvl8pPr>
+    <a:lvl9pPr marL="3657600" algn="l" defTabSz="914400" rtl="0" eaLnBrk="1" latinLnBrk="0" hangingPunct="1">
+      <a:defRPr sz="1200" kern="1200">
+        <a:solidFill>
+          <a:schemeClr val="tx1"/>
+        </a:solidFill>
+        <a:latin typeface="+mn-lt"/>
+        <a:ea typeface="+mn-ea"/>
+        <a:cs typeface="+mn-cs"/>
+      </a:defRPr>
+    </a:lvl9pPr>
+  </p:notesStyle>
+</p:notesMaster>
+</file>
+
+<file path=ppt/notesSlides/notesSlide1.xml><?xml version="1.0" encoding="utf-8"?>
+<p:notes xmlns:a="http://schemas.openxmlformats.org/drawingml/2006/main" xmlns:r="http://schemas.openxmlformats.org/officeDocument/2006/relationships" xmlns:p="http://schemas.openxmlformats.org/presentationml/2006/main">
+  <p:cSld>
+    <p:spTree>
+      <p:nvGrpSpPr>
+        <p:cNvPr id="1" name=""/>
+        <p:cNvGrpSpPr/>
+        <p:nvPr/>
+      </p:nvGrpSpPr>
+      <p:grpSpPr>
+        <a:xfrm>
+          <a:off x="0" y="0"/>
+          <a:ext cx="0" cy="0"/>
+          <a:chOff x="0" y="0"/>
+          <a:chExt cx="0" cy="0"/>
+        </a:xfrm>
+      </p:grpSpPr>
+      <p:sp>
+        <p:nvSpPr>
+          <p:cNvPr id="2" name="Espaço Reservado para Imagem de Slide 1"/>
+          <p:cNvSpPr>
+            <a:spLocks noGrp="1" noRot="1" noChangeAspect="1"/>
+          </p:cNvSpPr>
+          <p:nvPr>
+            <p:ph type="sldImg"/>
+          </p:nvPr>
+        </p:nvSpPr>
+        <p:spPr/>
+      </p:sp>
+      <p:sp>
+        <p:nvSpPr>
+          <p:cNvPr id="3" name="Espaço Reservado para Anotações 2"/>
+          <p:cNvSpPr>
+            <a:spLocks noGrp="1"/>
+          </p:cNvSpPr>
+          <p:nvPr>
+            <p:ph type="body" idx="1"/>
+          </p:nvPr>
+        </p:nvSpPr>
+        <p:spPr/>
+        <p:txBody>
+          <a:bodyPr/>
+          <a:lstStyle/>
+          <a:p>
+            <a:endParaRPr lang="pt-BR" dirty="0"/>
+          </a:p>
+        </p:txBody>
+      </p:sp>
+      <p:sp>
+        <p:nvSpPr>
+          <p:cNvPr id="4" name="Espaço Reservado para Número de Slide 3"/>
+          <p:cNvSpPr>
+            <a:spLocks noGrp="1"/>
+          </p:cNvSpPr>
+          <p:nvPr>
+            <p:ph type="sldNum" sz="quarter" idx="10"/>
+          </p:nvPr>
+        </p:nvSpPr>
+        <p:spPr/>
+        <p:txBody>
+          <a:bodyPr/>
+          <a:lstStyle/>
+          <a:p>
+            <a:fld id="{712E17E6-F46B-44DA-99F1-1EB897427454}" type="slidenum">
+              <a:rPr lang="pt-BR" smtClean="0"/>
+              <a:t>16</a:t>
+            </a:fld>
+            <a:endParaRPr lang="pt-BR"/>
+          </a:p>
+        </p:txBody>
+      </p:sp>
+    </p:spTree>
+    <p:extLst>
+      <p:ext uri="{BB962C8B-B14F-4D97-AF65-F5344CB8AC3E}">
+        <p14:creationId xmlns:p14="http://schemas.microsoft.com/office/powerpoint/2010/main" val="660445029"/>
+      </p:ext>
+    </p:extLst>
+  </p:cSld>
+  <p:clrMapOvr>
+    <a:masterClrMapping/>
+  </p:clrMapOvr>
+</p:notes>
+</file>
+
 <file path=ppt/slideLayouts/slideLayout1.xml><?xml version="1.0" encoding="utf-8"?>
 <p:sldLayout xmlns:a="http://schemas.openxmlformats.org/drawingml/2006/main" xmlns:r="http://schemas.openxmlformats.org/officeDocument/2006/relationships" xmlns:p="http://schemas.openxmlformats.org/presentationml/2006/main" type="title" preserve="1">
   <p:cSld name="Slide de título">
@@ -40525,7 +40962,7 @@
           <a:p>
             <a:fld id="{6170734A-4B5A-4F3B-B573-1E93A2DEC51B}" type="datetimeFigureOut">
               <a:rPr lang="pt-BR" smtClean="0"/>
-              <a:t>17/09/2018</a:t>
+              <a:t>21/09/2018</a:t>
             </a:fld>
             <a:endParaRPr lang="pt-BR"/>
           </a:p>
@@ -40690,7 +41127,7 @@
           <a:p>
             <a:fld id="{6170734A-4B5A-4F3B-B573-1E93A2DEC51B}" type="datetimeFigureOut">
               <a:rPr lang="pt-BR" smtClean="0"/>
-              <a:t>17/09/2018</a:t>
+              <a:t>21/09/2018</a:t>
             </a:fld>
             <a:endParaRPr lang="pt-BR"/>
           </a:p>
@@ -40865,7 +41302,7 @@
           <a:p>
             <a:fld id="{6170734A-4B5A-4F3B-B573-1E93A2DEC51B}" type="datetimeFigureOut">
               <a:rPr lang="pt-BR" smtClean="0"/>
-              <a:t>17/09/2018</a:t>
+              <a:t>21/09/2018</a:t>
             </a:fld>
             <a:endParaRPr lang="pt-BR"/>
           </a:p>
@@ -41048,7 +41485,7 @@
           <a:p>
             <a:fld id="{6170734A-4B5A-4F3B-B573-1E93A2DEC51B}" type="datetimeFigureOut">
               <a:rPr lang="pt-BR" smtClean="0"/>
-              <a:t>17/09/2018</a:t>
+              <a:t>21/09/2018</a:t>
             </a:fld>
             <a:endParaRPr lang="pt-BR"/>
           </a:p>
@@ -41310,7 +41747,7 @@
           <a:p>
             <a:fld id="{6170734A-4B5A-4F3B-B573-1E93A2DEC51B}" type="datetimeFigureOut">
               <a:rPr lang="pt-BR" smtClean="0"/>
-              <a:t>17/09/2018</a:t>
+              <a:t>21/09/2018</a:t>
             </a:fld>
             <a:endParaRPr lang="pt-BR"/>
           </a:p>
@@ -41658,7 +42095,7 @@
           <a:p>
             <a:fld id="{6170734A-4B5A-4F3B-B573-1E93A2DEC51B}" type="datetimeFigureOut">
               <a:rPr lang="pt-BR" smtClean="0"/>
-              <a:t>17/09/2018</a:t>
+              <a:t>21/09/2018</a:t>
             </a:fld>
             <a:endParaRPr lang="pt-BR"/>
           </a:p>
@@ -41966,7 +42403,7 @@
           <a:p>
             <a:fld id="{6170734A-4B5A-4F3B-B573-1E93A2DEC51B}" type="datetimeFigureOut">
               <a:rPr lang="pt-BR" smtClean="0"/>
-              <a:t>17/09/2018</a:t>
+              <a:t>21/09/2018</a:t>
             </a:fld>
             <a:endParaRPr lang="pt-BR"/>
           </a:p>
@@ -42193,7 +42630,7 @@
           <a:p>
             <a:fld id="{6170734A-4B5A-4F3B-B573-1E93A2DEC51B}" type="datetimeFigureOut">
               <a:rPr lang="pt-BR" smtClean="0"/>
-              <a:t>17/09/2018</a:t>
+              <a:t>21/09/2018</a:t>
             </a:fld>
             <a:endParaRPr lang="pt-BR"/>
           </a:p>
@@ -42283,7 +42720,7 @@
           <a:p>
             <a:fld id="{6170734A-4B5A-4F3B-B573-1E93A2DEC51B}" type="datetimeFigureOut">
               <a:rPr lang="pt-BR" smtClean="0"/>
-              <a:t>17/09/2018</a:t>
+              <a:t>21/09/2018</a:t>
             </a:fld>
             <a:endParaRPr lang="pt-BR"/>
           </a:p>
@@ -42571,7 +43008,7 @@
           <a:p>
             <a:fld id="{6170734A-4B5A-4F3B-B573-1E93A2DEC51B}" type="datetimeFigureOut">
               <a:rPr lang="pt-BR" smtClean="0"/>
-              <a:t>17/09/2018</a:t>
+              <a:t>21/09/2018</a:t>
             </a:fld>
             <a:endParaRPr lang="pt-BR"/>
           </a:p>
@@ -42840,7 +43277,7 @@
           <a:p>
             <a:fld id="{6170734A-4B5A-4F3B-B573-1E93A2DEC51B}" type="datetimeFigureOut">
               <a:rPr lang="pt-BR" smtClean="0"/>
-              <a:t>17/09/2018</a:t>
+              <a:t>21/09/2018</a:t>
             </a:fld>
             <a:endParaRPr lang="pt-BR"/>
           </a:p>
@@ -43050,7 +43487,7 @@
           <a:p>
             <a:fld id="{6170734A-4B5A-4F3B-B573-1E93A2DEC51B}" type="datetimeFigureOut">
               <a:rPr lang="pt-BR" smtClean="0"/>
-              <a:t>17/09/2018</a:t>
+              <a:t>21/09/2018</a:t>
             </a:fld>
             <a:endParaRPr lang="pt-BR"/>
           </a:p>
@@ -44566,8 +45003,8 @@
         </p:blipFill>
         <p:spPr bwMode="auto">
           <a:xfrm>
-            <a:off x="0" y="908720"/>
-            <a:ext cx="9144000" cy="5949280"/>
+            <a:off x="107504" y="908720"/>
+            <a:ext cx="8928992" cy="5760640"/>
           </a:xfrm>
           <a:prstGeom prst="rect">
             <a:avLst/>
@@ -44807,7 +45244,12 @@
             <p:ph type="title"/>
           </p:nvPr>
         </p:nvSpPr>
-        <p:spPr/>
+        <p:spPr>
+          <a:xfrm>
+            <a:off x="437024" y="171231"/>
+            <a:ext cx="8229600" cy="764704"/>
+          </a:xfrm>
+        </p:spPr>
         <p:txBody>
           <a:bodyPr/>
           <a:lstStyle/>
@@ -44821,25 +45263,6 @@
               <a:t>baklog</a:t>
             </a:r>
             <a:endParaRPr lang="pt-BR" dirty="0"/>
-          </a:p>
-        </p:txBody>
-      </p:sp>
-      <p:sp>
-        <p:nvSpPr>
-          <p:cNvPr id="3" name="Espaço Reservado para Conteúdo 2"/>
-          <p:cNvSpPr>
-            <a:spLocks noGrp="1"/>
-          </p:cNvSpPr>
-          <p:nvPr>
-            <p:ph idx="1"/>
-          </p:nvPr>
-        </p:nvSpPr>
-        <p:spPr/>
-        <p:txBody>
-          <a:bodyPr/>
-          <a:lstStyle/>
-          <a:p>
-            <a:endParaRPr lang="pt-BR"/>
           </a:p>
         </p:txBody>
       </p:sp>
@@ -44887,6 +45310,1026 @@
           </a:extLst>
         </p:spPr>
       </p:pic>
+      <p:graphicFrame>
+        <p:nvGraphicFramePr>
+          <p:cNvPr id="9" name="Espaço Reservado para Conteúdo 8"/>
+          <p:cNvGraphicFramePr>
+            <a:graphicFrameLocks noGrp="1"/>
+          </p:cNvGraphicFramePr>
+          <p:nvPr>
+            <p:ph idx="1"/>
+            <p:extLst>
+              <p:ext uri="{D42A27DB-BD31-4B8C-83A1-F6EECF244321}">
+                <p14:modId xmlns:p14="http://schemas.microsoft.com/office/powerpoint/2010/main" val="729266373"/>
+              </p:ext>
+            </p:extLst>
+          </p:nvPr>
+        </p:nvGraphicFramePr>
+        <p:xfrm>
+          <a:off x="107505" y="980730"/>
+          <a:ext cx="8935143" cy="5501210"/>
+        </p:xfrm>
+        <a:graphic>
+          <a:graphicData uri="http://schemas.openxmlformats.org/drawingml/2006/table">
+            <a:tbl>
+              <a:tblPr firstRow="1" bandRow="1">
+                <a:tableStyleId>{5C22544A-7EE6-4342-B048-85BDC9FD1C3A}</a:tableStyleId>
+              </a:tblPr>
+              <a:tblGrid>
+                <a:gridCol w="558501"/>
+                <a:gridCol w="5238155"/>
+                <a:gridCol w="703633"/>
+                <a:gridCol w="1563628"/>
+                <a:gridCol w="871226"/>
+              </a:tblGrid>
+              <a:tr h="550121">
+                <a:tc>
+                  <a:txBody>
+                    <a:bodyPr/>
+                    <a:lstStyle/>
+                    <a:p>
+                      <a:pPr algn="ctr" fontAlgn="ctr"/>
+                      <a:r>
+                        <a:rPr lang="pt-BR" sz="1000" b="1" i="0" u="none" strike="noStrike" dirty="0" err="1">
+                          <a:solidFill>
+                            <a:srgbClr val="000000"/>
+                          </a:solidFill>
+                          <a:effectLst/>
+                          <a:latin typeface="Calibri"/>
+                        </a:rPr>
+                        <a:t>Nro</a:t>
+                      </a:r>
+                      <a:endParaRPr lang="pt-BR" sz="1000" b="1" i="0" u="none" strike="noStrike" dirty="0">
+                        <a:solidFill>
+                          <a:srgbClr val="000000"/>
+                        </a:solidFill>
+                        <a:effectLst/>
+                        <a:latin typeface="Calibri"/>
+                      </a:endParaRPr>
+                    </a:p>
+                  </a:txBody>
+                  <a:tcPr marL="0" marR="0" marT="0" marB="0" anchor="ctr"/>
+                </a:tc>
+                <a:tc>
+                  <a:txBody>
+                    <a:bodyPr/>
+                    <a:lstStyle/>
+                    <a:p>
+                      <a:pPr algn="l" fontAlgn="ctr"/>
+                      <a:r>
+                        <a:rPr lang="pt-BR" sz="1000" b="1" i="0" u="none" strike="noStrike">
+                          <a:solidFill>
+                            <a:srgbClr val="000000"/>
+                          </a:solidFill>
+                          <a:effectLst/>
+                          <a:latin typeface="Calibri"/>
+                        </a:rPr>
+                        <a:t>Descrição</a:t>
+                      </a:r>
+                    </a:p>
+                  </a:txBody>
+                  <a:tcPr marL="0" marR="0" marT="0" marB="0" anchor="ctr"/>
+                </a:tc>
+                <a:tc>
+                  <a:txBody>
+                    <a:bodyPr/>
+                    <a:lstStyle/>
+                    <a:p>
+                      <a:pPr algn="l" fontAlgn="ctr"/>
+                      <a:r>
+                        <a:rPr lang="pt-BR" sz="1000" b="1" i="0" u="none" strike="noStrike" dirty="0">
+                          <a:solidFill>
+                            <a:srgbClr val="000000"/>
+                          </a:solidFill>
+                          <a:effectLst/>
+                          <a:latin typeface="Calibri"/>
+                        </a:rPr>
+                        <a:t>Status</a:t>
+                      </a:r>
+                    </a:p>
+                  </a:txBody>
+                  <a:tcPr marL="0" marR="0" marT="0" marB="0" anchor="ctr"/>
+                </a:tc>
+                <a:tc>
+                  <a:txBody>
+                    <a:bodyPr/>
+                    <a:lstStyle/>
+                    <a:p>
+                      <a:pPr algn="ctr" fontAlgn="ctr"/>
+                      <a:r>
+                        <a:rPr lang="pt-BR" sz="1000" b="1" i="0" u="none" strike="noStrike">
+                          <a:solidFill>
+                            <a:srgbClr val="000000"/>
+                          </a:solidFill>
+                          <a:effectLst/>
+                          <a:latin typeface="Calibri"/>
+                        </a:rPr>
+                        <a:t>Size</a:t>
+                      </a:r>
+                    </a:p>
+                  </a:txBody>
+                  <a:tcPr marL="0" marR="0" marT="0" marB="0" anchor="ctr"/>
+                </a:tc>
+                <a:tc>
+                  <a:txBody>
+                    <a:bodyPr/>
+                    <a:lstStyle/>
+                    <a:p>
+                      <a:pPr algn="ctr" fontAlgn="ctr"/>
+                      <a:r>
+                        <a:rPr lang="pt-BR" sz="1000" b="1" i="0" u="none" strike="noStrike">
+                          <a:solidFill>
+                            <a:srgbClr val="000000"/>
+                          </a:solidFill>
+                          <a:effectLst/>
+                          <a:latin typeface="Calibri"/>
+                        </a:rPr>
+                        <a:t>Prioridade</a:t>
+                      </a:r>
+                    </a:p>
+                  </a:txBody>
+                  <a:tcPr marL="0" marR="0" marT="0" marB="0" anchor="ctr"/>
+                </a:tc>
+              </a:tr>
+              <a:tr h="550121">
+                <a:tc>
+                  <a:txBody>
+                    <a:bodyPr/>
+                    <a:lstStyle/>
+                    <a:p>
+                      <a:pPr algn="ctr" fontAlgn="ctr"/>
+                      <a:r>
+                        <a:rPr lang="pt-BR" sz="1000" b="0" i="0" u="none" strike="noStrike">
+                          <a:solidFill>
+                            <a:srgbClr val="000000"/>
+                          </a:solidFill>
+                          <a:effectLst/>
+                          <a:latin typeface="Calibri"/>
+                        </a:rPr>
+                        <a:t>U01</a:t>
+                      </a:r>
+                    </a:p>
+                  </a:txBody>
+                  <a:tcPr marL="0" marR="0" marT="0" marB="0" anchor="ctr"/>
+                </a:tc>
+                <a:tc>
+                  <a:txBody>
+                    <a:bodyPr/>
+                    <a:lstStyle/>
+                    <a:p>
+                      <a:pPr algn="l" fontAlgn="ctr"/>
+                      <a:r>
+                        <a:rPr lang="pt-BR" sz="1000" b="0" i="0" u="none" strike="noStrike">
+                          <a:solidFill>
+                            <a:srgbClr val="000000"/>
+                          </a:solidFill>
+                          <a:effectLst/>
+                          <a:latin typeface="Calibri"/>
+                        </a:rPr>
+                        <a:t>Eu, enquanto usuário operador, Quero permanecer logado quero consultar minha lista de lembretes</a:t>
+                      </a:r>
+                    </a:p>
+                  </a:txBody>
+                  <a:tcPr marL="0" marR="0" marT="0" marB="0" anchor="ctr"/>
+                </a:tc>
+                <a:tc>
+                  <a:txBody>
+                    <a:bodyPr/>
+                    <a:lstStyle/>
+                    <a:p>
+                      <a:pPr algn="l" fontAlgn="ctr"/>
+                      <a:r>
+                        <a:rPr lang="pt-BR" sz="1000" b="0" i="0" u="none" strike="noStrike">
+                          <a:solidFill>
+                            <a:srgbClr val="000000"/>
+                          </a:solidFill>
+                          <a:effectLst/>
+                          <a:latin typeface="Calibri"/>
+                        </a:rPr>
+                        <a:t>Planned</a:t>
+                      </a:r>
+                    </a:p>
+                  </a:txBody>
+                  <a:tcPr marL="0" marR="0" marT="0" marB="0" anchor="ctr"/>
+                </a:tc>
+                <a:tc>
+                  <a:txBody>
+                    <a:bodyPr/>
+                    <a:lstStyle/>
+                    <a:p>
+                      <a:pPr algn="ctr" fontAlgn="ctr"/>
+                      <a:r>
+                        <a:rPr lang="pt-BR" sz="1000" b="0" i="0" u="none" strike="noStrike">
+                          <a:solidFill>
+                            <a:srgbClr val="000000"/>
+                          </a:solidFill>
+                          <a:effectLst/>
+                          <a:latin typeface="Calibri"/>
+                        </a:rPr>
+                        <a:t>6</a:t>
+                      </a:r>
+                    </a:p>
+                  </a:txBody>
+                  <a:tcPr marL="0" marR="0" marT="0" marB="0" anchor="ctr"/>
+                </a:tc>
+                <a:tc>
+                  <a:txBody>
+                    <a:bodyPr/>
+                    <a:lstStyle/>
+                    <a:p>
+                      <a:pPr algn="ctr" fontAlgn="ctr"/>
+                      <a:r>
+                        <a:rPr lang="pt-BR" sz="1000" b="0" i="0" u="none" strike="noStrike">
+                          <a:solidFill>
+                            <a:srgbClr val="000000"/>
+                          </a:solidFill>
+                          <a:effectLst/>
+                          <a:latin typeface="Calibri"/>
+                        </a:rPr>
+                        <a:t>1</a:t>
+                      </a:r>
+                    </a:p>
+                  </a:txBody>
+                  <a:tcPr marL="0" marR="0" marT="0" marB="0" anchor="ctr"/>
+                </a:tc>
+              </a:tr>
+              <a:tr h="550121">
+                <a:tc>
+                  <a:txBody>
+                    <a:bodyPr/>
+                    <a:lstStyle/>
+                    <a:p>
+                      <a:pPr algn="ctr" fontAlgn="ctr"/>
+                      <a:r>
+                        <a:rPr lang="pt-BR" sz="1000" b="0" i="0" u="none" strike="noStrike">
+                          <a:solidFill>
+                            <a:srgbClr val="000000"/>
+                          </a:solidFill>
+                          <a:effectLst/>
+                          <a:latin typeface="Calibri"/>
+                        </a:rPr>
+                        <a:t>U02</a:t>
+                      </a:r>
+                    </a:p>
+                  </a:txBody>
+                  <a:tcPr marL="0" marR="0" marT="0" marB="0" anchor="ctr"/>
+                </a:tc>
+                <a:tc>
+                  <a:txBody>
+                    <a:bodyPr/>
+                    <a:lstStyle/>
+                    <a:p>
+                      <a:pPr algn="l" fontAlgn="ctr"/>
+                      <a:r>
+                        <a:rPr lang="pt-BR" sz="1000" b="0" i="0" u="none" strike="noStrike">
+                          <a:solidFill>
+                            <a:srgbClr val="000000"/>
+                          </a:solidFill>
+                          <a:effectLst/>
+                          <a:latin typeface="Calibri"/>
+                        </a:rPr>
+                        <a:t>Eu, enquanto usuário operador, Quero poder consultar minhas notificações dos meus dispositivos pessoais.</a:t>
+                      </a:r>
+                    </a:p>
+                  </a:txBody>
+                  <a:tcPr marL="0" marR="0" marT="0" marB="0" anchor="ctr"/>
+                </a:tc>
+                <a:tc>
+                  <a:txBody>
+                    <a:bodyPr/>
+                    <a:lstStyle/>
+                    <a:p>
+                      <a:pPr algn="l" fontAlgn="ctr"/>
+                      <a:r>
+                        <a:rPr lang="pt-BR" sz="1000" b="0" i="0" u="none" strike="noStrike">
+                          <a:solidFill>
+                            <a:srgbClr val="000000"/>
+                          </a:solidFill>
+                          <a:effectLst/>
+                          <a:latin typeface="Calibri"/>
+                        </a:rPr>
+                        <a:t>Planned</a:t>
+                      </a:r>
+                    </a:p>
+                  </a:txBody>
+                  <a:tcPr marL="0" marR="0" marT="0" marB="0" anchor="ctr"/>
+                </a:tc>
+                <a:tc>
+                  <a:txBody>
+                    <a:bodyPr/>
+                    <a:lstStyle/>
+                    <a:p>
+                      <a:pPr algn="ctr" fontAlgn="ctr"/>
+                      <a:r>
+                        <a:rPr lang="pt-BR" sz="1000" b="0" i="0" u="none" strike="noStrike">
+                          <a:solidFill>
+                            <a:srgbClr val="000000"/>
+                          </a:solidFill>
+                          <a:effectLst/>
+                          <a:latin typeface="Calibri"/>
+                        </a:rPr>
+                        <a:t>6</a:t>
+                      </a:r>
+                    </a:p>
+                  </a:txBody>
+                  <a:tcPr marL="0" marR="0" marT="0" marB="0" anchor="ctr"/>
+                </a:tc>
+                <a:tc>
+                  <a:txBody>
+                    <a:bodyPr/>
+                    <a:lstStyle/>
+                    <a:p>
+                      <a:pPr algn="ctr" fontAlgn="ctr"/>
+                      <a:r>
+                        <a:rPr lang="pt-BR" sz="1000" b="0" i="0" u="none" strike="noStrike">
+                          <a:solidFill>
+                            <a:srgbClr val="000000"/>
+                          </a:solidFill>
+                          <a:effectLst/>
+                          <a:latin typeface="Calibri"/>
+                        </a:rPr>
+                        <a:t>2</a:t>
+                      </a:r>
+                    </a:p>
+                  </a:txBody>
+                  <a:tcPr marL="0" marR="0" marT="0" marB="0" anchor="ctr"/>
+                </a:tc>
+              </a:tr>
+              <a:tr h="550121">
+                <a:tc>
+                  <a:txBody>
+                    <a:bodyPr/>
+                    <a:lstStyle/>
+                    <a:p>
+                      <a:pPr algn="ctr" fontAlgn="ctr"/>
+                      <a:r>
+                        <a:rPr lang="pt-BR" sz="1000" b="0" i="0" u="none" strike="noStrike">
+                          <a:solidFill>
+                            <a:srgbClr val="000000"/>
+                          </a:solidFill>
+                          <a:effectLst/>
+                          <a:latin typeface="Calibri"/>
+                        </a:rPr>
+                        <a:t>U03</a:t>
+                      </a:r>
+                    </a:p>
+                  </a:txBody>
+                  <a:tcPr marL="0" marR="0" marT="0" marB="0" anchor="ctr"/>
+                </a:tc>
+                <a:tc>
+                  <a:txBody>
+                    <a:bodyPr/>
+                    <a:lstStyle/>
+                    <a:p>
+                      <a:pPr algn="l" fontAlgn="ctr"/>
+                      <a:r>
+                        <a:rPr lang="pt-BR" sz="1000" b="0" i="0" u="none" strike="noStrike">
+                          <a:solidFill>
+                            <a:srgbClr val="000000"/>
+                          </a:solidFill>
+                          <a:effectLst/>
+                          <a:latin typeface="Calibri"/>
+                        </a:rPr>
+                        <a:t>Eu, enquanto usuário operador, Quero ser notificado dos lembretes ativos.</a:t>
+                      </a:r>
+                    </a:p>
+                  </a:txBody>
+                  <a:tcPr marL="0" marR="0" marT="0" marB="0" anchor="ctr"/>
+                </a:tc>
+                <a:tc>
+                  <a:txBody>
+                    <a:bodyPr/>
+                    <a:lstStyle/>
+                    <a:p>
+                      <a:pPr algn="l" fontAlgn="ctr"/>
+                      <a:r>
+                        <a:rPr lang="pt-BR" sz="1000" b="0" i="0" u="none" strike="noStrike">
+                          <a:solidFill>
+                            <a:srgbClr val="000000"/>
+                          </a:solidFill>
+                          <a:effectLst/>
+                          <a:latin typeface="Calibri"/>
+                        </a:rPr>
+                        <a:t>Planned</a:t>
+                      </a:r>
+                    </a:p>
+                  </a:txBody>
+                  <a:tcPr marL="0" marR="0" marT="0" marB="0" anchor="ctr"/>
+                </a:tc>
+                <a:tc>
+                  <a:txBody>
+                    <a:bodyPr/>
+                    <a:lstStyle/>
+                    <a:p>
+                      <a:pPr algn="ctr" fontAlgn="ctr"/>
+                      <a:r>
+                        <a:rPr lang="pt-BR" sz="1000" b="0" i="0" u="none" strike="noStrike">
+                          <a:solidFill>
+                            <a:srgbClr val="000000"/>
+                          </a:solidFill>
+                          <a:effectLst/>
+                          <a:latin typeface="Calibri"/>
+                        </a:rPr>
+                        <a:t>4</a:t>
+                      </a:r>
+                    </a:p>
+                  </a:txBody>
+                  <a:tcPr marL="0" marR="0" marT="0" marB="0" anchor="ctr"/>
+                </a:tc>
+                <a:tc>
+                  <a:txBody>
+                    <a:bodyPr/>
+                    <a:lstStyle/>
+                    <a:p>
+                      <a:pPr algn="ctr" fontAlgn="ctr"/>
+                      <a:r>
+                        <a:rPr lang="pt-BR" sz="1000" b="0" i="0" u="none" strike="noStrike">
+                          <a:solidFill>
+                            <a:srgbClr val="000000"/>
+                          </a:solidFill>
+                          <a:effectLst/>
+                          <a:latin typeface="Calibri"/>
+                        </a:rPr>
+                        <a:t>3</a:t>
+                      </a:r>
+                    </a:p>
+                  </a:txBody>
+                  <a:tcPr marL="0" marR="0" marT="0" marB="0" anchor="ctr"/>
+                </a:tc>
+              </a:tr>
+              <a:tr h="550121">
+                <a:tc>
+                  <a:txBody>
+                    <a:bodyPr/>
+                    <a:lstStyle/>
+                    <a:p>
+                      <a:pPr algn="ctr" fontAlgn="ctr"/>
+                      <a:r>
+                        <a:rPr lang="pt-BR" sz="1000" b="0" i="0" u="none" strike="noStrike">
+                          <a:solidFill>
+                            <a:srgbClr val="000000"/>
+                          </a:solidFill>
+                          <a:effectLst/>
+                          <a:latin typeface="Calibri"/>
+                        </a:rPr>
+                        <a:t>U04</a:t>
+                      </a:r>
+                    </a:p>
+                  </a:txBody>
+                  <a:tcPr marL="0" marR="0" marT="0" marB="0" anchor="ctr"/>
+                </a:tc>
+                <a:tc>
+                  <a:txBody>
+                    <a:bodyPr/>
+                    <a:lstStyle/>
+                    <a:p>
+                      <a:pPr algn="l" fontAlgn="ctr"/>
+                      <a:r>
+                        <a:rPr lang="pt-BR" sz="1000" b="0" i="0" u="none" strike="noStrike">
+                          <a:solidFill>
+                            <a:srgbClr val="000000"/>
+                          </a:solidFill>
+                          <a:effectLst/>
+                          <a:latin typeface="Calibri"/>
+                        </a:rPr>
+                        <a:t>Eu, enquanto usuário operador, Quero poder realizar uma ação quando quando receber uma notificação.</a:t>
+                      </a:r>
+                    </a:p>
+                  </a:txBody>
+                  <a:tcPr marL="0" marR="0" marT="0" marB="0" anchor="ctr"/>
+                </a:tc>
+                <a:tc>
+                  <a:txBody>
+                    <a:bodyPr/>
+                    <a:lstStyle/>
+                    <a:p>
+                      <a:pPr algn="l" fontAlgn="ctr"/>
+                      <a:r>
+                        <a:rPr lang="pt-BR" sz="1000" b="0" i="0" u="none" strike="noStrike" dirty="0" err="1">
+                          <a:solidFill>
+                            <a:srgbClr val="000000"/>
+                          </a:solidFill>
+                          <a:effectLst/>
+                          <a:latin typeface="Calibri"/>
+                        </a:rPr>
+                        <a:t>Planned</a:t>
+                      </a:r>
+                      <a:endParaRPr lang="pt-BR" sz="1000" b="0" i="0" u="none" strike="noStrike" dirty="0">
+                        <a:solidFill>
+                          <a:srgbClr val="000000"/>
+                        </a:solidFill>
+                        <a:effectLst/>
+                        <a:latin typeface="Calibri"/>
+                      </a:endParaRPr>
+                    </a:p>
+                  </a:txBody>
+                  <a:tcPr marL="0" marR="0" marT="0" marB="0" anchor="ctr"/>
+                </a:tc>
+                <a:tc>
+                  <a:txBody>
+                    <a:bodyPr/>
+                    <a:lstStyle/>
+                    <a:p>
+                      <a:pPr algn="ctr" fontAlgn="ctr"/>
+                      <a:r>
+                        <a:rPr lang="pt-BR" sz="1000" b="0" i="0" u="none" strike="noStrike">
+                          <a:solidFill>
+                            <a:srgbClr val="000000"/>
+                          </a:solidFill>
+                          <a:effectLst/>
+                          <a:latin typeface="Calibri"/>
+                        </a:rPr>
+                        <a:t>2</a:t>
+                      </a:r>
+                    </a:p>
+                  </a:txBody>
+                  <a:tcPr marL="0" marR="0" marT="0" marB="0" anchor="ctr"/>
+                </a:tc>
+                <a:tc>
+                  <a:txBody>
+                    <a:bodyPr/>
+                    <a:lstStyle/>
+                    <a:p>
+                      <a:pPr algn="ctr" fontAlgn="ctr"/>
+                      <a:r>
+                        <a:rPr lang="pt-BR" sz="1000" b="0" i="0" u="none" strike="noStrike">
+                          <a:solidFill>
+                            <a:srgbClr val="000000"/>
+                          </a:solidFill>
+                          <a:effectLst/>
+                          <a:latin typeface="Calibri"/>
+                        </a:rPr>
+                        <a:t>4</a:t>
+                      </a:r>
+                    </a:p>
+                  </a:txBody>
+                  <a:tcPr marL="0" marR="0" marT="0" marB="0" anchor="ctr"/>
+                </a:tc>
+              </a:tr>
+              <a:tr h="550121">
+                <a:tc>
+                  <a:txBody>
+                    <a:bodyPr/>
+                    <a:lstStyle/>
+                    <a:p>
+                      <a:pPr algn="ctr" fontAlgn="ctr"/>
+                      <a:r>
+                        <a:rPr lang="pt-BR" sz="1000" b="0" i="0" u="none" strike="noStrike">
+                          <a:solidFill>
+                            <a:srgbClr val="000000"/>
+                          </a:solidFill>
+                          <a:effectLst/>
+                          <a:latin typeface="Calibri"/>
+                        </a:rPr>
+                        <a:t>U05</a:t>
+                      </a:r>
+                    </a:p>
+                  </a:txBody>
+                  <a:tcPr marL="0" marR="0" marT="0" marB="0" anchor="ctr"/>
+                </a:tc>
+                <a:tc>
+                  <a:txBody>
+                    <a:bodyPr/>
+                    <a:lstStyle/>
+                    <a:p>
+                      <a:pPr algn="l" fontAlgn="ctr"/>
+                      <a:r>
+                        <a:rPr lang="pt-BR" sz="1000" b="0" i="0" u="none" strike="noStrike">
+                          <a:solidFill>
+                            <a:srgbClr val="000000"/>
+                          </a:solidFill>
+                          <a:effectLst/>
+                          <a:latin typeface="Calibri"/>
+                        </a:rPr>
+                        <a:t>Eu, enquanto usuário professor. Quando notificado ser quiser, quero poder inserir o contúdo das minhas aulas</a:t>
+                      </a:r>
+                    </a:p>
+                  </a:txBody>
+                  <a:tcPr marL="0" marR="0" marT="0" marB="0" anchor="ctr"/>
+                </a:tc>
+                <a:tc>
+                  <a:txBody>
+                    <a:bodyPr/>
+                    <a:lstStyle/>
+                    <a:p>
+                      <a:pPr algn="l" fontAlgn="ctr"/>
+                      <a:r>
+                        <a:rPr lang="pt-BR" sz="1000" b="0" i="0" u="none" strike="noStrike">
+                          <a:solidFill>
+                            <a:srgbClr val="000000"/>
+                          </a:solidFill>
+                          <a:effectLst/>
+                          <a:latin typeface="Calibri"/>
+                        </a:rPr>
+                        <a:t>Planned</a:t>
+                      </a:r>
+                    </a:p>
+                  </a:txBody>
+                  <a:tcPr marL="0" marR="0" marT="0" marB="0" anchor="ctr"/>
+                </a:tc>
+                <a:tc>
+                  <a:txBody>
+                    <a:bodyPr/>
+                    <a:lstStyle/>
+                    <a:p>
+                      <a:pPr algn="ctr" fontAlgn="ctr"/>
+                      <a:r>
+                        <a:rPr lang="pt-BR" sz="1000" b="0" i="0" u="none" strike="noStrike">
+                          <a:solidFill>
+                            <a:srgbClr val="000000"/>
+                          </a:solidFill>
+                          <a:effectLst/>
+                          <a:latin typeface="Calibri"/>
+                        </a:rPr>
+                        <a:t>2</a:t>
+                      </a:r>
+                    </a:p>
+                  </a:txBody>
+                  <a:tcPr marL="0" marR="0" marT="0" marB="0" anchor="ctr"/>
+                </a:tc>
+                <a:tc>
+                  <a:txBody>
+                    <a:bodyPr/>
+                    <a:lstStyle/>
+                    <a:p>
+                      <a:pPr algn="ctr" fontAlgn="ctr"/>
+                      <a:r>
+                        <a:rPr lang="pt-BR" sz="1000" b="0" i="0" u="none" strike="noStrike">
+                          <a:solidFill>
+                            <a:srgbClr val="000000"/>
+                          </a:solidFill>
+                          <a:effectLst/>
+                          <a:latin typeface="Calibri"/>
+                        </a:rPr>
+                        <a:t>5</a:t>
+                      </a:r>
+                    </a:p>
+                  </a:txBody>
+                  <a:tcPr marL="0" marR="0" marT="0" marB="0" anchor="ctr"/>
+                </a:tc>
+              </a:tr>
+              <a:tr h="550121">
+                <a:tc>
+                  <a:txBody>
+                    <a:bodyPr/>
+                    <a:lstStyle/>
+                    <a:p>
+                      <a:pPr algn="ctr" fontAlgn="ctr"/>
+                      <a:r>
+                        <a:rPr lang="pt-BR" sz="1000" b="0" i="0" u="none" strike="noStrike">
+                          <a:solidFill>
+                            <a:srgbClr val="000000"/>
+                          </a:solidFill>
+                          <a:effectLst/>
+                          <a:latin typeface="Calibri"/>
+                        </a:rPr>
+                        <a:t>U06</a:t>
+                      </a:r>
+                    </a:p>
+                  </a:txBody>
+                  <a:tcPr marL="0" marR="0" marT="0" marB="0" anchor="ctr"/>
+                </a:tc>
+                <a:tc>
+                  <a:txBody>
+                    <a:bodyPr/>
+                    <a:lstStyle/>
+                    <a:p>
+                      <a:pPr algn="l" fontAlgn="ctr"/>
+                      <a:r>
+                        <a:rPr lang="pt-BR" sz="1000" b="0" i="0" u="none" strike="noStrike">
+                          <a:solidFill>
+                            <a:srgbClr val="000000"/>
+                          </a:solidFill>
+                          <a:effectLst/>
+                          <a:latin typeface="Calibri"/>
+                        </a:rPr>
+                        <a:t>Eu, enquanto usuário professor. Quando notificado ser quiser, quero poder realiza a chamada da minha turma</a:t>
+                      </a:r>
+                    </a:p>
+                  </a:txBody>
+                  <a:tcPr marL="0" marR="0" marT="0" marB="0" anchor="ctr"/>
+                </a:tc>
+                <a:tc>
+                  <a:txBody>
+                    <a:bodyPr/>
+                    <a:lstStyle/>
+                    <a:p>
+                      <a:pPr algn="l" fontAlgn="ctr"/>
+                      <a:r>
+                        <a:rPr lang="pt-BR" sz="1000" b="0" i="0" u="none" strike="noStrike">
+                          <a:solidFill>
+                            <a:srgbClr val="000000"/>
+                          </a:solidFill>
+                          <a:effectLst/>
+                          <a:latin typeface="Calibri"/>
+                        </a:rPr>
+                        <a:t>Planned</a:t>
+                      </a:r>
+                    </a:p>
+                  </a:txBody>
+                  <a:tcPr marL="0" marR="0" marT="0" marB="0" anchor="ctr"/>
+                </a:tc>
+                <a:tc>
+                  <a:txBody>
+                    <a:bodyPr/>
+                    <a:lstStyle/>
+                    <a:p>
+                      <a:pPr algn="ctr" fontAlgn="ctr"/>
+                      <a:r>
+                        <a:rPr lang="pt-BR" sz="1000" b="0" i="0" u="none" strike="noStrike">
+                          <a:solidFill>
+                            <a:srgbClr val="000000"/>
+                          </a:solidFill>
+                          <a:effectLst/>
+                          <a:latin typeface="Calibri"/>
+                        </a:rPr>
+                        <a:t>2</a:t>
+                      </a:r>
+                    </a:p>
+                  </a:txBody>
+                  <a:tcPr marL="0" marR="0" marT="0" marB="0" anchor="ctr"/>
+                </a:tc>
+                <a:tc>
+                  <a:txBody>
+                    <a:bodyPr/>
+                    <a:lstStyle/>
+                    <a:p>
+                      <a:pPr algn="ctr" fontAlgn="ctr"/>
+                      <a:r>
+                        <a:rPr lang="pt-BR" sz="1000" b="0" i="0" u="none" strike="noStrike">
+                          <a:solidFill>
+                            <a:srgbClr val="000000"/>
+                          </a:solidFill>
+                          <a:effectLst/>
+                          <a:latin typeface="Calibri"/>
+                        </a:rPr>
+                        <a:t>6</a:t>
+                      </a:r>
+                    </a:p>
+                  </a:txBody>
+                  <a:tcPr marL="0" marR="0" marT="0" marB="0" anchor="ctr"/>
+                </a:tc>
+              </a:tr>
+              <a:tr h="550121">
+                <a:tc>
+                  <a:txBody>
+                    <a:bodyPr/>
+                    <a:lstStyle/>
+                    <a:p>
+                      <a:pPr algn="ctr" fontAlgn="ctr"/>
+                      <a:r>
+                        <a:rPr lang="pt-BR" sz="1000" b="0" i="0" u="none" strike="noStrike">
+                          <a:solidFill>
+                            <a:srgbClr val="000000"/>
+                          </a:solidFill>
+                          <a:effectLst/>
+                          <a:latin typeface="Calibri"/>
+                        </a:rPr>
+                        <a:t>U07</a:t>
+                      </a:r>
+                    </a:p>
+                  </a:txBody>
+                  <a:tcPr marL="0" marR="0" marT="0" marB="0" anchor="ctr"/>
+                </a:tc>
+                <a:tc>
+                  <a:txBody>
+                    <a:bodyPr/>
+                    <a:lstStyle/>
+                    <a:p>
+                      <a:pPr algn="l" fontAlgn="ctr"/>
+                      <a:r>
+                        <a:rPr lang="pt-BR" sz="1000" b="0" i="0" u="none" strike="noStrike">
+                          <a:solidFill>
+                            <a:srgbClr val="000000"/>
+                          </a:solidFill>
+                          <a:effectLst/>
+                          <a:latin typeface="Calibri"/>
+                        </a:rPr>
+                        <a:t>Eu, enquanto usuário professor. Quando notificado ser quiser, quero poder postar as notas da minha turma</a:t>
+                      </a:r>
+                    </a:p>
+                  </a:txBody>
+                  <a:tcPr marL="0" marR="0" marT="0" marB="0" anchor="ctr"/>
+                </a:tc>
+                <a:tc>
+                  <a:txBody>
+                    <a:bodyPr/>
+                    <a:lstStyle/>
+                    <a:p>
+                      <a:pPr algn="l" fontAlgn="ctr"/>
+                      <a:r>
+                        <a:rPr lang="pt-BR" sz="1000" b="0" i="0" u="none" strike="noStrike">
+                          <a:solidFill>
+                            <a:srgbClr val="000000"/>
+                          </a:solidFill>
+                          <a:effectLst/>
+                          <a:latin typeface="Calibri"/>
+                        </a:rPr>
+                        <a:t>Planned</a:t>
+                      </a:r>
+                    </a:p>
+                  </a:txBody>
+                  <a:tcPr marL="0" marR="0" marT="0" marB="0" anchor="ctr"/>
+                </a:tc>
+                <a:tc>
+                  <a:txBody>
+                    <a:bodyPr/>
+                    <a:lstStyle/>
+                    <a:p>
+                      <a:pPr algn="ctr" fontAlgn="ctr"/>
+                      <a:r>
+                        <a:rPr lang="pt-BR" sz="1000" b="0" i="0" u="none" strike="noStrike">
+                          <a:solidFill>
+                            <a:srgbClr val="000000"/>
+                          </a:solidFill>
+                          <a:effectLst/>
+                          <a:latin typeface="Calibri"/>
+                        </a:rPr>
+                        <a:t>2</a:t>
+                      </a:r>
+                    </a:p>
+                  </a:txBody>
+                  <a:tcPr marL="0" marR="0" marT="0" marB="0" anchor="ctr"/>
+                </a:tc>
+                <a:tc>
+                  <a:txBody>
+                    <a:bodyPr/>
+                    <a:lstStyle/>
+                    <a:p>
+                      <a:pPr algn="ctr" fontAlgn="ctr"/>
+                      <a:r>
+                        <a:rPr lang="pt-BR" sz="1000" b="0" i="0" u="none" strike="noStrike">
+                          <a:solidFill>
+                            <a:srgbClr val="000000"/>
+                          </a:solidFill>
+                          <a:effectLst/>
+                          <a:latin typeface="Calibri"/>
+                        </a:rPr>
+                        <a:t>7</a:t>
+                      </a:r>
+                    </a:p>
+                  </a:txBody>
+                  <a:tcPr marL="0" marR="0" marT="0" marB="0" anchor="ctr"/>
+                </a:tc>
+              </a:tr>
+              <a:tr h="550121">
+                <a:tc>
+                  <a:txBody>
+                    <a:bodyPr/>
+                    <a:lstStyle/>
+                    <a:p>
+                      <a:pPr algn="ctr" fontAlgn="ctr"/>
+                      <a:r>
+                        <a:rPr lang="pt-BR" sz="1000" b="0" i="0" u="none" strike="noStrike">
+                          <a:solidFill>
+                            <a:srgbClr val="000000"/>
+                          </a:solidFill>
+                          <a:effectLst/>
+                          <a:latin typeface="Calibri"/>
+                        </a:rPr>
+                        <a:t>U08</a:t>
+                      </a:r>
+                    </a:p>
+                  </a:txBody>
+                  <a:tcPr marL="0" marR="0" marT="0" marB="0" anchor="ctr"/>
+                </a:tc>
+                <a:tc>
+                  <a:txBody>
+                    <a:bodyPr/>
+                    <a:lstStyle/>
+                    <a:p>
+                      <a:pPr algn="l" fontAlgn="ctr"/>
+                      <a:r>
+                        <a:rPr lang="pt-BR" sz="1000" b="0" i="0" u="none" strike="noStrike" dirty="0">
+                          <a:solidFill>
+                            <a:srgbClr val="000000"/>
+                          </a:solidFill>
+                          <a:effectLst/>
+                          <a:latin typeface="Calibri"/>
+                        </a:rPr>
+                        <a:t>Eu, enquanto usuário operador, Quero poder personalizar minhas notificações.</a:t>
+                      </a:r>
+                    </a:p>
+                  </a:txBody>
+                  <a:tcPr marL="0" marR="0" marT="0" marB="0" anchor="ctr"/>
+                </a:tc>
+                <a:tc>
+                  <a:txBody>
+                    <a:bodyPr/>
+                    <a:lstStyle/>
+                    <a:p>
+                      <a:pPr algn="l" fontAlgn="ctr"/>
+                      <a:r>
+                        <a:rPr lang="pt-BR" sz="1000" b="0" i="0" u="none" strike="noStrike">
+                          <a:solidFill>
+                            <a:srgbClr val="000000"/>
+                          </a:solidFill>
+                          <a:effectLst/>
+                          <a:latin typeface="Calibri"/>
+                        </a:rPr>
+                        <a:t>Planned</a:t>
+                      </a:r>
+                    </a:p>
+                  </a:txBody>
+                  <a:tcPr marL="0" marR="0" marT="0" marB="0" anchor="ctr"/>
+                </a:tc>
+                <a:tc>
+                  <a:txBody>
+                    <a:bodyPr/>
+                    <a:lstStyle/>
+                    <a:p>
+                      <a:pPr algn="ctr" fontAlgn="ctr"/>
+                      <a:r>
+                        <a:rPr lang="pt-BR" sz="1000" b="0" i="0" u="none" strike="noStrike">
+                          <a:solidFill>
+                            <a:srgbClr val="000000"/>
+                          </a:solidFill>
+                          <a:effectLst/>
+                          <a:latin typeface="Calibri"/>
+                        </a:rPr>
+                        <a:t>4</a:t>
+                      </a:r>
+                    </a:p>
+                  </a:txBody>
+                  <a:tcPr marL="0" marR="0" marT="0" marB="0" anchor="ctr"/>
+                </a:tc>
+                <a:tc>
+                  <a:txBody>
+                    <a:bodyPr/>
+                    <a:lstStyle/>
+                    <a:p>
+                      <a:pPr algn="ctr" fontAlgn="ctr"/>
+                      <a:r>
+                        <a:rPr lang="pt-BR" sz="1000" b="0" i="0" u="none" strike="noStrike" dirty="0">
+                          <a:solidFill>
+                            <a:srgbClr val="000000"/>
+                          </a:solidFill>
+                          <a:effectLst/>
+                          <a:latin typeface="Calibri"/>
+                        </a:rPr>
+                        <a:t>8</a:t>
+                      </a:r>
+                    </a:p>
+                  </a:txBody>
+                  <a:tcPr marL="0" marR="0" marT="0" marB="0" anchor="ctr"/>
+                </a:tc>
+              </a:tr>
+              <a:tr h="550121">
+                <a:tc>
+                  <a:txBody>
+                    <a:bodyPr/>
+                    <a:lstStyle/>
+                    <a:p>
+                      <a:endParaRPr lang="pt-BR"/>
+                    </a:p>
+                  </a:txBody>
+                  <a:tcPr/>
+                </a:tc>
+                <a:tc>
+                  <a:txBody>
+                    <a:bodyPr/>
+                    <a:lstStyle/>
+                    <a:p>
+                      <a:endParaRPr lang="pt-BR" dirty="0"/>
+                    </a:p>
+                  </a:txBody>
+                  <a:tcPr/>
+                </a:tc>
+                <a:tc>
+                  <a:txBody>
+                    <a:bodyPr/>
+                    <a:lstStyle/>
+                    <a:p>
+                      <a:endParaRPr lang="pt-BR"/>
+                    </a:p>
+                  </a:txBody>
+                  <a:tcPr/>
+                </a:tc>
+                <a:tc>
+                  <a:txBody>
+                    <a:bodyPr/>
+                    <a:lstStyle/>
+                    <a:p>
+                      <a:endParaRPr lang="pt-BR"/>
+                    </a:p>
+                  </a:txBody>
+                  <a:tcPr/>
+                </a:tc>
+                <a:tc>
+                  <a:txBody>
+                    <a:bodyPr/>
+                    <a:lstStyle/>
+                    <a:p>
+                      <a:endParaRPr lang="pt-BR" dirty="0"/>
+                    </a:p>
+                  </a:txBody>
+                  <a:tcPr/>
+                </a:tc>
+              </a:tr>
+            </a:tbl>
+          </a:graphicData>
+        </a:graphic>
+      </p:graphicFrame>
     </p:spTree>
     <p:extLst>
       <p:ext uri="{BB962C8B-B14F-4D97-AF65-F5344CB8AC3E}">
@@ -44924,6 +46367,44 @@
           <a:chExt cx="0" cy="0"/>
         </a:xfrm>
       </p:grpSpPr>
+      <p:sp>
+        <p:nvSpPr>
+          <p:cNvPr id="3" name="Retângulo 2"/>
+          <p:cNvSpPr/>
+          <p:nvPr/>
+        </p:nvSpPr>
+        <p:spPr>
+          <a:xfrm>
+            <a:off x="395536" y="1844824"/>
+            <a:ext cx="8568952" cy="1800199"/>
+          </a:xfrm>
+          <a:prstGeom prst="rect">
+            <a:avLst/>
+          </a:prstGeom>
+        </p:spPr>
+        <p:style>
+          <a:lnRef idx="1">
+            <a:schemeClr val="accent3"/>
+          </a:lnRef>
+          <a:fillRef idx="2">
+            <a:schemeClr val="accent3"/>
+          </a:fillRef>
+          <a:effectRef idx="1">
+            <a:schemeClr val="accent3"/>
+          </a:effectRef>
+          <a:fontRef idx="minor">
+            <a:schemeClr val="dk1"/>
+          </a:fontRef>
+        </p:style>
+        <p:txBody>
+          <a:bodyPr rtlCol="0" anchor="ctr"/>
+          <a:lstStyle/>
+          <a:p>
+            <a:pPr algn="ctr"/>
+            <a:endParaRPr lang="pt-BR" dirty="0"/>
+          </a:p>
+        </p:txBody>
+      </p:sp>
       <p:sp>
         <p:nvSpPr>
           <p:cNvPr id="2" name="Título 1"/>
@@ -45026,44 +46507,6 @@
       </p:pic>
       <p:sp>
         <p:nvSpPr>
-          <p:cNvPr id="3" name="Retângulo 2"/>
-          <p:cNvSpPr/>
-          <p:nvPr/>
-        </p:nvSpPr>
-        <p:spPr>
-          <a:xfrm>
-            <a:off x="395536" y="1844824"/>
-            <a:ext cx="8568952" cy="1800199"/>
-          </a:xfrm>
-          <a:prstGeom prst="rect">
-            <a:avLst/>
-          </a:prstGeom>
-        </p:spPr>
-        <p:style>
-          <a:lnRef idx="1">
-            <a:schemeClr val="accent3"/>
-          </a:lnRef>
-          <a:fillRef idx="2">
-            <a:schemeClr val="accent3"/>
-          </a:fillRef>
-          <a:effectRef idx="1">
-            <a:schemeClr val="accent3"/>
-          </a:effectRef>
-          <a:fontRef idx="minor">
-            <a:schemeClr val="dk1"/>
-          </a:fontRef>
-        </p:style>
-        <p:txBody>
-          <a:bodyPr rtlCol="0" anchor="ctr"/>
-          <a:lstStyle/>
-          <a:p>
-            <a:pPr algn="ctr"/>
-            <a:endParaRPr lang="pt-BR"/>
-          </a:p>
-        </p:txBody>
-      </p:sp>
-      <p:sp>
-        <p:nvSpPr>
           <p:cNvPr id="5" name="Retângulo 4"/>
           <p:cNvSpPr/>
           <p:nvPr/>
@@ -45097,6 +46540,246 @@
           <a:p>
             <a:pPr algn="ctr"/>
             <a:endParaRPr lang="pt-BR"/>
+          </a:p>
+        </p:txBody>
+      </p:sp>
+      <p:sp>
+        <p:nvSpPr>
+          <p:cNvPr id="13" name="CaixaDeTexto 12"/>
+          <p:cNvSpPr txBox="1"/>
+          <p:nvPr/>
+        </p:nvSpPr>
+        <p:spPr>
+          <a:xfrm>
+            <a:off x="4126303" y="6245036"/>
+            <a:ext cx="595035" cy="369332"/>
+          </a:xfrm>
+          <a:prstGeom prst="rect">
+            <a:avLst/>
+          </a:prstGeom>
+          <a:noFill/>
+        </p:spPr>
+        <p:txBody>
+          <a:bodyPr wrap="none" rtlCol="0">
+            <a:spAutoFit/>
+          </a:bodyPr>
+          <a:lstStyle/>
+          <a:p>
+            <a:r>
+              <a:rPr lang="pt-BR" dirty="0" smtClean="0"/>
+              <a:t>U01</a:t>
+            </a:r>
+            <a:endParaRPr lang="pt-BR" dirty="0"/>
+          </a:p>
+        </p:txBody>
+      </p:sp>
+      <p:sp>
+        <p:nvSpPr>
+          <p:cNvPr id="15" name="CaixaDeTexto 14"/>
+          <p:cNvSpPr txBox="1"/>
+          <p:nvPr/>
+        </p:nvSpPr>
+        <p:spPr>
+          <a:xfrm>
+            <a:off x="4138683" y="3748444"/>
+            <a:ext cx="595035" cy="369332"/>
+          </a:xfrm>
+          <a:prstGeom prst="rect">
+            <a:avLst/>
+          </a:prstGeom>
+          <a:noFill/>
+        </p:spPr>
+        <p:txBody>
+          <a:bodyPr wrap="none" rtlCol="0">
+            <a:spAutoFit/>
+          </a:bodyPr>
+          <a:lstStyle/>
+          <a:p>
+            <a:r>
+              <a:rPr lang="pt-BR" dirty="0" smtClean="0"/>
+              <a:t>U04</a:t>
+            </a:r>
+            <a:endParaRPr lang="pt-BR" dirty="0"/>
+          </a:p>
+        </p:txBody>
+      </p:sp>
+      <p:sp>
+        <p:nvSpPr>
+          <p:cNvPr id="16" name="CaixaDeTexto 15"/>
+          <p:cNvSpPr txBox="1"/>
+          <p:nvPr/>
+        </p:nvSpPr>
+        <p:spPr>
+          <a:xfrm>
+            <a:off x="4824529" y="2372414"/>
+            <a:ext cx="595035" cy="369332"/>
+          </a:xfrm>
+          <a:prstGeom prst="rect">
+            <a:avLst/>
+          </a:prstGeom>
+          <a:noFill/>
+        </p:spPr>
+        <p:txBody>
+          <a:bodyPr wrap="none" rtlCol="0">
+            <a:spAutoFit/>
+          </a:bodyPr>
+          <a:lstStyle/>
+          <a:p>
+            <a:r>
+              <a:rPr lang="pt-BR" dirty="0" smtClean="0"/>
+              <a:t>U07</a:t>
+            </a:r>
+            <a:endParaRPr lang="pt-BR" dirty="0"/>
+          </a:p>
+        </p:txBody>
+      </p:sp>
+      <p:sp>
+        <p:nvSpPr>
+          <p:cNvPr id="17" name="CaixaDeTexto 16"/>
+          <p:cNvSpPr txBox="1"/>
+          <p:nvPr/>
+        </p:nvSpPr>
+        <p:spPr>
+          <a:xfrm>
+            <a:off x="4126303" y="5496738"/>
+            <a:ext cx="595035" cy="369332"/>
+          </a:xfrm>
+          <a:prstGeom prst="rect">
+            <a:avLst/>
+          </a:prstGeom>
+          <a:noFill/>
+        </p:spPr>
+        <p:txBody>
+          <a:bodyPr wrap="none" rtlCol="0">
+            <a:spAutoFit/>
+          </a:bodyPr>
+          <a:lstStyle/>
+          <a:p>
+            <a:r>
+              <a:rPr lang="pt-BR" dirty="0" smtClean="0"/>
+              <a:t>U02</a:t>
+            </a:r>
+            <a:endParaRPr lang="pt-BR" dirty="0"/>
+          </a:p>
+        </p:txBody>
+      </p:sp>
+      <p:sp>
+        <p:nvSpPr>
+          <p:cNvPr id="18" name="CaixaDeTexto 17"/>
+          <p:cNvSpPr txBox="1"/>
+          <p:nvPr/>
+        </p:nvSpPr>
+        <p:spPr>
+          <a:xfrm>
+            <a:off x="3412075" y="2904954"/>
+            <a:ext cx="595035" cy="369332"/>
+          </a:xfrm>
+          <a:prstGeom prst="rect">
+            <a:avLst/>
+          </a:prstGeom>
+          <a:noFill/>
+        </p:spPr>
+        <p:txBody>
+          <a:bodyPr wrap="none" rtlCol="0">
+            <a:spAutoFit/>
+          </a:bodyPr>
+          <a:lstStyle/>
+          <a:p>
+            <a:r>
+              <a:rPr lang="pt-BR" dirty="0" smtClean="0"/>
+              <a:t>U05</a:t>
+            </a:r>
+            <a:endParaRPr lang="pt-BR" dirty="0"/>
+          </a:p>
+        </p:txBody>
+      </p:sp>
+      <p:sp>
+        <p:nvSpPr>
+          <p:cNvPr id="19" name="CaixaDeTexto 18"/>
+          <p:cNvSpPr txBox="1"/>
+          <p:nvPr/>
+        </p:nvSpPr>
+        <p:spPr>
+          <a:xfrm>
+            <a:off x="4151259" y="4643844"/>
+            <a:ext cx="595035" cy="369332"/>
+          </a:xfrm>
+          <a:prstGeom prst="rect">
+            <a:avLst/>
+          </a:prstGeom>
+          <a:noFill/>
+        </p:spPr>
+        <p:txBody>
+          <a:bodyPr wrap="none" rtlCol="0">
+            <a:spAutoFit/>
+          </a:bodyPr>
+          <a:lstStyle/>
+          <a:p>
+            <a:r>
+              <a:rPr lang="pt-BR" dirty="0" smtClean="0"/>
+              <a:t>U03</a:t>
+            </a:r>
+            <a:endParaRPr lang="pt-BR" dirty="0"/>
+          </a:p>
+        </p:txBody>
+      </p:sp>
+      <p:sp>
+        <p:nvSpPr>
+          <p:cNvPr id="20" name="CaixaDeTexto 19"/>
+          <p:cNvSpPr txBox="1"/>
+          <p:nvPr/>
+        </p:nvSpPr>
+        <p:spPr>
+          <a:xfrm>
+            <a:off x="5911552" y="2904954"/>
+            <a:ext cx="595035" cy="369332"/>
+          </a:xfrm>
+          <a:prstGeom prst="rect">
+            <a:avLst/>
+          </a:prstGeom>
+          <a:noFill/>
+        </p:spPr>
+        <p:txBody>
+          <a:bodyPr wrap="none" rtlCol="0">
+            <a:spAutoFit/>
+          </a:bodyPr>
+          <a:lstStyle/>
+          <a:p>
+            <a:r>
+              <a:rPr lang="pt-BR" dirty="0" smtClean="0"/>
+              <a:t>U06</a:t>
+            </a:r>
+            <a:endParaRPr lang="pt-BR" dirty="0"/>
+          </a:p>
+        </p:txBody>
+      </p:sp>
+      <p:sp>
+        <p:nvSpPr>
+          <p:cNvPr id="21" name="CaixaDeTexto 20"/>
+          <p:cNvSpPr txBox="1"/>
+          <p:nvPr/>
+        </p:nvSpPr>
+        <p:spPr>
+          <a:xfrm>
+            <a:off x="2123728" y="2162022"/>
+            <a:ext cx="595035" cy="369332"/>
+          </a:xfrm>
+          <a:prstGeom prst="rect">
+            <a:avLst/>
+          </a:prstGeom>
+          <a:noFill/>
+        </p:spPr>
+        <p:txBody>
+          <a:bodyPr wrap="none" rtlCol="0">
+            <a:spAutoFit/>
+          </a:bodyPr>
+          <a:lstStyle/>
+          <a:p>
+            <a:r>
+              <a:rPr lang="pt-BR" dirty="0" smtClean="0"/>
+              <a:t>U08</a:t>
+            </a:r>
+            <a:endParaRPr lang="pt-BR" dirty="0"/>
           </a:p>
         </p:txBody>
       </p:sp>
@@ -45147,7 +46830,12 @@
             <p:ph type="title"/>
           </p:nvPr>
         </p:nvSpPr>
-        <p:spPr/>
+        <p:spPr>
+          <a:xfrm>
+            <a:off x="457200" y="246531"/>
+            <a:ext cx="8229600" cy="806206"/>
+          </a:xfrm>
+        </p:spPr>
         <p:txBody>
           <a:bodyPr/>
           <a:lstStyle/>
@@ -45179,7 +46867,7 @@
           <a:bodyPr/>
           <a:lstStyle/>
           <a:p>
-            <a:endParaRPr lang="pt-BR"/>
+            <a:endParaRPr lang="pt-BR" dirty="0"/>
           </a:p>
         </p:txBody>
       </p:sp>
@@ -45192,7 +46880,7 @@
           <p:nvPr/>
         </p:nvPicPr>
         <p:blipFill rotWithShape="1">
-          <a:blip r:embed="rId2">
+          <a:blip r:embed="rId3">
             <a:extLst>
               <a:ext uri="{28A0092B-C50C-407E-A947-70E740481C1C}">
                 <a14:useLocalDpi xmlns:a14="http://schemas.microsoft.com/office/drawing/2010/main" val="0"/>
@@ -45223,6 +46911,68 @@
                   <a:srgbClr val="FFFFFF"/>
                 </a:solidFill>
               </a14:hiddenFill>
+            </a:ext>
+          </a:extLst>
+        </p:spPr>
+      </p:pic>
+      <p:pic>
+        <p:nvPicPr>
+          <p:cNvPr id="1026" name="Picture 2"/>
+          <p:cNvPicPr>
+            <a:picLocks noChangeAspect="1" noChangeArrowheads="1"/>
+          </p:cNvPicPr>
+          <p:nvPr/>
+        </p:nvPicPr>
+        <p:blipFill rotWithShape="1">
+          <a:blip r:embed="rId4">
+            <a:extLst>
+              <a:ext uri="{28A0092B-C50C-407E-A947-70E740481C1C}">
+                <a14:useLocalDpi xmlns:a14="http://schemas.microsoft.com/office/drawing/2010/main" val="0"/>
+              </a:ext>
+            </a:extLst>
+          </a:blip>
+          <a:srcRect l="788" t="11826" r="42849" b="8264"/>
+          <a:stretch/>
+        </p:blipFill>
+        <p:spPr bwMode="auto">
+          <a:xfrm>
+            <a:off x="123986" y="1379349"/>
+            <a:ext cx="8887393" cy="5331418"/>
+          </a:xfrm>
+          <a:prstGeom prst="rect">
+            <a:avLst/>
+          </a:prstGeom>
+          <a:noFill/>
+          <a:ln>
+            <a:noFill/>
+          </a:ln>
+          <a:effectLst/>
+          <a:extLst>
+            <a:ext uri="{909E8E84-426E-40DD-AFC4-6F175D3DCCD1}">
+              <a14:hiddenFill xmlns:a14="http://schemas.microsoft.com/office/drawing/2010/main">
+                <a:solidFill>
+                  <a:schemeClr val="accent1"/>
+                </a:solidFill>
+              </a14:hiddenFill>
+            </a:ext>
+            <a:ext uri="{91240B29-F687-4F45-9708-019B960494DF}">
+              <a14:hiddenLine xmlns:a14="http://schemas.microsoft.com/office/drawing/2010/main" w="9525">
+                <a:solidFill>
+                  <a:schemeClr val="tx1"/>
+                </a:solidFill>
+                <a:miter lim="800000"/>
+                <a:headEnd/>
+                <a:tailEnd/>
+              </a14:hiddenLine>
+            </a:ext>
+            <a:ext uri="{AF507438-7753-43E0-B8FC-AC1667EBCBE1}">
+              <a14:hiddenEffects xmlns:a14="http://schemas.microsoft.com/office/drawing/2010/main">
+                <a:effectLst>
+                  <a:outerShdw dist="35921" dir="2700000" algn="ctr" rotWithShape="0">
+                    <a:schemeClr val="bg2"/>
+                  </a:outerShdw>
+                </a:effectLst>
+              </a14:hiddenEffects>
             </a:ext>
           </a:extLst>
         </p:spPr>
@@ -45274,39 +47024,25 @@
             <p:ph type="title"/>
           </p:nvPr>
         </p:nvSpPr>
-        <p:spPr/>
+        <p:spPr>
+          <a:xfrm>
+            <a:off x="0" y="265611"/>
+            <a:ext cx="8932872" cy="1046617"/>
+          </a:xfrm>
+        </p:spPr>
         <p:txBody>
           <a:bodyPr/>
           <a:lstStyle/>
           <a:p>
             <a:r>
-              <a:rPr lang="pt-BR" dirty="0" smtClean="0"/>
+              <a:rPr lang="pt-BR" sz="4400" dirty="0" smtClean="0"/>
               <a:t>Metodologia de</a:t>
             </a:r>
             <a:r>
-              <a:rPr lang="pt-BR" baseline="0" dirty="0" smtClean="0"/>
+              <a:rPr lang="pt-BR" sz="4400" baseline="0" dirty="0" smtClean="0"/>
               <a:t> desenvolvimento</a:t>
             </a:r>
-            <a:endParaRPr lang="pt-BR" dirty="0"/>
-          </a:p>
-        </p:txBody>
-      </p:sp>
-      <p:sp>
-        <p:nvSpPr>
-          <p:cNvPr id="3" name="Espaço Reservado para Conteúdo 2"/>
-          <p:cNvSpPr>
-            <a:spLocks noGrp="1"/>
-          </p:cNvSpPr>
-          <p:nvPr>
-            <p:ph idx="1"/>
-          </p:nvPr>
-        </p:nvSpPr>
-        <p:spPr/>
-        <p:txBody>
-          <a:bodyPr/>
-          <a:lstStyle/>
-          <a:p>
-            <a:endParaRPr lang="pt-BR" dirty="0"/>
+            <a:endParaRPr lang="pt-BR" sz="4400" dirty="0"/>
           </a:p>
         </p:txBody>
       </p:sp>
@@ -45354,6 +47090,78 @@
           </a:extLst>
         </p:spPr>
       </p:pic>
+      <p:pic>
+        <p:nvPicPr>
+          <p:cNvPr id="3074" name="Picture 2" descr="&quot;Ciclo Scrum&quot;">
+            <a:hlinkClick r:id="rId3"/>
+          </p:cNvPr>
+          <p:cNvPicPr>
+            <a:picLocks noChangeAspect="1" noChangeArrowheads="1"/>
+          </p:cNvPicPr>
+          <p:nvPr/>
+        </p:nvPicPr>
+        <p:blipFill>
+          <a:blip r:embed="rId4">
+            <a:extLst>
+              <a:ext uri="{28A0092B-C50C-407E-A947-70E740481C1C}">
+                <a14:useLocalDpi xmlns:a14="http://schemas.microsoft.com/office/drawing/2010/main" val="0"/>
+              </a:ext>
+            </a:extLst>
+          </a:blip>
+          <a:srcRect/>
+          <a:stretch>
+            <a:fillRect/>
+          </a:stretch>
+        </p:blipFill>
+        <p:spPr bwMode="auto">
+          <a:xfrm>
+            <a:off x="1574540" y="2564904"/>
+            <a:ext cx="5688632" cy="3133814"/>
+          </a:xfrm>
+          <a:prstGeom prst="rect">
+            <a:avLst/>
+          </a:prstGeom>
+          <a:noFill/>
+          <a:extLst>
+            <a:ext uri="{909E8E84-426E-40DD-AFC4-6F175D3DCCD1}">
+              <a14:hiddenFill xmlns:a14="http://schemas.microsoft.com/office/drawing/2010/main">
+                <a:solidFill>
+                  <a:srgbClr val="FFFFFF"/>
+                </a:solidFill>
+              </a14:hiddenFill>
+            </a:ext>
+          </a:extLst>
+        </p:spPr>
+      </p:pic>
+      <p:sp>
+        <p:nvSpPr>
+          <p:cNvPr id="5" name="CaixaDeTexto 4"/>
+          <p:cNvSpPr txBox="1"/>
+          <p:nvPr/>
+        </p:nvSpPr>
+        <p:spPr>
+          <a:xfrm flipH="1">
+            <a:off x="3770784" y="1845866"/>
+            <a:ext cx="1296144" cy="369332"/>
+          </a:xfrm>
+          <a:prstGeom prst="rect">
+            <a:avLst/>
+          </a:prstGeom>
+          <a:noFill/>
+        </p:spPr>
+        <p:txBody>
+          <a:bodyPr wrap="square" rtlCol="0">
+            <a:spAutoFit/>
+          </a:bodyPr>
+          <a:lstStyle/>
+          <a:p>
+            <a:r>
+              <a:rPr lang="pt-BR" b="1" cap="all" dirty="0"/>
+              <a:t>SCRUM</a:t>
+            </a:r>
+          </a:p>
+        </p:txBody>
+      </p:sp>
     </p:spTree>
     <p:extLst>
       <p:ext uri="{BB962C8B-B14F-4D97-AF65-F5344CB8AC3E}">
@@ -45967,7 +47775,12 @@
             <p:ph type="title"/>
           </p:nvPr>
         </p:nvSpPr>
-        <p:spPr/>
+        <p:spPr>
+          <a:xfrm>
+            <a:off x="457200" y="0"/>
+            <a:ext cx="8229600" cy="1124744"/>
+          </a:xfrm>
+        </p:spPr>
         <p:txBody>
           <a:bodyPr/>
           <a:lstStyle/>
@@ -45995,7 +47808,7 @@
           <a:bodyPr/>
           <a:lstStyle/>
           <a:p>
-            <a:endParaRPr lang="pt-BR"/>
+            <a:endParaRPr lang="pt-BR" dirty="0"/>
           </a:p>
         </p:txBody>
       </p:sp>
@@ -50952,4 +52765,289 @@
   <a:objectDefaults/>
   <a:extraClrSchemeLst/>
 </a:theme>
+</file>
+
+<file path=ppt/theme/theme2.xml><?xml version="1.0" encoding="utf-8"?>
+<a:theme xmlns:a="http://schemas.openxmlformats.org/drawingml/2006/main" name="Tema do Office">
+  <a:themeElements>
+    <a:clrScheme name="Escritório">
+      <a:dk1>
+        <a:sysClr val="windowText" lastClr="000000"/>
+      </a:dk1>
+      <a:lt1>
+        <a:sysClr val="window" lastClr="FFFFFF"/>
+      </a:lt1>
+      <a:dk2>
+        <a:srgbClr val="1F497D"/>
+      </a:dk2>
+      <a:lt2>
+        <a:srgbClr val="EEECE1"/>
+      </a:lt2>
+      <a:accent1>
+        <a:srgbClr val="4F81BD"/>
+      </a:accent1>
+      <a:accent2>
+        <a:srgbClr val="C0504D"/>
+      </a:accent2>
+      <a:accent3>
+        <a:srgbClr val="9BBB59"/>
+      </a:accent3>
+      <a:accent4>
+        <a:srgbClr val="8064A2"/>
+      </a:accent4>
+      <a:accent5>
+        <a:srgbClr val="4BACC6"/>
+      </a:accent5>
+      <a:accent6>
+        <a:srgbClr val="F79646"/>
+      </a:accent6>
+      <a:hlink>
+        <a:srgbClr val="0000FF"/>
+      </a:hlink>
+      <a:folHlink>
+        <a:srgbClr val="800080"/>
+      </a:folHlink>
+    </a:clrScheme>
+    <a:fontScheme name="Escritório">
+      <a:majorFont>
+        <a:latin typeface="Calibri"/>
+        <a:ea typeface=""/>
+        <a:cs typeface=""/>
+        <a:font script="Jpan" typeface="ＭＳ Ｐゴシック"/>
+        <a:font script="Hang" typeface="맑은 고딕"/>
+        <a:font script="Hans" typeface="宋体"/>
+        <a:font script="Hant" typeface="新細明體"/>
+        <a:font script="Arab" typeface="Times New Roman"/>
+        <a:font script="Hebr" typeface="Times New Roman"/>
+        <a:font script="Thai" typeface="Angsana New"/>
+        <a:font script="Ethi" typeface="Nyala"/>
+        <a:font script="Beng" typeface="Vrinda"/>
+        <a:font script="Gujr" typeface="Shruti"/>
+        <a:font script="Khmr" typeface="MoolBoran"/>
+        <a:font script="Knda" typeface="Tunga"/>
+        <a:font script="Guru" typeface="Raavi"/>
+        <a:font script="Cans" typeface="Euphemia"/>
+        <a:font script="Cher" typeface="Plantagenet Cherokee"/>
+        <a:font script="Yiii" typeface="Microsoft Yi Baiti"/>
+        <a:font script="Tibt" typeface="Microsoft Himalaya"/>
+        <a:font script="Thaa" typeface="MV Boli"/>
+        <a:font script="Deva" typeface="Mangal"/>
+        <a:font script="Telu" typeface="Gautami"/>
+        <a:font script="Taml" typeface="Latha"/>
+        <a:font script="Syrc" typeface="Estrangelo Edessa"/>
+        <a:font script="Orya" typeface="Kalinga"/>
+        <a:font script="Mlym" typeface="Kartika"/>
+        <a:font script="Laoo" typeface="DokChampa"/>
+        <a:font script="Sinh" typeface="Iskoola Pota"/>
+        <a:font script="Mong" typeface="Mongolian Baiti"/>
+        <a:font script="Viet" typeface="Times New Roman"/>
+        <a:font script="Uigh" typeface="Microsoft Uighur"/>
+        <a:font script="Geor" typeface="Sylfaen"/>
+      </a:majorFont>
+      <a:minorFont>
+        <a:latin typeface="Calibri"/>
+        <a:ea typeface=""/>
+        <a:cs typeface=""/>
+        <a:font script="Jpan" typeface="ＭＳ Ｐゴシック"/>
+        <a:font script="Hang" typeface="맑은 고딕"/>
+        <a:font script="Hans" typeface="宋体"/>
+        <a:font script="Hant" typeface="新細明體"/>
+        <a:font script="Arab" typeface="Arial"/>
+        <a:font script="Hebr" typeface="Arial"/>
+        <a:font script="Thai" typeface="Cordia New"/>
+        <a:font script="Ethi" typeface="Nyala"/>
+        <a:font script="Beng" typeface="Vrinda"/>
+        <a:font script="Gujr" typeface="Shruti"/>
+        <a:font script="Khmr" typeface="DaunPenh"/>
+        <a:font script="Knda" typeface="Tunga"/>
+        <a:font script="Guru" typeface="Raavi"/>
+        <a:font script="Cans" typeface="Euphemia"/>
+        <a:font script="Cher" typeface="Plantagenet Cherokee"/>
+        <a:font script="Yiii" typeface="Microsoft Yi Baiti"/>
+        <a:font script="Tibt" typeface="Microsoft Himalaya"/>
+        <a:font script="Thaa" typeface="MV Boli"/>
+        <a:font script="Deva" typeface="Mangal"/>
+        <a:font script="Telu" typeface="Gautami"/>
+        <a:font script="Taml" typeface="Latha"/>
+        <a:font script="Syrc" typeface="Estrangelo Edessa"/>
+        <a:font script="Orya" typeface="Kalinga"/>
+        <a:font script="Mlym" typeface="Kartika"/>
+        <a:font script="Laoo" typeface="DokChampa"/>
+        <a:font script="Sinh" typeface="Iskoola Pota"/>
+        <a:font script="Mong" typeface="Mongolian Baiti"/>
+        <a:font script="Viet" typeface="Arial"/>
+        <a:font script="Uigh" typeface="Microsoft Uighur"/>
+        <a:font script="Geor" typeface="Sylfaen"/>
+      </a:minorFont>
+    </a:fontScheme>
+    <a:fmtScheme name="Escritório">
+      <a:fillStyleLst>
+        <a:solidFill>
+          <a:schemeClr val="phClr"/>
+        </a:solidFill>
+        <a:gradFill rotWithShape="1">
+          <a:gsLst>
+            <a:gs pos="0">
+              <a:schemeClr val="phClr">
+                <a:tint val="50000"/>
+                <a:satMod val="300000"/>
+              </a:schemeClr>
+            </a:gs>
+            <a:gs pos="35000">
+              <a:schemeClr val="phClr">
+                <a:tint val="37000"/>
+                <a:satMod val="300000"/>
+              </a:schemeClr>
+            </a:gs>
+            <a:gs pos="100000">
+              <a:schemeClr val="phClr">
+                <a:tint val="15000"/>
+                <a:satMod val="350000"/>
+              </a:schemeClr>
+            </a:gs>
+          </a:gsLst>
+          <a:lin ang="16200000" scaled="1"/>
+        </a:gradFill>
+        <a:gradFill rotWithShape="1">
+          <a:gsLst>
+            <a:gs pos="0">
+              <a:schemeClr val="phClr">
+                <a:shade val="51000"/>
+                <a:satMod val="130000"/>
+              </a:schemeClr>
+            </a:gs>
+            <a:gs pos="80000">
+              <a:schemeClr val="phClr">
+                <a:shade val="93000"/>
+                <a:satMod val="130000"/>
+              </a:schemeClr>
+            </a:gs>
+            <a:gs pos="100000">
+              <a:schemeClr val="phClr">
+                <a:shade val="94000"/>
+                <a:satMod val="135000"/>
+              </a:schemeClr>
+            </a:gs>
+          </a:gsLst>
+          <a:lin ang="16200000" scaled="0"/>
+        </a:gradFill>
+      </a:fillStyleLst>
+      <a:lnStyleLst>
+        <a:ln w="9525" cap="flat" cmpd="sng" algn="ctr">
+          <a:solidFill>
+            <a:schemeClr val="phClr">
+              <a:shade val="95000"/>
+              <a:satMod val="105000"/>
+            </a:schemeClr>
+          </a:solidFill>
+          <a:prstDash val="solid"/>
+        </a:ln>
+        <a:ln w="25400" cap="flat" cmpd="sng" algn="ctr">
+          <a:solidFill>
+            <a:schemeClr val="phClr"/>
+          </a:solidFill>
+          <a:prstDash val="solid"/>
+        </a:ln>
+        <a:ln w="38100" cap="flat" cmpd="sng" algn="ctr">
+          <a:solidFill>
+            <a:schemeClr val="phClr"/>
+          </a:solidFill>
+          <a:prstDash val="solid"/>
+        </a:ln>
+      </a:lnStyleLst>
+      <a:effectStyleLst>
+        <a:effectStyle>
+          <a:effectLst>
+            <a:outerShdw blurRad="40000" dist="20000" dir="5400000" rotWithShape="0">
+              <a:srgbClr val="000000">
+                <a:alpha val="38000"/>
+              </a:srgbClr>
+            </a:outerShdw>
+          </a:effectLst>
+        </a:effectStyle>
+        <a:effectStyle>
+          <a:effectLst>
+            <a:outerShdw blurRad="40000" dist="23000" dir="5400000" rotWithShape="0">
+              <a:srgbClr val="000000">
+                <a:alpha val="35000"/>
+              </a:srgbClr>
+            </a:outerShdw>
+          </a:effectLst>
+        </a:effectStyle>
+        <a:effectStyle>
+          <a:effectLst>
+            <a:outerShdw blurRad="40000" dist="23000" dir="5400000" rotWithShape="0">
+              <a:srgbClr val="000000">
+                <a:alpha val="35000"/>
+              </a:srgbClr>
+            </a:outerShdw>
+          </a:effectLst>
+          <a:scene3d>
+            <a:camera prst="orthographicFront">
+              <a:rot lat="0" lon="0" rev="0"/>
+            </a:camera>
+            <a:lightRig rig="threePt" dir="t">
+              <a:rot lat="0" lon="0" rev="1200000"/>
+            </a:lightRig>
+          </a:scene3d>
+          <a:sp3d>
+            <a:bevelT w="63500" h="25400"/>
+          </a:sp3d>
+        </a:effectStyle>
+      </a:effectStyleLst>
+      <a:bgFillStyleLst>
+        <a:solidFill>
+          <a:schemeClr val="phClr"/>
+        </a:solidFill>
+        <a:gradFill rotWithShape="1">
+          <a:gsLst>
+            <a:gs pos="0">
+              <a:schemeClr val="phClr">
+                <a:tint val="40000"/>
+                <a:satMod val="350000"/>
+              </a:schemeClr>
+            </a:gs>
+            <a:gs pos="40000">
+              <a:schemeClr val="phClr">
+                <a:tint val="45000"/>
+                <a:shade val="99000"/>
+                <a:satMod val="350000"/>
+              </a:schemeClr>
+            </a:gs>
+            <a:gs pos="100000">
+              <a:schemeClr val="phClr">
+                <a:shade val="20000"/>
+                <a:satMod val="255000"/>
+              </a:schemeClr>
+            </a:gs>
+          </a:gsLst>
+          <a:path path="circle">
+            <a:fillToRect l="50000" t="-80000" r="50000" b="180000"/>
+          </a:path>
+        </a:gradFill>
+        <a:gradFill rotWithShape="1">
+          <a:gsLst>
+            <a:gs pos="0">
+              <a:schemeClr val="phClr">
+                <a:tint val="80000"/>
+                <a:satMod val="300000"/>
+              </a:schemeClr>
+            </a:gs>
+            <a:gs pos="100000">
+              <a:schemeClr val="phClr">
+                <a:shade val="30000"/>
+                <a:satMod val="200000"/>
+              </a:schemeClr>
+            </a:gs>
+          </a:gsLst>
+          <a:path path="circle">
+            <a:fillToRect l="50000" t="50000" r="50000" b="50000"/>
+          </a:path>
+        </a:gradFill>
+      </a:bgFillStyleLst>
+    </a:fmtScheme>
+  </a:themeElements>
+  <a:objectDefaults/>
+  <a:extraClrSchemeLst/>
+</a:theme>
 </file>
--- a/Ppt.pptx
+++ b/Ppt.pptx
@@ -137,7 +137,7 @@
   </p:defaultTextStyle>
   <p:extLst>
     <p:ext uri="{EFAFB233-063F-42B5-8137-9DF3F51BA10A}">
-      <p15:sldGuideLst xmlns:p15="http://schemas.microsoft.com/office/powerpoint/2012/main" xmlns="">
+      <p15:sldGuideLst xmlns:p15="http://schemas.microsoft.com/office/powerpoint/2012/main">
         <p15:guide id="1" orient="horz" pos="2160">
           <p15:clr>
             <a:srgbClr val="A4A3A4"/>
@@ -8935,7 +8935,7 @@
 <dgm:dataModel xmlns:dgm="http://schemas.openxmlformats.org/drawingml/2006/diagram" xmlns:a="http://schemas.openxmlformats.org/drawingml/2006/main">
   <dgm:ptLst>
     <dgm:pt modelId="{41EDC0B5-5B2E-40F6-A795-26759C403F93}" type="doc">
-      <dgm:prSet loTypeId="urn:microsoft.com/office/officeart/2005/8/layout/target2" loCatId="relationship" qsTypeId="urn:microsoft.com/office/officeart/2009/2/quickstyle/3d8" qsCatId="3D" csTypeId="urn:microsoft.com/office/officeart/2005/8/colors/accent1_2" csCatId="accent1" phldr="1"/>
+      <dgm:prSet loTypeId="urn:microsoft.com/office/officeart/2005/8/layout/target2" loCatId="relationship" qsTypeId="urn:microsoft.com/office/officeart/2005/8/quickstyle/3d4" qsCatId="3D" csTypeId="urn:microsoft.com/office/officeart/2005/8/colors/accent1_2" csCatId="accent1" phldr="1"/>
       <dgm:spPr/>
       <dgm:t>
         <a:bodyPr/>
@@ -9328,19 +9328,19 @@
     </dgm:pt>
   </dgm:ptLst>
   <dgm:cxnLst>
+    <dgm:cxn modelId="{C54A608E-21D2-43AA-B51B-DEF0F85C137B}" srcId="{27FA57F4-188E-4BD9-8285-85AC9430C1CA}" destId="{A1B118FD-1FEB-4C32-90A6-C74FF73ACC39}" srcOrd="0" destOrd="0" parTransId="{5DB2BB6F-623C-4D2B-9BAF-DCD48CD1A9C5}" sibTransId="{8DA34FC6-56B2-4413-80C1-1BB77F092E34}"/>
+    <dgm:cxn modelId="{3CCA7E8F-9E1A-48EA-BA14-0A763B20D42D}" srcId="{41EDC0B5-5B2E-40F6-A795-26759C403F93}" destId="{00AA778E-02C5-4AB7-94AA-A238D1ABCE99}" srcOrd="1" destOrd="0" parTransId="{29E54D22-60C7-46BE-9AFD-CA81944A36C4}" sibTransId="{7D102F0B-EB58-4562-BF14-F927D2AC4478}"/>
     <dgm:cxn modelId="{70816197-3CCD-4374-A787-AD50B6C98107}" srcId="{41EDC0B5-5B2E-40F6-A795-26759C403F93}" destId="{3B8C848E-B7C5-4BFA-9530-8B78A658DBF9}" srcOrd="0" destOrd="0" parTransId="{63492834-D0E4-41B4-B7F7-53FCFD5E2B26}" sibTransId="{A1BBA8FF-D579-4E2A-8000-37E8226C6F13}"/>
+    <dgm:cxn modelId="{83FF0B91-87EB-4F13-84AB-6C3D5FB7D2A5}" srcId="{41EDC0B5-5B2E-40F6-A795-26759C403F93}" destId="{27FA57F4-188E-4BD9-8285-85AC9430C1CA}" srcOrd="2" destOrd="0" parTransId="{EEDFEE3B-048B-4931-9733-606A3F23765B}" sibTransId="{8FFD755D-67E9-46A2-940B-D8AAEE3A428A}"/>
+    <dgm:cxn modelId="{972DCC70-CC7D-4C0D-B235-59E3598EF66A}" srcId="{3B8C848E-B7C5-4BFA-9530-8B78A658DBF9}" destId="{3522712F-F43A-4175-BE83-10EA01740169}" srcOrd="0" destOrd="0" parTransId="{9E1B4B29-EEF3-45C0-9878-1588634F9605}" sibTransId="{EC03DB40-A835-4E7C-BD1B-9A73530AE7D6}"/>
+    <dgm:cxn modelId="{FE52B234-DDA2-41A4-A0FB-8C00997A6DC9}" type="presOf" srcId="{A1B118FD-1FEB-4C32-90A6-C74FF73ACC39}" destId="{2C1EC8B9-85E5-46D8-A0E1-9621919A32B4}" srcOrd="0" destOrd="0" presId="urn:microsoft.com/office/officeart/2005/8/layout/target2"/>
+    <dgm:cxn modelId="{50090F85-38F3-4F38-9C95-0E87B537E31A}" type="presOf" srcId="{27FA57F4-188E-4BD9-8285-85AC9430C1CA}" destId="{A5A6D88A-617E-417D-BD7B-EBF9A20413FC}" srcOrd="0" destOrd="0" presId="urn:microsoft.com/office/officeart/2005/8/layout/target2"/>
+    <dgm:cxn modelId="{48FAC39E-92B9-4C02-B497-F47EA4BC281E}" type="presOf" srcId="{E050978C-0D9B-48B8-B177-C3932AA7913C}" destId="{003ADD9F-4AC4-45B5-8DD6-EC81A27549EB}" srcOrd="0" destOrd="0" presId="urn:microsoft.com/office/officeart/2005/8/layout/target2"/>
+    <dgm:cxn modelId="{852D2E0A-BBFF-4CF9-86C8-AA48801398EE}" type="presOf" srcId="{00AA778E-02C5-4AB7-94AA-A238D1ABCE99}" destId="{ADD3C99B-AFC3-47B1-A4DF-7A75CC6ABE97}" srcOrd="0" destOrd="0" presId="urn:microsoft.com/office/officeart/2005/8/layout/target2"/>
+    <dgm:cxn modelId="{A64CD332-3C8D-4E29-BBA4-ACA4A5C70894}" type="presOf" srcId="{3B8C848E-B7C5-4BFA-9530-8B78A658DBF9}" destId="{BFCD2251-09FB-4193-82AE-20E41AABECB4}" srcOrd="0" destOrd="0" presId="urn:microsoft.com/office/officeart/2005/8/layout/target2"/>
+    <dgm:cxn modelId="{3005B341-3B26-4ADD-85E4-C5EDCE0C9E20}" type="presOf" srcId="{3522712F-F43A-4175-BE83-10EA01740169}" destId="{B75B4B1B-09EA-44A0-A091-652EBDE0EA98}" srcOrd="0" destOrd="0" presId="urn:microsoft.com/office/officeart/2005/8/layout/target2"/>
+    <dgm:cxn modelId="{C8C2BECC-9D45-4EA0-8AC7-5375EB5F3EB6}" srcId="{00AA778E-02C5-4AB7-94AA-A238D1ABCE99}" destId="{E050978C-0D9B-48B8-B177-C3932AA7913C}" srcOrd="0" destOrd="0" parTransId="{BB79AFD7-3839-453A-8EB2-A52F965A8C76}" sibTransId="{D22D7724-B8DF-454F-9C7C-F4D3FEA5F73C}"/>
     <dgm:cxn modelId="{75D2E0ED-99D5-44BB-AB4D-0F23545695CF}" type="presOf" srcId="{41EDC0B5-5B2E-40F6-A795-26759C403F93}" destId="{5DC2A2A4-321E-49F3-87D9-1E402D63144A}" srcOrd="0" destOrd="0" presId="urn:microsoft.com/office/officeart/2005/8/layout/target2"/>
-    <dgm:cxn modelId="{C8C2BECC-9D45-4EA0-8AC7-5375EB5F3EB6}" srcId="{00AA778E-02C5-4AB7-94AA-A238D1ABCE99}" destId="{E050978C-0D9B-48B8-B177-C3932AA7913C}" srcOrd="0" destOrd="0" parTransId="{BB79AFD7-3839-453A-8EB2-A52F965A8C76}" sibTransId="{D22D7724-B8DF-454F-9C7C-F4D3FEA5F73C}"/>
-    <dgm:cxn modelId="{3005B341-3B26-4ADD-85E4-C5EDCE0C9E20}" type="presOf" srcId="{3522712F-F43A-4175-BE83-10EA01740169}" destId="{B75B4B1B-09EA-44A0-A091-652EBDE0EA98}" srcOrd="0" destOrd="0" presId="urn:microsoft.com/office/officeart/2005/8/layout/target2"/>
-    <dgm:cxn modelId="{972DCC70-CC7D-4C0D-B235-59E3598EF66A}" srcId="{3B8C848E-B7C5-4BFA-9530-8B78A658DBF9}" destId="{3522712F-F43A-4175-BE83-10EA01740169}" srcOrd="0" destOrd="0" parTransId="{9E1B4B29-EEF3-45C0-9878-1588634F9605}" sibTransId="{EC03DB40-A835-4E7C-BD1B-9A73530AE7D6}"/>
-    <dgm:cxn modelId="{50090F85-38F3-4F38-9C95-0E87B537E31A}" type="presOf" srcId="{27FA57F4-188E-4BD9-8285-85AC9430C1CA}" destId="{A5A6D88A-617E-417D-BD7B-EBF9A20413FC}" srcOrd="0" destOrd="0" presId="urn:microsoft.com/office/officeart/2005/8/layout/target2"/>
-    <dgm:cxn modelId="{FE52B234-DDA2-41A4-A0FB-8C00997A6DC9}" type="presOf" srcId="{A1B118FD-1FEB-4C32-90A6-C74FF73ACC39}" destId="{2C1EC8B9-85E5-46D8-A0E1-9621919A32B4}" srcOrd="0" destOrd="0" presId="urn:microsoft.com/office/officeart/2005/8/layout/target2"/>
-    <dgm:cxn modelId="{48FAC39E-92B9-4C02-B497-F47EA4BC281E}" type="presOf" srcId="{E050978C-0D9B-48B8-B177-C3932AA7913C}" destId="{003ADD9F-4AC4-45B5-8DD6-EC81A27549EB}" srcOrd="0" destOrd="0" presId="urn:microsoft.com/office/officeart/2005/8/layout/target2"/>
-    <dgm:cxn modelId="{83FF0B91-87EB-4F13-84AB-6C3D5FB7D2A5}" srcId="{41EDC0B5-5B2E-40F6-A795-26759C403F93}" destId="{27FA57F4-188E-4BD9-8285-85AC9430C1CA}" srcOrd="2" destOrd="0" parTransId="{EEDFEE3B-048B-4931-9733-606A3F23765B}" sibTransId="{8FFD755D-67E9-46A2-940B-D8AAEE3A428A}"/>
-    <dgm:cxn modelId="{3CCA7E8F-9E1A-48EA-BA14-0A763B20D42D}" srcId="{41EDC0B5-5B2E-40F6-A795-26759C403F93}" destId="{00AA778E-02C5-4AB7-94AA-A238D1ABCE99}" srcOrd="1" destOrd="0" parTransId="{29E54D22-60C7-46BE-9AFD-CA81944A36C4}" sibTransId="{7D102F0B-EB58-4562-BF14-F927D2AC4478}"/>
-    <dgm:cxn modelId="{852D2E0A-BBFF-4CF9-86C8-AA48801398EE}" type="presOf" srcId="{00AA778E-02C5-4AB7-94AA-A238D1ABCE99}" destId="{ADD3C99B-AFC3-47B1-A4DF-7A75CC6ABE97}" srcOrd="0" destOrd="0" presId="urn:microsoft.com/office/officeart/2005/8/layout/target2"/>
-    <dgm:cxn modelId="{C54A608E-21D2-43AA-B51B-DEF0F85C137B}" srcId="{27FA57F4-188E-4BD9-8285-85AC9430C1CA}" destId="{A1B118FD-1FEB-4C32-90A6-C74FF73ACC39}" srcOrd="0" destOrd="0" parTransId="{5DB2BB6F-623C-4D2B-9BAF-DCD48CD1A9C5}" sibTransId="{8DA34FC6-56B2-4413-80C1-1BB77F092E34}"/>
-    <dgm:cxn modelId="{A64CD332-3C8D-4E29-BBA4-ACA4A5C70894}" type="presOf" srcId="{3B8C848E-B7C5-4BFA-9530-8B78A658DBF9}" destId="{BFCD2251-09FB-4193-82AE-20E41AABECB4}" srcOrd="0" destOrd="0" presId="urn:microsoft.com/office/officeart/2005/8/layout/target2"/>
     <dgm:cxn modelId="{FBEA4A22-37AA-4D19-92F3-A05F7B4C4F3C}" type="presParOf" srcId="{5DC2A2A4-321E-49F3-87D9-1E402D63144A}" destId="{47ABF3AE-7C0F-4F37-99E7-26C498633561}" srcOrd="0" destOrd="0" presId="urn:microsoft.com/office/officeart/2005/8/layout/target2"/>
     <dgm:cxn modelId="{FBFC4953-E3A1-4666-AE1A-E9EA156A9741}" type="presParOf" srcId="{47ABF3AE-7C0F-4F37-99E7-26C498633561}" destId="{BFCD2251-09FB-4193-82AE-20E41AABECB4}" srcOrd="0" destOrd="0" presId="urn:microsoft.com/office/officeart/2005/8/layout/target2"/>
     <dgm:cxn modelId="{1C0CD012-4D6C-4F64-8494-29ED0B444B63}" type="presParOf" srcId="{47ABF3AE-7C0F-4F37-99E7-26C498633561}" destId="{40DC6C87-52FE-4881-A102-E1D5BF83157F}" srcOrd="1" destOrd="0" presId="urn:microsoft.com/office/officeart/2005/8/layout/target2"/>
@@ -13805,53 +13805,53 @@
     </dgm:pt>
   </dgm:ptLst>
   <dgm:cxnLst>
-    <dgm:cxn modelId="{18D20495-54B2-41BA-B806-37002FB53632}" type="presOf" srcId="{69705CEA-F570-453E-89C2-BF794F678958}" destId="{BC230F88-AF16-401E-847A-5EB6F35167B5}" srcOrd="0" destOrd="0" presId="urn:microsoft.com/office/officeart/2008/layout/HorizontalMultiLevelHierarchy"/>
-    <dgm:cxn modelId="{E47C819D-D54E-4599-897F-5F05D785E91C}" type="presOf" srcId="{80A8E8CD-E500-4265-9EBD-08F5903454F8}" destId="{4E7B5B8A-E25E-4056-A287-F1501FE9A818}" srcOrd="1" destOrd="0" presId="urn:microsoft.com/office/officeart/2008/layout/HorizontalMultiLevelHierarchy"/>
-    <dgm:cxn modelId="{C91CC287-7190-42C4-97C0-2D91E272BCC3}" type="presOf" srcId="{47DBA1AE-1E15-431B-816E-E3495D91D50D}" destId="{C3B714E9-8D56-4F47-AE83-1B4A1B36E261}" srcOrd="0" destOrd="0" presId="urn:microsoft.com/office/officeart/2008/layout/HorizontalMultiLevelHierarchy"/>
-    <dgm:cxn modelId="{020A2310-5D97-4D7E-9909-51E2CE9FB027}" type="presOf" srcId="{7D4A7BEA-0826-4D7F-9B13-830276B86077}" destId="{175FB72B-84C8-486C-9686-3AA16043A190}" srcOrd="0" destOrd="0" presId="urn:microsoft.com/office/officeart/2008/layout/HorizontalMultiLevelHierarchy"/>
-    <dgm:cxn modelId="{68BEAA0F-F727-404F-A1C3-B6A93BF7DE79}" type="presOf" srcId="{B3A3E97E-B1F5-4285-B3CC-626A9AFB88AF}" destId="{962A20E9-4E8A-4469-B9A9-712648A37A7E}" srcOrd="1" destOrd="0" presId="urn:microsoft.com/office/officeart/2008/layout/HorizontalMultiLevelHierarchy"/>
-    <dgm:cxn modelId="{DC17CFEB-C2B6-4EF4-A568-2436AA4299E9}" type="presOf" srcId="{BCECA982-1209-40D3-90B9-DB39233875A5}" destId="{85116997-987D-40A8-AFCA-C5A54CBB823D}" srcOrd="0" destOrd="0" presId="urn:microsoft.com/office/officeart/2008/layout/HorizontalMultiLevelHierarchy"/>
-    <dgm:cxn modelId="{0E9DAE43-BD16-4A14-9821-2524BC241F48}" srcId="{CE13128E-9149-4B70-91DE-630C4ABBFE00}" destId="{08C55BA2-31D6-43CA-BE8B-18095A33123C}" srcOrd="1" destOrd="0" parTransId="{6DB745CF-1A78-406B-8408-ECE8759E9FA1}" sibTransId="{E3EE3127-9860-436D-80DB-2AE4EBD12F9F}"/>
-    <dgm:cxn modelId="{A67FD952-7E3E-42C2-B9AC-9786F65D1584}" srcId="{08C55BA2-31D6-43CA-BE8B-18095A33123C}" destId="{4A1CE773-3E85-4B37-BA18-CB28DF37705F}" srcOrd="0" destOrd="0" parTransId="{C970C188-F04F-415C-B685-2C4E7AFB148E}" sibTransId="{1EF5A848-6056-46B2-8C3B-F197EDA52614}"/>
-    <dgm:cxn modelId="{A9952C7E-C879-479B-834A-6036B1AB1527}" srcId="{7DF7B6DD-8D79-468E-B015-C667742FBFEB}" destId="{CE13128E-9149-4B70-91DE-630C4ABBFE00}" srcOrd="0" destOrd="0" parTransId="{C6E5B58F-10F1-4A0F-B24B-83ABFC7283E8}" sibTransId="{6CE5C753-8F6C-4D7B-8CBB-35D97C591B3B}"/>
-    <dgm:cxn modelId="{D5162A70-9646-4B9A-9D47-8847B119A36D}" type="presOf" srcId="{DC5DA3D9-0E16-42DE-894D-7A0ACA3BEA89}" destId="{5AE26B0C-D01B-45E0-A33F-6264A326BBFD}" srcOrd="1" destOrd="0" presId="urn:microsoft.com/office/officeart/2008/layout/HorizontalMultiLevelHierarchy"/>
-    <dgm:cxn modelId="{BB8CC356-122F-4E4D-BF7E-874EEDB47A04}" type="presOf" srcId="{C6E5B58F-10F1-4A0F-B24B-83ABFC7283E8}" destId="{E04E75EF-3FF5-4F99-9454-4458B90560B9}" srcOrd="0" destOrd="0" presId="urn:microsoft.com/office/officeart/2008/layout/HorizontalMultiLevelHierarchy"/>
-    <dgm:cxn modelId="{B353EAEA-C1EF-497E-AD8A-EEFA8A1765D1}" type="presOf" srcId="{305D8F76-DE5C-477C-9DE0-661AB94732FF}" destId="{2DB62359-910D-4F81-A286-8DE2D01AD00D}" srcOrd="1" destOrd="0" presId="urn:microsoft.com/office/officeart/2008/layout/HorizontalMultiLevelHierarchy"/>
-    <dgm:cxn modelId="{BB366179-8CB8-48F8-B469-8D59183C75FA}" type="presOf" srcId="{DC5DA3D9-0E16-42DE-894D-7A0ACA3BEA89}" destId="{76804D07-263C-4BFE-886B-E38C63B4A639}" srcOrd="0" destOrd="0" presId="urn:microsoft.com/office/officeart/2008/layout/HorizontalMultiLevelHierarchy"/>
-    <dgm:cxn modelId="{CC33FE3A-2675-4C05-AC2C-C262B46663BD}" type="presOf" srcId="{08C55BA2-31D6-43CA-BE8B-18095A33123C}" destId="{E44A7F6B-CDD6-46D7-8C6D-31E128DCFA9B}" srcOrd="0" destOrd="0" presId="urn:microsoft.com/office/officeart/2008/layout/HorizontalMultiLevelHierarchy"/>
-    <dgm:cxn modelId="{8F03D61F-9583-4BD6-9C0A-EAE164CEDD1E}" srcId="{D24B9365-C298-4D09-9B43-19F1F42CB936}" destId="{9CDE7211-7213-4221-9E18-349FFE24B791}" srcOrd="0" destOrd="0" parTransId="{DC5DA3D9-0E16-42DE-894D-7A0ACA3BEA89}" sibTransId="{29A5C94B-43C5-43DC-83C7-D6A9D3B54949}"/>
-    <dgm:cxn modelId="{4A871634-BAF2-4366-8270-342BEC8E9356}" type="presOf" srcId="{BCECA982-1209-40D3-90B9-DB39233875A5}" destId="{59995DB5-1B81-4758-85FC-551EB375F06C}" srcOrd="1" destOrd="0" presId="urn:microsoft.com/office/officeart/2008/layout/HorizontalMultiLevelHierarchy"/>
-    <dgm:cxn modelId="{1BF0094A-FEFC-422B-B205-AFF45445190D}" type="presOf" srcId="{63FF3E21-F438-42A5-8D7B-E965B1D3812A}" destId="{9539C340-DD91-4CCB-9617-C26D5EA57291}" srcOrd="1" destOrd="0" presId="urn:microsoft.com/office/officeart/2008/layout/HorizontalMultiLevelHierarchy"/>
-    <dgm:cxn modelId="{8E4EFBD5-37F1-443C-8D37-89A4DC4A200B}" type="presOf" srcId="{31A7FA4E-1377-4668-AA4A-F847E0BA75F9}" destId="{64DC2729-4AEE-46FC-A4B3-43AAC41F9DD2}" srcOrd="0" destOrd="0" presId="urn:microsoft.com/office/officeart/2008/layout/HorizontalMultiLevelHierarchy"/>
-    <dgm:cxn modelId="{27FA3CE5-0EFE-4E17-AEF1-7436EA42B042}" srcId="{4A1CE773-3E85-4B37-BA18-CB28DF37705F}" destId="{47DBA1AE-1E15-431B-816E-E3495D91D50D}" srcOrd="0" destOrd="0" parTransId="{DB96E258-2D1C-4B1E-950D-055EBF0AF5CA}" sibTransId="{91669A65-5834-4388-8EB8-E7B6090E317E}"/>
+    <dgm:cxn modelId="{AE1EFA4F-43D7-4B31-9E7F-940D6FCC10FD}" type="presOf" srcId="{7DF7B6DD-8D79-468E-B015-C667742FBFEB}" destId="{85F62DE2-963F-4C4E-96AF-E89F91C81D5C}" srcOrd="0" destOrd="0" presId="urn:microsoft.com/office/officeart/2008/layout/HorizontalMultiLevelHierarchy"/>
+    <dgm:cxn modelId="{B4FD77FA-C77B-48AF-8FBC-9D705ED00DE4}" type="presOf" srcId="{9B0E06C2-4430-4C22-92AF-6D91175F2E8B}" destId="{99E58E7E-BFE3-414B-AF9D-7BB998895FEF}" srcOrd="0" destOrd="0" presId="urn:microsoft.com/office/officeart/2008/layout/HorizontalMultiLevelHierarchy"/>
     <dgm:cxn modelId="{AE4F2E6D-309B-4F80-8E06-C12019005D59}" type="presOf" srcId="{DB96E258-2D1C-4B1E-950D-055EBF0AF5CA}" destId="{1B00757B-AD37-414D-BCDF-A22538F398D1}" srcOrd="1" destOrd="0" presId="urn:microsoft.com/office/officeart/2008/layout/HorizontalMultiLevelHierarchy"/>
-    <dgm:cxn modelId="{F693BDB5-3E8E-4D97-A21C-531C30DC49A7}" type="presOf" srcId="{C00D11A3-9D06-466C-BA99-53F0B6A1B1FC}" destId="{2FAEB9D7-2202-48D6-BEFE-7691405C0023}" srcOrd="0" destOrd="0" presId="urn:microsoft.com/office/officeart/2008/layout/HorizontalMultiLevelHierarchy"/>
-    <dgm:cxn modelId="{B54418A1-3FDE-464D-B17A-A04C569FE824}" type="presOf" srcId="{6DB745CF-1A78-406B-8408-ECE8759E9FA1}" destId="{3E2CFF2C-518D-45AB-95AC-8B2259762694}" srcOrd="1" destOrd="0" presId="urn:microsoft.com/office/officeart/2008/layout/HorizontalMultiLevelHierarchy"/>
-    <dgm:cxn modelId="{82597DAD-63A8-4A76-B9BE-23D8DF04E26F}" type="presOf" srcId="{CE13128E-9149-4B70-91DE-630C4ABBFE00}" destId="{CCC824B9-6D4D-4981-9C76-2E02AF6A080B}" srcOrd="0" destOrd="0" presId="urn:microsoft.com/office/officeart/2008/layout/HorizontalMultiLevelHierarchy"/>
-    <dgm:cxn modelId="{EA349AEE-F38C-4392-A380-76DF0CF9C396}" type="presOf" srcId="{C970C188-F04F-415C-B685-2C4E7AFB148E}" destId="{D9A7ED5D-FF3B-42E9-A95A-82691CE48DCF}" srcOrd="0" destOrd="0" presId="urn:microsoft.com/office/officeart/2008/layout/HorizontalMultiLevelHierarchy"/>
     <dgm:cxn modelId="{9F3DCA4B-DDEA-4D57-A2BE-01EDAA20879E}" srcId="{3D7E4721-08AD-4056-9D97-280A0288FF53}" destId="{7DF7B6DD-8D79-468E-B015-C667742FBFEB}" srcOrd="0" destOrd="0" parTransId="{1B8AF3C6-2F66-4552-8F48-4A75818AB395}" sibTransId="{473ED60A-3384-44E1-AF12-F229B86CAE9E}"/>
     <dgm:cxn modelId="{0911AA29-B75D-4350-AE96-7B3FAD2DFDF5}" type="presOf" srcId="{C00D11A3-9D06-466C-BA99-53F0B6A1B1FC}" destId="{4A7E1716-0151-45F0-9631-89C21FC2D372}" srcOrd="1" destOrd="0" presId="urn:microsoft.com/office/officeart/2008/layout/HorizontalMultiLevelHierarchy"/>
-    <dgm:cxn modelId="{91BB3751-AE35-42E3-9C14-D0C99A4298F0}" srcId="{69705CEA-F570-453E-89C2-BF794F678958}" destId="{7D4A7BEA-0826-4D7F-9B13-830276B86077}" srcOrd="0" destOrd="0" parTransId="{80A8E8CD-E500-4265-9EBD-08F5903454F8}" sibTransId="{652FD5D0-86D7-4337-9B75-D2CD6C870809}"/>
+    <dgm:cxn modelId="{6C19DA65-7600-49E5-A4BA-A0BBEFEC9683}" type="presOf" srcId="{6DB745CF-1A78-406B-8408-ECE8759E9FA1}" destId="{7FF2BF7D-A4BE-4AF2-9EFD-0878EA33F434}" srcOrd="0" destOrd="0" presId="urn:microsoft.com/office/officeart/2008/layout/HorizontalMultiLevelHierarchy"/>
+    <dgm:cxn modelId="{DC17CFEB-C2B6-4EF4-A568-2436AA4299E9}" type="presOf" srcId="{BCECA982-1209-40D3-90B9-DB39233875A5}" destId="{85116997-987D-40A8-AFCA-C5A54CBB823D}" srcOrd="0" destOrd="0" presId="urn:microsoft.com/office/officeart/2008/layout/HorizontalMultiLevelHierarchy"/>
+    <dgm:cxn modelId="{E47C819D-D54E-4599-897F-5F05D785E91C}" type="presOf" srcId="{80A8E8CD-E500-4265-9EBD-08F5903454F8}" destId="{4E7B5B8A-E25E-4056-A287-F1501FE9A818}" srcOrd="1" destOrd="0" presId="urn:microsoft.com/office/officeart/2008/layout/HorizontalMultiLevelHierarchy"/>
     <dgm:cxn modelId="{84BE7329-BE44-40EF-A84C-01DCF7EA027F}" type="presOf" srcId="{0ED25E3A-194B-4DBD-AE05-C5BAB2D4B322}" destId="{FBCAE61C-F8F7-4954-B5B0-98F173752588}" srcOrd="0" destOrd="0" presId="urn:microsoft.com/office/officeart/2008/layout/HorizontalMultiLevelHierarchy"/>
-    <dgm:cxn modelId="{CC6C77C6-FE6E-49D4-86B7-B41D722DE6FD}" srcId="{D24B9365-C298-4D09-9B43-19F1F42CB936}" destId="{31A7FA4E-1377-4668-AA4A-F847E0BA75F9}" srcOrd="1" destOrd="0" parTransId="{BCECA982-1209-40D3-90B9-DB39233875A5}" sibTransId="{84D3DBC8-A14D-46AC-9625-01BC5680C226}"/>
+    <dgm:cxn modelId="{4A871634-BAF2-4366-8270-342BEC8E9356}" type="presOf" srcId="{BCECA982-1209-40D3-90B9-DB39233875A5}" destId="{59995DB5-1B81-4758-85FC-551EB375F06C}" srcOrd="1" destOrd="0" presId="urn:microsoft.com/office/officeart/2008/layout/HorizontalMultiLevelHierarchy"/>
+    <dgm:cxn modelId="{EA349AEE-F38C-4392-A380-76DF0CF9C396}" type="presOf" srcId="{C970C188-F04F-415C-B685-2C4E7AFB148E}" destId="{D9A7ED5D-FF3B-42E9-A95A-82691CE48DCF}" srcOrd="0" destOrd="0" presId="urn:microsoft.com/office/officeart/2008/layout/HorizontalMultiLevelHierarchy"/>
+    <dgm:cxn modelId="{27FA3CE5-0EFE-4E17-AEF1-7436EA42B042}" srcId="{4A1CE773-3E85-4B37-BA18-CB28DF37705F}" destId="{47DBA1AE-1E15-431B-816E-E3495D91D50D}" srcOrd="0" destOrd="0" parTransId="{DB96E258-2D1C-4B1E-950D-055EBF0AF5CA}" sibTransId="{91669A65-5834-4388-8EB8-E7B6090E317E}"/>
+    <dgm:cxn modelId="{B671D779-080D-46B7-806E-9D6D7A129DE5}" type="presOf" srcId="{B3A3E97E-B1F5-4285-B3CC-626A9AFB88AF}" destId="{7F8C45BB-9C92-4B8F-B244-3A92D6C34FF5}" srcOrd="0" destOrd="0" presId="urn:microsoft.com/office/officeart/2008/layout/HorizontalMultiLevelHierarchy"/>
+    <dgm:cxn modelId="{BB8CC356-122F-4E4D-BF7E-874EEDB47A04}" type="presOf" srcId="{C6E5B58F-10F1-4A0F-B24B-83ABFC7283E8}" destId="{E04E75EF-3FF5-4F99-9454-4458B90560B9}" srcOrd="0" destOrd="0" presId="urn:microsoft.com/office/officeart/2008/layout/HorizontalMultiLevelHierarchy"/>
+    <dgm:cxn modelId="{BB366179-8CB8-48F8-B469-8D59183C75FA}" type="presOf" srcId="{DC5DA3D9-0E16-42DE-894D-7A0ACA3BEA89}" destId="{76804D07-263C-4BFE-886B-E38C63B4A639}" srcOrd="0" destOrd="0" presId="urn:microsoft.com/office/officeart/2008/layout/HorizontalMultiLevelHierarchy"/>
+    <dgm:cxn modelId="{A9952C7E-C879-479B-834A-6036B1AB1527}" srcId="{7DF7B6DD-8D79-468E-B015-C667742FBFEB}" destId="{CE13128E-9149-4B70-91DE-630C4ABBFE00}" srcOrd="0" destOrd="0" parTransId="{C6E5B58F-10F1-4A0F-B24B-83ABFC7283E8}" sibTransId="{6CE5C753-8F6C-4D7B-8CBB-35D97C591B3B}"/>
+    <dgm:cxn modelId="{82597DAD-63A8-4A76-B9BE-23D8DF04E26F}" type="presOf" srcId="{CE13128E-9149-4B70-91DE-630C4ABBFE00}" destId="{CCC824B9-6D4D-4981-9C76-2E02AF6A080B}" srcOrd="0" destOrd="0" presId="urn:microsoft.com/office/officeart/2008/layout/HorizontalMultiLevelHierarchy"/>
+    <dgm:cxn modelId="{B54418A1-3FDE-464D-B17A-A04C569FE824}" type="presOf" srcId="{6DB745CF-1A78-406B-8408-ECE8759E9FA1}" destId="{3E2CFF2C-518D-45AB-95AC-8B2259762694}" srcOrd="1" destOrd="0" presId="urn:microsoft.com/office/officeart/2008/layout/HorizontalMultiLevelHierarchy"/>
+    <dgm:cxn modelId="{F693BDB5-3E8E-4D97-A21C-531C30DC49A7}" type="presOf" srcId="{C00D11A3-9D06-466C-BA99-53F0B6A1B1FC}" destId="{2FAEB9D7-2202-48D6-BEFE-7691405C0023}" srcOrd="0" destOrd="0" presId="urn:microsoft.com/office/officeart/2008/layout/HorizontalMultiLevelHierarchy"/>
+    <dgm:cxn modelId="{8F03D61F-9583-4BD6-9C0A-EAE164CEDD1E}" srcId="{D24B9365-C298-4D09-9B43-19F1F42CB936}" destId="{9CDE7211-7213-4221-9E18-349FFE24B791}" srcOrd="0" destOrd="0" parTransId="{DC5DA3D9-0E16-42DE-894D-7A0ACA3BEA89}" sibTransId="{29A5C94B-43C5-43DC-83C7-D6A9D3B54949}"/>
+    <dgm:cxn modelId="{FBC35013-D260-4A4E-A0AB-B35E1343F84D}" srcId="{7D4A7BEA-0826-4D7F-9B13-830276B86077}" destId="{D24B9365-C298-4D09-9B43-19F1F42CB936}" srcOrd="0" destOrd="0" parTransId="{63FF3E21-F438-42A5-8D7B-E965B1D3812A}" sibTransId="{8DD4E92C-112D-485C-B591-98B1A3C4F30E}"/>
+    <dgm:cxn modelId="{020A2310-5D97-4D7E-9909-51E2CE9FB027}" type="presOf" srcId="{7D4A7BEA-0826-4D7F-9B13-830276B86077}" destId="{175FB72B-84C8-486C-9686-3AA16043A190}" srcOrd="0" destOrd="0" presId="urn:microsoft.com/office/officeart/2008/layout/HorizontalMultiLevelHierarchy"/>
+    <dgm:cxn modelId="{100C4F7D-2A1A-4546-B2DC-F10C4BB3C755}" srcId="{7DF7B6DD-8D79-468E-B015-C667742FBFEB}" destId="{69705CEA-F570-453E-89C2-BF794F678958}" srcOrd="1" destOrd="0" parTransId="{C00D11A3-9D06-466C-BA99-53F0B6A1B1FC}" sibTransId="{2CA70043-153C-4528-8CBA-351914359EE1}"/>
+    <dgm:cxn modelId="{788DF614-934B-4CDE-8FF1-17B10ABAAFDA}" type="presOf" srcId="{C970C188-F04F-415C-B685-2C4E7AFB148E}" destId="{C592C0A8-EC42-4A45-91EE-9CDFDF8DA551}" srcOrd="1" destOrd="0" presId="urn:microsoft.com/office/officeart/2008/layout/HorizontalMultiLevelHierarchy"/>
+    <dgm:cxn modelId="{E7A7BC4A-FA59-4FC2-A70C-7826F6D84463}" type="presOf" srcId="{3D7E4721-08AD-4056-9D97-280A0288FF53}" destId="{48EA20E2-9F73-4378-9103-C6F25598EA7F}" srcOrd="0" destOrd="0" presId="urn:microsoft.com/office/officeart/2008/layout/HorizontalMultiLevelHierarchy"/>
+    <dgm:cxn modelId="{C91CC287-7190-42C4-97C0-2D91E272BCC3}" type="presOf" srcId="{47DBA1AE-1E15-431B-816E-E3495D91D50D}" destId="{C3B714E9-8D56-4F47-AE83-1B4A1B36E261}" srcOrd="0" destOrd="0" presId="urn:microsoft.com/office/officeart/2008/layout/HorizontalMultiLevelHierarchy"/>
+    <dgm:cxn modelId="{A9BC8CC8-D9B4-420C-A71C-562C76E994F1}" srcId="{CE13128E-9149-4B70-91DE-630C4ABBFE00}" destId="{0ED25E3A-194B-4DBD-AE05-C5BAB2D4B322}" srcOrd="0" destOrd="0" parTransId="{305D8F76-DE5C-477C-9DE0-661AB94732FF}" sibTransId="{964FDF4F-7DC1-44AC-84EA-F8B8AA5B99EA}"/>
+    <dgm:cxn modelId="{9A780A0D-89E7-413B-80CA-0ADF2A767F6C}" type="presOf" srcId="{D24B9365-C298-4D09-9B43-19F1F42CB936}" destId="{C1F3184D-BED2-4588-91D0-6026066D0495}" srcOrd="0" destOrd="0" presId="urn:microsoft.com/office/officeart/2008/layout/HorizontalMultiLevelHierarchy"/>
     <dgm:cxn modelId="{39F6116F-B56E-4177-8F3B-03B043793E50}" type="presOf" srcId="{DB96E258-2D1C-4B1E-950D-055EBF0AF5CA}" destId="{C0070F97-A64B-4B18-A039-4EA6BBCC45E3}" srcOrd="0" destOrd="0" presId="urn:microsoft.com/office/officeart/2008/layout/HorizontalMultiLevelHierarchy"/>
-    <dgm:cxn modelId="{AE1EFA4F-43D7-4B31-9E7F-940D6FCC10FD}" type="presOf" srcId="{7DF7B6DD-8D79-468E-B015-C667742FBFEB}" destId="{85F62DE2-963F-4C4E-96AF-E89F91C81D5C}" srcOrd="0" destOrd="0" presId="urn:microsoft.com/office/officeart/2008/layout/HorizontalMultiLevelHierarchy"/>
-    <dgm:cxn modelId="{6C19DA65-7600-49E5-A4BA-A0BBEFEC9683}" type="presOf" srcId="{6DB745CF-1A78-406B-8408-ECE8759E9FA1}" destId="{7FF2BF7D-A4BE-4AF2-9EFD-0878EA33F434}" srcOrd="0" destOrd="0" presId="urn:microsoft.com/office/officeart/2008/layout/HorizontalMultiLevelHierarchy"/>
-    <dgm:cxn modelId="{B671D779-080D-46B7-806E-9D6D7A129DE5}" type="presOf" srcId="{B3A3E97E-B1F5-4285-B3CC-626A9AFB88AF}" destId="{7F8C45BB-9C92-4B8F-B244-3A92D6C34FF5}" srcOrd="0" destOrd="0" presId="urn:microsoft.com/office/officeart/2008/layout/HorizontalMultiLevelHierarchy"/>
-    <dgm:cxn modelId="{788DF614-934B-4CDE-8FF1-17B10ABAAFDA}" type="presOf" srcId="{C970C188-F04F-415C-B685-2C4E7AFB148E}" destId="{C592C0A8-EC42-4A45-91EE-9CDFDF8DA551}" srcOrd="1" destOrd="0" presId="urn:microsoft.com/office/officeart/2008/layout/HorizontalMultiLevelHierarchy"/>
-    <dgm:cxn modelId="{1A56D051-FCD1-4ACE-B517-CA53D4CD293A}" type="presOf" srcId="{C6E5B58F-10F1-4A0F-B24B-83ABFC7283E8}" destId="{350094D2-7DCD-4D6D-BF3C-22BADCB8186A}" srcOrd="1" destOrd="0" presId="urn:microsoft.com/office/officeart/2008/layout/HorizontalMultiLevelHierarchy"/>
-    <dgm:cxn modelId="{9A780A0D-89E7-413B-80CA-0ADF2A767F6C}" type="presOf" srcId="{D24B9365-C298-4D09-9B43-19F1F42CB936}" destId="{C1F3184D-BED2-4588-91D0-6026066D0495}" srcOrd="0" destOrd="0" presId="urn:microsoft.com/office/officeart/2008/layout/HorizontalMultiLevelHierarchy"/>
-    <dgm:cxn modelId="{38540718-F67F-4C11-9B24-F182E409F9F7}" srcId="{4A1CE773-3E85-4B37-BA18-CB28DF37705F}" destId="{9B0E06C2-4430-4C22-92AF-6D91175F2E8B}" srcOrd="1" destOrd="0" parTransId="{B3A3E97E-B1F5-4285-B3CC-626A9AFB88AF}" sibTransId="{7EF15AAC-523E-46E8-BCE2-0064739EBD0B}"/>
-    <dgm:cxn modelId="{FBC35013-D260-4A4E-A0AB-B35E1343F84D}" srcId="{7D4A7BEA-0826-4D7F-9B13-830276B86077}" destId="{D24B9365-C298-4D09-9B43-19F1F42CB936}" srcOrd="0" destOrd="0" parTransId="{63FF3E21-F438-42A5-8D7B-E965B1D3812A}" sibTransId="{8DD4E92C-112D-485C-B591-98B1A3C4F30E}"/>
     <dgm:cxn modelId="{D4921EC2-E1FF-4937-9022-063F086BEBF0}" type="presOf" srcId="{305D8F76-DE5C-477C-9DE0-661AB94732FF}" destId="{040CB96B-06C3-4570-9EDB-C32DFC727847}" srcOrd="0" destOrd="0" presId="urn:microsoft.com/office/officeart/2008/layout/HorizontalMultiLevelHierarchy"/>
     <dgm:cxn modelId="{B3194426-8F2C-4599-8334-A77C24E85D70}" type="presOf" srcId="{63FF3E21-F438-42A5-8D7B-E965B1D3812A}" destId="{11F12F7E-0B93-41A3-87BC-24FCC6E0289B}" srcOrd="0" destOrd="0" presId="urn:microsoft.com/office/officeart/2008/layout/HorizontalMultiLevelHierarchy"/>
-    <dgm:cxn modelId="{100C4F7D-2A1A-4546-B2DC-F10C4BB3C755}" srcId="{7DF7B6DD-8D79-468E-B015-C667742FBFEB}" destId="{69705CEA-F570-453E-89C2-BF794F678958}" srcOrd="1" destOrd="0" parTransId="{C00D11A3-9D06-466C-BA99-53F0B6A1B1FC}" sibTransId="{2CA70043-153C-4528-8CBA-351914359EE1}"/>
-    <dgm:cxn modelId="{A9BC8CC8-D9B4-420C-A71C-562C76E994F1}" srcId="{CE13128E-9149-4B70-91DE-630C4ABBFE00}" destId="{0ED25E3A-194B-4DBD-AE05-C5BAB2D4B322}" srcOrd="0" destOrd="0" parTransId="{305D8F76-DE5C-477C-9DE0-661AB94732FF}" sibTransId="{964FDF4F-7DC1-44AC-84EA-F8B8AA5B99EA}"/>
+    <dgm:cxn modelId="{8E4EFBD5-37F1-443C-8D37-89A4DC4A200B}" type="presOf" srcId="{31A7FA4E-1377-4668-AA4A-F847E0BA75F9}" destId="{64DC2729-4AEE-46FC-A4B3-43AAC41F9DD2}" srcOrd="0" destOrd="0" presId="urn:microsoft.com/office/officeart/2008/layout/HorizontalMultiLevelHierarchy"/>
+    <dgm:cxn modelId="{D5162A70-9646-4B9A-9D47-8847B119A36D}" type="presOf" srcId="{DC5DA3D9-0E16-42DE-894D-7A0ACA3BEA89}" destId="{5AE26B0C-D01B-45E0-A33F-6264A326BBFD}" srcOrd="1" destOrd="0" presId="urn:microsoft.com/office/officeart/2008/layout/HorizontalMultiLevelHierarchy"/>
     <dgm:cxn modelId="{C1B85BF8-8C75-4508-BDA6-ED7D32829F8E}" type="presOf" srcId="{9CDE7211-7213-4221-9E18-349FFE24B791}" destId="{9D43B9EB-EF57-4CA9-8875-07E50AC536FE}" srcOrd="0" destOrd="0" presId="urn:microsoft.com/office/officeart/2008/layout/HorizontalMultiLevelHierarchy"/>
+    <dgm:cxn modelId="{38540718-F67F-4C11-9B24-F182E409F9F7}" srcId="{4A1CE773-3E85-4B37-BA18-CB28DF37705F}" destId="{9B0E06C2-4430-4C22-92AF-6D91175F2E8B}" srcOrd="1" destOrd="0" parTransId="{B3A3E97E-B1F5-4285-B3CC-626A9AFB88AF}" sibTransId="{7EF15AAC-523E-46E8-BCE2-0064739EBD0B}"/>
+    <dgm:cxn modelId="{E8E957DC-8B5E-4F8C-B5ED-96F2A805E2A8}" type="presOf" srcId="{4A1CE773-3E85-4B37-BA18-CB28DF37705F}" destId="{08C3CC76-66C0-40DD-B207-18615301AEA6}" srcOrd="0" destOrd="0" presId="urn:microsoft.com/office/officeart/2008/layout/HorizontalMultiLevelHierarchy"/>
+    <dgm:cxn modelId="{91BB3751-AE35-42E3-9C14-D0C99A4298F0}" srcId="{69705CEA-F570-453E-89C2-BF794F678958}" destId="{7D4A7BEA-0826-4D7F-9B13-830276B86077}" srcOrd="0" destOrd="0" parTransId="{80A8E8CD-E500-4265-9EBD-08F5903454F8}" sibTransId="{652FD5D0-86D7-4337-9B75-D2CD6C870809}"/>
+    <dgm:cxn modelId="{18D20495-54B2-41BA-B806-37002FB53632}" type="presOf" srcId="{69705CEA-F570-453E-89C2-BF794F678958}" destId="{BC230F88-AF16-401E-847A-5EB6F35167B5}" srcOrd="0" destOrd="0" presId="urn:microsoft.com/office/officeart/2008/layout/HorizontalMultiLevelHierarchy"/>
+    <dgm:cxn modelId="{1A56D051-FCD1-4ACE-B517-CA53D4CD293A}" type="presOf" srcId="{C6E5B58F-10F1-4A0F-B24B-83ABFC7283E8}" destId="{350094D2-7DCD-4D6D-BF3C-22BADCB8186A}" srcOrd="1" destOrd="0" presId="urn:microsoft.com/office/officeart/2008/layout/HorizontalMultiLevelHierarchy"/>
     <dgm:cxn modelId="{D6CC8C56-3DAD-4CE5-BB65-51B263CD22D9}" type="presOf" srcId="{80A8E8CD-E500-4265-9EBD-08F5903454F8}" destId="{A8088930-A153-477E-9029-C095C3D50AF4}" srcOrd="0" destOrd="0" presId="urn:microsoft.com/office/officeart/2008/layout/HorizontalMultiLevelHierarchy"/>
-    <dgm:cxn modelId="{E7A7BC4A-FA59-4FC2-A70C-7826F6D84463}" type="presOf" srcId="{3D7E4721-08AD-4056-9D97-280A0288FF53}" destId="{48EA20E2-9F73-4378-9103-C6F25598EA7F}" srcOrd="0" destOrd="0" presId="urn:microsoft.com/office/officeart/2008/layout/HorizontalMultiLevelHierarchy"/>
-    <dgm:cxn modelId="{B4FD77FA-C77B-48AF-8FBC-9D705ED00DE4}" type="presOf" srcId="{9B0E06C2-4430-4C22-92AF-6D91175F2E8B}" destId="{99E58E7E-BFE3-414B-AF9D-7BB998895FEF}" srcOrd="0" destOrd="0" presId="urn:microsoft.com/office/officeart/2008/layout/HorizontalMultiLevelHierarchy"/>
-    <dgm:cxn modelId="{E8E957DC-8B5E-4F8C-B5ED-96F2A805E2A8}" type="presOf" srcId="{4A1CE773-3E85-4B37-BA18-CB28DF37705F}" destId="{08C3CC76-66C0-40DD-B207-18615301AEA6}" srcOrd="0" destOrd="0" presId="urn:microsoft.com/office/officeart/2008/layout/HorizontalMultiLevelHierarchy"/>
+    <dgm:cxn modelId="{CC33FE3A-2675-4C05-AC2C-C262B46663BD}" type="presOf" srcId="{08C55BA2-31D6-43CA-BE8B-18095A33123C}" destId="{E44A7F6B-CDD6-46D7-8C6D-31E128DCFA9B}" srcOrd="0" destOrd="0" presId="urn:microsoft.com/office/officeart/2008/layout/HorizontalMultiLevelHierarchy"/>
+    <dgm:cxn modelId="{A67FD952-7E3E-42C2-B9AC-9786F65D1584}" srcId="{08C55BA2-31D6-43CA-BE8B-18095A33123C}" destId="{4A1CE773-3E85-4B37-BA18-CB28DF37705F}" srcOrd="0" destOrd="0" parTransId="{C970C188-F04F-415C-B685-2C4E7AFB148E}" sibTransId="{1EF5A848-6056-46B2-8C3B-F197EDA52614}"/>
+    <dgm:cxn modelId="{CC6C77C6-FE6E-49D4-86B7-B41D722DE6FD}" srcId="{D24B9365-C298-4D09-9B43-19F1F42CB936}" destId="{31A7FA4E-1377-4668-AA4A-F847E0BA75F9}" srcOrd="1" destOrd="0" parTransId="{BCECA982-1209-40D3-90B9-DB39233875A5}" sibTransId="{84D3DBC8-A14D-46AC-9625-01BC5680C226}"/>
+    <dgm:cxn modelId="{1BF0094A-FEFC-422B-B205-AFF45445190D}" type="presOf" srcId="{63FF3E21-F438-42A5-8D7B-E965B1D3812A}" destId="{9539C340-DD91-4CCB-9617-C26D5EA57291}" srcOrd="1" destOrd="0" presId="urn:microsoft.com/office/officeart/2008/layout/HorizontalMultiLevelHierarchy"/>
+    <dgm:cxn modelId="{68BEAA0F-F727-404F-A1C3-B6A93BF7DE79}" type="presOf" srcId="{B3A3E97E-B1F5-4285-B3CC-626A9AFB88AF}" destId="{962A20E9-4E8A-4469-B9A9-712648A37A7E}" srcOrd="1" destOrd="0" presId="urn:microsoft.com/office/officeart/2008/layout/HorizontalMultiLevelHierarchy"/>
+    <dgm:cxn modelId="{0E9DAE43-BD16-4A14-9821-2524BC241F48}" srcId="{CE13128E-9149-4B70-91DE-630C4ABBFE00}" destId="{08C55BA2-31D6-43CA-BE8B-18095A33123C}" srcOrd="1" destOrd="0" parTransId="{6DB745CF-1A78-406B-8408-ECE8759E9FA1}" sibTransId="{E3EE3127-9860-436D-80DB-2AE4EBD12F9F}"/>
+    <dgm:cxn modelId="{B353EAEA-C1EF-497E-AD8A-EEFA8A1765D1}" type="presOf" srcId="{305D8F76-DE5C-477C-9DE0-661AB94732FF}" destId="{2DB62359-910D-4F81-A286-8DE2D01AD00D}" srcOrd="1" destOrd="0" presId="urn:microsoft.com/office/officeart/2008/layout/HorizontalMultiLevelHierarchy"/>
     <dgm:cxn modelId="{E85A5082-869E-40EA-9C36-EDCB529A800C}" type="presParOf" srcId="{48EA20E2-9F73-4378-9103-C6F25598EA7F}" destId="{86C845A6-4E5D-48FE-9B1B-66F63DBF6920}" srcOrd="0" destOrd="0" presId="urn:microsoft.com/office/officeart/2008/layout/HorizontalMultiLevelHierarchy"/>
     <dgm:cxn modelId="{40337B89-9F14-49F4-B9A9-FB9EEE4ADA72}" type="presParOf" srcId="{86C845A6-4E5D-48FE-9B1B-66F63DBF6920}" destId="{85F62DE2-963F-4C4E-96AF-E89F91C81D5C}" srcOrd="0" destOrd="0" presId="urn:microsoft.com/office/officeart/2008/layout/HorizontalMultiLevelHierarchy"/>
     <dgm:cxn modelId="{22D98093-D67B-4619-B710-0A51376D5E73}" type="presParOf" srcId="{86C845A6-4E5D-48FE-9B1B-66F63DBF6920}" destId="{67D192E8-B60F-4363-ADBD-30FA0B008AD7}" srcOrd="1" destOrd="0" presId="urn:microsoft.com/office/officeart/2008/layout/HorizontalMultiLevelHierarchy"/>
@@ -16567,7 +16567,7 @@
       <dsp:spPr>
         <a:xfrm>
           <a:off x="0" y="0"/>
-          <a:ext cx="8928992" cy="5429200"/>
+          <a:ext cx="8928992" cy="5256583"/>
         </a:xfrm>
         <a:prstGeom prst="roundRect">
           <a:avLst>
@@ -16585,19 +16585,13 @@
         <a:ln>
           <a:noFill/>
         </a:ln>
-        <a:effectLst>
-          <a:outerShdw blurRad="40000" dist="23000" dir="5400000" rotWithShape="0">
-            <a:srgbClr val="000000">
-              <a:alpha val="35000"/>
-            </a:srgbClr>
-          </a:outerShdw>
-        </a:effectLst>
-        <a:sp3d extrusionH="190500" prstMaterial="matte">
-          <a:bevelT w="120650" h="38100" prst="relaxedInset"/>
-          <a:bevelB w="120650" h="57150" prst="relaxedInset"/>
-          <a:contourClr>
-            <a:schemeClr val="bg1"/>
-          </a:contourClr>
+        <a:effectLst/>
+        <a:scene3d>
+          <a:camera prst="orthographicFront"/>
+          <a:lightRig rig="chilly" dir="t"/>
+        </a:scene3d>
+        <a:sp3d prstMaterial="translucentPowder">
+          <a:bevelT w="127000" h="25400" prst="softRound"/>
         </a:sp3d>
       </dsp:spPr>
       <dsp:style>
@@ -16607,7 +16601,7 @@
         <a:fillRef idx="1">
           <a:scrgbClr r="0" g="0" b="0"/>
         </a:fillRef>
-        <a:effectRef idx="2">
+        <a:effectRef idx="0">
           <a:scrgbClr r="0" g="0" b="0"/>
         </a:effectRef>
         <a:fontRef idx="minor">
@@ -16615,12 +16609,12 @@
         </a:fontRef>
       </dsp:style>
       <dsp:txBody>
-        <a:bodyPr spcFirstLastPara="0" vert="horz" wrap="square" lIns="160020" tIns="160020" rIns="160020" bIns="4213662" numCol="1" spcCol="1270" anchor="t" anchorCtr="0">
+        <a:bodyPr spcFirstLastPara="0" vert="horz" wrap="square" lIns="152400" tIns="152400" rIns="152400" bIns="4079693" numCol="1" spcCol="1270" anchor="t" anchorCtr="0">
           <a:noAutofit/>
         </a:bodyPr>
         <a:lstStyle/>
         <a:p>
-          <a:pPr lvl="0" algn="l" defTabSz="1866900">
+          <a:pPr lvl="0" algn="l" defTabSz="1778000">
             <a:lnSpc>
               <a:spcPct val="90000"/>
             </a:lnSpc>
@@ -16632,15 +16626,15 @@
             </a:spcAft>
           </a:pPr>
           <a:r>
-            <a:rPr lang="pt-BR" sz="4200" kern="1200" dirty="0" smtClean="0"/>
+            <a:rPr lang="pt-BR" sz="4000" kern="1200" dirty="0" smtClean="0"/>
             <a:t>Web site</a:t>
           </a:r>
-          <a:endParaRPr lang="pt-BR" sz="4200" kern="1200" dirty="0"/>
+          <a:endParaRPr lang="pt-BR" sz="4000" kern="1200" dirty="0"/>
         </a:p>
       </dsp:txBody>
       <dsp:txXfrm>
-        <a:off x="135163" y="135163"/>
-        <a:ext cx="8658666" cy="5158874"/>
+        <a:off x="130866" y="130866"/>
+        <a:ext cx="8667260" cy="4994851"/>
       </dsp:txXfrm>
     </dsp:sp>
     <dsp:sp modelId="{B75B4B1B-09EA-44A0-A091-652EBDE0EA98}">
@@ -16650,8 +16644,8 @@
       </dsp:nvSpPr>
       <dsp:spPr>
         <a:xfrm>
-          <a:off x="223224" y="1357300"/>
-          <a:ext cx="1339348" cy="3800440"/>
+          <a:off x="223224" y="1314145"/>
+          <a:ext cx="1339348" cy="3679608"/>
         </a:xfrm>
         <a:prstGeom prst="roundRect">
           <a:avLst>
@@ -16667,31 +16661,35 @@
             <a:alphaOff val="0"/>
           </a:schemeClr>
         </a:solidFill>
-        <a:ln>
-          <a:noFill/>
+        <a:ln w="9525" cap="flat" cmpd="sng" algn="ctr">
+          <a:solidFill>
+            <a:schemeClr val="accent1">
+              <a:hueOff val="0"/>
+              <a:satOff val="0"/>
+              <a:lumOff val="0"/>
+              <a:alphaOff val="0"/>
+            </a:schemeClr>
+          </a:solidFill>
+          <a:prstDash val="solid"/>
         </a:ln>
-        <a:effectLst>
-          <a:outerShdw blurRad="40000" dist="23000" dir="5400000" rotWithShape="0">
-            <a:srgbClr val="000000">
-              <a:alpha val="35000"/>
-            </a:srgbClr>
-          </a:outerShdw>
-        </a:effectLst>
-        <a:sp3d z="152400" extrusionH="63500" prstMaterial="matte">
-          <a:bevelT w="50800" h="19050" prst="relaxedInset"/>
-          <a:contourClr>
-            <a:schemeClr val="bg1"/>
-          </a:contourClr>
+        <a:effectLst/>
+        <a:scene3d>
+          <a:camera prst="orthographicFront"/>
+          <a:lightRig rig="chilly" dir="t"/>
+        </a:scene3d>
+        <a:sp3d z="12700" extrusionH="1700" prstMaterial="dkEdge">
+          <a:bevelT w="25400" h="6350" prst="softRound"/>
+          <a:bevelB w="0" h="0" prst="convex"/>
         </a:sp3d>
       </dsp:spPr>
       <dsp:style>
-        <a:lnRef idx="0">
+        <a:lnRef idx="1">
           <a:scrgbClr r="0" g="0" b="0"/>
         </a:lnRef>
         <a:fillRef idx="1">
           <a:scrgbClr r="0" g="0" b="0"/>
         </a:fillRef>
-        <a:effectRef idx="2">
+        <a:effectRef idx="0">
           <a:scrgbClr r="0" g="0" b="0"/>
         </a:effectRef>
         <a:fontRef idx="minor"/>
@@ -16721,8 +16719,8 @@
         </a:p>
       </dsp:txBody>
       <dsp:txXfrm>
-        <a:off x="264414" y="1398490"/>
-        <a:ext cx="1256968" cy="3718060"/>
+        <a:off x="264414" y="1355335"/>
+        <a:ext cx="1256968" cy="3597228"/>
       </dsp:txXfrm>
     </dsp:sp>
     <dsp:sp modelId="{ADD3C99B-AFC3-47B1-A4DF-7A75CC6ABE97}">
@@ -16732,8 +16730,8 @@
       </dsp:nvSpPr>
       <dsp:spPr>
         <a:xfrm>
-          <a:off x="1785798" y="1357300"/>
-          <a:ext cx="6919968" cy="3800440"/>
+          <a:off x="1785798" y="1314145"/>
+          <a:ext cx="6919968" cy="3679608"/>
         </a:xfrm>
         <a:prstGeom prst="roundRect">
           <a:avLst>
@@ -16751,19 +16749,13 @@
         <a:ln>
           <a:noFill/>
         </a:ln>
-        <a:effectLst>
-          <a:outerShdw blurRad="40000" dist="23000" dir="5400000" rotWithShape="0">
-            <a:srgbClr val="000000">
-              <a:alpha val="35000"/>
-            </a:srgbClr>
-          </a:outerShdw>
-        </a:effectLst>
-        <a:sp3d extrusionH="190500" prstMaterial="matte">
-          <a:bevelT w="120650" h="38100" prst="relaxedInset"/>
-          <a:bevelB w="120650" h="57150" prst="relaxedInset"/>
-          <a:contourClr>
-            <a:schemeClr val="bg1"/>
-          </a:contourClr>
+        <a:effectLst/>
+        <a:scene3d>
+          <a:camera prst="orthographicFront"/>
+          <a:lightRig rig="chilly" dir="t"/>
+        </a:scene3d>
+        <a:sp3d prstMaterial="translucentPowder">
+          <a:bevelT w="127000" h="25400" prst="softRound"/>
         </a:sp3d>
       </dsp:spPr>
       <dsp:style>
@@ -16773,7 +16765,7 @@
         <a:fillRef idx="1">
           <a:scrgbClr r="0" g="0" b="0"/>
         </a:fillRef>
-        <a:effectRef idx="2">
+        <a:effectRef idx="0">
           <a:scrgbClr r="0" g="0" b="0"/>
         </a:effectRef>
         <a:fontRef idx="minor">
@@ -16781,12 +16773,12 @@
         </a:fontRef>
       </dsp:style>
       <dsp:txBody>
-        <a:bodyPr spcFirstLastPara="0" vert="horz" wrap="square" lIns="160020" tIns="160020" rIns="160020" bIns="2413279" numCol="1" spcCol="1270" anchor="t" anchorCtr="0">
+        <a:bodyPr spcFirstLastPara="0" vert="horz" wrap="square" lIns="152400" tIns="152400" rIns="152400" bIns="2336552" numCol="1" spcCol="1270" anchor="t" anchorCtr="0">
           <a:noAutofit/>
         </a:bodyPr>
         <a:lstStyle/>
         <a:p>
-          <a:pPr lvl="0" algn="l" defTabSz="1866900">
+          <a:pPr lvl="0" algn="l" defTabSz="1778000">
             <a:lnSpc>
               <a:spcPct val="90000"/>
             </a:lnSpc>
@@ -16797,12 +16789,12 @@
               <a:spcPct val="35000"/>
             </a:spcAft>
           </a:pPr>
-          <a:endParaRPr lang="pt-BR" sz="4200" kern="1200" dirty="0"/>
+          <a:endParaRPr lang="pt-BR" sz="4000" kern="1200" dirty="0"/>
         </a:p>
       </dsp:txBody>
       <dsp:txXfrm>
-        <a:off x="1902675" y="1474177"/>
-        <a:ext cx="6686214" cy="3566686"/>
+        <a:off x="1898959" y="1427306"/>
+        <a:ext cx="6693646" cy="3453286"/>
       </dsp:txXfrm>
     </dsp:sp>
     <dsp:sp modelId="{003ADD9F-4AC4-45B5-8DD6-EC81A27549EB}">
@@ -16812,8 +16804,8 @@
       </dsp:nvSpPr>
       <dsp:spPr>
         <a:xfrm>
-          <a:off x="1958797" y="2687454"/>
-          <a:ext cx="1383993" cy="2185253"/>
+          <a:off x="1958797" y="2602009"/>
+          <a:ext cx="1383993" cy="2115775"/>
         </a:xfrm>
         <a:prstGeom prst="roundRect">
           <a:avLst>
@@ -16829,31 +16821,35 @@
             <a:alphaOff val="0"/>
           </a:schemeClr>
         </a:solidFill>
-        <a:ln>
-          <a:noFill/>
+        <a:ln w="9525" cap="flat" cmpd="sng" algn="ctr">
+          <a:solidFill>
+            <a:schemeClr val="accent1">
+              <a:hueOff val="0"/>
+              <a:satOff val="0"/>
+              <a:lumOff val="0"/>
+              <a:alphaOff val="0"/>
+            </a:schemeClr>
+          </a:solidFill>
+          <a:prstDash val="solid"/>
         </a:ln>
-        <a:effectLst>
-          <a:outerShdw blurRad="40000" dist="23000" dir="5400000" rotWithShape="0">
-            <a:srgbClr val="000000">
-              <a:alpha val="35000"/>
-            </a:srgbClr>
-          </a:outerShdw>
-        </a:effectLst>
-        <a:sp3d z="152400" extrusionH="63500" prstMaterial="matte">
-          <a:bevelT w="50800" h="19050" prst="relaxedInset"/>
-          <a:contourClr>
-            <a:schemeClr val="bg1"/>
-          </a:contourClr>
+        <a:effectLst/>
+        <a:scene3d>
+          <a:camera prst="orthographicFront"/>
+          <a:lightRig rig="chilly" dir="t"/>
+        </a:scene3d>
+        <a:sp3d z="12700" extrusionH="1700" prstMaterial="dkEdge">
+          <a:bevelT w="25400" h="6350" prst="softRound"/>
+          <a:bevelB w="0" h="0" prst="convex"/>
         </a:sp3d>
       </dsp:spPr>
       <dsp:style>
-        <a:lnRef idx="0">
+        <a:lnRef idx="1">
           <a:scrgbClr r="0" g="0" b="0"/>
         </a:lnRef>
         <a:fillRef idx="1">
           <a:scrgbClr r="0" g="0" b="0"/>
         </a:fillRef>
-        <a:effectRef idx="2">
+        <a:effectRef idx="0">
           <a:scrgbClr r="0" g="0" b="0"/>
         </a:effectRef>
         <a:fontRef idx="minor"/>
@@ -16883,8 +16879,8 @@
         </a:p>
       </dsp:txBody>
       <dsp:txXfrm>
-        <a:off x="2001360" y="2730017"/>
-        <a:ext cx="1298867" cy="2100127"/>
+        <a:off x="2001360" y="2644572"/>
+        <a:ext cx="1298867" cy="2030649"/>
       </dsp:txXfrm>
     </dsp:sp>
     <dsp:sp modelId="{A5A6D88A-617E-417D-BD7B-EBF9A20413FC}">
@@ -16894,8 +16890,8 @@
       </dsp:nvSpPr>
       <dsp:spPr>
         <a:xfrm>
-          <a:off x="3526951" y="2714600"/>
-          <a:ext cx="4955590" cy="2171680"/>
+          <a:off x="3526951" y="2628291"/>
+          <a:ext cx="4955590" cy="2102633"/>
         </a:xfrm>
         <a:prstGeom prst="roundRect">
           <a:avLst>
@@ -16913,19 +16909,13 @@
         <a:ln>
           <a:noFill/>
         </a:ln>
-        <a:effectLst>
-          <a:outerShdw blurRad="40000" dist="23000" dir="5400000" rotWithShape="0">
-            <a:srgbClr val="000000">
-              <a:alpha val="35000"/>
-            </a:srgbClr>
-          </a:outerShdw>
-        </a:effectLst>
-        <a:sp3d extrusionH="190500" prstMaterial="matte">
-          <a:bevelT w="120650" h="38100" prst="relaxedInset"/>
-          <a:bevelB w="120650" h="57150" prst="relaxedInset"/>
-          <a:contourClr>
-            <a:schemeClr val="bg1"/>
-          </a:contourClr>
+        <a:effectLst/>
+        <a:scene3d>
+          <a:camera prst="orthographicFront"/>
+          <a:lightRig rig="chilly" dir="t"/>
+        </a:scene3d>
+        <a:sp3d prstMaterial="translucentPowder">
+          <a:bevelT w="127000" h="25400" prst="softRound"/>
         </a:sp3d>
       </dsp:spPr>
       <dsp:style>
@@ -16935,7 +16925,7 @@
         <a:fillRef idx="1">
           <a:scrgbClr r="0" g="0" b="0"/>
         </a:fillRef>
-        <a:effectRef idx="2">
+        <a:effectRef idx="0">
           <a:scrgbClr r="0" g="0" b="0"/>
         </a:effectRef>
         <a:fontRef idx="minor">
@@ -16943,12 +16933,12 @@
         </a:fontRef>
       </dsp:style>
       <dsp:txBody>
-        <a:bodyPr spcFirstLastPara="0" vert="horz" wrap="square" lIns="160020" tIns="160020" rIns="160020" bIns="1225793" numCol="1" spcCol="1270" anchor="t" anchorCtr="0">
+        <a:bodyPr spcFirstLastPara="0" vert="horz" wrap="square" lIns="152400" tIns="152400" rIns="152400" bIns="1186820" numCol="1" spcCol="1270" anchor="t" anchorCtr="0">
           <a:noAutofit/>
         </a:bodyPr>
         <a:lstStyle/>
         <a:p>
-          <a:pPr lvl="0" algn="l" defTabSz="1866900">
+          <a:pPr lvl="0" algn="l" defTabSz="1778000">
             <a:lnSpc>
               <a:spcPct val="90000"/>
             </a:lnSpc>
@@ -16960,15 +16950,15 @@
             </a:spcAft>
           </a:pPr>
           <a:r>
-            <a:rPr lang="pt-BR" sz="4200" kern="1200" dirty="0" smtClean="0"/>
+            <a:rPr lang="pt-BR" sz="4000" kern="1200" dirty="0" smtClean="0"/>
             <a:t>Serviços</a:t>
           </a:r>
-          <a:endParaRPr lang="pt-BR" sz="4200" kern="1200" dirty="0"/>
+          <a:endParaRPr lang="pt-BR" sz="4000" kern="1200" dirty="0"/>
         </a:p>
       </dsp:txBody>
       <dsp:txXfrm>
-        <a:off x="3593738" y="2781387"/>
-        <a:ext cx="4822016" cy="2038106"/>
+        <a:off x="3591614" y="2692954"/>
+        <a:ext cx="4826264" cy="1973307"/>
       </dsp:txXfrm>
     </dsp:sp>
     <dsp:sp modelId="{2C1EC8B9-85E5-46D8-A0E1-9621919A32B4}">
@@ -16978,8 +16968,8 @@
       </dsp:nvSpPr>
       <dsp:spPr>
         <a:xfrm>
-          <a:off x="3650841" y="3691856"/>
-          <a:ext cx="4707811" cy="977256"/>
+          <a:off x="3650841" y="3574477"/>
+          <a:ext cx="4707811" cy="946185"/>
         </a:xfrm>
         <a:prstGeom prst="roundRect">
           <a:avLst>
@@ -16995,31 +16985,35 @@
             <a:alphaOff val="0"/>
           </a:schemeClr>
         </a:solidFill>
-        <a:ln>
-          <a:noFill/>
+        <a:ln w="9525" cap="flat" cmpd="sng" algn="ctr">
+          <a:solidFill>
+            <a:schemeClr val="accent1">
+              <a:hueOff val="0"/>
+              <a:satOff val="0"/>
+              <a:lumOff val="0"/>
+              <a:alphaOff val="0"/>
+            </a:schemeClr>
+          </a:solidFill>
+          <a:prstDash val="solid"/>
         </a:ln>
-        <a:effectLst>
-          <a:outerShdw blurRad="40000" dist="23000" dir="5400000" rotWithShape="0">
-            <a:srgbClr val="000000">
-              <a:alpha val="35000"/>
-            </a:srgbClr>
-          </a:outerShdw>
-        </a:effectLst>
-        <a:sp3d z="152400" extrusionH="63500" prstMaterial="matte">
-          <a:bevelT w="50800" h="19050" prst="relaxedInset"/>
-          <a:contourClr>
-            <a:schemeClr val="bg1"/>
-          </a:contourClr>
+        <a:effectLst/>
+        <a:scene3d>
+          <a:camera prst="orthographicFront"/>
+          <a:lightRig rig="chilly" dir="t"/>
+        </a:scene3d>
+        <a:sp3d z="12700" extrusionH="1700" prstMaterial="dkEdge">
+          <a:bevelT w="25400" h="6350" prst="softRound"/>
+          <a:bevelB w="0" h="0" prst="convex"/>
         </a:sp3d>
       </dsp:spPr>
       <dsp:style>
-        <a:lnRef idx="0">
+        <a:lnRef idx="1">
           <a:scrgbClr r="0" g="0" b="0"/>
         </a:lnRef>
         <a:fillRef idx="1">
           <a:scrgbClr r="0" g="0" b="0"/>
         </a:fillRef>
-        <a:effectRef idx="2">
+        <a:effectRef idx="0">
           <a:scrgbClr r="0" g="0" b="0"/>
         </a:effectRef>
         <a:fontRef idx="minor"/>
@@ -17049,8 +17043,8 @@
         </a:p>
       </dsp:txBody>
       <dsp:txXfrm>
-        <a:off x="3680895" y="3721910"/>
-        <a:ext cx="4647703" cy="917148"/>
+        <a:off x="3679939" y="3603575"/>
+        <a:ext cx="4649615" cy="887989"/>
       </dsp:txXfrm>
     </dsp:sp>
   </dsp:spTree>
@@ -30729,31 +30723,23 @@
 </file>
 
 <file path=ppt/diagrams/quickStyle10.xml><?xml version="1.0" encoding="utf-8"?>
-<dgm:styleDef xmlns:dgm="http://schemas.openxmlformats.org/drawingml/2006/diagram" xmlns:a="http://schemas.openxmlformats.org/drawingml/2006/main" uniqueId="urn:microsoft.com/office/officeart/2009/2/quickstyle/3d8">
+<dgm:styleDef xmlns:dgm="http://schemas.openxmlformats.org/drawingml/2006/diagram" xmlns:a="http://schemas.openxmlformats.org/drawingml/2006/main" uniqueId="urn:microsoft.com/office/officeart/2005/8/quickstyle/3d4">
   <dgm:title val=""/>
   <dgm:desc val=""/>
   <dgm:catLst>
-    <dgm:cat type="3D" pri="11800"/>
+    <dgm:cat type="3D" pri="11400"/>
   </dgm:catLst>
   <dgm:scene3d>
-    <a:camera prst="perspectiveHeroicExtremeRightFacing" zoom="82000">
-      <a:rot lat="21300000" lon="20400000" rev="180000"/>
-    </a:camera>
-    <a:lightRig rig="morning" dir="t">
-      <a:rot lat="0" lon="0" rev="20400000"/>
-    </a:lightRig>
+    <a:camera prst="orthographicFront"/>
+    <a:lightRig rig="threePt" dir="t"/>
   </dgm:scene3d>
   <dgm:styleLbl name="node0">
     <dgm:scene3d>
       <a:camera prst="orthographicFront"/>
-      <a:lightRig rig="threePt" dir="t"/>
+      <a:lightRig rig="chilly" dir="t"/>
     </dgm:scene3d>
-    <dgm:sp3d extrusionH="190500" prstMaterial="matte">
-      <a:bevelT w="120650" h="38100" prst="relaxedInset"/>
-      <a:bevelB w="120650" h="57150" prst="relaxedInset"/>
-      <a:contourClr>
-        <a:schemeClr val="bg1"/>
-      </a:contourClr>
+    <dgm:sp3d prstMaterial="translucentPowder">
+      <a:bevelT w="127000" h="25400" prst="softRound"/>
     </dgm:sp3d>
     <dgm:txPr/>
     <dgm:style>
@@ -30763,7 +30749,7 @@
       <a:fillRef idx="1">
         <a:scrgbClr r="0" g="0" b="0"/>
       </a:fillRef>
-      <a:effectRef idx="2">
+      <a:effectRef idx="0">
         <a:scrgbClr r="0" g="0" b="0"/>
       </a:effectRef>
       <a:fontRef idx="minor">
@@ -30774,14 +30760,10 @@
   <dgm:styleLbl name="lnNode1">
     <dgm:scene3d>
       <a:camera prst="orthographicFront"/>
-      <a:lightRig rig="threePt" dir="t"/>
+      <a:lightRig rig="chilly" dir="t"/>
     </dgm:scene3d>
-    <dgm:sp3d extrusionH="190500" prstMaterial="matte">
-      <a:bevelT w="120650" h="38100" prst="relaxedInset"/>
-      <a:bevelB w="120650" h="57150" prst="relaxedInset"/>
-      <a:contourClr>
-        <a:schemeClr val="bg1"/>
-      </a:contourClr>
+    <dgm:sp3d prstMaterial="translucentPowder">
+      <a:bevelT w="127000" h="25400" prst="softRound"/>
     </dgm:sp3d>
     <dgm:txPr/>
     <dgm:style>
@@ -30791,7 +30773,7 @@
       <a:fillRef idx="1">
         <a:scrgbClr r="0" g="0" b="0"/>
       </a:fillRef>
-      <a:effectRef idx="2">
+      <a:effectRef idx="0">
         <a:scrgbClr r="0" g="0" b="0"/>
       </a:effectRef>
       <a:fontRef idx="minor">
@@ -30802,14 +30784,10 @@
   <dgm:styleLbl name="vennNode1">
     <dgm:scene3d>
       <a:camera prst="orthographicFront"/>
-      <a:lightRig rig="threePt" dir="t"/>
+      <a:lightRig rig="chilly" dir="t"/>
     </dgm:scene3d>
-    <dgm:sp3d extrusionH="190500" prstMaterial="matte">
-      <a:bevelT w="120650" h="38100" prst="relaxedInset"/>
-      <a:bevelB w="120650" h="57150" prst="relaxedInset"/>
-      <a:contourClr>
-        <a:schemeClr val="bg1"/>
-      </a:contourClr>
+    <dgm:sp3d prstMaterial="translucentPowder">
+      <a:bevelT w="127000" h="25400" prst="softRound"/>
     </dgm:sp3d>
     <dgm:txPr/>
     <dgm:style>
@@ -30819,7 +30797,7 @@
       <a:fillRef idx="1">
         <a:scrgbClr r="0" g="0" b="0"/>
       </a:fillRef>
-      <a:effectRef idx="2">
+      <a:effectRef idx="0">
         <a:scrgbClr r="0" g="0" b="0"/>
       </a:effectRef>
       <a:fontRef idx="minor">
@@ -30830,24 +30808,20 @@
   <dgm:styleLbl name="alignNode1">
     <dgm:scene3d>
       <a:camera prst="orthographicFront"/>
-      <a:lightRig rig="threePt" dir="t"/>
+      <a:lightRig rig="chilly" dir="t"/>
     </dgm:scene3d>
-    <dgm:sp3d extrusionH="190500" prstMaterial="matte">
-      <a:bevelT w="120650" h="38100" prst="relaxedInset"/>
-      <a:bevelB w="120650" h="57150" prst="relaxedInset"/>
-      <a:contourClr>
-        <a:schemeClr val="bg1"/>
-      </a:contourClr>
+    <dgm:sp3d prstMaterial="translucentPowder">
+      <a:bevelT w="127000" h="25400" prst="softRound"/>
     </dgm:sp3d>
     <dgm:txPr/>
     <dgm:style>
-      <a:lnRef idx="0">
+      <a:lnRef idx="1">
         <a:scrgbClr r="0" g="0" b="0"/>
       </a:lnRef>
       <a:fillRef idx="1">
         <a:scrgbClr r="0" g="0" b="0"/>
       </a:fillRef>
-      <a:effectRef idx="2">
+      <a:effectRef idx="0">
         <a:scrgbClr r="0" g="0" b="0"/>
       </a:effectRef>
       <a:fontRef idx="minor">
@@ -30858,14 +30832,10 @@
   <dgm:styleLbl name="node1">
     <dgm:scene3d>
       <a:camera prst="orthographicFront"/>
-      <a:lightRig rig="threePt" dir="t"/>
+      <a:lightRig rig="chilly" dir="t"/>
     </dgm:scene3d>
-    <dgm:sp3d extrusionH="190500" prstMaterial="matte">
-      <a:bevelT w="120650" h="38100" prst="relaxedInset"/>
-      <a:bevelB w="120650" h="57150" prst="relaxedInset"/>
-      <a:contourClr>
-        <a:schemeClr val="bg1"/>
-      </a:contourClr>
+    <dgm:sp3d prstMaterial="translucentPowder">
+      <a:bevelT w="127000" h="25400" prst="softRound"/>
     </dgm:sp3d>
     <dgm:txPr/>
     <dgm:style>
@@ -30875,7 +30845,7 @@
       <a:fillRef idx="1">
         <a:scrgbClr r="0" g="0" b="0"/>
       </a:fillRef>
-      <a:effectRef idx="2">
+      <a:effectRef idx="0">
         <a:scrgbClr r="0" g="0" b="0"/>
       </a:effectRef>
       <a:fontRef idx="minor">
@@ -30886,14 +30856,10 @@
   <dgm:styleLbl name="node2">
     <dgm:scene3d>
       <a:camera prst="orthographicFront"/>
-      <a:lightRig rig="threePt" dir="t"/>
+      <a:lightRig rig="chilly" dir="t"/>
     </dgm:scene3d>
-    <dgm:sp3d extrusionH="190500" prstMaterial="matte">
-      <a:bevelT w="120650" h="38100" prst="relaxedInset"/>
-      <a:bevelB w="120650" h="57150" prst="relaxedInset"/>
-      <a:contourClr>
-        <a:schemeClr val="bg1"/>
-      </a:contourClr>
+    <dgm:sp3d prstMaterial="translucentPowder">
+      <a:bevelT w="127000" h="25400" prst="softRound"/>
     </dgm:sp3d>
     <dgm:txPr/>
     <dgm:style>
@@ -30903,7 +30869,7 @@
       <a:fillRef idx="1">
         <a:scrgbClr r="0" g="0" b="0"/>
       </a:fillRef>
-      <a:effectRef idx="2">
+      <a:effectRef idx="0">
         <a:scrgbClr r="0" g="0" b="0"/>
       </a:effectRef>
       <a:fontRef idx="minor">
@@ -30914,14 +30880,10 @@
   <dgm:styleLbl name="node3">
     <dgm:scene3d>
       <a:camera prst="orthographicFront"/>
-      <a:lightRig rig="threePt" dir="t"/>
+      <a:lightRig rig="chilly" dir="t"/>
     </dgm:scene3d>
-    <dgm:sp3d extrusionH="190500" prstMaterial="matte">
-      <a:bevelT w="120650" h="38100" prst="relaxedInset"/>
-      <a:bevelB w="120650" h="57150" prst="relaxedInset"/>
-      <a:contourClr>
-        <a:schemeClr val="bg1"/>
-      </a:contourClr>
+    <dgm:sp3d prstMaterial="translucentPowder">
+      <a:bevelT w="127000" h="25400" prst="softRound"/>
     </dgm:sp3d>
     <dgm:txPr/>
     <dgm:style>
@@ -30931,7 +30893,7 @@
       <a:fillRef idx="1">
         <a:scrgbClr r="0" g="0" b="0"/>
       </a:fillRef>
-      <a:effectRef idx="2">
+      <a:effectRef idx="0">
         <a:scrgbClr r="0" g="0" b="0"/>
       </a:effectRef>
       <a:fontRef idx="minor">
@@ -30942,14 +30904,10 @@
   <dgm:styleLbl name="node4">
     <dgm:scene3d>
       <a:camera prst="orthographicFront"/>
-      <a:lightRig rig="threePt" dir="t"/>
+      <a:lightRig rig="chilly" dir="t"/>
     </dgm:scene3d>
-    <dgm:sp3d extrusionH="190500" prstMaterial="matte">
-      <a:bevelT w="120650" h="38100" prst="relaxedInset"/>
-      <a:bevelB w="120650" h="57150" prst="relaxedInset"/>
-      <a:contourClr>
-        <a:schemeClr val="bg1"/>
-      </a:contourClr>
+    <dgm:sp3d prstMaterial="translucentPowder">
+      <a:bevelT w="127000" h="25400" prst="softRound"/>
     </dgm:sp3d>
     <dgm:txPr/>
     <dgm:style>
@@ -30959,7 +30917,7 @@
       <a:fillRef idx="1">
         <a:scrgbClr r="0" g="0" b="0"/>
       </a:fillRef>
-      <a:effectRef idx="2">
+      <a:effectRef idx="0">
         <a:scrgbClr r="0" g="0" b="0"/>
       </a:effectRef>
       <a:fontRef idx="minor">
@@ -30970,13 +30928,11 @@
   <dgm:styleLbl name="fgImgPlace1">
     <dgm:scene3d>
       <a:camera prst="orthographicFront"/>
-      <a:lightRig rig="threePt" dir="t"/>
+      <a:lightRig rig="chilly" dir="t"/>
     </dgm:scene3d>
-    <dgm:sp3d z="152400" extrusionH="63500" prstMaterial="matte">
-      <a:bevelT w="50800" h="19050" prst="relaxedInset"/>
-      <a:contourClr>
-        <a:schemeClr val="bg1"/>
-      </a:contourClr>
+    <dgm:sp3d z="12700" extrusionH="12700" prstMaterial="translucentPowder">
+      <a:bevelT w="25400" h="6350" prst="softRound"/>
+      <a:bevelB w="0" h="0" prst="convex"/>
     </dgm:sp3d>
     <dgm:txPr/>
     <dgm:style>
@@ -30995,9 +30951,33 @@
   <dgm:styleLbl name="alignImgPlace1">
     <dgm:scene3d>
       <a:camera prst="orthographicFront"/>
-      <a:lightRig rig="threePt" dir="t"/>
+      <a:lightRig rig="chilly" dir="t"/>
     </dgm:scene3d>
-    <dgm:sp3d extrusionH="63500" contourW="12700" prstMaterial="matte">
+    <dgm:sp3d prstMaterial="translucentPowder">
+      <a:bevelT w="127000" h="25400" prst="softRound"/>
+    </dgm:sp3d>
+    <dgm:txPr/>
+    <dgm:style>
+      <a:lnRef idx="0">
+        <a:scrgbClr r="0" g="0" b="0"/>
+      </a:lnRef>
+      <a:fillRef idx="1">
+        <a:scrgbClr r="0" g="0" b="0"/>
+      </a:fillRef>
+      <a:effectRef idx="0">
+        <a:scrgbClr r="0" g="0" b="0"/>
+      </a:effectRef>
+      <a:fontRef idx="minor">
+        <a:schemeClr val="lt1"/>
+      </a:fontRef>
+    </dgm:style>
+  </dgm:styleLbl>
+  <dgm:styleLbl name="bgImgPlace1">
+    <dgm:scene3d>
+      <a:camera prst="orthographicFront"/>
+      <a:lightRig rig="chilly" dir="t"/>
+    </dgm:scene3d>
+    <dgm:sp3d z="-25700" extrusionH="63500" contourW="12700" prstMaterial="matte">
       <a:contourClr>
         <a:schemeClr val="lt1"/>
       </a:contourClr>
@@ -31016,16 +30996,14 @@
       <a:fontRef idx="minor"/>
     </dgm:style>
   </dgm:styleLbl>
-  <dgm:styleLbl name="bgImgPlace1">
+  <dgm:styleLbl name="sibTrans2D1">
     <dgm:scene3d>
       <a:camera prst="orthographicFront"/>
-      <a:lightRig rig="threePt" dir="t"/>
+      <a:lightRig rig="chilly" dir="t"/>
     </dgm:scene3d>
-    <dgm:sp3d z="-302400" extrusionH="63500" prstMaterial="matte">
-      <a:bevelT w="50800" h="19050" prst="relaxedInset"/>
-      <a:contourClr>
-        <a:schemeClr val="bg1"/>
-      </a:contourClr>
+    <dgm:sp3d z="-70000" extrusionH="1700" prstMaterial="translucentPowder">
+      <a:bevelT w="25400" h="6350" prst="softRound"/>
+      <a:bevelB w="0" h="0" prst="convex"/>
     </dgm:sp3d>
     <dgm:txPr/>
     <dgm:style>
@@ -31036,31 +31014,6 @@
         <a:scrgbClr r="0" g="0" b="0"/>
       </a:fillRef>
       <a:effectRef idx="0">
-        <a:scrgbClr r="0" g="0" b="0"/>
-      </a:effectRef>
-      <a:fontRef idx="minor"/>
-    </dgm:style>
-  </dgm:styleLbl>
-  <dgm:styleLbl name="sibTrans2D1">
-    <dgm:scene3d>
-      <a:camera prst="orthographicFront"/>
-      <a:lightRig rig="threePt" dir="t"/>
-    </dgm:scene3d>
-    <dgm:sp3d z="-60000" extrusionH="63500" prstMaterial="matte">
-      <a:bevelT w="50800" h="19050" prst="relaxedInset"/>
-      <a:contourClr>
-        <a:schemeClr val="bg1"/>
-      </a:contourClr>
-    </dgm:sp3d>
-    <dgm:txPr/>
-    <dgm:style>
-      <a:lnRef idx="0">
-        <a:scrgbClr r="0" g="0" b="0"/>
-      </a:lnRef>
-      <a:fillRef idx="1">
-        <a:scrgbClr r="0" g="0" b="0"/>
-      </a:fillRef>
-      <a:effectRef idx="2">
         <a:scrgbClr r="0" g="0" b="0"/>
       </a:effectRef>
       <a:fontRef idx="minor">
@@ -31071,13 +31024,11 @@
   <dgm:styleLbl name="fgSibTrans2D1">
     <dgm:scene3d>
       <a:camera prst="orthographicFront"/>
-      <a:lightRig rig="threePt" dir="t"/>
+      <a:lightRig rig="chilly" dir="t"/>
     </dgm:scene3d>
-    <dgm:sp3d z="63500" extrusionH="63500" prstMaterial="matte">
-      <a:bevelT w="50800" h="19050" prst="relaxedInset"/>
-      <a:contourClr>
-        <a:schemeClr val="bg1"/>
-      </a:contourClr>
+    <dgm:sp3d z="12700" extrusionH="1700" prstMaterial="translucentPowder">
+      <a:bevelT w="25400" h="6350" prst="softRound"/>
+      <a:bevelB w="0" h="0" prst="convex"/>
     </dgm:sp3d>
     <dgm:txPr/>
     <dgm:style>
@@ -31087,7 +31038,92 @@
       <a:fillRef idx="1">
         <a:scrgbClr r="0" g="0" b="0"/>
       </a:fillRef>
-      <a:effectRef idx="2">
+      <a:effectRef idx="0">
+        <a:scrgbClr r="0" g="0" b="0"/>
+      </a:effectRef>
+      <a:fontRef idx="minor"/>
+    </dgm:style>
+  </dgm:styleLbl>
+  <dgm:styleLbl name="bgSibTrans2D1">
+    <dgm:scene3d>
+      <a:camera prst="orthographicFront"/>
+      <a:lightRig rig="chilly" dir="t"/>
+    </dgm:scene3d>
+    <dgm:sp3d z="-25700" extrusionH="1700" prstMaterial="translucentPowder">
+      <a:bevelT w="25400" h="6350" prst="softRound"/>
+      <a:bevelB w="0" h="0" prst="convex"/>
+    </dgm:sp3d>
+    <dgm:txPr/>
+    <dgm:style>
+      <a:lnRef idx="0">
+        <a:scrgbClr r="0" g="0" b="0"/>
+      </a:lnRef>
+      <a:fillRef idx="1">
+        <a:scrgbClr r="0" g="0" b="0"/>
+      </a:fillRef>
+      <a:effectRef idx="0">
+        <a:scrgbClr r="0" g="0" b="0"/>
+      </a:effectRef>
+      <a:fontRef idx="minor"/>
+    </dgm:style>
+  </dgm:styleLbl>
+  <dgm:styleLbl name="sibTrans1D1">
+    <dgm:scene3d>
+      <a:camera prst="orthographicFront"/>
+      <a:lightRig rig="chilly" dir="t"/>
+    </dgm:scene3d>
+    <dgm:sp3d z="-40000" prstMaterial="matte"/>
+    <dgm:txPr/>
+    <dgm:style>
+      <a:lnRef idx="1">
+        <a:scrgbClr r="0" g="0" b="0"/>
+      </a:lnRef>
+      <a:fillRef idx="0">
+        <a:scrgbClr r="0" g="0" b="0"/>
+      </a:fillRef>
+      <a:effectRef idx="0">
+        <a:scrgbClr r="0" g="0" b="0"/>
+      </a:effectRef>
+      <a:fontRef idx="minor"/>
+    </dgm:style>
+  </dgm:styleLbl>
+  <dgm:styleLbl name="callout">
+    <dgm:scene3d>
+      <a:camera prst="orthographicFront"/>
+      <a:lightRig rig="chilly" dir="t"/>
+    </dgm:scene3d>
+    <dgm:sp3d z="127000" prstMaterial="matte"/>
+    <dgm:txPr/>
+    <dgm:style>
+      <a:lnRef idx="2">
+        <a:scrgbClr r="0" g="0" b="0"/>
+      </a:lnRef>
+      <a:fillRef idx="1">
+        <a:scrgbClr r="0" g="0" b="0"/>
+      </a:fillRef>
+      <a:effectRef idx="0">
+        <a:scrgbClr r="0" g="0" b="0"/>
+      </a:effectRef>
+      <a:fontRef idx="minor"/>
+    </dgm:style>
+  </dgm:styleLbl>
+  <dgm:styleLbl name="asst0">
+    <dgm:scene3d>
+      <a:camera prst="orthographicFront"/>
+      <a:lightRig rig="chilly" dir="t"/>
+    </dgm:scene3d>
+    <dgm:sp3d prstMaterial="translucentPowder">
+      <a:bevelT w="127000" h="25400" prst="softRound"/>
+    </dgm:sp3d>
+    <dgm:txPr/>
+    <dgm:style>
+      <a:lnRef idx="0">
+        <a:scrgbClr r="0" g="0" b="0"/>
+      </a:lnRef>
+      <a:fillRef idx="1">
+        <a:scrgbClr r="0" g="0" b="0"/>
+      </a:fillRef>
+      <a:effectRef idx="0">
         <a:scrgbClr r="0" g="0" b="0"/>
       </a:effectRef>
       <a:fontRef idx="minor">
@@ -31095,16 +31131,13 @@
       </a:fontRef>
     </dgm:style>
   </dgm:styleLbl>
-  <dgm:styleLbl name="bgSibTrans2D1">
+  <dgm:styleLbl name="asst1">
     <dgm:scene3d>
       <a:camera prst="orthographicFront"/>
-      <a:lightRig rig="threePt" dir="t"/>
+      <a:lightRig rig="chilly" dir="t"/>
     </dgm:scene3d>
-    <dgm:sp3d z="-152000" extrusionH="63500" prstMaterial="matte">
-      <a:bevelT w="50800" h="19050" prst="relaxedInset"/>
-      <a:contourClr>
-        <a:schemeClr val="bg1"/>
-      </a:contourClr>
+    <dgm:sp3d prstMaterial="translucentPowder">
+      <a:bevelT w="127000" h="25400" prst="softRound"/>
     </dgm:sp3d>
     <dgm:txPr/>
     <dgm:style>
@@ -31114,7 +31147,7 @@
       <a:fillRef idx="1">
         <a:scrgbClr r="0" g="0" b="0"/>
       </a:fillRef>
-      <a:effectRef idx="2">
+      <a:effectRef idx="0">
         <a:scrgbClr r="0" g="0" b="0"/>
       </a:effectRef>
       <a:fontRef idx="minor">
@@ -31122,57 +31155,13 @@
       </a:fontRef>
     </dgm:style>
   </dgm:styleLbl>
-  <dgm:styleLbl name="sibTrans1D1">
+  <dgm:styleLbl name="asst2">
     <dgm:scene3d>
       <a:camera prst="orthographicFront"/>
-      <a:lightRig rig="threePt" dir="t"/>
+      <a:lightRig rig="chilly" dir="t"/>
     </dgm:scene3d>
-    <dgm:sp3d z="-40000" prstMaterial="matte"/>
-    <dgm:txPr/>
-    <dgm:style>
-      <a:lnRef idx="1">
-        <a:scrgbClr r="0" g="0" b="0"/>
-      </a:lnRef>
-      <a:fillRef idx="0">
-        <a:scrgbClr r="0" g="0" b="0"/>
-      </a:fillRef>
-      <a:effectRef idx="0">
-        <a:scrgbClr r="0" g="0" b="0"/>
-      </a:effectRef>
-      <a:fontRef idx="minor"/>
-    </dgm:style>
-  </dgm:styleLbl>
-  <dgm:styleLbl name="callout">
-    <dgm:scene3d>
-      <a:camera prst="orthographicFront"/>
-      <a:lightRig rig="threePt" dir="t"/>
-    </dgm:scene3d>
-    <dgm:sp3d z="127000" prstMaterial="matte"/>
-    <dgm:txPr/>
-    <dgm:style>
-      <a:lnRef idx="2">
-        <a:scrgbClr r="0" g="0" b="0"/>
-      </a:lnRef>
-      <a:fillRef idx="1">
-        <a:scrgbClr r="0" g="0" b="0"/>
-      </a:fillRef>
-      <a:effectRef idx="0">
-        <a:scrgbClr r="0" g="0" b="0"/>
-      </a:effectRef>
-      <a:fontRef idx="minor"/>
-    </dgm:style>
-  </dgm:styleLbl>
-  <dgm:styleLbl name="asst0">
-    <dgm:scene3d>
-      <a:camera prst="orthographicFront"/>
-      <a:lightRig rig="threePt" dir="t"/>
-    </dgm:scene3d>
-    <dgm:sp3d extrusionH="190500" prstMaterial="matte">
-      <a:bevelT w="120650" h="38100" prst="relaxedInset"/>
-      <a:bevelB w="120650" h="57150" prst="relaxedInset"/>
-      <a:contourClr>
-        <a:schemeClr val="bg1"/>
-      </a:contourClr>
+    <dgm:sp3d prstMaterial="translucentPowder">
+      <a:bevelT w="127000" h="25400" prst="softRound"/>
     </dgm:sp3d>
     <dgm:txPr/>
     <dgm:style>
@@ -31182,7 +31171,7 @@
       <a:fillRef idx="1">
         <a:scrgbClr r="0" g="0" b="0"/>
       </a:fillRef>
-      <a:effectRef idx="2">
+      <a:effectRef idx="0">
         <a:scrgbClr r="0" g="0" b="0"/>
       </a:effectRef>
       <a:fontRef idx="minor">
@@ -31190,17 +31179,13 @@
       </a:fontRef>
     </dgm:style>
   </dgm:styleLbl>
-  <dgm:styleLbl name="asst1">
+  <dgm:styleLbl name="asst3">
     <dgm:scene3d>
       <a:camera prst="orthographicFront"/>
-      <a:lightRig rig="threePt" dir="t"/>
+      <a:lightRig rig="chilly" dir="t"/>
     </dgm:scene3d>
-    <dgm:sp3d extrusionH="190500" prstMaterial="matte">
-      <a:bevelT w="120650" h="38100" prst="relaxedInset"/>
-      <a:bevelB w="120650" h="57150" prst="relaxedInset"/>
-      <a:contourClr>
-        <a:schemeClr val="bg1"/>
-      </a:contourClr>
+    <dgm:sp3d prstMaterial="translucentPowder">
+      <a:bevelT w="127000" h="25400" prst="softRound"/>
     </dgm:sp3d>
     <dgm:txPr/>
     <dgm:style>
@@ -31210,7 +31195,7 @@
       <a:fillRef idx="1">
         <a:scrgbClr r="0" g="0" b="0"/>
       </a:fillRef>
-      <a:effectRef idx="2">
+      <a:effectRef idx="0">
         <a:scrgbClr r="0" g="0" b="0"/>
       </a:effectRef>
       <a:fontRef idx="minor">
@@ -31218,17 +31203,14 @@
       </a:fontRef>
     </dgm:style>
   </dgm:styleLbl>
-  <dgm:styleLbl name="asst2">
+  <dgm:styleLbl name="parChTrans2D1">
     <dgm:scene3d>
       <a:camera prst="orthographicFront"/>
-      <a:lightRig rig="threePt" dir="t"/>
+      <a:lightRig rig="chilly" dir="t"/>
     </dgm:scene3d>
-    <dgm:sp3d extrusionH="190500" prstMaterial="matte">
-      <a:bevelT w="120650" h="38100" prst="relaxedInset"/>
-      <a:bevelB w="120650" h="57150" prst="relaxedInset"/>
-      <a:contourClr>
-        <a:schemeClr val="bg1"/>
-      </a:contourClr>
+    <dgm:sp3d z="1700" extrusionH="1700" prstMaterial="translucentPowder">
+      <a:bevelT w="25400" h="6350" prst="softRound"/>
+      <a:bevelB w="0" h="0" prst="convex"/>
     </dgm:sp3d>
     <dgm:txPr/>
     <dgm:style>
@@ -31238,25 +31220,20 @@
       <a:fillRef idx="1">
         <a:scrgbClr r="0" g="0" b="0"/>
       </a:fillRef>
-      <a:effectRef idx="2">
+      <a:effectRef idx="0">
         <a:scrgbClr r="0" g="0" b="0"/>
       </a:effectRef>
-      <a:fontRef idx="minor">
-        <a:schemeClr val="lt1"/>
-      </a:fontRef>
+      <a:fontRef idx="minor"/>
     </dgm:style>
   </dgm:styleLbl>
-  <dgm:styleLbl name="asst3">
+  <dgm:styleLbl name="parChTrans2D2">
     <dgm:scene3d>
       <a:camera prst="orthographicFront"/>
-      <a:lightRig rig="threePt" dir="t"/>
+      <a:lightRig rig="chilly" dir="t"/>
     </dgm:scene3d>
-    <dgm:sp3d extrusionH="190500" prstMaterial="matte">
-      <a:bevelT w="120650" h="38100" prst="relaxedInset"/>
-      <a:bevelB w="120650" h="57150" prst="relaxedInset"/>
-      <a:contourClr>
-        <a:schemeClr val="bg1"/>
-      </a:contourClr>
+    <dgm:sp3d z="1700" extrusionH="1700" prstMaterial="translucentPowder">
+      <a:bevelT w="25400" h="6350" prst="softRound"/>
+      <a:bevelB w="0" h="0" prst="convex"/>
     </dgm:sp3d>
     <dgm:txPr/>
     <dgm:style>
@@ -31266,24 +31243,20 @@
       <a:fillRef idx="1">
         <a:scrgbClr r="0" g="0" b="0"/>
       </a:fillRef>
-      <a:effectRef idx="2">
+      <a:effectRef idx="0">
         <a:scrgbClr r="0" g="0" b="0"/>
       </a:effectRef>
-      <a:fontRef idx="minor">
-        <a:schemeClr val="lt1"/>
-      </a:fontRef>
+      <a:fontRef idx="minor"/>
     </dgm:style>
   </dgm:styleLbl>
-  <dgm:styleLbl name="parChTrans2D1">
+  <dgm:styleLbl name="parChTrans2D3">
     <dgm:scene3d>
       <a:camera prst="orthographicFront"/>
-      <a:lightRig rig="threePt" dir="t"/>
+      <a:lightRig rig="chilly" dir="t"/>
     </dgm:scene3d>
-    <dgm:sp3d extrusionH="63500" prstMaterial="matte">
-      <a:bevelT w="50800" h="19050" prst="relaxedInset"/>
-      <a:contourClr>
-        <a:schemeClr val="bg1"/>
-      </a:contourClr>
+    <dgm:sp3d extrusionH="1700" prstMaterial="translucentPowder">
+      <a:bevelT w="25400" h="6350" prst="softRound"/>
+      <a:bevelB w="0" h="0" prst="convex"/>
     </dgm:sp3d>
     <dgm:txPr/>
     <dgm:style>
@@ -31293,24 +31266,20 @@
       <a:fillRef idx="1">
         <a:scrgbClr r="0" g="0" b="0"/>
       </a:fillRef>
-      <a:effectRef idx="2">
+      <a:effectRef idx="0">
         <a:scrgbClr r="0" g="0" b="0"/>
       </a:effectRef>
-      <a:fontRef idx="minor">
-        <a:schemeClr val="lt1"/>
-      </a:fontRef>
+      <a:fontRef idx="minor"/>
     </dgm:style>
   </dgm:styleLbl>
-  <dgm:styleLbl name="parChTrans2D2">
+  <dgm:styleLbl name="parChTrans2D4">
     <dgm:scene3d>
       <a:camera prst="orthographicFront"/>
-      <a:lightRig rig="threePt" dir="t"/>
+      <a:lightRig rig="chilly" dir="t"/>
     </dgm:scene3d>
-    <dgm:sp3d extrusionH="63500" prstMaterial="matte">
-      <a:bevelT w="50800" h="19050" prst="relaxedInset"/>
-      <a:contourClr>
-        <a:schemeClr val="bg1"/>
-      </a:contourClr>
+    <dgm:sp3d extrusionH="1700" prstMaterial="translucentPowder">
+      <a:bevelT w="25400" h="6350" prst="softRound"/>
+      <a:bevelB w="0" h="0" prst="convex"/>
     </dgm:sp3d>
     <dgm:txPr/>
     <dgm:style>
@@ -31323,65 +31292,13 @@
       <a:effectRef idx="0">
         <a:scrgbClr r="0" g="0" b="0"/>
       </a:effectRef>
-      <a:fontRef idx="minor">
-        <a:schemeClr val="lt1"/>
-      </a:fontRef>
-    </dgm:style>
-  </dgm:styleLbl>
-  <dgm:styleLbl name="parChTrans2D3">
-    <dgm:scene3d>
-      <a:camera prst="orthographicFront"/>
-      <a:lightRig rig="threePt" dir="t"/>
-    </dgm:scene3d>
-    <dgm:sp3d z="60000" prstMaterial="flat">
-      <a:bevelT w="120900" h="88900"/>
-      <a:bevelB w="88900" h="31750" prst="angle"/>
-    </dgm:sp3d>
-    <dgm:txPr/>
-    <dgm:style>
-      <a:lnRef idx="0">
-        <a:scrgbClr r="0" g="0" b="0"/>
-      </a:lnRef>
-      <a:fillRef idx="3">
-        <a:scrgbClr r="0" g="0" b="0"/>
-      </a:fillRef>
-      <a:effectRef idx="1">
-        <a:scrgbClr r="0" g="0" b="0"/>
-      </a:effectRef>
-      <a:fontRef idx="minor">
-        <a:schemeClr val="lt1"/>
-      </a:fontRef>
-    </dgm:style>
-  </dgm:styleLbl>
-  <dgm:styleLbl name="parChTrans2D4">
-    <dgm:scene3d>
-      <a:camera prst="orthographicFront"/>
-      <a:lightRig rig="threePt" dir="t"/>
-    </dgm:scene3d>
-    <dgm:sp3d z="60000" prstMaterial="flat">
-      <a:bevelT w="120900" h="88900"/>
-      <a:bevelB w="88900" h="31750" prst="angle"/>
-    </dgm:sp3d>
-    <dgm:txPr/>
-    <dgm:style>
-      <a:lnRef idx="0">
-        <a:scrgbClr r="0" g="0" b="0"/>
-      </a:lnRef>
-      <a:fillRef idx="3">
-        <a:scrgbClr r="0" g="0" b="0"/>
-      </a:fillRef>
-      <a:effectRef idx="1">
-        <a:scrgbClr r="0" g="0" b="0"/>
-      </a:effectRef>
-      <a:fontRef idx="minor">
-        <a:schemeClr val="lt1"/>
-      </a:fontRef>
+      <a:fontRef idx="minor"/>
     </dgm:style>
   </dgm:styleLbl>
   <dgm:styleLbl name="parChTrans1D1">
     <dgm:scene3d>
       <a:camera prst="orthographicFront"/>
-      <a:lightRig rig="threePt" dir="t"/>
+      <a:lightRig rig="chilly" dir="t"/>
     </dgm:scene3d>
     <dgm:sp3d z="-40000" prstMaterial="matte"/>
     <dgm:txPr/>
@@ -31421,7 +31338,7 @@
   <dgm:styleLbl name="parChTrans1D3">
     <dgm:scene3d>
       <a:camera prst="orthographicFront"/>
-      <a:lightRig rig="threePt" dir="t"/>
+      <a:lightRig rig="chilly" dir="t"/>
     </dgm:scene3d>
     <dgm:sp3d z="-40000" prstMaterial="matte"/>
     <dgm:txPr/>
@@ -31441,7 +31358,7 @@
   <dgm:styleLbl name="parChTrans1D4">
     <dgm:scene3d>
       <a:camera prst="orthographicFront"/>
-      <a:lightRig rig="threePt" dir="t"/>
+      <a:lightRig rig="chilly" dir="t"/>
     </dgm:scene3d>
     <dgm:sp3d z="-40000" prstMaterial="matte"/>
     <dgm:txPr/>
@@ -31461,23 +31378,21 @@
   <dgm:styleLbl name="fgAcc1">
     <dgm:scene3d>
       <a:camera prst="orthographicFront"/>
-      <a:lightRig rig="threePt" dir="t"/>
+      <a:lightRig rig="chilly" dir="t"/>
     </dgm:scene3d>
-    <dgm:sp3d z="152400" extrusionH="63500" prstMaterial="matte">
-      <a:bevelT w="50800" h="19050" prst="relaxedInset"/>
-      <a:contourClr>
-        <a:schemeClr val="bg1"/>
-      </a:contourClr>
+    <dgm:sp3d z="12700" extrusionH="1700" prstMaterial="dkEdge">
+      <a:bevelT w="25400" h="6350" prst="softRound"/>
+      <a:bevelB w="0" h="0" prst="convex"/>
     </dgm:sp3d>
     <dgm:txPr/>
     <dgm:style>
-      <a:lnRef idx="0">
+      <a:lnRef idx="1">
         <a:scrgbClr r="0" g="0" b="0"/>
       </a:lnRef>
       <a:fillRef idx="1">
         <a:scrgbClr r="0" g="0" b="0"/>
       </a:fillRef>
-      <a:effectRef idx="2">
+      <a:effectRef idx="0">
         <a:scrgbClr r="0" g="0" b="0"/>
       </a:effectRef>
       <a:fontRef idx="minor"/>
@@ -31486,17 +31401,15 @@
   <dgm:styleLbl name="conFgAcc1">
     <dgm:scene3d>
       <a:camera prst="orthographicFront"/>
-      <a:lightRig rig="threePt" dir="t"/>
+      <a:lightRig rig="chilly" dir="t"/>
     </dgm:scene3d>
-    <dgm:sp3d z="-152400" extrusionH="63500" prstMaterial="matte">
-      <a:bevelT w="44450" h="6350" prst="relaxedInset"/>
-      <a:contourClr>
-        <a:schemeClr val="bg1"/>
-      </a:contourClr>
+    <dgm:sp3d z="12700" extrusionH="1700" prstMaterial="dkEdge">
+      <a:bevelT w="25400" h="6350" prst="softRound"/>
+      <a:bevelB w="0" h="0" prst="convex"/>
     </dgm:sp3d>
     <dgm:txPr/>
     <dgm:style>
-      <a:lnRef idx="0">
+      <a:lnRef idx="1">
         <a:scrgbClr r="0" g="0" b="0"/>
       </a:lnRef>
       <a:fillRef idx="1">
@@ -31511,24 +31424,21 @@
   <dgm:styleLbl name="alignAcc1">
     <dgm:scene3d>
       <a:camera prst="orthographicFront"/>
-      <a:lightRig rig="threePt" dir="t"/>
+      <a:lightRig rig="chilly" dir="t"/>
     </dgm:scene3d>
-    <dgm:sp3d extrusionH="190500" prstMaterial="matte">
-      <a:bevelT w="120650" h="38100" prst="relaxedInset"/>
-      <a:bevelB w="120650" h="57150" prst="relaxedInset"/>
-      <a:contourClr>
-        <a:schemeClr val="bg1"/>
-      </a:contourClr>
+    <dgm:sp3d prstMaterial="dkEdge">
+      <a:bevelT w="25400" h="6350" prst="softRound"/>
+      <a:bevelB w="0" h="0" prst="convex"/>
     </dgm:sp3d>
     <dgm:txPr/>
     <dgm:style>
-      <a:lnRef idx="0">
+      <a:lnRef idx="1">
         <a:scrgbClr r="0" g="0" b="0"/>
       </a:lnRef>
       <a:fillRef idx="1">
         <a:scrgbClr r="0" g="0" b="0"/>
       </a:fillRef>
-      <a:effectRef idx="2">
+      <a:effectRef idx="0">
         <a:scrgbClr r="0" g="0" b="0"/>
       </a:effectRef>
       <a:fontRef idx="minor"/>
@@ -31537,352 +31447,20 @@
   <dgm:styleLbl name="trAlignAcc1">
     <dgm:scene3d>
       <a:camera prst="orthographicFront"/>
-      <a:lightRig rig="threePt" dir="t"/>
+      <a:lightRig rig="chilly" dir="t"/>
     </dgm:scene3d>
-    <dgm:sp3d extrusionH="190500" prstMaterial="matte">
-      <a:bevelT w="120650" h="38100"/>
-      <a:bevelB w="120650" h="57150" prst="relaxedInset"/>
-      <a:contourClr>
-        <a:schemeClr val="bg1"/>
-      </a:contourClr>
+    <dgm:sp3d prstMaterial="dkEdge">
+      <a:bevelT w="127000" h="25400"/>
     </dgm:sp3d>
     <dgm:txPr/>
     <dgm:style>
-      <a:lnRef idx="0">
+      <a:lnRef idx="1">
         <a:scrgbClr r="0" g="0" b="0"/>
       </a:lnRef>
       <a:fillRef idx="1">
         <a:scrgbClr r="0" g="0" b="0"/>
       </a:fillRef>
-      <a:effectRef idx="2">
-        <a:scrgbClr r="0" g="0" b="0"/>
-      </a:effectRef>
-      <a:fontRef idx="minor"/>
-    </dgm:style>
-  </dgm:styleLbl>
-  <dgm:styleLbl name="bgAcc1">
-    <dgm:scene3d>
-      <a:camera prst="orthographicFront"/>
-      <a:lightRig rig="threePt" dir="t"/>
-    </dgm:scene3d>
-    <dgm:sp3d z="-152400" extrusionH="63500" prstMaterial="matte">
-      <a:bevelT w="44450" h="6350" prst="relaxedInset"/>
-      <a:contourClr>
-        <a:schemeClr val="bg1"/>
-      </a:contourClr>
-    </dgm:sp3d>
-    <dgm:txPr/>
-    <dgm:style>
-      <a:lnRef idx="0">
-        <a:scrgbClr r="0" g="0" b="0"/>
-      </a:lnRef>
-      <a:fillRef idx="1">
-        <a:scrgbClr r="0" g="0" b="0"/>
-      </a:fillRef>
       <a:effectRef idx="0">
-        <a:scrgbClr r="0" g="0" b="0"/>
-      </a:effectRef>
-      <a:fontRef idx="minor"/>
-    </dgm:style>
-  </dgm:styleLbl>
-  <dgm:styleLbl name="solidFgAcc1">
-    <dgm:scene3d>
-      <a:camera prst="orthographicFront"/>
-      <a:lightRig rig="threePt" dir="t"/>
-    </dgm:scene3d>
-    <dgm:sp3d z="152400" extrusionH="63500" prstMaterial="matte">
-      <a:bevelT w="50800" h="19050" prst="relaxedInset"/>
-      <a:contourClr>
-        <a:schemeClr val="bg1"/>
-      </a:contourClr>
-    </dgm:sp3d>
-    <dgm:txPr/>
-    <dgm:style>
-      <a:lnRef idx="0">
-        <a:scrgbClr r="0" g="0" b="0"/>
-      </a:lnRef>
-      <a:fillRef idx="1">
-        <a:scrgbClr r="0" g="0" b="0"/>
-      </a:fillRef>
-      <a:effectRef idx="2">
-        <a:scrgbClr r="0" g="0" b="0"/>
-      </a:effectRef>
-      <a:fontRef idx="minor"/>
-    </dgm:style>
-  </dgm:styleLbl>
-  <dgm:styleLbl name="solidAlignAcc1">
-    <dgm:scene3d>
-      <a:camera prst="orthographicFront"/>
-      <a:lightRig rig="threePt" dir="t"/>
-    </dgm:scene3d>
-    <dgm:sp3d extrusionH="190500" prstMaterial="matte">
-      <a:bevelT w="120650" h="38100" prst="relaxedInset"/>
-      <a:bevelB w="120650" h="57150" prst="relaxedInset"/>
-      <a:contourClr>
-        <a:schemeClr val="bg1"/>
-      </a:contourClr>
-    </dgm:sp3d>
-    <dgm:txPr/>
-    <dgm:style>
-      <a:lnRef idx="0">
-        <a:scrgbClr r="0" g="0" b="0"/>
-      </a:lnRef>
-      <a:fillRef idx="1">
-        <a:scrgbClr r="0" g="0" b="0"/>
-      </a:fillRef>
-      <a:effectRef idx="2">
-        <a:scrgbClr r="0" g="0" b="0"/>
-      </a:effectRef>
-      <a:fontRef idx="minor"/>
-    </dgm:style>
-  </dgm:styleLbl>
-  <dgm:styleLbl name="solidBgAcc1">
-    <dgm:scene3d>
-      <a:camera prst="orthographicFront"/>
-      <a:lightRig rig="threePt" dir="t"/>
-    </dgm:scene3d>
-    <dgm:sp3d z="-152400" extrusionH="63500" prstMaterial="matte">
-      <a:bevelT w="44450" h="6350" prst="relaxedInset"/>
-      <a:contourClr>
-        <a:schemeClr val="bg1"/>
-      </a:contourClr>
-    </dgm:sp3d>
-    <dgm:txPr/>
-    <dgm:style>
-      <a:lnRef idx="0">
-        <a:scrgbClr r="0" g="0" b="0"/>
-      </a:lnRef>
-      <a:fillRef idx="1">
-        <a:scrgbClr r="0" g="0" b="0"/>
-      </a:fillRef>
-      <a:effectRef idx="0">
-        <a:scrgbClr r="0" g="0" b="0"/>
-      </a:effectRef>
-      <a:fontRef idx="minor"/>
-    </dgm:style>
-  </dgm:styleLbl>
-  <dgm:styleLbl name="fgAccFollowNode1">
-    <dgm:scene3d>
-      <a:camera prst="orthographicFront"/>
-      <a:lightRig rig="threePt" dir="t"/>
-    </dgm:scene3d>
-    <dgm:sp3d z="152400" extrusionH="63500" prstMaterial="matte">
-      <a:bevelT w="50800" h="19050" prst="relaxedInset"/>
-      <a:contourClr>
-        <a:schemeClr val="bg1"/>
-      </a:contourClr>
-    </dgm:sp3d>
-    <dgm:txPr/>
-    <dgm:style>
-      <a:lnRef idx="0">
-        <a:scrgbClr r="0" g="0" b="0"/>
-      </a:lnRef>
-      <a:fillRef idx="1">
-        <a:scrgbClr r="0" g="0" b="0"/>
-      </a:fillRef>
-      <a:effectRef idx="0">
-        <a:scrgbClr r="0" g="0" b="0"/>
-      </a:effectRef>
-      <a:fontRef idx="minor"/>
-    </dgm:style>
-  </dgm:styleLbl>
-  <dgm:styleLbl name="alignAccFollowNode1">
-    <dgm:scene3d>
-      <a:camera prst="orthographicFront"/>
-      <a:lightRig rig="threePt" dir="t"/>
-    </dgm:scene3d>
-    <dgm:sp3d extrusionH="190500" prstMaterial="matte">
-      <a:bevelT w="120650" h="38100" prst="relaxedInset"/>
-      <a:bevelB w="120650" h="57150" prst="relaxedInset"/>
-      <a:contourClr>
-        <a:schemeClr val="bg1"/>
-      </a:contourClr>
-    </dgm:sp3d>
-    <dgm:txPr/>
-    <dgm:style>
-      <a:lnRef idx="0">
-        <a:scrgbClr r="0" g="0" b="0"/>
-      </a:lnRef>
-      <a:fillRef idx="1">
-        <a:scrgbClr r="0" g="0" b="0"/>
-      </a:fillRef>
-      <a:effectRef idx="2">
-        <a:scrgbClr r="0" g="0" b="0"/>
-      </a:effectRef>
-      <a:fontRef idx="minor"/>
-    </dgm:style>
-  </dgm:styleLbl>
-  <dgm:styleLbl name="bgAccFollowNode1">
-    <dgm:scene3d>
-      <a:camera prst="orthographicFront"/>
-      <a:lightRig rig="threePt" dir="t"/>
-    </dgm:scene3d>
-    <dgm:sp3d z="-152400" extrusionH="63500" prstMaterial="matte">
-      <a:bevelT w="44450" h="6350" prst="relaxedInset"/>
-      <a:contourClr>
-        <a:schemeClr val="bg1"/>
-      </a:contourClr>
-    </dgm:sp3d>
-    <dgm:txPr/>
-    <dgm:style>
-      <a:lnRef idx="0">
-        <a:scrgbClr r="0" g="0" b="0"/>
-      </a:lnRef>
-      <a:fillRef idx="1">
-        <a:scrgbClr r="0" g="0" b="0"/>
-      </a:fillRef>
-      <a:effectRef idx="2">
-        <a:scrgbClr r="0" g="0" b="0"/>
-      </a:effectRef>
-      <a:fontRef idx="minor"/>
-    </dgm:style>
-  </dgm:styleLbl>
-  <dgm:styleLbl name="fgAcc0">
-    <dgm:scene3d>
-      <a:camera prst="orthographicFront"/>
-      <a:lightRig rig="threePt" dir="t"/>
-    </dgm:scene3d>
-    <dgm:sp3d z="152400" extrusionH="63500" prstMaterial="matte">
-      <a:bevelT w="50800" h="19050" prst="relaxedInset"/>
-      <a:contourClr>
-        <a:schemeClr val="bg1"/>
-      </a:contourClr>
-    </dgm:sp3d>
-    <dgm:txPr/>
-    <dgm:style>
-      <a:lnRef idx="0">
-        <a:scrgbClr r="0" g="0" b="0"/>
-      </a:lnRef>
-      <a:fillRef idx="1">
-        <a:scrgbClr r="0" g="0" b="0"/>
-      </a:fillRef>
-      <a:effectRef idx="0">
-        <a:scrgbClr r="0" g="0" b="0"/>
-      </a:effectRef>
-      <a:fontRef idx="minor"/>
-    </dgm:style>
-  </dgm:styleLbl>
-  <dgm:styleLbl name="fgAcc2">
-    <dgm:scene3d>
-      <a:camera prst="orthographicFront"/>
-      <a:lightRig rig="threePt" dir="t"/>
-    </dgm:scene3d>
-    <dgm:sp3d z="152400" extrusionH="63500" prstMaterial="matte">
-      <a:bevelT w="50800" h="19050" prst="relaxedInset"/>
-      <a:contourClr>
-        <a:schemeClr val="bg1"/>
-      </a:contourClr>
-    </dgm:sp3d>
-    <dgm:txPr/>
-    <dgm:style>
-      <a:lnRef idx="0">
-        <a:scrgbClr r="0" g="0" b="0"/>
-      </a:lnRef>
-      <a:fillRef idx="1">
-        <a:scrgbClr r="0" g="0" b="0"/>
-      </a:fillRef>
-      <a:effectRef idx="0">
-        <a:scrgbClr r="0" g="0" b="0"/>
-      </a:effectRef>
-      <a:fontRef idx="minor"/>
-    </dgm:style>
-  </dgm:styleLbl>
-  <dgm:styleLbl name="fgAcc3">
-    <dgm:scene3d>
-      <a:camera prst="orthographicFront"/>
-      <a:lightRig rig="threePt" dir="t"/>
-    </dgm:scene3d>
-    <dgm:sp3d z="152400" extrusionH="63500" prstMaterial="matte">
-      <a:bevelT w="50800" h="19050" prst="relaxedInset"/>
-      <a:contourClr>
-        <a:schemeClr val="bg1"/>
-      </a:contourClr>
-    </dgm:sp3d>
-    <dgm:txPr/>
-    <dgm:style>
-      <a:lnRef idx="0">
-        <a:scrgbClr r="0" g="0" b="0"/>
-      </a:lnRef>
-      <a:fillRef idx="1">
-        <a:scrgbClr r="0" g="0" b="0"/>
-      </a:fillRef>
-      <a:effectRef idx="0">
-        <a:scrgbClr r="0" g="0" b="0"/>
-      </a:effectRef>
-      <a:fontRef idx="minor"/>
-    </dgm:style>
-  </dgm:styleLbl>
-  <dgm:styleLbl name="fgAcc4">
-    <dgm:scene3d>
-      <a:camera prst="orthographicFront"/>
-      <a:lightRig rig="threePt" dir="t"/>
-    </dgm:scene3d>
-    <dgm:sp3d z="152400" extrusionH="63500" prstMaterial="matte">
-      <a:bevelT w="50800" h="19050" prst="relaxedInset"/>
-      <a:contourClr>
-        <a:schemeClr val="bg1"/>
-      </a:contourClr>
-    </dgm:sp3d>
-    <dgm:txPr/>
-    <dgm:style>
-      <a:lnRef idx="0">
-        <a:scrgbClr r="0" g="0" b="0"/>
-      </a:lnRef>
-      <a:fillRef idx="1">
-        <a:scrgbClr r="0" g="0" b="0"/>
-      </a:fillRef>
-      <a:effectRef idx="0">
-        <a:scrgbClr r="0" g="0" b="0"/>
-      </a:effectRef>
-      <a:fontRef idx="minor"/>
-    </dgm:style>
-  </dgm:styleLbl>
-  <dgm:styleLbl name="bgShp">
-    <dgm:scene3d>
-      <a:camera prst="orthographicFront"/>
-      <a:lightRig rig="threePt" dir="t"/>
-    </dgm:scene3d>
-    <dgm:sp3d z="-152400" extrusionH="63500" prstMaterial="matte">
-      <a:bevelT w="44450" h="6350" prst="relaxedInset"/>
-      <a:contourClr>
-        <a:schemeClr val="bg1"/>
-      </a:contourClr>
-    </dgm:sp3d>
-    <dgm:txPr/>
-    <dgm:style>
-      <a:lnRef idx="0">
-        <a:scrgbClr r="0" g="0" b="0"/>
-      </a:lnRef>
-      <a:fillRef idx="1">
-        <a:scrgbClr r="0" g="0" b="0"/>
-      </a:fillRef>
-      <a:effectRef idx="0">
-        <a:scrgbClr r="0" g="0" b="0"/>
-      </a:effectRef>
-      <a:fontRef idx="minor"/>
-    </dgm:style>
-  </dgm:styleLbl>
-  <dgm:styleLbl name="dkBgShp">
-    <dgm:scene3d>
-      <a:camera prst="orthographicFront"/>
-      <a:lightRig rig="threePt" dir="t"/>
-    </dgm:scene3d>
-    <dgm:sp3d extrusionH="190500" prstMaterial="matte">
-      <a:bevelT w="120650" h="38100" prst="relaxedInset"/>
-      <a:bevelB w="120650" h="57150" prst="relaxedInset"/>
-      <a:contourClr>
-        <a:schemeClr val="bg1"/>
-      </a:contourClr>
-    </dgm:sp3d>
-    <dgm:txPr/>
-    <dgm:style>
-      <a:lnRef idx="0">
-        <a:scrgbClr r="0" g="0" b="0"/>
-      </a:lnRef>
-      <a:fillRef idx="1">
-        <a:scrgbClr r="0" g="0" b="0"/>
-      </a:fillRef>
-      <a:effectRef idx="2">
         <a:scrgbClr r="0" g="0" b="0"/>
       </a:effectRef>
       <a:fontRef idx="minor">
@@ -31890,10 +31468,309 @@
       </a:fontRef>
     </dgm:style>
   </dgm:styleLbl>
+  <dgm:styleLbl name="bgAcc1">
+    <dgm:scene3d>
+      <a:camera prst="orthographicFront"/>
+      <a:lightRig rig="chilly" dir="t"/>
+    </dgm:scene3d>
+    <dgm:sp3d z="-12700" extrusionH="1700" prstMaterial="dkEdge">
+      <a:bevelT w="25400" h="6350" prst="softRound"/>
+      <a:bevelB w="0" h="0" prst="convex"/>
+    </dgm:sp3d>
+    <dgm:txPr/>
+    <dgm:style>
+      <a:lnRef idx="1">
+        <a:scrgbClr r="0" g="0" b="0"/>
+      </a:lnRef>
+      <a:fillRef idx="1">
+        <a:scrgbClr r="0" g="0" b="0"/>
+      </a:fillRef>
+      <a:effectRef idx="0">
+        <a:scrgbClr r="0" g="0" b="0"/>
+      </a:effectRef>
+      <a:fontRef idx="minor"/>
+    </dgm:style>
+  </dgm:styleLbl>
+  <dgm:styleLbl name="solidFgAcc1">
+    <dgm:scene3d>
+      <a:camera prst="orthographicFront"/>
+      <a:lightRig rig="chilly" dir="t"/>
+    </dgm:scene3d>
+    <dgm:sp3d z="12700" extrusionH="1700" prstMaterial="dkEdge">
+      <a:bevelT w="25400" h="6350" prst="softRound"/>
+      <a:bevelB w="0" h="0" prst="convex"/>
+    </dgm:sp3d>
+    <dgm:txPr/>
+    <dgm:style>
+      <a:lnRef idx="1">
+        <a:scrgbClr r="0" g="0" b="0"/>
+      </a:lnRef>
+      <a:fillRef idx="1">
+        <a:scrgbClr r="0" g="0" b="0"/>
+      </a:fillRef>
+      <a:effectRef idx="0">
+        <a:scrgbClr r="0" g="0" b="0"/>
+      </a:effectRef>
+      <a:fontRef idx="minor"/>
+    </dgm:style>
+  </dgm:styleLbl>
+  <dgm:styleLbl name="solidAlignAcc1">
+    <dgm:scene3d>
+      <a:camera prst="orthographicFront"/>
+      <a:lightRig rig="chilly" dir="t"/>
+    </dgm:scene3d>
+    <dgm:sp3d extrusionH="1700" prstMaterial="dkEdge">
+      <a:bevelT w="25400" h="6350" prst="softRound"/>
+      <a:bevelB w="0" h="0" prst="convex"/>
+    </dgm:sp3d>
+    <dgm:txPr/>
+    <dgm:style>
+      <a:lnRef idx="1">
+        <a:scrgbClr r="0" g="0" b="0"/>
+      </a:lnRef>
+      <a:fillRef idx="1">
+        <a:scrgbClr r="0" g="0" b="0"/>
+      </a:fillRef>
+      <a:effectRef idx="0">
+        <a:scrgbClr r="0" g="0" b="0"/>
+      </a:effectRef>
+      <a:fontRef idx="minor"/>
+    </dgm:style>
+  </dgm:styleLbl>
+  <dgm:styleLbl name="solidBgAcc1">
+    <dgm:scene3d>
+      <a:camera prst="orthographicFront"/>
+      <a:lightRig rig="chilly" dir="t"/>
+    </dgm:scene3d>
+    <dgm:sp3d z="-12700" extrusionH="1700" prstMaterial="dkEdge">
+      <a:bevelT w="25400" h="6350" prst="softRound"/>
+      <a:bevelB w="0" h="0" prst="convex"/>
+    </dgm:sp3d>
+    <dgm:txPr/>
+    <dgm:style>
+      <a:lnRef idx="1">
+        <a:scrgbClr r="0" g="0" b="0"/>
+      </a:lnRef>
+      <a:fillRef idx="1">
+        <a:scrgbClr r="0" g="0" b="0"/>
+      </a:fillRef>
+      <a:effectRef idx="0">
+        <a:scrgbClr r="0" g="0" b="0"/>
+      </a:effectRef>
+      <a:fontRef idx="minor"/>
+    </dgm:style>
+  </dgm:styleLbl>
+  <dgm:styleLbl name="fgAccFollowNode1">
+    <dgm:scene3d>
+      <a:camera prst="orthographicFront"/>
+      <a:lightRig rig="chilly" dir="t"/>
+    </dgm:scene3d>
+    <dgm:sp3d z="12700" extrusionH="1700" prstMaterial="dkEdge">
+      <a:bevelT w="25400" h="6350" prst="softRound"/>
+      <a:bevelB w="0" h="0" prst="convex"/>
+    </dgm:sp3d>
+    <dgm:txPr/>
+    <dgm:style>
+      <a:lnRef idx="1">
+        <a:scrgbClr r="0" g="0" b="0"/>
+      </a:lnRef>
+      <a:fillRef idx="1">
+        <a:scrgbClr r="0" g="0" b="0"/>
+      </a:fillRef>
+      <a:effectRef idx="0">
+        <a:scrgbClr r="0" g="0" b="0"/>
+      </a:effectRef>
+      <a:fontRef idx="minor"/>
+    </dgm:style>
+  </dgm:styleLbl>
+  <dgm:styleLbl name="alignAccFollowNode1">
+    <dgm:scene3d>
+      <a:camera prst="orthographicFront"/>
+      <a:lightRig rig="chilly" dir="t"/>
+    </dgm:scene3d>
+    <dgm:sp3d extrusionH="1700" prstMaterial="dkEdge">
+      <a:bevelT w="25400" h="6350" prst="softRound"/>
+      <a:bevelB w="0" h="0" prst="convex"/>
+    </dgm:sp3d>
+    <dgm:txPr/>
+    <dgm:style>
+      <a:lnRef idx="1">
+        <a:scrgbClr r="0" g="0" b="0"/>
+      </a:lnRef>
+      <a:fillRef idx="1">
+        <a:scrgbClr r="0" g="0" b="0"/>
+      </a:fillRef>
+      <a:effectRef idx="0">
+        <a:scrgbClr r="0" g="0" b="0"/>
+      </a:effectRef>
+      <a:fontRef idx="minor"/>
+    </dgm:style>
+  </dgm:styleLbl>
+  <dgm:styleLbl name="bgAccFollowNode1">
+    <dgm:scene3d>
+      <a:camera prst="orthographicFront"/>
+      <a:lightRig rig="chilly" dir="t"/>
+    </dgm:scene3d>
+    <dgm:sp3d z="-12700" extrusionH="1700" prstMaterial="dkEdge">
+      <a:bevelT w="25400" h="6350" prst="softRound"/>
+      <a:bevelB w="0" h="0" prst="convex"/>
+    </dgm:sp3d>
+    <dgm:txPr/>
+    <dgm:style>
+      <a:lnRef idx="1">
+        <a:scrgbClr r="0" g="0" b="0"/>
+      </a:lnRef>
+      <a:fillRef idx="1">
+        <a:scrgbClr r="0" g="0" b="0"/>
+      </a:fillRef>
+      <a:effectRef idx="0">
+        <a:scrgbClr r="0" g="0" b="0"/>
+      </a:effectRef>
+      <a:fontRef idx="minor"/>
+    </dgm:style>
+  </dgm:styleLbl>
+  <dgm:styleLbl name="fgAcc0">
+    <dgm:scene3d>
+      <a:camera prst="orthographicFront"/>
+      <a:lightRig rig="chilly" dir="t"/>
+    </dgm:scene3d>
+    <dgm:sp3d z="12700" extrusionH="1700" prstMaterial="dkEdge">
+      <a:bevelT w="25400" h="6350" prst="softRound"/>
+      <a:bevelB w="0" h="0" prst="convex"/>
+    </dgm:sp3d>
+    <dgm:txPr/>
+    <dgm:style>
+      <a:lnRef idx="1">
+        <a:scrgbClr r="0" g="0" b="0"/>
+      </a:lnRef>
+      <a:fillRef idx="1">
+        <a:scrgbClr r="0" g="0" b="0"/>
+      </a:fillRef>
+      <a:effectRef idx="0">
+        <a:scrgbClr r="0" g="0" b="0"/>
+      </a:effectRef>
+      <a:fontRef idx="minor"/>
+    </dgm:style>
+  </dgm:styleLbl>
+  <dgm:styleLbl name="fgAcc2">
+    <dgm:scene3d>
+      <a:camera prst="orthographicFront"/>
+      <a:lightRig rig="chilly" dir="t"/>
+    </dgm:scene3d>
+    <dgm:sp3d z="12700" extrusionH="1700" prstMaterial="dkEdge">
+      <a:bevelT w="25400" h="6350" prst="softRound"/>
+      <a:bevelB w="0" h="0" prst="convex"/>
+    </dgm:sp3d>
+    <dgm:txPr/>
+    <dgm:style>
+      <a:lnRef idx="1">
+        <a:scrgbClr r="0" g="0" b="0"/>
+      </a:lnRef>
+      <a:fillRef idx="1">
+        <a:scrgbClr r="0" g="0" b="0"/>
+      </a:fillRef>
+      <a:effectRef idx="0">
+        <a:scrgbClr r="0" g="0" b="0"/>
+      </a:effectRef>
+      <a:fontRef idx="minor"/>
+    </dgm:style>
+  </dgm:styleLbl>
+  <dgm:styleLbl name="fgAcc3">
+    <dgm:scene3d>
+      <a:camera prst="orthographicFront"/>
+      <a:lightRig rig="chilly" dir="t"/>
+    </dgm:scene3d>
+    <dgm:sp3d z="12700" extrusionH="1700" prstMaterial="dkEdge">
+      <a:bevelT w="25400" h="6350" prst="softRound"/>
+      <a:bevelB w="0" h="0" prst="convex"/>
+    </dgm:sp3d>
+    <dgm:txPr/>
+    <dgm:style>
+      <a:lnRef idx="1">
+        <a:scrgbClr r="0" g="0" b="0"/>
+      </a:lnRef>
+      <a:fillRef idx="1">
+        <a:scrgbClr r="0" g="0" b="0"/>
+      </a:fillRef>
+      <a:effectRef idx="0">
+        <a:scrgbClr r="0" g="0" b="0"/>
+      </a:effectRef>
+      <a:fontRef idx="minor"/>
+    </dgm:style>
+  </dgm:styleLbl>
+  <dgm:styleLbl name="fgAcc4">
+    <dgm:scene3d>
+      <a:camera prst="orthographicFront"/>
+      <a:lightRig rig="chilly" dir="t"/>
+    </dgm:scene3d>
+    <dgm:sp3d z="12700" extrusionH="1700" prstMaterial="dkEdge">
+      <a:bevelT w="25400" h="6350" prst="softRound"/>
+      <a:bevelB w="0" h="0" prst="convex"/>
+    </dgm:sp3d>
+    <dgm:txPr/>
+    <dgm:style>
+      <a:lnRef idx="1">
+        <a:scrgbClr r="0" g="0" b="0"/>
+      </a:lnRef>
+      <a:fillRef idx="1">
+        <a:scrgbClr r="0" g="0" b="0"/>
+      </a:fillRef>
+      <a:effectRef idx="0">
+        <a:scrgbClr r="0" g="0" b="0"/>
+      </a:effectRef>
+      <a:fontRef idx="minor"/>
+    </dgm:style>
+  </dgm:styleLbl>
+  <dgm:styleLbl name="bgShp">
+    <dgm:scene3d>
+      <a:camera prst="orthographicFront"/>
+      <a:lightRig rig="chilly" dir="t"/>
+    </dgm:scene3d>
+    <dgm:sp3d z="-12700" extrusionH="1700" prstMaterial="translucentPowder">
+      <a:bevelT w="25400" h="6350" prst="softRound"/>
+      <a:bevelB w="0" h="0" prst="convex"/>
+    </dgm:sp3d>
+    <dgm:txPr/>
+    <dgm:style>
+      <a:lnRef idx="0">
+        <a:scrgbClr r="0" g="0" b="0"/>
+      </a:lnRef>
+      <a:fillRef idx="1">
+        <a:scrgbClr r="0" g="0" b="0"/>
+      </a:fillRef>
+      <a:effectRef idx="0">
+        <a:scrgbClr r="0" g="0" b="0"/>
+      </a:effectRef>
+      <a:fontRef idx="minor"/>
+    </dgm:style>
+  </dgm:styleLbl>
+  <dgm:styleLbl name="dkBgShp">
+    <dgm:scene3d>
+      <a:camera prst="orthographicFront"/>
+      <a:lightRig rig="chilly" dir="t"/>
+    </dgm:scene3d>
+    <dgm:sp3d extrusionH="1700" prstMaterial="translucentPowder">
+      <a:bevelT w="25400" h="6350" prst="softRound"/>
+      <a:bevelB w="0" h="0" prst="convex"/>
+    </dgm:sp3d>
+    <dgm:txPr/>
+    <dgm:style>
+      <a:lnRef idx="0">
+        <a:scrgbClr r="0" g="0" b="0"/>
+      </a:lnRef>
+      <a:fillRef idx="1">
+        <a:scrgbClr r="0" g="0" b="0"/>
+      </a:fillRef>
+      <a:effectRef idx="0">
+        <a:scrgbClr r="0" g="0" b="0"/>
+      </a:effectRef>
+      <a:fontRef idx="minor"/>
+    </dgm:style>
+  </dgm:styleLbl>
   <dgm:styleLbl name="trBgShp">
     <dgm:scene3d>
       <a:camera prst="orthographicFront"/>
-      <a:lightRig rig="threePt" dir="t"/>
+      <a:lightRig rig="chilly" dir="t"/>
     </dgm:scene3d>
     <dgm:sp3d z="-152400" prstMaterial="matte"/>
     <dgm:txPr/>
@@ -31913,13 +31790,11 @@
   <dgm:styleLbl name="fgShp">
     <dgm:scene3d>
       <a:camera prst="orthographicFront"/>
-      <a:lightRig rig="threePt" dir="t"/>
+      <a:lightRig rig="chilly" dir="t"/>
     </dgm:scene3d>
-    <dgm:sp3d z="152400" extrusionH="63500" prstMaterial="matte">
-      <a:bevelT w="50800" h="19050" prst="relaxedInset"/>
-      <a:contourClr>
-        <a:schemeClr val="bg1"/>
-      </a:contourClr>
+    <dgm:sp3d z="12700" extrusionH="1700" prstMaterial="translucentPowder">
+      <a:bevelT w="25400" h="6350" prst="softRound"/>
+      <a:bevelB w="0" h="0" prst="convex"/>
     </dgm:sp3d>
     <dgm:txPr/>
     <dgm:style>
@@ -31929,12 +31804,10 @@
       <a:fillRef idx="1">
         <a:scrgbClr r="0" g="0" b="0"/>
       </a:fillRef>
-      <a:effectRef idx="2">
+      <a:effectRef idx="0">
         <a:scrgbClr r="0" g="0" b="0"/>
       </a:effectRef>
-      <a:fontRef idx="minor">
-        <a:schemeClr val="lt1"/>
-      </a:fontRef>
+      <a:fontRef idx="minor"/>
     </dgm:style>
   </dgm:styleLbl>
   <dgm:styleLbl name="revTx">
@@ -45336,11 +45209,41 @@
                 <a:tableStyleId>{5C22544A-7EE6-4342-B048-85BDC9FD1C3A}</a:tableStyleId>
               </a:tblPr>
               <a:tblGrid>
-                <a:gridCol w="558501"/>
-                <a:gridCol w="5238155"/>
-                <a:gridCol w="703633"/>
-                <a:gridCol w="1563628"/>
-                <a:gridCol w="871226"/>
+                <a:gridCol w="558501">
+                  <a:extLst>
+                    <a:ext uri="{9D8B030D-6E8A-4147-A177-3AD203B41FA5}">
+                      <a16:colId xmlns:a16="http://schemas.microsoft.com/office/drawing/2014/main" val="20000"/>
+                    </a:ext>
+                  </a:extLst>
+                </a:gridCol>
+                <a:gridCol w="5238155">
+                  <a:extLst>
+                    <a:ext uri="{9D8B030D-6E8A-4147-A177-3AD203B41FA5}">
+                      <a16:colId xmlns:a16="http://schemas.microsoft.com/office/drawing/2014/main" val="20001"/>
+                    </a:ext>
+                  </a:extLst>
+                </a:gridCol>
+                <a:gridCol w="703633">
+                  <a:extLst>
+                    <a:ext uri="{9D8B030D-6E8A-4147-A177-3AD203B41FA5}">
+                      <a16:colId xmlns:a16="http://schemas.microsoft.com/office/drawing/2014/main" val="20002"/>
+                    </a:ext>
+                  </a:extLst>
+                </a:gridCol>
+                <a:gridCol w="1563628">
+                  <a:extLst>
+                    <a:ext uri="{9D8B030D-6E8A-4147-A177-3AD203B41FA5}">
+                      <a16:colId xmlns:a16="http://schemas.microsoft.com/office/drawing/2014/main" val="20003"/>
+                    </a:ext>
+                  </a:extLst>
+                </a:gridCol>
+                <a:gridCol w="871226">
+                  <a:extLst>
+                    <a:ext uri="{9D8B030D-6E8A-4147-A177-3AD203B41FA5}">
+                      <a16:colId xmlns:a16="http://schemas.microsoft.com/office/drawing/2014/main" val="20004"/>
+                    </a:ext>
+                  </a:extLst>
+                </a:gridCol>
               </a:tblGrid>
               <a:tr h="550121">
                 <a:tc>
@@ -45450,6 +45353,11 @@
                   </a:txBody>
                   <a:tcPr marL="0" marR="0" marT="0" marB="0" anchor="ctr"/>
                 </a:tc>
+                <a:extLst>
+                  <a:ext uri="{0D108BD9-81ED-4DB2-BD59-A6C34878D82A}">
+                    <a16:rowId xmlns:a16="http://schemas.microsoft.com/office/drawing/2014/main" val="10000"/>
+                  </a:ext>
+                </a:extLst>
               </a:tr>
               <a:tr h="550121">
                 <a:tc>
@@ -45552,6 +45460,11 @@
                   </a:txBody>
                   <a:tcPr marL="0" marR="0" marT="0" marB="0" anchor="ctr"/>
                 </a:tc>
+                <a:extLst>
+                  <a:ext uri="{0D108BD9-81ED-4DB2-BD59-A6C34878D82A}">
+                    <a16:rowId xmlns:a16="http://schemas.microsoft.com/office/drawing/2014/main" val="10001"/>
+                  </a:ext>
+                </a:extLst>
               </a:tr>
               <a:tr h="550121">
                 <a:tc>
@@ -45654,6 +45567,11 @@
                   </a:txBody>
                   <a:tcPr marL="0" marR="0" marT="0" marB="0" anchor="ctr"/>
                 </a:tc>
+                <a:extLst>
+                  <a:ext uri="{0D108BD9-81ED-4DB2-BD59-A6C34878D82A}">
+                    <a16:rowId xmlns:a16="http://schemas.microsoft.com/office/drawing/2014/main" val="10002"/>
+                  </a:ext>
+                </a:extLst>
               </a:tr>
               <a:tr h="550121">
                 <a:tc>
@@ -45756,6 +45674,11 @@
                   </a:txBody>
                   <a:tcPr marL="0" marR="0" marT="0" marB="0" anchor="ctr"/>
                 </a:tc>
+                <a:extLst>
+                  <a:ext uri="{0D108BD9-81ED-4DB2-BD59-A6C34878D82A}">
+                    <a16:rowId xmlns:a16="http://schemas.microsoft.com/office/drawing/2014/main" val="10003"/>
+                  </a:ext>
+                </a:extLst>
               </a:tr>
               <a:tr h="550121">
                 <a:tc>
@@ -45865,6 +45788,11 @@
                   </a:txBody>
                   <a:tcPr marL="0" marR="0" marT="0" marB="0" anchor="ctr"/>
                 </a:tc>
+                <a:extLst>
+                  <a:ext uri="{0D108BD9-81ED-4DB2-BD59-A6C34878D82A}">
+                    <a16:rowId xmlns:a16="http://schemas.microsoft.com/office/drawing/2014/main" val="10004"/>
+                  </a:ext>
+                </a:extLst>
               </a:tr>
               <a:tr h="550121">
                 <a:tc>
@@ -45967,6 +45895,11 @@
                   </a:txBody>
                   <a:tcPr marL="0" marR="0" marT="0" marB="0" anchor="ctr"/>
                 </a:tc>
+                <a:extLst>
+                  <a:ext uri="{0D108BD9-81ED-4DB2-BD59-A6C34878D82A}">
+                    <a16:rowId xmlns:a16="http://schemas.microsoft.com/office/drawing/2014/main" val="10005"/>
+                  </a:ext>
+                </a:extLst>
               </a:tr>
               <a:tr h="550121">
                 <a:tc>
@@ -46069,6 +46002,11 @@
                   </a:txBody>
                   <a:tcPr marL="0" marR="0" marT="0" marB="0" anchor="ctr"/>
                 </a:tc>
+                <a:extLst>
+                  <a:ext uri="{0D108BD9-81ED-4DB2-BD59-A6C34878D82A}">
+                    <a16:rowId xmlns:a16="http://schemas.microsoft.com/office/drawing/2014/main" val="10006"/>
+                  </a:ext>
+                </a:extLst>
               </a:tr>
               <a:tr h="550121">
                 <a:tc>
@@ -46171,6 +46109,11 @@
                   </a:txBody>
                   <a:tcPr marL="0" marR="0" marT="0" marB="0" anchor="ctr"/>
                 </a:tc>
+                <a:extLst>
+                  <a:ext uri="{0D108BD9-81ED-4DB2-BD59-A6C34878D82A}">
+                    <a16:rowId xmlns:a16="http://schemas.microsoft.com/office/drawing/2014/main" val="10007"/>
+                  </a:ext>
+                </a:extLst>
               </a:tr>
               <a:tr h="550121">
                 <a:tc>
@@ -46273,6 +46216,11 @@
                   </a:txBody>
                   <a:tcPr marL="0" marR="0" marT="0" marB="0" anchor="ctr"/>
                 </a:tc>
+                <a:extLst>
+                  <a:ext uri="{0D108BD9-81ED-4DB2-BD59-A6C34878D82A}">
+                    <a16:rowId xmlns:a16="http://schemas.microsoft.com/office/drawing/2014/main" val="10008"/>
+                  </a:ext>
+                </a:extLst>
               </a:tr>
               <a:tr h="550121">
                 <a:tc>
@@ -46325,6 +46273,11 @@
                   </a:txBody>
                   <a:tcPr/>
                 </a:tc>
+                <a:extLst>
+                  <a:ext uri="{0D108BD9-81ED-4DB2-BD59-A6C34878D82A}">
+                    <a16:rowId xmlns:a16="http://schemas.microsoft.com/office/drawing/2014/main" val="10009"/>
+                  </a:ext>
+                </a:extLst>
               </a:tr>
             </a:tbl>
           </a:graphicData>
@@ -47362,7 +47315,12 @@
             <p:ph type="title"/>
           </p:nvPr>
         </p:nvSpPr>
-        <p:spPr/>
+        <p:spPr>
+          <a:xfrm>
+            <a:off x="457200" y="0"/>
+            <a:ext cx="8229600" cy="1196752"/>
+          </a:xfrm>
+        </p:spPr>
         <p:txBody>
           <a:bodyPr/>
           <a:lstStyle/>
@@ -47385,14 +47343,14 @@
             <p:ph idx="1"/>
             <p:extLst>
               <p:ext uri="{D42A27DB-BD31-4B8C-83A1-F6EECF244321}">
-                <p14:modId xmlns:p14="http://schemas.microsoft.com/office/powerpoint/2010/main" val="1120422377"/>
+                <p14:modId xmlns:p14="http://schemas.microsoft.com/office/powerpoint/2010/main" val="1040428288"/>
               </p:ext>
             </p:extLst>
           </p:nvPr>
         </p:nvGraphicFramePr>
         <p:xfrm>
-          <a:off x="107504" y="1600200"/>
-          <a:ext cx="8928992" cy="5429200"/>
+          <a:off x="107504" y="1484784"/>
+          <a:ext cx="8928992" cy="5256584"/>
         </p:xfrm>
         <a:graphic>
           <a:graphicData uri="http://schemas.openxmlformats.org/drawingml/2006/diagram">
@@ -47787,31 +47745,41 @@
           <a:p>
             <a:r>
               <a:rPr lang="pt-BR" dirty="0" smtClean="0"/>
-              <a:t>Diagramas</a:t>
+              <a:t>Diagramas  ER</a:t>
             </a:r>
             <a:endParaRPr lang="pt-BR" dirty="0"/>
           </a:p>
         </p:txBody>
       </p:sp>
-      <p:sp>
-        <p:nvSpPr>
-          <p:cNvPr id="3" name="Espaço Reservado para Conteúdo 2"/>
-          <p:cNvSpPr>
-            <a:spLocks noGrp="1"/>
-          </p:cNvSpPr>
+      <p:pic>
+        <p:nvPicPr>
+          <p:cNvPr id="5" name="Espaço Reservado para Conteúdo 4"/>
+          <p:cNvPicPr>
+            <a:picLocks noGrp="1" noChangeAspect="1"/>
+          </p:cNvPicPr>
           <p:nvPr>
             <p:ph idx="1"/>
           </p:nvPr>
-        </p:nvSpPr>
-        <p:spPr/>
-        <p:txBody>
-          <a:bodyPr/>
-          <a:lstStyle/>
-          <a:p>
-            <a:endParaRPr lang="pt-BR" dirty="0"/>
-          </a:p>
-        </p:txBody>
-      </p:sp>
+        </p:nvPicPr>
+        <p:blipFill>
+          <a:blip r:embed="rId2">
+            <a:extLst>
+              <a:ext uri="{28A0092B-C50C-407E-A947-70E740481C1C}">
+                <a14:useLocalDpi xmlns:a14="http://schemas.microsoft.com/office/drawing/2010/main" val="0"/>
+              </a:ext>
+            </a:extLst>
+          </a:blip>
+          <a:stretch>
+            <a:fillRect/>
+          </a:stretch>
+        </p:blipFill>
+        <p:spPr>
+          <a:xfrm>
+            <a:off x="457200" y="1340768"/>
+            <a:ext cx="8229599" cy="5040560"/>
+          </a:xfrm>
+        </p:spPr>
+      </p:pic>
       <p:pic>
         <p:nvPicPr>
           <p:cNvPr id="4" name="Picture 2" descr="https://cdn-images-1.medium.com/max/600/1*YHKQVfSqFafrXvGcc5wUuQ.png"/>
@@ -47821,7 +47789,7 @@
           <p:nvPr/>
         </p:nvPicPr>
         <p:blipFill rotWithShape="1">
-          <a:blip r:embed="rId2">
+          <a:blip r:embed="rId3">
             <a:extLst>
               <a:ext uri="{28A0092B-C50C-407E-A947-70E740481C1C}">
                 <a14:useLocalDpi xmlns:a14="http://schemas.microsoft.com/office/drawing/2010/main" val="0"/>
@@ -48995,11 +48963,41 @@
                 <a:tableStyleId>{5C22544A-7EE6-4342-B048-85BDC9FD1C3A}</a:tableStyleId>
               </a:tblPr>
               <a:tblGrid>
-                <a:gridCol w="3111033"/>
-                <a:gridCol w="993424"/>
-                <a:gridCol w="1368152"/>
-                <a:gridCol w="1512168"/>
-                <a:gridCol w="1872207"/>
+                <a:gridCol w="3111033">
+                  <a:extLst>
+                    <a:ext uri="{9D8B030D-6E8A-4147-A177-3AD203B41FA5}">
+                      <a16:colId xmlns:a16="http://schemas.microsoft.com/office/drawing/2014/main" val="20000"/>
+                    </a:ext>
+                  </a:extLst>
+                </a:gridCol>
+                <a:gridCol w="993424">
+                  <a:extLst>
+                    <a:ext uri="{9D8B030D-6E8A-4147-A177-3AD203B41FA5}">
+                      <a16:colId xmlns:a16="http://schemas.microsoft.com/office/drawing/2014/main" val="20001"/>
+                    </a:ext>
+                  </a:extLst>
+                </a:gridCol>
+                <a:gridCol w="1368152">
+                  <a:extLst>
+                    <a:ext uri="{9D8B030D-6E8A-4147-A177-3AD203B41FA5}">
+                      <a16:colId xmlns:a16="http://schemas.microsoft.com/office/drawing/2014/main" val="20002"/>
+                    </a:ext>
+                  </a:extLst>
+                </a:gridCol>
+                <a:gridCol w="1512168">
+                  <a:extLst>
+                    <a:ext uri="{9D8B030D-6E8A-4147-A177-3AD203B41FA5}">
+                      <a16:colId xmlns:a16="http://schemas.microsoft.com/office/drawing/2014/main" val="20003"/>
+                    </a:ext>
+                  </a:extLst>
+                </a:gridCol>
+                <a:gridCol w="1872207">
+                  <a:extLst>
+                    <a:ext uri="{9D8B030D-6E8A-4147-A177-3AD203B41FA5}">
+                      <a16:colId xmlns:a16="http://schemas.microsoft.com/office/drawing/2014/main" val="20004"/>
+                    </a:ext>
+                  </a:extLst>
+                </a:gridCol>
               </a:tblGrid>
               <a:tr h="852694">
                 <a:tc>
@@ -49157,6 +49155,11 @@
                     </a:solidFill>
                   </a:tcPr>
                 </a:tc>
+                <a:extLst>
+                  <a:ext uri="{0D108BD9-81ED-4DB2-BD59-A6C34878D82A}">
+                    <a16:rowId xmlns:a16="http://schemas.microsoft.com/office/drawing/2014/main" val="10000"/>
+                  </a:ext>
+                </a:extLst>
               </a:tr>
               <a:tr h="477463">
                 <a:tc>
@@ -49323,6 +49326,11 @@
                     </a:solidFill>
                   </a:tcPr>
                 </a:tc>
+                <a:extLst>
+                  <a:ext uri="{0D108BD9-81ED-4DB2-BD59-A6C34878D82A}">
+                    <a16:rowId xmlns:a16="http://schemas.microsoft.com/office/drawing/2014/main" val="10001"/>
+                  </a:ext>
+                </a:extLst>
               </a:tr>
               <a:tr h="477463">
                 <a:tc>
@@ -49486,6 +49494,11 @@
                     </a:solidFill>
                   </a:tcPr>
                 </a:tc>
+                <a:extLst>
+                  <a:ext uri="{0D108BD9-81ED-4DB2-BD59-A6C34878D82A}">
+                    <a16:rowId xmlns:a16="http://schemas.microsoft.com/office/drawing/2014/main" val="10002"/>
+                  </a:ext>
+                </a:extLst>
               </a:tr>
               <a:tr h="609506">
                 <a:tc>
@@ -49649,6 +49662,11 @@
                     </a:solidFill>
                   </a:tcPr>
                 </a:tc>
+                <a:extLst>
+                  <a:ext uri="{0D108BD9-81ED-4DB2-BD59-A6C34878D82A}">
+                    <a16:rowId xmlns:a16="http://schemas.microsoft.com/office/drawing/2014/main" val="10003"/>
+                  </a:ext>
+                </a:extLst>
               </a:tr>
               <a:tr h="477463">
                 <a:tc>
@@ -49803,6 +49821,11 @@
                     </a:solidFill>
                   </a:tcPr>
                 </a:tc>
+                <a:extLst>
+                  <a:ext uri="{0D108BD9-81ED-4DB2-BD59-A6C34878D82A}">
+                    <a16:rowId xmlns:a16="http://schemas.microsoft.com/office/drawing/2014/main" val="10004"/>
+                  </a:ext>
+                </a:extLst>
               </a:tr>
               <a:tr h="487914">
                 <a:tc>
@@ -49966,6 +49989,11 @@
                     </a:solidFill>
                   </a:tcPr>
                 </a:tc>
+                <a:extLst>
+                  <a:ext uri="{0D108BD9-81ED-4DB2-BD59-A6C34878D82A}">
+                    <a16:rowId xmlns:a16="http://schemas.microsoft.com/office/drawing/2014/main" val="10005"/>
+                  </a:ext>
+                </a:extLst>
               </a:tr>
               <a:tr h="477463">
                 <a:tc>
@@ -50120,6 +50148,11 @@
                     </a:solidFill>
                   </a:tcPr>
                 </a:tc>
+                <a:extLst>
+                  <a:ext uri="{0D108BD9-81ED-4DB2-BD59-A6C34878D82A}">
+                    <a16:rowId xmlns:a16="http://schemas.microsoft.com/office/drawing/2014/main" val="10006"/>
+                  </a:ext>
+                </a:extLst>
               </a:tr>
               <a:tr h="446892">
                 <a:tc>
@@ -50286,6 +50319,11 @@
                     </a:solidFill>
                   </a:tcPr>
                 </a:tc>
+                <a:extLst>
+                  <a:ext uri="{0D108BD9-81ED-4DB2-BD59-A6C34878D82A}">
+                    <a16:rowId xmlns:a16="http://schemas.microsoft.com/office/drawing/2014/main" val="10007"/>
+                  </a:ext>
+                </a:extLst>
               </a:tr>
               <a:tr h="402855">
                 <a:tc>
@@ -50461,6 +50499,11 @@
                     </a:solidFill>
                   </a:tcPr>
                 </a:tc>
+                <a:extLst>
+                  <a:ext uri="{0D108BD9-81ED-4DB2-BD59-A6C34878D82A}">
+                    <a16:rowId xmlns:a16="http://schemas.microsoft.com/office/drawing/2014/main" val="10008"/>
+                  </a:ext>
+                </a:extLst>
               </a:tr>
               <a:tr h="402855">
                 <a:tc>
@@ -50627,6 +50670,11 @@
                     </a:solidFill>
                   </a:tcPr>
                 </a:tc>
+                <a:extLst>
+                  <a:ext uri="{0D108BD9-81ED-4DB2-BD59-A6C34878D82A}">
+                    <a16:rowId xmlns:a16="http://schemas.microsoft.com/office/drawing/2014/main" val="10009"/>
+                  </a:ext>
+                </a:extLst>
               </a:tr>
             </a:tbl>
           </a:graphicData>

--- a/Ppt.pptx
+++ b/Ppt.pptx
@@ -137,7 +137,7 @@
   </p:defaultTextStyle>
   <p:extLst>
     <p:ext uri="{EFAFB233-063F-42B5-8137-9DF3F51BA10A}">
-      <p15:sldGuideLst xmlns:p15="http://schemas.microsoft.com/office/powerpoint/2012/main">
+      <p15:sldGuideLst xmlns:p15="http://schemas.microsoft.com/office/powerpoint/2012/main" xmlns="">
         <p15:guide id="1" orient="horz" pos="2160">
           <p15:clr>
             <a:srgbClr val="A4A3A4"/>
@@ -9026,6 +9026,10 @@
         <a:bodyPr/>
         <a:lstStyle/>
         <a:p>
+          <a:r>
+            <a:rPr lang="pt-BR" dirty="0" smtClean="0"/>
+            <a:t>Configuração</a:t>
+          </a:r>
           <a:endParaRPr lang="pt-BR" dirty="0"/>
         </a:p>
       </dgm:t>
@@ -9098,7 +9102,7 @@
         <a:p>
           <a:r>
             <a:rPr lang="pt-BR" dirty="0" smtClean="0"/>
-            <a:t>Serviços</a:t>
+            <a:t>Webservices</a:t>
           </a:r>
           <a:endParaRPr lang="pt-BR" dirty="0"/>
         </a:p>
@@ -9135,7 +9139,7 @@
         <a:p>
           <a:r>
             <a:rPr lang="pt-BR" dirty="0" smtClean="0"/>
-            <a:t>Base terceiro</a:t>
+            <a:t>Bases terceiras</a:t>
           </a:r>
           <a:endParaRPr lang="pt-BR" dirty="0"/>
         </a:p>
@@ -9328,19 +9332,19 @@
     </dgm:pt>
   </dgm:ptLst>
   <dgm:cxnLst>
+    <dgm:cxn modelId="{70816197-3CCD-4374-A787-AD50B6C98107}" srcId="{41EDC0B5-5B2E-40F6-A795-26759C403F93}" destId="{3B8C848E-B7C5-4BFA-9530-8B78A658DBF9}" srcOrd="0" destOrd="0" parTransId="{63492834-D0E4-41B4-B7F7-53FCFD5E2B26}" sibTransId="{A1BBA8FF-D579-4E2A-8000-37E8226C6F13}"/>
+    <dgm:cxn modelId="{75D2E0ED-99D5-44BB-AB4D-0F23545695CF}" type="presOf" srcId="{41EDC0B5-5B2E-40F6-A795-26759C403F93}" destId="{5DC2A2A4-321E-49F3-87D9-1E402D63144A}" srcOrd="0" destOrd="0" presId="urn:microsoft.com/office/officeart/2005/8/layout/target2"/>
+    <dgm:cxn modelId="{C8C2BECC-9D45-4EA0-8AC7-5375EB5F3EB6}" srcId="{00AA778E-02C5-4AB7-94AA-A238D1ABCE99}" destId="{E050978C-0D9B-48B8-B177-C3932AA7913C}" srcOrd="0" destOrd="0" parTransId="{BB79AFD7-3839-453A-8EB2-A52F965A8C76}" sibTransId="{D22D7724-B8DF-454F-9C7C-F4D3FEA5F73C}"/>
+    <dgm:cxn modelId="{3005B341-3B26-4ADD-85E4-C5EDCE0C9E20}" type="presOf" srcId="{3522712F-F43A-4175-BE83-10EA01740169}" destId="{B75B4B1B-09EA-44A0-A091-652EBDE0EA98}" srcOrd="0" destOrd="0" presId="urn:microsoft.com/office/officeart/2005/8/layout/target2"/>
+    <dgm:cxn modelId="{972DCC70-CC7D-4C0D-B235-59E3598EF66A}" srcId="{3B8C848E-B7C5-4BFA-9530-8B78A658DBF9}" destId="{3522712F-F43A-4175-BE83-10EA01740169}" srcOrd="0" destOrd="0" parTransId="{9E1B4B29-EEF3-45C0-9878-1588634F9605}" sibTransId="{EC03DB40-A835-4E7C-BD1B-9A73530AE7D6}"/>
+    <dgm:cxn modelId="{50090F85-38F3-4F38-9C95-0E87B537E31A}" type="presOf" srcId="{27FA57F4-188E-4BD9-8285-85AC9430C1CA}" destId="{A5A6D88A-617E-417D-BD7B-EBF9A20413FC}" srcOrd="0" destOrd="0" presId="urn:microsoft.com/office/officeart/2005/8/layout/target2"/>
+    <dgm:cxn modelId="{FE52B234-DDA2-41A4-A0FB-8C00997A6DC9}" type="presOf" srcId="{A1B118FD-1FEB-4C32-90A6-C74FF73ACC39}" destId="{2C1EC8B9-85E5-46D8-A0E1-9621919A32B4}" srcOrd="0" destOrd="0" presId="urn:microsoft.com/office/officeart/2005/8/layout/target2"/>
+    <dgm:cxn modelId="{48FAC39E-92B9-4C02-B497-F47EA4BC281E}" type="presOf" srcId="{E050978C-0D9B-48B8-B177-C3932AA7913C}" destId="{003ADD9F-4AC4-45B5-8DD6-EC81A27549EB}" srcOrd="0" destOrd="0" presId="urn:microsoft.com/office/officeart/2005/8/layout/target2"/>
+    <dgm:cxn modelId="{83FF0B91-87EB-4F13-84AB-6C3D5FB7D2A5}" srcId="{41EDC0B5-5B2E-40F6-A795-26759C403F93}" destId="{27FA57F4-188E-4BD9-8285-85AC9430C1CA}" srcOrd="2" destOrd="0" parTransId="{EEDFEE3B-048B-4931-9733-606A3F23765B}" sibTransId="{8FFD755D-67E9-46A2-940B-D8AAEE3A428A}"/>
+    <dgm:cxn modelId="{3CCA7E8F-9E1A-48EA-BA14-0A763B20D42D}" srcId="{41EDC0B5-5B2E-40F6-A795-26759C403F93}" destId="{00AA778E-02C5-4AB7-94AA-A238D1ABCE99}" srcOrd="1" destOrd="0" parTransId="{29E54D22-60C7-46BE-9AFD-CA81944A36C4}" sibTransId="{7D102F0B-EB58-4562-BF14-F927D2AC4478}"/>
+    <dgm:cxn modelId="{852D2E0A-BBFF-4CF9-86C8-AA48801398EE}" type="presOf" srcId="{00AA778E-02C5-4AB7-94AA-A238D1ABCE99}" destId="{ADD3C99B-AFC3-47B1-A4DF-7A75CC6ABE97}" srcOrd="0" destOrd="0" presId="urn:microsoft.com/office/officeart/2005/8/layout/target2"/>
     <dgm:cxn modelId="{C54A608E-21D2-43AA-B51B-DEF0F85C137B}" srcId="{27FA57F4-188E-4BD9-8285-85AC9430C1CA}" destId="{A1B118FD-1FEB-4C32-90A6-C74FF73ACC39}" srcOrd="0" destOrd="0" parTransId="{5DB2BB6F-623C-4D2B-9BAF-DCD48CD1A9C5}" sibTransId="{8DA34FC6-56B2-4413-80C1-1BB77F092E34}"/>
-    <dgm:cxn modelId="{3CCA7E8F-9E1A-48EA-BA14-0A763B20D42D}" srcId="{41EDC0B5-5B2E-40F6-A795-26759C403F93}" destId="{00AA778E-02C5-4AB7-94AA-A238D1ABCE99}" srcOrd="1" destOrd="0" parTransId="{29E54D22-60C7-46BE-9AFD-CA81944A36C4}" sibTransId="{7D102F0B-EB58-4562-BF14-F927D2AC4478}"/>
-    <dgm:cxn modelId="{70816197-3CCD-4374-A787-AD50B6C98107}" srcId="{41EDC0B5-5B2E-40F6-A795-26759C403F93}" destId="{3B8C848E-B7C5-4BFA-9530-8B78A658DBF9}" srcOrd="0" destOrd="0" parTransId="{63492834-D0E4-41B4-B7F7-53FCFD5E2B26}" sibTransId="{A1BBA8FF-D579-4E2A-8000-37E8226C6F13}"/>
-    <dgm:cxn modelId="{83FF0B91-87EB-4F13-84AB-6C3D5FB7D2A5}" srcId="{41EDC0B5-5B2E-40F6-A795-26759C403F93}" destId="{27FA57F4-188E-4BD9-8285-85AC9430C1CA}" srcOrd="2" destOrd="0" parTransId="{EEDFEE3B-048B-4931-9733-606A3F23765B}" sibTransId="{8FFD755D-67E9-46A2-940B-D8AAEE3A428A}"/>
-    <dgm:cxn modelId="{972DCC70-CC7D-4C0D-B235-59E3598EF66A}" srcId="{3B8C848E-B7C5-4BFA-9530-8B78A658DBF9}" destId="{3522712F-F43A-4175-BE83-10EA01740169}" srcOrd="0" destOrd="0" parTransId="{9E1B4B29-EEF3-45C0-9878-1588634F9605}" sibTransId="{EC03DB40-A835-4E7C-BD1B-9A73530AE7D6}"/>
-    <dgm:cxn modelId="{FE52B234-DDA2-41A4-A0FB-8C00997A6DC9}" type="presOf" srcId="{A1B118FD-1FEB-4C32-90A6-C74FF73ACC39}" destId="{2C1EC8B9-85E5-46D8-A0E1-9621919A32B4}" srcOrd="0" destOrd="0" presId="urn:microsoft.com/office/officeart/2005/8/layout/target2"/>
-    <dgm:cxn modelId="{50090F85-38F3-4F38-9C95-0E87B537E31A}" type="presOf" srcId="{27FA57F4-188E-4BD9-8285-85AC9430C1CA}" destId="{A5A6D88A-617E-417D-BD7B-EBF9A20413FC}" srcOrd="0" destOrd="0" presId="urn:microsoft.com/office/officeart/2005/8/layout/target2"/>
-    <dgm:cxn modelId="{48FAC39E-92B9-4C02-B497-F47EA4BC281E}" type="presOf" srcId="{E050978C-0D9B-48B8-B177-C3932AA7913C}" destId="{003ADD9F-4AC4-45B5-8DD6-EC81A27549EB}" srcOrd="0" destOrd="0" presId="urn:microsoft.com/office/officeart/2005/8/layout/target2"/>
-    <dgm:cxn modelId="{852D2E0A-BBFF-4CF9-86C8-AA48801398EE}" type="presOf" srcId="{00AA778E-02C5-4AB7-94AA-A238D1ABCE99}" destId="{ADD3C99B-AFC3-47B1-A4DF-7A75CC6ABE97}" srcOrd="0" destOrd="0" presId="urn:microsoft.com/office/officeart/2005/8/layout/target2"/>
     <dgm:cxn modelId="{A64CD332-3C8D-4E29-BBA4-ACA4A5C70894}" type="presOf" srcId="{3B8C848E-B7C5-4BFA-9530-8B78A658DBF9}" destId="{BFCD2251-09FB-4193-82AE-20E41AABECB4}" srcOrd="0" destOrd="0" presId="urn:microsoft.com/office/officeart/2005/8/layout/target2"/>
-    <dgm:cxn modelId="{3005B341-3B26-4ADD-85E4-C5EDCE0C9E20}" type="presOf" srcId="{3522712F-F43A-4175-BE83-10EA01740169}" destId="{B75B4B1B-09EA-44A0-A091-652EBDE0EA98}" srcOrd="0" destOrd="0" presId="urn:microsoft.com/office/officeart/2005/8/layout/target2"/>
-    <dgm:cxn modelId="{C8C2BECC-9D45-4EA0-8AC7-5375EB5F3EB6}" srcId="{00AA778E-02C5-4AB7-94AA-A238D1ABCE99}" destId="{E050978C-0D9B-48B8-B177-C3932AA7913C}" srcOrd="0" destOrd="0" parTransId="{BB79AFD7-3839-453A-8EB2-A52F965A8C76}" sibTransId="{D22D7724-B8DF-454F-9C7C-F4D3FEA5F73C}"/>
-    <dgm:cxn modelId="{75D2E0ED-99D5-44BB-AB4D-0F23545695CF}" type="presOf" srcId="{41EDC0B5-5B2E-40F6-A795-26759C403F93}" destId="{5DC2A2A4-321E-49F3-87D9-1E402D63144A}" srcOrd="0" destOrd="0" presId="urn:microsoft.com/office/officeart/2005/8/layout/target2"/>
     <dgm:cxn modelId="{FBEA4A22-37AA-4D19-92F3-A05F7B4C4F3C}" type="presParOf" srcId="{5DC2A2A4-321E-49F3-87D9-1E402D63144A}" destId="{47ABF3AE-7C0F-4F37-99E7-26C498633561}" srcOrd="0" destOrd="0" presId="urn:microsoft.com/office/officeart/2005/8/layout/target2"/>
     <dgm:cxn modelId="{FBFC4953-E3A1-4666-AE1A-E9EA156A9741}" type="presParOf" srcId="{47ABF3AE-7C0F-4F37-99E7-26C498633561}" destId="{BFCD2251-09FB-4193-82AE-20E41AABECB4}" srcOrd="0" destOrd="0" presId="urn:microsoft.com/office/officeart/2005/8/layout/target2"/>
     <dgm:cxn modelId="{1C0CD012-4D6C-4F64-8494-29ED0B444B63}" type="presParOf" srcId="{47ABF3AE-7C0F-4F37-99E7-26C498633561}" destId="{40DC6C87-52FE-4881-A102-E1D5BF83157F}" srcOrd="1" destOrd="0" presId="urn:microsoft.com/office/officeart/2005/8/layout/target2"/>
@@ -13805,53 +13809,53 @@
     </dgm:pt>
   </dgm:ptLst>
   <dgm:cxnLst>
-    <dgm:cxn modelId="{AE1EFA4F-43D7-4B31-9E7F-940D6FCC10FD}" type="presOf" srcId="{7DF7B6DD-8D79-468E-B015-C667742FBFEB}" destId="{85F62DE2-963F-4C4E-96AF-E89F91C81D5C}" srcOrd="0" destOrd="0" presId="urn:microsoft.com/office/officeart/2008/layout/HorizontalMultiLevelHierarchy"/>
-    <dgm:cxn modelId="{B4FD77FA-C77B-48AF-8FBC-9D705ED00DE4}" type="presOf" srcId="{9B0E06C2-4430-4C22-92AF-6D91175F2E8B}" destId="{99E58E7E-BFE3-414B-AF9D-7BB998895FEF}" srcOrd="0" destOrd="0" presId="urn:microsoft.com/office/officeart/2008/layout/HorizontalMultiLevelHierarchy"/>
+    <dgm:cxn modelId="{18D20495-54B2-41BA-B806-37002FB53632}" type="presOf" srcId="{69705CEA-F570-453E-89C2-BF794F678958}" destId="{BC230F88-AF16-401E-847A-5EB6F35167B5}" srcOrd="0" destOrd="0" presId="urn:microsoft.com/office/officeart/2008/layout/HorizontalMultiLevelHierarchy"/>
+    <dgm:cxn modelId="{E47C819D-D54E-4599-897F-5F05D785E91C}" type="presOf" srcId="{80A8E8CD-E500-4265-9EBD-08F5903454F8}" destId="{4E7B5B8A-E25E-4056-A287-F1501FE9A818}" srcOrd="1" destOrd="0" presId="urn:microsoft.com/office/officeart/2008/layout/HorizontalMultiLevelHierarchy"/>
+    <dgm:cxn modelId="{C91CC287-7190-42C4-97C0-2D91E272BCC3}" type="presOf" srcId="{47DBA1AE-1E15-431B-816E-E3495D91D50D}" destId="{C3B714E9-8D56-4F47-AE83-1B4A1B36E261}" srcOrd="0" destOrd="0" presId="urn:microsoft.com/office/officeart/2008/layout/HorizontalMultiLevelHierarchy"/>
+    <dgm:cxn modelId="{020A2310-5D97-4D7E-9909-51E2CE9FB027}" type="presOf" srcId="{7D4A7BEA-0826-4D7F-9B13-830276B86077}" destId="{175FB72B-84C8-486C-9686-3AA16043A190}" srcOrd="0" destOrd="0" presId="urn:microsoft.com/office/officeart/2008/layout/HorizontalMultiLevelHierarchy"/>
+    <dgm:cxn modelId="{68BEAA0F-F727-404F-A1C3-B6A93BF7DE79}" type="presOf" srcId="{B3A3E97E-B1F5-4285-B3CC-626A9AFB88AF}" destId="{962A20E9-4E8A-4469-B9A9-712648A37A7E}" srcOrd="1" destOrd="0" presId="urn:microsoft.com/office/officeart/2008/layout/HorizontalMultiLevelHierarchy"/>
+    <dgm:cxn modelId="{DC17CFEB-C2B6-4EF4-A568-2436AA4299E9}" type="presOf" srcId="{BCECA982-1209-40D3-90B9-DB39233875A5}" destId="{85116997-987D-40A8-AFCA-C5A54CBB823D}" srcOrd="0" destOrd="0" presId="urn:microsoft.com/office/officeart/2008/layout/HorizontalMultiLevelHierarchy"/>
+    <dgm:cxn modelId="{0E9DAE43-BD16-4A14-9821-2524BC241F48}" srcId="{CE13128E-9149-4B70-91DE-630C4ABBFE00}" destId="{08C55BA2-31D6-43CA-BE8B-18095A33123C}" srcOrd="1" destOrd="0" parTransId="{6DB745CF-1A78-406B-8408-ECE8759E9FA1}" sibTransId="{E3EE3127-9860-436D-80DB-2AE4EBD12F9F}"/>
+    <dgm:cxn modelId="{A67FD952-7E3E-42C2-B9AC-9786F65D1584}" srcId="{08C55BA2-31D6-43CA-BE8B-18095A33123C}" destId="{4A1CE773-3E85-4B37-BA18-CB28DF37705F}" srcOrd="0" destOrd="0" parTransId="{C970C188-F04F-415C-B685-2C4E7AFB148E}" sibTransId="{1EF5A848-6056-46B2-8C3B-F197EDA52614}"/>
+    <dgm:cxn modelId="{A9952C7E-C879-479B-834A-6036B1AB1527}" srcId="{7DF7B6DD-8D79-468E-B015-C667742FBFEB}" destId="{CE13128E-9149-4B70-91DE-630C4ABBFE00}" srcOrd="0" destOrd="0" parTransId="{C6E5B58F-10F1-4A0F-B24B-83ABFC7283E8}" sibTransId="{6CE5C753-8F6C-4D7B-8CBB-35D97C591B3B}"/>
+    <dgm:cxn modelId="{D5162A70-9646-4B9A-9D47-8847B119A36D}" type="presOf" srcId="{DC5DA3D9-0E16-42DE-894D-7A0ACA3BEA89}" destId="{5AE26B0C-D01B-45E0-A33F-6264A326BBFD}" srcOrd="1" destOrd="0" presId="urn:microsoft.com/office/officeart/2008/layout/HorizontalMultiLevelHierarchy"/>
+    <dgm:cxn modelId="{BB8CC356-122F-4E4D-BF7E-874EEDB47A04}" type="presOf" srcId="{C6E5B58F-10F1-4A0F-B24B-83ABFC7283E8}" destId="{E04E75EF-3FF5-4F99-9454-4458B90560B9}" srcOrd="0" destOrd="0" presId="urn:microsoft.com/office/officeart/2008/layout/HorizontalMultiLevelHierarchy"/>
+    <dgm:cxn modelId="{B353EAEA-C1EF-497E-AD8A-EEFA8A1765D1}" type="presOf" srcId="{305D8F76-DE5C-477C-9DE0-661AB94732FF}" destId="{2DB62359-910D-4F81-A286-8DE2D01AD00D}" srcOrd="1" destOrd="0" presId="urn:microsoft.com/office/officeart/2008/layout/HorizontalMultiLevelHierarchy"/>
+    <dgm:cxn modelId="{BB366179-8CB8-48F8-B469-8D59183C75FA}" type="presOf" srcId="{DC5DA3D9-0E16-42DE-894D-7A0ACA3BEA89}" destId="{76804D07-263C-4BFE-886B-E38C63B4A639}" srcOrd="0" destOrd="0" presId="urn:microsoft.com/office/officeart/2008/layout/HorizontalMultiLevelHierarchy"/>
+    <dgm:cxn modelId="{CC33FE3A-2675-4C05-AC2C-C262B46663BD}" type="presOf" srcId="{08C55BA2-31D6-43CA-BE8B-18095A33123C}" destId="{E44A7F6B-CDD6-46D7-8C6D-31E128DCFA9B}" srcOrd="0" destOrd="0" presId="urn:microsoft.com/office/officeart/2008/layout/HorizontalMultiLevelHierarchy"/>
+    <dgm:cxn modelId="{8F03D61F-9583-4BD6-9C0A-EAE164CEDD1E}" srcId="{D24B9365-C298-4D09-9B43-19F1F42CB936}" destId="{9CDE7211-7213-4221-9E18-349FFE24B791}" srcOrd="0" destOrd="0" parTransId="{DC5DA3D9-0E16-42DE-894D-7A0ACA3BEA89}" sibTransId="{29A5C94B-43C5-43DC-83C7-D6A9D3B54949}"/>
+    <dgm:cxn modelId="{4A871634-BAF2-4366-8270-342BEC8E9356}" type="presOf" srcId="{BCECA982-1209-40D3-90B9-DB39233875A5}" destId="{59995DB5-1B81-4758-85FC-551EB375F06C}" srcOrd="1" destOrd="0" presId="urn:microsoft.com/office/officeart/2008/layout/HorizontalMultiLevelHierarchy"/>
+    <dgm:cxn modelId="{1BF0094A-FEFC-422B-B205-AFF45445190D}" type="presOf" srcId="{63FF3E21-F438-42A5-8D7B-E965B1D3812A}" destId="{9539C340-DD91-4CCB-9617-C26D5EA57291}" srcOrd="1" destOrd="0" presId="urn:microsoft.com/office/officeart/2008/layout/HorizontalMultiLevelHierarchy"/>
+    <dgm:cxn modelId="{8E4EFBD5-37F1-443C-8D37-89A4DC4A200B}" type="presOf" srcId="{31A7FA4E-1377-4668-AA4A-F847E0BA75F9}" destId="{64DC2729-4AEE-46FC-A4B3-43AAC41F9DD2}" srcOrd="0" destOrd="0" presId="urn:microsoft.com/office/officeart/2008/layout/HorizontalMultiLevelHierarchy"/>
+    <dgm:cxn modelId="{27FA3CE5-0EFE-4E17-AEF1-7436EA42B042}" srcId="{4A1CE773-3E85-4B37-BA18-CB28DF37705F}" destId="{47DBA1AE-1E15-431B-816E-E3495D91D50D}" srcOrd="0" destOrd="0" parTransId="{DB96E258-2D1C-4B1E-950D-055EBF0AF5CA}" sibTransId="{91669A65-5834-4388-8EB8-E7B6090E317E}"/>
     <dgm:cxn modelId="{AE4F2E6D-309B-4F80-8E06-C12019005D59}" type="presOf" srcId="{DB96E258-2D1C-4B1E-950D-055EBF0AF5CA}" destId="{1B00757B-AD37-414D-BCDF-A22538F398D1}" srcOrd="1" destOrd="0" presId="urn:microsoft.com/office/officeart/2008/layout/HorizontalMultiLevelHierarchy"/>
+    <dgm:cxn modelId="{F693BDB5-3E8E-4D97-A21C-531C30DC49A7}" type="presOf" srcId="{C00D11A3-9D06-466C-BA99-53F0B6A1B1FC}" destId="{2FAEB9D7-2202-48D6-BEFE-7691405C0023}" srcOrd="0" destOrd="0" presId="urn:microsoft.com/office/officeart/2008/layout/HorizontalMultiLevelHierarchy"/>
+    <dgm:cxn modelId="{B54418A1-3FDE-464D-B17A-A04C569FE824}" type="presOf" srcId="{6DB745CF-1A78-406B-8408-ECE8759E9FA1}" destId="{3E2CFF2C-518D-45AB-95AC-8B2259762694}" srcOrd="1" destOrd="0" presId="urn:microsoft.com/office/officeart/2008/layout/HorizontalMultiLevelHierarchy"/>
+    <dgm:cxn modelId="{82597DAD-63A8-4A76-B9BE-23D8DF04E26F}" type="presOf" srcId="{CE13128E-9149-4B70-91DE-630C4ABBFE00}" destId="{CCC824B9-6D4D-4981-9C76-2E02AF6A080B}" srcOrd="0" destOrd="0" presId="urn:microsoft.com/office/officeart/2008/layout/HorizontalMultiLevelHierarchy"/>
+    <dgm:cxn modelId="{EA349AEE-F38C-4392-A380-76DF0CF9C396}" type="presOf" srcId="{C970C188-F04F-415C-B685-2C4E7AFB148E}" destId="{D9A7ED5D-FF3B-42E9-A95A-82691CE48DCF}" srcOrd="0" destOrd="0" presId="urn:microsoft.com/office/officeart/2008/layout/HorizontalMultiLevelHierarchy"/>
     <dgm:cxn modelId="{9F3DCA4B-DDEA-4D57-A2BE-01EDAA20879E}" srcId="{3D7E4721-08AD-4056-9D97-280A0288FF53}" destId="{7DF7B6DD-8D79-468E-B015-C667742FBFEB}" srcOrd="0" destOrd="0" parTransId="{1B8AF3C6-2F66-4552-8F48-4A75818AB395}" sibTransId="{473ED60A-3384-44E1-AF12-F229B86CAE9E}"/>
     <dgm:cxn modelId="{0911AA29-B75D-4350-AE96-7B3FAD2DFDF5}" type="presOf" srcId="{C00D11A3-9D06-466C-BA99-53F0B6A1B1FC}" destId="{4A7E1716-0151-45F0-9631-89C21FC2D372}" srcOrd="1" destOrd="0" presId="urn:microsoft.com/office/officeart/2008/layout/HorizontalMultiLevelHierarchy"/>
+    <dgm:cxn modelId="{91BB3751-AE35-42E3-9C14-D0C99A4298F0}" srcId="{69705CEA-F570-453E-89C2-BF794F678958}" destId="{7D4A7BEA-0826-4D7F-9B13-830276B86077}" srcOrd="0" destOrd="0" parTransId="{80A8E8CD-E500-4265-9EBD-08F5903454F8}" sibTransId="{652FD5D0-86D7-4337-9B75-D2CD6C870809}"/>
+    <dgm:cxn modelId="{84BE7329-BE44-40EF-A84C-01DCF7EA027F}" type="presOf" srcId="{0ED25E3A-194B-4DBD-AE05-C5BAB2D4B322}" destId="{FBCAE61C-F8F7-4954-B5B0-98F173752588}" srcOrd="0" destOrd="0" presId="urn:microsoft.com/office/officeart/2008/layout/HorizontalMultiLevelHierarchy"/>
+    <dgm:cxn modelId="{CC6C77C6-FE6E-49D4-86B7-B41D722DE6FD}" srcId="{D24B9365-C298-4D09-9B43-19F1F42CB936}" destId="{31A7FA4E-1377-4668-AA4A-F847E0BA75F9}" srcOrd="1" destOrd="0" parTransId="{BCECA982-1209-40D3-90B9-DB39233875A5}" sibTransId="{84D3DBC8-A14D-46AC-9625-01BC5680C226}"/>
+    <dgm:cxn modelId="{39F6116F-B56E-4177-8F3B-03B043793E50}" type="presOf" srcId="{DB96E258-2D1C-4B1E-950D-055EBF0AF5CA}" destId="{C0070F97-A64B-4B18-A039-4EA6BBCC45E3}" srcOrd="0" destOrd="0" presId="urn:microsoft.com/office/officeart/2008/layout/HorizontalMultiLevelHierarchy"/>
+    <dgm:cxn modelId="{AE1EFA4F-43D7-4B31-9E7F-940D6FCC10FD}" type="presOf" srcId="{7DF7B6DD-8D79-468E-B015-C667742FBFEB}" destId="{85F62DE2-963F-4C4E-96AF-E89F91C81D5C}" srcOrd="0" destOrd="0" presId="urn:microsoft.com/office/officeart/2008/layout/HorizontalMultiLevelHierarchy"/>
     <dgm:cxn modelId="{6C19DA65-7600-49E5-A4BA-A0BBEFEC9683}" type="presOf" srcId="{6DB745CF-1A78-406B-8408-ECE8759E9FA1}" destId="{7FF2BF7D-A4BE-4AF2-9EFD-0878EA33F434}" srcOrd="0" destOrd="0" presId="urn:microsoft.com/office/officeart/2008/layout/HorizontalMultiLevelHierarchy"/>
-    <dgm:cxn modelId="{DC17CFEB-C2B6-4EF4-A568-2436AA4299E9}" type="presOf" srcId="{BCECA982-1209-40D3-90B9-DB39233875A5}" destId="{85116997-987D-40A8-AFCA-C5A54CBB823D}" srcOrd="0" destOrd="0" presId="urn:microsoft.com/office/officeart/2008/layout/HorizontalMultiLevelHierarchy"/>
-    <dgm:cxn modelId="{E47C819D-D54E-4599-897F-5F05D785E91C}" type="presOf" srcId="{80A8E8CD-E500-4265-9EBD-08F5903454F8}" destId="{4E7B5B8A-E25E-4056-A287-F1501FE9A818}" srcOrd="1" destOrd="0" presId="urn:microsoft.com/office/officeart/2008/layout/HorizontalMultiLevelHierarchy"/>
-    <dgm:cxn modelId="{84BE7329-BE44-40EF-A84C-01DCF7EA027F}" type="presOf" srcId="{0ED25E3A-194B-4DBD-AE05-C5BAB2D4B322}" destId="{FBCAE61C-F8F7-4954-B5B0-98F173752588}" srcOrd="0" destOrd="0" presId="urn:microsoft.com/office/officeart/2008/layout/HorizontalMultiLevelHierarchy"/>
-    <dgm:cxn modelId="{4A871634-BAF2-4366-8270-342BEC8E9356}" type="presOf" srcId="{BCECA982-1209-40D3-90B9-DB39233875A5}" destId="{59995DB5-1B81-4758-85FC-551EB375F06C}" srcOrd="1" destOrd="0" presId="urn:microsoft.com/office/officeart/2008/layout/HorizontalMultiLevelHierarchy"/>
-    <dgm:cxn modelId="{EA349AEE-F38C-4392-A380-76DF0CF9C396}" type="presOf" srcId="{C970C188-F04F-415C-B685-2C4E7AFB148E}" destId="{D9A7ED5D-FF3B-42E9-A95A-82691CE48DCF}" srcOrd="0" destOrd="0" presId="urn:microsoft.com/office/officeart/2008/layout/HorizontalMultiLevelHierarchy"/>
-    <dgm:cxn modelId="{27FA3CE5-0EFE-4E17-AEF1-7436EA42B042}" srcId="{4A1CE773-3E85-4B37-BA18-CB28DF37705F}" destId="{47DBA1AE-1E15-431B-816E-E3495D91D50D}" srcOrd="0" destOrd="0" parTransId="{DB96E258-2D1C-4B1E-950D-055EBF0AF5CA}" sibTransId="{91669A65-5834-4388-8EB8-E7B6090E317E}"/>
     <dgm:cxn modelId="{B671D779-080D-46B7-806E-9D6D7A129DE5}" type="presOf" srcId="{B3A3E97E-B1F5-4285-B3CC-626A9AFB88AF}" destId="{7F8C45BB-9C92-4B8F-B244-3A92D6C34FF5}" srcOrd="0" destOrd="0" presId="urn:microsoft.com/office/officeart/2008/layout/HorizontalMultiLevelHierarchy"/>
-    <dgm:cxn modelId="{BB8CC356-122F-4E4D-BF7E-874EEDB47A04}" type="presOf" srcId="{C6E5B58F-10F1-4A0F-B24B-83ABFC7283E8}" destId="{E04E75EF-3FF5-4F99-9454-4458B90560B9}" srcOrd="0" destOrd="0" presId="urn:microsoft.com/office/officeart/2008/layout/HorizontalMultiLevelHierarchy"/>
-    <dgm:cxn modelId="{BB366179-8CB8-48F8-B469-8D59183C75FA}" type="presOf" srcId="{DC5DA3D9-0E16-42DE-894D-7A0ACA3BEA89}" destId="{76804D07-263C-4BFE-886B-E38C63B4A639}" srcOrd="0" destOrd="0" presId="urn:microsoft.com/office/officeart/2008/layout/HorizontalMultiLevelHierarchy"/>
-    <dgm:cxn modelId="{A9952C7E-C879-479B-834A-6036B1AB1527}" srcId="{7DF7B6DD-8D79-468E-B015-C667742FBFEB}" destId="{CE13128E-9149-4B70-91DE-630C4ABBFE00}" srcOrd="0" destOrd="0" parTransId="{C6E5B58F-10F1-4A0F-B24B-83ABFC7283E8}" sibTransId="{6CE5C753-8F6C-4D7B-8CBB-35D97C591B3B}"/>
-    <dgm:cxn modelId="{82597DAD-63A8-4A76-B9BE-23D8DF04E26F}" type="presOf" srcId="{CE13128E-9149-4B70-91DE-630C4ABBFE00}" destId="{CCC824B9-6D4D-4981-9C76-2E02AF6A080B}" srcOrd="0" destOrd="0" presId="urn:microsoft.com/office/officeart/2008/layout/HorizontalMultiLevelHierarchy"/>
-    <dgm:cxn modelId="{B54418A1-3FDE-464D-B17A-A04C569FE824}" type="presOf" srcId="{6DB745CF-1A78-406B-8408-ECE8759E9FA1}" destId="{3E2CFF2C-518D-45AB-95AC-8B2259762694}" srcOrd="1" destOrd="0" presId="urn:microsoft.com/office/officeart/2008/layout/HorizontalMultiLevelHierarchy"/>
-    <dgm:cxn modelId="{F693BDB5-3E8E-4D97-A21C-531C30DC49A7}" type="presOf" srcId="{C00D11A3-9D06-466C-BA99-53F0B6A1B1FC}" destId="{2FAEB9D7-2202-48D6-BEFE-7691405C0023}" srcOrd="0" destOrd="0" presId="urn:microsoft.com/office/officeart/2008/layout/HorizontalMultiLevelHierarchy"/>
-    <dgm:cxn modelId="{8F03D61F-9583-4BD6-9C0A-EAE164CEDD1E}" srcId="{D24B9365-C298-4D09-9B43-19F1F42CB936}" destId="{9CDE7211-7213-4221-9E18-349FFE24B791}" srcOrd="0" destOrd="0" parTransId="{DC5DA3D9-0E16-42DE-894D-7A0ACA3BEA89}" sibTransId="{29A5C94B-43C5-43DC-83C7-D6A9D3B54949}"/>
+    <dgm:cxn modelId="{788DF614-934B-4CDE-8FF1-17B10ABAAFDA}" type="presOf" srcId="{C970C188-F04F-415C-B685-2C4E7AFB148E}" destId="{C592C0A8-EC42-4A45-91EE-9CDFDF8DA551}" srcOrd="1" destOrd="0" presId="urn:microsoft.com/office/officeart/2008/layout/HorizontalMultiLevelHierarchy"/>
+    <dgm:cxn modelId="{1A56D051-FCD1-4ACE-B517-CA53D4CD293A}" type="presOf" srcId="{C6E5B58F-10F1-4A0F-B24B-83ABFC7283E8}" destId="{350094D2-7DCD-4D6D-BF3C-22BADCB8186A}" srcOrd="1" destOrd="0" presId="urn:microsoft.com/office/officeart/2008/layout/HorizontalMultiLevelHierarchy"/>
+    <dgm:cxn modelId="{9A780A0D-89E7-413B-80CA-0ADF2A767F6C}" type="presOf" srcId="{D24B9365-C298-4D09-9B43-19F1F42CB936}" destId="{C1F3184D-BED2-4588-91D0-6026066D0495}" srcOrd="0" destOrd="0" presId="urn:microsoft.com/office/officeart/2008/layout/HorizontalMultiLevelHierarchy"/>
+    <dgm:cxn modelId="{38540718-F67F-4C11-9B24-F182E409F9F7}" srcId="{4A1CE773-3E85-4B37-BA18-CB28DF37705F}" destId="{9B0E06C2-4430-4C22-92AF-6D91175F2E8B}" srcOrd="1" destOrd="0" parTransId="{B3A3E97E-B1F5-4285-B3CC-626A9AFB88AF}" sibTransId="{7EF15AAC-523E-46E8-BCE2-0064739EBD0B}"/>
     <dgm:cxn modelId="{FBC35013-D260-4A4E-A0AB-B35E1343F84D}" srcId="{7D4A7BEA-0826-4D7F-9B13-830276B86077}" destId="{D24B9365-C298-4D09-9B43-19F1F42CB936}" srcOrd="0" destOrd="0" parTransId="{63FF3E21-F438-42A5-8D7B-E965B1D3812A}" sibTransId="{8DD4E92C-112D-485C-B591-98B1A3C4F30E}"/>
-    <dgm:cxn modelId="{020A2310-5D97-4D7E-9909-51E2CE9FB027}" type="presOf" srcId="{7D4A7BEA-0826-4D7F-9B13-830276B86077}" destId="{175FB72B-84C8-486C-9686-3AA16043A190}" srcOrd="0" destOrd="0" presId="urn:microsoft.com/office/officeart/2008/layout/HorizontalMultiLevelHierarchy"/>
-    <dgm:cxn modelId="{100C4F7D-2A1A-4546-B2DC-F10C4BB3C755}" srcId="{7DF7B6DD-8D79-468E-B015-C667742FBFEB}" destId="{69705CEA-F570-453E-89C2-BF794F678958}" srcOrd="1" destOrd="0" parTransId="{C00D11A3-9D06-466C-BA99-53F0B6A1B1FC}" sibTransId="{2CA70043-153C-4528-8CBA-351914359EE1}"/>
-    <dgm:cxn modelId="{788DF614-934B-4CDE-8FF1-17B10ABAAFDA}" type="presOf" srcId="{C970C188-F04F-415C-B685-2C4E7AFB148E}" destId="{C592C0A8-EC42-4A45-91EE-9CDFDF8DA551}" srcOrd="1" destOrd="0" presId="urn:microsoft.com/office/officeart/2008/layout/HorizontalMultiLevelHierarchy"/>
-    <dgm:cxn modelId="{E7A7BC4A-FA59-4FC2-A70C-7826F6D84463}" type="presOf" srcId="{3D7E4721-08AD-4056-9D97-280A0288FF53}" destId="{48EA20E2-9F73-4378-9103-C6F25598EA7F}" srcOrd="0" destOrd="0" presId="urn:microsoft.com/office/officeart/2008/layout/HorizontalMultiLevelHierarchy"/>
-    <dgm:cxn modelId="{C91CC287-7190-42C4-97C0-2D91E272BCC3}" type="presOf" srcId="{47DBA1AE-1E15-431B-816E-E3495D91D50D}" destId="{C3B714E9-8D56-4F47-AE83-1B4A1B36E261}" srcOrd="0" destOrd="0" presId="urn:microsoft.com/office/officeart/2008/layout/HorizontalMultiLevelHierarchy"/>
-    <dgm:cxn modelId="{A9BC8CC8-D9B4-420C-A71C-562C76E994F1}" srcId="{CE13128E-9149-4B70-91DE-630C4ABBFE00}" destId="{0ED25E3A-194B-4DBD-AE05-C5BAB2D4B322}" srcOrd="0" destOrd="0" parTransId="{305D8F76-DE5C-477C-9DE0-661AB94732FF}" sibTransId="{964FDF4F-7DC1-44AC-84EA-F8B8AA5B99EA}"/>
-    <dgm:cxn modelId="{9A780A0D-89E7-413B-80CA-0ADF2A767F6C}" type="presOf" srcId="{D24B9365-C298-4D09-9B43-19F1F42CB936}" destId="{C1F3184D-BED2-4588-91D0-6026066D0495}" srcOrd="0" destOrd="0" presId="urn:microsoft.com/office/officeart/2008/layout/HorizontalMultiLevelHierarchy"/>
-    <dgm:cxn modelId="{39F6116F-B56E-4177-8F3B-03B043793E50}" type="presOf" srcId="{DB96E258-2D1C-4B1E-950D-055EBF0AF5CA}" destId="{C0070F97-A64B-4B18-A039-4EA6BBCC45E3}" srcOrd="0" destOrd="0" presId="urn:microsoft.com/office/officeart/2008/layout/HorizontalMultiLevelHierarchy"/>
     <dgm:cxn modelId="{D4921EC2-E1FF-4937-9022-063F086BEBF0}" type="presOf" srcId="{305D8F76-DE5C-477C-9DE0-661AB94732FF}" destId="{040CB96B-06C3-4570-9EDB-C32DFC727847}" srcOrd="0" destOrd="0" presId="urn:microsoft.com/office/officeart/2008/layout/HorizontalMultiLevelHierarchy"/>
     <dgm:cxn modelId="{B3194426-8F2C-4599-8334-A77C24E85D70}" type="presOf" srcId="{63FF3E21-F438-42A5-8D7B-E965B1D3812A}" destId="{11F12F7E-0B93-41A3-87BC-24FCC6E0289B}" srcOrd="0" destOrd="0" presId="urn:microsoft.com/office/officeart/2008/layout/HorizontalMultiLevelHierarchy"/>
-    <dgm:cxn modelId="{8E4EFBD5-37F1-443C-8D37-89A4DC4A200B}" type="presOf" srcId="{31A7FA4E-1377-4668-AA4A-F847E0BA75F9}" destId="{64DC2729-4AEE-46FC-A4B3-43AAC41F9DD2}" srcOrd="0" destOrd="0" presId="urn:microsoft.com/office/officeart/2008/layout/HorizontalMultiLevelHierarchy"/>
-    <dgm:cxn modelId="{D5162A70-9646-4B9A-9D47-8847B119A36D}" type="presOf" srcId="{DC5DA3D9-0E16-42DE-894D-7A0ACA3BEA89}" destId="{5AE26B0C-D01B-45E0-A33F-6264A326BBFD}" srcOrd="1" destOrd="0" presId="urn:microsoft.com/office/officeart/2008/layout/HorizontalMultiLevelHierarchy"/>
+    <dgm:cxn modelId="{100C4F7D-2A1A-4546-B2DC-F10C4BB3C755}" srcId="{7DF7B6DD-8D79-468E-B015-C667742FBFEB}" destId="{69705CEA-F570-453E-89C2-BF794F678958}" srcOrd="1" destOrd="0" parTransId="{C00D11A3-9D06-466C-BA99-53F0B6A1B1FC}" sibTransId="{2CA70043-153C-4528-8CBA-351914359EE1}"/>
+    <dgm:cxn modelId="{A9BC8CC8-D9B4-420C-A71C-562C76E994F1}" srcId="{CE13128E-9149-4B70-91DE-630C4ABBFE00}" destId="{0ED25E3A-194B-4DBD-AE05-C5BAB2D4B322}" srcOrd="0" destOrd="0" parTransId="{305D8F76-DE5C-477C-9DE0-661AB94732FF}" sibTransId="{964FDF4F-7DC1-44AC-84EA-F8B8AA5B99EA}"/>
     <dgm:cxn modelId="{C1B85BF8-8C75-4508-BDA6-ED7D32829F8E}" type="presOf" srcId="{9CDE7211-7213-4221-9E18-349FFE24B791}" destId="{9D43B9EB-EF57-4CA9-8875-07E50AC536FE}" srcOrd="0" destOrd="0" presId="urn:microsoft.com/office/officeart/2008/layout/HorizontalMultiLevelHierarchy"/>
-    <dgm:cxn modelId="{38540718-F67F-4C11-9B24-F182E409F9F7}" srcId="{4A1CE773-3E85-4B37-BA18-CB28DF37705F}" destId="{9B0E06C2-4430-4C22-92AF-6D91175F2E8B}" srcOrd="1" destOrd="0" parTransId="{B3A3E97E-B1F5-4285-B3CC-626A9AFB88AF}" sibTransId="{7EF15AAC-523E-46E8-BCE2-0064739EBD0B}"/>
+    <dgm:cxn modelId="{D6CC8C56-3DAD-4CE5-BB65-51B263CD22D9}" type="presOf" srcId="{80A8E8CD-E500-4265-9EBD-08F5903454F8}" destId="{A8088930-A153-477E-9029-C095C3D50AF4}" srcOrd="0" destOrd="0" presId="urn:microsoft.com/office/officeart/2008/layout/HorizontalMultiLevelHierarchy"/>
+    <dgm:cxn modelId="{E7A7BC4A-FA59-4FC2-A70C-7826F6D84463}" type="presOf" srcId="{3D7E4721-08AD-4056-9D97-280A0288FF53}" destId="{48EA20E2-9F73-4378-9103-C6F25598EA7F}" srcOrd="0" destOrd="0" presId="urn:microsoft.com/office/officeart/2008/layout/HorizontalMultiLevelHierarchy"/>
+    <dgm:cxn modelId="{B4FD77FA-C77B-48AF-8FBC-9D705ED00DE4}" type="presOf" srcId="{9B0E06C2-4430-4C22-92AF-6D91175F2E8B}" destId="{99E58E7E-BFE3-414B-AF9D-7BB998895FEF}" srcOrd="0" destOrd="0" presId="urn:microsoft.com/office/officeart/2008/layout/HorizontalMultiLevelHierarchy"/>
     <dgm:cxn modelId="{E8E957DC-8B5E-4F8C-B5ED-96F2A805E2A8}" type="presOf" srcId="{4A1CE773-3E85-4B37-BA18-CB28DF37705F}" destId="{08C3CC76-66C0-40DD-B207-18615301AEA6}" srcOrd="0" destOrd="0" presId="urn:microsoft.com/office/officeart/2008/layout/HorizontalMultiLevelHierarchy"/>
-    <dgm:cxn modelId="{91BB3751-AE35-42E3-9C14-D0C99A4298F0}" srcId="{69705CEA-F570-453E-89C2-BF794F678958}" destId="{7D4A7BEA-0826-4D7F-9B13-830276B86077}" srcOrd="0" destOrd="0" parTransId="{80A8E8CD-E500-4265-9EBD-08F5903454F8}" sibTransId="{652FD5D0-86D7-4337-9B75-D2CD6C870809}"/>
-    <dgm:cxn modelId="{18D20495-54B2-41BA-B806-37002FB53632}" type="presOf" srcId="{69705CEA-F570-453E-89C2-BF794F678958}" destId="{BC230F88-AF16-401E-847A-5EB6F35167B5}" srcOrd="0" destOrd="0" presId="urn:microsoft.com/office/officeart/2008/layout/HorizontalMultiLevelHierarchy"/>
-    <dgm:cxn modelId="{1A56D051-FCD1-4ACE-B517-CA53D4CD293A}" type="presOf" srcId="{C6E5B58F-10F1-4A0F-B24B-83ABFC7283E8}" destId="{350094D2-7DCD-4D6D-BF3C-22BADCB8186A}" srcOrd="1" destOrd="0" presId="urn:microsoft.com/office/officeart/2008/layout/HorizontalMultiLevelHierarchy"/>
-    <dgm:cxn modelId="{D6CC8C56-3DAD-4CE5-BB65-51B263CD22D9}" type="presOf" srcId="{80A8E8CD-E500-4265-9EBD-08F5903454F8}" destId="{A8088930-A153-477E-9029-C095C3D50AF4}" srcOrd="0" destOrd="0" presId="urn:microsoft.com/office/officeart/2008/layout/HorizontalMultiLevelHierarchy"/>
-    <dgm:cxn modelId="{CC33FE3A-2675-4C05-AC2C-C262B46663BD}" type="presOf" srcId="{08C55BA2-31D6-43CA-BE8B-18095A33123C}" destId="{E44A7F6B-CDD6-46D7-8C6D-31E128DCFA9B}" srcOrd="0" destOrd="0" presId="urn:microsoft.com/office/officeart/2008/layout/HorizontalMultiLevelHierarchy"/>
-    <dgm:cxn modelId="{A67FD952-7E3E-42C2-B9AC-9786F65D1584}" srcId="{08C55BA2-31D6-43CA-BE8B-18095A33123C}" destId="{4A1CE773-3E85-4B37-BA18-CB28DF37705F}" srcOrd="0" destOrd="0" parTransId="{C970C188-F04F-415C-B685-2C4E7AFB148E}" sibTransId="{1EF5A848-6056-46B2-8C3B-F197EDA52614}"/>
-    <dgm:cxn modelId="{CC6C77C6-FE6E-49D4-86B7-B41D722DE6FD}" srcId="{D24B9365-C298-4D09-9B43-19F1F42CB936}" destId="{31A7FA4E-1377-4668-AA4A-F847E0BA75F9}" srcOrd="1" destOrd="0" parTransId="{BCECA982-1209-40D3-90B9-DB39233875A5}" sibTransId="{84D3DBC8-A14D-46AC-9625-01BC5680C226}"/>
-    <dgm:cxn modelId="{1BF0094A-FEFC-422B-B205-AFF45445190D}" type="presOf" srcId="{63FF3E21-F438-42A5-8D7B-E965B1D3812A}" destId="{9539C340-DD91-4CCB-9617-C26D5EA57291}" srcOrd="1" destOrd="0" presId="urn:microsoft.com/office/officeart/2008/layout/HorizontalMultiLevelHierarchy"/>
-    <dgm:cxn modelId="{68BEAA0F-F727-404F-A1C3-B6A93BF7DE79}" type="presOf" srcId="{B3A3E97E-B1F5-4285-B3CC-626A9AFB88AF}" destId="{962A20E9-4E8A-4469-B9A9-712648A37A7E}" srcOrd="1" destOrd="0" presId="urn:microsoft.com/office/officeart/2008/layout/HorizontalMultiLevelHierarchy"/>
-    <dgm:cxn modelId="{0E9DAE43-BD16-4A14-9821-2524BC241F48}" srcId="{CE13128E-9149-4B70-91DE-630C4ABBFE00}" destId="{08C55BA2-31D6-43CA-BE8B-18095A33123C}" srcOrd="1" destOrd="0" parTransId="{6DB745CF-1A78-406B-8408-ECE8759E9FA1}" sibTransId="{E3EE3127-9860-436D-80DB-2AE4EBD12F9F}"/>
-    <dgm:cxn modelId="{B353EAEA-C1EF-497E-AD8A-EEFA8A1765D1}" type="presOf" srcId="{305D8F76-DE5C-477C-9DE0-661AB94732FF}" destId="{2DB62359-910D-4F81-A286-8DE2D01AD00D}" srcOrd="1" destOrd="0" presId="urn:microsoft.com/office/officeart/2008/layout/HorizontalMultiLevelHierarchy"/>
     <dgm:cxn modelId="{E85A5082-869E-40EA-9C36-EDCB529A800C}" type="presParOf" srcId="{48EA20E2-9F73-4378-9103-C6F25598EA7F}" destId="{86C845A6-4E5D-48FE-9B1B-66F63DBF6920}" srcOrd="0" destOrd="0" presId="urn:microsoft.com/office/officeart/2008/layout/HorizontalMultiLevelHierarchy"/>
     <dgm:cxn modelId="{40337B89-9F14-49F4-B9A9-FB9EEE4ADA72}" type="presParOf" srcId="{86C845A6-4E5D-48FE-9B1B-66F63DBF6920}" destId="{85F62DE2-963F-4C4E-96AF-E89F91C81D5C}" srcOrd="0" destOrd="0" presId="urn:microsoft.com/office/officeart/2008/layout/HorizontalMultiLevelHierarchy"/>
     <dgm:cxn modelId="{22D98093-D67B-4619-B710-0A51376D5E73}" type="presParOf" srcId="{86C845A6-4E5D-48FE-9B1B-66F63DBF6920}" destId="{67D192E8-B60F-4363-ADBD-30FA0B008AD7}" srcOrd="1" destOrd="0" presId="urn:microsoft.com/office/officeart/2008/layout/HorizontalMultiLevelHierarchy"/>
@@ -16789,6 +16793,10 @@
               <a:spcPct val="35000"/>
             </a:spcAft>
           </a:pPr>
+          <a:r>
+            <a:rPr lang="pt-BR" sz="4000" kern="1200" dirty="0" smtClean="0"/>
+            <a:t>Configuração</a:t>
+          </a:r>
           <a:endParaRPr lang="pt-BR" sz="4000" kern="1200" dirty="0"/>
         </a:p>
       </dsp:txBody>
@@ -16951,7 +16959,7 @@
           </a:pPr>
           <a:r>
             <a:rPr lang="pt-BR" sz="4000" kern="1200" dirty="0" smtClean="0"/>
-            <a:t>Serviços</a:t>
+            <a:t>Webservices</a:t>
           </a:r>
           <a:endParaRPr lang="pt-BR" sz="4000" kern="1200" dirty="0"/>
         </a:p>
@@ -17037,7 +17045,7 @@
           </a:pPr>
           <a:r>
             <a:rPr lang="pt-BR" sz="2000" kern="1200" dirty="0" smtClean="0"/>
-            <a:t>Base terceiro</a:t>
+            <a:t>Bases terceiras</a:t>
           </a:r>
           <a:endParaRPr lang="pt-BR" sz="2000" kern="1200" dirty="0"/>
         </a:p>
@@ -40291,7 +40299,7 @@
           <a:p>
             <a:fld id="{3F5D9F91-5035-469D-968F-FE3C304D0282}" type="datetimeFigureOut">
               <a:rPr lang="pt-BR" smtClean="0"/>
-              <a:t>21/09/2018</a:t>
+              <a:t>10/10/2018</a:t>
             </a:fld>
             <a:endParaRPr lang="pt-BR"/>
           </a:p>
@@ -40835,7 +40843,7 @@
           <a:p>
             <a:fld id="{6170734A-4B5A-4F3B-B573-1E93A2DEC51B}" type="datetimeFigureOut">
               <a:rPr lang="pt-BR" smtClean="0"/>
-              <a:t>21/09/2018</a:t>
+              <a:t>10/10/2018</a:t>
             </a:fld>
             <a:endParaRPr lang="pt-BR"/>
           </a:p>
@@ -41000,7 +41008,7 @@
           <a:p>
             <a:fld id="{6170734A-4B5A-4F3B-B573-1E93A2DEC51B}" type="datetimeFigureOut">
               <a:rPr lang="pt-BR" smtClean="0"/>
-              <a:t>21/09/2018</a:t>
+              <a:t>10/10/2018</a:t>
             </a:fld>
             <a:endParaRPr lang="pt-BR"/>
           </a:p>
@@ -41175,7 +41183,7 @@
           <a:p>
             <a:fld id="{6170734A-4B5A-4F3B-B573-1E93A2DEC51B}" type="datetimeFigureOut">
               <a:rPr lang="pt-BR" smtClean="0"/>
-              <a:t>21/09/2018</a:t>
+              <a:t>10/10/2018</a:t>
             </a:fld>
             <a:endParaRPr lang="pt-BR"/>
           </a:p>
@@ -41358,7 +41366,7 @@
           <a:p>
             <a:fld id="{6170734A-4B5A-4F3B-B573-1E93A2DEC51B}" type="datetimeFigureOut">
               <a:rPr lang="pt-BR" smtClean="0"/>
-              <a:t>21/09/2018</a:t>
+              <a:t>10/10/2018</a:t>
             </a:fld>
             <a:endParaRPr lang="pt-BR"/>
           </a:p>
@@ -41620,7 +41628,7 @@
           <a:p>
             <a:fld id="{6170734A-4B5A-4F3B-B573-1E93A2DEC51B}" type="datetimeFigureOut">
               <a:rPr lang="pt-BR" smtClean="0"/>
-              <a:t>21/09/2018</a:t>
+              <a:t>10/10/2018</a:t>
             </a:fld>
             <a:endParaRPr lang="pt-BR"/>
           </a:p>
@@ -41968,7 +41976,7 @@
           <a:p>
             <a:fld id="{6170734A-4B5A-4F3B-B573-1E93A2DEC51B}" type="datetimeFigureOut">
               <a:rPr lang="pt-BR" smtClean="0"/>
-              <a:t>21/09/2018</a:t>
+              <a:t>10/10/2018</a:t>
             </a:fld>
             <a:endParaRPr lang="pt-BR"/>
           </a:p>
@@ -42276,7 +42284,7 @@
           <a:p>
             <a:fld id="{6170734A-4B5A-4F3B-B573-1E93A2DEC51B}" type="datetimeFigureOut">
               <a:rPr lang="pt-BR" smtClean="0"/>
-              <a:t>21/09/2018</a:t>
+              <a:t>10/10/2018</a:t>
             </a:fld>
             <a:endParaRPr lang="pt-BR"/>
           </a:p>
@@ -42503,7 +42511,7 @@
           <a:p>
             <a:fld id="{6170734A-4B5A-4F3B-B573-1E93A2DEC51B}" type="datetimeFigureOut">
               <a:rPr lang="pt-BR" smtClean="0"/>
-              <a:t>21/09/2018</a:t>
+              <a:t>10/10/2018</a:t>
             </a:fld>
             <a:endParaRPr lang="pt-BR"/>
           </a:p>
@@ -42593,7 +42601,7 @@
           <a:p>
             <a:fld id="{6170734A-4B5A-4F3B-B573-1E93A2DEC51B}" type="datetimeFigureOut">
               <a:rPr lang="pt-BR" smtClean="0"/>
-              <a:t>21/09/2018</a:t>
+              <a:t>10/10/2018</a:t>
             </a:fld>
             <a:endParaRPr lang="pt-BR"/>
           </a:p>
@@ -42881,7 +42889,7 @@
           <a:p>
             <a:fld id="{6170734A-4B5A-4F3B-B573-1E93A2DEC51B}" type="datetimeFigureOut">
               <a:rPr lang="pt-BR" smtClean="0"/>
-              <a:t>21/09/2018</a:t>
+              <a:t>10/10/2018</a:t>
             </a:fld>
             <a:endParaRPr lang="pt-BR"/>
           </a:p>
@@ -43150,7 +43158,7 @@
           <a:p>
             <a:fld id="{6170734A-4B5A-4F3B-B573-1E93A2DEC51B}" type="datetimeFigureOut">
               <a:rPr lang="pt-BR" smtClean="0"/>
-              <a:t>21/09/2018</a:t>
+              <a:t>10/10/2018</a:t>
             </a:fld>
             <a:endParaRPr lang="pt-BR"/>
           </a:p>
@@ -43360,7 +43368,7 @@
           <a:p>
             <a:fld id="{6170734A-4B5A-4F3B-B573-1E93A2DEC51B}" type="datetimeFigureOut">
               <a:rPr lang="pt-BR" smtClean="0"/>
-              <a:t>21/09/2018</a:t>
+              <a:t>10/10/2018</a:t>
             </a:fld>
             <a:endParaRPr lang="pt-BR"/>
           </a:p>
@@ -44732,6 +44740,40 @@
           </a:extLst>
         </p:spPr>
       </p:pic>
+      <p:sp>
+        <p:nvSpPr>
+          <p:cNvPr id="3" name="CaixaDeTexto 2"/>
+          <p:cNvSpPr txBox="1"/>
+          <p:nvPr/>
+        </p:nvSpPr>
+        <p:spPr>
+          <a:xfrm>
+            <a:off x="5875631" y="6237312"/>
+            <a:ext cx="2045753" cy="307777"/>
+          </a:xfrm>
+          <a:prstGeom prst="rect">
+            <a:avLst/>
+          </a:prstGeom>
+          <a:noFill/>
+        </p:spPr>
+        <p:txBody>
+          <a:bodyPr wrap="none" rtlCol="0">
+            <a:spAutoFit/>
+          </a:bodyPr>
+          <a:lstStyle/>
+          <a:p>
+            <a:r>
+              <a:rPr lang="pt-BR" sz="1400" dirty="0" smtClean="0">
+                <a:latin typeface="Palatino Linotype (Corpo)"/>
+              </a:rPr>
+              <a:t>Resolução da atividade</a:t>
+            </a:r>
+            <a:endParaRPr lang="pt-BR" sz="1400" dirty="0">
+              <a:latin typeface="Palatino Linotype (Corpo)"/>
+            </a:endParaRPr>
+          </a:p>
+        </p:txBody>
+      </p:sp>
     </p:spTree>
     <p:extLst>
       <p:ext uri="{BB962C8B-B14F-4D97-AF65-F5344CB8AC3E}">
@@ -45212,35 +45254,35 @@
                 <a:gridCol w="558501">
                   <a:extLst>
                     <a:ext uri="{9D8B030D-6E8A-4147-A177-3AD203B41FA5}">
-                      <a16:colId xmlns:a16="http://schemas.microsoft.com/office/drawing/2014/main" val="20000"/>
+                      <a16:colId xmlns:a16="http://schemas.microsoft.com/office/drawing/2014/main" xmlns="" val="20000"/>
                     </a:ext>
                   </a:extLst>
                 </a:gridCol>
                 <a:gridCol w="5238155">
                   <a:extLst>
                     <a:ext uri="{9D8B030D-6E8A-4147-A177-3AD203B41FA5}">
-                      <a16:colId xmlns:a16="http://schemas.microsoft.com/office/drawing/2014/main" val="20001"/>
+                      <a16:colId xmlns:a16="http://schemas.microsoft.com/office/drawing/2014/main" xmlns="" val="20001"/>
                     </a:ext>
                   </a:extLst>
                 </a:gridCol>
                 <a:gridCol w="703633">
                   <a:extLst>
                     <a:ext uri="{9D8B030D-6E8A-4147-A177-3AD203B41FA5}">
-                      <a16:colId xmlns:a16="http://schemas.microsoft.com/office/drawing/2014/main" val="20002"/>
+                      <a16:colId xmlns:a16="http://schemas.microsoft.com/office/drawing/2014/main" xmlns="" val="20002"/>
                     </a:ext>
                   </a:extLst>
                 </a:gridCol>
                 <a:gridCol w="1563628">
                   <a:extLst>
                     <a:ext uri="{9D8B030D-6E8A-4147-A177-3AD203B41FA5}">
-                      <a16:colId xmlns:a16="http://schemas.microsoft.com/office/drawing/2014/main" val="20003"/>
+                      <a16:colId xmlns:a16="http://schemas.microsoft.com/office/drawing/2014/main" xmlns="" val="20003"/>
                     </a:ext>
                   </a:extLst>
                 </a:gridCol>
                 <a:gridCol w="871226">
                   <a:extLst>
                     <a:ext uri="{9D8B030D-6E8A-4147-A177-3AD203B41FA5}">
-                      <a16:colId xmlns:a16="http://schemas.microsoft.com/office/drawing/2014/main" val="20004"/>
+                      <a16:colId xmlns:a16="http://schemas.microsoft.com/office/drawing/2014/main" xmlns="" val="20004"/>
                     </a:ext>
                   </a:extLst>
                 </a:gridCol>
@@ -45355,7 +45397,7 @@
                 </a:tc>
                 <a:extLst>
                   <a:ext uri="{0D108BD9-81ED-4DB2-BD59-A6C34878D82A}">
-                    <a16:rowId xmlns:a16="http://schemas.microsoft.com/office/drawing/2014/main" val="10000"/>
+                    <a16:rowId xmlns:a16="http://schemas.microsoft.com/office/drawing/2014/main" xmlns="" val="10000"/>
                   </a:ext>
                 </a:extLst>
               </a:tr>
@@ -45462,7 +45504,7 @@
                 </a:tc>
                 <a:extLst>
                   <a:ext uri="{0D108BD9-81ED-4DB2-BD59-A6C34878D82A}">
-                    <a16:rowId xmlns:a16="http://schemas.microsoft.com/office/drawing/2014/main" val="10001"/>
+                    <a16:rowId xmlns:a16="http://schemas.microsoft.com/office/drawing/2014/main" xmlns="" val="10001"/>
                   </a:ext>
                 </a:extLst>
               </a:tr>
@@ -45569,7 +45611,7 @@
                 </a:tc>
                 <a:extLst>
                   <a:ext uri="{0D108BD9-81ED-4DB2-BD59-A6C34878D82A}">
-                    <a16:rowId xmlns:a16="http://schemas.microsoft.com/office/drawing/2014/main" val="10002"/>
+                    <a16:rowId xmlns:a16="http://schemas.microsoft.com/office/drawing/2014/main" xmlns="" val="10002"/>
                   </a:ext>
                 </a:extLst>
               </a:tr>
@@ -45676,7 +45718,7 @@
                 </a:tc>
                 <a:extLst>
                   <a:ext uri="{0D108BD9-81ED-4DB2-BD59-A6C34878D82A}">
-                    <a16:rowId xmlns:a16="http://schemas.microsoft.com/office/drawing/2014/main" val="10003"/>
+                    <a16:rowId xmlns:a16="http://schemas.microsoft.com/office/drawing/2014/main" xmlns="" val="10003"/>
                   </a:ext>
                 </a:extLst>
               </a:tr>
@@ -45790,7 +45832,7 @@
                 </a:tc>
                 <a:extLst>
                   <a:ext uri="{0D108BD9-81ED-4DB2-BD59-A6C34878D82A}">
-                    <a16:rowId xmlns:a16="http://schemas.microsoft.com/office/drawing/2014/main" val="10004"/>
+                    <a16:rowId xmlns:a16="http://schemas.microsoft.com/office/drawing/2014/main" xmlns="" val="10004"/>
                   </a:ext>
                 </a:extLst>
               </a:tr>
@@ -45897,7 +45939,7 @@
                 </a:tc>
                 <a:extLst>
                   <a:ext uri="{0D108BD9-81ED-4DB2-BD59-A6C34878D82A}">
-                    <a16:rowId xmlns:a16="http://schemas.microsoft.com/office/drawing/2014/main" val="10005"/>
+                    <a16:rowId xmlns:a16="http://schemas.microsoft.com/office/drawing/2014/main" xmlns="" val="10005"/>
                   </a:ext>
                 </a:extLst>
               </a:tr>
@@ -46004,7 +46046,7 @@
                 </a:tc>
                 <a:extLst>
                   <a:ext uri="{0D108BD9-81ED-4DB2-BD59-A6C34878D82A}">
-                    <a16:rowId xmlns:a16="http://schemas.microsoft.com/office/drawing/2014/main" val="10006"/>
+                    <a16:rowId xmlns:a16="http://schemas.microsoft.com/office/drawing/2014/main" xmlns="" val="10006"/>
                   </a:ext>
                 </a:extLst>
               </a:tr>
@@ -46111,7 +46153,7 @@
                 </a:tc>
                 <a:extLst>
                   <a:ext uri="{0D108BD9-81ED-4DB2-BD59-A6C34878D82A}">
-                    <a16:rowId xmlns:a16="http://schemas.microsoft.com/office/drawing/2014/main" val="10007"/>
+                    <a16:rowId xmlns:a16="http://schemas.microsoft.com/office/drawing/2014/main" xmlns="" val="10007"/>
                   </a:ext>
                 </a:extLst>
               </a:tr>
@@ -46218,7 +46260,7 @@
                 </a:tc>
                 <a:extLst>
                   <a:ext uri="{0D108BD9-81ED-4DB2-BD59-A6C34878D82A}">
-                    <a16:rowId xmlns:a16="http://schemas.microsoft.com/office/drawing/2014/main" val="10008"/>
+                    <a16:rowId xmlns:a16="http://schemas.microsoft.com/office/drawing/2014/main" xmlns="" val="10008"/>
                   </a:ext>
                 </a:extLst>
               </a:tr>
@@ -46275,7 +46317,7 @@
                 </a:tc>
                 <a:extLst>
                   <a:ext uri="{0D108BD9-81ED-4DB2-BD59-A6C34878D82A}">
-                    <a16:rowId xmlns:a16="http://schemas.microsoft.com/office/drawing/2014/main" val="10009"/>
+                    <a16:rowId xmlns:a16="http://schemas.microsoft.com/office/drawing/2014/main" xmlns="" val="10009"/>
                   </a:ext>
                 </a:extLst>
               </a:tr>
@@ -46794,32 +46836,9 @@
           <a:lstStyle/>
           <a:p>
             <a:r>
-              <a:rPr lang="pt-BR" dirty="0" smtClean="0"/>
-              <a:t>`</a:t>
-            </a:r>
-            <a:r>
               <a:rPr lang="pt-BR" dirty="0" err="1" smtClean="0"/>
               <a:t>Trello</a:t>
             </a:r>
-            <a:endParaRPr lang="pt-BR" dirty="0"/>
-          </a:p>
-        </p:txBody>
-      </p:sp>
-      <p:sp>
-        <p:nvSpPr>
-          <p:cNvPr id="3" name="Espaço Reservado para Conteúdo 2"/>
-          <p:cNvSpPr>
-            <a:spLocks noGrp="1"/>
-          </p:cNvSpPr>
-          <p:nvPr>
-            <p:ph idx="1"/>
-          </p:nvPr>
-        </p:nvSpPr>
-        <p:spPr/>
-        <p:txBody>
-          <a:bodyPr/>
-          <a:lstStyle/>
-          <a:p>
             <a:endParaRPr lang="pt-BR" dirty="0"/>
           </a:p>
         </p:txBody>
@@ -46870,7 +46889,7 @@
       </p:pic>
       <p:pic>
         <p:nvPicPr>
-          <p:cNvPr id="1026" name="Picture 2"/>
+          <p:cNvPr id="5" name="Picture 2"/>
           <p:cNvPicPr>
             <a:picLocks noChangeAspect="1" noChangeArrowheads="1"/>
           </p:cNvPicPr>
@@ -46884,13 +46903,13 @@
               </a:ext>
             </a:extLst>
           </a:blip>
-          <a:srcRect l="788" t="11826" r="42849" b="8264"/>
+          <a:srcRect l="-138" t="18832" r="42803" b="8358"/>
           <a:stretch/>
         </p:blipFill>
         <p:spPr bwMode="auto">
           <a:xfrm>
-            <a:off x="123986" y="1379349"/>
-            <a:ext cx="8887393" cy="5331418"/>
+            <a:off x="156592" y="1556792"/>
+            <a:ext cx="8801428" cy="4824536"/>
           </a:xfrm>
           <a:prstGeom prst="rect">
             <a:avLst/>
@@ -47343,7 +47362,7 @@
             <p:ph idx="1"/>
             <p:extLst>
               <p:ext uri="{D42A27DB-BD31-4B8C-83A1-F6EECF244321}">
-                <p14:modId xmlns:p14="http://schemas.microsoft.com/office/powerpoint/2010/main" val="1040428288"/>
+                <p14:modId xmlns:p14="http://schemas.microsoft.com/office/powerpoint/2010/main" val="1693257145"/>
               </p:ext>
             </p:extLst>
           </p:nvPr>
@@ -48966,35 +48985,35 @@
                 <a:gridCol w="3111033">
                   <a:extLst>
                     <a:ext uri="{9D8B030D-6E8A-4147-A177-3AD203B41FA5}">
-                      <a16:colId xmlns:a16="http://schemas.microsoft.com/office/drawing/2014/main" val="20000"/>
+                      <a16:colId xmlns:a16="http://schemas.microsoft.com/office/drawing/2014/main" xmlns="" val="20000"/>
                     </a:ext>
                   </a:extLst>
                 </a:gridCol>
                 <a:gridCol w="993424">
                   <a:extLst>
                     <a:ext uri="{9D8B030D-6E8A-4147-A177-3AD203B41FA5}">
-                      <a16:colId xmlns:a16="http://schemas.microsoft.com/office/drawing/2014/main" val="20001"/>
+                      <a16:colId xmlns:a16="http://schemas.microsoft.com/office/drawing/2014/main" xmlns="" val="20001"/>
                     </a:ext>
                   </a:extLst>
                 </a:gridCol>
                 <a:gridCol w="1368152">
                   <a:extLst>
                     <a:ext uri="{9D8B030D-6E8A-4147-A177-3AD203B41FA5}">
-                      <a16:colId xmlns:a16="http://schemas.microsoft.com/office/drawing/2014/main" val="20002"/>
+                      <a16:colId xmlns:a16="http://schemas.microsoft.com/office/drawing/2014/main" xmlns="" val="20002"/>
                     </a:ext>
                   </a:extLst>
                 </a:gridCol>
                 <a:gridCol w="1512168">
                   <a:extLst>
                     <a:ext uri="{9D8B030D-6E8A-4147-A177-3AD203B41FA5}">
-                      <a16:colId xmlns:a16="http://schemas.microsoft.com/office/drawing/2014/main" val="20003"/>
+                      <a16:colId xmlns:a16="http://schemas.microsoft.com/office/drawing/2014/main" xmlns="" val="20003"/>
                     </a:ext>
                   </a:extLst>
                 </a:gridCol>
                 <a:gridCol w="1872207">
                   <a:extLst>
                     <a:ext uri="{9D8B030D-6E8A-4147-A177-3AD203B41FA5}">
-                      <a16:colId xmlns:a16="http://schemas.microsoft.com/office/drawing/2014/main" val="20004"/>
+                      <a16:colId xmlns:a16="http://schemas.microsoft.com/office/drawing/2014/main" xmlns="" val="20004"/>
                     </a:ext>
                   </a:extLst>
                 </a:gridCol>
@@ -49157,7 +49176,7 @@
                 </a:tc>
                 <a:extLst>
                   <a:ext uri="{0D108BD9-81ED-4DB2-BD59-A6C34878D82A}">
-                    <a16:rowId xmlns:a16="http://schemas.microsoft.com/office/drawing/2014/main" val="10000"/>
+                    <a16:rowId xmlns:a16="http://schemas.microsoft.com/office/drawing/2014/main" xmlns="" val="10000"/>
                   </a:ext>
                 </a:extLst>
               </a:tr>
@@ -49328,7 +49347,7 @@
                 </a:tc>
                 <a:extLst>
                   <a:ext uri="{0D108BD9-81ED-4DB2-BD59-A6C34878D82A}">
-                    <a16:rowId xmlns:a16="http://schemas.microsoft.com/office/drawing/2014/main" val="10001"/>
+                    <a16:rowId xmlns:a16="http://schemas.microsoft.com/office/drawing/2014/main" xmlns="" val="10001"/>
                   </a:ext>
                 </a:extLst>
               </a:tr>
@@ -49496,7 +49515,7 @@
                 </a:tc>
                 <a:extLst>
                   <a:ext uri="{0D108BD9-81ED-4DB2-BD59-A6C34878D82A}">
-                    <a16:rowId xmlns:a16="http://schemas.microsoft.com/office/drawing/2014/main" val="10002"/>
+                    <a16:rowId xmlns:a16="http://schemas.microsoft.com/office/drawing/2014/main" xmlns="" val="10002"/>
                   </a:ext>
                 </a:extLst>
               </a:tr>
@@ -49664,7 +49683,7 @@
                 </a:tc>
                 <a:extLst>
                   <a:ext uri="{0D108BD9-81ED-4DB2-BD59-A6C34878D82A}">
-                    <a16:rowId xmlns:a16="http://schemas.microsoft.com/office/drawing/2014/main" val="10003"/>
+                    <a16:rowId xmlns:a16="http://schemas.microsoft.com/office/drawing/2014/main" xmlns="" val="10003"/>
                   </a:ext>
                 </a:extLst>
               </a:tr>
@@ -49823,7 +49842,7 @@
                 </a:tc>
                 <a:extLst>
                   <a:ext uri="{0D108BD9-81ED-4DB2-BD59-A6C34878D82A}">
-                    <a16:rowId xmlns:a16="http://schemas.microsoft.com/office/drawing/2014/main" val="10004"/>
+                    <a16:rowId xmlns:a16="http://schemas.microsoft.com/office/drawing/2014/main" xmlns="" val="10004"/>
                   </a:ext>
                 </a:extLst>
               </a:tr>
@@ -49991,7 +50010,7 @@
                 </a:tc>
                 <a:extLst>
                   <a:ext uri="{0D108BD9-81ED-4DB2-BD59-A6C34878D82A}">
-                    <a16:rowId xmlns:a16="http://schemas.microsoft.com/office/drawing/2014/main" val="10005"/>
+                    <a16:rowId xmlns:a16="http://schemas.microsoft.com/office/drawing/2014/main" xmlns="" val="10005"/>
                   </a:ext>
                 </a:extLst>
               </a:tr>
@@ -50150,7 +50169,7 @@
                 </a:tc>
                 <a:extLst>
                   <a:ext uri="{0D108BD9-81ED-4DB2-BD59-A6C34878D82A}">
-                    <a16:rowId xmlns:a16="http://schemas.microsoft.com/office/drawing/2014/main" val="10006"/>
+                    <a16:rowId xmlns:a16="http://schemas.microsoft.com/office/drawing/2014/main" xmlns="" val="10006"/>
                   </a:ext>
                 </a:extLst>
               </a:tr>
@@ -50321,7 +50340,7 @@
                 </a:tc>
                 <a:extLst>
                   <a:ext uri="{0D108BD9-81ED-4DB2-BD59-A6C34878D82A}">
-                    <a16:rowId xmlns:a16="http://schemas.microsoft.com/office/drawing/2014/main" val="10007"/>
+                    <a16:rowId xmlns:a16="http://schemas.microsoft.com/office/drawing/2014/main" xmlns="" val="10007"/>
                   </a:ext>
                 </a:extLst>
               </a:tr>
@@ -50501,7 +50520,7 @@
                 </a:tc>
                 <a:extLst>
                   <a:ext uri="{0D108BD9-81ED-4DB2-BD59-A6C34878D82A}">
-                    <a16:rowId xmlns:a16="http://schemas.microsoft.com/office/drawing/2014/main" val="10008"/>
+                    <a16:rowId xmlns:a16="http://schemas.microsoft.com/office/drawing/2014/main" xmlns="" val="10008"/>
                   </a:ext>
                 </a:extLst>
               </a:tr>
@@ -50672,7 +50691,7 @@
                 </a:tc>
                 <a:extLst>
                   <a:ext uri="{0D108BD9-81ED-4DB2-BD59-A6C34878D82A}">
-                    <a16:rowId xmlns:a16="http://schemas.microsoft.com/office/drawing/2014/main" val="10009"/>
+                    <a16:rowId xmlns:a16="http://schemas.microsoft.com/office/drawing/2014/main" xmlns="" val="10009"/>
                   </a:ext>
                 </a:extLst>
               </a:tr>
